--- a/2조 멀티플렉스 영화관 관리 시스템 메뉴구조도.pptx
+++ b/2조 멀티플렉스 영화관 관리 시스템 메뉴구조도.pptx
@@ -2,12 +2,12 @@
 <file path=ppt/presentation.xml><?xml version="1.0" encoding="utf-8"?>
 <p:presentation xmlns:a="http://schemas.openxmlformats.org/drawingml/2006/main" xmlns:r="http://schemas.openxmlformats.org/officeDocument/2006/relationships" xmlns:p="http://schemas.openxmlformats.org/presentationml/2006/main" saveSubsetFonts="1">
   <p:sldMasterIdLst>
-    <p:sldMasterId id="2147483684" r:id="rId1"/>
+    <p:sldMasterId id="2147483744" r:id="rId1"/>
   </p:sldMasterIdLst>
   <p:sldIdLst>
     <p:sldId id="256" r:id="rId2"/>
   </p:sldIdLst>
-  <p:sldSz cx="14400213" cy="16200438"/>
+  <p:sldSz cx="51120675" cy="51120675"/>
   <p:notesSz cx="6858000" cy="9144000"/>
   <p:defaultTextStyle>
     <a:defPPr>
@@ -141,15 +141,15 @@
         </p:nvSpPr>
         <p:spPr>
           <a:xfrm>
-            <a:off x="1080016" y="2651323"/>
-            <a:ext cx="12240181" cy="5640152"/>
+            <a:off x="3834051" y="8366283"/>
+            <a:ext cx="43452574" cy="17797567"/>
           </a:xfrm>
         </p:spPr>
         <p:txBody>
           <a:bodyPr anchor="b"/>
           <a:lstStyle>
             <a:lvl1pPr algn="ctr">
-              <a:defRPr sz="9449"/>
+              <a:defRPr sz="33546"/>
             </a:lvl1pPr>
           </a:lstStyle>
           <a:p>
@@ -173,8 +173,8 @@
         </p:nvSpPr>
         <p:spPr>
           <a:xfrm>
-            <a:off x="1800027" y="8508981"/>
-            <a:ext cx="10800160" cy="3911355"/>
+            <a:off x="6390085" y="26850193"/>
+            <a:ext cx="38340506" cy="12342326"/>
           </a:xfrm>
         </p:spPr>
         <p:txBody>
@@ -182,39 +182,39 @@
           <a:lstStyle>
             <a:lvl1pPr marL="0" indent="0" algn="ctr">
               <a:buNone/>
-              <a:defRPr sz="3780"/>
+              <a:defRPr sz="13419"/>
             </a:lvl1pPr>
-            <a:lvl2pPr marL="719999" indent="0" algn="ctr">
+            <a:lvl2pPr marL="2556137" indent="0" algn="ctr">
               <a:buNone/>
-              <a:defRPr sz="3150"/>
+              <a:defRPr sz="11183"/>
             </a:lvl2pPr>
-            <a:lvl3pPr marL="1439997" indent="0" algn="ctr">
+            <a:lvl3pPr marL="5112273" indent="0" algn="ctr">
               <a:buNone/>
-              <a:defRPr sz="2835"/>
+              <a:defRPr sz="10062"/>
             </a:lvl3pPr>
-            <a:lvl4pPr marL="2159996" indent="0" algn="ctr">
+            <a:lvl4pPr marL="7668410" indent="0" algn="ctr">
               <a:buNone/>
-              <a:defRPr sz="2520"/>
+              <a:defRPr sz="8946"/>
             </a:lvl4pPr>
-            <a:lvl5pPr marL="2879994" indent="0" algn="ctr">
+            <a:lvl5pPr marL="10224547" indent="0" algn="ctr">
               <a:buNone/>
-              <a:defRPr sz="2520"/>
+              <a:defRPr sz="8946"/>
             </a:lvl5pPr>
-            <a:lvl6pPr marL="3599993" indent="0" algn="ctr">
+            <a:lvl6pPr marL="12780682" indent="0" algn="ctr">
               <a:buNone/>
-              <a:defRPr sz="2520"/>
+              <a:defRPr sz="8946"/>
             </a:lvl6pPr>
-            <a:lvl7pPr marL="4319991" indent="0" algn="ctr">
+            <a:lvl7pPr marL="15336818" indent="0" algn="ctr">
               <a:buNone/>
-              <a:defRPr sz="2520"/>
+              <a:defRPr sz="8946"/>
             </a:lvl7pPr>
-            <a:lvl8pPr marL="5039990" indent="0" algn="ctr">
+            <a:lvl8pPr marL="17892955" indent="0" algn="ctr">
               <a:buNone/>
-              <a:defRPr sz="2520"/>
+              <a:defRPr sz="8946"/>
             </a:lvl8pPr>
-            <a:lvl9pPr marL="5759988" indent="0" algn="ctr">
+            <a:lvl9pPr marL="20449092" indent="0" algn="ctr">
               <a:buNone/>
-              <a:defRPr sz="2520"/>
+              <a:defRPr sz="8946"/>
             </a:lvl9pPr>
           </a:lstStyle>
           <a:p>
@@ -243,7 +243,7 @@
           <a:p>
             <a:fld id="{8E10840F-E741-4E2E-8166-6116B33385D1}" type="datetimeFigureOut">
               <a:rPr lang="ko-KR" altLang="en-US" smtClean="0"/>
-              <a:t>2019-12-11</a:t>
+              <a:t>2019-12-16</a:t>
             </a:fld>
             <a:endParaRPr lang="ko-KR" altLang="en-US"/>
           </a:p>
@@ -294,7 +294,7 @@
     </p:spTree>
     <p:extLst>
       <p:ext uri="{BB962C8B-B14F-4D97-AF65-F5344CB8AC3E}">
-        <p14:creationId xmlns:p14="http://schemas.microsoft.com/office/powerpoint/2010/main" val="3095739126"/>
+        <p14:creationId xmlns:p14="http://schemas.microsoft.com/office/powerpoint/2010/main" val="4291672253"/>
       </p:ext>
     </p:extLst>
   </p:cSld>
@@ -413,7 +413,7 @@
           <a:p>
             <a:fld id="{8E10840F-E741-4E2E-8166-6116B33385D1}" type="datetimeFigureOut">
               <a:rPr lang="ko-KR" altLang="en-US" smtClean="0"/>
-              <a:t>2019-12-11</a:t>
+              <a:t>2019-12-16</a:t>
             </a:fld>
             <a:endParaRPr lang="ko-KR" altLang="en-US"/>
           </a:p>
@@ -464,7 +464,7 @@
     </p:spTree>
     <p:extLst>
       <p:ext uri="{BB962C8B-B14F-4D97-AF65-F5344CB8AC3E}">
-        <p14:creationId xmlns:p14="http://schemas.microsoft.com/office/powerpoint/2010/main" val="2325634974"/>
+        <p14:creationId xmlns:p14="http://schemas.microsoft.com/office/powerpoint/2010/main" val="3970802400"/>
       </p:ext>
     </p:extLst>
   </p:cSld>
@@ -503,8 +503,8 @@
         </p:nvSpPr>
         <p:spPr>
           <a:xfrm>
-            <a:off x="10305153" y="862524"/>
-            <a:ext cx="3105046" cy="13729122"/>
+            <a:off x="36583236" y="2721704"/>
+            <a:ext cx="11022896" cy="43322409"/>
           </a:xfrm>
         </p:spPr>
         <p:txBody>
@@ -531,8 +531,8 @@
         </p:nvSpPr>
         <p:spPr>
           <a:xfrm>
-            <a:off x="990015" y="862524"/>
-            <a:ext cx="9135135" cy="13729122"/>
+            <a:off x="3514549" y="2721704"/>
+            <a:ext cx="32429678" cy="43322409"/>
           </a:xfrm>
         </p:spPr>
         <p:txBody>
@@ -593,7 +593,7 @@
           <a:p>
             <a:fld id="{8E10840F-E741-4E2E-8166-6116B33385D1}" type="datetimeFigureOut">
               <a:rPr lang="ko-KR" altLang="en-US" smtClean="0"/>
-              <a:t>2019-12-11</a:t>
+              <a:t>2019-12-16</a:t>
             </a:fld>
             <a:endParaRPr lang="ko-KR" altLang="en-US"/>
           </a:p>
@@ -644,7 +644,7 @@
     </p:spTree>
     <p:extLst>
       <p:ext uri="{BB962C8B-B14F-4D97-AF65-F5344CB8AC3E}">
-        <p14:creationId xmlns:p14="http://schemas.microsoft.com/office/powerpoint/2010/main" val="292953024"/>
+        <p14:creationId xmlns:p14="http://schemas.microsoft.com/office/powerpoint/2010/main" val="1736088719"/>
       </p:ext>
     </p:extLst>
   </p:cSld>
@@ -763,7 +763,7 @@
           <a:p>
             <a:fld id="{8E10840F-E741-4E2E-8166-6116B33385D1}" type="datetimeFigureOut">
               <a:rPr lang="ko-KR" altLang="en-US" smtClean="0"/>
-              <a:t>2019-12-11</a:t>
+              <a:t>2019-12-16</a:t>
             </a:fld>
             <a:endParaRPr lang="ko-KR" altLang="en-US"/>
           </a:p>
@@ -814,7 +814,7 @@
     </p:spTree>
     <p:extLst>
       <p:ext uri="{BB962C8B-B14F-4D97-AF65-F5344CB8AC3E}">
-        <p14:creationId xmlns:p14="http://schemas.microsoft.com/office/powerpoint/2010/main" val="210471927"/>
+        <p14:creationId xmlns:p14="http://schemas.microsoft.com/office/powerpoint/2010/main" val="1944459585"/>
       </p:ext>
     </p:extLst>
   </p:cSld>
@@ -853,15 +853,15 @@
         </p:nvSpPr>
         <p:spPr>
           <a:xfrm>
-            <a:off x="982515" y="4038864"/>
-            <a:ext cx="12420184" cy="6738931"/>
+            <a:off x="3487924" y="12744685"/>
+            <a:ext cx="44091582" cy="21264778"/>
           </a:xfrm>
         </p:spPr>
         <p:txBody>
           <a:bodyPr anchor="b"/>
           <a:lstStyle>
             <a:lvl1pPr>
-              <a:defRPr sz="9449"/>
+              <a:defRPr sz="33546"/>
             </a:lvl1pPr>
           </a:lstStyle>
           <a:p>
@@ -885,8 +885,8 @@
         </p:nvSpPr>
         <p:spPr>
           <a:xfrm>
-            <a:off x="982515" y="10841548"/>
-            <a:ext cx="12420184" cy="3543845"/>
+            <a:off x="3487924" y="34210636"/>
+            <a:ext cx="44091582" cy="11182644"/>
           </a:xfrm>
         </p:spPr>
         <p:txBody>
@@ -894,15 +894,15 @@
           <a:lstStyle>
             <a:lvl1pPr marL="0" indent="0">
               <a:buNone/>
-              <a:defRPr sz="3780">
+              <a:defRPr sz="13419">
                 <a:solidFill>
                   <a:schemeClr val="tx1"/>
                 </a:solidFill>
               </a:defRPr>
             </a:lvl1pPr>
-            <a:lvl2pPr marL="719999" indent="0">
+            <a:lvl2pPr marL="2556137" indent="0">
               <a:buNone/>
-              <a:defRPr sz="3150">
+              <a:defRPr sz="11183">
                 <a:solidFill>
                   <a:schemeClr val="tx1">
                     <a:tint val="75000"/>
@@ -910,9 +910,9 @@
                 </a:solidFill>
               </a:defRPr>
             </a:lvl2pPr>
-            <a:lvl3pPr marL="1439997" indent="0">
+            <a:lvl3pPr marL="5112273" indent="0">
               <a:buNone/>
-              <a:defRPr sz="2835">
+              <a:defRPr sz="10062">
                 <a:solidFill>
                   <a:schemeClr val="tx1">
                     <a:tint val="75000"/>
@@ -920,9 +920,9 @@
                 </a:solidFill>
               </a:defRPr>
             </a:lvl3pPr>
-            <a:lvl4pPr marL="2159996" indent="0">
+            <a:lvl4pPr marL="7668410" indent="0">
               <a:buNone/>
-              <a:defRPr sz="2520">
+              <a:defRPr sz="8946">
                 <a:solidFill>
                   <a:schemeClr val="tx1">
                     <a:tint val="75000"/>
@@ -930,9 +930,9 @@
                 </a:solidFill>
               </a:defRPr>
             </a:lvl4pPr>
-            <a:lvl5pPr marL="2879994" indent="0">
+            <a:lvl5pPr marL="10224547" indent="0">
               <a:buNone/>
-              <a:defRPr sz="2520">
+              <a:defRPr sz="8946">
                 <a:solidFill>
                   <a:schemeClr val="tx1">
                     <a:tint val="75000"/>
@@ -940,9 +940,9 @@
                 </a:solidFill>
               </a:defRPr>
             </a:lvl5pPr>
-            <a:lvl6pPr marL="3599993" indent="0">
+            <a:lvl6pPr marL="12780682" indent="0">
               <a:buNone/>
-              <a:defRPr sz="2520">
+              <a:defRPr sz="8946">
                 <a:solidFill>
                   <a:schemeClr val="tx1">
                     <a:tint val="75000"/>
@@ -950,9 +950,9 @@
                 </a:solidFill>
               </a:defRPr>
             </a:lvl6pPr>
-            <a:lvl7pPr marL="4319991" indent="0">
+            <a:lvl7pPr marL="15336818" indent="0">
               <a:buNone/>
-              <a:defRPr sz="2520">
+              <a:defRPr sz="8946">
                 <a:solidFill>
                   <a:schemeClr val="tx1">
                     <a:tint val="75000"/>
@@ -960,9 +960,9 @@
                 </a:solidFill>
               </a:defRPr>
             </a:lvl7pPr>
-            <a:lvl8pPr marL="5039990" indent="0">
+            <a:lvl8pPr marL="17892955" indent="0">
               <a:buNone/>
-              <a:defRPr sz="2520">
+              <a:defRPr sz="8946">
                 <a:solidFill>
                   <a:schemeClr val="tx1">
                     <a:tint val="75000"/>
@@ -970,9 +970,9 @@
                 </a:solidFill>
               </a:defRPr>
             </a:lvl8pPr>
-            <a:lvl9pPr marL="5759988" indent="0">
+            <a:lvl9pPr marL="20449092" indent="0">
               <a:buNone/>
-              <a:defRPr sz="2520">
+              <a:defRPr sz="8946">
                 <a:solidFill>
                   <a:schemeClr val="tx1">
                     <a:tint val="75000"/>
@@ -1007,7 +1007,7 @@
           <a:p>
             <a:fld id="{8E10840F-E741-4E2E-8166-6116B33385D1}" type="datetimeFigureOut">
               <a:rPr lang="ko-KR" altLang="en-US" smtClean="0"/>
-              <a:t>2019-12-11</a:t>
+              <a:t>2019-12-16</a:t>
             </a:fld>
             <a:endParaRPr lang="ko-KR" altLang="en-US"/>
           </a:p>
@@ -1058,7 +1058,7 @@
     </p:spTree>
     <p:extLst>
       <p:ext uri="{BB962C8B-B14F-4D97-AF65-F5344CB8AC3E}">
-        <p14:creationId xmlns:p14="http://schemas.microsoft.com/office/powerpoint/2010/main" val="1491335666"/>
+        <p14:creationId xmlns:p14="http://schemas.microsoft.com/office/powerpoint/2010/main" val="3353376604"/>
       </p:ext>
     </p:extLst>
   </p:cSld>
@@ -1120,8 +1120,8 @@
         </p:nvSpPr>
         <p:spPr>
           <a:xfrm>
-            <a:off x="990014" y="4312617"/>
-            <a:ext cx="6120091" cy="10279029"/>
+            <a:off x="3514550" y="13608514"/>
+            <a:ext cx="21726287" cy="32435599"/>
           </a:xfrm>
         </p:spPr>
         <p:txBody>
@@ -1177,8 +1177,8 @@
         </p:nvSpPr>
         <p:spPr>
           <a:xfrm>
-            <a:off x="7290108" y="4312617"/>
-            <a:ext cx="6120091" cy="10279029"/>
+            <a:off x="25879846" y="13608514"/>
+            <a:ext cx="21726287" cy="32435599"/>
           </a:xfrm>
         </p:spPr>
         <p:txBody>
@@ -1239,7 +1239,7 @@
           <a:p>
             <a:fld id="{8E10840F-E741-4E2E-8166-6116B33385D1}" type="datetimeFigureOut">
               <a:rPr lang="ko-KR" altLang="en-US" smtClean="0"/>
-              <a:t>2019-12-11</a:t>
+              <a:t>2019-12-16</a:t>
             </a:fld>
             <a:endParaRPr lang="ko-KR" altLang="en-US"/>
           </a:p>
@@ -1290,7 +1290,7 @@
     </p:spTree>
     <p:extLst>
       <p:ext uri="{BB962C8B-B14F-4D97-AF65-F5344CB8AC3E}">
-        <p14:creationId xmlns:p14="http://schemas.microsoft.com/office/powerpoint/2010/main" val="2383043881"/>
+        <p14:creationId xmlns:p14="http://schemas.microsoft.com/office/powerpoint/2010/main" val="1677718932"/>
       </p:ext>
     </p:extLst>
   </p:cSld>
@@ -1329,8 +1329,8 @@
         </p:nvSpPr>
         <p:spPr>
           <a:xfrm>
-            <a:off x="991890" y="862527"/>
-            <a:ext cx="12420184" cy="3131336"/>
+            <a:off x="3521205" y="2721714"/>
+            <a:ext cx="44091582" cy="9880968"/>
           </a:xfrm>
         </p:spPr>
         <p:txBody>
@@ -1357,8 +1357,8 @@
         </p:nvSpPr>
         <p:spPr>
           <a:xfrm>
-            <a:off x="991892" y="3971359"/>
-            <a:ext cx="6091964" cy="1946301"/>
+            <a:off x="3521211" y="12531672"/>
+            <a:ext cx="21626438" cy="6141577"/>
           </a:xfrm>
         </p:spPr>
         <p:txBody>
@@ -1366,39 +1366,39 @@
           <a:lstStyle>
             <a:lvl1pPr marL="0" indent="0">
               <a:buNone/>
-              <a:defRPr sz="3780" b="1"/>
+              <a:defRPr sz="13419" b="1"/>
             </a:lvl1pPr>
-            <a:lvl2pPr marL="719999" indent="0">
+            <a:lvl2pPr marL="2556137" indent="0">
               <a:buNone/>
-              <a:defRPr sz="3150" b="1"/>
+              <a:defRPr sz="11183" b="1"/>
             </a:lvl2pPr>
-            <a:lvl3pPr marL="1439997" indent="0">
+            <a:lvl3pPr marL="5112273" indent="0">
               <a:buNone/>
-              <a:defRPr sz="2835" b="1"/>
+              <a:defRPr sz="10062" b="1"/>
             </a:lvl3pPr>
-            <a:lvl4pPr marL="2159996" indent="0">
+            <a:lvl4pPr marL="7668410" indent="0">
               <a:buNone/>
-              <a:defRPr sz="2520" b="1"/>
+              <a:defRPr sz="8946" b="1"/>
             </a:lvl4pPr>
-            <a:lvl5pPr marL="2879994" indent="0">
+            <a:lvl5pPr marL="10224547" indent="0">
               <a:buNone/>
-              <a:defRPr sz="2520" b="1"/>
+              <a:defRPr sz="8946" b="1"/>
             </a:lvl5pPr>
-            <a:lvl6pPr marL="3599993" indent="0">
+            <a:lvl6pPr marL="12780682" indent="0">
               <a:buNone/>
-              <a:defRPr sz="2520" b="1"/>
+              <a:defRPr sz="8946" b="1"/>
             </a:lvl6pPr>
-            <a:lvl7pPr marL="4319991" indent="0">
+            <a:lvl7pPr marL="15336818" indent="0">
               <a:buNone/>
-              <a:defRPr sz="2520" b="1"/>
+              <a:defRPr sz="8946" b="1"/>
             </a:lvl7pPr>
-            <a:lvl8pPr marL="5039990" indent="0">
+            <a:lvl8pPr marL="17892955" indent="0">
               <a:buNone/>
-              <a:defRPr sz="2520" b="1"/>
+              <a:defRPr sz="8946" b="1"/>
             </a:lvl8pPr>
-            <a:lvl9pPr marL="5759988" indent="0">
+            <a:lvl9pPr marL="20449092" indent="0">
               <a:buNone/>
-              <a:defRPr sz="2520" b="1"/>
+              <a:defRPr sz="8946" b="1"/>
             </a:lvl9pPr>
           </a:lstStyle>
           <a:p>
@@ -1422,8 +1422,8 @@
         </p:nvSpPr>
         <p:spPr>
           <a:xfrm>
-            <a:off x="991892" y="5917660"/>
-            <a:ext cx="6091964" cy="8703987"/>
+            <a:off x="3521211" y="18673249"/>
+            <a:ext cx="21626438" cy="27465532"/>
           </a:xfrm>
         </p:spPr>
         <p:txBody>
@@ -1479,8 +1479,8 @@
         </p:nvSpPr>
         <p:spPr>
           <a:xfrm>
-            <a:off x="7290109" y="3971359"/>
-            <a:ext cx="6121966" cy="1946301"/>
+            <a:off x="25879849" y="12531672"/>
+            <a:ext cx="21732945" cy="6141577"/>
           </a:xfrm>
         </p:spPr>
         <p:txBody>
@@ -1488,39 +1488,39 @@
           <a:lstStyle>
             <a:lvl1pPr marL="0" indent="0">
               <a:buNone/>
-              <a:defRPr sz="3780" b="1"/>
+              <a:defRPr sz="13419" b="1"/>
             </a:lvl1pPr>
-            <a:lvl2pPr marL="719999" indent="0">
+            <a:lvl2pPr marL="2556137" indent="0">
               <a:buNone/>
-              <a:defRPr sz="3150" b="1"/>
+              <a:defRPr sz="11183" b="1"/>
             </a:lvl2pPr>
-            <a:lvl3pPr marL="1439997" indent="0">
+            <a:lvl3pPr marL="5112273" indent="0">
               <a:buNone/>
-              <a:defRPr sz="2835" b="1"/>
+              <a:defRPr sz="10062" b="1"/>
             </a:lvl3pPr>
-            <a:lvl4pPr marL="2159996" indent="0">
+            <a:lvl4pPr marL="7668410" indent="0">
               <a:buNone/>
-              <a:defRPr sz="2520" b="1"/>
+              <a:defRPr sz="8946" b="1"/>
             </a:lvl4pPr>
-            <a:lvl5pPr marL="2879994" indent="0">
+            <a:lvl5pPr marL="10224547" indent="0">
               <a:buNone/>
-              <a:defRPr sz="2520" b="1"/>
+              <a:defRPr sz="8946" b="1"/>
             </a:lvl5pPr>
-            <a:lvl6pPr marL="3599993" indent="0">
+            <a:lvl6pPr marL="12780682" indent="0">
               <a:buNone/>
-              <a:defRPr sz="2520" b="1"/>
+              <a:defRPr sz="8946" b="1"/>
             </a:lvl6pPr>
-            <a:lvl7pPr marL="4319991" indent="0">
+            <a:lvl7pPr marL="15336818" indent="0">
               <a:buNone/>
-              <a:defRPr sz="2520" b="1"/>
+              <a:defRPr sz="8946" b="1"/>
             </a:lvl7pPr>
-            <a:lvl8pPr marL="5039990" indent="0">
+            <a:lvl8pPr marL="17892955" indent="0">
               <a:buNone/>
-              <a:defRPr sz="2520" b="1"/>
+              <a:defRPr sz="8946" b="1"/>
             </a:lvl8pPr>
-            <a:lvl9pPr marL="5759988" indent="0">
+            <a:lvl9pPr marL="20449092" indent="0">
               <a:buNone/>
-              <a:defRPr sz="2520" b="1"/>
+              <a:defRPr sz="8946" b="1"/>
             </a:lvl9pPr>
           </a:lstStyle>
           <a:p>
@@ -1544,8 +1544,8 @@
         </p:nvSpPr>
         <p:spPr>
           <a:xfrm>
-            <a:off x="7290109" y="5917660"/>
-            <a:ext cx="6121966" cy="8703987"/>
+            <a:off x="25879849" y="18673249"/>
+            <a:ext cx="21732945" cy="27465532"/>
           </a:xfrm>
         </p:spPr>
         <p:txBody>
@@ -1606,7 +1606,7 @@
           <a:p>
             <a:fld id="{8E10840F-E741-4E2E-8166-6116B33385D1}" type="datetimeFigureOut">
               <a:rPr lang="ko-KR" altLang="en-US" smtClean="0"/>
-              <a:t>2019-12-11</a:t>
+              <a:t>2019-12-16</a:t>
             </a:fld>
             <a:endParaRPr lang="ko-KR" altLang="en-US"/>
           </a:p>
@@ -1657,7 +1657,7 @@
     </p:spTree>
     <p:extLst>
       <p:ext uri="{BB962C8B-B14F-4D97-AF65-F5344CB8AC3E}">
-        <p14:creationId xmlns:p14="http://schemas.microsoft.com/office/powerpoint/2010/main" val="2949051352"/>
+        <p14:creationId xmlns:p14="http://schemas.microsoft.com/office/powerpoint/2010/main" val="1980785642"/>
       </p:ext>
     </p:extLst>
   </p:cSld>
@@ -1724,7 +1724,7 @@
           <a:p>
             <a:fld id="{8E10840F-E741-4E2E-8166-6116B33385D1}" type="datetimeFigureOut">
               <a:rPr lang="ko-KR" altLang="en-US" smtClean="0"/>
-              <a:t>2019-12-11</a:t>
+              <a:t>2019-12-16</a:t>
             </a:fld>
             <a:endParaRPr lang="ko-KR" altLang="en-US"/>
           </a:p>
@@ -1775,7 +1775,7 @@
     </p:spTree>
     <p:extLst>
       <p:ext uri="{BB962C8B-B14F-4D97-AF65-F5344CB8AC3E}">
-        <p14:creationId xmlns:p14="http://schemas.microsoft.com/office/powerpoint/2010/main" val="655579784"/>
+        <p14:creationId xmlns:p14="http://schemas.microsoft.com/office/powerpoint/2010/main" val="1913840716"/>
       </p:ext>
     </p:extLst>
   </p:cSld>
@@ -1819,7 +1819,7 @@
           <a:p>
             <a:fld id="{8E10840F-E741-4E2E-8166-6116B33385D1}" type="datetimeFigureOut">
               <a:rPr lang="ko-KR" altLang="en-US" smtClean="0"/>
-              <a:t>2019-12-11</a:t>
+              <a:t>2019-12-16</a:t>
             </a:fld>
             <a:endParaRPr lang="ko-KR" altLang="en-US"/>
           </a:p>
@@ -1870,7 +1870,7 @@
     </p:spTree>
     <p:extLst>
       <p:ext uri="{BB962C8B-B14F-4D97-AF65-F5344CB8AC3E}">
-        <p14:creationId xmlns:p14="http://schemas.microsoft.com/office/powerpoint/2010/main" val="1755141349"/>
+        <p14:creationId xmlns:p14="http://schemas.microsoft.com/office/powerpoint/2010/main" val="3187047221"/>
       </p:ext>
     </p:extLst>
   </p:cSld>
@@ -1909,15 +1909,15 @@
         </p:nvSpPr>
         <p:spPr>
           <a:xfrm>
-            <a:off x="991890" y="1080029"/>
-            <a:ext cx="4644444" cy="3780102"/>
+            <a:off x="3521205" y="3408047"/>
+            <a:ext cx="16487748" cy="11928157"/>
           </a:xfrm>
         </p:spPr>
         <p:txBody>
           <a:bodyPr anchor="b"/>
           <a:lstStyle>
             <a:lvl1pPr>
-              <a:defRPr sz="5039"/>
+              <a:defRPr sz="17892"/>
             </a:lvl1pPr>
           </a:lstStyle>
           <a:p>
@@ -1941,39 +1941,39 @@
         </p:nvSpPr>
         <p:spPr>
           <a:xfrm>
-            <a:off x="6121966" y="2332567"/>
-            <a:ext cx="7290108" cy="11512811"/>
+            <a:off x="21732945" y="7360442"/>
+            <a:ext cx="25879842" cy="36328814"/>
           </a:xfrm>
         </p:spPr>
         <p:txBody>
           <a:bodyPr/>
           <a:lstStyle>
             <a:lvl1pPr>
-              <a:defRPr sz="5039"/>
+              <a:defRPr sz="17892"/>
             </a:lvl1pPr>
             <a:lvl2pPr>
-              <a:defRPr sz="4409"/>
+              <a:defRPr sz="15656"/>
             </a:lvl2pPr>
             <a:lvl3pPr>
-              <a:defRPr sz="3780"/>
+              <a:defRPr sz="13419"/>
             </a:lvl3pPr>
             <a:lvl4pPr>
-              <a:defRPr sz="3150"/>
+              <a:defRPr sz="11183"/>
             </a:lvl4pPr>
             <a:lvl5pPr>
-              <a:defRPr sz="3150"/>
+              <a:defRPr sz="11183"/>
             </a:lvl5pPr>
             <a:lvl6pPr>
-              <a:defRPr sz="3150"/>
+              <a:defRPr sz="11183"/>
             </a:lvl6pPr>
             <a:lvl7pPr>
-              <a:defRPr sz="3150"/>
+              <a:defRPr sz="11183"/>
             </a:lvl7pPr>
             <a:lvl8pPr>
-              <a:defRPr sz="3150"/>
+              <a:defRPr sz="11183"/>
             </a:lvl8pPr>
             <a:lvl9pPr>
-              <a:defRPr sz="3150"/>
+              <a:defRPr sz="11183"/>
             </a:lvl9pPr>
           </a:lstStyle>
           <a:p>
@@ -2026,8 +2026,8 @@
         </p:nvSpPr>
         <p:spPr>
           <a:xfrm>
-            <a:off x="991890" y="4860131"/>
-            <a:ext cx="4644444" cy="9003995"/>
+            <a:off x="3521205" y="15336206"/>
+            <a:ext cx="16487748" cy="28412212"/>
           </a:xfrm>
         </p:spPr>
         <p:txBody>
@@ -2035,39 +2035,39 @@
           <a:lstStyle>
             <a:lvl1pPr marL="0" indent="0">
               <a:buNone/>
-              <a:defRPr sz="2520"/>
+              <a:defRPr sz="8946"/>
             </a:lvl1pPr>
-            <a:lvl2pPr marL="719999" indent="0">
+            <a:lvl2pPr marL="2556137" indent="0">
               <a:buNone/>
-              <a:defRPr sz="2205"/>
+              <a:defRPr sz="7828"/>
             </a:lvl2pPr>
-            <a:lvl3pPr marL="1439997" indent="0">
+            <a:lvl3pPr marL="5112273" indent="0">
               <a:buNone/>
-              <a:defRPr sz="1890"/>
+              <a:defRPr sz="6710"/>
             </a:lvl3pPr>
-            <a:lvl4pPr marL="2159996" indent="0">
+            <a:lvl4pPr marL="7668410" indent="0">
               <a:buNone/>
-              <a:defRPr sz="1575"/>
+              <a:defRPr sz="5593"/>
             </a:lvl4pPr>
-            <a:lvl5pPr marL="2879994" indent="0">
+            <a:lvl5pPr marL="10224547" indent="0">
               <a:buNone/>
-              <a:defRPr sz="1575"/>
+              <a:defRPr sz="5593"/>
             </a:lvl5pPr>
-            <a:lvl6pPr marL="3599993" indent="0">
+            <a:lvl6pPr marL="12780682" indent="0">
               <a:buNone/>
-              <a:defRPr sz="1575"/>
+              <a:defRPr sz="5593"/>
             </a:lvl6pPr>
-            <a:lvl7pPr marL="4319991" indent="0">
+            <a:lvl7pPr marL="15336818" indent="0">
               <a:buNone/>
-              <a:defRPr sz="1575"/>
+              <a:defRPr sz="5593"/>
             </a:lvl7pPr>
-            <a:lvl8pPr marL="5039990" indent="0">
+            <a:lvl8pPr marL="17892955" indent="0">
               <a:buNone/>
-              <a:defRPr sz="1575"/>
+              <a:defRPr sz="5593"/>
             </a:lvl8pPr>
-            <a:lvl9pPr marL="5759988" indent="0">
+            <a:lvl9pPr marL="20449092" indent="0">
               <a:buNone/>
-              <a:defRPr sz="1575"/>
+              <a:defRPr sz="5593"/>
             </a:lvl9pPr>
           </a:lstStyle>
           <a:p>
@@ -2096,7 +2096,7 @@
           <a:p>
             <a:fld id="{8E10840F-E741-4E2E-8166-6116B33385D1}" type="datetimeFigureOut">
               <a:rPr lang="ko-KR" altLang="en-US" smtClean="0"/>
-              <a:t>2019-12-11</a:t>
+              <a:t>2019-12-16</a:t>
             </a:fld>
             <a:endParaRPr lang="ko-KR" altLang="en-US"/>
           </a:p>
@@ -2147,7 +2147,7 @@
     </p:spTree>
     <p:extLst>
       <p:ext uri="{BB962C8B-B14F-4D97-AF65-F5344CB8AC3E}">
-        <p14:creationId xmlns:p14="http://schemas.microsoft.com/office/powerpoint/2010/main" val="1492015736"/>
+        <p14:creationId xmlns:p14="http://schemas.microsoft.com/office/powerpoint/2010/main" val="4107150434"/>
       </p:ext>
     </p:extLst>
   </p:cSld>
@@ -2186,15 +2186,15 @@
         </p:nvSpPr>
         <p:spPr>
           <a:xfrm>
-            <a:off x="991890" y="1080029"/>
-            <a:ext cx="4644444" cy="3780102"/>
+            <a:off x="3521205" y="3408047"/>
+            <a:ext cx="16487748" cy="11928157"/>
           </a:xfrm>
         </p:spPr>
         <p:txBody>
           <a:bodyPr anchor="b"/>
           <a:lstStyle>
             <a:lvl1pPr>
-              <a:defRPr sz="5039"/>
+              <a:defRPr sz="17892"/>
             </a:lvl1pPr>
           </a:lstStyle>
           <a:p>
@@ -2218,8 +2218,8 @@
         </p:nvSpPr>
         <p:spPr>
           <a:xfrm>
-            <a:off x="6121966" y="2332567"/>
-            <a:ext cx="7290108" cy="11512811"/>
+            <a:off x="21732945" y="7360442"/>
+            <a:ext cx="25879842" cy="36328814"/>
           </a:xfrm>
         </p:spPr>
         <p:txBody>
@@ -2227,39 +2227,39 @@
           <a:lstStyle>
             <a:lvl1pPr marL="0" indent="0">
               <a:buNone/>
-              <a:defRPr sz="5039"/>
+              <a:defRPr sz="17892"/>
             </a:lvl1pPr>
-            <a:lvl2pPr marL="719999" indent="0">
+            <a:lvl2pPr marL="2556137" indent="0">
               <a:buNone/>
-              <a:defRPr sz="4409"/>
+              <a:defRPr sz="15656"/>
             </a:lvl2pPr>
-            <a:lvl3pPr marL="1439997" indent="0">
+            <a:lvl3pPr marL="5112273" indent="0">
               <a:buNone/>
-              <a:defRPr sz="3780"/>
+              <a:defRPr sz="13419"/>
             </a:lvl3pPr>
-            <a:lvl4pPr marL="2159996" indent="0">
+            <a:lvl4pPr marL="7668410" indent="0">
               <a:buNone/>
-              <a:defRPr sz="3150"/>
+              <a:defRPr sz="11183"/>
             </a:lvl4pPr>
-            <a:lvl5pPr marL="2879994" indent="0">
+            <a:lvl5pPr marL="10224547" indent="0">
               <a:buNone/>
-              <a:defRPr sz="3150"/>
+              <a:defRPr sz="11183"/>
             </a:lvl5pPr>
-            <a:lvl6pPr marL="3599993" indent="0">
+            <a:lvl6pPr marL="12780682" indent="0">
               <a:buNone/>
-              <a:defRPr sz="3150"/>
+              <a:defRPr sz="11183"/>
             </a:lvl6pPr>
-            <a:lvl7pPr marL="4319991" indent="0">
+            <a:lvl7pPr marL="15336818" indent="0">
               <a:buNone/>
-              <a:defRPr sz="3150"/>
+              <a:defRPr sz="11183"/>
             </a:lvl7pPr>
-            <a:lvl8pPr marL="5039990" indent="0">
+            <a:lvl8pPr marL="17892955" indent="0">
               <a:buNone/>
-              <a:defRPr sz="3150"/>
+              <a:defRPr sz="11183"/>
             </a:lvl8pPr>
-            <a:lvl9pPr marL="5759988" indent="0">
+            <a:lvl9pPr marL="20449092" indent="0">
               <a:buNone/>
-              <a:defRPr sz="3150"/>
+              <a:defRPr sz="11183"/>
             </a:lvl9pPr>
           </a:lstStyle>
           <a:p>
@@ -2283,8 +2283,8 @@
         </p:nvSpPr>
         <p:spPr>
           <a:xfrm>
-            <a:off x="991890" y="4860131"/>
-            <a:ext cx="4644444" cy="9003995"/>
+            <a:off x="3521205" y="15336206"/>
+            <a:ext cx="16487748" cy="28412212"/>
           </a:xfrm>
         </p:spPr>
         <p:txBody>
@@ -2292,39 +2292,39 @@
           <a:lstStyle>
             <a:lvl1pPr marL="0" indent="0">
               <a:buNone/>
-              <a:defRPr sz="2520"/>
+              <a:defRPr sz="8946"/>
             </a:lvl1pPr>
-            <a:lvl2pPr marL="719999" indent="0">
+            <a:lvl2pPr marL="2556137" indent="0">
               <a:buNone/>
-              <a:defRPr sz="2205"/>
+              <a:defRPr sz="7828"/>
             </a:lvl2pPr>
-            <a:lvl3pPr marL="1439997" indent="0">
+            <a:lvl3pPr marL="5112273" indent="0">
               <a:buNone/>
-              <a:defRPr sz="1890"/>
+              <a:defRPr sz="6710"/>
             </a:lvl3pPr>
-            <a:lvl4pPr marL="2159996" indent="0">
+            <a:lvl4pPr marL="7668410" indent="0">
               <a:buNone/>
-              <a:defRPr sz="1575"/>
+              <a:defRPr sz="5593"/>
             </a:lvl4pPr>
-            <a:lvl5pPr marL="2879994" indent="0">
+            <a:lvl5pPr marL="10224547" indent="0">
               <a:buNone/>
-              <a:defRPr sz="1575"/>
+              <a:defRPr sz="5593"/>
             </a:lvl5pPr>
-            <a:lvl6pPr marL="3599993" indent="0">
+            <a:lvl6pPr marL="12780682" indent="0">
               <a:buNone/>
-              <a:defRPr sz="1575"/>
+              <a:defRPr sz="5593"/>
             </a:lvl6pPr>
-            <a:lvl7pPr marL="4319991" indent="0">
+            <a:lvl7pPr marL="15336818" indent="0">
               <a:buNone/>
-              <a:defRPr sz="1575"/>
+              <a:defRPr sz="5593"/>
             </a:lvl7pPr>
-            <a:lvl8pPr marL="5039990" indent="0">
+            <a:lvl8pPr marL="17892955" indent="0">
               <a:buNone/>
-              <a:defRPr sz="1575"/>
+              <a:defRPr sz="5593"/>
             </a:lvl8pPr>
-            <a:lvl9pPr marL="5759988" indent="0">
+            <a:lvl9pPr marL="20449092" indent="0">
               <a:buNone/>
-              <a:defRPr sz="1575"/>
+              <a:defRPr sz="5593"/>
             </a:lvl9pPr>
           </a:lstStyle>
           <a:p>
@@ -2353,7 +2353,7 @@
           <a:p>
             <a:fld id="{8E10840F-E741-4E2E-8166-6116B33385D1}" type="datetimeFigureOut">
               <a:rPr lang="ko-KR" altLang="en-US" smtClean="0"/>
-              <a:t>2019-12-11</a:t>
+              <a:t>2019-12-16</a:t>
             </a:fld>
             <a:endParaRPr lang="ko-KR" altLang="en-US"/>
           </a:p>
@@ -2404,7 +2404,7 @@
     </p:spTree>
     <p:extLst>
       <p:ext uri="{BB962C8B-B14F-4D97-AF65-F5344CB8AC3E}">
-        <p14:creationId xmlns:p14="http://schemas.microsoft.com/office/powerpoint/2010/main" val="2904034182"/>
+        <p14:creationId xmlns:p14="http://schemas.microsoft.com/office/powerpoint/2010/main" val="4118684459"/>
       </p:ext>
     </p:extLst>
   </p:cSld>
@@ -2448,8 +2448,8 @@
         </p:nvSpPr>
         <p:spPr>
           <a:xfrm>
-            <a:off x="990015" y="862527"/>
-            <a:ext cx="12420184" cy="3131336"/>
+            <a:off x="3514547" y="2721714"/>
+            <a:ext cx="44091582" cy="9880968"/>
           </a:xfrm>
           <a:prstGeom prst="rect">
             <a:avLst/>
@@ -2481,8 +2481,8 @@
         </p:nvSpPr>
         <p:spPr>
           <a:xfrm>
-            <a:off x="990015" y="4312617"/>
-            <a:ext cx="12420184" cy="10279029"/>
+            <a:off x="3514547" y="13608514"/>
+            <a:ext cx="44091582" cy="32435599"/>
           </a:xfrm>
           <a:prstGeom prst="rect">
             <a:avLst/>
@@ -2543,8 +2543,8 @@
         </p:nvSpPr>
         <p:spPr>
           <a:xfrm>
-            <a:off x="990015" y="15015410"/>
-            <a:ext cx="3240048" cy="862523"/>
+            <a:off x="3514546" y="47381304"/>
+            <a:ext cx="11502152" cy="2721703"/>
           </a:xfrm>
           <a:prstGeom prst="rect">
             <a:avLst/>
@@ -2554,7 +2554,7 @@
           <a:bodyPr vert="horz" lIns="91440" tIns="45720" rIns="91440" bIns="45720" rtlCol="0" anchor="ctr"/>
           <a:lstStyle>
             <a:lvl1pPr algn="l">
-              <a:defRPr sz="1890">
+              <a:defRPr sz="6710">
                 <a:solidFill>
                   <a:schemeClr val="tx1">
                     <a:tint val="75000"/>
@@ -2566,7 +2566,7 @@
           <a:p>
             <a:fld id="{8E10840F-E741-4E2E-8166-6116B33385D1}" type="datetimeFigureOut">
               <a:rPr lang="ko-KR" altLang="en-US" smtClean="0"/>
-              <a:t>2019-12-11</a:t>
+              <a:t>2019-12-16</a:t>
             </a:fld>
             <a:endParaRPr lang="ko-KR" altLang="en-US"/>
           </a:p>
@@ -2584,8 +2584,8 @@
         </p:nvSpPr>
         <p:spPr>
           <a:xfrm>
-            <a:off x="4770071" y="15015410"/>
-            <a:ext cx="4860072" cy="862523"/>
+            <a:off x="16933724" y="47381304"/>
+            <a:ext cx="17253228" cy="2721703"/>
           </a:xfrm>
           <a:prstGeom prst="rect">
             <a:avLst/>
@@ -2595,7 +2595,7 @@
           <a:bodyPr vert="horz" lIns="91440" tIns="45720" rIns="91440" bIns="45720" rtlCol="0" anchor="ctr"/>
           <a:lstStyle>
             <a:lvl1pPr algn="ctr">
-              <a:defRPr sz="1890">
+              <a:defRPr sz="6710">
                 <a:solidFill>
                   <a:schemeClr val="tx1">
                     <a:tint val="75000"/>
@@ -2621,8 +2621,8 @@
         </p:nvSpPr>
         <p:spPr>
           <a:xfrm>
-            <a:off x="10170150" y="15015410"/>
-            <a:ext cx="3240048" cy="862523"/>
+            <a:off x="36103977" y="47381304"/>
+            <a:ext cx="11502152" cy="2721703"/>
           </a:xfrm>
           <a:prstGeom prst="rect">
             <a:avLst/>
@@ -2632,7 +2632,7 @@
           <a:bodyPr vert="horz" lIns="91440" tIns="45720" rIns="91440" bIns="45720" rtlCol="0" anchor="ctr"/>
           <a:lstStyle>
             <a:lvl1pPr algn="r">
-              <a:defRPr sz="1890">
+              <a:defRPr sz="6710">
                 <a:solidFill>
                   <a:schemeClr val="tx1">
                     <a:tint val="75000"/>
@@ -2653,27 +2653,27 @@
     </p:spTree>
     <p:extLst>
       <p:ext uri="{BB962C8B-B14F-4D97-AF65-F5344CB8AC3E}">
-        <p14:creationId xmlns:p14="http://schemas.microsoft.com/office/powerpoint/2010/main" val="936810932"/>
+        <p14:creationId xmlns:p14="http://schemas.microsoft.com/office/powerpoint/2010/main" val="4126912163"/>
       </p:ext>
     </p:extLst>
   </p:cSld>
   <p:clrMap bg1="lt1" tx1="dk1" bg2="lt2" tx2="dk2" accent1="accent1" accent2="accent2" accent3="accent3" accent4="accent4" accent5="accent5" accent6="accent6" hlink="hlink" folHlink="folHlink"/>
   <p:sldLayoutIdLst>
-    <p:sldLayoutId id="2147483685" r:id="rId1"/>
-    <p:sldLayoutId id="2147483686" r:id="rId2"/>
-    <p:sldLayoutId id="2147483687" r:id="rId3"/>
-    <p:sldLayoutId id="2147483688" r:id="rId4"/>
-    <p:sldLayoutId id="2147483689" r:id="rId5"/>
-    <p:sldLayoutId id="2147483690" r:id="rId6"/>
-    <p:sldLayoutId id="2147483691" r:id="rId7"/>
-    <p:sldLayoutId id="2147483692" r:id="rId8"/>
-    <p:sldLayoutId id="2147483693" r:id="rId9"/>
-    <p:sldLayoutId id="2147483694" r:id="rId10"/>
-    <p:sldLayoutId id="2147483695" r:id="rId11"/>
+    <p:sldLayoutId id="2147483745" r:id="rId1"/>
+    <p:sldLayoutId id="2147483746" r:id="rId2"/>
+    <p:sldLayoutId id="2147483747" r:id="rId3"/>
+    <p:sldLayoutId id="2147483748" r:id="rId4"/>
+    <p:sldLayoutId id="2147483749" r:id="rId5"/>
+    <p:sldLayoutId id="2147483750" r:id="rId6"/>
+    <p:sldLayoutId id="2147483751" r:id="rId7"/>
+    <p:sldLayoutId id="2147483752" r:id="rId8"/>
+    <p:sldLayoutId id="2147483753" r:id="rId9"/>
+    <p:sldLayoutId id="2147483754" r:id="rId10"/>
+    <p:sldLayoutId id="2147483755" r:id="rId11"/>
   </p:sldLayoutIdLst>
   <p:txStyles>
     <p:titleStyle>
-      <a:lvl1pPr algn="l" defTabSz="1439997" rtl="0" eaLnBrk="1" latinLnBrk="1" hangingPunct="1">
+      <a:lvl1pPr algn="l" defTabSz="5112273" rtl="0" eaLnBrk="1" latinLnBrk="1" hangingPunct="1">
         <a:lnSpc>
           <a:spcPct val="90000"/>
         </a:lnSpc>
@@ -2681,7 +2681,7 @@
           <a:spcPct val="0"/>
         </a:spcBef>
         <a:buNone/>
-        <a:defRPr sz="6929" kern="1200">
+        <a:defRPr sz="24600" kern="1200">
           <a:solidFill>
             <a:schemeClr val="tx1"/>
           </a:solidFill>
@@ -2692,16 +2692,16 @@
       </a:lvl1pPr>
     </p:titleStyle>
     <p:bodyStyle>
-      <a:lvl1pPr marL="359999" indent="-359999" algn="l" defTabSz="1439997" rtl="0" eaLnBrk="1" latinLnBrk="1" hangingPunct="1">
+      <a:lvl1pPr marL="1278067" indent="-1278067" algn="l" defTabSz="5112273" rtl="0" eaLnBrk="1" latinLnBrk="1" hangingPunct="1">
         <a:lnSpc>
           <a:spcPct val="90000"/>
         </a:lnSpc>
         <a:spcBef>
-          <a:spcPts val="1575"/>
+          <a:spcPts val="5593"/>
         </a:spcBef>
         <a:buFont typeface="Arial" panose="020B0604020202020204" pitchFamily="34" charset="0"/>
         <a:buChar char="•"/>
-        <a:defRPr sz="4409" kern="1200">
+        <a:defRPr sz="15656" kern="1200">
           <a:solidFill>
             <a:schemeClr val="tx1"/>
           </a:solidFill>
@@ -2710,16 +2710,16 @@
           <a:cs typeface="+mn-cs"/>
         </a:defRPr>
       </a:lvl1pPr>
-      <a:lvl2pPr marL="1079998" indent="-359999" algn="l" defTabSz="1439997" rtl="0" eaLnBrk="1" latinLnBrk="1" hangingPunct="1">
+      <a:lvl2pPr marL="3834204" indent="-1278067" algn="l" defTabSz="5112273" rtl="0" eaLnBrk="1" latinLnBrk="1" hangingPunct="1">
         <a:lnSpc>
           <a:spcPct val="90000"/>
         </a:lnSpc>
         <a:spcBef>
-          <a:spcPts val="787"/>
+          <a:spcPts val="2794"/>
         </a:spcBef>
         <a:buFont typeface="Arial" panose="020B0604020202020204" pitchFamily="34" charset="0"/>
         <a:buChar char="•"/>
-        <a:defRPr sz="3780" kern="1200">
+        <a:defRPr sz="13419" kern="1200">
           <a:solidFill>
             <a:schemeClr val="tx1"/>
           </a:solidFill>
@@ -2728,16 +2728,16 @@
           <a:cs typeface="+mn-cs"/>
         </a:defRPr>
       </a:lvl2pPr>
-      <a:lvl3pPr marL="1799996" indent="-359999" algn="l" defTabSz="1439997" rtl="0" eaLnBrk="1" latinLnBrk="1" hangingPunct="1">
+      <a:lvl3pPr marL="6390341" indent="-1278067" algn="l" defTabSz="5112273" rtl="0" eaLnBrk="1" latinLnBrk="1" hangingPunct="1">
         <a:lnSpc>
           <a:spcPct val="90000"/>
         </a:lnSpc>
         <a:spcBef>
-          <a:spcPts val="787"/>
+          <a:spcPts val="2794"/>
         </a:spcBef>
         <a:buFont typeface="Arial" panose="020B0604020202020204" pitchFamily="34" charset="0"/>
         <a:buChar char="•"/>
-        <a:defRPr sz="3150" kern="1200">
+        <a:defRPr sz="11183" kern="1200">
           <a:solidFill>
             <a:schemeClr val="tx1"/>
           </a:solidFill>
@@ -2746,16 +2746,16 @@
           <a:cs typeface="+mn-cs"/>
         </a:defRPr>
       </a:lvl3pPr>
-      <a:lvl4pPr marL="2519995" indent="-359999" algn="l" defTabSz="1439997" rtl="0" eaLnBrk="1" latinLnBrk="1" hangingPunct="1">
+      <a:lvl4pPr marL="8946477" indent="-1278067" algn="l" defTabSz="5112273" rtl="0" eaLnBrk="1" latinLnBrk="1" hangingPunct="1">
         <a:lnSpc>
           <a:spcPct val="90000"/>
         </a:lnSpc>
         <a:spcBef>
-          <a:spcPts val="787"/>
+          <a:spcPts val="2794"/>
         </a:spcBef>
         <a:buFont typeface="Arial" panose="020B0604020202020204" pitchFamily="34" charset="0"/>
         <a:buChar char="•"/>
-        <a:defRPr sz="2835" kern="1200">
+        <a:defRPr sz="10062" kern="1200">
           <a:solidFill>
             <a:schemeClr val="tx1"/>
           </a:solidFill>
@@ -2764,16 +2764,16 @@
           <a:cs typeface="+mn-cs"/>
         </a:defRPr>
       </a:lvl4pPr>
-      <a:lvl5pPr marL="3239994" indent="-359999" algn="l" defTabSz="1439997" rtl="0" eaLnBrk="1" latinLnBrk="1" hangingPunct="1">
+      <a:lvl5pPr marL="11502614" indent="-1278067" algn="l" defTabSz="5112273" rtl="0" eaLnBrk="1" latinLnBrk="1" hangingPunct="1">
         <a:lnSpc>
           <a:spcPct val="90000"/>
         </a:lnSpc>
         <a:spcBef>
-          <a:spcPts val="787"/>
+          <a:spcPts val="2794"/>
         </a:spcBef>
         <a:buFont typeface="Arial" panose="020B0604020202020204" pitchFamily="34" charset="0"/>
         <a:buChar char="•"/>
-        <a:defRPr sz="2835" kern="1200">
+        <a:defRPr sz="10062" kern="1200">
           <a:solidFill>
             <a:schemeClr val="tx1"/>
           </a:solidFill>
@@ -2782,16 +2782,16 @@
           <a:cs typeface="+mn-cs"/>
         </a:defRPr>
       </a:lvl5pPr>
-      <a:lvl6pPr marL="3959992" indent="-359999" algn="l" defTabSz="1439997" rtl="0" eaLnBrk="1" latinLnBrk="1" hangingPunct="1">
+      <a:lvl6pPr marL="14058751" indent="-1278067" algn="l" defTabSz="5112273" rtl="0" eaLnBrk="1" latinLnBrk="1" hangingPunct="1">
         <a:lnSpc>
           <a:spcPct val="90000"/>
         </a:lnSpc>
         <a:spcBef>
-          <a:spcPts val="787"/>
+          <a:spcPts val="2794"/>
         </a:spcBef>
         <a:buFont typeface="Arial" panose="020B0604020202020204" pitchFamily="34" charset="0"/>
         <a:buChar char="•"/>
-        <a:defRPr sz="2835" kern="1200">
+        <a:defRPr sz="10062" kern="1200">
           <a:solidFill>
             <a:schemeClr val="tx1"/>
           </a:solidFill>
@@ -2800,16 +2800,16 @@
           <a:cs typeface="+mn-cs"/>
         </a:defRPr>
       </a:lvl6pPr>
-      <a:lvl7pPr marL="4679991" indent="-359999" algn="l" defTabSz="1439997" rtl="0" eaLnBrk="1" latinLnBrk="1" hangingPunct="1">
+      <a:lvl7pPr marL="16614886" indent="-1278067" algn="l" defTabSz="5112273" rtl="0" eaLnBrk="1" latinLnBrk="1" hangingPunct="1">
         <a:lnSpc>
           <a:spcPct val="90000"/>
         </a:lnSpc>
         <a:spcBef>
-          <a:spcPts val="787"/>
+          <a:spcPts val="2794"/>
         </a:spcBef>
         <a:buFont typeface="Arial" panose="020B0604020202020204" pitchFamily="34" charset="0"/>
         <a:buChar char="•"/>
-        <a:defRPr sz="2835" kern="1200">
+        <a:defRPr sz="10062" kern="1200">
           <a:solidFill>
             <a:schemeClr val="tx1"/>
           </a:solidFill>
@@ -2818,16 +2818,16 @@
           <a:cs typeface="+mn-cs"/>
         </a:defRPr>
       </a:lvl7pPr>
-      <a:lvl8pPr marL="5399989" indent="-359999" algn="l" defTabSz="1439997" rtl="0" eaLnBrk="1" latinLnBrk="1" hangingPunct="1">
+      <a:lvl8pPr marL="19171022" indent="-1278067" algn="l" defTabSz="5112273" rtl="0" eaLnBrk="1" latinLnBrk="1" hangingPunct="1">
         <a:lnSpc>
           <a:spcPct val="90000"/>
         </a:lnSpc>
         <a:spcBef>
-          <a:spcPts val="787"/>
+          <a:spcPts val="2794"/>
         </a:spcBef>
         <a:buFont typeface="Arial" panose="020B0604020202020204" pitchFamily="34" charset="0"/>
         <a:buChar char="•"/>
-        <a:defRPr sz="2835" kern="1200">
+        <a:defRPr sz="10062" kern="1200">
           <a:solidFill>
             <a:schemeClr val="tx1"/>
           </a:solidFill>
@@ -2836,16 +2836,16 @@
           <a:cs typeface="+mn-cs"/>
         </a:defRPr>
       </a:lvl8pPr>
-      <a:lvl9pPr marL="6119988" indent="-359999" algn="l" defTabSz="1439997" rtl="0" eaLnBrk="1" latinLnBrk="1" hangingPunct="1">
+      <a:lvl9pPr marL="21727159" indent="-1278067" algn="l" defTabSz="5112273" rtl="0" eaLnBrk="1" latinLnBrk="1" hangingPunct="1">
         <a:lnSpc>
           <a:spcPct val="90000"/>
         </a:lnSpc>
         <a:spcBef>
-          <a:spcPts val="787"/>
+          <a:spcPts val="2794"/>
         </a:spcBef>
         <a:buFont typeface="Arial" panose="020B0604020202020204" pitchFamily="34" charset="0"/>
         <a:buChar char="•"/>
-        <a:defRPr sz="2835" kern="1200">
+        <a:defRPr sz="10062" kern="1200">
           <a:solidFill>
             <a:schemeClr val="tx1"/>
           </a:solidFill>
@@ -2859,8 +2859,8 @@
       <a:defPPr>
         <a:defRPr lang="en-US"/>
       </a:defPPr>
-      <a:lvl1pPr marL="0" algn="l" defTabSz="1439997" rtl="0" eaLnBrk="1" latinLnBrk="1" hangingPunct="1">
-        <a:defRPr sz="2835" kern="1200">
+      <a:lvl1pPr marL="0" algn="l" defTabSz="5112273" rtl="0" eaLnBrk="1" latinLnBrk="1" hangingPunct="1">
+        <a:defRPr sz="10062" kern="1200">
           <a:solidFill>
             <a:schemeClr val="tx1"/>
           </a:solidFill>
@@ -2869,8 +2869,8 @@
           <a:cs typeface="+mn-cs"/>
         </a:defRPr>
       </a:lvl1pPr>
-      <a:lvl2pPr marL="719999" algn="l" defTabSz="1439997" rtl="0" eaLnBrk="1" latinLnBrk="1" hangingPunct="1">
-        <a:defRPr sz="2835" kern="1200">
+      <a:lvl2pPr marL="2556137" algn="l" defTabSz="5112273" rtl="0" eaLnBrk="1" latinLnBrk="1" hangingPunct="1">
+        <a:defRPr sz="10062" kern="1200">
           <a:solidFill>
             <a:schemeClr val="tx1"/>
           </a:solidFill>
@@ -2879,8 +2879,8 @@
           <a:cs typeface="+mn-cs"/>
         </a:defRPr>
       </a:lvl2pPr>
-      <a:lvl3pPr marL="1439997" algn="l" defTabSz="1439997" rtl="0" eaLnBrk="1" latinLnBrk="1" hangingPunct="1">
-        <a:defRPr sz="2835" kern="1200">
+      <a:lvl3pPr marL="5112273" algn="l" defTabSz="5112273" rtl="0" eaLnBrk="1" latinLnBrk="1" hangingPunct="1">
+        <a:defRPr sz="10062" kern="1200">
           <a:solidFill>
             <a:schemeClr val="tx1"/>
           </a:solidFill>
@@ -2889,8 +2889,8 @@
           <a:cs typeface="+mn-cs"/>
         </a:defRPr>
       </a:lvl3pPr>
-      <a:lvl4pPr marL="2159996" algn="l" defTabSz="1439997" rtl="0" eaLnBrk="1" latinLnBrk="1" hangingPunct="1">
-        <a:defRPr sz="2835" kern="1200">
+      <a:lvl4pPr marL="7668410" algn="l" defTabSz="5112273" rtl="0" eaLnBrk="1" latinLnBrk="1" hangingPunct="1">
+        <a:defRPr sz="10062" kern="1200">
           <a:solidFill>
             <a:schemeClr val="tx1"/>
           </a:solidFill>
@@ -2899,8 +2899,8 @@
           <a:cs typeface="+mn-cs"/>
         </a:defRPr>
       </a:lvl4pPr>
-      <a:lvl5pPr marL="2879994" algn="l" defTabSz="1439997" rtl="0" eaLnBrk="1" latinLnBrk="1" hangingPunct="1">
-        <a:defRPr sz="2835" kern="1200">
+      <a:lvl5pPr marL="10224547" algn="l" defTabSz="5112273" rtl="0" eaLnBrk="1" latinLnBrk="1" hangingPunct="1">
+        <a:defRPr sz="10062" kern="1200">
           <a:solidFill>
             <a:schemeClr val="tx1"/>
           </a:solidFill>
@@ -2909,8 +2909,8 @@
           <a:cs typeface="+mn-cs"/>
         </a:defRPr>
       </a:lvl5pPr>
-      <a:lvl6pPr marL="3599993" algn="l" defTabSz="1439997" rtl="0" eaLnBrk="1" latinLnBrk="1" hangingPunct="1">
-        <a:defRPr sz="2835" kern="1200">
+      <a:lvl6pPr marL="12780682" algn="l" defTabSz="5112273" rtl="0" eaLnBrk="1" latinLnBrk="1" hangingPunct="1">
+        <a:defRPr sz="10062" kern="1200">
           <a:solidFill>
             <a:schemeClr val="tx1"/>
           </a:solidFill>
@@ -2919,8 +2919,8 @@
           <a:cs typeface="+mn-cs"/>
         </a:defRPr>
       </a:lvl6pPr>
-      <a:lvl7pPr marL="4319991" algn="l" defTabSz="1439997" rtl="0" eaLnBrk="1" latinLnBrk="1" hangingPunct="1">
-        <a:defRPr sz="2835" kern="1200">
+      <a:lvl7pPr marL="15336818" algn="l" defTabSz="5112273" rtl="0" eaLnBrk="1" latinLnBrk="1" hangingPunct="1">
+        <a:defRPr sz="10062" kern="1200">
           <a:solidFill>
             <a:schemeClr val="tx1"/>
           </a:solidFill>
@@ -2929,8 +2929,8 @@
           <a:cs typeface="+mn-cs"/>
         </a:defRPr>
       </a:lvl7pPr>
-      <a:lvl8pPr marL="5039990" algn="l" defTabSz="1439997" rtl="0" eaLnBrk="1" latinLnBrk="1" hangingPunct="1">
-        <a:defRPr sz="2835" kern="1200">
+      <a:lvl8pPr marL="17892955" algn="l" defTabSz="5112273" rtl="0" eaLnBrk="1" latinLnBrk="1" hangingPunct="1">
+        <a:defRPr sz="10062" kern="1200">
           <a:solidFill>
             <a:schemeClr val="tx1"/>
           </a:solidFill>
@@ -2939,8 +2939,8 @@
           <a:cs typeface="+mn-cs"/>
         </a:defRPr>
       </a:lvl8pPr>
-      <a:lvl9pPr marL="5759988" algn="l" defTabSz="1439997" rtl="0" eaLnBrk="1" latinLnBrk="1" hangingPunct="1">
-        <a:defRPr sz="2835" kern="1200">
+      <a:lvl9pPr marL="20449092" algn="l" defTabSz="5112273" rtl="0" eaLnBrk="1" latinLnBrk="1" hangingPunct="1">
+        <a:defRPr sz="10062" kern="1200">
           <a:solidFill>
             <a:schemeClr val="tx1"/>
           </a:solidFill>
@@ -2985,8 +2985,8 @@
         </p:nvSpPr>
         <p:spPr>
           <a:xfrm>
-            <a:off x="6519199" y="749468"/>
-            <a:ext cx="1361813" cy="209725"/>
+            <a:off x="24403413" y="762455"/>
+            <a:ext cx="2723627" cy="419458"/>
           </a:xfrm>
           <a:prstGeom prst="rect">
             <a:avLst/>
@@ -3007,7 +3007,7 @@
           </a:fontRef>
         </p:style>
         <p:txBody>
-          <a:bodyPr rot="0" spcFirstLastPara="0" vertOverflow="overflow" horzOverflow="overflow" vert="horz" wrap="square" lIns="91440" tIns="45720" rIns="91440" bIns="45720" numCol="1" spcCol="0" rtlCol="0" fromWordArt="0" anchor="ctr" anchorCtr="0" forceAA="0" compatLnSpc="1">
+          <a:bodyPr rot="0" spcFirstLastPara="0" vertOverflow="overflow" horzOverflow="overflow" vert="horz" wrap="square" lIns="182869" tIns="91446" rIns="182869" bIns="91446" numCol="1" spcCol="0" rtlCol="0" fromWordArt="0" anchor="ctr" anchorCtr="0" forceAA="0" compatLnSpc="1">
             <a:prstTxWarp prst="textNoShape">
               <a:avLst/>
             </a:prstTxWarp>
@@ -3017,7 +3017,7 @@
           <a:p>
             <a:pPr algn="ctr"/>
             <a:r>
-              <a:rPr lang="ko-KR" altLang="en-US" sz="1000" b="1"/>
+              <a:rPr lang="ko-KR" altLang="en-US" sz="2000" b="1"/>
               <a:t>영화관 예약 시스템</a:t>
             </a:r>
           </a:p>
@@ -3025,10 +3025,10 @@
       </p:sp>
       <p:sp>
         <p:nvSpPr>
-          <p:cNvPr id="6" name="직사각형 5">
-            <a:extLst>
-              <a:ext uri="{FF2B5EF4-FFF2-40B4-BE49-F238E27FC236}">
-                <a16:creationId xmlns:a16="http://schemas.microsoft.com/office/drawing/2014/main" id="{AEA138B7-04BA-4FAA-8F29-A70077D119E7}"/>
+          <p:cNvPr id="114" name="직사각형 113">
+            <a:extLst>
+              <a:ext uri="{FF2B5EF4-FFF2-40B4-BE49-F238E27FC236}">
+                <a16:creationId xmlns:a16="http://schemas.microsoft.com/office/drawing/2014/main" id="{3FEFC95F-61E2-4F6F-BCB6-C33CC6E705B7}"/>
               </a:ext>
             </a:extLst>
           </p:cNvPr>
@@ -3037,8 +3037,8 @@
         </p:nvSpPr>
         <p:spPr>
           <a:xfrm>
-            <a:off x="9375851" y="1364961"/>
-            <a:ext cx="657138" cy="209725"/>
+            <a:off x="11272516" y="3035620"/>
+            <a:ext cx="1314275" cy="419458"/>
           </a:xfrm>
           <a:prstGeom prst="rect">
             <a:avLst/>
@@ -3059,7 +3059,7 @@
           </a:fontRef>
         </p:style>
         <p:txBody>
-          <a:bodyPr rot="0" spcFirstLastPara="0" vertOverflow="overflow" horzOverflow="overflow" vert="horz" wrap="square" lIns="91440" tIns="45720" rIns="91440" bIns="45720" numCol="1" spcCol="0" rtlCol="0" fromWordArt="0" anchor="ctr" anchorCtr="0" forceAA="0" compatLnSpc="1">
+          <a:bodyPr rot="0" spcFirstLastPara="0" vertOverflow="overflow" horzOverflow="overflow" vert="horz" wrap="square" lIns="182869" tIns="91446" rIns="182869" bIns="91446" numCol="1" spcCol="0" rtlCol="0" fromWordArt="0" anchor="ctr" anchorCtr="0" forceAA="0" compatLnSpc="1">
             <a:prstTxWarp prst="textNoShape">
               <a:avLst/>
             </a:prstTxWarp>
@@ -3069,72 +3069,32 @@
           <a:p>
             <a:pPr algn="ctr"/>
             <a:r>
-              <a:rPr lang="ko-KR" altLang="en-US" sz="1000" b="1"/>
-              <a:t>관리자</a:t>
+              <a:rPr lang="ko-KR" altLang="en-US" sz="2000" b="1"/>
+              <a:t>비회원</a:t>
             </a:r>
           </a:p>
         </p:txBody>
       </p:sp>
       <p:cxnSp>
         <p:nvCxnSpPr>
-          <p:cNvPr id="8" name="연결선: 꺾임 7">
-            <a:extLst>
-              <a:ext uri="{FF2B5EF4-FFF2-40B4-BE49-F238E27FC236}">
-                <a16:creationId xmlns:a16="http://schemas.microsoft.com/office/drawing/2014/main" id="{E9365CCA-EC4D-4DCC-9D55-2BB31C2E4A89}"/>
+          <p:cNvPr id="159" name="연결선: 꺾임 158">
+            <a:extLst>
+              <a:ext uri="{FF2B5EF4-FFF2-40B4-BE49-F238E27FC236}">
+                <a16:creationId xmlns:a16="http://schemas.microsoft.com/office/drawing/2014/main" id="{DEE78ACB-5C3A-45D3-8863-FD98B8315CE3}"/>
               </a:ext>
             </a:extLst>
           </p:cNvPr>
           <p:cNvCxnSpPr>
             <a:cxnSpLocks/>
-            <a:stCxn id="13" idx="0"/>
-            <a:endCxn id="4" idx="2"/>
+            <a:stCxn id="4" idx="2"/>
+            <a:endCxn id="114" idx="0"/>
           </p:cNvCxnSpPr>
           <p:nvPr/>
         </p:nvCxnSpPr>
         <p:spPr>
-          <a:xfrm rot="5400000" flipH="1" flipV="1">
-            <a:off x="5322692" y="-512452"/>
-            <a:ext cx="405768" cy="3349059"/>
-          </a:xfrm>
-          <a:prstGeom prst="bentConnector3">
-            <a:avLst/>
-          </a:prstGeom>
-        </p:spPr>
-        <p:style>
-          <a:lnRef idx="1">
-            <a:schemeClr val="dk1"/>
-          </a:lnRef>
-          <a:fillRef idx="0">
-            <a:schemeClr val="dk1"/>
-          </a:fillRef>
-          <a:effectRef idx="0">
-            <a:schemeClr val="dk1"/>
-          </a:effectRef>
-          <a:fontRef idx="minor">
-            <a:schemeClr val="tx1"/>
-          </a:fontRef>
-        </p:style>
-      </p:cxnSp>
-      <p:cxnSp>
-        <p:nvCxnSpPr>
-          <p:cNvPr id="9" name="연결선: 꺾임 8">
-            <a:extLst>
-              <a:ext uri="{FF2B5EF4-FFF2-40B4-BE49-F238E27FC236}">
-                <a16:creationId xmlns:a16="http://schemas.microsoft.com/office/drawing/2014/main" id="{E00031D1-2FB7-499E-A03B-EE0FEFDDBCCC}"/>
-              </a:ext>
-            </a:extLst>
-          </p:cNvPr>
-          <p:cNvCxnSpPr>
-            <a:cxnSpLocks/>
-            <a:stCxn id="6" idx="0"/>
-            <a:endCxn id="4" idx="2"/>
-          </p:cNvCxnSpPr>
-          <p:nvPr/>
-        </p:nvCxnSpPr>
-        <p:spPr>
-          <a:xfrm rot="16200000" flipV="1">
-            <a:off x="8249379" y="-90080"/>
-            <a:ext cx="405768" cy="2504314"/>
+          <a:xfrm rot="5400000">
+            <a:off x="17920560" y="-4809040"/>
+            <a:ext cx="1853710" cy="13835596"/>
           </a:xfrm>
           <a:prstGeom prst="bentConnector3">
             <a:avLst>
@@ -3159,10 +3119,10 @@
       </p:cxnSp>
       <p:sp>
         <p:nvSpPr>
-          <p:cNvPr id="13" name="직사각형 12">
-            <a:extLst>
-              <a:ext uri="{FF2B5EF4-FFF2-40B4-BE49-F238E27FC236}">
-                <a16:creationId xmlns:a16="http://schemas.microsoft.com/office/drawing/2014/main" id="{B106AB53-BA07-4D95-B284-A5C3ABDAFB17}"/>
+          <p:cNvPr id="165" name="직사각형 164">
+            <a:extLst>
+              <a:ext uri="{FF2B5EF4-FFF2-40B4-BE49-F238E27FC236}">
+                <a16:creationId xmlns:a16="http://schemas.microsoft.com/office/drawing/2014/main" id="{AEDEC305-0216-4189-B060-1CC8B093D06A}"/>
               </a:ext>
             </a:extLst>
           </p:cNvPr>
@@ -3171,8 +3131,8 @@
         </p:nvSpPr>
         <p:spPr>
           <a:xfrm>
-            <a:off x="3522478" y="1364961"/>
-            <a:ext cx="657138" cy="209725"/>
+            <a:off x="3372201" y="5048853"/>
+            <a:ext cx="1484457" cy="419458"/>
           </a:xfrm>
           <a:prstGeom prst="rect">
             <a:avLst/>
@@ -3193,7 +3153,7 @@
           </a:fontRef>
         </p:style>
         <p:txBody>
-          <a:bodyPr rot="0" spcFirstLastPara="0" vertOverflow="overflow" horzOverflow="overflow" vert="horz" wrap="square" lIns="91440" tIns="45720" rIns="91440" bIns="45720" numCol="1" spcCol="0" rtlCol="0" fromWordArt="0" anchor="ctr" anchorCtr="0" forceAA="0" compatLnSpc="1">
+          <a:bodyPr rot="0" spcFirstLastPara="0" vertOverflow="overflow" horzOverflow="overflow" vert="horz" wrap="square" lIns="182869" tIns="91446" rIns="182869" bIns="91446" numCol="1" spcCol="0" rtlCol="0" fromWordArt="0" anchor="ctr" anchorCtr="0" forceAA="0" compatLnSpc="1">
             <a:prstTxWarp prst="textNoShape">
               <a:avLst/>
             </a:prstTxWarp>
@@ -3203,18 +3163,60 @@
           <a:p>
             <a:pPr algn="ctr"/>
             <a:r>
-              <a:rPr lang="ko-KR" altLang="en-US" sz="1000" b="1"/>
-              <a:t>회원</a:t>
-            </a:r>
-          </a:p>
-        </p:txBody>
-      </p:sp>
-      <p:sp>
-        <p:nvSpPr>
-          <p:cNvPr id="18" name="직사각형 17">
-            <a:extLst>
-              <a:ext uri="{FF2B5EF4-FFF2-40B4-BE49-F238E27FC236}">
-                <a16:creationId xmlns:a16="http://schemas.microsoft.com/office/drawing/2014/main" id="{E25FF3A6-9C11-42C5-B00B-192FE5153416}"/>
+              <a:rPr lang="ko-KR" altLang="en-US" sz="2000" b="1"/>
+              <a:t>영화</a:t>
+            </a:r>
+          </a:p>
+        </p:txBody>
+      </p:sp>
+      <p:cxnSp>
+        <p:nvCxnSpPr>
+          <p:cNvPr id="169" name="연결선: 꺾임 168">
+            <a:extLst>
+              <a:ext uri="{FF2B5EF4-FFF2-40B4-BE49-F238E27FC236}">
+                <a16:creationId xmlns:a16="http://schemas.microsoft.com/office/drawing/2014/main" id="{6E809625-F3EE-4D7C-9C08-2D530EFC99D3}"/>
+              </a:ext>
+            </a:extLst>
+          </p:cNvPr>
+          <p:cNvCxnSpPr>
+            <a:cxnSpLocks/>
+            <a:stCxn id="165" idx="0"/>
+            <a:endCxn id="114" idx="2"/>
+          </p:cNvCxnSpPr>
+          <p:nvPr/>
+        </p:nvCxnSpPr>
+        <p:spPr>
+          <a:xfrm rot="5400000" flipH="1" flipV="1">
+            <a:off x="7225155" y="344354"/>
+            <a:ext cx="1593775" cy="7815224"/>
+          </a:xfrm>
+          <a:prstGeom prst="bentConnector3">
+            <a:avLst>
+              <a:gd name="adj1" fmla="val 50000"/>
+            </a:avLst>
+          </a:prstGeom>
+        </p:spPr>
+        <p:style>
+          <a:lnRef idx="1">
+            <a:schemeClr val="dk1"/>
+          </a:lnRef>
+          <a:fillRef idx="0">
+            <a:schemeClr val="dk1"/>
+          </a:fillRef>
+          <a:effectRef idx="0">
+            <a:schemeClr val="dk1"/>
+          </a:effectRef>
+          <a:fontRef idx="minor">
+            <a:schemeClr val="tx1"/>
+          </a:fontRef>
+        </p:style>
+      </p:cxnSp>
+      <p:sp>
+        <p:nvSpPr>
+          <p:cNvPr id="172" name="직사각형 171">
+            <a:extLst>
+              <a:ext uri="{FF2B5EF4-FFF2-40B4-BE49-F238E27FC236}">
+                <a16:creationId xmlns:a16="http://schemas.microsoft.com/office/drawing/2014/main" id="{95C938C4-E216-465E-9406-F0A4137EC4CC}"/>
               </a:ext>
             </a:extLst>
           </p:cNvPr>
@@ -3223,8 +3225,8 @@
         </p:nvSpPr>
         <p:spPr>
           <a:xfrm>
-            <a:off x="3993969" y="2041062"/>
-            <a:ext cx="1108212" cy="209725"/>
+            <a:off x="35649328" y="3011579"/>
+            <a:ext cx="1484454" cy="419458"/>
           </a:xfrm>
           <a:prstGeom prst="rect">
             <a:avLst/>
@@ -3245,7 +3247,7 @@
           </a:fontRef>
         </p:style>
         <p:txBody>
-          <a:bodyPr rot="0" spcFirstLastPara="0" vertOverflow="overflow" horzOverflow="overflow" vert="horz" wrap="square" lIns="91440" tIns="45720" rIns="91440" bIns="45720" numCol="1" spcCol="0" rtlCol="0" fromWordArt="0" anchor="ctr" anchorCtr="0" forceAA="0" compatLnSpc="1">
+          <a:bodyPr rot="0" spcFirstLastPara="0" vertOverflow="overflow" horzOverflow="overflow" vert="horz" wrap="square" lIns="182869" tIns="91446" rIns="182869" bIns="91446" numCol="1" spcCol="0" rtlCol="0" fromWordArt="0" anchor="ctr" anchorCtr="0" forceAA="0" compatLnSpc="1">
             <a:prstTxWarp prst="textNoShape">
               <a:avLst/>
             </a:prstTxWarp>
@@ -3255,35 +3257,37 @@
           <a:p>
             <a:pPr algn="ctr"/>
             <a:r>
-              <a:rPr lang="ko-KR" altLang="en-US" sz="1000" b="1"/>
-              <a:t>영화 즐겨찾기</a:t>
+              <a:rPr lang="ko-KR" altLang="en-US" sz="2000" b="1"/>
+              <a:t>회원 가입</a:t>
             </a:r>
           </a:p>
         </p:txBody>
       </p:sp>
       <p:cxnSp>
         <p:nvCxnSpPr>
-          <p:cNvPr id="19" name="연결선: 꺾임 18">
-            <a:extLst>
-              <a:ext uri="{FF2B5EF4-FFF2-40B4-BE49-F238E27FC236}">
-                <a16:creationId xmlns:a16="http://schemas.microsoft.com/office/drawing/2014/main" id="{1183C4F9-FF00-489C-8508-7BDD5BC9D7FB}"/>
+          <p:cNvPr id="174" name="연결선: 꺾임 173">
+            <a:extLst>
+              <a:ext uri="{FF2B5EF4-FFF2-40B4-BE49-F238E27FC236}">
+                <a16:creationId xmlns:a16="http://schemas.microsoft.com/office/drawing/2014/main" id="{770C9ADC-6E8C-4A2F-9977-FBE5BFCE445D}"/>
               </a:ext>
             </a:extLst>
           </p:cNvPr>
           <p:cNvCxnSpPr>
             <a:cxnSpLocks/>
-            <a:stCxn id="18" idx="1"/>
-            <a:endCxn id="13" idx="2"/>
+            <a:stCxn id="172" idx="0"/>
+            <a:endCxn id="4" idx="2"/>
           </p:cNvCxnSpPr>
           <p:nvPr/>
         </p:nvCxnSpPr>
         <p:spPr>
-          <a:xfrm rot="10800000">
-            <a:off x="3851047" y="1574687"/>
-            <a:ext cx="142922" cy="571239"/>
-          </a:xfrm>
-          <a:prstGeom prst="bentConnector2">
-            <a:avLst/>
+          <a:xfrm rot="16200000" flipV="1">
+            <a:off x="30163558" y="-3216418"/>
+            <a:ext cx="1829666" cy="10626328"/>
+          </a:xfrm>
+          <a:prstGeom prst="bentConnector3">
+            <a:avLst>
+              <a:gd name="adj1" fmla="val 50000"/>
+            </a:avLst>
           </a:prstGeom>
         </p:spPr>
         <p:style>
@@ -3303,10 +3307,10 @@
       </p:cxnSp>
       <p:sp>
         <p:nvSpPr>
-          <p:cNvPr id="24" name="직사각형 23">
-            <a:extLst>
-              <a:ext uri="{FF2B5EF4-FFF2-40B4-BE49-F238E27FC236}">
-                <a16:creationId xmlns:a16="http://schemas.microsoft.com/office/drawing/2014/main" id="{F7DB44D9-E2F5-49B0-BB6D-1D44DF40A64D}"/>
+          <p:cNvPr id="183" name="직사각형 182">
+            <a:extLst>
+              <a:ext uri="{FF2B5EF4-FFF2-40B4-BE49-F238E27FC236}">
+                <a16:creationId xmlns:a16="http://schemas.microsoft.com/office/drawing/2014/main" id="{F957D2BB-AB4A-484B-AD10-2C969B31F2F6}"/>
               </a:ext>
             </a:extLst>
           </p:cNvPr>
@@ -3315,8 +3319,8 @@
         </p:nvSpPr>
         <p:spPr>
           <a:xfrm>
-            <a:off x="3993968" y="3050023"/>
-            <a:ext cx="1108216" cy="209725"/>
+            <a:off x="5556068" y="6501793"/>
+            <a:ext cx="2020114" cy="419458"/>
           </a:xfrm>
           <a:prstGeom prst="rect">
             <a:avLst/>
@@ -3337,7 +3341,7 @@
           </a:fontRef>
         </p:style>
         <p:txBody>
-          <a:bodyPr rot="0" spcFirstLastPara="0" vertOverflow="overflow" horzOverflow="overflow" vert="horz" wrap="square" lIns="91440" tIns="45720" rIns="91440" bIns="45720" numCol="1" spcCol="0" rtlCol="0" fromWordArt="0" anchor="ctr" anchorCtr="0" forceAA="0" compatLnSpc="1">
+          <a:bodyPr rot="0" spcFirstLastPara="0" vertOverflow="overflow" horzOverflow="overflow" vert="horz" wrap="square" lIns="182869" tIns="91446" rIns="182869" bIns="91446" numCol="1" spcCol="0" rtlCol="0" fromWordArt="0" anchor="ctr" anchorCtr="0" forceAA="0" compatLnSpc="1">
             <a:prstTxWarp prst="textNoShape">
               <a:avLst/>
             </a:prstTxWarp>
@@ -3347,58 +3351,18 @@
           <a:p>
             <a:pPr algn="ctr"/>
             <a:r>
-              <a:rPr lang="ko-KR" altLang="en-US" sz="1000" b="1"/>
-              <a:t>영화 예매</a:t>
-            </a:r>
-          </a:p>
-        </p:txBody>
-      </p:sp>
-      <p:cxnSp>
-        <p:nvCxnSpPr>
-          <p:cNvPr id="25" name="연결선: 꺾임 24">
-            <a:extLst>
-              <a:ext uri="{FF2B5EF4-FFF2-40B4-BE49-F238E27FC236}">
-                <a16:creationId xmlns:a16="http://schemas.microsoft.com/office/drawing/2014/main" id="{6E3BF97A-947E-495A-AE12-19531FFE968F}"/>
-              </a:ext>
-            </a:extLst>
-          </p:cNvPr>
-          <p:cNvCxnSpPr>
-            <a:cxnSpLocks/>
-            <a:stCxn id="24" idx="1"/>
-            <a:endCxn id="13" idx="2"/>
-          </p:cNvCxnSpPr>
-          <p:nvPr/>
-        </p:nvCxnSpPr>
-        <p:spPr>
-          <a:xfrm rot="10800000">
-            <a:off x="3851048" y="1574686"/>
-            <a:ext cx="142921" cy="1580200"/>
-          </a:xfrm>
-          <a:prstGeom prst="bentConnector2">
-            <a:avLst/>
-          </a:prstGeom>
-        </p:spPr>
-        <p:style>
-          <a:lnRef idx="1">
-            <a:schemeClr val="dk1"/>
-          </a:lnRef>
-          <a:fillRef idx="0">
-            <a:schemeClr val="dk1"/>
-          </a:fillRef>
-          <a:effectRef idx="0">
-            <a:schemeClr val="dk1"/>
-          </a:effectRef>
-          <a:fontRef idx="minor">
-            <a:schemeClr val="tx1"/>
-          </a:fontRef>
-        </p:style>
-      </p:cxnSp>
-      <p:sp>
-        <p:nvSpPr>
-          <p:cNvPr id="29" name="직사각형 28">
-            <a:extLst>
-              <a:ext uri="{FF2B5EF4-FFF2-40B4-BE49-F238E27FC236}">
-                <a16:creationId xmlns:a16="http://schemas.microsoft.com/office/drawing/2014/main" id="{3FE892B0-52DF-4CA0-BFC1-8F5BCBD1927E}"/>
+              <a:rPr lang="ko-KR" altLang="en-US" sz="2000" b="1"/>
+              <a:t>영화 상세보기</a:t>
+            </a:r>
+          </a:p>
+        </p:txBody>
+      </p:sp>
+      <p:sp>
+        <p:nvSpPr>
+          <p:cNvPr id="184" name="직사각형 183">
+            <a:extLst>
+              <a:ext uri="{FF2B5EF4-FFF2-40B4-BE49-F238E27FC236}">
+                <a16:creationId xmlns:a16="http://schemas.microsoft.com/office/drawing/2014/main" id="{1C522F08-9717-4CDE-BBC2-26A485263377}"/>
               </a:ext>
             </a:extLst>
           </p:cNvPr>
@@ -3407,8 +3371,8 @@
         </p:nvSpPr>
         <p:spPr>
           <a:xfrm>
-            <a:off x="5102183" y="3398351"/>
-            <a:ext cx="1264615" cy="208067"/>
+            <a:off x="12349775" y="5048853"/>
+            <a:ext cx="1484457" cy="419458"/>
           </a:xfrm>
           <a:prstGeom prst="rect">
             <a:avLst/>
@@ -3429,7 +3393,7 @@
           </a:fontRef>
         </p:style>
         <p:txBody>
-          <a:bodyPr rot="0" spcFirstLastPara="0" vertOverflow="overflow" horzOverflow="overflow" vert="horz" wrap="square" lIns="91440" tIns="45720" rIns="91440" bIns="45720" numCol="1" spcCol="0" rtlCol="0" fromWordArt="0" anchor="ctr" anchorCtr="0" forceAA="0" compatLnSpc="1">
+          <a:bodyPr rot="0" spcFirstLastPara="0" vertOverflow="overflow" horzOverflow="overflow" vert="horz" wrap="square" lIns="182869" tIns="91446" rIns="182869" bIns="91446" numCol="1" spcCol="0" rtlCol="0" fromWordArt="0" anchor="ctr" anchorCtr="0" forceAA="0" compatLnSpc="1">
             <a:prstTxWarp prst="textNoShape">
               <a:avLst/>
             </a:prstTxWarp>
@@ -3439,18 +3403,60 @@
           <a:p>
             <a:pPr algn="ctr"/>
             <a:r>
-              <a:rPr lang="ko-KR" altLang="en-US" sz="1000" b="1"/>
-              <a:t>예매</a:t>
-            </a:r>
-          </a:p>
-        </p:txBody>
-      </p:sp>
-      <p:sp>
-        <p:nvSpPr>
-          <p:cNvPr id="30" name="직사각형 29">
-            <a:extLst>
-              <a:ext uri="{FF2B5EF4-FFF2-40B4-BE49-F238E27FC236}">
-                <a16:creationId xmlns:a16="http://schemas.microsoft.com/office/drawing/2014/main" id="{765D1D89-D649-4639-A96D-ED1F1E84CE0C}"/>
+              <a:rPr lang="ko-KR" altLang="en-US" sz="2000" b="1"/>
+              <a:t>공지사항</a:t>
+            </a:r>
+          </a:p>
+        </p:txBody>
+      </p:sp>
+      <p:cxnSp>
+        <p:nvCxnSpPr>
+          <p:cNvPr id="186" name="연결선: 꺾임 185">
+            <a:extLst>
+              <a:ext uri="{FF2B5EF4-FFF2-40B4-BE49-F238E27FC236}">
+                <a16:creationId xmlns:a16="http://schemas.microsoft.com/office/drawing/2014/main" id="{34F8B876-3071-4512-AFED-9EC0014868E5}"/>
+              </a:ext>
+            </a:extLst>
+          </p:cNvPr>
+          <p:cNvCxnSpPr>
+            <a:cxnSpLocks/>
+            <a:stCxn id="184" idx="0"/>
+            <a:endCxn id="114" idx="2"/>
+          </p:cNvCxnSpPr>
+          <p:nvPr/>
+        </p:nvCxnSpPr>
+        <p:spPr>
+          <a:xfrm rot="16200000" flipV="1">
+            <a:off x="11713942" y="3670791"/>
+            <a:ext cx="1593775" cy="1162350"/>
+          </a:xfrm>
+          <a:prstGeom prst="bentConnector3">
+            <a:avLst>
+              <a:gd name="adj1" fmla="val 50000"/>
+            </a:avLst>
+          </a:prstGeom>
+        </p:spPr>
+        <p:style>
+          <a:lnRef idx="1">
+            <a:schemeClr val="dk1"/>
+          </a:lnRef>
+          <a:fillRef idx="0">
+            <a:schemeClr val="dk1"/>
+          </a:fillRef>
+          <a:effectRef idx="0">
+            <a:schemeClr val="dk1"/>
+          </a:effectRef>
+          <a:fontRef idx="minor">
+            <a:schemeClr val="tx1"/>
+          </a:fontRef>
+        </p:style>
+      </p:cxnSp>
+      <p:sp>
+        <p:nvSpPr>
+          <p:cNvPr id="187" name="직사각형 186">
+            <a:extLst>
+              <a:ext uri="{FF2B5EF4-FFF2-40B4-BE49-F238E27FC236}">
+                <a16:creationId xmlns:a16="http://schemas.microsoft.com/office/drawing/2014/main" id="{AB4A9889-6282-4A71-965A-174CC381CE44}"/>
               </a:ext>
             </a:extLst>
           </p:cNvPr>
@@ -3459,8 +3465,8 @@
         </p:nvSpPr>
         <p:spPr>
           <a:xfrm>
-            <a:off x="5102183" y="3747926"/>
-            <a:ext cx="1264615" cy="208067"/>
+            <a:off x="15250399" y="5048853"/>
+            <a:ext cx="1484457" cy="419458"/>
           </a:xfrm>
           <a:prstGeom prst="rect">
             <a:avLst/>
@@ -3481,7 +3487,7 @@
           </a:fontRef>
         </p:style>
         <p:txBody>
-          <a:bodyPr rot="0" spcFirstLastPara="0" vertOverflow="overflow" horzOverflow="overflow" vert="horz" wrap="square" lIns="91440" tIns="45720" rIns="91440" bIns="45720" numCol="1" spcCol="0" rtlCol="0" fromWordArt="0" anchor="ctr" anchorCtr="0" forceAA="0" compatLnSpc="1">
+          <a:bodyPr rot="0" spcFirstLastPara="0" vertOverflow="overflow" horzOverflow="overflow" vert="horz" wrap="square" lIns="182869" tIns="91446" rIns="182869" bIns="91446" numCol="1" spcCol="0" rtlCol="0" fromWordArt="0" anchor="ctr" anchorCtr="0" forceAA="0" compatLnSpc="1">
             <a:prstTxWarp prst="textNoShape">
               <a:avLst/>
             </a:prstTxWarp>
@@ -3491,18 +3497,100 @@
           <a:p>
             <a:pPr algn="ctr"/>
             <a:r>
-              <a:rPr lang="ko-KR" altLang="en-US" sz="1000" b="1"/>
-              <a:t>예매 변경</a:t>
-            </a:r>
-          </a:p>
-        </p:txBody>
-      </p:sp>
-      <p:sp>
-        <p:nvSpPr>
-          <p:cNvPr id="31" name="직사각형 30">
-            <a:extLst>
-              <a:ext uri="{FF2B5EF4-FFF2-40B4-BE49-F238E27FC236}">
-                <a16:creationId xmlns:a16="http://schemas.microsoft.com/office/drawing/2014/main" id="{78371D54-7697-4A7A-8B3E-E44888A04239}"/>
+              <a:rPr lang="ko-KR" altLang="en-US" sz="2000" b="1"/>
+              <a:t>할인정보</a:t>
+            </a:r>
+          </a:p>
+        </p:txBody>
+      </p:sp>
+      <p:cxnSp>
+        <p:nvCxnSpPr>
+          <p:cNvPr id="190" name="연결선: 꺾임 189">
+            <a:extLst>
+              <a:ext uri="{FF2B5EF4-FFF2-40B4-BE49-F238E27FC236}">
+                <a16:creationId xmlns:a16="http://schemas.microsoft.com/office/drawing/2014/main" id="{6A3906E0-6AA9-4280-B635-F05E9BFE7F68}"/>
+              </a:ext>
+            </a:extLst>
+          </p:cNvPr>
+          <p:cNvCxnSpPr>
+            <a:cxnSpLocks/>
+            <a:stCxn id="187" idx="0"/>
+            <a:endCxn id="114" idx="2"/>
+          </p:cNvCxnSpPr>
+          <p:nvPr/>
+        </p:nvCxnSpPr>
+        <p:spPr>
+          <a:xfrm rot="16200000" flipV="1">
+            <a:off x="13164221" y="2220471"/>
+            <a:ext cx="1593800" cy="4062997"/>
+          </a:xfrm>
+          <a:prstGeom prst="bentConnector3">
+            <a:avLst>
+              <a:gd name="adj1" fmla="val 50000"/>
+            </a:avLst>
+          </a:prstGeom>
+        </p:spPr>
+        <p:style>
+          <a:lnRef idx="1">
+            <a:schemeClr val="dk1"/>
+          </a:lnRef>
+          <a:fillRef idx="0">
+            <a:schemeClr val="dk1"/>
+          </a:fillRef>
+          <a:effectRef idx="0">
+            <a:schemeClr val="dk1"/>
+          </a:effectRef>
+          <a:fontRef idx="minor">
+            <a:schemeClr val="tx1"/>
+          </a:fontRef>
+        </p:style>
+      </p:cxnSp>
+      <p:cxnSp>
+        <p:nvCxnSpPr>
+          <p:cNvPr id="191" name="연결선: 꺾임 190">
+            <a:extLst>
+              <a:ext uri="{FF2B5EF4-FFF2-40B4-BE49-F238E27FC236}">
+                <a16:creationId xmlns:a16="http://schemas.microsoft.com/office/drawing/2014/main" id="{B9C305B5-2C38-40D6-A8E8-D8C0C4AB91EF}"/>
+              </a:ext>
+            </a:extLst>
+          </p:cNvPr>
+          <p:cNvCxnSpPr>
+            <a:cxnSpLocks/>
+            <a:stCxn id="183" idx="1"/>
+            <a:endCxn id="218" idx="2"/>
+          </p:cNvCxnSpPr>
+          <p:nvPr/>
+        </p:nvCxnSpPr>
+        <p:spPr>
+          <a:xfrm rot="10800000">
+            <a:off x="5335248" y="6224289"/>
+            <a:ext cx="220820" cy="487254"/>
+          </a:xfrm>
+          <a:prstGeom prst="bentConnector2">
+            <a:avLst/>
+          </a:prstGeom>
+        </p:spPr>
+        <p:style>
+          <a:lnRef idx="1">
+            <a:schemeClr val="dk1"/>
+          </a:lnRef>
+          <a:fillRef idx="0">
+            <a:schemeClr val="dk1"/>
+          </a:fillRef>
+          <a:effectRef idx="0">
+            <a:schemeClr val="dk1"/>
+          </a:effectRef>
+          <a:fontRef idx="minor">
+            <a:schemeClr val="tx1"/>
+          </a:fontRef>
+        </p:style>
+      </p:cxnSp>
+      <p:sp>
+        <p:nvSpPr>
+          <p:cNvPr id="194" name="직사각형 193">
+            <a:extLst>
+              <a:ext uri="{FF2B5EF4-FFF2-40B4-BE49-F238E27FC236}">
+                <a16:creationId xmlns:a16="http://schemas.microsoft.com/office/drawing/2014/main" id="{31621739-2B84-4E18-B7BF-BC339672F9B9}"/>
               </a:ext>
             </a:extLst>
           </p:cNvPr>
@@ -3511,8 +3599,8 @@
         </p:nvSpPr>
         <p:spPr>
           <a:xfrm>
-            <a:off x="5102183" y="4097501"/>
-            <a:ext cx="1264615" cy="208067"/>
+            <a:off x="6937727" y="7787930"/>
+            <a:ext cx="2020114" cy="419458"/>
           </a:xfrm>
           <a:prstGeom prst="rect">
             <a:avLst/>
@@ -3533,7 +3621,7 @@
           </a:fontRef>
         </p:style>
         <p:txBody>
-          <a:bodyPr rot="0" spcFirstLastPara="0" vertOverflow="overflow" horzOverflow="overflow" vert="horz" wrap="square" lIns="91440" tIns="45720" rIns="91440" bIns="45720" numCol="1" spcCol="0" rtlCol="0" fromWordArt="0" anchor="ctr" anchorCtr="0" forceAA="0" compatLnSpc="1">
+          <a:bodyPr rot="0" spcFirstLastPara="0" vertOverflow="overflow" horzOverflow="overflow" vert="horz" wrap="square" lIns="182869" tIns="91446" rIns="182869" bIns="91446" numCol="1" spcCol="0" rtlCol="0" fromWordArt="0" anchor="ctr" anchorCtr="0" forceAA="0" compatLnSpc="1">
             <a:prstTxWarp prst="textNoShape">
               <a:avLst/>
             </a:prstTxWarp>
@@ -3543,18 +3631,71 @@
           <a:p>
             <a:pPr algn="ctr"/>
             <a:r>
-              <a:rPr lang="ko-KR" altLang="en-US" sz="1000" b="1"/>
-              <a:t>예매 내역 조회</a:t>
-            </a:r>
-          </a:p>
-        </p:txBody>
-      </p:sp>
-      <p:sp>
-        <p:nvSpPr>
-          <p:cNvPr id="32" name="직사각형 31">
-            <a:extLst>
-              <a:ext uri="{FF2B5EF4-FFF2-40B4-BE49-F238E27FC236}">
-                <a16:creationId xmlns:a16="http://schemas.microsoft.com/office/drawing/2014/main" id="{880D7012-6ECF-4223-B149-7307B91042AE}"/>
+              <a:rPr lang="ko-KR" altLang="en-US" sz="2000" b="1"/>
+              <a:t>영화 한줄평</a:t>
+            </a:r>
+            <a:r>
+              <a:rPr lang="en-US" altLang="ko-KR" sz="2000" b="1"/>
+              <a:t>(</a:t>
+            </a:r>
+            <a:r>
+              <a:rPr lang="ko-KR" altLang="en-US" sz="2000" b="1"/>
+              <a:t>조회</a:t>
+            </a:r>
+            <a:r>
+              <a:rPr lang="en-US" altLang="ko-KR" sz="2000" b="1"/>
+              <a:t>)</a:t>
+            </a:r>
+            <a:endParaRPr lang="ko-KR" altLang="en-US" sz="2000" b="1"/>
+          </a:p>
+        </p:txBody>
+      </p:sp>
+      <p:cxnSp>
+        <p:nvCxnSpPr>
+          <p:cNvPr id="195" name="연결선: 꺾임 194">
+            <a:extLst>
+              <a:ext uri="{FF2B5EF4-FFF2-40B4-BE49-F238E27FC236}">
+                <a16:creationId xmlns:a16="http://schemas.microsoft.com/office/drawing/2014/main" id="{8FDAEDAC-753B-4390-898A-177CA4821810}"/>
+              </a:ext>
+            </a:extLst>
+          </p:cNvPr>
+          <p:cNvCxnSpPr>
+            <a:cxnSpLocks/>
+            <a:stCxn id="194" idx="1"/>
+            <a:endCxn id="183" idx="2"/>
+          </p:cNvCxnSpPr>
+          <p:nvPr/>
+        </p:nvCxnSpPr>
+        <p:spPr>
+          <a:xfrm rot="10800000">
+            <a:off x="6566138" y="6921246"/>
+            <a:ext cx="371594" cy="1076417"/>
+          </a:xfrm>
+          <a:prstGeom prst="bentConnector2">
+            <a:avLst/>
+          </a:prstGeom>
+        </p:spPr>
+        <p:style>
+          <a:lnRef idx="1">
+            <a:schemeClr val="dk1"/>
+          </a:lnRef>
+          <a:fillRef idx="0">
+            <a:schemeClr val="dk1"/>
+          </a:fillRef>
+          <a:effectRef idx="0">
+            <a:schemeClr val="dk1"/>
+          </a:effectRef>
+          <a:fontRef idx="minor">
+            <a:schemeClr val="tx1"/>
+          </a:fontRef>
+        </p:style>
+      </p:cxnSp>
+      <p:sp>
+        <p:nvSpPr>
+          <p:cNvPr id="203" name="직사각형 202">
+            <a:extLst>
+              <a:ext uri="{FF2B5EF4-FFF2-40B4-BE49-F238E27FC236}">
+                <a16:creationId xmlns:a16="http://schemas.microsoft.com/office/drawing/2014/main" id="{7CCB8AA4-5AD3-4A4A-80BC-079F20D4A650}"/>
               </a:ext>
             </a:extLst>
           </p:cNvPr>
@@ -3563,8 +3704,8 @@
         </p:nvSpPr>
         <p:spPr>
           <a:xfrm>
-            <a:off x="5102183" y="4447076"/>
-            <a:ext cx="1264615" cy="208067"/>
+            <a:off x="6937727" y="7096577"/>
+            <a:ext cx="2020114" cy="419458"/>
           </a:xfrm>
           <a:prstGeom prst="rect">
             <a:avLst/>
@@ -3585,7 +3726,7 @@
           </a:fontRef>
         </p:style>
         <p:txBody>
-          <a:bodyPr rot="0" spcFirstLastPara="0" vertOverflow="overflow" horzOverflow="overflow" vert="horz" wrap="square" lIns="91440" tIns="45720" rIns="91440" bIns="45720" numCol="1" spcCol="0" rtlCol="0" fromWordArt="0" anchor="ctr" anchorCtr="0" forceAA="0" compatLnSpc="1">
+          <a:bodyPr rot="0" spcFirstLastPara="0" vertOverflow="overflow" horzOverflow="overflow" vert="horz" wrap="square" lIns="182869" tIns="91446" rIns="182869" bIns="91446" numCol="1" spcCol="0" rtlCol="0" fromWordArt="0" anchor="ctr" anchorCtr="0" forceAA="0" compatLnSpc="1">
             <a:prstTxWarp prst="textNoShape">
               <a:avLst/>
             </a:prstTxWarp>
@@ -3595,32 +3736,32 @@
           <a:p>
             <a:pPr algn="ctr"/>
             <a:r>
-              <a:rPr lang="ko-KR" altLang="en-US" sz="1000" b="1"/>
-              <a:t>예매 취소</a:t>
+              <a:rPr lang="ko-KR" altLang="en-US" sz="2000" b="1"/>
+              <a:t>영화 정보</a:t>
             </a:r>
           </a:p>
         </p:txBody>
       </p:sp>
       <p:cxnSp>
         <p:nvCxnSpPr>
-          <p:cNvPr id="33" name="연결선: 꺾임 32">
-            <a:extLst>
-              <a:ext uri="{FF2B5EF4-FFF2-40B4-BE49-F238E27FC236}">
-                <a16:creationId xmlns:a16="http://schemas.microsoft.com/office/drawing/2014/main" id="{1AF2D598-6213-4885-8356-090D32D0483E}"/>
+          <p:cNvPr id="204" name="연결선: 꺾임 203">
+            <a:extLst>
+              <a:ext uri="{FF2B5EF4-FFF2-40B4-BE49-F238E27FC236}">
+                <a16:creationId xmlns:a16="http://schemas.microsoft.com/office/drawing/2014/main" id="{2AE551FF-82B7-4475-BF5C-718E2F0EA088}"/>
               </a:ext>
             </a:extLst>
           </p:cNvPr>
           <p:cNvCxnSpPr>
             <a:cxnSpLocks/>
-            <a:stCxn id="29" idx="1"/>
-            <a:endCxn id="24" idx="2"/>
+            <a:stCxn id="203" idx="1"/>
+            <a:endCxn id="183" idx="2"/>
           </p:cNvCxnSpPr>
           <p:nvPr/>
         </p:nvCxnSpPr>
         <p:spPr>
           <a:xfrm rot="10800000">
-            <a:off x="4548077" y="3259749"/>
-            <a:ext cx="554107" cy="242637"/>
+            <a:off x="6566138" y="6921259"/>
+            <a:ext cx="371594" cy="385061"/>
           </a:xfrm>
           <a:prstGeom prst="bentConnector2">
             <a:avLst/>
@@ -3641,132 +3782,12 @@
           </a:fontRef>
         </p:style>
       </p:cxnSp>
-      <p:cxnSp>
-        <p:nvCxnSpPr>
-          <p:cNvPr id="36" name="연결선: 꺾임 35">
-            <a:extLst>
-              <a:ext uri="{FF2B5EF4-FFF2-40B4-BE49-F238E27FC236}">
-                <a16:creationId xmlns:a16="http://schemas.microsoft.com/office/drawing/2014/main" id="{BABCC9AA-7CE0-4304-B474-443F038727AF}"/>
-              </a:ext>
-            </a:extLst>
-          </p:cNvPr>
-          <p:cNvCxnSpPr>
-            <a:cxnSpLocks/>
-            <a:stCxn id="30" idx="1"/>
-            <a:endCxn id="24" idx="2"/>
-          </p:cNvCxnSpPr>
-          <p:nvPr/>
-        </p:nvCxnSpPr>
-        <p:spPr>
-          <a:xfrm rot="10800000">
-            <a:off x="4548077" y="3259748"/>
-            <a:ext cx="554107" cy="592212"/>
-          </a:xfrm>
-          <a:prstGeom prst="bentConnector2">
-            <a:avLst/>
-          </a:prstGeom>
-        </p:spPr>
-        <p:style>
-          <a:lnRef idx="1">
-            <a:schemeClr val="dk1"/>
-          </a:lnRef>
-          <a:fillRef idx="0">
-            <a:schemeClr val="dk1"/>
-          </a:fillRef>
-          <a:effectRef idx="0">
-            <a:schemeClr val="dk1"/>
-          </a:effectRef>
-          <a:fontRef idx="minor">
-            <a:schemeClr val="tx1"/>
-          </a:fontRef>
-        </p:style>
-      </p:cxnSp>
-      <p:cxnSp>
-        <p:nvCxnSpPr>
-          <p:cNvPr id="39" name="연결선: 꺾임 38">
-            <a:extLst>
-              <a:ext uri="{FF2B5EF4-FFF2-40B4-BE49-F238E27FC236}">
-                <a16:creationId xmlns:a16="http://schemas.microsoft.com/office/drawing/2014/main" id="{25FF4683-B151-4364-ACA4-A6FA7109E710}"/>
-              </a:ext>
-            </a:extLst>
-          </p:cNvPr>
-          <p:cNvCxnSpPr>
-            <a:cxnSpLocks/>
-            <a:stCxn id="31" idx="1"/>
-            <a:endCxn id="24" idx="2"/>
-          </p:cNvCxnSpPr>
-          <p:nvPr/>
-        </p:nvCxnSpPr>
-        <p:spPr>
-          <a:xfrm rot="10800000">
-            <a:off x="4548077" y="3259749"/>
-            <a:ext cx="554107" cy="941787"/>
-          </a:xfrm>
-          <a:prstGeom prst="bentConnector2">
-            <a:avLst/>
-          </a:prstGeom>
-        </p:spPr>
-        <p:style>
-          <a:lnRef idx="1">
-            <a:schemeClr val="dk1"/>
-          </a:lnRef>
-          <a:fillRef idx="0">
-            <a:schemeClr val="dk1"/>
-          </a:fillRef>
-          <a:effectRef idx="0">
-            <a:schemeClr val="dk1"/>
-          </a:effectRef>
-          <a:fontRef idx="minor">
-            <a:schemeClr val="tx1"/>
-          </a:fontRef>
-        </p:style>
-      </p:cxnSp>
-      <p:cxnSp>
-        <p:nvCxnSpPr>
-          <p:cNvPr id="42" name="연결선: 꺾임 41">
-            <a:extLst>
-              <a:ext uri="{FF2B5EF4-FFF2-40B4-BE49-F238E27FC236}">
-                <a16:creationId xmlns:a16="http://schemas.microsoft.com/office/drawing/2014/main" id="{411EFD90-3E27-43D8-8731-B9418DD320E2}"/>
-              </a:ext>
-            </a:extLst>
-          </p:cNvPr>
-          <p:cNvCxnSpPr>
-            <a:cxnSpLocks/>
-            <a:stCxn id="32" idx="1"/>
-            <a:endCxn id="24" idx="2"/>
-          </p:cNvCxnSpPr>
-          <p:nvPr/>
-        </p:nvCxnSpPr>
-        <p:spPr>
-          <a:xfrm rot="10800000">
-            <a:off x="4548077" y="3259748"/>
-            <a:ext cx="554107" cy="1291362"/>
-          </a:xfrm>
-          <a:prstGeom prst="bentConnector2">
-            <a:avLst/>
-          </a:prstGeom>
-        </p:spPr>
-        <p:style>
-          <a:lnRef idx="1">
-            <a:schemeClr val="dk1"/>
-          </a:lnRef>
-          <a:fillRef idx="0">
-            <a:schemeClr val="dk1"/>
-          </a:fillRef>
-          <a:effectRef idx="0">
-            <a:schemeClr val="dk1"/>
-          </a:effectRef>
-          <a:fontRef idx="minor">
-            <a:schemeClr val="tx1"/>
-          </a:fontRef>
-        </p:style>
-      </p:cxnSp>
-      <p:sp>
-        <p:nvSpPr>
-          <p:cNvPr id="56" name="직사각형 55">
-            <a:extLst>
-              <a:ext uri="{FF2B5EF4-FFF2-40B4-BE49-F238E27FC236}">
-                <a16:creationId xmlns:a16="http://schemas.microsoft.com/office/drawing/2014/main" id="{C6548191-C384-4DF6-AEDC-47315CEC6790}"/>
+      <p:sp>
+        <p:nvSpPr>
+          <p:cNvPr id="218" name="직사각형 217">
+            <a:extLst>
+              <a:ext uri="{FF2B5EF4-FFF2-40B4-BE49-F238E27FC236}">
+                <a16:creationId xmlns:a16="http://schemas.microsoft.com/office/drawing/2014/main" id="{99286EDB-1D7B-4BE1-B273-0090C90A9390}"/>
               </a:ext>
             </a:extLst>
           </p:cNvPr>
@@ -3775,8 +3796,8 @@
         </p:nvSpPr>
         <p:spPr>
           <a:xfrm>
-            <a:off x="3993968" y="4831944"/>
-            <a:ext cx="1108216" cy="209725"/>
+            <a:off x="4325210" y="5804826"/>
+            <a:ext cx="2020114" cy="419458"/>
           </a:xfrm>
           <a:prstGeom prst="rect">
             <a:avLst/>
@@ -3797,7 +3818,7 @@
           </a:fontRef>
         </p:style>
         <p:txBody>
-          <a:bodyPr rot="0" spcFirstLastPara="0" vertOverflow="overflow" horzOverflow="overflow" vert="horz" wrap="square" lIns="91440" tIns="45720" rIns="91440" bIns="45720" numCol="1" spcCol="0" rtlCol="0" fromWordArt="0" anchor="ctr" anchorCtr="0" forceAA="0" compatLnSpc="1">
+          <a:bodyPr rot="0" spcFirstLastPara="0" vertOverflow="overflow" horzOverflow="overflow" vert="horz" wrap="square" lIns="182869" tIns="91446" rIns="182869" bIns="91446" numCol="1" spcCol="0" rtlCol="0" fromWordArt="0" anchor="ctr" anchorCtr="0" forceAA="0" compatLnSpc="1">
             <a:prstTxWarp prst="textNoShape">
               <a:avLst/>
             </a:prstTxWarp>
@@ -3807,32 +3828,32 @@
           <a:p>
             <a:pPr algn="ctr"/>
             <a:r>
-              <a:rPr lang="ko-KR" altLang="en-US" sz="1000" b="1"/>
-              <a:t>영화 리뷰</a:t>
+              <a:rPr lang="ko-KR" altLang="en-US" sz="2000" b="1"/>
+              <a:t>영화 랭킹</a:t>
             </a:r>
           </a:p>
         </p:txBody>
       </p:sp>
       <p:cxnSp>
         <p:nvCxnSpPr>
-          <p:cNvPr id="57" name="연결선: 꺾임 56">
-            <a:extLst>
-              <a:ext uri="{FF2B5EF4-FFF2-40B4-BE49-F238E27FC236}">
-                <a16:creationId xmlns:a16="http://schemas.microsoft.com/office/drawing/2014/main" id="{6AFA6EB0-D75C-4D8D-8456-A2EE78AAD7A0}"/>
+          <p:cNvPr id="219" name="연결선: 꺾임 218">
+            <a:extLst>
+              <a:ext uri="{FF2B5EF4-FFF2-40B4-BE49-F238E27FC236}">
+                <a16:creationId xmlns:a16="http://schemas.microsoft.com/office/drawing/2014/main" id="{B4E2A06B-699E-48FA-8FE5-58A53ED96B85}"/>
               </a:ext>
             </a:extLst>
           </p:cNvPr>
           <p:cNvCxnSpPr>
             <a:cxnSpLocks/>
-            <a:stCxn id="56" idx="1"/>
-            <a:endCxn id="13" idx="2"/>
+            <a:stCxn id="218" idx="1"/>
+            <a:endCxn id="165" idx="2"/>
           </p:cNvCxnSpPr>
           <p:nvPr/>
         </p:nvCxnSpPr>
         <p:spPr>
           <a:xfrm rot="10800000">
-            <a:off x="3851048" y="1574687"/>
-            <a:ext cx="142921" cy="3362121"/>
+            <a:off x="4114431" y="5468322"/>
+            <a:ext cx="210781" cy="546243"/>
           </a:xfrm>
           <a:prstGeom prst="bentConnector2">
             <a:avLst/>
@@ -3855,10 +3876,10 @@
       </p:cxnSp>
       <p:sp>
         <p:nvSpPr>
-          <p:cNvPr id="62" name="직사각형 61">
-            <a:extLst>
-              <a:ext uri="{FF2B5EF4-FFF2-40B4-BE49-F238E27FC236}">
-                <a16:creationId xmlns:a16="http://schemas.microsoft.com/office/drawing/2014/main" id="{9951C528-31C8-4E39-9639-EED105D54E08}"/>
+          <p:cNvPr id="141" name="직사각형 140">
+            <a:extLst>
+              <a:ext uri="{FF2B5EF4-FFF2-40B4-BE49-F238E27FC236}">
+                <a16:creationId xmlns:a16="http://schemas.microsoft.com/office/drawing/2014/main" id="{E8C91E7B-E5EB-45BD-9038-A719F931650A}"/>
               </a:ext>
             </a:extLst>
           </p:cNvPr>
@@ -3867,8 +3888,8 @@
         </p:nvSpPr>
         <p:spPr>
           <a:xfrm>
-            <a:off x="5102183" y="5529906"/>
-            <a:ext cx="1264615" cy="208067"/>
+            <a:off x="28894822" y="3011613"/>
+            <a:ext cx="1484453" cy="419458"/>
           </a:xfrm>
           <a:prstGeom prst="rect">
             <a:avLst/>
@@ -3889,7 +3910,7 @@
           </a:fontRef>
         </p:style>
         <p:txBody>
-          <a:bodyPr rot="0" spcFirstLastPara="0" vertOverflow="overflow" horzOverflow="overflow" vert="horz" wrap="square" lIns="91440" tIns="45720" rIns="91440" bIns="45720" numCol="1" spcCol="0" rtlCol="0" fromWordArt="0" anchor="ctr" anchorCtr="0" forceAA="0" compatLnSpc="1">
+          <a:bodyPr rot="0" spcFirstLastPara="0" vertOverflow="overflow" horzOverflow="overflow" vert="horz" wrap="square" lIns="182869" tIns="91446" rIns="182869" bIns="91446" numCol="1" spcCol="0" rtlCol="0" fromWordArt="0" anchor="ctr" anchorCtr="0" forceAA="0" compatLnSpc="1">
             <a:prstTxWarp prst="textNoShape">
               <a:avLst/>
             </a:prstTxWarp>
@@ -3899,18 +3920,60 @@
           <a:p>
             <a:pPr algn="ctr"/>
             <a:r>
-              <a:rPr lang="ko-KR" altLang="en-US" sz="1000" b="1"/>
-              <a:t>리뷰 작성</a:t>
-            </a:r>
-          </a:p>
-        </p:txBody>
-      </p:sp>
-      <p:sp>
-        <p:nvSpPr>
-          <p:cNvPr id="63" name="직사각형 62">
-            <a:extLst>
-              <a:ext uri="{FF2B5EF4-FFF2-40B4-BE49-F238E27FC236}">
-                <a16:creationId xmlns:a16="http://schemas.microsoft.com/office/drawing/2014/main" id="{E53F94CA-0F67-4298-ABA4-0C0B1E408117}"/>
+              <a:rPr lang="ko-KR" altLang="en-US" sz="2000" b="1"/>
+              <a:t>로그인</a:t>
+            </a:r>
+          </a:p>
+        </p:txBody>
+      </p:sp>
+      <p:cxnSp>
+        <p:nvCxnSpPr>
+          <p:cNvPr id="320" name="연결선: 꺾임 319">
+            <a:extLst>
+              <a:ext uri="{FF2B5EF4-FFF2-40B4-BE49-F238E27FC236}">
+                <a16:creationId xmlns:a16="http://schemas.microsoft.com/office/drawing/2014/main" id="{6E9D516C-678F-4F3F-8F03-DB8C7627B936}"/>
+              </a:ext>
+            </a:extLst>
+          </p:cNvPr>
+          <p:cNvCxnSpPr>
+            <a:cxnSpLocks/>
+            <a:stCxn id="141" idx="0"/>
+            <a:endCxn id="4" idx="2"/>
+          </p:cNvCxnSpPr>
+          <p:nvPr/>
+        </p:nvCxnSpPr>
+        <p:spPr>
+          <a:xfrm rot="16200000" flipV="1">
+            <a:off x="26786288" y="160852"/>
+            <a:ext cx="1829700" cy="3871822"/>
+          </a:xfrm>
+          <a:prstGeom prst="bentConnector3">
+            <a:avLst>
+              <a:gd name="adj1" fmla="val 50000"/>
+            </a:avLst>
+          </a:prstGeom>
+        </p:spPr>
+        <p:style>
+          <a:lnRef idx="1">
+            <a:schemeClr val="dk1"/>
+          </a:lnRef>
+          <a:fillRef idx="0">
+            <a:schemeClr val="dk1"/>
+          </a:fillRef>
+          <a:effectRef idx="0">
+            <a:schemeClr val="dk1"/>
+          </a:effectRef>
+          <a:fontRef idx="minor">
+            <a:schemeClr val="tx1"/>
+          </a:fontRef>
+        </p:style>
+      </p:cxnSp>
+      <p:sp>
+        <p:nvSpPr>
+          <p:cNvPr id="329" name="직사각형 328">
+            <a:extLst>
+              <a:ext uri="{FF2B5EF4-FFF2-40B4-BE49-F238E27FC236}">
+                <a16:creationId xmlns:a16="http://schemas.microsoft.com/office/drawing/2014/main" id="{4D6F9FED-C797-402E-BA14-D71B02AD54F2}"/>
               </a:ext>
             </a:extLst>
           </p:cNvPr>
@@ -3919,8 +3982,8 @@
         </p:nvSpPr>
         <p:spPr>
           <a:xfrm>
-            <a:off x="5102183" y="5180029"/>
-            <a:ext cx="1264615" cy="208067"/>
+            <a:off x="9163495" y="5048853"/>
+            <a:ext cx="1484457" cy="419458"/>
           </a:xfrm>
           <a:prstGeom prst="rect">
             <a:avLst/>
@@ -3941,7 +4004,7 @@
           </a:fontRef>
         </p:style>
         <p:txBody>
-          <a:bodyPr rot="0" spcFirstLastPara="0" vertOverflow="overflow" horzOverflow="overflow" vert="horz" wrap="square" lIns="91440" tIns="45720" rIns="91440" bIns="45720" numCol="1" spcCol="0" rtlCol="0" fromWordArt="0" anchor="ctr" anchorCtr="0" forceAA="0" compatLnSpc="1">
+          <a:bodyPr rot="0" spcFirstLastPara="0" vertOverflow="overflow" horzOverflow="overflow" vert="horz" wrap="square" lIns="182869" tIns="91446" rIns="182869" bIns="91446" numCol="1" spcCol="0" rtlCol="0" fromWordArt="0" anchor="ctr" anchorCtr="0" forceAA="0" compatLnSpc="1">
             <a:prstTxWarp prst="textNoShape">
               <a:avLst/>
             </a:prstTxWarp>
@@ -3951,18 +4014,60 @@
           <a:p>
             <a:pPr algn="ctr"/>
             <a:r>
-              <a:rPr lang="ko-KR" altLang="en-US" sz="1000" b="1"/>
-              <a:t>리뷰 조회</a:t>
-            </a:r>
-          </a:p>
-        </p:txBody>
-      </p:sp>
-      <p:sp>
-        <p:nvSpPr>
-          <p:cNvPr id="64" name="직사각형 63">
-            <a:extLst>
-              <a:ext uri="{FF2B5EF4-FFF2-40B4-BE49-F238E27FC236}">
-                <a16:creationId xmlns:a16="http://schemas.microsoft.com/office/drawing/2014/main" id="{F2DE7CF0-FBD0-4560-B2B8-E2D63A4712AB}"/>
+              <a:rPr lang="ko-KR" altLang="en-US" sz="2000" b="1"/>
+              <a:t>예매</a:t>
+            </a:r>
+          </a:p>
+        </p:txBody>
+      </p:sp>
+      <p:cxnSp>
+        <p:nvCxnSpPr>
+          <p:cNvPr id="330" name="연결선: 꺾임 329">
+            <a:extLst>
+              <a:ext uri="{FF2B5EF4-FFF2-40B4-BE49-F238E27FC236}">
+                <a16:creationId xmlns:a16="http://schemas.microsoft.com/office/drawing/2014/main" id="{AA83284E-1CAE-4543-BABA-883CAF095C05}"/>
+              </a:ext>
+            </a:extLst>
+          </p:cNvPr>
+          <p:cNvCxnSpPr>
+            <a:cxnSpLocks/>
+            <a:stCxn id="329" idx="0"/>
+            <a:endCxn id="114" idx="2"/>
+          </p:cNvCxnSpPr>
+          <p:nvPr/>
+        </p:nvCxnSpPr>
+        <p:spPr>
+          <a:xfrm rot="5400000" flipH="1" flipV="1">
+            <a:off x="10120802" y="3240001"/>
+            <a:ext cx="1593775" cy="2023930"/>
+          </a:xfrm>
+          <a:prstGeom prst="bentConnector3">
+            <a:avLst>
+              <a:gd name="adj1" fmla="val 50000"/>
+            </a:avLst>
+          </a:prstGeom>
+        </p:spPr>
+        <p:style>
+          <a:lnRef idx="1">
+            <a:schemeClr val="dk1"/>
+          </a:lnRef>
+          <a:fillRef idx="0">
+            <a:schemeClr val="dk1"/>
+          </a:fillRef>
+          <a:effectRef idx="0">
+            <a:schemeClr val="dk1"/>
+          </a:effectRef>
+          <a:fontRef idx="minor">
+            <a:schemeClr val="tx1"/>
+          </a:fontRef>
+        </p:style>
+      </p:cxnSp>
+      <p:sp>
+        <p:nvSpPr>
+          <p:cNvPr id="334" name="직사각형 333">
+            <a:extLst>
+              <a:ext uri="{FF2B5EF4-FFF2-40B4-BE49-F238E27FC236}">
+                <a16:creationId xmlns:a16="http://schemas.microsoft.com/office/drawing/2014/main" id="{B7769C80-5B5F-4424-9B73-ACA8391FBCD8}"/>
               </a:ext>
             </a:extLst>
           </p:cNvPr>
@@ -3971,8 +4076,8 @@
         </p:nvSpPr>
         <p:spPr>
           <a:xfrm>
-            <a:off x="5102183" y="5879783"/>
-            <a:ext cx="1264615" cy="208067"/>
+            <a:off x="10112294" y="5804826"/>
+            <a:ext cx="2020114" cy="419458"/>
           </a:xfrm>
           <a:prstGeom prst="rect">
             <a:avLst/>
@@ -3993,7 +4098,7 @@
           </a:fontRef>
         </p:style>
         <p:txBody>
-          <a:bodyPr rot="0" spcFirstLastPara="0" vertOverflow="overflow" horzOverflow="overflow" vert="horz" wrap="square" lIns="91440" tIns="45720" rIns="91440" bIns="45720" numCol="1" spcCol="0" rtlCol="0" fromWordArt="0" anchor="ctr" anchorCtr="0" forceAA="0" compatLnSpc="1">
+          <a:bodyPr rot="0" spcFirstLastPara="0" vertOverflow="overflow" horzOverflow="overflow" vert="horz" wrap="square" lIns="182869" tIns="91446" rIns="182869" bIns="91446" numCol="1" spcCol="0" rtlCol="0" fromWordArt="0" anchor="ctr" anchorCtr="0" forceAA="0" compatLnSpc="1">
             <a:prstTxWarp prst="textNoShape">
               <a:avLst/>
             </a:prstTxWarp>
@@ -4003,18 +4108,58 @@
           <a:p>
             <a:pPr algn="ctr"/>
             <a:r>
-              <a:rPr lang="ko-KR" altLang="en-US" sz="1000" b="1"/>
-              <a:t>리뷰 수정</a:t>
-            </a:r>
-          </a:p>
-        </p:txBody>
-      </p:sp>
-      <p:sp>
-        <p:nvSpPr>
-          <p:cNvPr id="65" name="직사각형 64">
-            <a:extLst>
-              <a:ext uri="{FF2B5EF4-FFF2-40B4-BE49-F238E27FC236}">
-                <a16:creationId xmlns:a16="http://schemas.microsoft.com/office/drawing/2014/main" id="{599E2EC0-40E4-4405-9481-5535B80B72D2}"/>
+              <a:rPr lang="ko-KR" altLang="en-US" sz="2000" b="1"/>
+              <a:t>상영 시간표</a:t>
+            </a:r>
+          </a:p>
+        </p:txBody>
+      </p:sp>
+      <p:cxnSp>
+        <p:nvCxnSpPr>
+          <p:cNvPr id="335" name="연결선: 꺾임 334">
+            <a:extLst>
+              <a:ext uri="{FF2B5EF4-FFF2-40B4-BE49-F238E27FC236}">
+                <a16:creationId xmlns:a16="http://schemas.microsoft.com/office/drawing/2014/main" id="{7EA9AB4B-00A4-40B2-A898-7658BD1B57B8}"/>
+              </a:ext>
+            </a:extLst>
+          </p:cNvPr>
+          <p:cNvCxnSpPr>
+            <a:cxnSpLocks/>
+            <a:stCxn id="334" idx="1"/>
+            <a:endCxn id="329" idx="2"/>
+          </p:cNvCxnSpPr>
+          <p:nvPr/>
+        </p:nvCxnSpPr>
+        <p:spPr>
+          <a:xfrm rot="10800000">
+            <a:off x="9905750" y="5468322"/>
+            <a:ext cx="206553" cy="546243"/>
+          </a:xfrm>
+          <a:prstGeom prst="bentConnector2">
+            <a:avLst/>
+          </a:prstGeom>
+        </p:spPr>
+        <p:style>
+          <a:lnRef idx="1">
+            <a:schemeClr val="dk1"/>
+          </a:lnRef>
+          <a:fillRef idx="0">
+            <a:schemeClr val="dk1"/>
+          </a:fillRef>
+          <a:effectRef idx="0">
+            <a:schemeClr val="dk1"/>
+          </a:effectRef>
+          <a:fontRef idx="minor">
+            <a:schemeClr val="tx1"/>
+          </a:fontRef>
+        </p:style>
+      </p:cxnSp>
+      <p:sp>
+        <p:nvSpPr>
+          <p:cNvPr id="339" name="직사각형 338">
+            <a:extLst>
+              <a:ext uri="{FF2B5EF4-FFF2-40B4-BE49-F238E27FC236}">
+                <a16:creationId xmlns:a16="http://schemas.microsoft.com/office/drawing/2014/main" id="{9AE3970A-F152-4FF1-9EA7-29393CD20141}"/>
               </a:ext>
             </a:extLst>
           </p:cNvPr>
@@ -4023,8 +4168,8 @@
         </p:nvSpPr>
         <p:spPr>
           <a:xfrm>
-            <a:off x="5102183" y="6229660"/>
-            <a:ext cx="1264615" cy="208067"/>
+            <a:off x="28056085" y="4698310"/>
+            <a:ext cx="1314275" cy="419458"/>
           </a:xfrm>
           <a:prstGeom prst="rect">
             <a:avLst/>
@@ -4045,7 +4190,7 @@
           </a:fontRef>
         </p:style>
         <p:txBody>
-          <a:bodyPr rot="0" spcFirstLastPara="0" vertOverflow="overflow" horzOverflow="overflow" vert="horz" wrap="square" lIns="91440" tIns="45720" rIns="91440" bIns="45720" numCol="1" spcCol="0" rtlCol="0" fromWordArt="0" anchor="ctr" anchorCtr="0" forceAA="0" compatLnSpc="1">
+          <a:bodyPr rot="0" spcFirstLastPara="0" vertOverflow="overflow" horzOverflow="overflow" vert="horz" wrap="square" lIns="182869" tIns="91446" rIns="182869" bIns="91446" numCol="1" spcCol="0" rtlCol="0" fromWordArt="0" anchor="ctr" anchorCtr="0" forceAA="0" compatLnSpc="1">
             <a:prstTxWarp prst="textNoShape">
               <a:avLst/>
             </a:prstTxWarp>
@@ -4055,35 +4200,37 @@
           <a:p>
             <a:pPr algn="ctr"/>
             <a:r>
-              <a:rPr lang="ko-KR" altLang="en-US" sz="1000" b="1"/>
-              <a:t>리뷰 삭제</a:t>
+              <a:rPr lang="ko-KR" altLang="en-US" sz="2000" b="1"/>
+              <a:t>회원</a:t>
             </a:r>
           </a:p>
         </p:txBody>
       </p:sp>
       <p:cxnSp>
         <p:nvCxnSpPr>
-          <p:cNvPr id="66" name="연결선: 꺾임 65">
-            <a:extLst>
-              <a:ext uri="{FF2B5EF4-FFF2-40B4-BE49-F238E27FC236}">
-                <a16:creationId xmlns:a16="http://schemas.microsoft.com/office/drawing/2014/main" id="{FE072307-6A1F-474F-8E32-15568149409D}"/>
+          <p:cNvPr id="340" name="연결선: 꺾임 339">
+            <a:extLst>
+              <a:ext uri="{FF2B5EF4-FFF2-40B4-BE49-F238E27FC236}">
+                <a16:creationId xmlns:a16="http://schemas.microsoft.com/office/drawing/2014/main" id="{9D7FB316-E6FC-4F11-A5AF-F582255A3ACE}"/>
               </a:ext>
             </a:extLst>
           </p:cNvPr>
           <p:cNvCxnSpPr>
             <a:cxnSpLocks/>
-            <a:stCxn id="62" idx="1"/>
-            <a:endCxn id="56" idx="2"/>
+            <a:stCxn id="141" idx="2"/>
+            <a:endCxn id="339" idx="0"/>
           </p:cNvCxnSpPr>
           <p:nvPr/>
         </p:nvCxnSpPr>
         <p:spPr>
-          <a:xfrm rot="10800000">
-            <a:off x="4548077" y="5041670"/>
-            <a:ext cx="554107" cy="592271"/>
-          </a:xfrm>
-          <a:prstGeom prst="bentConnector2">
-            <a:avLst/>
+          <a:xfrm rot="5400000">
+            <a:off x="28541517" y="3602777"/>
+            <a:ext cx="1267239" cy="923826"/>
+          </a:xfrm>
+          <a:prstGeom prst="bentConnector3">
+            <a:avLst>
+              <a:gd name="adj1" fmla="val 50000"/>
+            </a:avLst>
           </a:prstGeom>
         </p:spPr>
         <p:style>
@@ -4103,27 +4250,29 @@
       </p:cxnSp>
       <p:cxnSp>
         <p:nvCxnSpPr>
-          <p:cNvPr id="70" name="연결선: 꺾임 69">
-            <a:extLst>
-              <a:ext uri="{FF2B5EF4-FFF2-40B4-BE49-F238E27FC236}">
-                <a16:creationId xmlns:a16="http://schemas.microsoft.com/office/drawing/2014/main" id="{6AFD3D99-EFB9-4553-AFCF-CDBEC480848C}"/>
+          <p:cNvPr id="353" name="연결선: 꺾임 352">
+            <a:extLst>
+              <a:ext uri="{FF2B5EF4-FFF2-40B4-BE49-F238E27FC236}">
+                <a16:creationId xmlns:a16="http://schemas.microsoft.com/office/drawing/2014/main" id="{5F251045-077A-41AC-AEFA-88361F39B542}"/>
               </a:ext>
             </a:extLst>
           </p:cNvPr>
           <p:cNvCxnSpPr>
             <a:cxnSpLocks/>
-            <a:stCxn id="63" idx="1"/>
-            <a:endCxn id="56" idx="2"/>
+            <a:stCxn id="361" idx="0"/>
+            <a:endCxn id="339" idx="2"/>
           </p:cNvCxnSpPr>
           <p:nvPr/>
         </p:nvCxnSpPr>
         <p:spPr>
-          <a:xfrm rot="10800000">
-            <a:off x="4548077" y="5041669"/>
-            <a:ext cx="554107" cy="242394"/>
-          </a:xfrm>
-          <a:prstGeom prst="bentConnector2">
-            <a:avLst/>
+          <a:xfrm rot="5400000" flipH="1" flipV="1">
+            <a:off x="24612055" y="2610423"/>
+            <a:ext cx="1593800" cy="6608503"/>
+          </a:xfrm>
+          <a:prstGeom prst="bentConnector3">
+            <a:avLst>
+              <a:gd name="adj1" fmla="val 50000"/>
+            </a:avLst>
           </a:prstGeom>
         </p:spPr>
         <p:style>
@@ -4143,27 +4292,29 @@
       </p:cxnSp>
       <p:cxnSp>
         <p:nvCxnSpPr>
-          <p:cNvPr id="73" name="연결선: 꺾임 72">
-            <a:extLst>
-              <a:ext uri="{FF2B5EF4-FFF2-40B4-BE49-F238E27FC236}">
-                <a16:creationId xmlns:a16="http://schemas.microsoft.com/office/drawing/2014/main" id="{A16EB741-C66E-4CB4-B00A-2C84829F0DEC}"/>
+          <p:cNvPr id="354" name="연결선: 꺾임 353">
+            <a:extLst>
+              <a:ext uri="{FF2B5EF4-FFF2-40B4-BE49-F238E27FC236}">
+                <a16:creationId xmlns:a16="http://schemas.microsoft.com/office/drawing/2014/main" id="{66D4F16E-6F92-49A6-8360-E54EA6FBCF09}"/>
               </a:ext>
             </a:extLst>
           </p:cNvPr>
           <p:cNvCxnSpPr>
             <a:cxnSpLocks/>
-            <a:stCxn id="64" idx="1"/>
-            <a:endCxn id="56" idx="2"/>
+            <a:stCxn id="364" idx="0"/>
+            <a:endCxn id="339" idx="2"/>
           </p:cNvCxnSpPr>
           <p:nvPr/>
         </p:nvCxnSpPr>
         <p:spPr>
-          <a:xfrm rot="10800000">
-            <a:off x="4548077" y="5041669"/>
-            <a:ext cx="554107" cy="942148"/>
-          </a:xfrm>
-          <a:prstGeom prst="bentConnector2">
-            <a:avLst/>
+          <a:xfrm rot="5400000" flipH="1" flipV="1">
+            <a:off x="27507712" y="5506073"/>
+            <a:ext cx="1593800" cy="817173"/>
+          </a:xfrm>
+          <a:prstGeom prst="bentConnector3">
+            <a:avLst>
+              <a:gd name="adj1" fmla="val 50000"/>
+            </a:avLst>
           </a:prstGeom>
         </p:spPr>
         <p:style>
@@ -4181,52 +4332,12 @@
           </a:fontRef>
         </p:style>
       </p:cxnSp>
-      <p:cxnSp>
-        <p:nvCxnSpPr>
-          <p:cNvPr id="76" name="연결선: 꺾임 75">
-            <a:extLst>
-              <a:ext uri="{FF2B5EF4-FFF2-40B4-BE49-F238E27FC236}">
-                <a16:creationId xmlns:a16="http://schemas.microsoft.com/office/drawing/2014/main" id="{48FC3E37-23F5-4AC4-A54B-985547A1141E}"/>
-              </a:ext>
-            </a:extLst>
-          </p:cNvPr>
-          <p:cNvCxnSpPr>
-            <a:cxnSpLocks/>
-            <a:stCxn id="65" idx="1"/>
-            <a:endCxn id="56" idx="2"/>
-          </p:cNvCxnSpPr>
-          <p:nvPr/>
-        </p:nvCxnSpPr>
-        <p:spPr>
-          <a:xfrm rot="10800000">
-            <a:off x="4548077" y="5041670"/>
-            <a:ext cx="554107" cy="1292025"/>
-          </a:xfrm>
-          <a:prstGeom prst="bentConnector2">
-            <a:avLst/>
-          </a:prstGeom>
-        </p:spPr>
-        <p:style>
-          <a:lnRef idx="1">
-            <a:schemeClr val="dk1"/>
-          </a:lnRef>
-          <a:fillRef idx="0">
-            <a:schemeClr val="dk1"/>
-          </a:fillRef>
-          <a:effectRef idx="0">
-            <a:schemeClr val="dk1"/>
-          </a:effectRef>
-          <a:fontRef idx="minor">
-            <a:schemeClr val="tx1"/>
-          </a:fontRef>
-        </p:style>
-      </p:cxnSp>
-      <p:sp>
-        <p:nvSpPr>
-          <p:cNvPr id="79" name="직사각형 78">
-            <a:extLst>
-              <a:ext uri="{FF2B5EF4-FFF2-40B4-BE49-F238E27FC236}">
-                <a16:creationId xmlns:a16="http://schemas.microsoft.com/office/drawing/2014/main" id="{3A87C4E1-1D7C-4544-A071-4371C750C161}"/>
+      <p:sp>
+        <p:nvSpPr>
+          <p:cNvPr id="357" name="직사각형 356">
+            <a:extLst>
+              <a:ext uri="{FF2B5EF4-FFF2-40B4-BE49-F238E27FC236}">
+                <a16:creationId xmlns:a16="http://schemas.microsoft.com/office/drawing/2014/main" id="{ACF3FF90-E1D8-4927-B2DA-00407138588A}"/>
               </a:ext>
             </a:extLst>
           </p:cNvPr>
@@ -4235,8 +4346,8 @@
         </p:nvSpPr>
         <p:spPr>
           <a:xfrm>
-            <a:off x="3993968" y="7032965"/>
-            <a:ext cx="1108216" cy="209725"/>
+            <a:off x="16914616" y="5048853"/>
+            <a:ext cx="1484457" cy="419458"/>
           </a:xfrm>
           <a:prstGeom prst="rect">
             <a:avLst/>
@@ -4257,7 +4368,7 @@
           </a:fontRef>
         </p:style>
         <p:txBody>
-          <a:bodyPr rot="0" spcFirstLastPara="0" vertOverflow="overflow" horzOverflow="overflow" vert="horz" wrap="square" lIns="91440" tIns="45720" rIns="91440" bIns="45720" numCol="1" spcCol="0" rtlCol="0" fromWordArt="0" anchor="ctr" anchorCtr="0" forceAA="0" compatLnSpc="1">
+          <a:bodyPr rot="0" spcFirstLastPara="0" vertOverflow="overflow" horzOverflow="overflow" vert="horz" wrap="square" lIns="182869" tIns="91446" rIns="182869" bIns="91446" numCol="1" spcCol="0" rtlCol="0" fromWordArt="0" anchor="ctr" anchorCtr="0" forceAA="0" compatLnSpc="1">
             <a:prstTxWarp prst="textNoShape">
               <a:avLst/>
             </a:prstTxWarp>
@@ -4267,35 +4378,37 @@
           <a:p>
             <a:pPr algn="ctr"/>
             <a:r>
-              <a:rPr lang="ko-KR" altLang="en-US" sz="1000" b="1"/>
-              <a:t>영화 한줄평</a:t>
+              <a:rPr lang="ko-KR" altLang="en-US" sz="2000" b="1"/>
+              <a:t>기프티콘</a:t>
             </a:r>
           </a:p>
         </p:txBody>
       </p:sp>
       <p:cxnSp>
         <p:nvCxnSpPr>
-          <p:cNvPr id="80" name="연결선: 꺾임 79">
-            <a:extLst>
-              <a:ext uri="{FF2B5EF4-FFF2-40B4-BE49-F238E27FC236}">
-                <a16:creationId xmlns:a16="http://schemas.microsoft.com/office/drawing/2014/main" id="{0296BEF3-C50F-41EE-BBCC-30B2DFCB4BD3}"/>
+          <p:cNvPr id="358" name="연결선: 꺾임 357">
+            <a:extLst>
+              <a:ext uri="{FF2B5EF4-FFF2-40B4-BE49-F238E27FC236}">
+                <a16:creationId xmlns:a16="http://schemas.microsoft.com/office/drawing/2014/main" id="{6DC144DF-0FCC-4808-8B1C-6A8A214BC5D3}"/>
               </a:ext>
             </a:extLst>
           </p:cNvPr>
           <p:cNvCxnSpPr>
             <a:cxnSpLocks/>
-            <a:stCxn id="79" idx="1"/>
-            <a:endCxn id="13" idx="2"/>
+            <a:stCxn id="357" idx="0"/>
+            <a:endCxn id="114" idx="2"/>
           </p:cNvCxnSpPr>
           <p:nvPr/>
         </p:nvCxnSpPr>
         <p:spPr>
-          <a:xfrm rot="10800000">
-            <a:off x="3851048" y="1574686"/>
-            <a:ext cx="142921" cy="5563142"/>
-          </a:xfrm>
-          <a:prstGeom prst="bentConnector2">
-            <a:avLst/>
+          <a:xfrm rot="16200000" flipV="1">
+            <a:off x="13996332" y="1388354"/>
+            <a:ext cx="1593800" cy="5727213"/>
+          </a:xfrm>
+          <a:prstGeom prst="bentConnector3">
+            <a:avLst>
+              <a:gd name="adj1" fmla="val 50000"/>
+            </a:avLst>
           </a:prstGeom>
         </p:spPr>
         <p:style>
@@ -4315,10 +4428,10 @@
       </p:cxnSp>
       <p:sp>
         <p:nvSpPr>
-          <p:cNvPr id="84" name="직사각형 83">
-            <a:extLst>
-              <a:ext uri="{FF2B5EF4-FFF2-40B4-BE49-F238E27FC236}">
-                <a16:creationId xmlns:a16="http://schemas.microsoft.com/office/drawing/2014/main" id="{7C64BE6E-B92B-429F-9A62-E4B68C378C1A}"/>
+          <p:cNvPr id="359" name="직사각형 358">
+            <a:extLst>
+              <a:ext uri="{FF2B5EF4-FFF2-40B4-BE49-F238E27FC236}">
+                <a16:creationId xmlns:a16="http://schemas.microsoft.com/office/drawing/2014/main" id="{BDFDB0A8-5972-40A7-9B65-BBEA0313DE4F}"/>
               </a:ext>
             </a:extLst>
           </p:cNvPr>
@@ -4327,8 +4440,8 @@
         </p:nvSpPr>
         <p:spPr>
           <a:xfrm>
-            <a:off x="5102183" y="7680043"/>
-            <a:ext cx="1264615" cy="208067"/>
+            <a:off x="18578825" y="5048853"/>
+            <a:ext cx="1484457" cy="419458"/>
           </a:xfrm>
           <a:prstGeom prst="rect">
             <a:avLst/>
@@ -4349,7 +4462,7 @@
           </a:fontRef>
         </p:style>
         <p:txBody>
-          <a:bodyPr rot="0" spcFirstLastPara="0" vertOverflow="overflow" horzOverflow="overflow" vert="horz" wrap="square" lIns="91440" tIns="45720" rIns="91440" bIns="45720" numCol="1" spcCol="0" rtlCol="0" fromWordArt="0" anchor="ctr" anchorCtr="0" forceAA="0" compatLnSpc="1">
+          <a:bodyPr rot="0" spcFirstLastPara="0" vertOverflow="overflow" horzOverflow="overflow" vert="horz" wrap="square" lIns="182869" tIns="91446" rIns="182869" bIns="91446" numCol="1" spcCol="0" rtlCol="0" fromWordArt="0" anchor="ctr" anchorCtr="0" forceAA="0" compatLnSpc="1">
             <a:prstTxWarp prst="textNoShape">
               <a:avLst/>
             </a:prstTxWarp>
@@ -4359,18 +4472,60 @@
           <a:p>
             <a:pPr algn="ctr"/>
             <a:r>
-              <a:rPr lang="ko-KR" altLang="en-US" sz="1000" b="1"/>
-              <a:t>한줄평 작성</a:t>
-            </a:r>
-          </a:p>
-        </p:txBody>
-      </p:sp>
-      <p:sp>
-        <p:nvSpPr>
-          <p:cNvPr id="85" name="직사각형 84">
-            <a:extLst>
-              <a:ext uri="{FF2B5EF4-FFF2-40B4-BE49-F238E27FC236}">
-                <a16:creationId xmlns:a16="http://schemas.microsoft.com/office/drawing/2014/main" id="{1CB2CC88-F281-4A40-80B5-7CD136388D29}"/>
+              <a:rPr lang="ko-KR" altLang="en-US" sz="2000" b="1"/>
+              <a:t>건의사항</a:t>
+            </a:r>
+          </a:p>
+        </p:txBody>
+      </p:sp>
+      <p:cxnSp>
+        <p:nvCxnSpPr>
+          <p:cNvPr id="360" name="연결선: 꺾임 359">
+            <a:extLst>
+              <a:ext uri="{FF2B5EF4-FFF2-40B4-BE49-F238E27FC236}">
+                <a16:creationId xmlns:a16="http://schemas.microsoft.com/office/drawing/2014/main" id="{78D1A285-911E-44AB-ABC6-741251A48381}"/>
+              </a:ext>
+            </a:extLst>
+          </p:cNvPr>
+          <p:cNvCxnSpPr>
+            <a:cxnSpLocks/>
+            <a:stCxn id="359" idx="0"/>
+            <a:endCxn id="114" idx="2"/>
+          </p:cNvCxnSpPr>
+          <p:nvPr/>
+        </p:nvCxnSpPr>
+        <p:spPr>
+          <a:xfrm rot="16200000" flipV="1">
+            <a:off x="14828437" y="556270"/>
+            <a:ext cx="1593800" cy="7391412"/>
+          </a:xfrm>
+          <a:prstGeom prst="bentConnector3">
+            <a:avLst>
+              <a:gd name="adj1" fmla="val 50000"/>
+            </a:avLst>
+          </a:prstGeom>
+        </p:spPr>
+        <p:style>
+          <a:lnRef idx="1">
+            <a:schemeClr val="dk1"/>
+          </a:lnRef>
+          <a:fillRef idx="0">
+            <a:schemeClr val="dk1"/>
+          </a:fillRef>
+          <a:effectRef idx="0">
+            <a:schemeClr val="dk1"/>
+          </a:effectRef>
+          <a:fontRef idx="minor">
+            <a:schemeClr val="tx1"/>
+          </a:fontRef>
+        </p:style>
+      </p:cxnSp>
+      <p:sp>
+        <p:nvSpPr>
+          <p:cNvPr id="361" name="직사각형 360">
+            <a:extLst>
+              <a:ext uri="{FF2B5EF4-FFF2-40B4-BE49-F238E27FC236}">
+                <a16:creationId xmlns:a16="http://schemas.microsoft.com/office/drawing/2014/main" id="{94A039CF-E44A-49BA-A95C-64CAC1285595}"/>
               </a:ext>
             </a:extLst>
           </p:cNvPr>
@@ -4379,8 +4534,8 @@
         </p:nvSpPr>
         <p:spPr>
           <a:xfrm>
-            <a:off x="5102183" y="7330166"/>
-            <a:ext cx="1264615" cy="208067"/>
+            <a:off x="21362492" y="6711543"/>
+            <a:ext cx="1484457" cy="419458"/>
           </a:xfrm>
           <a:prstGeom prst="rect">
             <a:avLst/>
@@ -4401,7 +4556,7 @@
           </a:fontRef>
         </p:style>
         <p:txBody>
-          <a:bodyPr rot="0" spcFirstLastPara="0" vertOverflow="overflow" horzOverflow="overflow" vert="horz" wrap="square" lIns="91440" tIns="45720" rIns="91440" bIns="45720" numCol="1" spcCol="0" rtlCol="0" fromWordArt="0" anchor="ctr" anchorCtr="0" forceAA="0" compatLnSpc="1">
+          <a:bodyPr rot="0" spcFirstLastPara="0" vertOverflow="overflow" horzOverflow="overflow" vert="horz" wrap="square" lIns="182869" tIns="91446" rIns="182869" bIns="91446" numCol="1" spcCol="0" rtlCol="0" fromWordArt="0" anchor="ctr" anchorCtr="0" forceAA="0" compatLnSpc="1">
             <a:prstTxWarp prst="textNoShape">
               <a:avLst/>
             </a:prstTxWarp>
@@ -4411,18 +4566,18 @@
           <a:p>
             <a:pPr algn="ctr"/>
             <a:r>
-              <a:rPr lang="ko-KR" altLang="en-US" sz="1000" b="1"/>
-              <a:t>한줄평 조회</a:t>
-            </a:r>
-          </a:p>
-        </p:txBody>
-      </p:sp>
-      <p:sp>
-        <p:nvSpPr>
-          <p:cNvPr id="86" name="직사각형 85">
-            <a:extLst>
-              <a:ext uri="{FF2B5EF4-FFF2-40B4-BE49-F238E27FC236}">
-                <a16:creationId xmlns:a16="http://schemas.microsoft.com/office/drawing/2014/main" id="{2891A92A-4B28-4F0A-9159-16F87EF707BC}"/>
+              <a:rPr lang="ko-KR" altLang="en-US" sz="2000" b="1"/>
+              <a:t>영화</a:t>
+            </a:r>
+          </a:p>
+        </p:txBody>
+      </p:sp>
+      <p:sp>
+        <p:nvSpPr>
+          <p:cNvPr id="362" name="직사각형 361">
+            <a:extLst>
+              <a:ext uri="{FF2B5EF4-FFF2-40B4-BE49-F238E27FC236}">
+                <a16:creationId xmlns:a16="http://schemas.microsoft.com/office/drawing/2014/main" id="{C050281E-0717-46D8-B1CB-5C01E9AA0C34}"/>
               </a:ext>
             </a:extLst>
           </p:cNvPr>
@@ -4431,8 +4586,8 @@
         </p:nvSpPr>
         <p:spPr>
           <a:xfrm>
-            <a:off x="5102183" y="8029920"/>
-            <a:ext cx="1264615" cy="208067"/>
+            <a:off x="30835362" y="6711543"/>
+            <a:ext cx="1484457" cy="419458"/>
           </a:xfrm>
           <a:prstGeom prst="rect">
             <a:avLst/>
@@ -4453,7 +4608,7 @@
           </a:fontRef>
         </p:style>
         <p:txBody>
-          <a:bodyPr rot="0" spcFirstLastPara="0" vertOverflow="overflow" horzOverflow="overflow" vert="horz" wrap="square" lIns="91440" tIns="45720" rIns="91440" bIns="45720" numCol="1" spcCol="0" rtlCol="0" fromWordArt="0" anchor="ctr" anchorCtr="0" forceAA="0" compatLnSpc="1">
+          <a:bodyPr rot="0" spcFirstLastPara="0" vertOverflow="overflow" horzOverflow="overflow" vert="horz" wrap="square" lIns="182869" tIns="91446" rIns="182869" bIns="91446" numCol="1" spcCol="0" rtlCol="0" fromWordArt="0" anchor="ctr" anchorCtr="0" forceAA="0" compatLnSpc="1">
             <a:prstTxWarp prst="textNoShape">
               <a:avLst/>
             </a:prstTxWarp>
@@ -4463,18 +4618,18 @@
           <a:p>
             <a:pPr algn="ctr"/>
             <a:r>
-              <a:rPr lang="ko-KR" altLang="en-US" sz="1000" b="1"/>
-              <a:t>한줄평 수정</a:t>
-            </a:r>
-          </a:p>
-        </p:txBody>
-      </p:sp>
-      <p:sp>
-        <p:nvSpPr>
-          <p:cNvPr id="87" name="직사각형 86">
-            <a:extLst>
-              <a:ext uri="{FF2B5EF4-FFF2-40B4-BE49-F238E27FC236}">
-                <a16:creationId xmlns:a16="http://schemas.microsoft.com/office/drawing/2014/main" id="{28F6FBDE-96B1-4E74-B563-831CBE078B10}"/>
+              <a:rPr lang="ko-KR" altLang="en-US" sz="2000" b="1"/>
+              <a:t>공지사항</a:t>
+            </a:r>
+          </a:p>
+        </p:txBody>
+      </p:sp>
+      <p:sp>
+        <p:nvSpPr>
+          <p:cNvPr id="363" name="직사각형 362">
+            <a:extLst>
+              <a:ext uri="{FF2B5EF4-FFF2-40B4-BE49-F238E27FC236}">
+                <a16:creationId xmlns:a16="http://schemas.microsoft.com/office/drawing/2014/main" id="{52B0410C-7813-4509-B2FF-A8BBE7423A3E}"/>
               </a:ext>
             </a:extLst>
           </p:cNvPr>
@@ -4483,8 +4638,8 @@
         </p:nvSpPr>
         <p:spPr>
           <a:xfrm>
-            <a:off x="5102183" y="8379797"/>
-            <a:ext cx="1264615" cy="208067"/>
+            <a:off x="32516793" y="6711543"/>
+            <a:ext cx="1484457" cy="419458"/>
           </a:xfrm>
           <a:prstGeom prst="rect">
             <a:avLst/>
@@ -4505,7 +4660,7 @@
           </a:fontRef>
         </p:style>
         <p:txBody>
-          <a:bodyPr rot="0" spcFirstLastPara="0" vertOverflow="overflow" horzOverflow="overflow" vert="horz" wrap="square" lIns="91440" tIns="45720" rIns="91440" bIns="45720" numCol="1" spcCol="0" rtlCol="0" fromWordArt="0" anchor="ctr" anchorCtr="0" forceAA="0" compatLnSpc="1">
+          <a:bodyPr rot="0" spcFirstLastPara="0" vertOverflow="overflow" horzOverflow="overflow" vert="horz" wrap="square" lIns="182869" tIns="91446" rIns="182869" bIns="91446" numCol="1" spcCol="0" rtlCol="0" fromWordArt="0" anchor="ctr" anchorCtr="0" forceAA="0" compatLnSpc="1">
             <a:prstTxWarp prst="textNoShape">
               <a:avLst/>
             </a:prstTxWarp>
@@ -4515,178 +4670,18 @@
           <a:p>
             <a:pPr algn="ctr"/>
             <a:r>
-              <a:rPr lang="ko-KR" altLang="en-US" sz="1000" b="1"/>
-              <a:t>한줄평 삭제</a:t>
-            </a:r>
-          </a:p>
-        </p:txBody>
-      </p:sp>
-      <p:cxnSp>
-        <p:nvCxnSpPr>
-          <p:cNvPr id="88" name="연결선: 꺾임 87">
-            <a:extLst>
-              <a:ext uri="{FF2B5EF4-FFF2-40B4-BE49-F238E27FC236}">
-                <a16:creationId xmlns:a16="http://schemas.microsoft.com/office/drawing/2014/main" id="{65F24576-CC96-4A4F-8960-5CC5F7686C3F}"/>
-              </a:ext>
-            </a:extLst>
-          </p:cNvPr>
-          <p:cNvCxnSpPr>
-            <a:cxnSpLocks/>
-            <a:stCxn id="84" idx="1"/>
-            <a:endCxn id="79" idx="2"/>
-          </p:cNvCxnSpPr>
-          <p:nvPr/>
-        </p:nvCxnSpPr>
-        <p:spPr>
-          <a:xfrm rot="10800000">
-            <a:off x="4548077" y="7242691"/>
-            <a:ext cx="554107" cy="541387"/>
-          </a:xfrm>
-          <a:prstGeom prst="bentConnector2">
-            <a:avLst/>
-          </a:prstGeom>
-        </p:spPr>
-        <p:style>
-          <a:lnRef idx="1">
-            <a:schemeClr val="dk1"/>
-          </a:lnRef>
-          <a:fillRef idx="0">
-            <a:schemeClr val="dk1"/>
-          </a:fillRef>
-          <a:effectRef idx="0">
-            <a:schemeClr val="dk1"/>
-          </a:effectRef>
-          <a:fontRef idx="minor">
-            <a:schemeClr val="tx1"/>
-          </a:fontRef>
-        </p:style>
-      </p:cxnSp>
-      <p:cxnSp>
-        <p:nvCxnSpPr>
-          <p:cNvPr id="89" name="연결선: 꺾임 88">
-            <a:extLst>
-              <a:ext uri="{FF2B5EF4-FFF2-40B4-BE49-F238E27FC236}">
-                <a16:creationId xmlns:a16="http://schemas.microsoft.com/office/drawing/2014/main" id="{0E8F5688-254D-4522-8D28-FC252FF269B8}"/>
-              </a:ext>
-            </a:extLst>
-          </p:cNvPr>
-          <p:cNvCxnSpPr>
-            <a:cxnSpLocks/>
-            <a:stCxn id="85" idx="1"/>
-            <a:endCxn id="79" idx="2"/>
-          </p:cNvCxnSpPr>
-          <p:nvPr/>
-        </p:nvCxnSpPr>
-        <p:spPr>
-          <a:xfrm rot="10800000">
-            <a:off x="4548077" y="7242690"/>
-            <a:ext cx="554107" cy="191510"/>
-          </a:xfrm>
-          <a:prstGeom prst="bentConnector2">
-            <a:avLst/>
-          </a:prstGeom>
-        </p:spPr>
-        <p:style>
-          <a:lnRef idx="1">
-            <a:schemeClr val="dk1"/>
-          </a:lnRef>
-          <a:fillRef idx="0">
-            <a:schemeClr val="dk1"/>
-          </a:fillRef>
-          <a:effectRef idx="0">
-            <a:schemeClr val="dk1"/>
-          </a:effectRef>
-          <a:fontRef idx="minor">
-            <a:schemeClr val="tx1"/>
-          </a:fontRef>
-        </p:style>
-      </p:cxnSp>
-      <p:cxnSp>
-        <p:nvCxnSpPr>
-          <p:cNvPr id="90" name="연결선: 꺾임 89">
-            <a:extLst>
-              <a:ext uri="{FF2B5EF4-FFF2-40B4-BE49-F238E27FC236}">
-                <a16:creationId xmlns:a16="http://schemas.microsoft.com/office/drawing/2014/main" id="{FC180C17-3232-4AB2-A0D4-AE20442C1F74}"/>
-              </a:ext>
-            </a:extLst>
-          </p:cNvPr>
-          <p:cNvCxnSpPr>
-            <a:cxnSpLocks/>
-            <a:stCxn id="86" idx="1"/>
-            <a:endCxn id="79" idx="2"/>
-          </p:cNvCxnSpPr>
-          <p:nvPr/>
-        </p:nvCxnSpPr>
-        <p:spPr>
-          <a:xfrm rot="10800000">
-            <a:off x="4548077" y="7242690"/>
-            <a:ext cx="554107" cy="891264"/>
-          </a:xfrm>
-          <a:prstGeom prst="bentConnector2">
-            <a:avLst/>
-          </a:prstGeom>
-        </p:spPr>
-        <p:style>
-          <a:lnRef idx="1">
-            <a:schemeClr val="dk1"/>
-          </a:lnRef>
-          <a:fillRef idx="0">
-            <a:schemeClr val="dk1"/>
-          </a:fillRef>
-          <a:effectRef idx="0">
-            <a:schemeClr val="dk1"/>
-          </a:effectRef>
-          <a:fontRef idx="minor">
-            <a:schemeClr val="tx1"/>
-          </a:fontRef>
-        </p:style>
-      </p:cxnSp>
-      <p:cxnSp>
-        <p:nvCxnSpPr>
-          <p:cNvPr id="91" name="연결선: 꺾임 90">
-            <a:extLst>
-              <a:ext uri="{FF2B5EF4-FFF2-40B4-BE49-F238E27FC236}">
-                <a16:creationId xmlns:a16="http://schemas.microsoft.com/office/drawing/2014/main" id="{76BF0D25-0C90-4732-85C5-91CBD6143EC8}"/>
-              </a:ext>
-            </a:extLst>
-          </p:cNvPr>
-          <p:cNvCxnSpPr>
-            <a:cxnSpLocks/>
-            <a:stCxn id="87" idx="1"/>
-            <a:endCxn id="79" idx="2"/>
-          </p:cNvCxnSpPr>
-          <p:nvPr/>
-        </p:nvCxnSpPr>
-        <p:spPr>
-          <a:xfrm rot="10800000">
-            <a:off x="4548077" y="7242691"/>
-            <a:ext cx="554107" cy="1241141"/>
-          </a:xfrm>
-          <a:prstGeom prst="bentConnector2">
-            <a:avLst/>
-          </a:prstGeom>
-        </p:spPr>
-        <p:style>
-          <a:lnRef idx="1">
-            <a:schemeClr val="dk1"/>
-          </a:lnRef>
-          <a:fillRef idx="0">
-            <a:schemeClr val="dk1"/>
-          </a:fillRef>
-          <a:effectRef idx="0">
-            <a:schemeClr val="dk1"/>
-          </a:effectRef>
-          <a:fontRef idx="minor">
-            <a:schemeClr val="tx1"/>
-          </a:fontRef>
-        </p:style>
-      </p:cxnSp>
-      <p:sp>
-        <p:nvSpPr>
-          <p:cNvPr id="100" name="직사각형 99">
-            <a:extLst>
-              <a:ext uri="{FF2B5EF4-FFF2-40B4-BE49-F238E27FC236}">
-                <a16:creationId xmlns:a16="http://schemas.microsoft.com/office/drawing/2014/main" id="{23577754-01A3-487A-966B-89784E2ECB17}"/>
+              <a:rPr lang="ko-KR" altLang="en-US" sz="2000" b="1"/>
+              <a:t>할인정보</a:t>
+            </a:r>
+          </a:p>
+        </p:txBody>
+      </p:sp>
+      <p:sp>
+        <p:nvSpPr>
+          <p:cNvPr id="364" name="직사각형 363">
+            <a:extLst>
+              <a:ext uri="{FF2B5EF4-FFF2-40B4-BE49-F238E27FC236}">
+                <a16:creationId xmlns:a16="http://schemas.microsoft.com/office/drawing/2014/main" id="{9934EEC8-191F-4015-B00C-5EEA72C7FAC6}"/>
               </a:ext>
             </a:extLst>
           </p:cNvPr>
@@ -4695,8 +4690,8 @@
         </p:nvSpPr>
         <p:spPr>
           <a:xfrm>
-            <a:off x="3993965" y="8761546"/>
-            <a:ext cx="1108216" cy="209725"/>
+            <a:off x="27153813" y="6711543"/>
+            <a:ext cx="1484457" cy="419458"/>
           </a:xfrm>
           <a:prstGeom prst="rect">
             <a:avLst/>
@@ -4717,7 +4712,7 @@
           </a:fontRef>
         </p:style>
         <p:txBody>
-          <a:bodyPr rot="0" spcFirstLastPara="0" vertOverflow="overflow" horzOverflow="overflow" vert="horz" wrap="square" lIns="91440" tIns="45720" rIns="91440" bIns="45720" numCol="1" spcCol="0" rtlCol="0" fromWordArt="0" anchor="ctr" anchorCtr="0" forceAA="0" compatLnSpc="1">
+          <a:bodyPr rot="0" spcFirstLastPara="0" vertOverflow="overflow" horzOverflow="overflow" vert="horz" wrap="square" lIns="182869" tIns="91446" rIns="182869" bIns="91446" numCol="1" spcCol="0" rtlCol="0" fromWordArt="0" anchor="ctr" anchorCtr="0" forceAA="0" compatLnSpc="1">
             <a:prstTxWarp prst="textNoShape">
               <a:avLst/>
             </a:prstTxWarp>
@@ -4727,58 +4722,18 @@
           <a:p>
             <a:pPr algn="ctr"/>
             <a:r>
-              <a:rPr lang="ko-KR" altLang="en-US" sz="1000" b="1"/>
-              <a:t>건의사항 게시판</a:t>
-            </a:r>
-          </a:p>
-        </p:txBody>
-      </p:sp>
-      <p:cxnSp>
-        <p:nvCxnSpPr>
-          <p:cNvPr id="116" name="연결선: 꺾임 115">
-            <a:extLst>
-              <a:ext uri="{FF2B5EF4-FFF2-40B4-BE49-F238E27FC236}">
-                <a16:creationId xmlns:a16="http://schemas.microsoft.com/office/drawing/2014/main" id="{85D71CB1-1BAF-4786-9A8D-60F3B710BE91}"/>
-              </a:ext>
-            </a:extLst>
-          </p:cNvPr>
-          <p:cNvCxnSpPr>
-            <a:cxnSpLocks/>
-            <a:stCxn id="100" idx="1"/>
-            <a:endCxn id="13" idx="2"/>
-          </p:cNvCxnSpPr>
-          <p:nvPr/>
-        </p:nvCxnSpPr>
-        <p:spPr>
-          <a:xfrm rot="10800000">
-            <a:off x="3851047" y="1574687"/>
-            <a:ext cx="142918" cy="7291723"/>
-          </a:xfrm>
-          <a:prstGeom prst="bentConnector2">
-            <a:avLst/>
-          </a:prstGeom>
-        </p:spPr>
-        <p:style>
-          <a:lnRef idx="1">
-            <a:schemeClr val="dk1"/>
-          </a:lnRef>
-          <a:fillRef idx="0">
-            <a:schemeClr val="dk1"/>
-          </a:fillRef>
-          <a:effectRef idx="0">
-            <a:schemeClr val="dk1"/>
-          </a:effectRef>
-          <a:fontRef idx="minor">
-            <a:schemeClr val="tx1"/>
-          </a:fontRef>
-        </p:style>
-      </p:cxnSp>
-      <p:sp>
-        <p:nvSpPr>
-          <p:cNvPr id="119" name="직사각형 118">
-            <a:extLst>
-              <a:ext uri="{FF2B5EF4-FFF2-40B4-BE49-F238E27FC236}">
-                <a16:creationId xmlns:a16="http://schemas.microsoft.com/office/drawing/2014/main" id="{E288D4D5-29C5-49F1-AE0A-CB92F024EFF8}"/>
+              <a:rPr lang="ko-KR" altLang="en-US" sz="2000" b="1"/>
+              <a:t>예매</a:t>
+            </a:r>
+          </a:p>
+        </p:txBody>
+      </p:sp>
+      <p:sp>
+        <p:nvSpPr>
+          <p:cNvPr id="365" name="직사각형 364">
+            <a:extLst>
+              <a:ext uri="{FF2B5EF4-FFF2-40B4-BE49-F238E27FC236}">
+                <a16:creationId xmlns:a16="http://schemas.microsoft.com/office/drawing/2014/main" id="{99F37188-EA12-4CCE-BBB8-2E08E47EE7D0}"/>
               </a:ext>
             </a:extLst>
           </p:cNvPr>
@@ -4787,8 +4742,8 @@
         </p:nvSpPr>
         <p:spPr>
           <a:xfrm>
-            <a:off x="5102183" y="9111422"/>
-            <a:ext cx="1264615" cy="208067"/>
+            <a:off x="34181010" y="6711543"/>
+            <a:ext cx="1484457" cy="419458"/>
           </a:xfrm>
           <a:prstGeom prst="rect">
             <a:avLst/>
@@ -4809,7 +4764,7 @@
           </a:fontRef>
         </p:style>
         <p:txBody>
-          <a:bodyPr rot="0" spcFirstLastPara="0" vertOverflow="overflow" horzOverflow="overflow" vert="horz" wrap="square" lIns="91440" tIns="45720" rIns="91440" bIns="45720" numCol="1" spcCol="0" rtlCol="0" fromWordArt="0" anchor="ctr" anchorCtr="0" forceAA="0" compatLnSpc="1">
+          <a:bodyPr rot="0" spcFirstLastPara="0" vertOverflow="overflow" horzOverflow="overflow" vert="horz" wrap="square" lIns="182869" tIns="91446" rIns="182869" bIns="91446" numCol="1" spcCol="0" rtlCol="0" fromWordArt="0" anchor="ctr" anchorCtr="0" forceAA="0" compatLnSpc="1">
             <a:prstTxWarp prst="textNoShape">
               <a:avLst/>
             </a:prstTxWarp>
@@ -4819,18 +4774,18 @@
           <a:p>
             <a:pPr algn="ctr"/>
             <a:r>
-              <a:rPr lang="ko-KR" altLang="en-US" sz="1000" b="1"/>
-              <a:t>건의사항 조회</a:t>
-            </a:r>
-          </a:p>
-        </p:txBody>
-      </p:sp>
-      <p:sp>
-        <p:nvSpPr>
-          <p:cNvPr id="120" name="직사각형 119">
-            <a:extLst>
-              <a:ext uri="{FF2B5EF4-FFF2-40B4-BE49-F238E27FC236}">
-                <a16:creationId xmlns:a16="http://schemas.microsoft.com/office/drawing/2014/main" id="{8C14659F-1CDD-4E7C-829C-E63648416B88}"/>
+              <a:rPr lang="ko-KR" altLang="en-US" sz="2000" b="1"/>
+              <a:t>기프티콘</a:t>
+            </a:r>
+          </a:p>
+        </p:txBody>
+      </p:sp>
+      <p:sp>
+        <p:nvSpPr>
+          <p:cNvPr id="366" name="직사각형 365">
+            <a:extLst>
+              <a:ext uri="{FF2B5EF4-FFF2-40B4-BE49-F238E27FC236}">
+                <a16:creationId xmlns:a16="http://schemas.microsoft.com/office/drawing/2014/main" id="{29E4E78C-7F87-4515-8FBC-8C5E2BBD718A}"/>
               </a:ext>
             </a:extLst>
           </p:cNvPr>
@@ -4839,8 +4794,8 @@
         </p:nvSpPr>
         <p:spPr>
           <a:xfrm>
-            <a:off x="5102180" y="9465644"/>
-            <a:ext cx="1264615" cy="208067"/>
+            <a:off x="38631952" y="6711543"/>
+            <a:ext cx="1484457" cy="419458"/>
           </a:xfrm>
           <a:prstGeom prst="rect">
             <a:avLst/>
@@ -4861,7 +4816,7 @@
           </a:fontRef>
         </p:style>
         <p:txBody>
-          <a:bodyPr rot="0" spcFirstLastPara="0" vertOverflow="overflow" horzOverflow="overflow" vert="horz" wrap="square" lIns="91440" tIns="45720" rIns="91440" bIns="45720" numCol="1" spcCol="0" rtlCol="0" fromWordArt="0" anchor="ctr" anchorCtr="0" forceAA="0" compatLnSpc="1">
+          <a:bodyPr rot="0" spcFirstLastPara="0" vertOverflow="overflow" horzOverflow="overflow" vert="horz" wrap="square" lIns="182869" tIns="91446" rIns="182869" bIns="91446" numCol="1" spcCol="0" rtlCol="0" fromWordArt="0" anchor="ctr" anchorCtr="0" forceAA="0" compatLnSpc="1">
             <a:prstTxWarp prst="textNoShape">
               <a:avLst/>
             </a:prstTxWarp>
@@ -4871,18 +4826,186 @@
           <a:p>
             <a:pPr algn="ctr"/>
             <a:r>
-              <a:rPr lang="ko-KR" altLang="en-US" sz="1000" b="1"/>
-              <a:t>건의사항 작성</a:t>
-            </a:r>
-          </a:p>
-        </p:txBody>
-      </p:sp>
-      <p:sp>
-        <p:nvSpPr>
-          <p:cNvPr id="121" name="직사각형 120">
-            <a:extLst>
-              <a:ext uri="{FF2B5EF4-FFF2-40B4-BE49-F238E27FC236}">
-                <a16:creationId xmlns:a16="http://schemas.microsoft.com/office/drawing/2014/main" id="{26713AAF-611D-430C-9138-0CC49AB83498}"/>
+              <a:rPr lang="ko-KR" altLang="en-US" sz="2000" b="1"/>
+              <a:t>건의사항</a:t>
+            </a:r>
+          </a:p>
+        </p:txBody>
+      </p:sp>
+      <p:cxnSp>
+        <p:nvCxnSpPr>
+          <p:cNvPr id="371" name="연결선: 꺾임 370">
+            <a:extLst>
+              <a:ext uri="{FF2B5EF4-FFF2-40B4-BE49-F238E27FC236}">
+                <a16:creationId xmlns:a16="http://schemas.microsoft.com/office/drawing/2014/main" id="{055238B4-C32D-4EC9-81F1-B90907533C94}"/>
+              </a:ext>
+            </a:extLst>
+          </p:cNvPr>
+          <p:cNvCxnSpPr>
+            <a:cxnSpLocks/>
+            <a:stCxn id="362" idx="0"/>
+            <a:endCxn id="339" idx="2"/>
+          </p:cNvCxnSpPr>
+          <p:nvPr/>
+        </p:nvCxnSpPr>
+        <p:spPr>
+          <a:xfrm rot="16200000" flipV="1">
+            <a:off x="29348495" y="4482454"/>
+            <a:ext cx="1593800" cy="2864393"/>
+          </a:xfrm>
+          <a:prstGeom prst="bentConnector3">
+            <a:avLst>
+              <a:gd name="adj1" fmla="val 50000"/>
+            </a:avLst>
+          </a:prstGeom>
+        </p:spPr>
+        <p:style>
+          <a:lnRef idx="1">
+            <a:schemeClr val="dk1"/>
+          </a:lnRef>
+          <a:fillRef idx="0">
+            <a:schemeClr val="dk1"/>
+          </a:fillRef>
+          <a:effectRef idx="0">
+            <a:schemeClr val="dk1"/>
+          </a:effectRef>
+          <a:fontRef idx="minor">
+            <a:schemeClr val="tx1"/>
+          </a:fontRef>
+        </p:style>
+      </p:cxnSp>
+      <p:cxnSp>
+        <p:nvCxnSpPr>
+          <p:cNvPr id="374" name="연결선: 꺾임 373">
+            <a:extLst>
+              <a:ext uri="{FF2B5EF4-FFF2-40B4-BE49-F238E27FC236}">
+                <a16:creationId xmlns:a16="http://schemas.microsoft.com/office/drawing/2014/main" id="{1BED366C-2718-468F-9256-5377EC473E99}"/>
+              </a:ext>
+            </a:extLst>
+          </p:cNvPr>
+          <p:cNvCxnSpPr>
+            <a:cxnSpLocks/>
+            <a:stCxn id="363" idx="0"/>
+            <a:endCxn id="339" idx="2"/>
+          </p:cNvCxnSpPr>
+          <p:nvPr/>
+        </p:nvCxnSpPr>
+        <p:spPr>
+          <a:xfrm rot="16200000" flipV="1">
+            <a:off x="30189202" y="3641769"/>
+            <a:ext cx="1593800" cy="4545816"/>
+          </a:xfrm>
+          <a:prstGeom prst="bentConnector3">
+            <a:avLst>
+              <a:gd name="adj1" fmla="val 50000"/>
+            </a:avLst>
+          </a:prstGeom>
+        </p:spPr>
+        <p:style>
+          <a:lnRef idx="1">
+            <a:schemeClr val="dk1"/>
+          </a:lnRef>
+          <a:fillRef idx="0">
+            <a:schemeClr val="dk1"/>
+          </a:fillRef>
+          <a:effectRef idx="0">
+            <a:schemeClr val="dk1"/>
+          </a:effectRef>
+          <a:fontRef idx="minor">
+            <a:schemeClr val="tx1"/>
+          </a:fontRef>
+        </p:style>
+      </p:cxnSp>
+      <p:cxnSp>
+        <p:nvCxnSpPr>
+          <p:cNvPr id="377" name="연결선: 꺾임 376">
+            <a:extLst>
+              <a:ext uri="{FF2B5EF4-FFF2-40B4-BE49-F238E27FC236}">
+                <a16:creationId xmlns:a16="http://schemas.microsoft.com/office/drawing/2014/main" id="{11D8C12D-D04C-4D5F-9A0A-56AA55F41998}"/>
+              </a:ext>
+            </a:extLst>
+          </p:cNvPr>
+          <p:cNvCxnSpPr>
+            <a:cxnSpLocks/>
+            <a:stCxn id="365" idx="0"/>
+            <a:endCxn id="339" idx="2"/>
+          </p:cNvCxnSpPr>
+          <p:nvPr/>
+        </p:nvCxnSpPr>
+        <p:spPr>
+          <a:xfrm rot="16200000" flipV="1">
+            <a:off x="31021307" y="2809661"/>
+            <a:ext cx="1593800" cy="6210032"/>
+          </a:xfrm>
+          <a:prstGeom prst="bentConnector3">
+            <a:avLst>
+              <a:gd name="adj1" fmla="val 50000"/>
+            </a:avLst>
+          </a:prstGeom>
+        </p:spPr>
+        <p:style>
+          <a:lnRef idx="1">
+            <a:schemeClr val="dk1"/>
+          </a:lnRef>
+          <a:fillRef idx="0">
+            <a:schemeClr val="dk1"/>
+          </a:fillRef>
+          <a:effectRef idx="0">
+            <a:schemeClr val="dk1"/>
+          </a:effectRef>
+          <a:fontRef idx="minor">
+            <a:schemeClr val="tx1"/>
+          </a:fontRef>
+        </p:style>
+      </p:cxnSp>
+      <p:cxnSp>
+        <p:nvCxnSpPr>
+          <p:cNvPr id="381" name="연결선: 꺾임 380">
+            <a:extLst>
+              <a:ext uri="{FF2B5EF4-FFF2-40B4-BE49-F238E27FC236}">
+                <a16:creationId xmlns:a16="http://schemas.microsoft.com/office/drawing/2014/main" id="{CA676176-1FE9-4AC0-9683-AD56183DE54B}"/>
+              </a:ext>
+            </a:extLst>
+          </p:cNvPr>
+          <p:cNvCxnSpPr>
+            <a:cxnSpLocks/>
+            <a:stCxn id="366" idx="0"/>
+            <a:endCxn id="339" idx="2"/>
+          </p:cNvCxnSpPr>
+          <p:nvPr/>
+        </p:nvCxnSpPr>
+        <p:spPr>
+          <a:xfrm rot="16200000" flipV="1">
+            <a:off x="33246778" y="584159"/>
+            <a:ext cx="1593792" cy="10660978"/>
+          </a:xfrm>
+          <a:prstGeom prst="bentConnector3">
+            <a:avLst>
+              <a:gd name="adj1" fmla="val 50000"/>
+            </a:avLst>
+          </a:prstGeom>
+        </p:spPr>
+        <p:style>
+          <a:lnRef idx="1">
+            <a:schemeClr val="dk1"/>
+          </a:lnRef>
+          <a:fillRef idx="0">
+            <a:schemeClr val="dk1"/>
+          </a:fillRef>
+          <a:effectRef idx="0">
+            <a:schemeClr val="dk1"/>
+          </a:effectRef>
+          <a:fontRef idx="minor">
+            <a:schemeClr val="tx1"/>
+          </a:fontRef>
+        </p:style>
+      </p:cxnSp>
+      <p:sp>
+        <p:nvSpPr>
+          <p:cNvPr id="384" name="직사각형 383">
+            <a:extLst>
+              <a:ext uri="{FF2B5EF4-FFF2-40B4-BE49-F238E27FC236}">
+                <a16:creationId xmlns:a16="http://schemas.microsoft.com/office/drawing/2014/main" id="{B1C2732F-2906-4E08-A348-B5F1BD79D318}"/>
               </a:ext>
             </a:extLst>
           </p:cNvPr>
@@ -4891,8 +5014,8 @@
         </p:nvSpPr>
         <p:spPr>
           <a:xfrm>
-            <a:off x="5102180" y="9819864"/>
-            <a:ext cx="1264615" cy="208067"/>
+            <a:off x="23745151" y="8744581"/>
+            <a:ext cx="2020114" cy="419458"/>
           </a:xfrm>
           <a:prstGeom prst="rect">
             <a:avLst/>
@@ -4913,7 +5036,7 @@
           </a:fontRef>
         </p:style>
         <p:txBody>
-          <a:bodyPr rot="0" spcFirstLastPara="0" vertOverflow="overflow" horzOverflow="overflow" vert="horz" wrap="square" lIns="91440" tIns="45720" rIns="91440" bIns="45720" numCol="1" spcCol="0" rtlCol="0" fromWordArt="0" anchor="ctr" anchorCtr="0" forceAA="0" compatLnSpc="1">
+          <a:bodyPr rot="0" spcFirstLastPara="0" vertOverflow="overflow" horzOverflow="overflow" vert="horz" wrap="square" lIns="182869" tIns="91446" rIns="182869" bIns="91446" numCol="1" spcCol="0" rtlCol="0" fromWordArt="0" anchor="ctr" anchorCtr="0" forceAA="0" compatLnSpc="1">
             <a:prstTxWarp prst="textNoShape">
               <a:avLst/>
             </a:prstTxWarp>
@@ -4923,18 +5046,58 @@
           <a:p>
             <a:pPr algn="ctr"/>
             <a:r>
-              <a:rPr lang="ko-KR" altLang="en-US" sz="1000" b="1"/>
-              <a:t>건의사항 수정</a:t>
-            </a:r>
-          </a:p>
-        </p:txBody>
-      </p:sp>
-      <p:sp>
-        <p:nvSpPr>
-          <p:cNvPr id="122" name="직사각형 121">
-            <a:extLst>
-              <a:ext uri="{FF2B5EF4-FFF2-40B4-BE49-F238E27FC236}">
-                <a16:creationId xmlns:a16="http://schemas.microsoft.com/office/drawing/2014/main" id="{4772FDDB-5B91-4752-A55E-30460BAE3FD8}"/>
+              <a:rPr lang="ko-KR" altLang="en-US" sz="2000" b="1"/>
+              <a:t>영화 상세보기</a:t>
+            </a:r>
+          </a:p>
+        </p:txBody>
+      </p:sp>
+      <p:cxnSp>
+        <p:nvCxnSpPr>
+          <p:cNvPr id="385" name="연결선: 꺾임 384">
+            <a:extLst>
+              <a:ext uri="{FF2B5EF4-FFF2-40B4-BE49-F238E27FC236}">
+                <a16:creationId xmlns:a16="http://schemas.microsoft.com/office/drawing/2014/main" id="{F994B7EA-E4C8-4768-BF36-9A2818E02ED1}"/>
+              </a:ext>
+            </a:extLst>
+          </p:cNvPr>
+          <p:cNvCxnSpPr>
+            <a:cxnSpLocks/>
+            <a:stCxn id="384" idx="1"/>
+            <a:endCxn id="392" idx="2"/>
+          </p:cNvCxnSpPr>
+          <p:nvPr/>
+        </p:nvCxnSpPr>
+        <p:spPr>
+          <a:xfrm rot="10800000">
+            <a:off x="23531237" y="7886974"/>
+            <a:ext cx="213914" cy="1067336"/>
+          </a:xfrm>
+          <a:prstGeom prst="bentConnector2">
+            <a:avLst/>
+          </a:prstGeom>
+        </p:spPr>
+        <p:style>
+          <a:lnRef idx="1">
+            <a:schemeClr val="dk1"/>
+          </a:lnRef>
+          <a:fillRef idx="0">
+            <a:schemeClr val="dk1"/>
+          </a:fillRef>
+          <a:effectRef idx="0">
+            <a:schemeClr val="dk1"/>
+          </a:effectRef>
+          <a:fontRef idx="minor">
+            <a:schemeClr val="tx1"/>
+          </a:fontRef>
+        </p:style>
+      </p:cxnSp>
+      <p:sp>
+        <p:nvSpPr>
+          <p:cNvPr id="386" name="직사각형 385">
+            <a:extLst>
+              <a:ext uri="{FF2B5EF4-FFF2-40B4-BE49-F238E27FC236}">
+                <a16:creationId xmlns:a16="http://schemas.microsoft.com/office/drawing/2014/main" id="{62F59960-9A6C-46ED-A64E-1BB1C5861B73}"/>
               </a:ext>
             </a:extLst>
           </p:cNvPr>
@@ -4943,8 +5106,8 @@
         </p:nvSpPr>
         <p:spPr>
           <a:xfrm>
-            <a:off x="5102180" y="10174084"/>
-            <a:ext cx="1264615" cy="208067"/>
+            <a:off x="25126793" y="10087883"/>
+            <a:ext cx="2020114" cy="419458"/>
           </a:xfrm>
           <a:prstGeom prst="rect">
             <a:avLst/>
@@ -4965,7 +5128,7 @@
           </a:fontRef>
         </p:style>
         <p:txBody>
-          <a:bodyPr rot="0" spcFirstLastPara="0" vertOverflow="overflow" horzOverflow="overflow" vert="horz" wrap="square" lIns="91440" tIns="45720" rIns="91440" bIns="45720" numCol="1" spcCol="0" rtlCol="0" fromWordArt="0" anchor="ctr" anchorCtr="0" forceAA="0" compatLnSpc="1">
+          <a:bodyPr rot="0" spcFirstLastPara="0" vertOverflow="overflow" horzOverflow="overflow" vert="horz" wrap="square" lIns="182869" tIns="91446" rIns="182869" bIns="91446" numCol="1" spcCol="0" rtlCol="0" fromWordArt="0" anchor="ctr" anchorCtr="0" forceAA="0" compatLnSpc="1">
             <a:prstTxWarp prst="textNoShape">
               <a:avLst/>
             </a:prstTxWarp>
@@ -4975,32 +5138,45 @@
           <a:p>
             <a:pPr algn="ctr"/>
             <a:r>
-              <a:rPr lang="ko-KR" altLang="en-US" sz="1000" b="1"/>
-              <a:t>건의사항 삭제</a:t>
-            </a:r>
+              <a:rPr lang="ko-KR" altLang="en-US" sz="2000" b="1"/>
+              <a:t>영화 한줄평</a:t>
+            </a:r>
+            <a:r>
+              <a:rPr lang="en-US" altLang="ko-KR" sz="2000" b="1"/>
+              <a:t>(</a:t>
+            </a:r>
+            <a:r>
+              <a:rPr lang="ko-KR" altLang="en-US" sz="2000" b="1"/>
+              <a:t>조회</a:t>
+            </a:r>
+            <a:r>
+              <a:rPr lang="en-US" altLang="ko-KR" sz="2000" b="1"/>
+              <a:t>)</a:t>
+            </a:r>
+            <a:endParaRPr lang="ko-KR" altLang="en-US" sz="2000" b="1"/>
           </a:p>
         </p:txBody>
       </p:sp>
       <p:cxnSp>
         <p:nvCxnSpPr>
-          <p:cNvPr id="123" name="연결선: 꺾임 122">
-            <a:extLst>
-              <a:ext uri="{FF2B5EF4-FFF2-40B4-BE49-F238E27FC236}">
-                <a16:creationId xmlns:a16="http://schemas.microsoft.com/office/drawing/2014/main" id="{7A67F483-21D0-4184-9BDB-2362710D011C}"/>
+          <p:cNvPr id="387" name="연결선: 꺾임 386">
+            <a:extLst>
+              <a:ext uri="{FF2B5EF4-FFF2-40B4-BE49-F238E27FC236}">
+                <a16:creationId xmlns:a16="http://schemas.microsoft.com/office/drawing/2014/main" id="{AE803DEF-5473-4E8A-9F08-DCA13BE5315D}"/>
               </a:ext>
             </a:extLst>
           </p:cNvPr>
           <p:cNvCxnSpPr>
             <a:cxnSpLocks/>
-            <a:stCxn id="119" idx="1"/>
-            <a:endCxn id="100" idx="2"/>
+            <a:stCxn id="386" idx="1"/>
+            <a:endCxn id="384" idx="2"/>
           </p:cNvCxnSpPr>
           <p:nvPr/>
         </p:nvCxnSpPr>
         <p:spPr>
           <a:xfrm rot="10800000">
-            <a:off x="4548073" y="8971272"/>
-            <a:ext cx="554110" cy="244185"/>
+            <a:off x="24755221" y="9164058"/>
+            <a:ext cx="371594" cy="1133566"/>
           </a:xfrm>
           <a:prstGeom prst="bentConnector2">
             <a:avLst/>
@@ -5021,132 +5197,12 @@
           </a:fontRef>
         </p:style>
       </p:cxnSp>
-      <p:cxnSp>
-        <p:nvCxnSpPr>
-          <p:cNvPr id="126" name="연결선: 꺾임 125">
-            <a:extLst>
-              <a:ext uri="{FF2B5EF4-FFF2-40B4-BE49-F238E27FC236}">
-                <a16:creationId xmlns:a16="http://schemas.microsoft.com/office/drawing/2014/main" id="{EC2C9DD0-8277-4A95-BA09-53A5F2D94B18}"/>
-              </a:ext>
-            </a:extLst>
-          </p:cNvPr>
-          <p:cNvCxnSpPr>
-            <a:cxnSpLocks/>
-            <a:stCxn id="120" idx="1"/>
-            <a:endCxn id="100" idx="2"/>
-          </p:cNvCxnSpPr>
-          <p:nvPr/>
-        </p:nvCxnSpPr>
-        <p:spPr>
-          <a:xfrm rot="10800000">
-            <a:off x="4548074" y="8971272"/>
-            <a:ext cx="554107" cy="598407"/>
-          </a:xfrm>
-          <a:prstGeom prst="bentConnector2">
-            <a:avLst/>
-          </a:prstGeom>
-        </p:spPr>
-        <p:style>
-          <a:lnRef idx="1">
-            <a:schemeClr val="dk1"/>
-          </a:lnRef>
-          <a:fillRef idx="0">
-            <a:schemeClr val="dk1"/>
-          </a:fillRef>
-          <a:effectRef idx="0">
-            <a:schemeClr val="dk1"/>
-          </a:effectRef>
-          <a:fontRef idx="minor">
-            <a:schemeClr val="tx1"/>
-          </a:fontRef>
-        </p:style>
-      </p:cxnSp>
-      <p:cxnSp>
-        <p:nvCxnSpPr>
-          <p:cNvPr id="130" name="연결선: 꺾임 129">
-            <a:extLst>
-              <a:ext uri="{FF2B5EF4-FFF2-40B4-BE49-F238E27FC236}">
-                <a16:creationId xmlns:a16="http://schemas.microsoft.com/office/drawing/2014/main" id="{0C22D6CF-9238-45E9-8B10-F6F9D94542EB}"/>
-              </a:ext>
-            </a:extLst>
-          </p:cNvPr>
-          <p:cNvCxnSpPr>
-            <a:cxnSpLocks/>
-            <a:stCxn id="121" idx="1"/>
-            <a:endCxn id="100" idx="2"/>
-          </p:cNvCxnSpPr>
-          <p:nvPr/>
-        </p:nvCxnSpPr>
-        <p:spPr>
-          <a:xfrm rot="10800000">
-            <a:off x="4548074" y="8971272"/>
-            <a:ext cx="554107" cy="952627"/>
-          </a:xfrm>
-          <a:prstGeom prst="bentConnector2">
-            <a:avLst/>
-          </a:prstGeom>
-        </p:spPr>
-        <p:style>
-          <a:lnRef idx="1">
-            <a:schemeClr val="dk1"/>
-          </a:lnRef>
-          <a:fillRef idx="0">
-            <a:schemeClr val="dk1"/>
-          </a:fillRef>
-          <a:effectRef idx="0">
-            <a:schemeClr val="dk1"/>
-          </a:effectRef>
-          <a:fontRef idx="minor">
-            <a:schemeClr val="tx1"/>
-          </a:fontRef>
-        </p:style>
-      </p:cxnSp>
-      <p:cxnSp>
-        <p:nvCxnSpPr>
-          <p:cNvPr id="134" name="연결선: 꺾임 133">
-            <a:extLst>
-              <a:ext uri="{FF2B5EF4-FFF2-40B4-BE49-F238E27FC236}">
-                <a16:creationId xmlns:a16="http://schemas.microsoft.com/office/drawing/2014/main" id="{135DE930-242D-4994-ADE8-2CA30EFB6AAF}"/>
-              </a:ext>
-            </a:extLst>
-          </p:cNvPr>
-          <p:cNvCxnSpPr>
-            <a:cxnSpLocks/>
-            <a:stCxn id="122" idx="1"/>
-            <a:endCxn id="100" idx="2"/>
-          </p:cNvCxnSpPr>
-          <p:nvPr/>
-        </p:nvCxnSpPr>
-        <p:spPr>
-          <a:xfrm rot="10800000">
-            <a:off x="4548074" y="8971272"/>
-            <a:ext cx="554107" cy="1306847"/>
-          </a:xfrm>
-          <a:prstGeom prst="bentConnector2">
-            <a:avLst/>
-          </a:prstGeom>
-        </p:spPr>
-        <p:style>
-          <a:lnRef idx="1">
-            <a:schemeClr val="dk1"/>
-          </a:lnRef>
-          <a:fillRef idx="0">
-            <a:schemeClr val="dk1"/>
-          </a:fillRef>
-          <a:effectRef idx="0">
-            <a:schemeClr val="dk1"/>
-          </a:effectRef>
-          <a:fontRef idx="minor">
-            <a:schemeClr val="tx1"/>
-          </a:fontRef>
-        </p:style>
-      </p:cxnSp>
-      <p:sp>
-        <p:nvSpPr>
-          <p:cNvPr id="138" name="직사각형 137">
-            <a:extLst>
-              <a:ext uri="{FF2B5EF4-FFF2-40B4-BE49-F238E27FC236}">
-                <a16:creationId xmlns:a16="http://schemas.microsoft.com/office/drawing/2014/main" id="{46DAFC34-7534-42AA-AA79-B66244C4BC81}"/>
+      <p:sp>
+        <p:nvSpPr>
+          <p:cNvPr id="390" name="직사각형 389">
+            <a:extLst>
+              <a:ext uri="{FF2B5EF4-FFF2-40B4-BE49-F238E27FC236}">
+                <a16:creationId xmlns:a16="http://schemas.microsoft.com/office/drawing/2014/main" id="{F1BF8A98-20F4-443B-A6E2-09F5C3DDFC58}"/>
               </a:ext>
             </a:extLst>
           </p:cNvPr>
@@ -5155,8 +5211,8 @@
         </p:nvSpPr>
         <p:spPr>
           <a:xfrm>
-            <a:off x="5141357" y="2323198"/>
-            <a:ext cx="1264615" cy="208067"/>
+            <a:off x="25126793" y="9396513"/>
+            <a:ext cx="2020114" cy="419458"/>
           </a:xfrm>
           <a:prstGeom prst="rect">
             <a:avLst/>
@@ -5177,7 +5233,7 @@
           </a:fontRef>
         </p:style>
         <p:txBody>
-          <a:bodyPr rot="0" spcFirstLastPara="0" vertOverflow="overflow" horzOverflow="overflow" vert="horz" wrap="square" lIns="91440" tIns="45720" rIns="91440" bIns="45720" numCol="1" spcCol="0" rtlCol="0" fromWordArt="0" anchor="ctr" anchorCtr="0" forceAA="0" compatLnSpc="1">
+          <a:bodyPr rot="0" spcFirstLastPara="0" vertOverflow="overflow" horzOverflow="overflow" vert="horz" wrap="square" lIns="182869" tIns="91446" rIns="182869" bIns="91446" numCol="1" spcCol="0" rtlCol="0" fromWordArt="0" anchor="ctr" anchorCtr="0" forceAA="0" compatLnSpc="1">
             <a:prstTxWarp prst="textNoShape">
               <a:avLst/>
             </a:prstTxWarp>
@@ -5187,32 +5243,32 @@
           <a:p>
             <a:pPr algn="ctr"/>
             <a:r>
-              <a:rPr lang="ko-KR" altLang="en-US" sz="1000" b="1"/>
-              <a:t>즐겨찾기 등록</a:t>
+              <a:rPr lang="ko-KR" altLang="en-US" sz="2000" b="1"/>
+              <a:t>영화 정보</a:t>
             </a:r>
           </a:p>
         </p:txBody>
       </p:sp>
       <p:cxnSp>
         <p:nvCxnSpPr>
-          <p:cNvPr id="139" name="연결선: 꺾임 138">
-            <a:extLst>
-              <a:ext uri="{FF2B5EF4-FFF2-40B4-BE49-F238E27FC236}">
-                <a16:creationId xmlns:a16="http://schemas.microsoft.com/office/drawing/2014/main" id="{9786ADD6-66FB-4A3A-B631-7B80A8D688FC}"/>
+          <p:cNvPr id="391" name="연결선: 꺾임 390">
+            <a:extLst>
+              <a:ext uri="{FF2B5EF4-FFF2-40B4-BE49-F238E27FC236}">
+                <a16:creationId xmlns:a16="http://schemas.microsoft.com/office/drawing/2014/main" id="{1D1E578D-4927-435D-B181-B73EAA46A72E}"/>
               </a:ext>
             </a:extLst>
           </p:cNvPr>
           <p:cNvCxnSpPr>
             <a:cxnSpLocks/>
-            <a:stCxn id="138" idx="1"/>
-            <a:endCxn id="18" idx="2"/>
+            <a:stCxn id="390" idx="1"/>
+            <a:endCxn id="384" idx="2"/>
           </p:cNvCxnSpPr>
           <p:nvPr/>
         </p:nvCxnSpPr>
         <p:spPr>
           <a:xfrm rot="10800000">
-            <a:off x="4548075" y="2250788"/>
-            <a:ext cx="593282" cy="176445"/>
+            <a:off x="24755221" y="9164057"/>
+            <a:ext cx="371594" cy="442210"/>
           </a:xfrm>
           <a:prstGeom prst="bentConnector2">
             <a:avLst/>
@@ -5235,10 +5291,10 @@
       </p:cxnSp>
       <p:sp>
         <p:nvSpPr>
-          <p:cNvPr id="140" name="직사각형 139">
-            <a:extLst>
-              <a:ext uri="{FF2B5EF4-FFF2-40B4-BE49-F238E27FC236}">
-                <a16:creationId xmlns:a16="http://schemas.microsoft.com/office/drawing/2014/main" id="{5B9E6E01-99F9-402D-AF60-C117E7552579}"/>
+          <p:cNvPr id="392" name="직사각형 391">
+            <a:extLst>
+              <a:ext uri="{FF2B5EF4-FFF2-40B4-BE49-F238E27FC236}">
+                <a16:creationId xmlns:a16="http://schemas.microsoft.com/office/drawing/2014/main" id="{8F51C461-1A98-4135-9C3F-A5D8D5F5D51A}"/>
               </a:ext>
             </a:extLst>
           </p:cNvPr>
@@ -5247,8 +5303,8 @@
         </p:nvSpPr>
         <p:spPr>
           <a:xfrm>
-            <a:off x="5141357" y="2679196"/>
-            <a:ext cx="1264615" cy="208067"/>
+            <a:off x="22521180" y="7467516"/>
+            <a:ext cx="2020114" cy="419458"/>
           </a:xfrm>
           <a:prstGeom prst="rect">
             <a:avLst/>
@@ -5269,7 +5325,7 @@
           </a:fontRef>
         </p:style>
         <p:txBody>
-          <a:bodyPr rot="0" spcFirstLastPara="0" vertOverflow="overflow" horzOverflow="overflow" vert="horz" wrap="square" lIns="91440" tIns="45720" rIns="91440" bIns="45720" numCol="1" spcCol="0" rtlCol="0" fromWordArt="0" anchor="ctr" anchorCtr="0" forceAA="0" compatLnSpc="1">
+          <a:bodyPr rot="0" spcFirstLastPara="0" vertOverflow="overflow" horzOverflow="overflow" vert="horz" wrap="square" lIns="182869" tIns="91446" rIns="182869" bIns="91446" numCol="1" spcCol="0" rtlCol="0" fromWordArt="0" anchor="ctr" anchorCtr="0" forceAA="0" compatLnSpc="1">
             <a:prstTxWarp prst="textNoShape">
               <a:avLst/>
             </a:prstTxWarp>
@@ -5279,32 +5335,32 @@
           <a:p>
             <a:pPr algn="ctr"/>
             <a:r>
-              <a:rPr lang="ko-KR" altLang="en-US" sz="1000" b="1"/>
-              <a:t>즐겨찾기 해제</a:t>
+              <a:rPr lang="ko-KR" altLang="en-US" sz="2000" b="1"/>
+              <a:t>영화 랭킹</a:t>
             </a:r>
           </a:p>
         </p:txBody>
       </p:sp>
       <p:cxnSp>
         <p:nvCxnSpPr>
-          <p:cNvPr id="143" name="연결선: 꺾임 142">
-            <a:extLst>
-              <a:ext uri="{FF2B5EF4-FFF2-40B4-BE49-F238E27FC236}">
-                <a16:creationId xmlns:a16="http://schemas.microsoft.com/office/drawing/2014/main" id="{C3C565A8-BF5C-4560-83D1-14FAD68C1BEF}"/>
+          <p:cNvPr id="393" name="연결선: 꺾임 392">
+            <a:extLst>
+              <a:ext uri="{FF2B5EF4-FFF2-40B4-BE49-F238E27FC236}">
+                <a16:creationId xmlns:a16="http://schemas.microsoft.com/office/drawing/2014/main" id="{95093247-B63E-4C9E-B26A-FA2F839FFF70}"/>
               </a:ext>
             </a:extLst>
           </p:cNvPr>
           <p:cNvCxnSpPr>
             <a:cxnSpLocks/>
-            <a:stCxn id="140" idx="1"/>
-            <a:endCxn id="18" idx="2"/>
+            <a:stCxn id="361" idx="2"/>
+            <a:endCxn id="392" idx="1"/>
           </p:cNvCxnSpPr>
           <p:nvPr/>
         </p:nvCxnSpPr>
         <p:spPr>
-          <a:xfrm rot="10800000">
-            <a:off x="4548075" y="2250788"/>
-            <a:ext cx="593282" cy="532443"/>
+          <a:xfrm rot="16200000" flipH="1">
+            <a:off x="22039801" y="7195901"/>
+            <a:ext cx="546243" cy="416461"/>
           </a:xfrm>
           <a:prstGeom prst="bentConnector2">
             <a:avLst/>
@@ -5327,10 +5383,10 @@
       </p:cxnSp>
       <p:sp>
         <p:nvSpPr>
-          <p:cNvPr id="148" name="직사각형 147">
-            <a:extLst>
-              <a:ext uri="{FF2B5EF4-FFF2-40B4-BE49-F238E27FC236}">
-                <a16:creationId xmlns:a16="http://schemas.microsoft.com/office/drawing/2014/main" id="{C1B19880-A7F0-4C3B-A652-791546589CAC}"/>
+          <p:cNvPr id="402" name="직사각형 401">
+            <a:extLst>
+              <a:ext uri="{FF2B5EF4-FFF2-40B4-BE49-F238E27FC236}">
+                <a16:creationId xmlns:a16="http://schemas.microsoft.com/office/drawing/2014/main" id="{E99E2D26-D6BF-43E4-BE4D-D98C46BA6DE6}"/>
               </a:ext>
             </a:extLst>
           </p:cNvPr>
@@ -5339,8 +5395,8 @@
         </p:nvSpPr>
         <p:spPr>
           <a:xfrm>
-            <a:off x="3993965" y="10597746"/>
-            <a:ext cx="1108216" cy="209725"/>
+            <a:off x="28328111" y="7467516"/>
+            <a:ext cx="2020114" cy="419458"/>
           </a:xfrm>
           <a:prstGeom prst="rect">
             <a:avLst/>
@@ -5361,7 +5417,7 @@
           </a:fontRef>
         </p:style>
         <p:txBody>
-          <a:bodyPr rot="0" spcFirstLastPara="0" vertOverflow="overflow" horzOverflow="overflow" vert="horz" wrap="square" lIns="91440" tIns="45720" rIns="91440" bIns="45720" numCol="1" spcCol="0" rtlCol="0" fromWordArt="0" anchor="ctr" anchorCtr="0" forceAA="0" compatLnSpc="1">
+          <a:bodyPr rot="0" spcFirstLastPara="0" vertOverflow="overflow" horzOverflow="overflow" vert="horz" wrap="square" lIns="182869" tIns="91446" rIns="182869" bIns="91446" numCol="1" spcCol="0" rtlCol="0" fromWordArt="0" anchor="ctr" anchorCtr="0" forceAA="0" compatLnSpc="1">
             <a:prstTxWarp prst="textNoShape">
               <a:avLst/>
             </a:prstTxWarp>
@@ -5371,32 +5427,32 @@
           <a:p>
             <a:pPr algn="ctr"/>
             <a:r>
-              <a:rPr lang="ko-KR" altLang="en-US" sz="1000" b="1"/>
-              <a:t>기프티콘</a:t>
+              <a:rPr lang="ko-KR" altLang="en-US" sz="2000" b="1"/>
+              <a:t>상영 시간표</a:t>
             </a:r>
           </a:p>
         </p:txBody>
       </p:sp>
       <p:cxnSp>
         <p:nvCxnSpPr>
-          <p:cNvPr id="149" name="연결선: 꺾임 148">
-            <a:extLst>
-              <a:ext uri="{FF2B5EF4-FFF2-40B4-BE49-F238E27FC236}">
-                <a16:creationId xmlns:a16="http://schemas.microsoft.com/office/drawing/2014/main" id="{5CEBBD35-8305-406D-B8BF-AAF95FDD941F}"/>
+          <p:cNvPr id="403" name="연결선: 꺾임 402">
+            <a:extLst>
+              <a:ext uri="{FF2B5EF4-FFF2-40B4-BE49-F238E27FC236}">
+                <a16:creationId xmlns:a16="http://schemas.microsoft.com/office/drawing/2014/main" id="{360644D1-A239-4927-8C9D-2710EBF8BDBF}"/>
               </a:ext>
             </a:extLst>
           </p:cNvPr>
           <p:cNvCxnSpPr>
             <a:cxnSpLocks/>
-            <a:stCxn id="148" idx="1"/>
-            <a:endCxn id="13" idx="2"/>
+            <a:stCxn id="402" idx="1"/>
+            <a:endCxn id="364" idx="2"/>
           </p:cNvCxnSpPr>
           <p:nvPr/>
         </p:nvCxnSpPr>
         <p:spPr>
           <a:xfrm rot="10800000">
-            <a:off x="3851047" y="1574687"/>
-            <a:ext cx="142918" cy="9127923"/>
+            <a:off x="27896023" y="7131012"/>
+            <a:ext cx="432079" cy="546243"/>
           </a:xfrm>
           <a:prstGeom prst="bentConnector2">
             <a:avLst/>
@@ -5419,10 +5475,10 @@
       </p:cxnSp>
       <p:sp>
         <p:nvSpPr>
-          <p:cNvPr id="152" name="직사각형 151">
-            <a:extLst>
-              <a:ext uri="{FF2B5EF4-FFF2-40B4-BE49-F238E27FC236}">
-                <a16:creationId xmlns:a16="http://schemas.microsoft.com/office/drawing/2014/main" id="{28E76CC9-9041-47FC-8135-A0380A456335}"/>
+          <p:cNvPr id="405" name="직사각형 404">
+            <a:extLst>
+              <a:ext uri="{FF2B5EF4-FFF2-40B4-BE49-F238E27FC236}">
+                <a16:creationId xmlns:a16="http://schemas.microsoft.com/office/drawing/2014/main" id="{B2FA90B7-FCC9-487A-BC32-78D5BC48075C}"/>
               </a:ext>
             </a:extLst>
           </p:cNvPr>
@@ -5431,8 +5487,8 @@
         </p:nvSpPr>
         <p:spPr>
           <a:xfrm>
-            <a:off x="5102180" y="11021408"/>
-            <a:ext cx="1264615" cy="208067"/>
+            <a:off x="28328111" y="8080842"/>
+            <a:ext cx="2020114" cy="419458"/>
           </a:xfrm>
           <a:prstGeom prst="rect">
             <a:avLst/>
@@ -5453,7 +5509,7 @@
           </a:fontRef>
         </p:style>
         <p:txBody>
-          <a:bodyPr rot="0" spcFirstLastPara="0" vertOverflow="overflow" horzOverflow="overflow" vert="horz" wrap="square" lIns="91440" tIns="45720" rIns="91440" bIns="45720" numCol="1" spcCol="0" rtlCol="0" fromWordArt="0" anchor="ctr" anchorCtr="0" forceAA="0" compatLnSpc="1">
+          <a:bodyPr rot="0" spcFirstLastPara="0" vertOverflow="overflow" horzOverflow="overflow" vert="horz" wrap="square" lIns="182869" tIns="91446" rIns="182869" bIns="91446" numCol="1" spcCol="0" rtlCol="0" fromWordArt="0" anchor="ctr" anchorCtr="0" forceAA="0" compatLnSpc="1">
             <a:prstTxWarp prst="textNoShape">
               <a:avLst/>
             </a:prstTxWarp>
@@ -5463,32 +5519,32 @@
           <a:p>
             <a:pPr algn="ctr"/>
             <a:r>
-              <a:rPr lang="ko-KR" altLang="en-US" sz="1000" b="1"/>
-              <a:t>기프티콘 구입</a:t>
+              <a:rPr lang="ko-KR" altLang="en-US" sz="2000" b="1"/>
+              <a:t>예매</a:t>
             </a:r>
           </a:p>
         </p:txBody>
       </p:sp>
       <p:cxnSp>
         <p:nvCxnSpPr>
-          <p:cNvPr id="154" name="연결선: 꺾임 153">
-            <a:extLst>
-              <a:ext uri="{FF2B5EF4-FFF2-40B4-BE49-F238E27FC236}">
-                <a16:creationId xmlns:a16="http://schemas.microsoft.com/office/drawing/2014/main" id="{5EC9595B-41EA-49D7-BF97-1204AE8427EC}"/>
+          <p:cNvPr id="406" name="연결선: 꺾임 405">
+            <a:extLst>
+              <a:ext uri="{FF2B5EF4-FFF2-40B4-BE49-F238E27FC236}">
+                <a16:creationId xmlns:a16="http://schemas.microsoft.com/office/drawing/2014/main" id="{77464C52-2D1D-4223-821D-A4B07708A56C}"/>
               </a:ext>
             </a:extLst>
           </p:cNvPr>
           <p:cNvCxnSpPr>
             <a:cxnSpLocks/>
-            <a:stCxn id="152" idx="1"/>
-            <a:endCxn id="148" idx="2"/>
+            <a:stCxn id="405" idx="1"/>
+            <a:endCxn id="364" idx="2"/>
           </p:cNvCxnSpPr>
           <p:nvPr/>
         </p:nvCxnSpPr>
         <p:spPr>
           <a:xfrm rot="10800000">
-            <a:off x="4548074" y="10807472"/>
-            <a:ext cx="554107" cy="317971"/>
+            <a:off x="27896023" y="7131017"/>
+            <a:ext cx="432079" cy="1159570"/>
           </a:xfrm>
           <a:prstGeom prst="bentConnector2">
             <a:avLst/>
@@ -5511,10 +5567,10 @@
       </p:cxnSp>
       <p:sp>
         <p:nvSpPr>
-          <p:cNvPr id="157" name="직사각형 156">
-            <a:extLst>
-              <a:ext uri="{FF2B5EF4-FFF2-40B4-BE49-F238E27FC236}">
-                <a16:creationId xmlns:a16="http://schemas.microsoft.com/office/drawing/2014/main" id="{32CD0402-CEC3-4481-9096-D04A325C980F}"/>
+          <p:cNvPr id="409" name="직사각형 408">
+            <a:extLst>
+              <a:ext uri="{FF2B5EF4-FFF2-40B4-BE49-F238E27FC236}">
+                <a16:creationId xmlns:a16="http://schemas.microsoft.com/office/drawing/2014/main" id="{DEADDBD7-2ADC-4DD8-9553-BBE5697AF4F4}"/>
               </a:ext>
             </a:extLst>
           </p:cNvPr>
@@ -5523,8 +5579,8 @@
         </p:nvSpPr>
         <p:spPr>
           <a:xfrm>
-            <a:off x="5102181" y="11375627"/>
-            <a:ext cx="1264618" cy="209725"/>
+            <a:off x="29626825" y="8923231"/>
+            <a:ext cx="2020114" cy="419458"/>
           </a:xfrm>
           <a:prstGeom prst="rect">
             <a:avLst/>
@@ -5545,7 +5601,7 @@
           </a:fontRef>
         </p:style>
         <p:txBody>
-          <a:bodyPr rot="0" spcFirstLastPara="0" vertOverflow="overflow" horzOverflow="overflow" vert="horz" wrap="square" lIns="91440" tIns="45720" rIns="91440" bIns="45720" numCol="1" spcCol="0" rtlCol="0" fromWordArt="0" anchor="ctr" anchorCtr="0" forceAA="0" compatLnSpc="1">
+          <a:bodyPr rot="0" spcFirstLastPara="0" vertOverflow="overflow" horzOverflow="overflow" vert="horz" wrap="square" lIns="182869" tIns="91446" rIns="182869" bIns="91446" numCol="1" spcCol="0" rtlCol="0" fromWordArt="0" anchor="ctr" anchorCtr="0" forceAA="0" compatLnSpc="1">
             <a:prstTxWarp prst="textNoShape">
               <a:avLst/>
             </a:prstTxWarp>
@@ -5555,58 +5611,18 @@
           <a:p>
             <a:pPr algn="ctr"/>
             <a:r>
-              <a:rPr lang="ko-KR" altLang="en-US" sz="1000" b="1"/>
-              <a:t>기프티콘 내역 조회</a:t>
-            </a:r>
-          </a:p>
-        </p:txBody>
-      </p:sp>
-      <p:cxnSp>
-        <p:nvCxnSpPr>
-          <p:cNvPr id="158" name="연결선: 꺾임 157">
-            <a:extLst>
-              <a:ext uri="{FF2B5EF4-FFF2-40B4-BE49-F238E27FC236}">
-                <a16:creationId xmlns:a16="http://schemas.microsoft.com/office/drawing/2014/main" id="{5D0BD3D7-8B91-4A33-96C7-2CE46FC307D0}"/>
-              </a:ext>
-            </a:extLst>
-          </p:cNvPr>
-          <p:cNvCxnSpPr>
-            <a:cxnSpLocks/>
-            <a:stCxn id="157" idx="1"/>
-            <a:endCxn id="148" idx="2"/>
-          </p:cNvCxnSpPr>
-          <p:nvPr/>
-        </p:nvCxnSpPr>
-        <p:spPr>
-          <a:xfrm rot="10800000">
-            <a:off x="4548073" y="10807472"/>
-            <a:ext cx="554108" cy="673019"/>
-          </a:xfrm>
-          <a:prstGeom prst="bentConnector2">
-            <a:avLst/>
-          </a:prstGeom>
-        </p:spPr>
-        <p:style>
-          <a:lnRef idx="1">
-            <a:schemeClr val="dk1"/>
-          </a:lnRef>
-          <a:fillRef idx="0">
-            <a:schemeClr val="dk1"/>
-          </a:fillRef>
-          <a:effectRef idx="0">
-            <a:schemeClr val="dk1"/>
-          </a:effectRef>
-          <a:fontRef idx="minor">
-            <a:schemeClr val="tx1"/>
-          </a:fontRef>
-        </p:style>
-      </p:cxnSp>
-      <p:sp>
-        <p:nvSpPr>
-          <p:cNvPr id="180" name="직사각형 179">
-            <a:extLst>
-              <a:ext uri="{FF2B5EF4-FFF2-40B4-BE49-F238E27FC236}">
-                <a16:creationId xmlns:a16="http://schemas.microsoft.com/office/drawing/2014/main" id="{684676F0-72B8-414E-8597-9069E8411050}"/>
+              <a:rPr lang="ko-KR" altLang="en-US" sz="2000" b="1"/>
+              <a:t>영화 선택 페이지</a:t>
+            </a:r>
+          </a:p>
+        </p:txBody>
+      </p:sp>
+      <p:sp>
+        <p:nvSpPr>
+          <p:cNvPr id="410" name="직사각형 409">
+            <a:extLst>
+              <a:ext uri="{FF2B5EF4-FFF2-40B4-BE49-F238E27FC236}">
+                <a16:creationId xmlns:a16="http://schemas.microsoft.com/office/drawing/2014/main" id="{01187380-665E-474C-A35F-701B1C5E83A9}"/>
               </a:ext>
             </a:extLst>
           </p:cNvPr>
@@ -5615,8 +5631,8 @@
         </p:nvSpPr>
         <p:spPr>
           <a:xfrm>
-            <a:off x="5102177" y="11727503"/>
-            <a:ext cx="1264618" cy="209725"/>
+            <a:off x="31011442" y="9618719"/>
+            <a:ext cx="2020114" cy="419458"/>
           </a:xfrm>
           <a:prstGeom prst="rect">
             <a:avLst/>
@@ -5637,7 +5653,7 @@
           </a:fontRef>
         </p:style>
         <p:txBody>
-          <a:bodyPr rot="0" spcFirstLastPara="0" vertOverflow="overflow" horzOverflow="overflow" vert="horz" wrap="square" lIns="91440" tIns="45720" rIns="91440" bIns="45720" numCol="1" spcCol="0" rtlCol="0" fromWordArt="0" anchor="ctr" anchorCtr="0" forceAA="0" compatLnSpc="1">
+          <a:bodyPr rot="0" spcFirstLastPara="0" vertOverflow="overflow" horzOverflow="overflow" vert="horz" wrap="square" lIns="182869" tIns="91446" rIns="182869" bIns="91446" numCol="1" spcCol="0" rtlCol="0" fromWordArt="0" anchor="ctr" anchorCtr="0" forceAA="0" compatLnSpc="1">
             <a:prstTxWarp prst="textNoShape">
               <a:avLst/>
             </a:prstTxWarp>
@@ -5647,18 +5663,98 @@
           <a:p>
             <a:pPr algn="ctr"/>
             <a:r>
-              <a:rPr lang="ko-KR" altLang="en-US" sz="1000" b="1"/>
-              <a:t>기프티콘 환불</a:t>
-            </a:r>
-          </a:p>
-        </p:txBody>
-      </p:sp>
-      <p:sp>
-        <p:nvSpPr>
-          <p:cNvPr id="181" name="직사각형 180">
-            <a:extLst>
-              <a:ext uri="{FF2B5EF4-FFF2-40B4-BE49-F238E27FC236}">
-                <a16:creationId xmlns:a16="http://schemas.microsoft.com/office/drawing/2014/main" id="{E2A1CE9C-C8C8-4216-A08D-AD685E97A029}"/>
+              <a:rPr lang="ko-KR" altLang="en-US" sz="2000" b="1"/>
+              <a:t>좌석 선택 페이지</a:t>
+            </a:r>
+          </a:p>
+        </p:txBody>
+      </p:sp>
+      <p:cxnSp>
+        <p:nvCxnSpPr>
+          <p:cNvPr id="411" name="연결선: 꺾임 410">
+            <a:extLst>
+              <a:ext uri="{FF2B5EF4-FFF2-40B4-BE49-F238E27FC236}">
+                <a16:creationId xmlns:a16="http://schemas.microsoft.com/office/drawing/2014/main" id="{4F27DD40-A4FC-4AAD-9204-39207F81CD89}"/>
+              </a:ext>
+            </a:extLst>
+          </p:cNvPr>
+          <p:cNvCxnSpPr>
+            <a:cxnSpLocks/>
+            <a:stCxn id="410" idx="1"/>
+            <a:endCxn id="409" idx="2"/>
+          </p:cNvCxnSpPr>
+          <p:nvPr/>
+        </p:nvCxnSpPr>
+        <p:spPr>
+          <a:xfrm rot="10800000">
+            <a:off x="30636881" y="9342682"/>
+            <a:ext cx="374560" cy="485765"/>
+          </a:xfrm>
+          <a:prstGeom prst="bentConnector2">
+            <a:avLst/>
+          </a:prstGeom>
+        </p:spPr>
+        <p:style>
+          <a:lnRef idx="1">
+            <a:schemeClr val="dk1"/>
+          </a:lnRef>
+          <a:fillRef idx="0">
+            <a:schemeClr val="dk1"/>
+          </a:fillRef>
+          <a:effectRef idx="0">
+            <a:schemeClr val="dk1"/>
+          </a:effectRef>
+          <a:fontRef idx="minor">
+            <a:schemeClr val="tx1"/>
+          </a:fontRef>
+        </p:style>
+      </p:cxnSp>
+      <p:cxnSp>
+        <p:nvCxnSpPr>
+          <p:cNvPr id="412" name="연결선: 꺾임 411">
+            <a:extLst>
+              <a:ext uri="{FF2B5EF4-FFF2-40B4-BE49-F238E27FC236}">
+                <a16:creationId xmlns:a16="http://schemas.microsoft.com/office/drawing/2014/main" id="{17604E57-B4A4-49F5-A54C-2257E8FF04AB}"/>
+              </a:ext>
+            </a:extLst>
+          </p:cNvPr>
+          <p:cNvCxnSpPr>
+            <a:cxnSpLocks/>
+            <a:stCxn id="409" idx="1"/>
+            <a:endCxn id="405" idx="2"/>
+          </p:cNvCxnSpPr>
+          <p:nvPr/>
+        </p:nvCxnSpPr>
+        <p:spPr>
+          <a:xfrm rot="10800000">
+            <a:off x="29338182" y="8500309"/>
+            <a:ext cx="288666" cy="632668"/>
+          </a:xfrm>
+          <a:prstGeom prst="bentConnector2">
+            <a:avLst/>
+          </a:prstGeom>
+        </p:spPr>
+        <p:style>
+          <a:lnRef idx="1">
+            <a:schemeClr val="dk1"/>
+          </a:lnRef>
+          <a:fillRef idx="0">
+            <a:schemeClr val="dk1"/>
+          </a:fillRef>
+          <a:effectRef idx="0">
+            <a:schemeClr val="dk1"/>
+          </a:effectRef>
+          <a:fontRef idx="minor">
+            <a:schemeClr val="tx1"/>
+          </a:fontRef>
+        </p:style>
+      </p:cxnSp>
+      <p:sp>
+        <p:nvSpPr>
+          <p:cNvPr id="418" name="직사각형 417">
+            <a:extLst>
+              <a:ext uri="{FF2B5EF4-FFF2-40B4-BE49-F238E27FC236}">
+                <a16:creationId xmlns:a16="http://schemas.microsoft.com/office/drawing/2014/main" id="{47BA3BA1-BCA4-49E3-9507-4C9415673530}"/>
               </a:ext>
             </a:extLst>
           </p:cNvPr>
@@ -5667,8 +5763,8 @@
         </p:nvSpPr>
         <p:spPr>
           <a:xfrm>
-            <a:off x="5102177" y="12080274"/>
-            <a:ext cx="1264618" cy="209725"/>
+            <a:off x="35243889" y="7467516"/>
+            <a:ext cx="2020114" cy="419458"/>
           </a:xfrm>
           <a:prstGeom prst="rect">
             <a:avLst/>
@@ -5689,7 +5785,7 @@
           </a:fontRef>
         </p:style>
         <p:txBody>
-          <a:bodyPr rot="0" spcFirstLastPara="0" vertOverflow="overflow" horzOverflow="overflow" vert="horz" wrap="square" lIns="91440" tIns="45720" rIns="91440" bIns="45720" numCol="1" spcCol="0" rtlCol="0" fromWordArt="0" anchor="ctr" anchorCtr="0" forceAA="0" compatLnSpc="1">
+          <a:bodyPr rot="0" spcFirstLastPara="0" vertOverflow="overflow" horzOverflow="overflow" vert="horz" wrap="square" lIns="182869" tIns="91446" rIns="182869" bIns="91446" numCol="1" spcCol="0" rtlCol="0" fromWordArt="0" anchor="ctr" anchorCtr="0" forceAA="0" compatLnSpc="1">
             <a:prstTxWarp prst="textNoShape">
               <a:avLst/>
             </a:prstTxWarp>
@@ -5699,32 +5795,32 @@
           <a:p>
             <a:pPr algn="ctr"/>
             <a:r>
-              <a:rPr lang="ko-KR" altLang="en-US" sz="1000" b="1"/>
-              <a:t>기프티콘 시간 연장</a:t>
+              <a:rPr lang="ko-KR" altLang="en-US" sz="2000" b="1"/>
+              <a:t>기프티콘 상세보기</a:t>
             </a:r>
           </a:p>
         </p:txBody>
       </p:sp>
       <p:cxnSp>
         <p:nvCxnSpPr>
-          <p:cNvPr id="182" name="연결선: 꺾임 181">
-            <a:extLst>
-              <a:ext uri="{FF2B5EF4-FFF2-40B4-BE49-F238E27FC236}">
-                <a16:creationId xmlns:a16="http://schemas.microsoft.com/office/drawing/2014/main" id="{AD37D5B5-175B-4817-A16F-8794D2319E17}"/>
+          <p:cNvPr id="419" name="연결선: 꺾임 418">
+            <a:extLst>
+              <a:ext uri="{FF2B5EF4-FFF2-40B4-BE49-F238E27FC236}">
+                <a16:creationId xmlns:a16="http://schemas.microsoft.com/office/drawing/2014/main" id="{1571584E-1C41-40A2-B711-98B9ED84C3FF}"/>
               </a:ext>
             </a:extLst>
           </p:cNvPr>
           <p:cNvCxnSpPr>
             <a:cxnSpLocks/>
-            <a:stCxn id="180" idx="1"/>
-            <a:endCxn id="148" idx="2"/>
+            <a:stCxn id="418" idx="1"/>
+            <a:endCxn id="365" idx="2"/>
           </p:cNvCxnSpPr>
           <p:nvPr/>
         </p:nvCxnSpPr>
         <p:spPr>
           <a:xfrm rot="10800000">
-            <a:off x="4548073" y="10807472"/>
-            <a:ext cx="554104" cy="1024895"/>
+            <a:off x="34923234" y="7131012"/>
+            <a:ext cx="320662" cy="546243"/>
           </a:xfrm>
           <a:prstGeom prst="bentConnector2">
             <a:avLst/>
@@ -5745,52 +5841,12 @@
           </a:fontRef>
         </p:style>
       </p:cxnSp>
-      <p:cxnSp>
-        <p:nvCxnSpPr>
-          <p:cNvPr id="185" name="연결선: 꺾임 184">
-            <a:extLst>
-              <a:ext uri="{FF2B5EF4-FFF2-40B4-BE49-F238E27FC236}">
-                <a16:creationId xmlns:a16="http://schemas.microsoft.com/office/drawing/2014/main" id="{47FAF778-0C6F-4808-A006-1F18D57A5471}"/>
-              </a:ext>
-            </a:extLst>
-          </p:cNvPr>
-          <p:cNvCxnSpPr>
-            <a:cxnSpLocks/>
-            <a:stCxn id="181" idx="1"/>
-            <a:endCxn id="148" idx="2"/>
-          </p:cNvCxnSpPr>
-          <p:nvPr/>
-        </p:nvCxnSpPr>
-        <p:spPr>
-          <a:xfrm rot="10800000">
-            <a:off x="4548073" y="10807471"/>
-            <a:ext cx="554104" cy="1377666"/>
-          </a:xfrm>
-          <a:prstGeom prst="bentConnector2">
-            <a:avLst/>
-          </a:prstGeom>
-        </p:spPr>
-        <p:style>
-          <a:lnRef idx="1">
-            <a:schemeClr val="dk1"/>
-          </a:lnRef>
-          <a:fillRef idx="0">
-            <a:schemeClr val="dk1"/>
-          </a:fillRef>
-          <a:effectRef idx="0">
-            <a:schemeClr val="dk1"/>
-          </a:effectRef>
-          <a:fontRef idx="minor">
-            <a:schemeClr val="tx1"/>
-          </a:fontRef>
-        </p:style>
-      </p:cxnSp>
-      <p:sp>
-        <p:nvSpPr>
-          <p:cNvPr id="188" name="직사각형 187">
-            <a:extLst>
-              <a:ext uri="{FF2B5EF4-FFF2-40B4-BE49-F238E27FC236}">
-                <a16:creationId xmlns:a16="http://schemas.microsoft.com/office/drawing/2014/main" id="{3E7FFEE1-B171-4261-B093-2EFF5243DA1A}"/>
+      <p:sp>
+        <p:nvSpPr>
+          <p:cNvPr id="422" name="직사각형 421">
+            <a:extLst>
+              <a:ext uri="{FF2B5EF4-FFF2-40B4-BE49-F238E27FC236}">
+                <a16:creationId xmlns:a16="http://schemas.microsoft.com/office/drawing/2014/main" id="{9EA90BE3-13A8-4324-8BE6-489B1C2E2EE7}"/>
               </a:ext>
             </a:extLst>
           </p:cNvPr>
@@ -5799,8 +5855,8 @@
         </p:nvSpPr>
         <p:spPr>
           <a:xfrm>
-            <a:off x="5102177" y="6581405"/>
-            <a:ext cx="1264615" cy="208067"/>
+            <a:off x="36529161" y="8080842"/>
+            <a:ext cx="2020114" cy="419458"/>
           </a:xfrm>
           <a:prstGeom prst="rect">
             <a:avLst/>
@@ -5821,7 +5877,7 @@
           </a:fontRef>
         </p:style>
         <p:txBody>
-          <a:bodyPr rot="0" spcFirstLastPara="0" vertOverflow="overflow" horzOverflow="overflow" vert="horz" wrap="square" lIns="91440" tIns="45720" rIns="91440" bIns="45720" numCol="1" spcCol="0" rtlCol="0" fromWordArt="0" anchor="ctr" anchorCtr="0" forceAA="0" compatLnSpc="1">
+          <a:bodyPr rot="0" spcFirstLastPara="0" vertOverflow="overflow" horzOverflow="overflow" vert="horz" wrap="square" lIns="182869" tIns="91446" rIns="182869" bIns="91446" numCol="1" spcCol="0" rtlCol="0" fromWordArt="0" anchor="ctr" anchorCtr="0" forceAA="0" compatLnSpc="1">
             <a:prstTxWarp prst="textNoShape">
               <a:avLst/>
             </a:prstTxWarp>
@@ -5831,32 +5887,32 @@
           <a:p>
             <a:pPr algn="ctr"/>
             <a:r>
-              <a:rPr lang="ko-KR" altLang="en-US" sz="1000" b="1"/>
-              <a:t>댓글</a:t>
+              <a:rPr lang="ko-KR" altLang="en-US" sz="2000" b="1"/>
+              <a:t>기프티콘 구매</a:t>
             </a:r>
           </a:p>
         </p:txBody>
       </p:sp>
       <p:cxnSp>
         <p:nvCxnSpPr>
-          <p:cNvPr id="189" name="연결선: 꺾임 188">
-            <a:extLst>
-              <a:ext uri="{FF2B5EF4-FFF2-40B4-BE49-F238E27FC236}">
-                <a16:creationId xmlns:a16="http://schemas.microsoft.com/office/drawing/2014/main" id="{002825E1-55BC-4971-B6D4-A7FFF1BA35A6}"/>
+          <p:cNvPr id="423" name="연결선: 꺾임 422">
+            <a:extLst>
+              <a:ext uri="{FF2B5EF4-FFF2-40B4-BE49-F238E27FC236}">
+                <a16:creationId xmlns:a16="http://schemas.microsoft.com/office/drawing/2014/main" id="{D19C929A-0E98-44E2-9F04-473E5C00200F}"/>
               </a:ext>
             </a:extLst>
           </p:cNvPr>
           <p:cNvCxnSpPr>
             <a:cxnSpLocks/>
-            <a:stCxn id="188" idx="1"/>
-            <a:endCxn id="56" idx="2"/>
+            <a:stCxn id="422" idx="1"/>
+            <a:endCxn id="418" idx="2"/>
           </p:cNvCxnSpPr>
           <p:nvPr/>
         </p:nvCxnSpPr>
         <p:spPr>
           <a:xfrm rot="10800000">
-            <a:off x="4548077" y="5041669"/>
-            <a:ext cx="554101" cy="1643770"/>
+            <a:off x="36253944" y="7886989"/>
+            <a:ext cx="275222" cy="403604"/>
           </a:xfrm>
           <a:prstGeom prst="bentConnector2">
             <a:avLst/>
@@ -5879,10 +5935,10 @@
       </p:cxnSp>
       <p:sp>
         <p:nvSpPr>
-          <p:cNvPr id="192" name="직사각형 191">
-            <a:extLst>
-              <a:ext uri="{FF2B5EF4-FFF2-40B4-BE49-F238E27FC236}">
-                <a16:creationId xmlns:a16="http://schemas.microsoft.com/office/drawing/2014/main" id="{CBE8DB97-5F37-4B40-9C48-0663392CC672}"/>
+          <p:cNvPr id="426" name="직사각형 425">
+            <a:extLst>
+              <a:ext uri="{FF2B5EF4-FFF2-40B4-BE49-F238E27FC236}">
+                <a16:creationId xmlns:a16="http://schemas.microsoft.com/office/drawing/2014/main" id="{C7BF71C9-D957-4CE5-8560-23FCF1AEFE85}"/>
               </a:ext>
             </a:extLst>
           </p:cNvPr>
@@ -5891,8 +5947,8 @@
         </p:nvSpPr>
         <p:spPr>
           <a:xfrm>
-            <a:off x="6842692" y="6587526"/>
-            <a:ext cx="1264615" cy="208067"/>
+            <a:off x="17908414" y="5804826"/>
+            <a:ext cx="2020114" cy="419458"/>
           </a:xfrm>
           <a:prstGeom prst="rect">
             <a:avLst/>
@@ -5913,7 +5969,7 @@
           </a:fontRef>
         </p:style>
         <p:txBody>
-          <a:bodyPr rot="0" spcFirstLastPara="0" vertOverflow="overflow" horzOverflow="overflow" vert="horz" wrap="square" lIns="91440" tIns="45720" rIns="91440" bIns="45720" numCol="1" spcCol="0" rtlCol="0" fromWordArt="0" anchor="ctr" anchorCtr="0" forceAA="0" compatLnSpc="1">
+          <a:bodyPr rot="0" spcFirstLastPara="0" vertOverflow="overflow" horzOverflow="overflow" vert="horz" wrap="square" lIns="182869" tIns="91446" rIns="182869" bIns="91446" numCol="1" spcCol="0" rtlCol="0" fromWordArt="0" anchor="ctr" anchorCtr="0" forceAA="0" compatLnSpc="1">
             <a:prstTxWarp prst="textNoShape">
               <a:avLst/>
             </a:prstTxWarp>
@@ -5923,68 +5979,68 @@
           <a:p>
             <a:pPr algn="ctr"/>
             <a:r>
-              <a:rPr lang="ko-KR" altLang="en-US" sz="1000" b="1"/>
-              <a:t>댓글 조회</a:t>
+              <a:rPr lang="ko-KR" altLang="en-US" sz="2000" b="1"/>
+              <a:t>기프티콘 상세보기</a:t>
             </a:r>
           </a:p>
         </p:txBody>
       </p:sp>
       <p:cxnSp>
         <p:nvCxnSpPr>
-          <p:cNvPr id="193" name="직선 연결선 192">
-            <a:extLst>
-              <a:ext uri="{FF2B5EF4-FFF2-40B4-BE49-F238E27FC236}">
-                <a16:creationId xmlns:a16="http://schemas.microsoft.com/office/drawing/2014/main" id="{8A07766F-989A-4917-AE17-920916564B0B}"/>
+          <p:cNvPr id="427" name="연결선: 꺾임 426">
+            <a:extLst>
+              <a:ext uri="{FF2B5EF4-FFF2-40B4-BE49-F238E27FC236}">
+                <a16:creationId xmlns:a16="http://schemas.microsoft.com/office/drawing/2014/main" id="{51AD778A-4675-4CCA-9529-18C8E21B1241}"/>
               </a:ext>
             </a:extLst>
           </p:cNvPr>
           <p:cNvCxnSpPr>
             <a:cxnSpLocks/>
-            <a:stCxn id="188" idx="3"/>
-            <a:endCxn id="192" idx="1"/>
+            <a:stCxn id="426" idx="1"/>
+            <a:endCxn id="357" idx="2"/>
           </p:cNvCxnSpPr>
           <p:nvPr/>
         </p:nvCxnSpPr>
         <p:spPr>
+          <a:xfrm rot="10800000">
+            <a:off x="17656834" y="5468322"/>
+            <a:ext cx="251572" cy="546243"/>
+          </a:xfrm>
+          <a:prstGeom prst="bentConnector2">
+            <a:avLst/>
+          </a:prstGeom>
+        </p:spPr>
+        <p:style>
+          <a:lnRef idx="1">
+            <a:schemeClr val="dk1"/>
+          </a:lnRef>
+          <a:fillRef idx="0">
+            <a:schemeClr val="dk1"/>
+          </a:fillRef>
+          <a:effectRef idx="0">
+            <a:schemeClr val="dk1"/>
+          </a:effectRef>
+          <a:fontRef idx="minor">
+            <a:schemeClr val="tx1"/>
+          </a:fontRef>
+        </p:style>
+      </p:cxnSp>
+      <p:sp>
+        <p:nvSpPr>
+          <p:cNvPr id="430" name="직사각형 429">
+            <a:extLst>
+              <a:ext uri="{FF2B5EF4-FFF2-40B4-BE49-F238E27FC236}">
+                <a16:creationId xmlns:a16="http://schemas.microsoft.com/office/drawing/2014/main" id="{06654E1D-760B-4E5F-BAFA-2C85FB17566A}"/>
+              </a:ext>
+            </a:extLst>
+          </p:cNvPr>
+          <p:cNvSpPr/>
+          <p:nvPr/>
+        </p:nvSpPr>
+        <p:spPr>
           <a:xfrm>
-            <a:off x="6366792" y="6685439"/>
-            <a:ext cx="475900" cy="6121"/>
-          </a:xfrm>
-          <a:prstGeom prst="line">
-            <a:avLst/>
-          </a:prstGeom>
-        </p:spPr>
-        <p:style>
-          <a:lnRef idx="1">
-            <a:schemeClr val="dk1"/>
-          </a:lnRef>
-          <a:fillRef idx="0">
-            <a:schemeClr val="dk1"/>
-          </a:fillRef>
-          <a:effectRef idx="0">
-            <a:schemeClr val="dk1"/>
-          </a:effectRef>
-          <a:fontRef idx="minor">
-            <a:schemeClr val="tx1"/>
-          </a:fontRef>
-        </p:style>
-      </p:cxnSp>
-      <p:sp>
-        <p:nvSpPr>
-          <p:cNvPr id="196" name="직사각형 195">
-            <a:extLst>
-              <a:ext uri="{FF2B5EF4-FFF2-40B4-BE49-F238E27FC236}">
-                <a16:creationId xmlns:a16="http://schemas.microsoft.com/office/drawing/2014/main" id="{0A5F3924-A84A-43AC-921D-AAF17F81459E}"/>
-              </a:ext>
-            </a:extLst>
-          </p:cNvPr>
-          <p:cNvSpPr/>
-          <p:nvPr/>
-        </p:nvSpPr>
-        <p:spPr>
-          <a:xfrm>
-            <a:off x="6842691" y="6906829"/>
-            <a:ext cx="1264615" cy="208067"/>
+            <a:off x="39805670" y="7467509"/>
+            <a:ext cx="2020114" cy="419458"/>
           </a:xfrm>
           <a:prstGeom prst="rect">
             <a:avLst/>
@@ -6005,7 +6061,7 @@
           </a:fontRef>
         </p:style>
         <p:txBody>
-          <a:bodyPr rot="0" spcFirstLastPara="0" vertOverflow="overflow" horzOverflow="overflow" vert="horz" wrap="square" lIns="91440" tIns="45720" rIns="91440" bIns="45720" numCol="1" spcCol="0" rtlCol="0" fromWordArt="0" anchor="ctr" anchorCtr="0" forceAA="0" compatLnSpc="1">
+          <a:bodyPr rot="0" spcFirstLastPara="0" vertOverflow="overflow" horzOverflow="overflow" vert="horz" wrap="square" lIns="182869" tIns="91446" rIns="182869" bIns="91446" numCol="1" spcCol="0" rtlCol="0" fromWordArt="0" anchor="ctr" anchorCtr="0" forceAA="0" compatLnSpc="1">
             <a:prstTxWarp prst="textNoShape">
               <a:avLst/>
             </a:prstTxWarp>
@@ -6015,18 +6071,58 @@
           <a:p>
             <a:pPr algn="ctr"/>
             <a:r>
-              <a:rPr lang="ko-KR" altLang="en-US" sz="1000" b="1"/>
-              <a:t>댓글 작성</a:t>
-            </a:r>
-          </a:p>
-        </p:txBody>
-      </p:sp>
-      <p:sp>
-        <p:nvSpPr>
-          <p:cNvPr id="197" name="직사각형 196">
-            <a:extLst>
-              <a:ext uri="{FF2B5EF4-FFF2-40B4-BE49-F238E27FC236}">
-                <a16:creationId xmlns:a16="http://schemas.microsoft.com/office/drawing/2014/main" id="{DA1C8F5D-8E9B-4EDE-A662-ECB5DF42E743}"/>
+              <a:rPr lang="ko-KR" altLang="en-US" sz="2000" b="1"/>
+              <a:t>건의사항 상세보기</a:t>
+            </a:r>
+          </a:p>
+        </p:txBody>
+      </p:sp>
+      <p:cxnSp>
+        <p:nvCxnSpPr>
+          <p:cNvPr id="431" name="연결선: 꺾임 430">
+            <a:extLst>
+              <a:ext uri="{FF2B5EF4-FFF2-40B4-BE49-F238E27FC236}">
+                <a16:creationId xmlns:a16="http://schemas.microsoft.com/office/drawing/2014/main" id="{84799C4A-0C53-4B82-8036-119376B26C4D}"/>
+              </a:ext>
+            </a:extLst>
+          </p:cNvPr>
+          <p:cNvCxnSpPr>
+            <a:cxnSpLocks/>
+            <a:stCxn id="430" idx="1"/>
+            <a:endCxn id="366" idx="2"/>
+          </p:cNvCxnSpPr>
+          <p:nvPr/>
+        </p:nvCxnSpPr>
+        <p:spPr>
+          <a:xfrm rot="10800000">
+            <a:off x="39374168" y="7131012"/>
+            <a:ext cx="431491" cy="546243"/>
+          </a:xfrm>
+          <a:prstGeom prst="bentConnector2">
+            <a:avLst/>
+          </a:prstGeom>
+        </p:spPr>
+        <p:style>
+          <a:lnRef idx="1">
+            <a:schemeClr val="dk1"/>
+          </a:lnRef>
+          <a:fillRef idx="0">
+            <a:schemeClr val="dk1"/>
+          </a:fillRef>
+          <a:effectRef idx="0">
+            <a:schemeClr val="dk1"/>
+          </a:effectRef>
+          <a:fontRef idx="minor">
+            <a:schemeClr val="tx1"/>
+          </a:fontRef>
+        </p:style>
+      </p:cxnSp>
+      <p:sp>
+        <p:nvSpPr>
+          <p:cNvPr id="434" name="직사각형 433">
+            <a:extLst>
+              <a:ext uri="{FF2B5EF4-FFF2-40B4-BE49-F238E27FC236}">
+                <a16:creationId xmlns:a16="http://schemas.microsoft.com/office/drawing/2014/main" id="{3309DB71-985B-4B81-A862-926908990E96}"/>
               </a:ext>
             </a:extLst>
           </p:cNvPr>
@@ -6035,8 +6131,8 @@
         </p:nvSpPr>
         <p:spPr>
           <a:xfrm>
-            <a:off x="6842690" y="7226687"/>
-            <a:ext cx="1264615" cy="208067"/>
+            <a:off x="39805670" y="8088766"/>
+            <a:ext cx="2020114" cy="419458"/>
           </a:xfrm>
           <a:prstGeom prst="rect">
             <a:avLst/>
@@ -6057,7 +6153,7 @@
           </a:fontRef>
         </p:style>
         <p:txBody>
-          <a:bodyPr rot="0" spcFirstLastPara="0" vertOverflow="overflow" horzOverflow="overflow" vert="horz" wrap="square" lIns="91440" tIns="45720" rIns="91440" bIns="45720" numCol="1" spcCol="0" rtlCol="0" fromWordArt="0" anchor="ctr" anchorCtr="0" forceAA="0" compatLnSpc="1">
+          <a:bodyPr rot="0" spcFirstLastPara="0" vertOverflow="overflow" horzOverflow="overflow" vert="horz" wrap="square" lIns="182869" tIns="91446" rIns="182869" bIns="91446" numCol="1" spcCol="0" rtlCol="0" fromWordArt="0" anchor="ctr" anchorCtr="0" forceAA="0" compatLnSpc="1">
             <a:prstTxWarp prst="textNoShape">
               <a:avLst/>
             </a:prstTxWarp>
@@ -6067,18 +6163,58 @@
           <a:p>
             <a:pPr algn="ctr"/>
             <a:r>
-              <a:rPr lang="ko-KR" altLang="en-US" sz="1000" b="1"/>
-              <a:t>댓글 수정</a:t>
-            </a:r>
-          </a:p>
-        </p:txBody>
-      </p:sp>
-      <p:sp>
-        <p:nvSpPr>
-          <p:cNvPr id="198" name="직사각형 197">
-            <a:extLst>
-              <a:ext uri="{FF2B5EF4-FFF2-40B4-BE49-F238E27FC236}">
-                <a16:creationId xmlns:a16="http://schemas.microsoft.com/office/drawing/2014/main" id="{72668BD5-930D-46B4-80E2-44E9E8AC3EA8}"/>
+              <a:rPr lang="ko-KR" altLang="en-US" sz="2000" b="1"/>
+              <a:t>건의사항 작성</a:t>
+            </a:r>
+          </a:p>
+        </p:txBody>
+      </p:sp>
+      <p:cxnSp>
+        <p:nvCxnSpPr>
+          <p:cNvPr id="435" name="연결선: 꺾임 434">
+            <a:extLst>
+              <a:ext uri="{FF2B5EF4-FFF2-40B4-BE49-F238E27FC236}">
+                <a16:creationId xmlns:a16="http://schemas.microsoft.com/office/drawing/2014/main" id="{4F5D1A8E-86B2-43BB-BFF8-7C1149AF25DB}"/>
+              </a:ext>
+            </a:extLst>
+          </p:cNvPr>
+          <p:cNvCxnSpPr>
+            <a:cxnSpLocks/>
+            <a:stCxn id="434" idx="1"/>
+            <a:endCxn id="366" idx="2"/>
+          </p:cNvCxnSpPr>
+          <p:nvPr/>
+        </p:nvCxnSpPr>
+        <p:spPr>
+          <a:xfrm rot="10800000">
+            <a:off x="39374168" y="7130992"/>
+            <a:ext cx="431491" cy="1167501"/>
+          </a:xfrm>
+          <a:prstGeom prst="bentConnector2">
+            <a:avLst/>
+          </a:prstGeom>
+        </p:spPr>
+        <p:style>
+          <a:lnRef idx="1">
+            <a:schemeClr val="dk1"/>
+          </a:lnRef>
+          <a:fillRef idx="0">
+            <a:schemeClr val="dk1"/>
+          </a:fillRef>
+          <a:effectRef idx="0">
+            <a:schemeClr val="dk1"/>
+          </a:effectRef>
+          <a:fontRef idx="minor">
+            <a:schemeClr val="tx1"/>
+          </a:fontRef>
+        </p:style>
+      </p:cxnSp>
+      <p:sp>
+        <p:nvSpPr>
+          <p:cNvPr id="438" name="직사각형 437">
+            <a:extLst>
+              <a:ext uri="{FF2B5EF4-FFF2-40B4-BE49-F238E27FC236}">
+                <a16:creationId xmlns:a16="http://schemas.microsoft.com/office/drawing/2014/main" id="{BBB08D3B-7E05-4333-B4DA-FFA3981359F1}"/>
               </a:ext>
             </a:extLst>
           </p:cNvPr>
@@ -6087,8 +6223,8 @@
         </p:nvSpPr>
         <p:spPr>
           <a:xfrm>
-            <a:off x="6842690" y="7547719"/>
-            <a:ext cx="1264615" cy="208067"/>
+            <a:off x="43231542" y="16794756"/>
+            <a:ext cx="1314275" cy="419458"/>
           </a:xfrm>
           <a:prstGeom prst="rect">
             <a:avLst/>
@@ -6109,7 +6245,7 @@
           </a:fontRef>
         </p:style>
         <p:txBody>
-          <a:bodyPr rot="0" spcFirstLastPara="0" vertOverflow="overflow" horzOverflow="overflow" vert="horz" wrap="square" lIns="91440" tIns="45720" rIns="91440" bIns="45720" numCol="1" spcCol="0" rtlCol="0" fromWordArt="0" anchor="ctr" anchorCtr="0" forceAA="0" compatLnSpc="1">
+          <a:bodyPr rot="0" spcFirstLastPara="0" vertOverflow="overflow" horzOverflow="overflow" vert="horz" wrap="square" lIns="182869" tIns="91446" rIns="182869" bIns="91446" numCol="1" spcCol="0" rtlCol="0" fromWordArt="0" anchor="ctr" anchorCtr="0" forceAA="0" compatLnSpc="1">
             <a:prstTxWarp prst="textNoShape">
               <a:avLst/>
             </a:prstTxWarp>
@@ -6119,36 +6255,36 @@
           <a:p>
             <a:pPr algn="ctr"/>
             <a:r>
-              <a:rPr lang="ko-KR" altLang="en-US" sz="1000" b="1"/>
-              <a:t>댓글 삭제</a:t>
+              <a:rPr lang="ko-KR" altLang="en-US" sz="2000" b="1"/>
+              <a:t>관리자</a:t>
             </a:r>
           </a:p>
         </p:txBody>
       </p:sp>
       <p:cxnSp>
         <p:nvCxnSpPr>
-          <p:cNvPr id="199" name="연결선: 꺾임 198">
-            <a:extLst>
-              <a:ext uri="{FF2B5EF4-FFF2-40B4-BE49-F238E27FC236}">
-                <a16:creationId xmlns:a16="http://schemas.microsoft.com/office/drawing/2014/main" id="{ECA4532E-B46D-465C-988E-F78C283620D2}"/>
+          <p:cNvPr id="439" name="연결선: 꺾임 438">
+            <a:extLst>
+              <a:ext uri="{FF2B5EF4-FFF2-40B4-BE49-F238E27FC236}">
+                <a16:creationId xmlns:a16="http://schemas.microsoft.com/office/drawing/2014/main" id="{030DCC80-5BF0-4276-8DB2-FB0F2FF1C93A}"/>
               </a:ext>
             </a:extLst>
           </p:cNvPr>
           <p:cNvCxnSpPr>
             <a:cxnSpLocks/>
-            <a:stCxn id="196" idx="1"/>
-            <a:endCxn id="188" idx="3"/>
+            <a:stCxn id="141" idx="2"/>
+            <a:endCxn id="438" idx="0"/>
           </p:cNvCxnSpPr>
           <p:nvPr/>
         </p:nvCxnSpPr>
         <p:spPr>
-          <a:xfrm rot="10800000">
-            <a:off x="6366793" y="6685439"/>
-            <a:ext cx="475899" cy="325424"/>
+          <a:xfrm rot="16200000" flipH="1">
+            <a:off x="30081022" y="2987097"/>
+            <a:ext cx="13363685" cy="14251631"/>
           </a:xfrm>
           <a:prstGeom prst="bentConnector3">
             <a:avLst>
-              <a:gd name="adj1" fmla="val 50000"/>
+              <a:gd name="adj1" fmla="val 4752"/>
             </a:avLst>
           </a:prstGeom>
         </p:spPr>
@@ -6167,136 +6303,12 @@
           </a:fontRef>
         </p:style>
       </p:cxnSp>
-      <p:cxnSp>
-        <p:nvCxnSpPr>
-          <p:cNvPr id="202" name="연결선: 꺾임 201">
-            <a:extLst>
-              <a:ext uri="{FF2B5EF4-FFF2-40B4-BE49-F238E27FC236}">
-                <a16:creationId xmlns:a16="http://schemas.microsoft.com/office/drawing/2014/main" id="{4B21FF3C-9CA3-46AC-A156-AE899DF06454}"/>
-              </a:ext>
-            </a:extLst>
-          </p:cNvPr>
-          <p:cNvCxnSpPr>
-            <a:cxnSpLocks/>
-            <a:stCxn id="197" idx="1"/>
-            <a:endCxn id="188" idx="3"/>
-          </p:cNvCxnSpPr>
-          <p:nvPr/>
-        </p:nvCxnSpPr>
-        <p:spPr>
-          <a:xfrm rot="10800000">
-            <a:off x="6366792" y="6685439"/>
-            <a:ext cx="475898" cy="645282"/>
-          </a:xfrm>
-          <a:prstGeom prst="bentConnector3">
-            <a:avLst>
-              <a:gd name="adj1" fmla="val 50000"/>
-            </a:avLst>
-          </a:prstGeom>
-        </p:spPr>
-        <p:style>
-          <a:lnRef idx="1">
-            <a:schemeClr val="dk1"/>
-          </a:lnRef>
-          <a:fillRef idx="0">
-            <a:schemeClr val="dk1"/>
-          </a:fillRef>
-          <a:effectRef idx="0">
-            <a:schemeClr val="dk1"/>
-          </a:effectRef>
-          <a:fontRef idx="minor">
-            <a:schemeClr val="tx1"/>
-          </a:fontRef>
-        </p:style>
-      </p:cxnSp>
-      <p:cxnSp>
-        <p:nvCxnSpPr>
-          <p:cNvPr id="205" name="연결선: 꺾임 204">
-            <a:extLst>
-              <a:ext uri="{FF2B5EF4-FFF2-40B4-BE49-F238E27FC236}">
-                <a16:creationId xmlns:a16="http://schemas.microsoft.com/office/drawing/2014/main" id="{A1CAB2AF-C980-46D1-9524-E1A9799850B0}"/>
-              </a:ext>
-            </a:extLst>
-          </p:cNvPr>
-          <p:cNvCxnSpPr>
-            <a:cxnSpLocks/>
-            <a:stCxn id="198" idx="1"/>
-            <a:endCxn id="188" idx="3"/>
-          </p:cNvCxnSpPr>
-          <p:nvPr/>
-        </p:nvCxnSpPr>
-        <p:spPr>
-          <a:xfrm rot="10800000">
-            <a:off x="6366792" y="6685439"/>
-            <a:ext cx="475898" cy="966314"/>
-          </a:xfrm>
-          <a:prstGeom prst="bentConnector3">
-            <a:avLst>
-              <a:gd name="adj1" fmla="val 50000"/>
-            </a:avLst>
-          </a:prstGeom>
-        </p:spPr>
-        <p:style>
-          <a:lnRef idx="1">
-            <a:schemeClr val="dk1"/>
-          </a:lnRef>
-          <a:fillRef idx="0">
-            <a:schemeClr val="dk1"/>
-          </a:fillRef>
-          <a:effectRef idx="0">
-            <a:schemeClr val="dk1"/>
-          </a:effectRef>
-          <a:fontRef idx="minor">
-            <a:schemeClr val="tx1"/>
-          </a:fontRef>
-        </p:style>
-      </p:cxnSp>
-      <p:cxnSp>
-        <p:nvCxnSpPr>
-          <p:cNvPr id="217" name="연결선: 꺾임 216">
-            <a:extLst>
-              <a:ext uri="{FF2B5EF4-FFF2-40B4-BE49-F238E27FC236}">
-                <a16:creationId xmlns:a16="http://schemas.microsoft.com/office/drawing/2014/main" id="{5246C8DD-7023-4D7C-92F1-95F8D74B2E5B}"/>
-              </a:ext>
-            </a:extLst>
-          </p:cNvPr>
-          <p:cNvCxnSpPr>
-            <a:cxnSpLocks/>
-            <a:stCxn id="222" idx="1"/>
-            <a:endCxn id="6" idx="2"/>
-          </p:cNvCxnSpPr>
-          <p:nvPr/>
-        </p:nvCxnSpPr>
-        <p:spPr>
-          <a:xfrm rot="10800000">
-            <a:off x="9704420" y="1574687"/>
-            <a:ext cx="208138" cy="571239"/>
-          </a:xfrm>
-          <a:prstGeom prst="bentConnector2">
-            <a:avLst/>
-          </a:prstGeom>
-        </p:spPr>
-        <p:style>
-          <a:lnRef idx="1">
-            <a:schemeClr val="dk1"/>
-          </a:lnRef>
-          <a:fillRef idx="0">
-            <a:schemeClr val="dk1"/>
-          </a:fillRef>
-          <a:effectRef idx="0">
-            <a:schemeClr val="dk1"/>
-          </a:effectRef>
-          <a:fontRef idx="minor">
-            <a:schemeClr val="tx1"/>
-          </a:fontRef>
-        </p:style>
-      </p:cxnSp>
-      <p:sp>
-        <p:nvSpPr>
-          <p:cNvPr id="222" name="직사각형 221">
-            <a:extLst>
-              <a:ext uri="{FF2B5EF4-FFF2-40B4-BE49-F238E27FC236}">
-                <a16:creationId xmlns:a16="http://schemas.microsoft.com/office/drawing/2014/main" id="{EB020FD5-2A2F-4A1F-A3A6-13A5C6E15C14}"/>
+      <p:sp>
+        <p:nvSpPr>
+          <p:cNvPr id="448" name="직사각형 447">
+            <a:extLst>
+              <a:ext uri="{FF2B5EF4-FFF2-40B4-BE49-F238E27FC236}">
+                <a16:creationId xmlns:a16="http://schemas.microsoft.com/office/drawing/2014/main" id="{D778AED1-F241-42FC-B583-E0BC7BB7D9B4}"/>
               </a:ext>
             </a:extLst>
           </p:cNvPr>
@@ -6305,8 +6317,8 @@
         </p:nvSpPr>
         <p:spPr>
           <a:xfrm>
-            <a:off x="9912558" y="2041062"/>
-            <a:ext cx="1108212" cy="209725"/>
+            <a:off x="32319819" y="24075442"/>
+            <a:ext cx="2258402" cy="337620"/>
           </a:xfrm>
           <a:prstGeom prst="rect">
             <a:avLst/>
@@ -6327,7 +6339,7 @@
           </a:fontRef>
         </p:style>
         <p:txBody>
-          <a:bodyPr rot="0" spcFirstLastPara="0" vertOverflow="overflow" horzOverflow="overflow" vert="horz" wrap="square" lIns="91440" tIns="45720" rIns="91440" bIns="45720" numCol="1" spcCol="0" rtlCol="0" fromWordArt="0" anchor="ctr" anchorCtr="0" forceAA="0" compatLnSpc="1">
+          <a:bodyPr rot="0" spcFirstLastPara="0" vertOverflow="overflow" horzOverflow="overflow" vert="horz" wrap="square" lIns="182869" tIns="91446" rIns="182869" bIns="91446" numCol="1" spcCol="0" rtlCol="0" fromWordArt="0" anchor="ctr" anchorCtr="0" forceAA="0" compatLnSpc="1">
             <a:prstTxWarp prst="textNoShape">
               <a:avLst/>
             </a:prstTxWarp>
@@ -6337,18 +6349,18 @@
           <a:p>
             <a:pPr algn="ctr"/>
             <a:r>
-              <a:rPr lang="ko-KR" altLang="en-US" sz="1000" b="1"/>
-              <a:t>영화</a:t>
-            </a:r>
-          </a:p>
-        </p:txBody>
-      </p:sp>
-      <p:sp>
-        <p:nvSpPr>
-          <p:cNvPr id="224" name="직사각형 223">
-            <a:extLst>
-              <a:ext uri="{FF2B5EF4-FFF2-40B4-BE49-F238E27FC236}">
-                <a16:creationId xmlns:a16="http://schemas.microsoft.com/office/drawing/2014/main" id="{96F97018-C941-41B7-9129-7394074BEBC7}"/>
+              <a:rPr lang="ko-KR" altLang="en-US" sz="2000" b="1"/>
+              <a:t>영화 관리</a:t>
+            </a:r>
+          </a:p>
+        </p:txBody>
+      </p:sp>
+      <p:sp>
+        <p:nvSpPr>
+          <p:cNvPr id="453" name="직사각형 452">
+            <a:extLst>
+              <a:ext uri="{FF2B5EF4-FFF2-40B4-BE49-F238E27FC236}">
+                <a16:creationId xmlns:a16="http://schemas.microsoft.com/office/drawing/2014/main" id="{FE4D3A97-4FDB-46D3-8397-99FCE148247D}"/>
               </a:ext>
             </a:extLst>
           </p:cNvPr>
@@ -6357,8 +6369,8 @@
         </p:nvSpPr>
         <p:spPr>
           <a:xfrm>
-            <a:off x="11084270" y="2325807"/>
-            <a:ext cx="1177580" cy="209725"/>
+            <a:off x="27468640" y="18863016"/>
+            <a:ext cx="1484457" cy="419458"/>
           </a:xfrm>
           <a:prstGeom prst="rect">
             <a:avLst/>
@@ -6379,7 +6391,7 @@
           </a:fontRef>
         </p:style>
         <p:txBody>
-          <a:bodyPr rot="0" spcFirstLastPara="0" vertOverflow="overflow" horzOverflow="overflow" vert="horz" wrap="square" lIns="91440" tIns="45720" rIns="91440" bIns="45720" numCol="1" spcCol="0" rtlCol="0" fromWordArt="0" anchor="ctr" anchorCtr="0" forceAA="0" compatLnSpc="1">
+          <a:bodyPr rot="0" spcFirstLastPara="0" vertOverflow="overflow" horzOverflow="overflow" vert="horz" wrap="square" lIns="182869" tIns="91446" rIns="182869" bIns="91446" numCol="1" spcCol="0" rtlCol="0" fromWordArt="0" anchor="ctr" anchorCtr="0" forceAA="0" compatLnSpc="1">
             <a:prstTxWarp prst="textNoShape">
               <a:avLst/>
             </a:prstTxWarp>
@@ -6389,35 +6401,37 @@
           <a:p>
             <a:pPr algn="ctr"/>
             <a:r>
-              <a:rPr lang="ko-KR" altLang="en-US" sz="1000" b="1"/>
-              <a:t>영화 정보 조회</a:t>
+              <a:rPr lang="ko-KR" altLang="en-US" sz="2000" b="1"/>
+              <a:t>건의사항</a:t>
             </a:r>
           </a:p>
         </p:txBody>
       </p:sp>
       <p:cxnSp>
         <p:nvCxnSpPr>
-          <p:cNvPr id="225" name="연결선: 꺾임 224">
-            <a:extLst>
-              <a:ext uri="{FF2B5EF4-FFF2-40B4-BE49-F238E27FC236}">
-                <a16:creationId xmlns:a16="http://schemas.microsoft.com/office/drawing/2014/main" id="{6FA561EC-3E8F-4741-911E-3BEC2DDD82CF}"/>
+          <p:cNvPr id="454" name="연결선: 꺾임 453">
+            <a:extLst>
+              <a:ext uri="{FF2B5EF4-FFF2-40B4-BE49-F238E27FC236}">
+                <a16:creationId xmlns:a16="http://schemas.microsoft.com/office/drawing/2014/main" id="{1875EA55-98A0-4458-81E7-90FE285CC684}"/>
               </a:ext>
             </a:extLst>
           </p:cNvPr>
           <p:cNvCxnSpPr>
             <a:cxnSpLocks/>
-            <a:stCxn id="224" idx="1"/>
-            <a:endCxn id="222" idx="2"/>
+            <a:stCxn id="438" idx="2"/>
+            <a:endCxn id="453" idx="0"/>
           </p:cNvCxnSpPr>
           <p:nvPr/>
         </p:nvCxnSpPr>
         <p:spPr>
-          <a:xfrm rot="10800000">
-            <a:off x="10466664" y="2250788"/>
-            <a:ext cx="617606" cy="179883"/>
-          </a:xfrm>
-          <a:prstGeom prst="bentConnector2">
-            <a:avLst/>
+          <a:xfrm rot="5400000">
+            <a:off x="35225374" y="10199710"/>
+            <a:ext cx="1648802" cy="15677811"/>
+          </a:xfrm>
+          <a:prstGeom prst="bentConnector3">
+            <a:avLst>
+              <a:gd name="adj1" fmla="val 50000"/>
+            </a:avLst>
           </a:prstGeom>
         </p:spPr>
         <p:style>
@@ -6437,10 +6451,10 @@
       </p:cxnSp>
       <p:sp>
         <p:nvSpPr>
-          <p:cNvPr id="228" name="직사각형 227">
-            <a:extLst>
-              <a:ext uri="{FF2B5EF4-FFF2-40B4-BE49-F238E27FC236}">
-                <a16:creationId xmlns:a16="http://schemas.microsoft.com/office/drawing/2014/main" id="{A0DAD35E-1AB2-42C3-9C1F-44C128230EB7}"/>
+          <p:cNvPr id="462" name="직사각형 461">
+            <a:extLst>
+              <a:ext uri="{FF2B5EF4-FFF2-40B4-BE49-F238E27FC236}">
+                <a16:creationId xmlns:a16="http://schemas.microsoft.com/office/drawing/2014/main" id="{21C9A0A8-5CAD-452B-AF3B-7C8D8CFB9A69}"/>
               </a:ext>
             </a:extLst>
           </p:cNvPr>
@@ -6449,8 +6463,8 @@
         </p:nvSpPr>
         <p:spPr>
           <a:xfrm>
-            <a:off x="11084270" y="2679196"/>
-            <a:ext cx="1177580" cy="209725"/>
+            <a:off x="30604085" y="18863016"/>
+            <a:ext cx="2258402" cy="419458"/>
           </a:xfrm>
           <a:prstGeom prst="rect">
             <a:avLst/>
@@ -6471,7 +6485,7 @@
           </a:fontRef>
         </p:style>
         <p:txBody>
-          <a:bodyPr rot="0" spcFirstLastPara="0" vertOverflow="overflow" horzOverflow="overflow" vert="horz" wrap="square" lIns="91440" tIns="45720" rIns="91440" bIns="45720" numCol="1" spcCol="0" rtlCol="0" fromWordArt="0" anchor="ctr" anchorCtr="0" forceAA="0" compatLnSpc="1">
+          <a:bodyPr rot="0" spcFirstLastPara="0" vertOverflow="overflow" horzOverflow="overflow" vert="horz" wrap="square" lIns="182869" tIns="91446" rIns="182869" bIns="91446" numCol="1" spcCol="0" rtlCol="0" fromWordArt="0" anchor="ctr" anchorCtr="0" forceAA="0" compatLnSpc="1">
             <a:prstTxWarp prst="textNoShape">
               <a:avLst/>
             </a:prstTxWarp>
@@ -6481,35 +6495,37 @@
           <a:p>
             <a:pPr algn="ctr"/>
             <a:r>
-              <a:rPr lang="ko-KR" altLang="en-US" sz="1000" b="1"/>
-              <a:t>영화 정보 등록</a:t>
+              <a:rPr lang="ko-KR" altLang="en-US" sz="2000" b="1"/>
+              <a:t>관리자 페이지</a:t>
             </a:r>
           </a:p>
         </p:txBody>
       </p:sp>
       <p:cxnSp>
         <p:nvCxnSpPr>
-          <p:cNvPr id="229" name="연결선: 꺾임 228">
-            <a:extLst>
-              <a:ext uri="{FF2B5EF4-FFF2-40B4-BE49-F238E27FC236}">
-                <a16:creationId xmlns:a16="http://schemas.microsoft.com/office/drawing/2014/main" id="{DBE60F5D-71A9-47B7-93B1-E814EBE4D0EA}"/>
+          <p:cNvPr id="463" name="연결선: 꺾임 462">
+            <a:extLst>
+              <a:ext uri="{FF2B5EF4-FFF2-40B4-BE49-F238E27FC236}">
+                <a16:creationId xmlns:a16="http://schemas.microsoft.com/office/drawing/2014/main" id="{2D68DE2E-6470-495C-889C-979C02EADCF2}"/>
               </a:ext>
             </a:extLst>
           </p:cNvPr>
           <p:cNvCxnSpPr>
             <a:cxnSpLocks/>
-            <a:stCxn id="228" idx="1"/>
-            <a:endCxn id="222" idx="2"/>
+            <a:stCxn id="438" idx="2"/>
+            <a:endCxn id="462" idx="0"/>
           </p:cNvCxnSpPr>
           <p:nvPr/>
         </p:nvCxnSpPr>
         <p:spPr>
-          <a:xfrm rot="10800000">
-            <a:off x="10466664" y="2250787"/>
-            <a:ext cx="617606" cy="533272"/>
-          </a:xfrm>
-          <a:prstGeom prst="bentConnector2">
-            <a:avLst/>
+          <a:xfrm rot="5400000">
+            <a:off x="36986582" y="11960918"/>
+            <a:ext cx="1648802" cy="12155394"/>
+          </a:xfrm>
+          <a:prstGeom prst="bentConnector3">
+            <a:avLst>
+              <a:gd name="adj1" fmla="val 50000"/>
+            </a:avLst>
           </a:prstGeom>
         </p:spPr>
         <p:style>
@@ -6529,10 +6545,10 @@
       </p:cxnSp>
       <p:sp>
         <p:nvSpPr>
-          <p:cNvPr id="232" name="직사각형 231">
-            <a:extLst>
-              <a:ext uri="{FF2B5EF4-FFF2-40B4-BE49-F238E27FC236}">
-                <a16:creationId xmlns:a16="http://schemas.microsoft.com/office/drawing/2014/main" id="{A15C64A2-8AED-4B1B-83D1-05A458BA9FCB}"/>
+          <p:cNvPr id="466" name="직사각형 465">
+            <a:extLst>
+              <a:ext uri="{FF2B5EF4-FFF2-40B4-BE49-F238E27FC236}">
+                <a16:creationId xmlns:a16="http://schemas.microsoft.com/office/drawing/2014/main" id="{A8F8794F-1492-4739-A625-E6BB7638C2E4}"/>
               </a:ext>
             </a:extLst>
           </p:cNvPr>
@@ -6541,8 +6557,8 @@
         </p:nvSpPr>
         <p:spPr>
           <a:xfrm>
-            <a:off x="11084270" y="3032585"/>
-            <a:ext cx="1177580" cy="209725"/>
+            <a:off x="32319819" y="19593190"/>
+            <a:ext cx="2258402" cy="419458"/>
           </a:xfrm>
           <a:prstGeom prst="rect">
             <a:avLst/>
@@ -6563,7 +6579,7 @@
           </a:fontRef>
         </p:style>
         <p:txBody>
-          <a:bodyPr rot="0" spcFirstLastPara="0" vertOverflow="overflow" horzOverflow="overflow" vert="horz" wrap="square" lIns="91440" tIns="45720" rIns="91440" bIns="45720" numCol="1" spcCol="0" rtlCol="0" fromWordArt="0" anchor="ctr" anchorCtr="0" forceAA="0" compatLnSpc="1">
+          <a:bodyPr rot="0" spcFirstLastPara="0" vertOverflow="overflow" horzOverflow="overflow" vert="horz" wrap="square" lIns="182869" tIns="91446" rIns="182869" bIns="91446" numCol="1" spcCol="0" rtlCol="0" fromWordArt="0" anchor="ctr" anchorCtr="0" forceAA="0" compatLnSpc="1">
             <a:prstTxWarp prst="textNoShape">
               <a:avLst/>
             </a:prstTxWarp>
@@ -6573,18 +6589,58 @@
           <a:p>
             <a:pPr algn="ctr"/>
             <a:r>
-              <a:rPr lang="ko-KR" altLang="en-US" sz="1000" b="1"/>
-              <a:t>영화 정보 수정</a:t>
-            </a:r>
-          </a:p>
-        </p:txBody>
-      </p:sp>
-      <p:sp>
-        <p:nvSpPr>
-          <p:cNvPr id="233" name="직사각형 232">
-            <a:extLst>
-              <a:ext uri="{FF2B5EF4-FFF2-40B4-BE49-F238E27FC236}">
-                <a16:creationId xmlns:a16="http://schemas.microsoft.com/office/drawing/2014/main" id="{380B133F-4596-4CEF-933E-6A823B2F9011}"/>
+              <a:rPr lang="ko-KR" altLang="en-US" sz="2000" b="1"/>
+              <a:t>기프티콘 관리</a:t>
+            </a:r>
+          </a:p>
+        </p:txBody>
+      </p:sp>
+      <p:cxnSp>
+        <p:nvCxnSpPr>
+          <p:cNvPr id="467" name="연결선: 꺾임 466">
+            <a:extLst>
+              <a:ext uri="{FF2B5EF4-FFF2-40B4-BE49-F238E27FC236}">
+                <a16:creationId xmlns:a16="http://schemas.microsoft.com/office/drawing/2014/main" id="{2466BB86-1253-480A-B99F-EA5451879850}"/>
+              </a:ext>
+            </a:extLst>
+          </p:cNvPr>
+          <p:cNvCxnSpPr>
+            <a:cxnSpLocks/>
+            <a:stCxn id="462" idx="2"/>
+            <a:endCxn id="466" idx="1"/>
+          </p:cNvCxnSpPr>
+          <p:nvPr/>
+        </p:nvCxnSpPr>
+        <p:spPr>
+          <a:xfrm rot="16200000" flipH="1">
+            <a:off x="31766359" y="19249459"/>
+            <a:ext cx="520442" cy="586532"/>
+          </a:xfrm>
+          <a:prstGeom prst="bentConnector2">
+            <a:avLst/>
+          </a:prstGeom>
+        </p:spPr>
+        <p:style>
+          <a:lnRef idx="1">
+            <a:schemeClr val="dk1"/>
+          </a:lnRef>
+          <a:fillRef idx="0">
+            <a:schemeClr val="dk1"/>
+          </a:fillRef>
+          <a:effectRef idx="0">
+            <a:schemeClr val="dk1"/>
+          </a:effectRef>
+          <a:fontRef idx="minor">
+            <a:schemeClr val="tx1"/>
+          </a:fontRef>
+        </p:style>
+      </p:cxnSp>
+      <p:sp>
+        <p:nvSpPr>
+          <p:cNvPr id="470" name="직사각형 469">
+            <a:extLst>
+              <a:ext uri="{FF2B5EF4-FFF2-40B4-BE49-F238E27FC236}">
+                <a16:creationId xmlns:a16="http://schemas.microsoft.com/office/drawing/2014/main" id="{31B1E599-6910-4C11-A66F-031C6863BF93}"/>
               </a:ext>
             </a:extLst>
           </p:cNvPr>
@@ -6593,8 +6649,8 @@
         </p:nvSpPr>
         <p:spPr>
           <a:xfrm>
-            <a:off x="11084270" y="3381068"/>
-            <a:ext cx="1177580" cy="209725"/>
+            <a:off x="33785003" y="20299986"/>
+            <a:ext cx="2258402" cy="419458"/>
           </a:xfrm>
           <a:prstGeom prst="rect">
             <a:avLst/>
@@ -6615,7 +6671,7 @@
           </a:fontRef>
         </p:style>
         <p:txBody>
-          <a:bodyPr rot="0" spcFirstLastPara="0" vertOverflow="overflow" horzOverflow="overflow" vert="horz" wrap="square" lIns="91440" tIns="45720" rIns="91440" bIns="45720" numCol="1" spcCol="0" rtlCol="0" fromWordArt="0" anchor="ctr" anchorCtr="0" forceAA="0" compatLnSpc="1">
+          <a:bodyPr rot="0" spcFirstLastPara="0" vertOverflow="overflow" horzOverflow="overflow" vert="horz" wrap="square" lIns="182869" tIns="91446" rIns="182869" bIns="91446" numCol="1" spcCol="0" rtlCol="0" fromWordArt="0" anchor="ctr" anchorCtr="0" forceAA="0" compatLnSpc="1">
             <a:prstTxWarp prst="textNoShape">
               <a:avLst/>
             </a:prstTxWarp>
@@ -6625,32 +6681,32 @@
           <a:p>
             <a:pPr algn="ctr"/>
             <a:r>
-              <a:rPr lang="ko-KR" altLang="en-US" sz="1000" b="1"/>
-              <a:t>영화 정보 삭제</a:t>
+              <a:rPr lang="ko-KR" altLang="en-US" sz="2000" b="1"/>
+              <a:t>기프티콘 관리</a:t>
             </a:r>
           </a:p>
         </p:txBody>
       </p:sp>
       <p:cxnSp>
         <p:nvCxnSpPr>
-          <p:cNvPr id="234" name="연결선: 꺾임 233">
-            <a:extLst>
-              <a:ext uri="{FF2B5EF4-FFF2-40B4-BE49-F238E27FC236}">
-                <a16:creationId xmlns:a16="http://schemas.microsoft.com/office/drawing/2014/main" id="{1288EF30-58FB-4A58-9291-6C8F458AB179}"/>
+          <p:cNvPr id="471" name="연결선: 꺾임 470">
+            <a:extLst>
+              <a:ext uri="{FF2B5EF4-FFF2-40B4-BE49-F238E27FC236}">
+                <a16:creationId xmlns:a16="http://schemas.microsoft.com/office/drawing/2014/main" id="{CCA66586-7D42-4417-978A-4F503C5A935B}"/>
               </a:ext>
             </a:extLst>
           </p:cNvPr>
           <p:cNvCxnSpPr>
             <a:cxnSpLocks/>
-            <a:stCxn id="232" idx="1"/>
-            <a:endCxn id="222" idx="2"/>
+            <a:stCxn id="466" idx="2"/>
+            <a:endCxn id="470" idx="1"/>
           </p:cNvCxnSpPr>
           <p:nvPr/>
         </p:nvCxnSpPr>
         <p:spPr>
-          <a:xfrm rot="10800000">
-            <a:off x="10466664" y="2250788"/>
-            <a:ext cx="617606" cy="886661"/>
+          <a:xfrm rot="16200000" flipH="1">
+            <a:off x="33368467" y="20093190"/>
+            <a:ext cx="497067" cy="335977"/>
           </a:xfrm>
           <a:prstGeom prst="bentConnector2">
             <a:avLst/>
@@ -6671,52 +6727,12 @@
           </a:fontRef>
         </p:style>
       </p:cxnSp>
-      <p:cxnSp>
-        <p:nvCxnSpPr>
-          <p:cNvPr id="237" name="연결선: 꺾임 236">
-            <a:extLst>
-              <a:ext uri="{FF2B5EF4-FFF2-40B4-BE49-F238E27FC236}">
-                <a16:creationId xmlns:a16="http://schemas.microsoft.com/office/drawing/2014/main" id="{3D73D6D1-8BB0-4F00-B0A0-CE727AEDC006}"/>
-              </a:ext>
-            </a:extLst>
-          </p:cNvPr>
-          <p:cNvCxnSpPr>
-            <a:cxnSpLocks/>
-            <a:stCxn id="233" idx="1"/>
-            <a:endCxn id="222" idx="2"/>
-          </p:cNvCxnSpPr>
-          <p:nvPr/>
-        </p:nvCxnSpPr>
-        <p:spPr>
-          <a:xfrm rot="10800000">
-            <a:off x="10466664" y="2250787"/>
-            <a:ext cx="617606" cy="1235144"/>
-          </a:xfrm>
-          <a:prstGeom prst="bentConnector2">
-            <a:avLst/>
-          </a:prstGeom>
-        </p:spPr>
-        <p:style>
-          <a:lnRef idx="1">
-            <a:schemeClr val="dk1"/>
-          </a:lnRef>
-          <a:fillRef idx="0">
-            <a:schemeClr val="dk1"/>
-          </a:fillRef>
-          <a:effectRef idx="0">
-            <a:schemeClr val="dk1"/>
-          </a:effectRef>
-          <a:fontRef idx="minor">
-            <a:schemeClr val="tx1"/>
-          </a:fontRef>
-        </p:style>
-      </p:cxnSp>
-      <p:sp>
-        <p:nvSpPr>
-          <p:cNvPr id="244" name="직사각형 243">
-            <a:extLst>
-              <a:ext uri="{FF2B5EF4-FFF2-40B4-BE49-F238E27FC236}">
-                <a16:creationId xmlns:a16="http://schemas.microsoft.com/office/drawing/2014/main" id="{C5F2F459-F7BB-41D9-A0E2-2A7BB0647525}"/>
+      <p:sp>
+        <p:nvSpPr>
+          <p:cNvPr id="475" name="직사각형 474">
+            <a:extLst>
+              <a:ext uri="{FF2B5EF4-FFF2-40B4-BE49-F238E27FC236}">
+                <a16:creationId xmlns:a16="http://schemas.microsoft.com/office/drawing/2014/main" id="{D6D895C9-3E1B-48BE-954F-8D0CFDD7E072}"/>
               </a:ext>
             </a:extLst>
           </p:cNvPr>
@@ -6725,8 +6741,8 @@
         </p:nvSpPr>
         <p:spPr>
           <a:xfrm>
-            <a:off x="9912558" y="3751265"/>
-            <a:ext cx="1108212" cy="209725"/>
+            <a:off x="35179576" y="22377812"/>
+            <a:ext cx="2258402" cy="419458"/>
           </a:xfrm>
           <a:prstGeom prst="rect">
             <a:avLst/>
@@ -6747,7 +6763,7 @@
           </a:fontRef>
         </p:style>
         <p:txBody>
-          <a:bodyPr rot="0" spcFirstLastPara="0" vertOverflow="overflow" horzOverflow="overflow" vert="horz" wrap="square" lIns="91440" tIns="45720" rIns="91440" bIns="45720" numCol="1" spcCol="0" rtlCol="0" fromWordArt="0" anchor="ctr" anchorCtr="0" forceAA="0" compatLnSpc="1">
+          <a:bodyPr rot="0" spcFirstLastPara="0" vertOverflow="overflow" horzOverflow="overflow" vert="horz" wrap="square" lIns="182869" tIns="91446" rIns="182869" bIns="91446" numCol="1" spcCol="0" rtlCol="0" fromWordArt="0" anchor="ctr" anchorCtr="0" forceAA="0" compatLnSpc="1">
             <a:prstTxWarp prst="textNoShape">
               <a:avLst/>
             </a:prstTxWarp>
@@ -6757,32 +6773,32 @@
           <a:p>
             <a:pPr algn="ctr"/>
             <a:r>
-              <a:rPr lang="ko-KR" altLang="en-US" sz="1000" b="1"/>
-              <a:t>상영 시간표</a:t>
+              <a:rPr lang="ko-KR" altLang="en-US" sz="2000" b="1"/>
+              <a:t>기프티콘 등록</a:t>
             </a:r>
           </a:p>
         </p:txBody>
       </p:sp>
       <p:cxnSp>
         <p:nvCxnSpPr>
-          <p:cNvPr id="245" name="연결선: 꺾임 244">
-            <a:extLst>
-              <a:ext uri="{FF2B5EF4-FFF2-40B4-BE49-F238E27FC236}">
-                <a16:creationId xmlns:a16="http://schemas.microsoft.com/office/drawing/2014/main" id="{085F24DC-FC4E-4916-8610-CBA658C6861C}"/>
+          <p:cNvPr id="476" name="연결선: 꺾임 475">
+            <a:extLst>
+              <a:ext uri="{FF2B5EF4-FFF2-40B4-BE49-F238E27FC236}">
+                <a16:creationId xmlns:a16="http://schemas.microsoft.com/office/drawing/2014/main" id="{6AFA4425-D2CF-41CB-8452-235A7F9A5B2A}"/>
               </a:ext>
             </a:extLst>
           </p:cNvPr>
           <p:cNvCxnSpPr>
             <a:cxnSpLocks/>
-            <a:stCxn id="244" idx="1"/>
-            <a:endCxn id="6" idx="2"/>
+            <a:stCxn id="470" idx="2"/>
+            <a:endCxn id="475" idx="1"/>
           </p:cNvCxnSpPr>
           <p:nvPr/>
         </p:nvCxnSpPr>
         <p:spPr>
-          <a:xfrm rot="10800000">
-            <a:off x="9704420" y="1574686"/>
-            <a:ext cx="208138" cy="2281442"/>
+          <a:xfrm rot="16200000" flipH="1">
+            <a:off x="34112834" y="21520798"/>
+            <a:ext cx="1868106" cy="265383"/>
           </a:xfrm>
           <a:prstGeom prst="bentConnector2">
             <a:avLst/>
@@ -6805,10 +6821,10 @@
       </p:cxnSp>
       <p:sp>
         <p:nvSpPr>
-          <p:cNvPr id="248" name="직사각형 247">
-            <a:extLst>
-              <a:ext uri="{FF2B5EF4-FFF2-40B4-BE49-F238E27FC236}">
-                <a16:creationId xmlns:a16="http://schemas.microsoft.com/office/drawing/2014/main" id="{0ED7C8ED-3321-4DEF-A9C8-13B06DC8CD97}"/>
+          <p:cNvPr id="479" name="직사각형 478">
+            <a:extLst>
+              <a:ext uri="{FF2B5EF4-FFF2-40B4-BE49-F238E27FC236}">
+                <a16:creationId xmlns:a16="http://schemas.microsoft.com/office/drawing/2014/main" id="{2CF4703B-41D0-41FE-99BD-0CDB7058DC4F}"/>
               </a:ext>
             </a:extLst>
           </p:cNvPr>
@@ -6817,8 +6833,8 @@
         </p:nvSpPr>
         <p:spPr>
           <a:xfrm>
-            <a:off x="11084270" y="4095843"/>
-            <a:ext cx="1177580" cy="209725"/>
+            <a:off x="35179576" y="23038248"/>
+            <a:ext cx="2258402" cy="419458"/>
           </a:xfrm>
           <a:prstGeom prst="rect">
             <a:avLst/>
@@ -6839,7 +6855,7 @@
           </a:fontRef>
         </p:style>
         <p:txBody>
-          <a:bodyPr rot="0" spcFirstLastPara="0" vertOverflow="overflow" horzOverflow="overflow" vert="horz" wrap="square" lIns="91440" tIns="45720" rIns="91440" bIns="45720" numCol="1" spcCol="0" rtlCol="0" fromWordArt="0" anchor="ctr" anchorCtr="0" forceAA="0" compatLnSpc="1">
+          <a:bodyPr rot="0" spcFirstLastPara="0" vertOverflow="overflow" horzOverflow="overflow" vert="horz" wrap="square" lIns="182869" tIns="91446" rIns="182869" bIns="91446" numCol="1" spcCol="0" rtlCol="0" fromWordArt="0" anchor="ctr" anchorCtr="0" forceAA="0" compatLnSpc="1">
             <a:prstTxWarp prst="textNoShape">
               <a:avLst/>
             </a:prstTxWarp>
@@ -6849,18 +6865,18 @@
           <a:p>
             <a:pPr algn="ctr"/>
             <a:r>
-              <a:rPr lang="ko-KR" altLang="en-US" sz="1000" b="1"/>
-              <a:t>상영 시간표 조회</a:t>
-            </a:r>
-          </a:p>
-        </p:txBody>
-      </p:sp>
-      <p:sp>
-        <p:nvSpPr>
-          <p:cNvPr id="253" name="직사각형 252">
-            <a:extLst>
-              <a:ext uri="{FF2B5EF4-FFF2-40B4-BE49-F238E27FC236}">
-                <a16:creationId xmlns:a16="http://schemas.microsoft.com/office/drawing/2014/main" id="{BB1672A7-CF0A-4F3C-B5A3-94106EC6C42C}"/>
+              <a:rPr lang="ko-KR" altLang="en-US" sz="2000" b="1"/>
+              <a:t>기프티콘 수정</a:t>
+            </a:r>
+          </a:p>
+        </p:txBody>
+      </p:sp>
+      <p:sp>
+        <p:nvSpPr>
+          <p:cNvPr id="480" name="직사각형 479">
+            <a:extLst>
+              <a:ext uri="{FF2B5EF4-FFF2-40B4-BE49-F238E27FC236}">
+                <a16:creationId xmlns:a16="http://schemas.microsoft.com/office/drawing/2014/main" id="{62298D84-10CF-494D-96DB-1504CD0EAF9E}"/>
               </a:ext>
             </a:extLst>
           </p:cNvPr>
@@ -6869,8 +6885,8 @@
         </p:nvSpPr>
         <p:spPr>
           <a:xfrm>
-            <a:off x="11084270" y="4447076"/>
-            <a:ext cx="1177580" cy="209725"/>
+            <a:off x="36848725" y="21717370"/>
+            <a:ext cx="2258402" cy="419458"/>
           </a:xfrm>
           <a:prstGeom prst="rect">
             <a:avLst/>
@@ -6891,7 +6907,7 @@
           </a:fontRef>
         </p:style>
         <p:txBody>
-          <a:bodyPr rot="0" spcFirstLastPara="0" vertOverflow="overflow" horzOverflow="overflow" vert="horz" wrap="square" lIns="91440" tIns="45720" rIns="91440" bIns="45720" numCol="1" spcCol="0" rtlCol="0" fromWordArt="0" anchor="ctr" anchorCtr="0" forceAA="0" compatLnSpc="1">
+          <a:bodyPr rot="0" spcFirstLastPara="0" vertOverflow="overflow" horzOverflow="overflow" vert="horz" wrap="square" lIns="182869" tIns="91446" rIns="182869" bIns="91446" numCol="1" spcCol="0" rtlCol="0" fromWordArt="0" anchor="ctr" anchorCtr="0" forceAA="0" compatLnSpc="1">
             <a:prstTxWarp prst="textNoShape">
               <a:avLst/>
             </a:prstTxWarp>
@@ -6901,18 +6917,98 @@
           <a:p>
             <a:pPr algn="ctr"/>
             <a:r>
-              <a:rPr lang="ko-KR" altLang="en-US" sz="1000" b="1"/>
-              <a:t>상영 시간표 등록</a:t>
-            </a:r>
-          </a:p>
-        </p:txBody>
-      </p:sp>
-      <p:sp>
-        <p:nvSpPr>
-          <p:cNvPr id="254" name="직사각형 253">
-            <a:extLst>
-              <a:ext uri="{FF2B5EF4-FFF2-40B4-BE49-F238E27FC236}">
-                <a16:creationId xmlns:a16="http://schemas.microsoft.com/office/drawing/2014/main" id="{A2E3D1A3-8F79-414F-984D-7002C6A9CD58}"/>
+              <a:rPr lang="ko-KR" altLang="en-US" sz="2000" b="1"/>
+              <a:t>기프티콘 삭제</a:t>
+            </a:r>
+          </a:p>
+        </p:txBody>
+      </p:sp>
+      <p:cxnSp>
+        <p:nvCxnSpPr>
+          <p:cNvPr id="481" name="연결선: 꺾임 480">
+            <a:extLst>
+              <a:ext uri="{FF2B5EF4-FFF2-40B4-BE49-F238E27FC236}">
+                <a16:creationId xmlns:a16="http://schemas.microsoft.com/office/drawing/2014/main" id="{F6093A8C-60B5-4E20-B6CB-F2552356C063}"/>
+              </a:ext>
+            </a:extLst>
+          </p:cNvPr>
+          <p:cNvCxnSpPr>
+            <a:cxnSpLocks/>
+            <a:stCxn id="470" idx="2"/>
+            <a:endCxn id="479" idx="1"/>
+          </p:cNvCxnSpPr>
+          <p:nvPr/>
+        </p:nvCxnSpPr>
+        <p:spPr>
+          <a:xfrm rot="16200000" flipH="1">
+            <a:off x="33782608" y="21851028"/>
+            <a:ext cx="2528558" cy="265383"/>
+          </a:xfrm>
+          <a:prstGeom prst="bentConnector2">
+            <a:avLst/>
+          </a:prstGeom>
+        </p:spPr>
+        <p:style>
+          <a:lnRef idx="1">
+            <a:schemeClr val="dk1"/>
+          </a:lnRef>
+          <a:fillRef idx="0">
+            <a:schemeClr val="dk1"/>
+          </a:fillRef>
+          <a:effectRef idx="0">
+            <a:schemeClr val="dk1"/>
+          </a:effectRef>
+          <a:fontRef idx="minor">
+            <a:schemeClr val="tx1"/>
+          </a:fontRef>
+        </p:style>
+      </p:cxnSp>
+      <p:cxnSp>
+        <p:nvCxnSpPr>
+          <p:cNvPr id="484" name="연결선: 꺾임 483">
+            <a:extLst>
+              <a:ext uri="{FF2B5EF4-FFF2-40B4-BE49-F238E27FC236}">
+                <a16:creationId xmlns:a16="http://schemas.microsoft.com/office/drawing/2014/main" id="{E4975866-4D6A-4C07-B54C-2CA503C48721}"/>
+              </a:ext>
+            </a:extLst>
+          </p:cNvPr>
+          <p:cNvCxnSpPr>
+            <a:cxnSpLocks/>
+            <a:stCxn id="470" idx="2"/>
+            <a:endCxn id="490" idx="1"/>
+          </p:cNvCxnSpPr>
+          <p:nvPr/>
+        </p:nvCxnSpPr>
+        <p:spPr>
+          <a:xfrm rot="16200000" flipH="1">
+            <a:off x="34773277" y="20860354"/>
+            <a:ext cx="547219" cy="265383"/>
+          </a:xfrm>
+          <a:prstGeom prst="bentConnector2">
+            <a:avLst/>
+          </a:prstGeom>
+        </p:spPr>
+        <p:style>
+          <a:lnRef idx="1">
+            <a:schemeClr val="dk1"/>
+          </a:lnRef>
+          <a:fillRef idx="0">
+            <a:schemeClr val="dk1"/>
+          </a:fillRef>
+          <a:effectRef idx="0">
+            <a:schemeClr val="dk1"/>
+          </a:effectRef>
+          <a:fontRef idx="minor">
+            <a:schemeClr val="tx1"/>
+          </a:fontRef>
+        </p:style>
+      </p:cxnSp>
+      <p:sp>
+        <p:nvSpPr>
+          <p:cNvPr id="490" name="직사각형 489">
+            <a:extLst>
+              <a:ext uri="{FF2B5EF4-FFF2-40B4-BE49-F238E27FC236}">
+                <a16:creationId xmlns:a16="http://schemas.microsoft.com/office/drawing/2014/main" id="{F86D44DC-5A77-425C-AD65-A33A14452DD0}"/>
               </a:ext>
             </a:extLst>
           </p:cNvPr>
@@ -6921,8 +7017,8 @@
         </p:nvSpPr>
         <p:spPr>
           <a:xfrm>
-            <a:off x="11084270" y="4795627"/>
-            <a:ext cx="1177580" cy="209725"/>
+            <a:off x="35179576" y="21056925"/>
+            <a:ext cx="2258402" cy="419458"/>
           </a:xfrm>
           <a:prstGeom prst="rect">
             <a:avLst/>
@@ -6943,7 +7039,7 @@
           </a:fontRef>
         </p:style>
         <p:txBody>
-          <a:bodyPr rot="0" spcFirstLastPara="0" vertOverflow="overflow" horzOverflow="overflow" vert="horz" wrap="square" lIns="91440" tIns="45720" rIns="91440" bIns="45720" numCol="1" spcCol="0" rtlCol="0" fromWordArt="0" anchor="ctr" anchorCtr="0" forceAA="0" compatLnSpc="1">
+          <a:bodyPr rot="0" spcFirstLastPara="0" vertOverflow="overflow" horzOverflow="overflow" vert="horz" wrap="square" lIns="182869" tIns="91446" rIns="182869" bIns="91446" numCol="1" spcCol="0" rtlCol="0" fromWordArt="0" anchor="ctr" anchorCtr="0" forceAA="0" compatLnSpc="1">
             <a:prstTxWarp prst="textNoShape">
               <a:avLst/>
             </a:prstTxWarp>
@@ -6953,18 +7049,58 @@
           <a:p>
             <a:pPr algn="ctr"/>
             <a:r>
-              <a:rPr lang="ko-KR" altLang="en-US" sz="1000" b="1"/>
-              <a:t>상영 시간표 수정</a:t>
-            </a:r>
-          </a:p>
-        </p:txBody>
-      </p:sp>
-      <p:sp>
-        <p:nvSpPr>
-          <p:cNvPr id="255" name="직사각형 254">
-            <a:extLst>
-              <a:ext uri="{FF2B5EF4-FFF2-40B4-BE49-F238E27FC236}">
-                <a16:creationId xmlns:a16="http://schemas.microsoft.com/office/drawing/2014/main" id="{109F1972-8225-44B3-955C-142E1275FBB5}"/>
+              <a:rPr lang="ko-KR" altLang="en-US" sz="2000" b="1"/>
+              <a:t>기프티콘 상세보기</a:t>
+            </a:r>
+          </a:p>
+        </p:txBody>
+      </p:sp>
+      <p:cxnSp>
+        <p:nvCxnSpPr>
+          <p:cNvPr id="499" name="연결선: 꺾임 498">
+            <a:extLst>
+              <a:ext uri="{FF2B5EF4-FFF2-40B4-BE49-F238E27FC236}">
+                <a16:creationId xmlns:a16="http://schemas.microsoft.com/office/drawing/2014/main" id="{DCF6BC47-D93E-4048-8235-DD21A3EF0CA1}"/>
+              </a:ext>
+            </a:extLst>
+          </p:cNvPr>
+          <p:cNvCxnSpPr>
+            <a:cxnSpLocks/>
+            <a:stCxn id="490" idx="2"/>
+            <a:endCxn id="480" idx="1"/>
+          </p:cNvCxnSpPr>
+          <p:nvPr/>
+        </p:nvCxnSpPr>
+        <p:spPr>
+          <a:xfrm rot="16200000" flipH="1">
+            <a:off x="36353393" y="21431767"/>
+            <a:ext cx="450716" cy="539948"/>
+          </a:xfrm>
+          <a:prstGeom prst="bentConnector2">
+            <a:avLst/>
+          </a:prstGeom>
+        </p:spPr>
+        <p:style>
+          <a:lnRef idx="1">
+            <a:schemeClr val="dk1"/>
+          </a:lnRef>
+          <a:fillRef idx="0">
+            <a:schemeClr val="dk1"/>
+          </a:fillRef>
+          <a:effectRef idx="0">
+            <a:schemeClr val="dk1"/>
+          </a:effectRef>
+          <a:fontRef idx="minor">
+            <a:schemeClr val="tx1"/>
+          </a:fontRef>
+        </p:style>
+      </p:cxnSp>
+      <p:sp>
+        <p:nvSpPr>
+          <p:cNvPr id="504" name="직사각형 503">
+            <a:extLst>
+              <a:ext uri="{FF2B5EF4-FFF2-40B4-BE49-F238E27FC236}">
+                <a16:creationId xmlns:a16="http://schemas.microsoft.com/office/drawing/2014/main" id="{0489995E-70D7-4BE1-B6C6-95D037A7B16F}"/>
               </a:ext>
             </a:extLst>
           </p:cNvPr>
@@ -6973,8 +7109,8 @@
         </p:nvSpPr>
         <p:spPr>
           <a:xfrm>
-            <a:off x="11084270" y="5144856"/>
-            <a:ext cx="1177580" cy="209725"/>
+            <a:off x="27599814" y="10087883"/>
+            <a:ext cx="2020114" cy="419458"/>
           </a:xfrm>
           <a:prstGeom prst="rect">
             <a:avLst/>
@@ -6995,7 +7131,7 @@
           </a:fontRef>
         </p:style>
         <p:txBody>
-          <a:bodyPr rot="0" spcFirstLastPara="0" vertOverflow="overflow" horzOverflow="overflow" vert="horz" wrap="square" lIns="91440" tIns="45720" rIns="91440" bIns="45720" numCol="1" spcCol="0" rtlCol="0" fromWordArt="0" anchor="ctr" anchorCtr="0" forceAA="0" compatLnSpc="1">
+          <a:bodyPr rot="0" spcFirstLastPara="0" vertOverflow="overflow" horzOverflow="overflow" vert="horz" wrap="square" lIns="182869" tIns="91446" rIns="182869" bIns="91446" numCol="1" spcCol="0" rtlCol="0" fromWordArt="0" anchor="ctr" anchorCtr="0" forceAA="0" compatLnSpc="1">
             <a:prstTxWarp prst="textNoShape">
               <a:avLst/>
             </a:prstTxWarp>
@@ -7005,35 +7141,50 @@
           <a:p>
             <a:pPr algn="ctr"/>
             <a:r>
-              <a:rPr lang="ko-KR" altLang="en-US" sz="1000" b="1"/>
-              <a:t>상영 시간표 삭제</a:t>
-            </a:r>
+              <a:rPr lang="ko-KR" altLang="en-US" sz="2000" b="1"/>
+              <a:t>영화 한줄평</a:t>
+            </a:r>
+            <a:r>
+              <a:rPr lang="en-US" altLang="ko-KR" sz="2000" b="1"/>
+              <a:t>(</a:t>
+            </a:r>
+            <a:r>
+              <a:rPr lang="ko-KR" altLang="en-US" sz="2000" b="1"/>
+              <a:t>작성</a:t>
+            </a:r>
+            <a:r>
+              <a:rPr lang="en-US" altLang="ko-KR" sz="2000" b="1"/>
+              <a:t>)</a:t>
+            </a:r>
+            <a:endParaRPr lang="ko-KR" altLang="en-US" sz="2000" b="1"/>
           </a:p>
         </p:txBody>
       </p:sp>
       <p:cxnSp>
         <p:nvCxnSpPr>
-          <p:cNvPr id="256" name="연결선: 꺾임 255">
-            <a:extLst>
-              <a:ext uri="{FF2B5EF4-FFF2-40B4-BE49-F238E27FC236}">
-                <a16:creationId xmlns:a16="http://schemas.microsoft.com/office/drawing/2014/main" id="{E9C54C35-BCD5-4D13-AA59-C32F2855D8FB}"/>
+          <p:cNvPr id="505" name="연결선: 꺾임 504">
+            <a:extLst>
+              <a:ext uri="{FF2B5EF4-FFF2-40B4-BE49-F238E27FC236}">
+                <a16:creationId xmlns:a16="http://schemas.microsoft.com/office/drawing/2014/main" id="{FEC35B16-7D7E-4546-AE78-B3657792B994}"/>
               </a:ext>
             </a:extLst>
           </p:cNvPr>
           <p:cNvCxnSpPr>
             <a:cxnSpLocks/>
-            <a:stCxn id="248" idx="1"/>
-            <a:endCxn id="244" idx="2"/>
+            <a:stCxn id="504" idx="1"/>
+            <a:endCxn id="386" idx="3"/>
           </p:cNvCxnSpPr>
           <p:nvPr/>
         </p:nvCxnSpPr>
         <p:spPr>
           <a:xfrm rot="10800000">
-            <a:off x="10466664" y="3960990"/>
-            <a:ext cx="617606" cy="239716"/>
-          </a:xfrm>
-          <a:prstGeom prst="bentConnector2">
-            <a:avLst/>
+            <a:off x="27146908" y="10297612"/>
+            <a:ext cx="452907" cy="12700"/>
+          </a:xfrm>
+          <a:prstGeom prst="bentConnector3">
+            <a:avLst>
+              <a:gd name="adj1" fmla="val 50000"/>
+            </a:avLst>
           </a:prstGeom>
         </p:spPr>
         <p:style>
@@ -7051,132 +7202,12 @@
           </a:fontRef>
         </p:style>
       </p:cxnSp>
-      <p:cxnSp>
-        <p:nvCxnSpPr>
-          <p:cNvPr id="259" name="연결선: 꺾임 258">
-            <a:extLst>
-              <a:ext uri="{FF2B5EF4-FFF2-40B4-BE49-F238E27FC236}">
-                <a16:creationId xmlns:a16="http://schemas.microsoft.com/office/drawing/2014/main" id="{26F8B1C7-30BF-47FB-8E0F-7A60E818C349}"/>
-              </a:ext>
-            </a:extLst>
-          </p:cNvPr>
-          <p:cNvCxnSpPr>
-            <a:cxnSpLocks/>
-            <a:stCxn id="253" idx="1"/>
-            <a:endCxn id="244" idx="2"/>
-          </p:cNvCxnSpPr>
-          <p:nvPr/>
-        </p:nvCxnSpPr>
-        <p:spPr>
-          <a:xfrm rot="10800000">
-            <a:off x="10466664" y="3960991"/>
-            <a:ext cx="617606" cy="590949"/>
-          </a:xfrm>
-          <a:prstGeom prst="bentConnector2">
-            <a:avLst/>
-          </a:prstGeom>
-        </p:spPr>
-        <p:style>
-          <a:lnRef idx="1">
-            <a:schemeClr val="dk1"/>
-          </a:lnRef>
-          <a:fillRef idx="0">
-            <a:schemeClr val="dk1"/>
-          </a:fillRef>
-          <a:effectRef idx="0">
-            <a:schemeClr val="dk1"/>
-          </a:effectRef>
-          <a:fontRef idx="minor">
-            <a:schemeClr val="tx1"/>
-          </a:fontRef>
-        </p:style>
-      </p:cxnSp>
-      <p:cxnSp>
-        <p:nvCxnSpPr>
-          <p:cNvPr id="262" name="연결선: 꺾임 261">
-            <a:extLst>
-              <a:ext uri="{FF2B5EF4-FFF2-40B4-BE49-F238E27FC236}">
-                <a16:creationId xmlns:a16="http://schemas.microsoft.com/office/drawing/2014/main" id="{BC712BC5-C161-4129-9CE0-CD22BC6E6276}"/>
-              </a:ext>
-            </a:extLst>
-          </p:cNvPr>
-          <p:cNvCxnSpPr>
-            <a:cxnSpLocks/>
-            <a:stCxn id="254" idx="1"/>
-            <a:endCxn id="244" idx="2"/>
-          </p:cNvCxnSpPr>
-          <p:nvPr/>
-        </p:nvCxnSpPr>
-        <p:spPr>
-          <a:xfrm rot="10800000">
-            <a:off x="10466664" y="3960990"/>
-            <a:ext cx="617606" cy="939500"/>
-          </a:xfrm>
-          <a:prstGeom prst="bentConnector2">
-            <a:avLst/>
-          </a:prstGeom>
-        </p:spPr>
-        <p:style>
-          <a:lnRef idx="1">
-            <a:schemeClr val="dk1"/>
-          </a:lnRef>
-          <a:fillRef idx="0">
-            <a:schemeClr val="dk1"/>
-          </a:fillRef>
-          <a:effectRef idx="0">
-            <a:schemeClr val="dk1"/>
-          </a:effectRef>
-          <a:fontRef idx="minor">
-            <a:schemeClr val="tx1"/>
-          </a:fontRef>
-        </p:style>
-      </p:cxnSp>
-      <p:cxnSp>
-        <p:nvCxnSpPr>
-          <p:cNvPr id="265" name="연결선: 꺾임 264">
-            <a:extLst>
-              <a:ext uri="{FF2B5EF4-FFF2-40B4-BE49-F238E27FC236}">
-                <a16:creationId xmlns:a16="http://schemas.microsoft.com/office/drawing/2014/main" id="{DB346961-52E8-4ED0-9CB5-66EAEDF3B14C}"/>
-              </a:ext>
-            </a:extLst>
-          </p:cNvPr>
-          <p:cNvCxnSpPr>
-            <a:cxnSpLocks/>
-            <a:stCxn id="255" idx="1"/>
-            <a:endCxn id="244" idx="2"/>
-          </p:cNvCxnSpPr>
-          <p:nvPr/>
-        </p:nvCxnSpPr>
-        <p:spPr>
-          <a:xfrm rot="10800000">
-            <a:off x="10466664" y="3960991"/>
-            <a:ext cx="617606" cy="1288729"/>
-          </a:xfrm>
-          <a:prstGeom prst="bentConnector2">
-            <a:avLst/>
-          </a:prstGeom>
-        </p:spPr>
-        <p:style>
-          <a:lnRef idx="1">
-            <a:schemeClr val="dk1"/>
-          </a:lnRef>
-          <a:fillRef idx="0">
-            <a:schemeClr val="dk1"/>
-          </a:fillRef>
-          <a:effectRef idx="0">
-            <a:schemeClr val="dk1"/>
-          </a:effectRef>
-          <a:fontRef idx="minor">
-            <a:schemeClr val="tx1"/>
-          </a:fontRef>
-        </p:style>
-      </p:cxnSp>
-      <p:sp>
-        <p:nvSpPr>
-          <p:cNvPr id="268" name="직사각형 267">
-            <a:extLst>
-              <a:ext uri="{FF2B5EF4-FFF2-40B4-BE49-F238E27FC236}">
-                <a16:creationId xmlns:a16="http://schemas.microsoft.com/office/drawing/2014/main" id="{D23F5826-ECA7-40B6-8CA6-B24D5E2BCE04}"/>
+      <p:sp>
+        <p:nvSpPr>
+          <p:cNvPr id="539" name="직사각형 538">
+            <a:extLst>
+              <a:ext uri="{FF2B5EF4-FFF2-40B4-BE49-F238E27FC236}">
+                <a16:creationId xmlns:a16="http://schemas.microsoft.com/office/drawing/2014/main" id="{EDEEC952-4D8D-451F-9501-2A39FD9DE5A9}"/>
               </a:ext>
             </a:extLst>
           </p:cNvPr>
@@ -7185,8 +7216,8 @@
         </p:nvSpPr>
         <p:spPr>
           <a:xfrm>
-            <a:off x="9912558" y="5582820"/>
-            <a:ext cx="1108212" cy="209725"/>
+            <a:off x="25129766" y="10810983"/>
+            <a:ext cx="2020114" cy="419458"/>
           </a:xfrm>
           <a:prstGeom prst="rect">
             <a:avLst/>
@@ -7207,7 +7238,7 @@
           </a:fontRef>
         </p:style>
         <p:txBody>
-          <a:bodyPr rot="0" spcFirstLastPara="0" vertOverflow="overflow" horzOverflow="overflow" vert="horz" wrap="square" lIns="91440" tIns="45720" rIns="91440" bIns="45720" numCol="1" spcCol="0" rtlCol="0" fromWordArt="0" anchor="ctr" anchorCtr="0" forceAA="0" compatLnSpc="1">
+          <a:bodyPr rot="0" spcFirstLastPara="0" vertOverflow="overflow" horzOverflow="overflow" vert="horz" wrap="square" lIns="182869" tIns="91446" rIns="182869" bIns="91446" numCol="1" spcCol="0" rtlCol="0" fromWordArt="0" anchor="ctr" anchorCtr="0" forceAA="0" compatLnSpc="1">
             <a:prstTxWarp prst="textNoShape">
               <a:avLst/>
             </a:prstTxWarp>
@@ -7217,58 +7248,18 @@
           <a:p>
             <a:pPr algn="ctr"/>
             <a:r>
-              <a:rPr lang="ko-KR" altLang="en-US" sz="1000" b="1"/>
-              <a:t>공지사항 게시판</a:t>
-            </a:r>
-          </a:p>
-        </p:txBody>
-      </p:sp>
-      <p:cxnSp>
-        <p:nvCxnSpPr>
-          <p:cNvPr id="269" name="연결선: 꺾임 268">
-            <a:extLst>
-              <a:ext uri="{FF2B5EF4-FFF2-40B4-BE49-F238E27FC236}">
-                <a16:creationId xmlns:a16="http://schemas.microsoft.com/office/drawing/2014/main" id="{76A9DCC2-FDE6-4005-AF8A-19BA5089938D}"/>
-              </a:ext>
-            </a:extLst>
-          </p:cNvPr>
-          <p:cNvCxnSpPr>
-            <a:cxnSpLocks/>
-            <a:stCxn id="268" idx="1"/>
-            <a:endCxn id="6" idx="2"/>
-          </p:cNvCxnSpPr>
-          <p:nvPr/>
-        </p:nvCxnSpPr>
-        <p:spPr>
-          <a:xfrm rot="10800000">
-            <a:off x="9704420" y="1574687"/>
-            <a:ext cx="208138" cy="4112997"/>
-          </a:xfrm>
-          <a:prstGeom prst="bentConnector2">
-            <a:avLst/>
-          </a:prstGeom>
-        </p:spPr>
-        <p:style>
-          <a:lnRef idx="1">
-            <a:schemeClr val="dk1"/>
-          </a:lnRef>
-          <a:fillRef idx="0">
-            <a:schemeClr val="dk1"/>
-          </a:fillRef>
-          <a:effectRef idx="0">
-            <a:schemeClr val="dk1"/>
-          </a:effectRef>
-          <a:fontRef idx="minor">
-            <a:schemeClr val="tx1"/>
-          </a:fontRef>
-        </p:style>
-      </p:cxnSp>
-      <p:sp>
-        <p:nvSpPr>
-          <p:cNvPr id="272" name="직사각형 271">
-            <a:extLst>
-              <a:ext uri="{FF2B5EF4-FFF2-40B4-BE49-F238E27FC236}">
-                <a16:creationId xmlns:a16="http://schemas.microsoft.com/office/drawing/2014/main" id="{CD5B4FFF-2BF8-43BD-9055-CD2048EA4883}"/>
+              <a:rPr lang="ko-KR" altLang="en-US" sz="2000" b="1"/>
+              <a:t>영화 예매</a:t>
+            </a:r>
+          </a:p>
+        </p:txBody>
+      </p:sp>
+      <p:sp>
+        <p:nvSpPr>
+          <p:cNvPr id="540" name="직사각형 539">
+            <a:extLst>
+              <a:ext uri="{FF2B5EF4-FFF2-40B4-BE49-F238E27FC236}">
+                <a16:creationId xmlns:a16="http://schemas.microsoft.com/office/drawing/2014/main" id="{3180F56D-17F5-4539-A80B-7E0EC3B76BD9}"/>
               </a:ext>
             </a:extLst>
           </p:cNvPr>
@@ -7277,8 +7268,8 @@
         </p:nvSpPr>
         <p:spPr>
           <a:xfrm>
-            <a:off x="11084270" y="5863554"/>
-            <a:ext cx="1177580" cy="209725"/>
+            <a:off x="26511408" y="11528947"/>
+            <a:ext cx="2020114" cy="419458"/>
           </a:xfrm>
           <a:prstGeom prst="rect">
             <a:avLst/>
@@ -7299,7 +7290,7 @@
           </a:fontRef>
         </p:style>
         <p:txBody>
-          <a:bodyPr rot="0" spcFirstLastPara="0" vertOverflow="overflow" horzOverflow="overflow" vert="horz" wrap="square" lIns="91440" tIns="45720" rIns="91440" bIns="45720" numCol="1" spcCol="0" rtlCol="0" fromWordArt="0" anchor="ctr" anchorCtr="0" forceAA="0" compatLnSpc="1">
+          <a:bodyPr rot="0" spcFirstLastPara="0" vertOverflow="overflow" horzOverflow="overflow" vert="horz" wrap="square" lIns="182869" tIns="91446" rIns="182869" bIns="91446" numCol="1" spcCol="0" rtlCol="0" fromWordArt="0" anchor="ctr" anchorCtr="0" forceAA="0" compatLnSpc="1">
             <a:prstTxWarp prst="textNoShape">
               <a:avLst/>
             </a:prstTxWarp>
@@ -7309,19 +7300,58 @@
           <a:p>
             <a:pPr algn="ctr"/>
             <a:r>
-              <a:rPr lang="en-US" altLang="ko-KR" sz="1000" b="1"/>
-              <a:t>???</a:t>
-            </a:r>
-            <a:endParaRPr lang="ko-KR" altLang="en-US" sz="1000" b="1"/>
-          </a:p>
-        </p:txBody>
-      </p:sp>
-      <p:sp>
-        <p:nvSpPr>
-          <p:cNvPr id="273" name="직사각형 272">
-            <a:extLst>
-              <a:ext uri="{FF2B5EF4-FFF2-40B4-BE49-F238E27FC236}">
-                <a16:creationId xmlns:a16="http://schemas.microsoft.com/office/drawing/2014/main" id="{7A881212-0B4C-4450-9D41-0A7C1AF88E6F}"/>
+              <a:rPr lang="ko-KR" altLang="en-US" sz="2000" b="1"/>
+              <a:t>영화 선택 페이지</a:t>
+            </a:r>
+          </a:p>
+        </p:txBody>
+      </p:sp>
+      <p:cxnSp>
+        <p:nvCxnSpPr>
+          <p:cNvPr id="541" name="연결선: 꺾임 540">
+            <a:extLst>
+              <a:ext uri="{FF2B5EF4-FFF2-40B4-BE49-F238E27FC236}">
+                <a16:creationId xmlns:a16="http://schemas.microsoft.com/office/drawing/2014/main" id="{BF602992-2BD7-4415-B7E6-C8571A63E12C}"/>
+              </a:ext>
+            </a:extLst>
+          </p:cNvPr>
+          <p:cNvCxnSpPr>
+            <a:cxnSpLocks/>
+            <a:stCxn id="540" idx="1"/>
+            <a:endCxn id="539" idx="2"/>
+          </p:cNvCxnSpPr>
+          <p:nvPr/>
+        </p:nvCxnSpPr>
+        <p:spPr>
+          <a:xfrm rot="10800000">
+            <a:off x="26139836" y="11230445"/>
+            <a:ext cx="371594" cy="508244"/>
+          </a:xfrm>
+          <a:prstGeom prst="bentConnector2">
+            <a:avLst/>
+          </a:prstGeom>
+        </p:spPr>
+        <p:style>
+          <a:lnRef idx="1">
+            <a:schemeClr val="dk1"/>
+          </a:lnRef>
+          <a:fillRef idx="0">
+            <a:schemeClr val="dk1"/>
+          </a:fillRef>
+          <a:effectRef idx="0">
+            <a:schemeClr val="dk1"/>
+          </a:effectRef>
+          <a:fontRef idx="minor">
+            <a:schemeClr val="tx1"/>
+          </a:fontRef>
+        </p:style>
+      </p:cxnSp>
+      <p:sp>
+        <p:nvSpPr>
+          <p:cNvPr id="542" name="직사각형 541">
+            <a:extLst>
+              <a:ext uri="{FF2B5EF4-FFF2-40B4-BE49-F238E27FC236}">
+                <a16:creationId xmlns:a16="http://schemas.microsoft.com/office/drawing/2014/main" id="{1962DD03-22CF-4354-AB6B-00C5A882058F}"/>
               </a:ext>
             </a:extLst>
           </p:cNvPr>
@@ -7330,8 +7360,8 @@
         </p:nvSpPr>
         <p:spPr>
           <a:xfrm>
-            <a:off x="11084270" y="6228002"/>
-            <a:ext cx="1177580" cy="209725"/>
+            <a:off x="27896023" y="12224435"/>
+            <a:ext cx="2020114" cy="419458"/>
           </a:xfrm>
           <a:prstGeom prst="rect">
             <a:avLst/>
@@ -7352,7 +7382,7 @@
           </a:fontRef>
         </p:style>
         <p:txBody>
-          <a:bodyPr rot="0" spcFirstLastPara="0" vertOverflow="overflow" horzOverflow="overflow" vert="horz" wrap="square" lIns="91440" tIns="45720" rIns="91440" bIns="45720" numCol="1" spcCol="0" rtlCol="0" fromWordArt="0" anchor="ctr" anchorCtr="0" forceAA="0" compatLnSpc="1">
+          <a:bodyPr rot="0" spcFirstLastPara="0" vertOverflow="overflow" horzOverflow="overflow" vert="horz" wrap="square" lIns="182869" tIns="91446" rIns="182869" bIns="91446" numCol="1" spcCol="0" rtlCol="0" fromWordArt="0" anchor="ctr" anchorCtr="0" forceAA="0" compatLnSpc="1">
             <a:prstTxWarp prst="textNoShape">
               <a:avLst/>
             </a:prstTxWarp>
@@ -7362,19 +7392,98 @@
           <a:p>
             <a:pPr algn="ctr"/>
             <a:r>
-              <a:rPr lang="en-US" altLang="ko-KR" sz="1000" b="1"/>
-              <a:t>???</a:t>
-            </a:r>
-            <a:endParaRPr lang="ko-KR" altLang="en-US" sz="1000" b="1"/>
-          </a:p>
-        </p:txBody>
-      </p:sp>
-      <p:sp>
-        <p:nvSpPr>
-          <p:cNvPr id="276" name="직사각형 275">
-            <a:extLst>
-              <a:ext uri="{FF2B5EF4-FFF2-40B4-BE49-F238E27FC236}">
-                <a16:creationId xmlns:a16="http://schemas.microsoft.com/office/drawing/2014/main" id="{46AE8F6A-95EA-430C-AD47-55B2ABCBA91C}"/>
+              <a:rPr lang="ko-KR" altLang="en-US" sz="2000" b="1"/>
+              <a:t>좌석 선택 페이지</a:t>
+            </a:r>
+          </a:p>
+        </p:txBody>
+      </p:sp>
+      <p:cxnSp>
+        <p:nvCxnSpPr>
+          <p:cNvPr id="543" name="연결선: 꺾임 542">
+            <a:extLst>
+              <a:ext uri="{FF2B5EF4-FFF2-40B4-BE49-F238E27FC236}">
+                <a16:creationId xmlns:a16="http://schemas.microsoft.com/office/drawing/2014/main" id="{40C1AAE7-68D9-4132-8698-C75993CBA9FF}"/>
+              </a:ext>
+            </a:extLst>
+          </p:cNvPr>
+          <p:cNvCxnSpPr>
+            <a:cxnSpLocks/>
+            <a:stCxn id="542" idx="1"/>
+            <a:endCxn id="540" idx="2"/>
+          </p:cNvCxnSpPr>
+          <p:nvPr/>
+        </p:nvCxnSpPr>
+        <p:spPr>
+          <a:xfrm rot="10800000">
+            <a:off x="27521474" y="11948398"/>
+            <a:ext cx="374560" cy="485765"/>
+          </a:xfrm>
+          <a:prstGeom prst="bentConnector2">
+            <a:avLst/>
+          </a:prstGeom>
+        </p:spPr>
+        <p:style>
+          <a:lnRef idx="1">
+            <a:schemeClr val="dk1"/>
+          </a:lnRef>
+          <a:fillRef idx="0">
+            <a:schemeClr val="dk1"/>
+          </a:fillRef>
+          <a:effectRef idx="0">
+            <a:schemeClr val="dk1"/>
+          </a:effectRef>
+          <a:fontRef idx="minor">
+            <a:schemeClr val="tx1"/>
+          </a:fontRef>
+        </p:style>
+      </p:cxnSp>
+      <p:cxnSp>
+        <p:nvCxnSpPr>
+          <p:cNvPr id="544" name="연결선: 꺾임 543">
+            <a:extLst>
+              <a:ext uri="{FF2B5EF4-FFF2-40B4-BE49-F238E27FC236}">
+                <a16:creationId xmlns:a16="http://schemas.microsoft.com/office/drawing/2014/main" id="{09A581C3-5427-456C-81D6-F7D522FB0EF4}"/>
+              </a:ext>
+            </a:extLst>
+          </p:cNvPr>
+          <p:cNvCxnSpPr>
+            <a:cxnSpLocks/>
+            <a:stCxn id="539" idx="1"/>
+            <a:endCxn id="384" idx="2"/>
+          </p:cNvCxnSpPr>
+          <p:nvPr/>
+        </p:nvCxnSpPr>
+        <p:spPr>
+          <a:xfrm rot="10800000">
+            <a:off x="24755208" y="9164040"/>
+            <a:ext cx="374558" cy="1856673"/>
+          </a:xfrm>
+          <a:prstGeom prst="bentConnector2">
+            <a:avLst/>
+          </a:prstGeom>
+        </p:spPr>
+        <p:style>
+          <a:lnRef idx="1">
+            <a:schemeClr val="dk1"/>
+          </a:lnRef>
+          <a:fillRef idx="0">
+            <a:schemeClr val="dk1"/>
+          </a:fillRef>
+          <a:effectRef idx="0">
+            <a:schemeClr val="dk1"/>
+          </a:effectRef>
+          <a:fontRef idx="minor">
+            <a:schemeClr val="tx1"/>
+          </a:fontRef>
+        </p:style>
+      </p:cxnSp>
+      <p:sp>
+        <p:nvSpPr>
+          <p:cNvPr id="548" name="직사각형 547">
+            <a:extLst>
+              <a:ext uri="{FF2B5EF4-FFF2-40B4-BE49-F238E27FC236}">
+                <a16:creationId xmlns:a16="http://schemas.microsoft.com/office/drawing/2014/main" id="{28878ADE-2668-44D1-8BFE-FC0ED72AF59A}"/>
               </a:ext>
             </a:extLst>
           </p:cNvPr>
@@ -7383,8 +7492,8 @@
         </p:nvSpPr>
         <p:spPr>
           <a:xfrm>
-            <a:off x="9912558" y="6665967"/>
-            <a:ext cx="1108212" cy="209725"/>
+            <a:off x="13441818" y="5804826"/>
+            <a:ext cx="1484457" cy="419458"/>
           </a:xfrm>
           <a:prstGeom prst="rect">
             <a:avLst/>
@@ -7405,7 +7514,7 @@
           </a:fontRef>
         </p:style>
         <p:txBody>
-          <a:bodyPr rot="0" spcFirstLastPara="0" vertOverflow="overflow" horzOverflow="overflow" vert="horz" wrap="square" lIns="91440" tIns="45720" rIns="91440" bIns="45720" numCol="1" spcCol="0" rtlCol="0" fromWordArt="0" anchor="ctr" anchorCtr="0" forceAA="0" compatLnSpc="1">
+          <a:bodyPr rot="0" spcFirstLastPara="0" vertOverflow="overflow" horzOverflow="overflow" vert="horz" wrap="square" lIns="182869" tIns="91446" rIns="182869" bIns="91446" numCol="1" spcCol="0" rtlCol="0" fromWordArt="0" anchor="ctr" anchorCtr="0" forceAA="0" compatLnSpc="1">
             <a:prstTxWarp prst="textNoShape">
               <a:avLst/>
             </a:prstTxWarp>
@@ -7415,32 +7524,32 @@
           <a:p>
             <a:pPr algn="ctr"/>
             <a:r>
-              <a:rPr lang="ko-KR" altLang="en-US" sz="1000" b="1"/>
-              <a:t>할인정보 게시판</a:t>
+              <a:rPr lang="ko-KR" altLang="en-US" sz="2000" b="1"/>
+              <a:t>공지사항 상세보기</a:t>
             </a:r>
           </a:p>
         </p:txBody>
       </p:sp>
       <p:cxnSp>
         <p:nvCxnSpPr>
-          <p:cNvPr id="277" name="연결선: 꺾임 276">
-            <a:extLst>
-              <a:ext uri="{FF2B5EF4-FFF2-40B4-BE49-F238E27FC236}">
-                <a16:creationId xmlns:a16="http://schemas.microsoft.com/office/drawing/2014/main" id="{2E01B73B-A240-4618-A835-7176A1C2D5C2}"/>
+          <p:cNvPr id="549" name="연결선: 꺾임 548">
+            <a:extLst>
+              <a:ext uri="{FF2B5EF4-FFF2-40B4-BE49-F238E27FC236}">
+                <a16:creationId xmlns:a16="http://schemas.microsoft.com/office/drawing/2014/main" id="{FDB382C8-71D2-4C31-9AC8-FA57F3EF5638}"/>
               </a:ext>
             </a:extLst>
           </p:cNvPr>
           <p:cNvCxnSpPr>
             <a:cxnSpLocks/>
-            <a:stCxn id="272" idx="1"/>
-            <a:endCxn id="268" idx="2"/>
+            <a:stCxn id="548" idx="1"/>
+            <a:endCxn id="184" idx="2"/>
           </p:cNvCxnSpPr>
           <p:nvPr/>
         </p:nvCxnSpPr>
         <p:spPr>
           <a:xfrm rot="10800000">
-            <a:off x="10466664" y="5792545"/>
-            <a:ext cx="617606" cy="175872"/>
+            <a:off x="13092004" y="5468311"/>
+            <a:ext cx="349814" cy="546244"/>
           </a:xfrm>
           <a:prstGeom prst="bentConnector2">
             <a:avLst/>
@@ -7461,52 +7570,12 @@
           </a:fontRef>
         </p:style>
       </p:cxnSp>
-      <p:cxnSp>
-        <p:nvCxnSpPr>
-          <p:cNvPr id="280" name="연결선: 꺾임 279">
-            <a:extLst>
-              <a:ext uri="{FF2B5EF4-FFF2-40B4-BE49-F238E27FC236}">
-                <a16:creationId xmlns:a16="http://schemas.microsoft.com/office/drawing/2014/main" id="{603D6CBA-8C50-47BD-904A-5979EC0BCCA9}"/>
-              </a:ext>
-            </a:extLst>
-          </p:cNvPr>
-          <p:cNvCxnSpPr>
-            <a:cxnSpLocks/>
-            <a:stCxn id="273" idx="1"/>
-            <a:endCxn id="268" idx="2"/>
-          </p:cNvCxnSpPr>
-          <p:nvPr/>
-        </p:nvCxnSpPr>
-        <p:spPr>
-          <a:xfrm rot="10800000">
-            <a:off x="10466664" y="5792545"/>
-            <a:ext cx="617606" cy="540320"/>
-          </a:xfrm>
-          <a:prstGeom prst="bentConnector2">
-            <a:avLst/>
-          </a:prstGeom>
-        </p:spPr>
-        <p:style>
-          <a:lnRef idx="1">
-            <a:schemeClr val="dk1"/>
-          </a:lnRef>
-          <a:fillRef idx="0">
-            <a:schemeClr val="dk1"/>
-          </a:fillRef>
-          <a:effectRef idx="0">
-            <a:schemeClr val="dk1"/>
-          </a:effectRef>
-          <a:fontRef idx="minor">
-            <a:schemeClr val="tx1"/>
-          </a:fontRef>
-        </p:style>
-      </p:cxnSp>
-      <p:sp>
-        <p:nvSpPr>
-          <p:cNvPr id="284" name="직사각형 283">
-            <a:extLst>
-              <a:ext uri="{FF2B5EF4-FFF2-40B4-BE49-F238E27FC236}">
-                <a16:creationId xmlns:a16="http://schemas.microsoft.com/office/drawing/2014/main" id="{4DF51DC2-F98E-4259-9D21-13C56530A33C}"/>
+      <p:sp>
+        <p:nvSpPr>
+          <p:cNvPr id="104" name="직사각형 103">
+            <a:extLst>
+              <a:ext uri="{FF2B5EF4-FFF2-40B4-BE49-F238E27FC236}">
+                <a16:creationId xmlns:a16="http://schemas.microsoft.com/office/drawing/2014/main" id="{C7B65E0C-66E4-43F2-9F9B-B55E5202C4A8}"/>
               </a:ext>
             </a:extLst>
           </p:cNvPr>
@@ -7515,8 +7584,8 @@
         </p:nvSpPr>
         <p:spPr>
           <a:xfrm>
-            <a:off x="9912558" y="7301340"/>
-            <a:ext cx="1108212" cy="209725"/>
+            <a:off x="33773815" y="24730256"/>
+            <a:ext cx="2258402" cy="419458"/>
           </a:xfrm>
           <a:prstGeom prst="rect">
             <a:avLst/>
@@ -7537,7 +7606,7 @@
           </a:fontRef>
         </p:style>
         <p:txBody>
-          <a:bodyPr rot="0" spcFirstLastPara="0" vertOverflow="overflow" horzOverflow="overflow" vert="horz" wrap="square" lIns="91440" tIns="45720" rIns="91440" bIns="45720" numCol="1" spcCol="0" rtlCol="0" fromWordArt="0" anchor="ctr" anchorCtr="0" forceAA="0" compatLnSpc="1">
+          <a:bodyPr rot="0" spcFirstLastPara="0" vertOverflow="overflow" horzOverflow="overflow" vert="horz" wrap="square" lIns="182869" tIns="91446" rIns="182869" bIns="91446" numCol="1" spcCol="0" rtlCol="0" fromWordArt="0" anchor="ctr" anchorCtr="0" forceAA="0" compatLnSpc="1">
             <a:prstTxWarp prst="textNoShape">
               <a:avLst/>
             </a:prstTxWarp>
@@ -7547,32 +7616,32 @@
           <a:p>
             <a:pPr algn="ctr"/>
             <a:r>
-              <a:rPr lang="ko-KR" altLang="en-US" sz="1000" b="1"/>
-              <a:t>기프티콘 관리</a:t>
+              <a:rPr lang="ko-KR" altLang="en-US" sz="2000" b="1"/>
+              <a:t>영화 정보 등록</a:t>
             </a:r>
           </a:p>
         </p:txBody>
       </p:sp>
       <p:cxnSp>
         <p:nvCxnSpPr>
-          <p:cNvPr id="285" name="연결선: 꺾임 284">
-            <a:extLst>
-              <a:ext uri="{FF2B5EF4-FFF2-40B4-BE49-F238E27FC236}">
-                <a16:creationId xmlns:a16="http://schemas.microsoft.com/office/drawing/2014/main" id="{88EA3814-E596-4119-AE04-B28B2C8E4E58}"/>
+          <p:cNvPr id="106" name="연결선: 꺾임 105">
+            <a:extLst>
+              <a:ext uri="{FF2B5EF4-FFF2-40B4-BE49-F238E27FC236}">
+                <a16:creationId xmlns:a16="http://schemas.microsoft.com/office/drawing/2014/main" id="{F753B4B0-5746-4060-A5A8-79EA69D317CA}"/>
               </a:ext>
             </a:extLst>
           </p:cNvPr>
           <p:cNvCxnSpPr>
             <a:cxnSpLocks/>
-            <a:stCxn id="276" idx="1"/>
-            <a:endCxn id="6" idx="2"/>
+            <a:stCxn id="104" idx="1"/>
+            <a:endCxn id="448" idx="2"/>
           </p:cNvCxnSpPr>
           <p:nvPr/>
         </p:nvCxnSpPr>
         <p:spPr>
           <a:xfrm rot="10800000">
-            <a:off x="9704420" y="1574686"/>
-            <a:ext cx="208138" cy="5196144"/>
+            <a:off x="33449021" y="24413063"/>
+            <a:ext cx="324795" cy="526923"/>
           </a:xfrm>
           <a:prstGeom prst="bentConnector2">
             <a:avLst/>
@@ -7593,52 +7662,12 @@
           </a:fontRef>
         </p:style>
       </p:cxnSp>
-      <p:cxnSp>
-        <p:nvCxnSpPr>
-          <p:cNvPr id="288" name="연결선: 꺾임 287">
-            <a:extLst>
-              <a:ext uri="{FF2B5EF4-FFF2-40B4-BE49-F238E27FC236}">
-                <a16:creationId xmlns:a16="http://schemas.microsoft.com/office/drawing/2014/main" id="{DCB4FB94-EDBC-47F1-9520-2270DFC0EC40}"/>
-              </a:ext>
-            </a:extLst>
-          </p:cNvPr>
-          <p:cNvCxnSpPr>
-            <a:cxnSpLocks/>
-            <a:stCxn id="284" idx="1"/>
-            <a:endCxn id="6" idx="2"/>
-          </p:cNvCxnSpPr>
-          <p:nvPr/>
-        </p:nvCxnSpPr>
-        <p:spPr>
-          <a:xfrm rot="10800000">
-            <a:off x="9704420" y="1574687"/>
-            <a:ext cx="208138" cy="5831517"/>
-          </a:xfrm>
-          <a:prstGeom prst="bentConnector2">
-            <a:avLst/>
-          </a:prstGeom>
-        </p:spPr>
-        <p:style>
-          <a:lnRef idx="1">
-            <a:schemeClr val="dk1"/>
-          </a:lnRef>
-          <a:fillRef idx="0">
-            <a:schemeClr val="dk1"/>
-          </a:fillRef>
-          <a:effectRef idx="0">
-            <a:schemeClr val="dk1"/>
-          </a:effectRef>
-          <a:fontRef idx="minor">
-            <a:schemeClr val="tx1"/>
-          </a:fontRef>
-        </p:style>
-      </p:cxnSp>
-      <p:sp>
-        <p:nvSpPr>
-          <p:cNvPr id="291" name="직사각형 290">
-            <a:extLst>
-              <a:ext uri="{FF2B5EF4-FFF2-40B4-BE49-F238E27FC236}">
-                <a16:creationId xmlns:a16="http://schemas.microsoft.com/office/drawing/2014/main" id="{961C176D-E476-43E8-B4F7-C2E2207D2B8B}"/>
+      <p:sp>
+        <p:nvSpPr>
+          <p:cNvPr id="110" name="직사각형 109">
+            <a:extLst>
+              <a:ext uri="{FF2B5EF4-FFF2-40B4-BE49-F238E27FC236}">
+                <a16:creationId xmlns:a16="http://schemas.microsoft.com/office/drawing/2014/main" id="{8BDF4C17-A693-4FBD-9D4C-B081B5B8EEBE}"/>
               </a:ext>
             </a:extLst>
           </p:cNvPr>
@@ -7647,8 +7676,8 @@
         </p:nvSpPr>
         <p:spPr>
           <a:xfrm>
-            <a:off x="11078402" y="7965177"/>
-            <a:ext cx="1177580" cy="209725"/>
+            <a:off x="33773815" y="25405358"/>
+            <a:ext cx="2258402" cy="419458"/>
           </a:xfrm>
           <a:prstGeom prst="rect">
             <a:avLst/>
@@ -7669,7 +7698,7 @@
           </a:fontRef>
         </p:style>
         <p:txBody>
-          <a:bodyPr rot="0" spcFirstLastPara="0" vertOverflow="overflow" horzOverflow="overflow" vert="horz" wrap="square" lIns="91440" tIns="45720" rIns="91440" bIns="45720" numCol="1" spcCol="0" rtlCol="0" fromWordArt="0" anchor="ctr" anchorCtr="0" forceAA="0" compatLnSpc="1">
+          <a:bodyPr rot="0" spcFirstLastPara="0" vertOverflow="overflow" horzOverflow="overflow" vert="horz" wrap="square" lIns="182869" tIns="91446" rIns="182869" bIns="91446" numCol="1" spcCol="0" rtlCol="0" fromWordArt="0" anchor="ctr" anchorCtr="0" forceAA="0" compatLnSpc="1">
             <a:prstTxWarp prst="textNoShape">
               <a:avLst/>
             </a:prstTxWarp>
@@ -7679,18 +7708,58 @@
           <a:p>
             <a:pPr algn="ctr"/>
             <a:r>
-              <a:rPr lang="ko-KR" altLang="en-US" sz="1000" b="1"/>
-              <a:t>기프티콘 등록</a:t>
-            </a:r>
-          </a:p>
-        </p:txBody>
-      </p:sp>
-      <p:sp>
-        <p:nvSpPr>
-          <p:cNvPr id="292" name="직사각형 291">
-            <a:extLst>
-              <a:ext uri="{FF2B5EF4-FFF2-40B4-BE49-F238E27FC236}">
-                <a16:creationId xmlns:a16="http://schemas.microsoft.com/office/drawing/2014/main" id="{9EE5E377-E2BC-434D-9FF2-7AD64F61582B}"/>
+              <a:rPr lang="ko-KR" altLang="en-US" sz="2000" b="1"/>
+              <a:t>영화 정보 수정</a:t>
+            </a:r>
+          </a:p>
+        </p:txBody>
+      </p:sp>
+      <p:cxnSp>
+        <p:nvCxnSpPr>
+          <p:cNvPr id="111" name="연결선: 꺾임 110">
+            <a:extLst>
+              <a:ext uri="{FF2B5EF4-FFF2-40B4-BE49-F238E27FC236}">
+                <a16:creationId xmlns:a16="http://schemas.microsoft.com/office/drawing/2014/main" id="{28D8EB3F-F3EF-4462-B108-BC940D286CBD}"/>
+              </a:ext>
+            </a:extLst>
+          </p:cNvPr>
+          <p:cNvCxnSpPr>
+            <a:cxnSpLocks/>
+            <a:stCxn id="110" idx="1"/>
+            <a:endCxn id="448" idx="2"/>
+          </p:cNvCxnSpPr>
+          <p:nvPr/>
+        </p:nvCxnSpPr>
+        <p:spPr>
+          <a:xfrm rot="10800000">
+            <a:off x="33449021" y="24413063"/>
+            <a:ext cx="324795" cy="1202025"/>
+          </a:xfrm>
+          <a:prstGeom prst="bentConnector2">
+            <a:avLst/>
+          </a:prstGeom>
+        </p:spPr>
+        <p:style>
+          <a:lnRef idx="1">
+            <a:schemeClr val="dk1"/>
+          </a:lnRef>
+          <a:fillRef idx="0">
+            <a:schemeClr val="dk1"/>
+          </a:fillRef>
+          <a:effectRef idx="0">
+            <a:schemeClr val="dk1"/>
+          </a:effectRef>
+          <a:fontRef idx="minor">
+            <a:schemeClr val="tx1"/>
+          </a:fontRef>
+        </p:style>
+      </p:cxnSp>
+      <p:sp>
+        <p:nvSpPr>
+          <p:cNvPr id="115" name="직사각형 114">
+            <a:extLst>
+              <a:ext uri="{FF2B5EF4-FFF2-40B4-BE49-F238E27FC236}">
+                <a16:creationId xmlns:a16="http://schemas.microsoft.com/office/drawing/2014/main" id="{DC194AF4-4641-4925-B4CC-0164D19F56DF}"/>
               </a:ext>
             </a:extLst>
           </p:cNvPr>
@@ -7699,8 +7768,8 @@
         </p:nvSpPr>
         <p:spPr>
           <a:xfrm>
-            <a:off x="11078402" y="8311226"/>
-            <a:ext cx="1177580" cy="209725"/>
+            <a:off x="33773815" y="26083310"/>
+            <a:ext cx="2258402" cy="419458"/>
           </a:xfrm>
           <a:prstGeom prst="rect">
             <a:avLst/>
@@ -7721,7 +7790,7 @@
           </a:fontRef>
         </p:style>
         <p:txBody>
-          <a:bodyPr rot="0" spcFirstLastPara="0" vertOverflow="overflow" horzOverflow="overflow" vert="horz" wrap="square" lIns="91440" tIns="45720" rIns="91440" bIns="45720" numCol="1" spcCol="0" rtlCol="0" fromWordArt="0" anchor="ctr" anchorCtr="0" forceAA="0" compatLnSpc="1">
+          <a:bodyPr rot="0" spcFirstLastPara="0" vertOverflow="overflow" horzOverflow="overflow" vert="horz" wrap="square" lIns="182869" tIns="91446" rIns="182869" bIns="91446" numCol="1" spcCol="0" rtlCol="0" fromWordArt="0" anchor="ctr" anchorCtr="0" forceAA="0" compatLnSpc="1">
             <a:prstTxWarp prst="textNoShape">
               <a:avLst/>
             </a:prstTxWarp>
@@ -7731,18 +7800,98 @@
           <a:p>
             <a:pPr algn="ctr"/>
             <a:r>
-              <a:rPr lang="ko-KR" altLang="en-US" sz="1000" b="1"/>
-              <a:t>가격 변경</a:t>
-            </a:r>
-          </a:p>
-        </p:txBody>
-      </p:sp>
-      <p:sp>
-        <p:nvSpPr>
-          <p:cNvPr id="293" name="직사각형 292">
-            <a:extLst>
-              <a:ext uri="{FF2B5EF4-FFF2-40B4-BE49-F238E27FC236}">
-                <a16:creationId xmlns:a16="http://schemas.microsoft.com/office/drawing/2014/main" id="{F9E8FA21-1324-4972-B4BA-4CA40CF3F191}"/>
+              <a:rPr lang="ko-KR" altLang="en-US" sz="2000" b="1"/>
+              <a:t>영화 정보 삭제</a:t>
+            </a:r>
+          </a:p>
+        </p:txBody>
+      </p:sp>
+      <p:cxnSp>
+        <p:nvCxnSpPr>
+          <p:cNvPr id="116" name="연결선: 꺾임 115">
+            <a:extLst>
+              <a:ext uri="{FF2B5EF4-FFF2-40B4-BE49-F238E27FC236}">
+                <a16:creationId xmlns:a16="http://schemas.microsoft.com/office/drawing/2014/main" id="{DF21ED2F-5D2E-409E-AFE1-7958F390BD42}"/>
+              </a:ext>
+            </a:extLst>
+          </p:cNvPr>
+          <p:cNvCxnSpPr>
+            <a:cxnSpLocks/>
+            <a:stCxn id="115" idx="1"/>
+            <a:endCxn id="448" idx="2"/>
+          </p:cNvCxnSpPr>
+          <p:nvPr/>
+        </p:nvCxnSpPr>
+        <p:spPr>
+          <a:xfrm rot="10800000">
+            <a:off x="33449021" y="24413063"/>
+            <a:ext cx="324795" cy="1879977"/>
+          </a:xfrm>
+          <a:prstGeom prst="bentConnector2">
+            <a:avLst/>
+          </a:prstGeom>
+        </p:spPr>
+        <p:style>
+          <a:lnRef idx="1">
+            <a:schemeClr val="dk1"/>
+          </a:lnRef>
+          <a:fillRef idx="0">
+            <a:schemeClr val="dk1"/>
+          </a:fillRef>
+          <a:effectRef idx="0">
+            <a:schemeClr val="dk1"/>
+          </a:effectRef>
+          <a:fontRef idx="minor">
+            <a:schemeClr val="tx1"/>
+          </a:fontRef>
+        </p:style>
+      </p:cxnSp>
+      <p:cxnSp>
+        <p:nvCxnSpPr>
+          <p:cNvPr id="119" name="연결선: 꺾임 118">
+            <a:extLst>
+              <a:ext uri="{FF2B5EF4-FFF2-40B4-BE49-F238E27FC236}">
+                <a16:creationId xmlns:a16="http://schemas.microsoft.com/office/drawing/2014/main" id="{44C212AB-4739-4598-9B85-1ED45BE7E029}"/>
+              </a:ext>
+            </a:extLst>
+          </p:cNvPr>
+          <p:cNvCxnSpPr>
+            <a:cxnSpLocks/>
+            <a:stCxn id="462" idx="2"/>
+            <a:endCxn id="448" idx="1"/>
+          </p:cNvCxnSpPr>
+          <p:nvPr/>
+        </p:nvCxnSpPr>
+        <p:spPr>
+          <a:xfrm rot="16200000" flipH="1">
+            <a:off x="29545663" y="21470096"/>
+            <a:ext cx="4961778" cy="586533"/>
+          </a:xfrm>
+          <a:prstGeom prst="bentConnector2">
+            <a:avLst/>
+          </a:prstGeom>
+        </p:spPr>
+        <p:style>
+          <a:lnRef idx="1">
+            <a:schemeClr val="dk1"/>
+          </a:lnRef>
+          <a:fillRef idx="0">
+            <a:schemeClr val="dk1"/>
+          </a:fillRef>
+          <a:effectRef idx="0">
+            <a:schemeClr val="dk1"/>
+          </a:effectRef>
+          <a:fontRef idx="minor">
+            <a:schemeClr val="tx1"/>
+          </a:fontRef>
+        </p:style>
+      </p:cxnSp>
+      <p:sp>
+        <p:nvSpPr>
+          <p:cNvPr id="136" name="직사각형 135">
+            <a:extLst>
+              <a:ext uri="{FF2B5EF4-FFF2-40B4-BE49-F238E27FC236}">
+                <a16:creationId xmlns:a16="http://schemas.microsoft.com/office/drawing/2014/main" id="{9CD07B59-3D99-41BF-A15E-B08F7B1FC822}"/>
               </a:ext>
             </a:extLst>
           </p:cNvPr>
@@ -7751,8 +7900,8 @@
         </p:nvSpPr>
         <p:spPr>
           <a:xfrm>
-            <a:off x="11078402" y="8657275"/>
-            <a:ext cx="1177580" cy="209725"/>
+            <a:off x="32319819" y="27457205"/>
+            <a:ext cx="2258402" cy="419458"/>
           </a:xfrm>
           <a:prstGeom prst="rect">
             <a:avLst/>
@@ -7773,7 +7922,7 @@
           </a:fontRef>
         </p:style>
         <p:txBody>
-          <a:bodyPr rot="0" spcFirstLastPara="0" vertOverflow="overflow" horzOverflow="overflow" vert="horz" wrap="square" lIns="91440" tIns="45720" rIns="91440" bIns="45720" numCol="1" spcCol="0" rtlCol="0" fromWordArt="0" anchor="ctr" anchorCtr="0" forceAA="0" compatLnSpc="1">
+          <a:bodyPr rot="0" spcFirstLastPara="0" vertOverflow="overflow" horzOverflow="overflow" vert="horz" wrap="square" lIns="182869" tIns="91446" rIns="182869" bIns="91446" numCol="1" spcCol="0" rtlCol="0" fromWordArt="0" anchor="ctr" anchorCtr="0" forceAA="0" compatLnSpc="1">
             <a:prstTxWarp prst="textNoShape">
               <a:avLst/>
             </a:prstTxWarp>
@@ -7783,18 +7932,58 @@
           <a:p>
             <a:pPr algn="ctr"/>
             <a:r>
-              <a:rPr lang="ko-KR" altLang="en-US" sz="1000" b="1"/>
-              <a:t>기프티콘 제거</a:t>
-            </a:r>
-          </a:p>
-        </p:txBody>
-      </p:sp>
-      <p:sp>
-        <p:nvSpPr>
-          <p:cNvPr id="294" name="직사각형 293">
-            <a:extLst>
-              <a:ext uri="{FF2B5EF4-FFF2-40B4-BE49-F238E27FC236}">
-                <a16:creationId xmlns:a16="http://schemas.microsoft.com/office/drawing/2014/main" id="{A689CF52-D92D-4D37-B637-4E2EE4CAD473}"/>
+              <a:rPr lang="ko-KR" altLang="en-US" sz="2000" b="1"/>
+              <a:t>상영 스케줄 관리</a:t>
+            </a:r>
+          </a:p>
+        </p:txBody>
+      </p:sp>
+      <p:cxnSp>
+        <p:nvCxnSpPr>
+          <p:cNvPr id="137" name="연결선: 꺾임 136">
+            <a:extLst>
+              <a:ext uri="{FF2B5EF4-FFF2-40B4-BE49-F238E27FC236}">
+                <a16:creationId xmlns:a16="http://schemas.microsoft.com/office/drawing/2014/main" id="{7F82065E-A1B2-4F09-BCDE-A3BC1F526405}"/>
+              </a:ext>
+            </a:extLst>
+          </p:cNvPr>
+          <p:cNvCxnSpPr>
+            <a:cxnSpLocks/>
+            <a:stCxn id="462" idx="2"/>
+            <a:endCxn id="136" idx="1"/>
+          </p:cNvCxnSpPr>
+          <p:nvPr/>
+        </p:nvCxnSpPr>
+        <p:spPr>
+          <a:xfrm rot="16200000" flipH="1">
+            <a:off x="27834322" y="23181437"/>
+            <a:ext cx="8384460" cy="586533"/>
+          </a:xfrm>
+          <a:prstGeom prst="bentConnector2">
+            <a:avLst/>
+          </a:prstGeom>
+        </p:spPr>
+        <p:style>
+          <a:lnRef idx="1">
+            <a:schemeClr val="dk1"/>
+          </a:lnRef>
+          <a:fillRef idx="0">
+            <a:schemeClr val="dk1"/>
+          </a:fillRef>
+          <a:effectRef idx="0">
+            <a:schemeClr val="dk1"/>
+          </a:effectRef>
+          <a:fontRef idx="minor">
+            <a:schemeClr val="tx1"/>
+          </a:fontRef>
+        </p:style>
+      </p:cxnSp>
+      <p:sp>
+        <p:nvSpPr>
+          <p:cNvPr id="145" name="직사각형 144">
+            <a:extLst>
+              <a:ext uri="{FF2B5EF4-FFF2-40B4-BE49-F238E27FC236}">
+                <a16:creationId xmlns:a16="http://schemas.microsoft.com/office/drawing/2014/main" id="{970A1C27-1DC6-4F8C-95C2-489DE9B435B7}"/>
               </a:ext>
             </a:extLst>
           </p:cNvPr>
@@ -7803,8 +7992,8 @@
         </p:nvSpPr>
         <p:spPr>
           <a:xfrm>
-            <a:off x="11078402" y="7615948"/>
-            <a:ext cx="1177580" cy="209725"/>
+            <a:off x="33794022" y="28266127"/>
+            <a:ext cx="2258402" cy="419458"/>
           </a:xfrm>
           <a:prstGeom prst="rect">
             <a:avLst/>
@@ -7825,7 +8014,7 @@
           </a:fontRef>
         </p:style>
         <p:txBody>
-          <a:bodyPr rot="0" spcFirstLastPara="0" vertOverflow="overflow" horzOverflow="overflow" vert="horz" wrap="square" lIns="91440" tIns="45720" rIns="91440" bIns="45720" numCol="1" spcCol="0" rtlCol="0" fromWordArt="0" anchor="ctr" anchorCtr="0" forceAA="0" compatLnSpc="1">
+          <a:bodyPr rot="0" spcFirstLastPara="0" vertOverflow="overflow" horzOverflow="overflow" vert="horz" wrap="square" lIns="182869" tIns="91446" rIns="182869" bIns="91446" numCol="1" spcCol="0" rtlCol="0" fromWordArt="0" anchor="ctr" anchorCtr="0" forceAA="0" compatLnSpc="1">
             <a:prstTxWarp prst="textNoShape">
               <a:avLst/>
             </a:prstTxWarp>
@@ -7835,32 +8024,32 @@
           <a:p>
             <a:pPr algn="ctr"/>
             <a:r>
-              <a:rPr lang="ko-KR" altLang="en-US" sz="1000" b="1"/>
-              <a:t>기프티콘 조회</a:t>
+              <a:rPr lang="ko-KR" altLang="en-US" sz="2000" b="1"/>
+              <a:t>상영스케줄 조회</a:t>
             </a:r>
           </a:p>
         </p:txBody>
       </p:sp>
       <p:cxnSp>
         <p:nvCxnSpPr>
-          <p:cNvPr id="295" name="연결선: 꺾임 294">
-            <a:extLst>
-              <a:ext uri="{FF2B5EF4-FFF2-40B4-BE49-F238E27FC236}">
-                <a16:creationId xmlns:a16="http://schemas.microsoft.com/office/drawing/2014/main" id="{86A796E1-625F-48A8-9864-BBAC0F83632C}"/>
+          <p:cNvPr id="146" name="연결선: 꺾임 145">
+            <a:extLst>
+              <a:ext uri="{FF2B5EF4-FFF2-40B4-BE49-F238E27FC236}">
+                <a16:creationId xmlns:a16="http://schemas.microsoft.com/office/drawing/2014/main" id="{CC059E7E-91C1-4EC6-A46F-D5C0C19459BB}"/>
               </a:ext>
             </a:extLst>
           </p:cNvPr>
           <p:cNvCxnSpPr>
             <a:cxnSpLocks/>
-            <a:stCxn id="294" idx="1"/>
-            <a:endCxn id="284" idx="2"/>
+            <a:stCxn id="145" idx="1"/>
+            <a:endCxn id="136" idx="2"/>
           </p:cNvCxnSpPr>
           <p:nvPr/>
         </p:nvCxnSpPr>
         <p:spPr>
           <a:xfrm rot="10800000">
-            <a:off x="10466664" y="7511065"/>
-            <a:ext cx="611738" cy="209746"/>
+            <a:off x="33449020" y="27876664"/>
+            <a:ext cx="345002" cy="599193"/>
           </a:xfrm>
           <a:prstGeom prst="bentConnector2">
             <a:avLst/>
@@ -7881,132 +8070,12 @@
           </a:fontRef>
         </p:style>
       </p:cxnSp>
-      <p:cxnSp>
-        <p:nvCxnSpPr>
-          <p:cNvPr id="298" name="연결선: 꺾임 297">
-            <a:extLst>
-              <a:ext uri="{FF2B5EF4-FFF2-40B4-BE49-F238E27FC236}">
-                <a16:creationId xmlns:a16="http://schemas.microsoft.com/office/drawing/2014/main" id="{2E2CB5DC-E8BE-42C7-99F9-66891F6A87FD}"/>
-              </a:ext>
-            </a:extLst>
-          </p:cNvPr>
-          <p:cNvCxnSpPr>
-            <a:cxnSpLocks/>
-            <a:stCxn id="291" idx="1"/>
-            <a:endCxn id="284" idx="2"/>
-          </p:cNvCxnSpPr>
-          <p:nvPr/>
-        </p:nvCxnSpPr>
-        <p:spPr>
-          <a:xfrm rot="10800000">
-            <a:off x="10466664" y="7511066"/>
-            <a:ext cx="611738" cy="558975"/>
-          </a:xfrm>
-          <a:prstGeom prst="bentConnector2">
-            <a:avLst/>
-          </a:prstGeom>
-        </p:spPr>
-        <p:style>
-          <a:lnRef idx="1">
-            <a:schemeClr val="dk1"/>
-          </a:lnRef>
-          <a:fillRef idx="0">
-            <a:schemeClr val="dk1"/>
-          </a:fillRef>
-          <a:effectRef idx="0">
-            <a:schemeClr val="dk1"/>
-          </a:effectRef>
-          <a:fontRef idx="minor">
-            <a:schemeClr val="tx1"/>
-          </a:fontRef>
-        </p:style>
-      </p:cxnSp>
-      <p:cxnSp>
-        <p:nvCxnSpPr>
-          <p:cNvPr id="301" name="연결선: 꺾임 300">
-            <a:extLst>
-              <a:ext uri="{FF2B5EF4-FFF2-40B4-BE49-F238E27FC236}">
-                <a16:creationId xmlns:a16="http://schemas.microsoft.com/office/drawing/2014/main" id="{03EF3C10-E604-475F-949F-F770AA463C95}"/>
-              </a:ext>
-            </a:extLst>
-          </p:cNvPr>
-          <p:cNvCxnSpPr>
-            <a:cxnSpLocks/>
-            <a:stCxn id="292" idx="1"/>
-            <a:endCxn id="284" idx="2"/>
-          </p:cNvCxnSpPr>
-          <p:nvPr/>
-        </p:nvCxnSpPr>
-        <p:spPr>
-          <a:xfrm rot="10800000">
-            <a:off x="10466664" y="7511065"/>
-            <a:ext cx="611738" cy="905024"/>
-          </a:xfrm>
-          <a:prstGeom prst="bentConnector2">
-            <a:avLst/>
-          </a:prstGeom>
-        </p:spPr>
-        <p:style>
-          <a:lnRef idx="1">
-            <a:schemeClr val="dk1"/>
-          </a:lnRef>
-          <a:fillRef idx="0">
-            <a:schemeClr val="dk1"/>
-          </a:fillRef>
-          <a:effectRef idx="0">
-            <a:schemeClr val="dk1"/>
-          </a:effectRef>
-          <a:fontRef idx="minor">
-            <a:schemeClr val="tx1"/>
-          </a:fontRef>
-        </p:style>
-      </p:cxnSp>
-      <p:cxnSp>
-        <p:nvCxnSpPr>
-          <p:cNvPr id="304" name="연결선: 꺾임 303">
-            <a:extLst>
-              <a:ext uri="{FF2B5EF4-FFF2-40B4-BE49-F238E27FC236}">
-                <a16:creationId xmlns:a16="http://schemas.microsoft.com/office/drawing/2014/main" id="{0D6E0D86-AEC7-44CE-8BA1-20ADDB7FB3CA}"/>
-              </a:ext>
-            </a:extLst>
-          </p:cNvPr>
-          <p:cNvCxnSpPr>
-            <a:cxnSpLocks/>
-            <a:stCxn id="293" idx="1"/>
-            <a:endCxn id="284" idx="2"/>
-          </p:cNvCxnSpPr>
-          <p:nvPr/>
-        </p:nvCxnSpPr>
-        <p:spPr>
-          <a:xfrm rot="10800000">
-            <a:off x="10466664" y="7511066"/>
-            <a:ext cx="611738" cy="1251073"/>
-          </a:xfrm>
-          <a:prstGeom prst="bentConnector2">
-            <a:avLst/>
-          </a:prstGeom>
-        </p:spPr>
-        <p:style>
-          <a:lnRef idx="1">
-            <a:schemeClr val="dk1"/>
-          </a:lnRef>
-          <a:fillRef idx="0">
-            <a:schemeClr val="dk1"/>
-          </a:fillRef>
-          <a:effectRef idx="0">
-            <a:schemeClr val="dk1"/>
-          </a:effectRef>
-          <a:fontRef idx="minor">
-            <a:schemeClr val="tx1"/>
-          </a:fontRef>
-        </p:style>
-      </p:cxnSp>
-      <p:sp>
-        <p:nvSpPr>
-          <p:cNvPr id="307" name="직사각형 306">
-            <a:extLst>
-              <a:ext uri="{FF2B5EF4-FFF2-40B4-BE49-F238E27FC236}">
-                <a16:creationId xmlns:a16="http://schemas.microsoft.com/office/drawing/2014/main" id="{53054925-F9EE-49D9-82BA-062C078D2216}"/>
+      <p:sp>
+        <p:nvSpPr>
+          <p:cNvPr id="150" name="직사각형 149">
+            <a:extLst>
+              <a:ext uri="{FF2B5EF4-FFF2-40B4-BE49-F238E27FC236}">
+                <a16:creationId xmlns:a16="http://schemas.microsoft.com/office/drawing/2014/main" id="{5BEDED42-B77D-41B9-9E3B-A96A0749D25D}"/>
               </a:ext>
             </a:extLst>
           </p:cNvPr>
@@ -8015,8 +8084,8 @@
         </p:nvSpPr>
         <p:spPr>
           <a:xfrm>
-            <a:off x="11078402" y="6973327"/>
-            <a:ext cx="1177580" cy="209725"/>
+            <a:off x="33794022" y="28924484"/>
+            <a:ext cx="2258402" cy="419458"/>
           </a:xfrm>
           <a:prstGeom prst="rect">
             <a:avLst/>
@@ -8037,7 +8106,7 @@
           </a:fontRef>
         </p:style>
         <p:txBody>
-          <a:bodyPr rot="0" spcFirstLastPara="0" vertOverflow="overflow" horzOverflow="overflow" vert="horz" wrap="square" lIns="91440" tIns="45720" rIns="91440" bIns="45720" numCol="1" spcCol="0" rtlCol="0" fromWordArt="0" anchor="ctr" anchorCtr="0" forceAA="0" compatLnSpc="1">
+          <a:bodyPr rot="0" spcFirstLastPara="0" vertOverflow="overflow" horzOverflow="overflow" vert="horz" wrap="square" lIns="182869" tIns="91446" rIns="182869" bIns="91446" numCol="1" spcCol="0" rtlCol="0" fromWordArt="0" anchor="ctr" anchorCtr="0" forceAA="0" compatLnSpc="1">
             <a:prstTxWarp prst="textNoShape">
               <a:avLst/>
             </a:prstTxWarp>
@@ -8047,59 +8116,18 @@
           <a:p>
             <a:pPr algn="ctr"/>
             <a:r>
-              <a:rPr lang="en-US" altLang="ko-KR" sz="1000" b="1"/>
-              <a:t>???</a:t>
-            </a:r>
-            <a:endParaRPr lang="ko-KR" altLang="en-US" sz="1000" b="1"/>
-          </a:p>
-        </p:txBody>
-      </p:sp>
-      <p:cxnSp>
-        <p:nvCxnSpPr>
-          <p:cNvPr id="308" name="연결선: 꺾임 307">
-            <a:extLst>
-              <a:ext uri="{FF2B5EF4-FFF2-40B4-BE49-F238E27FC236}">
-                <a16:creationId xmlns:a16="http://schemas.microsoft.com/office/drawing/2014/main" id="{D7D18EE4-EC33-4CA2-AC78-3412D352575A}"/>
-              </a:ext>
-            </a:extLst>
-          </p:cNvPr>
-          <p:cNvCxnSpPr>
-            <a:cxnSpLocks/>
-            <a:stCxn id="307" idx="1"/>
-            <a:endCxn id="276" idx="2"/>
-          </p:cNvCxnSpPr>
-          <p:nvPr/>
-        </p:nvCxnSpPr>
-        <p:spPr>
-          <a:xfrm rot="10800000">
-            <a:off x="10466664" y="6875692"/>
-            <a:ext cx="611738" cy="202498"/>
-          </a:xfrm>
-          <a:prstGeom prst="bentConnector2">
-            <a:avLst/>
-          </a:prstGeom>
-        </p:spPr>
-        <p:style>
-          <a:lnRef idx="1">
-            <a:schemeClr val="dk1"/>
-          </a:lnRef>
-          <a:fillRef idx="0">
-            <a:schemeClr val="dk1"/>
-          </a:fillRef>
-          <a:effectRef idx="0">
-            <a:schemeClr val="dk1"/>
-          </a:effectRef>
-          <a:fontRef idx="minor">
-            <a:schemeClr val="tx1"/>
-          </a:fontRef>
-        </p:style>
-      </p:cxnSp>
-      <p:sp>
-        <p:nvSpPr>
-          <p:cNvPr id="311" name="직사각형 310">
-            <a:extLst>
-              <a:ext uri="{FF2B5EF4-FFF2-40B4-BE49-F238E27FC236}">
-                <a16:creationId xmlns:a16="http://schemas.microsoft.com/office/drawing/2014/main" id="{CD2322C6-A644-45EB-BDE4-08AD637F667D}"/>
+              <a:rPr lang="ko-KR" altLang="en-US" sz="2000" b="1"/>
+              <a:t>상영스케줄 등록</a:t>
+            </a:r>
+          </a:p>
+        </p:txBody>
+      </p:sp>
+      <p:sp>
+        <p:nvSpPr>
+          <p:cNvPr id="151" name="직사각형 150">
+            <a:extLst>
+              <a:ext uri="{FF2B5EF4-FFF2-40B4-BE49-F238E27FC236}">
+                <a16:creationId xmlns:a16="http://schemas.microsoft.com/office/drawing/2014/main" id="{2D48AB79-EC22-4608-9090-99AA4229A3A6}"/>
               </a:ext>
             </a:extLst>
           </p:cNvPr>
@@ -8108,29 +8136,29 @@
         </p:nvSpPr>
         <p:spPr>
           <a:xfrm>
-            <a:off x="130278" y="1366513"/>
-            <a:ext cx="2964406" cy="5268029"/>
+            <a:off x="33773815" y="29600486"/>
+            <a:ext cx="2258402" cy="419458"/>
           </a:xfrm>
           <a:prstGeom prst="rect">
             <a:avLst/>
           </a:prstGeom>
         </p:spPr>
         <p:style>
-          <a:lnRef idx="1">
-            <a:schemeClr val="accent4"/>
-          </a:lnRef>
-          <a:fillRef idx="2">
-            <a:schemeClr val="accent4"/>
-          </a:fillRef>
-          <a:effectRef idx="1">
-            <a:schemeClr val="accent4"/>
-          </a:effectRef>
-          <a:fontRef idx="minor">
-            <a:schemeClr val="dk1"/>
-          </a:fontRef>
-        </p:style>
-        <p:txBody>
-          <a:bodyPr rot="0" spcFirstLastPara="0" vertOverflow="overflow" horzOverflow="overflow" vert="horz" wrap="square" lIns="91440" tIns="45720" rIns="91440" bIns="45720" numCol="1" spcCol="0" rtlCol="0" fromWordArt="0" anchor="ctr" anchorCtr="0" forceAA="0" compatLnSpc="1">
+          <a:lnRef idx="2">
+            <a:schemeClr val="dk1"/>
+          </a:lnRef>
+          <a:fillRef idx="1">
+            <a:schemeClr val="lt1"/>
+          </a:fillRef>
+          <a:effectRef idx="0">
+            <a:schemeClr val="dk1"/>
+          </a:effectRef>
+          <a:fontRef idx="minor">
+            <a:schemeClr val="dk1"/>
+          </a:fontRef>
+        </p:style>
+        <p:txBody>
+          <a:bodyPr rot="0" spcFirstLastPara="0" vertOverflow="overflow" horzOverflow="overflow" vert="horz" wrap="square" lIns="182869" tIns="91446" rIns="182869" bIns="91446" numCol="1" spcCol="0" rtlCol="0" fromWordArt="0" anchor="ctr" anchorCtr="0" forceAA="0" compatLnSpc="1">
             <a:prstTxWarp prst="textNoShape">
               <a:avLst/>
             </a:prstTxWarp>
@@ -8138,83 +8166,186 @@
           </a:bodyPr>
           <a:lstStyle/>
           <a:p>
-            <a:r>
-              <a:rPr lang="ko-KR" altLang="en-US" sz="1200" b="1"/>
-              <a:t>메모</a:t>
-            </a:r>
-            <a:r>
-              <a:rPr lang="en-US" altLang="ko-KR" sz="1200" b="1"/>
-              <a:t> :</a:t>
-            </a:r>
-          </a:p>
-          <a:p>
-            <a:endParaRPr lang="en-US" altLang="ko-KR" sz="1200" b="1"/>
-          </a:p>
-          <a:p>
-            <a:r>
-              <a:rPr lang="ko-KR" altLang="en-US" sz="1200"/>
-              <a:t>마이페이지에서 내 정보 변경 </a:t>
-            </a:r>
-            <a:r>
-              <a:rPr lang="en-US" altLang="ko-KR" sz="1200"/>
-              <a:t>or </a:t>
-            </a:r>
-            <a:r>
-              <a:rPr lang="ko-KR" altLang="en-US" sz="1200"/>
-              <a:t>탈퇴</a:t>
-            </a:r>
-            <a:endParaRPr lang="en-US" altLang="ko-KR" sz="1200"/>
-          </a:p>
-          <a:p>
-            <a:endParaRPr lang="en-US" altLang="ko-KR" sz="1200"/>
-          </a:p>
-          <a:p>
-            <a:r>
-              <a:rPr lang="ko-KR" altLang="en-US" sz="1200"/>
-              <a:t>영화를 예매할 때</a:t>
-            </a:r>
-          </a:p>
-          <a:p>
-            <a:r>
-              <a:rPr lang="ko-KR" altLang="en-US" sz="1200"/>
-              <a:t>영화 랭킹에서 영화를 선택한 다음에 그 화면에서 영화를 예매할 수 있게 할건지</a:t>
-            </a:r>
-            <a:r>
-              <a:rPr lang="en-US" altLang="ko-KR" sz="1200"/>
-              <a:t>?</a:t>
-            </a:r>
-          </a:p>
-          <a:p>
-            <a:r>
-              <a:rPr lang="ko-KR" altLang="en-US" sz="1200"/>
-              <a:t>즐겨찾기도</a:t>
-            </a:r>
-            <a:r>
-              <a:rPr lang="en-US" altLang="ko-KR" sz="1200"/>
-              <a:t>?</a:t>
-            </a:r>
-          </a:p>
-          <a:p>
-            <a:r>
-              <a:rPr lang="ko-KR" altLang="en-US" sz="1200"/>
-              <a:t>한줄평도</a:t>
-            </a:r>
-            <a:r>
-              <a:rPr lang="en-US" altLang="ko-KR" sz="1200"/>
-              <a:t>..</a:t>
-            </a:r>
-          </a:p>
-          <a:p>
-            <a:endParaRPr lang="en-US" altLang="ko-KR" sz="1200"/>
-          </a:p>
-          <a:p>
-            <a:r>
-              <a:rPr lang="ko-KR" altLang="en-US" sz="1200"/>
-              <a:t>아 그리고 로그인 회원가입 이런것도</a:t>
-            </a:r>
-          </a:p>
-        </p:txBody>
-      </p:sp>
+            <a:pPr algn="ctr"/>
+            <a:r>
+              <a:rPr lang="ko-KR" altLang="en-US" sz="2000" b="1"/>
+              <a:t>상영스케줄 수정</a:t>
+            </a:r>
+          </a:p>
+        </p:txBody>
+      </p:sp>
+      <p:sp>
+        <p:nvSpPr>
+          <p:cNvPr id="152" name="직사각형 151">
+            <a:extLst>
+              <a:ext uri="{FF2B5EF4-FFF2-40B4-BE49-F238E27FC236}">
+                <a16:creationId xmlns:a16="http://schemas.microsoft.com/office/drawing/2014/main" id="{7954D0FF-2C26-4F4E-AD29-5B5A22A95275}"/>
+              </a:ext>
+            </a:extLst>
+          </p:cNvPr>
+          <p:cNvSpPr/>
+          <p:nvPr/>
+        </p:nvSpPr>
+        <p:spPr>
+          <a:xfrm>
+            <a:off x="33773815" y="30253996"/>
+            <a:ext cx="2258402" cy="419458"/>
+          </a:xfrm>
+          <a:prstGeom prst="rect">
+            <a:avLst/>
+          </a:prstGeom>
+        </p:spPr>
+        <p:style>
+          <a:lnRef idx="2">
+            <a:schemeClr val="dk1"/>
+          </a:lnRef>
+          <a:fillRef idx="1">
+            <a:schemeClr val="lt1"/>
+          </a:fillRef>
+          <a:effectRef idx="0">
+            <a:schemeClr val="dk1"/>
+          </a:effectRef>
+          <a:fontRef idx="minor">
+            <a:schemeClr val="dk1"/>
+          </a:fontRef>
+        </p:style>
+        <p:txBody>
+          <a:bodyPr rot="0" spcFirstLastPara="0" vertOverflow="overflow" horzOverflow="overflow" vert="horz" wrap="square" lIns="182869" tIns="91446" rIns="182869" bIns="91446" numCol="1" spcCol="0" rtlCol="0" fromWordArt="0" anchor="ctr" anchorCtr="0" forceAA="0" compatLnSpc="1">
+            <a:prstTxWarp prst="textNoShape">
+              <a:avLst/>
+            </a:prstTxWarp>
+            <a:noAutofit/>
+          </a:bodyPr>
+          <a:lstStyle/>
+          <a:p>
+            <a:pPr algn="ctr"/>
+            <a:r>
+              <a:rPr lang="ko-KR" altLang="en-US" sz="2000" b="1"/>
+              <a:t>상영스케줄 삭제</a:t>
+            </a:r>
+          </a:p>
+        </p:txBody>
+      </p:sp>
+      <p:cxnSp>
+        <p:nvCxnSpPr>
+          <p:cNvPr id="153" name="연결선: 꺾임 152">
+            <a:extLst>
+              <a:ext uri="{FF2B5EF4-FFF2-40B4-BE49-F238E27FC236}">
+                <a16:creationId xmlns:a16="http://schemas.microsoft.com/office/drawing/2014/main" id="{43257DAC-1ADA-40E0-937B-2C3F0FD04A2B}"/>
+              </a:ext>
+            </a:extLst>
+          </p:cNvPr>
+          <p:cNvCxnSpPr>
+            <a:cxnSpLocks/>
+            <a:stCxn id="150" idx="1"/>
+            <a:endCxn id="136" idx="2"/>
+          </p:cNvCxnSpPr>
+          <p:nvPr/>
+        </p:nvCxnSpPr>
+        <p:spPr>
+          <a:xfrm rot="10800000">
+            <a:off x="33449020" y="27876663"/>
+            <a:ext cx="345002" cy="1257550"/>
+          </a:xfrm>
+          <a:prstGeom prst="bentConnector2">
+            <a:avLst/>
+          </a:prstGeom>
+        </p:spPr>
+        <p:style>
+          <a:lnRef idx="1">
+            <a:schemeClr val="dk1"/>
+          </a:lnRef>
+          <a:fillRef idx="0">
+            <a:schemeClr val="dk1"/>
+          </a:fillRef>
+          <a:effectRef idx="0">
+            <a:schemeClr val="dk1"/>
+          </a:effectRef>
+          <a:fontRef idx="minor">
+            <a:schemeClr val="tx1"/>
+          </a:fontRef>
+        </p:style>
+      </p:cxnSp>
+      <p:cxnSp>
+        <p:nvCxnSpPr>
+          <p:cNvPr id="156" name="연결선: 꺾임 155">
+            <a:extLst>
+              <a:ext uri="{FF2B5EF4-FFF2-40B4-BE49-F238E27FC236}">
+                <a16:creationId xmlns:a16="http://schemas.microsoft.com/office/drawing/2014/main" id="{9C9E7A72-CB50-4773-80CC-3F6D152C965A}"/>
+              </a:ext>
+            </a:extLst>
+          </p:cNvPr>
+          <p:cNvCxnSpPr>
+            <a:cxnSpLocks/>
+            <a:stCxn id="151" idx="1"/>
+            <a:endCxn id="136" idx="2"/>
+          </p:cNvCxnSpPr>
+          <p:nvPr/>
+        </p:nvCxnSpPr>
+        <p:spPr>
+          <a:xfrm rot="10800000">
+            <a:off x="33449021" y="27876663"/>
+            <a:ext cx="324795" cy="1933552"/>
+          </a:xfrm>
+          <a:prstGeom prst="bentConnector2">
+            <a:avLst/>
+          </a:prstGeom>
+        </p:spPr>
+        <p:style>
+          <a:lnRef idx="1">
+            <a:schemeClr val="dk1"/>
+          </a:lnRef>
+          <a:fillRef idx="0">
+            <a:schemeClr val="dk1"/>
+          </a:fillRef>
+          <a:effectRef idx="0">
+            <a:schemeClr val="dk1"/>
+          </a:effectRef>
+          <a:fontRef idx="minor">
+            <a:schemeClr val="tx1"/>
+          </a:fontRef>
+        </p:style>
+      </p:cxnSp>
+      <p:cxnSp>
+        <p:nvCxnSpPr>
+          <p:cNvPr id="160" name="연결선: 꺾임 159">
+            <a:extLst>
+              <a:ext uri="{FF2B5EF4-FFF2-40B4-BE49-F238E27FC236}">
+                <a16:creationId xmlns:a16="http://schemas.microsoft.com/office/drawing/2014/main" id="{39208C58-DCDC-4D19-BF70-20B76281D426}"/>
+              </a:ext>
+            </a:extLst>
+          </p:cNvPr>
+          <p:cNvCxnSpPr>
+            <a:cxnSpLocks/>
+            <a:stCxn id="152" idx="1"/>
+            <a:endCxn id="136" idx="2"/>
+          </p:cNvCxnSpPr>
+          <p:nvPr/>
+        </p:nvCxnSpPr>
+        <p:spPr>
+          <a:xfrm rot="10800000">
+            <a:off x="33449021" y="27876663"/>
+            <a:ext cx="324795" cy="2587062"/>
+          </a:xfrm>
+          <a:prstGeom prst="bentConnector2">
+            <a:avLst/>
+          </a:prstGeom>
+        </p:spPr>
+        <p:style>
+          <a:lnRef idx="1">
+            <a:schemeClr val="dk1"/>
+          </a:lnRef>
+          <a:fillRef idx="0">
+            <a:schemeClr val="dk1"/>
+          </a:fillRef>
+          <a:effectRef idx="0">
+            <a:schemeClr val="dk1"/>
+          </a:effectRef>
+          <a:fontRef idx="minor">
+            <a:schemeClr val="tx1"/>
+          </a:fontRef>
+        </p:style>
+      </p:cxnSp>
     </p:spTree>
     <p:extLst>
       <p:ext uri="{BB962C8B-B14F-4D97-AF65-F5344CB8AC3E}">

--- a/2조 멀티플렉스 영화관 관리 시스템 메뉴구조도.pptx
+++ b/2조 멀티플렉스 영화관 관리 시스템 메뉴구조도.pptx
@@ -4168,7 +4168,7 @@
         </p:nvSpPr>
         <p:spPr>
           <a:xfrm>
-            <a:off x="28056085" y="4698310"/>
+            <a:off x="9990814" y="11191697"/>
             <a:ext cx="1314275" cy="419458"/>
           </a:xfrm>
           <a:prstGeom prst="rect">
@@ -4224,8 +4224,8 @@
         </p:nvCxnSpPr>
         <p:spPr>
           <a:xfrm rot="5400000">
-            <a:off x="28541517" y="3602777"/>
-            <a:ext cx="1267239" cy="923826"/>
+            <a:off x="16262188" y="-2183164"/>
+            <a:ext cx="7760626" cy="18989097"/>
           </a:xfrm>
           <a:prstGeom prst="bentConnector3">
             <a:avLst>
@@ -4266,7 +4266,7 @@
         </p:nvCxnSpPr>
         <p:spPr>
           <a:xfrm rot="5400000" flipH="1" flipV="1">
-            <a:off x="24612055" y="2610423"/>
+            <a:off x="6546784" y="9103810"/>
             <a:ext cx="1593800" cy="6608503"/>
           </a:xfrm>
           <a:prstGeom prst="bentConnector3">
@@ -4308,7 +4308,7 @@
         </p:nvCxnSpPr>
         <p:spPr>
           <a:xfrm rot="5400000" flipH="1" flipV="1">
-            <a:off x="27507712" y="5506073"/>
+            <a:off x="9442441" y="11999460"/>
             <a:ext cx="1593800" cy="817173"/>
           </a:xfrm>
           <a:prstGeom prst="bentConnector3">
@@ -4534,7 +4534,7 @@
         </p:nvSpPr>
         <p:spPr>
           <a:xfrm>
-            <a:off x="21362492" y="6711543"/>
+            <a:off x="3297221" y="13204930"/>
             <a:ext cx="1484457" cy="419458"/>
           </a:xfrm>
           <a:prstGeom prst="rect">
@@ -4586,7 +4586,7 @@
         </p:nvSpPr>
         <p:spPr>
           <a:xfrm>
-            <a:off x="30835362" y="6711543"/>
+            <a:off x="12027863" y="13250624"/>
             <a:ext cx="1484457" cy="419458"/>
           </a:xfrm>
           <a:prstGeom prst="rect">
@@ -4618,7 +4618,7 @@
           <a:p>
             <a:pPr algn="ctr"/>
             <a:r>
-              <a:rPr lang="ko-KR" altLang="en-US" sz="2000" b="1"/>
+              <a:rPr lang="ko-KR" altLang="en-US" sz="2000" b="1" dirty="0"/>
               <a:t>공지사항</a:t>
             </a:r>
           </a:p>
@@ -4638,7 +4638,7 @@
         </p:nvSpPr>
         <p:spPr>
           <a:xfrm>
-            <a:off x="32516793" y="6711543"/>
+            <a:off x="13968405" y="13236989"/>
             <a:ext cx="1484457" cy="419458"/>
           </a:xfrm>
           <a:prstGeom prst="rect">
@@ -4690,7 +4690,7 @@
         </p:nvSpPr>
         <p:spPr>
           <a:xfrm>
-            <a:off x="27153813" y="6711543"/>
+            <a:off x="9088542" y="13204930"/>
             <a:ext cx="1484457" cy="419458"/>
           </a:xfrm>
           <a:prstGeom prst="rect">
@@ -4742,7 +4742,7 @@
         </p:nvSpPr>
         <p:spPr>
           <a:xfrm>
-            <a:off x="34181010" y="6711543"/>
+            <a:off x="16115739" y="13204930"/>
             <a:ext cx="1484457" cy="419458"/>
           </a:xfrm>
           <a:prstGeom prst="rect">
@@ -4794,7 +4794,7 @@
         </p:nvSpPr>
         <p:spPr>
           <a:xfrm>
-            <a:off x="38631952" y="6711543"/>
+            <a:off x="20566681" y="13204930"/>
             <a:ext cx="1484457" cy="419458"/>
           </a:xfrm>
           <a:prstGeom prst="rect">
@@ -4843,15 +4843,13 @@
           </p:cNvPr>
           <p:cNvCxnSpPr>
             <a:cxnSpLocks/>
-            <a:stCxn id="362" idx="0"/>
-            <a:endCxn id="339" idx="2"/>
           </p:cNvCxnSpPr>
           <p:nvPr/>
         </p:nvCxnSpPr>
         <p:spPr>
           <a:xfrm rot="16200000" flipV="1">
-            <a:off x="29348495" y="4482454"/>
-            <a:ext cx="1593800" cy="2864393"/>
+            <a:off x="10889288" y="11355306"/>
+            <a:ext cx="1639469" cy="2122140"/>
           </a:xfrm>
           <a:prstGeom prst="bentConnector3">
             <a:avLst>
@@ -4892,12 +4890,12 @@
         </p:nvCxnSpPr>
         <p:spPr>
           <a:xfrm rot="16200000" flipV="1">
-            <a:off x="30189202" y="3641769"/>
-            <a:ext cx="1593800" cy="4545816"/>
+            <a:off x="11866376" y="10392731"/>
+            <a:ext cx="1625834" cy="4062682"/>
           </a:xfrm>
           <a:prstGeom prst="bentConnector3">
             <a:avLst>
-              <a:gd name="adj1" fmla="val 50000"/>
+              <a:gd name="adj1" fmla="val 50781"/>
             </a:avLst>
           </a:prstGeom>
         </p:spPr>
@@ -4934,7 +4932,7 @@
         </p:nvCxnSpPr>
         <p:spPr>
           <a:xfrm rot="16200000" flipV="1">
-            <a:off x="31021307" y="2809661"/>
+            <a:off x="12956036" y="9303048"/>
             <a:ext cx="1593800" cy="6210032"/>
           </a:xfrm>
           <a:prstGeom prst="bentConnector3">
@@ -4969,14 +4967,12 @@
           </p:cNvPr>
           <p:cNvCxnSpPr>
             <a:cxnSpLocks/>
-            <a:stCxn id="366" idx="0"/>
-            <a:endCxn id="339" idx="2"/>
           </p:cNvCxnSpPr>
           <p:nvPr/>
         </p:nvCxnSpPr>
         <p:spPr>
           <a:xfrm rot="16200000" flipV="1">
-            <a:off x="33246778" y="584159"/>
+            <a:off x="15184603" y="7078873"/>
             <a:ext cx="1593792" cy="10660978"/>
           </a:xfrm>
           <a:prstGeom prst="bentConnector3">
@@ -5014,7 +5010,7 @@
         </p:nvSpPr>
         <p:spPr>
           <a:xfrm>
-            <a:off x="23745151" y="8744581"/>
+            <a:off x="5694835" y="14912067"/>
             <a:ext cx="2020114" cy="419458"/>
           </a:xfrm>
           <a:prstGeom prst="rect">
@@ -5070,8 +5066,8 @@
         </p:nvCxnSpPr>
         <p:spPr>
           <a:xfrm rot="10800000">
-            <a:off x="23531237" y="7886974"/>
-            <a:ext cx="213914" cy="1067336"/>
+            <a:off x="5465967" y="14380362"/>
+            <a:ext cx="228869" cy="741435"/>
           </a:xfrm>
           <a:prstGeom prst="bentConnector2">
             <a:avLst/>
@@ -5106,7 +5102,7 @@
         </p:nvSpPr>
         <p:spPr>
           <a:xfrm>
-            <a:off x="25126793" y="10087883"/>
+            <a:off x="7061522" y="16581270"/>
             <a:ext cx="2020114" cy="419458"/>
           </a:xfrm>
           <a:prstGeom prst="rect">
@@ -5175,8 +5171,8 @@
         </p:nvCxnSpPr>
         <p:spPr>
           <a:xfrm rot="10800000">
-            <a:off x="24755221" y="9164058"/>
-            <a:ext cx="371594" cy="1133566"/>
+            <a:off x="6704892" y="15331525"/>
+            <a:ext cx="356630" cy="1459474"/>
           </a:xfrm>
           <a:prstGeom prst="bentConnector2">
             <a:avLst/>
@@ -5211,7 +5207,7 @@
         </p:nvSpPr>
         <p:spPr>
           <a:xfrm>
-            <a:off x="25126793" y="9396513"/>
+            <a:off x="7061522" y="15889900"/>
             <a:ext cx="2020114" cy="419458"/>
           </a:xfrm>
           <a:prstGeom prst="rect">
@@ -5267,8 +5263,8 @@
         </p:nvCxnSpPr>
         <p:spPr>
           <a:xfrm rot="10800000">
-            <a:off x="24755221" y="9164057"/>
-            <a:ext cx="371594" cy="442210"/>
+            <a:off x="6704892" y="15331525"/>
+            <a:ext cx="356630" cy="768104"/>
           </a:xfrm>
           <a:prstGeom prst="bentConnector2">
             <a:avLst/>
@@ -5303,7 +5299,7 @@
         </p:nvSpPr>
         <p:spPr>
           <a:xfrm>
-            <a:off x="22521180" y="7467516"/>
+            <a:off x="4455909" y="13960903"/>
             <a:ext cx="2020114" cy="419458"/>
           </a:xfrm>
           <a:prstGeom prst="rect">
@@ -5359,7 +5355,7 @@
         </p:nvCxnSpPr>
         <p:spPr>
           <a:xfrm rot="16200000" flipH="1">
-            <a:off x="22039801" y="7195901"/>
+            <a:off x="3974530" y="13689288"/>
             <a:ext cx="546243" cy="416461"/>
           </a:xfrm>
           <a:prstGeom prst="bentConnector2">
@@ -5395,7 +5391,7 @@
         </p:nvSpPr>
         <p:spPr>
           <a:xfrm>
-            <a:off x="28328111" y="7467516"/>
+            <a:off x="10262840" y="13960903"/>
             <a:ext cx="2020114" cy="419458"/>
           </a:xfrm>
           <a:prstGeom prst="rect">
@@ -5451,7 +5447,7 @@
         </p:nvCxnSpPr>
         <p:spPr>
           <a:xfrm rot="10800000">
-            <a:off x="27896023" y="7131012"/>
+            <a:off x="9830752" y="13624399"/>
             <a:ext cx="432079" cy="546243"/>
           </a:xfrm>
           <a:prstGeom prst="bentConnector2">
@@ -5487,7 +5483,7 @@
         </p:nvSpPr>
         <p:spPr>
           <a:xfrm>
-            <a:off x="28328111" y="8080842"/>
+            <a:off x="10262840" y="14574229"/>
             <a:ext cx="2020114" cy="419458"/>
           </a:xfrm>
           <a:prstGeom prst="rect">
@@ -5543,7 +5539,7 @@
         </p:nvCxnSpPr>
         <p:spPr>
           <a:xfrm rot="10800000">
-            <a:off x="27896023" y="7131017"/>
+            <a:off x="9830752" y="13624404"/>
             <a:ext cx="432079" cy="1159570"/>
           </a:xfrm>
           <a:prstGeom prst="bentConnector2">
@@ -5579,7 +5575,7 @@
         </p:nvSpPr>
         <p:spPr>
           <a:xfrm>
-            <a:off x="29626825" y="8923231"/>
+            <a:off x="11561554" y="15416618"/>
             <a:ext cx="2020114" cy="419458"/>
           </a:xfrm>
           <a:prstGeom prst="rect">
@@ -5631,7 +5627,7 @@
         </p:nvSpPr>
         <p:spPr>
           <a:xfrm>
-            <a:off x="31011442" y="9618719"/>
+            <a:off x="12946171" y="16112106"/>
             <a:ext cx="2020114" cy="419458"/>
           </a:xfrm>
           <a:prstGeom prst="rect">
@@ -5687,7 +5683,7 @@
         </p:nvCxnSpPr>
         <p:spPr>
           <a:xfrm rot="10800000">
-            <a:off x="30636881" y="9342682"/>
+            <a:off x="12571610" y="15836069"/>
             <a:ext cx="374560" cy="485765"/>
           </a:xfrm>
           <a:prstGeom prst="bentConnector2">
@@ -5727,7 +5723,7 @@
         </p:nvCxnSpPr>
         <p:spPr>
           <a:xfrm rot="10800000">
-            <a:off x="29338182" y="8500309"/>
+            <a:off x="11272911" y="14993696"/>
             <a:ext cx="288666" cy="632668"/>
           </a:xfrm>
           <a:prstGeom prst="bentConnector2">
@@ -5749,12 +5745,51 @@
           </a:fontRef>
         </p:style>
       </p:cxnSp>
-      <p:sp>
-        <p:nvSpPr>
-          <p:cNvPr id="418" name="직사각형 417">
-            <a:extLst>
-              <a:ext uri="{FF2B5EF4-FFF2-40B4-BE49-F238E27FC236}">
-                <a16:creationId xmlns:a16="http://schemas.microsoft.com/office/drawing/2014/main" id="{47BA3BA1-BCA4-49E3-9507-4C9415673530}"/>
+      <p:cxnSp>
+        <p:nvCxnSpPr>
+          <p:cNvPr id="419" name="연결선: 꺾임 418">
+            <a:extLst>
+              <a:ext uri="{FF2B5EF4-FFF2-40B4-BE49-F238E27FC236}">
+                <a16:creationId xmlns:a16="http://schemas.microsoft.com/office/drawing/2014/main" id="{1571584E-1C41-40A2-B711-98B9ED84C3FF}"/>
+              </a:ext>
+            </a:extLst>
+          </p:cNvPr>
+          <p:cNvCxnSpPr>
+            <a:cxnSpLocks/>
+            <a:endCxn id="365" idx="2"/>
+          </p:cNvCxnSpPr>
+          <p:nvPr/>
+        </p:nvCxnSpPr>
+        <p:spPr>
+          <a:xfrm rot="10800000">
+            <a:off x="16857963" y="13624399"/>
+            <a:ext cx="320662" cy="546243"/>
+          </a:xfrm>
+          <a:prstGeom prst="bentConnector2">
+            <a:avLst/>
+          </a:prstGeom>
+        </p:spPr>
+        <p:style>
+          <a:lnRef idx="1">
+            <a:schemeClr val="dk1"/>
+          </a:lnRef>
+          <a:fillRef idx="0">
+            <a:schemeClr val="dk1"/>
+          </a:fillRef>
+          <a:effectRef idx="0">
+            <a:schemeClr val="dk1"/>
+          </a:effectRef>
+          <a:fontRef idx="minor">
+            <a:schemeClr val="tx1"/>
+          </a:fontRef>
+        </p:style>
+      </p:cxnSp>
+      <p:sp>
+        <p:nvSpPr>
+          <p:cNvPr id="422" name="직사각형 421">
+            <a:extLst>
+              <a:ext uri="{FF2B5EF4-FFF2-40B4-BE49-F238E27FC236}">
+                <a16:creationId xmlns:a16="http://schemas.microsoft.com/office/drawing/2014/main" id="{9EA90BE3-13A8-4324-8BE6-489B1C2E2EE7}"/>
               </a:ext>
             </a:extLst>
           </p:cNvPr>
@@ -5763,7 +5798,7 @@
         </p:nvSpPr>
         <p:spPr>
           <a:xfrm>
-            <a:off x="35243889" y="7467516"/>
+            <a:off x="17172394" y="13970715"/>
             <a:ext cx="2020114" cy="419458"/>
           </a:xfrm>
           <a:prstGeom prst="rect">
@@ -5796,57 +5831,17 @@
             <a:pPr algn="ctr"/>
             <a:r>
               <a:rPr lang="ko-KR" altLang="en-US" sz="2000" b="1"/>
-              <a:t>기프티콘 상세보기</a:t>
-            </a:r>
-          </a:p>
-        </p:txBody>
-      </p:sp>
-      <p:cxnSp>
-        <p:nvCxnSpPr>
-          <p:cNvPr id="419" name="연결선: 꺾임 418">
-            <a:extLst>
-              <a:ext uri="{FF2B5EF4-FFF2-40B4-BE49-F238E27FC236}">
-                <a16:creationId xmlns:a16="http://schemas.microsoft.com/office/drawing/2014/main" id="{1571584E-1C41-40A2-B711-98B9ED84C3FF}"/>
-              </a:ext>
-            </a:extLst>
-          </p:cNvPr>
-          <p:cNvCxnSpPr>
-            <a:cxnSpLocks/>
-            <a:stCxn id="418" idx="1"/>
-            <a:endCxn id="365" idx="2"/>
-          </p:cNvCxnSpPr>
-          <p:nvPr/>
-        </p:nvCxnSpPr>
-        <p:spPr>
-          <a:xfrm rot="10800000">
-            <a:off x="34923234" y="7131012"/>
-            <a:ext cx="320662" cy="546243"/>
-          </a:xfrm>
-          <a:prstGeom prst="bentConnector2">
-            <a:avLst/>
-          </a:prstGeom>
-        </p:spPr>
-        <p:style>
-          <a:lnRef idx="1">
-            <a:schemeClr val="dk1"/>
-          </a:lnRef>
-          <a:fillRef idx="0">
-            <a:schemeClr val="dk1"/>
-          </a:fillRef>
-          <a:effectRef idx="0">
-            <a:schemeClr val="dk1"/>
-          </a:effectRef>
-          <a:fontRef idx="minor">
-            <a:schemeClr val="tx1"/>
-          </a:fontRef>
-        </p:style>
-      </p:cxnSp>
-      <p:sp>
-        <p:nvSpPr>
-          <p:cNvPr id="422" name="직사각형 421">
-            <a:extLst>
-              <a:ext uri="{FF2B5EF4-FFF2-40B4-BE49-F238E27FC236}">
-                <a16:creationId xmlns:a16="http://schemas.microsoft.com/office/drawing/2014/main" id="{9EA90BE3-13A8-4324-8BE6-489B1C2E2EE7}"/>
+              <a:t>기프티콘 구매</a:t>
+            </a:r>
+          </a:p>
+        </p:txBody>
+      </p:sp>
+      <p:sp>
+        <p:nvSpPr>
+          <p:cNvPr id="430" name="직사각형 429">
+            <a:extLst>
+              <a:ext uri="{FF2B5EF4-FFF2-40B4-BE49-F238E27FC236}">
+                <a16:creationId xmlns:a16="http://schemas.microsoft.com/office/drawing/2014/main" id="{06654E1D-760B-4E5F-BAFA-2C85FB17566A}"/>
               </a:ext>
             </a:extLst>
           </p:cNvPr>
@@ -5855,7 +5850,7 @@
         </p:nvSpPr>
         <p:spPr>
           <a:xfrm>
-            <a:off x="36529161" y="8080842"/>
+            <a:off x="21740399" y="13960896"/>
             <a:ext cx="2020114" cy="419458"/>
           </a:xfrm>
           <a:prstGeom prst="rect">
@@ -5888,31 +5883,31 @@
             <a:pPr algn="ctr"/>
             <a:r>
               <a:rPr lang="ko-KR" altLang="en-US" sz="2000" b="1"/>
-              <a:t>기프티콘 구매</a:t>
+              <a:t>건의사항 상세보기</a:t>
             </a:r>
           </a:p>
         </p:txBody>
       </p:sp>
       <p:cxnSp>
         <p:nvCxnSpPr>
-          <p:cNvPr id="423" name="연결선: 꺾임 422">
-            <a:extLst>
-              <a:ext uri="{FF2B5EF4-FFF2-40B4-BE49-F238E27FC236}">
-                <a16:creationId xmlns:a16="http://schemas.microsoft.com/office/drawing/2014/main" id="{D19C929A-0E98-44E2-9F04-473E5C00200F}"/>
+          <p:cNvPr id="431" name="연결선: 꺾임 430">
+            <a:extLst>
+              <a:ext uri="{FF2B5EF4-FFF2-40B4-BE49-F238E27FC236}">
+                <a16:creationId xmlns:a16="http://schemas.microsoft.com/office/drawing/2014/main" id="{84799C4A-0C53-4B82-8036-119376B26C4D}"/>
               </a:ext>
             </a:extLst>
           </p:cNvPr>
           <p:cNvCxnSpPr>
             <a:cxnSpLocks/>
-            <a:stCxn id="422" idx="1"/>
-            <a:endCxn id="418" idx="2"/>
+            <a:stCxn id="430" idx="1"/>
+            <a:endCxn id="366" idx="2"/>
           </p:cNvCxnSpPr>
           <p:nvPr/>
         </p:nvCxnSpPr>
         <p:spPr>
           <a:xfrm rot="10800000">
-            <a:off x="36253944" y="7886989"/>
-            <a:ext cx="275222" cy="403604"/>
+            <a:off x="21308897" y="13624399"/>
+            <a:ext cx="431491" cy="546243"/>
           </a:xfrm>
           <a:prstGeom prst="bentConnector2">
             <a:avLst/>
@@ -5935,10 +5930,10 @@
       </p:cxnSp>
       <p:sp>
         <p:nvSpPr>
-          <p:cNvPr id="426" name="직사각형 425">
-            <a:extLst>
-              <a:ext uri="{FF2B5EF4-FFF2-40B4-BE49-F238E27FC236}">
-                <a16:creationId xmlns:a16="http://schemas.microsoft.com/office/drawing/2014/main" id="{C7BF71C9-D957-4CE5-8560-23FCF1AEFE85}"/>
+          <p:cNvPr id="434" name="직사각형 433">
+            <a:extLst>
+              <a:ext uri="{FF2B5EF4-FFF2-40B4-BE49-F238E27FC236}">
+                <a16:creationId xmlns:a16="http://schemas.microsoft.com/office/drawing/2014/main" id="{3309DB71-985B-4B81-A862-926908990E96}"/>
               </a:ext>
             </a:extLst>
           </p:cNvPr>
@@ -5947,7 +5942,7 @@
         </p:nvSpPr>
         <p:spPr>
           <a:xfrm>
-            <a:off x="17908414" y="5804826"/>
+            <a:off x="21703390" y="15902376"/>
             <a:ext cx="2020114" cy="419458"/>
           </a:xfrm>
           <a:prstGeom prst="rect">
@@ -5980,31 +5975,31 @@
             <a:pPr algn="ctr"/>
             <a:r>
               <a:rPr lang="ko-KR" altLang="en-US" sz="2000" b="1"/>
-              <a:t>기프티콘 상세보기</a:t>
+              <a:t>건의사항 작성</a:t>
             </a:r>
           </a:p>
         </p:txBody>
       </p:sp>
       <p:cxnSp>
         <p:nvCxnSpPr>
-          <p:cNvPr id="427" name="연결선: 꺾임 426">
-            <a:extLst>
-              <a:ext uri="{FF2B5EF4-FFF2-40B4-BE49-F238E27FC236}">
-                <a16:creationId xmlns:a16="http://schemas.microsoft.com/office/drawing/2014/main" id="{51AD778A-4675-4CCA-9529-18C8E21B1241}"/>
+          <p:cNvPr id="435" name="연결선: 꺾임 434">
+            <a:extLst>
+              <a:ext uri="{FF2B5EF4-FFF2-40B4-BE49-F238E27FC236}">
+                <a16:creationId xmlns:a16="http://schemas.microsoft.com/office/drawing/2014/main" id="{4F5D1A8E-86B2-43BB-BFF8-7C1149AF25DB}"/>
               </a:ext>
             </a:extLst>
           </p:cNvPr>
           <p:cNvCxnSpPr>
             <a:cxnSpLocks/>
-            <a:stCxn id="426" idx="1"/>
-            <a:endCxn id="357" idx="2"/>
+            <a:stCxn id="434" idx="1"/>
+            <a:endCxn id="366" idx="2"/>
           </p:cNvCxnSpPr>
           <p:nvPr/>
         </p:nvCxnSpPr>
         <p:spPr>
           <a:xfrm rot="10800000">
-            <a:off x="17656834" y="5468322"/>
-            <a:ext cx="251572" cy="546243"/>
+            <a:off x="21308910" y="13624389"/>
+            <a:ext cx="394480" cy="2487717"/>
           </a:xfrm>
           <a:prstGeom prst="bentConnector2">
             <a:avLst/>
@@ -6027,10 +6022,10 @@
       </p:cxnSp>
       <p:sp>
         <p:nvSpPr>
-          <p:cNvPr id="430" name="직사각형 429">
-            <a:extLst>
-              <a:ext uri="{FF2B5EF4-FFF2-40B4-BE49-F238E27FC236}">
-                <a16:creationId xmlns:a16="http://schemas.microsoft.com/office/drawing/2014/main" id="{06654E1D-760B-4E5F-BAFA-2C85FB17566A}"/>
+          <p:cNvPr id="438" name="직사각형 437">
+            <a:extLst>
+              <a:ext uri="{FF2B5EF4-FFF2-40B4-BE49-F238E27FC236}">
+                <a16:creationId xmlns:a16="http://schemas.microsoft.com/office/drawing/2014/main" id="{BBB08D3B-7E05-4333-B4DA-FFA3981359F1}"/>
               </a:ext>
             </a:extLst>
           </p:cNvPr>
@@ -6039,8 +6034,8 @@
         </p:nvSpPr>
         <p:spPr>
           <a:xfrm>
-            <a:off x="39805670" y="7467509"/>
-            <a:ext cx="2020114" cy="419458"/>
+            <a:off x="35694345" y="11155196"/>
+            <a:ext cx="1314275" cy="419458"/>
           </a:xfrm>
           <a:prstGeom prst="rect">
             <a:avLst/>
@@ -6072,34 +6067,36 @@
             <a:pPr algn="ctr"/>
             <a:r>
               <a:rPr lang="ko-KR" altLang="en-US" sz="2000" b="1"/>
-              <a:t>건의사항 상세보기</a:t>
+              <a:t>관리자</a:t>
             </a:r>
           </a:p>
         </p:txBody>
       </p:sp>
       <p:cxnSp>
         <p:nvCxnSpPr>
-          <p:cNvPr id="431" name="연결선: 꺾임 430">
-            <a:extLst>
-              <a:ext uri="{FF2B5EF4-FFF2-40B4-BE49-F238E27FC236}">
-                <a16:creationId xmlns:a16="http://schemas.microsoft.com/office/drawing/2014/main" id="{84799C4A-0C53-4B82-8036-119376B26C4D}"/>
+          <p:cNvPr id="439" name="연결선: 꺾임 438">
+            <a:extLst>
+              <a:ext uri="{FF2B5EF4-FFF2-40B4-BE49-F238E27FC236}">
+                <a16:creationId xmlns:a16="http://schemas.microsoft.com/office/drawing/2014/main" id="{030DCC80-5BF0-4276-8DB2-FB0F2FF1C93A}"/>
               </a:ext>
             </a:extLst>
           </p:cNvPr>
           <p:cNvCxnSpPr>
             <a:cxnSpLocks/>
-            <a:stCxn id="430" idx="1"/>
-            <a:endCxn id="366" idx="2"/>
+            <a:stCxn id="141" idx="2"/>
+            <a:endCxn id="438" idx="0"/>
           </p:cNvCxnSpPr>
           <p:nvPr/>
         </p:nvCxnSpPr>
         <p:spPr>
-          <a:xfrm rot="10800000">
-            <a:off x="39374168" y="7131012"/>
-            <a:ext cx="431491" cy="546243"/>
-          </a:xfrm>
-          <a:prstGeom prst="bentConnector2">
-            <a:avLst/>
+          <a:xfrm rot="16200000" flipH="1">
+            <a:off x="29132204" y="3935916"/>
+            <a:ext cx="7724125" cy="6714434"/>
+          </a:xfrm>
+          <a:prstGeom prst="bentConnector3">
+            <a:avLst>
+              <a:gd name="adj1" fmla="val 50000"/>
+            </a:avLst>
           </a:prstGeom>
         </p:spPr>
         <p:style>
@@ -6119,10 +6116,10 @@
       </p:cxnSp>
       <p:sp>
         <p:nvSpPr>
-          <p:cNvPr id="434" name="직사각형 433">
-            <a:extLst>
-              <a:ext uri="{FF2B5EF4-FFF2-40B4-BE49-F238E27FC236}">
-                <a16:creationId xmlns:a16="http://schemas.microsoft.com/office/drawing/2014/main" id="{3309DB71-985B-4B81-A862-926908990E96}"/>
+          <p:cNvPr id="448" name="직사각형 447">
+            <a:extLst>
+              <a:ext uri="{FF2B5EF4-FFF2-40B4-BE49-F238E27FC236}">
+                <a16:creationId xmlns:a16="http://schemas.microsoft.com/office/drawing/2014/main" id="{D778AED1-F241-42FC-B583-E0BC7BB7D9B4}"/>
               </a:ext>
             </a:extLst>
           </p:cNvPr>
@@ -6131,8 +6128,8 @@
         </p:nvSpPr>
         <p:spPr>
           <a:xfrm>
-            <a:off x="39805670" y="8088766"/>
-            <a:ext cx="2020114" cy="419458"/>
+            <a:off x="32319818" y="22798087"/>
+            <a:ext cx="2258402" cy="337620"/>
           </a:xfrm>
           <a:prstGeom prst="rect">
             <a:avLst/>
@@ -6164,57 +6161,17 @@
             <a:pPr algn="ctr"/>
             <a:r>
               <a:rPr lang="ko-KR" altLang="en-US" sz="2000" b="1"/>
-              <a:t>건의사항 작성</a:t>
-            </a:r>
-          </a:p>
-        </p:txBody>
-      </p:sp>
-      <p:cxnSp>
-        <p:nvCxnSpPr>
-          <p:cNvPr id="435" name="연결선: 꺾임 434">
-            <a:extLst>
-              <a:ext uri="{FF2B5EF4-FFF2-40B4-BE49-F238E27FC236}">
-                <a16:creationId xmlns:a16="http://schemas.microsoft.com/office/drawing/2014/main" id="{4F5D1A8E-86B2-43BB-BFF8-7C1149AF25DB}"/>
-              </a:ext>
-            </a:extLst>
-          </p:cNvPr>
-          <p:cNvCxnSpPr>
-            <a:cxnSpLocks/>
-            <a:stCxn id="434" idx="1"/>
-            <a:endCxn id="366" idx="2"/>
-          </p:cNvCxnSpPr>
-          <p:nvPr/>
-        </p:nvCxnSpPr>
-        <p:spPr>
-          <a:xfrm rot="10800000">
-            <a:off x="39374168" y="7130992"/>
-            <a:ext cx="431491" cy="1167501"/>
-          </a:xfrm>
-          <a:prstGeom prst="bentConnector2">
-            <a:avLst/>
-          </a:prstGeom>
-        </p:spPr>
-        <p:style>
-          <a:lnRef idx="1">
-            <a:schemeClr val="dk1"/>
-          </a:lnRef>
-          <a:fillRef idx="0">
-            <a:schemeClr val="dk1"/>
-          </a:fillRef>
-          <a:effectRef idx="0">
-            <a:schemeClr val="dk1"/>
-          </a:effectRef>
-          <a:fontRef idx="minor">
-            <a:schemeClr val="tx1"/>
-          </a:fontRef>
-        </p:style>
-      </p:cxnSp>
-      <p:sp>
-        <p:nvSpPr>
-          <p:cNvPr id="438" name="직사각형 437">
-            <a:extLst>
-              <a:ext uri="{FF2B5EF4-FFF2-40B4-BE49-F238E27FC236}">
-                <a16:creationId xmlns:a16="http://schemas.microsoft.com/office/drawing/2014/main" id="{BBB08D3B-7E05-4333-B4DA-FFA3981359F1}"/>
+              <a:t>영화 관리</a:t>
+            </a:r>
+          </a:p>
+        </p:txBody>
+      </p:sp>
+      <p:sp>
+        <p:nvSpPr>
+          <p:cNvPr id="453" name="직사각형 452">
+            <a:extLst>
+              <a:ext uri="{FF2B5EF4-FFF2-40B4-BE49-F238E27FC236}">
+                <a16:creationId xmlns:a16="http://schemas.microsoft.com/office/drawing/2014/main" id="{FE4D3A97-4FDB-46D3-8397-99FCE148247D}"/>
               </a:ext>
             </a:extLst>
           </p:cNvPr>
@@ -6223,8 +6180,8 @@
         </p:nvSpPr>
         <p:spPr>
           <a:xfrm>
-            <a:off x="43231542" y="16794756"/>
-            <a:ext cx="1314275" cy="419458"/>
+            <a:off x="27468640" y="18863016"/>
+            <a:ext cx="1484457" cy="419458"/>
           </a:xfrm>
           <a:prstGeom prst="rect">
             <a:avLst/>
@@ -6256,35 +6213,35 @@
             <a:pPr algn="ctr"/>
             <a:r>
               <a:rPr lang="ko-KR" altLang="en-US" sz="2000" b="1"/>
-              <a:t>관리자</a:t>
+              <a:t>건의사항</a:t>
             </a:r>
           </a:p>
         </p:txBody>
       </p:sp>
       <p:cxnSp>
         <p:nvCxnSpPr>
-          <p:cNvPr id="439" name="연결선: 꺾임 438">
-            <a:extLst>
-              <a:ext uri="{FF2B5EF4-FFF2-40B4-BE49-F238E27FC236}">
-                <a16:creationId xmlns:a16="http://schemas.microsoft.com/office/drawing/2014/main" id="{030DCC80-5BF0-4276-8DB2-FB0F2FF1C93A}"/>
+          <p:cNvPr id="454" name="연결선: 꺾임 453">
+            <a:extLst>
+              <a:ext uri="{FF2B5EF4-FFF2-40B4-BE49-F238E27FC236}">
+                <a16:creationId xmlns:a16="http://schemas.microsoft.com/office/drawing/2014/main" id="{1875EA55-98A0-4458-81E7-90FE285CC684}"/>
               </a:ext>
             </a:extLst>
           </p:cNvPr>
           <p:cNvCxnSpPr>
             <a:cxnSpLocks/>
-            <a:stCxn id="141" idx="2"/>
-            <a:endCxn id="438" idx="0"/>
+            <a:stCxn id="438" idx="2"/>
+            <a:endCxn id="453" idx="0"/>
           </p:cNvCxnSpPr>
           <p:nvPr/>
         </p:nvCxnSpPr>
         <p:spPr>
-          <a:xfrm rot="16200000" flipH="1">
-            <a:off x="30081022" y="2987097"/>
-            <a:ext cx="13363685" cy="14251631"/>
+          <a:xfrm rot="5400000">
+            <a:off x="28636995" y="11148528"/>
+            <a:ext cx="7288362" cy="8140614"/>
           </a:xfrm>
           <a:prstGeom prst="bentConnector3">
             <a:avLst>
-              <a:gd name="adj1" fmla="val 4752"/>
+              <a:gd name="adj1" fmla="val 50000"/>
             </a:avLst>
           </a:prstGeom>
         </p:spPr>
@@ -6305,10 +6262,10 @@
       </p:cxnSp>
       <p:sp>
         <p:nvSpPr>
-          <p:cNvPr id="448" name="직사각형 447">
-            <a:extLst>
-              <a:ext uri="{FF2B5EF4-FFF2-40B4-BE49-F238E27FC236}">
-                <a16:creationId xmlns:a16="http://schemas.microsoft.com/office/drawing/2014/main" id="{D778AED1-F241-42FC-B583-E0BC7BB7D9B4}"/>
+          <p:cNvPr id="462" name="직사각형 461">
+            <a:extLst>
+              <a:ext uri="{FF2B5EF4-FFF2-40B4-BE49-F238E27FC236}">
+                <a16:creationId xmlns:a16="http://schemas.microsoft.com/office/drawing/2014/main" id="{21C9A0A8-5CAD-452B-AF3B-7C8D8CFB9A69}"/>
               </a:ext>
             </a:extLst>
           </p:cNvPr>
@@ -6317,8 +6274,8 @@
         </p:nvSpPr>
         <p:spPr>
           <a:xfrm>
-            <a:off x="32319819" y="24075442"/>
-            <a:ext cx="2258402" cy="337620"/>
+            <a:off x="30604085" y="18863016"/>
+            <a:ext cx="2258402" cy="419458"/>
           </a:xfrm>
           <a:prstGeom prst="rect">
             <a:avLst/>
@@ -6350,17 +6307,59 @@
             <a:pPr algn="ctr"/>
             <a:r>
               <a:rPr lang="ko-KR" altLang="en-US" sz="2000" b="1"/>
-              <a:t>영화 관리</a:t>
-            </a:r>
-          </a:p>
-        </p:txBody>
-      </p:sp>
-      <p:sp>
-        <p:nvSpPr>
-          <p:cNvPr id="453" name="직사각형 452">
-            <a:extLst>
-              <a:ext uri="{FF2B5EF4-FFF2-40B4-BE49-F238E27FC236}">
-                <a16:creationId xmlns:a16="http://schemas.microsoft.com/office/drawing/2014/main" id="{FE4D3A97-4FDB-46D3-8397-99FCE148247D}"/>
+              <a:t>관리자 페이지</a:t>
+            </a:r>
+          </a:p>
+        </p:txBody>
+      </p:sp>
+      <p:cxnSp>
+        <p:nvCxnSpPr>
+          <p:cNvPr id="463" name="연결선: 꺾임 462">
+            <a:extLst>
+              <a:ext uri="{FF2B5EF4-FFF2-40B4-BE49-F238E27FC236}">
+                <a16:creationId xmlns:a16="http://schemas.microsoft.com/office/drawing/2014/main" id="{2D68DE2E-6470-495C-889C-979C02EADCF2}"/>
+              </a:ext>
+            </a:extLst>
+          </p:cNvPr>
+          <p:cNvCxnSpPr>
+            <a:cxnSpLocks/>
+            <a:stCxn id="438" idx="2"/>
+            <a:endCxn id="462" idx="0"/>
+          </p:cNvCxnSpPr>
+          <p:nvPr/>
+        </p:nvCxnSpPr>
+        <p:spPr>
+          <a:xfrm rot="5400000">
+            <a:off x="30398204" y="12909737"/>
+            <a:ext cx="7288362" cy="4618197"/>
+          </a:xfrm>
+          <a:prstGeom prst="bentConnector3">
+            <a:avLst>
+              <a:gd name="adj1" fmla="val 50000"/>
+            </a:avLst>
+          </a:prstGeom>
+        </p:spPr>
+        <p:style>
+          <a:lnRef idx="1">
+            <a:schemeClr val="dk1"/>
+          </a:lnRef>
+          <a:fillRef idx="0">
+            <a:schemeClr val="dk1"/>
+          </a:fillRef>
+          <a:effectRef idx="0">
+            <a:schemeClr val="dk1"/>
+          </a:effectRef>
+          <a:fontRef idx="minor">
+            <a:schemeClr val="tx1"/>
+          </a:fontRef>
+        </p:style>
+      </p:cxnSp>
+      <p:sp>
+        <p:nvSpPr>
+          <p:cNvPr id="466" name="직사각형 465">
+            <a:extLst>
+              <a:ext uri="{FF2B5EF4-FFF2-40B4-BE49-F238E27FC236}">
+                <a16:creationId xmlns:a16="http://schemas.microsoft.com/office/drawing/2014/main" id="{A8F8794F-1492-4739-A625-E6BB7638C2E4}"/>
               </a:ext>
             </a:extLst>
           </p:cNvPr>
@@ -6369,8 +6368,8 @@
         </p:nvSpPr>
         <p:spPr>
           <a:xfrm>
-            <a:off x="27468640" y="18863016"/>
-            <a:ext cx="1484457" cy="419458"/>
+            <a:off x="32319819" y="19593190"/>
+            <a:ext cx="2258402" cy="419458"/>
           </a:xfrm>
           <a:prstGeom prst="rect">
             <a:avLst/>
@@ -6402,36 +6401,34 @@
             <a:pPr algn="ctr"/>
             <a:r>
               <a:rPr lang="ko-KR" altLang="en-US" sz="2000" b="1"/>
-              <a:t>건의사항</a:t>
+              <a:t>기프티콘 관리</a:t>
             </a:r>
           </a:p>
         </p:txBody>
       </p:sp>
       <p:cxnSp>
         <p:nvCxnSpPr>
-          <p:cNvPr id="454" name="연결선: 꺾임 453">
-            <a:extLst>
-              <a:ext uri="{FF2B5EF4-FFF2-40B4-BE49-F238E27FC236}">
-                <a16:creationId xmlns:a16="http://schemas.microsoft.com/office/drawing/2014/main" id="{1875EA55-98A0-4458-81E7-90FE285CC684}"/>
+          <p:cNvPr id="467" name="연결선: 꺾임 466">
+            <a:extLst>
+              <a:ext uri="{FF2B5EF4-FFF2-40B4-BE49-F238E27FC236}">
+                <a16:creationId xmlns:a16="http://schemas.microsoft.com/office/drawing/2014/main" id="{2466BB86-1253-480A-B99F-EA5451879850}"/>
               </a:ext>
             </a:extLst>
           </p:cNvPr>
           <p:cNvCxnSpPr>
             <a:cxnSpLocks/>
-            <a:stCxn id="438" idx="2"/>
-            <a:endCxn id="453" idx="0"/>
+            <a:stCxn id="462" idx="2"/>
+            <a:endCxn id="466" idx="1"/>
           </p:cNvCxnSpPr>
           <p:nvPr/>
         </p:nvCxnSpPr>
         <p:spPr>
-          <a:xfrm rot="5400000">
-            <a:off x="35225374" y="10199710"/>
-            <a:ext cx="1648802" cy="15677811"/>
-          </a:xfrm>
-          <a:prstGeom prst="bentConnector3">
-            <a:avLst>
-              <a:gd name="adj1" fmla="val 50000"/>
-            </a:avLst>
+          <a:xfrm rot="16200000" flipH="1">
+            <a:off x="31766359" y="19249459"/>
+            <a:ext cx="520442" cy="586532"/>
+          </a:xfrm>
+          <a:prstGeom prst="bentConnector2">
+            <a:avLst/>
           </a:prstGeom>
         </p:spPr>
         <p:style>
@@ -6451,10 +6448,10 @@
       </p:cxnSp>
       <p:sp>
         <p:nvSpPr>
-          <p:cNvPr id="462" name="직사각형 461">
-            <a:extLst>
-              <a:ext uri="{FF2B5EF4-FFF2-40B4-BE49-F238E27FC236}">
-                <a16:creationId xmlns:a16="http://schemas.microsoft.com/office/drawing/2014/main" id="{21C9A0A8-5CAD-452B-AF3B-7C8D8CFB9A69}"/>
+          <p:cNvPr id="475" name="직사각형 474">
+            <a:extLst>
+              <a:ext uri="{FF2B5EF4-FFF2-40B4-BE49-F238E27FC236}">
+                <a16:creationId xmlns:a16="http://schemas.microsoft.com/office/drawing/2014/main" id="{D6D895C9-3E1B-48BE-954F-8D0CFDD7E072}"/>
               </a:ext>
             </a:extLst>
           </p:cNvPr>
@@ -6463,7 +6460,7 @@
         </p:nvSpPr>
         <p:spPr>
           <a:xfrm>
-            <a:off x="30604085" y="18863016"/>
+            <a:off x="33805516" y="20971849"/>
             <a:ext cx="2258402" cy="419458"/>
           </a:xfrm>
           <a:prstGeom prst="rect">
@@ -6496,36 +6493,34 @@
             <a:pPr algn="ctr"/>
             <a:r>
               <a:rPr lang="ko-KR" altLang="en-US" sz="2000" b="1"/>
-              <a:t>관리자 페이지</a:t>
+              <a:t>기프티콘 등록</a:t>
             </a:r>
           </a:p>
         </p:txBody>
       </p:sp>
       <p:cxnSp>
         <p:nvCxnSpPr>
-          <p:cNvPr id="463" name="연결선: 꺾임 462">
-            <a:extLst>
-              <a:ext uri="{FF2B5EF4-FFF2-40B4-BE49-F238E27FC236}">
-                <a16:creationId xmlns:a16="http://schemas.microsoft.com/office/drawing/2014/main" id="{2D68DE2E-6470-495C-889C-979C02EADCF2}"/>
+          <p:cNvPr id="476" name="연결선: 꺾임 475">
+            <a:extLst>
+              <a:ext uri="{FF2B5EF4-FFF2-40B4-BE49-F238E27FC236}">
+                <a16:creationId xmlns:a16="http://schemas.microsoft.com/office/drawing/2014/main" id="{6AFA4425-D2CF-41CB-8452-235A7F9A5B2A}"/>
               </a:ext>
             </a:extLst>
           </p:cNvPr>
           <p:cNvCxnSpPr>
             <a:cxnSpLocks/>
-            <a:stCxn id="438" idx="2"/>
-            <a:endCxn id="462" idx="0"/>
+            <a:stCxn id="466" idx="2"/>
+            <a:endCxn id="475" idx="1"/>
           </p:cNvCxnSpPr>
           <p:nvPr/>
         </p:nvCxnSpPr>
         <p:spPr>
-          <a:xfrm rot="5400000">
-            <a:off x="36986582" y="11960918"/>
-            <a:ext cx="1648802" cy="12155394"/>
-          </a:xfrm>
-          <a:prstGeom prst="bentConnector3">
-            <a:avLst>
-              <a:gd name="adj1" fmla="val 50000"/>
-            </a:avLst>
+          <a:xfrm rot="16200000" flipH="1">
+            <a:off x="33042803" y="20418865"/>
+            <a:ext cx="1168930" cy="356496"/>
+          </a:xfrm>
+          <a:prstGeom prst="bentConnector2">
+            <a:avLst/>
           </a:prstGeom>
         </p:spPr>
         <p:style>
@@ -6545,10 +6540,10 @@
       </p:cxnSp>
       <p:sp>
         <p:nvSpPr>
-          <p:cNvPr id="466" name="직사각형 465">
-            <a:extLst>
-              <a:ext uri="{FF2B5EF4-FFF2-40B4-BE49-F238E27FC236}">
-                <a16:creationId xmlns:a16="http://schemas.microsoft.com/office/drawing/2014/main" id="{A8F8794F-1492-4739-A625-E6BB7638C2E4}"/>
+          <p:cNvPr id="479" name="직사각형 478">
+            <a:extLst>
+              <a:ext uri="{FF2B5EF4-FFF2-40B4-BE49-F238E27FC236}">
+                <a16:creationId xmlns:a16="http://schemas.microsoft.com/office/drawing/2014/main" id="{2CF4703B-41D0-41FE-99BD-0CDB7058DC4F}"/>
               </a:ext>
             </a:extLst>
           </p:cNvPr>
@@ -6557,7 +6552,7 @@
         </p:nvSpPr>
         <p:spPr>
           <a:xfrm>
-            <a:off x="32319819" y="19593190"/>
+            <a:off x="33808424" y="21671239"/>
             <a:ext cx="2258402" cy="419458"/>
           </a:xfrm>
           <a:prstGeom prst="rect">
@@ -6590,31 +6585,31 @@
             <a:pPr algn="ctr"/>
             <a:r>
               <a:rPr lang="ko-KR" altLang="en-US" sz="2000" b="1"/>
-              <a:t>기프티콘 관리</a:t>
+              <a:t>기프티콘 수정</a:t>
             </a:r>
           </a:p>
         </p:txBody>
       </p:sp>
       <p:cxnSp>
         <p:nvCxnSpPr>
-          <p:cNvPr id="467" name="연결선: 꺾임 466">
-            <a:extLst>
-              <a:ext uri="{FF2B5EF4-FFF2-40B4-BE49-F238E27FC236}">
-                <a16:creationId xmlns:a16="http://schemas.microsoft.com/office/drawing/2014/main" id="{2466BB86-1253-480A-B99F-EA5451879850}"/>
+          <p:cNvPr id="481" name="연결선: 꺾임 480">
+            <a:extLst>
+              <a:ext uri="{FF2B5EF4-FFF2-40B4-BE49-F238E27FC236}">
+                <a16:creationId xmlns:a16="http://schemas.microsoft.com/office/drawing/2014/main" id="{F6093A8C-60B5-4E20-B6CB-F2552356C063}"/>
               </a:ext>
             </a:extLst>
           </p:cNvPr>
           <p:cNvCxnSpPr>
             <a:cxnSpLocks/>
-            <a:stCxn id="462" idx="2"/>
-            <a:endCxn id="466" idx="1"/>
+            <a:stCxn id="466" idx="2"/>
+            <a:endCxn id="479" idx="1"/>
           </p:cNvCxnSpPr>
           <p:nvPr/>
         </p:nvCxnSpPr>
         <p:spPr>
           <a:xfrm rot="16200000" flipH="1">
-            <a:off x="31766359" y="19249459"/>
-            <a:ext cx="520442" cy="586532"/>
+            <a:off x="32694562" y="20767106"/>
+            <a:ext cx="1868320" cy="359404"/>
           </a:xfrm>
           <a:prstGeom prst="bentConnector2">
             <a:avLst/>
@@ -6635,12 +6630,52 @@
           </a:fontRef>
         </p:style>
       </p:cxnSp>
-      <p:sp>
-        <p:nvSpPr>
-          <p:cNvPr id="470" name="직사각형 469">
-            <a:extLst>
-              <a:ext uri="{FF2B5EF4-FFF2-40B4-BE49-F238E27FC236}">
-                <a16:creationId xmlns:a16="http://schemas.microsoft.com/office/drawing/2014/main" id="{31B1E599-6910-4C11-A66F-031C6863BF93}"/>
+      <p:cxnSp>
+        <p:nvCxnSpPr>
+          <p:cNvPr id="484" name="연결선: 꺾임 483">
+            <a:extLst>
+              <a:ext uri="{FF2B5EF4-FFF2-40B4-BE49-F238E27FC236}">
+                <a16:creationId xmlns:a16="http://schemas.microsoft.com/office/drawing/2014/main" id="{E4975866-4D6A-4C07-B54C-2CA503C48721}"/>
+              </a:ext>
+            </a:extLst>
+          </p:cNvPr>
+          <p:cNvCxnSpPr>
+            <a:cxnSpLocks/>
+            <a:stCxn id="466" idx="2"/>
+            <a:endCxn id="490" idx="1"/>
+          </p:cNvCxnSpPr>
+          <p:nvPr/>
+        </p:nvCxnSpPr>
+        <p:spPr>
+          <a:xfrm rot="16200000" flipH="1">
+            <a:off x="33399221" y="20062447"/>
+            <a:ext cx="456095" cy="356496"/>
+          </a:xfrm>
+          <a:prstGeom prst="bentConnector2">
+            <a:avLst/>
+          </a:prstGeom>
+        </p:spPr>
+        <p:style>
+          <a:lnRef idx="1">
+            <a:schemeClr val="dk1"/>
+          </a:lnRef>
+          <a:fillRef idx="0">
+            <a:schemeClr val="dk1"/>
+          </a:fillRef>
+          <a:effectRef idx="0">
+            <a:schemeClr val="dk1"/>
+          </a:effectRef>
+          <a:fontRef idx="minor">
+            <a:schemeClr val="tx1"/>
+          </a:fontRef>
+        </p:style>
+      </p:cxnSp>
+      <p:sp>
+        <p:nvSpPr>
+          <p:cNvPr id="490" name="직사각형 489">
+            <a:extLst>
+              <a:ext uri="{FF2B5EF4-FFF2-40B4-BE49-F238E27FC236}">
+                <a16:creationId xmlns:a16="http://schemas.microsoft.com/office/drawing/2014/main" id="{F86D44DC-5A77-425C-AD65-A33A14452DD0}"/>
               </a:ext>
             </a:extLst>
           </p:cNvPr>
@@ -6649,7 +6684,7 @@
         </p:nvSpPr>
         <p:spPr>
           <a:xfrm>
-            <a:off x="33785003" y="20299986"/>
+            <a:off x="33805516" y="20259014"/>
             <a:ext cx="2258402" cy="419458"/>
           </a:xfrm>
           <a:prstGeom prst="rect">
@@ -6681,58 +6716,22 @@
           <a:p>
             <a:pPr algn="ctr"/>
             <a:r>
-              <a:rPr lang="ko-KR" altLang="en-US" sz="2000" b="1"/>
-              <a:t>기프티콘 관리</a:t>
-            </a:r>
-          </a:p>
-        </p:txBody>
-      </p:sp>
-      <p:cxnSp>
-        <p:nvCxnSpPr>
-          <p:cNvPr id="471" name="연결선: 꺾임 470">
-            <a:extLst>
-              <a:ext uri="{FF2B5EF4-FFF2-40B4-BE49-F238E27FC236}">
-                <a16:creationId xmlns:a16="http://schemas.microsoft.com/office/drawing/2014/main" id="{CCA66586-7D42-4417-978A-4F503C5A935B}"/>
-              </a:ext>
-            </a:extLst>
-          </p:cNvPr>
-          <p:cNvCxnSpPr>
-            <a:cxnSpLocks/>
-            <a:stCxn id="466" idx="2"/>
-            <a:endCxn id="470" idx="1"/>
-          </p:cNvCxnSpPr>
-          <p:nvPr/>
-        </p:nvCxnSpPr>
-        <p:spPr>
-          <a:xfrm rot="16200000" flipH="1">
-            <a:off x="33368467" y="20093190"/>
-            <a:ext cx="497067" cy="335977"/>
-          </a:xfrm>
-          <a:prstGeom prst="bentConnector2">
-            <a:avLst/>
-          </a:prstGeom>
-        </p:spPr>
-        <p:style>
-          <a:lnRef idx="1">
-            <a:schemeClr val="dk1"/>
-          </a:lnRef>
-          <a:fillRef idx="0">
-            <a:schemeClr val="dk1"/>
-          </a:fillRef>
-          <a:effectRef idx="0">
-            <a:schemeClr val="dk1"/>
-          </a:effectRef>
-          <a:fontRef idx="minor">
-            <a:schemeClr val="tx1"/>
-          </a:fontRef>
-        </p:style>
-      </p:cxnSp>
-      <p:sp>
-        <p:nvSpPr>
-          <p:cNvPr id="475" name="직사각형 474">
-            <a:extLst>
-              <a:ext uri="{FF2B5EF4-FFF2-40B4-BE49-F238E27FC236}">
-                <a16:creationId xmlns:a16="http://schemas.microsoft.com/office/drawing/2014/main" id="{D6D895C9-3E1B-48BE-954F-8D0CFDD7E072}"/>
+              <a:rPr lang="ko-KR" altLang="en-US" sz="2000" b="1" dirty="0" err="1"/>
+              <a:t>기프티콘</a:t>
+            </a:r>
+            <a:r>
+              <a:rPr lang="ko-KR" altLang="en-US" sz="2000" b="1" dirty="0"/>
+              <a:t> 삭제</a:t>
+            </a:r>
+          </a:p>
+        </p:txBody>
+      </p:sp>
+      <p:sp>
+        <p:nvSpPr>
+          <p:cNvPr id="504" name="직사각형 503">
+            <a:extLst>
+              <a:ext uri="{FF2B5EF4-FFF2-40B4-BE49-F238E27FC236}">
+                <a16:creationId xmlns:a16="http://schemas.microsoft.com/office/drawing/2014/main" id="{0489995E-70D7-4BE1-B6C6-95D037A7B16F}"/>
               </a:ext>
             </a:extLst>
           </p:cNvPr>
@@ -6741,8 +6740,8 @@
         </p:nvSpPr>
         <p:spPr>
           <a:xfrm>
-            <a:off x="35179576" y="22377812"/>
-            <a:ext cx="2258402" cy="419458"/>
+            <a:off x="9534543" y="16581270"/>
+            <a:ext cx="2020114" cy="419458"/>
           </a:xfrm>
           <a:prstGeom prst="rect">
             <a:avLst/>
@@ -6773,35 +6772,54 @@
           <a:p>
             <a:pPr algn="ctr"/>
             <a:r>
-              <a:rPr lang="ko-KR" altLang="en-US" sz="2000" b="1"/>
-              <a:t>기프티콘 등록</a:t>
-            </a:r>
+              <a:rPr lang="ko-KR" altLang="en-US" sz="2000" b="1" dirty="0"/>
+              <a:t>영화 </a:t>
+            </a:r>
+            <a:r>
+              <a:rPr lang="ko-KR" altLang="en-US" sz="2000" b="1" dirty="0" err="1"/>
+              <a:t>한줄평</a:t>
+            </a:r>
+            <a:r>
+              <a:rPr lang="en-US" altLang="ko-KR" sz="2000" b="1" dirty="0"/>
+              <a:t>(</a:t>
+            </a:r>
+            <a:r>
+              <a:rPr lang="ko-KR" altLang="en-US" sz="2000" b="1" dirty="0"/>
+              <a:t>작성</a:t>
+            </a:r>
+            <a:r>
+              <a:rPr lang="en-US" altLang="ko-KR" sz="2000" b="1" dirty="0"/>
+              <a:t>)</a:t>
+            </a:r>
+            <a:endParaRPr lang="ko-KR" altLang="en-US" sz="2000" b="1" dirty="0"/>
           </a:p>
         </p:txBody>
       </p:sp>
       <p:cxnSp>
         <p:nvCxnSpPr>
-          <p:cNvPr id="476" name="연결선: 꺾임 475">
-            <a:extLst>
-              <a:ext uri="{FF2B5EF4-FFF2-40B4-BE49-F238E27FC236}">
-                <a16:creationId xmlns:a16="http://schemas.microsoft.com/office/drawing/2014/main" id="{6AFA4425-D2CF-41CB-8452-235A7F9A5B2A}"/>
+          <p:cNvPr id="505" name="연결선: 꺾임 504">
+            <a:extLst>
+              <a:ext uri="{FF2B5EF4-FFF2-40B4-BE49-F238E27FC236}">
+                <a16:creationId xmlns:a16="http://schemas.microsoft.com/office/drawing/2014/main" id="{FEC35B16-7D7E-4546-AE78-B3657792B994}"/>
               </a:ext>
             </a:extLst>
           </p:cNvPr>
           <p:cNvCxnSpPr>
             <a:cxnSpLocks/>
-            <a:stCxn id="470" idx="2"/>
-            <a:endCxn id="475" idx="1"/>
+            <a:stCxn id="504" idx="1"/>
+            <a:endCxn id="386" idx="3"/>
           </p:cNvCxnSpPr>
           <p:nvPr/>
         </p:nvCxnSpPr>
         <p:spPr>
-          <a:xfrm rot="16200000" flipH="1">
-            <a:off x="34112834" y="21520798"/>
-            <a:ext cx="1868106" cy="265383"/>
-          </a:xfrm>
-          <a:prstGeom prst="bentConnector2">
-            <a:avLst/>
+          <a:xfrm rot="10800000">
+            <a:off x="9081637" y="16790999"/>
+            <a:ext cx="452907" cy="12700"/>
+          </a:xfrm>
+          <a:prstGeom prst="bentConnector3">
+            <a:avLst>
+              <a:gd name="adj1" fmla="val 50000"/>
+            </a:avLst>
           </a:prstGeom>
         </p:spPr>
         <p:style>
@@ -6821,10 +6839,10 @@
       </p:cxnSp>
       <p:sp>
         <p:nvSpPr>
-          <p:cNvPr id="479" name="직사각형 478">
-            <a:extLst>
-              <a:ext uri="{FF2B5EF4-FFF2-40B4-BE49-F238E27FC236}">
-                <a16:creationId xmlns:a16="http://schemas.microsoft.com/office/drawing/2014/main" id="{2CF4703B-41D0-41FE-99BD-0CDB7058DC4F}"/>
+          <p:cNvPr id="539" name="직사각형 538">
+            <a:extLst>
+              <a:ext uri="{FF2B5EF4-FFF2-40B4-BE49-F238E27FC236}">
+                <a16:creationId xmlns:a16="http://schemas.microsoft.com/office/drawing/2014/main" id="{EDEEC952-4D8D-451F-9501-2A39FD9DE5A9}"/>
               </a:ext>
             </a:extLst>
           </p:cNvPr>
@@ -6833,8 +6851,8 @@
         </p:nvSpPr>
         <p:spPr>
           <a:xfrm>
-            <a:off x="35179576" y="23038248"/>
-            <a:ext cx="2258402" cy="419458"/>
+            <a:off x="7064495" y="17304370"/>
+            <a:ext cx="2020114" cy="419458"/>
           </a:xfrm>
           <a:prstGeom prst="rect">
             <a:avLst/>
@@ -6866,17 +6884,17 @@
             <a:pPr algn="ctr"/>
             <a:r>
               <a:rPr lang="ko-KR" altLang="en-US" sz="2000" b="1"/>
-              <a:t>기프티콘 수정</a:t>
-            </a:r>
-          </a:p>
-        </p:txBody>
-      </p:sp>
-      <p:sp>
-        <p:nvSpPr>
-          <p:cNvPr id="480" name="직사각형 479">
-            <a:extLst>
-              <a:ext uri="{FF2B5EF4-FFF2-40B4-BE49-F238E27FC236}">
-                <a16:creationId xmlns:a16="http://schemas.microsoft.com/office/drawing/2014/main" id="{62298D84-10CF-494D-96DB-1504CD0EAF9E}"/>
+              <a:t>영화 예매</a:t>
+            </a:r>
+          </a:p>
+        </p:txBody>
+      </p:sp>
+      <p:sp>
+        <p:nvSpPr>
+          <p:cNvPr id="540" name="직사각형 539">
+            <a:extLst>
+              <a:ext uri="{FF2B5EF4-FFF2-40B4-BE49-F238E27FC236}">
+                <a16:creationId xmlns:a16="http://schemas.microsoft.com/office/drawing/2014/main" id="{3180F56D-17F5-4539-A80B-7E0EC3B76BD9}"/>
               </a:ext>
             </a:extLst>
           </p:cNvPr>
@@ -6885,8 +6903,8 @@
         </p:nvSpPr>
         <p:spPr>
           <a:xfrm>
-            <a:off x="36848725" y="21717370"/>
-            <a:ext cx="2258402" cy="419458"/>
+            <a:off x="8446137" y="18022334"/>
+            <a:ext cx="2020114" cy="419458"/>
           </a:xfrm>
           <a:prstGeom prst="rect">
             <a:avLst/>
@@ -6918,31 +6936,31 @@
             <a:pPr algn="ctr"/>
             <a:r>
               <a:rPr lang="ko-KR" altLang="en-US" sz="2000" b="1"/>
-              <a:t>기프티콘 삭제</a:t>
+              <a:t>영화 선택 페이지</a:t>
             </a:r>
           </a:p>
         </p:txBody>
       </p:sp>
       <p:cxnSp>
         <p:nvCxnSpPr>
-          <p:cNvPr id="481" name="연결선: 꺾임 480">
-            <a:extLst>
-              <a:ext uri="{FF2B5EF4-FFF2-40B4-BE49-F238E27FC236}">
-                <a16:creationId xmlns:a16="http://schemas.microsoft.com/office/drawing/2014/main" id="{F6093A8C-60B5-4E20-B6CB-F2552356C063}"/>
+          <p:cNvPr id="541" name="연결선: 꺾임 540">
+            <a:extLst>
+              <a:ext uri="{FF2B5EF4-FFF2-40B4-BE49-F238E27FC236}">
+                <a16:creationId xmlns:a16="http://schemas.microsoft.com/office/drawing/2014/main" id="{BF602992-2BD7-4415-B7E6-C8571A63E12C}"/>
               </a:ext>
             </a:extLst>
           </p:cNvPr>
           <p:cNvCxnSpPr>
             <a:cxnSpLocks/>
-            <a:stCxn id="470" idx="2"/>
-            <a:endCxn id="479" idx="1"/>
+            <a:stCxn id="540" idx="1"/>
+            <a:endCxn id="539" idx="2"/>
           </p:cNvCxnSpPr>
           <p:nvPr/>
         </p:nvCxnSpPr>
         <p:spPr>
-          <a:xfrm rot="16200000" flipH="1">
-            <a:off x="33782608" y="21851028"/>
-            <a:ext cx="2528558" cy="265383"/>
+          <a:xfrm rot="10800000">
+            <a:off x="8074565" y="17723832"/>
+            <a:ext cx="371594" cy="508244"/>
           </a:xfrm>
           <a:prstGeom prst="bentConnector2">
             <a:avLst/>
@@ -6963,52 +6981,12 @@
           </a:fontRef>
         </p:style>
       </p:cxnSp>
-      <p:cxnSp>
-        <p:nvCxnSpPr>
-          <p:cNvPr id="484" name="연결선: 꺾임 483">
-            <a:extLst>
-              <a:ext uri="{FF2B5EF4-FFF2-40B4-BE49-F238E27FC236}">
-                <a16:creationId xmlns:a16="http://schemas.microsoft.com/office/drawing/2014/main" id="{E4975866-4D6A-4C07-B54C-2CA503C48721}"/>
-              </a:ext>
-            </a:extLst>
-          </p:cNvPr>
-          <p:cNvCxnSpPr>
-            <a:cxnSpLocks/>
-            <a:stCxn id="470" idx="2"/>
-            <a:endCxn id="490" idx="1"/>
-          </p:cNvCxnSpPr>
-          <p:nvPr/>
-        </p:nvCxnSpPr>
-        <p:spPr>
-          <a:xfrm rot="16200000" flipH="1">
-            <a:off x="34773277" y="20860354"/>
-            <a:ext cx="547219" cy="265383"/>
-          </a:xfrm>
-          <a:prstGeom prst="bentConnector2">
-            <a:avLst/>
-          </a:prstGeom>
-        </p:spPr>
-        <p:style>
-          <a:lnRef idx="1">
-            <a:schemeClr val="dk1"/>
-          </a:lnRef>
-          <a:fillRef idx="0">
-            <a:schemeClr val="dk1"/>
-          </a:fillRef>
-          <a:effectRef idx="0">
-            <a:schemeClr val="dk1"/>
-          </a:effectRef>
-          <a:fontRef idx="minor">
-            <a:schemeClr val="tx1"/>
-          </a:fontRef>
-        </p:style>
-      </p:cxnSp>
-      <p:sp>
-        <p:nvSpPr>
-          <p:cNvPr id="490" name="직사각형 489">
-            <a:extLst>
-              <a:ext uri="{FF2B5EF4-FFF2-40B4-BE49-F238E27FC236}">
-                <a16:creationId xmlns:a16="http://schemas.microsoft.com/office/drawing/2014/main" id="{F86D44DC-5A77-425C-AD65-A33A14452DD0}"/>
+      <p:sp>
+        <p:nvSpPr>
+          <p:cNvPr id="542" name="직사각형 541">
+            <a:extLst>
+              <a:ext uri="{FF2B5EF4-FFF2-40B4-BE49-F238E27FC236}">
+                <a16:creationId xmlns:a16="http://schemas.microsoft.com/office/drawing/2014/main" id="{1962DD03-22CF-4354-AB6B-00C5A882058F}"/>
               </a:ext>
             </a:extLst>
           </p:cNvPr>
@@ -7017,8 +6995,8 @@
         </p:nvSpPr>
         <p:spPr>
           <a:xfrm>
-            <a:off x="35179576" y="21056925"/>
-            <a:ext cx="2258402" cy="419458"/>
+            <a:off x="9830752" y="18717822"/>
+            <a:ext cx="2020114" cy="419458"/>
           </a:xfrm>
           <a:prstGeom prst="rect">
             <a:avLst/>
@@ -7050,31 +7028,31 @@
             <a:pPr algn="ctr"/>
             <a:r>
               <a:rPr lang="ko-KR" altLang="en-US" sz="2000" b="1"/>
-              <a:t>기프티콘 상세보기</a:t>
+              <a:t>좌석 선택 페이지</a:t>
             </a:r>
           </a:p>
         </p:txBody>
       </p:sp>
       <p:cxnSp>
         <p:nvCxnSpPr>
-          <p:cNvPr id="499" name="연결선: 꺾임 498">
-            <a:extLst>
-              <a:ext uri="{FF2B5EF4-FFF2-40B4-BE49-F238E27FC236}">
-                <a16:creationId xmlns:a16="http://schemas.microsoft.com/office/drawing/2014/main" id="{DCF6BC47-D93E-4048-8235-DD21A3EF0CA1}"/>
+          <p:cNvPr id="543" name="연결선: 꺾임 542">
+            <a:extLst>
+              <a:ext uri="{FF2B5EF4-FFF2-40B4-BE49-F238E27FC236}">
+                <a16:creationId xmlns:a16="http://schemas.microsoft.com/office/drawing/2014/main" id="{40C1AAE7-68D9-4132-8698-C75993CBA9FF}"/>
               </a:ext>
             </a:extLst>
           </p:cNvPr>
           <p:cNvCxnSpPr>
             <a:cxnSpLocks/>
-            <a:stCxn id="490" idx="2"/>
-            <a:endCxn id="480" idx="1"/>
+            <a:stCxn id="542" idx="1"/>
+            <a:endCxn id="540" idx="2"/>
           </p:cNvCxnSpPr>
           <p:nvPr/>
         </p:nvCxnSpPr>
         <p:spPr>
-          <a:xfrm rot="16200000" flipH="1">
-            <a:off x="36353393" y="21431767"/>
-            <a:ext cx="450716" cy="539948"/>
+          <a:xfrm rot="10800000">
+            <a:off x="9456203" y="18441785"/>
+            <a:ext cx="374560" cy="485765"/>
           </a:xfrm>
           <a:prstGeom prst="bentConnector2">
             <a:avLst/>
@@ -7095,12 +7073,52 @@
           </a:fontRef>
         </p:style>
       </p:cxnSp>
-      <p:sp>
-        <p:nvSpPr>
-          <p:cNvPr id="504" name="직사각형 503">
-            <a:extLst>
-              <a:ext uri="{FF2B5EF4-FFF2-40B4-BE49-F238E27FC236}">
-                <a16:creationId xmlns:a16="http://schemas.microsoft.com/office/drawing/2014/main" id="{0489995E-70D7-4BE1-B6C6-95D037A7B16F}"/>
+      <p:cxnSp>
+        <p:nvCxnSpPr>
+          <p:cNvPr id="544" name="연결선: 꺾임 543">
+            <a:extLst>
+              <a:ext uri="{FF2B5EF4-FFF2-40B4-BE49-F238E27FC236}">
+                <a16:creationId xmlns:a16="http://schemas.microsoft.com/office/drawing/2014/main" id="{09A581C3-5427-456C-81D6-F7D522FB0EF4}"/>
+              </a:ext>
+            </a:extLst>
+          </p:cNvPr>
+          <p:cNvCxnSpPr>
+            <a:cxnSpLocks/>
+            <a:stCxn id="539" idx="1"/>
+            <a:endCxn id="384" idx="2"/>
+          </p:cNvCxnSpPr>
+          <p:nvPr/>
+        </p:nvCxnSpPr>
+        <p:spPr>
+          <a:xfrm rot="10800000">
+            <a:off x="6704893" y="15331525"/>
+            <a:ext cx="359603" cy="2182574"/>
+          </a:xfrm>
+          <a:prstGeom prst="bentConnector2">
+            <a:avLst/>
+          </a:prstGeom>
+        </p:spPr>
+        <p:style>
+          <a:lnRef idx="1">
+            <a:schemeClr val="dk1"/>
+          </a:lnRef>
+          <a:fillRef idx="0">
+            <a:schemeClr val="dk1"/>
+          </a:fillRef>
+          <a:effectRef idx="0">
+            <a:schemeClr val="dk1"/>
+          </a:effectRef>
+          <a:fontRef idx="minor">
+            <a:schemeClr val="tx1"/>
+          </a:fontRef>
+        </p:style>
+      </p:cxnSp>
+      <p:sp>
+        <p:nvSpPr>
+          <p:cNvPr id="548" name="직사각형 547">
+            <a:extLst>
+              <a:ext uri="{FF2B5EF4-FFF2-40B4-BE49-F238E27FC236}">
+                <a16:creationId xmlns:a16="http://schemas.microsoft.com/office/drawing/2014/main" id="{28878ADE-2668-44D1-8BFE-FC0ED72AF59A}"/>
               </a:ext>
             </a:extLst>
           </p:cNvPr>
@@ -7109,8 +7127,8 @@
         </p:nvSpPr>
         <p:spPr>
           <a:xfrm>
-            <a:off x="27599814" y="10087883"/>
-            <a:ext cx="2020114" cy="419458"/>
+            <a:off x="13284610" y="5804826"/>
+            <a:ext cx="1484457" cy="419458"/>
           </a:xfrm>
           <a:prstGeom prst="rect">
             <a:avLst/>
@@ -7142,49 +7160,34 @@
             <a:pPr algn="ctr"/>
             <a:r>
               <a:rPr lang="ko-KR" altLang="en-US" sz="2000" b="1"/>
-              <a:t>영화 한줄평</a:t>
-            </a:r>
-            <a:r>
-              <a:rPr lang="en-US" altLang="ko-KR" sz="2000" b="1"/>
-              <a:t>(</a:t>
-            </a:r>
-            <a:r>
-              <a:rPr lang="ko-KR" altLang="en-US" sz="2000" b="1"/>
-              <a:t>작성</a:t>
-            </a:r>
-            <a:r>
-              <a:rPr lang="en-US" altLang="ko-KR" sz="2000" b="1"/>
-              <a:t>)</a:t>
-            </a:r>
-            <a:endParaRPr lang="ko-KR" altLang="en-US" sz="2000" b="1"/>
+              <a:t>공지사항 상세보기</a:t>
+            </a:r>
           </a:p>
         </p:txBody>
       </p:sp>
       <p:cxnSp>
         <p:nvCxnSpPr>
-          <p:cNvPr id="505" name="연결선: 꺾임 504">
-            <a:extLst>
-              <a:ext uri="{FF2B5EF4-FFF2-40B4-BE49-F238E27FC236}">
-                <a16:creationId xmlns:a16="http://schemas.microsoft.com/office/drawing/2014/main" id="{FEC35B16-7D7E-4546-AE78-B3657792B994}"/>
+          <p:cNvPr id="549" name="연결선: 꺾임 548">
+            <a:extLst>
+              <a:ext uri="{FF2B5EF4-FFF2-40B4-BE49-F238E27FC236}">
+                <a16:creationId xmlns:a16="http://schemas.microsoft.com/office/drawing/2014/main" id="{FDB382C8-71D2-4C31-9AC8-FA57F3EF5638}"/>
               </a:ext>
             </a:extLst>
           </p:cNvPr>
           <p:cNvCxnSpPr>
             <a:cxnSpLocks/>
-            <a:stCxn id="504" idx="1"/>
-            <a:endCxn id="386" idx="3"/>
+            <a:stCxn id="548" idx="1"/>
+            <a:endCxn id="184" idx="2"/>
           </p:cNvCxnSpPr>
           <p:nvPr/>
         </p:nvCxnSpPr>
         <p:spPr>
           <a:xfrm rot="10800000">
-            <a:off x="27146908" y="10297612"/>
-            <a:ext cx="452907" cy="12700"/>
-          </a:xfrm>
-          <a:prstGeom prst="bentConnector3">
-            <a:avLst>
-              <a:gd name="adj1" fmla="val 50000"/>
-            </a:avLst>
+            <a:off x="13092004" y="5468311"/>
+            <a:ext cx="192606" cy="546244"/>
+          </a:xfrm>
+          <a:prstGeom prst="bentConnector2">
+            <a:avLst/>
           </a:prstGeom>
         </p:spPr>
         <p:style>
@@ -7204,10 +7207,10 @@
       </p:cxnSp>
       <p:sp>
         <p:nvSpPr>
-          <p:cNvPr id="539" name="직사각형 538">
-            <a:extLst>
-              <a:ext uri="{FF2B5EF4-FFF2-40B4-BE49-F238E27FC236}">
-                <a16:creationId xmlns:a16="http://schemas.microsoft.com/office/drawing/2014/main" id="{EDEEC952-4D8D-451F-9501-2A39FD9DE5A9}"/>
+          <p:cNvPr id="104" name="직사각형 103">
+            <a:extLst>
+              <a:ext uri="{FF2B5EF4-FFF2-40B4-BE49-F238E27FC236}">
+                <a16:creationId xmlns:a16="http://schemas.microsoft.com/office/drawing/2014/main" id="{C7B65E0C-66E4-43F2-9F9B-B55E5202C4A8}"/>
               </a:ext>
             </a:extLst>
           </p:cNvPr>
@@ -7216,8 +7219,8 @@
         </p:nvSpPr>
         <p:spPr>
           <a:xfrm>
-            <a:off x="25129766" y="10810983"/>
-            <a:ext cx="2020114" cy="419458"/>
+            <a:off x="33831524" y="23586281"/>
+            <a:ext cx="2258402" cy="419458"/>
           </a:xfrm>
           <a:prstGeom prst="rect">
             <a:avLst/>
@@ -7249,17 +7252,57 @@
             <a:pPr algn="ctr"/>
             <a:r>
               <a:rPr lang="ko-KR" altLang="en-US" sz="2000" b="1"/>
-              <a:t>영화 예매</a:t>
-            </a:r>
-          </a:p>
-        </p:txBody>
-      </p:sp>
-      <p:sp>
-        <p:nvSpPr>
-          <p:cNvPr id="540" name="직사각형 539">
-            <a:extLst>
-              <a:ext uri="{FF2B5EF4-FFF2-40B4-BE49-F238E27FC236}">
-                <a16:creationId xmlns:a16="http://schemas.microsoft.com/office/drawing/2014/main" id="{3180F56D-17F5-4539-A80B-7E0EC3B76BD9}"/>
+              <a:t>영화 정보 등록</a:t>
+            </a:r>
+          </a:p>
+        </p:txBody>
+      </p:sp>
+      <p:cxnSp>
+        <p:nvCxnSpPr>
+          <p:cNvPr id="106" name="연결선: 꺾임 105">
+            <a:extLst>
+              <a:ext uri="{FF2B5EF4-FFF2-40B4-BE49-F238E27FC236}">
+                <a16:creationId xmlns:a16="http://schemas.microsoft.com/office/drawing/2014/main" id="{F753B4B0-5746-4060-A5A8-79EA69D317CA}"/>
+              </a:ext>
+            </a:extLst>
+          </p:cNvPr>
+          <p:cNvCxnSpPr>
+            <a:cxnSpLocks/>
+            <a:stCxn id="104" idx="1"/>
+            <a:endCxn id="448" idx="2"/>
+          </p:cNvCxnSpPr>
+          <p:nvPr/>
+        </p:nvCxnSpPr>
+        <p:spPr>
+          <a:xfrm rot="10800000">
+            <a:off x="33449020" y="23135708"/>
+            <a:ext cx="382505" cy="660303"/>
+          </a:xfrm>
+          <a:prstGeom prst="bentConnector2">
+            <a:avLst/>
+          </a:prstGeom>
+        </p:spPr>
+        <p:style>
+          <a:lnRef idx="1">
+            <a:schemeClr val="dk1"/>
+          </a:lnRef>
+          <a:fillRef idx="0">
+            <a:schemeClr val="dk1"/>
+          </a:fillRef>
+          <a:effectRef idx="0">
+            <a:schemeClr val="dk1"/>
+          </a:effectRef>
+          <a:fontRef idx="minor">
+            <a:schemeClr val="tx1"/>
+          </a:fontRef>
+        </p:style>
+      </p:cxnSp>
+      <p:sp>
+        <p:nvSpPr>
+          <p:cNvPr id="110" name="직사각형 109">
+            <a:extLst>
+              <a:ext uri="{FF2B5EF4-FFF2-40B4-BE49-F238E27FC236}">
+                <a16:creationId xmlns:a16="http://schemas.microsoft.com/office/drawing/2014/main" id="{8BDF4C17-A693-4FBD-9D4C-B081B5B8EEBE}"/>
               </a:ext>
             </a:extLst>
           </p:cNvPr>
@@ -7268,8 +7311,8 @@
         </p:nvSpPr>
         <p:spPr>
           <a:xfrm>
-            <a:off x="26511408" y="11528947"/>
-            <a:ext cx="2020114" cy="419458"/>
+            <a:off x="33831524" y="24261383"/>
+            <a:ext cx="2258402" cy="419458"/>
           </a:xfrm>
           <a:prstGeom prst="rect">
             <a:avLst/>
@@ -7301,31 +7344,31 @@
             <a:pPr algn="ctr"/>
             <a:r>
               <a:rPr lang="ko-KR" altLang="en-US" sz="2000" b="1"/>
-              <a:t>영화 선택 페이지</a:t>
+              <a:t>영화 정보 수정</a:t>
             </a:r>
           </a:p>
         </p:txBody>
       </p:sp>
       <p:cxnSp>
         <p:nvCxnSpPr>
-          <p:cNvPr id="541" name="연결선: 꺾임 540">
-            <a:extLst>
-              <a:ext uri="{FF2B5EF4-FFF2-40B4-BE49-F238E27FC236}">
-                <a16:creationId xmlns:a16="http://schemas.microsoft.com/office/drawing/2014/main" id="{BF602992-2BD7-4415-B7E6-C8571A63E12C}"/>
+          <p:cNvPr id="111" name="연결선: 꺾임 110">
+            <a:extLst>
+              <a:ext uri="{FF2B5EF4-FFF2-40B4-BE49-F238E27FC236}">
+                <a16:creationId xmlns:a16="http://schemas.microsoft.com/office/drawing/2014/main" id="{28D8EB3F-F3EF-4462-B108-BC940D286CBD}"/>
               </a:ext>
             </a:extLst>
           </p:cNvPr>
           <p:cNvCxnSpPr>
             <a:cxnSpLocks/>
-            <a:stCxn id="540" idx="1"/>
-            <a:endCxn id="539" idx="2"/>
+            <a:stCxn id="110" idx="1"/>
+            <a:endCxn id="448" idx="2"/>
           </p:cNvCxnSpPr>
           <p:nvPr/>
         </p:nvCxnSpPr>
         <p:spPr>
           <a:xfrm rot="10800000">
-            <a:off x="26139836" y="11230445"/>
-            <a:ext cx="371594" cy="508244"/>
+            <a:off x="33449020" y="23135708"/>
+            <a:ext cx="382505" cy="1335405"/>
           </a:xfrm>
           <a:prstGeom prst="bentConnector2">
             <a:avLst/>
@@ -7348,10 +7391,10 @@
       </p:cxnSp>
       <p:sp>
         <p:nvSpPr>
-          <p:cNvPr id="542" name="직사각형 541">
-            <a:extLst>
-              <a:ext uri="{FF2B5EF4-FFF2-40B4-BE49-F238E27FC236}">
-                <a16:creationId xmlns:a16="http://schemas.microsoft.com/office/drawing/2014/main" id="{1962DD03-22CF-4354-AB6B-00C5A882058F}"/>
+          <p:cNvPr id="115" name="직사각형 114">
+            <a:extLst>
+              <a:ext uri="{FF2B5EF4-FFF2-40B4-BE49-F238E27FC236}">
+                <a16:creationId xmlns:a16="http://schemas.microsoft.com/office/drawing/2014/main" id="{DC194AF4-4641-4925-B4CC-0164D19F56DF}"/>
               </a:ext>
             </a:extLst>
           </p:cNvPr>
@@ -7360,8 +7403,8 @@
         </p:nvSpPr>
         <p:spPr>
           <a:xfrm>
-            <a:off x="27896023" y="12224435"/>
-            <a:ext cx="2020114" cy="419458"/>
+            <a:off x="33831524" y="24939335"/>
+            <a:ext cx="2258402" cy="419458"/>
           </a:xfrm>
           <a:prstGeom prst="rect">
             <a:avLst/>
@@ -7393,31 +7436,31 @@
             <a:pPr algn="ctr"/>
             <a:r>
               <a:rPr lang="ko-KR" altLang="en-US" sz="2000" b="1"/>
-              <a:t>좌석 선택 페이지</a:t>
+              <a:t>영화 정보 삭제</a:t>
             </a:r>
           </a:p>
         </p:txBody>
       </p:sp>
       <p:cxnSp>
         <p:nvCxnSpPr>
-          <p:cNvPr id="543" name="연결선: 꺾임 542">
-            <a:extLst>
-              <a:ext uri="{FF2B5EF4-FFF2-40B4-BE49-F238E27FC236}">
-                <a16:creationId xmlns:a16="http://schemas.microsoft.com/office/drawing/2014/main" id="{40C1AAE7-68D9-4132-8698-C75993CBA9FF}"/>
+          <p:cNvPr id="116" name="연결선: 꺾임 115">
+            <a:extLst>
+              <a:ext uri="{FF2B5EF4-FFF2-40B4-BE49-F238E27FC236}">
+                <a16:creationId xmlns:a16="http://schemas.microsoft.com/office/drawing/2014/main" id="{DF21ED2F-5D2E-409E-AFE1-7958F390BD42}"/>
               </a:ext>
             </a:extLst>
           </p:cNvPr>
           <p:cNvCxnSpPr>
             <a:cxnSpLocks/>
-            <a:stCxn id="542" idx="1"/>
-            <a:endCxn id="540" idx="2"/>
+            <a:stCxn id="115" idx="1"/>
+            <a:endCxn id="448" idx="2"/>
           </p:cNvCxnSpPr>
           <p:nvPr/>
         </p:nvCxnSpPr>
         <p:spPr>
           <a:xfrm rot="10800000">
-            <a:off x="27521474" y="11948398"/>
-            <a:ext cx="374560" cy="485765"/>
+            <a:off x="33449020" y="23135708"/>
+            <a:ext cx="382505" cy="2013357"/>
           </a:xfrm>
           <a:prstGeom prst="bentConnector2">
             <a:avLst/>
@@ -7440,24 +7483,24 @@
       </p:cxnSp>
       <p:cxnSp>
         <p:nvCxnSpPr>
-          <p:cNvPr id="544" name="연결선: 꺾임 543">
-            <a:extLst>
-              <a:ext uri="{FF2B5EF4-FFF2-40B4-BE49-F238E27FC236}">
-                <a16:creationId xmlns:a16="http://schemas.microsoft.com/office/drawing/2014/main" id="{09A581C3-5427-456C-81D6-F7D522FB0EF4}"/>
+          <p:cNvPr id="119" name="연결선: 꺾임 118">
+            <a:extLst>
+              <a:ext uri="{FF2B5EF4-FFF2-40B4-BE49-F238E27FC236}">
+                <a16:creationId xmlns:a16="http://schemas.microsoft.com/office/drawing/2014/main" id="{44C212AB-4739-4598-9B85-1ED45BE7E029}"/>
               </a:ext>
             </a:extLst>
           </p:cNvPr>
           <p:cNvCxnSpPr>
             <a:cxnSpLocks/>
-            <a:stCxn id="539" idx="1"/>
-            <a:endCxn id="384" idx="2"/>
+            <a:stCxn id="462" idx="2"/>
+            <a:endCxn id="448" idx="1"/>
           </p:cNvCxnSpPr>
           <p:nvPr/>
         </p:nvCxnSpPr>
         <p:spPr>
-          <a:xfrm rot="10800000">
-            <a:off x="24755208" y="9164040"/>
-            <a:ext cx="374558" cy="1856673"/>
+          <a:xfrm rot="16200000" flipH="1">
+            <a:off x="30184341" y="20831419"/>
+            <a:ext cx="3684423" cy="586532"/>
           </a:xfrm>
           <a:prstGeom prst="bentConnector2">
             <a:avLst/>
@@ -7480,10 +7523,10 @@
       </p:cxnSp>
       <p:sp>
         <p:nvSpPr>
-          <p:cNvPr id="548" name="직사각형 547">
-            <a:extLst>
-              <a:ext uri="{FF2B5EF4-FFF2-40B4-BE49-F238E27FC236}">
-                <a16:creationId xmlns:a16="http://schemas.microsoft.com/office/drawing/2014/main" id="{28878ADE-2668-44D1-8BFE-FC0ED72AF59A}"/>
+          <p:cNvPr id="136" name="직사각형 135">
+            <a:extLst>
+              <a:ext uri="{FF2B5EF4-FFF2-40B4-BE49-F238E27FC236}">
+                <a16:creationId xmlns:a16="http://schemas.microsoft.com/office/drawing/2014/main" id="{9CD07B59-3D99-41BF-A15E-B08F7B1FC822}"/>
               </a:ext>
             </a:extLst>
           </p:cNvPr>
@@ -7492,8 +7535,8 @@
         </p:nvSpPr>
         <p:spPr>
           <a:xfrm>
-            <a:off x="13441818" y="5804826"/>
-            <a:ext cx="1484457" cy="419458"/>
+            <a:off x="32331313" y="25966698"/>
+            <a:ext cx="2258402" cy="419458"/>
           </a:xfrm>
           <a:prstGeom prst="rect">
             <a:avLst/>
@@ -7525,31 +7568,31 @@
             <a:pPr algn="ctr"/>
             <a:r>
               <a:rPr lang="ko-KR" altLang="en-US" sz="2000" b="1"/>
-              <a:t>공지사항 상세보기</a:t>
+              <a:t>상영 스케줄 관리</a:t>
             </a:r>
           </a:p>
         </p:txBody>
       </p:sp>
       <p:cxnSp>
         <p:nvCxnSpPr>
-          <p:cNvPr id="549" name="연결선: 꺾임 548">
-            <a:extLst>
-              <a:ext uri="{FF2B5EF4-FFF2-40B4-BE49-F238E27FC236}">
-                <a16:creationId xmlns:a16="http://schemas.microsoft.com/office/drawing/2014/main" id="{FDB382C8-71D2-4C31-9AC8-FA57F3EF5638}"/>
+          <p:cNvPr id="137" name="연결선: 꺾임 136">
+            <a:extLst>
+              <a:ext uri="{FF2B5EF4-FFF2-40B4-BE49-F238E27FC236}">
+                <a16:creationId xmlns:a16="http://schemas.microsoft.com/office/drawing/2014/main" id="{7F82065E-A1B2-4F09-BCDE-A3BC1F526405}"/>
               </a:ext>
             </a:extLst>
           </p:cNvPr>
           <p:cNvCxnSpPr>
             <a:cxnSpLocks/>
-            <a:stCxn id="548" idx="1"/>
-            <a:endCxn id="184" idx="2"/>
+            <a:stCxn id="462" idx="2"/>
+            <a:endCxn id="136" idx="1"/>
           </p:cNvCxnSpPr>
           <p:nvPr/>
         </p:nvCxnSpPr>
         <p:spPr>
-          <a:xfrm rot="10800000">
-            <a:off x="13092004" y="5468311"/>
-            <a:ext cx="349814" cy="546244"/>
+          <a:xfrm rot="16200000" flipH="1">
+            <a:off x="28585323" y="22430436"/>
+            <a:ext cx="6893953" cy="598027"/>
           </a:xfrm>
           <a:prstGeom prst="bentConnector2">
             <a:avLst/>
@@ -7572,10 +7615,10 @@
       </p:cxnSp>
       <p:sp>
         <p:nvSpPr>
-          <p:cNvPr id="104" name="직사각형 103">
-            <a:extLst>
-              <a:ext uri="{FF2B5EF4-FFF2-40B4-BE49-F238E27FC236}">
-                <a16:creationId xmlns:a16="http://schemas.microsoft.com/office/drawing/2014/main" id="{C7B65E0C-66E4-43F2-9F9B-B55E5202C4A8}"/>
+          <p:cNvPr id="145" name="직사각형 144">
+            <a:extLst>
+              <a:ext uri="{FF2B5EF4-FFF2-40B4-BE49-F238E27FC236}">
+                <a16:creationId xmlns:a16="http://schemas.microsoft.com/office/drawing/2014/main" id="{970A1C27-1DC6-4F8C-95C2-489DE9B435B7}"/>
               </a:ext>
             </a:extLst>
           </p:cNvPr>
@@ -7584,7 +7627,7 @@
         </p:nvSpPr>
         <p:spPr>
           <a:xfrm>
-            <a:off x="33773815" y="24730256"/>
+            <a:off x="33805516" y="26775620"/>
             <a:ext cx="2258402" cy="419458"/>
           </a:xfrm>
           <a:prstGeom prst="rect">
@@ -7616,32 +7659,32 @@
           <a:p>
             <a:pPr algn="ctr"/>
             <a:r>
-              <a:rPr lang="ko-KR" altLang="en-US" sz="2000" b="1"/>
-              <a:t>영화 정보 등록</a:t>
+              <a:rPr lang="ko-KR" altLang="en-US" sz="2000" b="1" dirty="0"/>
+              <a:t>상영스케줄 조회</a:t>
             </a:r>
           </a:p>
         </p:txBody>
       </p:sp>
       <p:cxnSp>
         <p:nvCxnSpPr>
-          <p:cNvPr id="106" name="연결선: 꺾임 105">
-            <a:extLst>
-              <a:ext uri="{FF2B5EF4-FFF2-40B4-BE49-F238E27FC236}">
-                <a16:creationId xmlns:a16="http://schemas.microsoft.com/office/drawing/2014/main" id="{F753B4B0-5746-4060-A5A8-79EA69D317CA}"/>
+          <p:cNvPr id="146" name="연결선: 꺾임 145">
+            <a:extLst>
+              <a:ext uri="{FF2B5EF4-FFF2-40B4-BE49-F238E27FC236}">
+                <a16:creationId xmlns:a16="http://schemas.microsoft.com/office/drawing/2014/main" id="{CC059E7E-91C1-4EC6-A46F-D5C0C19459BB}"/>
               </a:ext>
             </a:extLst>
           </p:cNvPr>
           <p:cNvCxnSpPr>
             <a:cxnSpLocks/>
-            <a:stCxn id="104" idx="1"/>
-            <a:endCxn id="448" idx="2"/>
+            <a:stCxn id="145" idx="1"/>
+            <a:endCxn id="136" idx="2"/>
           </p:cNvCxnSpPr>
           <p:nvPr/>
         </p:nvCxnSpPr>
         <p:spPr>
           <a:xfrm rot="10800000">
-            <a:off x="33449021" y="24413063"/>
-            <a:ext cx="324795" cy="526923"/>
+            <a:off x="33460514" y="26386157"/>
+            <a:ext cx="345002" cy="599193"/>
           </a:xfrm>
           <a:prstGeom prst="bentConnector2">
             <a:avLst/>
@@ -7664,10 +7707,10 @@
       </p:cxnSp>
       <p:sp>
         <p:nvSpPr>
-          <p:cNvPr id="110" name="직사각형 109">
-            <a:extLst>
-              <a:ext uri="{FF2B5EF4-FFF2-40B4-BE49-F238E27FC236}">
-                <a16:creationId xmlns:a16="http://schemas.microsoft.com/office/drawing/2014/main" id="{8BDF4C17-A693-4FBD-9D4C-B081B5B8EEBE}"/>
+          <p:cNvPr id="150" name="직사각형 149">
+            <a:extLst>
+              <a:ext uri="{FF2B5EF4-FFF2-40B4-BE49-F238E27FC236}">
+                <a16:creationId xmlns:a16="http://schemas.microsoft.com/office/drawing/2014/main" id="{5BEDED42-B77D-41B9-9E3B-A96A0749D25D}"/>
               </a:ext>
             </a:extLst>
           </p:cNvPr>
@@ -7676,7 +7719,7 @@
         </p:nvSpPr>
         <p:spPr>
           <a:xfrm>
-            <a:off x="33773815" y="25405358"/>
+            <a:off x="33805516" y="27433977"/>
             <a:ext cx="2258402" cy="419458"/>
           </a:xfrm>
           <a:prstGeom prst="rect">
@@ -7709,57 +7752,17 @@
             <a:pPr algn="ctr"/>
             <a:r>
               <a:rPr lang="ko-KR" altLang="en-US" sz="2000" b="1"/>
-              <a:t>영화 정보 수정</a:t>
-            </a:r>
-          </a:p>
-        </p:txBody>
-      </p:sp>
-      <p:cxnSp>
-        <p:nvCxnSpPr>
-          <p:cNvPr id="111" name="연결선: 꺾임 110">
-            <a:extLst>
-              <a:ext uri="{FF2B5EF4-FFF2-40B4-BE49-F238E27FC236}">
-                <a16:creationId xmlns:a16="http://schemas.microsoft.com/office/drawing/2014/main" id="{28D8EB3F-F3EF-4462-B108-BC940D286CBD}"/>
-              </a:ext>
-            </a:extLst>
-          </p:cNvPr>
-          <p:cNvCxnSpPr>
-            <a:cxnSpLocks/>
-            <a:stCxn id="110" idx="1"/>
-            <a:endCxn id="448" idx="2"/>
-          </p:cNvCxnSpPr>
-          <p:nvPr/>
-        </p:nvCxnSpPr>
-        <p:spPr>
-          <a:xfrm rot="10800000">
-            <a:off x="33449021" y="24413063"/>
-            <a:ext cx="324795" cy="1202025"/>
-          </a:xfrm>
-          <a:prstGeom prst="bentConnector2">
-            <a:avLst/>
-          </a:prstGeom>
-        </p:spPr>
-        <p:style>
-          <a:lnRef idx="1">
-            <a:schemeClr val="dk1"/>
-          </a:lnRef>
-          <a:fillRef idx="0">
-            <a:schemeClr val="dk1"/>
-          </a:fillRef>
-          <a:effectRef idx="0">
-            <a:schemeClr val="dk1"/>
-          </a:effectRef>
-          <a:fontRef idx="minor">
-            <a:schemeClr val="tx1"/>
-          </a:fontRef>
-        </p:style>
-      </p:cxnSp>
-      <p:sp>
-        <p:nvSpPr>
-          <p:cNvPr id="115" name="직사각형 114">
-            <a:extLst>
-              <a:ext uri="{FF2B5EF4-FFF2-40B4-BE49-F238E27FC236}">
-                <a16:creationId xmlns:a16="http://schemas.microsoft.com/office/drawing/2014/main" id="{DC194AF4-4641-4925-B4CC-0164D19F56DF}"/>
+              <a:t>상영스케줄 등록</a:t>
+            </a:r>
+          </a:p>
+        </p:txBody>
+      </p:sp>
+      <p:sp>
+        <p:nvSpPr>
+          <p:cNvPr id="151" name="직사각형 150">
+            <a:extLst>
+              <a:ext uri="{FF2B5EF4-FFF2-40B4-BE49-F238E27FC236}">
+                <a16:creationId xmlns:a16="http://schemas.microsoft.com/office/drawing/2014/main" id="{2D48AB79-EC22-4608-9090-99AA4229A3A6}"/>
               </a:ext>
             </a:extLst>
           </p:cNvPr>
@@ -7768,7 +7771,7 @@
         </p:nvSpPr>
         <p:spPr>
           <a:xfrm>
-            <a:off x="33773815" y="26083310"/>
+            <a:off x="33785309" y="28109979"/>
             <a:ext cx="2258402" cy="419458"/>
           </a:xfrm>
           <a:prstGeom prst="rect">
@@ -7801,97 +7804,17 @@
             <a:pPr algn="ctr"/>
             <a:r>
               <a:rPr lang="ko-KR" altLang="en-US" sz="2000" b="1"/>
-              <a:t>영화 정보 삭제</a:t>
-            </a:r>
-          </a:p>
-        </p:txBody>
-      </p:sp>
-      <p:cxnSp>
-        <p:nvCxnSpPr>
-          <p:cNvPr id="116" name="연결선: 꺾임 115">
-            <a:extLst>
-              <a:ext uri="{FF2B5EF4-FFF2-40B4-BE49-F238E27FC236}">
-                <a16:creationId xmlns:a16="http://schemas.microsoft.com/office/drawing/2014/main" id="{DF21ED2F-5D2E-409E-AFE1-7958F390BD42}"/>
-              </a:ext>
-            </a:extLst>
-          </p:cNvPr>
-          <p:cNvCxnSpPr>
-            <a:cxnSpLocks/>
-            <a:stCxn id="115" idx="1"/>
-            <a:endCxn id="448" idx="2"/>
-          </p:cNvCxnSpPr>
-          <p:nvPr/>
-        </p:nvCxnSpPr>
-        <p:spPr>
-          <a:xfrm rot="10800000">
-            <a:off x="33449021" y="24413063"/>
-            <a:ext cx="324795" cy="1879977"/>
-          </a:xfrm>
-          <a:prstGeom prst="bentConnector2">
-            <a:avLst/>
-          </a:prstGeom>
-        </p:spPr>
-        <p:style>
-          <a:lnRef idx="1">
-            <a:schemeClr val="dk1"/>
-          </a:lnRef>
-          <a:fillRef idx="0">
-            <a:schemeClr val="dk1"/>
-          </a:fillRef>
-          <a:effectRef idx="0">
-            <a:schemeClr val="dk1"/>
-          </a:effectRef>
-          <a:fontRef idx="minor">
-            <a:schemeClr val="tx1"/>
-          </a:fontRef>
-        </p:style>
-      </p:cxnSp>
-      <p:cxnSp>
-        <p:nvCxnSpPr>
-          <p:cNvPr id="119" name="연결선: 꺾임 118">
-            <a:extLst>
-              <a:ext uri="{FF2B5EF4-FFF2-40B4-BE49-F238E27FC236}">
-                <a16:creationId xmlns:a16="http://schemas.microsoft.com/office/drawing/2014/main" id="{44C212AB-4739-4598-9B85-1ED45BE7E029}"/>
-              </a:ext>
-            </a:extLst>
-          </p:cNvPr>
-          <p:cNvCxnSpPr>
-            <a:cxnSpLocks/>
-            <a:stCxn id="462" idx="2"/>
-            <a:endCxn id="448" idx="1"/>
-          </p:cNvCxnSpPr>
-          <p:nvPr/>
-        </p:nvCxnSpPr>
-        <p:spPr>
-          <a:xfrm rot="16200000" flipH="1">
-            <a:off x="29545663" y="21470096"/>
-            <a:ext cx="4961778" cy="586533"/>
-          </a:xfrm>
-          <a:prstGeom prst="bentConnector2">
-            <a:avLst/>
-          </a:prstGeom>
-        </p:spPr>
-        <p:style>
-          <a:lnRef idx="1">
-            <a:schemeClr val="dk1"/>
-          </a:lnRef>
-          <a:fillRef idx="0">
-            <a:schemeClr val="dk1"/>
-          </a:fillRef>
-          <a:effectRef idx="0">
-            <a:schemeClr val="dk1"/>
-          </a:effectRef>
-          <a:fontRef idx="minor">
-            <a:schemeClr val="tx1"/>
-          </a:fontRef>
-        </p:style>
-      </p:cxnSp>
-      <p:sp>
-        <p:nvSpPr>
-          <p:cNvPr id="136" name="직사각형 135">
-            <a:extLst>
-              <a:ext uri="{FF2B5EF4-FFF2-40B4-BE49-F238E27FC236}">
-                <a16:creationId xmlns:a16="http://schemas.microsoft.com/office/drawing/2014/main" id="{9CD07B59-3D99-41BF-A15E-B08F7B1FC822}"/>
+              <a:t>상영스케줄 수정</a:t>
+            </a:r>
+          </a:p>
+        </p:txBody>
+      </p:sp>
+      <p:sp>
+        <p:nvSpPr>
+          <p:cNvPr id="152" name="직사각형 151">
+            <a:extLst>
+              <a:ext uri="{FF2B5EF4-FFF2-40B4-BE49-F238E27FC236}">
+                <a16:creationId xmlns:a16="http://schemas.microsoft.com/office/drawing/2014/main" id="{7954D0FF-2C26-4F4E-AD29-5B5A22A95275}"/>
               </a:ext>
             </a:extLst>
           </p:cNvPr>
@@ -7900,7 +7823,7 @@
         </p:nvSpPr>
         <p:spPr>
           <a:xfrm>
-            <a:off x="32319819" y="27457205"/>
+            <a:off x="33785309" y="28763489"/>
             <a:ext cx="2258402" cy="419458"/>
           </a:xfrm>
           <a:prstGeom prst="rect">
@@ -7933,31 +7856,31 @@
             <a:pPr algn="ctr"/>
             <a:r>
               <a:rPr lang="ko-KR" altLang="en-US" sz="2000" b="1"/>
-              <a:t>상영 스케줄 관리</a:t>
+              <a:t>상영스케줄 삭제</a:t>
             </a:r>
           </a:p>
         </p:txBody>
       </p:sp>
       <p:cxnSp>
         <p:nvCxnSpPr>
-          <p:cNvPr id="137" name="연결선: 꺾임 136">
-            <a:extLst>
-              <a:ext uri="{FF2B5EF4-FFF2-40B4-BE49-F238E27FC236}">
-                <a16:creationId xmlns:a16="http://schemas.microsoft.com/office/drawing/2014/main" id="{7F82065E-A1B2-4F09-BCDE-A3BC1F526405}"/>
+          <p:cNvPr id="153" name="연결선: 꺾임 152">
+            <a:extLst>
+              <a:ext uri="{FF2B5EF4-FFF2-40B4-BE49-F238E27FC236}">
+                <a16:creationId xmlns:a16="http://schemas.microsoft.com/office/drawing/2014/main" id="{43257DAC-1ADA-40E0-937B-2C3F0FD04A2B}"/>
               </a:ext>
             </a:extLst>
           </p:cNvPr>
           <p:cNvCxnSpPr>
             <a:cxnSpLocks/>
-            <a:stCxn id="462" idx="2"/>
-            <a:endCxn id="136" idx="1"/>
+            <a:stCxn id="150" idx="1"/>
+            <a:endCxn id="136" idx="2"/>
           </p:cNvCxnSpPr>
           <p:nvPr/>
         </p:nvCxnSpPr>
         <p:spPr>
-          <a:xfrm rot="16200000" flipH="1">
-            <a:off x="27834322" y="23181437"/>
-            <a:ext cx="8384460" cy="586533"/>
+          <a:xfrm rot="10800000">
+            <a:off x="33460514" y="26386156"/>
+            <a:ext cx="345002" cy="1257550"/>
           </a:xfrm>
           <a:prstGeom prst="bentConnector2">
             <a:avLst/>
@@ -7978,12 +7901,132 @@
           </a:fontRef>
         </p:style>
       </p:cxnSp>
-      <p:sp>
-        <p:nvSpPr>
-          <p:cNvPr id="145" name="직사각형 144">
-            <a:extLst>
-              <a:ext uri="{FF2B5EF4-FFF2-40B4-BE49-F238E27FC236}">
-                <a16:creationId xmlns:a16="http://schemas.microsoft.com/office/drawing/2014/main" id="{970A1C27-1DC6-4F8C-95C2-489DE9B435B7}"/>
+      <p:cxnSp>
+        <p:nvCxnSpPr>
+          <p:cNvPr id="156" name="연결선: 꺾임 155">
+            <a:extLst>
+              <a:ext uri="{FF2B5EF4-FFF2-40B4-BE49-F238E27FC236}">
+                <a16:creationId xmlns:a16="http://schemas.microsoft.com/office/drawing/2014/main" id="{9C9E7A72-CB50-4773-80CC-3F6D152C965A}"/>
+              </a:ext>
+            </a:extLst>
+          </p:cNvPr>
+          <p:cNvCxnSpPr>
+            <a:cxnSpLocks/>
+            <a:stCxn id="151" idx="1"/>
+            <a:endCxn id="136" idx="2"/>
+          </p:cNvCxnSpPr>
+          <p:nvPr/>
+        </p:nvCxnSpPr>
+        <p:spPr>
+          <a:xfrm rot="10800000">
+            <a:off x="33460515" y="26386156"/>
+            <a:ext cx="324795" cy="1933552"/>
+          </a:xfrm>
+          <a:prstGeom prst="bentConnector2">
+            <a:avLst/>
+          </a:prstGeom>
+        </p:spPr>
+        <p:style>
+          <a:lnRef idx="1">
+            <a:schemeClr val="dk1"/>
+          </a:lnRef>
+          <a:fillRef idx="0">
+            <a:schemeClr val="dk1"/>
+          </a:fillRef>
+          <a:effectRef idx="0">
+            <a:schemeClr val="dk1"/>
+          </a:effectRef>
+          <a:fontRef idx="minor">
+            <a:schemeClr val="tx1"/>
+          </a:fontRef>
+        </p:style>
+      </p:cxnSp>
+      <p:cxnSp>
+        <p:nvCxnSpPr>
+          <p:cNvPr id="160" name="연결선: 꺾임 159">
+            <a:extLst>
+              <a:ext uri="{FF2B5EF4-FFF2-40B4-BE49-F238E27FC236}">
+                <a16:creationId xmlns:a16="http://schemas.microsoft.com/office/drawing/2014/main" id="{39208C58-DCDC-4D19-BF70-20B76281D426}"/>
+              </a:ext>
+            </a:extLst>
+          </p:cNvPr>
+          <p:cNvCxnSpPr>
+            <a:cxnSpLocks/>
+            <a:stCxn id="152" idx="1"/>
+            <a:endCxn id="136" idx="2"/>
+          </p:cNvCxnSpPr>
+          <p:nvPr/>
+        </p:nvCxnSpPr>
+        <p:spPr>
+          <a:xfrm rot="10800000">
+            <a:off x="33460515" y="26386156"/>
+            <a:ext cx="324795" cy="2587062"/>
+          </a:xfrm>
+          <a:prstGeom prst="bentConnector2">
+            <a:avLst/>
+          </a:prstGeom>
+        </p:spPr>
+        <p:style>
+          <a:lnRef idx="1">
+            <a:schemeClr val="dk1"/>
+          </a:lnRef>
+          <a:fillRef idx="0">
+            <a:schemeClr val="dk1"/>
+          </a:fillRef>
+          <a:effectRef idx="0">
+            <a:schemeClr val="dk1"/>
+          </a:effectRef>
+          <a:fontRef idx="minor">
+            <a:schemeClr val="tx1"/>
+          </a:fontRef>
+        </p:style>
+      </p:cxnSp>
+      <p:cxnSp>
+        <p:nvCxnSpPr>
+          <p:cNvPr id="120" name="연결선: 꺾임 119">
+            <a:extLst>
+              <a:ext uri="{FF2B5EF4-FFF2-40B4-BE49-F238E27FC236}">
+                <a16:creationId xmlns:a16="http://schemas.microsoft.com/office/drawing/2014/main" id="{E5C78B8C-5294-4EB6-AEAC-75A1C07096F8}"/>
+              </a:ext>
+            </a:extLst>
+          </p:cNvPr>
+          <p:cNvCxnSpPr>
+            <a:cxnSpLocks/>
+          </p:cNvCxnSpPr>
+          <p:nvPr/>
+        </p:nvCxnSpPr>
+        <p:spPr>
+          <a:xfrm rot="5400000" flipH="1" flipV="1">
+            <a:off x="24234405" y="1508018"/>
+            <a:ext cx="1829666" cy="1215888"/>
+          </a:xfrm>
+          <a:prstGeom prst="bentConnector3">
+            <a:avLst>
+              <a:gd name="adj1" fmla="val 50000"/>
+            </a:avLst>
+          </a:prstGeom>
+        </p:spPr>
+        <p:style>
+          <a:lnRef idx="1">
+            <a:schemeClr val="dk1"/>
+          </a:lnRef>
+          <a:fillRef idx="0">
+            <a:schemeClr val="dk1"/>
+          </a:fillRef>
+          <a:effectRef idx="0">
+            <a:schemeClr val="dk1"/>
+          </a:effectRef>
+          <a:fontRef idx="minor">
+            <a:schemeClr val="tx1"/>
+          </a:fontRef>
+        </p:style>
+      </p:cxnSp>
+      <p:sp>
+        <p:nvSpPr>
+          <p:cNvPr id="122" name="직사각형 121">
+            <a:extLst>
+              <a:ext uri="{FF2B5EF4-FFF2-40B4-BE49-F238E27FC236}">
+                <a16:creationId xmlns:a16="http://schemas.microsoft.com/office/drawing/2014/main" id="{F461E5DB-3F15-481D-8449-1E3C3A145358}"/>
               </a:ext>
             </a:extLst>
           </p:cNvPr>
@@ -7992,8 +8035,8 @@
         </p:nvSpPr>
         <p:spPr>
           <a:xfrm>
-            <a:off x="33794022" y="28266127"/>
-            <a:ext cx="2258402" cy="419458"/>
+            <a:off x="23790507" y="3030779"/>
+            <a:ext cx="1484453" cy="419458"/>
           </a:xfrm>
           <a:prstGeom prst="rect">
             <a:avLst/>
@@ -8024,35 +8067,39 @@
           <a:p>
             <a:pPr algn="ctr"/>
             <a:r>
-              <a:rPr lang="ko-KR" altLang="en-US" sz="2000" b="1"/>
-              <a:t>상영스케줄 조회</a:t>
+              <a:rPr lang="en-US" altLang="ko-KR" sz="2000" b="1" dirty="0"/>
+              <a:t>ID </a:t>
+            </a:r>
+            <a:r>
+              <a:rPr lang="ko-KR" altLang="en-US" sz="2000" b="1" dirty="0"/>
+              <a:t>찾기</a:t>
             </a:r>
           </a:p>
         </p:txBody>
       </p:sp>
       <p:cxnSp>
         <p:nvCxnSpPr>
-          <p:cNvPr id="146" name="연결선: 꺾임 145">
-            <a:extLst>
-              <a:ext uri="{FF2B5EF4-FFF2-40B4-BE49-F238E27FC236}">
-                <a16:creationId xmlns:a16="http://schemas.microsoft.com/office/drawing/2014/main" id="{CC059E7E-91C1-4EC6-A46F-D5C0C19459BB}"/>
+          <p:cNvPr id="123" name="연결선: 꺾임 122">
+            <a:extLst>
+              <a:ext uri="{FF2B5EF4-FFF2-40B4-BE49-F238E27FC236}">
+                <a16:creationId xmlns:a16="http://schemas.microsoft.com/office/drawing/2014/main" id="{FAE9EE52-22C0-45DE-BD5B-0196F86508AA}"/>
               </a:ext>
             </a:extLst>
           </p:cNvPr>
           <p:cNvCxnSpPr>
             <a:cxnSpLocks/>
-            <a:stCxn id="145" idx="1"/>
-            <a:endCxn id="136" idx="2"/>
           </p:cNvCxnSpPr>
           <p:nvPr/>
         </p:nvCxnSpPr>
         <p:spPr>
-          <a:xfrm rot="10800000">
-            <a:off x="33449020" y="27876664"/>
-            <a:ext cx="345002" cy="599193"/>
-          </a:xfrm>
-          <a:prstGeom prst="bentConnector2">
-            <a:avLst/>
+          <a:xfrm rot="16200000" flipV="1">
+            <a:off x="25550272" y="1408021"/>
+            <a:ext cx="1810453" cy="1396631"/>
+          </a:xfrm>
+          <a:prstGeom prst="bentConnector3">
+            <a:avLst>
+              <a:gd name="adj1" fmla="val 50000"/>
+            </a:avLst>
           </a:prstGeom>
         </p:spPr>
         <p:style>
@@ -8072,10 +8119,10 @@
       </p:cxnSp>
       <p:sp>
         <p:nvSpPr>
-          <p:cNvPr id="150" name="직사각형 149">
-            <a:extLst>
-              <a:ext uri="{FF2B5EF4-FFF2-40B4-BE49-F238E27FC236}">
-                <a16:creationId xmlns:a16="http://schemas.microsoft.com/office/drawing/2014/main" id="{5BEDED42-B77D-41B9-9E3B-A96A0749D25D}"/>
+          <p:cNvPr id="125" name="직사각형 124">
+            <a:extLst>
+              <a:ext uri="{FF2B5EF4-FFF2-40B4-BE49-F238E27FC236}">
+                <a16:creationId xmlns:a16="http://schemas.microsoft.com/office/drawing/2014/main" id="{13DD21EA-7BB0-433A-A1B1-0C6C0F0FEE70}"/>
               </a:ext>
             </a:extLst>
           </p:cNvPr>
@@ -8084,8 +8131,8 @@
         </p:nvSpPr>
         <p:spPr>
           <a:xfrm>
-            <a:off x="33794022" y="28924484"/>
-            <a:ext cx="2258402" cy="419458"/>
+            <a:off x="26416837" y="3030779"/>
+            <a:ext cx="1484453" cy="419458"/>
           </a:xfrm>
           <a:prstGeom prst="rect">
             <a:avLst/>
@@ -8116,18 +8163,22 @@
           <a:p>
             <a:pPr algn="ctr"/>
             <a:r>
-              <a:rPr lang="ko-KR" altLang="en-US" sz="2000" b="1"/>
-              <a:t>상영스케줄 등록</a:t>
-            </a:r>
-          </a:p>
-        </p:txBody>
-      </p:sp>
-      <p:sp>
-        <p:nvSpPr>
-          <p:cNvPr id="151" name="직사각형 150">
-            <a:extLst>
-              <a:ext uri="{FF2B5EF4-FFF2-40B4-BE49-F238E27FC236}">
-                <a16:creationId xmlns:a16="http://schemas.microsoft.com/office/drawing/2014/main" id="{2D48AB79-EC22-4608-9090-99AA4229A3A6}"/>
+              <a:rPr lang="en-US" altLang="ko-KR" sz="2000" b="1" dirty="0"/>
+              <a:t>PW </a:t>
+            </a:r>
+            <a:r>
+              <a:rPr lang="ko-KR" altLang="en-US" sz="2000" b="1" dirty="0"/>
+              <a:t>찾기</a:t>
+            </a:r>
+          </a:p>
+        </p:txBody>
+      </p:sp>
+      <p:sp>
+        <p:nvSpPr>
+          <p:cNvPr id="121" name="직사각형 120">
+            <a:extLst>
+              <a:ext uri="{FF2B5EF4-FFF2-40B4-BE49-F238E27FC236}">
+                <a16:creationId xmlns:a16="http://schemas.microsoft.com/office/drawing/2014/main" id="{75259965-F09D-4A50-98E8-C76D99C8BA7D}"/>
               </a:ext>
             </a:extLst>
           </p:cNvPr>
@@ -8136,8 +8187,8 @@
         </p:nvSpPr>
         <p:spPr>
           <a:xfrm>
-            <a:off x="33773815" y="29600486"/>
-            <a:ext cx="2258402" cy="419458"/>
+            <a:off x="16284097" y="5846804"/>
+            <a:ext cx="1484457" cy="419458"/>
           </a:xfrm>
           <a:prstGeom prst="rect">
             <a:avLst/>
@@ -8168,18 +8219,66 @@
           <a:p>
             <a:pPr algn="ctr"/>
             <a:r>
-              <a:rPr lang="ko-KR" altLang="en-US" sz="2000" b="1"/>
-              <a:t>상영스케줄 수정</a:t>
-            </a:r>
-          </a:p>
-        </p:txBody>
-      </p:sp>
-      <p:sp>
-        <p:nvSpPr>
-          <p:cNvPr id="152" name="직사각형 151">
-            <a:extLst>
-              <a:ext uri="{FF2B5EF4-FFF2-40B4-BE49-F238E27FC236}">
-                <a16:creationId xmlns:a16="http://schemas.microsoft.com/office/drawing/2014/main" id="{7954D0FF-2C26-4F4E-AD29-5B5A22A95275}"/>
+              <a:rPr lang="ko-KR" altLang="en-US" sz="2000" b="1" dirty="0"/>
+              <a:t>할인정보</a:t>
+            </a:r>
+            <a:br>
+              <a:rPr lang="en-US" altLang="ko-KR" sz="2000" b="1" dirty="0"/>
+            </a:br>
+            <a:r>
+              <a:rPr lang="ko-KR" altLang="en-US" sz="2000" b="1" dirty="0"/>
+              <a:t>상세보기</a:t>
+            </a:r>
+            <a:endParaRPr lang="en-US" altLang="ko-KR" sz="2000" b="1" dirty="0"/>
+          </a:p>
+        </p:txBody>
+      </p:sp>
+      <p:cxnSp>
+        <p:nvCxnSpPr>
+          <p:cNvPr id="124" name="연결선: 꺾임 123">
+            <a:extLst>
+              <a:ext uri="{FF2B5EF4-FFF2-40B4-BE49-F238E27FC236}">
+                <a16:creationId xmlns:a16="http://schemas.microsoft.com/office/drawing/2014/main" id="{ABE39FE4-3BED-44A8-AD45-A508323DB42C}"/>
+              </a:ext>
+            </a:extLst>
+          </p:cNvPr>
+          <p:cNvCxnSpPr>
+            <a:cxnSpLocks/>
+            <a:stCxn id="121" idx="1"/>
+            <a:endCxn id="187" idx="2"/>
+          </p:cNvCxnSpPr>
+          <p:nvPr/>
+        </p:nvCxnSpPr>
+        <p:spPr>
+          <a:xfrm rot="10800000">
+            <a:off x="15992629" y="5468311"/>
+            <a:ext cx="291469" cy="588222"/>
+          </a:xfrm>
+          <a:prstGeom prst="bentConnector2">
+            <a:avLst/>
+          </a:prstGeom>
+        </p:spPr>
+        <p:style>
+          <a:lnRef idx="1">
+            <a:schemeClr val="dk1"/>
+          </a:lnRef>
+          <a:fillRef idx="0">
+            <a:schemeClr val="dk1"/>
+          </a:fillRef>
+          <a:effectRef idx="0">
+            <a:schemeClr val="dk1"/>
+          </a:effectRef>
+          <a:fontRef idx="minor">
+            <a:schemeClr val="tx1"/>
+          </a:fontRef>
+        </p:style>
+      </p:cxnSp>
+      <p:sp>
+        <p:nvSpPr>
+          <p:cNvPr id="126" name="직사각형 125">
+            <a:extLst>
+              <a:ext uri="{FF2B5EF4-FFF2-40B4-BE49-F238E27FC236}">
+                <a16:creationId xmlns:a16="http://schemas.microsoft.com/office/drawing/2014/main" id="{1A6B762A-EBA6-4936-B7CE-B4D8BB30F858}"/>
               </a:ext>
             </a:extLst>
           </p:cNvPr>
@@ -8188,8 +8287,8 @@
         </p:nvSpPr>
         <p:spPr>
           <a:xfrm>
-            <a:off x="33773815" y="30253996"/>
-            <a:ext cx="2258402" cy="419458"/>
+            <a:off x="19660109" y="5849149"/>
+            <a:ext cx="1484457" cy="419458"/>
           </a:xfrm>
           <a:prstGeom prst="rect">
             <a:avLst/>
@@ -8220,32 +8319,40 @@
           <a:p>
             <a:pPr algn="ctr"/>
             <a:r>
-              <a:rPr lang="ko-KR" altLang="en-US" sz="2000" b="1"/>
-              <a:t>상영스케줄 삭제</a:t>
-            </a:r>
+              <a:rPr lang="ko-KR" altLang="en-US" sz="2000" b="1" dirty="0"/>
+              <a:t>건의사항</a:t>
+            </a:r>
+            <a:br>
+              <a:rPr lang="en-US" altLang="ko-KR" sz="2000" b="1" dirty="0"/>
+            </a:br>
+            <a:r>
+              <a:rPr lang="ko-KR" altLang="en-US" sz="2000" b="1" dirty="0"/>
+              <a:t>상세보기</a:t>
+            </a:r>
+            <a:endParaRPr lang="en-US" altLang="ko-KR" sz="2000" b="1" dirty="0"/>
           </a:p>
         </p:txBody>
       </p:sp>
       <p:cxnSp>
         <p:nvCxnSpPr>
-          <p:cNvPr id="153" name="연결선: 꺾임 152">
-            <a:extLst>
-              <a:ext uri="{FF2B5EF4-FFF2-40B4-BE49-F238E27FC236}">
-                <a16:creationId xmlns:a16="http://schemas.microsoft.com/office/drawing/2014/main" id="{43257DAC-1ADA-40E0-937B-2C3F0FD04A2B}"/>
+          <p:cNvPr id="127" name="연결선: 꺾임 126">
+            <a:extLst>
+              <a:ext uri="{FF2B5EF4-FFF2-40B4-BE49-F238E27FC236}">
+                <a16:creationId xmlns:a16="http://schemas.microsoft.com/office/drawing/2014/main" id="{842E2202-E7DD-433F-9706-1C2D81F50094}"/>
               </a:ext>
             </a:extLst>
           </p:cNvPr>
           <p:cNvCxnSpPr>
             <a:cxnSpLocks/>
-            <a:stCxn id="150" idx="1"/>
-            <a:endCxn id="136" idx="2"/>
+            <a:stCxn id="126" idx="1"/>
+            <a:endCxn id="359" idx="2"/>
           </p:cNvCxnSpPr>
           <p:nvPr/>
         </p:nvCxnSpPr>
         <p:spPr>
           <a:xfrm rot="10800000">
-            <a:off x="33449020" y="27876663"/>
-            <a:ext cx="345002" cy="1257550"/>
+            <a:off x="19321055" y="5468312"/>
+            <a:ext cx="339055" cy="590567"/>
           </a:xfrm>
           <a:prstGeom prst="bentConnector2">
             <a:avLst/>
@@ -8266,26 +8373,78 @@
           </a:fontRef>
         </p:style>
       </p:cxnSp>
+      <p:sp>
+        <p:nvSpPr>
+          <p:cNvPr id="155" name="직사각형 154">
+            <a:extLst>
+              <a:ext uri="{FF2B5EF4-FFF2-40B4-BE49-F238E27FC236}">
+                <a16:creationId xmlns:a16="http://schemas.microsoft.com/office/drawing/2014/main" id="{E703B887-3F09-4733-B402-18A84ACD8F21}"/>
+              </a:ext>
+            </a:extLst>
+          </p:cNvPr>
+          <p:cNvSpPr/>
+          <p:nvPr/>
+        </p:nvSpPr>
+        <p:spPr>
+          <a:xfrm>
+            <a:off x="12956022" y="13945472"/>
+            <a:ext cx="1484457" cy="419458"/>
+          </a:xfrm>
+          <a:prstGeom prst="rect">
+            <a:avLst/>
+          </a:prstGeom>
+        </p:spPr>
+        <p:style>
+          <a:lnRef idx="2">
+            <a:schemeClr val="dk1"/>
+          </a:lnRef>
+          <a:fillRef idx="1">
+            <a:schemeClr val="lt1"/>
+          </a:fillRef>
+          <a:effectRef idx="0">
+            <a:schemeClr val="dk1"/>
+          </a:effectRef>
+          <a:fontRef idx="minor">
+            <a:schemeClr val="dk1"/>
+          </a:fontRef>
+        </p:style>
+        <p:txBody>
+          <a:bodyPr rot="0" spcFirstLastPara="0" vertOverflow="overflow" horzOverflow="overflow" vert="horz" wrap="square" lIns="182869" tIns="91446" rIns="182869" bIns="91446" numCol="1" spcCol="0" rtlCol="0" fromWordArt="0" anchor="ctr" anchorCtr="0" forceAA="0" compatLnSpc="1">
+            <a:prstTxWarp prst="textNoShape">
+              <a:avLst/>
+            </a:prstTxWarp>
+            <a:noAutofit/>
+          </a:bodyPr>
+          <a:lstStyle/>
+          <a:p>
+            <a:pPr algn="ctr"/>
+            <a:r>
+              <a:rPr lang="ko-KR" altLang="en-US" sz="2000" b="1" dirty="0"/>
+              <a:t>공지사항 상세보기</a:t>
+            </a:r>
+          </a:p>
+        </p:txBody>
+      </p:sp>
       <p:cxnSp>
         <p:nvCxnSpPr>
-          <p:cNvPr id="156" name="연결선: 꺾임 155">
-            <a:extLst>
-              <a:ext uri="{FF2B5EF4-FFF2-40B4-BE49-F238E27FC236}">
-                <a16:creationId xmlns:a16="http://schemas.microsoft.com/office/drawing/2014/main" id="{9C9E7A72-CB50-4773-80CC-3F6D152C965A}"/>
+          <p:cNvPr id="157" name="연결선: 꺾임 156">
+            <a:extLst>
+              <a:ext uri="{FF2B5EF4-FFF2-40B4-BE49-F238E27FC236}">
+                <a16:creationId xmlns:a16="http://schemas.microsoft.com/office/drawing/2014/main" id="{D3AC258B-F5AB-4EBA-B4CF-D272881ECCFC}"/>
               </a:ext>
             </a:extLst>
           </p:cNvPr>
           <p:cNvCxnSpPr>
             <a:cxnSpLocks/>
-            <a:stCxn id="151" idx="1"/>
-            <a:endCxn id="136" idx="2"/>
+            <a:stCxn id="155" idx="1"/>
+            <a:endCxn id="362" idx="2"/>
           </p:cNvCxnSpPr>
           <p:nvPr/>
         </p:nvCxnSpPr>
         <p:spPr>
           <a:xfrm rot="10800000">
-            <a:off x="33449021" y="27876663"/>
-            <a:ext cx="324795" cy="1933552"/>
+            <a:off x="12770092" y="13670083"/>
+            <a:ext cx="185930" cy="485119"/>
           </a:xfrm>
           <a:prstGeom prst="bentConnector2">
             <a:avLst/>
@@ -8306,29 +8465,652 @@
           </a:fontRef>
         </p:style>
       </p:cxnSp>
+      <p:sp>
+        <p:nvSpPr>
+          <p:cNvPr id="161" name="직사각형 160">
+            <a:extLst>
+              <a:ext uri="{FF2B5EF4-FFF2-40B4-BE49-F238E27FC236}">
+                <a16:creationId xmlns:a16="http://schemas.microsoft.com/office/drawing/2014/main" id="{795E643A-A9A1-478C-B4F5-DAC171CA2D06}"/>
+              </a:ext>
+            </a:extLst>
+          </p:cNvPr>
+          <p:cNvSpPr/>
+          <p:nvPr/>
+        </p:nvSpPr>
+        <p:spPr>
+          <a:xfrm>
+            <a:off x="14883409" y="13936245"/>
+            <a:ext cx="1484457" cy="419458"/>
+          </a:xfrm>
+          <a:prstGeom prst="rect">
+            <a:avLst/>
+          </a:prstGeom>
+        </p:spPr>
+        <p:style>
+          <a:lnRef idx="2">
+            <a:schemeClr val="dk1"/>
+          </a:lnRef>
+          <a:fillRef idx="1">
+            <a:schemeClr val="lt1"/>
+          </a:fillRef>
+          <a:effectRef idx="0">
+            <a:schemeClr val="dk1"/>
+          </a:effectRef>
+          <a:fontRef idx="minor">
+            <a:schemeClr val="dk1"/>
+          </a:fontRef>
+        </p:style>
+        <p:txBody>
+          <a:bodyPr rot="0" spcFirstLastPara="0" vertOverflow="overflow" horzOverflow="overflow" vert="horz" wrap="square" lIns="182869" tIns="91446" rIns="182869" bIns="91446" numCol="1" spcCol="0" rtlCol="0" fromWordArt="0" anchor="ctr" anchorCtr="0" forceAA="0" compatLnSpc="1">
+            <a:prstTxWarp prst="textNoShape">
+              <a:avLst/>
+            </a:prstTxWarp>
+            <a:noAutofit/>
+          </a:bodyPr>
+          <a:lstStyle/>
+          <a:p>
+            <a:pPr algn="ctr"/>
+            <a:r>
+              <a:rPr lang="ko-KR" altLang="en-US" sz="2000" b="1" dirty="0"/>
+              <a:t>할인정보</a:t>
+            </a:r>
+            <a:br>
+              <a:rPr lang="en-US" altLang="ko-KR" sz="2000" b="1" dirty="0"/>
+            </a:br>
+            <a:r>
+              <a:rPr lang="ko-KR" altLang="en-US" sz="2000" b="1" dirty="0"/>
+              <a:t>상세보기</a:t>
+            </a:r>
+            <a:endParaRPr lang="en-US" altLang="ko-KR" sz="2000" b="1" dirty="0"/>
+          </a:p>
+        </p:txBody>
+      </p:sp>
       <p:cxnSp>
         <p:nvCxnSpPr>
-          <p:cNvPr id="160" name="연결선: 꺾임 159">
-            <a:extLst>
-              <a:ext uri="{FF2B5EF4-FFF2-40B4-BE49-F238E27FC236}">
-                <a16:creationId xmlns:a16="http://schemas.microsoft.com/office/drawing/2014/main" id="{39208C58-DCDC-4D19-BF70-20B76281D426}"/>
+          <p:cNvPr id="162" name="연결선: 꺾임 161">
+            <a:extLst>
+              <a:ext uri="{FF2B5EF4-FFF2-40B4-BE49-F238E27FC236}">
+                <a16:creationId xmlns:a16="http://schemas.microsoft.com/office/drawing/2014/main" id="{35CC7002-1984-4D5F-ABF5-3B04593870D5}"/>
               </a:ext>
             </a:extLst>
           </p:cNvPr>
           <p:cNvCxnSpPr>
             <a:cxnSpLocks/>
-            <a:stCxn id="152" idx="1"/>
-            <a:endCxn id="136" idx="2"/>
+            <a:stCxn id="161" idx="1"/>
+            <a:endCxn id="363" idx="2"/>
           </p:cNvCxnSpPr>
           <p:nvPr/>
         </p:nvCxnSpPr>
         <p:spPr>
           <a:xfrm rot="10800000">
-            <a:off x="33449021" y="27876663"/>
-            <a:ext cx="324795" cy="2587062"/>
+            <a:off x="14710635" y="13656448"/>
+            <a:ext cx="172775" cy="489527"/>
           </a:xfrm>
           <a:prstGeom prst="bentConnector2">
             <a:avLst/>
+          </a:prstGeom>
+        </p:spPr>
+        <p:style>
+          <a:lnRef idx="1">
+            <a:schemeClr val="dk1"/>
+          </a:lnRef>
+          <a:fillRef idx="0">
+            <a:schemeClr val="dk1"/>
+          </a:fillRef>
+          <a:effectRef idx="0">
+            <a:schemeClr val="dk1"/>
+          </a:effectRef>
+          <a:fontRef idx="minor">
+            <a:schemeClr val="tx1"/>
+          </a:fontRef>
+        </p:style>
+      </p:cxnSp>
+      <p:sp>
+        <p:nvSpPr>
+          <p:cNvPr id="176" name="직사각형 175">
+            <a:extLst>
+              <a:ext uri="{FF2B5EF4-FFF2-40B4-BE49-F238E27FC236}">
+                <a16:creationId xmlns:a16="http://schemas.microsoft.com/office/drawing/2014/main" id="{F3CC9FDD-D711-497A-B498-7F3354E0A09C}"/>
+              </a:ext>
+            </a:extLst>
+          </p:cNvPr>
+          <p:cNvSpPr/>
+          <p:nvPr/>
+        </p:nvSpPr>
+        <p:spPr>
+          <a:xfrm>
+            <a:off x="23121807" y="14679380"/>
+            <a:ext cx="2020114" cy="419458"/>
+          </a:xfrm>
+          <a:prstGeom prst="rect">
+            <a:avLst/>
+          </a:prstGeom>
+        </p:spPr>
+        <p:style>
+          <a:lnRef idx="2">
+            <a:schemeClr val="dk1"/>
+          </a:lnRef>
+          <a:fillRef idx="1">
+            <a:schemeClr val="lt1"/>
+          </a:fillRef>
+          <a:effectRef idx="0">
+            <a:schemeClr val="dk1"/>
+          </a:effectRef>
+          <a:fontRef idx="minor">
+            <a:schemeClr val="dk1"/>
+          </a:fontRef>
+        </p:style>
+        <p:txBody>
+          <a:bodyPr rot="0" spcFirstLastPara="0" vertOverflow="overflow" horzOverflow="overflow" vert="horz" wrap="square" lIns="182869" tIns="91446" rIns="182869" bIns="91446" numCol="1" spcCol="0" rtlCol="0" fromWordArt="0" anchor="ctr" anchorCtr="0" forceAA="0" compatLnSpc="1">
+            <a:prstTxWarp prst="textNoShape">
+              <a:avLst/>
+            </a:prstTxWarp>
+            <a:noAutofit/>
+          </a:bodyPr>
+          <a:lstStyle/>
+          <a:p>
+            <a:pPr algn="ctr"/>
+            <a:r>
+              <a:rPr lang="ko-KR" altLang="en-US" sz="2000" b="1" dirty="0"/>
+              <a:t>건의사항 수정</a:t>
+            </a:r>
+          </a:p>
+        </p:txBody>
+      </p:sp>
+      <p:cxnSp>
+        <p:nvCxnSpPr>
+          <p:cNvPr id="177" name="연결선: 꺾임 176">
+            <a:extLst>
+              <a:ext uri="{FF2B5EF4-FFF2-40B4-BE49-F238E27FC236}">
+                <a16:creationId xmlns:a16="http://schemas.microsoft.com/office/drawing/2014/main" id="{9C30C98A-044A-4212-85B6-A766CC294130}"/>
+              </a:ext>
+            </a:extLst>
+          </p:cNvPr>
+          <p:cNvCxnSpPr>
+            <a:cxnSpLocks/>
+            <a:stCxn id="176" idx="1"/>
+            <a:endCxn id="430" idx="2"/>
+          </p:cNvCxnSpPr>
+          <p:nvPr/>
+        </p:nvCxnSpPr>
+        <p:spPr>
+          <a:xfrm rot="10800000">
+            <a:off x="22750457" y="14380355"/>
+            <a:ext cx="371351" cy="508755"/>
+          </a:xfrm>
+          <a:prstGeom prst="bentConnector2">
+            <a:avLst/>
+          </a:prstGeom>
+        </p:spPr>
+        <p:style>
+          <a:lnRef idx="1">
+            <a:schemeClr val="dk1"/>
+          </a:lnRef>
+          <a:fillRef idx="0">
+            <a:schemeClr val="dk1"/>
+          </a:fillRef>
+          <a:effectRef idx="0">
+            <a:schemeClr val="dk1"/>
+          </a:effectRef>
+          <a:fontRef idx="minor">
+            <a:schemeClr val="tx1"/>
+          </a:fontRef>
+        </p:style>
+      </p:cxnSp>
+      <p:sp>
+        <p:nvSpPr>
+          <p:cNvPr id="182" name="직사각형 181">
+            <a:extLst>
+              <a:ext uri="{FF2B5EF4-FFF2-40B4-BE49-F238E27FC236}">
+                <a16:creationId xmlns:a16="http://schemas.microsoft.com/office/drawing/2014/main" id="{F2AADA29-C29B-4B9A-996A-81AE06988618}"/>
+              </a:ext>
+            </a:extLst>
+          </p:cNvPr>
+          <p:cNvSpPr/>
+          <p:nvPr/>
+        </p:nvSpPr>
+        <p:spPr>
+          <a:xfrm>
+            <a:off x="23121807" y="15273188"/>
+            <a:ext cx="2020114" cy="419458"/>
+          </a:xfrm>
+          <a:prstGeom prst="rect">
+            <a:avLst/>
+          </a:prstGeom>
+        </p:spPr>
+        <p:style>
+          <a:lnRef idx="2">
+            <a:schemeClr val="dk1"/>
+          </a:lnRef>
+          <a:fillRef idx="1">
+            <a:schemeClr val="lt1"/>
+          </a:fillRef>
+          <a:effectRef idx="0">
+            <a:schemeClr val="dk1"/>
+          </a:effectRef>
+          <a:fontRef idx="minor">
+            <a:schemeClr val="dk1"/>
+          </a:fontRef>
+        </p:style>
+        <p:txBody>
+          <a:bodyPr rot="0" spcFirstLastPara="0" vertOverflow="overflow" horzOverflow="overflow" vert="horz" wrap="square" lIns="182869" tIns="91446" rIns="182869" bIns="91446" numCol="1" spcCol="0" rtlCol="0" fromWordArt="0" anchor="ctr" anchorCtr="0" forceAA="0" compatLnSpc="1">
+            <a:prstTxWarp prst="textNoShape">
+              <a:avLst/>
+            </a:prstTxWarp>
+            <a:noAutofit/>
+          </a:bodyPr>
+          <a:lstStyle/>
+          <a:p>
+            <a:pPr algn="ctr"/>
+            <a:r>
+              <a:rPr lang="ko-KR" altLang="en-US" sz="2000" b="1" dirty="0"/>
+              <a:t>건의사항 삭제</a:t>
+            </a:r>
+          </a:p>
+        </p:txBody>
+      </p:sp>
+      <p:cxnSp>
+        <p:nvCxnSpPr>
+          <p:cNvPr id="185" name="연결선: 꺾임 184">
+            <a:extLst>
+              <a:ext uri="{FF2B5EF4-FFF2-40B4-BE49-F238E27FC236}">
+                <a16:creationId xmlns:a16="http://schemas.microsoft.com/office/drawing/2014/main" id="{646F4A35-8D7F-46A2-B5CC-005EA93DF205}"/>
+              </a:ext>
+            </a:extLst>
+          </p:cNvPr>
+          <p:cNvCxnSpPr>
+            <a:cxnSpLocks/>
+            <a:stCxn id="182" idx="1"/>
+            <a:endCxn id="430" idx="2"/>
+          </p:cNvCxnSpPr>
+          <p:nvPr/>
+        </p:nvCxnSpPr>
+        <p:spPr>
+          <a:xfrm rot="10800000">
+            <a:off x="22750457" y="14380355"/>
+            <a:ext cx="371351" cy="1102563"/>
+          </a:xfrm>
+          <a:prstGeom prst="bentConnector2">
+            <a:avLst/>
+          </a:prstGeom>
+        </p:spPr>
+        <p:style>
+          <a:lnRef idx="1">
+            <a:schemeClr val="dk1"/>
+          </a:lnRef>
+          <a:fillRef idx="0">
+            <a:schemeClr val="dk1"/>
+          </a:fillRef>
+          <a:effectRef idx="0">
+            <a:schemeClr val="dk1"/>
+          </a:effectRef>
+          <a:fontRef idx="minor">
+            <a:schemeClr val="tx1"/>
+          </a:fontRef>
+        </p:style>
+      </p:cxnSp>
+      <p:sp>
+        <p:nvSpPr>
+          <p:cNvPr id="188" name="직사각형 187">
+            <a:extLst>
+              <a:ext uri="{FF2B5EF4-FFF2-40B4-BE49-F238E27FC236}">
+                <a16:creationId xmlns:a16="http://schemas.microsoft.com/office/drawing/2014/main" id="{47FA4662-2CD9-4403-8F26-9F64A7CFD511}"/>
+              </a:ext>
+            </a:extLst>
+          </p:cNvPr>
+          <p:cNvSpPr/>
+          <p:nvPr/>
+        </p:nvSpPr>
+        <p:spPr>
+          <a:xfrm>
+            <a:off x="10886525" y="17230088"/>
+            <a:ext cx="2020114" cy="419458"/>
+          </a:xfrm>
+          <a:prstGeom prst="rect">
+            <a:avLst/>
+          </a:prstGeom>
+        </p:spPr>
+        <p:style>
+          <a:lnRef idx="2">
+            <a:schemeClr val="dk1"/>
+          </a:lnRef>
+          <a:fillRef idx="1">
+            <a:schemeClr val="lt1"/>
+          </a:fillRef>
+          <a:effectRef idx="0">
+            <a:schemeClr val="dk1"/>
+          </a:effectRef>
+          <a:fontRef idx="minor">
+            <a:schemeClr val="dk1"/>
+          </a:fontRef>
+        </p:style>
+        <p:txBody>
+          <a:bodyPr rot="0" spcFirstLastPara="0" vertOverflow="overflow" horzOverflow="overflow" vert="horz" wrap="square" lIns="182869" tIns="91446" rIns="182869" bIns="91446" numCol="1" spcCol="0" rtlCol="0" fromWordArt="0" anchor="ctr" anchorCtr="0" forceAA="0" compatLnSpc="1">
+            <a:prstTxWarp prst="textNoShape">
+              <a:avLst/>
+            </a:prstTxWarp>
+            <a:noAutofit/>
+          </a:bodyPr>
+          <a:lstStyle/>
+          <a:p>
+            <a:pPr algn="ctr"/>
+            <a:r>
+              <a:rPr lang="ko-KR" altLang="en-US" sz="2000" b="1" err="1"/>
+              <a:t>한줄평</a:t>
+            </a:r>
+            <a:r>
+              <a:rPr lang="ko-KR" altLang="en-US" sz="2000" b="1" dirty="0"/>
+              <a:t> 수정</a:t>
+            </a:r>
+          </a:p>
+        </p:txBody>
+      </p:sp>
+      <p:cxnSp>
+        <p:nvCxnSpPr>
+          <p:cNvPr id="189" name="연결선: 꺾임 188">
+            <a:extLst>
+              <a:ext uri="{FF2B5EF4-FFF2-40B4-BE49-F238E27FC236}">
+                <a16:creationId xmlns:a16="http://schemas.microsoft.com/office/drawing/2014/main" id="{C887391A-2F35-4010-927C-2FE199D75C66}"/>
+              </a:ext>
+            </a:extLst>
+          </p:cNvPr>
+          <p:cNvCxnSpPr>
+            <a:cxnSpLocks/>
+            <a:stCxn id="188" idx="1"/>
+            <a:endCxn id="504" idx="2"/>
+          </p:cNvCxnSpPr>
+          <p:nvPr/>
+        </p:nvCxnSpPr>
+        <p:spPr>
+          <a:xfrm rot="10800000">
+            <a:off x="10544601" y="17000729"/>
+            <a:ext cx="341925" cy="439089"/>
+          </a:xfrm>
+          <a:prstGeom prst="bentConnector2">
+            <a:avLst/>
+          </a:prstGeom>
+        </p:spPr>
+        <p:style>
+          <a:lnRef idx="1">
+            <a:schemeClr val="dk1"/>
+          </a:lnRef>
+          <a:fillRef idx="0">
+            <a:schemeClr val="dk1"/>
+          </a:fillRef>
+          <a:effectRef idx="0">
+            <a:schemeClr val="dk1"/>
+          </a:effectRef>
+          <a:fontRef idx="minor">
+            <a:schemeClr val="tx1"/>
+          </a:fontRef>
+        </p:style>
+      </p:cxnSp>
+      <p:sp>
+        <p:nvSpPr>
+          <p:cNvPr id="192" name="직사각형 191">
+            <a:extLst>
+              <a:ext uri="{FF2B5EF4-FFF2-40B4-BE49-F238E27FC236}">
+                <a16:creationId xmlns:a16="http://schemas.microsoft.com/office/drawing/2014/main" id="{50F9B59F-D76E-4928-AF99-F2F3660858C5}"/>
+              </a:ext>
+            </a:extLst>
+          </p:cNvPr>
+          <p:cNvSpPr/>
+          <p:nvPr/>
+        </p:nvSpPr>
+        <p:spPr>
+          <a:xfrm>
+            <a:off x="10914641" y="17812741"/>
+            <a:ext cx="2020114" cy="419458"/>
+          </a:xfrm>
+          <a:prstGeom prst="rect">
+            <a:avLst/>
+          </a:prstGeom>
+        </p:spPr>
+        <p:style>
+          <a:lnRef idx="2">
+            <a:schemeClr val="dk1"/>
+          </a:lnRef>
+          <a:fillRef idx="1">
+            <a:schemeClr val="lt1"/>
+          </a:fillRef>
+          <a:effectRef idx="0">
+            <a:schemeClr val="dk1"/>
+          </a:effectRef>
+          <a:fontRef idx="minor">
+            <a:schemeClr val="dk1"/>
+          </a:fontRef>
+        </p:style>
+        <p:txBody>
+          <a:bodyPr rot="0" spcFirstLastPara="0" vertOverflow="overflow" horzOverflow="overflow" vert="horz" wrap="square" lIns="182869" tIns="91446" rIns="182869" bIns="91446" numCol="1" spcCol="0" rtlCol="0" fromWordArt="0" anchor="ctr" anchorCtr="0" forceAA="0" compatLnSpc="1">
+            <a:prstTxWarp prst="textNoShape">
+              <a:avLst/>
+            </a:prstTxWarp>
+            <a:noAutofit/>
+          </a:bodyPr>
+          <a:lstStyle/>
+          <a:p>
+            <a:pPr algn="ctr"/>
+            <a:r>
+              <a:rPr lang="ko-KR" altLang="en-US" sz="2000" b="1" dirty="0" err="1"/>
+              <a:t>한줄평</a:t>
+            </a:r>
+            <a:r>
+              <a:rPr lang="ko-KR" altLang="en-US" sz="2000" b="1" dirty="0"/>
+              <a:t> 삭제</a:t>
+            </a:r>
+          </a:p>
+        </p:txBody>
+      </p:sp>
+      <p:cxnSp>
+        <p:nvCxnSpPr>
+          <p:cNvPr id="193" name="연결선: 꺾임 192">
+            <a:extLst>
+              <a:ext uri="{FF2B5EF4-FFF2-40B4-BE49-F238E27FC236}">
+                <a16:creationId xmlns:a16="http://schemas.microsoft.com/office/drawing/2014/main" id="{84F59E5E-4876-4F69-8C05-44F6851C674B}"/>
+              </a:ext>
+            </a:extLst>
+          </p:cNvPr>
+          <p:cNvCxnSpPr>
+            <a:cxnSpLocks/>
+            <a:stCxn id="192" idx="1"/>
+            <a:endCxn id="504" idx="2"/>
+          </p:cNvCxnSpPr>
+          <p:nvPr/>
+        </p:nvCxnSpPr>
+        <p:spPr>
+          <a:xfrm rot="10800000">
+            <a:off x="10544601" y="17000728"/>
+            <a:ext cx="370041" cy="1021742"/>
+          </a:xfrm>
+          <a:prstGeom prst="bentConnector2">
+            <a:avLst/>
+          </a:prstGeom>
+        </p:spPr>
+        <p:style>
+          <a:lnRef idx="1">
+            <a:schemeClr val="dk1"/>
+          </a:lnRef>
+          <a:fillRef idx="0">
+            <a:schemeClr val="dk1"/>
+          </a:fillRef>
+          <a:effectRef idx="0">
+            <a:schemeClr val="dk1"/>
+          </a:effectRef>
+          <a:fontRef idx="minor">
+            <a:schemeClr val="tx1"/>
+          </a:fontRef>
+        </p:style>
+      </p:cxnSp>
+      <p:sp>
+        <p:nvSpPr>
+          <p:cNvPr id="196" name="직사각형 195">
+            <a:extLst>
+              <a:ext uri="{FF2B5EF4-FFF2-40B4-BE49-F238E27FC236}">
+                <a16:creationId xmlns:a16="http://schemas.microsoft.com/office/drawing/2014/main" id="{97C1896E-FD78-4B96-98E5-82A2B4904E5A}"/>
+              </a:ext>
+            </a:extLst>
+          </p:cNvPr>
+          <p:cNvSpPr/>
+          <p:nvPr/>
+        </p:nvSpPr>
+        <p:spPr>
+          <a:xfrm>
+            <a:off x="28642371" y="19802915"/>
+            <a:ext cx="2020114" cy="419458"/>
+          </a:xfrm>
+          <a:prstGeom prst="rect">
+            <a:avLst/>
+          </a:prstGeom>
+        </p:spPr>
+        <p:style>
+          <a:lnRef idx="2">
+            <a:schemeClr val="dk1"/>
+          </a:lnRef>
+          <a:fillRef idx="1">
+            <a:schemeClr val="lt1"/>
+          </a:fillRef>
+          <a:effectRef idx="0">
+            <a:schemeClr val="dk1"/>
+          </a:effectRef>
+          <a:fontRef idx="minor">
+            <a:schemeClr val="dk1"/>
+          </a:fontRef>
+        </p:style>
+        <p:txBody>
+          <a:bodyPr rot="0" spcFirstLastPara="0" vertOverflow="overflow" horzOverflow="overflow" vert="horz" wrap="square" lIns="182869" tIns="91446" rIns="182869" bIns="91446" numCol="1" spcCol="0" rtlCol="0" fromWordArt="0" anchor="ctr" anchorCtr="0" forceAA="0" compatLnSpc="1">
+            <a:prstTxWarp prst="textNoShape">
+              <a:avLst/>
+            </a:prstTxWarp>
+            <a:noAutofit/>
+          </a:bodyPr>
+          <a:lstStyle/>
+          <a:p>
+            <a:pPr algn="ctr"/>
+            <a:r>
+              <a:rPr lang="ko-KR" altLang="en-US" sz="2000" b="1"/>
+              <a:t>건의사항 상세보기</a:t>
+            </a:r>
+          </a:p>
+        </p:txBody>
+      </p:sp>
+      <p:cxnSp>
+        <p:nvCxnSpPr>
+          <p:cNvPr id="197" name="연결선: 꺾임 196">
+            <a:extLst>
+              <a:ext uri="{FF2B5EF4-FFF2-40B4-BE49-F238E27FC236}">
+                <a16:creationId xmlns:a16="http://schemas.microsoft.com/office/drawing/2014/main" id="{DD8C8DBB-9C8E-495D-9D74-BD1F87EF40D3}"/>
+              </a:ext>
+            </a:extLst>
+          </p:cNvPr>
+          <p:cNvCxnSpPr>
+            <a:cxnSpLocks/>
+            <a:stCxn id="196" idx="1"/>
+            <a:endCxn id="453" idx="2"/>
+          </p:cNvCxnSpPr>
+          <p:nvPr/>
+        </p:nvCxnSpPr>
+        <p:spPr>
+          <a:xfrm rot="10800000">
+            <a:off x="28210869" y="19282474"/>
+            <a:ext cx="431502" cy="730170"/>
+          </a:xfrm>
+          <a:prstGeom prst="bentConnector2">
+            <a:avLst/>
+          </a:prstGeom>
+        </p:spPr>
+        <p:style>
+          <a:lnRef idx="1">
+            <a:schemeClr val="dk1"/>
+          </a:lnRef>
+          <a:fillRef idx="0">
+            <a:schemeClr val="dk1"/>
+          </a:fillRef>
+          <a:effectRef idx="0">
+            <a:schemeClr val="dk1"/>
+          </a:effectRef>
+          <a:fontRef idx="minor">
+            <a:schemeClr val="tx1"/>
+          </a:fontRef>
+        </p:style>
+      </p:cxnSp>
+      <p:sp>
+        <p:nvSpPr>
+          <p:cNvPr id="212" name="직사각형 211">
+            <a:extLst>
+              <a:ext uri="{FF2B5EF4-FFF2-40B4-BE49-F238E27FC236}">
+                <a16:creationId xmlns:a16="http://schemas.microsoft.com/office/drawing/2014/main" id="{8B726137-940D-43DD-9BF0-C7D3453E9C62}"/>
+              </a:ext>
+            </a:extLst>
+          </p:cNvPr>
+          <p:cNvSpPr/>
+          <p:nvPr/>
+        </p:nvSpPr>
+        <p:spPr>
+          <a:xfrm>
+            <a:off x="26480545" y="13204930"/>
+            <a:ext cx="1725804" cy="419458"/>
+          </a:xfrm>
+          <a:prstGeom prst="rect">
+            <a:avLst/>
+          </a:prstGeom>
+        </p:spPr>
+        <p:style>
+          <a:lnRef idx="2">
+            <a:schemeClr val="dk1"/>
+          </a:lnRef>
+          <a:fillRef idx="1">
+            <a:schemeClr val="lt1"/>
+          </a:fillRef>
+          <a:effectRef idx="0">
+            <a:schemeClr val="dk1"/>
+          </a:effectRef>
+          <a:fontRef idx="minor">
+            <a:schemeClr val="dk1"/>
+          </a:fontRef>
+        </p:style>
+        <p:txBody>
+          <a:bodyPr rot="0" spcFirstLastPara="0" vertOverflow="overflow" horzOverflow="overflow" vert="horz" wrap="square" lIns="182869" tIns="91446" rIns="182869" bIns="91446" numCol="1" spcCol="0" rtlCol="0" fromWordArt="0" anchor="ctr" anchorCtr="0" forceAA="0" compatLnSpc="1">
+            <a:prstTxWarp prst="textNoShape">
+              <a:avLst/>
+            </a:prstTxWarp>
+            <a:noAutofit/>
+          </a:bodyPr>
+          <a:lstStyle/>
+          <a:p>
+            <a:pPr algn="ctr"/>
+            <a:r>
+              <a:rPr lang="ko-KR" altLang="en-US" sz="2000" b="1"/>
+              <a:t>마이페이지</a:t>
+            </a:r>
+            <a:endParaRPr lang="ko-KR" altLang="en-US" sz="2000" b="1" dirty="0"/>
+          </a:p>
+        </p:txBody>
+      </p:sp>
+      <p:cxnSp>
+        <p:nvCxnSpPr>
+          <p:cNvPr id="213" name="연결선: 꺾임 212">
+            <a:extLst>
+              <a:ext uri="{FF2B5EF4-FFF2-40B4-BE49-F238E27FC236}">
+                <a16:creationId xmlns:a16="http://schemas.microsoft.com/office/drawing/2014/main" id="{521DEBA4-1729-4BAC-830C-7591F576EB93}"/>
+              </a:ext>
+            </a:extLst>
+          </p:cNvPr>
+          <p:cNvCxnSpPr>
+            <a:cxnSpLocks/>
+            <a:stCxn id="212" idx="0"/>
+            <a:endCxn id="339" idx="2"/>
+          </p:cNvCxnSpPr>
+          <p:nvPr/>
+        </p:nvCxnSpPr>
+        <p:spPr>
+          <a:xfrm rot="16200000" flipV="1">
+            <a:off x="18198813" y="4060295"/>
+            <a:ext cx="1593775" cy="16695495"/>
+          </a:xfrm>
+          <a:prstGeom prst="bentConnector3">
+            <a:avLst>
+              <a:gd name="adj1" fmla="val 50000"/>
+            </a:avLst>
           </a:prstGeom>
         </p:spPr>
         <p:style>

--- a/2조 멀티플렉스 영화관 관리 시스템 메뉴구조도.pptx
+++ b/2조 멀티플렉스 영화관 관리 시스템 메뉴구조도.pptx
@@ -3828,8 +3828,8 @@
           <a:p>
             <a:pPr algn="ctr"/>
             <a:r>
-              <a:rPr lang="ko-KR" altLang="en-US" sz="2000" b="1"/>
-              <a:t>영화 랭킹</a:t>
+              <a:rPr lang="ko-KR" altLang="en-US" sz="2000" b="1" dirty="0"/>
+              <a:t>영화 랭킹 조회</a:t>
             </a:r>
           </a:p>
         </p:txBody>
@@ -4266,8 +4266,8 @@
         </p:nvCxnSpPr>
         <p:spPr>
           <a:xfrm rot="5400000" flipH="1" flipV="1">
-            <a:off x="6546784" y="9103810"/>
-            <a:ext cx="1593800" cy="6608503"/>
+            <a:off x="5455432" y="8012410"/>
+            <a:ext cx="1593775" cy="8791266"/>
           </a:xfrm>
           <a:prstGeom prst="bentConnector3">
             <a:avLst>
@@ -4308,8 +4308,8 @@
         </p:nvCxnSpPr>
         <p:spPr>
           <a:xfrm rot="5400000" flipH="1" flipV="1">
-            <a:off x="9442441" y="11999460"/>
-            <a:ext cx="1593800" cy="817173"/>
+            <a:off x="8351092" y="10908071"/>
+            <a:ext cx="1593775" cy="2999945"/>
           </a:xfrm>
           <a:prstGeom prst="bentConnector3">
             <a:avLst>
@@ -4534,7 +4534,7 @@
         </p:nvSpPr>
         <p:spPr>
           <a:xfrm>
-            <a:off x="3297221" y="13204930"/>
+            <a:off x="1114457" y="13204930"/>
             <a:ext cx="1484457" cy="419458"/>
           </a:xfrm>
           <a:prstGeom prst="rect">
@@ -4586,7 +4586,7 @@
         </p:nvSpPr>
         <p:spPr>
           <a:xfrm>
-            <a:off x="12027863" y="13250624"/>
+            <a:off x="10199063" y="13250624"/>
             <a:ext cx="1484457" cy="419458"/>
           </a:xfrm>
           <a:prstGeom prst="rect">
@@ -4638,7 +4638,7 @@
         </p:nvSpPr>
         <p:spPr>
           <a:xfrm>
-            <a:off x="13968405" y="13236989"/>
+            <a:off x="12995018" y="13236989"/>
             <a:ext cx="1484457" cy="419458"/>
           </a:xfrm>
           <a:prstGeom prst="rect">
@@ -4690,7 +4690,7 @@
         </p:nvSpPr>
         <p:spPr>
           <a:xfrm>
-            <a:off x="9088542" y="13204930"/>
+            <a:off x="6905778" y="13204930"/>
             <a:ext cx="1484457" cy="419458"/>
           </a:xfrm>
           <a:prstGeom prst="rect">
@@ -4742,7 +4742,7 @@
         </p:nvSpPr>
         <p:spPr>
           <a:xfrm>
-            <a:off x="16115739" y="13204930"/>
+            <a:off x="15584795" y="13204930"/>
             <a:ext cx="1484457" cy="419458"/>
           </a:xfrm>
           <a:prstGeom prst="rect">
@@ -4794,7 +4794,7 @@
         </p:nvSpPr>
         <p:spPr>
           <a:xfrm>
-            <a:off x="20566681" y="13204930"/>
+            <a:off x="18295435" y="13204930"/>
             <a:ext cx="1484457" cy="419458"/>
           </a:xfrm>
           <a:prstGeom prst="rect">
@@ -4834,88 +4834,6 @@
       </p:sp>
       <p:cxnSp>
         <p:nvCxnSpPr>
-          <p:cNvPr id="371" name="연결선: 꺾임 370">
-            <a:extLst>
-              <a:ext uri="{FF2B5EF4-FFF2-40B4-BE49-F238E27FC236}">
-                <a16:creationId xmlns:a16="http://schemas.microsoft.com/office/drawing/2014/main" id="{055238B4-C32D-4EC9-81F1-B90907533C94}"/>
-              </a:ext>
-            </a:extLst>
-          </p:cNvPr>
-          <p:cNvCxnSpPr>
-            <a:cxnSpLocks/>
-          </p:cNvCxnSpPr>
-          <p:nvPr/>
-        </p:nvCxnSpPr>
-        <p:spPr>
-          <a:xfrm rot="16200000" flipV="1">
-            <a:off x="10889288" y="11355306"/>
-            <a:ext cx="1639469" cy="2122140"/>
-          </a:xfrm>
-          <a:prstGeom prst="bentConnector3">
-            <a:avLst>
-              <a:gd name="adj1" fmla="val 50000"/>
-            </a:avLst>
-          </a:prstGeom>
-        </p:spPr>
-        <p:style>
-          <a:lnRef idx="1">
-            <a:schemeClr val="dk1"/>
-          </a:lnRef>
-          <a:fillRef idx="0">
-            <a:schemeClr val="dk1"/>
-          </a:fillRef>
-          <a:effectRef idx="0">
-            <a:schemeClr val="dk1"/>
-          </a:effectRef>
-          <a:fontRef idx="minor">
-            <a:schemeClr val="tx1"/>
-          </a:fontRef>
-        </p:style>
-      </p:cxnSp>
-      <p:cxnSp>
-        <p:nvCxnSpPr>
-          <p:cNvPr id="374" name="연결선: 꺾임 373">
-            <a:extLst>
-              <a:ext uri="{FF2B5EF4-FFF2-40B4-BE49-F238E27FC236}">
-                <a16:creationId xmlns:a16="http://schemas.microsoft.com/office/drawing/2014/main" id="{1BED366C-2718-468F-9256-5377EC473E99}"/>
-              </a:ext>
-            </a:extLst>
-          </p:cNvPr>
-          <p:cNvCxnSpPr>
-            <a:cxnSpLocks/>
-            <a:stCxn id="363" idx="0"/>
-            <a:endCxn id="339" idx="2"/>
-          </p:cNvCxnSpPr>
-          <p:nvPr/>
-        </p:nvCxnSpPr>
-        <p:spPr>
-          <a:xfrm rot="16200000" flipV="1">
-            <a:off x="11866376" y="10392731"/>
-            <a:ext cx="1625834" cy="4062682"/>
-          </a:xfrm>
-          <a:prstGeom prst="bentConnector3">
-            <a:avLst>
-              <a:gd name="adj1" fmla="val 50781"/>
-            </a:avLst>
-          </a:prstGeom>
-        </p:spPr>
-        <p:style>
-          <a:lnRef idx="1">
-            <a:schemeClr val="dk1"/>
-          </a:lnRef>
-          <a:fillRef idx="0">
-            <a:schemeClr val="dk1"/>
-          </a:fillRef>
-          <a:effectRef idx="0">
-            <a:schemeClr val="dk1"/>
-          </a:effectRef>
-          <a:fontRef idx="minor">
-            <a:schemeClr val="tx1"/>
-          </a:fontRef>
-        </p:style>
-      </p:cxnSp>
-      <p:cxnSp>
-        <p:nvCxnSpPr>
           <p:cNvPr id="377" name="연결선: 꺾임 376">
             <a:extLst>
               <a:ext uri="{FF2B5EF4-FFF2-40B4-BE49-F238E27FC236}">
@@ -4932,8 +4850,8 @@
         </p:nvCxnSpPr>
         <p:spPr>
           <a:xfrm rot="16200000" flipV="1">
-            <a:off x="12956036" y="9303048"/>
-            <a:ext cx="1593800" cy="6210032"/>
+            <a:off x="12690601" y="9568507"/>
+            <a:ext cx="1593775" cy="5679072"/>
           </a:xfrm>
           <a:prstGeom prst="bentConnector3">
             <a:avLst>
@@ -4967,13 +4885,14 @@
           </p:cNvPr>
           <p:cNvCxnSpPr>
             <a:cxnSpLocks/>
+            <a:stCxn id="366" idx="0"/>
           </p:cNvCxnSpPr>
           <p:nvPr/>
         </p:nvCxnSpPr>
         <p:spPr>
-          <a:xfrm rot="16200000" flipV="1">
-            <a:off x="15184603" y="7078873"/>
-            <a:ext cx="1593792" cy="10660978"/>
+          <a:xfrm rot="5400000" flipH="1" flipV="1">
+            <a:off x="18639221" y="12806487"/>
+            <a:ext cx="796887" cy="1"/>
           </a:xfrm>
           <a:prstGeom prst="bentConnector3">
             <a:avLst>
@@ -5010,7 +4929,7 @@
         </p:nvSpPr>
         <p:spPr>
           <a:xfrm>
-            <a:off x="5694835" y="14912067"/>
+            <a:off x="3512071" y="14912067"/>
             <a:ext cx="2020114" cy="419458"/>
           </a:xfrm>
           <a:prstGeom prst="rect">
@@ -5066,7 +4985,7 @@
         </p:nvCxnSpPr>
         <p:spPr>
           <a:xfrm rot="10800000">
-            <a:off x="5465967" y="14380362"/>
+            <a:off x="3283203" y="14380362"/>
             <a:ext cx="228869" cy="741435"/>
           </a:xfrm>
           <a:prstGeom prst="bentConnector2">
@@ -5102,7 +5021,7 @@
         </p:nvSpPr>
         <p:spPr>
           <a:xfrm>
-            <a:off x="7061522" y="16581270"/>
+            <a:off x="4878758" y="16581270"/>
             <a:ext cx="2020114" cy="419458"/>
           </a:xfrm>
           <a:prstGeom prst="rect">
@@ -5171,7 +5090,7 @@
         </p:nvCxnSpPr>
         <p:spPr>
           <a:xfrm rot="10800000">
-            <a:off x="6704892" y="15331525"/>
+            <a:off x="4522128" y="15331525"/>
             <a:ext cx="356630" cy="1459474"/>
           </a:xfrm>
           <a:prstGeom prst="bentConnector2">
@@ -5207,7 +5126,7 @@
         </p:nvSpPr>
         <p:spPr>
           <a:xfrm>
-            <a:off x="7061522" y="15889900"/>
+            <a:off x="4878758" y="15889900"/>
             <a:ext cx="2020114" cy="419458"/>
           </a:xfrm>
           <a:prstGeom prst="rect">
@@ -5263,7 +5182,7 @@
         </p:nvCxnSpPr>
         <p:spPr>
           <a:xfrm rot="10800000">
-            <a:off x="6704892" y="15331525"/>
+            <a:off x="4522128" y="15331525"/>
             <a:ext cx="356630" cy="768104"/>
           </a:xfrm>
           <a:prstGeom prst="bentConnector2">
@@ -5299,7 +5218,7 @@
         </p:nvSpPr>
         <p:spPr>
           <a:xfrm>
-            <a:off x="4455909" y="13960903"/>
+            <a:off x="2273145" y="13960903"/>
             <a:ext cx="2020114" cy="419458"/>
           </a:xfrm>
           <a:prstGeom prst="rect">
@@ -5331,8 +5250,8 @@
           <a:p>
             <a:pPr algn="ctr"/>
             <a:r>
-              <a:rPr lang="ko-KR" altLang="en-US" sz="2000" b="1"/>
-              <a:t>영화 랭킹</a:t>
+              <a:rPr lang="ko-KR" altLang="en-US" sz="2000" b="1" dirty="0"/>
+              <a:t>영화 랭킹 조회</a:t>
             </a:r>
           </a:p>
         </p:txBody>
@@ -5355,7 +5274,7 @@
         </p:nvCxnSpPr>
         <p:spPr>
           <a:xfrm rot="16200000" flipH="1">
-            <a:off x="3974530" y="13689288"/>
+            <a:off x="1791766" y="13689288"/>
             <a:ext cx="546243" cy="416461"/>
           </a:xfrm>
           <a:prstGeom prst="bentConnector2">
@@ -5391,7 +5310,7 @@
         </p:nvSpPr>
         <p:spPr>
           <a:xfrm>
-            <a:off x="10262840" y="13960903"/>
+            <a:off x="8080076" y="13960903"/>
             <a:ext cx="2020114" cy="419458"/>
           </a:xfrm>
           <a:prstGeom prst="rect">
@@ -5447,7 +5366,7 @@
         </p:nvCxnSpPr>
         <p:spPr>
           <a:xfrm rot="10800000">
-            <a:off x="9830752" y="13624399"/>
+            <a:off x="7647988" y="13624399"/>
             <a:ext cx="432079" cy="546243"/>
           </a:xfrm>
           <a:prstGeom prst="bentConnector2">
@@ -5483,7 +5402,7 @@
         </p:nvSpPr>
         <p:spPr>
           <a:xfrm>
-            <a:off x="10262840" y="14574229"/>
+            <a:off x="8080076" y="14574229"/>
             <a:ext cx="2020114" cy="419458"/>
           </a:xfrm>
           <a:prstGeom prst="rect">
@@ -5539,7 +5458,7 @@
         </p:nvCxnSpPr>
         <p:spPr>
           <a:xfrm rot="10800000">
-            <a:off x="9830752" y="13624404"/>
+            <a:off x="7647988" y="13624404"/>
             <a:ext cx="432079" cy="1159570"/>
           </a:xfrm>
           <a:prstGeom prst="bentConnector2">
@@ -5575,7 +5494,7 @@
         </p:nvSpPr>
         <p:spPr>
           <a:xfrm>
-            <a:off x="11561554" y="15416618"/>
+            <a:off x="9378790" y="15416618"/>
             <a:ext cx="2020114" cy="419458"/>
           </a:xfrm>
           <a:prstGeom prst="rect">
@@ -5627,7 +5546,7 @@
         </p:nvSpPr>
         <p:spPr>
           <a:xfrm>
-            <a:off x="12946171" y="16112106"/>
+            <a:off x="10763407" y="16112106"/>
             <a:ext cx="2020114" cy="419458"/>
           </a:xfrm>
           <a:prstGeom prst="rect">
@@ -5683,7 +5602,7 @@
         </p:nvCxnSpPr>
         <p:spPr>
           <a:xfrm rot="10800000">
-            <a:off x="12571610" y="15836069"/>
+            <a:off x="10388846" y="15836069"/>
             <a:ext cx="374560" cy="485765"/>
           </a:xfrm>
           <a:prstGeom prst="bentConnector2">
@@ -5723,7 +5642,7 @@
         </p:nvCxnSpPr>
         <p:spPr>
           <a:xfrm rot="10800000">
-            <a:off x="11272911" y="14993696"/>
+            <a:off x="9090147" y="14993696"/>
             <a:ext cx="288666" cy="632668"/>
           </a:xfrm>
           <a:prstGeom prst="bentConnector2">
@@ -5762,7 +5681,7 @@
         </p:nvCxnSpPr>
         <p:spPr>
           <a:xfrm rot="10800000">
-            <a:off x="16857963" y="13624399"/>
+            <a:off x="16327019" y="13624399"/>
             <a:ext cx="320662" cy="546243"/>
           </a:xfrm>
           <a:prstGeom prst="bentConnector2">
@@ -5798,7 +5717,7 @@
         </p:nvSpPr>
         <p:spPr>
           <a:xfrm>
-            <a:off x="17172394" y="13970715"/>
+            <a:off x="16641450" y="13970715"/>
             <a:ext cx="2020114" cy="419458"/>
           </a:xfrm>
           <a:prstGeom prst="rect">
@@ -5850,7 +5769,7 @@
         </p:nvSpPr>
         <p:spPr>
           <a:xfrm>
-            <a:off x="21740399" y="13960896"/>
+            <a:off x="20531035" y="15465231"/>
             <a:ext cx="2020114" cy="419458"/>
           </a:xfrm>
           <a:prstGeom prst="rect">
@@ -5888,46 +5807,6 @@
           </a:p>
         </p:txBody>
       </p:sp>
-      <p:cxnSp>
-        <p:nvCxnSpPr>
-          <p:cNvPr id="431" name="연결선: 꺾임 430">
-            <a:extLst>
-              <a:ext uri="{FF2B5EF4-FFF2-40B4-BE49-F238E27FC236}">
-                <a16:creationId xmlns:a16="http://schemas.microsoft.com/office/drawing/2014/main" id="{84799C4A-0C53-4B82-8036-119376B26C4D}"/>
-              </a:ext>
-            </a:extLst>
-          </p:cNvPr>
-          <p:cNvCxnSpPr>
-            <a:cxnSpLocks/>
-            <a:stCxn id="430" idx="1"/>
-            <a:endCxn id="366" idx="2"/>
-          </p:cNvCxnSpPr>
-          <p:nvPr/>
-        </p:nvCxnSpPr>
-        <p:spPr>
-          <a:xfrm rot="10800000">
-            <a:off x="21308897" y="13624399"/>
-            <a:ext cx="431491" cy="546243"/>
-          </a:xfrm>
-          <a:prstGeom prst="bentConnector2">
-            <a:avLst/>
-          </a:prstGeom>
-        </p:spPr>
-        <p:style>
-          <a:lnRef idx="1">
-            <a:schemeClr val="dk1"/>
-          </a:lnRef>
-          <a:fillRef idx="0">
-            <a:schemeClr val="dk1"/>
-          </a:fillRef>
-          <a:effectRef idx="0">
-            <a:schemeClr val="dk1"/>
-          </a:effectRef>
-          <a:fontRef idx="minor">
-            <a:schemeClr val="tx1"/>
-          </a:fontRef>
-        </p:style>
-      </p:cxnSp>
       <p:sp>
         <p:nvSpPr>
           <p:cNvPr id="434" name="직사각형 433">
@@ -5942,7 +5821,7 @@
         </p:nvSpPr>
         <p:spPr>
           <a:xfrm>
-            <a:off x="21703390" y="15902376"/>
+            <a:off x="19255162" y="13985081"/>
             <a:ext cx="2020114" cy="419458"/>
           </a:xfrm>
           <a:prstGeom prst="rect">
@@ -5974,7 +5853,7 @@
           <a:p>
             <a:pPr algn="ctr"/>
             <a:r>
-              <a:rPr lang="ko-KR" altLang="en-US" sz="2000" b="1"/>
+              <a:rPr lang="ko-KR" altLang="en-US" sz="2000" b="1" dirty="0"/>
               <a:t>건의사항 작성</a:t>
             </a:r>
           </a:p>
@@ -5998,8 +5877,8 @@
         </p:nvCxnSpPr>
         <p:spPr>
           <a:xfrm rot="10800000">
-            <a:off x="21308910" y="13624389"/>
-            <a:ext cx="394480" cy="2487717"/>
+            <a:off x="19037664" y="13624388"/>
+            <a:ext cx="217498" cy="570422"/>
           </a:xfrm>
           <a:prstGeom prst="bentConnector2">
             <a:avLst/>
@@ -6034,7 +5913,7 @@
         </p:nvSpPr>
         <p:spPr>
           <a:xfrm>
-            <a:off x="35694345" y="11155196"/>
+            <a:off x="40295838" y="11155196"/>
             <a:ext cx="1314275" cy="419458"/>
           </a:xfrm>
           <a:prstGeom prst="rect">
@@ -6090,8 +5969,8 @@
         </p:nvCxnSpPr>
         <p:spPr>
           <a:xfrm rot="16200000" flipH="1">
-            <a:off x="29132204" y="3935916"/>
-            <a:ext cx="7724125" cy="6714434"/>
+            <a:off x="31432950" y="1635169"/>
+            <a:ext cx="7724125" cy="11315927"/>
           </a:xfrm>
           <a:prstGeom prst="bentConnector3">
             <a:avLst>
@@ -6128,7 +6007,7 @@
         </p:nvSpPr>
         <p:spPr>
           <a:xfrm>
-            <a:off x="32319818" y="22798087"/>
+            <a:off x="36655838" y="17931112"/>
             <a:ext cx="2258402" cy="337620"/>
           </a:xfrm>
           <a:prstGeom prst="rect">
@@ -6180,7 +6059,7 @@
         </p:nvSpPr>
         <p:spPr>
           <a:xfrm>
-            <a:off x="27468640" y="18863016"/>
+            <a:off x="30831281" y="13140640"/>
             <a:ext cx="1484457" cy="419458"/>
           </a:xfrm>
           <a:prstGeom prst="rect">
@@ -6218,48 +6097,6 @@
           </a:p>
         </p:txBody>
       </p:sp>
-      <p:cxnSp>
-        <p:nvCxnSpPr>
-          <p:cNvPr id="454" name="연결선: 꺾임 453">
-            <a:extLst>
-              <a:ext uri="{FF2B5EF4-FFF2-40B4-BE49-F238E27FC236}">
-                <a16:creationId xmlns:a16="http://schemas.microsoft.com/office/drawing/2014/main" id="{1875EA55-98A0-4458-81E7-90FE285CC684}"/>
-              </a:ext>
-            </a:extLst>
-          </p:cNvPr>
-          <p:cNvCxnSpPr>
-            <a:cxnSpLocks/>
-            <a:stCxn id="438" idx="2"/>
-            <a:endCxn id="453" idx="0"/>
-          </p:cNvCxnSpPr>
-          <p:nvPr/>
-        </p:nvCxnSpPr>
-        <p:spPr>
-          <a:xfrm rot="5400000">
-            <a:off x="28636995" y="11148528"/>
-            <a:ext cx="7288362" cy="8140614"/>
-          </a:xfrm>
-          <a:prstGeom prst="bentConnector3">
-            <a:avLst>
-              <a:gd name="adj1" fmla="val 50000"/>
-            </a:avLst>
-          </a:prstGeom>
-        </p:spPr>
-        <p:style>
-          <a:lnRef idx="1">
-            <a:schemeClr val="dk1"/>
-          </a:lnRef>
-          <a:fillRef idx="0">
-            <a:schemeClr val="dk1"/>
-          </a:fillRef>
-          <a:effectRef idx="0">
-            <a:schemeClr val="dk1"/>
-          </a:effectRef>
-          <a:fontRef idx="minor">
-            <a:schemeClr val="tx1"/>
-          </a:fontRef>
-        </p:style>
-      </p:cxnSp>
       <p:sp>
         <p:nvSpPr>
           <p:cNvPr id="462" name="직사각형 461">
@@ -6274,7 +6111,7 @@
         </p:nvSpPr>
         <p:spPr>
           <a:xfrm>
-            <a:off x="30604085" y="18863016"/>
+            <a:off x="35205578" y="13140640"/>
             <a:ext cx="2258402" cy="419458"/>
           </a:xfrm>
           <a:prstGeom prst="rect">
@@ -6330,8 +6167,8 @@
         </p:nvCxnSpPr>
         <p:spPr>
           <a:xfrm rot="5400000">
-            <a:off x="30398204" y="12909737"/>
-            <a:ext cx="7288362" cy="4618197"/>
+            <a:off x="37860885" y="10048549"/>
+            <a:ext cx="1565986" cy="4618197"/>
           </a:xfrm>
           <a:prstGeom prst="bentConnector3">
             <a:avLst>
@@ -6368,7 +6205,7 @@
         </p:nvSpPr>
         <p:spPr>
           <a:xfrm>
-            <a:off x="32319819" y="19593190"/>
+            <a:off x="36655839" y="13870814"/>
             <a:ext cx="2258402" cy="419458"/>
           </a:xfrm>
           <a:prstGeom prst="rect">
@@ -6424,8 +6261,8 @@
         </p:nvCxnSpPr>
         <p:spPr>
           <a:xfrm rot="16200000" flipH="1">
-            <a:off x="31766359" y="19249459"/>
-            <a:ext cx="520442" cy="586532"/>
+            <a:off x="36235087" y="13659790"/>
+            <a:ext cx="520445" cy="321060"/>
           </a:xfrm>
           <a:prstGeom prst="bentConnector2">
             <a:avLst/>
@@ -6460,7 +6297,7 @@
         </p:nvSpPr>
         <p:spPr>
           <a:xfrm>
-            <a:off x="33805516" y="20971849"/>
+            <a:off x="38123536" y="14571975"/>
             <a:ext cx="2258402" cy="419458"/>
           </a:xfrm>
           <a:prstGeom prst="rect">
@@ -6516,8 +6353,8 @@
         </p:nvCxnSpPr>
         <p:spPr>
           <a:xfrm rot="16200000" flipH="1">
-            <a:off x="33042803" y="20418865"/>
-            <a:ext cx="1168930" cy="356496"/>
+            <a:off x="37708572" y="14366740"/>
+            <a:ext cx="491432" cy="338496"/>
           </a:xfrm>
           <a:prstGeom prst="bentConnector2">
             <a:avLst/>
@@ -6552,7 +6389,7 @@
         </p:nvSpPr>
         <p:spPr>
           <a:xfrm>
-            <a:off x="33808424" y="21671239"/>
+            <a:off x="41290542" y="17394642"/>
             <a:ext cx="2258402" cy="419458"/>
           </a:xfrm>
           <a:prstGeom prst="rect">
@@ -6590,86 +6427,6 @@
           </a:p>
         </p:txBody>
       </p:sp>
-      <p:cxnSp>
-        <p:nvCxnSpPr>
-          <p:cNvPr id="481" name="연결선: 꺾임 480">
-            <a:extLst>
-              <a:ext uri="{FF2B5EF4-FFF2-40B4-BE49-F238E27FC236}">
-                <a16:creationId xmlns:a16="http://schemas.microsoft.com/office/drawing/2014/main" id="{F6093A8C-60B5-4E20-B6CB-F2552356C063}"/>
-              </a:ext>
-            </a:extLst>
-          </p:cNvPr>
-          <p:cNvCxnSpPr>
-            <a:cxnSpLocks/>
-            <a:stCxn id="466" idx="2"/>
-            <a:endCxn id="479" idx="1"/>
-          </p:cNvCxnSpPr>
-          <p:nvPr/>
-        </p:nvCxnSpPr>
-        <p:spPr>
-          <a:xfrm rot="16200000" flipH="1">
-            <a:off x="32694562" y="20767106"/>
-            <a:ext cx="1868320" cy="359404"/>
-          </a:xfrm>
-          <a:prstGeom prst="bentConnector2">
-            <a:avLst/>
-          </a:prstGeom>
-        </p:spPr>
-        <p:style>
-          <a:lnRef idx="1">
-            <a:schemeClr val="dk1"/>
-          </a:lnRef>
-          <a:fillRef idx="0">
-            <a:schemeClr val="dk1"/>
-          </a:fillRef>
-          <a:effectRef idx="0">
-            <a:schemeClr val="dk1"/>
-          </a:effectRef>
-          <a:fontRef idx="minor">
-            <a:schemeClr val="tx1"/>
-          </a:fontRef>
-        </p:style>
-      </p:cxnSp>
-      <p:cxnSp>
-        <p:nvCxnSpPr>
-          <p:cNvPr id="484" name="연결선: 꺾임 483">
-            <a:extLst>
-              <a:ext uri="{FF2B5EF4-FFF2-40B4-BE49-F238E27FC236}">
-                <a16:creationId xmlns:a16="http://schemas.microsoft.com/office/drawing/2014/main" id="{E4975866-4D6A-4C07-B54C-2CA503C48721}"/>
-              </a:ext>
-            </a:extLst>
-          </p:cNvPr>
-          <p:cNvCxnSpPr>
-            <a:cxnSpLocks/>
-            <a:stCxn id="466" idx="2"/>
-            <a:endCxn id="490" idx="1"/>
-          </p:cNvCxnSpPr>
-          <p:nvPr/>
-        </p:nvCxnSpPr>
-        <p:spPr>
-          <a:xfrm rot="16200000" flipH="1">
-            <a:off x="33399221" y="20062447"/>
-            <a:ext cx="456095" cy="356496"/>
-          </a:xfrm>
-          <a:prstGeom prst="bentConnector2">
-            <a:avLst/>
-          </a:prstGeom>
-        </p:spPr>
-        <p:style>
-          <a:lnRef idx="1">
-            <a:schemeClr val="dk1"/>
-          </a:lnRef>
-          <a:fillRef idx="0">
-            <a:schemeClr val="dk1"/>
-          </a:fillRef>
-          <a:effectRef idx="0">
-            <a:schemeClr val="dk1"/>
-          </a:effectRef>
-          <a:fontRef idx="minor">
-            <a:schemeClr val="tx1"/>
-          </a:fontRef>
-        </p:style>
-      </p:cxnSp>
       <p:sp>
         <p:nvSpPr>
           <p:cNvPr id="490" name="직사각형 489">
@@ -6684,7 +6441,7 @@
         </p:nvSpPr>
         <p:spPr>
           <a:xfrm>
-            <a:off x="33805516" y="20259014"/>
+            <a:off x="41334550" y="16653751"/>
             <a:ext cx="2258402" cy="419458"/>
           </a:xfrm>
           <a:prstGeom prst="rect">
@@ -6740,7 +6497,7 @@
         </p:nvSpPr>
         <p:spPr>
           <a:xfrm>
-            <a:off x="9534543" y="16581270"/>
+            <a:off x="7351779" y="16581270"/>
             <a:ext cx="2020114" cy="419458"/>
           </a:xfrm>
           <a:prstGeom prst="rect">
@@ -6813,7 +6570,7 @@
         </p:nvCxnSpPr>
         <p:spPr>
           <a:xfrm rot="10800000">
-            <a:off x="9081637" y="16790999"/>
+            <a:off x="6898873" y="16790999"/>
             <a:ext cx="452907" cy="12700"/>
           </a:xfrm>
           <a:prstGeom prst="bentConnector3">
@@ -6851,7 +6608,7 @@
         </p:nvSpPr>
         <p:spPr>
           <a:xfrm>
-            <a:off x="7064495" y="17304370"/>
+            <a:off x="4881731" y="17304370"/>
             <a:ext cx="2020114" cy="419458"/>
           </a:xfrm>
           <a:prstGeom prst="rect">
@@ -6903,7 +6660,7 @@
         </p:nvSpPr>
         <p:spPr>
           <a:xfrm>
-            <a:off x="8446137" y="18022334"/>
+            <a:off x="6263373" y="18022334"/>
             <a:ext cx="2020114" cy="419458"/>
           </a:xfrm>
           <a:prstGeom prst="rect">
@@ -6959,7 +6716,7 @@
         </p:nvCxnSpPr>
         <p:spPr>
           <a:xfrm rot="10800000">
-            <a:off x="8074565" y="17723832"/>
+            <a:off x="5891801" y="17723832"/>
             <a:ext cx="371594" cy="508244"/>
           </a:xfrm>
           <a:prstGeom prst="bentConnector2">
@@ -6995,7 +6752,7 @@
         </p:nvSpPr>
         <p:spPr>
           <a:xfrm>
-            <a:off x="9830752" y="18717822"/>
+            <a:off x="7647988" y="18717822"/>
             <a:ext cx="2020114" cy="419458"/>
           </a:xfrm>
           <a:prstGeom prst="rect">
@@ -7051,7 +6808,7 @@
         </p:nvCxnSpPr>
         <p:spPr>
           <a:xfrm rot="10800000">
-            <a:off x="9456203" y="18441785"/>
+            <a:off x="7273439" y="18441785"/>
             <a:ext cx="374560" cy="485765"/>
           </a:xfrm>
           <a:prstGeom prst="bentConnector2">
@@ -7091,7 +6848,7 @@
         </p:nvCxnSpPr>
         <p:spPr>
           <a:xfrm rot="10800000">
-            <a:off x="6704893" y="15331525"/>
+            <a:off x="4522129" y="15331525"/>
             <a:ext cx="359603" cy="2182574"/>
           </a:xfrm>
           <a:prstGeom prst="bentConnector2">
@@ -7219,7 +6976,7 @@
         </p:nvSpPr>
         <p:spPr>
           <a:xfrm>
-            <a:off x="33831524" y="23586281"/>
+            <a:off x="38167544" y="18719306"/>
             <a:ext cx="2258402" cy="419458"/>
           </a:xfrm>
           <a:prstGeom prst="rect">
@@ -7275,7 +7032,7 @@
         </p:nvCxnSpPr>
         <p:spPr>
           <a:xfrm rot="10800000">
-            <a:off x="33449020" y="23135708"/>
+            <a:off x="37785040" y="18268733"/>
             <a:ext cx="382505" cy="660303"/>
           </a:xfrm>
           <a:prstGeom prst="bentConnector2">
@@ -7311,7 +7068,7 @@
         </p:nvSpPr>
         <p:spPr>
           <a:xfrm>
-            <a:off x="33831524" y="24261383"/>
+            <a:off x="41232174" y="21010847"/>
             <a:ext cx="2258402" cy="419458"/>
           </a:xfrm>
           <a:prstGeom prst="rect">
@@ -7349,46 +7106,6 @@
           </a:p>
         </p:txBody>
       </p:sp>
-      <p:cxnSp>
-        <p:nvCxnSpPr>
-          <p:cNvPr id="111" name="연결선: 꺾임 110">
-            <a:extLst>
-              <a:ext uri="{FF2B5EF4-FFF2-40B4-BE49-F238E27FC236}">
-                <a16:creationId xmlns:a16="http://schemas.microsoft.com/office/drawing/2014/main" id="{28D8EB3F-F3EF-4462-B108-BC940D286CBD}"/>
-              </a:ext>
-            </a:extLst>
-          </p:cNvPr>
-          <p:cNvCxnSpPr>
-            <a:cxnSpLocks/>
-            <a:stCxn id="110" idx="1"/>
-            <a:endCxn id="448" idx="2"/>
-          </p:cNvCxnSpPr>
-          <p:nvPr/>
-        </p:nvCxnSpPr>
-        <p:spPr>
-          <a:xfrm rot="10800000">
-            <a:off x="33449020" y="23135708"/>
-            <a:ext cx="382505" cy="1335405"/>
-          </a:xfrm>
-          <a:prstGeom prst="bentConnector2">
-            <a:avLst/>
-          </a:prstGeom>
-        </p:spPr>
-        <p:style>
-          <a:lnRef idx="1">
-            <a:schemeClr val="dk1"/>
-          </a:lnRef>
-          <a:fillRef idx="0">
-            <a:schemeClr val="dk1"/>
-          </a:fillRef>
-          <a:effectRef idx="0">
-            <a:schemeClr val="dk1"/>
-          </a:effectRef>
-          <a:fontRef idx="minor">
-            <a:schemeClr val="tx1"/>
-          </a:fontRef>
-        </p:style>
-      </p:cxnSp>
       <p:sp>
         <p:nvSpPr>
           <p:cNvPr id="115" name="직사각형 114">
@@ -7403,7 +7120,7 @@
         </p:nvSpPr>
         <p:spPr>
           <a:xfrm>
-            <a:off x="33831524" y="24939335"/>
+            <a:off x="41232174" y="21688799"/>
             <a:ext cx="2258402" cy="419458"/>
           </a:xfrm>
           <a:prstGeom prst="rect">
@@ -7443,46 +7160,6 @@
       </p:sp>
       <p:cxnSp>
         <p:nvCxnSpPr>
-          <p:cNvPr id="116" name="연결선: 꺾임 115">
-            <a:extLst>
-              <a:ext uri="{FF2B5EF4-FFF2-40B4-BE49-F238E27FC236}">
-                <a16:creationId xmlns:a16="http://schemas.microsoft.com/office/drawing/2014/main" id="{DF21ED2F-5D2E-409E-AFE1-7958F390BD42}"/>
-              </a:ext>
-            </a:extLst>
-          </p:cNvPr>
-          <p:cNvCxnSpPr>
-            <a:cxnSpLocks/>
-            <a:stCxn id="115" idx="1"/>
-            <a:endCxn id="448" idx="2"/>
-          </p:cNvCxnSpPr>
-          <p:nvPr/>
-        </p:nvCxnSpPr>
-        <p:spPr>
-          <a:xfrm rot="10800000">
-            <a:off x="33449020" y="23135708"/>
-            <a:ext cx="382505" cy="2013357"/>
-          </a:xfrm>
-          <a:prstGeom prst="bentConnector2">
-            <a:avLst/>
-          </a:prstGeom>
-        </p:spPr>
-        <p:style>
-          <a:lnRef idx="1">
-            <a:schemeClr val="dk1"/>
-          </a:lnRef>
-          <a:fillRef idx="0">
-            <a:schemeClr val="dk1"/>
-          </a:fillRef>
-          <a:effectRef idx="0">
-            <a:schemeClr val="dk1"/>
-          </a:effectRef>
-          <a:fontRef idx="minor">
-            <a:schemeClr val="tx1"/>
-          </a:fontRef>
-        </p:style>
-      </p:cxnSp>
-      <p:cxnSp>
-        <p:nvCxnSpPr>
           <p:cNvPr id="119" name="연결선: 꺾임 118">
             <a:extLst>
               <a:ext uri="{FF2B5EF4-FFF2-40B4-BE49-F238E27FC236}">
@@ -7499,8 +7176,8 @@
         </p:nvCxnSpPr>
         <p:spPr>
           <a:xfrm rot="16200000" flipH="1">
-            <a:off x="30184341" y="20831419"/>
-            <a:ext cx="3684423" cy="586532"/>
+            <a:off x="34225396" y="15669480"/>
+            <a:ext cx="4539824" cy="321059"/>
           </a:xfrm>
           <a:prstGeom prst="bentConnector2">
             <a:avLst/>
@@ -7535,7 +7212,7 @@
         </p:nvSpPr>
         <p:spPr>
           <a:xfrm>
-            <a:off x="32331313" y="25966698"/>
+            <a:off x="36667333" y="22102625"/>
             <a:ext cx="2258402" cy="419458"/>
           </a:xfrm>
           <a:prstGeom prst="rect">
@@ -7591,8 +7268,8 @@
         </p:nvCxnSpPr>
         <p:spPr>
           <a:xfrm rot="16200000" flipH="1">
-            <a:off x="28585323" y="22430436"/>
-            <a:ext cx="6893953" cy="598027"/>
+            <a:off x="32124928" y="17769949"/>
+            <a:ext cx="8752256" cy="332554"/>
           </a:xfrm>
           <a:prstGeom prst="bentConnector2">
             <a:avLst/>
@@ -7627,7 +7304,7 @@
         </p:nvSpPr>
         <p:spPr>
           <a:xfrm>
-            <a:off x="33805516" y="26775620"/>
+            <a:off x="38141536" y="24002929"/>
             <a:ext cx="2258402" cy="419458"/>
           </a:xfrm>
           <a:prstGeom prst="rect">
@@ -7683,8 +7360,8 @@
         </p:nvCxnSpPr>
         <p:spPr>
           <a:xfrm rot="10800000">
-            <a:off x="33460514" y="26386157"/>
-            <a:ext cx="345002" cy="599193"/>
+            <a:off x="37796534" y="22522084"/>
+            <a:ext cx="345002" cy="1690575"/>
           </a:xfrm>
           <a:prstGeom prst="bentConnector2">
             <a:avLst/>
@@ -7719,7 +7396,7 @@
         </p:nvSpPr>
         <p:spPr>
           <a:xfrm>
-            <a:off x="33805516" y="27433977"/>
+            <a:off x="38120879" y="23052305"/>
             <a:ext cx="2258402" cy="419458"/>
           </a:xfrm>
           <a:prstGeom prst="rect">
@@ -7751,7 +7428,7 @@
           <a:p>
             <a:pPr algn="ctr"/>
             <a:r>
-              <a:rPr lang="ko-KR" altLang="en-US" sz="2000" b="1"/>
+              <a:rPr lang="ko-KR" altLang="en-US" sz="2000" b="1" dirty="0"/>
               <a:t>상영스케줄 등록</a:t>
             </a:r>
           </a:p>
@@ -7771,7 +7448,7 @@
         </p:nvSpPr>
         <p:spPr>
           <a:xfrm>
-            <a:off x="33785309" y="28109979"/>
+            <a:off x="41249464" y="25296162"/>
             <a:ext cx="2258402" cy="419458"/>
           </a:xfrm>
           <a:prstGeom prst="rect">
@@ -7823,7 +7500,7 @@
         </p:nvSpPr>
         <p:spPr>
           <a:xfrm>
-            <a:off x="33785309" y="28763489"/>
+            <a:off x="41249464" y="25949672"/>
             <a:ext cx="2258402" cy="419458"/>
           </a:xfrm>
           <a:prstGeom prst="rect">
@@ -7879,88 +7556,8 @@
         </p:nvCxnSpPr>
         <p:spPr>
           <a:xfrm rot="10800000">
-            <a:off x="33460514" y="26386156"/>
-            <a:ext cx="345002" cy="1257550"/>
-          </a:xfrm>
-          <a:prstGeom prst="bentConnector2">
-            <a:avLst/>
-          </a:prstGeom>
-        </p:spPr>
-        <p:style>
-          <a:lnRef idx="1">
-            <a:schemeClr val="dk1"/>
-          </a:lnRef>
-          <a:fillRef idx="0">
-            <a:schemeClr val="dk1"/>
-          </a:fillRef>
-          <a:effectRef idx="0">
-            <a:schemeClr val="dk1"/>
-          </a:effectRef>
-          <a:fontRef idx="minor">
-            <a:schemeClr val="tx1"/>
-          </a:fontRef>
-        </p:style>
-      </p:cxnSp>
-      <p:cxnSp>
-        <p:nvCxnSpPr>
-          <p:cNvPr id="156" name="연결선: 꺾임 155">
-            <a:extLst>
-              <a:ext uri="{FF2B5EF4-FFF2-40B4-BE49-F238E27FC236}">
-                <a16:creationId xmlns:a16="http://schemas.microsoft.com/office/drawing/2014/main" id="{9C9E7A72-CB50-4773-80CC-3F6D152C965A}"/>
-              </a:ext>
-            </a:extLst>
-          </p:cNvPr>
-          <p:cNvCxnSpPr>
-            <a:cxnSpLocks/>
-            <a:stCxn id="151" idx="1"/>
-            <a:endCxn id="136" idx="2"/>
-          </p:cNvCxnSpPr>
-          <p:nvPr/>
-        </p:nvCxnSpPr>
-        <p:spPr>
-          <a:xfrm rot="10800000">
-            <a:off x="33460515" y="26386156"/>
-            <a:ext cx="324795" cy="1933552"/>
-          </a:xfrm>
-          <a:prstGeom prst="bentConnector2">
-            <a:avLst/>
-          </a:prstGeom>
-        </p:spPr>
-        <p:style>
-          <a:lnRef idx="1">
-            <a:schemeClr val="dk1"/>
-          </a:lnRef>
-          <a:fillRef idx="0">
-            <a:schemeClr val="dk1"/>
-          </a:fillRef>
-          <a:effectRef idx="0">
-            <a:schemeClr val="dk1"/>
-          </a:effectRef>
-          <a:fontRef idx="minor">
-            <a:schemeClr val="tx1"/>
-          </a:fontRef>
-        </p:style>
-      </p:cxnSp>
-      <p:cxnSp>
-        <p:nvCxnSpPr>
-          <p:cNvPr id="160" name="연결선: 꺾임 159">
-            <a:extLst>
-              <a:ext uri="{FF2B5EF4-FFF2-40B4-BE49-F238E27FC236}">
-                <a16:creationId xmlns:a16="http://schemas.microsoft.com/office/drawing/2014/main" id="{39208C58-DCDC-4D19-BF70-20B76281D426}"/>
-              </a:ext>
-            </a:extLst>
-          </p:cNvPr>
-          <p:cNvCxnSpPr>
-            <a:cxnSpLocks/>
-            <a:stCxn id="152" idx="1"/>
-            <a:endCxn id="136" idx="2"/>
-          </p:cNvCxnSpPr>
-          <p:nvPr/>
-        </p:nvCxnSpPr>
-        <p:spPr>
-          <a:xfrm rot="10800000">
-            <a:off x="33460515" y="26386156"/>
-            <a:ext cx="324795" cy="2587062"/>
+            <a:off x="37796535" y="22522084"/>
+            <a:ext cx="324345" cy="739951"/>
           </a:xfrm>
           <a:prstGeom prst="bentConnector2">
             <a:avLst/>
@@ -8387,7 +7984,7 @@
         </p:nvSpPr>
         <p:spPr>
           <a:xfrm>
-            <a:off x="12956022" y="13945472"/>
+            <a:off x="12395851" y="14773487"/>
             <a:ext cx="1484457" cy="419458"/>
           </a:xfrm>
           <a:prstGeom prst="rect">
@@ -8425,46 +8022,6 @@
           </a:p>
         </p:txBody>
       </p:sp>
-      <p:cxnSp>
-        <p:nvCxnSpPr>
-          <p:cNvPr id="157" name="연결선: 꺾임 156">
-            <a:extLst>
-              <a:ext uri="{FF2B5EF4-FFF2-40B4-BE49-F238E27FC236}">
-                <a16:creationId xmlns:a16="http://schemas.microsoft.com/office/drawing/2014/main" id="{D3AC258B-F5AB-4EBA-B4CF-D272881ECCFC}"/>
-              </a:ext>
-            </a:extLst>
-          </p:cNvPr>
-          <p:cNvCxnSpPr>
-            <a:cxnSpLocks/>
-            <a:stCxn id="155" idx="1"/>
-            <a:endCxn id="362" idx="2"/>
-          </p:cNvCxnSpPr>
-          <p:nvPr/>
-        </p:nvCxnSpPr>
-        <p:spPr>
-          <a:xfrm rot="10800000">
-            <a:off x="12770092" y="13670083"/>
-            <a:ext cx="185930" cy="485119"/>
-          </a:xfrm>
-          <a:prstGeom prst="bentConnector2">
-            <a:avLst/>
-          </a:prstGeom>
-        </p:spPr>
-        <p:style>
-          <a:lnRef idx="1">
-            <a:schemeClr val="dk1"/>
-          </a:lnRef>
-          <a:fillRef idx="0">
-            <a:schemeClr val="dk1"/>
-          </a:fillRef>
-          <a:effectRef idx="0">
-            <a:schemeClr val="dk1"/>
-          </a:effectRef>
-          <a:fontRef idx="minor">
-            <a:schemeClr val="tx1"/>
-          </a:fontRef>
-        </p:style>
-      </p:cxnSp>
       <p:sp>
         <p:nvSpPr>
           <p:cNvPr id="161" name="직사각형 160">
@@ -8479,7 +8036,7 @@
         </p:nvSpPr>
         <p:spPr>
           <a:xfrm>
-            <a:off x="14883409" y="13936245"/>
+            <a:off x="13910022" y="13936245"/>
             <a:ext cx="1484457" cy="419458"/>
           </a:xfrm>
           <a:prstGeom prst="rect">
@@ -8519,7 +8076,7 @@
             </a:br>
             <a:r>
               <a:rPr lang="ko-KR" altLang="en-US" sz="2000" b="1" dirty="0"/>
-              <a:t>상세보기</a:t>
+              <a:t>조회</a:t>
             </a:r>
             <a:endParaRPr lang="en-US" altLang="ko-KR" sz="2000" b="1" dirty="0"/>
           </a:p>
@@ -8543,7 +8100,7 @@
         </p:nvCxnSpPr>
         <p:spPr>
           <a:xfrm rot="10800000">
-            <a:off x="14710635" y="13656448"/>
+            <a:off x="13737248" y="13656448"/>
             <a:ext cx="172775" cy="489527"/>
           </a:xfrm>
           <a:prstGeom prst="bentConnector2">
@@ -8579,7 +8136,7 @@
         </p:nvSpPr>
         <p:spPr>
           <a:xfrm>
-            <a:off x="23121807" y="14679380"/>
+            <a:off x="21912443" y="16183715"/>
             <a:ext cx="2020114" cy="419458"/>
           </a:xfrm>
           <a:prstGeom prst="rect">
@@ -8628,14 +8185,13 @@
           </p:cNvPr>
           <p:cNvCxnSpPr>
             <a:cxnSpLocks/>
-            <a:stCxn id="176" idx="1"/>
             <a:endCxn id="430" idx="2"/>
           </p:cNvCxnSpPr>
           <p:nvPr/>
         </p:nvCxnSpPr>
         <p:spPr>
           <a:xfrm rot="10800000">
-            <a:off x="22750457" y="14380355"/>
+            <a:off x="21541093" y="15884690"/>
             <a:ext cx="371351" cy="508755"/>
           </a:xfrm>
           <a:prstGeom prst="bentConnector2">
@@ -8671,7 +8227,7 @@
         </p:nvSpPr>
         <p:spPr>
           <a:xfrm>
-            <a:off x="23121807" y="15273188"/>
+            <a:off x="21912443" y="16777523"/>
             <a:ext cx="2020114" cy="419458"/>
           </a:xfrm>
           <a:prstGeom prst="rect">
@@ -8720,14 +8276,13 @@
           </p:cNvPr>
           <p:cNvCxnSpPr>
             <a:cxnSpLocks/>
-            <a:stCxn id="182" idx="1"/>
             <a:endCxn id="430" idx="2"/>
           </p:cNvCxnSpPr>
           <p:nvPr/>
         </p:nvCxnSpPr>
         <p:spPr>
           <a:xfrm rot="10800000">
-            <a:off x="22750457" y="14380355"/>
+            <a:off x="21541093" y="15884690"/>
             <a:ext cx="371351" cy="1102563"/>
           </a:xfrm>
           <a:prstGeom prst="bentConnector2">
@@ -8763,7 +8318,7 @@
         </p:nvSpPr>
         <p:spPr>
           <a:xfrm>
-            <a:off x="10886525" y="17230088"/>
+            <a:off x="8703761" y="17230088"/>
             <a:ext cx="2020114" cy="419458"/>
           </a:xfrm>
           <a:prstGeom prst="rect">
@@ -8823,7 +8378,7 @@
         </p:nvCxnSpPr>
         <p:spPr>
           <a:xfrm rot="10800000">
-            <a:off x="10544601" y="17000729"/>
+            <a:off x="8361837" y="17000729"/>
             <a:ext cx="341925" cy="439089"/>
           </a:xfrm>
           <a:prstGeom prst="bentConnector2">
@@ -8859,7 +8414,7 @@
         </p:nvSpPr>
         <p:spPr>
           <a:xfrm>
-            <a:off x="10914641" y="17812741"/>
+            <a:off x="8731877" y="17812741"/>
             <a:ext cx="2020114" cy="419458"/>
           </a:xfrm>
           <a:prstGeom prst="rect">
@@ -8919,7 +8474,7 @@
         </p:nvCxnSpPr>
         <p:spPr>
           <a:xfrm rot="10800000">
-            <a:off x="10544601" y="17000728"/>
+            <a:off x="8361837" y="17000728"/>
             <a:ext cx="370041" cy="1021742"/>
           </a:xfrm>
           <a:prstGeom prst="bentConnector2">
@@ -8955,7 +8510,7 @@
         </p:nvSpPr>
         <p:spPr>
           <a:xfrm>
-            <a:off x="28642371" y="19802915"/>
+            <a:off x="32011664" y="14080542"/>
             <a:ext cx="2020114" cy="419458"/>
           </a:xfrm>
           <a:prstGeom prst="rect">
@@ -8987,9 +8542,10 @@
           <a:p>
             <a:pPr algn="ctr"/>
             <a:r>
-              <a:rPr lang="ko-KR" altLang="en-US" sz="2000" b="1"/>
-              <a:t>건의사항 상세보기</a:t>
-            </a:r>
+              <a:rPr lang="ko-KR" altLang="en-US" sz="2000" b="1" dirty="0"/>
+              <a:t>건의사항 조회</a:t>
+            </a:r>
+            <a:endParaRPr lang="en-US" altLang="ko-KR" sz="2000" b="1" dirty="0"/>
           </a:p>
         </p:txBody>
       </p:sp>
@@ -9005,13 +8561,12 @@
           <p:cNvCxnSpPr>
             <a:cxnSpLocks/>
             <a:stCxn id="196" idx="1"/>
-            <a:endCxn id="453" idx="2"/>
           </p:cNvCxnSpPr>
           <p:nvPr/>
         </p:nvCxnSpPr>
         <p:spPr>
           <a:xfrm rot="10800000">
-            <a:off x="28210869" y="19282474"/>
+            <a:off x="31580162" y="13560101"/>
             <a:ext cx="431502" cy="730170"/>
           </a:xfrm>
           <a:prstGeom prst="bentConnector2">
@@ -9047,7 +8602,7 @@
         </p:nvSpPr>
         <p:spPr>
           <a:xfrm>
-            <a:off x="26480545" y="13204930"/>
+            <a:off x="23471874" y="13204930"/>
             <a:ext cx="1725804" cy="419458"/>
           </a:xfrm>
           <a:prstGeom prst="rect">
@@ -9104,8 +8659,8 @@
         </p:nvCxnSpPr>
         <p:spPr>
           <a:xfrm rot="16200000" flipV="1">
-            <a:off x="18198813" y="4060295"/>
-            <a:ext cx="1593775" cy="16695495"/>
+            <a:off x="16694477" y="5564631"/>
+            <a:ext cx="1593775" cy="13686824"/>
           </a:xfrm>
           <a:prstGeom prst="bentConnector3">
             <a:avLst>
@@ -9122,6 +8677,4119 @@
           </a:fillRef>
           <a:effectRef idx="0">
             <a:schemeClr val="dk1"/>
+          </a:effectRef>
+          <a:fontRef idx="minor">
+            <a:schemeClr val="tx1"/>
+          </a:fontRef>
+        </p:style>
+      </p:cxnSp>
+      <p:sp>
+        <p:nvSpPr>
+          <p:cNvPr id="133" name="직사각형 132">
+            <a:extLst>
+              <a:ext uri="{FF2B5EF4-FFF2-40B4-BE49-F238E27FC236}">
+                <a16:creationId xmlns:a16="http://schemas.microsoft.com/office/drawing/2014/main" id="{9AF2BD58-D619-4D2F-B5AC-7B8596CB1D04}"/>
+              </a:ext>
+            </a:extLst>
+          </p:cNvPr>
+          <p:cNvSpPr/>
+          <p:nvPr/>
+        </p:nvSpPr>
+        <p:spPr>
+          <a:xfrm>
+            <a:off x="8938406" y="19496497"/>
+            <a:ext cx="2020114" cy="419458"/>
+          </a:xfrm>
+          <a:prstGeom prst="rect">
+            <a:avLst/>
+          </a:prstGeom>
+        </p:spPr>
+        <p:style>
+          <a:lnRef idx="2">
+            <a:schemeClr val="dk1"/>
+          </a:lnRef>
+          <a:fillRef idx="1">
+            <a:schemeClr val="lt1"/>
+          </a:fillRef>
+          <a:effectRef idx="0">
+            <a:schemeClr val="dk1"/>
+          </a:effectRef>
+          <a:fontRef idx="minor">
+            <a:schemeClr val="dk1"/>
+          </a:fontRef>
+        </p:style>
+        <p:txBody>
+          <a:bodyPr rot="0" spcFirstLastPara="0" vertOverflow="overflow" horzOverflow="overflow" vert="horz" wrap="square" lIns="182869" tIns="91446" rIns="182869" bIns="91446" numCol="1" spcCol="0" rtlCol="0" fromWordArt="0" anchor="ctr" anchorCtr="0" forceAA="0" compatLnSpc="1">
+            <a:prstTxWarp prst="textNoShape">
+              <a:avLst/>
+            </a:prstTxWarp>
+            <a:noAutofit/>
+          </a:bodyPr>
+          <a:lstStyle/>
+          <a:p>
+            <a:pPr algn="ctr"/>
+            <a:r>
+              <a:rPr lang="ko-KR" altLang="en-US" sz="2000" b="1" dirty="0"/>
+              <a:t>시간 선택 페이지</a:t>
+            </a:r>
+          </a:p>
+        </p:txBody>
+      </p:sp>
+      <p:cxnSp>
+        <p:nvCxnSpPr>
+          <p:cNvPr id="134" name="연결선: 꺾임 133">
+            <a:extLst>
+              <a:ext uri="{FF2B5EF4-FFF2-40B4-BE49-F238E27FC236}">
+                <a16:creationId xmlns:a16="http://schemas.microsoft.com/office/drawing/2014/main" id="{6C72B807-9B62-444B-96C0-01AE46E29388}"/>
+              </a:ext>
+            </a:extLst>
+          </p:cNvPr>
+          <p:cNvCxnSpPr>
+            <a:cxnSpLocks/>
+          </p:cNvCxnSpPr>
+          <p:nvPr/>
+        </p:nvCxnSpPr>
+        <p:spPr>
+          <a:xfrm rot="10800000">
+            <a:off x="8546857" y="19190311"/>
+            <a:ext cx="374560" cy="485765"/>
+          </a:xfrm>
+          <a:prstGeom prst="bentConnector2">
+            <a:avLst/>
+          </a:prstGeom>
+        </p:spPr>
+        <p:style>
+          <a:lnRef idx="1">
+            <a:schemeClr val="dk1"/>
+          </a:lnRef>
+          <a:fillRef idx="0">
+            <a:schemeClr val="dk1"/>
+          </a:fillRef>
+          <a:effectRef idx="0">
+            <a:schemeClr val="dk1"/>
+          </a:effectRef>
+          <a:fontRef idx="minor">
+            <a:schemeClr val="tx1"/>
+          </a:fontRef>
+        </p:style>
+      </p:cxnSp>
+      <p:cxnSp>
+        <p:nvCxnSpPr>
+          <p:cNvPr id="135" name="연결선: 꺾임 134">
+            <a:extLst>
+              <a:ext uri="{FF2B5EF4-FFF2-40B4-BE49-F238E27FC236}">
+                <a16:creationId xmlns:a16="http://schemas.microsoft.com/office/drawing/2014/main" id="{E66B61EF-7BF8-45DD-ACBE-35B3CF088F8D}"/>
+              </a:ext>
+            </a:extLst>
+          </p:cNvPr>
+          <p:cNvCxnSpPr>
+            <a:cxnSpLocks/>
+          </p:cNvCxnSpPr>
+          <p:nvPr/>
+        </p:nvCxnSpPr>
+        <p:spPr>
+          <a:xfrm rot="10800000">
+            <a:off x="11837422" y="16537196"/>
+            <a:ext cx="374560" cy="485765"/>
+          </a:xfrm>
+          <a:prstGeom prst="bentConnector2">
+            <a:avLst/>
+          </a:prstGeom>
+        </p:spPr>
+        <p:style>
+          <a:lnRef idx="1">
+            <a:schemeClr val="dk1"/>
+          </a:lnRef>
+          <a:fillRef idx="0">
+            <a:schemeClr val="dk1"/>
+          </a:fillRef>
+          <a:effectRef idx="0">
+            <a:schemeClr val="dk1"/>
+          </a:effectRef>
+          <a:fontRef idx="minor">
+            <a:schemeClr val="tx1"/>
+          </a:fontRef>
+        </p:style>
+      </p:cxnSp>
+      <p:sp>
+        <p:nvSpPr>
+          <p:cNvPr id="138" name="직사각형 137">
+            <a:extLst>
+              <a:ext uri="{FF2B5EF4-FFF2-40B4-BE49-F238E27FC236}">
+                <a16:creationId xmlns:a16="http://schemas.microsoft.com/office/drawing/2014/main" id="{C20F18D6-C6C4-4898-8E28-A1B36ECDDEF5}"/>
+              </a:ext>
+            </a:extLst>
+          </p:cNvPr>
+          <p:cNvSpPr/>
+          <p:nvPr/>
+        </p:nvSpPr>
+        <p:spPr>
+          <a:xfrm>
+            <a:off x="12211982" y="16820589"/>
+            <a:ext cx="2020114" cy="419458"/>
+          </a:xfrm>
+          <a:prstGeom prst="rect">
+            <a:avLst/>
+          </a:prstGeom>
+        </p:spPr>
+        <p:style>
+          <a:lnRef idx="2">
+            <a:schemeClr val="dk1"/>
+          </a:lnRef>
+          <a:fillRef idx="1">
+            <a:schemeClr val="lt1"/>
+          </a:fillRef>
+          <a:effectRef idx="0">
+            <a:schemeClr val="dk1"/>
+          </a:effectRef>
+          <a:fontRef idx="minor">
+            <a:schemeClr val="dk1"/>
+          </a:fontRef>
+        </p:style>
+        <p:txBody>
+          <a:bodyPr rot="0" spcFirstLastPara="0" vertOverflow="overflow" horzOverflow="overflow" vert="horz" wrap="square" lIns="182869" tIns="91446" rIns="182869" bIns="91446" numCol="1" spcCol="0" rtlCol="0" fromWordArt="0" anchor="ctr" anchorCtr="0" forceAA="0" compatLnSpc="1">
+            <a:prstTxWarp prst="textNoShape">
+              <a:avLst/>
+            </a:prstTxWarp>
+            <a:noAutofit/>
+          </a:bodyPr>
+          <a:lstStyle/>
+          <a:p>
+            <a:pPr algn="ctr"/>
+            <a:r>
+              <a:rPr lang="ko-KR" altLang="en-US" sz="2000" b="1" dirty="0"/>
+              <a:t>시간 선택 페이지</a:t>
+            </a:r>
+          </a:p>
+        </p:txBody>
+      </p:sp>
+      <p:sp>
+        <p:nvSpPr>
+          <p:cNvPr id="140" name="직사각형 139">
+            <a:extLst>
+              <a:ext uri="{FF2B5EF4-FFF2-40B4-BE49-F238E27FC236}">
+                <a16:creationId xmlns:a16="http://schemas.microsoft.com/office/drawing/2014/main" id="{ED91A0FF-C86E-4AFB-8AA8-D4026E8E2FF2}"/>
+              </a:ext>
+            </a:extLst>
+          </p:cNvPr>
+          <p:cNvSpPr/>
+          <p:nvPr/>
+        </p:nvSpPr>
+        <p:spPr>
+          <a:xfrm>
+            <a:off x="24520686" y="13994460"/>
+            <a:ext cx="1725804" cy="419458"/>
+          </a:xfrm>
+          <a:prstGeom prst="rect">
+            <a:avLst/>
+          </a:prstGeom>
+        </p:spPr>
+        <p:style>
+          <a:lnRef idx="2">
+            <a:schemeClr val="dk1"/>
+          </a:lnRef>
+          <a:fillRef idx="1">
+            <a:schemeClr val="lt1"/>
+          </a:fillRef>
+          <a:effectRef idx="0">
+            <a:schemeClr val="dk1"/>
+          </a:effectRef>
+          <a:fontRef idx="minor">
+            <a:schemeClr val="dk1"/>
+          </a:fontRef>
+        </p:style>
+        <p:txBody>
+          <a:bodyPr rot="0" spcFirstLastPara="0" vertOverflow="overflow" horzOverflow="overflow" vert="horz" wrap="square" lIns="182869" tIns="91446" rIns="182869" bIns="91446" numCol="1" spcCol="0" rtlCol="0" fromWordArt="0" anchor="ctr" anchorCtr="0" forceAA="0" compatLnSpc="1">
+            <a:prstTxWarp prst="textNoShape">
+              <a:avLst/>
+            </a:prstTxWarp>
+            <a:noAutofit/>
+          </a:bodyPr>
+          <a:lstStyle/>
+          <a:p>
+            <a:pPr algn="ctr"/>
+            <a:r>
+              <a:rPr lang="ko-KR" altLang="en-US" sz="2000" b="1" dirty="0"/>
+              <a:t>내 정보 </a:t>
+            </a:r>
+          </a:p>
+        </p:txBody>
+      </p:sp>
+      <p:cxnSp>
+        <p:nvCxnSpPr>
+          <p:cNvPr id="18" name="연결선: 꺾임 17">
+            <a:extLst>
+              <a:ext uri="{FF2B5EF4-FFF2-40B4-BE49-F238E27FC236}">
+                <a16:creationId xmlns:a16="http://schemas.microsoft.com/office/drawing/2014/main" id="{8157E151-136F-4C1F-953B-2CB8F3FB8D6D}"/>
+              </a:ext>
+            </a:extLst>
+          </p:cNvPr>
+          <p:cNvCxnSpPr>
+            <a:stCxn id="212" idx="2"/>
+            <a:endCxn id="140" idx="1"/>
+          </p:cNvCxnSpPr>
+          <p:nvPr/>
+        </p:nvCxnSpPr>
+        <p:spPr>
+          <a:xfrm rot="16200000" flipH="1">
+            <a:off x="24137831" y="13821333"/>
+            <a:ext cx="579801" cy="185910"/>
+          </a:xfrm>
+          <a:prstGeom prst="bentConnector2">
+            <a:avLst/>
+          </a:prstGeom>
+        </p:spPr>
+        <p:style>
+          <a:lnRef idx="1">
+            <a:schemeClr val="accent1"/>
+          </a:lnRef>
+          <a:fillRef idx="0">
+            <a:schemeClr val="accent1"/>
+          </a:fillRef>
+          <a:effectRef idx="0">
+            <a:schemeClr val="accent1"/>
+          </a:effectRef>
+          <a:fontRef idx="minor">
+            <a:schemeClr val="tx1"/>
+          </a:fontRef>
+        </p:style>
+      </p:cxnSp>
+      <p:sp>
+        <p:nvSpPr>
+          <p:cNvPr id="163" name="직사각형 162">
+            <a:extLst>
+              <a:ext uri="{FF2B5EF4-FFF2-40B4-BE49-F238E27FC236}">
+                <a16:creationId xmlns:a16="http://schemas.microsoft.com/office/drawing/2014/main" id="{3B265C65-140C-44C8-9F2D-13008871096E}"/>
+              </a:ext>
+            </a:extLst>
+          </p:cNvPr>
+          <p:cNvSpPr/>
+          <p:nvPr/>
+        </p:nvSpPr>
+        <p:spPr>
+          <a:xfrm>
+            <a:off x="27114687" y="15512329"/>
+            <a:ext cx="1725804" cy="419458"/>
+          </a:xfrm>
+          <a:prstGeom prst="rect">
+            <a:avLst/>
+          </a:prstGeom>
+        </p:spPr>
+        <p:style>
+          <a:lnRef idx="2">
+            <a:schemeClr val="dk1"/>
+          </a:lnRef>
+          <a:fillRef idx="1">
+            <a:schemeClr val="lt1"/>
+          </a:fillRef>
+          <a:effectRef idx="0">
+            <a:schemeClr val="dk1"/>
+          </a:effectRef>
+          <a:fontRef idx="minor">
+            <a:schemeClr val="dk1"/>
+          </a:fontRef>
+        </p:style>
+        <p:txBody>
+          <a:bodyPr rot="0" spcFirstLastPara="0" vertOverflow="overflow" horzOverflow="overflow" vert="horz" wrap="square" lIns="182869" tIns="91446" rIns="182869" bIns="91446" numCol="1" spcCol="0" rtlCol="0" fromWordArt="0" anchor="ctr" anchorCtr="0" forceAA="0" compatLnSpc="1">
+            <a:prstTxWarp prst="textNoShape">
+              <a:avLst/>
+            </a:prstTxWarp>
+            <a:noAutofit/>
+          </a:bodyPr>
+          <a:lstStyle/>
+          <a:p>
+            <a:pPr algn="ctr"/>
+            <a:r>
+              <a:rPr lang="ko-KR" altLang="en-US" sz="2000" b="1" dirty="0"/>
+              <a:t>내 정보</a:t>
+            </a:r>
+            <a:endParaRPr lang="en-US" altLang="ko-KR" sz="2000" b="1" dirty="0"/>
+          </a:p>
+          <a:p>
+            <a:pPr algn="ctr"/>
+            <a:r>
+              <a:rPr lang="ko-KR" altLang="en-US" sz="2000" b="1" dirty="0"/>
+              <a:t>상세보기 </a:t>
+            </a:r>
+          </a:p>
+        </p:txBody>
+      </p:sp>
+      <p:sp>
+        <p:nvSpPr>
+          <p:cNvPr id="164" name="직사각형 163">
+            <a:extLst>
+              <a:ext uri="{FF2B5EF4-FFF2-40B4-BE49-F238E27FC236}">
+                <a16:creationId xmlns:a16="http://schemas.microsoft.com/office/drawing/2014/main" id="{FF694C8D-684C-454E-B74C-81196277437F}"/>
+              </a:ext>
+            </a:extLst>
+          </p:cNvPr>
+          <p:cNvSpPr/>
+          <p:nvPr/>
+        </p:nvSpPr>
+        <p:spPr>
+          <a:xfrm>
+            <a:off x="28378834" y="16222382"/>
+            <a:ext cx="1725804" cy="419458"/>
+          </a:xfrm>
+          <a:prstGeom prst="rect">
+            <a:avLst/>
+          </a:prstGeom>
+        </p:spPr>
+        <p:style>
+          <a:lnRef idx="2">
+            <a:schemeClr val="dk1"/>
+          </a:lnRef>
+          <a:fillRef idx="1">
+            <a:schemeClr val="lt1"/>
+          </a:fillRef>
+          <a:effectRef idx="0">
+            <a:schemeClr val="dk1"/>
+          </a:effectRef>
+          <a:fontRef idx="minor">
+            <a:schemeClr val="dk1"/>
+          </a:fontRef>
+        </p:style>
+        <p:txBody>
+          <a:bodyPr rot="0" spcFirstLastPara="0" vertOverflow="overflow" horzOverflow="overflow" vert="horz" wrap="square" lIns="182869" tIns="91446" rIns="182869" bIns="91446" numCol="1" spcCol="0" rtlCol="0" fromWordArt="0" anchor="ctr" anchorCtr="0" forceAA="0" compatLnSpc="1">
+            <a:prstTxWarp prst="textNoShape">
+              <a:avLst/>
+            </a:prstTxWarp>
+            <a:noAutofit/>
+          </a:bodyPr>
+          <a:lstStyle/>
+          <a:p>
+            <a:pPr algn="ctr"/>
+            <a:r>
+              <a:rPr lang="ko-KR" altLang="en-US" sz="2000" b="1" dirty="0"/>
+              <a:t>내 정보</a:t>
+            </a:r>
+            <a:r>
+              <a:rPr lang="en-US" altLang="ko-KR" sz="2000" b="1" dirty="0"/>
+              <a:t> </a:t>
+            </a:r>
+            <a:r>
+              <a:rPr lang="ko-KR" altLang="en-US" sz="2000" b="1" dirty="0"/>
+              <a:t>변경 </a:t>
+            </a:r>
+          </a:p>
+        </p:txBody>
+      </p:sp>
+      <p:cxnSp>
+        <p:nvCxnSpPr>
+          <p:cNvPr id="22" name="연결선: 꺾임 21">
+            <a:extLst>
+              <a:ext uri="{FF2B5EF4-FFF2-40B4-BE49-F238E27FC236}">
+                <a16:creationId xmlns:a16="http://schemas.microsoft.com/office/drawing/2014/main" id="{304C747E-E060-4A81-9BC4-4391B46E737C}"/>
+              </a:ext>
+            </a:extLst>
+          </p:cNvPr>
+          <p:cNvCxnSpPr>
+            <a:stCxn id="163" idx="2"/>
+            <a:endCxn id="164" idx="1"/>
+          </p:cNvCxnSpPr>
+          <p:nvPr/>
+        </p:nvCxnSpPr>
+        <p:spPr>
+          <a:xfrm rot="16200000" flipH="1">
+            <a:off x="27928049" y="15981326"/>
+            <a:ext cx="500324" cy="401245"/>
+          </a:xfrm>
+          <a:prstGeom prst="bentConnector2">
+            <a:avLst/>
+          </a:prstGeom>
+        </p:spPr>
+        <p:style>
+          <a:lnRef idx="1">
+            <a:schemeClr val="accent1"/>
+          </a:lnRef>
+          <a:fillRef idx="0">
+            <a:schemeClr val="accent1"/>
+          </a:fillRef>
+          <a:effectRef idx="0">
+            <a:schemeClr val="accent1"/>
+          </a:effectRef>
+          <a:fontRef idx="minor">
+            <a:schemeClr val="tx1"/>
+          </a:fontRef>
+        </p:style>
+      </p:cxnSp>
+      <p:sp>
+        <p:nvSpPr>
+          <p:cNvPr id="166" name="직사각형 165">
+            <a:extLst>
+              <a:ext uri="{FF2B5EF4-FFF2-40B4-BE49-F238E27FC236}">
+                <a16:creationId xmlns:a16="http://schemas.microsoft.com/office/drawing/2014/main" id="{8897490A-C4EF-4194-8287-3180EC842176}"/>
+              </a:ext>
+            </a:extLst>
+          </p:cNvPr>
+          <p:cNvSpPr/>
+          <p:nvPr/>
+        </p:nvSpPr>
+        <p:spPr>
+          <a:xfrm>
+            <a:off x="28413246" y="16935225"/>
+            <a:ext cx="1725804" cy="419458"/>
+          </a:xfrm>
+          <a:prstGeom prst="rect">
+            <a:avLst/>
+          </a:prstGeom>
+        </p:spPr>
+        <p:style>
+          <a:lnRef idx="2">
+            <a:schemeClr val="dk1"/>
+          </a:lnRef>
+          <a:fillRef idx="1">
+            <a:schemeClr val="lt1"/>
+          </a:fillRef>
+          <a:effectRef idx="0">
+            <a:schemeClr val="dk1"/>
+          </a:effectRef>
+          <a:fontRef idx="minor">
+            <a:schemeClr val="dk1"/>
+          </a:fontRef>
+        </p:style>
+        <p:txBody>
+          <a:bodyPr rot="0" spcFirstLastPara="0" vertOverflow="overflow" horzOverflow="overflow" vert="horz" wrap="square" lIns="182869" tIns="91446" rIns="182869" bIns="91446" numCol="1" spcCol="0" rtlCol="0" fromWordArt="0" anchor="ctr" anchorCtr="0" forceAA="0" compatLnSpc="1">
+            <a:prstTxWarp prst="textNoShape">
+              <a:avLst/>
+            </a:prstTxWarp>
+            <a:noAutofit/>
+          </a:bodyPr>
+          <a:lstStyle/>
+          <a:p>
+            <a:pPr algn="ctr"/>
+            <a:r>
+              <a:rPr lang="ko-KR" altLang="en-US" sz="2000" b="1" dirty="0"/>
+              <a:t>내 정보</a:t>
+            </a:r>
+            <a:r>
+              <a:rPr lang="en-US" altLang="ko-KR" sz="2000" b="1" dirty="0"/>
+              <a:t> </a:t>
+            </a:r>
+            <a:r>
+              <a:rPr lang="ko-KR" altLang="en-US" sz="2000" b="1" dirty="0"/>
+              <a:t>삭제</a:t>
+            </a:r>
+          </a:p>
+        </p:txBody>
+      </p:sp>
+      <p:cxnSp>
+        <p:nvCxnSpPr>
+          <p:cNvPr id="24" name="연결선: 꺾임 23">
+            <a:extLst>
+              <a:ext uri="{FF2B5EF4-FFF2-40B4-BE49-F238E27FC236}">
+                <a16:creationId xmlns:a16="http://schemas.microsoft.com/office/drawing/2014/main" id="{DFA228F3-BC7D-461A-B162-233906945B60}"/>
+              </a:ext>
+            </a:extLst>
+          </p:cNvPr>
+          <p:cNvCxnSpPr>
+            <a:stCxn id="163" idx="2"/>
+            <a:endCxn id="166" idx="1"/>
+          </p:cNvCxnSpPr>
+          <p:nvPr/>
+        </p:nvCxnSpPr>
+        <p:spPr>
+          <a:xfrm rot="16200000" flipH="1">
+            <a:off x="27588834" y="16320541"/>
+            <a:ext cx="1213167" cy="435657"/>
+          </a:xfrm>
+          <a:prstGeom prst="bentConnector2">
+            <a:avLst/>
+          </a:prstGeom>
+        </p:spPr>
+        <p:style>
+          <a:lnRef idx="1">
+            <a:schemeClr val="accent1"/>
+          </a:lnRef>
+          <a:fillRef idx="0">
+            <a:schemeClr val="accent1"/>
+          </a:fillRef>
+          <a:effectRef idx="0">
+            <a:schemeClr val="accent1"/>
+          </a:effectRef>
+          <a:fontRef idx="minor">
+            <a:schemeClr val="tx1"/>
+          </a:fontRef>
+        </p:style>
+      </p:cxnSp>
+      <p:sp>
+        <p:nvSpPr>
+          <p:cNvPr id="167" name="직사각형 166">
+            <a:extLst>
+              <a:ext uri="{FF2B5EF4-FFF2-40B4-BE49-F238E27FC236}">
+                <a16:creationId xmlns:a16="http://schemas.microsoft.com/office/drawing/2014/main" id="{E5A23689-B969-4DA9-8762-5A5D2B6F237A}"/>
+              </a:ext>
+            </a:extLst>
+          </p:cNvPr>
+          <p:cNvSpPr/>
+          <p:nvPr/>
+        </p:nvSpPr>
+        <p:spPr>
+          <a:xfrm>
+            <a:off x="24520685" y="16593829"/>
+            <a:ext cx="1725804" cy="419458"/>
+          </a:xfrm>
+          <a:prstGeom prst="rect">
+            <a:avLst/>
+          </a:prstGeom>
+        </p:spPr>
+        <p:style>
+          <a:lnRef idx="2">
+            <a:schemeClr val="dk1"/>
+          </a:lnRef>
+          <a:fillRef idx="1">
+            <a:schemeClr val="lt1"/>
+          </a:fillRef>
+          <a:effectRef idx="0">
+            <a:schemeClr val="dk1"/>
+          </a:effectRef>
+          <a:fontRef idx="minor">
+            <a:schemeClr val="dk1"/>
+          </a:fontRef>
+        </p:style>
+        <p:txBody>
+          <a:bodyPr rot="0" spcFirstLastPara="0" vertOverflow="overflow" horzOverflow="overflow" vert="horz" wrap="square" lIns="182869" tIns="91446" rIns="182869" bIns="91446" numCol="1" spcCol="0" rtlCol="0" fromWordArt="0" anchor="ctr" anchorCtr="0" forceAA="0" compatLnSpc="1">
+            <a:prstTxWarp prst="textNoShape">
+              <a:avLst/>
+            </a:prstTxWarp>
+            <a:noAutofit/>
+          </a:bodyPr>
+          <a:lstStyle/>
+          <a:p>
+            <a:pPr algn="ctr"/>
+            <a:r>
+              <a:rPr lang="ko-KR" altLang="en-US" sz="2000" b="1" dirty="0"/>
+              <a:t>내 예매 내역</a:t>
+            </a:r>
+          </a:p>
+        </p:txBody>
+      </p:sp>
+      <p:cxnSp>
+        <p:nvCxnSpPr>
+          <p:cNvPr id="28" name="연결선: 꺾임 27">
+            <a:extLst>
+              <a:ext uri="{FF2B5EF4-FFF2-40B4-BE49-F238E27FC236}">
+                <a16:creationId xmlns:a16="http://schemas.microsoft.com/office/drawing/2014/main" id="{A259C962-73BA-427A-8674-EFEAF311EBA5}"/>
+              </a:ext>
+            </a:extLst>
+          </p:cNvPr>
+          <p:cNvCxnSpPr>
+            <a:stCxn id="167" idx="1"/>
+            <a:endCxn id="212" idx="2"/>
+          </p:cNvCxnSpPr>
+          <p:nvPr/>
+        </p:nvCxnSpPr>
+        <p:spPr>
+          <a:xfrm rot="10800000">
+            <a:off x="24334777" y="13624388"/>
+            <a:ext cx="185909" cy="3179170"/>
+          </a:xfrm>
+          <a:prstGeom prst="bentConnector2">
+            <a:avLst/>
+          </a:prstGeom>
+        </p:spPr>
+        <p:style>
+          <a:lnRef idx="1">
+            <a:schemeClr val="accent1"/>
+          </a:lnRef>
+          <a:fillRef idx="0">
+            <a:schemeClr val="accent1"/>
+          </a:fillRef>
+          <a:effectRef idx="0">
+            <a:schemeClr val="accent1"/>
+          </a:effectRef>
+          <a:fontRef idx="minor">
+            <a:schemeClr val="tx1"/>
+          </a:fontRef>
+        </p:style>
+      </p:cxnSp>
+      <p:sp>
+        <p:nvSpPr>
+          <p:cNvPr id="171" name="직사각형 170">
+            <a:extLst>
+              <a:ext uri="{FF2B5EF4-FFF2-40B4-BE49-F238E27FC236}">
+                <a16:creationId xmlns:a16="http://schemas.microsoft.com/office/drawing/2014/main" id="{FD1D10F0-4A5E-4BA5-B507-CF9FAA1A25A9}"/>
+              </a:ext>
+            </a:extLst>
+          </p:cNvPr>
+          <p:cNvSpPr/>
+          <p:nvPr/>
+        </p:nvSpPr>
+        <p:spPr>
+          <a:xfrm>
+            <a:off x="24541294" y="19003246"/>
+            <a:ext cx="1725804" cy="419458"/>
+          </a:xfrm>
+          <a:prstGeom prst="rect">
+            <a:avLst/>
+          </a:prstGeom>
+        </p:spPr>
+        <p:style>
+          <a:lnRef idx="2">
+            <a:schemeClr val="dk1"/>
+          </a:lnRef>
+          <a:fillRef idx="1">
+            <a:schemeClr val="lt1"/>
+          </a:fillRef>
+          <a:effectRef idx="0">
+            <a:schemeClr val="dk1"/>
+          </a:effectRef>
+          <a:fontRef idx="minor">
+            <a:schemeClr val="dk1"/>
+          </a:fontRef>
+        </p:style>
+        <p:txBody>
+          <a:bodyPr rot="0" spcFirstLastPara="0" vertOverflow="overflow" horzOverflow="overflow" vert="horz" wrap="square" lIns="182869" tIns="91446" rIns="182869" bIns="91446" numCol="1" spcCol="0" rtlCol="0" fromWordArt="0" anchor="ctr" anchorCtr="0" forceAA="0" compatLnSpc="1">
+            <a:prstTxWarp prst="textNoShape">
+              <a:avLst/>
+            </a:prstTxWarp>
+            <a:noAutofit/>
+          </a:bodyPr>
+          <a:lstStyle/>
+          <a:p>
+            <a:pPr algn="ctr"/>
+            <a:r>
+              <a:rPr lang="ko-KR" altLang="en-US" sz="2000" b="1" dirty="0"/>
+              <a:t>내 리뷰</a:t>
+            </a:r>
+          </a:p>
+        </p:txBody>
+      </p:sp>
+      <p:sp>
+        <p:nvSpPr>
+          <p:cNvPr id="173" name="직사각형 172">
+            <a:extLst>
+              <a:ext uri="{FF2B5EF4-FFF2-40B4-BE49-F238E27FC236}">
+                <a16:creationId xmlns:a16="http://schemas.microsoft.com/office/drawing/2014/main" id="{0026D083-2E56-4B61-AAC8-35485D5BF92D}"/>
+              </a:ext>
+            </a:extLst>
+          </p:cNvPr>
+          <p:cNvSpPr/>
+          <p:nvPr/>
+        </p:nvSpPr>
+        <p:spPr>
+          <a:xfrm>
+            <a:off x="24541294" y="22054098"/>
+            <a:ext cx="1725804" cy="419458"/>
+          </a:xfrm>
+          <a:prstGeom prst="rect">
+            <a:avLst/>
+          </a:prstGeom>
+        </p:spPr>
+        <p:style>
+          <a:lnRef idx="2">
+            <a:schemeClr val="dk1"/>
+          </a:lnRef>
+          <a:fillRef idx="1">
+            <a:schemeClr val="lt1"/>
+          </a:fillRef>
+          <a:effectRef idx="0">
+            <a:schemeClr val="dk1"/>
+          </a:effectRef>
+          <a:fontRef idx="minor">
+            <a:schemeClr val="dk1"/>
+          </a:fontRef>
+        </p:style>
+        <p:txBody>
+          <a:bodyPr rot="0" spcFirstLastPara="0" vertOverflow="overflow" horzOverflow="overflow" vert="horz" wrap="square" lIns="182869" tIns="91446" rIns="182869" bIns="91446" numCol="1" spcCol="0" rtlCol="0" fromWordArt="0" anchor="ctr" anchorCtr="0" forceAA="0" compatLnSpc="1">
+            <a:prstTxWarp prst="textNoShape">
+              <a:avLst/>
+            </a:prstTxWarp>
+            <a:noAutofit/>
+          </a:bodyPr>
+          <a:lstStyle/>
+          <a:p>
+            <a:pPr algn="ctr"/>
+            <a:r>
+              <a:rPr lang="ko-KR" altLang="en-US" sz="2000" b="1" dirty="0"/>
+              <a:t>내 </a:t>
+            </a:r>
+            <a:r>
+              <a:rPr lang="ko-KR" altLang="en-US" sz="2000" b="1" dirty="0" err="1"/>
+              <a:t>한줄평</a:t>
+            </a:r>
+            <a:endParaRPr lang="ko-KR" altLang="en-US" sz="2000" b="1" dirty="0"/>
+          </a:p>
+        </p:txBody>
+      </p:sp>
+      <p:sp>
+        <p:nvSpPr>
+          <p:cNvPr id="175" name="직사각형 174">
+            <a:extLst>
+              <a:ext uri="{FF2B5EF4-FFF2-40B4-BE49-F238E27FC236}">
+                <a16:creationId xmlns:a16="http://schemas.microsoft.com/office/drawing/2014/main" id="{6EB21736-2903-453A-BC42-8876977C8C5D}"/>
+              </a:ext>
+            </a:extLst>
+          </p:cNvPr>
+          <p:cNvSpPr/>
+          <p:nvPr/>
+        </p:nvSpPr>
+        <p:spPr>
+          <a:xfrm>
+            <a:off x="24520685" y="25648619"/>
+            <a:ext cx="1725804" cy="419458"/>
+          </a:xfrm>
+          <a:prstGeom prst="rect">
+            <a:avLst/>
+          </a:prstGeom>
+        </p:spPr>
+        <p:style>
+          <a:lnRef idx="2">
+            <a:schemeClr val="dk1"/>
+          </a:lnRef>
+          <a:fillRef idx="1">
+            <a:schemeClr val="lt1"/>
+          </a:fillRef>
+          <a:effectRef idx="0">
+            <a:schemeClr val="dk1"/>
+          </a:effectRef>
+          <a:fontRef idx="minor">
+            <a:schemeClr val="dk1"/>
+          </a:fontRef>
+        </p:style>
+        <p:txBody>
+          <a:bodyPr rot="0" spcFirstLastPara="0" vertOverflow="overflow" horzOverflow="overflow" vert="horz" wrap="square" lIns="182869" tIns="91446" rIns="182869" bIns="91446" numCol="1" spcCol="0" rtlCol="0" fromWordArt="0" anchor="ctr" anchorCtr="0" forceAA="0" compatLnSpc="1">
+            <a:prstTxWarp prst="textNoShape">
+              <a:avLst/>
+            </a:prstTxWarp>
+            <a:noAutofit/>
+          </a:bodyPr>
+          <a:lstStyle/>
+          <a:p>
+            <a:pPr algn="ctr"/>
+            <a:r>
+              <a:rPr lang="ko-KR" altLang="en-US" sz="2000" b="1" dirty="0"/>
+              <a:t>내 </a:t>
+            </a:r>
+            <a:r>
+              <a:rPr lang="ko-KR" altLang="en-US" sz="2000" b="1" dirty="0" err="1"/>
+              <a:t>기프티콘</a:t>
+            </a:r>
+            <a:endParaRPr lang="ko-KR" altLang="en-US" sz="2000" b="1" dirty="0"/>
+          </a:p>
+        </p:txBody>
+      </p:sp>
+      <p:sp>
+        <p:nvSpPr>
+          <p:cNvPr id="178" name="직사각형 177">
+            <a:extLst>
+              <a:ext uri="{FF2B5EF4-FFF2-40B4-BE49-F238E27FC236}">
+                <a16:creationId xmlns:a16="http://schemas.microsoft.com/office/drawing/2014/main" id="{07A22815-E39D-4B8B-9A2E-3F373D4DD698}"/>
+              </a:ext>
+            </a:extLst>
+          </p:cNvPr>
+          <p:cNvSpPr/>
+          <p:nvPr/>
+        </p:nvSpPr>
+        <p:spPr>
+          <a:xfrm>
+            <a:off x="24567680" y="28883949"/>
+            <a:ext cx="1725804" cy="419458"/>
+          </a:xfrm>
+          <a:prstGeom prst="rect">
+            <a:avLst/>
+          </a:prstGeom>
+        </p:spPr>
+        <p:style>
+          <a:lnRef idx="2">
+            <a:schemeClr val="dk1"/>
+          </a:lnRef>
+          <a:fillRef idx="1">
+            <a:schemeClr val="lt1"/>
+          </a:fillRef>
+          <a:effectRef idx="0">
+            <a:schemeClr val="dk1"/>
+          </a:effectRef>
+          <a:fontRef idx="minor">
+            <a:schemeClr val="dk1"/>
+          </a:fontRef>
+        </p:style>
+        <p:txBody>
+          <a:bodyPr rot="0" spcFirstLastPara="0" vertOverflow="overflow" horzOverflow="overflow" vert="horz" wrap="square" lIns="182869" tIns="91446" rIns="182869" bIns="91446" numCol="1" spcCol="0" rtlCol="0" fromWordArt="0" anchor="ctr" anchorCtr="0" forceAA="0" compatLnSpc="1">
+            <a:prstTxWarp prst="textNoShape">
+              <a:avLst/>
+            </a:prstTxWarp>
+            <a:noAutofit/>
+          </a:bodyPr>
+          <a:lstStyle/>
+          <a:p>
+            <a:pPr algn="ctr"/>
+            <a:r>
+              <a:rPr lang="ko-KR" altLang="en-US" sz="2000" b="1" dirty="0"/>
+              <a:t>내 건의사항</a:t>
+            </a:r>
+          </a:p>
+        </p:txBody>
+      </p:sp>
+      <p:sp>
+        <p:nvSpPr>
+          <p:cNvPr id="180" name="직사각형 179">
+            <a:extLst>
+              <a:ext uri="{FF2B5EF4-FFF2-40B4-BE49-F238E27FC236}">
+                <a16:creationId xmlns:a16="http://schemas.microsoft.com/office/drawing/2014/main" id="{ACFA56BF-16C2-49EE-83CE-F622D07F47B7}"/>
+              </a:ext>
+            </a:extLst>
+          </p:cNvPr>
+          <p:cNvSpPr/>
+          <p:nvPr/>
+        </p:nvSpPr>
+        <p:spPr>
+          <a:xfrm>
+            <a:off x="25765213" y="17461652"/>
+            <a:ext cx="1725804" cy="419458"/>
+          </a:xfrm>
+          <a:prstGeom prst="rect">
+            <a:avLst/>
+          </a:prstGeom>
+        </p:spPr>
+        <p:style>
+          <a:lnRef idx="2">
+            <a:schemeClr val="dk1"/>
+          </a:lnRef>
+          <a:fillRef idx="1">
+            <a:schemeClr val="lt1"/>
+          </a:fillRef>
+          <a:effectRef idx="0">
+            <a:schemeClr val="dk1"/>
+          </a:effectRef>
+          <a:fontRef idx="minor">
+            <a:schemeClr val="dk1"/>
+          </a:fontRef>
+        </p:style>
+        <p:txBody>
+          <a:bodyPr rot="0" spcFirstLastPara="0" vertOverflow="overflow" horzOverflow="overflow" vert="horz" wrap="square" lIns="182869" tIns="91446" rIns="182869" bIns="91446" numCol="1" spcCol="0" rtlCol="0" fromWordArt="0" anchor="ctr" anchorCtr="0" forceAA="0" compatLnSpc="1">
+            <a:prstTxWarp prst="textNoShape">
+              <a:avLst/>
+            </a:prstTxWarp>
+            <a:noAutofit/>
+          </a:bodyPr>
+          <a:lstStyle/>
+          <a:p>
+            <a:pPr algn="ctr"/>
+            <a:r>
+              <a:rPr lang="ko-KR" altLang="en-US" sz="2000" b="1" dirty="0"/>
+              <a:t>예매내역 조회</a:t>
+            </a:r>
+          </a:p>
+        </p:txBody>
+      </p:sp>
+      <p:cxnSp>
+        <p:nvCxnSpPr>
+          <p:cNvPr id="30" name="연결선: 꺾임 29">
+            <a:extLst>
+              <a:ext uri="{FF2B5EF4-FFF2-40B4-BE49-F238E27FC236}">
+                <a16:creationId xmlns:a16="http://schemas.microsoft.com/office/drawing/2014/main" id="{572B6974-2B9D-4335-BAC5-1E6A8279A05C}"/>
+              </a:ext>
+            </a:extLst>
+          </p:cNvPr>
+          <p:cNvCxnSpPr>
+            <a:stCxn id="167" idx="2"/>
+            <a:endCxn id="180" idx="1"/>
+          </p:cNvCxnSpPr>
+          <p:nvPr/>
+        </p:nvCxnSpPr>
+        <p:spPr>
+          <a:xfrm rot="16200000" flipH="1">
+            <a:off x="25245353" y="17151521"/>
+            <a:ext cx="658094" cy="381626"/>
+          </a:xfrm>
+          <a:prstGeom prst="bentConnector2">
+            <a:avLst/>
+          </a:prstGeom>
+        </p:spPr>
+        <p:style>
+          <a:lnRef idx="1">
+            <a:schemeClr val="accent1"/>
+          </a:lnRef>
+          <a:fillRef idx="0">
+            <a:schemeClr val="accent1"/>
+          </a:fillRef>
+          <a:effectRef idx="0">
+            <a:schemeClr val="accent1"/>
+          </a:effectRef>
+          <a:fontRef idx="minor">
+            <a:schemeClr val="tx1"/>
+          </a:fontRef>
+        </p:style>
+      </p:cxnSp>
+      <p:sp>
+        <p:nvSpPr>
+          <p:cNvPr id="181" name="직사각형 180">
+            <a:extLst>
+              <a:ext uri="{FF2B5EF4-FFF2-40B4-BE49-F238E27FC236}">
+                <a16:creationId xmlns:a16="http://schemas.microsoft.com/office/drawing/2014/main" id="{B9B0C6B5-7053-4BE7-AED8-82D647A1EA68}"/>
+              </a:ext>
+            </a:extLst>
+          </p:cNvPr>
+          <p:cNvSpPr/>
+          <p:nvPr/>
+        </p:nvSpPr>
+        <p:spPr>
+          <a:xfrm>
+            <a:off x="27114686" y="20482652"/>
+            <a:ext cx="1725804" cy="419458"/>
+          </a:xfrm>
+          <a:prstGeom prst="rect">
+            <a:avLst/>
+          </a:prstGeom>
+        </p:spPr>
+        <p:style>
+          <a:lnRef idx="2">
+            <a:schemeClr val="dk1"/>
+          </a:lnRef>
+          <a:fillRef idx="1">
+            <a:schemeClr val="lt1"/>
+          </a:fillRef>
+          <a:effectRef idx="0">
+            <a:schemeClr val="dk1"/>
+          </a:effectRef>
+          <a:fontRef idx="minor">
+            <a:schemeClr val="dk1"/>
+          </a:fontRef>
+        </p:style>
+        <p:txBody>
+          <a:bodyPr rot="0" spcFirstLastPara="0" vertOverflow="overflow" horzOverflow="overflow" vert="horz" wrap="square" lIns="182869" tIns="91446" rIns="182869" bIns="91446" numCol="1" spcCol="0" rtlCol="0" fromWordArt="0" anchor="ctr" anchorCtr="0" forceAA="0" compatLnSpc="1">
+            <a:prstTxWarp prst="textNoShape">
+              <a:avLst/>
+            </a:prstTxWarp>
+            <a:noAutofit/>
+          </a:bodyPr>
+          <a:lstStyle/>
+          <a:p>
+            <a:pPr algn="ctr"/>
+            <a:r>
+              <a:rPr lang="ko-KR" altLang="en-US" sz="2000" b="1" dirty="0"/>
+              <a:t>내 리뷰 상세보기</a:t>
+            </a:r>
+          </a:p>
+        </p:txBody>
+      </p:sp>
+      <p:sp>
+        <p:nvSpPr>
+          <p:cNvPr id="198" name="직사각형 197">
+            <a:extLst>
+              <a:ext uri="{FF2B5EF4-FFF2-40B4-BE49-F238E27FC236}">
+                <a16:creationId xmlns:a16="http://schemas.microsoft.com/office/drawing/2014/main" id="{B79F777F-F0E7-4848-A53F-DC418D072389}"/>
+              </a:ext>
+            </a:extLst>
+          </p:cNvPr>
+          <p:cNvSpPr/>
+          <p:nvPr/>
+        </p:nvSpPr>
+        <p:spPr>
+          <a:xfrm>
+            <a:off x="28325401" y="21173149"/>
+            <a:ext cx="1725804" cy="419458"/>
+          </a:xfrm>
+          <a:prstGeom prst="rect">
+            <a:avLst/>
+          </a:prstGeom>
+        </p:spPr>
+        <p:style>
+          <a:lnRef idx="2">
+            <a:schemeClr val="dk1"/>
+          </a:lnRef>
+          <a:fillRef idx="1">
+            <a:schemeClr val="lt1"/>
+          </a:fillRef>
+          <a:effectRef idx="0">
+            <a:schemeClr val="dk1"/>
+          </a:effectRef>
+          <a:fontRef idx="minor">
+            <a:schemeClr val="dk1"/>
+          </a:fontRef>
+        </p:style>
+        <p:txBody>
+          <a:bodyPr rot="0" spcFirstLastPara="0" vertOverflow="overflow" horzOverflow="overflow" vert="horz" wrap="square" lIns="182869" tIns="91446" rIns="182869" bIns="91446" numCol="1" spcCol="0" rtlCol="0" fromWordArt="0" anchor="ctr" anchorCtr="0" forceAA="0" compatLnSpc="1">
+            <a:prstTxWarp prst="textNoShape">
+              <a:avLst/>
+            </a:prstTxWarp>
+            <a:noAutofit/>
+          </a:bodyPr>
+          <a:lstStyle/>
+          <a:p>
+            <a:pPr algn="ctr"/>
+            <a:r>
+              <a:rPr lang="ko-KR" altLang="en-US" sz="2000" b="1" dirty="0"/>
+              <a:t>내 리뷰 수정</a:t>
+            </a:r>
+          </a:p>
+        </p:txBody>
+      </p:sp>
+      <p:sp>
+        <p:nvSpPr>
+          <p:cNvPr id="199" name="직사각형 198">
+            <a:extLst>
+              <a:ext uri="{FF2B5EF4-FFF2-40B4-BE49-F238E27FC236}">
+                <a16:creationId xmlns:a16="http://schemas.microsoft.com/office/drawing/2014/main" id="{A9DBB419-A250-45D8-B32C-2783D25A3D47}"/>
+              </a:ext>
+            </a:extLst>
+          </p:cNvPr>
+          <p:cNvSpPr/>
+          <p:nvPr/>
+        </p:nvSpPr>
+        <p:spPr>
+          <a:xfrm>
+            <a:off x="28325401" y="21912075"/>
+            <a:ext cx="1725804" cy="419458"/>
+          </a:xfrm>
+          <a:prstGeom prst="rect">
+            <a:avLst/>
+          </a:prstGeom>
+        </p:spPr>
+        <p:style>
+          <a:lnRef idx="2">
+            <a:schemeClr val="dk1"/>
+          </a:lnRef>
+          <a:fillRef idx="1">
+            <a:schemeClr val="lt1"/>
+          </a:fillRef>
+          <a:effectRef idx="0">
+            <a:schemeClr val="dk1"/>
+          </a:effectRef>
+          <a:fontRef idx="minor">
+            <a:schemeClr val="dk1"/>
+          </a:fontRef>
+        </p:style>
+        <p:txBody>
+          <a:bodyPr rot="0" spcFirstLastPara="0" vertOverflow="overflow" horzOverflow="overflow" vert="horz" wrap="square" lIns="182869" tIns="91446" rIns="182869" bIns="91446" numCol="1" spcCol="0" rtlCol="0" fromWordArt="0" anchor="ctr" anchorCtr="0" forceAA="0" compatLnSpc="1">
+            <a:prstTxWarp prst="textNoShape">
+              <a:avLst/>
+            </a:prstTxWarp>
+            <a:noAutofit/>
+          </a:bodyPr>
+          <a:lstStyle/>
+          <a:p>
+            <a:pPr algn="ctr"/>
+            <a:r>
+              <a:rPr lang="ko-KR" altLang="en-US" sz="2000" b="1" dirty="0"/>
+              <a:t>내 리뷰 삭제</a:t>
+            </a:r>
+          </a:p>
+        </p:txBody>
+      </p:sp>
+      <p:cxnSp>
+        <p:nvCxnSpPr>
+          <p:cNvPr id="96" name="연결선: 꺾임 95">
+            <a:extLst>
+              <a:ext uri="{FF2B5EF4-FFF2-40B4-BE49-F238E27FC236}">
+                <a16:creationId xmlns:a16="http://schemas.microsoft.com/office/drawing/2014/main" id="{F9E03FDC-174A-478F-8659-3AB7FF6A345C}"/>
+              </a:ext>
+            </a:extLst>
+          </p:cNvPr>
+          <p:cNvCxnSpPr>
+            <a:cxnSpLocks/>
+            <a:stCxn id="171" idx="2"/>
+            <a:endCxn id="275" idx="1"/>
+          </p:cNvCxnSpPr>
+          <p:nvPr/>
+        </p:nvCxnSpPr>
+        <p:spPr>
+          <a:xfrm rot="16200000" flipH="1">
+            <a:off x="25329592" y="19497308"/>
+            <a:ext cx="562366" cy="413158"/>
+          </a:xfrm>
+          <a:prstGeom prst="bentConnector2">
+            <a:avLst/>
+          </a:prstGeom>
+        </p:spPr>
+        <p:style>
+          <a:lnRef idx="1">
+            <a:schemeClr val="accent1"/>
+          </a:lnRef>
+          <a:fillRef idx="0">
+            <a:schemeClr val="accent1"/>
+          </a:fillRef>
+          <a:effectRef idx="0">
+            <a:schemeClr val="accent1"/>
+          </a:effectRef>
+          <a:fontRef idx="minor">
+            <a:schemeClr val="tx1"/>
+          </a:fontRef>
+        </p:style>
+      </p:cxnSp>
+      <p:cxnSp>
+        <p:nvCxnSpPr>
+          <p:cNvPr id="98" name="연결선: 꺾임 97">
+            <a:extLst>
+              <a:ext uri="{FF2B5EF4-FFF2-40B4-BE49-F238E27FC236}">
+                <a16:creationId xmlns:a16="http://schemas.microsoft.com/office/drawing/2014/main" id="{5588730C-4723-45AD-80A9-56358A3D476B}"/>
+              </a:ext>
+            </a:extLst>
+          </p:cNvPr>
+          <p:cNvCxnSpPr>
+            <a:stCxn id="181" idx="2"/>
+            <a:endCxn id="198" idx="1"/>
+          </p:cNvCxnSpPr>
+          <p:nvPr/>
+        </p:nvCxnSpPr>
+        <p:spPr>
+          <a:xfrm rot="16200000" flipH="1">
+            <a:off x="27911110" y="20968587"/>
+            <a:ext cx="480768" cy="347813"/>
+          </a:xfrm>
+          <a:prstGeom prst="bentConnector2">
+            <a:avLst/>
+          </a:prstGeom>
+        </p:spPr>
+        <p:style>
+          <a:lnRef idx="1">
+            <a:schemeClr val="accent1"/>
+          </a:lnRef>
+          <a:fillRef idx="0">
+            <a:schemeClr val="accent1"/>
+          </a:fillRef>
+          <a:effectRef idx="0">
+            <a:schemeClr val="accent1"/>
+          </a:effectRef>
+          <a:fontRef idx="minor">
+            <a:schemeClr val="tx1"/>
+          </a:fontRef>
+        </p:style>
+      </p:cxnSp>
+      <p:cxnSp>
+        <p:nvCxnSpPr>
+          <p:cNvPr id="100" name="연결선: 꺾임 99">
+            <a:extLst>
+              <a:ext uri="{FF2B5EF4-FFF2-40B4-BE49-F238E27FC236}">
+                <a16:creationId xmlns:a16="http://schemas.microsoft.com/office/drawing/2014/main" id="{332423AF-F62E-4C05-94EF-F7B45458B51A}"/>
+              </a:ext>
+            </a:extLst>
+          </p:cNvPr>
+          <p:cNvCxnSpPr>
+            <a:stCxn id="181" idx="2"/>
+            <a:endCxn id="199" idx="1"/>
+          </p:cNvCxnSpPr>
+          <p:nvPr/>
+        </p:nvCxnSpPr>
+        <p:spPr>
+          <a:xfrm rot="16200000" flipH="1">
+            <a:off x="27541647" y="21338050"/>
+            <a:ext cx="1219694" cy="347813"/>
+          </a:xfrm>
+          <a:prstGeom prst="bentConnector2">
+            <a:avLst/>
+          </a:prstGeom>
+        </p:spPr>
+        <p:style>
+          <a:lnRef idx="1">
+            <a:schemeClr val="accent1"/>
+          </a:lnRef>
+          <a:fillRef idx="0">
+            <a:schemeClr val="accent1"/>
+          </a:fillRef>
+          <a:effectRef idx="0">
+            <a:schemeClr val="accent1"/>
+          </a:effectRef>
+          <a:fontRef idx="minor">
+            <a:schemeClr val="tx1"/>
+          </a:fontRef>
+        </p:style>
+      </p:cxnSp>
+      <p:sp>
+        <p:nvSpPr>
+          <p:cNvPr id="200" name="직사각형 199">
+            <a:extLst>
+              <a:ext uri="{FF2B5EF4-FFF2-40B4-BE49-F238E27FC236}">
+                <a16:creationId xmlns:a16="http://schemas.microsoft.com/office/drawing/2014/main" id="{2FB9ED56-D99D-44A8-A94C-1DB450A20A3B}"/>
+              </a:ext>
+            </a:extLst>
+          </p:cNvPr>
+          <p:cNvSpPr/>
+          <p:nvPr/>
+        </p:nvSpPr>
+        <p:spPr>
+          <a:xfrm>
+            <a:off x="27107790" y="23733767"/>
+            <a:ext cx="1725804" cy="419458"/>
+          </a:xfrm>
+          <a:prstGeom prst="rect">
+            <a:avLst/>
+          </a:prstGeom>
+        </p:spPr>
+        <p:style>
+          <a:lnRef idx="2">
+            <a:schemeClr val="dk1"/>
+          </a:lnRef>
+          <a:fillRef idx="1">
+            <a:schemeClr val="lt1"/>
+          </a:fillRef>
+          <a:effectRef idx="0">
+            <a:schemeClr val="dk1"/>
+          </a:effectRef>
+          <a:fontRef idx="minor">
+            <a:schemeClr val="dk1"/>
+          </a:fontRef>
+        </p:style>
+        <p:txBody>
+          <a:bodyPr rot="0" spcFirstLastPara="0" vertOverflow="overflow" horzOverflow="overflow" vert="horz" wrap="square" lIns="182869" tIns="91446" rIns="182869" bIns="91446" numCol="1" spcCol="0" rtlCol="0" fromWordArt="0" anchor="ctr" anchorCtr="0" forceAA="0" compatLnSpc="1">
+            <a:prstTxWarp prst="textNoShape">
+              <a:avLst/>
+            </a:prstTxWarp>
+            <a:noAutofit/>
+          </a:bodyPr>
+          <a:lstStyle/>
+          <a:p>
+            <a:pPr algn="ctr"/>
+            <a:r>
+              <a:rPr lang="ko-KR" altLang="en-US" sz="2000" b="1" dirty="0"/>
+              <a:t>내 </a:t>
+            </a:r>
+            <a:r>
+              <a:rPr lang="ko-KR" altLang="en-US" sz="2000" b="1" dirty="0" err="1"/>
+              <a:t>한줄평</a:t>
+            </a:r>
+            <a:r>
+              <a:rPr lang="ko-KR" altLang="en-US" sz="2000" b="1" dirty="0"/>
+              <a:t> 상세보기</a:t>
+            </a:r>
+          </a:p>
+        </p:txBody>
+      </p:sp>
+      <p:sp>
+        <p:nvSpPr>
+          <p:cNvPr id="201" name="직사각형 200">
+            <a:extLst>
+              <a:ext uri="{FF2B5EF4-FFF2-40B4-BE49-F238E27FC236}">
+                <a16:creationId xmlns:a16="http://schemas.microsoft.com/office/drawing/2014/main" id="{EED69AEA-D909-41A9-9B4A-618CD78BAE7A}"/>
+              </a:ext>
+            </a:extLst>
+          </p:cNvPr>
+          <p:cNvSpPr/>
+          <p:nvPr/>
+        </p:nvSpPr>
+        <p:spPr>
+          <a:xfrm>
+            <a:off x="28318505" y="24424264"/>
+            <a:ext cx="1725804" cy="419458"/>
+          </a:xfrm>
+          <a:prstGeom prst="rect">
+            <a:avLst/>
+          </a:prstGeom>
+        </p:spPr>
+        <p:style>
+          <a:lnRef idx="2">
+            <a:schemeClr val="dk1"/>
+          </a:lnRef>
+          <a:fillRef idx="1">
+            <a:schemeClr val="lt1"/>
+          </a:fillRef>
+          <a:effectRef idx="0">
+            <a:schemeClr val="dk1"/>
+          </a:effectRef>
+          <a:fontRef idx="minor">
+            <a:schemeClr val="dk1"/>
+          </a:fontRef>
+        </p:style>
+        <p:txBody>
+          <a:bodyPr rot="0" spcFirstLastPara="0" vertOverflow="overflow" horzOverflow="overflow" vert="horz" wrap="square" lIns="182869" tIns="91446" rIns="182869" bIns="91446" numCol="1" spcCol="0" rtlCol="0" fromWordArt="0" anchor="ctr" anchorCtr="0" forceAA="0" compatLnSpc="1">
+            <a:prstTxWarp prst="textNoShape">
+              <a:avLst/>
+            </a:prstTxWarp>
+            <a:noAutofit/>
+          </a:bodyPr>
+          <a:lstStyle/>
+          <a:p>
+            <a:pPr algn="ctr"/>
+            <a:r>
+              <a:rPr lang="ko-KR" altLang="en-US" sz="2000" b="1" dirty="0"/>
+              <a:t>내 </a:t>
+            </a:r>
+            <a:r>
+              <a:rPr lang="ko-KR" altLang="en-US" sz="2000" b="1" dirty="0" err="1"/>
+              <a:t>한줄평</a:t>
+            </a:r>
+            <a:r>
+              <a:rPr lang="ko-KR" altLang="en-US" sz="2000" b="1" dirty="0"/>
+              <a:t> 수정</a:t>
+            </a:r>
+          </a:p>
+        </p:txBody>
+      </p:sp>
+      <p:sp>
+        <p:nvSpPr>
+          <p:cNvPr id="202" name="직사각형 201">
+            <a:extLst>
+              <a:ext uri="{FF2B5EF4-FFF2-40B4-BE49-F238E27FC236}">
+                <a16:creationId xmlns:a16="http://schemas.microsoft.com/office/drawing/2014/main" id="{78853E67-C624-4FE1-8980-78DC4E700E89}"/>
+              </a:ext>
+            </a:extLst>
+          </p:cNvPr>
+          <p:cNvSpPr/>
+          <p:nvPr/>
+        </p:nvSpPr>
+        <p:spPr>
+          <a:xfrm>
+            <a:off x="28318505" y="25163190"/>
+            <a:ext cx="1725804" cy="419458"/>
+          </a:xfrm>
+          <a:prstGeom prst="rect">
+            <a:avLst/>
+          </a:prstGeom>
+        </p:spPr>
+        <p:style>
+          <a:lnRef idx="2">
+            <a:schemeClr val="dk1"/>
+          </a:lnRef>
+          <a:fillRef idx="1">
+            <a:schemeClr val="lt1"/>
+          </a:fillRef>
+          <a:effectRef idx="0">
+            <a:schemeClr val="dk1"/>
+          </a:effectRef>
+          <a:fontRef idx="minor">
+            <a:schemeClr val="dk1"/>
+          </a:fontRef>
+        </p:style>
+        <p:txBody>
+          <a:bodyPr rot="0" spcFirstLastPara="0" vertOverflow="overflow" horzOverflow="overflow" vert="horz" wrap="square" lIns="182869" tIns="91446" rIns="182869" bIns="91446" numCol="1" spcCol="0" rtlCol="0" fromWordArt="0" anchor="ctr" anchorCtr="0" forceAA="0" compatLnSpc="1">
+            <a:prstTxWarp prst="textNoShape">
+              <a:avLst/>
+            </a:prstTxWarp>
+            <a:noAutofit/>
+          </a:bodyPr>
+          <a:lstStyle/>
+          <a:p>
+            <a:pPr algn="ctr"/>
+            <a:r>
+              <a:rPr lang="ko-KR" altLang="en-US" sz="2000" b="1" dirty="0"/>
+              <a:t>내 </a:t>
+            </a:r>
+            <a:r>
+              <a:rPr lang="ko-KR" altLang="en-US" sz="2000" b="1" dirty="0" err="1"/>
+              <a:t>한줄평</a:t>
+            </a:r>
+            <a:endParaRPr lang="en-US" altLang="ko-KR" sz="2000" b="1" dirty="0"/>
+          </a:p>
+          <a:p>
+            <a:pPr algn="ctr"/>
+            <a:r>
+              <a:rPr lang="ko-KR" altLang="en-US" sz="2000" b="1" dirty="0"/>
+              <a:t>삭제</a:t>
+            </a:r>
+          </a:p>
+        </p:txBody>
+      </p:sp>
+      <p:cxnSp>
+        <p:nvCxnSpPr>
+          <p:cNvPr id="205" name="연결선: 꺾임 204">
+            <a:extLst>
+              <a:ext uri="{FF2B5EF4-FFF2-40B4-BE49-F238E27FC236}">
+                <a16:creationId xmlns:a16="http://schemas.microsoft.com/office/drawing/2014/main" id="{91F9845E-3B46-449B-B44A-447B3386CDA4}"/>
+              </a:ext>
+            </a:extLst>
+          </p:cNvPr>
+          <p:cNvCxnSpPr>
+            <a:stCxn id="200" idx="2"/>
+            <a:endCxn id="201" idx="1"/>
+          </p:cNvCxnSpPr>
+          <p:nvPr/>
+        </p:nvCxnSpPr>
+        <p:spPr>
+          <a:xfrm rot="16200000" flipH="1">
+            <a:off x="27904214" y="24219702"/>
+            <a:ext cx="480768" cy="347813"/>
+          </a:xfrm>
+          <a:prstGeom prst="bentConnector2">
+            <a:avLst/>
+          </a:prstGeom>
+        </p:spPr>
+        <p:style>
+          <a:lnRef idx="1">
+            <a:schemeClr val="accent1"/>
+          </a:lnRef>
+          <a:fillRef idx="0">
+            <a:schemeClr val="accent1"/>
+          </a:fillRef>
+          <a:effectRef idx="0">
+            <a:schemeClr val="accent1"/>
+          </a:effectRef>
+          <a:fontRef idx="minor">
+            <a:schemeClr val="tx1"/>
+          </a:fontRef>
+        </p:style>
+      </p:cxnSp>
+      <p:cxnSp>
+        <p:nvCxnSpPr>
+          <p:cNvPr id="206" name="연결선: 꺾임 205">
+            <a:extLst>
+              <a:ext uri="{FF2B5EF4-FFF2-40B4-BE49-F238E27FC236}">
+                <a16:creationId xmlns:a16="http://schemas.microsoft.com/office/drawing/2014/main" id="{35E56270-C6C7-48B5-8F0C-08A57B27E54C}"/>
+              </a:ext>
+            </a:extLst>
+          </p:cNvPr>
+          <p:cNvCxnSpPr>
+            <a:stCxn id="200" idx="2"/>
+            <a:endCxn id="202" idx="1"/>
+          </p:cNvCxnSpPr>
+          <p:nvPr/>
+        </p:nvCxnSpPr>
+        <p:spPr>
+          <a:xfrm rot="16200000" flipH="1">
+            <a:off x="27534751" y="24589165"/>
+            <a:ext cx="1219694" cy="347813"/>
+          </a:xfrm>
+          <a:prstGeom prst="bentConnector2">
+            <a:avLst/>
+          </a:prstGeom>
+        </p:spPr>
+        <p:style>
+          <a:lnRef idx="1">
+            <a:schemeClr val="accent1"/>
+          </a:lnRef>
+          <a:fillRef idx="0">
+            <a:schemeClr val="accent1"/>
+          </a:fillRef>
+          <a:effectRef idx="0">
+            <a:schemeClr val="accent1"/>
+          </a:effectRef>
+          <a:fontRef idx="minor">
+            <a:schemeClr val="tx1"/>
+          </a:fontRef>
+        </p:style>
+      </p:cxnSp>
+      <p:cxnSp>
+        <p:nvCxnSpPr>
+          <p:cNvPr id="102" name="연결선: 꺾임 101">
+            <a:extLst>
+              <a:ext uri="{FF2B5EF4-FFF2-40B4-BE49-F238E27FC236}">
+                <a16:creationId xmlns:a16="http://schemas.microsoft.com/office/drawing/2014/main" id="{8EC4852F-78BF-4A32-9319-8B6CD91C04A1}"/>
+              </a:ext>
+            </a:extLst>
+          </p:cNvPr>
+          <p:cNvCxnSpPr>
+            <a:cxnSpLocks/>
+            <a:stCxn id="173" idx="2"/>
+            <a:endCxn id="279" idx="1"/>
+          </p:cNvCxnSpPr>
+          <p:nvPr/>
+        </p:nvCxnSpPr>
+        <p:spPr>
+          <a:xfrm rot="16200000" flipH="1">
+            <a:off x="25219197" y="22658554"/>
+            <a:ext cx="731014" cy="361017"/>
+          </a:xfrm>
+          <a:prstGeom prst="bentConnector2">
+            <a:avLst/>
+          </a:prstGeom>
+        </p:spPr>
+        <p:style>
+          <a:lnRef idx="1">
+            <a:schemeClr val="accent1"/>
+          </a:lnRef>
+          <a:fillRef idx="0">
+            <a:schemeClr val="accent1"/>
+          </a:fillRef>
+          <a:effectRef idx="0">
+            <a:schemeClr val="accent1"/>
+          </a:effectRef>
+          <a:fontRef idx="minor">
+            <a:schemeClr val="tx1"/>
+          </a:fontRef>
+        </p:style>
+      </p:cxnSp>
+      <p:sp>
+        <p:nvSpPr>
+          <p:cNvPr id="207" name="직사각형 206">
+            <a:extLst>
+              <a:ext uri="{FF2B5EF4-FFF2-40B4-BE49-F238E27FC236}">
+                <a16:creationId xmlns:a16="http://schemas.microsoft.com/office/drawing/2014/main" id="{EF056986-74CB-4EB1-B3A0-DCC48548E8A7}"/>
+              </a:ext>
+            </a:extLst>
+          </p:cNvPr>
+          <p:cNvSpPr/>
+          <p:nvPr/>
+        </p:nvSpPr>
+        <p:spPr>
+          <a:xfrm>
+            <a:off x="27107810" y="30401769"/>
+            <a:ext cx="1725804" cy="419458"/>
+          </a:xfrm>
+          <a:prstGeom prst="rect">
+            <a:avLst/>
+          </a:prstGeom>
+        </p:spPr>
+        <p:style>
+          <a:lnRef idx="2">
+            <a:schemeClr val="dk1"/>
+          </a:lnRef>
+          <a:fillRef idx="1">
+            <a:schemeClr val="lt1"/>
+          </a:fillRef>
+          <a:effectRef idx="0">
+            <a:schemeClr val="dk1"/>
+          </a:effectRef>
+          <a:fontRef idx="minor">
+            <a:schemeClr val="dk1"/>
+          </a:fontRef>
+        </p:style>
+        <p:txBody>
+          <a:bodyPr rot="0" spcFirstLastPara="0" vertOverflow="overflow" horzOverflow="overflow" vert="horz" wrap="square" lIns="182869" tIns="91446" rIns="182869" bIns="91446" numCol="1" spcCol="0" rtlCol="0" fromWordArt="0" anchor="ctr" anchorCtr="0" forceAA="0" compatLnSpc="1">
+            <a:prstTxWarp prst="textNoShape">
+              <a:avLst/>
+            </a:prstTxWarp>
+            <a:noAutofit/>
+          </a:bodyPr>
+          <a:lstStyle/>
+          <a:p>
+            <a:pPr algn="ctr"/>
+            <a:r>
+              <a:rPr lang="ko-KR" altLang="en-US" sz="2000" b="1" dirty="0"/>
+              <a:t>내 건의사항 상세보기</a:t>
+            </a:r>
+          </a:p>
+        </p:txBody>
+      </p:sp>
+      <p:sp>
+        <p:nvSpPr>
+          <p:cNvPr id="208" name="직사각형 207">
+            <a:extLst>
+              <a:ext uri="{FF2B5EF4-FFF2-40B4-BE49-F238E27FC236}">
+                <a16:creationId xmlns:a16="http://schemas.microsoft.com/office/drawing/2014/main" id="{FB03B564-2525-4723-B4C9-4EA031D015BD}"/>
+              </a:ext>
+            </a:extLst>
+          </p:cNvPr>
+          <p:cNvSpPr/>
+          <p:nvPr/>
+        </p:nvSpPr>
+        <p:spPr>
+          <a:xfrm>
+            <a:off x="28318525" y="31092266"/>
+            <a:ext cx="1725804" cy="419458"/>
+          </a:xfrm>
+          <a:prstGeom prst="rect">
+            <a:avLst/>
+          </a:prstGeom>
+        </p:spPr>
+        <p:style>
+          <a:lnRef idx="2">
+            <a:schemeClr val="dk1"/>
+          </a:lnRef>
+          <a:fillRef idx="1">
+            <a:schemeClr val="lt1"/>
+          </a:fillRef>
+          <a:effectRef idx="0">
+            <a:schemeClr val="dk1"/>
+          </a:effectRef>
+          <a:fontRef idx="minor">
+            <a:schemeClr val="dk1"/>
+          </a:fontRef>
+        </p:style>
+        <p:txBody>
+          <a:bodyPr rot="0" spcFirstLastPara="0" vertOverflow="overflow" horzOverflow="overflow" vert="horz" wrap="square" lIns="182869" tIns="91446" rIns="182869" bIns="91446" numCol="1" spcCol="0" rtlCol="0" fromWordArt="0" anchor="ctr" anchorCtr="0" forceAA="0" compatLnSpc="1">
+            <a:prstTxWarp prst="textNoShape">
+              <a:avLst/>
+            </a:prstTxWarp>
+            <a:noAutofit/>
+          </a:bodyPr>
+          <a:lstStyle/>
+          <a:p>
+            <a:pPr algn="ctr"/>
+            <a:r>
+              <a:rPr lang="ko-KR" altLang="en-US" sz="2000" b="1" dirty="0"/>
+              <a:t>내 건의사항 수정</a:t>
+            </a:r>
+          </a:p>
+        </p:txBody>
+      </p:sp>
+      <p:sp>
+        <p:nvSpPr>
+          <p:cNvPr id="209" name="직사각형 208">
+            <a:extLst>
+              <a:ext uri="{FF2B5EF4-FFF2-40B4-BE49-F238E27FC236}">
+                <a16:creationId xmlns:a16="http://schemas.microsoft.com/office/drawing/2014/main" id="{687CFFAD-BF6F-46A7-93A2-32C9B7D650A1}"/>
+              </a:ext>
+            </a:extLst>
+          </p:cNvPr>
+          <p:cNvSpPr/>
+          <p:nvPr/>
+        </p:nvSpPr>
+        <p:spPr>
+          <a:xfrm>
+            <a:off x="28318525" y="31831192"/>
+            <a:ext cx="1725804" cy="419458"/>
+          </a:xfrm>
+          <a:prstGeom prst="rect">
+            <a:avLst/>
+          </a:prstGeom>
+        </p:spPr>
+        <p:style>
+          <a:lnRef idx="2">
+            <a:schemeClr val="dk1"/>
+          </a:lnRef>
+          <a:fillRef idx="1">
+            <a:schemeClr val="lt1"/>
+          </a:fillRef>
+          <a:effectRef idx="0">
+            <a:schemeClr val="dk1"/>
+          </a:effectRef>
+          <a:fontRef idx="minor">
+            <a:schemeClr val="dk1"/>
+          </a:fontRef>
+        </p:style>
+        <p:txBody>
+          <a:bodyPr rot="0" spcFirstLastPara="0" vertOverflow="overflow" horzOverflow="overflow" vert="horz" wrap="square" lIns="182869" tIns="91446" rIns="182869" bIns="91446" numCol="1" spcCol="0" rtlCol="0" fromWordArt="0" anchor="ctr" anchorCtr="0" forceAA="0" compatLnSpc="1">
+            <a:prstTxWarp prst="textNoShape">
+              <a:avLst/>
+            </a:prstTxWarp>
+            <a:noAutofit/>
+          </a:bodyPr>
+          <a:lstStyle/>
+          <a:p>
+            <a:pPr algn="ctr"/>
+            <a:r>
+              <a:rPr lang="ko-KR" altLang="en-US" sz="2000" b="1" dirty="0"/>
+              <a:t>내 건의사항</a:t>
+            </a:r>
+            <a:endParaRPr lang="en-US" altLang="ko-KR" sz="2000" b="1" dirty="0"/>
+          </a:p>
+          <a:p>
+            <a:pPr algn="ctr"/>
+            <a:r>
+              <a:rPr lang="ko-KR" altLang="en-US" sz="2000" b="1" dirty="0"/>
+              <a:t>삭제</a:t>
+            </a:r>
+          </a:p>
+        </p:txBody>
+      </p:sp>
+      <p:cxnSp>
+        <p:nvCxnSpPr>
+          <p:cNvPr id="210" name="연결선: 꺾임 209">
+            <a:extLst>
+              <a:ext uri="{FF2B5EF4-FFF2-40B4-BE49-F238E27FC236}">
+                <a16:creationId xmlns:a16="http://schemas.microsoft.com/office/drawing/2014/main" id="{03D68357-4F56-40F7-A23C-A6C49320A9EA}"/>
+              </a:ext>
+            </a:extLst>
+          </p:cNvPr>
+          <p:cNvCxnSpPr>
+            <a:stCxn id="207" idx="2"/>
+            <a:endCxn id="208" idx="1"/>
+          </p:cNvCxnSpPr>
+          <p:nvPr/>
+        </p:nvCxnSpPr>
+        <p:spPr>
+          <a:xfrm rot="16200000" flipH="1">
+            <a:off x="27904234" y="30887704"/>
+            <a:ext cx="480768" cy="347813"/>
+          </a:xfrm>
+          <a:prstGeom prst="bentConnector2">
+            <a:avLst/>
+          </a:prstGeom>
+        </p:spPr>
+        <p:style>
+          <a:lnRef idx="1">
+            <a:schemeClr val="accent1"/>
+          </a:lnRef>
+          <a:fillRef idx="0">
+            <a:schemeClr val="accent1"/>
+          </a:fillRef>
+          <a:effectRef idx="0">
+            <a:schemeClr val="accent1"/>
+          </a:effectRef>
+          <a:fontRef idx="minor">
+            <a:schemeClr val="tx1"/>
+          </a:fontRef>
+        </p:style>
+      </p:cxnSp>
+      <p:cxnSp>
+        <p:nvCxnSpPr>
+          <p:cNvPr id="211" name="연결선: 꺾임 210">
+            <a:extLst>
+              <a:ext uri="{FF2B5EF4-FFF2-40B4-BE49-F238E27FC236}">
+                <a16:creationId xmlns:a16="http://schemas.microsoft.com/office/drawing/2014/main" id="{9AE1C7E2-9772-4F84-ABB7-38A9FB374ACD}"/>
+              </a:ext>
+            </a:extLst>
+          </p:cNvPr>
+          <p:cNvCxnSpPr>
+            <a:stCxn id="207" idx="2"/>
+            <a:endCxn id="209" idx="1"/>
+          </p:cNvCxnSpPr>
+          <p:nvPr/>
+        </p:nvCxnSpPr>
+        <p:spPr>
+          <a:xfrm rot="16200000" flipH="1">
+            <a:off x="27534771" y="31257167"/>
+            <a:ext cx="1219694" cy="347813"/>
+          </a:xfrm>
+          <a:prstGeom prst="bentConnector2">
+            <a:avLst/>
+          </a:prstGeom>
+        </p:spPr>
+        <p:style>
+          <a:lnRef idx="1">
+            <a:schemeClr val="accent1"/>
+          </a:lnRef>
+          <a:fillRef idx="0">
+            <a:schemeClr val="accent1"/>
+          </a:fillRef>
+          <a:effectRef idx="0">
+            <a:schemeClr val="accent1"/>
+          </a:effectRef>
+          <a:fontRef idx="minor">
+            <a:schemeClr val="tx1"/>
+          </a:fontRef>
+        </p:style>
+      </p:cxnSp>
+      <p:sp>
+        <p:nvSpPr>
+          <p:cNvPr id="214" name="직사각형 213">
+            <a:extLst>
+              <a:ext uri="{FF2B5EF4-FFF2-40B4-BE49-F238E27FC236}">
+                <a16:creationId xmlns:a16="http://schemas.microsoft.com/office/drawing/2014/main" id="{24E5FF1D-B393-46ED-9C49-1C3C240DFD3F}"/>
+              </a:ext>
+            </a:extLst>
+          </p:cNvPr>
+          <p:cNvSpPr/>
+          <p:nvPr/>
+        </p:nvSpPr>
+        <p:spPr>
+          <a:xfrm>
+            <a:off x="27018089" y="27043151"/>
+            <a:ext cx="1725804" cy="419458"/>
+          </a:xfrm>
+          <a:prstGeom prst="rect">
+            <a:avLst/>
+          </a:prstGeom>
+        </p:spPr>
+        <p:style>
+          <a:lnRef idx="2">
+            <a:schemeClr val="dk1"/>
+          </a:lnRef>
+          <a:fillRef idx="1">
+            <a:schemeClr val="lt1"/>
+          </a:fillRef>
+          <a:effectRef idx="0">
+            <a:schemeClr val="dk1"/>
+          </a:effectRef>
+          <a:fontRef idx="minor">
+            <a:schemeClr val="dk1"/>
+          </a:fontRef>
+        </p:style>
+        <p:txBody>
+          <a:bodyPr rot="0" spcFirstLastPara="0" vertOverflow="overflow" horzOverflow="overflow" vert="horz" wrap="square" lIns="182869" tIns="91446" rIns="182869" bIns="91446" numCol="1" spcCol="0" rtlCol="0" fromWordArt="0" anchor="ctr" anchorCtr="0" forceAA="0" compatLnSpc="1">
+            <a:prstTxWarp prst="textNoShape">
+              <a:avLst/>
+            </a:prstTxWarp>
+            <a:noAutofit/>
+          </a:bodyPr>
+          <a:lstStyle/>
+          <a:p>
+            <a:pPr algn="ctr"/>
+            <a:r>
+              <a:rPr lang="ko-KR" altLang="en-US" sz="2000" b="1" dirty="0"/>
+              <a:t>내 </a:t>
+            </a:r>
+            <a:r>
+              <a:rPr lang="ko-KR" altLang="en-US" sz="2000" b="1" dirty="0" err="1"/>
+              <a:t>기프티콘</a:t>
+            </a:r>
+            <a:r>
+              <a:rPr lang="ko-KR" altLang="en-US" sz="2000" b="1" dirty="0"/>
+              <a:t> 상세보기</a:t>
+            </a:r>
+          </a:p>
+        </p:txBody>
+      </p:sp>
+      <p:sp>
+        <p:nvSpPr>
+          <p:cNvPr id="215" name="직사각형 214">
+            <a:extLst>
+              <a:ext uri="{FF2B5EF4-FFF2-40B4-BE49-F238E27FC236}">
+                <a16:creationId xmlns:a16="http://schemas.microsoft.com/office/drawing/2014/main" id="{25108D91-3D18-46C8-A457-61ADB9EE4C3B}"/>
+              </a:ext>
+            </a:extLst>
+          </p:cNvPr>
+          <p:cNvSpPr/>
+          <p:nvPr/>
+        </p:nvSpPr>
+        <p:spPr>
+          <a:xfrm>
+            <a:off x="28228804" y="27733648"/>
+            <a:ext cx="1725804" cy="419458"/>
+          </a:xfrm>
+          <a:prstGeom prst="rect">
+            <a:avLst/>
+          </a:prstGeom>
+        </p:spPr>
+        <p:style>
+          <a:lnRef idx="2">
+            <a:schemeClr val="dk1"/>
+          </a:lnRef>
+          <a:fillRef idx="1">
+            <a:schemeClr val="lt1"/>
+          </a:fillRef>
+          <a:effectRef idx="0">
+            <a:schemeClr val="dk1"/>
+          </a:effectRef>
+          <a:fontRef idx="minor">
+            <a:schemeClr val="dk1"/>
+          </a:fontRef>
+        </p:style>
+        <p:txBody>
+          <a:bodyPr rot="0" spcFirstLastPara="0" vertOverflow="overflow" horzOverflow="overflow" vert="horz" wrap="square" lIns="182869" tIns="91446" rIns="182869" bIns="91446" numCol="1" spcCol="0" rtlCol="0" fromWordArt="0" anchor="ctr" anchorCtr="0" forceAA="0" compatLnSpc="1">
+            <a:prstTxWarp prst="textNoShape">
+              <a:avLst/>
+            </a:prstTxWarp>
+            <a:noAutofit/>
+          </a:bodyPr>
+          <a:lstStyle/>
+          <a:p>
+            <a:pPr algn="ctr"/>
+            <a:r>
+              <a:rPr lang="ko-KR" altLang="en-US" sz="2000" b="1" dirty="0"/>
+              <a:t>내 </a:t>
+            </a:r>
+            <a:r>
+              <a:rPr lang="ko-KR" altLang="en-US" sz="2000" b="1" dirty="0" err="1"/>
+              <a:t>기프티콘</a:t>
+            </a:r>
+            <a:r>
+              <a:rPr lang="ko-KR" altLang="en-US" sz="2000" b="1" dirty="0"/>
+              <a:t> 수정</a:t>
+            </a:r>
+          </a:p>
+        </p:txBody>
+      </p:sp>
+      <p:sp>
+        <p:nvSpPr>
+          <p:cNvPr id="216" name="직사각형 215">
+            <a:extLst>
+              <a:ext uri="{FF2B5EF4-FFF2-40B4-BE49-F238E27FC236}">
+                <a16:creationId xmlns:a16="http://schemas.microsoft.com/office/drawing/2014/main" id="{684C68E2-0E45-4116-9DA4-4A433E71C914}"/>
+              </a:ext>
+            </a:extLst>
+          </p:cNvPr>
+          <p:cNvSpPr/>
+          <p:nvPr/>
+        </p:nvSpPr>
+        <p:spPr>
+          <a:xfrm>
+            <a:off x="28228804" y="28472574"/>
+            <a:ext cx="1725804" cy="419458"/>
+          </a:xfrm>
+          <a:prstGeom prst="rect">
+            <a:avLst/>
+          </a:prstGeom>
+        </p:spPr>
+        <p:style>
+          <a:lnRef idx="2">
+            <a:schemeClr val="dk1"/>
+          </a:lnRef>
+          <a:fillRef idx="1">
+            <a:schemeClr val="lt1"/>
+          </a:fillRef>
+          <a:effectRef idx="0">
+            <a:schemeClr val="dk1"/>
+          </a:effectRef>
+          <a:fontRef idx="minor">
+            <a:schemeClr val="dk1"/>
+          </a:fontRef>
+        </p:style>
+        <p:txBody>
+          <a:bodyPr rot="0" spcFirstLastPara="0" vertOverflow="overflow" horzOverflow="overflow" vert="horz" wrap="square" lIns="182869" tIns="91446" rIns="182869" bIns="91446" numCol="1" spcCol="0" rtlCol="0" fromWordArt="0" anchor="ctr" anchorCtr="0" forceAA="0" compatLnSpc="1">
+            <a:prstTxWarp prst="textNoShape">
+              <a:avLst/>
+            </a:prstTxWarp>
+            <a:noAutofit/>
+          </a:bodyPr>
+          <a:lstStyle/>
+          <a:p>
+            <a:pPr algn="ctr"/>
+            <a:r>
+              <a:rPr lang="ko-KR" altLang="en-US" sz="2000" b="1" dirty="0"/>
+              <a:t>내 </a:t>
+            </a:r>
+            <a:r>
+              <a:rPr lang="ko-KR" altLang="en-US" sz="2000" b="1" dirty="0" err="1"/>
+              <a:t>기프티콘</a:t>
+            </a:r>
+            <a:endParaRPr lang="en-US" altLang="ko-KR" sz="2000" b="1" dirty="0"/>
+          </a:p>
+          <a:p>
+            <a:pPr algn="ctr"/>
+            <a:r>
+              <a:rPr lang="ko-KR" altLang="en-US" sz="2000" b="1" dirty="0"/>
+              <a:t>삭제</a:t>
+            </a:r>
+          </a:p>
+        </p:txBody>
+      </p:sp>
+      <p:cxnSp>
+        <p:nvCxnSpPr>
+          <p:cNvPr id="217" name="연결선: 꺾임 216">
+            <a:extLst>
+              <a:ext uri="{FF2B5EF4-FFF2-40B4-BE49-F238E27FC236}">
+                <a16:creationId xmlns:a16="http://schemas.microsoft.com/office/drawing/2014/main" id="{607A871A-FA8B-4A3F-8134-71D4C933FED5}"/>
+              </a:ext>
+            </a:extLst>
+          </p:cNvPr>
+          <p:cNvCxnSpPr>
+            <a:stCxn id="214" idx="2"/>
+            <a:endCxn id="215" idx="1"/>
+          </p:cNvCxnSpPr>
+          <p:nvPr/>
+        </p:nvCxnSpPr>
+        <p:spPr>
+          <a:xfrm rot="16200000" flipH="1">
+            <a:off x="27814513" y="27529086"/>
+            <a:ext cx="480768" cy="347813"/>
+          </a:xfrm>
+          <a:prstGeom prst="bentConnector2">
+            <a:avLst/>
+          </a:prstGeom>
+        </p:spPr>
+        <p:style>
+          <a:lnRef idx="1">
+            <a:schemeClr val="accent1"/>
+          </a:lnRef>
+          <a:fillRef idx="0">
+            <a:schemeClr val="accent1"/>
+          </a:fillRef>
+          <a:effectRef idx="0">
+            <a:schemeClr val="accent1"/>
+          </a:effectRef>
+          <a:fontRef idx="minor">
+            <a:schemeClr val="tx1"/>
+          </a:fontRef>
+        </p:style>
+      </p:cxnSp>
+      <p:cxnSp>
+        <p:nvCxnSpPr>
+          <p:cNvPr id="220" name="연결선: 꺾임 219">
+            <a:extLst>
+              <a:ext uri="{FF2B5EF4-FFF2-40B4-BE49-F238E27FC236}">
+                <a16:creationId xmlns:a16="http://schemas.microsoft.com/office/drawing/2014/main" id="{F912BBBA-1107-4542-8DC1-0B433CBF9800}"/>
+              </a:ext>
+            </a:extLst>
+          </p:cNvPr>
+          <p:cNvCxnSpPr>
+            <a:stCxn id="214" idx="2"/>
+            <a:endCxn id="216" idx="1"/>
+          </p:cNvCxnSpPr>
+          <p:nvPr/>
+        </p:nvCxnSpPr>
+        <p:spPr>
+          <a:xfrm rot="16200000" flipH="1">
+            <a:off x="27445050" y="27898549"/>
+            <a:ext cx="1219694" cy="347813"/>
+          </a:xfrm>
+          <a:prstGeom prst="bentConnector2">
+            <a:avLst/>
+          </a:prstGeom>
+        </p:spPr>
+        <p:style>
+          <a:lnRef idx="1">
+            <a:schemeClr val="accent1"/>
+          </a:lnRef>
+          <a:fillRef idx="0">
+            <a:schemeClr val="accent1"/>
+          </a:fillRef>
+          <a:effectRef idx="0">
+            <a:schemeClr val="accent1"/>
+          </a:effectRef>
+          <a:fontRef idx="minor">
+            <a:schemeClr val="tx1"/>
+          </a:fontRef>
+        </p:style>
+      </p:cxnSp>
+      <p:cxnSp>
+        <p:nvCxnSpPr>
+          <p:cNvPr id="108" name="연결선: 꺾임 107">
+            <a:extLst>
+              <a:ext uri="{FF2B5EF4-FFF2-40B4-BE49-F238E27FC236}">
+                <a16:creationId xmlns:a16="http://schemas.microsoft.com/office/drawing/2014/main" id="{99C22C0E-C762-4302-89D7-0E266B6C98FB}"/>
+              </a:ext>
+            </a:extLst>
+          </p:cNvPr>
+          <p:cNvCxnSpPr>
+            <a:cxnSpLocks/>
+            <a:stCxn id="175" idx="2"/>
+            <a:endCxn id="283" idx="1"/>
+          </p:cNvCxnSpPr>
+          <p:nvPr/>
+        </p:nvCxnSpPr>
+        <p:spPr>
+          <a:xfrm rot="16200000" flipH="1">
+            <a:off x="25319771" y="26131893"/>
+            <a:ext cx="562366" cy="434734"/>
+          </a:xfrm>
+          <a:prstGeom prst="bentConnector2">
+            <a:avLst/>
+          </a:prstGeom>
+        </p:spPr>
+        <p:style>
+          <a:lnRef idx="1">
+            <a:schemeClr val="accent1"/>
+          </a:lnRef>
+          <a:fillRef idx="0">
+            <a:schemeClr val="accent1"/>
+          </a:fillRef>
+          <a:effectRef idx="0">
+            <a:schemeClr val="accent1"/>
+          </a:effectRef>
+          <a:fontRef idx="minor">
+            <a:schemeClr val="tx1"/>
+          </a:fontRef>
+        </p:style>
+      </p:cxnSp>
+      <p:cxnSp>
+        <p:nvCxnSpPr>
+          <p:cNvPr id="112" name="연결선: 꺾임 111">
+            <a:extLst>
+              <a:ext uri="{FF2B5EF4-FFF2-40B4-BE49-F238E27FC236}">
+                <a16:creationId xmlns:a16="http://schemas.microsoft.com/office/drawing/2014/main" id="{F986FCBD-CAC3-4421-B89F-F6C098FA97A6}"/>
+              </a:ext>
+            </a:extLst>
+          </p:cNvPr>
+          <p:cNvCxnSpPr>
+            <a:stCxn id="438" idx="2"/>
+            <a:endCxn id="453" idx="0"/>
+          </p:cNvCxnSpPr>
+          <p:nvPr/>
+        </p:nvCxnSpPr>
+        <p:spPr>
+          <a:xfrm rot="5400000">
+            <a:off x="35480250" y="7667914"/>
+            <a:ext cx="1565986" cy="9379466"/>
+          </a:xfrm>
+          <a:prstGeom prst="bentConnector3">
+            <a:avLst/>
+          </a:prstGeom>
+        </p:spPr>
+        <p:style>
+          <a:lnRef idx="1">
+            <a:schemeClr val="accent1"/>
+          </a:lnRef>
+          <a:fillRef idx="0">
+            <a:schemeClr val="accent1"/>
+          </a:fillRef>
+          <a:effectRef idx="0">
+            <a:schemeClr val="accent1"/>
+          </a:effectRef>
+          <a:fontRef idx="minor">
+            <a:schemeClr val="tx1"/>
+          </a:fontRef>
+        </p:style>
+      </p:cxnSp>
+      <p:sp>
+        <p:nvSpPr>
+          <p:cNvPr id="221" name="직사각형 220">
+            <a:extLst>
+              <a:ext uri="{FF2B5EF4-FFF2-40B4-BE49-F238E27FC236}">
+                <a16:creationId xmlns:a16="http://schemas.microsoft.com/office/drawing/2014/main" id="{5BC64E9F-CBF0-4CCC-B589-B74F0CB7F404}"/>
+              </a:ext>
+            </a:extLst>
+          </p:cNvPr>
+          <p:cNvSpPr/>
+          <p:nvPr/>
+        </p:nvSpPr>
+        <p:spPr>
+          <a:xfrm>
+            <a:off x="39703256" y="20340663"/>
+            <a:ext cx="2258402" cy="419458"/>
+          </a:xfrm>
+          <a:prstGeom prst="rect">
+            <a:avLst/>
+          </a:prstGeom>
+        </p:spPr>
+        <p:style>
+          <a:lnRef idx="2">
+            <a:schemeClr val="dk1"/>
+          </a:lnRef>
+          <a:fillRef idx="1">
+            <a:schemeClr val="lt1"/>
+          </a:fillRef>
+          <a:effectRef idx="0">
+            <a:schemeClr val="dk1"/>
+          </a:effectRef>
+          <a:fontRef idx="minor">
+            <a:schemeClr val="dk1"/>
+          </a:fontRef>
+        </p:style>
+        <p:txBody>
+          <a:bodyPr rot="0" spcFirstLastPara="0" vertOverflow="overflow" horzOverflow="overflow" vert="horz" wrap="square" lIns="182869" tIns="91446" rIns="182869" bIns="91446" numCol="1" spcCol="0" rtlCol="0" fromWordArt="0" anchor="ctr" anchorCtr="0" forceAA="0" compatLnSpc="1">
+            <a:prstTxWarp prst="textNoShape">
+              <a:avLst/>
+            </a:prstTxWarp>
+            <a:noAutofit/>
+          </a:bodyPr>
+          <a:lstStyle/>
+          <a:p>
+            <a:pPr algn="ctr"/>
+            <a:r>
+              <a:rPr lang="ko-KR" altLang="en-US" sz="2000" b="1" dirty="0"/>
+              <a:t>영화 정보 상세보기</a:t>
+            </a:r>
+          </a:p>
+        </p:txBody>
+      </p:sp>
+      <p:cxnSp>
+        <p:nvCxnSpPr>
+          <p:cNvPr id="128" name="연결선: 꺾임 127">
+            <a:extLst>
+              <a:ext uri="{FF2B5EF4-FFF2-40B4-BE49-F238E27FC236}">
+                <a16:creationId xmlns:a16="http://schemas.microsoft.com/office/drawing/2014/main" id="{937F1EAD-5350-400A-A991-F524065024FA}"/>
+              </a:ext>
+            </a:extLst>
+          </p:cNvPr>
+          <p:cNvCxnSpPr>
+            <a:cxnSpLocks/>
+            <a:stCxn id="221" idx="2"/>
+            <a:endCxn id="110" idx="1"/>
+          </p:cNvCxnSpPr>
+          <p:nvPr/>
+        </p:nvCxnSpPr>
+        <p:spPr>
+          <a:xfrm rot="16200000" flipH="1">
+            <a:off x="40802088" y="20790489"/>
+            <a:ext cx="460455" cy="399717"/>
+          </a:xfrm>
+          <a:prstGeom prst="bentConnector2">
+            <a:avLst/>
+          </a:prstGeom>
+        </p:spPr>
+        <p:style>
+          <a:lnRef idx="1">
+            <a:schemeClr val="accent1"/>
+          </a:lnRef>
+          <a:fillRef idx="0">
+            <a:schemeClr val="accent1"/>
+          </a:fillRef>
+          <a:effectRef idx="0">
+            <a:schemeClr val="accent1"/>
+          </a:effectRef>
+          <a:fontRef idx="minor">
+            <a:schemeClr val="tx1"/>
+          </a:fontRef>
+        </p:style>
+      </p:cxnSp>
+      <p:cxnSp>
+        <p:nvCxnSpPr>
+          <p:cNvPr id="132" name="연결선: 꺾임 131">
+            <a:extLst>
+              <a:ext uri="{FF2B5EF4-FFF2-40B4-BE49-F238E27FC236}">
+                <a16:creationId xmlns:a16="http://schemas.microsoft.com/office/drawing/2014/main" id="{2C6B91C0-FA58-41B9-9443-9692F02AFC18}"/>
+              </a:ext>
+            </a:extLst>
+          </p:cNvPr>
+          <p:cNvCxnSpPr>
+            <a:stCxn id="221" idx="2"/>
+            <a:endCxn id="115" idx="1"/>
+          </p:cNvCxnSpPr>
+          <p:nvPr/>
+        </p:nvCxnSpPr>
+        <p:spPr>
+          <a:xfrm rot="16200000" flipH="1">
+            <a:off x="40463112" y="21129465"/>
+            <a:ext cx="1138407" cy="399717"/>
+          </a:xfrm>
+          <a:prstGeom prst="bentConnector2">
+            <a:avLst/>
+          </a:prstGeom>
+        </p:spPr>
+        <p:style>
+          <a:lnRef idx="1">
+            <a:schemeClr val="accent1"/>
+          </a:lnRef>
+          <a:fillRef idx="0">
+            <a:schemeClr val="accent1"/>
+          </a:fillRef>
+          <a:effectRef idx="0">
+            <a:schemeClr val="accent1"/>
+          </a:effectRef>
+          <a:fontRef idx="minor">
+            <a:schemeClr val="tx1"/>
+          </a:fontRef>
+        </p:style>
+      </p:cxnSp>
+      <p:sp>
+        <p:nvSpPr>
+          <p:cNvPr id="222" name="직사각형 221">
+            <a:extLst>
+              <a:ext uri="{FF2B5EF4-FFF2-40B4-BE49-F238E27FC236}">
+                <a16:creationId xmlns:a16="http://schemas.microsoft.com/office/drawing/2014/main" id="{35C599B3-F1B2-4B89-9EC1-06865C255BB6}"/>
+              </a:ext>
+            </a:extLst>
+          </p:cNvPr>
+          <p:cNvSpPr/>
+          <p:nvPr/>
+        </p:nvSpPr>
+        <p:spPr>
+          <a:xfrm>
+            <a:off x="39642383" y="24706664"/>
+            <a:ext cx="2258402" cy="419458"/>
+          </a:xfrm>
+          <a:prstGeom prst="rect">
+            <a:avLst/>
+          </a:prstGeom>
+        </p:spPr>
+        <p:style>
+          <a:lnRef idx="2">
+            <a:schemeClr val="dk1"/>
+          </a:lnRef>
+          <a:fillRef idx="1">
+            <a:schemeClr val="lt1"/>
+          </a:fillRef>
+          <a:effectRef idx="0">
+            <a:schemeClr val="dk1"/>
+          </a:effectRef>
+          <a:fontRef idx="minor">
+            <a:schemeClr val="dk1"/>
+          </a:fontRef>
+        </p:style>
+        <p:txBody>
+          <a:bodyPr rot="0" spcFirstLastPara="0" vertOverflow="overflow" horzOverflow="overflow" vert="horz" wrap="square" lIns="182869" tIns="91446" rIns="182869" bIns="91446" numCol="1" spcCol="0" rtlCol="0" fromWordArt="0" anchor="ctr" anchorCtr="0" forceAA="0" compatLnSpc="1">
+            <a:prstTxWarp prst="textNoShape">
+              <a:avLst/>
+            </a:prstTxWarp>
+            <a:noAutofit/>
+          </a:bodyPr>
+          <a:lstStyle/>
+          <a:p>
+            <a:pPr algn="ctr"/>
+            <a:r>
+              <a:rPr lang="ko-KR" altLang="en-US" sz="2000" b="1" dirty="0"/>
+              <a:t>상영스케줄 상세보기</a:t>
+            </a:r>
+          </a:p>
+        </p:txBody>
+      </p:sp>
+      <p:cxnSp>
+        <p:nvCxnSpPr>
+          <p:cNvPr id="149" name="연결선: 꺾임 148">
+            <a:extLst>
+              <a:ext uri="{FF2B5EF4-FFF2-40B4-BE49-F238E27FC236}">
+                <a16:creationId xmlns:a16="http://schemas.microsoft.com/office/drawing/2014/main" id="{673FA2D6-7E5C-4A09-B94E-AD8DB0858B58}"/>
+              </a:ext>
+            </a:extLst>
+          </p:cNvPr>
+          <p:cNvCxnSpPr>
+            <a:stCxn id="222" idx="2"/>
+            <a:endCxn id="151" idx="1"/>
+          </p:cNvCxnSpPr>
+          <p:nvPr/>
+        </p:nvCxnSpPr>
+        <p:spPr>
+          <a:xfrm rot="16200000" flipH="1">
+            <a:off x="40820640" y="25077066"/>
+            <a:ext cx="379769" cy="477880"/>
+          </a:xfrm>
+          <a:prstGeom prst="bentConnector2">
+            <a:avLst/>
+          </a:prstGeom>
+        </p:spPr>
+        <p:style>
+          <a:lnRef idx="1">
+            <a:schemeClr val="accent1"/>
+          </a:lnRef>
+          <a:fillRef idx="0">
+            <a:schemeClr val="accent1"/>
+          </a:fillRef>
+          <a:effectRef idx="0">
+            <a:schemeClr val="accent1"/>
+          </a:effectRef>
+          <a:fontRef idx="minor">
+            <a:schemeClr val="tx1"/>
+          </a:fontRef>
+        </p:style>
+      </p:cxnSp>
+      <p:cxnSp>
+        <p:nvCxnSpPr>
+          <p:cNvPr id="170" name="연결선: 꺾임 169">
+            <a:extLst>
+              <a:ext uri="{FF2B5EF4-FFF2-40B4-BE49-F238E27FC236}">
+                <a16:creationId xmlns:a16="http://schemas.microsoft.com/office/drawing/2014/main" id="{D4793AD6-8E12-4BF6-8C1C-BA0EA8A85ACF}"/>
+              </a:ext>
+            </a:extLst>
+          </p:cNvPr>
+          <p:cNvCxnSpPr>
+            <a:stCxn id="222" idx="2"/>
+            <a:endCxn id="152" idx="1"/>
+          </p:cNvCxnSpPr>
+          <p:nvPr/>
+        </p:nvCxnSpPr>
+        <p:spPr>
+          <a:xfrm rot="16200000" flipH="1">
+            <a:off x="40493885" y="25403821"/>
+            <a:ext cx="1033279" cy="477880"/>
+          </a:xfrm>
+          <a:prstGeom prst="bentConnector2">
+            <a:avLst/>
+          </a:prstGeom>
+        </p:spPr>
+        <p:style>
+          <a:lnRef idx="1">
+            <a:schemeClr val="accent1"/>
+          </a:lnRef>
+          <a:fillRef idx="0">
+            <a:schemeClr val="accent1"/>
+          </a:fillRef>
+          <a:effectRef idx="0">
+            <a:schemeClr val="accent1"/>
+          </a:effectRef>
+          <a:fontRef idx="minor">
+            <a:schemeClr val="tx1"/>
+          </a:fontRef>
+        </p:style>
+      </p:cxnSp>
+      <p:sp>
+        <p:nvSpPr>
+          <p:cNvPr id="232" name="직사각형 231">
+            <a:extLst>
+              <a:ext uri="{FF2B5EF4-FFF2-40B4-BE49-F238E27FC236}">
+                <a16:creationId xmlns:a16="http://schemas.microsoft.com/office/drawing/2014/main" id="{C460A965-B820-4A75-A07F-A43895C38FF7}"/>
+              </a:ext>
+            </a:extLst>
+          </p:cNvPr>
+          <p:cNvSpPr/>
+          <p:nvPr/>
+        </p:nvSpPr>
+        <p:spPr>
+          <a:xfrm>
+            <a:off x="39769561" y="15930435"/>
+            <a:ext cx="2258402" cy="419458"/>
+          </a:xfrm>
+          <a:prstGeom prst="rect">
+            <a:avLst/>
+          </a:prstGeom>
+        </p:spPr>
+        <p:style>
+          <a:lnRef idx="2">
+            <a:schemeClr val="dk1"/>
+          </a:lnRef>
+          <a:fillRef idx="1">
+            <a:schemeClr val="lt1"/>
+          </a:fillRef>
+          <a:effectRef idx="0">
+            <a:schemeClr val="dk1"/>
+          </a:effectRef>
+          <a:fontRef idx="minor">
+            <a:schemeClr val="dk1"/>
+          </a:fontRef>
+        </p:style>
+        <p:txBody>
+          <a:bodyPr rot="0" spcFirstLastPara="0" vertOverflow="overflow" horzOverflow="overflow" vert="horz" wrap="square" lIns="182869" tIns="91446" rIns="182869" bIns="91446" numCol="1" spcCol="0" rtlCol="0" fromWordArt="0" anchor="ctr" anchorCtr="0" forceAA="0" compatLnSpc="1">
+            <a:prstTxWarp prst="textNoShape">
+              <a:avLst/>
+            </a:prstTxWarp>
+            <a:noAutofit/>
+          </a:bodyPr>
+          <a:lstStyle/>
+          <a:p>
+            <a:pPr algn="ctr"/>
+            <a:r>
+              <a:rPr lang="ko-KR" altLang="en-US" sz="2000" b="1" dirty="0" err="1"/>
+              <a:t>기프티콘</a:t>
+            </a:r>
+            <a:r>
+              <a:rPr lang="ko-KR" altLang="en-US" sz="2000" b="1" dirty="0"/>
+              <a:t> 상세보기</a:t>
+            </a:r>
+          </a:p>
+        </p:txBody>
+      </p:sp>
+      <p:cxnSp>
+        <p:nvCxnSpPr>
+          <p:cNvPr id="326" name="연결선: 꺾임 325">
+            <a:extLst>
+              <a:ext uri="{FF2B5EF4-FFF2-40B4-BE49-F238E27FC236}">
+                <a16:creationId xmlns:a16="http://schemas.microsoft.com/office/drawing/2014/main" id="{1473097C-294C-4D0B-BD5E-2FD7F45ED835}"/>
+              </a:ext>
+            </a:extLst>
+          </p:cNvPr>
+          <p:cNvCxnSpPr>
+            <a:stCxn id="232" idx="2"/>
+            <a:endCxn id="490" idx="1"/>
+          </p:cNvCxnSpPr>
+          <p:nvPr/>
+        </p:nvCxnSpPr>
+        <p:spPr>
+          <a:xfrm rot="16200000" flipH="1">
+            <a:off x="40859863" y="16388792"/>
+            <a:ext cx="513587" cy="435788"/>
+          </a:xfrm>
+          <a:prstGeom prst="bentConnector2">
+            <a:avLst/>
+          </a:prstGeom>
+        </p:spPr>
+        <p:style>
+          <a:lnRef idx="1">
+            <a:schemeClr val="accent1"/>
+          </a:lnRef>
+          <a:fillRef idx="0">
+            <a:schemeClr val="accent1"/>
+          </a:fillRef>
+          <a:effectRef idx="0">
+            <a:schemeClr val="accent1"/>
+          </a:effectRef>
+          <a:fontRef idx="minor">
+            <a:schemeClr val="tx1"/>
+          </a:fontRef>
+        </p:style>
+      </p:cxnSp>
+      <p:cxnSp>
+        <p:nvCxnSpPr>
+          <p:cNvPr id="328" name="연결선: 꺾임 327">
+            <a:extLst>
+              <a:ext uri="{FF2B5EF4-FFF2-40B4-BE49-F238E27FC236}">
+                <a16:creationId xmlns:a16="http://schemas.microsoft.com/office/drawing/2014/main" id="{402A4DC4-7614-4945-A4EC-35F026C55B62}"/>
+              </a:ext>
+            </a:extLst>
+          </p:cNvPr>
+          <p:cNvCxnSpPr>
+            <a:stCxn id="232" idx="2"/>
+            <a:endCxn id="479" idx="1"/>
+          </p:cNvCxnSpPr>
+          <p:nvPr/>
+        </p:nvCxnSpPr>
+        <p:spPr>
+          <a:xfrm rot="16200000" flipH="1">
+            <a:off x="40467413" y="16781242"/>
+            <a:ext cx="1254478" cy="391780"/>
+          </a:xfrm>
+          <a:prstGeom prst="bentConnector2">
+            <a:avLst/>
+          </a:prstGeom>
+        </p:spPr>
+        <p:style>
+          <a:lnRef idx="1">
+            <a:schemeClr val="accent1"/>
+          </a:lnRef>
+          <a:fillRef idx="0">
+            <a:schemeClr val="accent1"/>
+          </a:fillRef>
+          <a:effectRef idx="0">
+            <a:schemeClr val="accent1"/>
+          </a:effectRef>
+          <a:fontRef idx="minor">
+            <a:schemeClr val="tx1"/>
+          </a:fontRef>
+        </p:style>
+      </p:cxnSp>
+      <p:cxnSp>
+        <p:nvCxnSpPr>
+          <p:cNvPr id="343" name="연결선: 꺾임 342">
+            <a:extLst>
+              <a:ext uri="{FF2B5EF4-FFF2-40B4-BE49-F238E27FC236}">
+                <a16:creationId xmlns:a16="http://schemas.microsoft.com/office/drawing/2014/main" id="{E525069F-9AB2-41FA-A541-AAA86296B4BF}"/>
+              </a:ext>
+            </a:extLst>
+          </p:cNvPr>
+          <p:cNvCxnSpPr>
+            <a:stCxn id="145" idx="2"/>
+            <a:endCxn id="222" idx="1"/>
+          </p:cNvCxnSpPr>
+          <p:nvPr/>
+        </p:nvCxnSpPr>
+        <p:spPr>
+          <a:xfrm rot="16200000" flipH="1">
+            <a:off x="39209557" y="24483567"/>
+            <a:ext cx="494006" cy="371646"/>
+          </a:xfrm>
+          <a:prstGeom prst="bentConnector2">
+            <a:avLst/>
+          </a:prstGeom>
+        </p:spPr>
+        <p:style>
+          <a:lnRef idx="1">
+            <a:schemeClr val="accent1"/>
+          </a:lnRef>
+          <a:fillRef idx="0">
+            <a:schemeClr val="accent1"/>
+          </a:fillRef>
+          <a:effectRef idx="0">
+            <a:schemeClr val="accent1"/>
+          </a:effectRef>
+          <a:fontRef idx="minor">
+            <a:schemeClr val="tx1"/>
+          </a:fontRef>
+        </p:style>
+      </p:cxnSp>
+      <p:sp>
+        <p:nvSpPr>
+          <p:cNvPr id="249" name="직사각형 248">
+            <a:extLst>
+              <a:ext uri="{FF2B5EF4-FFF2-40B4-BE49-F238E27FC236}">
+                <a16:creationId xmlns:a16="http://schemas.microsoft.com/office/drawing/2014/main" id="{BA68836F-9E26-4E79-9354-A28A6391F589}"/>
+              </a:ext>
+            </a:extLst>
+          </p:cNvPr>
+          <p:cNvSpPr/>
+          <p:nvPr/>
+        </p:nvSpPr>
+        <p:spPr>
+          <a:xfrm>
+            <a:off x="38189265" y="19645535"/>
+            <a:ext cx="2258402" cy="419458"/>
+          </a:xfrm>
+          <a:prstGeom prst="rect">
+            <a:avLst/>
+          </a:prstGeom>
+        </p:spPr>
+        <p:style>
+          <a:lnRef idx="2">
+            <a:schemeClr val="dk1"/>
+          </a:lnRef>
+          <a:fillRef idx="1">
+            <a:schemeClr val="lt1"/>
+          </a:fillRef>
+          <a:effectRef idx="0">
+            <a:schemeClr val="dk1"/>
+          </a:effectRef>
+          <a:fontRef idx="minor">
+            <a:schemeClr val="dk1"/>
+          </a:fontRef>
+        </p:style>
+        <p:txBody>
+          <a:bodyPr rot="0" spcFirstLastPara="0" vertOverflow="overflow" horzOverflow="overflow" vert="horz" wrap="square" lIns="182869" tIns="91446" rIns="182869" bIns="91446" numCol="1" spcCol="0" rtlCol="0" fromWordArt="0" anchor="ctr" anchorCtr="0" forceAA="0" compatLnSpc="1">
+            <a:prstTxWarp prst="textNoShape">
+              <a:avLst/>
+            </a:prstTxWarp>
+            <a:noAutofit/>
+          </a:bodyPr>
+          <a:lstStyle/>
+          <a:p>
+            <a:pPr algn="ctr"/>
+            <a:r>
+              <a:rPr lang="ko-KR" altLang="en-US" sz="2000" b="1" dirty="0"/>
+              <a:t>영화 정보 조회</a:t>
+            </a:r>
+          </a:p>
+        </p:txBody>
+      </p:sp>
+      <p:cxnSp>
+        <p:nvCxnSpPr>
+          <p:cNvPr id="346" name="연결선: 꺾임 345">
+            <a:extLst>
+              <a:ext uri="{FF2B5EF4-FFF2-40B4-BE49-F238E27FC236}">
+                <a16:creationId xmlns:a16="http://schemas.microsoft.com/office/drawing/2014/main" id="{46EBEFFA-E45C-4A56-B0AF-15B6D5456B52}"/>
+              </a:ext>
+            </a:extLst>
+          </p:cNvPr>
+          <p:cNvCxnSpPr>
+            <a:stCxn id="448" idx="2"/>
+            <a:endCxn id="249" idx="1"/>
+          </p:cNvCxnSpPr>
+          <p:nvPr/>
+        </p:nvCxnSpPr>
+        <p:spPr>
+          <a:xfrm rot="16200000" flipH="1">
+            <a:off x="37193886" y="18859885"/>
+            <a:ext cx="1586532" cy="404226"/>
+          </a:xfrm>
+          <a:prstGeom prst="bentConnector2">
+            <a:avLst/>
+          </a:prstGeom>
+        </p:spPr>
+        <p:style>
+          <a:lnRef idx="1">
+            <a:schemeClr val="accent1"/>
+          </a:lnRef>
+          <a:fillRef idx="0">
+            <a:schemeClr val="accent1"/>
+          </a:fillRef>
+          <a:effectRef idx="0">
+            <a:schemeClr val="accent1"/>
+          </a:effectRef>
+          <a:fontRef idx="minor">
+            <a:schemeClr val="tx1"/>
+          </a:fontRef>
+        </p:style>
+      </p:cxnSp>
+      <p:cxnSp>
+        <p:nvCxnSpPr>
+          <p:cNvPr id="348" name="연결선: 꺾임 347">
+            <a:extLst>
+              <a:ext uri="{FF2B5EF4-FFF2-40B4-BE49-F238E27FC236}">
+                <a16:creationId xmlns:a16="http://schemas.microsoft.com/office/drawing/2014/main" id="{17C31CDC-6498-417C-B3AB-15879ED2CB43}"/>
+              </a:ext>
+            </a:extLst>
+          </p:cNvPr>
+          <p:cNvCxnSpPr>
+            <a:stCxn id="249" idx="2"/>
+            <a:endCxn id="221" idx="1"/>
+          </p:cNvCxnSpPr>
+          <p:nvPr/>
+        </p:nvCxnSpPr>
+        <p:spPr>
+          <a:xfrm rot="16200000" flipH="1">
+            <a:off x="39268162" y="20115297"/>
+            <a:ext cx="485399" cy="384790"/>
+          </a:xfrm>
+          <a:prstGeom prst="bentConnector2">
+            <a:avLst/>
+          </a:prstGeom>
+        </p:spPr>
+        <p:style>
+          <a:lnRef idx="1">
+            <a:schemeClr val="accent1"/>
+          </a:lnRef>
+          <a:fillRef idx="0">
+            <a:schemeClr val="accent1"/>
+          </a:fillRef>
+          <a:effectRef idx="0">
+            <a:schemeClr val="accent1"/>
+          </a:effectRef>
+          <a:fontRef idx="minor">
+            <a:schemeClr val="tx1"/>
+          </a:fontRef>
+        </p:style>
+      </p:cxnSp>
+      <p:sp>
+        <p:nvSpPr>
+          <p:cNvPr id="255" name="직사각형 254">
+            <a:extLst>
+              <a:ext uri="{FF2B5EF4-FFF2-40B4-BE49-F238E27FC236}">
+                <a16:creationId xmlns:a16="http://schemas.microsoft.com/office/drawing/2014/main" id="{AFF1CA3D-047F-4115-BDAF-0B6541BC33A9}"/>
+              </a:ext>
+            </a:extLst>
+          </p:cNvPr>
+          <p:cNvSpPr/>
+          <p:nvPr/>
+        </p:nvSpPr>
+        <p:spPr>
+          <a:xfrm>
+            <a:off x="38120879" y="15316245"/>
+            <a:ext cx="2258402" cy="419458"/>
+          </a:xfrm>
+          <a:prstGeom prst="rect">
+            <a:avLst/>
+          </a:prstGeom>
+        </p:spPr>
+        <p:style>
+          <a:lnRef idx="2">
+            <a:schemeClr val="dk1"/>
+          </a:lnRef>
+          <a:fillRef idx="1">
+            <a:schemeClr val="lt1"/>
+          </a:fillRef>
+          <a:effectRef idx="0">
+            <a:schemeClr val="dk1"/>
+          </a:effectRef>
+          <a:fontRef idx="minor">
+            <a:schemeClr val="dk1"/>
+          </a:fontRef>
+        </p:style>
+        <p:txBody>
+          <a:bodyPr rot="0" spcFirstLastPara="0" vertOverflow="overflow" horzOverflow="overflow" vert="horz" wrap="square" lIns="182869" tIns="91446" rIns="182869" bIns="91446" numCol="1" spcCol="0" rtlCol="0" fromWordArt="0" anchor="ctr" anchorCtr="0" forceAA="0" compatLnSpc="1">
+            <a:prstTxWarp prst="textNoShape">
+              <a:avLst/>
+            </a:prstTxWarp>
+            <a:noAutofit/>
+          </a:bodyPr>
+          <a:lstStyle/>
+          <a:p>
+            <a:pPr algn="ctr"/>
+            <a:r>
+              <a:rPr lang="ko-KR" altLang="en-US" sz="2000" b="1" dirty="0" err="1"/>
+              <a:t>기프티콘</a:t>
+            </a:r>
+            <a:r>
+              <a:rPr lang="ko-KR" altLang="en-US" sz="2000" b="1" dirty="0"/>
+              <a:t> 조회</a:t>
+            </a:r>
+          </a:p>
+        </p:txBody>
+      </p:sp>
+      <p:cxnSp>
+        <p:nvCxnSpPr>
+          <p:cNvPr id="351" name="연결선: 꺾임 350">
+            <a:extLst>
+              <a:ext uri="{FF2B5EF4-FFF2-40B4-BE49-F238E27FC236}">
+                <a16:creationId xmlns:a16="http://schemas.microsoft.com/office/drawing/2014/main" id="{1D2BE765-20CD-4EBE-97E0-4B417B1A8B9C}"/>
+              </a:ext>
+            </a:extLst>
+          </p:cNvPr>
+          <p:cNvCxnSpPr>
+            <a:stCxn id="466" idx="2"/>
+            <a:endCxn id="255" idx="1"/>
+          </p:cNvCxnSpPr>
+          <p:nvPr/>
+        </p:nvCxnSpPr>
+        <p:spPr>
+          <a:xfrm rot="16200000" flipH="1">
+            <a:off x="37335108" y="14740203"/>
+            <a:ext cx="1235702" cy="335839"/>
+          </a:xfrm>
+          <a:prstGeom prst="bentConnector2">
+            <a:avLst/>
+          </a:prstGeom>
+        </p:spPr>
+        <p:style>
+          <a:lnRef idx="1">
+            <a:schemeClr val="accent1"/>
+          </a:lnRef>
+          <a:fillRef idx="0">
+            <a:schemeClr val="accent1"/>
+          </a:fillRef>
+          <a:effectRef idx="0">
+            <a:schemeClr val="accent1"/>
+          </a:effectRef>
+          <a:fontRef idx="minor">
+            <a:schemeClr val="tx1"/>
+          </a:fontRef>
+        </p:style>
+      </p:cxnSp>
+      <p:cxnSp>
+        <p:nvCxnSpPr>
+          <p:cNvPr id="225" name="연결선: 꺾임 224">
+            <a:extLst>
+              <a:ext uri="{FF2B5EF4-FFF2-40B4-BE49-F238E27FC236}">
+                <a16:creationId xmlns:a16="http://schemas.microsoft.com/office/drawing/2014/main" id="{B54CD36A-B336-46E1-981B-B0227BE41D3C}"/>
+              </a:ext>
+            </a:extLst>
+          </p:cNvPr>
+          <p:cNvCxnSpPr>
+            <a:stCxn id="255" idx="2"/>
+            <a:endCxn id="232" idx="1"/>
+          </p:cNvCxnSpPr>
+          <p:nvPr/>
+        </p:nvCxnSpPr>
+        <p:spPr>
+          <a:xfrm rot="16200000" flipH="1">
+            <a:off x="39307590" y="15678192"/>
+            <a:ext cx="404461" cy="519481"/>
+          </a:xfrm>
+          <a:prstGeom prst="bentConnector2">
+            <a:avLst/>
+          </a:prstGeom>
+        </p:spPr>
+        <p:style>
+          <a:lnRef idx="1">
+            <a:schemeClr val="accent1"/>
+          </a:lnRef>
+          <a:fillRef idx="0">
+            <a:schemeClr val="accent1"/>
+          </a:fillRef>
+          <a:effectRef idx="0">
+            <a:schemeClr val="accent1"/>
+          </a:effectRef>
+          <a:fontRef idx="minor">
+            <a:schemeClr val="tx1"/>
+          </a:fontRef>
+        </p:style>
+      </p:cxnSp>
+      <p:sp>
+        <p:nvSpPr>
+          <p:cNvPr id="260" name="직사각형 259">
+            <a:extLst>
+              <a:ext uri="{FF2B5EF4-FFF2-40B4-BE49-F238E27FC236}">
+                <a16:creationId xmlns:a16="http://schemas.microsoft.com/office/drawing/2014/main" id="{F0A571EE-E3D5-483F-A215-1A2414213B17}"/>
+              </a:ext>
+            </a:extLst>
+          </p:cNvPr>
+          <p:cNvSpPr/>
+          <p:nvPr/>
+        </p:nvSpPr>
+        <p:spPr>
+          <a:xfrm>
+            <a:off x="33542721" y="14948636"/>
+            <a:ext cx="2020114" cy="419458"/>
+          </a:xfrm>
+          <a:prstGeom prst="rect">
+            <a:avLst/>
+          </a:prstGeom>
+        </p:spPr>
+        <p:style>
+          <a:lnRef idx="2">
+            <a:schemeClr val="dk1"/>
+          </a:lnRef>
+          <a:fillRef idx="1">
+            <a:schemeClr val="lt1"/>
+          </a:fillRef>
+          <a:effectRef idx="0">
+            <a:schemeClr val="dk1"/>
+          </a:effectRef>
+          <a:fontRef idx="minor">
+            <a:schemeClr val="dk1"/>
+          </a:fontRef>
+        </p:style>
+        <p:txBody>
+          <a:bodyPr rot="0" spcFirstLastPara="0" vertOverflow="overflow" horzOverflow="overflow" vert="horz" wrap="square" lIns="182869" tIns="91446" rIns="182869" bIns="91446" numCol="1" spcCol="0" rtlCol="0" fromWordArt="0" anchor="ctr" anchorCtr="0" forceAA="0" compatLnSpc="1">
+            <a:prstTxWarp prst="textNoShape">
+              <a:avLst/>
+            </a:prstTxWarp>
+            <a:noAutofit/>
+          </a:bodyPr>
+          <a:lstStyle/>
+          <a:p>
+            <a:pPr algn="ctr"/>
+            <a:r>
+              <a:rPr lang="ko-KR" altLang="en-US" sz="2000" b="1" dirty="0"/>
+              <a:t>건의사항 조회</a:t>
+            </a:r>
+            <a:endParaRPr lang="en-US" altLang="ko-KR" sz="2000" b="1" dirty="0"/>
+          </a:p>
+        </p:txBody>
+      </p:sp>
+      <p:cxnSp>
+        <p:nvCxnSpPr>
+          <p:cNvPr id="227" name="연결선: 꺾임 226">
+            <a:extLst>
+              <a:ext uri="{FF2B5EF4-FFF2-40B4-BE49-F238E27FC236}">
+                <a16:creationId xmlns:a16="http://schemas.microsoft.com/office/drawing/2014/main" id="{7DBB2CCD-9D0D-43AE-A2EE-8761F0FCCE4F}"/>
+              </a:ext>
+            </a:extLst>
+          </p:cNvPr>
+          <p:cNvCxnSpPr>
+            <a:stCxn id="196" idx="2"/>
+            <a:endCxn id="260" idx="1"/>
+          </p:cNvCxnSpPr>
+          <p:nvPr/>
+        </p:nvCxnSpPr>
+        <p:spPr>
+          <a:xfrm rot="16200000" flipH="1">
+            <a:off x="32953039" y="14568682"/>
+            <a:ext cx="658365" cy="521000"/>
+          </a:xfrm>
+          <a:prstGeom prst="bentConnector2">
+            <a:avLst/>
+          </a:prstGeom>
+        </p:spPr>
+        <p:style>
+          <a:lnRef idx="1">
+            <a:schemeClr val="accent1"/>
+          </a:lnRef>
+          <a:fillRef idx="0">
+            <a:schemeClr val="accent1"/>
+          </a:fillRef>
+          <a:effectRef idx="0">
+            <a:schemeClr val="accent1"/>
+          </a:effectRef>
+          <a:fontRef idx="minor">
+            <a:schemeClr val="tx1"/>
+          </a:fontRef>
+        </p:style>
+      </p:cxnSp>
+      <p:sp>
+        <p:nvSpPr>
+          <p:cNvPr id="264" name="직사각형 263">
+            <a:extLst>
+              <a:ext uri="{FF2B5EF4-FFF2-40B4-BE49-F238E27FC236}">
+                <a16:creationId xmlns:a16="http://schemas.microsoft.com/office/drawing/2014/main" id="{1A41C0E7-030C-4BA1-A51C-D0DCC87562F8}"/>
+              </a:ext>
+            </a:extLst>
+          </p:cNvPr>
+          <p:cNvSpPr/>
+          <p:nvPr/>
+        </p:nvSpPr>
+        <p:spPr>
+          <a:xfrm>
+            <a:off x="25912697" y="14767927"/>
+            <a:ext cx="1725804" cy="419458"/>
+          </a:xfrm>
+          <a:prstGeom prst="rect">
+            <a:avLst/>
+          </a:prstGeom>
+        </p:spPr>
+        <p:style>
+          <a:lnRef idx="2">
+            <a:schemeClr val="dk1"/>
+          </a:lnRef>
+          <a:fillRef idx="1">
+            <a:schemeClr val="lt1"/>
+          </a:fillRef>
+          <a:effectRef idx="0">
+            <a:schemeClr val="dk1"/>
+          </a:effectRef>
+          <a:fontRef idx="minor">
+            <a:schemeClr val="dk1"/>
+          </a:fontRef>
+        </p:style>
+        <p:txBody>
+          <a:bodyPr rot="0" spcFirstLastPara="0" vertOverflow="overflow" horzOverflow="overflow" vert="horz" wrap="square" lIns="182869" tIns="91446" rIns="182869" bIns="91446" numCol="1" spcCol="0" rtlCol="0" fromWordArt="0" anchor="ctr" anchorCtr="0" forceAA="0" compatLnSpc="1">
+            <a:prstTxWarp prst="textNoShape">
+              <a:avLst/>
+            </a:prstTxWarp>
+            <a:noAutofit/>
+          </a:bodyPr>
+          <a:lstStyle/>
+          <a:p>
+            <a:pPr algn="ctr"/>
+            <a:r>
+              <a:rPr lang="ko-KR" altLang="en-US" sz="2000" b="1" dirty="0"/>
+              <a:t>내 정보 조회</a:t>
+            </a:r>
+          </a:p>
+        </p:txBody>
+      </p:sp>
+      <p:cxnSp>
+        <p:nvCxnSpPr>
+          <p:cNvPr id="233" name="연결선: 꺾임 232">
+            <a:extLst>
+              <a:ext uri="{FF2B5EF4-FFF2-40B4-BE49-F238E27FC236}">
+                <a16:creationId xmlns:a16="http://schemas.microsoft.com/office/drawing/2014/main" id="{89F3A3FD-1610-4008-A43F-E69BE603DD43}"/>
+              </a:ext>
+            </a:extLst>
+          </p:cNvPr>
+          <p:cNvCxnSpPr>
+            <a:stCxn id="140" idx="2"/>
+            <a:endCxn id="264" idx="1"/>
+          </p:cNvCxnSpPr>
+          <p:nvPr/>
+        </p:nvCxnSpPr>
+        <p:spPr>
+          <a:xfrm rot="16200000" flipH="1">
+            <a:off x="25366273" y="14431232"/>
+            <a:ext cx="563738" cy="529109"/>
+          </a:xfrm>
+          <a:prstGeom prst="bentConnector2">
+            <a:avLst/>
+          </a:prstGeom>
+        </p:spPr>
+        <p:style>
+          <a:lnRef idx="1">
+            <a:schemeClr val="accent1"/>
+          </a:lnRef>
+          <a:fillRef idx="0">
+            <a:schemeClr val="accent1"/>
+          </a:fillRef>
+          <a:effectRef idx="0">
+            <a:schemeClr val="accent1"/>
+          </a:effectRef>
+          <a:fontRef idx="minor">
+            <a:schemeClr val="tx1"/>
+          </a:fontRef>
+        </p:style>
+      </p:cxnSp>
+      <p:cxnSp>
+        <p:nvCxnSpPr>
+          <p:cNvPr id="235" name="연결선: 꺾임 234">
+            <a:extLst>
+              <a:ext uri="{FF2B5EF4-FFF2-40B4-BE49-F238E27FC236}">
+                <a16:creationId xmlns:a16="http://schemas.microsoft.com/office/drawing/2014/main" id="{ED92D91E-16FF-4D7F-BEA3-0A04A79EF9CD}"/>
+              </a:ext>
+            </a:extLst>
+          </p:cNvPr>
+          <p:cNvCxnSpPr>
+            <a:stCxn id="264" idx="2"/>
+            <a:endCxn id="163" idx="1"/>
+          </p:cNvCxnSpPr>
+          <p:nvPr/>
+        </p:nvCxnSpPr>
+        <p:spPr>
+          <a:xfrm rot="16200000" flipH="1">
+            <a:off x="26677807" y="15285177"/>
+            <a:ext cx="534673" cy="339088"/>
+          </a:xfrm>
+          <a:prstGeom prst="bentConnector2">
+            <a:avLst/>
+          </a:prstGeom>
+        </p:spPr>
+        <p:style>
+          <a:lnRef idx="1">
+            <a:schemeClr val="accent1"/>
+          </a:lnRef>
+          <a:fillRef idx="0">
+            <a:schemeClr val="accent1"/>
+          </a:fillRef>
+          <a:effectRef idx="0">
+            <a:schemeClr val="accent1"/>
+          </a:effectRef>
+          <a:fontRef idx="minor">
+            <a:schemeClr val="tx1"/>
+          </a:fontRef>
+        </p:style>
+      </p:cxnSp>
+      <p:sp>
+        <p:nvSpPr>
+          <p:cNvPr id="271" name="직사각형 270">
+            <a:extLst>
+              <a:ext uri="{FF2B5EF4-FFF2-40B4-BE49-F238E27FC236}">
+                <a16:creationId xmlns:a16="http://schemas.microsoft.com/office/drawing/2014/main" id="{E65D8199-786A-41B3-83AE-E7C2FCEB0D30}"/>
+              </a:ext>
+            </a:extLst>
+          </p:cNvPr>
+          <p:cNvSpPr/>
+          <p:nvPr/>
+        </p:nvSpPr>
+        <p:spPr>
+          <a:xfrm>
+            <a:off x="27332515" y="18203895"/>
+            <a:ext cx="1725804" cy="419458"/>
+          </a:xfrm>
+          <a:prstGeom prst="rect">
+            <a:avLst/>
+          </a:prstGeom>
+        </p:spPr>
+        <p:style>
+          <a:lnRef idx="2">
+            <a:schemeClr val="dk1"/>
+          </a:lnRef>
+          <a:fillRef idx="1">
+            <a:schemeClr val="lt1"/>
+          </a:fillRef>
+          <a:effectRef idx="0">
+            <a:schemeClr val="dk1"/>
+          </a:effectRef>
+          <a:fontRef idx="minor">
+            <a:schemeClr val="dk1"/>
+          </a:fontRef>
+        </p:style>
+        <p:txBody>
+          <a:bodyPr rot="0" spcFirstLastPara="0" vertOverflow="overflow" horzOverflow="overflow" vert="horz" wrap="square" lIns="182869" tIns="91446" rIns="182869" bIns="91446" numCol="1" spcCol="0" rtlCol="0" fromWordArt="0" anchor="ctr" anchorCtr="0" forceAA="0" compatLnSpc="1">
+            <a:prstTxWarp prst="textNoShape">
+              <a:avLst/>
+            </a:prstTxWarp>
+            <a:noAutofit/>
+          </a:bodyPr>
+          <a:lstStyle/>
+          <a:p>
+            <a:pPr algn="ctr"/>
+            <a:r>
+              <a:rPr lang="ko-KR" altLang="en-US" sz="2000" b="1" dirty="0"/>
+              <a:t>예매 취소</a:t>
+            </a:r>
+          </a:p>
+        </p:txBody>
+      </p:sp>
+      <p:cxnSp>
+        <p:nvCxnSpPr>
+          <p:cNvPr id="237" name="연결선: 꺾임 236">
+            <a:extLst>
+              <a:ext uri="{FF2B5EF4-FFF2-40B4-BE49-F238E27FC236}">
+                <a16:creationId xmlns:a16="http://schemas.microsoft.com/office/drawing/2014/main" id="{6C6FD0E0-22BA-4211-A8F5-2CC11230271E}"/>
+              </a:ext>
+            </a:extLst>
+          </p:cNvPr>
+          <p:cNvCxnSpPr>
+            <a:stCxn id="180" idx="2"/>
+            <a:endCxn id="271" idx="1"/>
+          </p:cNvCxnSpPr>
+          <p:nvPr/>
+        </p:nvCxnSpPr>
+        <p:spPr>
+          <a:xfrm rot="16200000" flipH="1">
+            <a:off x="26714058" y="17795167"/>
+            <a:ext cx="532514" cy="704400"/>
+          </a:xfrm>
+          <a:prstGeom prst="bentConnector2">
+            <a:avLst/>
+          </a:prstGeom>
+        </p:spPr>
+        <p:style>
+          <a:lnRef idx="1">
+            <a:schemeClr val="accent1"/>
+          </a:lnRef>
+          <a:fillRef idx="0">
+            <a:schemeClr val="accent1"/>
+          </a:fillRef>
+          <a:effectRef idx="0">
+            <a:schemeClr val="accent1"/>
+          </a:effectRef>
+          <a:fontRef idx="minor">
+            <a:schemeClr val="tx1"/>
+          </a:fontRef>
+        </p:style>
+      </p:cxnSp>
+      <p:sp>
+        <p:nvSpPr>
+          <p:cNvPr id="275" name="직사각형 274">
+            <a:extLst>
+              <a:ext uri="{FF2B5EF4-FFF2-40B4-BE49-F238E27FC236}">
+                <a16:creationId xmlns:a16="http://schemas.microsoft.com/office/drawing/2014/main" id="{A287EC34-A256-4B1A-8637-D50C4267C5D0}"/>
+              </a:ext>
+            </a:extLst>
+          </p:cNvPr>
+          <p:cNvSpPr/>
+          <p:nvPr/>
+        </p:nvSpPr>
+        <p:spPr>
+          <a:xfrm>
+            <a:off x="25817354" y="19775341"/>
+            <a:ext cx="1725804" cy="419458"/>
+          </a:xfrm>
+          <a:prstGeom prst="rect">
+            <a:avLst/>
+          </a:prstGeom>
+        </p:spPr>
+        <p:style>
+          <a:lnRef idx="2">
+            <a:schemeClr val="dk1"/>
+          </a:lnRef>
+          <a:fillRef idx="1">
+            <a:schemeClr val="lt1"/>
+          </a:fillRef>
+          <a:effectRef idx="0">
+            <a:schemeClr val="dk1"/>
+          </a:effectRef>
+          <a:fontRef idx="minor">
+            <a:schemeClr val="dk1"/>
+          </a:fontRef>
+        </p:style>
+        <p:txBody>
+          <a:bodyPr rot="0" spcFirstLastPara="0" vertOverflow="overflow" horzOverflow="overflow" vert="horz" wrap="square" lIns="182869" tIns="91446" rIns="182869" bIns="91446" numCol="1" spcCol="0" rtlCol="0" fromWordArt="0" anchor="ctr" anchorCtr="0" forceAA="0" compatLnSpc="1">
+            <a:prstTxWarp prst="textNoShape">
+              <a:avLst/>
+            </a:prstTxWarp>
+            <a:noAutofit/>
+          </a:bodyPr>
+          <a:lstStyle/>
+          <a:p>
+            <a:pPr algn="ctr"/>
+            <a:r>
+              <a:rPr lang="ko-KR" altLang="en-US" sz="2000" b="1" dirty="0"/>
+              <a:t>내 리뷰 조회</a:t>
+            </a:r>
+          </a:p>
+        </p:txBody>
+      </p:sp>
+      <p:cxnSp>
+        <p:nvCxnSpPr>
+          <p:cNvPr id="241" name="연결선: 꺾임 240">
+            <a:extLst>
+              <a:ext uri="{FF2B5EF4-FFF2-40B4-BE49-F238E27FC236}">
+                <a16:creationId xmlns:a16="http://schemas.microsoft.com/office/drawing/2014/main" id="{F23470F4-C337-4278-8230-F4B6B83CB33E}"/>
+              </a:ext>
+            </a:extLst>
+          </p:cNvPr>
+          <p:cNvCxnSpPr>
+            <a:stCxn id="275" idx="2"/>
+            <a:endCxn id="181" idx="1"/>
+          </p:cNvCxnSpPr>
+          <p:nvPr/>
+        </p:nvCxnSpPr>
+        <p:spPr>
+          <a:xfrm rot="16200000" flipH="1">
+            <a:off x="26648680" y="20226375"/>
+            <a:ext cx="497582" cy="434430"/>
+          </a:xfrm>
+          <a:prstGeom prst="bentConnector2">
+            <a:avLst/>
+          </a:prstGeom>
+        </p:spPr>
+        <p:style>
+          <a:lnRef idx="1">
+            <a:schemeClr val="accent1"/>
+          </a:lnRef>
+          <a:fillRef idx="0">
+            <a:schemeClr val="accent1"/>
+          </a:fillRef>
+          <a:effectRef idx="0">
+            <a:schemeClr val="accent1"/>
+          </a:effectRef>
+          <a:fontRef idx="minor">
+            <a:schemeClr val="tx1"/>
+          </a:fontRef>
+        </p:style>
+      </p:cxnSp>
+      <p:sp>
+        <p:nvSpPr>
+          <p:cNvPr id="279" name="직사각형 278">
+            <a:extLst>
+              <a:ext uri="{FF2B5EF4-FFF2-40B4-BE49-F238E27FC236}">
+                <a16:creationId xmlns:a16="http://schemas.microsoft.com/office/drawing/2014/main" id="{5F3531D0-11CD-4B7F-87C8-0547125CE554}"/>
+              </a:ext>
+            </a:extLst>
+          </p:cNvPr>
+          <p:cNvSpPr/>
+          <p:nvPr/>
+        </p:nvSpPr>
+        <p:spPr>
+          <a:xfrm>
+            <a:off x="25765213" y="22994841"/>
+            <a:ext cx="1725804" cy="419458"/>
+          </a:xfrm>
+          <a:prstGeom prst="rect">
+            <a:avLst/>
+          </a:prstGeom>
+        </p:spPr>
+        <p:style>
+          <a:lnRef idx="2">
+            <a:schemeClr val="dk1"/>
+          </a:lnRef>
+          <a:fillRef idx="1">
+            <a:schemeClr val="lt1"/>
+          </a:fillRef>
+          <a:effectRef idx="0">
+            <a:schemeClr val="dk1"/>
+          </a:effectRef>
+          <a:fontRef idx="minor">
+            <a:schemeClr val="dk1"/>
+          </a:fontRef>
+        </p:style>
+        <p:txBody>
+          <a:bodyPr rot="0" spcFirstLastPara="0" vertOverflow="overflow" horzOverflow="overflow" vert="horz" wrap="square" lIns="182869" tIns="91446" rIns="182869" bIns="91446" numCol="1" spcCol="0" rtlCol="0" fromWordArt="0" anchor="ctr" anchorCtr="0" forceAA="0" compatLnSpc="1">
+            <a:prstTxWarp prst="textNoShape">
+              <a:avLst/>
+            </a:prstTxWarp>
+            <a:noAutofit/>
+          </a:bodyPr>
+          <a:lstStyle/>
+          <a:p>
+            <a:pPr algn="ctr"/>
+            <a:r>
+              <a:rPr lang="ko-KR" altLang="en-US" sz="2000" b="1" dirty="0"/>
+              <a:t>내 </a:t>
+            </a:r>
+            <a:r>
+              <a:rPr lang="ko-KR" altLang="en-US" sz="2000" b="1" dirty="0" err="1"/>
+              <a:t>한줄평</a:t>
+            </a:r>
+            <a:r>
+              <a:rPr lang="ko-KR" altLang="en-US" sz="2000" b="1" dirty="0"/>
+              <a:t> 조회</a:t>
+            </a:r>
+          </a:p>
+        </p:txBody>
+      </p:sp>
+      <p:cxnSp>
+        <p:nvCxnSpPr>
+          <p:cNvPr id="244" name="연결선: 꺾임 243">
+            <a:extLst>
+              <a:ext uri="{FF2B5EF4-FFF2-40B4-BE49-F238E27FC236}">
+                <a16:creationId xmlns:a16="http://schemas.microsoft.com/office/drawing/2014/main" id="{166276B5-259C-47E7-A43D-3B9857DD984C}"/>
+              </a:ext>
+            </a:extLst>
+          </p:cNvPr>
+          <p:cNvCxnSpPr>
+            <a:stCxn id="279" idx="2"/>
+            <a:endCxn id="200" idx="1"/>
+          </p:cNvCxnSpPr>
+          <p:nvPr/>
+        </p:nvCxnSpPr>
+        <p:spPr>
+          <a:xfrm rot="16200000" flipH="1">
+            <a:off x="26603354" y="23439059"/>
+            <a:ext cx="529197" cy="479675"/>
+          </a:xfrm>
+          <a:prstGeom prst="bentConnector2">
+            <a:avLst/>
+          </a:prstGeom>
+        </p:spPr>
+        <p:style>
+          <a:lnRef idx="1">
+            <a:schemeClr val="accent1"/>
+          </a:lnRef>
+          <a:fillRef idx="0">
+            <a:schemeClr val="accent1"/>
+          </a:fillRef>
+          <a:effectRef idx="0">
+            <a:schemeClr val="accent1"/>
+          </a:effectRef>
+          <a:fontRef idx="minor">
+            <a:schemeClr val="tx1"/>
+          </a:fontRef>
+        </p:style>
+      </p:cxnSp>
+      <p:sp>
+        <p:nvSpPr>
+          <p:cNvPr id="283" name="직사각형 282">
+            <a:extLst>
+              <a:ext uri="{FF2B5EF4-FFF2-40B4-BE49-F238E27FC236}">
+                <a16:creationId xmlns:a16="http://schemas.microsoft.com/office/drawing/2014/main" id="{1B4C5D57-E9E4-47BC-8308-6BD9857F7646}"/>
+              </a:ext>
+            </a:extLst>
+          </p:cNvPr>
+          <p:cNvSpPr/>
+          <p:nvPr/>
+        </p:nvSpPr>
+        <p:spPr>
+          <a:xfrm>
+            <a:off x="25818321" y="26420714"/>
+            <a:ext cx="1725804" cy="419458"/>
+          </a:xfrm>
+          <a:prstGeom prst="rect">
+            <a:avLst/>
+          </a:prstGeom>
+        </p:spPr>
+        <p:style>
+          <a:lnRef idx="2">
+            <a:schemeClr val="dk1"/>
+          </a:lnRef>
+          <a:fillRef idx="1">
+            <a:schemeClr val="lt1"/>
+          </a:fillRef>
+          <a:effectRef idx="0">
+            <a:schemeClr val="dk1"/>
+          </a:effectRef>
+          <a:fontRef idx="minor">
+            <a:schemeClr val="dk1"/>
+          </a:fontRef>
+        </p:style>
+        <p:txBody>
+          <a:bodyPr rot="0" spcFirstLastPara="0" vertOverflow="overflow" horzOverflow="overflow" vert="horz" wrap="square" lIns="182869" tIns="91446" rIns="182869" bIns="91446" numCol="1" spcCol="0" rtlCol="0" fromWordArt="0" anchor="ctr" anchorCtr="0" forceAA="0" compatLnSpc="1">
+            <a:prstTxWarp prst="textNoShape">
+              <a:avLst/>
+            </a:prstTxWarp>
+            <a:noAutofit/>
+          </a:bodyPr>
+          <a:lstStyle/>
+          <a:p>
+            <a:pPr algn="ctr"/>
+            <a:r>
+              <a:rPr lang="ko-KR" altLang="en-US" sz="2000" b="1" dirty="0"/>
+              <a:t>내 </a:t>
+            </a:r>
+            <a:r>
+              <a:rPr lang="ko-KR" altLang="en-US" sz="2000" b="1" dirty="0" err="1"/>
+              <a:t>기프티콘</a:t>
+            </a:r>
+            <a:r>
+              <a:rPr lang="ko-KR" altLang="en-US" sz="2000" b="1" dirty="0"/>
+              <a:t> 조회</a:t>
+            </a:r>
+          </a:p>
+        </p:txBody>
+      </p:sp>
+      <p:cxnSp>
+        <p:nvCxnSpPr>
+          <p:cNvPr id="247" name="연결선: 꺾임 246">
+            <a:extLst>
+              <a:ext uri="{FF2B5EF4-FFF2-40B4-BE49-F238E27FC236}">
+                <a16:creationId xmlns:a16="http://schemas.microsoft.com/office/drawing/2014/main" id="{3A1052A4-BD3A-4DFC-90EC-55F6962A8FA9}"/>
+              </a:ext>
+            </a:extLst>
+          </p:cNvPr>
+          <p:cNvCxnSpPr>
+            <a:stCxn id="283" idx="2"/>
+            <a:endCxn id="214" idx="1"/>
+          </p:cNvCxnSpPr>
+          <p:nvPr/>
+        </p:nvCxnSpPr>
+        <p:spPr>
+          <a:xfrm rot="16200000" flipH="1">
+            <a:off x="26643302" y="26878093"/>
+            <a:ext cx="412708" cy="336866"/>
+          </a:xfrm>
+          <a:prstGeom prst="bentConnector2">
+            <a:avLst/>
+          </a:prstGeom>
+        </p:spPr>
+        <p:style>
+          <a:lnRef idx="1">
+            <a:schemeClr val="accent1"/>
+          </a:lnRef>
+          <a:fillRef idx="0">
+            <a:schemeClr val="accent1"/>
+          </a:fillRef>
+          <a:effectRef idx="0">
+            <a:schemeClr val="accent1"/>
+          </a:effectRef>
+          <a:fontRef idx="minor">
+            <a:schemeClr val="tx1"/>
+          </a:fontRef>
+        </p:style>
+      </p:cxnSp>
+      <p:sp>
+        <p:nvSpPr>
+          <p:cNvPr id="287" name="직사각형 286">
+            <a:extLst>
+              <a:ext uri="{FF2B5EF4-FFF2-40B4-BE49-F238E27FC236}">
+                <a16:creationId xmlns:a16="http://schemas.microsoft.com/office/drawing/2014/main" id="{0A2584CA-C73A-4167-AE23-3439C5E6049E}"/>
+              </a:ext>
+            </a:extLst>
+          </p:cNvPr>
+          <p:cNvSpPr/>
+          <p:nvPr/>
+        </p:nvSpPr>
+        <p:spPr>
+          <a:xfrm>
+            <a:off x="25817354" y="29668218"/>
+            <a:ext cx="1725804" cy="419458"/>
+          </a:xfrm>
+          <a:prstGeom prst="rect">
+            <a:avLst/>
+          </a:prstGeom>
+        </p:spPr>
+        <p:style>
+          <a:lnRef idx="2">
+            <a:schemeClr val="dk1"/>
+          </a:lnRef>
+          <a:fillRef idx="1">
+            <a:schemeClr val="lt1"/>
+          </a:fillRef>
+          <a:effectRef idx="0">
+            <a:schemeClr val="dk1"/>
+          </a:effectRef>
+          <a:fontRef idx="minor">
+            <a:schemeClr val="dk1"/>
+          </a:fontRef>
+        </p:style>
+        <p:txBody>
+          <a:bodyPr rot="0" spcFirstLastPara="0" vertOverflow="overflow" horzOverflow="overflow" vert="horz" wrap="square" lIns="182869" tIns="91446" rIns="182869" bIns="91446" numCol="1" spcCol="0" rtlCol="0" fromWordArt="0" anchor="ctr" anchorCtr="0" forceAA="0" compatLnSpc="1">
+            <a:prstTxWarp prst="textNoShape">
+              <a:avLst/>
+            </a:prstTxWarp>
+            <a:noAutofit/>
+          </a:bodyPr>
+          <a:lstStyle/>
+          <a:p>
+            <a:pPr algn="ctr"/>
+            <a:r>
+              <a:rPr lang="ko-KR" altLang="en-US" sz="2000" b="1" dirty="0"/>
+              <a:t>내 건의사항 조회</a:t>
+            </a:r>
+          </a:p>
+        </p:txBody>
+      </p:sp>
+      <p:cxnSp>
+        <p:nvCxnSpPr>
+          <p:cNvPr id="250" name="연결선: 꺾임 249">
+            <a:extLst>
+              <a:ext uri="{FF2B5EF4-FFF2-40B4-BE49-F238E27FC236}">
+                <a16:creationId xmlns:a16="http://schemas.microsoft.com/office/drawing/2014/main" id="{067135C8-1D3C-4D17-ACB6-E993BA90BA05}"/>
+              </a:ext>
+            </a:extLst>
+          </p:cNvPr>
+          <p:cNvCxnSpPr>
+            <a:stCxn id="178" idx="2"/>
+            <a:endCxn id="287" idx="1"/>
+          </p:cNvCxnSpPr>
+          <p:nvPr/>
+        </p:nvCxnSpPr>
+        <p:spPr>
+          <a:xfrm rot="16200000" flipH="1">
+            <a:off x="25336698" y="29397291"/>
+            <a:ext cx="574540" cy="386772"/>
+          </a:xfrm>
+          <a:prstGeom prst="bentConnector2">
+            <a:avLst/>
+          </a:prstGeom>
+        </p:spPr>
+        <p:style>
+          <a:lnRef idx="1">
+            <a:schemeClr val="accent1"/>
+          </a:lnRef>
+          <a:fillRef idx="0">
+            <a:schemeClr val="accent1"/>
+          </a:fillRef>
+          <a:effectRef idx="0">
+            <a:schemeClr val="accent1"/>
+          </a:effectRef>
+          <a:fontRef idx="minor">
+            <a:schemeClr val="tx1"/>
+          </a:fontRef>
+        </p:style>
+      </p:cxnSp>
+      <p:cxnSp>
+        <p:nvCxnSpPr>
+          <p:cNvPr id="252" name="연결선: 꺾임 251">
+            <a:extLst>
+              <a:ext uri="{FF2B5EF4-FFF2-40B4-BE49-F238E27FC236}">
+                <a16:creationId xmlns:a16="http://schemas.microsoft.com/office/drawing/2014/main" id="{BBB61D2A-9B02-42ED-A8DF-7E1547F6FB2D}"/>
+              </a:ext>
+            </a:extLst>
+          </p:cNvPr>
+          <p:cNvCxnSpPr>
+            <a:stCxn id="287" idx="2"/>
+            <a:endCxn id="207" idx="1"/>
+          </p:cNvCxnSpPr>
+          <p:nvPr/>
+        </p:nvCxnSpPr>
+        <p:spPr>
+          <a:xfrm rot="16200000" flipH="1">
+            <a:off x="26632122" y="30135810"/>
+            <a:ext cx="523822" cy="427554"/>
+          </a:xfrm>
+          <a:prstGeom prst="bentConnector2">
+            <a:avLst/>
+          </a:prstGeom>
+        </p:spPr>
+        <p:style>
+          <a:lnRef idx="1">
+            <a:schemeClr val="accent1"/>
+          </a:lnRef>
+          <a:fillRef idx="0">
+            <a:schemeClr val="accent1"/>
+          </a:fillRef>
+          <a:effectRef idx="0">
+            <a:schemeClr val="accent1"/>
+          </a:effectRef>
+          <a:fontRef idx="minor">
+            <a:schemeClr val="tx1"/>
+          </a:fontRef>
+        </p:style>
+      </p:cxnSp>
+      <p:cxnSp>
+        <p:nvCxnSpPr>
+          <p:cNvPr id="259" name="연결선: 꺾임 258">
+            <a:extLst>
+              <a:ext uri="{FF2B5EF4-FFF2-40B4-BE49-F238E27FC236}">
+                <a16:creationId xmlns:a16="http://schemas.microsoft.com/office/drawing/2014/main" id="{E263C0B0-6169-4FCF-B148-A983D099AC46}"/>
+              </a:ext>
+            </a:extLst>
+          </p:cNvPr>
+          <p:cNvCxnSpPr>
+            <a:stCxn id="339" idx="2"/>
+            <a:endCxn id="362" idx="0"/>
+          </p:cNvCxnSpPr>
+          <p:nvPr/>
+        </p:nvCxnSpPr>
+        <p:spPr>
+          <a:xfrm rot="16200000" flipH="1">
+            <a:off x="9974888" y="12284219"/>
+            <a:ext cx="1639469" cy="293340"/>
+          </a:xfrm>
+          <a:prstGeom prst="bentConnector3">
+            <a:avLst/>
+          </a:prstGeom>
+        </p:spPr>
+        <p:style>
+          <a:lnRef idx="1">
+            <a:schemeClr val="accent1"/>
+          </a:lnRef>
+          <a:fillRef idx="0">
+            <a:schemeClr val="accent1"/>
+          </a:fillRef>
+          <a:effectRef idx="0">
+            <a:schemeClr val="accent1"/>
+          </a:effectRef>
+          <a:fontRef idx="minor">
+            <a:schemeClr val="tx1"/>
+          </a:fontRef>
+        </p:style>
+      </p:cxnSp>
+      <p:cxnSp>
+        <p:nvCxnSpPr>
+          <p:cNvPr id="262" name="연결선: 꺾임 261">
+            <a:extLst>
+              <a:ext uri="{FF2B5EF4-FFF2-40B4-BE49-F238E27FC236}">
+                <a16:creationId xmlns:a16="http://schemas.microsoft.com/office/drawing/2014/main" id="{F3F2DFFD-7B6E-41DE-9244-7AD8A932FC87}"/>
+              </a:ext>
+            </a:extLst>
+          </p:cNvPr>
+          <p:cNvCxnSpPr>
+            <a:stCxn id="212" idx="2"/>
+            <a:endCxn id="171" idx="1"/>
+          </p:cNvCxnSpPr>
+          <p:nvPr/>
+        </p:nvCxnSpPr>
+        <p:spPr>
+          <a:xfrm rot="16200000" flipH="1">
+            <a:off x="21643742" y="16315422"/>
+            <a:ext cx="5588587" cy="206518"/>
+          </a:xfrm>
+          <a:prstGeom prst="bentConnector2">
+            <a:avLst/>
+          </a:prstGeom>
+        </p:spPr>
+        <p:style>
+          <a:lnRef idx="1">
+            <a:schemeClr val="accent1"/>
+          </a:lnRef>
+          <a:fillRef idx="0">
+            <a:schemeClr val="accent1"/>
+          </a:fillRef>
+          <a:effectRef idx="0">
+            <a:schemeClr val="accent1"/>
+          </a:effectRef>
+          <a:fontRef idx="minor">
+            <a:schemeClr val="tx1"/>
+          </a:fontRef>
+        </p:style>
+      </p:cxnSp>
+      <p:cxnSp>
+        <p:nvCxnSpPr>
+          <p:cNvPr id="265" name="연결선: 꺾임 264">
+            <a:extLst>
+              <a:ext uri="{FF2B5EF4-FFF2-40B4-BE49-F238E27FC236}">
+                <a16:creationId xmlns:a16="http://schemas.microsoft.com/office/drawing/2014/main" id="{4BA5F18C-90EC-4117-BC9E-417141D325B7}"/>
+              </a:ext>
+            </a:extLst>
+          </p:cNvPr>
+          <p:cNvCxnSpPr>
+            <a:stCxn id="212" idx="2"/>
+            <a:endCxn id="173" idx="1"/>
+          </p:cNvCxnSpPr>
+          <p:nvPr/>
+        </p:nvCxnSpPr>
+        <p:spPr>
+          <a:xfrm rot="16200000" flipH="1">
+            <a:off x="20118316" y="17840848"/>
+            <a:ext cx="8639439" cy="206518"/>
+          </a:xfrm>
+          <a:prstGeom prst="bentConnector2">
+            <a:avLst/>
+          </a:prstGeom>
+        </p:spPr>
+        <p:style>
+          <a:lnRef idx="1">
+            <a:schemeClr val="accent1"/>
+          </a:lnRef>
+          <a:fillRef idx="0">
+            <a:schemeClr val="accent1"/>
+          </a:fillRef>
+          <a:effectRef idx="0">
+            <a:schemeClr val="accent1"/>
+          </a:effectRef>
+          <a:fontRef idx="minor">
+            <a:schemeClr val="tx1"/>
+          </a:fontRef>
+        </p:style>
+      </p:cxnSp>
+      <p:cxnSp>
+        <p:nvCxnSpPr>
+          <p:cNvPr id="267" name="연결선: 꺾임 266">
+            <a:extLst>
+              <a:ext uri="{FF2B5EF4-FFF2-40B4-BE49-F238E27FC236}">
+                <a16:creationId xmlns:a16="http://schemas.microsoft.com/office/drawing/2014/main" id="{369F9BD1-8DC3-4A63-8769-AD4A61497B54}"/>
+              </a:ext>
+            </a:extLst>
+          </p:cNvPr>
+          <p:cNvCxnSpPr>
+            <a:stCxn id="212" idx="2"/>
+            <a:endCxn id="175" idx="1"/>
+          </p:cNvCxnSpPr>
+          <p:nvPr/>
+        </p:nvCxnSpPr>
+        <p:spPr>
+          <a:xfrm rot="16200000" flipH="1">
+            <a:off x="18310750" y="19648413"/>
+            <a:ext cx="12233960" cy="185909"/>
+          </a:xfrm>
+          <a:prstGeom prst="bentConnector2">
+            <a:avLst/>
+          </a:prstGeom>
+        </p:spPr>
+        <p:style>
+          <a:lnRef idx="1">
+            <a:schemeClr val="accent1"/>
+          </a:lnRef>
+          <a:fillRef idx="0">
+            <a:schemeClr val="accent1"/>
+          </a:fillRef>
+          <a:effectRef idx="0">
+            <a:schemeClr val="accent1"/>
+          </a:effectRef>
+          <a:fontRef idx="minor">
+            <a:schemeClr val="tx1"/>
+          </a:fontRef>
+        </p:style>
+      </p:cxnSp>
+      <p:cxnSp>
+        <p:nvCxnSpPr>
+          <p:cNvPr id="269" name="연결선: 꺾임 268">
+            <a:extLst>
+              <a:ext uri="{FF2B5EF4-FFF2-40B4-BE49-F238E27FC236}">
+                <a16:creationId xmlns:a16="http://schemas.microsoft.com/office/drawing/2014/main" id="{5939E9B3-58A5-4D4D-9D35-53B027F4575C}"/>
+              </a:ext>
+            </a:extLst>
+          </p:cNvPr>
+          <p:cNvCxnSpPr>
+            <a:cxnSpLocks/>
+            <a:stCxn id="212" idx="2"/>
+            <a:endCxn id="178" idx="1"/>
+          </p:cNvCxnSpPr>
+          <p:nvPr/>
+        </p:nvCxnSpPr>
+        <p:spPr>
+          <a:xfrm rot="16200000" flipH="1">
+            <a:off x="16716583" y="21242581"/>
+            <a:ext cx="15469290" cy="232904"/>
+          </a:xfrm>
+          <a:prstGeom prst="bentConnector2">
+            <a:avLst/>
+          </a:prstGeom>
+        </p:spPr>
+        <p:style>
+          <a:lnRef idx="1">
+            <a:schemeClr val="accent1"/>
+          </a:lnRef>
+          <a:fillRef idx="0">
+            <a:schemeClr val="accent1"/>
+          </a:fillRef>
+          <a:effectRef idx="0">
+            <a:schemeClr val="accent1"/>
+          </a:effectRef>
+          <a:fontRef idx="minor">
+            <a:schemeClr val="tx1"/>
+          </a:fontRef>
+        </p:style>
+      </p:cxnSp>
+      <p:sp>
+        <p:nvSpPr>
+          <p:cNvPr id="306" name="직사각형 305">
+            <a:extLst>
+              <a:ext uri="{FF2B5EF4-FFF2-40B4-BE49-F238E27FC236}">
+                <a16:creationId xmlns:a16="http://schemas.microsoft.com/office/drawing/2014/main" id="{1BC8CBB8-9841-4309-A57B-FFDECD1139A4}"/>
+              </a:ext>
+            </a:extLst>
+          </p:cNvPr>
+          <p:cNvSpPr/>
+          <p:nvPr/>
+        </p:nvSpPr>
+        <p:spPr>
+          <a:xfrm>
+            <a:off x="19290359" y="14783382"/>
+            <a:ext cx="2020114" cy="419458"/>
+          </a:xfrm>
+          <a:prstGeom prst="rect">
+            <a:avLst/>
+          </a:prstGeom>
+        </p:spPr>
+        <p:style>
+          <a:lnRef idx="2">
+            <a:schemeClr val="dk1"/>
+          </a:lnRef>
+          <a:fillRef idx="1">
+            <a:schemeClr val="lt1"/>
+          </a:fillRef>
+          <a:effectRef idx="0">
+            <a:schemeClr val="dk1"/>
+          </a:effectRef>
+          <a:fontRef idx="minor">
+            <a:schemeClr val="dk1"/>
+          </a:fontRef>
+        </p:style>
+        <p:txBody>
+          <a:bodyPr rot="0" spcFirstLastPara="0" vertOverflow="overflow" horzOverflow="overflow" vert="horz" wrap="square" lIns="182869" tIns="91446" rIns="182869" bIns="91446" numCol="1" spcCol="0" rtlCol="0" fromWordArt="0" anchor="ctr" anchorCtr="0" forceAA="0" compatLnSpc="1">
+            <a:prstTxWarp prst="textNoShape">
+              <a:avLst/>
+            </a:prstTxWarp>
+            <a:noAutofit/>
+          </a:bodyPr>
+          <a:lstStyle/>
+          <a:p>
+            <a:pPr algn="ctr"/>
+            <a:r>
+              <a:rPr lang="ko-KR" altLang="en-US" sz="2000" b="1" dirty="0"/>
+              <a:t>건의사항 조회</a:t>
+            </a:r>
+          </a:p>
+        </p:txBody>
+      </p:sp>
+      <p:cxnSp>
+        <p:nvCxnSpPr>
+          <p:cNvPr id="272" name="연결선: 꺾임 271">
+            <a:extLst>
+              <a:ext uri="{FF2B5EF4-FFF2-40B4-BE49-F238E27FC236}">
+                <a16:creationId xmlns:a16="http://schemas.microsoft.com/office/drawing/2014/main" id="{8AE19040-7E79-449F-A681-3A93D257DC7D}"/>
+              </a:ext>
+            </a:extLst>
+          </p:cNvPr>
+          <p:cNvCxnSpPr>
+            <a:stCxn id="366" idx="2"/>
+            <a:endCxn id="306" idx="1"/>
+          </p:cNvCxnSpPr>
+          <p:nvPr/>
+        </p:nvCxnSpPr>
+        <p:spPr>
+          <a:xfrm rot="16200000" flipH="1">
+            <a:off x="18479650" y="14182401"/>
+            <a:ext cx="1368723" cy="252695"/>
+          </a:xfrm>
+          <a:prstGeom prst="bentConnector2">
+            <a:avLst/>
+          </a:prstGeom>
+        </p:spPr>
+        <p:style>
+          <a:lnRef idx="1">
+            <a:schemeClr val="accent1"/>
+          </a:lnRef>
+          <a:fillRef idx="0">
+            <a:schemeClr val="accent1"/>
+          </a:fillRef>
+          <a:effectRef idx="0">
+            <a:schemeClr val="accent1"/>
+          </a:effectRef>
+          <a:fontRef idx="minor">
+            <a:schemeClr val="tx1"/>
+          </a:fontRef>
+        </p:style>
+      </p:cxnSp>
+      <p:cxnSp>
+        <p:nvCxnSpPr>
+          <p:cNvPr id="274" name="연결선: 꺾임 273">
+            <a:extLst>
+              <a:ext uri="{FF2B5EF4-FFF2-40B4-BE49-F238E27FC236}">
+                <a16:creationId xmlns:a16="http://schemas.microsoft.com/office/drawing/2014/main" id="{7986EB70-620A-40C7-A3DC-3A1B18E58B62}"/>
+              </a:ext>
+            </a:extLst>
+          </p:cNvPr>
+          <p:cNvCxnSpPr>
+            <a:stCxn id="306" idx="2"/>
+            <a:endCxn id="430" idx="1"/>
+          </p:cNvCxnSpPr>
+          <p:nvPr/>
+        </p:nvCxnSpPr>
+        <p:spPr>
+          <a:xfrm rot="16200000" flipH="1">
+            <a:off x="20179665" y="15323590"/>
+            <a:ext cx="472120" cy="230619"/>
+          </a:xfrm>
+          <a:prstGeom prst="bentConnector2">
+            <a:avLst/>
+          </a:prstGeom>
+        </p:spPr>
+        <p:style>
+          <a:lnRef idx="1">
+            <a:schemeClr val="accent1"/>
+          </a:lnRef>
+          <a:fillRef idx="0">
+            <a:schemeClr val="accent1"/>
+          </a:fillRef>
+          <a:effectRef idx="0">
+            <a:schemeClr val="accent1"/>
+          </a:effectRef>
+          <a:fontRef idx="minor">
+            <a:schemeClr val="tx1"/>
+          </a:fontRef>
+        </p:style>
+      </p:cxnSp>
+      <p:sp>
+        <p:nvSpPr>
+          <p:cNvPr id="311" name="직사각형 310">
+            <a:extLst>
+              <a:ext uri="{FF2B5EF4-FFF2-40B4-BE49-F238E27FC236}">
+                <a16:creationId xmlns:a16="http://schemas.microsoft.com/office/drawing/2014/main" id="{6F482912-BBD6-4127-B2AE-57D9CC32ABC4}"/>
+              </a:ext>
+            </a:extLst>
+          </p:cNvPr>
+          <p:cNvSpPr/>
+          <p:nvPr/>
+        </p:nvSpPr>
+        <p:spPr>
+          <a:xfrm>
+            <a:off x="15067259" y="14738665"/>
+            <a:ext cx="1484457" cy="419458"/>
+          </a:xfrm>
+          <a:prstGeom prst="rect">
+            <a:avLst/>
+          </a:prstGeom>
+        </p:spPr>
+        <p:style>
+          <a:lnRef idx="2">
+            <a:schemeClr val="dk1"/>
+          </a:lnRef>
+          <a:fillRef idx="1">
+            <a:schemeClr val="lt1"/>
+          </a:fillRef>
+          <a:effectRef idx="0">
+            <a:schemeClr val="dk1"/>
+          </a:effectRef>
+          <a:fontRef idx="minor">
+            <a:schemeClr val="dk1"/>
+          </a:fontRef>
+        </p:style>
+        <p:txBody>
+          <a:bodyPr rot="0" spcFirstLastPara="0" vertOverflow="overflow" horzOverflow="overflow" vert="horz" wrap="square" lIns="182869" tIns="91446" rIns="182869" bIns="91446" numCol="1" spcCol="0" rtlCol="0" fromWordArt="0" anchor="ctr" anchorCtr="0" forceAA="0" compatLnSpc="1">
+            <a:prstTxWarp prst="textNoShape">
+              <a:avLst/>
+            </a:prstTxWarp>
+            <a:noAutofit/>
+          </a:bodyPr>
+          <a:lstStyle/>
+          <a:p>
+            <a:pPr algn="ctr"/>
+            <a:r>
+              <a:rPr lang="ko-KR" altLang="en-US" sz="2000" b="1" dirty="0"/>
+              <a:t>할인정보</a:t>
+            </a:r>
+            <a:br>
+              <a:rPr lang="en-US" altLang="ko-KR" sz="2000" b="1" dirty="0"/>
+            </a:br>
+            <a:r>
+              <a:rPr lang="ko-KR" altLang="en-US" sz="2000" b="1" dirty="0"/>
+              <a:t>상세보기</a:t>
+            </a:r>
+            <a:endParaRPr lang="en-US" altLang="ko-KR" sz="2000" b="1" dirty="0"/>
+          </a:p>
+        </p:txBody>
+      </p:sp>
+      <p:cxnSp>
+        <p:nvCxnSpPr>
+          <p:cNvPr id="277" name="연결선: 꺾임 276">
+            <a:extLst>
+              <a:ext uri="{FF2B5EF4-FFF2-40B4-BE49-F238E27FC236}">
+                <a16:creationId xmlns:a16="http://schemas.microsoft.com/office/drawing/2014/main" id="{E9C375BE-0069-4EC3-BD58-5457AB41EE92}"/>
+              </a:ext>
+            </a:extLst>
+          </p:cNvPr>
+          <p:cNvCxnSpPr>
+            <a:stCxn id="161" idx="2"/>
+            <a:endCxn id="311" idx="1"/>
+          </p:cNvCxnSpPr>
+          <p:nvPr/>
+        </p:nvCxnSpPr>
+        <p:spPr>
+          <a:xfrm rot="16200000" flipH="1">
+            <a:off x="14563410" y="14444544"/>
+            <a:ext cx="592691" cy="415008"/>
+          </a:xfrm>
+          <a:prstGeom prst="bentConnector2">
+            <a:avLst/>
+          </a:prstGeom>
+        </p:spPr>
+        <p:style>
+          <a:lnRef idx="1">
+            <a:schemeClr val="accent1"/>
+          </a:lnRef>
+          <a:fillRef idx="0">
+            <a:schemeClr val="accent1"/>
+          </a:fillRef>
+          <a:effectRef idx="0">
+            <a:schemeClr val="accent1"/>
+          </a:effectRef>
+          <a:fontRef idx="minor">
+            <a:schemeClr val="tx1"/>
+          </a:fontRef>
+        </p:style>
+      </p:cxnSp>
+      <p:cxnSp>
+        <p:nvCxnSpPr>
+          <p:cNvPr id="281" name="연결선: 꺾임 280">
+            <a:extLst>
+              <a:ext uri="{FF2B5EF4-FFF2-40B4-BE49-F238E27FC236}">
+                <a16:creationId xmlns:a16="http://schemas.microsoft.com/office/drawing/2014/main" id="{7EDA0B3F-D45C-4A10-853C-C60226319CA6}"/>
+              </a:ext>
+            </a:extLst>
+          </p:cNvPr>
+          <p:cNvCxnSpPr>
+            <a:stCxn id="339" idx="2"/>
+            <a:endCxn id="363" idx="0"/>
+          </p:cNvCxnSpPr>
+          <p:nvPr/>
+        </p:nvCxnSpPr>
+        <p:spPr>
+          <a:xfrm rot="16200000" flipH="1">
+            <a:off x="11379682" y="10879424"/>
+            <a:ext cx="1625834" cy="3089295"/>
+          </a:xfrm>
+          <a:prstGeom prst="bentConnector3">
+            <a:avLst/>
+          </a:prstGeom>
+        </p:spPr>
+        <p:style>
+          <a:lnRef idx="1">
+            <a:schemeClr val="accent1"/>
+          </a:lnRef>
+          <a:fillRef idx="0">
+            <a:schemeClr val="accent1"/>
+          </a:fillRef>
+          <a:effectRef idx="0">
+            <a:schemeClr val="accent1"/>
+          </a:effectRef>
+          <a:fontRef idx="minor">
+            <a:schemeClr val="tx1"/>
+          </a:fontRef>
+        </p:style>
+      </p:cxnSp>
+      <p:sp>
+        <p:nvSpPr>
+          <p:cNvPr id="318" name="직사각형 317">
+            <a:extLst>
+              <a:ext uri="{FF2B5EF4-FFF2-40B4-BE49-F238E27FC236}">
+                <a16:creationId xmlns:a16="http://schemas.microsoft.com/office/drawing/2014/main" id="{C49D84CC-3461-4B7A-9CDC-530125A7C615}"/>
+              </a:ext>
+            </a:extLst>
+          </p:cNvPr>
+          <p:cNvSpPr/>
+          <p:nvPr/>
+        </p:nvSpPr>
+        <p:spPr>
+          <a:xfrm>
+            <a:off x="11319582" y="13999642"/>
+            <a:ext cx="1484457" cy="419458"/>
+          </a:xfrm>
+          <a:prstGeom prst="rect">
+            <a:avLst/>
+          </a:prstGeom>
+        </p:spPr>
+        <p:style>
+          <a:lnRef idx="2">
+            <a:schemeClr val="dk1"/>
+          </a:lnRef>
+          <a:fillRef idx="1">
+            <a:schemeClr val="lt1"/>
+          </a:fillRef>
+          <a:effectRef idx="0">
+            <a:schemeClr val="dk1"/>
+          </a:effectRef>
+          <a:fontRef idx="minor">
+            <a:schemeClr val="dk1"/>
+          </a:fontRef>
+        </p:style>
+        <p:txBody>
+          <a:bodyPr rot="0" spcFirstLastPara="0" vertOverflow="overflow" horzOverflow="overflow" vert="horz" wrap="square" lIns="182869" tIns="91446" rIns="182869" bIns="91446" numCol="1" spcCol="0" rtlCol="0" fromWordArt="0" anchor="ctr" anchorCtr="0" forceAA="0" compatLnSpc="1">
+            <a:prstTxWarp prst="textNoShape">
+              <a:avLst/>
+            </a:prstTxWarp>
+            <a:noAutofit/>
+          </a:bodyPr>
+          <a:lstStyle/>
+          <a:p>
+            <a:pPr algn="ctr"/>
+            <a:r>
+              <a:rPr lang="ko-KR" altLang="en-US" sz="2000" b="1" dirty="0"/>
+              <a:t>공지사항조회</a:t>
+            </a:r>
+            <a:endParaRPr lang="en-US" altLang="ko-KR" sz="2000" b="1" dirty="0"/>
+          </a:p>
+        </p:txBody>
+      </p:sp>
+      <p:cxnSp>
+        <p:nvCxnSpPr>
+          <p:cNvPr id="285" name="연결선: 꺾임 284">
+            <a:extLst>
+              <a:ext uri="{FF2B5EF4-FFF2-40B4-BE49-F238E27FC236}">
+                <a16:creationId xmlns:a16="http://schemas.microsoft.com/office/drawing/2014/main" id="{4265C116-1B5F-4B9C-BFBF-E06273C47EA6}"/>
+              </a:ext>
+            </a:extLst>
+          </p:cNvPr>
+          <p:cNvCxnSpPr>
+            <a:stCxn id="362" idx="2"/>
+            <a:endCxn id="318" idx="1"/>
+          </p:cNvCxnSpPr>
+          <p:nvPr/>
+        </p:nvCxnSpPr>
+        <p:spPr>
+          <a:xfrm rot="16200000" flipH="1">
+            <a:off x="10860793" y="13750581"/>
+            <a:ext cx="539289" cy="378290"/>
+          </a:xfrm>
+          <a:prstGeom prst="bentConnector2">
+            <a:avLst/>
+          </a:prstGeom>
+        </p:spPr>
+        <p:style>
+          <a:lnRef idx="1">
+            <a:schemeClr val="accent1"/>
+          </a:lnRef>
+          <a:fillRef idx="0">
+            <a:schemeClr val="accent1"/>
+          </a:fillRef>
+          <a:effectRef idx="0">
+            <a:schemeClr val="accent1"/>
+          </a:effectRef>
+          <a:fontRef idx="minor">
+            <a:schemeClr val="tx1"/>
+          </a:fontRef>
+        </p:style>
+      </p:cxnSp>
+      <p:cxnSp>
+        <p:nvCxnSpPr>
+          <p:cNvPr id="288" name="연결선: 꺾임 287">
+            <a:extLst>
+              <a:ext uri="{FF2B5EF4-FFF2-40B4-BE49-F238E27FC236}">
+                <a16:creationId xmlns:a16="http://schemas.microsoft.com/office/drawing/2014/main" id="{7EEAAF3B-1E86-4A07-8033-33D5A840E497}"/>
+              </a:ext>
+            </a:extLst>
+          </p:cNvPr>
+          <p:cNvCxnSpPr>
+            <a:stCxn id="318" idx="2"/>
+            <a:endCxn id="155" idx="1"/>
+          </p:cNvCxnSpPr>
+          <p:nvPr/>
+        </p:nvCxnSpPr>
+        <p:spPr>
+          <a:xfrm rot="16200000" flipH="1">
+            <a:off x="11946773" y="14534138"/>
+            <a:ext cx="564116" cy="334040"/>
+          </a:xfrm>
+          <a:prstGeom prst="bentConnector2">
+            <a:avLst/>
+          </a:prstGeom>
+        </p:spPr>
+        <p:style>
+          <a:lnRef idx="1">
+            <a:schemeClr val="accent1"/>
+          </a:lnRef>
+          <a:fillRef idx="0">
+            <a:schemeClr val="accent1"/>
+          </a:fillRef>
+          <a:effectRef idx="0">
+            <a:schemeClr val="accent1"/>
           </a:effectRef>
           <a:fontRef idx="minor">
             <a:schemeClr val="tx1"/>

--- a/2조 멀티플렉스 영화관 관리 시스템 메뉴구조도.pptx
+++ b/2조 멀티플렉스 영화관 관리 시스템 메뉴구조도.pptx
@@ -3225,7 +3225,7 @@
         </p:nvSpPr>
         <p:spPr>
           <a:xfrm>
-            <a:off x="35649328" y="3011579"/>
+            <a:off x="21637353" y="3040858"/>
             <a:ext cx="1484454" cy="419458"/>
           </a:xfrm>
           <a:prstGeom prst="rect">
@@ -3280,9 +3280,9 @@
           <p:nvPr/>
         </p:nvCxnSpPr>
         <p:spPr>
-          <a:xfrm rot="16200000" flipV="1">
-            <a:off x="30163558" y="-3216418"/>
-            <a:ext cx="1829666" cy="10626328"/>
+          <a:xfrm rot="5400000" flipH="1" flipV="1">
+            <a:off x="23142931" y="418563"/>
+            <a:ext cx="1858945" cy="3385647"/>
           </a:xfrm>
           <a:prstGeom prst="bentConnector3">
             <a:avLst>
@@ -3888,7 +3888,7 @@
         </p:nvSpPr>
         <p:spPr>
           <a:xfrm>
-            <a:off x="28894822" y="3011613"/>
+            <a:off x="32285078" y="3059916"/>
             <a:ext cx="1484453" cy="419458"/>
           </a:xfrm>
           <a:prstGeom prst="rect">
@@ -3944,8 +3944,8 @@
         </p:nvCxnSpPr>
         <p:spPr>
           <a:xfrm rot="16200000" flipV="1">
-            <a:off x="26786288" y="160852"/>
-            <a:ext cx="1829700" cy="3871822"/>
+            <a:off x="28457265" y="-1510124"/>
+            <a:ext cx="1878003" cy="7262078"/>
           </a:xfrm>
           <a:prstGeom prst="bentConnector3">
             <a:avLst>
@@ -4168,7 +4168,7 @@
         </p:nvSpPr>
         <p:spPr>
           <a:xfrm>
-            <a:off x="9990814" y="11191697"/>
+            <a:off x="9087788" y="14651663"/>
             <a:ext cx="1314275" cy="419458"/>
           </a:xfrm>
           <a:prstGeom prst="rect">
@@ -4224,12 +4224,12 @@
         </p:nvCxnSpPr>
         <p:spPr>
           <a:xfrm rot="5400000">
-            <a:off x="16262188" y="-2183164"/>
-            <a:ext cx="7760626" cy="18989097"/>
+            <a:off x="15799972" y="-2575671"/>
+            <a:ext cx="11172289" cy="23282379"/>
           </a:xfrm>
           <a:prstGeom prst="bentConnector3">
             <a:avLst>
-              <a:gd name="adj1" fmla="val 50000"/>
+              <a:gd name="adj1" fmla="val 86148"/>
             </a:avLst>
           </a:prstGeom>
         </p:spPr>
@@ -4266,8 +4266,8 @@
         </p:nvCxnSpPr>
         <p:spPr>
           <a:xfrm rot="5400000" flipH="1" flipV="1">
-            <a:off x="6546784" y="9103810"/>
-            <a:ext cx="1593800" cy="6608503"/>
+            <a:off x="3989732" y="13052365"/>
+            <a:ext cx="3736438" cy="7773950"/>
           </a:xfrm>
           <a:prstGeom prst="bentConnector3">
             <a:avLst>
@@ -4307,9 +4307,9 @@
           <p:nvPr/>
         </p:nvCxnSpPr>
         <p:spPr>
-          <a:xfrm rot="5400000" flipH="1" flipV="1">
-            <a:off x="9442441" y="11999460"/>
-            <a:ext cx="1593800" cy="817173"/>
+          <a:xfrm rot="16200000" flipV="1">
+            <a:off x="8566710" y="16249337"/>
+            <a:ext cx="3736438" cy="1380005"/>
           </a:xfrm>
           <a:prstGeom prst="bentConnector3">
             <a:avLst>
@@ -4534,7 +4534,7 @@
         </p:nvSpPr>
         <p:spPr>
           <a:xfrm>
-            <a:off x="3297221" y="13204930"/>
+            <a:off x="1228747" y="18807559"/>
             <a:ext cx="1484457" cy="419458"/>
           </a:xfrm>
           <a:prstGeom prst="rect">
@@ -4586,7 +4586,7 @@
         </p:nvSpPr>
         <p:spPr>
           <a:xfrm>
-            <a:off x="12027863" y="13250624"/>
+            <a:off x="13322023" y="18853253"/>
             <a:ext cx="1484457" cy="419458"/>
           </a:xfrm>
           <a:prstGeom prst="rect">
@@ -4638,7 +4638,7 @@
         </p:nvSpPr>
         <p:spPr>
           <a:xfrm>
-            <a:off x="13968405" y="13236989"/>
+            <a:off x="15262565" y="18839618"/>
             <a:ext cx="1484457" cy="419458"/>
           </a:xfrm>
           <a:prstGeom prst="rect">
@@ -4690,7 +4690,7 @@
         </p:nvSpPr>
         <p:spPr>
           <a:xfrm>
-            <a:off x="9088542" y="13204930"/>
+            <a:off x="10382702" y="18807559"/>
             <a:ext cx="1484457" cy="419458"/>
           </a:xfrm>
           <a:prstGeom prst="rect">
@@ -4742,7 +4742,7 @@
         </p:nvSpPr>
         <p:spPr>
           <a:xfrm>
-            <a:off x="16115739" y="13204930"/>
+            <a:off x="17409899" y="18807559"/>
             <a:ext cx="1484457" cy="419458"/>
           </a:xfrm>
           <a:prstGeom prst="rect">
@@ -4794,7 +4794,7 @@
         </p:nvSpPr>
         <p:spPr>
           <a:xfrm>
-            <a:off x="20566681" y="13204930"/>
+            <a:off x="21860841" y="18807559"/>
             <a:ext cx="1484457" cy="419458"/>
           </a:xfrm>
           <a:prstGeom prst="rect">
@@ -4843,13 +4843,15 @@
           </p:cNvPr>
           <p:cNvCxnSpPr>
             <a:cxnSpLocks/>
+            <a:stCxn id="362" idx="0"/>
+            <a:endCxn id="339" idx="2"/>
           </p:cNvCxnSpPr>
           <p:nvPr/>
         </p:nvCxnSpPr>
         <p:spPr>
           <a:xfrm rot="16200000" flipV="1">
-            <a:off x="10889288" y="11355306"/>
-            <a:ext cx="1639469" cy="2122140"/>
+            <a:off x="10013523" y="14802524"/>
+            <a:ext cx="3782132" cy="4319326"/>
           </a:xfrm>
           <a:prstGeom prst="bentConnector3">
             <a:avLst>
@@ -4890,12 +4892,12 @@
         </p:nvCxnSpPr>
         <p:spPr>
           <a:xfrm rot="16200000" flipV="1">
-            <a:off x="11866376" y="10392731"/>
-            <a:ext cx="1625834" cy="4062682"/>
+            <a:off x="10990612" y="13825436"/>
+            <a:ext cx="3768497" cy="6259868"/>
           </a:xfrm>
           <a:prstGeom prst="bentConnector3">
             <a:avLst>
-              <a:gd name="adj1" fmla="val 50781"/>
+              <a:gd name="adj1" fmla="val 50000"/>
             </a:avLst>
           </a:prstGeom>
         </p:spPr>
@@ -4932,8 +4934,8 @@
         </p:nvCxnSpPr>
         <p:spPr>
           <a:xfrm rot="16200000" flipV="1">
-            <a:off x="12956036" y="9303048"/>
-            <a:ext cx="1593800" cy="6210032"/>
+            <a:off x="12080308" y="12735739"/>
+            <a:ext cx="3736438" cy="8407202"/>
           </a:xfrm>
           <a:prstGeom prst="bentConnector3">
             <a:avLst>
@@ -4967,13 +4969,15 @@
           </p:cNvPr>
           <p:cNvCxnSpPr>
             <a:cxnSpLocks/>
+            <a:stCxn id="366" idx="0"/>
+            <a:endCxn id="339" idx="2"/>
           </p:cNvCxnSpPr>
           <p:nvPr/>
         </p:nvCxnSpPr>
         <p:spPr>
           <a:xfrm rot="16200000" flipV="1">
-            <a:off x="15184603" y="7078873"/>
-            <a:ext cx="1593792" cy="10660978"/>
+            <a:off x="14305779" y="10510268"/>
+            <a:ext cx="3736438" cy="12858144"/>
           </a:xfrm>
           <a:prstGeom prst="bentConnector3">
             <a:avLst>
@@ -5010,7 +5014,7 @@
         </p:nvSpPr>
         <p:spPr>
           <a:xfrm>
-            <a:off x="5694835" y="14912067"/>
+            <a:off x="3626361" y="20514696"/>
             <a:ext cx="2020114" cy="419458"/>
           </a:xfrm>
           <a:prstGeom prst="rect">
@@ -5066,7 +5070,7 @@
         </p:nvCxnSpPr>
         <p:spPr>
           <a:xfrm rot="10800000">
-            <a:off x="5465967" y="14380362"/>
+            <a:off x="3397493" y="19982991"/>
             <a:ext cx="228869" cy="741435"/>
           </a:xfrm>
           <a:prstGeom prst="bentConnector2">
@@ -5102,7 +5106,7 @@
         </p:nvSpPr>
         <p:spPr>
           <a:xfrm>
-            <a:off x="7061522" y="16581270"/>
+            <a:off x="4993048" y="22183899"/>
             <a:ext cx="2020114" cy="419458"/>
           </a:xfrm>
           <a:prstGeom prst="rect">
@@ -5171,7 +5175,7 @@
         </p:nvCxnSpPr>
         <p:spPr>
           <a:xfrm rot="10800000">
-            <a:off x="6704892" y="15331525"/>
+            <a:off x="4636418" y="20934154"/>
             <a:ext cx="356630" cy="1459474"/>
           </a:xfrm>
           <a:prstGeom prst="bentConnector2">
@@ -5207,7 +5211,7 @@
         </p:nvSpPr>
         <p:spPr>
           <a:xfrm>
-            <a:off x="7061522" y="15889900"/>
+            <a:off x="4993048" y="21492529"/>
             <a:ext cx="2020114" cy="419458"/>
           </a:xfrm>
           <a:prstGeom prst="rect">
@@ -5263,7 +5267,7 @@
         </p:nvCxnSpPr>
         <p:spPr>
           <a:xfrm rot="10800000">
-            <a:off x="6704892" y="15331525"/>
+            <a:off x="4636418" y="20934154"/>
             <a:ext cx="356630" cy="768104"/>
           </a:xfrm>
           <a:prstGeom prst="bentConnector2">
@@ -5299,7 +5303,7 @@
         </p:nvSpPr>
         <p:spPr>
           <a:xfrm>
-            <a:off x="4455909" y="13960903"/>
+            <a:off x="2387435" y="19563532"/>
             <a:ext cx="2020114" cy="419458"/>
           </a:xfrm>
           <a:prstGeom prst="rect">
@@ -5355,7 +5359,7 @@
         </p:nvCxnSpPr>
         <p:spPr>
           <a:xfrm rot="16200000" flipH="1">
-            <a:off x="3974530" y="13689288"/>
+            <a:off x="1906056" y="19291917"/>
             <a:ext cx="546243" cy="416461"/>
           </a:xfrm>
           <a:prstGeom prst="bentConnector2">
@@ -5391,7 +5395,7 @@
         </p:nvSpPr>
         <p:spPr>
           <a:xfrm>
-            <a:off x="10262840" y="13960903"/>
+            <a:off x="11557000" y="19563532"/>
             <a:ext cx="2020114" cy="419458"/>
           </a:xfrm>
           <a:prstGeom prst="rect">
@@ -5447,7 +5451,7 @@
         </p:nvCxnSpPr>
         <p:spPr>
           <a:xfrm rot="10800000">
-            <a:off x="9830752" y="13624399"/>
+            <a:off x="11124912" y="19227028"/>
             <a:ext cx="432079" cy="546243"/>
           </a:xfrm>
           <a:prstGeom prst="bentConnector2">
@@ -5483,7 +5487,7 @@
         </p:nvSpPr>
         <p:spPr>
           <a:xfrm>
-            <a:off x="10262840" y="14574229"/>
+            <a:off x="11557000" y="20176858"/>
             <a:ext cx="2020114" cy="419458"/>
           </a:xfrm>
           <a:prstGeom prst="rect">
@@ -5539,7 +5543,7 @@
         </p:nvCxnSpPr>
         <p:spPr>
           <a:xfrm rot="10800000">
-            <a:off x="9830752" y="13624404"/>
+            <a:off x="11124912" y="19227033"/>
             <a:ext cx="432079" cy="1159570"/>
           </a:xfrm>
           <a:prstGeom prst="bentConnector2">
@@ -5575,7 +5579,7 @@
         </p:nvSpPr>
         <p:spPr>
           <a:xfrm>
-            <a:off x="11561554" y="15416618"/>
+            <a:off x="12855714" y="21019247"/>
             <a:ext cx="2020114" cy="419458"/>
           </a:xfrm>
           <a:prstGeom prst="rect">
@@ -5627,7 +5631,7 @@
         </p:nvSpPr>
         <p:spPr>
           <a:xfrm>
-            <a:off x="12946171" y="16112106"/>
+            <a:off x="14240331" y="21714735"/>
             <a:ext cx="2020114" cy="419458"/>
           </a:xfrm>
           <a:prstGeom prst="rect">
@@ -5683,7 +5687,7 @@
         </p:nvCxnSpPr>
         <p:spPr>
           <a:xfrm rot="10800000">
-            <a:off x="12571610" y="15836069"/>
+            <a:off x="13865770" y="21438698"/>
             <a:ext cx="374560" cy="485765"/>
           </a:xfrm>
           <a:prstGeom prst="bentConnector2">
@@ -5723,7 +5727,7 @@
         </p:nvCxnSpPr>
         <p:spPr>
           <a:xfrm rot="10800000">
-            <a:off x="11272911" y="14993696"/>
+            <a:off x="12567071" y="20596325"/>
             <a:ext cx="288666" cy="632668"/>
           </a:xfrm>
           <a:prstGeom prst="bentConnector2">
@@ -5762,7 +5766,7 @@
         </p:nvCxnSpPr>
         <p:spPr>
           <a:xfrm rot="10800000">
-            <a:off x="16857963" y="13624399"/>
+            <a:off x="18152123" y="19227028"/>
             <a:ext cx="320662" cy="546243"/>
           </a:xfrm>
           <a:prstGeom prst="bentConnector2">
@@ -5798,7 +5802,7 @@
         </p:nvSpPr>
         <p:spPr>
           <a:xfrm>
-            <a:off x="17172394" y="13970715"/>
+            <a:off x="18466554" y="19573344"/>
             <a:ext cx="2020114" cy="419458"/>
           </a:xfrm>
           <a:prstGeom prst="rect">
@@ -5850,7 +5854,7 @@
         </p:nvSpPr>
         <p:spPr>
           <a:xfrm>
-            <a:off x="21740399" y="13960896"/>
+            <a:off x="23034559" y="19563525"/>
             <a:ext cx="2020114" cy="419458"/>
           </a:xfrm>
           <a:prstGeom prst="rect">
@@ -5906,7 +5910,7 @@
         </p:nvCxnSpPr>
         <p:spPr>
           <a:xfrm rot="10800000">
-            <a:off x="21308897" y="13624399"/>
+            <a:off x="22603057" y="19227028"/>
             <a:ext cx="431491" cy="546243"/>
           </a:xfrm>
           <a:prstGeom prst="bentConnector2">
@@ -5942,7 +5946,7 @@
         </p:nvSpPr>
         <p:spPr>
           <a:xfrm>
-            <a:off x="21703390" y="15902376"/>
+            <a:off x="22997550" y="21505005"/>
             <a:ext cx="2020114" cy="419458"/>
           </a:xfrm>
           <a:prstGeom prst="rect">
@@ -5998,7 +6002,7 @@
         </p:nvCxnSpPr>
         <p:spPr>
           <a:xfrm rot="10800000">
-            <a:off x="21308910" y="13624389"/>
+            <a:off x="22603070" y="19227018"/>
             <a:ext cx="394480" cy="2487717"/>
           </a:xfrm>
           <a:prstGeom prst="bentConnector2">
@@ -6034,7 +6038,7 @@
         </p:nvSpPr>
         <p:spPr>
           <a:xfrm>
-            <a:off x="35694345" y="11155196"/>
+            <a:off x="42017820" y="14651663"/>
             <a:ext cx="1314275" cy="419458"/>
           </a:xfrm>
           <a:prstGeom prst="rect">
@@ -6090,12 +6094,12 @@
         </p:nvCxnSpPr>
         <p:spPr>
           <a:xfrm rot="16200000" flipH="1">
-            <a:off x="29132204" y="3935916"/>
-            <a:ext cx="7724125" cy="6714434"/>
+            <a:off x="32264987" y="4241691"/>
+            <a:ext cx="11172289" cy="9647653"/>
           </a:xfrm>
           <a:prstGeom prst="bentConnector3">
             <a:avLst>
-              <a:gd name="adj1" fmla="val 50000"/>
+              <a:gd name="adj1" fmla="val 86148"/>
             </a:avLst>
           </a:prstGeom>
         </p:spPr>
@@ -6128,7 +6132,7 @@
         </p:nvSpPr>
         <p:spPr>
           <a:xfrm>
-            <a:off x="32319818" y="22798087"/>
+            <a:off x="38643293" y="26294554"/>
             <a:ext cx="2258402" cy="337620"/>
           </a:xfrm>
           <a:prstGeom prst="rect">
@@ -6180,7 +6184,7 @@
         </p:nvSpPr>
         <p:spPr>
           <a:xfrm>
-            <a:off x="27468640" y="18863016"/>
+            <a:off x="33792115" y="22359483"/>
             <a:ext cx="1484457" cy="419458"/>
           </a:xfrm>
           <a:prstGeom prst="rect">
@@ -6236,7 +6240,7 @@
         </p:nvCxnSpPr>
         <p:spPr>
           <a:xfrm rot="5400000">
-            <a:off x="28636995" y="11148528"/>
+            <a:off x="34960470" y="14644995"/>
             <a:ext cx="7288362" cy="8140614"/>
           </a:xfrm>
           <a:prstGeom prst="bentConnector3">
@@ -6274,7 +6278,7 @@
         </p:nvSpPr>
         <p:spPr>
           <a:xfrm>
-            <a:off x="30604085" y="18863016"/>
+            <a:off x="36927560" y="22359483"/>
             <a:ext cx="2258402" cy="419458"/>
           </a:xfrm>
           <a:prstGeom prst="rect">
@@ -6330,7 +6334,7 @@
         </p:nvCxnSpPr>
         <p:spPr>
           <a:xfrm rot="5400000">
-            <a:off x="30398204" y="12909737"/>
+            <a:off x="36721679" y="16406204"/>
             <a:ext cx="7288362" cy="4618197"/>
           </a:xfrm>
           <a:prstGeom prst="bentConnector3">
@@ -6368,7 +6372,7 @@
         </p:nvSpPr>
         <p:spPr>
           <a:xfrm>
-            <a:off x="32319819" y="19593190"/>
+            <a:off x="38643294" y="23089657"/>
             <a:ext cx="2258402" cy="419458"/>
           </a:xfrm>
           <a:prstGeom prst="rect">
@@ -6424,7 +6428,7 @@
         </p:nvCxnSpPr>
         <p:spPr>
           <a:xfrm rot="16200000" flipH="1">
-            <a:off x="31766359" y="19249459"/>
+            <a:off x="38089834" y="22745926"/>
             <a:ext cx="520442" cy="586532"/>
           </a:xfrm>
           <a:prstGeom prst="bentConnector2">
@@ -6460,7 +6464,7 @@
         </p:nvSpPr>
         <p:spPr>
           <a:xfrm>
-            <a:off x="33805516" y="20971849"/>
+            <a:off x="40128991" y="24468316"/>
             <a:ext cx="2258402" cy="419458"/>
           </a:xfrm>
           <a:prstGeom prst="rect">
@@ -6516,7 +6520,7 @@
         </p:nvCxnSpPr>
         <p:spPr>
           <a:xfrm rot="16200000" flipH="1">
-            <a:off x="33042803" y="20418865"/>
+            <a:off x="39366278" y="23915332"/>
             <a:ext cx="1168930" cy="356496"/>
           </a:xfrm>
           <a:prstGeom prst="bentConnector2">
@@ -6552,7 +6556,7 @@
         </p:nvSpPr>
         <p:spPr>
           <a:xfrm>
-            <a:off x="33808424" y="21671239"/>
+            <a:off x="40131899" y="25167706"/>
             <a:ext cx="2258402" cy="419458"/>
           </a:xfrm>
           <a:prstGeom prst="rect">
@@ -6608,7 +6612,7 @@
         </p:nvCxnSpPr>
         <p:spPr>
           <a:xfrm rot="16200000" flipH="1">
-            <a:off x="32694562" y="20767106"/>
+            <a:off x="39018037" y="24263573"/>
             <a:ext cx="1868320" cy="359404"/>
           </a:xfrm>
           <a:prstGeom prst="bentConnector2">
@@ -6648,7 +6652,7 @@
         </p:nvCxnSpPr>
         <p:spPr>
           <a:xfrm rot="16200000" flipH="1">
-            <a:off x="33399221" y="20062447"/>
+            <a:off x="39722696" y="23558914"/>
             <a:ext cx="456095" cy="356496"/>
           </a:xfrm>
           <a:prstGeom prst="bentConnector2">
@@ -6684,7 +6688,7 @@
         </p:nvSpPr>
         <p:spPr>
           <a:xfrm>
-            <a:off x="33805516" y="20259014"/>
+            <a:off x="40128991" y="23755481"/>
             <a:ext cx="2258402" cy="419458"/>
           </a:xfrm>
           <a:prstGeom prst="rect">
@@ -6740,7 +6744,7 @@
         </p:nvSpPr>
         <p:spPr>
           <a:xfrm>
-            <a:off x="9534543" y="16581270"/>
+            <a:off x="7466069" y="22183899"/>
             <a:ext cx="2020114" cy="419458"/>
           </a:xfrm>
           <a:prstGeom prst="rect">
@@ -6813,7 +6817,7 @@
         </p:nvCxnSpPr>
         <p:spPr>
           <a:xfrm rot="10800000">
-            <a:off x="9081637" y="16790999"/>
+            <a:off x="7013163" y="22393628"/>
             <a:ext cx="452907" cy="12700"/>
           </a:xfrm>
           <a:prstGeom prst="bentConnector3">
@@ -6851,7 +6855,7 @@
         </p:nvSpPr>
         <p:spPr>
           <a:xfrm>
-            <a:off x="7064495" y="17304370"/>
+            <a:off x="4996021" y="22906999"/>
             <a:ext cx="2020114" cy="419458"/>
           </a:xfrm>
           <a:prstGeom prst="rect">
@@ -6903,7 +6907,7 @@
         </p:nvSpPr>
         <p:spPr>
           <a:xfrm>
-            <a:off x="8446137" y="18022334"/>
+            <a:off x="6377663" y="23624963"/>
             <a:ext cx="2020114" cy="419458"/>
           </a:xfrm>
           <a:prstGeom prst="rect">
@@ -6959,7 +6963,7 @@
         </p:nvCxnSpPr>
         <p:spPr>
           <a:xfrm rot="10800000">
-            <a:off x="8074565" y="17723832"/>
+            <a:off x="6006091" y="23326461"/>
             <a:ext cx="371594" cy="508244"/>
           </a:xfrm>
           <a:prstGeom prst="bentConnector2">
@@ -6995,7 +6999,7 @@
         </p:nvSpPr>
         <p:spPr>
           <a:xfrm>
-            <a:off x="9830752" y="18717822"/>
+            <a:off x="7762278" y="24320451"/>
             <a:ext cx="2020114" cy="419458"/>
           </a:xfrm>
           <a:prstGeom prst="rect">
@@ -7051,7 +7055,7 @@
         </p:nvCxnSpPr>
         <p:spPr>
           <a:xfrm rot="10800000">
-            <a:off x="9456203" y="18441785"/>
+            <a:off x="7387729" y="24044414"/>
             <a:ext cx="374560" cy="485765"/>
           </a:xfrm>
           <a:prstGeom prst="bentConnector2">
@@ -7091,7 +7095,7 @@
         </p:nvCxnSpPr>
         <p:spPr>
           <a:xfrm rot="10800000">
-            <a:off x="6704893" y="15331525"/>
+            <a:off x="4636419" y="20934154"/>
             <a:ext cx="359603" cy="2182574"/>
           </a:xfrm>
           <a:prstGeom prst="bentConnector2">
@@ -7219,7 +7223,7 @@
         </p:nvSpPr>
         <p:spPr>
           <a:xfrm>
-            <a:off x="33831524" y="23586281"/>
+            <a:off x="40154999" y="27082748"/>
             <a:ext cx="2258402" cy="419458"/>
           </a:xfrm>
           <a:prstGeom prst="rect">
@@ -7275,7 +7279,7 @@
         </p:nvCxnSpPr>
         <p:spPr>
           <a:xfrm rot="10800000">
-            <a:off x="33449020" y="23135708"/>
+            <a:off x="39772495" y="26632175"/>
             <a:ext cx="382505" cy="660303"/>
           </a:xfrm>
           <a:prstGeom prst="bentConnector2">
@@ -7311,7 +7315,7 @@
         </p:nvSpPr>
         <p:spPr>
           <a:xfrm>
-            <a:off x="33831524" y="24261383"/>
+            <a:off x="40154999" y="27757850"/>
             <a:ext cx="2258402" cy="419458"/>
           </a:xfrm>
           <a:prstGeom prst="rect">
@@ -7367,7 +7371,7 @@
         </p:nvCxnSpPr>
         <p:spPr>
           <a:xfrm rot="10800000">
-            <a:off x="33449020" y="23135708"/>
+            <a:off x="39772495" y="26632175"/>
             <a:ext cx="382505" cy="1335405"/>
           </a:xfrm>
           <a:prstGeom prst="bentConnector2">
@@ -7403,7 +7407,7 @@
         </p:nvSpPr>
         <p:spPr>
           <a:xfrm>
-            <a:off x="33831524" y="24939335"/>
+            <a:off x="40154999" y="28435802"/>
             <a:ext cx="2258402" cy="419458"/>
           </a:xfrm>
           <a:prstGeom prst="rect">
@@ -7459,7 +7463,7 @@
         </p:nvCxnSpPr>
         <p:spPr>
           <a:xfrm rot="10800000">
-            <a:off x="33449020" y="23135708"/>
+            <a:off x="39772495" y="26632175"/>
             <a:ext cx="382505" cy="2013357"/>
           </a:xfrm>
           <a:prstGeom prst="bentConnector2">
@@ -7499,7 +7503,7 @@
         </p:nvCxnSpPr>
         <p:spPr>
           <a:xfrm rot="16200000" flipH="1">
-            <a:off x="30184341" y="20831419"/>
+            <a:off x="36507816" y="24327886"/>
             <a:ext cx="3684423" cy="586532"/>
           </a:xfrm>
           <a:prstGeom prst="bentConnector2">
@@ -7535,7 +7539,7 @@
         </p:nvSpPr>
         <p:spPr>
           <a:xfrm>
-            <a:off x="32331313" y="25966698"/>
+            <a:off x="38654788" y="29463165"/>
             <a:ext cx="2258402" cy="419458"/>
           </a:xfrm>
           <a:prstGeom prst="rect">
@@ -7591,7 +7595,7 @@
         </p:nvCxnSpPr>
         <p:spPr>
           <a:xfrm rot="16200000" flipH="1">
-            <a:off x="28585323" y="22430436"/>
+            <a:off x="34908798" y="25926903"/>
             <a:ext cx="6893953" cy="598027"/>
           </a:xfrm>
           <a:prstGeom prst="bentConnector2">
@@ -7627,7 +7631,7 @@
         </p:nvSpPr>
         <p:spPr>
           <a:xfrm>
-            <a:off x="33805516" y="26775620"/>
+            <a:off x="40128991" y="30272087"/>
             <a:ext cx="2258402" cy="419458"/>
           </a:xfrm>
           <a:prstGeom prst="rect">
@@ -7683,7 +7687,7 @@
         </p:nvCxnSpPr>
         <p:spPr>
           <a:xfrm rot="10800000">
-            <a:off x="33460514" y="26386157"/>
+            <a:off x="39783989" y="29882624"/>
             <a:ext cx="345002" cy="599193"/>
           </a:xfrm>
           <a:prstGeom prst="bentConnector2">
@@ -7719,7 +7723,7 @@
         </p:nvSpPr>
         <p:spPr>
           <a:xfrm>
-            <a:off x="33805516" y="27433977"/>
+            <a:off x="40128991" y="30930444"/>
             <a:ext cx="2258402" cy="419458"/>
           </a:xfrm>
           <a:prstGeom prst="rect">
@@ -7771,7 +7775,7 @@
         </p:nvSpPr>
         <p:spPr>
           <a:xfrm>
-            <a:off x="33785309" y="28109979"/>
+            <a:off x="40108784" y="31606446"/>
             <a:ext cx="2258402" cy="419458"/>
           </a:xfrm>
           <a:prstGeom prst="rect">
@@ -7823,7 +7827,7 @@
         </p:nvSpPr>
         <p:spPr>
           <a:xfrm>
-            <a:off x="33785309" y="28763489"/>
+            <a:off x="40108784" y="32259956"/>
             <a:ext cx="2258402" cy="419458"/>
           </a:xfrm>
           <a:prstGeom prst="rect">
@@ -7879,7 +7883,7 @@
         </p:nvCxnSpPr>
         <p:spPr>
           <a:xfrm rot="10800000">
-            <a:off x="33460514" y="26386156"/>
+            <a:off x="39783989" y="29882623"/>
             <a:ext cx="345002" cy="1257550"/>
           </a:xfrm>
           <a:prstGeom prst="bentConnector2">
@@ -7919,7 +7923,7 @@
         </p:nvCxnSpPr>
         <p:spPr>
           <a:xfrm rot="10800000">
-            <a:off x="33460515" y="26386156"/>
+            <a:off x="39783990" y="29882623"/>
             <a:ext cx="324795" cy="1933552"/>
           </a:xfrm>
           <a:prstGeom prst="bentConnector2">
@@ -7959,7 +7963,7 @@
         </p:nvCxnSpPr>
         <p:spPr>
           <a:xfrm rot="10800000">
-            <a:off x="33460515" y="26386156"/>
+            <a:off x="39783990" y="29882623"/>
             <a:ext cx="324795" cy="2587062"/>
           </a:xfrm>
           <a:prstGeom prst="bentConnector2">
@@ -7992,13 +7996,15 @@
           </p:cNvPr>
           <p:cNvCxnSpPr>
             <a:cxnSpLocks/>
+            <a:stCxn id="122" idx="0"/>
+            <a:endCxn id="4" idx="2"/>
           </p:cNvCxnSpPr>
           <p:nvPr/>
         </p:nvCxnSpPr>
         <p:spPr>
           <a:xfrm rot="5400000" flipH="1" flipV="1">
-            <a:off x="24234405" y="1508018"/>
-            <a:ext cx="1829666" cy="1215888"/>
+            <a:off x="24640491" y="1903621"/>
+            <a:ext cx="1846443" cy="403029"/>
           </a:xfrm>
           <a:prstGeom prst="bentConnector3">
             <a:avLst>
@@ -8035,7 +8041,7 @@
         </p:nvSpPr>
         <p:spPr>
           <a:xfrm>
-            <a:off x="23790507" y="3030779"/>
+            <a:off x="24619971" y="3028356"/>
             <a:ext cx="1484453" cy="419458"/>
           </a:xfrm>
           <a:prstGeom prst="rect">
@@ -8088,13 +8094,15 @@
           </p:cNvPr>
           <p:cNvCxnSpPr>
             <a:cxnSpLocks/>
+            <a:stCxn id="125" idx="0"/>
+            <a:endCxn id="4" idx="2"/>
           </p:cNvCxnSpPr>
           <p:nvPr/>
         </p:nvCxnSpPr>
         <p:spPr>
           <a:xfrm rot="16200000" flipV="1">
-            <a:off x="25550272" y="1408021"/>
-            <a:ext cx="1810453" cy="1396631"/>
+            <a:off x="26245083" y="702057"/>
+            <a:ext cx="1850644" cy="2810356"/>
           </a:xfrm>
           <a:prstGeom prst="bentConnector3">
             <a:avLst>
@@ -8131,7 +8139,7 @@
         </p:nvSpPr>
         <p:spPr>
           <a:xfrm>
-            <a:off x="26416837" y="3030779"/>
+            <a:off x="27833356" y="3032557"/>
             <a:ext cx="1484453" cy="419458"/>
           </a:xfrm>
           <a:prstGeom prst="rect">
@@ -8387,7 +8395,7 @@
         </p:nvSpPr>
         <p:spPr>
           <a:xfrm>
-            <a:off x="12956022" y="13945472"/>
+            <a:off x="14250182" y="19548101"/>
             <a:ext cx="1484457" cy="419458"/>
           </a:xfrm>
           <a:prstGeom prst="rect">
@@ -8443,7 +8451,7 @@
         </p:nvCxnSpPr>
         <p:spPr>
           <a:xfrm rot="10800000">
-            <a:off x="12770092" y="13670083"/>
+            <a:off x="14064252" y="19272712"/>
             <a:ext cx="185930" cy="485119"/>
           </a:xfrm>
           <a:prstGeom prst="bentConnector2">
@@ -8479,7 +8487,7 @@
         </p:nvSpPr>
         <p:spPr>
           <a:xfrm>
-            <a:off x="14883409" y="13936245"/>
+            <a:off x="16177569" y="19538874"/>
             <a:ext cx="1484457" cy="419458"/>
           </a:xfrm>
           <a:prstGeom prst="rect">
@@ -8543,7 +8551,7 @@
         </p:nvCxnSpPr>
         <p:spPr>
           <a:xfrm rot="10800000">
-            <a:off x="14710635" y="13656448"/>
+            <a:off x="16004795" y="19259077"/>
             <a:ext cx="172775" cy="489527"/>
           </a:xfrm>
           <a:prstGeom prst="bentConnector2">
@@ -8579,7 +8587,7 @@
         </p:nvSpPr>
         <p:spPr>
           <a:xfrm>
-            <a:off x="23121807" y="14679380"/>
+            <a:off x="24415967" y="20282009"/>
             <a:ext cx="2020114" cy="419458"/>
           </a:xfrm>
           <a:prstGeom prst="rect">
@@ -8635,7 +8643,7 @@
         </p:nvCxnSpPr>
         <p:spPr>
           <a:xfrm rot="10800000">
-            <a:off x="22750457" y="14380355"/>
+            <a:off x="24044617" y="19982984"/>
             <a:ext cx="371351" cy="508755"/>
           </a:xfrm>
           <a:prstGeom prst="bentConnector2">
@@ -8671,7 +8679,7 @@
         </p:nvSpPr>
         <p:spPr>
           <a:xfrm>
-            <a:off x="23121807" y="15273188"/>
+            <a:off x="24415967" y="20875817"/>
             <a:ext cx="2020114" cy="419458"/>
           </a:xfrm>
           <a:prstGeom prst="rect">
@@ -8727,7 +8735,7 @@
         </p:nvCxnSpPr>
         <p:spPr>
           <a:xfrm rot="10800000">
-            <a:off x="22750457" y="14380355"/>
+            <a:off x="24044617" y="19982984"/>
             <a:ext cx="371351" cy="1102563"/>
           </a:xfrm>
           <a:prstGeom prst="bentConnector2">
@@ -8763,7 +8771,7 @@
         </p:nvSpPr>
         <p:spPr>
           <a:xfrm>
-            <a:off x="10886525" y="17230088"/>
+            <a:off x="8818051" y="22832717"/>
             <a:ext cx="2020114" cy="419458"/>
           </a:xfrm>
           <a:prstGeom prst="rect">
@@ -8823,7 +8831,7 @@
         </p:nvCxnSpPr>
         <p:spPr>
           <a:xfrm rot="10800000">
-            <a:off x="10544601" y="17000729"/>
+            <a:off x="8476127" y="22603358"/>
             <a:ext cx="341925" cy="439089"/>
           </a:xfrm>
           <a:prstGeom prst="bentConnector2">
@@ -8859,7 +8867,7 @@
         </p:nvSpPr>
         <p:spPr>
           <a:xfrm>
-            <a:off x="10914641" y="17812741"/>
+            <a:off x="8846167" y="23415370"/>
             <a:ext cx="2020114" cy="419458"/>
           </a:xfrm>
           <a:prstGeom prst="rect">
@@ -8919,7 +8927,7 @@
         </p:nvCxnSpPr>
         <p:spPr>
           <a:xfrm rot="10800000">
-            <a:off x="10544601" y="17000728"/>
+            <a:off x="8476127" y="22603357"/>
             <a:ext cx="370041" cy="1021742"/>
           </a:xfrm>
           <a:prstGeom prst="bentConnector2">
@@ -8955,7 +8963,7 @@
         </p:nvSpPr>
         <p:spPr>
           <a:xfrm>
-            <a:off x="28642371" y="19802915"/>
+            <a:off x="34965846" y="23299382"/>
             <a:ext cx="2020114" cy="419458"/>
           </a:xfrm>
           <a:prstGeom prst="rect">
@@ -9011,7 +9019,7 @@
         </p:nvCxnSpPr>
         <p:spPr>
           <a:xfrm rot="10800000">
-            <a:off x="28210869" y="19282474"/>
+            <a:off x="34534344" y="22778941"/>
             <a:ext cx="431502" cy="730170"/>
           </a:xfrm>
           <a:prstGeom prst="bentConnector2">
@@ -9047,7 +9055,7 @@
         </p:nvSpPr>
         <p:spPr>
           <a:xfrm>
-            <a:off x="26480545" y="13204930"/>
+            <a:off x="27774705" y="18807559"/>
             <a:ext cx="1725804" cy="419458"/>
           </a:xfrm>
           <a:prstGeom prst="rect">
@@ -9104,8 +9112,8 @@
         </p:nvCxnSpPr>
         <p:spPr>
           <a:xfrm rot="16200000" flipV="1">
-            <a:off x="18198813" y="4060295"/>
-            <a:ext cx="1593775" cy="16695495"/>
+            <a:off x="17323048" y="7492999"/>
+            <a:ext cx="3736438" cy="18892681"/>
           </a:xfrm>
           <a:prstGeom prst="bentConnector3">
             <a:avLst>

--- a/2조 멀티플렉스 영화관 관리 시스템 메뉴구조도.pptx
+++ b/2조 멀티플렉스 영화관 관리 시스템 메뉴구조도.pptx
@@ -243,7 +243,7 @@
           <a:p>
             <a:fld id="{8E10840F-E741-4E2E-8166-6116B33385D1}" type="datetimeFigureOut">
               <a:rPr lang="ko-KR" altLang="en-US" smtClean="0"/>
-              <a:t>2019-12-16</a:t>
+              <a:t>2019-12-17</a:t>
             </a:fld>
             <a:endParaRPr lang="ko-KR" altLang="en-US"/>
           </a:p>
@@ -413,7 +413,7 @@
           <a:p>
             <a:fld id="{8E10840F-E741-4E2E-8166-6116B33385D1}" type="datetimeFigureOut">
               <a:rPr lang="ko-KR" altLang="en-US" smtClean="0"/>
-              <a:t>2019-12-16</a:t>
+              <a:t>2019-12-17</a:t>
             </a:fld>
             <a:endParaRPr lang="ko-KR" altLang="en-US"/>
           </a:p>
@@ -593,7 +593,7 @@
           <a:p>
             <a:fld id="{8E10840F-E741-4E2E-8166-6116B33385D1}" type="datetimeFigureOut">
               <a:rPr lang="ko-KR" altLang="en-US" smtClean="0"/>
-              <a:t>2019-12-16</a:t>
+              <a:t>2019-12-17</a:t>
             </a:fld>
             <a:endParaRPr lang="ko-KR" altLang="en-US"/>
           </a:p>
@@ -763,7 +763,7 @@
           <a:p>
             <a:fld id="{8E10840F-E741-4E2E-8166-6116B33385D1}" type="datetimeFigureOut">
               <a:rPr lang="ko-KR" altLang="en-US" smtClean="0"/>
-              <a:t>2019-12-16</a:t>
+              <a:t>2019-12-17</a:t>
             </a:fld>
             <a:endParaRPr lang="ko-KR" altLang="en-US"/>
           </a:p>
@@ -1007,7 +1007,7 @@
           <a:p>
             <a:fld id="{8E10840F-E741-4E2E-8166-6116B33385D1}" type="datetimeFigureOut">
               <a:rPr lang="ko-KR" altLang="en-US" smtClean="0"/>
-              <a:t>2019-12-16</a:t>
+              <a:t>2019-12-17</a:t>
             </a:fld>
             <a:endParaRPr lang="ko-KR" altLang="en-US"/>
           </a:p>
@@ -1239,7 +1239,7 @@
           <a:p>
             <a:fld id="{8E10840F-E741-4E2E-8166-6116B33385D1}" type="datetimeFigureOut">
               <a:rPr lang="ko-KR" altLang="en-US" smtClean="0"/>
-              <a:t>2019-12-16</a:t>
+              <a:t>2019-12-17</a:t>
             </a:fld>
             <a:endParaRPr lang="ko-KR" altLang="en-US"/>
           </a:p>
@@ -1606,7 +1606,7 @@
           <a:p>
             <a:fld id="{8E10840F-E741-4E2E-8166-6116B33385D1}" type="datetimeFigureOut">
               <a:rPr lang="ko-KR" altLang="en-US" smtClean="0"/>
-              <a:t>2019-12-16</a:t>
+              <a:t>2019-12-17</a:t>
             </a:fld>
             <a:endParaRPr lang="ko-KR" altLang="en-US"/>
           </a:p>
@@ -1724,7 +1724,7 @@
           <a:p>
             <a:fld id="{8E10840F-E741-4E2E-8166-6116B33385D1}" type="datetimeFigureOut">
               <a:rPr lang="ko-KR" altLang="en-US" smtClean="0"/>
-              <a:t>2019-12-16</a:t>
+              <a:t>2019-12-17</a:t>
             </a:fld>
             <a:endParaRPr lang="ko-KR" altLang="en-US"/>
           </a:p>
@@ -1819,7 +1819,7 @@
           <a:p>
             <a:fld id="{8E10840F-E741-4E2E-8166-6116B33385D1}" type="datetimeFigureOut">
               <a:rPr lang="ko-KR" altLang="en-US" smtClean="0"/>
-              <a:t>2019-12-16</a:t>
+              <a:t>2019-12-17</a:t>
             </a:fld>
             <a:endParaRPr lang="ko-KR" altLang="en-US"/>
           </a:p>
@@ -2096,7 +2096,7 @@
           <a:p>
             <a:fld id="{8E10840F-E741-4E2E-8166-6116B33385D1}" type="datetimeFigureOut">
               <a:rPr lang="ko-KR" altLang="en-US" smtClean="0"/>
-              <a:t>2019-12-16</a:t>
+              <a:t>2019-12-17</a:t>
             </a:fld>
             <a:endParaRPr lang="ko-KR" altLang="en-US"/>
           </a:p>
@@ -2353,7 +2353,7 @@
           <a:p>
             <a:fld id="{8E10840F-E741-4E2E-8166-6116B33385D1}" type="datetimeFigureOut">
               <a:rPr lang="ko-KR" altLang="en-US" smtClean="0"/>
-              <a:t>2019-12-16</a:t>
+              <a:t>2019-12-17</a:t>
             </a:fld>
             <a:endParaRPr lang="ko-KR" altLang="en-US"/>
           </a:p>
@@ -2566,7 +2566,7 @@
           <a:p>
             <a:fld id="{8E10840F-E741-4E2E-8166-6116B33385D1}" type="datetimeFigureOut">
               <a:rPr lang="ko-KR" altLang="en-US" smtClean="0"/>
-              <a:t>2019-12-16</a:t>
+              <a:t>2019-12-17</a:t>
             </a:fld>
             <a:endParaRPr lang="ko-KR" altLang="en-US"/>
           </a:p>
@@ -2985,7 +2985,7 @@
         </p:nvSpPr>
         <p:spPr>
           <a:xfrm>
-            <a:off x="24403413" y="762455"/>
+            <a:off x="24403413" y="2184855"/>
             <a:ext cx="2723627" cy="419458"/>
           </a:xfrm>
           <a:prstGeom prst="rect">
@@ -3037,7 +3037,7 @@
         </p:nvSpPr>
         <p:spPr>
           <a:xfrm>
-            <a:off x="11272516" y="3035620"/>
+            <a:off x="11272516" y="4458020"/>
             <a:ext cx="1314275" cy="419458"/>
           </a:xfrm>
           <a:prstGeom prst="rect">
@@ -3093,7 +3093,7 @@
         </p:nvCxnSpPr>
         <p:spPr>
           <a:xfrm rot="5400000">
-            <a:off x="17920560" y="-4809040"/>
+            <a:off x="17920560" y="-3386640"/>
             <a:ext cx="1853710" cy="13835596"/>
           </a:xfrm>
           <a:prstGeom prst="bentConnector3">
@@ -3131,7 +3131,7 @@
         </p:nvSpPr>
         <p:spPr>
           <a:xfrm>
-            <a:off x="3372201" y="5048853"/>
+            <a:off x="3372201" y="6471253"/>
             <a:ext cx="1484457" cy="419458"/>
           </a:xfrm>
           <a:prstGeom prst="rect">
@@ -3187,7 +3187,7 @@
         </p:nvCxnSpPr>
         <p:spPr>
           <a:xfrm rot="5400000" flipH="1" flipV="1">
-            <a:off x="7225155" y="344354"/>
+            <a:off x="7225155" y="1766754"/>
             <a:ext cx="1593775" cy="7815224"/>
           </a:xfrm>
           <a:prstGeom prst="bentConnector3">
@@ -3225,7 +3225,7 @@
         </p:nvSpPr>
         <p:spPr>
           <a:xfrm>
-            <a:off x="35649328" y="3011579"/>
+            <a:off x="35649328" y="4433979"/>
             <a:ext cx="1484454" cy="419458"/>
           </a:xfrm>
           <a:prstGeom prst="rect">
@@ -3281,7 +3281,7 @@
         </p:nvCxnSpPr>
         <p:spPr>
           <a:xfrm rot="16200000" flipV="1">
-            <a:off x="30163558" y="-3216418"/>
+            <a:off x="30163558" y="-1794018"/>
             <a:ext cx="1829666" cy="10626328"/>
           </a:xfrm>
           <a:prstGeom prst="bentConnector3">
@@ -3319,7 +3319,7 @@
         </p:nvSpPr>
         <p:spPr>
           <a:xfrm>
-            <a:off x="5556068" y="6501793"/>
+            <a:off x="5556068" y="7924193"/>
             <a:ext cx="2020114" cy="419458"/>
           </a:xfrm>
           <a:prstGeom prst="rect">
@@ -3371,7 +3371,7 @@
         </p:nvSpPr>
         <p:spPr>
           <a:xfrm>
-            <a:off x="12349775" y="5048853"/>
+            <a:off x="12349775" y="6471253"/>
             <a:ext cx="1484457" cy="419458"/>
           </a:xfrm>
           <a:prstGeom prst="rect">
@@ -3427,7 +3427,7 @@
         </p:nvCxnSpPr>
         <p:spPr>
           <a:xfrm rot="16200000" flipV="1">
-            <a:off x="11713942" y="3670791"/>
+            <a:off x="11713942" y="5093191"/>
             <a:ext cx="1593775" cy="1162350"/>
           </a:xfrm>
           <a:prstGeom prst="bentConnector3">
@@ -3465,7 +3465,7 @@
         </p:nvSpPr>
         <p:spPr>
           <a:xfrm>
-            <a:off x="15250399" y="5048853"/>
+            <a:off x="15250399" y="6471253"/>
             <a:ext cx="1484457" cy="419458"/>
           </a:xfrm>
           <a:prstGeom prst="rect">
@@ -3521,7 +3521,7 @@
         </p:nvCxnSpPr>
         <p:spPr>
           <a:xfrm rot="16200000" flipV="1">
-            <a:off x="13164221" y="2220471"/>
+            <a:off x="13164221" y="3642871"/>
             <a:ext cx="1593800" cy="4062997"/>
           </a:xfrm>
           <a:prstGeom prst="bentConnector3">
@@ -3563,7 +3563,7 @@
         </p:nvCxnSpPr>
         <p:spPr>
           <a:xfrm rot="10800000">
-            <a:off x="5335248" y="6224289"/>
+            <a:off x="5335248" y="7646689"/>
             <a:ext cx="220820" cy="487254"/>
           </a:xfrm>
           <a:prstGeom prst="bentConnector2">
@@ -3599,7 +3599,7 @@
         </p:nvSpPr>
         <p:spPr>
           <a:xfrm>
-            <a:off x="6937727" y="7787930"/>
+            <a:off x="6937727" y="9210330"/>
             <a:ext cx="2020114" cy="419458"/>
           </a:xfrm>
           <a:prstGeom prst="rect">
@@ -3668,7 +3668,7 @@
         </p:nvCxnSpPr>
         <p:spPr>
           <a:xfrm rot="10800000">
-            <a:off x="6566138" y="6921246"/>
+            <a:off x="6566138" y="8343646"/>
             <a:ext cx="371594" cy="1076417"/>
           </a:xfrm>
           <a:prstGeom prst="bentConnector2">
@@ -3704,7 +3704,7 @@
         </p:nvSpPr>
         <p:spPr>
           <a:xfrm>
-            <a:off x="6937727" y="7096577"/>
+            <a:off x="6937727" y="8518977"/>
             <a:ext cx="2020114" cy="419458"/>
           </a:xfrm>
           <a:prstGeom prst="rect">
@@ -3760,7 +3760,7 @@
         </p:nvCxnSpPr>
         <p:spPr>
           <a:xfrm rot="10800000">
-            <a:off x="6566138" y="6921259"/>
+            <a:off x="6566138" y="8343659"/>
             <a:ext cx="371594" cy="385061"/>
           </a:xfrm>
           <a:prstGeom prst="bentConnector2">
@@ -3796,7 +3796,7 @@
         </p:nvSpPr>
         <p:spPr>
           <a:xfrm>
-            <a:off x="4325210" y="5804826"/>
+            <a:off x="4325210" y="7227226"/>
             <a:ext cx="2020114" cy="419458"/>
           </a:xfrm>
           <a:prstGeom prst="rect">
@@ -3852,7 +3852,7 @@
         </p:nvCxnSpPr>
         <p:spPr>
           <a:xfrm rot="10800000">
-            <a:off x="4114431" y="5468322"/>
+            <a:off x="4114431" y="6890722"/>
             <a:ext cx="210781" cy="546243"/>
           </a:xfrm>
           <a:prstGeom prst="bentConnector2">
@@ -3888,7 +3888,7 @@
         </p:nvSpPr>
         <p:spPr>
           <a:xfrm>
-            <a:off x="28894822" y="3011613"/>
+            <a:off x="28894822" y="4434013"/>
             <a:ext cx="1484453" cy="419458"/>
           </a:xfrm>
           <a:prstGeom prst="rect">
@@ -3944,7 +3944,7 @@
         </p:nvCxnSpPr>
         <p:spPr>
           <a:xfrm rot="16200000" flipV="1">
-            <a:off x="26786288" y="160852"/>
+            <a:off x="26786288" y="1583252"/>
             <a:ext cx="1829700" cy="3871822"/>
           </a:xfrm>
           <a:prstGeom prst="bentConnector3">
@@ -3982,7 +3982,7 @@
         </p:nvSpPr>
         <p:spPr>
           <a:xfrm>
-            <a:off x="9163495" y="5048853"/>
+            <a:off x="9163495" y="6471253"/>
             <a:ext cx="1484457" cy="419458"/>
           </a:xfrm>
           <a:prstGeom prst="rect">
@@ -4038,7 +4038,7 @@
         </p:nvCxnSpPr>
         <p:spPr>
           <a:xfrm rot="5400000" flipH="1" flipV="1">
-            <a:off x="10120802" y="3240001"/>
+            <a:off x="10120802" y="4662401"/>
             <a:ext cx="1593775" cy="2023930"/>
           </a:xfrm>
           <a:prstGeom prst="bentConnector3">
@@ -4076,7 +4076,7 @@
         </p:nvSpPr>
         <p:spPr>
           <a:xfrm>
-            <a:off x="10112294" y="5804826"/>
+            <a:off x="10112294" y="7227226"/>
             <a:ext cx="2020114" cy="419458"/>
           </a:xfrm>
           <a:prstGeom prst="rect">
@@ -4132,7 +4132,7 @@
         </p:nvCxnSpPr>
         <p:spPr>
           <a:xfrm rot="10800000">
-            <a:off x="9905750" y="5468322"/>
+            <a:off x="9905750" y="6890722"/>
             <a:ext cx="206553" cy="546243"/>
           </a:xfrm>
           <a:prstGeom prst="bentConnector2">
@@ -4168,7 +4168,7 @@
         </p:nvSpPr>
         <p:spPr>
           <a:xfrm>
-            <a:off x="9990814" y="11191697"/>
+            <a:off x="9990814" y="12614097"/>
             <a:ext cx="1314275" cy="419458"/>
           </a:xfrm>
           <a:prstGeom prst="rect">
@@ -4224,7 +4224,7 @@
         </p:nvCxnSpPr>
         <p:spPr>
           <a:xfrm rot="5400000">
-            <a:off x="16262188" y="-2183164"/>
+            <a:off x="16262188" y="-760764"/>
             <a:ext cx="7760626" cy="18989097"/>
           </a:xfrm>
           <a:prstGeom prst="bentConnector3">
@@ -4266,7 +4266,7 @@
         </p:nvCxnSpPr>
         <p:spPr>
           <a:xfrm rot="5400000" flipH="1" flipV="1">
-            <a:off x="5455432" y="8012410"/>
+            <a:off x="5455432" y="9434810"/>
             <a:ext cx="1593775" cy="8791266"/>
           </a:xfrm>
           <a:prstGeom prst="bentConnector3">
@@ -4308,7 +4308,7 @@
         </p:nvCxnSpPr>
         <p:spPr>
           <a:xfrm rot="5400000" flipH="1" flipV="1">
-            <a:off x="8351092" y="10908071"/>
+            <a:off x="8351092" y="12330471"/>
             <a:ext cx="1593775" cy="2999945"/>
           </a:xfrm>
           <a:prstGeom prst="bentConnector3">
@@ -4346,7 +4346,7 @@
         </p:nvSpPr>
         <p:spPr>
           <a:xfrm>
-            <a:off x="16914616" y="5048853"/>
+            <a:off x="16914616" y="6471253"/>
             <a:ext cx="1484457" cy="419458"/>
           </a:xfrm>
           <a:prstGeom prst="rect">
@@ -4402,7 +4402,7 @@
         </p:nvCxnSpPr>
         <p:spPr>
           <a:xfrm rot="16200000" flipV="1">
-            <a:off x="13996332" y="1388354"/>
+            <a:off x="13996332" y="2810754"/>
             <a:ext cx="1593800" cy="5727213"/>
           </a:xfrm>
           <a:prstGeom prst="bentConnector3">
@@ -4440,7 +4440,7 @@
         </p:nvSpPr>
         <p:spPr>
           <a:xfrm>
-            <a:off x="18578825" y="5048853"/>
+            <a:off x="18578825" y="6471253"/>
             <a:ext cx="1484457" cy="419458"/>
           </a:xfrm>
           <a:prstGeom prst="rect">
@@ -4496,7 +4496,7 @@
         </p:nvCxnSpPr>
         <p:spPr>
           <a:xfrm rot="16200000" flipV="1">
-            <a:off x="14828437" y="556270"/>
+            <a:off x="14828437" y="1978670"/>
             <a:ext cx="1593800" cy="7391412"/>
           </a:xfrm>
           <a:prstGeom prst="bentConnector3">
@@ -4534,7 +4534,7 @@
         </p:nvSpPr>
         <p:spPr>
           <a:xfrm>
-            <a:off x="1114457" y="13204930"/>
+            <a:off x="1114457" y="14627330"/>
             <a:ext cx="1484457" cy="419458"/>
           </a:xfrm>
           <a:prstGeom prst="rect">
@@ -4586,7 +4586,7 @@
         </p:nvSpPr>
         <p:spPr>
           <a:xfrm>
-            <a:off x="10199063" y="13250624"/>
+            <a:off x="10199063" y="14673024"/>
             <a:ext cx="1484457" cy="419458"/>
           </a:xfrm>
           <a:prstGeom prst="rect">
@@ -4638,7 +4638,7 @@
         </p:nvSpPr>
         <p:spPr>
           <a:xfrm>
-            <a:off x="12995018" y="13236989"/>
+            <a:off x="12995018" y="14659389"/>
             <a:ext cx="1484457" cy="419458"/>
           </a:xfrm>
           <a:prstGeom prst="rect">
@@ -4690,7 +4690,7 @@
         </p:nvSpPr>
         <p:spPr>
           <a:xfrm>
-            <a:off x="6905778" y="13204930"/>
+            <a:off x="6905778" y="14627330"/>
             <a:ext cx="1484457" cy="419458"/>
           </a:xfrm>
           <a:prstGeom prst="rect">
@@ -4742,7 +4742,7 @@
         </p:nvSpPr>
         <p:spPr>
           <a:xfrm>
-            <a:off x="15584795" y="13204930"/>
+            <a:off x="15584795" y="14627330"/>
             <a:ext cx="1484457" cy="419458"/>
           </a:xfrm>
           <a:prstGeom prst="rect">
@@ -4794,7 +4794,7 @@
         </p:nvSpPr>
         <p:spPr>
           <a:xfrm>
-            <a:off x="18295435" y="13204930"/>
+            <a:off x="18295435" y="14627330"/>
             <a:ext cx="1484457" cy="419458"/>
           </a:xfrm>
           <a:prstGeom prst="rect">
@@ -4850,7 +4850,7 @@
         </p:nvCxnSpPr>
         <p:spPr>
           <a:xfrm rot="16200000" flipV="1">
-            <a:off x="12690601" y="9568507"/>
+            <a:off x="12690601" y="10990907"/>
             <a:ext cx="1593775" cy="5679072"/>
           </a:xfrm>
           <a:prstGeom prst="bentConnector3">
@@ -4891,7 +4891,7 @@
         </p:nvCxnSpPr>
         <p:spPr>
           <a:xfrm rot="5400000" flipH="1" flipV="1">
-            <a:off x="18639221" y="12806487"/>
+            <a:off x="18639221" y="14228887"/>
             <a:ext cx="796887" cy="1"/>
           </a:xfrm>
           <a:prstGeom prst="bentConnector3">
@@ -4929,7 +4929,7 @@
         </p:nvSpPr>
         <p:spPr>
           <a:xfrm>
-            <a:off x="3512071" y="14912067"/>
+            <a:off x="3512071" y="16334467"/>
             <a:ext cx="2020114" cy="419458"/>
           </a:xfrm>
           <a:prstGeom prst="rect">
@@ -4985,7 +4985,7 @@
         </p:nvCxnSpPr>
         <p:spPr>
           <a:xfrm rot="10800000">
-            <a:off x="3283203" y="14380362"/>
+            <a:off x="3283203" y="15802762"/>
             <a:ext cx="228869" cy="741435"/>
           </a:xfrm>
           <a:prstGeom prst="bentConnector2">
@@ -5021,7 +5021,7 @@
         </p:nvSpPr>
         <p:spPr>
           <a:xfrm>
-            <a:off x="4878758" y="16581270"/>
+            <a:off x="4878758" y="18003670"/>
             <a:ext cx="2020114" cy="419458"/>
           </a:xfrm>
           <a:prstGeom prst="rect">
@@ -5090,7 +5090,7 @@
         </p:nvCxnSpPr>
         <p:spPr>
           <a:xfrm rot="10800000">
-            <a:off x="4522128" y="15331525"/>
+            <a:off x="4522128" y="16753925"/>
             <a:ext cx="356630" cy="1459474"/>
           </a:xfrm>
           <a:prstGeom prst="bentConnector2">
@@ -5126,7 +5126,7 @@
         </p:nvSpPr>
         <p:spPr>
           <a:xfrm>
-            <a:off x="4878758" y="15889900"/>
+            <a:off x="4878758" y="17312300"/>
             <a:ext cx="2020114" cy="419458"/>
           </a:xfrm>
           <a:prstGeom prst="rect">
@@ -5182,7 +5182,7 @@
         </p:nvCxnSpPr>
         <p:spPr>
           <a:xfrm rot="10800000">
-            <a:off x="4522128" y="15331525"/>
+            <a:off x="4522128" y="16753925"/>
             <a:ext cx="356630" cy="768104"/>
           </a:xfrm>
           <a:prstGeom prst="bentConnector2">
@@ -5218,7 +5218,7 @@
         </p:nvSpPr>
         <p:spPr>
           <a:xfrm>
-            <a:off x="2273145" y="13960903"/>
+            <a:off x="2273145" y="15383303"/>
             <a:ext cx="2020114" cy="419458"/>
           </a:xfrm>
           <a:prstGeom prst="rect">
@@ -5274,7 +5274,7 @@
         </p:nvCxnSpPr>
         <p:spPr>
           <a:xfrm rot="16200000" flipH="1">
-            <a:off x="1791766" y="13689288"/>
+            <a:off x="1791766" y="15111688"/>
             <a:ext cx="546243" cy="416461"/>
           </a:xfrm>
           <a:prstGeom prst="bentConnector2">
@@ -5310,7 +5310,7 @@
         </p:nvSpPr>
         <p:spPr>
           <a:xfrm>
-            <a:off x="8080076" y="13960903"/>
+            <a:off x="8080076" y="15383303"/>
             <a:ext cx="2020114" cy="419458"/>
           </a:xfrm>
           <a:prstGeom prst="rect">
@@ -5366,7 +5366,7 @@
         </p:nvCxnSpPr>
         <p:spPr>
           <a:xfrm rot="10800000">
-            <a:off x="7647988" y="13624399"/>
+            <a:off x="7647988" y="15046799"/>
             <a:ext cx="432079" cy="546243"/>
           </a:xfrm>
           <a:prstGeom prst="bentConnector2">
@@ -5402,7 +5402,7 @@
         </p:nvSpPr>
         <p:spPr>
           <a:xfrm>
-            <a:off x="8080076" y="14574229"/>
+            <a:off x="8080076" y="15996629"/>
             <a:ext cx="2020114" cy="419458"/>
           </a:xfrm>
           <a:prstGeom prst="rect">
@@ -5458,7 +5458,7 @@
         </p:nvCxnSpPr>
         <p:spPr>
           <a:xfrm rot="10800000">
-            <a:off x="7647988" y="13624404"/>
+            <a:off x="7647988" y="15046804"/>
             <a:ext cx="432079" cy="1159570"/>
           </a:xfrm>
           <a:prstGeom prst="bentConnector2">
@@ -5494,7 +5494,7 @@
         </p:nvSpPr>
         <p:spPr>
           <a:xfrm>
-            <a:off x="9378790" y="15416618"/>
+            <a:off x="9378790" y="16839018"/>
             <a:ext cx="2020114" cy="419458"/>
           </a:xfrm>
           <a:prstGeom prst="rect">
@@ -5546,7 +5546,7 @@
         </p:nvSpPr>
         <p:spPr>
           <a:xfrm>
-            <a:off x="10763407" y="16112106"/>
+            <a:off x="10763407" y="17534506"/>
             <a:ext cx="2020114" cy="419458"/>
           </a:xfrm>
           <a:prstGeom prst="rect">
@@ -5602,7 +5602,7 @@
         </p:nvCxnSpPr>
         <p:spPr>
           <a:xfrm rot="10800000">
-            <a:off x="10388846" y="15836069"/>
+            <a:off x="10388846" y="17258469"/>
             <a:ext cx="374560" cy="485765"/>
           </a:xfrm>
           <a:prstGeom prst="bentConnector2">
@@ -5642,7 +5642,7 @@
         </p:nvCxnSpPr>
         <p:spPr>
           <a:xfrm rot="10800000">
-            <a:off x="9090147" y="14993696"/>
+            <a:off x="9090147" y="16416096"/>
             <a:ext cx="288666" cy="632668"/>
           </a:xfrm>
           <a:prstGeom prst="bentConnector2">
@@ -5681,7 +5681,7 @@
         </p:nvCxnSpPr>
         <p:spPr>
           <a:xfrm rot="10800000">
-            <a:off x="16327019" y="13624399"/>
+            <a:off x="16327019" y="15046799"/>
             <a:ext cx="320662" cy="546243"/>
           </a:xfrm>
           <a:prstGeom prst="bentConnector2">
@@ -5717,7 +5717,7 @@
         </p:nvSpPr>
         <p:spPr>
           <a:xfrm>
-            <a:off x="16641450" y="13970715"/>
+            <a:off x="16641450" y="15393115"/>
             <a:ext cx="2020114" cy="419458"/>
           </a:xfrm>
           <a:prstGeom prst="rect">
@@ -5769,7 +5769,7 @@
         </p:nvSpPr>
         <p:spPr>
           <a:xfrm>
-            <a:off x="20531035" y="15465231"/>
+            <a:off x="20531035" y="16887631"/>
             <a:ext cx="2020114" cy="419458"/>
           </a:xfrm>
           <a:prstGeom prst="rect">
@@ -5821,7 +5821,7 @@
         </p:nvSpPr>
         <p:spPr>
           <a:xfrm>
-            <a:off x="19255162" y="13985081"/>
+            <a:off x="19255162" y="15407481"/>
             <a:ext cx="2020114" cy="419458"/>
           </a:xfrm>
           <a:prstGeom prst="rect">
@@ -5877,7 +5877,7 @@
         </p:nvCxnSpPr>
         <p:spPr>
           <a:xfrm rot="10800000">
-            <a:off x="19037664" y="13624388"/>
+            <a:off x="19037664" y="15046788"/>
             <a:ext cx="217498" cy="570422"/>
           </a:xfrm>
           <a:prstGeom prst="bentConnector2">
@@ -5913,7 +5913,7 @@
         </p:nvSpPr>
         <p:spPr>
           <a:xfrm>
-            <a:off x="40295838" y="11155196"/>
+            <a:off x="40295838" y="12577596"/>
             <a:ext cx="1314275" cy="419458"/>
           </a:xfrm>
           <a:prstGeom prst="rect">
@@ -5969,7 +5969,7 @@
         </p:nvCxnSpPr>
         <p:spPr>
           <a:xfrm rot="16200000" flipH="1">
-            <a:off x="31432950" y="1635169"/>
+            <a:off x="31432950" y="3057569"/>
             <a:ext cx="7724125" cy="11315927"/>
           </a:xfrm>
           <a:prstGeom prst="bentConnector3">
@@ -6007,7 +6007,7 @@
         </p:nvSpPr>
         <p:spPr>
           <a:xfrm>
-            <a:off x="36655838" y="17931112"/>
+            <a:off x="36655838" y="19353512"/>
             <a:ext cx="2258402" cy="337620"/>
           </a:xfrm>
           <a:prstGeom prst="rect">
@@ -6059,7 +6059,7 @@
         </p:nvSpPr>
         <p:spPr>
           <a:xfrm>
-            <a:off x="30831281" y="13140640"/>
+            <a:off x="30831281" y="14563040"/>
             <a:ext cx="1484457" cy="419458"/>
           </a:xfrm>
           <a:prstGeom prst="rect">
@@ -6111,7 +6111,7 @@
         </p:nvSpPr>
         <p:spPr>
           <a:xfrm>
-            <a:off x="35205578" y="13140640"/>
+            <a:off x="35205578" y="14563040"/>
             <a:ext cx="2258402" cy="419458"/>
           </a:xfrm>
           <a:prstGeom prst="rect">
@@ -6167,7 +6167,7 @@
         </p:nvCxnSpPr>
         <p:spPr>
           <a:xfrm rot="5400000">
-            <a:off x="37860885" y="10048549"/>
+            <a:off x="37860885" y="11470949"/>
             <a:ext cx="1565986" cy="4618197"/>
           </a:xfrm>
           <a:prstGeom prst="bentConnector3">
@@ -6205,7 +6205,7 @@
         </p:nvSpPr>
         <p:spPr>
           <a:xfrm>
-            <a:off x="36655839" y="13870814"/>
+            <a:off x="36655839" y="15293214"/>
             <a:ext cx="2258402" cy="419458"/>
           </a:xfrm>
           <a:prstGeom prst="rect">
@@ -6261,7 +6261,7 @@
         </p:nvCxnSpPr>
         <p:spPr>
           <a:xfrm rot="16200000" flipH="1">
-            <a:off x="36235087" y="13659790"/>
+            <a:off x="36235087" y="15082190"/>
             <a:ext cx="520445" cy="321060"/>
           </a:xfrm>
           <a:prstGeom prst="bentConnector2">
@@ -6297,7 +6297,7 @@
         </p:nvSpPr>
         <p:spPr>
           <a:xfrm>
-            <a:off x="38123536" y="14571975"/>
+            <a:off x="38123536" y="15994375"/>
             <a:ext cx="2258402" cy="419458"/>
           </a:xfrm>
           <a:prstGeom prst="rect">
@@ -6353,7 +6353,7 @@
         </p:nvCxnSpPr>
         <p:spPr>
           <a:xfrm rot="16200000" flipH="1">
-            <a:off x="37708572" y="14366740"/>
+            <a:off x="37708572" y="15789140"/>
             <a:ext cx="491432" cy="338496"/>
           </a:xfrm>
           <a:prstGeom prst="bentConnector2">
@@ -6389,7 +6389,7 @@
         </p:nvSpPr>
         <p:spPr>
           <a:xfrm>
-            <a:off x="41290542" y="17394642"/>
+            <a:off x="41290542" y="18817042"/>
             <a:ext cx="2258402" cy="419458"/>
           </a:xfrm>
           <a:prstGeom prst="rect">
@@ -6441,7 +6441,7 @@
         </p:nvSpPr>
         <p:spPr>
           <a:xfrm>
-            <a:off x="41334550" y="16653751"/>
+            <a:off x="41334550" y="18076151"/>
             <a:ext cx="2258402" cy="419458"/>
           </a:xfrm>
           <a:prstGeom prst="rect">
@@ -6497,7 +6497,7 @@
         </p:nvSpPr>
         <p:spPr>
           <a:xfrm>
-            <a:off x="7351779" y="16581270"/>
+            <a:off x="7351779" y="18003670"/>
             <a:ext cx="2020114" cy="419458"/>
           </a:xfrm>
           <a:prstGeom prst="rect">
@@ -6570,7 +6570,7 @@
         </p:nvCxnSpPr>
         <p:spPr>
           <a:xfrm rot="10800000">
-            <a:off x="6898873" y="16790999"/>
+            <a:off x="6898873" y="18213399"/>
             <a:ext cx="452907" cy="12700"/>
           </a:xfrm>
           <a:prstGeom prst="bentConnector3">
@@ -6608,7 +6608,7 @@
         </p:nvSpPr>
         <p:spPr>
           <a:xfrm>
-            <a:off x="4881731" y="17304370"/>
+            <a:off x="4881731" y="18726770"/>
             <a:ext cx="2020114" cy="419458"/>
           </a:xfrm>
           <a:prstGeom prst="rect">
@@ -6660,7 +6660,7 @@
         </p:nvSpPr>
         <p:spPr>
           <a:xfrm>
-            <a:off x="6263373" y="18022334"/>
+            <a:off x="6263373" y="19444734"/>
             <a:ext cx="2020114" cy="419458"/>
           </a:xfrm>
           <a:prstGeom prst="rect">
@@ -6716,7 +6716,7 @@
         </p:nvCxnSpPr>
         <p:spPr>
           <a:xfrm rot="10800000">
-            <a:off x="5891801" y="17723832"/>
+            <a:off x="5891801" y="19146232"/>
             <a:ext cx="371594" cy="508244"/>
           </a:xfrm>
           <a:prstGeom prst="bentConnector2">
@@ -6752,7 +6752,7 @@
         </p:nvSpPr>
         <p:spPr>
           <a:xfrm>
-            <a:off x="7647988" y="18717822"/>
+            <a:off x="7647988" y="20140222"/>
             <a:ext cx="2020114" cy="419458"/>
           </a:xfrm>
           <a:prstGeom prst="rect">
@@ -6808,7 +6808,7 @@
         </p:nvCxnSpPr>
         <p:spPr>
           <a:xfrm rot="10800000">
-            <a:off x="7273439" y="18441785"/>
+            <a:off x="7273439" y="19864185"/>
             <a:ext cx="374560" cy="485765"/>
           </a:xfrm>
           <a:prstGeom prst="bentConnector2">
@@ -6848,7 +6848,7 @@
         </p:nvCxnSpPr>
         <p:spPr>
           <a:xfrm rot="10800000">
-            <a:off x="4522129" y="15331525"/>
+            <a:off x="4522129" y="16753925"/>
             <a:ext cx="359603" cy="2182574"/>
           </a:xfrm>
           <a:prstGeom prst="bentConnector2">
@@ -6884,7 +6884,7 @@
         </p:nvSpPr>
         <p:spPr>
           <a:xfrm>
-            <a:off x="13284610" y="5804826"/>
+            <a:off x="13284610" y="7227226"/>
             <a:ext cx="1484457" cy="419458"/>
           </a:xfrm>
           <a:prstGeom prst="rect">
@@ -6940,7 +6940,7 @@
         </p:nvCxnSpPr>
         <p:spPr>
           <a:xfrm rot="10800000">
-            <a:off x="13092004" y="5468311"/>
+            <a:off x="13092004" y="6890711"/>
             <a:ext cx="192606" cy="546244"/>
           </a:xfrm>
           <a:prstGeom prst="bentConnector2">
@@ -6976,7 +6976,7 @@
         </p:nvSpPr>
         <p:spPr>
           <a:xfrm>
-            <a:off x="38167544" y="18719306"/>
+            <a:off x="38167544" y="20141706"/>
             <a:ext cx="2258402" cy="419458"/>
           </a:xfrm>
           <a:prstGeom prst="rect">
@@ -7032,7 +7032,7 @@
         </p:nvCxnSpPr>
         <p:spPr>
           <a:xfrm rot="10800000">
-            <a:off x="37785040" y="18268733"/>
+            <a:off x="37785040" y="19691133"/>
             <a:ext cx="382505" cy="660303"/>
           </a:xfrm>
           <a:prstGeom prst="bentConnector2">
@@ -7068,7 +7068,7 @@
         </p:nvSpPr>
         <p:spPr>
           <a:xfrm>
-            <a:off x="41232174" y="21010847"/>
+            <a:off x="41232174" y="22433247"/>
             <a:ext cx="2258402" cy="419458"/>
           </a:xfrm>
           <a:prstGeom prst="rect">
@@ -7120,7 +7120,7 @@
         </p:nvSpPr>
         <p:spPr>
           <a:xfrm>
-            <a:off x="41232174" y="21688799"/>
+            <a:off x="41232174" y="23111199"/>
             <a:ext cx="2258402" cy="419458"/>
           </a:xfrm>
           <a:prstGeom prst="rect">
@@ -7176,7 +7176,7 @@
         </p:nvCxnSpPr>
         <p:spPr>
           <a:xfrm rot="16200000" flipH="1">
-            <a:off x="34225396" y="15669480"/>
+            <a:off x="34225396" y="17091880"/>
             <a:ext cx="4539824" cy="321059"/>
           </a:xfrm>
           <a:prstGeom prst="bentConnector2">
@@ -7212,7 +7212,7 @@
         </p:nvSpPr>
         <p:spPr>
           <a:xfrm>
-            <a:off x="36667333" y="22102625"/>
+            <a:off x="36667333" y="23525025"/>
             <a:ext cx="2258402" cy="419458"/>
           </a:xfrm>
           <a:prstGeom prst="rect">
@@ -7268,7 +7268,7 @@
         </p:nvCxnSpPr>
         <p:spPr>
           <a:xfrm rot="16200000" flipH="1">
-            <a:off x="32124928" y="17769949"/>
+            <a:off x="32124928" y="19192349"/>
             <a:ext cx="8752256" cy="332554"/>
           </a:xfrm>
           <a:prstGeom prst="bentConnector2">
@@ -7304,7 +7304,7 @@
         </p:nvSpPr>
         <p:spPr>
           <a:xfrm>
-            <a:off x="38141536" y="24002929"/>
+            <a:off x="38141536" y="25425329"/>
             <a:ext cx="2258402" cy="419458"/>
           </a:xfrm>
           <a:prstGeom prst="rect">
@@ -7360,7 +7360,7 @@
         </p:nvCxnSpPr>
         <p:spPr>
           <a:xfrm rot="10800000">
-            <a:off x="37796534" y="22522084"/>
+            <a:off x="37796534" y="23944484"/>
             <a:ext cx="345002" cy="1690575"/>
           </a:xfrm>
           <a:prstGeom prst="bentConnector2">
@@ -7396,7 +7396,7 @@
         </p:nvSpPr>
         <p:spPr>
           <a:xfrm>
-            <a:off x="38120879" y="23052305"/>
+            <a:off x="38120879" y="24474705"/>
             <a:ext cx="2258402" cy="419458"/>
           </a:xfrm>
           <a:prstGeom prst="rect">
@@ -7448,7 +7448,7 @@
         </p:nvSpPr>
         <p:spPr>
           <a:xfrm>
-            <a:off x="41249464" y="25296162"/>
+            <a:off x="41249464" y="26718562"/>
             <a:ext cx="2258402" cy="419458"/>
           </a:xfrm>
           <a:prstGeom prst="rect">
@@ -7500,7 +7500,7 @@
         </p:nvSpPr>
         <p:spPr>
           <a:xfrm>
-            <a:off x="41249464" y="25949672"/>
+            <a:off x="41249464" y="27372072"/>
             <a:ext cx="2258402" cy="419458"/>
           </a:xfrm>
           <a:prstGeom prst="rect">
@@ -7556,7 +7556,7 @@
         </p:nvCxnSpPr>
         <p:spPr>
           <a:xfrm rot="10800000">
-            <a:off x="37796535" y="22522084"/>
+            <a:off x="37796535" y="23944484"/>
             <a:ext cx="324345" cy="739951"/>
           </a:xfrm>
           <a:prstGeom prst="bentConnector2">
@@ -7594,7 +7594,7 @@
         </p:nvCxnSpPr>
         <p:spPr>
           <a:xfrm rot="5400000" flipH="1" flipV="1">
-            <a:off x="24234405" y="1508018"/>
+            <a:off x="24234405" y="2930418"/>
             <a:ext cx="1829666" cy="1215888"/>
           </a:xfrm>
           <a:prstGeom prst="bentConnector3">
@@ -7632,7 +7632,7 @@
         </p:nvSpPr>
         <p:spPr>
           <a:xfrm>
-            <a:off x="23790507" y="3030779"/>
+            <a:off x="23790507" y="4453179"/>
             <a:ext cx="1484453" cy="419458"/>
           </a:xfrm>
           <a:prstGeom prst="rect">
@@ -7690,7 +7690,7 @@
         </p:nvCxnSpPr>
         <p:spPr>
           <a:xfrm rot="16200000" flipV="1">
-            <a:off x="25550272" y="1408021"/>
+            <a:off x="25550272" y="2830421"/>
             <a:ext cx="1810453" cy="1396631"/>
           </a:xfrm>
           <a:prstGeom prst="bentConnector3">
@@ -7728,7 +7728,7 @@
         </p:nvSpPr>
         <p:spPr>
           <a:xfrm>
-            <a:off x="26416837" y="3030779"/>
+            <a:off x="26416837" y="4453179"/>
             <a:ext cx="1484453" cy="419458"/>
           </a:xfrm>
           <a:prstGeom prst="rect">
@@ -7784,7 +7784,7 @@
         </p:nvSpPr>
         <p:spPr>
           <a:xfrm>
-            <a:off x="16284097" y="5846804"/>
+            <a:off x="16284097" y="7269204"/>
             <a:ext cx="1484457" cy="419458"/>
           </a:xfrm>
           <a:prstGeom prst="rect">
@@ -7848,7 +7848,7 @@
         </p:nvCxnSpPr>
         <p:spPr>
           <a:xfrm rot="10800000">
-            <a:off x="15992629" y="5468311"/>
+            <a:off x="15992629" y="6890711"/>
             <a:ext cx="291469" cy="588222"/>
           </a:xfrm>
           <a:prstGeom prst="bentConnector2">
@@ -7884,7 +7884,7 @@
         </p:nvSpPr>
         <p:spPr>
           <a:xfrm>
-            <a:off x="19660109" y="5849149"/>
+            <a:off x="19660109" y="7271549"/>
             <a:ext cx="1484457" cy="419458"/>
           </a:xfrm>
           <a:prstGeom prst="rect">
@@ -7948,7 +7948,7 @@
         </p:nvCxnSpPr>
         <p:spPr>
           <a:xfrm rot="10800000">
-            <a:off x="19321055" y="5468312"/>
+            <a:off x="19321055" y="6890712"/>
             <a:ext cx="339055" cy="590567"/>
           </a:xfrm>
           <a:prstGeom prst="bentConnector2">
@@ -7984,7 +7984,7 @@
         </p:nvSpPr>
         <p:spPr>
           <a:xfrm>
-            <a:off x="12395851" y="14773487"/>
+            <a:off x="12395851" y="16195887"/>
             <a:ext cx="1484457" cy="419458"/>
           </a:xfrm>
           <a:prstGeom prst="rect">
@@ -8036,7 +8036,7 @@
         </p:nvSpPr>
         <p:spPr>
           <a:xfrm>
-            <a:off x="13910022" y="13936245"/>
+            <a:off x="13910022" y="15358645"/>
             <a:ext cx="1484457" cy="419458"/>
           </a:xfrm>
           <a:prstGeom prst="rect">
@@ -8100,7 +8100,7 @@
         </p:nvCxnSpPr>
         <p:spPr>
           <a:xfrm rot="10800000">
-            <a:off x="13737248" y="13656448"/>
+            <a:off x="13737248" y="15078848"/>
             <a:ext cx="172775" cy="489527"/>
           </a:xfrm>
           <a:prstGeom prst="bentConnector2">
@@ -8136,7 +8136,7 @@
         </p:nvSpPr>
         <p:spPr>
           <a:xfrm>
-            <a:off x="21912443" y="16183715"/>
+            <a:off x="21912443" y="17606115"/>
             <a:ext cx="2020114" cy="419458"/>
           </a:xfrm>
           <a:prstGeom prst="rect">
@@ -8191,7 +8191,7 @@
         </p:nvCxnSpPr>
         <p:spPr>
           <a:xfrm rot="10800000">
-            <a:off x="21541093" y="15884690"/>
+            <a:off x="21541093" y="17307090"/>
             <a:ext cx="371351" cy="508755"/>
           </a:xfrm>
           <a:prstGeom prst="bentConnector2">
@@ -8227,7 +8227,7 @@
         </p:nvSpPr>
         <p:spPr>
           <a:xfrm>
-            <a:off x="21912443" y="16777523"/>
+            <a:off x="21912443" y="18199923"/>
             <a:ext cx="2020114" cy="419458"/>
           </a:xfrm>
           <a:prstGeom prst="rect">
@@ -8282,7 +8282,7 @@
         </p:nvCxnSpPr>
         <p:spPr>
           <a:xfrm rot="10800000">
-            <a:off x="21541093" y="15884690"/>
+            <a:off x="21541093" y="17307090"/>
             <a:ext cx="371351" cy="1102563"/>
           </a:xfrm>
           <a:prstGeom prst="bentConnector2">
@@ -8318,7 +8318,7 @@
         </p:nvSpPr>
         <p:spPr>
           <a:xfrm>
-            <a:off x="8703761" y="17230088"/>
+            <a:off x="8703761" y="18652488"/>
             <a:ext cx="2020114" cy="419458"/>
           </a:xfrm>
           <a:prstGeom prst="rect">
@@ -8378,7 +8378,7 @@
         </p:nvCxnSpPr>
         <p:spPr>
           <a:xfrm rot="10800000">
-            <a:off x="8361837" y="17000729"/>
+            <a:off x="8361837" y="18423129"/>
             <a:ext cx="341925" cy="439089"/>
           </a:xfrm>
           <a:prstGeom prst="bentConnector2">
@@ -8414,7 +8414,7 @@
         </p:nvSpPr>
         <p:spPr>
           <a:xfrm>
-            <a:off x="8731877" y="17812741"/>
+            <a:off x="8731877" y="19235141"/>
             <a:ext cx="2020114" cy="419458"/>
           </a:xfrm>
           <a:prstGeom prst="rect">
@@ -8474,7 +8474,7 @@
         </p:nvCxnSpPr>
         <p:spPr>
           <a:xfrm rot="10800000">
-            <a:off x="8361837" y="17000728"/>
+            <a:off x="8361837" y="18423128"/>
             <a:ext cx="370041" cy="1021742"/>
           </a:xfrm>
           <a:prstGeom prst="bentConnector2">
@@ -8510,7 +8510,7 @@
         </p:nvSpPr>
         <p:spPr>
           <a:xfrm>
-            <a:off x="32011664" y="14080542"/>
+            <a:off x="32011664" y="15502942"/>
             <a:ext cx="2020114" cy="419458"/>
           </a:xfrm>
           <a:prstGeom prst="rect">
@@ -8566,7 +8566,7 @@
         </p:nvCxnSpPr>
         <p:spPr>
           <a:xfrm rot="10800000">
-            <a:off x="31580162" y="13560101"/>
+            <a:off x="31580162" y="14982501"/>
             <a:ext cx="431502" cy="730170"/>
           </a:xfrm>
           <a:prstGeom prst="bentConnector2">
@@ -8602,7 +8602,7 @@
         </p:nvSpPr>
         <p:spPr>
           <a:xfrm>
-            <a:off x="23471874" y="13204930"/>
+            <a:off x="23471874" y="14627330"/>
             <a:ext cx="1725804" cy="419458"/>
           </a:xfrm>
           <a:prstGeom prst="rect">
@@ -8659,7 +8659,7 @@
         </p:nvCxnSpPr>
         <p:spPr>
           <a:xfrm rot="16200000" flipV="1">
-            <a:off x="16694477" y="5564631"/>
+            <a:off x="16694477" y="6987031"/>
             <a:ext cx="1593775" cy="13686824"/>
           </a:xfrm>
           <a:prstGeom prst="bentConnector3">
@@ -8697,7 +8697,7 @@
         </p:nvSpPr>
         <p:spPr>
           <a:xfrm>
-            <a:off x="8938406" y="19496497"/>
+            <a:off x="8938406" y="20918897"/>
             <a:ext cx="2020114" cy="419458"/>
           </a:xfrm>
           <a:prstGeom prst="rect">
@@ -8751,7 +8751,7 @@
         </p:nvCxnSpPr>
         <p:spPr>
           <a:xfrm rot="10800000">
-            <a:off x="8546857" y="19190311"/>
+            <a:off x="8546857" y="20612711"/>
             <a:ext cx="374560" cy="485765"/>
           </a:xfrm>
           <a:prstGeom prst="bentConnector2">
@@ -8789,7 +8789,7 @@
         </p:nvCxnSpPr>
         <p:spPr>
           <a:xfrm rot="10800000">
-            <a:off x="11837422" y="16537196"/>
+            <a:off x="11837422" y="17959596"/>
             <a:ext cx="374560" cy="485765"/>
           </a:xfrm>
           <a:prstGeom prst="bentConnector2">
@@ -8825,7 +8825,7 @@
         </p:nvSpPr>
         <p:spPr>
           <a:xfrm>
-            <a:off x="12211982" y="16820589"/>
+            <a:off x="12211982" y="18242989"/>
             <a:ext cx="2020114" cy="419458"/>
           </a:xfrm>
           <a:prstGeom prst="rect">
@@ -8877,7 +8877,7 @@
         </p:nvSpPr>
         <p:spPr>
           <a:xfrm>
-            <a:off x="24520686" y="13994460"/>
+            <a:off x="24520686" y="15416860"/>
             <a:ext cx="1725804" cy="419458"/>
           </a:xfrm>
           <a:prstGeom prst="rect">
@@ -8932,7 +8932,7 @@
         </p:nvCxnSpPr>
         <p:spPr>
           <a:xfrm rot="16200000" flipH="1">
-            <a:off x="24137831" y="13821333"/>
+            <a:off x="24137831" y="15243733"/>
             <a:ext cx="579801" cy="185910"/>
           </a:xfrm>
           <a:prstGeom prst="bentConnector2">
@@ -8941,13 +8941,13 @@
         </p:spPr>
         <p:style>
           <a:lnRef idx="1">
-            <a:schemeClr val="accent1"/>
+            <a:schemeClr val="dk1"/>
           </a:lnRef>
           <a:fillRef idx="0">
-            <a:schemeClr val="accent1"/>
-          </a:fillRef>
-          <a:effectRef idx="0">
-            <a:schemeClr val="accent1"/>
+            <a:schemeClr val="dk1"/>
+          </a:fillRef>
+          <a:effectRef idx="0">
+            <a:schemeClr val="dk1"/>
           </a:effectRef>
           <a:fontRef idx="minor">
             <a:schemeClr val="tx1"/>
@@ -8968,7 +8968,7 @@
         </p:nvSpPr>
         <p:spPr>
           <a:xfrm>
-            <a:off x="27114687" y="15512329"/>
+            <a:off x="27114687" y="16934729"/>
             <a:ext cx="1725804" cy="419458"/>
           </a:xfrm>
           <a:prstGeom prst="rect">
@@ -9028,7 +9028,7 @@
         </p:nvSpPr>
         <p:spPr>
           <a:xfrm>
-            <a:off x="28378834" y="16222382"/>
+            <a:off x="28378834" y="17644782"/>
             <a:ext cx="1725804" cy="419458"/>
           </a:xfrm>
           <a:prstGeom prst="rect">
@@ -9091,7 +9091,7 @@
         </p:nvCxnSpPr>
         <p:spPr>
           <a:xfrm rot="16200000" flipH="1">
-            <a:off x="27928049" y="15981326"/>
+            <a:off x="27928049" y="17403726"/>
             <a:ext cx="500324" cy="401245"/>
           </a:xfrm>
           <a:prstGeom prst="bentConnector2">
@@ -9100,13 +9100,13 @@
         </p:spPr>
         <p:style>
           <a:lnRef idx="1">
-            <a:schemeClr val="accent1"/>
+            <a:schemeClr val="dk1"/>
           </a:lnRef>
           <a:fillRef idx="0">
-            <a:schemeClr val="accent1"/>
-          </a:fillRef>
-          <a:effectRef idx="0">
-            <a:schemeClr val="accent1"/>
+            <a:schemeClr val="dk1"/>
+          </a:fillRef>
+          <a:effectRef idx="0">
+            <a:schemeClr val="dk1"/>
           </a:effectRef>
           <a:fontRef idx="minor">
             <a:schemeClr val="tx1"/>
@@ -9127,7 +9127,7 @@
         </p:nvSpPr>
         <p:spPr>
           <a:xfrm>
-            <a:off x="28413246" y="16935225"/>
+            <a:off x="28413246" y="18357625"/>
             <a:ext cx="1725804" cy="419458"/>
           </a:xfrm>
           <a:prstGeom prst="rect">
@@ -9190,7 +9190,7 @@
         </p:nvCxnSpPr>
         <p:spPr>
           <a:xfrm rot="16200000" flipH="1">
-            <a:off x="27588834" y="16320541"/>
+            <a:off x="27588834" y="17742941"/>
             <a:ext cx="1213167" cy="435657"/>
           </a:xfrm>
           <a:prstGeom prst="bentConnector2">
@@ -9199,13 +9199,13 @@
         </p:spPr>
         <p:style>
           <a:lnRef idx="1">
-            <a:schemeClr val="accent1"/>
+            <a:schemeClr val="dk1"/>
           </a:lnRef>
           <a:fillRef idx="0">
-            <a:schemeClr val="accent1"/>
-          </a:fillRef>
-          <a:effectRef idx="0">
-            <a:schemeClr val="accent1"/>
+            <a:schemeClr val="dk1"/>
+          </a:fillRef>
+          <a:effectRef idx="0">
+            <a:schemeClr val="dk1"/>
           </a:effectRef>
           <a:fontRef idx="minor">
             <a:schemeClr val="tx1"/>
@@ -9226,7 +9226,7 @@
         </p:nvSpPr>
         <p:spPr>
           <a:xfrm>
-            <a:off x="24520685" y="16593829"/>
+            <a:off x="24520685" y="18016229"/>
             <a:ext cx="1725804" cy="419458"/>
           </a:xfrm>
           <a:prstGeom prst="rect">
@@ -9281,7 +9281,7 @@
         </p:nvCxnSpPr>
         <p:spPr>
           <a:xfrm rot="10800000">
-            <a:off x="24334777" y="13624388"/>
+            <a:off x="24334777" y="15046788"/>
             <a:ext cx="185909" cy="3179170"/>
           </a:xfrm>
           <a:prstGeom prst="bentConnector2">
@@ -9317,7 +9317,7 @@
         </p:nvSpPr>
         <p:spPr>
           <a:xfrm>
-            <a:off x="24541294" y="19003246"/>
+            <a:off x="24541294" y="20425646"/>
             <a:ext cx="1725804" cy="419458"/>
           </a:xfrm>
           <a:prstGeom prst="rect">
@@ -9369,7 +9369,7 @@
         </p:nvSpPr>
         <p:spPr>
           <a:xfrm>
-            <a:off x="24541294" y="22054098"/>
+            <a:off x="24541294" y="23476498"/>
             <a:ext cx="1725804" cy="419458"/>
           </a:xfrm>
           <a:prstGeom prst="rect">
@@ -9426,7 +9426,7 @@
         </p:nvSpPr>
         <p:spPr>
           <a:xfrm>
-            <a:off x="24520685" y="25648619"/>
+            <a:off x="24520685" y="27071019"/>
             <a:ext cx="1725804" cy="419458"/>
           </a:xfrm>
           <a:prstGeom prst="rect">
@@ -9483,7 +9483,7 @@
         </p:nvSpPr>
         <p:spPr>
           <a:xfrm>
-            <a:off x="24567680" y="28883949"/>
+            <a:off x="24567680" y="30306349"/>
             <a:ext cx="1725804" cy="419458"/>
           </a:xfrm>
           <a:prstGeom prst="rect">
@@ -9535,7 +9535,7 @@
         </p:nvSpPr>
         <p:spPr>
           <a:xfrm>
-            <a:off x="25765213" y="17461652"/>
+            <a:off x="25765213" y="18884052"/>
             <a:ext cx="1725804" cy="419458"/>
           </a:xfrm>
           <a:prstGeom prst="rect">
@@ -9590,7 +9590,7 @@
         </p:nvCxnSpPr>
         <p:spPr>
           <a:xfrm rot="16200000" flipH="1">
-            <a:off x="25245353" y="17151521"/>
+            <a:off x="25245353" y="18573921"/>
             <a:ext cx="658094" cy="381626"/>
           </a:xfrm>
           <a:prstGeom prst="bentConnector2">
@@ -9599,13 +9599,13 @@
         </p:spPr>
         <p:style>
           <a:lnRef idx="1">
-            <a:schemeClr val="accent1"/>
+            <a:schemeClr val="dk1"/>
           </a:lnRef>
           <a:fillRef idx="0">
-            <a:schemeClr val="accent1"/>
-          </a:fillRef>
-          <a:effectRef idx="0">
-            <a:schemeClr val="accent1"/>
+            <a:schemeClr val="dk1"/>
+          </a:fillRef>
+          <a:effectRef idx="0">
+            <a:schemeClr val="dk1"/>
           </a:effectRef>
           <a:fontRef idx="minor">
             <a:schemeClr val="tx1"/>
@@ -9626,7 +9626,7 @@
         </p:nvSpPr>
         <p:spPr>
           <a:xfrm>
-            <a:off x="27114686" y="20482652"/>
+            <a:off x="27114686" y="21905052"/>
             <a:ext cx="1725804" cy="419458"/>
           </a:xfrm>
           <a:prstGeom prst="rect">
@@ -9678,7 +9678,7 @@
         </p:nvSpPr>
         <p:spPr>
           <a:xfrm>
-            <a:off x="28325401" y="21173149"/>
+            <a:off x="28325401" y="22595549"/>
             <a:ext cx="1725804" cy="419458"/>
           </a:xfrm>
           <a:prstGeom prst="rect">
@@ -9730,7 +9730,7 @@
         </p:nvSpPr>
         <p:spPr>
           <a:xfrm>
-            <a:off x="28325401" y="21912075"/>
+            <a:off x="28325401" y="23334475"/>
             <a:ext cx="1725804" cy="419458"/>
           </a:xfrm>
           <a:prstGeom prst="rect">
@@ -9786,7 +9786,7 @@
         </p:nvCxnSpPr>
         <p:spPr>
           <a:xfrm rot="16200000" flipH="1">
-            <a:off x="25329592" y="19497308"/>
+            <a:off x="25329592" y="20919708"/>
             <a:ext cx="562366" cy="413158"/>
           </a:xfrm>
           <a:prstGeom prst="bentConnector2">
@@ -9795,13 +9795,13 @@
         </p:spPr>
         <p:style>
           <a:lnRef idx="1">
-            <a:schemeClr val="accent1"/>
+            <a:schemeClr val="dk1"/>
           </a:lnRef>
           <a:fillRef idx="0">
-            <a:schemeClr val="accent1"/>
-          </a:fillRef>
-          <a:effectRef idx="0">
-            <a:schemeClr val="accent1"/>
+            <a:schemeClr val="dk1"/>
+          </a:fillRef>
+          <a:effectRef idx="0">
+            <a:schemeClr val="dk1"/>
           </a:effectRef>
           <a:fontRef idx="minor">
             <a:schemeClr val="tx1"/>
@@ -9825,7 +9825,7 @@
         </p:nvCxnSpPr>
         <p:spPr>
           <a:xfrm rot="16200000" flipH="1">
-            <a:off x="27911110" y="20968587"/>
+            <a:off x="27911110" y="22390987"/>
             <a:ext cx="480768" cy="347813"/>
           </a:xfrm>
           <a:prstGeom prst="bentConnector2">
@@ -9834,13 +9834,13 @@
         </p:spPr>
         <p:style>
           <a:lnRef idx="1">
-            <a:schemeClr val="accent1"/>
+            <a:schemeClr val="dk1"/>
           </a:lnRef>
           <a:fillRef idx="0">
-            <a:schemeClr val="accent1"/>
-          </a:fillRef>
-          <a:effectRef idx="0">
-            <a:schemeClr val="accent1"/>
+            <a:schemeClr val="dk1"/>
+          </a:fillRef>
+          <a:effectRef idx="0">
+            <a:schemeClr val="dk1"/>
           </a:effectRef>
           <a:fontRef idx="minor">
             <a:schemeClr val="tx1"/>
@@ -9864,7 +9864,7 @@
         </p:nvCxnSpPr>
         <p:spPr>
           <a:xfrm rot="16200000" flipH="1">
-            <a:off x="27541647" y="21338050"/>
+            <a:off x="27541647" y="22760450"/>
             <a:ext cx="1219694" cy="347813"/>
           </a:xfrm>
           <a:prstGeom prst="bentConnector2">
@@ -9873,13 +9873,13 @@
         </p:spPr>
         <p:style>
           <a:lnRef idx="1">
-            <a:schemeClr val="accent1"/>
+            <a:schemeClr val="dk1"/>
           </a:lnRef>
           <a:fillRef idx="0">
-            <a:schemeClr val="accent1"/>
-          </a:fillRef>
-          <a:effectRef idx="0">
-            <a:schemeClr val="accent1"/>
+            <a:schemeClr val="dk1"/>
+          </a:fillRef>
+          <a:effectRef idx="0">
+            <a:schemeClr val="dk1"/>
           </a:effectRef>
           <a:fontRef idx="minor">
             <a:schemeClr val="tx1"/>
@@ -9900,7 +9900,7 @@
         </p:nvSpPr>
         <p:spPr>
           <a:xfrm>
-            <a:off x="27107790" y="23733767"/>
+            <a:off x="27107790" y="25156167"/>
             <a:ext cx="1725804" cy="419458"/>
           </a:xfrm>
           <a:prstGeom prst="rect">
@@ -9960,7 +9960,7 @@
         </p:nvSpPr>
         <p:spPr>
           <a:xfrm>
-            <a:off x="28318505" y="24424264"/>
+            <a:off x="28318505" y="25846664"/>
             <a:ext cx="1725804" cy="419458"/>
           </a:xfrm>
           <a:prstGeom prst="rect">
@@ -10020,7 +10020,7 @@
         </p:nvSpPr>
         <p:spPr>
           <a:xfrm>
-            <a:off x="28318505" y="25163190"/>
+            <a:off x="28318505" y="26585590"/>
             <a:ext cx="1725804" cy="419458"/>
           </a:xfrm>
           <a:prstGeom prst="rect">
@@ -10087,7 +10087,7 @@
         </p:nvCxnSpPr>
         <p:spPr>
           <a:xfrm rot="16200000" flipH="1">
-            <a:off x="27904214" y="24219702"/>
+            <a:off x="27904214" y="25642102"/>
             <a:ext cx="480768" cy="347813"/>
           </a:xfrm>
           <a:prstGeom prst="bentConnector2">
@@ -10096,13 +10096,13 @@
         </p:spPr>
         <p:style>
           <a:lnRef idx="1">
-            <a:schemeClr val="accent1"/>
+            <a:schemeClr val="dk1"/>
           </a:lnRef>
           <a:fillRef idx="0">
-            <a:schemeClr val="accent1"/>
-          </a:fillRef>
-          <a:effectRef idx="0">
-            <a:schemeClr val="accent1"/>
+            <a:schemeClr val="dk1"/>
+          </a:fillRef>
+          <a:effectRef idx="0">
+            <a:schemeClr val="dk1"/>
           </a:effectRef>
           <a:fontRef idx="minor">
             <a:schemeClr val="tx1"/>
@@ -10126,7 +10126,7 @@
         </p:nvCxnSpPr>
         <p:spPr>
           <a:xfrm rot="16200000" flipH="1">
-            <a:off x="27534751" y="24589165"/>
+            <a:off x="27534751" y="26011565"/>
             <a:ext cx="1219694" cy="347813"/>
           </a:xfrm>
           <a:prstGeom prst="bentConnector2">
@@ -10135,13 +10135,13 @@
         </p:spPr>
         <p:style>
           <a:lnRef idx="1">
-            <a:schemeClr val="accent1"/>
+            <a:schemeClr val="dk1"/>
           </a:lnRef>
           <a:fillRef idx="0">
-            <a:schemeClr val="accent1"/>
-          </a:fillRef>
-          <a:effectRef idx="0">
-            <a:schemeClr val="accent1"/>
+            <a:schemeClr val="dk1"/>
+          </a:fillRef>
+          <a:effectRef idx="0">
+            <a:schemeClr val="dk1"/>
           </a:effectRef>
           <a:fontRef idx="minor">
             <a:schemeClr val="tx1"/>
@@ -10166,7 +10166,7 @@
         </p:nvCxnSpPr>
         <p:spPr>
           <a:xfrm rot="16200000" flipH="1">
-            <a:off x="25219197" y="22658554"/>
+            <a:off x="25219197" y="24080954"/>
             <a:ext cx="731014" cy="361017"/>
           </a:xfrm>
           <a:prstGeom prst="bentConnector2">
@@ -10175,13 +10175,13 @@
         </p:spPr>
         <p:style>
           <a:lnRef idx="1">
-            <a:schemeClr val="accent1"/>
+            <a:schemeClr val="dk1"/>
           </a:lnRef>
           <a:fillRef idx="0">
-            <a:schemeClr val="accent1"/>
-          </a:fillRef>
-          <a:effectRef idx="0">
-            <a:schemeClr val="accent1"/>
+            <a:schemeClr val="dk1"/>
+          </a:fillRef>
+          <a:effectRef idx="0">
+            <a:schemeClr val="dk1"/>
           </a:effectRef>
           <a:fontRef idx="minor">
             <a:schemeClr val="tx1"/>
@@ -10202,7 +10202,7 @@
         </p:nvSpPr>
         <p:spPr>
           <a:xfrm>
-            <a:off x="27107810" y="30401769"/>
+            <a:off x="27107810" y="31824169"/>
             <a:ext cx="1725804" cy="419458"/>
           </a:xfrm>
           <a:prstGeom prst="rect">
@@ -10254,7 +10254,7 @@
         </p:nvSpPr>
         <p:spPr>
           <a:xfrm>
-            <a:off x="28318525" y="31092266"/>
+            <a:off x="28318525" y="32514666"/>
             <a:ext cx="1725804" cy="419458"/>
           </a:xfrm>
           <a:prstGeom prst="rect">
@@ -10306,7 +10306,7 @@
         </p:nvSpPr>
         <p:spPr>
           <a:xfrm>
-            <a:off x="28318525" y="31831192"/>
+            <a:off x="28318525" y="33253592"/>
             <a:ext cx="1725804" cy="419458"/>
           </a:xfrm>
           <a:prstGeom prst="rect">
@@ -10369,7 +10369,7 @@
         </p:nvCxnSpPr>
         <p:spPr>
           <a:xfrm rot="16200000" flipH="1">
-            <a:off x="27904234" y="30887704"/>
+            <a:off x="27904234" y="32310104"/>
             <a:ext cx="480768" cy="347813"/>
           </a:xfrm>
           <a:prstGeom prst="bentConnector2">
@@ -10378,13 +10378,13 @@
         </p:spPr>
         <p:style>
           <a:lnRef idx="1">
-            <a:schemeClr val="accent1"/>
+            <a:schemeClr val="dk1"/>
           </a:lnRef>
           <a:fillRef idx="0">
-            <a:schemeClr val="accent1"/>
-          </a:fillRef>
-          <a:effectRef idx="0">
-            <a:schemeClr val="accent1"/>
+            <a:schemeClr val="dk1"/>
+          </a:fillRef>
+          <a:effectRef idx="0">
+            <a:schemeClr val="dk1"/>
           </a:effectRef>
           <a:fontRef idx="minor">
             <a:schemeClr val="tx1"/>
@@ -10408,7 +10408,7 @@
         </p:nvCxnSpPr>
         <p:spPr>
           <a:xfrm rot="16200000" flipH="1">
-            <a:off x="27534771" y="31257167"/>
+            <a:off x="27534771" y="32679567"/>
             <a:ext cx="1219694" cy="347813"/>
           </a:xfrm>
           <a:prstGeom prst="bentConnector2">
@@ -10417,13 +10417,13 @@
         </p:spPr>
         <p:style>
           <a:lnRef idx="1">
-            <a:schemeClr val="accent1"/>
+            <a:schemeClr val="dk1"/>
           </a:lnRef>
           <a:fillRef idx="0">
-            <a:schemeClr val="accent1"/>
-          </a:fillRef>
-          <a:effectRef idx="0">
-            <a:schemeClr val="accent1"/>
+            <a:schemeClr val="dk1"/>
+          </a:fillRef>
+          <a:effectRef idx="0">
+            <a:schemeClr val="dk1"/>
           </a:effectRef>
           <a:fontRef idx="minor">
             <a:schemeClr val="tx1"/>
@@ -10444,7 +10444,7 @@
         </p:nvSpPr>
         <p:spPr>
           <a:xfrm>
-            <a:off x="27018089" y="27043151"/>
+            <a:off x="27018089" y="28465551"/>
             <a:ext cx="1725804" cy="419458"/>
           </a:xfrm>
           <a:prstGeom prst="rect">
@@ -10504,7 +10504,7 @@
         </p:nvSpPr>
         <p:spPr>
           <a:xfrm>
-            <a:off x="28228804" y="27733648"/>
+            <a:off x="28228804" y="29156048"/>
             <a:ext cx="1725804" cy="419458"/>
           </a:xfrm>
           <a:prstGeom prst="rect">
@@ -10564,7 +10564,7 @@
         </p:nvSpPr>
         <p:spPr>
           <a:xfrm>
-            <a:off x="28228804" y="28472574"/>
+            <a:off x="28228804" y="29894974"/>
             <a:ext cx="1725804" cy="419458"/>
           </a:xfrm>
           <a:prstGeom prst="rect">
@@ -10631,7 +10631,7 @@
         </p:nvCxnSpPr>
         <p:spPr>
           <a:xfrm rot="16200000" flipH="1">
-            <a:off x="27814513" y="27529086"/>
+            <a:off x="27814513" y="28951486"/>
             <a:ext cx="480768" cy="347813"/>
           </a:xfrm>
           <a:prstGeom prst="bentConnector2">
@@ -10640,13 +10640,13 @@
         </p:spPr>
         <p:style>
           <a:lnRef idx="1">
-            <a:schemeClr val="accent1"/>
+            <a:schemeClr val="dk1"/>
           </a:lnRef>
           <a:fillRef idx="0">
-            <a:schemeClr val="accent1"/>
-          </a:fillRef>
-          <a:effectRef idx="0">
-            <a:schemeClr val="accent1"/>
+            <a:schemeClr val="dk1"/>
+          </a:fillRef>
+          <a:effectRef idx="0">
+            <a:schemeClr val="dk1"/>
           </a:effectRef>
           <a:fontRef idx="minor">
             <a:schemeClr val="tx1"/>
@@ -10670,7 +10670,7 @@
         </p:nvCxnSpPr>
         <p:spPr>
           <a:xfrm rot="16200000" flipH="1">
-            <a:off x="27445050" y="27898549"/>
+            <a:off x="27445050" y="29320949"/>
             <a:ext cx="1219694" cy="347813"/>
           </a:xfrm>
           <a:prstGeom prst="bentConnector2">
@@ -10679,13 +10679,13 @@
         </p:spPr>
         <p:style>
           <a:lnRef idx="1">
-            <a:schemeClr val="accent1"/>
+            <a:schemeClr val="dk1"/>
           </a:lnRef>
           <a:fillRef idx="0">
-            <a:schemeClr val="accent1"/>
-          </a:fillRef>
-          <a:effectRef idx="0">
-            <a:schemeClr val="accent1"/>
+            <a:schemeClr val="dk1"/>
+          </a:fillRef>
+          <a:effectRef idx="0">
+            <a:schemeClr val="dk1"/>
           </a:effectRef>
           <a:fontRef idx="minor">
             <a:schemeClr val="tx1"/>
@@ -10710,7 +10710,7 @@
         </p:nvCxnSpPr>
         <p:spPr>
           <a:xfrm rot="16200000" flipH="1">
-            <a:off x="25319771" y="26131893"/>
+            <a:off x="25319771" y="27554293"/>
             <a:ext cx="562366" cy="434734"/>
           </a:xfrm>
           <a:prstGeom prst="bentConnector2">
@@ -10719,13 +10719,13 @@
         </p:spPr>
         <p:style>
           <a:lnRef idx="1">
-            <a:schemeClr val="accent1"/>
+            <a:schemeClr val="dk1"/>
           </a:lnRef>
           <a:fillRef idx="0">
-            <a:schemeClr val="accent1"/>
-          </a:fillRef>
-          <a:effectRef idx="0">
-            <a:schemeClr val="accent1"/>
+            <a:schemeClr val="dk1"/>
+          </a:fillRef>
+          <a:effectRef idx="0">
+            <a:schemeClr val="dk1"/>
           </a:effectRef>
           <a:fontRef idx="minor">
             <a:schemeClr val="tx1"/>
@@ -10749,7 +10749,7 @@
         </p:nvCxnSpPr>
         <p:spPr>
           <a:xfrm rot="5400000">
-            <a:off x="35480250" y="7667914"/>
+            <a:off x="35480250" y="9090314"/>
             <a:ext cx="1565986" cy="9379466"/>
           </a:xfrm>
           <a:prstGeom prst="bentConnector3">
@@ -10758,13 +10758,13 @@
         </p:spPr>
         <p:style>
           <a:lnRef idx="1">
-            <a:schemeClr val="accent1"/>
+            <a:schemeClr val="dk1"/>
           </a:lnRef>
           <a:fillRef idx="0">
-            <a:schemeClr val="accent1"/>
-          </a:fillRef>
-          <a:effectRef idx="0">
-            <a:schemeClr val="accent1"/>
+            <a:schemeClr val="dk1"/>
+          </a:fillRef>
+          <a:effectRef idx="0">
+            <a:schemeClr val="dk1"/>
           </a:effectRef>
           <a:fontRef idx="minor">
             <a:schemeClr val="tx1"/>
@@ -10785,7 +10785,7 @@
         </p:nvSpPr>
         <p:spPr>
           <a:xfrm>
-            <a:off x="39703256" y="20340663"/>
+            <a:off x="39703256" y="21763063"/>
             <a:ext cx="2258402" cy="419458"/>
           </a:xfrm>
           <a:prstGeom prst="rect">
@@ -10841,7 +10841,7 @@
         </p:nvCxnSpPr>
         <p:spPr>
           <a:xfrm rot="16200000" flipH="1">
-            <a:off x="40802088" y="20790489"/>
+            <a:off x="40802088" y="22212889"/>
             <a:ext cx="460455" cy="399717"/>
           </a:xfrm>
           <a:prstGeom prst="bentConnector2">
@@ -10850,13 +10850,13 @@
         </p:spPr>
         <p:style>
           <a:lnRef idx="1">
-            <a:schemeClr val="accent1"/>
+            <a:schemeClr val="dk1"/>
           </a:lnRef>
           <a:fillRef idx="0">
-            <a:schemeClr val="accent1"/>
-          </a:fillRef>
-          <a:effectRef idx="0">
-            <a:schemeClr val="accent1"/>
+            <a:schemeClr val="dk1"/>
+          </a:fillRef>
+          <a:effectRef idx="0">
+            <a:schemeClr val="dk1"/>
           </a:effectRef>
           <a:fontRef idx="minor">
             <a:schemeClr val="tx1"/>
@@ -10880,7 +10880,7 @@
         </p:nvCxnSpPr>
         <p:spPr>
           <a:xfrm rot="16200000" flipH="1">
-            <a:off x="40463112" y="21129465"/>
+            <a:off x="40463112" y="22551865"/>
             <a:ext cx="1138407" cy="399717"/>
           </a:xfrm>
           <a:prstGeom prst="bentConnector2">
@@ -10889,13 +10889,13 @@
         </p:spPr>
         <p:style>
           <a:lnRef idx="1">
-            <a:schemeClr val="accent1"/>
+            <a:schemeClr val="dk1"/>
           </a:lnRef>
           <a:fillRef idx="0">
-            <a:schemeClr val="accent1"/>
-          </a:fillRef>
-          <a:effectRef idx="0">
-            <a:schemeClr val="accent1"/>
+            <a:schemeClr val="dk1"/>
+          </a:fillRef>
+          <a:effectRef idx="0">
+            <a:schemeClr val="dk1"/>
           </a:effectRef>
           <a:fontRef idx="minor">
             <a:schemeClr val="tx1"/>
@@ -10916,7 +10916,7 @@
         </p:nvSpPr>
         <p:spPr>
           <a:xfrm>
-            <a:off x="39642383" y="24706664"/>
+            <a:off x="39642383" y="26129064"/>
             <a:ext cx="2258402" cy="419458"/>
           </a:xfrm>
           <a:prstGeom prst="rect">
@@ -10971,7 +10971,7 @@
         </p:nvCxnSpPr>
         <p:spPr>
           <a:xfrm rot="16200000" flipH="1">
-            <a:off x="40820640" y="25077066"/>
+            <a:off x="40820640" y="26499466"/>
             <a:ext cx="379769" cy="477880"/>
           </a:xfrm>
           <a:prstGeom prst="bentConnector2">
@@ -10980,13 +10980,13 @@
         </p:spPr>
         <p:style>
           <a:lnRef idx="1">
-            <a:schemeClr val="accent1"/>
+            <a:schemeClr val="dk1"/>
           </a:lnRef>
           <a:fillRef idx="0">
-            <a:schemeClr val="accent1"/>
-          </a:fillRef>
-          <a:effectRef idx="0">
-            <a:schemeClr val="accent1"/>
+            <a:schemeClr val="dk1"/>
+          </a:fillRef>
+          <a:effectRef idx="0">
+            <a:schemeClr val="dk1"/>
           </a:effectRef>
           <a:fontRef idx="minor">
             <a:schemeClr val="tx1"/>
@@ -11010,7 +11010,7 @@
         </p:nvCxnSpPr>
         <p:spPr>
           <a:xfrm rot="16200000" flipH="1">
-            <a:off x="40493885" y="25403821"/>
+            <a:off x="40493885" y="26826221"/>
             <a:ext cx="1033279" cy="477880"/>
           </a:xfrm>
           <a:prstGeom prst="bentConnector2">
@@ -11019,13 +11019,13 @@
         </p:spPr>
         <p:style>
           <a:lnRef idx="1">
-            <a:schemeClr val="accent1"/>
+            <a:schemeClr val="dk1"/>
           </a:lnRef>
           <a:fillRef idx="0">
-            <a:schemeClr val="accent1"/>
-          </a:fillRef>
-          <a:effectRef idx="0">
-            <a:schemeClr val="accent1"/>
+            <a:schemeClr val="dk1"/>
+          </a:fillRef>
+          <a:effectRef idx="0">
+            <a:schemeClr val="dk1"/>
           </a:effectRef>
           <a:fontRef idx="minor">
             <a:schemeClr val="tx1"/>
@@ -11046,7 +11046,7 @@
         </p:nvSpPr>
         <p:spPr>
           <a:xfrm>
-            <a:off x="39769561" y="15930435"/>
+            <a:off x="39769561" y="17352835"/>
             <a:ext cx="2258402" cy="419458"/>
           </a:xfrm>
           <a:prstGeom prst="rect">
@@ -11105,7 +11105,7 @@
         </p:nvCxnSpPr>
         <p:spPr>
           <a:xfrm rot="16200000" flipH="1">
-            <a:off x="40859863" y="16388792"/>
+            <a:off x="40859863" y="17811192"/>
             <a:ext cx="513587" cy="435788"/>
           </a:xfrm>
           <a:prstGeom prst="bentConnector2">
@@ -11114,13 +11114,13 @@
         </p:spPr>
         <p:style>
           <a:lnRef idx="1">
-            <a:schemeClr val="accent1"/>
+            <a:schemeClr val="dk1"/>
           </a:lnRef>
           <a:fillRef idx="0">
-            <a:schemeClr val="accent1"/>
-          </a:fillRef>
-          <a:effectRef idx="0">
-            <a:schemeClr val="accent1"/>
+            <a:schemeClr val="dk1"/>
+          </a:fillRef>
+          <a:effectRef idx="0">
+            <a:schemeClr val="dk1"/>
           </a:effectRef>
           <a:fontRef idx="minor">
             <a:schemeClr val="tx1"/>
@@ -11144,7 +11144,7 @@
         </p:nvCxnSpPr>
         <p:spPr>
           <a:xfrm rot="16200000" flipH="1">
-            <a:off x="40467413" y="16781242"/>
+            <a:off x="40467413" y="18203642"/>
             <a:ext cx="1254478" cy="391780"/>
           </a:xfrm>
           <a:prstGeom prst="bentConnector2">
@@ -11153,13 +11153,13 @@
         </p:spPr>
         <p:style>
           <a:lnRef idx="1">
-            <a:schemeClr val="accent1"/>
+            <a:schemeClr val="dk1"/>
           </a:lnRef>
           <a:fillRef idx="0">
-            <a:schemeClr val="accent1"/>
-          </a:fillRef>
-          <a:effectRef idx="0">
-            <a:schemeClr val="accent1"/>
+            <a:schemeClr val="dk1"/>
+          </a:fillRef>
+          <a:effectRef idx="0">
+            <a:schemeClr val="dk1"/>
           </a:effectRef>
           <a:fontRef idx="minor">
             <a:schemeClr val="tx1"/>
@@ -11183,7 +11183,7 @@
         </p:nvCxnSpPr>
         <p:spPr>
           <a:xfrm rot="16200000" flipH="1">
-            <a:off x="39209557" y="24483567"/>
+            <a:off x="39209557" y="25905967"/>
             <a:ext cx="494006" cy="371646"/>
           </a:xfrm>
           <a:prstGeom prst="bentConnector2">
@@ -11192,13 +11192,13 @@
         </p:spPr>
         <p:style>
           <a:lnRef idx="1">
-            <a:schemeClr val="accent1"/>
+            <a:schemeClr val="dk1"/>
           </a:lnRef>
           <a:fillRef idx="0">
-            <a:schemeClr val="accent1"/>
-          </a:fillRef>
-          <a:effectRef idx="0">
-            <a:schemeClr val="accent1"/>
+            <a:schemeClr val="dk1"/>
+          </a:fillRef>
+          <a:effectRef idx="0">
+            <a:schemeClr val="dk1"/>
           </a:effectRef>
           <a:fontRef idx="minor">
             <a:schemeClr val="tx1"/>
@@ -11219,7 +11219,7 @@
         </p:nvSpPr>
         <p:spPr>
           <a:xfrm>
-            <a:off x="38189265" y="19645535"/>
+            <a:off x="38189265" y="21067935"/>
             <a:ext cx="2258402" cy="419458"/>
           </a:xfrm>
           <a:prstGeom prst="rect">
@@ -11274,7 +11274,7 @@
         </p:nvCxnSpPr>
         <p:spPr>
           <a:xfrm rot="16200000" flipH="1">
-            <a:off x="37193886" y="18859885"/>
+            <a:off x="37193886" y="20282285"/>
             <a:ext cx="1586532" cy="404226"/>
           </a:xfrm>
           <a:prstGeom prst="bentConnector2">
@@ -11283,13 +11283,13 @@
         </p:spPr>
         <p:style>
           <a:lnRef idx="1">
-            <a:schemeClr val="accent1"/>
+            <a:schemeClr val="dk1"/>
           </a:lnRef>
           <a:fillRef idx="0">
-            <a:schemeClr val="accent1"/>
-          </a:fillRef>
-          <a:effectRef idx="0">
-            <a:schemeClr val="accent1"/>
+            <a:schemeClr val="dk1"/>
+          </a:fillRef>
+          <a:effectRef idx="0">
+            <a:schemeClr val="dk1"/>
           </a:effectRef>
           <a:fontRef idx="minor">
             <a:schemeClr val="tx1"/>
@@ -11313,7 +11313,7 @@
         </p:nvCxnSpPr>
         <p:spPr>
           <a:xfrm rot="16200000" flipH="1">
-            <a:off x="39268162" y="20115297"/>
+            <a:off x="39268162" y="21537697"/>
             <a:ext cx="485399" cy="384790"/>
           </a:xfrm>
           <a:prstGeom prst="bentConnector2">
@@ -11322,13 +11322,13 @@
         </p:spPr>
         <p:style>
           <a:lnRef idx="1">
-            <a:schemeClr val="accent1"/>
+            <a:schemeClr val="dk1"/>
           </a:lnRef>
           <a:fillRef idx="0">
-            <a:schemeClr val="accent1"/>
-          </a:fillRef>
-          <a:effectRef idx="0">
-            <a:schemeClr val="accent1"/>
+            <a:schemeClr val="dk1"/>
+          </a:fillRef>
+          <a:effectRef idx="0">
+            <a:schemeClr val="dk1"/>
           </a:effectRef>
           <a:fontRef idx="minor">
             <a:schemeClr val="tx1"/>
@@ -11349,7 +11349,7 @@
         </p:nvSpPr>
         <p:spPr>
           <a:xfrm>
-            <a:off x="38120879" y="15316245"/>
+            <a:off x="38120879" y="16738645"/>
             <a:ext cx="2258402" cy="419458"/>
           </a:xfrm>
           <a:prstGeom prst="rect">
@@ -11408,7 +11408,7 @@
         </p:nvCxnSpPr>
         <p:spPr>
           <a:xfrm rot="16200000" flipH="1">
-            <a:off x="37335108" y="14740203"/>
+            <a:off x="37335108" y="16162603"/>
             <a:ext cx="1235702" cy="335839"/>
           </a:xfrm>
           <a:prstGeom prst="bentConnector2">
@@ -11417,13 +11417,13 @@
         </p:spPr>
         <p:style>
           <a:lnRef idx="1">
-            <a:schemeClr val="accent1"/>
+            <a:schemeClr val="dk1"/>
           </a:lnRef>
           <a:fillRef idx="0">
-            <a:schemeClr val="accent1"/>
-          </a:fillRef>
-          <a:effectRef idx="0">
-            <a:schemeClr val="accent1"/>
+            <a:schemeClr val="dk1"/>
+          </a:fillRef>
+          <a:effectRef idx="0">
+            <a:schemeClr val="dk1"/>
           </a:effectRef>
           <a:fontRef idx="minor">
             <a:schemeClr val="tx1"/>
@@ -11447,7 +11447,7 @@
         </p:nvCxnSpPr>
         <p:spPr>
           <a:xfrm rot="16200000" flipH="1">
-            <a:off x="39307590" y="15678192"/>
+            <a:off x="39307590" y="17100592"/>
             <a:ext cx="404461" cy="519481"/>
           </a:xfrm>
           <a:prstGeom prst="bentConnector2">
@@ -11456,13 +11456,13 @@
         </p:spPr>
         <p:style>
           <a:lnRef idx="1">
-            <a:schemeClr val="accent1"/>
+            <a:schemeClr val="dk1"/>
           </a:lnRef>
           <a:fillRef idx="0">
-            <a:schemeClr val="accent1"/>
-          </a:fillRef>
-          <a:effectRef idx="0">
-            <a:schemeClr val="accent1"/>
+            <a:schemeClr val="dk1"/>
+          </a:fillRef>
+          <a:effectRef idx="0">
+            <a:schemeClr val="dk1"/>
           </a:effectRef>
           <a:fontRef idx="minor">
             <a:schemeClr val="tx1"/>
@@ -11483,7 +11483,7 @@
         </p:nvSpPr>
         <p:spPr>
           <a:xfrm>
-            <a:off x="33542721" y="14948636"/>
+            <a:off x="33542721" y="16371036"/>
             <a:ext cx="2020114" cy="419458"/>
           </a:xfrm>
           <a:prstGeom prst="rect">
@@ -11539,7 +11539,7 @@
         </p:nvCxnSpPr>
         <p:spPr>
           <a:xfrm rot="16200000" flipH="1">
-            <a:off x="32953039" y="14568682"/>
+            <a:off x="32953039" y="15991082"/>
             <a:ext cx="658365" cy="521000"/>
           </a:xfrm>
           <a:prstGeom prst="bentConnector2">
@@ -11548,13 +11548,13 @@
         </p:spPr>
         <p:style>
           <a:lnRef idx="1">
-            <a:schemeClr val="accent1"/>
+            <a:schemeClr val="dk1"/>
           </a:lnRef>
           <a:fillRef idx="0">
-            <a:schemeClr val="accent1"/>
-          </a:fillRef>
-          <a:effectRef idx="0">
-            <a:schemeClr val="accent1"/>
+            <a:schemeClr val="dk1"/>
+          </a:fillRef>
+          <a:effectRef idx="0">
+            <a:schemeClr val="dk1"/>
           </a:effectRef>
           <a:fontRef idx="minor">
             <a:schemeClr val="tx1"/>
@@ -11575,7 +11575,7 @@
         </p:nvSpPr>
         <p:spPr>
           <a:xfrm>
-            <a:off x="25912697" y="14767927"/>
+            <a:off x="25912697" y="16190327"/>
             <a:ext cx="1725804" cy="419458"/>
           </a:xfrm>
           <a:prstGeom prst="rect">
@@ -11630,7 +11630,7 @@
         </p:nvCxnSpPr>
         <p:spPr>
           <a:xfrm rot="16200000" flipH="1">
-            <a:off x="25366273" y="14431232"/>
+            <a:off x="25366273" y="15853632"/>
             <a:ext cx="563738" cy="529109"/>
           </a:xfrm>
           <a:prstGeom prst="bentConnector2">
@@ -11639,13 +11639,13 @@
         </p:spPr>
         <p:style>
           <a:lnRef idx="1">
-            <a:schemeClr val="accent1"/>
+            <a:schemeClr val="dk1"/>
           </a:lnRef>
           <a:fillRef idx="0">
-            <a:schemeClr val="accent1"/>
-          </a:fillRef>
-          <a:effectRef idx="0">
-            <a:schemeClr val="accent1"/>
+            <a:schemeClr val="dk1"/>
+          </a:fillRef>
+          <a:effectRef idx="0">
+            <a:schemeClr val="dk1"/>
           </a:effectRef>
           <a:fontRef idx="minor">
             <a:schemeClr val="tx1"/>
@@ -11669,7 +11669,7 @@
         </p:nvCxnSpPr>
         <p:spPr>
           <a:xfrm rot="16200000" flipH="1">
-            <a:off x="26677807" y="15285177"/>
+            <a:off x="26677807" y="16707577"/>
             <a:ext cx="534673" cy="339088"/>
           </a:xfrm>
           <a:prstGeom prst="bentConnector2">
@@ -11678,13 +11678,13 @@
         </p:spPr>
         <p:style>
           <a:lnRef idx="1">
-            <a:schemeClr val="accent1"/>
+            <a:schemeClr val="dk1"/>
           </a:lnRef>
           <a:fillRef idx="0">
-            <a:schemeClr val="accent1"/>
-          </a:fillRef>
-          <a:effectRef idx="0">
-            <a:schemeClr val="accent1"/>
+            <a:schemeClr val="dk1"/>
+          </a:fillRef>
+          <a:effectRef idx="0">
+            <a:schemeClr val="dk1"/>
           </a:effectRef>
           <a:fontRef idx="minor">
             <a:schemeClr val="tx1"/>
@@ -11705,7 +11705,7 @@
         </p:nvSpPr>
         <p:spPr>
           <a:xfrm>
-            <a:off x="27332515" y="18203895"/>
+            <a:off x="27332515" y="19626295"/>
             <a:ext cx="1725804" cy="419458"/>
           </a:xfrm>
           <a:prstGeom prst="rect">
@@ -11760,7 +11760,7 @@
         </p:nvCxnSpPr>
         <p:spPr>
           <a:xfrm rot="16200000" flipH="1">
-            <a:off x="26714058" y="17795167"/>
+            <a:off x="26714058" y="19217567"/>
             <a:ext cx="532514" cy="704400"/>
           </a:xfrm>
           <a:prstGeom prst="bentConnector2">
@@ -11769,13 +11769,13 @@
         </p:spPr>
         <p:style>
           <a:lnRef idx="1">
-            <a:schemeClr val="accent1"/>
+            <a:schemeClr val="dk1"/>
           </a:lnRef>
           <a:fillRef idx="0">
-            <a:schemeClr val="accent1"/>
-          </a:fillRef>
-          <a:effectRef idx="0">
-            <a:schemeClr val="accent1"/>
+            <a:schemeClr val="dk1"/>
+          </a:fillRef>
+          <a:effectRef idx="0">
+            <a:schemeClr val="dk1"/>
           </a:effectRef>
           <a:fontRef idx="minor">
             <a:schemeClr val="tx1"/>
@@ -11796,7 +11796,7 @@
         </p:nvSpPr>
         <p:spPr>
           <a:xfrm>
-            <a:off x="25817354" y="19775341"/>
+            <a:off x="25817354" y="21197741"/>
             <a:ext cx="1725804" cy="419458"/>
           </a:xfrm>
           <a:prstGeom prst="rect">
@@ -11851,7 +11851,7 @@
         </p:nvCxnSpPr>
         <p:spPr>
           <a:xfrm rot="16200000" flipH="1">
-            <a:off x="26648680" y="20226375"/>
+            <a:off x="26648680" y="21648775"/>
             <a:ext cx="497582" cy="434430"/>
           </a:xfrm>
           <a:prstGeom prst="bentConnector2">
@@ -11860,13 +11860,13 @@
         </p:spPr>
         <p:style>
           <a:lnRef idx="1">
-            <a:schemeClr val="accent1"/>
+            <a:schemeClr val="dk1"/>
           </a:lnRef>
           <a:fillRef idx="0">
-            <a:schemeClr val="accent1"/>
-          </a:fillRef>
-          <a:effectRef idx="0">
-            <a:schemeClr val="accent1"/>
+            <a:schemeClr val="dk1"/>
+          </a:fillRef>
+          <a:effectRef idx="0">
+            <a:schemeClr val="dk1"/>
           </a:effectRef>
           <a:fontRef idx="minor">
             <a:schemeClr val="tx1"/>
@@ -11887,7 +11887,7 @@
         </p:nvSpPr>
         <p:spPr>
           <a:xfrm>
-            <a:off x="25765213" y="22994841"/>
+            <a:off x="25765213" y="24417241"/>
             <a:ext cx="1725804" cy="419458"/>
           </a:xfrm>
           <a:prstGeom prst="rect">
@@ -11950,7 +11950,7 @@
         </p:nvCxnSpPr>
         <p:spPr>
           <a:xfrm rot="16200000" flipH="1">
-            <a:off x="26603354" y="23439059"/>
+            <a:off x="26603354" y="24861459"/>
             <a:ext cx="529197" cy="479675"/>
           </a:xfrm>
           <a:prstGeom prst="bentConnector2">
@@ -11959,13 +11959,13 @@
         </p:spPr>
         <p:style>
           <a:lnRef idx="1">
-            <a:schemeClr val="accent1"/>
+            <a:schemeClr val="dk1"/>
           </a:lnRef>
           <a:fillRef idx="0">
-            <a:schemeClr val="accent1"/>
-          </a:fillRef>
-          <a:effectRef idx="0">
-            <a:schemeClr val="accent1"/>
+            <a:schemeClr val="dk1"/>
+          </a:fillRef>
+          <a:effectRef idx="0">
+            <a:schemeClr val="dk1"/>
           </a:effectRef>
           <a:fontRef idx="minor">
             <a:schemeClr val="tx1"/>
@@ -11986,7 +11986,7 @@
         </p:nvSpPr>
         <p:spPr>
           <a:xfrm>
-            <a:off x="25818321" y="26420714"/>
+            <a:off x="25818321" y="27843114"/>
             <a:ext cx="1725804" cy="419458"/>
           </a:xfrm>
           <a:prstGeom prst="rect">
@@ -12049,7 +12049,7 @@
         </p:nvCxnSpPr>
         <p:spPr>
           <a:xfrm rot="16200000" flipH="1">
-            <a:off x="26643302" y="26878093"/>
+            <a:off x="26643302" y="28300493"/>
             <a:ext cx="412708" cy="336866"/>
           </a:xfrm>
           <a:prstGeom prst="bentConnector2">
@@ -12058,13 +12058,13 @@
         </p:spPr>
         <p:style>
           <a:lnRef idx="1">
-            <a:schemeClr val="accent1"/>
+            <a:schemeClr val="dk1"/>
           </a:lnRef>
           <a:fillRef idx="0">
-            <a:schemeClr val="accent1"/>
-          </a:fillRef>
-          <a:effectRef idx="0">
-            <a:schemeClr val="accent1"/>
+            <a:schemeClr val="dk1"/>
+          </a:fillRef>
+          <a:effectRef idx="0">
+            <a:schemeClr val="dk1"/>
           </a:effectRef>
           <a:fontRef idx="minor">
             <a:schemeClr val="tx1"/>
@@ -12085,7 +12085,7 @@
         </p:nvSpPr>
         <p:spPr>
           <a:xfrm>
-            <a:off x="25817354" y="29668218"/>
+            <a:off x="25817354" y="31090618"/>
             <a:ext cx="1725804" cy="419458"/>
           </a:xfrm>
           <a:prstGeom prst="rect">
@@ -12140,7 +12140,7 @@
         </p:nvCxnSpPr>
         <p:spPr>
           <a:xfrm rot="16200000" flipH="1">
-            <a:off x="25336698" y="29397291"/>
+            <a:off x="25336698" y="30819691"/>
             <a:ext cx="574540" cy="386772"/>
           </a:xfrm>
           <a:prstGeom prst="bentConnector2">
@@ -12149,13 +12149,13 @@
         </p:spPr>
         <p:style>
           <a:lnRef idx="1">
-            <a:schemeClr val="accent1"/>
+            <a:schemeClr val="dk1"/>
           </a:lnRef>
           <a:fillRef idx="0">
-            <a:schemeClr val="accent1"/>
-          </a:fillRef>
-          <a:effectRef idx="0">
-            <a:schemeClr val="accent1"/>
+            <a:schemeClr val="dk1"/>
+          </a:fillRef>
+          <a:effectRef idx="0">
+            <a:schemeClr val="dk1"/>
           </a:effectRef>
           <a:fontRef idx="minor">
             <a:schemeClr val="tx1"/>
@@ -12179,7 +12179,7 @@
         </p:nvCxnSpPr>
         <p:spPr>
           <a:xfrm rot="16200000" flipH="1">
-            <a:off x="26632122" y="30135810"/>
+            <a:off x="26632122" y="31558210"/>
             <a:ext cx="523822" cy="427554"/>
           </a:xfrm>
           <a:prstGeom prst="bentConnector2">
@@ -12188,13 +12188,13 @@
         </p:spPr>
         <p:style>
           <a:lnRef idx="1">
-            <a:schemeClr val="accent1"/>
+            <a:schemeClr val="dk1"/>
           </a:lnRef>
           <a:fillRef idx="0">
-            <a:schemeClr val="accent1"/>
-          </a:fillRef>
-          <a:effectRef idx="0">
-            <a:schemeClr val="accent1"/>
+            <a:schemeClr val="dk1"/>
+          </a:fillRef>
+          <a:effectRef idx="0">
+            <a:schemeClr val="dk1"/>
           </a:effectRef>
           <a:fontRef idx="minor">
             <a:schemeClr val="tx1"/>
@@ -12218,7 +12218,7 @@
         </p:nvCxnSpPr>
         <p:spPr>
           <a:xfrm rot="16200000" flipH="1">
-            <a:off x="9974888" y="12284219"/>
+            <a:off x="9974888" y="13706619"/>
             <a:ext cx="1639469" cy="293340"/>
           </a:xfrm>
           <a:prstGeom prst="bentConnector3">
@@ -12227,13 +12227,13 @@
         </p:spPr>
         <p:style>
           <a:lnRef idx="1">
-            <a:schemeClr val="accent1"/>
+            <a:schemeClr val="dk1"/>
           </a:lnRef>
           <a:fillRef idx="0">
-            <a:schemeClr val="accent1"/>
-          </a:fillRef>
-          <a:effectRef idx="0">
-            <a:schemeClr val="accent1"/>
+            <a:schemeClr val="dk1"/>
+          </a:fillRef>
+          <a:effectRef idx="0">
+            <a:schemeClr val="dk1"/>
           </a:effectRef>
           <a:fontRef idx="minor">
             <a:schemeClr val="tx1"/>
@@ -12257,7 +12257,7 @@
         </p:nvCxnSpPr>
         <p:spPr>
           <a:xfrm rot="16200000" flipH="1">
-            <a:off x="21643742" y="16315422"/>
+            <a:off x="21643742" y="17737822"/>
             <a:ext cx="5588587" cy="206518"/>
           </a:xfrm>
           <a:prstGeom prst="bentConnector2">
@@ -12266,13 +12266,13 @@
         </p:spPr>
         <p:style>
           <a:lnRef idx="1">
-            <a:schemeClr val="accent1"/>
+            <a:schemeClr val="dk1"/>
           </a:lnRef>
           <a:fillRef idx="0">
-            <a:schemeClr val="accent1"/>
-          </a:fillRef>
-          <a:effectRef idx="0">
-            <a:schemeClr val="accent1"/>
+            <a:schemeClr val="dk1"/>
+          </a:fillRef>
+          <a:effectRef idx="0">
+            <a:schemeClr val="dk1"/>
           </a:effectRef>
           <a:fontRef idx="minor">
             <a:schemeClr val="tx1"/>
@@ -12296,7 +12296,7 @@
         </p:nvCxnSpPr>
         <p:spPr>
           <a:xfrm rot="16200000" flipH="1">
-            <a:off x="20118316" y="17840848"/>
+            <a:off x="20118316" y="19263248"/>
             <a:ext cx="8639439" cy="206518"/>
           </a:xfrm>
           <a:prstGeom prst="bentConnector2">
@@ -12305,13 +12305,13 @@
         </p:spPr>
         <p:style>
           <a:lnRef idx="1">
-            <a:schemeClr val="accent1"/>
+            <a:schemeClr val="dk1"/>
           </a:lnRef>
           <a:fillRef idx="0">
-            <a:schemeClr val="accent1"/>
-          </a:fillRef>
-          <a:effectRef idx="0">
-            <a:schemeClr val="accent1"/>
+            <a:schemeClr val="dk1"/>
+          </a:fillRef>
+          <a:effectRef idx="0">
+            <a:schemeClr val="dk1"/>
           </a:effectRef>
           <a:fontRef idx="minor">
             <a:schemeClr val="tx1"/>
@@ -12335,7 +12335,7 @@
         </p:nvCxnSpPr>
         <p:spPr>
           <a:xfrm rot="16200000" flipH="1">
-            <a:off x="18310750" y="19648413"/>
+            <a:off x="18310750" y="21070813"/>
             <a:ext cx="12233960" cy="185909"/>
           </a:xfrm>
           <a:prstGeom prst="bentConnector2">
@@ -12344,13 +12344,13 @@
         </p:spPr>
         <p:style>
           <a:lnRef idx="1">
-            <a:schemeClr val="accent1"/>
+            <a:schemeClr val="dk1"/>
           </a:lnRef>
           <a:fillRef idx="0">
-            <a:schemeClr val="accent1"/>
-          </a:fillRef>
-          <a:effectRef idx="0">
-            <a:schemeClr val="accent1"/>
+            <a:schemeClr val="dk1"/>
+          </a:fillRef>
+          <a:effectRef idx="0">
+            <a:schemeClr val="dk1"/>
           </a:effectRef>
           <a:fontRef idx="minor">
             <a:schemeClr val="tx1"/>
@@ -12375,7 +12375,7 @@
         </p:nvCxnSpPr>
         <p:spPr>
           <a:xfrm rot="16200000" flipH="1">
-            <a:off x="16716583" y="21242581"/>
+            <a:off x="16716583" y="22664981"/>
             <a:ext cx="15469290" cy="232904"/>
           </a:xfrm>
           <a:prstGeom prst="bentConnector2">
@@ -12384,13 +12384,13 @@
         </p:spPr>
         <p:style>
           <a:lnRef idx="1">
-            <a:schemeClr val="accent1"/>
+            <a:schemeClr val="dk1"/>
           </a:lnRef>
           <a:fillRef idx="0">
-            <a:schemeClr val="accent1"/>
-          </a:fillRef>
-          <a:effectRef idx="0">
-            <a:schemeClr val="accent1"/>
+            <a:schemeClr val="dk1"/>
+          </a:fillRef>
+          <a:effectRef idx="0">
+            <a:schemeClr val="dk1"/>
           </a:effectRef>
           <a:fontRef idx="minor">
             <a:schemeClr val="tx1"/>
@@ -12411,7 +12411,7 @@
         </p:nvSpPr>
         <p:spPr>
           <a:xfrm>
-            <a:off x="19290359" y="14783382"/>
+            <a:off x="19290359" y="16205782"/>
             <a:ext cx="2020114" cy="419458"/>
           </a:xfrm>
           <a:prstGeom prst="rect">
@@ -12466,7 +12466,7 @@
         </p:nvCxnSpPr>
         <p:spPr>
           <a:xfrm rot="16200000" flipH="1">
-            <a:off x="18479650" y="14182401"/>
+            <a:off x="18479650" y="15604801"/>
             <a:ext cx="1368723" cy="252695"/>
           </a:xfrm>
           <a:prstGeom prst="bentConnector2">
@@ -12475,13 +12475,13 @@
         </p:spPr>
         <p:style>
           <a:lnRef idx="1">
-            <a:schemeClr val="accent1"/>
+            <a:schemeClr val="dk1"/>
           </a:lnRef>
           <a:fillRef idx="0">
-            <a:schemeClr val="accent1"/>
-          </a:fillRef>
-          <a:effectRef idx="0">
-            <a:schemeClr val="accent1"/>
+            <a:schemeClr val="dk1"/>
+          </a:fillRef>
+          <a:effectRef idx="0">
+            <a:schemeClr val="dk1"/>
           </a:effectRef>
           <a:fontRef idx="minor">
             <a:schemeClr val="tx1"/>
@@ -12505,7 +12505,7 @@
         </p:nvCxnSpPr>
         <p:spPr>
           <a:xfrm rot="16200000" flipH="1">
-            <a:off x="20179665" y="15323590"/>
+            <a:off x="20179665" y="16745990"/>
             <a:ext cx="472120" cy="230619"/>
           </a:xfrm>
           <a:prstGeom prst="bentConnector2">
@@ -12514,13 +12514,13 @@
         </p:spPr>
         <p:style>
           <a:lnRef idx="1">
-            <a:schemeClr val="accent1"/>
+            <a:schemeClr val="dk1"/>
           </a:lnRef>
           <a:fillRef idx="0">
-            <a:schemeClr val="accent1"/>
-          </a:fillRef>
-          <a:effectRef idx="0">
-            <a:schemeClr val="accent1"/>
+            <a:schemeClr val="dk1"/>
+          </a:fillRef>
+          <a:effectRef idx="0">
+            <a:schemeClr val="dk1"/>
           </a:effectRef>
           <a:fontRef idx="minor">
             <a:schemeClr val="tx1"/>
@@ -12541,7 +12541,7 @@
         </p:nvSpPr>
         <p:spPr>
           <a:xfrm>
-            <a:off x="15067259" y="14738665"/>
+            <a:off x="15067259" y="16161065"/>
             <a:ext cx="1484457" cy="419458"/>
           </a:xfrm>
           <a:prstGeom prst="rect">
@@ -12604,7 +12604,7 @@
         </p:nvCxnSpPr>
         <p:spPr>
           <a:xfrm rot="16200000" flipH="1">
-            <a:off x="14563410" y="14444544"/>
+            <a:off x="14563410" y="15866944"/>
             <a:ext cx="592691" cy="415008"/>
           </a:xfrm>
           <a:prstGeom prst="bentConnector2">
@@ -12613,13 +12613,13 @@
         </p:spPr>
         <p:style>
           <a:lnRef idx="1">
-            <a:schemeClr val="accent1"/>
+            <a:schemeClr val="dk1"/>
           </a:lnRef>
           <a:fillRef idx="0">
-            <a:schemeClr val="accent1"/>
-          </a:fillRef>
-          <a:effectRef idx="0">
-            <a:schemeClr val="accent1"/>
+            <a:schemeClr val="dk1"/>
+          </a:fillRef>
+          <a:effectRef idx="0">
+            <a:schemeClr val="dk1"/>
           </a:effectRef>
           <a:fontRef idx="minor">
             <a:schemeClr val="tx1"/>
@@ -12643,7 +12643,7 @@
         </p:nvCxnSpPr>
         <p:spPr>
           <a:xfrm rot="16200000" flipH="1">
-            <a:off x="11379682" y="10879424"/>
+            <a:off x="11379682" y="12301824"/>
             <a:ext cx="1625834" cy="3089295"/>
           </a:xfrm>
           <a:prstGeom prst="bentConnector3">
@@ -12652,13 +12652,13 @@
         </p:spPr>
         <p:style>
           <a:lnRef idx="1">
-            <a:schemeClr val="accent1"/>
+            <a:schemeClr val="dk1"/>
           </a:lnRef>
           <a:fillRef idx="0">
-            <a:schemeClr val="accent1"/>
-          </a:fillRef>
-          <a:effectRef idx="0">
-            <a:schemeClr val="accent1"/>
+            <a:schemeClr val="dk1"/>
+          </a:fillRef>
+          <a:effectRef idx="0">
+            <a:schemeClr val="dk1"/>
           </a:effectRef>
           <a:fontRef idx="minor">
             <a:schemeClr val="tx1"/>
@@ -12679,7 +12679,7 @@
         </p:nvSpPr>
         <p:spPr>
           <a:xfrm>
-            <a:off x="11319582" y="13999642"/>
+            <a:off x="11319582" y="15422042"/>
             <a:ext cx="1484457" cy="419458"/>
           </a:xfrm>
           <a:prstGeom prst="rect">
@@ -12735,7 +12735,7 @@
         </p:nvCxnSpPr>
         <p:spPr>
           <a:xfrm rot="16200000" flipH="1">
-            <a:off x="10860793" y="13750581"/>
+            <a:off x="10860793" y="15172981"/>
             <a:ext cx="539289" cy="378290"/>
           </a:xfrm>
           <a:prstGeom prst="bentConnector2">
@@ -12744,13 +12744,13 @@
         </p:spPr>
         <p:style>
           <a:lnRef idx="1">
-            <a:schemeClr val="accent1"/>
+            <a:schemeClr val="dk1"/>
           </a:lnRef>
           <a:fillRef idx="0">
-            <a:schemeClr val="accent1"/>
-          </a:fillRef>
-          <a:effectRef idx="0">
-            <a:schemeClr val="accent1"/>
+            <a:schemeClr val="dk1"/>
+          </a:fillRef>
+          <a:effectRef idx="0">
+            <a:schemeClr val="dk1"/>
           </a:effectRef>
           <a:fontRef idx="minor">
             <a:schemeClr val="tx1"/>
@@ -12774,7 +12774,7 @@
         </p:nvCxnSpPr>
         <p:spPr>
           <a:xfrm rot="16200000" flipH="1">
-            <a:off x="11946773" y="14534138"/>
+            <a:off x="11946773" y="15956538"/>
             <a:ext cx="564116" cy="334040"/>
           </a:xfrm>
           <a:prstGeom prst="bentConnector2">
@@ -12783,13 +12783,13 @@
         </p:spPr>
         <p:style>
           <a:lnRef idx="1">
-            <a:schemeClr val="accent1"/>
+            <a:schemeClr val="dk1"/>
           </a:lnRef>
           <a:fillRef idx="0">
-            <a:schemeClr val="accent1"/>
-          </a:fillRef>
-          <a:effectRef idx="0">
-            <a:schemeClr val="accent1"/>
+            <a:schemeClr val="dk1"/>
+          </a:fillRef>
+          <a:effectRef idx="0">
+            <a:schemeClr val="dk1"/>
           </a:effectRef>
           <a:fontRef idx="minor">
             <a:schemeClr val="tx1"/>

--- a/2조 멀티플렉스 영화관 관리 시스템 메뉴구조도.pptx
+++ b/2조 멀티플렉스 영화관 관리 시스템 메뉴구조도.pptx
@@ -4346,7 +4346,7 @@
         </p:nvSpPr>
         <p:spPr>
           <a:xfrm>
-            <a:off x="16914616" y="6471253"/>
+            <a:off x="17652037" y="6471253"/>
             <a:ext cx="1484457" cy="419458"/>
           </a:xfrm>
           <a:prstGeom prst="rect">
@@ -4402,8 +4402,8 @@
         </p:nvCxnSpPr>
         <p:spPr>
           <a:xfrm rot="16200000" flipV="1">
-            <a:off x="13996332" y="2810754"/>
-            <a:ext cx="1593800" cy="5727213"/>
+            <a:off x="14365073" y="2442060"/>
+            <a:ext cx="1593775" cy="6464612"/>
           </a:xfrm>
           <a:prstGeom prst="bentConnector3">
             <a:avLst>
@@ -4440,7 +4440,7 @@
         </p:nvSpPr>
         <p:spPr>
           <a:xfrm>
-            <a:off x="18578825" y="6471253"/>
+            <a:off x="20496119" y="6471253"/>
             <a:ext cx="1484457" cy="419458"/>
           </a:xfrm>
           <a:prstGeom prst="rect">
@@ -4496,8 +4496,8 @@
         </p:nvCxnSpPr>
         <p:spPr>
           <a:xfrm rot="16200000" flipV="1">
-            <a:off x="14828437" y="1978670"/>
-            <a:ext cx="1593800" cy="7391412"/>
+            <a:off x="15787114" y="1020019"/>
+            <a:ext cx="1593775" cy="9308694"/>
           </a:xfrm>
           <a:prstGeom prst="bentConnector3">
             <a:avLst>
@@ -4670,7 +4670,7 @@
           <a:p>
             <a:pPr algn="ctr"/>
             <a:r>
-              <a:rPr lang="ko-KR" altLang="en-US" sz="2000" b="1"/>
+              <a:rPr lang="ko-KR" altLang="en-US" sz="2000" b="1" dirty="0"/>
               <a:t>할인정보</a:t>
             </a:r>
           </a:p>
@@ -4794,7 +4794,7 @@
         </p:nvSpPr>
         <p:spPr>
           <a:xfrm>
-            <a:off x="18295435" y="14627330"/>
+            <a:off x="19829270" y="14627330"/>
             <a:ext cx="1484457" cy="419458"/>
           </a:xfrm>
           <a:prstGeom prst="rect">
@@ -4891,7 +4891,7 @@
         </p:nvCxnSpPr>
         <p:spPr>
           <a:xfrm rot="5400000" flipH="1" flipV="1">
-            <a:off x="18639221" y="14228887"/>
+            <a:off x="20173056" y="14228887"/>
             <a:ext cx="796887" cy="1"/>
           </a:xfrm>
           <a:prstGeom prst="bentConnector3">
@@ -5749,8 +5749,12 @@
           <a:p>
             <a:pPr algn="ctr"/>
             <a:r>
-              <a:rPr lang="ko-KR" altLang="en-US" sz="2000" b="1"/>
-              <a:t>기프티콘 구매</a:t>
+              <a:rPr lang="ko-KR" altLang="en-US" sz="2000" b="1" dirty="0" err="1"/>
+              <a:t>기프티콘</a:t>
+            </a:r>
+            <a:r>
+              <a:rPr lang="ko-KR" altLang="en-US" sz="2000" b="1" dirty="0"/>
+              <a:t> 조회</a:t>
             </a:r>
           </a:p>
         </p:txBody>
@@ -5769,7 +5773,7 @@
         </p:nvSpPr>
         <p:spPr>
           <a:xfrm>
-            <a:off x="20531035" y="16887631"/>
+            <a:off x="22064870" y="16887631"/>
             <a:ext cx="2020114" cy="419458"/>
           </a:xfrm>
           <a:prstGeom prst="rect">
@@ -5821,7 +5825,7 @@
         </p:nvSpPr>
         <p:spPr>
           <a:xfrm>
-            <a:off x="19255162" y="15407481"/>
+            <a:off x="20788997" y="15407481"/>
             <a:ext cx="2020114" cy="419458"/>
           </a:xfrm>
           <a:prstGeom prst="rect">
@@ -5877,7 +5881,7 @@
         </p:nvCxnSpPr>
         <p:spPr>
           <a:xfrm rot="10800000">
-            <a:off x="19037664" y="15046788"/>
+            <a:off x="20571499" y="15046788"/>
             <a:ext cx="217498" cy="570422"/>
           </a:xfrm>
           <a:prstGeom prst="bentConnector2">
@@ -6007,7 +6011,7 @@
         </p:nvSpPr>
         <p:spPr>
           <a:xfrm>
-            <a:off x="36655838" y="19353512"/>
+            <a:off x="36655838" y="18763572"/>
             <a:ext cx="2258402" cy="337620"/>
           </a:xfrm>
           <a:prstGeom prst="rect">
@@ -6149,48 +6153,6 @@
           </a:p>
         </p:txBody>
       </p:sp>
-      <p:cxnSp>
-        <p:nvCxnSpPr>
-          <p:cNvPr id="463" name="연결선: 꺾임 462">
-            <a:extLst>
-              <a:ext uri="{FF2B5EF4-FFF2-40B4-BE49-F238E27FC236}">
-                <a16:creationId xmlns:a16="http://schemas.microsoft.com/office/drawing/2014/main" id="{2D68DE2E-6470-495C-889C-979C02EADCF2}"/>
-              </a:ext>
-            </a:extLst>
-          </p:cNvPr>
-          <p:cNvCxnSpPr>
-            <a:cxnSpLocks/>
-            <a:stCxn id="438" idx="2"/>
-            <a:endCxn id="462" idx="0"/>
-          </p:cNvCxnSpPr>
-          <p:nvPr/>
-        </p:nvCxnSpPr>
-        <p:spPr>
-          <a:xfrm rot="5400000">
-            <a:off x="37860885" y="11470949"/>
-            <a:ext cx="1565986" cy="4618197"/>
-          </a:xfrm>
-          <a:prstGeom prst="bentConnector3">
-            <a:avLst>
-              <a:gd name="adj1" fmla="val 50000"/>
-            </a:avLst>
-          </a:prstGeom>
-        </p:spPr>
-        <p:style>
-          <a:lnRef idx="1">
-            <a:schemeClr val="dk1"/>
-          </a:lnRef>
-          <a:fillRef idx="0">
-            <a:schemeClr val="dk1"/>
-          </a:fillRef>
-          <a:effectRef idx="0">
-            <a:schemeClr val="dk1"/>
-          </a:effectRef>
-          <a:fontRef idx="minor">
-            <a:schemeClr val="tx1"/>
-          </a:fontRef>
-        </p:style>
-      </p:cxnSp>
       <p:sp>
         <p:nvSpPr>
           <p:cNvPr id="466" name="직사각형 465">
@@ -6916,8 +6878,8 @@
           <a:p>
             <a:pPr algn="ctr"/>
             <a:r>
-              <a:rPr lang="ko-KR" altLang="en-US" sz="2000" b="1"/>
-              <a:t>공지사항 상세보기</a:t>
+              <a:rPr lang="ko-KR" altLang="en-US" sz="2000" b="1" dirty="0"/>
+              <a:t>공지사항 조회</a:t>
             </a:r>
           </a:p>
         </p:txBody>
@@ -6976,7 +6938,7 @@
         </p:nvSpPr>
         <p:spPr>
           <a:xfrm>
-            <a:off x="38167544" y="20141706"/>
+            <a:off x="38167544" y="19551766"/>
             <a:ext cx="2258402" cy="419458"/>
           </a:xfrm>
           <a:prstGeom prst="rect">
@@ -7032,7 +6994,7 @@
         </p:nvCxnSpPr>
         <p:spPr>
           <a:xfrm rot="10800000">
-            <a:off x="37785040" y="19691133"/>
+            <a:off x="37785040" y="19101193"/>
             <a:ext cx="382505" cy="660303"/>
           </a:xfrm>
           <a:prstGeom prst="bentConnector2">
@@ -7068,7 +7030,7 @@
         </p:nvSpPr>
         <p:spPr>
           <a:xfrm>
-            <a:off x="41232174" y="22433247"/>
+            <a:off x="41232174" y="21843307"/>
             <a:ext cx="2258402" cy="419458"/>
           </a:xfrm>
           <a:prstGeom prst="rect">
@@ -7106,12 +7068,52 @@
           </a:p>
         </p:txBody>
       </p:sp>
-      <p:sp>
-        <p:nvSpPr>
-          <p:cNvPr id="115" name="직사각형 114">
-            <a:extLst>
-              <a:ext uri="{FF2B5EF4-FFF2-40B4-BE49-F238E27FC236}">
-                <a16:creationId xmlns:a16="http://schemas.microsoft.com/office/drawing/2014/main" id="{DC194AF4-4641-4925-B4CC-0164D19F56DF}"/>
+      <p:cxnSp>
+        <p:nvCxnSpPr>
+          <p:cNvPr id="119" name="연결선: 꺾임 118">
+            <a:extLst>
+              <a:ext uri="{FF2B5EF4-FFF2-40B4-BE49-F238E27FC236}">
+                <a16:creationId xmlns:a16="http://schemas.microsoft.com/office/drawing/2014/main" id="{44C212AB-4739-4598-9B85-1ED45BE7E029}"/>
+              </a:ext>
+            </a:extLst>
+          </p:cNvPr>
+          <p:cNvCxnSpPr>
+            <a:cxnSpLocks/>
+            <a:stCxn id="462" idx="2"/>
+            <a:endCxn id="448" idx="1"/>
+          </p:cNvCxnSpPr>
+          <p:nvPr/>
+        </p:nvCxnSpPr>
+        <p:spPr>
+          <a:xfrm rot="16200000" flipH="1">
+            <a:off x="34520366" y="16796910"/>
+            <a:ext cx="3949884" cy="321059"/>
+          </a:xfrm>
+          <a:prstGeom prst="bentConnector2">
+            <a:avLst/>
+          </a:prstGeom>
+        </p:spPr>
+        <p:style>
+          <a:lnRef idx="1">
+            <a:schemeClr val="dk1"/>
+          </a:lnRef>
+          <a:fillRef idx="0">
+            <a:schemeClr val="dk1"/>
+          </a:fillRef>
+          <a:effectRef idx="0">
+            <a:schemeClr val="dk1"/>
+          </a:effectRef>
+          <a:fontRef idx="minor">
+            <a:schemeClr val="tx1"/>
+          </a:fontRef>
+        </p:style>
+      </p:cxnSp>
+      <p:sp>
+        <p:nvSpPr>
+          <p:cNvPr id="136" name="직사각형 135">
+            <a:extLst>
+              <a:ext uri="{FF2B5EF4-FFF2-40B4-BE49-F238E27FC236}">
+                <a16:creationId xmlns:a16="http://schemas.microsoft.com/office/drawing/2014/main" id="{9CD07B59-3D99-41BF-A15E-B08F7B1FC822}"/>
               </a:ext>
             </a:extLst>
           </p:cNvPr>
@@ -7120,7 +7122,7 @@
         </p:nvSpPr>
         <p:spPr>
           <a:xfrm>
-            <a:off x="41232174" y="23111199"/>
+            <a:off x="36696830" y="23731491"/>
             <a:ext cx="2258402" cy="419458"/>
           </a:xfrm>
           <a:prstGeom prst="rect">
@@ -7153,31 +7155,31 @@
             <a:pPr algn="ctr"/>
             <a:r>
               <a:rPr lang="ko-KR" altLang="en-US" sz="2000" b="1"/>
-              <a:t>영화 정보 삭제</a:t>
+              <a:t>상영 스케줄 관리</a:t>
             </a:r>
           </a:p>
         </p:txBody>
       </p:sp>
       <p:cxnSp>
         <p:nvCxnSpPr>
-          <p:cNvPr id="119" name="연결선: 꺾임 118">
-            <a:extLst>
-              <a:ext uri="{FF2B5EF4-FFF2-40B4-BE49-F238E27FC236}">
-                <a16:creationId xmlns:a16="http://schemas.microsoft.com/office/drawing/2014/main" id="{44C212AB-4739-4598-9B85-1ED45BE7E029}"/>
+          <p:cNvPr id="137" name="연결선: 꺾임 136">
+            <a:extLst>
+              <a:ext uri="{FF2B5EF4-FFF2-40B4-BE49-F238E27FC236}">
+                <a16:creationId xmlns:a16="http://schemas.microsoft.com/office/drawing/2014/main" id="{7F82065E-A1B2-4F09-BCDE-A3BC1F526405}"/>
               </a:ext>
             </a:extLst>
           </p:cNvPr>
           <p:cNvCxnSpPr>
             <a:cxnSpLocks/>
             <a:stCxn id="462" idx="2"/>
-            <a:endCxn id="448" idx="1"/>
+            <a:endCxn id="136" idx="1"/>
           </p:cNvCxnSpPr>
           <p:nvPr/>
         </p:nvCxnSpPr>
         <p:spPr>
           <a:xfrm rot="16200000" flipH="1">
-            <a:off x="34225396" y="17091880"/>
-            <a:ext cx="4539824" cy="321059"/>
+            <a:off x="32036443" y="19280833"/>
+            <a:ext cx="8958722" cy="362051"/>
           </a:xfrm>
           <a:prstGeom prst="bentConnector2">
             <a:avLst/>
@@ -7200,10 +7202,10 @@
       </p:cxnSp>
       <p:sp>
         <p:nvSpPr>
-          <p:cNvPr id="136" name="직사각형 135">
-            <a:extLst>
-              <a:ext uri="{FF2B5EF4-FFF2-40B4-BE49-F238E27FC236}">
-                <a16:creationId xmlns:a16="http://schemas.microsoft.com/office/drawing/2014/main" id="{9CD07B59-3D99-41BF-A15E-B08F7B1FC822}"/>
+          <p:cNvPr id="145" name="직사각형 144">
+            <a:extLst>
+              <a:ext uri="{FF2B5EF4-FFF2-40B4-BE49-F238E27FC236}">
+                <a16:creationId xmlns:a16="http://schemas.microsoft.com/office/drawing/2014/main" id="{970A1C27-1DC6-4F8C-95C2-489DE9B435B7}"/>
               </a:ext>
             </a:extLst>
           </p:cNvPr>
@@ -7212,7 +7214,7 @@
         </p:nvSpPr>
         <p:spPr>
           <a:xfrm>
-            <a:off x="36667333" y="23525025"/>
+            <a:off x="38171033" y="25631795"/>
             <a:ext cx="2258402" cy="419458"/>
           </a:xfrm>
           <a:prstGeom prst="rect">
@@ -7244,32 +7246,32 @@
           <a:p>
             <a:pPr algn="ctr"/>
             <a:r>
-              <a:rPr lang="ko-KR" altLang="en-US" sz="2000" b="1"/>
-              <a:t>상영 스케줄 관리</a:t>
+              <a:rPr lang="ko-KR" altLang="en-US" sz="2000" b="1" dirty="0"/>
+              <a:t>상영스케줄 조회</a:t>
             </a:r>
           </a:p>
         </p:txBody>
       </p:sp>
       <p:cxnSp>
         <p:nvCxnSpPr>
-          <p:cNvPr id="137" name="연결선: 꺾임 136">
-            <a:extLst>
-              <a:ext uri="{FF2B5EF4-FFF2-40B4-BE49-F238E27FC236}">
-                <a16:creationId xmlns:a16="http://schemas.microsoft.com/office/drawing/2014/main" id="{7F82065E-A1B2-4F09-BCDE-A3BC1F526405}"/>
+          <p:cNvPr id="146" name="연결선: 꺾임 145">
+            <a:extLst>
+              <a:ext uri="{FF2B5EF4-FFF2-40B4-BE49-F238E27FC236}">
+                <a16:creationId xmlns:a16="http://schemas.microsoft.com/office/drawing/2014/main" id="{CC059E7E-91C1-4EC6-A46F-D5C0C19459BB}"/>
               </a:ext>
             </a:extLst>
           </p:cNvPr>
           <p:cNvCxnSpPr>
             <a:cxnSpLocks/>
-            <a:stCxn id="462" idx="2"/>
-            <a:endCxn id="136" idx="1"/>
+            <a:stCxn id="145" idx="1"/>
+            <a:endCxn id="136" idx="2"/>
           </p:cNvCxnSpPr>
           <p:nvPr/>
         </p:nvCxnSpPr>
         <p:spPr>
-          <a:xfrm rot="16200000" flipH="1">
-            <a:off x="32124928" y="19192349"/>
-            <a:ext cx="8752256" cy="332554"/>
+          <a:xfrm rot="10800000">
+            <a:off x="37826031" y="24150950"/>
+            <a:ext cx="345002" cy="1690575"/>
           </a:xfrm>
           <a:prstGeom prst="bentConnector2">
             <a:avLst/>
@@ -7292,10 +7294,10 @@
       </p:cxnSp>
       <p:sp>
         <p:nvSpPr>
-          <p:cNvPr id="145" name="직사각형 144">
-            <a:extLst>
-              <a:ext uri="{FF2B5EF4-FFF2-40B4-BE49-F238E27FC236}">
-                <a16:creationId xmlns:a16="http://schemas.microsoft.com/office/drawing/2014/main" id="{970A1C27-1DC6-4F8C-95C2-489DE9B435B7}"/>
+          <p:cNvPr id="150" name="직사각형 149">
+            <a:extLst>
+              <a:ext uri="{FF2B5EF4-FFF2-40B4-BE49-F238E27FC236}">
+                <a16:creationId xmlns:a16="http://schemas.microsoft.com/office/drawing/2014/main" id="{5BEDED42-B77D-41B9-9E3B-A96A0749D25D}"/>
               </a:ext>
             </a:extLst>
           </p:cNvPr>
@@ -7304,7 +7306,7 @@
         </p:nvSpPr>
         <p:spPr>
           <a:xfrm>
-            <a:off x="38141536" y="25425329"/>
+            <a:off x="38150376" y="24681171"/>
             <a:ext cx="2258402" cy="419458"/>
           </a:xfrm>
           <a:prstGeom prst="rect">
@@ -7337,57 +7339,17 @@
             <a:pPr algn="ctr"/>
             <a:r>
               <a:rPr lang="ko-KR" altLang="en-US" sz="2000" b="1" dirty="0"/>
-              <a:t>상영스케줄 조회</a:t>
-            </a:r>
-          </a:p>
-        </p:txBody>
-      </p:sp>
-      <p:cxnSp>
-        <p:nvCxnSpPr>
-          <p:cNvPr id="146" name="연결선: 꺾임 145">
-            <a:extLst>
-              <a:ext uri="{FF2B5EF4-FFF2-40B4-BE49-F238E27FC236}">
-                <a16:creationId xmlns:a16="http://schemas.microsoft.com/office/drawing/2014/main" id="{CC059E7E-91C1-4EC6-A46F-D5C0C19459BB}"/>
-              </a:ext>
-            </a:extLst>
-          </p:cNvPr>
-          <p:cNvCxnSpPr>
-            <a:cxnSpLocks/>
-            <a:stCxn id="145" idx="1"/>
-            <a:endCxn id="136" idx="2"/>
-          </p:cNvCxnSpPr>
-          <p:nvPr/>
-        </p:nvCxnSpPr>
-        <p:spPr>
-          <a:xfrm rot="10800000">
-            <a:off x="37796534" y="23944484"/>
-            <a:ext cx="345002" cy="1690575"/>
-          </a:xfrm>
-          <a:prstGeom prst="bentConnector2">
-            <a:avLst/>
-          </a:prstGeom>
-        </p:spPr>
-        <p:style>
-          <a:lnRef idx="1">
-            <a:schemeClr val="dk1"/>
-          </a:lnRef>
-          <a:fillRef idx="0">
-            <a:schemeClr val="dk1"/>
-          </a:fillRef>
-          <a:effectRef idx="0">
-            <a:schemeClr val="dk1"/>
-          </a:effectRef>
-          <a:fontRef idx="minor">
-            <a:schemeClr val="tx1"/>
-          </a:fontRef>
-        </p:style>
-      </p:cxnSp>
-      <p:sp>
-        <p:nvSpPr>
-          <p:cNvPr id="150" name="직사각형 149">
-            <a:extLst>
-              <a:ext uri="{FF2B5EF4-FFF2-40B4-BE49-F238E27FC236}">
-                <a16:creationId xmlns:a16="http://schemas.microsoft.com/office/drawing/2014/main" id="{5BEDED42-B77D-41B9-9E3B-A96A0749D25D}"/>
+              <a:t>상영스케줄 등록</a:t>
+            </a:r>
+          </a:p>
+        </p:txBody>
+      </p:sp>
+      <p:sp>
+        <p:nvSpPr>
+          <p:cNvPr id="151" name="직사각형 150">
+            <a:extLst>
+              <a:ext uri="{FF2B5EF4-FFF2-40B4-BE49-F238E27FC236}">
+                <a16:creationId xmlns:a16="http://schemas.microsoft.com/office/drawing/2014/main" id="{2D48AB79-EC22-4608-9090-99AA4229A3A6}"/>
               </a:ext>
             </a:extLst>
           </p:cNvPr>
@@ -7396,7 +7358,7 @@
         </p:nvSpPr>
         <p:spPr>
           <a:xfrm>
-            <a:off x="38120879" y="24474705"/>
+            <a:off x="41278961" y="26925028"/>
             <a:ext cx="2258402" cy="419458"/>
           </a:xfrm>
           <a:prstGeom prst="rect">
@@ -7428,18 +7390,18 @@
           <a:p>
             <a:pPr algn="ctr"/>
             <a:r>
-              <a:rPr lang="ko-KR" altLang="en-US" sz="2000" b="1" dirty="0"/>
-              <a:t>상영스케줄 등록</a:t>
-            </a:r>
-          </a:p>
-        </p:txBody>
-      </p:sp>
-      <p:sp>
-        <p:nvSpPr>
-          <p:cNvPr id="151" name="직사각형 150">
-            <a:extLst>
-              <a:ext uri="{FF2B5EF4-FFF2-40B4-BE49-F238E27FC236}">
-                <a16:creationId xmlns:a16="http://schemas.microsoft.com/office/drawing/2014/main" id="{2D48AB79-EC22-4608-9090-99AA4229A3A6}"/>
+              <a:rPr lang="ko-KR" altLang="en-US" sz="2000" b="1"/>
+              <a:t>상영스케줄 수정</a:t>
+            </a:r>
+          </a:p>
+        </p:txBody>
+      </p:sp>
+      <p:sp>
+        <p:nvSpPr>
+          <p:cNvPr id="152" name="직사각형 151">
+            <a:extLst>
+              <a:ext uri="{FF2B5EF4-FFF2-40B4-BE49-F238E27FC236}">
+                <a16:creationId xmlns:a16="http://schemas.microsoft.com/office/drawing/2014/main" id="{7954D0FF-2C26-4F4E-AD29-5B5A22A95275}"/>
               </a:ext>
             </a:extLst>
           </p:cNvPr>
@@ -7448,7 +7410,7 @@
         </p:nvSpPr>
         <p:spPr>
           <a:xfrm>
-            <a:off x="41249464" y="26718562"/>
+            <a:off x="41278961" y="27578538"/>
             <a:ext cx="2258402" cy="419458"/>
           </a:xfrm>
           <a:prstGeom prst="rect">
@@ -7481,17 +7443,97 @@
             <a:pPr algn="ctr"/>
             <a:r>
               <a:rPr lang="ko-KR" altLang="en-US" sz="2000" b="1"/>
-              <a:t>상영스케줄 수정</a:t>
-            </a:r>
-          </a:p>
-        </p:txBody>
-      </p:sp>
-      <p:sp>
-        <p:nvSpPr>
-          <p:cNvPr id="152" name="직사각형 151">
-            <a:extLst>
-              <a:ext uri="{FF2B5EF4-FFF2-40B4-BE49-F238E27FC236}">
-                <a16:creationId xmlns:a16="http://schemas.microsoft.com/office/drawing/2014/main" id="{7954D0FF-2C26-4F4E-AD29-5B5A22A95275}"/>
+              <a:t>상영스케줄 삭제</a:t>
+            </a:r>
+          </a:p>
+        </p:txBody>
+      </p:sp>
+      <p:cxnSp>
+        <p:nvCxnSpPr>
+          <p:cNvPr id="153" name="연결선: 꺾임 152">
+            <a:extLst>
+              <a:ext uri="{FF2B5EF4-FFF2-40B4-BE49-F238E27FC236}">
+                <a16:creationId xmlns:a16="http://schemas.microsoft.com/office/drawing/2014/main" id="{43257DAC-1ADA-40E0-937B-2C3F0FD04A2B}"/>
+              </a:ext>
+            </a:extLst>
+          </p:cNvPr>
+          <p:cNvCxnSpPr>
+            <a:cxnSpLocks/>
+            <a:stCxn id="150" idx="1"/>
+            <a:endCxn id="136" idx="2"/>
+          </p:cNvCxnSpPr>
+          <p:nvPr/>
+        </p:nvCxnSpPr>
+        <p:spPr>
+          <a:xfrm rot="10800000">
+            <a:off x="37826032" y="24150950"/>
+            <a:ext cx="324345" cy="739951"/>
+          </a:xfrm>
+          <a:prstGeom prst="bentConnector2">
+            <a:avLst/>
+          </a:prstGeom>
+        </p:spPr>
+        <p:style>
+          <a:lnRef idx="1">
+            <a:schemeClr val="dk1"/>
+          </a:lnRef>
+          <a:fillRef idx="0">
+            <a:schemeClr val="dk1"/>
+          </a:fillRef>
+          <a:effectRef idx="0">
+            <a:schemeClr val="dk1"/>
+          </a:effectRef>
+          <a:fontRef idx="minor">
+            <a:schemeClr val="tx1"/>
+          </a:fontRef>
+        </p:style>
+      </p:cxnSp>
+      <p:cxnSp>
+        <p:nvCxnSpPr>
+          <p:cNvPr id="120" name="연결선: 꺾임 119">
+            <a:extLst>
+              <a:ext uri="{FF2B5EF4-FFF2-40B4-BE49-F238E27FC236}">
+                <a16:creationId xmlns:a16="http://schemas.microsoft.com/office/drawing/2014/main" id="{E5C78B8C-5294-4EB6-AEAC-75A1C07096F8}"/>
+              </a:ext>
+            </a:extLst>
+          </p:cNvPr>
+          <p:cNvCxnSpPr>
+            <a:cxnSpLocks/>
+          </p:cNvCxnSpPr>
+          <p:nvPr/>
+        </p:nvCxnSpPr>
+        <p:spPr>
+          <a:xfrm rot="5400000" flipH="1" flipV="1">
+            <a:off x="24234405" y="2930418"/>
+            <a:ext cx="1829666" cy="1215888"/>
+          </a:xfrm>
+          <a:prstGeom prst="bentConnector3">
+            <a:avLst>
+              <a:gd name="adj1" fmla="val 50000"/>
+            </a:avLst>
+          </a:prstGeom>
+        </p:spPr>
+        <p:style>
+          <a:lnRef idx="1">
+            <a:schemeClr val="dk1"/>
+          </a:lnRef>
+          <a:fillRef idx="0">
+            <a:schemeClr val="dk1"/>
+          </a:fillRef>
+          <a:effectRef idx="0">
+            <a:schemeClr val="dk1"/>
+          </a:effectRef>
+          <a:fontRef idx="minor">
+            <a:schemeClr val="tx1"/>
+          </a:fontRef>
+        </p:style>
+      </p:cxnSp>
+      <p:sp>
+        <p:nvSpPr>
+          <p:cNvPr id="122" name="직사각형 121">
+            <a:extLst>
+              <a:ext uri="{FF2B5EF4-FFF2-40B4-BE49-F238E27FC236}">
+                <a16:creationId xmlns:a16="http://schemas.microsoft.com/office/drawing/2014/main" id="{F461E5DB-3F15-481D-8449-1E3C3A145358}"/>
               </a:ext>
             </a:extLst>
           </p:cNvPr>
@@ -7500,8 +7542,8 @@
         </p:nvSpPr>
         <p:spPr>
           <a:xfrm>
-            <a:off x="41249464" y="27372072"/>
-            <a:ext cx="2258402" cy="419458"/>
+            <a:off x="23790507" y="4453179"/>
+            <a:ext cx="1484453" cy="419458"/>
           </a:xfrm>
           <a:prstGeom prst="rect">
             <a:avLst/>
@@ -7532,58 +7574,22 @@
           <a:p>
             <a:pPr algn="ctr"/>
             <a:r>
-              <a:rPr lang="ko-KR" altLang="en-US" sz="2000" b="1"/>
-              <a:t>상영스케줄 삭제</a:t>
+              <a:rPr lang="en-US" altLang="ko-KR" sz="2000" b="1" dirty="0"/>
+              <a:t>ID </a:t>
+            </a:r>
+            <a:r>
+              <a:rPr lang="ko-KR" altLang="en-US" sz="2000" b="1" dirty="0"/>
+              <a:t>찾기</a:t>
             </a:r>
           </a:p>
         </p:txBody>
       </p:sp>
       <p:cxnSp>
         <p:nvCxnSpPr>
-          <p:cNvPr id="153" name="연결선: 꺾임 152">
-            <a:extLst>
-              <a:ext uri="{FF2B5EF4-FFF2-40B4-BE49-F238E27FC236}">
-                <a16:creationId xmlns:a16="http://schemas.microsoft.com/office/drawing/2014/main" id="{43257DAC-1ADA-40E0-937B-2C3F0FD04A2B}"/>
-              </a:ext>
-            </a:extLst>
-          </p:cNvPr>
-          <p:cNvCxnSpPr>
-            <a:cxnSpLocks/>
-            <a:stCxn id="150" idx="1"/>
-            <a:endCxn id="136" idx="2"/>
-          </p:cNvCxnSpPr>
-          <p:nvPr/>
-        </p:nvCxnSpPr>
-        <p:spPr>
-          <a:xfrm rot="10800000">
-            <a:off x="37796535" y="23944484"/>
-            <a:ext cx="324345" cy="739951"/>
-          </a:xfrm>
-          <a:prstGeom prst="bentConnector2">
-            <a:avLst/>
-          </a:prstGeom>
-        </p:spPr>
-        <p:style>
-          <a:lnRef idx="1">
-            <a:schemeClr val="dk1"/>
-          </a:lnRef>
-          <a:fillRef idx="0">
-            <a:schemeClr val="dk1"/>
-          </a:fillRef>
-          <a:effectRef idx="0">
-            <a:schemeClr val="dk1"/>
-          </a:effectRef>
-          <a:fontRef idx="minor">
-            <a:schemeClr val="tx1"/>
-          </a:fontRef>
-        </p:style>
-      </p:cxnSp>
-      <p:cxnSp>
-        <p:nvCxnSpPr>
-          <p:cNvPr id="120" name="연결선: 꺾임 119">
-            <a:extLst>
-              <a:ext uri="{FF2B5EF4-FFF2-40B4-BE49-F238E27FC236}">
-                <a16:creationId xmlns:a16="http://schemas.microsoft.com/office/drawing/2014/main" id="{E5C78B8C-5294-4EB6-AEAC-75A1C07096F8}"/>
+          <p:cNvPr id="123" name="연결선: 꺾임 122">
+            <a:extLst>
+              <a:ext uri="{FF2B5EF4-FFF2-40B4-BE49-F238E27FC236}">
+                <a16:creationId xmlns:a16="http://schemas.microsoft.com/office/drawing/2014/main" id="{FAE9EE52-22C0-45DE-BD5B-0196F86508AA}"/>
               </a:ext>
             </a:extLst>
           </p:cNvPr>
@@ -7593,9 +7599,9 @@
           <p:nvPr/>
         </p:nvCxnSpPr>
         <p:spPr>
-          <a:xfrm rot="5400000" flipH="1" flipV="1">
-            <a:off x="24234405" y="2930418"/>
-            <a:ext cx="1829666" cy="1215888"/>
+          <a:xfrm rot="16200000" flipV="1">
+            <a:off x="25550272" y="2830421"/>
+            <a:ext cx="1810453" cy="1396631"/>
           </a:xfrm>
           <a:prstGeom prst="bentConnector3">
             <a:avLst>
@@ -7620,10 +7626,10 @@
       </p:cxnSp>
       <p:sp>
         <p:nvSpPr>
-          <p:cNvPr id="122" name="직사각형 121">
-            <a:extLst>
-              <a:ext uri="{FF2B5EF4-FFF2-40B4-BE49-F238E27FC236}">
-                <a16:creationId xmlns:a16="http://schemas.microsoft.com/office/drawing/2014/main" id="{F461E5DB-3F15-481D-8449-1E3C3A145358}"/>
+          <p:cNvPr id="125" name="직사각형 124">
+            <a:extLst>
+              <a:ext uri="{FF2B5EF4-FFF2-40B4-BE49-F238E27FC236}">
+                <a16:creationId xmlns:a16="http://schemas.microsoft.com/office/drawing/2014/main" id="{13DD21EA-7BB0-433A-A1B1-0C6C0F0FEE70}"/>
               </a:ext>
             </a:extLst>
           </p:cNvPr>
@@ -7632,7 +7638,7 @@
         </p:nvSpPr>
         <p:spPr>
           <a:xfrm>
-            <a:off x="23790507" y="4453179"/>
+            <a:off x="26416837" y="4453179"/>
             <a:ext cx="1484453" cy="419458"/>
           </a:xfrm>
           <a:prstGeom prst="rect">
@@ -7665,7 +7671,7 @@
             <a:pPr algn="ctr"/>
             <a:r>
               <a:rPr lang="en-US" altLang="ko-KR" sz="2000" b="1" dirty="0"/>
-              <a:t>ID </a:t>
+              <a:t>PW </a:t>
             </a:r>
             <a:r>
               <a:rPr lang="ko-KR" altLang="en-US" sz="2000" b="1" dirty="0"/>
@@ -7674,52 +7680,12 @@
           </a:p>
         </p:txBody>
       </p:sp>
-      <p:cxnSp>
-        <p:nvCxnSpPr>
-          <p:cNvPr id="123" name="연결선: 꺾임 122">
-            <a:extLst>
-              <a:ext uri="{FF2B5EF4-FFF2-40B4-BE49-F238E27FC236}">
-                <a16:creationId xmlns:a16="http://schemas.microsoft.com/office/drawing/2014/main" id="{FAE9EE52-22C0-45DE-BD5B-0196F86508AA}"/>
-              </a:ext>
-            </a:extLst>
-          </p:cNvPr>
-          <p:cNvCxnSpPr>
-            <a:cxnSpLocks/>
-          </p:cNvCxnSpPr>
-          <p:nvPr/>
-        </p:nvCxnSpPr>
-        <p:spPr>
-          <a:xfrm rot="16200000" flipV="1">
-            <a:off x="25550272" y="2830421"/>
-            <a:ext cx="1810453" cy="1396631"/>
-          </a:xfrm>
-          <a:prstGeom prst="bentConnector3">
-            <a:avLst>
-              <a:gd name="adj1" fmla="val 50000"/>
-            </a:avLst>
-          </a:prstGeom>
-        </p:spPr>
-        <p:style>
-          <a:lnRef idx="1">
-            <a:schemeClr val="dk1"/>
-          </a:lnRef>
-          <a:fillRef idx="0">
-            <a:schemeClr val="dk1"/>
-          </a:fillRef>
-          <a:effectRef idx="0">
-            <a:schemeClr val="dk1"/>
-          </a:effectRef>
-          <a:fontRef idx="minor">
-            <a:schemeClr val="tx1"/>
-          </a:fontRef>
-        </p:style>
-      </p:cxnSp>
-      <p:sp>
-        <p:nvSpPr>
-          <p:cNvPr id="125" name="직사각형 124">
-            <a:extLst>
-              <a:ext uri="{FF2B5EF4-FFF2-40B4-BE49-F238E27FC236}">
-                <a16:creationId xmlns:a16="http://schemas.microsoft.com/office/drawing/2014/main" id="{13DD21EA-7BB0-433A-A1B1-0C6C0F0FEE70}"/>
+      <p:sp>
+        <p:nvSpPr>
+          <p:cNvPr id="121" name="직사각형 120">
+            <a:extLst>
+              <a:ext uri="{FF2B5EF4-FFF2-40B4-BE49-F238E27FC236}">
+                <a16:creationId xmlns:a16="http://schemas.microsoft.com/office/drawing/2014/main" id="{75259965-F09D-4A50-98E8-C76D99C8BA7D}"/>
               </a:ext>
             </a:extLst>
           </p:cNvPr>
@@ -7728,8 +7694,8 @@
         </p:nvSpPr>
         <p:spPr>
           <a:xfrm>
-            <a:off x="26416837" y="4453179"/>
-            <a:ext cx="1484453" cy="419458"/>
+            <a:off x="16284097" y="7269204"/>
+            <a:ext cx="1484457" cy="419458"/>
           </a:xfrm>
           <a:prstGeom prst="rect">
             <a:avLst/>
@@ -7760,22 +7726,66 @@
           <a:p>
             <a:pPr algn="ctr"/>
             <a:r>
+              <a:rPr lang="ko-KR" altLang="en-US" sz="2000" b="1" dirty="0"/>
+              <a:t>할인정보</a:t>
+            </a:r>
+            <a:br>
               <a:rPr lang="en-US" altLang="ko-KR" sz="2000" b="1" dirty="0"/>
-              <a:t>PW </a:t>
-            </a:r>
+            </a:br>
             <a:r>
               <a:rPr lang="ko-KR" altLang="en-US" sz="2000" b="1" dirty="0"/>
-              <a:t>찾기</a:t>
-            </a:r>
-          </a:p>
-        </p:txBody>
-      </p:sp>
-      <p:sp>
-        <p:nvSpPr>
-          <p:cNvPr id="121" name="직사각형 120">
-            <a:extLst>
-              <a:ext uri="{FF2B5EF4-FFF2-40B4-BE49-F238E27FC236}">
-                <a16:creationId xmlns:a16="http://schemas.microsoft.com/office/drawing/2014/main" id="{75259965-F09D-4A50-98E8-C76D99C8BA7D}"/>
+              <a:t>조회</a:t>
+            </a:r>
+            <a:endParaRPr lang="en-US" altLang="ko-KR" sz="2000" b="1" dirty="0"/>
+          </a:p>
+        </p:txBody>
+      </p:sp>
+      <p:cxnSp>
+        <p:nvCxnSpPr>
+          <p:cNvPr id="124" name="연결선: 꺾임 123">
+            <a:extLst>
+              <a:ext uri="{FF2B5EF4-FFF2-40B4-BE49-F238E27FC236}">
+                <a16:creationId xmlns:a16="http://schemas.microsoft.com/office/drawing/2014/main" id="{ABE39FE4-3BED-44A8-AD45-A508323DB42C}"/>
+              </a:ext>
+            </a:extLst>
+          </p:cNvPr>
+          <p:cNvCxnSpPr>
+            <a:cxnSpLocks/>
+            <a:stCxn id="121" idx="1"/>
+            <a:endCxn id="187" idx="2"/>
+          </p:cNvCxnSpPr>
+          <p:nvPr/>
+        </p:nvCxnSpPr>
+        <p:spPr>
+          <a:xfrm rot="10800000">
+            <a:off x="15992629" y="6890711"/>
+            <a:ext cx="291469" cy="588222"/>
+          </a:xfrm>
+          <a:prstGeom prst="bentConnector2">
+            <a:avLst/>
+          </a:prstGeom>
+        </p:spPr>
+        <p:style>
+          <a:lnRef idx="1">
+            <a:schemeClr val="dk1"/>
+          </a:lnRef>
+          <a:fillRef idx="0">
+            <a:schemeClr val="dk1"/>
+          </a:fillRef>
+          <a:effectRef idx="0">
+            <a:schemeClr val="dk1"/>
+          </a:effectRef>
+          <a:fontRef idx="minor">
+            <a:schemeClr val="tx1"/>
+          </a:fontRef>
+        </p:style>
+      </p:cxnSp>
+      <p:sp>
+        <p:nvSpPr>
+          <p:cNvPr id="126" name="직사각형 125">
+            <a:extLst>
+              <a:ext uri="{FF2B5EF4-FFF2-40B4-BE49-F238E27FC236}">
+                <a16:creationId xmlns:a16="http://schemas.microsoft.com/office/drawing/2014/main" id="{1A6B762A-EBA6-4936-B7CE-B4D8BB30F858}"/>
               </a:ext>
             </a:extLst>
           </p:cNvPr>
@@ -7784,7 +7794,7 @@
         </p:nvSpPr>
         <p:spPr>
           <a:xfrm>
-            <a:off x="16284097" y="7269204"/>
+            <a:off x="21577403" y="7271549"/>
             <a:ext cx="1484457" cy="419458"/>
           </a:xfrm>
           <a:prstGeom prst="rect">
@@ -7817,14 +7827,14 @@
             <a:pPr algn="ctr"/>
             <a:r>
               <a:rPr lang="ko-KR" altLang="en-US" sz="2000" b="1" dirty="0"/>
-              <a:t>할인정보</a:t>
+              <a:t>건의사항</a:t>
             </a:r>
             <a:br>
               <a:rPr lang="en-US" altLang="ko-KR" sz="2000" b="1" dirty="0"/>
             </a:br>
             <a:r>
               <a:rPr lang="ko-KR" altLang="en-US" sz="2000" b="1" dirty="0"/>
-              <a:t>상세보기</a:t>
+              <a:t>조회</a:t>
             </a:r>
             <a:endParaRPr lang="en-US" altLang="ko-KR" sz="2000" b="1" dirty="0"/>
           </a:p>
@@ -7832,24 +7842,24 @@
       </p:sp>
       <p:cxnSp>
         <p:nvCxnSpPr>
-          <p:cNvPr id="124" name="연결선: 꺾임 123">
-            <a:extLst>
-              <a:ext uri="{FF2B5EF4-FFF2-40B4-BE49-F238E27FC236}">
-                <a16:creationId xmlns:a16="http://schemas.microsoft.com/office/drawing/2014/main" id="{ABE39FE4-3BED-44A8-AD45-A508323DB42C}"/>
+          <p:cNvPr id="127" name="연결선: 꺾임 126">
+            <a:extLst>
+              <a:ext uri="{FF2B5EF4-FFF2-40B4-BE49-F238E27FC236}">
+                <a16:creationId xmlns:a16="http://schemas.microsoft.com/office/drawing/2014/main" id="{842E2202-E7DD-433F-9706-1C2D81F50094}"/>
               </a:ext>
             </a:extLst>
           </p:cNvPr>
           <p:cNvCxnSpPr>
             <a:cxnSpLocks/>
-            <a:stCxn id="121" idx="1"/>
-            <a:endCxn id="187" idx="2"/>
+            <a:stCxn id="126" idx="1"/>
+            <a:endCxn id="359" idx="2"/>
           </p:cNvCxnSpPr>
           <p:nvPr/>
         </p:nvCxnSpPr>
         <p:spPr>
           <a:xfrm rot="10800000">
-            <a:off x="15992629" y="6890711"/>
-            <a:ext cx="291469" cy="588222"/>
+            <a:off x="21238349" y="6890712"/>
+            <a:ext cx="339055" cy="590567"/>
           </a:xfrm>
           <a:prstGeom prst="bentConnector2">
             <a:avLst/>
@@ -7872,10 +7882,10 @@
       </p:cxnSp>
       <p:sp>
         <p:nvSpPr>
-          <p:cNvPr id="126" name="직사각형 125">
-            <a:extLst>
-              <a:ext uri="{FF2B5EF4-FFF2-40B4-BE49-F238E27FC236}">
-                <a16:creationId xmlns:a16="http://schemas.microsoft.com/office/drawing/2014/main" id="{1A6B762A-EBA6-4936-B7CE-B4D8BB30F858}"/>
+          <p:cNvPr id="155" name="직사각형 154">
+            <a:extLst>
+              <a:ext uri="{FF2B5EF4-FFF2-40B4-BE49-F238E27FC236}">
+                <a16:creationId xmlns:a16="http://schemas.microsoft.com/office/drawing/2014/main" id="{E703B887-3F09-4733-B402-18A84ACD8F21}"/>
               </a:ext>
             </a:extLst>
           </p:cNvPr>
@@ -7884,7 +7894,7 @@
         </p:nvSpPr>
         <p:spPr>
           <a:xfrm>
-            <a:off x="19660109" y="7271549"/>
+            <a:off x="12395851" y="16195887"/>
             <a:ext cx="1484457" cy="419458"/>
           </a:xfrm>
           <a:prstGeom prst="rect">
@@ -7917,65 +7927,17 @@
             <a:pPr algn="ctr"/>
             <a:r>
               <a:rPr lang="ko-KR" altLang="en-US" sz="2000" b="1" dirty="0"/>
-              <a:t>건의사항</a:t>
-            </a:r>
-            <a:br>
-              <a:rPr lang="en-US" altLang="ko-KR" sz="2000" b="1" dirty="0"/>
-            </a:br>
-            <a:r>
-              <a:rPr lang="ko-KR" altLang="en-US" sz="2000" b="1" dirty="0"/>
-              <a:t>상세보기</a:t>
-            </a:r>
-            <a:endParaRPr lang="en-US" altLang="ko-KR" sz="2000" b="1" dirty="0"/>
-          </a:p>
-        </p:txBody>
-      </p:sp>
-      <p:cxnSp>
-        <p:nvCxnSpPr>
-          <p:cNvPr id="127" name="연결선: 꺾임 126">
-            <a:extLst>
-              <a:ext uri="{FF2B5EF4-FFF2-40B4-BE49-F238E27FC236}">
-                <a16:creationId xmlns:a16="http://schemas.microsoft.com/office/drawing/2014/main" id="{842E2202-E7DD-433F-9706-1C2D81F50094}"/>
-              </a:ext>
-            </a:extLst>
-          </p:cNvPr>
-          <p:cNvCxnSpPr>
-            <a:cxnSpLocks/>
-            <a:stCxn id="126" idx="1"/>
-            <a:endCxn id="359" idx="2"/>
-          </p:cNvCxnSpPr>
-          <p:nvPr/>
-        </p:nvCxnSpPr>
-        <p:spPr>
-          <a:xfrm rot="10800000">
-            <a:off x="19321055" y="6890712"/>
-            <a:ext cx="339055" cy="590567"/>
-          </a:xfrm>
-          <a:prstGeom prst="bentConnector2">
-            <a:avLst/>
-          </a:prstGeom>
-        </p:spPr>
-        <p:style>
-          <a:lnRef idx="1">
-            <a:schemeClr val="dk1"/>
-          </a:lnRef>
-          <a:fillRef idx="0">
-            <a:schemeClr val="dk1"/>
-          </a:fillRef>
-          <a:effectRef idx="0">
-            <a:schemeClr val="dk1"/>
-          </a:effectRef>
-          <a:fontRef idx="minor">
-            <a:schemeClr val="tx1"/>
-          </a:fontRef>
-        </p:style>
-      </p:cxnSp>
-      <p:sp>
-        <p:nvSpPr>
-          <p:cNvPr id="155" name="직사각형 154">
-            <a:extLst>
-              <a:ext uri="{FF2B5EF4-FFF2-40B4-BE49-F238E27FC236}">
-                <a16:creationId xmlns:a16="http://schemas.microsoft.com/office/drawing/2014/main" id="{E703B887-3F09-4733-B402-18A84ACD8F21}"/>
+              <a:t>공지사항 상세보기</a:t>
+            </a:r>
+          </a:p>
+        </p:txBody>
+      </p:sp>
+      <p:sp>
+        <p:nvSpPr>
+          <p:cNvPr id="161" name="직사각형 160">
+            <a:extLst>
+              <a:ext uri="{FF2B5EF4-FFF2-40B4-BE49-F238E27FC236}">
+                <a16:creationId xmlns:a16="http://schemas.microsoft.com/office/drawing/2014/main" id="{795E643A-A9A1-478C-B4F5-DAC171CA2D06}"/>
               </a:ext>
             </a:extLst>
           </p:cNvPr>
@@ -7984,7 +7946,7 @@
         </p:nvSpPr>
         <p:spPr>
           <a:xfrm>
-            <a:off x="12395851" y="16195887"/>
+            <a:off x="13910022" y="15358645"/>
             <a:ext cx="1484457" cy="419458"/>
           </a:xfrm>
           <a:prstGeom prst="rect">
@@ -8017,17 +7979,65 @@
             <a:pPr algn="ctr"/>
             <a:r>
               <a:rPr lang="ko-KR" altLang="en-US" sz="2000" b="1" dirty="0"/>
-              <a:t>공지사항 상세보기</a:t>
-            </a:r>
-          </a:p>
-        </p:txBody>
-      </p:sp>
-      <p:sp>
-        <p:nvSpPr>
-          <p:cNvPr id="161" name="직사각형 160">
-            <a:extLst>
-              <a:ext uri="{FF2B5EF4-FFF2-40B4-BE49-F238E27FC236}">
-                <a16:creationId xmlns:a16="http://schemas.microsoft.com/office/drawing/2014/main" id="{795E643A-A9A1-478C-B4F5-DAC171CA2D06}"/>
+              <a:t>할인정보</a:t>
+            </a:r>
+            <a:br>
+              <a:rPr lang="en-US" altLang="ko-KR" sz="2000" b="1" dirty="0"/>
+            </a:br>
+            <a:r>
+              <a:rPr lang="ko-KR" altLang="en-US" sz="2000" b="1" dirty="0"/>
+              <a:t>조회</a:t>
+            </a:r>
+            <a:endParaRPr lang="en-US" altLang="ko-KR" sz="2000" b="1" dirty="0"/>
+          </a:p>
+        </p:txBody>
+      </p:sp>
+      <p:cxnSp>
+        <p:nvCxnSpPr>
+          <p:cNvPr id="162" name="연결선: 꺾임 161">
+            <a:extLst>
+              <a:ext uri="{FF2B5EF4-FFF2-40B4-BE49-F238E27FC236}">
+                <a16:creationId xmlns:a16="http://schemas.microsoft.com/office/drawing/2014/main" id="{35CC7002-1984-4D5F-ABF5-3B04593870D5}"/>
+              </a:ext>
+            </a:extLst>
+          </p:cNvPr>
+          <p:cNvCxnSpPr>
+            <a:cxnSpLocks/>
+            <a:stCxn id="161" idx="1"/>
+            <a:endCxn id="363" idx="2"/>
+          </p:cNvCxnSpPr>
+          <p:nvPr/>
+        </p:nvCxnSpPr>
+        <p:spPr>
+          <a:xfrm rot="10800000">
+            <a:off x="13737248" y="15078848"/>
+            <a:ext cx="172775" cy="489527"/>
+          </a:xfrm>
+          <a:prstGeom prst="bentConnector2">
+            <a:avLst/>
+          </a:prstGeom>
+        </p:spPr>
+        <p:style>
+          <a:lnRef idx="1">
+            <a:schemeClr val="dk1"/>
+          </a:lnRef>
+          <a:fillRef idx="0">
+            <a:schemeClr val="dk1"/>
+          </a:fillRef>
+          <a:effectRef idx="0">
+            <a:schemeClr val="dk1"/>
+          </a:effectRef>
+          <a:fontRef idx="minor">
+            <a:schemeClr val="tx1"/>
+          </a:fontRef>
+        </p:style>
+      </p:cxnSp>
+      <p:sp>
+        <p:nvSpPr>
+          <p:cNvPr id="176" name="직사각형 175">
+            <a:extLst>
+              <a:ext uri="{FF2B5EF4-FFF2-40B4-BE49-F238E27FC236}">
+                <a16:creationId xmlns:a16="http://schemas.microsoft.com/office/drawing/2014/main" id="{F3CC9FDD-D711-497A-B498-7F3354E0A09C}"/>
               </a:ext>
             </a:extLst>
           </p:cNvPr>
@@ -8036,8 +8046,8 @@
         </p:nvSpPr>
         <p:spPr>
           <a:xfrm>
-            <a:off x="13910022" y="15358645"/>
-            <a:ext cx="1484457" cy="419458"/>
+            <a:off x="23446278" y="17606115"/>
+            <a:ext cx="2020114" cy="419458"/>
           </a:xfrm>
           <a:prstGeom prst="rect">
             <a:avLst/>
@@ -8069,39 +8079,30 @@
             <a:pPr algn="ctr"/>
             <a:r>
               <a:rPr lang="ko-KR" altLang="en-US" sz="2000" b="1" dirty="0"/>
-              <a:t>할인정보</a:t>
-            </a:r>
-            <a:br>
-              <a:rPr lang="en-US" altLang="ko-KR" sz="2000" b="1" dirty="0"/>
-            </a:br>
-            <a:r>
-              <a:rPr lang="ko-KR" altLang="en-US" sz="2000" b="1" dirty="0"/>
-              <a:t>조회</a:t>
-            </a:r>
-            <a:endParaRPr lang="en-US" altLang="ko-KR" sz="2000" b="1" dirty="0"/>
+              <a:t>건의사항 수정</a:t>
+            </a:r>
           </a:p>
         </p:txBody>
       </p:sp>
       <p:cxnSp>
         <p:nvCxnSpPr>
-          <p:cNvPr id="162" name="연결선: 꺾임 161">
-            <a:extLst>
-              <a:ext uri="{FF2B5EF4-FFF2-40B4-BE49-F238E27FC236}">
-                <a16:creationId xmlns:a16="http://schemas.microsoft.com/office/drawing/2014/main" id="{35CC7002-1984-4D5F-ABF5-3B04593870D5}"/>
+          <p:cNvPr id="177" name="연결선: 꺾임 176">
+            <a:extLst>
+              <a:ext uri="{FF2B5EF4-FFF2-40B4-BE49-F238E27FC236}">
+                <a16:creationId xmlns:a16="http://schemas.microsoft.com/office/drawing/2014/main" id="{9C30C98A-044A-4212-85B6-A766CC294130}"/>
               </a:ext>
             </a:extLst>
           </p:cNvPr>
           <p:cNvCxnSpPr>
             <a:cxnSpLocks/>
-            <a:stCxn id="161" idx="1"/>
-            <a:endCxn id="363" idx="2"/>
+            <a:endCxn id="430" idx="2"/>
           </p:cNvCxnSpPr>
           <p:nvPr/>
         </p:nvCxnSpPr>
         <p:spPr>
           <a:xfrm rot="10800000">
-            <a:off x="13737248" y="15078848"/>
-            <a:ext cx="172775" cy="489527"/>
+            <a:off x="23074928" y="17307090"/>
+            <a:ext cx="371351" cy="508755"/>
           </a:xfrm>
           <a:prstGeom prst="bentConnector2">
             <a:avLst/>
@@ -8124,10 +8125,10 @@
       </p:cxnSp>
       <p:sp>
         <p:nvSpPr>
-          <p:cNvPr id="176" name="직사각형 175">
-            <a:extLst>
-              <a:ext uri="{FF2B5EF4-FFF2-40B4-BE49-F238E27FC236}">
-                <a16:creationId xmlns:a16="http://schemas.microsoft.com/office/drawing/2014/main" id="{F3CC9FDD-D711-497A-B498-7F3354E0A09C}"/>
+          <p:cNvPr id="182" name="직사각형 181">
+            <a:extLst>
+              <a:ext uri="{FF2B5EF4-FFF2-40B4-BE49-F238E27FC236}">
+                <a16:creationId xmlns:a16="http://schemas.microsoft.com/office/drawing/2014/main" id="{F2AADA29-C29B-4B9A-996A-81AE06988618}"/>
               </a:ext>
             </a:extLst>
           </p:cNvPr>
@@ -8136,7 +8137,7 @@
         </p:nvSpPr>
         <p:spPr>
           <a:xfrm>
-            <a:off x="21912443" y="17606115"/>
+            <a:off x="23446278" y="18199923"/>
             <a:ext cx="2020114" cy="419458"/>
           </a:xfrm>
           <a:prstGeom prst="rect">
@@ -8169,17 +8170,17 @@
             <a:pPr algn="ctr"/>
             <a:r>
               <a:rPr lang="ko-KR" altLang="en-US" sz="2000" b="1" dirty="0"/>
-              <a:t>건의사항 수정</a:t>
+              <a:t>건의사항 삭제</a:t>
             </a:r>
           </a:p>
         </p:txBody>
       </p:sp>
       <p:cxnSp>
         <p:nvCxnSpPr>
-          <p:cNvPr id="177" name="연결선: 꺾임 176">
-            <a:extLst>
-              <a:ext uri="{FF2B5EF4-FFF2-40B4-BE49-F238E27FC236}">
-                <a16:creationId xmlns:a16="http://schemas.microsoft.com/office/drawing/2014/main" id="{9C30C98A-044A-4212-85B6-A766CC294130}"/>
+          <p:cNvPr id="185" name="연결선: 꺾임 184">
+            <a:extLst>
+              <a:ext uri="{FF2B5EF4-FFF2-40B4-BE49-F238E27FC236}">
+                <a16:creationId xmlns:a16="http://schemas.microsoft.com/office/drawing/2014/main" id="{646F4A35-8D7F-46A2-B5CC-005EA93DF205}"/>
               </a:ext>
             </a:extLst>
           </p:cNvPr>
@@ -8191,8 +8192,8 @@
         </p:nvCxnSpPr>
         <p:spPr>
           <a:xfrm rot="10800000">
-            <a:off x="21541093" y="17307090"/>
-            <a:ext cx="371351" cy="508755"/>
+            <a:off x="23074928" y="17307090"/>
+            <a:ext cx="371351" cy="1102563"/>
           </a:xfrm>
           <a:prstGeom prst="bentConnector2">
             <a:avLst/>
@@ -8215,10 +8216,10 @@
       </p:cxnSp>
       <p:sp>
         <p:nvSpPr>
-          <p:cNvPr id="182" name="직사각형 181">
-            <a:extLst>
-              <a:ext uri="{FF2B5EF4-FFF2-40B4-BE49-F238E27FC236}">
-                <a16:creationId xmlns:a16="http://schemas.microsoft.com/office/drawing/2014/main" id="{F2AADA29-C29B-4B9A-996A-81AE06988618}"/>
+          <p:cNvPr id="188" name="직사각형 187">
+            <a:extLst>
+              <a:ext uri="{FF2B5EF4-FFF2-40B4-BE49-F238E27FC236}">
+                <a16:creationId xmlns:a16="http://schemas.microsoft.com/office/drawing/2014/main" id="{47FA4662-2CD9-4403-8F26-9F64A7CFD511}"/>
               </a:ext>
             </a:extLst>
           </p:cNvPr>
@@ -8227,7 +8228,7 @@
         </p:nvSpPr>
         <p:spPr>
           <a:xfrm>
-            <a:off x="21912443" y="18199923"/>
+            <a:off x="8703761" y="18652488"/>
             <a:ext cx="2020114" cy="419458"/>
           </a:xfrm>
           <a:prstGeom prst="rect">
@@ -8259,31 +8260,36 @@
           <a:p>
             <a:pPr algn="ctr"/>
             <a:r>
+              <a:rPr lang="ko-KR" altLang="en-US" sz="2000" b="1" err="1"/>
+              <a:t>한줄평</a:t>
+            </a:r>
+            <a:r>
               <a:rPr lang="ko-KR" altLang="en-US" sz="2000" b="1" dirty="0"/>
-              <a:t>건의사항 삭제</a:t>
+              <a:t> 수정</a:t>
             </a:r>
           </a:p>
         </p:txBody>
       </p:sp>
       <p:cxnSp>
         <p:nvCxnSpPr>
-          <p:cNvPr id="185" name="연결선: 꺾임 184">
-            <a:extLst>
-              <a:ext uri="{FF2B5EF4-FFF2-40B4-BE49-F238E27FC236}">
-                <a16:creationId xmlns:a16="http://schemas.microsoft.com/office/drawing/2014/main" id="{646F4A35-8D7F-46A2-B5CC-005EA93DF205}"/>
+          <p:cNvPr id="189" name="연결선: 꺾임 188">
+            <a:extLst>
+              <a:ext uri="{FF2B5EF4-FFF2-40B4-BE49-F238E27FC236}">
+                <a16:creationId xmlns:a16="http://schemas.microsoft.com/office/drawing/2014/main" id="{C887391A-2F35-4010-927C-2FE199D75C66}"/>
               </a:ext>
             </a:extLst>
           </p:cNvPr>
           <p:cNvCxnSpPr>
             <a:cxnSpLocks/>
-            <a:endCxn id="430" idx="2"/>
+            <a:stCxn id="188" idx="1"/>
+            <a:endCxn id="504" idx="2"/>
           </p:cNvCxnSpPr>
           <p:nvPr/>
         </p:nvCxnSpPr>
         <p:spPr>
           <a:xfrm rot="10800000">
-            <a:off x="21541093" y="17307090"/>
-            <a:ext cx="371351" cy="1102563"/>
+            <a:off x="8361837" y="18423129"/>
+            <a:ext cx="341925" cy="439089"/>
           </a:xfrm>
           <a:prstGeom prst="bentConnector2">
             <a:avLst/>
@@ -8306,10 +8312,10 @@
       </p:cxnSp>
       <p:sp>
         <p:nvSpPr>
-          <p:cNvPr id="188" name="직사각형 187">
-            <a:extLst>
-              <a:ext uri="{FF2B5EF4-FFF2-40B4-BE49-F238E27FC236}">
-                <a16:creationId xmlns:a16="http://schemas.microsoft.com/office/drawing/2014/main" id="{47FA4662-2CD9-4403-8F26-9F64A7CFD511}"/>
+          <p:cNvPr id="192" name="직사각형 191">
+            <a:extLst>
+              <a:ext uri="{FF2B5EF4-FFF2-40B4-BE49-F238E27FC236}">
+                <a16:creationId xmlns:a16="http://schemas.microsoft.com/office/drawing/2014/main" id="{50F9B59F-D76E-4928-AF99-F2F3660858C5}"/>
               </a:ext>
             </a:extLst>
           </p:cNvPr>
@@ -8318,7 +8324,7 @@
         </p:nvSpPr>
         <p:spPr>
           <a:xfrm>
-            <a:off x="8703761" y="18652488"/>
+            <a:off x="8731877" y="19235141"/>
             <a:ext cx="2020114" cy="419458"/>
           </a:xfrm>
           <a:prstGeom prst="rect">
@@ -8350,36 +8356,36 @@
           <a:p>
             <a:pPr algn="ctr"/>
             <a:r>
-              <a:rPr lang="ko-KR" altLang="en-US" sz="2000" b="1" err="1"/>
+              <a:rPr lang="ko-KR" altLang="en-US" sz="2000" b="1" dirty="0" err="1"/>
               <a:t>한줄평</a:t>
             </a:r>
             <a:r>
               <a:rPr lang="ko-KR" altLang="en-US" sz="2000" b="1" dirty="0"/>
-              <a:t> 수정</a:t>
+              <a:t> 삭제</a:t>
             </a:r>
           </a:p>
         </p:txBody>
       </p:sp>
       <p:cxnSp>
         <p:nvCxnSpPr>
-          <p:cNvPr id="189" name="연결선: 꺾임 188">
-            <a:extLst>
-              <a:ext uri="{FF2B5EF4-FFF2-40B4-BE49-F238E27FC236}">
-                <a16:creationId xmlns:a16="http://schemas.microsoft.com/office/drawing/2014/main" id="{C887391A-2F35-4010-927C-2FE199D75C66}"/>
+          <p:cNvPr id="193" name="연결선: 꺾임 192">
+            <a:extLst>
+              <a:ext uri="{FF2B5EF4-FFF2-40B4-BE49-F238E27FC236}">
+                <a16:creationId xmlns:a16="http://schemas.microsoft.com/office/drawing/2014/main" id="{84F59E5E-4876-4F69-8C05-44F6851C674B}"/>
               </a:ext>
             </a:extLst>
           </p:cNvPr>
           <p:cNvCxnSpPr>
             <a:cxnSpLocks/>
-            <a:stCxn id="188" idx="1"/>
+            <a:stCxn id="192" idx="1"/>
             <a:endCxn id="504" idx="2"/>
           </p:cNvCxnSpPr>
           <p:nvPr/>
         </p:nvCxnSpPr>
         <p:spPr>
           <a:xfrm rot="10800000">
-            <a:off x="8361837" y="18423129"/>
-            <a:ext cx="341925" cy="439089"/>
+            <a:off x="8361837" y="18423128"/>
+            <a:ext cx="370041" cy="1021742"/>
           </a:xfrm>
           <a:prstGeom prst="bentConnector2">
             <a:avLst/>
@@ -8402,10 +8408,10 @@
       </p:cxnSp>
       <p:sp>
         <p:nvSpPr>
-          <p:cNvPr id="192" name="직사각형 191">
-            <a:extLst>
-              <a:ext uri="{FF2B5EF4-FFF2-40B4-BE49-F238E27FC236}">
-                <a16:creationId xmlns:a16="http://schemas.microsoft.com/office/drawing/2014/main" id="{50F9B59F-D76E-4928-AF99-F2F3660858C5}"/>
+          <p:cNvPr id="196" name="직사각형 195">
+            <a:extLst>
+              <a:ext uri="{FF2B5EF4-FFF2-40B4-BE49-F238E27FC236}">
+                <a16:creationId xmlns:a16="http://schemas.microsoft.com/office/drawing/2014/main" id="{97C1896E-FD78-4B96-98E5-82A2B4904E5A}"/>
               </a:ext>
             </a:extLst>
           </p:cNvPr>
@@ -8414,7 +8420,7 @@
         </p:nvSpPr>
         <p:spPr>
           <a:xfrm>
-            <a:off x="8731877" y="19235141"/>
+            <a:off x="32011664" y="15502942"/>
             <a:ext cx="2020114" cy="419458"/>
           </a:xfrm>
           <a:prstGeom prst="rect">
@@ -8446,36 +8452,32 @@
           <a:p>
             <a:pPr algn="ctr"/>
             <a:r>
-              <a:rPr lang="ko-KR" altLang="en-US" sz="2000" b="1" dirty="0" err="1"/>
-              <a:t>한줄평</a:t>
-            </a:r>
-            <a:r>
               <a:rPr lang="ko-KR" altLang="en-US" sz="2000" b="1" dirty="0"/>
-              <a:t> 삭제</a:t>
-            </a:r>
+              <a:t>건의사항 조회</a:t>
+            </a:r>
+            <a:endParaRPr lang="en-US" altLang="ko-KR" sz="2000" b="1" dirty="0"/>
           </a:p>
         </p:txBody>
       </p:sp>
       <p:cxnSp>
         <p:nvCxnSpPr>
-          <p:cNvPr id="193" name="연결선: 꺾임 192">
-            <a:extLst>
-              <a:ext uri="{FF2B5EF4-FFF2-40B4-BE49-F238E27FC236}">
-                <a16:creationId xmlns:a16="http://schemas.microsoft.com/office/drawing/2014/main" id="{84F59E5E-4876-4F69-8C05-44F6851C674B}"/>
+          <p:cNvPr id="197" name="연결선: 꺾임 196">
+            <a:extLst>
+              <a:ext uri="{FF2B5EF4-FFF2-40B4-BE49-F238E27FC236}">
+                <a16:creationId xmlns:a16="http://schemas.microsoft.com/office/drawing/2014/main" id="{DD8C8DBB-9C8E-495D-9D74-BD1F87EF40D3}"/>
               </a:ext>
             </a:extLst>
           </p:cNvPr>
           <p:cNvCxnSpPr>
             <a:cxnSpLocks/>
-            <a:stCxn id="192" idx="1"/>
-            <a:endCxn id="504" idx="2"/>
+            <a:stCxn id="196" idx="1"/>
           </p:cNvCxnSpPr>
           <p:nvPr/>
         </p:nvCxnSpPr>
         <p:spPr>
           <a:xfrm rot="10800000">
-            <a:off x="8361837" y="18423128"/>
-            <a:ext cx="370041" cy="1021742"/>
+            <a:off x="31580162" y="14982501"/>
+            <a:ext cx="431502" cy="730170"/>
           </a:xfrm>
           <a:prstGeom prst="bentConnector2">
             <a:avLst/>
@@ -8498,10 +8500,10 @@
       </p:cxnSp>
       <p:sp>
         <p:nvSpPr>
-          <p:cNvPr id="196" name="직사각형 195">
-            <a:extLst>
-              <a:ext uri="{FF2B5EF4-FFF2-40B4-BE49-F238E27FC236}">
-                <a16:creationId xmlns:a16="http://schemas.microsoft.com/office/drawing/2014/main" id="{97C1896E-FD78-4B96-98E5-82A2B4904E5A}"/>
+          <p:cNvPr id="212" name="직사각형 211">
+            <a:extLst>
+              <a:ext uri="{FF2B5EF4-FFF2-40B4-BE49-F238E27FC236}">
+                <a16:creationId xmlns:a16="http://schemas.microsoft.com/office/drawing/2014/main" id="{8B726137-940D-43DD-9BF0-C7D3453E9C62}"/>
               </a:ext>
             </a:extLst>
           </p:cNvPr>
@@ -8510,8 +8512,8 @@
         </p:nvSpPr>
         <p:spPr>
           <a:xfrm>
-            <a:off x="32011664" y="15502942"/>
-            <a:ext cx="2020114" cy="419458"/>
+            <a:off x="24828736" y="14627330"/>
+            <a:ext cx="1725804" cy="419458"/>
           </a:xfrm>
           <a:prstGeom prst="rect">
             <a:avLst/>
@@ -8542,35 +8544,38 @@
           <a:p>
             <a:pPr algn="ctr"/>
             <a:r>
-              <a:rPr lang="ko-KR" altLang="en-US" sz="2000" b="1" dirty="0"/>
-              <a:t>건의사항 조회</a:t>
-            </a:r>
-            <a:endParaRPr lang="en-US" altLang="ko-KR" sz="2000" b="1" dirty="0"/>
+              <a:rPr lang="ko-KR" altLang="en-US" sz="2000" b="1"/>
+              <a:t>마이페이지</a:t>
+            </a:r>
+            <a:endParaRPr lang="ko-KR" altLang="en-US" sz="2000" b="1" dirty="0"/>
           </a:p>
         </p:txBody>
       </p:sp>
       <p:cxnSp>
         <p:nvCxnSpPr>
-          <p:cNvPr id="197" name="연결선: 꺾임 196">
-            <a:extLst>
-              <a:ext uri="{FF2B5EF4-FFF2-40B4-BE49-F238E27FC236}">
-                <a16:creationId xmlns:a16="http://schemas.microsoft.com/office/drawing/2014/main" id="{DD8C8DBB-9C8E-495D-9D74-BD1F87EF40D3}"/>
+          <p:cNvPr id="213" name="연결선: 꺾임 212">
+            <a:extLst>
+              <a:ext uri="{FF2B5EF4-FFF2-40B4-BE49-F238E27FC236}">
+                <a16:creationId xmlns:a16="http://schemas.microsoft.com/office/drawing/2014/main" id="{521DEBA4-1729-4BAC-830C-7591F576EB93}"/>
               </a:ext>
             </a:extLst>
           </p:cNvPr>
           <p:cNvCxnSpPr>
             <a:cxnSpLocks/>
-            <a:stCxn id="196" idx="1"/>
+            <a:stCxn id="212" idx="0"/>
+            <a:endCxn id="339" idx="2"/>
           </p:cNvCxnSpPr>
           <p:nvPr/>
         </p:nvCxnSpPr>
         <p:spPr>
-          <a:xfrm rot="10800000">
-            <a:off x="31580162" y="14982501"/>
-            <a:ext cx="431502" cy="730170"/>
-          </a:xfrm>
-          <a:prstGeom prst="bentConnector2">
-            <a:avLst/>
+          <a:xfrm rot="16200000" flipV="1">
+            <a:off x="17372908" y="6308600"/>
+            <a:ext cx="1593775" cy="15043686"/>
+          </a:xfrm>
+          <a:prstGeom prst="bentConnector3">
+            <a:avLst>
+              <a:gd name="adj1" fmla="val 50000"/>
+            </a:avLst>
           </a:prstGeom>
         </p:spPr>
         <p:style>
@@ -8590,10 +8595,10 @@
       </p:cxnSp>
       <p:sp>
         <p:nvSpPr>
-          <p:cNvPr id="212" name="직사각형 211">
-            <a:extLst>
-              <a:ext uri="{FF2B5EF4-FFF2-40B4-BE49-F238E27FC236}">
-                <a16:creationId xmlns:a16="http://schemas.microsoft.com/office/drawing/2014/main" id="{8B726137-940D-43DD-9BF0-C7D3453E9C62}"/>
+          <p:cNvPr id="133" name="직사각형 132">
+            <a:extLst>
+              <a:ext uri="{FF2B5EF4-FFF2-40B4-BE49-F238E27FC236}">
+                <a16:creationId xmlns:a16="http://schemas.microsoft.com/office/drawing/2014/main" id="{9AF2BD58-D619-4D2F-B5AC-7B8596CB1D04}"/>
               </a:ext>
             </a:extLst>
           </p:cNvPr>
@@ -8602,8 +8607,8 @@
         </p:nvSpPr>
         <p:spPr>
           <a:xfrm>
-            <a:off x="23471874" y="14627330"/>
-            <a:ext cx="1725804" cy="419458"/>
+            <a:off x="8938406" y="20918897"/>
+            <a:ext cx="2020114" cy="419458"/>
           </a:xfrm>
           <a:prstGeom prst="rect">
             <a:avLst/>
@@ -8634,38 +8639,33 @@
           <a:p>
             <a:pPr algn="ctr"/>
             <a:r>
-              <a:rPr lang="ko-KR" altLang="en-US" sz="2000" b="1"/>
-              <a:t>마이페이지</a:t>
-            </a:r>
-            <a:endParaRPr lang="ko-KR" altLang="en-US" sz="2000" b="1" dirty="0"/>
+              <a:rPr lang="ko-KR" altLang="en-US" sz="2000" b="1" dirty="0"/>
+              <a:t>시간 선택 페이지</a:t>
+            </a:r>
           </a:p>
         </p:txBody>
       </p:sp>
       <p:cxnSp>
         <p:nvCxnSpPr>
-          <p:cNvPr id="213" name="연결선: 꺾임 212">
-            <a:extLst>
-              <a:ext uri="{FF2B5EF4-FFF2-40B4-BE49-F238E27FC236}">
-                <a16:creationId xmlns:a16="http://schemas.microsoft.com/office/drawing/2014/main" id="{521DEBA4-1729-4BAC-830C-7591F576EB93}"/>
+          <p:cNvPr id="134" name="연결선: 꺾임 133">
+            <a:extLst>
+              <a:ext uri="{FF2B5EF4-FFF2-40B4-BE49-F238E27FC236}">
+                <a16:creationId xmlns:a16="http://schemas.microsoft.com/office/drawing/2014/main" id="{6C72B807-9B62-444B-96C0-01AE46E29388}"/>
               </a:ext>
             </a:extLst>
           </p:cNvPr>
           <p:cNvCxnSpPr>
             <a:cxnSpLocks/>
-            <a:stCxn id="212" idx="0"/>
-            <a:endCxn id="339" idx="2"/>
           </p:cNvCxnSpPr>
           <p:nvPr/>
         </p:nvCxnSpPr>
         <p:spPr>
-          <a:xfrm rot="16200000" flipV="1">
-            <a:off x="16694477" y="6987031"/>
-            <a:ext cx="1593775" cy="13686824"/>
-          </a:xfrm>
-          <a:prstGeom prst="bentConnector3">
-            <a:avLst>
-              <a:gd name="adj1" fmla="val 50000"/>
-            </a:avLst>
+          <a:xfrm rot="10800000">
+            <a:off x="8546857" y="20612711"/>
+            <a:ext cx="374560" cy="485765"/>
+          </a:xfrm>
+          <a:prstGeom prst="bentConnector2">
+            <a:avLst/>
           </a:prstGeom>
         </p:spPr>
         <p:style>
@@ -8683,12 +8683,50 @@
           </a:fontRef>
         </p:style>
       </p:cxnSp>
-      <p:sp>
-        <p:nvSpPr>
-          <p:cNvPr id="133" name="직사각형 132">
-            <a:extLst>
-              <a:ext uri="{FF2B5EF4-FFF2-40B4-BE49-F238E27FC236}">
-                <a16:creationId xmlns:a16="http://schemas.microsoft.com/office/drawing/2014/main" id="{9AF2BD58-D619-4D2F-B5AC-7B8596CB1D04}"/>
+      <p:cxnSp>
+        <p:nvCxnSpPr>
+          <p:cNvPr id="135" name="연결선: 꺾임 134">
+            <a:extLst>
+              <a:ext uri="{FF2B5EF4-FFF2-40B4-BE49-F238E27FC236}">
+                <a16:creationId xmlns:a16="http://schemas.microsoft.com/office/drawing/2014/main" id="{E66B61EF-7BF8-45DD-ACBE-35B3CF088F8D}"/>
+              </a:ext>
+            </a:extLst>
+          </p:cNvPr>
+          <p:cNvCxnSpPr>
+            <a:cxnSpLocks/>
+          </p:cNvCxnSpPr>
+          <p:nvPr/>
+        </p:nvCxnSpPr>
+        <p:spPr>
+          <a:xfrm rot="10800000">
+            <a:off x="11837422" y="17959596"/>
+            <a:ext cx="374560" cy="485765"/>
+          </a:xfrm>
+          <a:prstGeom prst="bentConnector2">
+            <a:avLst/>
+          </a:prstGeom>
+        </p:spPr>
+        <p:style>
+          <a:lnRef idx="1">
+            <a:schemeClr val="dk1"/>
+          </a:lnRef>
+          <a:fillRef idx="0">
+            <a:schemeClr val="dk1"/>
+          </a:fillRef>
+          <a:effectRef idx="0">
+            <a:schemeClr val="dk1"/>
+          </a:effectRef>
+          <a:fontRef idx="minor">
+            <a:schemeClr val="tx1"/>
+          </a:fontRef>
+        </p:style>
+      </p:cxnSp>
+      <p:sp>
+        <p:nvSpPr>
+          <p:cNvPr id="138" name="직사각형 137">
+            <a:extLst>
+              <a:ext uri="{FF2B5EF4-FFF2-40B4-BE49-F238E27FC236}">
+                <a16:creationId xmlns:a16="http://schemas.microsoft.com/office/drawing/2014/main" id="{C20F18D6-C6C4-4898-8E28-A1B36ECDDEF5}"/>
               </a:ext>
             </a:extLst>
           </p:cNvPr>
@@ -8697,7 +8735,7 @@
         </p:nvSpPr>
         <p:spPr>
           <a:xfrm>
-            <a:off x="8938406" y="20918897"/>
+            <a:off x="12211982" y="18242989"/>
             <a:ext cx="2020114" cy="419458"/>
           </a:xfrm>
           <a:prstGeom prst="rect">
@@ -8735,88 +8773,12 @@
           </a:p>
         </p:txBody>
       </p:sp>
-      <p:cxnSp>
-        <p:nvCxnSpPr>
-          <p:cNvPr id="134" name="연결선: 꺾임 133">
-            <a:extLst>
-              <a:ext uri="{FF2B5EF4-FFF2-40B4-BE49-F238E27FC236}">
-                <a16:creationId xmlns:a16="http://schemas.microsoft.com/office/drawing/2014/main" id="{6C72B807-9B62-444B-96C0-01AE46E29388}"/>
-              </a:ext>
-            </a:extLst>
-          </p:cNvPr>
-          <p:cNvCxnSpPr>
-            <a:cxnSpLocks/>
-          </p:cNvCxnSpPr>
-          <p:nvPr/>
-        </p:nvCxnSpPr>
-        <p:spPr>
-          <a:xfrm rot="10800000">
-            <a:off x="8546857" y="20612711"/>
-            <a:ext cx="374560" cy="485765"/>
-          </a:xfrm>
-          <a:prstGeom prst="bentConnector2">
-            <a:avLst/>
-          </a:prstGeom>
-        </p:spPr>
-        <p:style>
-          <a:lnRef idx="1">
-            <a:schemeClr val="dk1"/>
-          </a:lnRef>
-          <a:fillRef idx="0">
-            <a:schemeClr val="dk1"/>
-          </a:fillRef>
-          <a:effectRef idx="0">
-            <a:schemeClr val="dk1"/>
-          </a:effectRef>
-          <a:fontRef idx="minor">
-            <a:schemeClr val="tx1"/>
-          </a:fontRef>
-        </p:style>
-      </p:cxnSp>
-      <p:cxnSp>
-        <p:nvCxnSpPr>
-          <p:cNvPr id="135" name="연결선: 꺾임 134">
-            <a:extLst>
-              <a:ext uri="{FF2B5EF4-FFF2-40B4-BE49-F238E27FC236}">
-                <a16:creationId xmlns:a16="http://schemas.microsoft.com/office/drawing/2014/main" id="{E66B61EF-7BF8-45DD-ACBE-35B3CF088F8D}"/>
-              </a:ext>
-            </a:extLst>
-          </p:cNvPr>
-          <p:cNvCxnSpPr>
-            <a:cxnSpLocks/>
-          </p:cNvCxnSpPr>
-          <p:nvPr/>
-        </p:nvCxnSpPr>
-        <p:spPr>
-          <a:xfrm rot="10800000">
-            <a:off x="11837422" y="17959596"/>
-            <a:ext cx="374560" cy="485765"/>
-          </a:xfrm>
-          <a:prstGeom prst="bentConnector2">
-            <a:avLst/>
-          </a:prstGeom>
-        </p:spPr>
-        <p:style>
-          <a:lnRef idx="1">
-            <a:schemeClr val="dk1"/>
-          </a:lnRef>
-          <a:fillRef idx="0">
-            <a:schemeClr val="dk1"/>
-          </a:fillRef>
-          <a:effectRef idx="0">
-            <a:schemeClr val="dk1"/>
-          </a:effectRef>
-          <a:fontRef idx="minor">
-            <a:schemeClr val="tx1"/>
-          </a:fontRef>
-        </p:style>
-      </p:cxnSp>
-      <p:sp>
-        <p:nvSpPr>
-          <p:cNvPr id="138" name="직사각형 137">
-            <a:extLst>
-              <a:ext uri="{FF2B5EF4-FFF2-40B4-BE49-F238E27FC236}">
-                <a16:creationId xmlns:a16="http://schemas.microsoft.com/office/drawing/2014/main" id="{C20F18D6-C6C4-4898-8E28-A1B36ECDDEF5}"/>
+      <p:sp>
+        <p:nvSpPr>
+          <p:cNvPr id="140" name="직사각형 139">
+            <a:extLst>
+              <a:ext uri="{FF2B5EF4-FFF2-40B4-BE49-F238E27FC236}">
+                <a16:creationId xmlns:a16="http://schemas.microsoft.com/office/drawing/2014/main" id="{ED91A0FF-C86E-4AFB-8AA8-D4026E8E2FF2}"/>
               </a:ext>
             </a:extLst>
           </p:cNvPr>
@@ -8825,8 +8787,8 @@
         </p:nvSpPr>
         <p:spPr>
           <a:xfrm>
-            <a:off x="12211982" y="18242989"/>
-            <a:ext cx="2020114" cy="419458"/>
+            <a:off x="25877548" y="15416860"/>
+            <a:ext cx="1725804" cy="419458"/>
           </a:xfrm>
           <a:prstGeom prst="rect">
             <a:avLst/>
@@ -8858,17 +8820,56 @@
             <a:pPr algn="ctr"/>
             <a:r>
               <a:rPr lang="ko-KR" altLang="en-US" sz="2000" b="1" dirty="0"/>
-              <a:t>시간 선택 페이지</a:t>
-            </a:r>
-          </a:p>
-        </p:txBody>
-      </p:sp>
-      <p:sp>
-        <p:nvSpPr>
-          <p:cNvPr id="140" name="직사각형 139">
-            <a:extLst>
-              <a:ext uri="{FF2B5EF4-FFF2-40B4-BE49-F238E27FC236}">
-                <a16:creationId xmlns:a16="http://schemas.microsoft.com/office/drawing/2014/main" id="{ED91A0FF-C86E-4AFB-8AA8-D4026E8E2FF2}"/>
+              <a:t>내 정보 </a:t>
+            </a:r>
+          </a:p>
+        </p:txBody>
+      </p:sp>
+      <p:cxnSp>
+        <p:nvCxnSpPr>
+          <p:cNvPr id="18" name="연결선: 꺾임 17">
+            <a:extLst>
+              <a:ext uri="{FF2B5EF4-FFF2-40B4-BE49-F238E27FC236}">
+                <a16:creationId xmlns:a16="http://schemas.microsoft.com/office/drawing/2014/main" id="{8157E151-136F-4C1F-953B-2CB8F3FB8D6D}"/>
+              </a:ext>
+            </a:extLst>
+          </p:cNvPr>
+          <p:cNvCxnSpPr>
+            <a:stCxn id="212" idx="2"/>
+            <a:endCxn id="140" idx="1"/>
+          </p:cNvCxnSpPr>
+          <p:nvPr/>
+        </p:nvCxnSpPr>
+        <p:spPr>
+          <a:xfrm rot="16200000" flipH="1">
+            <a:off x="25494693" y="15243733"/>
+            <a:ext cx="579801" cy="185910"/>
+          </a:xfrm>
+          <a:prstGeom prst="bentConnector2">
+            <a:avLst/>
+          </a:prstGeom>
+        </p:spPr>
+        <p:style>
+          <a:lnRef idx="1">
+            <a:schemeClr val="dk1"/>
+          </a:lnRef>
+          <a:fillRef idx="0">
+            <a:schemeClr val="dk1"/>
+          </a:fillRef>
+          <a:effectRef idx="0">
+            <a:schemeClr val="dk1"/>
+          </a:effectRef>
+          <a:fontRef idx="minor">
+            <a:schemeClr val="tx1"/>
+          </a:fontRef>
+        </p:style>
+      </p:cxnSp>
+      <p:sp>
+        <p:nvSpPr>
+          <p:cNvPr id="163" name="직사각형 162">
+            <a:extLst>
+              <a:ext uri="{FF2B5EF4-FFF2-40B4-BE49-F238E27FC236}">
+                <a16:creationId xmlns:a16="http://schemas.microsoft.com/office/drawing/2014/main" id="{3B265C65-140C-44C8-9F2D-13008871096E}"/>
               </a:ext>
             </a:extLst>
           </p:cNvPr>
@@ -8877,7 +8878,7 @@
         </p:nvSpPr>
         <p:spPr>
           <a:xfrm>
-            <a:off x="24520686" y="15416860"/>
+            <a:off x="28471549" y="16934729"/>
             <a:ext cx="1725804" cy="419458"/>
           </a:xfrm>
           <a:prstGeom prst="rect">
@@ -8910,56 +8911,25 @@
             <a:pPr algn="ctr"/>
             <a:r>
               <a:rPr lang="ko-KR" altLang="en-US" sz="2000" b="1" dirty="0"/>
-              <a:t>내 정보 </a:t>
-            </a:r>
-          </a:p>
-        </p:txBody>
-      </p:sp>
-      <p:cxnSp>
-        <p:nvCxnSpPr>
-          <p:cNvPr id="18" name="연결선: 꺾임 17">
-            <a:extLst>
-              <a:ext uri="{FF2B5EF4-FFF2-40B4-BE49-F238E27FC236}">
-                <a16:creationId xmlns:a16="http://schemas.microsoft.com/office/drawing/2014/main" id="{8157E151-136F-4C1F-953B-2CB8F3FB8D6D}"/>
-              </a:ext>
-            </a:extLst>
-          </p:cNvPr>
-          <p:cNvCxnSpPr>
-            <a:stCxn id="212" idx="2"/>
-            <a:endCxn id="140" idx="1"/>
-          </p:cNvCxnSpPr>
-          <p:nvPr/>
-        </p:nvCxnSpPr>
-        <p:spPr>
-          <a:xfrm rot="16200000" flipH="1">
-            <a:off x="24137831" y="15243733"/>
-            <a:ext cx="579801" cy="185910"/>
-          </a:xfrm>
-          <a:prstGeom prst="bentConnector2">
-            <a:avLst/>
-          </a:prstGeom>
-        </p:spPr>
-        <p:style>
-          <a:lnRef idx="1">
-            <a:schemeClr val="dk1"/>
-          </a:lnRef>
-          <a:fillRef idx="0">
-            <a:schemeClr val="dk1"/>
-          </a:fillRef>
-          <a:effectRef idx="0">
-            <a:schemeClr val="dk1"/>
-          </a:effectRef>
-          <a:fontRef idx="minor">
-            <a:schemeClr val="tx1"/>
-          </a:fontRef>
-        </p:style>
-      </p:cxnSp>
-      <p:sp>
-        <p:nvSpPr>
-          <p:cNvPr id="163" name="직사각형 162">
-            <a:extLst>
-              <a:ext uri="{FF2B5EF4-FFF2-40B4-BE49-F238E27FC236}">
-                <a16:creationId xmlns:a16="http://schemas.microsoft.com/office/drawing/2014/main" id="{3B265C65-140C-44C8-9F2D-13008871096E}"/>
+              <a:t>내 정보</a:t>
+            </a:r>
+            <a:endParaRPr lang="en-US" altLang="ko-KR" sz="2000" b="1" dirty="0"/>
+          </a:p>
+          <a:p>
+            <a:pPr algn="ctr"/>
+            <a:r>
+              <a:rPr lang="ko-KR" altLang="en-US" sz="2000" b="1" dirty="0"/>
+              <a:t>상세보기 </a:t>
+            </a:r>
+          </a:p>
+        </p:txBody>
+      </p:sp>
+      <p:sp>
+        <p:nvSpPr>
+          <p:cNvPr id="164" name="직사각형 163">
+            <a:extLst>
+              <a:ext uri="{FF2B5EF4-FFF2-40B4-BE49-F238E27FC236}">
+                <a16:creationId xmlns:a16="http://schemas.microsoft.com/office/drawing/2014/main" id="{FF694C8D-684C-454E-B74C-81196277437F}"/>
               </a:ext>
             </a:extLst>
           </p:cNvPr>
@@ -8968,7 +8938,7 @@
         </p:nvSpPr>
         <p:spPr>
           <a:xfrm>
-            <a:off x="27114687" y="16934729"/>
+            <a:off x="29735696" y="17644782"/>
             <a:ext cx="1725804" cy="419458"/>
           </a:xfrm>
           <a:prstGeom prst="rect">
@@ -9003,23 +8973,62 @@
               <a:rPr lang="ko-KR" altLang="en-US" sz="2000" b="1" dirty="0"/>
               <a:t>내 정보</a:t>
             </a:r>
-            <a:endParaRPr lang="en-US" altLang="ko-KR" sz="2000" b="1" dirty="0"/>
-          </a:p>
-          <a:p>
-            <a:pPr algn="ctr"/>
+            <a:r>
+              <a:rPr lang="en-US" altLang="ko-KR" sz="2000" b="1" dirty="0"/>
+              <a:t> </a:t>
+            </a:r>
             <a:r>
               <a:rPr lang="ko-KR" altLang="en-US" sz="2000" b="1" dirty="0"/>
-              <a:t>상세보기 </a:t>
-            </a:r>
-          </a:p>
-        </p:txBody>
-      </p:sp>
-      <p:sp>
-        <p:nvSpPr>
-          <p:cNvPr id="164" name="직사각형 163">
-            <a:extLst>
-              <a:ext uri="{FF2B5EF4-FFF2-40B4-BE49-F238E27FC236}">
-                <a16:creationId xmlns:a16="http://schemas.microsoft.com/office/drawing/2014/main" id="{FF694C8D-684C-454E-B74C-81196277437F}"/>
+              <a:t>변경 </a:t>
+            </a:r>
+          </a:p>
+        </p:txBody>
+      </p:sp>
+      <p:cxnSp>
+        <p:nvCxnSpPr>
+          <p:cNvPr id="22" name="연결선: 꺾임 21">
+            <a:extLst>
+              <a:ext uri="{FF2B5EF4-FFF2-40B4-BE49-F238E27FC236}">
+                <a16:creationId xmlns:a16="http://schemas.microsoft.com/office/drawing/2014/main" id="{304C747E-E060-4A81-9BC4-4391B46E737C}"/>
+              </a:ext>
+            </a:extLst>
+          </p:cNvPr>
+          <p:cNvCxnSpPr>
+            <a:stCxn id="163" idx="2"/>
+            <a:endCxn id="164" idx="1"/>
+          </p:cNvCxnSpPr>
+          <p:nvPr/>
+        </p:nvCxnSpPr>
+        <p:spPr>
+          <a:xfrm rot="16200000" flipH="1">
+            <a:off x="29284911" y="17403726"/>
+            <a:ext cx="500324" cy="401245"/>
+          </a:xfrm>
+          <a:prstGeom prst="bentConnector2">
+            <a:avLst/>
+          </a:prstGeom>
+        </p:spPr>
+        <p:style>
+          <a:lnRef idx="1">
+            <a:schemeClr val="dk1"/>
+          </a:lnRef>
+          <a:fillRef idx="0">
+            <a:schemeClr val="dk1"/>
+          </a:fillRef>
+          <a:effectRef idx="0">
+            <a:schemeClr val="dk1"/>
+          </a:effectRef>
+          <a:fontRef idx="minor">
+            <a:schemeClr val="tx1"/>
+          </a:fontRef>
+        </p:style>
+      </p:cxnSp>
+      <p:sp>
+        <p:nvSpPr>
+          <p:cNvPr id="166" name="직사각형 165">
+            <a:extLst>
+              <a:ext uri="{FF2B5EF4-FFF2-40B4-BE49-F238E27FC236}">
+                <a16:creationId xmlns:a16="http://schemas.microsoft.com/office/drawing/2014/main" id="{8897490A-C4EF-4194-8287-3180EC842176}"/>
               </a:ext>
             </a:extLst>
           </p:cNvPr>
@@ -9028,7 +9037,7 @@
         </p:nvSpPr>
         <p:spPr>
           <a:xfrm>
-            <a:off x="28378834" y="17644782"/>
+            <a:off x="29770108" y="18357625"/>
             <a:ext cx="1725804" cy="419458"/>
           </a:xfrm>
           <a:prstGeom prst="rect">
@@ -9069,30 +9078,30 @@
             </a:r>
             <a:r>
               <a:rPr lang="ko-KR" altLang="en-US" sz="2000" b="1" dirty="0"/>
-              <a:t>변경 </a:t>
+              <a:t>삭제</a:t>
             </a:r>
           </a:p>
         </p:txBody>
       </p:sp>
       <p:cxnSp>
         <p:nvCxnSpPr>
-          <p:cNvPr id="22" name="연결선: 꺾임 21">
-            <a:extLst>
-              <a:ext uri="{FF2B5EF4-FFF2-40B4-BE49-F238E27FC236}">
-                <a16:creationId xmlns:a16="http://schemas.microsoft.com/office/drawing/2014/main" id="{304C747E-E060-4A81-9BC4-4391B46E737C}"/>
+          <p:cNvPr id="24" name="연결선: 꺾임 23">
+            <a:extLst>
+              <a:ext uri="{FF2B5EF4-FFF2-40B4-BE49-F238E27FC236}">
+                <a16:creationId xmlns:a16="http://schemas.microsoft.com/office/drawing/2014/main" id="{DFA228F3-BC7D-461A-B162-233906945B60}"/>
               </a:ext>
             </a:extLst>
           </p:cNvPr>
           <p:cNvCxnSpPr>
             <a:stCxn id="163" idx="2"/>
-            <a:endCxn id="164" idx="1"/>
+            <a:endCxn id="166" idx="1"/>
           </p:cNvCxnSpPr>
           <p:nvPr/>
         </p:nvCxnSpPr>
         <p:spPr>
           <a:xfrm rot="16200000" flipH="1">
-            <a:off x="27928049" y="17403726"/>
-            <a:ext cx="500324" cy="401245"/>
+            <a:off x="28945696" y="17742941"/>
+            <a:ext cx="1213167" cy="435657"/>
           </a:xfrm>
           <a:prstGeom prst="bentConnector2">
             <a:avLst/>
@@ -9115,10 +9124,10 @@
       </p:cxnSp>
       <p:sp>
         <p:nvSpPr>
-          <p:cNvPr id="166" name="직사각형 165">
-            <a:extLst>
-              <a:ext uri="{FF2B5EF4-FFF2-40B4-BE49-F238E27FC236}">
-                <a16:creationId xmlns:a16="http://schemas.microsoft.com/office/drawing/2014/main" id="{8897490A-C4EF-4194-8287-3180EC842176}"/>
+          <p:cNvPr id="167" name="직사각형 166">
+            <a:extLst>
+              <a:ext uri="{FF2B5EF4-FFF2-40B4-BE49-F238E27FC236}">
+                <a16:creationId xmlns:a16="http://schemas.microsoft.com/office/drawing/2014/main" id="{E5A23689-B969-4DA9-8762-5A5D2B6F237A}"/>
               </a:ext>
             </a:extLst>
           </p:cNvPr>
@@ -9127,7 +9136,7 @@
         </p:nvSpPr>
         <p:spPr>
           <a:xfrm>
-            <a:off x="28413246" y="18357625"/>
+            <a:off x="25877547" y="18016229"/>
             <a:ext cx="1725804" cy="419458"/>
           </a:xfrm>
           <a:prstGeom prst="rect">
@@ -9160,38 +9169,30 @@
             <a:pPr algn="ctr"/>
             <a:r>
               <a:rPr lang="ko-KR" altLang="en-US" sz="2000" b="1" dirty="0"/>
-              <a:t>내 정보</a:t>
-            </a:r>
-            <a:r>
-              <a:rPr lang="en-US" altLang="ko-KR" sz="2000" b="1" dirty="0"/>
-              <a:t> </a:t>
-            </a:r>
-            <a:r>
-              <a:rPr lang="ko-KR" altLang="en-US" sz="2000" b="1" dirty="0"/>
-              <a:t>삭제</a:t>
+              <a:t>내 예매 내역</a:t>
             </a:r>
           </a:p>
         </p:txBody>
       </p:sp>
       <p:cxnSp>
         <p:nvCxnSpPr>
-          <p:cNvPr id="24" name="연결선: 꺾임 23">
-            <a:extLst>
-              <a:ext uri="{FF2B5EF4-FFF2-40B4-BE49-F238E27FC236}">
-                <a16:creationId xmlns:a16="http://schemas.microsoft.com/office/drawing/2014/main" id="{DFA228F3-BC7D-461A-B162-233906945B60}"/>
+          <p:cNvPr id="28" name="연결선: 꺾임 27">
+            <a:extLst>
+              <a:ext uri="{FF2B5EF4-FFF2-40B4-BE49-F238E27FC236}">
+                <a16:creationId xmlns:a16="http://schemas.microsoft.com/office/drawing/2014/main" id="{A259C962-73BA-427A-8674-EFEAF311EBA5}"/>
               </a:ext>
             </a:extLst>
           </p:cNvPr>
           <p:cNvCxnSpPr>
-            <a:stCxn id="163" idx="2"/>
-            <a:endCxn id="166" idx="1"/>
+            <a:stCxn id="167" idx="1"/>
+            <a:endCxn id="212" idx="2"/>
           </p:cNvCxnSpPr>
           <p:nvPr/>
         </p:nvCxnSpPr>
         <p:spPr>
-          <a:xfrm rot="16200000" flipH="1">
-            <a:off x="27588834" y="17742941"/>
-            <a:ext cx="1213167" cy="435657"/>
+          <a:xfrm rot="10800000">
+            <a:off x="25691639" y="15046788"/>
+            <a:ext cx="185909" cy="3179170"/>
           </a:xfrm>
           <a:prstGeom prst="bentConnector2">
             <a:avLst/>
@@ -9199,13 +9200,13 @@
         </p:spPr>
         <p:style>
           <a:lnRef idx="1">
-            <a:schemeClr val="dk1"/>
+            <a:schemeClr val="accent1"/>
           </a:lnRef>
           <a:fillRef idx="0">
-            <a:schemeClr val="dk1"/>
-          </a:fillRef>
-          <a:effectRef idx="0">
-            <a:schemeClr val="dk1"/>
+            <a:schemeClr val="accent1"/>
+          </a:fillRef>
+          <a:effectRef idx="0">
+            <a:schemeClr val="accent1"/>
           </a:effectRef>
           <a:fontRef idx="minor">
             <a:schemeClr val="tx1"/>
@@ -9214,10 +9215,10 @@
       </p:cxnSp>
       <p:sp>
         <p:nvSpPr>
-          <p:cNvPr id="167" name="직사각형 166">
-            <a:extLst>
-              <a:ext uri="{FF2B5EF4-FFF2-40B4-BE49-F238E27FC236}">
-                <a16:creationId xmlns:a16="http://schemas.microsoft.com/office/drawing/2014/main" id="{E5A23689-B969-4DA9-8762-5A5D2B6F237A}"/>
+          <p:cNvPr id="171" name="직사각형 170">
+            <a:extLst>
+              <a:ext uri="{FF2B5EF4-FFF2-40B4-BE49-F238E27FC236}">
+                <a16:creationId xmlns:a16="http://schemas.microsoft.com/office/drawing/2014/main" id="{FD1D10F0-4A5E-4BA5-B507-CF9FAA1A25A9}"/>
               </a:ext>
             </a:extLst>
           </p:cNvPr>
@@ -9226,7 +9227,7 @@
         </p:nvSpPr>
         <p:spPr>
           <a:xfrm>
-            <a:off x="24520685" y="18016229"/>
+            <a:off x="25898156" y="20425646"/>
             <a:ext cx="1725804" cy="419458"/>
           </a:xfrm>
           <a:prstGeom prst="rect">
@@ -9259,56 +9260,17 @@
             <a:pPr algn="ctr"/>
             <a:r>
               <a:rPr lang="ko-KR" altLang="en-US" sz="2000" b="1" dirty="0"/>
-              <a:t>내 예매 내역</a:t>
-            </a:r>
-          </a:p>
-        </p:txBody>
-      </p:sp>
-      <p:cxnSp>
-        <p:nvCxnSpPr>
-          <p:cNvPr id="28" name="연결선: 꺾임 27">
-            <a:extLst>
-              <a:ext uri="{FF2B5EF4-FFF2-40B4-BE49-F238E27FC236}">
-                <a16:creationId xmlns:a16="http://schemas.microsoft.com/office/drawing/2014/main" id="{A259C962-73BA-427A-8674-EFEAF311EBA5}"/>
-              </a:ext>
-            </a:extLst>
-          </p:cNvPr>
-          <p:cNvCxnSpPr>
-            <a:stCxn id="167" idx="1"/>
-            <a:endCxn id="212" idx="2"/>
-          </p:cNvCxnSpPr>
-          <p:nvPr/>
-        </p:nvCxnSpPr>
-        <p:spPr>
-          <a:xfrm rot="10800000">
-            <a:off x="24334777" y="15046788"/>
-            <a:ext cx="185909" cy="3179170"/>
-          </a:xfrm>
-          <a:prstGeom prst="bentConnector2">
-            <a:avLst/>
-          </a:prstGeom>
-        </p:spPr>
-        <p:style>
-          <a:lnRef idx="1">
-            <a:schemeClr val="accent1"/>
-          </a:lnRef>
-          <a:fillRef idx="0">
-            <a:schemeClr val="accent1"/>
-          </a:fillRef>
-          <a:effectRef idx="0">
-            <a:schemeClr val="accent1"/>
-          </a:effectRef>
-          <a:fontRef idx="minor">
-            <a:schemeClr val="tx1"/>
-          </a:fontRef>
-        </p:style>
-      </p:cxnSp>
-      <p:sp>
-        <p:nvSpPr>
-          <p:cNvPr id="171" name="직사각형 170">
-            <a:extLst>
-              <a:ext uri="{FF2B5EF4-FFF2-40B4-BE49-F238E27FC236}">
-                <a16:creationId xmlns:a16="http://schemas.microsoft.com/office/drawing/2014/main" id="{FD1D10F0-4A5E-4BA5-B507-CF9FAA1A25A9}"/>
+              <a:t>내 리뷰</a:t>
+            </a:r>
+          </a:p>
+        </p:txBody>
+      </p:sp>
+      <p:sp>
+        <p:nvSpPr>
+          <p:cNvPr id="173" name="직사각형 172">
+            <a:extLst>
+              <a:ext uri="{FF2B5EF4-FFF2-40B4-BE49-F238E27FC236}">
+                <a16:creationId xmlns:a16="http://schemas.microsoft.com/office/drawing/2014/main" id="{0026D083-2E56-4B61-AAC8-35485D5BF92D}"/>
               </a:ext>
             </a:extLst>
           </p:cNvPr>
@@ -9317,7 +9279,7 @@
         </p:nvSpPr>
         <p:spPr>
           <a:xfrm>
-            <a:off x="24541294" y="20425646"/>
+            <a:off x="25898156" y="23476498"/>
             <a:ext cx="1725804" cy="419458"/>
           </a:xfrm>
           <a:prstGeom prst="rect">
@@ -9350,17 +9312,22 @@
             <a:pPr algn="ctr"/>
             <a:r>
               <a:rPr lang="ko-KR" altLang="en-US" sz="2000" b="1" dirty="0"/>
-              <a:t>내 리뷰</a:t>
-            </a:r>
-          </a:p>
-        </p:txBody>
-      </p:sp>
-      <p:sp>
-        <p:nvSpPr>
-          <p:cNvPr id="173" name="직사각형 172">
-            <a:extLst>
-              <a:ext uri="{FF2B5EF4-FFF2-40B4-BE49-F238E27FC236}">
-                <a16:creationId xmlns:a16="http://schemas.microsoft.com/office/drawing/2014/main" id="{0026D083-2E56-4B61-AAC8-35485D5BF92D}"/>
+              <a:t>내 </a:t>
+            </a:r>
+            <a:r>
+              <a:rPr lang="ko-KR" altLang="en-US" sz="2000" b="1" dirty="0" err="1"/>
+              <a:t>한줄평</a:t>
+            </a:r>
+            <a:endParaRPr lang="ko-KR" altLang="en-US" sz="2000" b="1" dirty="0"/>
+          </a:p>
+        </p:txBody>
+      </p:sp>
+      <p:sp>
+        <p:nvSpPr>
+          <p:cNvPr id="175" name="직사각형 174">
+            <a:extLst>
+              <a:ext uri="{FF2B5EF4-FFF2-40B4-BE49-F238E27FC236}">
+                <a16:creationId xmlns:a16="http://schemas.microsoft.com/office/drawing/2014/main" id="{6EB21736-2903-453A-BC42-8876977C8C5D}"/>
               </a:ext>
             </a:extLst>
           </p:cNvPr>
@@ -9369,7 +9336,7 @@
         </p:nvSpPr>
         <p:spPr>
           <a:xfrm>
-            <a:off x="24541294" y="23476498"/>
+            <a:off x="25877547" y="27071019"/>
             <a:ext cx="1725804" cy="419458"/>
           </a:xfrm>
           <a:prstGeom prst="rect">
@@ -9406,7 +9373,7 @@
             </a:r>
             <a:r>
               <a:rPr lang="ko-KR" altLang="en-US" sz="2000" b="1" dirty="0" err="1"/>
-              <a:t>한줄평</a:t>
+              <a:t>기프티콘</a:t>
             </a:r>
             <a:endParaRPr lang="ko-KR" altLang="en-US" sz="2000" b="1" dirty="0"/>
           </a:p>
@@ -9414,10 +9381,10 @@
       </p:sp>
       <p:sp>
         <p:nvSpPr>
-          <p:cNvPr id="175" name="직사각형 174">
-            <a:extLst>
-              <a:ext uri="{FF2B5EF4-FFF2-40B4-BE49-F238E27FC236}">
-                <a16:creationId xmlns:a16="http://schemas.microsoft.com/office/drawing/2014/main" id="{6EB21736-2903-453A-BC42-8876977C8C5D}"/>
+          <p:cNvPr id="178" name="직사각형 177">
+            <a:extLst>
+              <a:ext uri="{FF2B5EF4-FFF2-40B4-BE49-F238E27FC236}">
+                <a16:creationId xmlns:a16="http://schemas.microsoft.com/office/drawing/2014/main" id="{07A22815-E39D-4B8B-9A2E-3F373D4DD698}"/>
               </a:ext>
             </a:extLst>
           </p:cNvPr>
@@ -9426,7 +9393,7 @@
         </p:nvSpPr>
         <p:spPr>
           <a:xfrm>
-            <a:off x="24520685" y="27071019"/>
+            <a:off x="25924542" y="30306349"/>
             <a:ext cx="1725804" cy="419458"/>
           </a:xfrm>
           <a:prstGeom prst="rect">
@@ -9459,22 +9426,17 @@
             <a:pPr algn="ctr"/>
             <a:r>
               <a:rPr lang="ko-KR" altLang="en-US" sz="2000" b="1" dirty="0"/>
-              <a:t>내 </a:t>
-            </a:r>
-            <a:r>
-              <a:rPr lang="ko-KR" altLang="en-US" sz="2000" b="1" dirty="0" err="1"/>
-              <a:t>기프티콘</a:t>
-            </a:r>
-            <a:endParaRPr lang="ko-KR" altLang="en-US" sz="2000" b="1" dirty="0"/>
-          </a:p>
-        </p:txBody>
-      </p:sp>
-      <p:sp>
-        <p:nvSpPr>
-          <p:cNvPr id="178" name="직사각형 177">
-            <a:extLst>
-              <a:ext uri="{FF2B5EF4-FFF2-40B4-BE49-F238E27FC236}">
-                <a16:creationId xmlns:a16="http://schemas.microsoft.com/office/drawing/2014/main" id="{07A22815-E39D-4B8B-9A2E-3F373D4DD698}"/>
+              <a:t>내 건의사항</a:t>
+            </a:r>
+          </a:p>
+        </p:txBody>
+      </p:sp>
+      <p:sp>
+        <p:nvSpPr>
+          <p:cNvPr id="180" name="직사각형 179">
+            <a:extLst>
+              <a:ext uri="{FF2B5EF4-FFF2-40B4-BE49-F238E27FC236}">
+                <a16:creationId xmlns:a16="http://schemas.microsoft.com/office/drawing/2014/main" id="{ACFA56BF-16C2-49EE-83CE-F622D07F47B7}"/>
               </a:ext>
             </a:extLst>
           </p:cNvPr>
@@ -9483,7 +9445,7 @@
         </p:nvSpPr>
         <p:spPr>
           <a:xfrm>
-            <a:off x="24567680" y="30306349"/>
+            <a:off x="27122075" y="18884052"/>
             <a:ext cx="1725804" cy="419458"/>
           </a:xfrm>
           <a:prstGeom prst="rect">
@@ -9516,17 +9478,56 @@
             <a:pPr algn="ctr"/>
             <a:r>
               <a:rPr lang="ko-KR" altLang="en-US" sz="2000" b="1" dirty="0"/>
-              <a:t>내 건의사항</a:t>
-            </a:r>
-          </a:p>
-        </p:txBody>
-      </p:sp>
-      <p:sp>
-        <p:nvSpPr>
-          <p:cNvPr id="180" name="직사각형 179">
-            <a:extLst>
-              <a:ext uri="{FF2B5EF4-FFF2-40B4-BE49-F238E27FC236}">
-                <a16:creationId xmlns:a16="http://schemas.microsoft.com/office/drawing/2014/main" id="{ACFA56BF-16C2-49EE-83CE-F622D07F47B7}"/>
+              <a:t>예매내역 조회</a:t>
+            </a:r>
+          </a:p>
+        </p:txBody>
+      </p:sp>
+      <p:cxnSp>
+        <p:nvCxnSpPr>
+          <p:cNvPr id="30" name="연결선: 꺾임 29">
+            <a:extLst>
+              <a:ext uri="{FF2B5EF4-FFF2-40B4-BE49-F238E27FC236}">
+                <a16:creationId xmlns:a16="http://schemas.microsoft.com/office/drawing/2014/main" id="{572B6974-2B9D-4335-BAC5-1E6A8279A05C}"/>
+              </a:ext>
+            </a:extLst>
+          </p:cNvPr>
+          <p:cNvCxnSpPr>
+            <a:stCxn id="167" idx="2"/>
+            <a:endCxn id="180" idx="1"/>
+          </p:cNvCxnSpPr>
+          <p:nvPr/>
+        </p:nvCxnSpPr>
+        <p:spPr>
+          <a:xfrm rot="16200000" flipH="1">
+            <a:off x="26602215" y="18573921"/>
+            <a:ext cx="658094" cy="381626"/>
+          </a:xfrm>
+          <a:prstGeom prst="bentConnector2">
+            <a:avLst/>
+          </a:prstGeom>
+        </p:spPr>
+        <p:style>
+          <a:lnRef idx="1">
+            <a:schemeClr val="dk1"/>
+          </a:lnRef>
+          <a:fillRef idx="0">
+            <a:schemeClr val="dk1"/>
+          </a:fillRef>
+          <a:effectRef idx="0">
+            <a:schemeClr val="dk1"/>
+          </a:effectRef>
+          <a:fontRef idx="minor">
+            <a:schemeClr val="tx1"/>
+          </a:fontRef>
+        </p:style>
+      </p:cxnSp>
+      <p:sp>
+        <p:nvSpPr>
+          <p:cNvPr id="181" name="직사각형 180">
+            <a:extLst>
+              <a:ext uri="{FF2B5EF4-FFF2-40B4-BE49-F238E27FC236}">
+                <a16:creationId xmlns:a16="http://schemas.microsoft.com/office/drawing/2014/main" id="{B9B0C6B5-7053-4BE7-AED8-82D647A1EA68}"/>
               </a:ext>
             </a:extLst>
           </p:cNvPr>
@@ -9535,7 +9536,7 @@
         </p:nvSpPr>
         <p:spPr>
           <a:xfrm>
-            <a:off x="25765213" y="18884052"/>
+            <a:off x="28471548" y="21905052"/>
             <a:ext cx="1725804" cy="419458"/>
           </a:xfrm>
           <a:prstGeom prst="rect">
@@ -9568,56 +9569,17 @@
             <a:pPr algn="ctr"/>
             <a:r>
               <a:rPr lang="ko-KR" altLang="en-US" sz="2000" b="1" dirty="0"/>
-              <a:t>예매내역 조회</a:t>
-            </a:r>
-          </a:p>
-        </p:txBody>
-      </p:sp>
-      <p:cxnSp>
-        <p:nvCxnSpPr>
-          <p:cNvPr id="30" name="연결선: 꺾임 29">
-            <a:extLst>
-              <a:ext uri="{FF2B5EF4-FFF2-40B4-BE49-F238E27FC236}">
-                <a16:creationId xmlns:a16="http://schemas.microsoft.com/office/drawing/2014/main" id="{572B6974-2B9D-4335-BAC5-1E6A8279A05C}"/>
-              </a:ext>
-            </a:extLst>
-          </p:cNvPr>
-          <p:cNvCxnSpPr>
-            <a:stCxn id="167" idx="2"/>
-            <a:endCxn id="180" idx="1"/>
-          </p:cNvCxnSpPr>
-          <p:nvPr/>
-        </p:nvCxnSpPr>
-        <p:spPr>
-          <a:xfrm rot="16200000" flipH="1">
-            <a:off x="25245353" y="18573921"/>
-            <a:ext cx="658094" cy="381626"/>
-          </a:xfrm>
-          <a:prstGeom prst="bentConnector2">
-            <a:avLst/>
-          </a:prstGeom>
-        </p:spPr>
-        <p:style>
-          <a:lnRef idx="1">
-            <a:schemeClr val="dk1"/>
-          </a:lnRef>
-          <a:fillRef idx="0">
-            <a:schemeClr val="dk1"/>
-          </a:fillRef>
-          <a:effectRef idx="0">
-            <a:schemeClr val="dk1"/>
-          </a:effectRef>
-          <a:fontRef idx="minor">
-            <a:schemeClr val="tx1"/>
-          </a:fontRef>
-        </p:style>
-      </p:cxnSp>
-      <p:sp>
-        <p:nvSpPr>
-          <p:cNvPr id="181" name="직사각형 180">
-            <a:extLst>
-              <a:ext uri="{FF2B5EF4-FFF2-40B4-BE49-F238E27FC236}">
-                <a16:creationId xmlns:a16="http://schemas.microsoft.com/office/drawing/2014/main" id="{B9B0C6B5-7053-4BE7-AED8-82D647A1EA68}"/>
+              <a:t>내 리뷰 상세보기</a:t>
+            </a:r>
+          </a:p>
+        </p:txBody>
+      </p:sp>
+      <p:sp>
+        <p:nvSpPr>
+          <p:cNvPr id="198" name="직사각형 197">
+            <a:extLst>
+              <a:ext uri="{FF2B5EF4-FFF2-40B4-BE49-F238E27FC236}">
+                <a16:creationId xmlns:a16="http://schemas.microsoft.com/office/drawing/2014/main" id="{B79F777F-F0E7-4848-A53F-DC418D072389}"/>
               </a:ext>
             </a:extLst>
           </p:cNvPr>
@@ -9626,7 +9588,7 @@
         </p:nvSpPr>
         <p:spPr>
           <a:xfrm>
-            <a:off x="27114686" y="21905052"/>
+            <a:off x="29682263" y="22595549"/>
             <a:ext cx="1725804" cy="419458"/>
           </a:xfrm>
           <a:prstGeom prst="rect">
@@ -9659,17 +9621,17 @@
             <a:pPr algn="ctr"/>
             <a:r>
               <a:rPr lang="ko-KR" altLang="en-US" sz="2000" b="1" dirty="0"/>
-              <a:t>내 리뷰 상세보기</a:t>
-            </a:r>
-          </a:p>
-        </p:txBody>
-      </p:sp>
-      <p:sp>
-        <p:nvSpPr>
-          <p:cNvPr id="198" name="직사각형 197">
-            <a:extLst>
-              <a:ext uri="{FF2B5EF4-FFF2-40B4-BE49-F238E27FC236}">
-                <a16:creationId xmlns:a16="http://schemas.microsoft.com/office/drawing/2014/main" id="{B79F777F-F0E7-4848-A53F-DC418D072389}"/>
+              <a:t>내 리뷰 수정</a:t>
+            </a:r>
+          </a:p>
+        </p:txBody>
+      </p:sp>
+      <p:sp>
+        <p:nvSpPr>
+          <p:cNvPr id="199" name="직사각형 198">
+            <a:extLst>
+              <a:ext uri="{FF2B5EF4-FFF2-40B4-BE49-F238E27FC236}">
+                <a16:creationId xmlns:a16="http://schemas.microsoft.com/office/drawing/2014/main" id="{A9DBB419-A250-45D8-B32C-2783D25A3D47}"/>
               </a:ext>
             </a:extLst>
           </p:cNvPr>
@@ -9678,7 +9640,7 @@
         </p:nvSpPr>
         <p:spPr>
           <a:xfrm>
-            <a:off x="28325401" y="22595549"/>
+            <a:off x="29682263" y="23334475"/>
             <a:ext cx="1725804" cy="419458"/>
           </a:xfrm>
           <a:prstGeom prst="rect">
@@ -9711,17 +9673,135 @@
             <a:pPr algn="ctr"/>
             <a:r>
               <a:rPr lang="ko-KR" altLang="en-US" sz="2000" b="1" dirty="0"/>
-              <a:t>내 리뷰 수정</a:t>
-            </a:r>
-          </a:p>
-        </p:txBody>
-      </p:sp>
-      <p:sp>
-        <p:nvSpPr>
-          <p:cNvPr id="199" name="직사각형 198">
-            <a:extLst>
-              <a:ext uri="{FF2B5EF4-FFF2-40B4-BE49-F238E27FC236}">
-                <a16:creationId xmlns:a16="http://schemas.microsoft.com/office/drawing/2014/main" id="{A9DBB419-A250-45D8-B32C-2783D25A3D47}"/>
+              <a:t>내 리뷰 삭제</a:t>
+            </a:r>
+          </a:p>
+        </p:txBody>
+      </p:sp>
+      <p:cxnSp>
+        <p:nvCxnSpPr>
+          <p:cNvPr id="96" name="연결선: 꺾임 95">
+            <a:extLst>
+              <a:ext uri="{FF2B5EF4-FFF2-40B4-BE49-F238E27FC236}">
+                <a16:creationId xmlns:a16="http://schemas.microsoft.com/office/drawing/2014/main" id="{F9E03FDC-174A-478F-8659-3AB7FF6A345C}"/>
+              </a:ext>
+            </a:extLst>
+          </p:cNvPr>
+          <p:cNvCxnSpPr>
+            <a:cxnSpLocks/>
+            <a:stCxn id="171" idx="2"/>
+            <a:endCxn id="275" idx="1"/>
+          </p:cNvCxnSpPr>
+          <p:nvPr/>
+        </p:nvCxnSpPr>
+        <p:spPr>
+          <a:xfrm rot="16200000" flipH="1">
+            <a:off x="26686454" y="20919708"/>
+            <a:ext cx="562366" cy="413158"/>
+          </a:xfrm>
+          <a:prstGeom prst="bentConnector2">
+            <a:avLst/>
+          </a:prstGeom>
+        </p:spPr>
+        <p:style>
+          <a:lnRef idx="1">
+            <a:schemeClr val="dk1"/>
+          </a:lnRef>
+          <a:fillRef idx="0">
+            <a:schemeClr val="dk1"/>
+          </a:fillRef>
+          <a:effectRef idx="0">
+            <a:schemeClr val="dk1"/>
+          </a:effectRef>
+          <a:fontRef idx="minor">
+            <a:schemeClr val="tx1"/>
+          </a:fontRef>
+        </p:style>
+      </p:cxnSp>
+      <p:cxnSp>
+        <p:nvCxnSpPr>
+          <p:cNvPr id="98" name="연결선: 꺾임 97">
+            <a:extLst>
+              <a:ext uri="{FF2B5EF4-FFF2-40B4-BE49-F238E27FC236}">
+                <a16:creationId xmlns:a16="http://schemas.microsoft.com/office/drawing/2014/main" id="{5588730C-4723-45AD-80A9-56358A3D476B}"/>
+              </a:ext>
+            </a:extLst>
+          </p:cNvPr>
+          <p:cNvCxnSpPr>
+            <a:stCxn id="181" idx="2"/>
+            <a:endCxn id="198" idx="1"/>
+          </p:cNvCxnSpPr>
+          <p:nvPr/>
+        </p:nvCxnSpPr>
+        <p:spPr>
+          <a:xfrm rot="16200000" flipH="1">
+            <a:off x="29267972" y="22390987"/>
+            <a:ext cx="480768" cy="347813"/>
+          </a:xfrm>
+          <a:prstGeom prst="bentConnector2">
+            <a:avLst/>
+          </a:prstGeom>
+        </p:spPr>
+        <p:style>
+          <a:lnRef idx="1">
+            <a:schemeClr val="dk1"/>
+          </a:lnRef>
+          <a:fillRef idx="0">
+            <a:schemeClr val="dk1"/>
+          </a:fillRef>
+          <a:effectRef idx="0">
+            <a:schemeClr val="dk1"/>
+          </a:effectRef>
+          <a:fontRef idx="minor">
+            <a:schemeClr val="tx1"/>
+          </a:fontRef>
+        </p:style>
+      </p:cxnSp>
+      <p:cxnSp>
+        <p:nvCxnSpPr>
+          <p:cNvPr id="100" name="연결선: 꺾임 99">
+            <a:extLst>
+              <a:ext uri="{FF2B5EF4-FFF2-40B4-BE49-F238E27FC236}">
+                <a16:creationId xmlns:a16="http://schemas.microsoft.com/office/drawing/2014/main" id="{332423AF-F62E-4C05-94EF-F7B45458B51A}"/>
+              </a:ext>
+            </a:extLst>
+          </p:cNvPr>
+          <p:cNvCxnSpPr>
+            <a:stCxn id="181" idx="2"/>
+            <a:endCxn id="199" idx="1"/>
+          </p:cNvCxnSpPr>
+          <p:nvPr/>
+        </p:nvCxnSpPr>
+        <p:spPr>
+          <a:xfrm rot="16200000" flipH="1">
+            <a:off x="28898509" y="22760450"/>
+            <a:ext cx="1219694" cy="347813"/>
+          </a:xfrm>
+          <a:prstGeom prst="bentConnector2">
+            <a:avLst/>
+          </a:prstGeom>
+        </p:spPr>
+        <p:style>
+          <a:lnRef idx="1">
+            <a:schemeClr val="dk1"/>
+          </a:lnRef>
+          <a:fillRef idx="0">
+            <a:schemeClr val="dk1"/>
+          </a:fillRef>
+          <a:effectRef idx="0">
+            <a:schemeClr val="dk1"/>
+          </a:effectRef>
+          <a:fontRef idx="minor">
+            <a:schemeClr val="tx1"/>
+          </a:fontRef>
+        </p:style>
+      </p:cxnSp>
+      <p:sp>
+        <p:nvSpPr>
+          <p:cNvPr id="200" name="직사각형 199">
+            <a:extLst>
+              <a:ext uri="{FF2B5EF4-FFF2-40B4-BE49-F238E27FC236}">
+                <a16:creationId xmlns:a16="http://schemas.microsoft.com/office/drawing/2014/main" id="{2FB9ED56-D99D-44A8-A94C-1DB450A20A3B}"/>
               </a:ext>
             </a:extLst>
           </p:cNvPr>
@@ -9730,7 +9810,7 @@
         </p:nvSpPr>
         <p:spPr>
           <a:xfrm>
-            <a:off x="28325401" y="23334475"/>
+            <a:off x="28464652" y="25156167"/>
             <a:ext cx="1725804" cy="419458"/>
           </a:xfrm>
           <a:prstGeom prst="rect">
@@ -9763,135 +9843,25 @@
             <a:pPr algn="ctr"/>
             <a:r>
               <a:rPr lang="ko-KR" altLang="en-US" sz="2000" b="1" dirty="0"/>
-              <a:t>내 리뷰 삭제</a:t>
-            </a:r>
-          </a:p>
-        </p:txBody>
-      </p:sp>
-      <p:cxnSp>
-        <p:nvCxnSpPr>
-          <p:cNvPr id="96" name="연결선: 꺾임 95">
-            <a:extLst>
-              <a:ext uri="{FF2B5EF4-FFF2-40B4-BE49-F238E27FC236}">
-                <a16:creationId xmlns:a16="http://schemas.microsoft.com/office/drawing/2014/main" id="{F9E03FDC-174A-478F-8659-3AB7FF6A345C}"/>
-              </a:ext>
-            </a:extLst>
-          </p:cNvPr>
-          <p:cNvCxnSpPr>
-            <a:cxnSpLocks/>
-            <a:stCxn id="171" idx="2"/>
-            <a:endCxn id="275" idx="1"/>
-          </p:cNvCxnSpPr>
-          <p:nvPr/>
-        </p:nvCxnSpPr>
-        <p:spPr>
-          <a:xfrm rot="16200000" flipH="1">
-            <a:off x="25329592" y="20919708"/>
-            <a:ext cx="562366" cy="413158"/>
-          </a:xfrm>
-          <a:prstGeom prst="bentConnector2">
-            <a:avLst/>
-          </a:prstGeom>
-        </p:spPr>
-        <p:style>
-          <a:lnRef idx="1">
-            <a:schemeClr val="dk1"/>
-          </a:lnRef>
-          <a:fillRef idx="0">
-            <a:schemeClr val="dk1"/>
-          </a:fillRef>
-          <a:effectRef idx="0">
-            <a:schemeClr val="dk1"/>
-          </a:effectRef>
-          <a:fontRef idx="minor">
-            <a:schemeClr val="tx1"/>
-          </a:fontRef>
-        </p:style>
-      </p:cxnSp>
-      <p:cxnSp>
-        <p:nvCxnSpPr>
-          <p:cNvPr id="98" name="연결선: 꺾임 97">
-            <a:extLst>
-              <a:ext uri="{FF2B5EF4-FFF2-40B4-BE49-F238E27FC236}">
-                <a16:creationId xmlns:a16="http://schemas.microsoft.com/office/drawing/2014/main" id="{5588730C-4723-45AD-80A9-56358A3D476B}"/>
-              </a:ext>
-            </a:extLst>
-          </p:cNvPr>
-          <p:cNvCxnSpPr>
-            <a:stCxn id="181" idx="2"/>
-            <a:endCxn id="198" idx="1"/>
-          </p:cNvCxnSpPr>
-          <p:nvPr/>
-        </p:nvCxnSpPr>
-        <p:spPr>
-          <a:xfrm rot="16200000" flipH="1">
-            <a:off x="27911110" y="22390987"/>
-            <a:ext cx="480768" cy="347813"/>
-          </a:xfrm>
-          <a:prstGeom prst="bentConnector2">
-            <a:avLst/>
-          </a:prstGeom>
-        </p:spPr>
-        <p:style>
-          <a:lnRef idx="1">
-            <a:schemeClr val="dk1"/>
-          </a:lnRef>
-          <a:fillRef idx="0">
-            <a:schemeClr val="dk1"/>
-          </a:fillRef>
-          <a:effectRef idx="0">
-            <a:schemeClr val="dk1"/>
-          </a:effectRef>
-          <a:fontRef idx="minor">
-            <a:schemeClr val="tx1"/>
-          </a:fontRef>
-        </p:style>
-      </p:cxnSp>
-      <p:cxnSp>
-        <p:nvCxnSpPr>
-          <p:cNvPr id="100" name="연결선: 꺾임 99">
-            <a:extLst>
-              <a:ext uri="{FF2B5EF4-FFF2-40B4-BE49-F238E27FC236}">
-                <a16:creationId xmlns:a16="http://schemas.microsoft.com/office/drawing/2014/main" id="{332423AF-F62E-4C05-94EF-F7B45458B51A}"/>
-              </a:ext>
-            </a:extLst>
-          </p:cNvPr>
-          <p:cNvCxnSpPr>
-            <a:stCxn id="181" idx="2"/>
-            <a:endCxn id="199" idx="1"/>
-          </p:cNvCxnSpPr>
-          <p:nvPr/>
-        </p:nvCxnSpPr>
-        <p:spPr>
-          <a:xfrm rot="16200000" flipH="1">
-            <a:off x="27541647" y="22760450"/>
-            <a:ext cx="1219694" cy="347813"/>
-          </a:xfrm>
-          <a:prstGeom prst="bentConnector2">
-            <a:avLst/>
-          </a:prstGeom>
-        </p:spPr>
-        <p:style>
-          <a:lnRef idx="1">
-            <a:schemeClr val="dk1"/>
-          </a:lnRef>
-          <a:fillRef idx="0">
-            <a:schemeClr val="dk1"/>
-          </a:fillRef>
-          <a:effectRef idx="0">
-            <a:schemeClr val="dk1"/>
-          </a:effectRef>
-          <a:fontRef idx="minor">
-            <a:schemeClr val="tx1"/>
-          </a:fontRef>
-        </p:style>
-      </p:cxnSp>
-      <p:sp>
-        <p:nvSpPr>
-          <p:cNvPr id="200" name="직사각형 199">
-            <a:extLst>
-              <a:ext uri="{FF2B5EF4-FFF2-40B4-BE49-F238E27FC236}">
-                <a16:creationId xmlns:a16="http://schemas.microsoft.com/office/drawing/2014/main" id="{2FB9ED56-D99D-44A8-A94C-1DB450A20A3B}"/>
+              <a:t>내 </a:t>
+            </a:r>
+            <a:r>
+              <a:rPr lang="ko-KR" altLang="en-US" sz="2000" b="1" dirty="0" err="1"/>
+              <a:t>한줄평</a:t>
+            </a:r>
+            <a:r>
+              <a:rPr lang="ko-KR" altLang="en-US" sz="2000" b="1" dirty="0"/>
+              <a:t> 상세보기</a:t>
+            </a:r>
+          </a:p>
+        </p:txBody>
+      </p:sp>
+      <p:sp>
+        <p:nvSpPr>
+          <p:cNvPr id="201" name="직사각형 200">
+            <a:extLst>
+              <a:ext uri="{FF2B5EF4-FFF2-40B4-BE49-F238E27FC236}">
+                <a16:creationId xmlns:a16="http://schemas.microsoft.com/office/drawing/2014/main" id="{EED69AEA-D909-41A9-9B4A-618CD78BAE7A}"/>
               </a:ext>
             </a:extLst>
           </p:cNvPr>
@@ -9900,7 +9870,7 @@
         </p:nvSpPr>
         <p:spPr>
           <a:xfrm>
-            <a:off x="27107790" y="25156167"/>
+            <a:off x="29675367" y="25846664"/>
             <a:ext cx="1725804" cy="419458"/>
           </a:xfrm>
           <a:prstGeom prst="rect">
@@ -9941,17 +9911,17 @@
             </a:r>
             <a:r>
               <a:rPr lang="ko-KR" altLang="en-US" sz="2000" b="1" dirty="0"/>
-              <a:t> 상세보기</a:t>
-            </a:r>
-          </a:p>
-        </p:txBody>
-      </p:sp>
-      <p:sp>
-        <p:nvSpPr>
-          <p:cNvPr id="201" name="직사각형 200">
-            <a:extLst>
-              <a:ext uri="{FF2B5EF4-FFF2-40B4-BE49-F238E27FC236}">
-                <a16:creationId xmlns:a16="http://schemas.microsoft.com/office/drawing/2014/main" id="{EED69AEA-D909-41A9-9B4A-618CD78BAE7A}"/>
+              <a:t> 수정</a:t>
+            </a:r>
+          </a:p>
+        </p:txBody>
+      </p:sp>
+      <p:sp>
+        <p:nvSpPr>
+          <p:cNvPr id="202" name="직사각형 201">
+            <a:extLst>
+              <a:ext uri="{FF2B5EF4-FFF2-40B4-BE49-F238E27FC236}">
+                <a16:creationId xmlns:a16="http://schemas.microsoft.com/office/drawing/2014/main" id="{78853E67-C624-4FE1-8980-78DC4E700E89}"/>
               </a:ext>
             </a:extLst>
           </p:cNvPr>
@@ -9960,7 +9930,7 @@
         </p:nvSpPr>
         <p:spPr>
           <a:xfrm>
-            <a:off x="28318505" y="25846664"/>
+            <a:off x="29675367" y="26585590"/>
             <a:ext cx="1725804" cy="419458"/>
           </a:xfrm>
           <a:prstGeom prst="rect">
@@ -9999,19 +9969,141 @@
               <a:rPr lang="ko-KR" altLang="en-US" sz="2000" b="1" dirty="0" err="1"/>
               <a:t>한줄평</a:t>
             </a:r>
+            <a:endParaRPr lang="en-US" altLang="ko-KR" sz="2000" b="1" dirty="0"/>
+          </a:p>
+          <a:p>
+            <a:pPr algn="ctr"/>
             <a:r>
               <a:rPr lang="ko-KR" altLang="en-US" sz="2000" b="1" dirty="0"/>
-              <a:t> 수정</a:t>
-            </a:r>
-          </a:p>
-        </p:txBody>
-      </p:sp>
-      <p:sp>
-        <p:nvSpPr>
-          <p:cNvPr id="202" name="직사각형 201">
-            <a:extLst>
-              <a:ext uri="{FF2B5EF4-FFF2-40B4-BE49-F238E27FC236}">
-                <a16:creationId xmlns:a16="http://schemas.microsoft.com/office/drawing/2014/main" id="{78853E67-C624-4FE1-8980-78DC4E700E89}"/>
+              <a:t>삭제</a:t>
+            </a:r>
+          </a:p>
+        </p:txBody>
+      </p:sp>
+      <p:cxnSp>
+        <p:nvCxnSpPr>
+          <p:cNvPr id="205" name="연결선: 꺾임 204">
+            <a:extLst>
+              <a:ext uri="{FF2B5EF4-FFF2-40B4-BE49-F238E27FC236}">
+                <a16:creationId xmlns:a16="http://schemas.microsoft.com/office/drawing/2014/main" id="{91F9845E-3B46-449B-B44A-447B3386CDA4}"/>
+              </a:ext>
+            </a:extLst>
+          </p:cNvPr>
+          <p:cNvCxnSpPr>
+            <a:stCxn id="200" idx="2"/>
+            <a:endCxn id="201" idx="1"/>
+          </p:cNvCxnSpPr>
+          <p:nvPr/>
+        </p:nvCxnSpPr>
+        <p:spPr>
+          <a:xfrm rot="16200000" flipH="1">
+            <a:off x="29261076" y="25642102"/>
+            <a:ext cx="480768" cy="347813"/>
+          </a:xfrm>
+          <a:prstGeom prst="bentConnector2">
+            <a:avLst/>
+          </a:prstGeom>
+        </p:spPr>
+        <p:style>
+          <a:lnRef idx="1">
+            <a:schemeClr val="dk1"/>
+          </a:lnRef>
+          <a:fillRef idx="0">
+            <a:schemeClr val="dk1"/>
+          </a:fillRef>
+          <a:effectRef idx="0">
+            <a:schemeClr val="dk1"/>
+          </a:effectRef>
+          <a:fontRef idx="minor">
+            <a:schemeClr val="tx1"/>
+          </a:fontRef>
+        </p:style>
+      </p:cxnSp>
+      <p:cxnSp>
+        <p:nvCxnSpPr>
+          <p:cNvPr id="206" name="연결선: 꺾임 205">
+            <a:extLst>
+              <a:ext uri="{FF2B5EF4-FFF2-40B4-BE49-F238E27FC236}">
+                <a16:creationId xmlns:a16="http://schemas.microsoft.com/office/drawing/2014/main" id="{35E56270-C6C7-48B5-8F0C-08A57B27E54C}"/>
+              </a:ext>
+            </a:extLst>
+          </p:cNvPr>
+          <p:cNvCxnSpPr>
+            <a:stCxn id="200" idx="2"/>
+            <a:endCxn id="202" idx="1"/>
+          </p:cNvCxnSpPr>
+          <p:nvPr/>
+        </p:nvCxnSpPr>
+        <p:spPr>
+          <a:xfrm rot="16200000" flipH="1">
+            <a:off x="28891613" y="26011565"/>
+            <a:ext cx="1219694" cy="347813"/>
+          </a:xfrm>
+          <a:prstGeom prst="bentConnector2">
+            <a:avLst/>
+          </a:prstGeom>
+        </p:spPr>
+        <p:style>
+          <a:lnRef idx="1">
+            <a:schemeClr val="dk1"/>
+          </a:lnRef>
+          <a:fillRef idx="0">
+            <a:schemeClr val="dk1"/>
+          </a:fillRef>
+          <a:effectRef idx="0">
+            <a:schemeClr val="dk1"/>
+          </a:effectRef>
+          <a:fontRef idx="minor">
+            <a:schemeClr val="tx1"/>
+          </a:fontRef>
+        </p:style>
+      </p:cxnSp>
+      <p:cxnSp>
+        <p:nvCxnSpPr>
+          <p:cNvPr id="102" name="연결선: 꺾임 101">
+            <a:extLst>
+              <a:ext uri="{FF2B5EF4-FFF2-40B4-BE49-F238E27FC236}">
+                <a16:creationId xmlns:a16="http://schemas.microsoft.com/office/drawing/2014/main" id="{8EC4852F-78BF-4A32-9319-8B6CD91C04A1}"/>
+              </a:ext>
+            </a:extLst>
+          </p:cNvPr>
+          <p:cNvCxnSpPr>
+            <a:cxnSpLocks/>
+            <a:stCxn id="173" idx="2"/>
+            <a:endCxn id="279" idx="1"/>
+          </p:cNvCxnSpPr>
+          <p:nvPr/>
+        </p:nvCxnSpPr>
+        <p:spPr>
+          <a:xfrm rot="16200000" flipH="1">
+            <a:off x="26576059" y="24080954"/>
+            <a:ext cx="731014" cy="361017"/>
+          </a:xfrm>
+          <a:prstGeom prst="bentConnector2">
+            <a:avLst/>
+          </a:prstGeom>
+        </p:spPr>
+        <p:style>
+          <a:lnRef idx="1">
+            <a:schemeClr val="dk1"/>
+          </a:lnRef>
+          <a:fillRef idx="0">
+            <a:schemeClr val="dk1"/>
+          </a:fillRef>
+          <a:effectRef idx="0">
+            <a:schemeClr val="dk1"/>
+          </a:effectRef>
+          <a:fontRef idx="minor">
+            <a:schemeClr val="tx1"/>
+          </a:fontRef>
+        </p:style>
+      </p:cxnSp>
+      <p:sp>
+        <p:nvSpPr>
+          <p:cNvPr id="207" name="직사각형 206">
+            <a:extLst>
+              <a:ext uri="{FF2B5EF4-FFF2-40B4-BE49-F238E27FC236}">
+                <a16:creationId xmlns:a16="http://schemas.microsoft.com/office/drawing/2014/main" id="{EF056986-74CB-4EB1-B3A0-DCC48548E8A7}"/>
               </a:ext>
             </a:extLst>
           </p:cNvPr>
@@ -10020,7 +10112,7 @@
         </p:nvSpPr>
         <p:spPr>
           <a:xfrm>
-            <a:off x="28318505" y="26585590"/>
+            <a:off x="28464672" y="31824169"/>
             <a:ext cx="1725804" cy="419458"/>
           </a:xfrm>
           <a:prstGeom prst="rect">
@@ -10053,147 +10145,17 @@
             <a:pPr algn="ctr"/>
             <a:r>
               <a:rPr lang="ko-KR" altLang="en-US" sz="2000" b="1" dirty="0"/>
-              <a:t>내 </a:t>
-            </a:r>
-            <a:r>
-              <a:rPr lang="ko-KR" altLang="en-US" sz="2000" b="1" dirty="0" err="1"/>
-              <a:t>한줄평</a:t>
-            </a:r>
-            <a:endParaRPr lang="en-US" altLang="ko-KR" sz="2000" b="1" dirty="0"/>
-          </a:p>
-          <a:p>
-            <a:pPr algn="ctr"/>
-            <a:r>
-              <a:rPr lang="ko-KR" altLang="en-US" sz="2000" b="1" dirty="0"/>
-              <a:t>삭제</a:t>
-            </a:r>
-          </a:p>
-        </p:txBody>
-      </p:sp>
-      <p:cxnSp>
-        <p:nvCxnSpPr>
-          <p:cNvPr id="205" name="연결선: 꺾임 204">
-            <a:extLst>
-              <a:ext uri="{FF2B5EF4-FFF2-40B4-BE49-F238E27FC236}">
-                <a16:creationId xmlns:a16="http://schemas.microsoft.com/office/drawing/2014/main" id="{91F9845E-3B46-449B-B44A-447B3386CDA4}"/>
-              </a:ext>
-            </a:extLst>
-          </p:cNvPr>
-          <p:cNvCxnSpPr>
-            <a:stCxn id="200" idx="2"/>
-            <a:endCxn id="201" idx="1"/>
-          </p:cNvCxnSpPr>
-          <p:nvPr/>
-        </p:nvCxnSpPr>
-        <p:spPr>
-          <a:xfrm rot="16200000" flipH="1">
-            <a:off x="27904214" y="25642102"/>
-            <a:ext cx="480768" cy="347813"/>
-          </a:xfrm>
-          <a:prstGeom prst="bentConnector2">
-            <a:avLst/>
-          </a:prstGeom>
-        </p:spPr>
-        <p:style>
-          <a:lnRef idx="1">
-            <a:schemeClr val="dk1"/>
-          </a:lnRef>
-          <a:fillRef idx="0">
-            <a:schemeClr val="dk1"/>
-          </a:fillRef>
-          <a:effectRef idx="0">
-            <a:schemeClr val="dk1"/>
-          </a:effectRef>
-          <a:fontRef idx="minor">
-            <a:schemeClr val="tx1"/>
-          </a:fontRef>
-        </p:style>
-      </p:cxnSp>
-      <p:cxnSp>
-        <p:nvCxnSpPr>
-          <p:cNvPr id="206" name="연결선: 꺾임 205">
-            <a:extLst>
-              <a:ext uri="{FF2B5EF4-FFF2-40B4-BE49-F238E27FC236}">
-                <a16:creationId xmlns:a16="http://schemas.microsoft.com/office/drawing/2014/main" id="{35E56270-C6C7-48B5-8F0C-08A57B27E54C}"/>
-              </a:ext>
-            </a:extLst>
-          </p:cNvPr>
-          <p:cNvCxnSpPr>
-            <a:stCxn id="200" idx="2"/>
-            <a:endCxn id="202" idx="1"/>
-          </p:cNvCxnSpPr>
-          <p:nvPr/>
-        </p:nvCxnSpPr>
-        <p:spPr>
-          <a:xfrm rot="16200000" flipH="1">
-            <a:off x="27534751" y="26011565"/>
-            <a:ext cx="1219694" cy="347813"/>
-          </a:xfrm>
-          <a:prstGeom prst="bentConnector2">
-            <a:avLst/>
-          </a:prstGeom>
-        </p:spPr>
-        <p:style>
-          <a:lnRef idx="1">
-            <a:schemeClr val="dk1"/>
-          </a:lnRef>
-          <a:fillRef idx="0">
-            <a:schemeClr val="dk1"/>
-          </a:fillRef>
-          <a:effectRef idx="0">
-            <a:schemeClr val="dk1"/>
-          </a:effectRef>
-          <a:fontRef idx="minor">
-            <a:schemeClr val="tx1"/>
-          </a:fontRef>
-        </p:style>
-      </p:cxnSp>
-      <p:cxnSp>
-        <p:nvCxnSpPr>
-          <p:cNvPr id="102" name="연결선: 꺾임 101">
-            <a:extLst>
-              <a:ext uri="{FF2B5EF4-FFF2-40B4-BE49-F238E27FC236}">
-                <a16:creationId xmlns:a16="http://schemas.microsoft.com/office/drawing/2014/main" id="{8EC4852F-78BF-4A32-9319-8B6CD91C04A1}"/>
-              </a:ext>
-            </a:extLst>
-          </p:cNvPr>
-          <p:cNvCxnSpPr>
-            <a:cxnSpLocks/>
-            <a:stCxn id="173" idx="2"/>
-            <a:endCxn id="279" idx="1"/>
-          </p:cNvCxnSpPr>
-          <p:nvPr/>
-        </p:nvCxnSpPr>
-        <p:spPr>
-          <a:xfrm rot="16200000" flipH="1">
-            <a:off x="25219197" y="24080954"/>
-            <a:ext cx="731014" cy="361017"/>
-          </a:xfrm>
-          <a:prstGeom prst="bentConnector2">
-            <a:avLst/>
-          </a:prstGeom>
-        </p:spPr>
-        <p:style>
-          <a:lnRef idx="1">
-            <a:schemeClr val="dk1"/>
-          </a:lnRef>
-          <a:fillRef idx="0">
-            <a:schemeClr val="dk1"/>
-          </a:fillRef>
-          <a:effectRef idx="0">
-            <a:schemeClr val="dk1"/>
-          </a:effectRef>
-          <a:fontRef idx="minor">
-            <a:schemeClr val="tx1"/>
-          </a:fontRef>
-        </p:style>
-      </p:cxnSp>
-      <p:sp>
-        <p:nvSpPr>
-          <p:cNvPr id="207" name="직사각형 206">
-            <a:extLst>
-              <a:ext uri="{FF2B5EF4-FFF2-40B4-BE49-F238E27FC236}">
-                <a16:creationId xmlns:a16="http://schemas.microsoft.com/office/drawing/2014/main" id="{EF056986-74CB-4EB1-B3A0-DCC48548E8A7}"/>
+              <a:t>내 건의사항 상세보기</a:t>
+            </a:r>
+          </a:p>
+        </p:txBody>
+      </p:sp>
+      <p:sp>
+        <p:nvSpPr>
+          <p:cNvPr id="208" name="직사각형 207">
+            <a:extLst>
+              <a:ext uri="{FF2B5EF4-FFF2-40B4-BE49-F238E27FC236}">
+                <a16:creationId xmlns:a16="http://schemas.microsoft.com/office/drawing/2014/main" id="{FB03B564-2525-4723-B4C9-4EA031D015BD}"/>
               </a:ext>
             </a:extLst>
           </p:cNvPr>
@@ -10202,7 +10164,7 @@
         </p:nvSpPr>
         <p:spPr>
           <a:xfrm>
-            <a:off x="27107810" y="31824169"/>
+            <a:off x="29675387" y="32514666"/>
             <a:ext cx="1725804" cy="419458"/>
           </a:xfrm>
           <a:prstGeom prst="rect">
@@ -10235,17 +10197,17 @@
             <a:pPr algn="ctr"/>
             <a:r>
               <a:rPr lang="ko-KR" altLang="en-US" sz="2000" b="1" dirty="0"/>
-              <a:t>내 건의사항 상세보기</a:t>
-            </a:r>
-          </a:p>
-        </p:txBody>
-      </p:sp>
-      <p:sp>
-        <p:nvSpPr>
-          <p:cNvPr id="208" name="직사각형 207">
-            <a:extLst>
-              <a:ext uri="{FF2B5EF4-FFF2-40B4-BE49-F238E27FC236}">
-                <a16:creationId xmlns:a16="http://schemas.microsoft.com/office/drawing/2014/main" id="{FB03B564-2525-4723-B4C9-4EA031D015BD}"/>
+              <a:t>내 건의사항 수정</a:t>
+            </a:r>
+          </a:p>
+        </p:txBody>
+      </p:sp>
+      <p:sp>
+        <p:nvSpPr>
+          <p:cNvPr id="209" name="직사각형 208">
+            <a:extLst>
+              <a:ext uri="{FF2B5EF4-FFF2-40B4-BE49-F238E27FC236}">
+                <a16:creationId xmlns:a16="http://schemas.microsoft.com/office/drawing/2014/main" id="{687CFFAD-BF6F-46A7-93A2-32C9B7D650A1}"/>
               </a:ext>
             </a:extLst>
           </p:cNvPr>
@@ -10254,7 +10216,7 @@
         </p:nvSpPr>
         <p:spPr>
           <a:xfrm>
-            <a:off x="28318525" y="32514666"/>
+            <a:off x="29675387" y="33253592"/>
             <a:ext cx="1725804" cy="419458"/>
           </a:xfrm>
           <a:prstGeom prst="rect">
@@ -10287,17 +10249,103 @@
             <a:pPr algn="ctr"/>
             <a:r>
               <a:rPr lang="ko-KR" altLang="en-US" sz="2000" b="1" dirty="0"/>
-              <a:t>내 건의사항 수정</a:t>
-            </a:r>
-          </a:p>
-        </p:txBody>
-      </p:sp>
-      <p:sp>
-        <p:nvSpPr>
-          <p:cNvPr id="209" name="직사각형 208">
-            <a:extLst>
-              <a:ext uri="{FF2B5EF4-FFF2-40B4-BE49-F238E27FC236}">
-                <a16:creationId xmlns:a16="http://schemas.microsoft.com/office/drawing/2014/main" id="{687CFFAD-BF6F-46A7-93A2-32C9B7D650A1}"/>
+              <a:t>내 건의사항</a:t>
+            </a:r>
+            <a:endParaRPr lang="en-US" altLang="ko-KR" sz="2000" b="1" dirty="0"/>
+          </a:p>
+          <a:p>
+            <a:pPr algn="ctr"/>
+            <a:r>
+              <a:rPr lang="ko-KR" altLang="en-US" sz="2000" b="1" dirty="0"/>
+              <a:t>삭제</a:t>
+            </a:r>
+          </a:p>
+        </p:txBody>
+      </p:sp>
+      <p:cxnSp>
+        <p:nvCxnSpPr>
+          <p:cNvPr id="210" name="연결선: 꺾임 209">
+            <a:extLst>
+              <a:ext uri="{FF2B5EF4-FFF2-40B4-BE49-F238E27FC236}">
+                <a16:creationId xmlns:a16="http://schemas.microsoft.com/office/drawing/2014/main" id="{03D68357-4F56-40F7-A23C-A6C49320A9EA}"/>
+              </a:ext>
+            </a:extLst>
+          </p:cNvPr>
+          <p:cNvCxnSpPr>
+            <a:stCxn id="207" idx="2"/>
+            <a:endCxn id="208" idx="1"/>
+          </p:cNvCxnSpPr>
+          <p:nvPr/>
+        </p:nvCxnSpPr>
+        <p:spPr>
+          <a:xfrm rot="16200000" flipH="1">
+            <a:off x="29261096" y="32310104"/>
+            <a:ext cx="480768" cy="347813"/>
+          </a:xfrm>
+          <a:prstGeom prst="bentConnector2">
+            <a:avLst/>
+          </a:prstGeom>
+        </p:spPr>
+        <p:style>
+          <a:lnRef idx="1">
+            <a:schemeClr val="dk1"/>
+          </a:lnRef>
+          <a:fillRef idx="0">
+            <a:schemeClr val="dk1"/>
+          </a:fillRef>
+          <a:effectRef idx="0">
+            <a:schemeClr val="dk1"/>
+          </a:effectRef>
+          <a:fontRef idx="minor">
+            <a:schemeClr val="tx1"/>
+          </a:fontRef>
+        </p:style>
+      </p:cxnSp>
+      <p:cxnSp>
+        <p:nvCxnSpPr>
+          <p:cNvPr id="211" name="연결선: 꺾임 210">
+            <a:extLst>
+              <a:ext uri="{FF2B5EF4-FFF2-40B4-BE49-F238E27FC236}">
+                <a16:creationId xmlns:a16="http://schemas.microsoft.com/office/drawing/2014/main" id="{9AE1C7E2-9772-4F84-ABB7-38A9FB374ACD}"/>
+              </a:ext>
+            </a:extLst>
+          </p:cNvPr>
+          <p:cNvCxnSpPr>
+            <a:stCxn id="207" idx="2"/>
+            <a:endCxn id="209" idx="1"/>
+          </p:cNvCxnSpPr>
+          <p:nvPr/>
+        </p:nvCxnSpPr>
+        <p:spPr>
+          <a:xfrm rot="16200000" flipH="1">
+            <a:off x="28891633" y="32679567"/>
+            <a:ext cx="1219694" cy="347813"/>
+          </a:xfrm>
+          <a:prstGeom prst="bentConnector2">
+            <a:avLst/>
+          </a:prstGeom>
+        </p:spPr>
+        <p:style>
+          <a:lnRef idx="1">
+            <a:schemeClr val="dk1"/>
+          </a:lnRef>
+          <a:fillRef idx="0">
+            <a:schemeClr val="dk1"/>
+          </a:fillRef>
+          <a:effectRef idx="0">
+            <a:schemeClr val="dk1"/>
+          </a:effectRef>
+          <a:fontRef idx="minor">
+            <a:schemeClr val="tx1"/>
+          </a:fontRef>
+        </p:style>
+      </p:cxnSp>
+      <p:sp>
+        <p:nvSpPr>
+          <p:cNvPr id="214" name="직사각형 213">
+            <a:extLst>
+              <a:ext uri="{FF2B5EF4-FFF2-40B4-BE49-F238E27FC236}">
+                <a16:creationId xmlns:a16="http://schemas.microsoft.com/office/drawing/2014/main" id="{24E5FF1D-B393-46ED-9C49-1C3C240DFD3F}"/>
               </a:ext>
             </a:extLst>
           </p:cNvPr>
@@ -10306,7 +10354,7 @@
         </p:nvSpPr>
         <p:spPr>
           <a:xfrm>
-            <a:off x="28318525" y="33253592"/>
+            <a:off x="28374951" y="28465551"/>
             <a:ext cx="1725804" cy="419458"/>
           </a:xfrm>
           <a:prstGeom prst="rect">
@@ -10339,103 +10387,25 @@
             <a:pPr algn="ctr"/>
             <a:r>
               <a:rPr lang="ko-KR" altLang="en-US" sz="2000" b="1" dirty="0"/>
-              <a:t>내 건의사항</a:t>
-            </a:r>
-            <a:endParaRPr lang="en-US" altLang="ko-KR" sz="2000" b="1" dirty="0"/>
-          </a:p>
-          <a:p>
-            <a:pPr algn="ctr"/>
+              <a:t>내 </a:t>
+            </a:r>
+            <a:r>
+              <a:rPr lang="ko-KR" altLang="en-US" sz="2000" b="1" dirty="0" err="1"/>
+              <a:t>기프티콘</a:t>
+            </a:r>
             <a:r>
               <a:rPr lang="ko-KR" altLang="en-US" sz="2000" b="1" dirty="0"/>
-              <a:t>삭제</a:t>
-            </a:r>
-          </a:p>
-        </p:txBody>
-      </p:sp>
-      <p:cxnSp>
-        <p:nvCxnSpPr>
-          <p:cNvPr id="210" name="연결선: 꺾임 209">
-            <a:extLst>
-              <a:ext uri="{FF2B5EF4-FFF2-40B4-BE49-F238E27FC236}">
-                <a16:creationId xmlns:a16="http://schemas.microsoft.com/office/drawing/2014/main" id="{03D68357-4F56-40F7-A23C-A6C49320A9EA}"/>
-              </a:ext>
-            </a:extLst>
-          </p:cNvPr>
-          <p:cNvCxnSpPr>
-            <a:stCxn id="207" idx="2"/>
-            <a:endCxn id="208" idx="1"/>
-          </p:cNvCxnSpPr>
-          <p:nvPr/>
-        </p:nvCxnSpPr>
-        <p:spPr>
-          <a:xfrm rot="16200000" flipH="1">
-            <a:off x="27904234" y="32310104"/>
-            <a:ext cx="480768" cy="347813"/>
-          </a:xfrm>
-          <a:prstGeom prst="bentConnector2">
-            <a:avLst/>
-          </a:prstGeom>
-        </p:spPr>
-        <p:style>
-          <a:lnRef idx="1">
-            <a:schemeClr val="dk1"/>
-          </a:lnRef>
-          <a:fillRef idx="0">
-            <a:schemeClr val="dk1"/>
-          </a:fillRef>
-          <a:effectRef idx="0">
-            <a:schemeClr val="dk1"/>
-          </a:effectRef>
-          <a:fontRef idx="minor">
-            <a:schemeClr val="tx1"/>
-          </a:fontRef>
-        </p:style>
-      </p:cxnSp>
-      <p:cxnSp>
-        <p:nvCxnSpPr>
-          <p:cNvPr id="211" name="연결선: 꺾임 210">
-            <a:extLst>
-              <a:ext uri="{FF2B5EF4-FFF2-40B4-BE49-F238E27FC236}">
-                <a16:creationId xmlns:a16="http://schemas.microsoft.com/office/drawing/2014/main" id="{9AE1C7E2-9772-4F84-ABB7-38A9FB374ACD}"/>
-              </a:ext>
-            </a:extLst>
-          </p:cNvPr>
-          <p:cNvCxnSpPr>
-            <a:stCxn id="207" idx="2"/>
-            <a:endCxn id="209" idx="1"/>
-          </p:cNvCxnSpPr>
-          <p:nvPr/>
-        </p:nvCxnSpPr>
-        <p:spPr>
-          <a:xfrm rot="16200000" flipH="1">
-            <a:off x="27534771" y="32679567"/>
-            <a:ext cx="1219694" cy="347813"/>
-          </a:xfrm>
-          <a:prstGeom prst="bentConnector2">
-            <a:avLst/>
-          </a:prstGeom>
-        </p:spPr>
-        <p:style>
-          <a:lnRef idx="1">
-            <a:schemeClr val="dk1"/>
-          </a:lnRef>
-          <a:fillRef idx="0">
-            <a:schemeClr val="dk1"/>
-          </a:fillRef>
-          <a:effectRef idx="0">
-            <a:schemeClr val="dk1"/>
-          </a:effectRef>
-          <a:fontRef idx="minor">
-            <a:schemeClr val="tx1"/>
-          </a:fontRef>
-        </p:style>
-      </p:cxnSp>
-      <p:sp>
-        <p:nvSpPr>
-          <p:cNvPr id="214" name="직사각형 213">
-            <a:extLst>
-              <a:ext uri="{FF2B5EF4-FFF2-40B4-BE49-F238E27FC236}">
-                <a16:creationId xmlns:a16="http://schemas.microsoft.com/office/drawing/2014/main" id="{24E5FF1D-B393-46ED-9C49-1C3C240DFD3F}"/>
+              <a:t> 상세보기</a:t>
+            </a:r>
+          </a:p>
+        </p:txBody>
+      </p:sp>
+      <p:sp>
+        <p:nvSpPr>
+          <p:cNvPr id="215" name="직사각형 214">
+            <a:extLst>
+              <a:ext uri="{FF2B5EF4-FFF2-40B4-BE49-F238E27FC236}">
+                <a16:creationId xmlns:a16="http://schemas.microsoft.com/office/drawing/2014/main" id="{25108D91-3D18-46C8-A457-61ADB9EE4C3B}"/>
               </a:ext>
             </a:extLst>
           </p:cNvPr>
@@ -10444,7 +10414,7 @@
         </p:nvSpPr>
         <p:spPr>
           <a:xfrm>
-            <a:off x="27018089" y="28465551"/>
+            <a:off x="29585666" y="29156048"/>
             <a:ext cx="1725804" cy="419458"/>
           </a:xfrm>
           <a:prstGeom prst="rect">
@@ -10485,17 +10455,17 @@
             </a:r>
             <a:r>
               <a:rPr lang="ko-KR" altLang="en-US" sz="2000" b="1" dirty="0"/>
-              <a:t> 상세보기</a:t>
-            </a:r>
-          </a:p>
-        </p:txBody>
-      </p:sp>
-      <p:sp>
-        <p:nvSpPr>
-          <p:cNvPr id="215" name="직사각형 214">
-            <a:extLst>
-              <a:ext uri="{FF2B5EF4-FFF2-40B4-BE49-F238E27FC236}">
-                <a16:creationId xmlns:a16="http://schemas.microsoft.com/office/drawing/2014/main" id="{25108D91-3D18-46C8-A457-61ADB9EE4C3B}"/>
+              <a:t> 수정</a:t>
+            </a:r>
+          </a:p>
+        </p:txBody>
+      </p:sp>
+      <p:sp>
+        <p:nvSpPr>
+          <p:cNvPr id="216" name="직사각형 215">
+            <a:extLst>
+              <a:ext uri="{FF2B5EF4-FFF2-40B4-BE49-F238E27FC236}">
+                <a16:creationId xmlns:a16="http://schemas.microsoft.com/office/drawing/2014/main" id="{684C68E2-0E45-4116-9DA4-4A433E71C914}"/>
               </a:ext>
             </a:extLst>
           </p:cNvPr>
@@ -10504,7 +10474,7 @@
         </p:nvSpPr>
         <p:spPr>
           <a:xfrm>
-            <a:off x="28228804" y="29156048"/>
+            <a:off x="29585666" y="29894974"/>
             <a:ext cx="1725804" cy="419458"/>
           </a:xfrm>
           <a:prstGeom prst="rect">
@@ -10543,19 +10513,141 @@
               <a:rPr lang="ko-KR" altLang="en-US" sz="2000" b="1" dirty="0" err="1"/>
               <a:t>기프티콘</a:t>
             </a:r>
+            <a:endParaRPr lang="en-US" altLang="ko-KR" sz="2000" b="1" dirty="0"/>
+          </a:p>
+          <a:p>
+            <a:pPr algn="ctr"/>
             <a:r>
               <a:rPr lang="ko-KR" altLang="en-US" sz="2000" b="1" dirty="0"/>
-              <a:t> 수정</a:t>
-            </a:r>
-          </a:p>
-        </p:txBody>
-      </p:sp>
-      <p:sp>
-        <p:nvSpPr>
-          <p:cNvPr id="216" name="직사각형 215">
-            <a:extLst>
-              <a:ext uri="{FF2B5EF4-FFF2-40B4-BE49-F238E27FC236}">
-                <a16:creationId xmlns:a16="http://schemas.microsoft.com/office/drawing/2014/main" id="{684C68E2-0E45-4116-9DA4-4A433E71C914}"/>
+              <a:t>삭제</a:t>
+            </a:r>
+          </a:p>
+        </p:txBody>
+      </p:sp>
+      <p:cxnSp>
+        <p:nvCxnSpPr>
+          <p:cNvPr id="217" name="연결선: 꺾임 216">
+            <a:extLst>
+              <a:ext uri="{FF2B5EF4-FFF2-40B4-BE49-F238E27FC236}">
+                <a16:creationId xmlns:a16="http://schemas.microsoft.com/office/drawing/2014/main" id="{607A871A-FA8B-4A3F-8134-71D4C933FED5}"/>
+              </a:ext>
+            </a:extLst>
+          </p:cNvPr>
+          <p:cNvCxnSpPr>
+            <a:stCxn id="214" idx="2"/>
+            <a:endCxn id="215" idx="1"/>
+          </p:cNvCxnSpPr>
+          <p:nvPr/>
+        </p:nvCxnSpPr>
+        <p:spPr>
+          <a:xfrm rot="16200000" flipH="1">
+            <a:off x="29171375" y="28951486"/>
+            <a:ext cx="480768" cy="347813"/>
+          </a:xfrm>
+          <a:prstGeom prst="bentConnector2">
+            <a:avLst/>
+          </a:prstGeom>
+        </p:spPr>
+        <p:style>
+          <a:lnRef idx="1">
+            <a:schemeClr val="dk1"/>
+          </a:lnRef>
+          <a:fillRef idx="0">
+            <a:schemeClr val="dk1"/>
+          </a:fillRef>
+          <a:effectRef idx="0">
+            <a:schemeClr val="dk1"/>
+          </a:effectRef>
+          <a:fontRef idx="minor">
+            <a:schemeClr val="tx1"/>
+          </a:fontRef>
+        </p:style>
+      </p:cxnSp>
+      <p:cxnSp>
+        <p:nvCxnSpPr>
+          <p:cNvPr id="220" name="연결선: 꺾임 219">
+            <a:extLst>
+              <a:ext uri="{FF2B5EF4-FFF2-40B4-BE49-F238E27FC236}">
+                <a16:creationId xmlns:a16="http://schemas.microsoft.com/office/drawing/2014/main" id="{F912BBBA-1107-4542-8DC1-0B433CBF9800}"/>
+              </a:ext>
+            </a:extLst>
+          </p:cNvPr>
+          <p:cNvCxnSpPr>
+            <a:stCxn id="214" idx="2"/>
+            <a:endCxn id="216" idx="1"/>
+          </p:cNvCxnSpPr>
+          <p:nvPr/>
+        </p:nvCxnSpPr>
+        <p:spPr>
+          <a:xfrm rot="16200000" flipH="1">
+            <a:off x="28801912" y="29320949"/>
+            <a:ext cx="1219694" cy="347813"/>
+          </a:xfrm>
+          <a:prstGeom prst="bentConnector2">
+            <a:avLst/>
+          </a:prstGeom>
+        </p:spPr>
+        <p:style>
+          <a:lnRef idx="1">
+            <a:schemeClr val="dk1"/>
+          </a:lnRef>
+          <a:fillRef idx="0">
+            <a:schemeClr val="dk1"/>
+          </a:fillRef>
+          <a:effectRef idx="0">
+            <a:schemeClr val="dk1"/>
+          </a:effectRef>
+          <a:fontRef idx="minor">
+            <a:schemeClr val="tx1"/>
+          </a:fontRef>
+        </p:style>
+      </p:cxnSp>
+      <p:cxnSp>
+        <p:nvCxnSpPr>
+          <p:cNvPr id="108" name="연결선: 꺾임 107">
+            <a:extLst>
+              <a:ext uri="{FF2B5EF4-FFF2-40B4-BE49-F238E27FC236}">
+                <a16:creationId xmlns:a16="http://schemas.microsoft.com/office/drawing/2014/main" id="{99C22C0E-C762-4302-89D7-0E266B6C98FB}"/>
+              </a:ext>
+            </a:extLst>
+          </p:cNvPr>
+          <p:cNvCxnSpPr>
+            <a:cxnSpLocks/>
+            <a:stCxn id="175" idx="2"/>
+            <a:endCxn id="283" idx="1"/>
+          </p:cNvCxnSpPr>
+          <p:nvPr/>
+        </p:nvCxnSpPr>
+        <p:spPr>
+          <a:xfrm rot="16200000" flipH="1">
+            <a:off x="26676633" y="27554293"/>
+            <a:ext cx="562366" cy="434734"/>
+          </a:xfrm>
+          <a:prstGeom prst="bentConnector2">
+            <a:avLst/>
+          </a:prstGeom>
+        </p:spPr>
+        <p:style>
+          <a:lnRef idx="1">
+            <a:schemeClr val="dk1"/>
+          </a:lnRef>
+          <a:fillRef idx="0">
+            <a:schemeClr val="dk1"/>
+          </a:fillRef>
+          <a:effectRef idx="0">
+            <a:schemeClr val="dk1"/>
+          </a:effectRef>
+          <a:fontRef idx="minor">
+            <a:schemeClr val="tx1"/>
+          </a:fontRef>
+        </p:style>
+      </p:cxnSp>
+      <p:sp>
+        <p:nvSpPr>
+          <p:cNvPr id="221" name="직사각형 220">
+            <a:extLst>
+              <a:ext uri="{FF2B5EF4-FFF2-40B4-BE49-F238E27FC236}">
+                <a16:creationId xmlns:a16="http://schemas.microsoft.com/office/drawing/2014/main" id="{5BC64E9F-CBF0-4CCC-B589-B74F0CB7F404}"/>
               </a:ext>
             </a:extLst>
           </p:cNvPr>
@@ -10564,8 +10656,8 @@
         </p:nvSpPr>
         <p:spPr>
           <a:xfrm>
-            <a:off x="28228804" y="29894974"/>
-            <a:ext cx="1725804" cy="419458"/>
+            <a:off x="39703256" y="21173123"/>
+            <a:ext cx="2258402" cy="419458"/>
           </a:xfrm>
           <a:prstGeom prst="rect">
             <a:avLst/>
@@ -10597,121 +10689,31 @@
             <a:pPr algn="ctr"/>
             <a:r>
               <a:rPr lang="ko-KR" altLang="en-US" sz="2000" b="1" dirty="0"/>
-              <a:t>내 </a:t>
-            </a:r>
-            <a:r>
-              <a:rPr lang="ko-KR" altLang="en-US" sz="2000" b="1" dirty="0" err="1"/>
-              <a:t>기프티콘</a:t>
-            </a:r>
-            <a:endParaRPr lang="en-US" altLang="ko-KR" sz="2000" b="1" dirty="0"/>
-          </a:p>
-          <a:p>
-            <a:pPr algn="ctr"/>
-            <a:r>
-              <a:rPr lang="ko-KR" altLang="en-US" sz="2000" b="1" dirty="0"/>
-              <a:t>삭제</a:t>
+              <a:t>영화 상세보기</a:t>
             </a:r>
           </a:p>
         </p:txBody>
       </p:sp>
       <p:cxnSp>
         <p:nvCxnSpPr>
-          <p:cNvPr id="217" name="연결선: 꺾임 216">
-            <a:extLst>
-              <a:ext uri="{FF2B5EF4-FFF2-40B4-BE49-F238E27FC236}">
-                <a16:creationId xmlns:a16="http://schemas.microsoft.com/office/drawing/2014/main" id="{607A871A-FA8B-4A3F-8134-71D4C933FED5}"/>
-              </a:ext>
-            </a:extLst>
-          </p:cNvPr>
-          <p:cNvCxnSpPr>
-            <a:stCxn id="214" idx="2"/>
-            <a:endCxn id="215" idx="1"/>
-          </p:cNvCxnSpPr>
-          <p:nvPr/>
-        </p:nvCxnSpPr>
-        <p:spPr>
-          <a:xfrm rot="16200000" flipH="1">
-            <a:off x="27814513" y="28951486"/>
-            <a:ext cx="480768" cy="347813"/>
-          </a:xfrm>
-          <a:prstGeom prst="bentConnector2">
-            <a:avLst/>
-          </a:prstGeom>
-        </p:spPr>
-        <p:style>
-          <a:lnRef idx="1">
-            <a:schemeClr val="dk1"/>
-          </a:lnRef>
-          <a:fillRef idx="0">
-            <a:schemeClr val="dk1"/>
-          </a:fillRef>
-          <a:effectRef idx="0">
-            <a:schemeClr val="dk1"/>
-          </a:effectRef>
-          <a:fontRef idx="minor">
-            <a:schemeClr val="tx1"/>
-          </a:fontRef>
-        </p:style>
-      </p:cxnSp>
-      <p:cxnSp>
-        <p:nvCxnSpPr>
-          <p:cNvPr id="220" name="연결선: 꺾임 219">
-            <a:extLst>
-              <a:ext uri="{FF2B5EF4-FFF2-40B4-BE49-F238E27FC236}">
-                <a16:creationId xmlns:a16="http://schemas.microsoft.com/office/drawing/2014/main" id="{F912BBBA-1107-4542-8DC1-0B433CBF9800}"/>
-              </a:ext>
-            </a:extLst>
-          </p:cNvPr>
-          <p:cNvCxnSpPr>
-            <a:stCxn id="214" idx="2"/>
-            <a:endCxn id="216" idx="1"/>
-          </p:cNvCxnSpPr>
-          <p:nvPr/>
-        </p:nvCxnSpPr>
-        <p:spPr>
-          <a:xfrm rot="16200000" flipH="1">
-            <a:off x="27445050" y="29320949"/>
-            <a:ext cx="1219694" cy="347813"/>
-          </a:xfrm>
-          <a:prstGeom prst="bentConnector2">
-            <a:avLst/>
-          </a:prstGeom>
-        </p:spPr>
-        <p:style>
-          <a:lnRef idx="1">
-            <a:schemeClr val="dk1"/>
-          </a:lnRef>
-          <a:fillRef idx="0">
-            <a:schemeClr val="dk1"/>
-          </a:fillRef>
-          <a:effectRef idx="0">
-            <a:schemeClr val="dk1"/>
-          </a:effectRef>
-          <a:fontRef idx="minor">
-            <a:schemeClr val="tx1"/>
-          </a:fontRef>
-        </p:style>
-      </p:cxnSp>
-      <p:cxnSp>
-        <p:nvCxnSpPr>
-          <p:cNvPr id="108" name="연결선: 꺾임 107">
-            <a:extLst>
-              <a:ext uri="{FF2B5EF4-FFF2-40B4-BE49-F238E27FC236}">
-                <a16:creationId xmlns:a16="http://schemas.microsoft.com/office/drawing/2014/main" id="{99C22C0E-C762-4302-89D7-0E266B6C98FB}"/>
+          <p:cNvPr id="128" name="연결선: 꺾임 127">
+            <a:extLst>
+              <a:ext uri="{FF2B5EF4-FFF2-40B4-BE49-F238E27FC236}">
+                <a16:creationId xmlns:a16="http://schemas.microsoft.com/office/drawing/2014/main" id="{937F1EAD-5350-400A-A991-F524065024FA}"/>
               </a:ext>
             </a:extLst>
           </p:cNvPr>
           <p:cNvCxnSpPr>
             <a:cxnSpLocks/>
-            <a:stCxn id="175" idx="2"/>
-            <a:endCxn id="283" idx="1"/>
+            <a:stCxn id="221" idx="2"/>
+            <a:endCxn id="110" idx="1"/>
           </p:cNvCxnSpPr>
           <p:nvPr/>
         </p:nvCxnSpPr>
         <p:spPr>
           <a:xfrm rot="16200000" flipH="1">
-            <a:off x="25319771" y="27554293"/>
-            <a:ext cx="562366" cy="434734"/>
+            <a:off x="40802088" y="21622949"/>
+            <a:ext cx="460455" cy="399717"/>
           </a:xfrm>
           <a:prstGeom prst="bentConnector2">
             <a:avLst/>
@@ -10732,51 +10734,12 @@
           </a:fontRef>
         </p:style>
       </p:cxnSp>
-      <p:cxnSp>
-        <p:nvCxnSpPr>
-          <p:cNvPr id="112" name="연결선: 꺾임 111">
-            <a:extLst>
-              <a:ext uri="{FF2B5EF4-FFF2-40B4-BE49-F238E27FC236}">
-                <a16:creationId xmlns:a16="http://schemas.microsoft.com/office/drawing/2014/main" id="{F986FCBD-CAC3-4421-B89F-F6C098FA97A6}"/>
-              </a:ext>
-            </a:extLst>
-          </p:cNvPr>
-          <p:cNvCxnSpPr>
-            <a:stCxn id="438" idx="2"/>
-            <a:endCxn id="453" idx="0"/>
-          </p:cNvCxnSpPr>
-          <p:nvPr/>
-        </p:nvCxnSpPr>
-        <p:spPr>
-          <a:xfrm rot="5400000">
-            <a:off x="35480250" y="9090314"/>
-            <a:ext cx="1565986" cy="9379466"/>
-          </a:xfrm>
-          <a:prstGeom prst="bentConnector3">
-            <a:avLst/>
-          </a:prstGeom>
-        </p:spPr>
-        <p:style>
-          <a:lnRef idx="1">
-            <a:schemeClr val="dk1"/>
-          </a:lnRef>
-          <a:fillRef idx="0">
-            <a:schemeClr val="dk1"/>
-          </a:fillRef>
-          <a:effectRef idx="0">
-            <a:schemeClr val="dk1"/>
-          </a:effectRef>
-          <a:fontRef idx="minor">
-            <a:schemeClr val="tx1"/>
-          </a:fontRef>
-        </p:style>
-      </p:cxnSp>
-      <p:sp>
-        <p:nvSpPr>
-          <p:cNvPr id="221" name="직사각형 220">
-            <a:extLst>
-              <a:ext uri="{FF2B5EF4-FFF2-40B4-BE49-F238E27FC236}">
-                <a16:creationId xmlns:a16="http://schemas.microsoft.com/office/drawing/2014/main" id="{5BC64E9F-CBF0-4CCC-B589-B74F0CB7F404}"/>
+      <p:sp>
+        <p:nvSpPr>
+          <p:cNvPr id="222" name="직사각형 221">
+            <a:extLst>
+              <a:ext uri="{FF2B5EF4-FFF2-40B4-BE49-F238E27FC236}">
+                <a16:creationId xmlns:a16="http://schemas.microsoft.com/office/drawing/2014/main" id="{35C599B3-F1B2-4B89-9EC1-06865C255BB6}"/>
               </a:ext>
             </a:extLst>
           </p:cNvPr>
@@ -10785,7 +10748,7 @@
         </p:nvSpPr>
         <p:spPr>
           <a:xfrm>
-            <a:off x="39703256" y="21763063"/>
+            <a:off x="39671880" y="26335530"/>
             <a:ext cx="2258402" cy="419458"/>
           </a:xfrm>
           <a:prstGeom prst="rect">
@@ -10818,31 +10781,30 @@
             <a:pPr algn="ctr"/>
             <a:r>
               <a:rPr lang="ko-KR" altLang="en-US" sz="2000" b="1" dirty="0"/>
-              <a:t>영화 정보 상세보기</a:t>
+              <a:t>상영스케줄 상세보기</a:t>
             </a:r>
           </a:p>
         </p:txBody>
       </p:sp>
       <p:cxnSp>
         <p:nvCxnSpPr>
-          <p:cNvPr id="128" name="연결선: 꺾임 127">
-            <a:extLst>
-              <a:ext uri="{FF2B5EF4-FFF2-40B4-BE49-F238E27FC236}">
-                <a16:creationId xmlns:a16="http://schemas.microsoft.com/office/drawing/2014/main" id="{937F1EAD-5350-400A-A991-F524065024FA}"/>
+          <p:cNvPr id="149" name="연결선: 꺾임 148">
+            <a:extLst>
+              <a:ext uri="{FF2B5EF4-FFF2-40B4-BE49-F238E27FC236}">
+                <a16:creationId xmlns:a16="http://schemas.microsoft.com/office/drawing/2014/main" id="{673FA2D6-7E5C-4A09-B94E-AD8DB0858B58}"/>
               </a:ext>
             </a:extLst>
           </p:cNvPr>
           <p:cNvCxnSpPr>
-            <a:cxnSpLocks/>
-            <a:stCxn id="221" idx="2"/>
-            <a:endCxn id="110" idx="1"/>
+            <a:stCxn id="222" idx="2"/>
+            <a:endCxn id="151" idx="1"/>
           </p:cNvCxnSpPr>
           <p:nvPr/>
         </p:nvCxnSpPr>
         <p:spPr>
           <a:xfrm rot="16200000" flipH="1">
-            <a:off x="40802088" y="22212889"/>
-            <a:ext cx="460455" cy="399717"/>
+            <a:off x="40850137" y="26705932"/>
+            <a:ext cx="379769" cy="477880"/>
           </a:xfrm>
           <a:prstGeom prst="bentConnector2">
             <a:avLst/>
@@ -10865,23 +10827,23 @@
       </p:cxnSp>
       <p:cxnSp>
         <p:nvCxnSpPr>
-          <p:cNvPr id="132" name="연결선: 꺾임 131">
-            <a:extLst>
-              <a:ext uri="{FF2B5EF4-FFF2-40B4-BE49-F238E27FC236}">
-                <a16:creationId xmlns:a16="http://schemas.microsoft.com/office/drawing/2014/main" id="{2C6B91C0-FA58-41B9-9443-9692F02AFC18}"/>
+          <p:cNvPr id="170" name="연결선: 꺾임 169">
+            <a:extLst>
+              <a:ext uri="{FF2B5EF4-FFF2-40B4-BE49-F238E27FC236}">
+                <a16:creationId xmlns:a16="http://schemas.microsoft.com/office/drawing/2014/main" id="{D4793AD6-8E12-4BF6-8C1C-BA0EA8A85ACF}"/>
               </a:ext>
             </a:extLst>
           </p:cNvPr>
           <p:cNvCxnSpPr>
-            <a:stCxn id="221" idx="2"/>
-            <a:endCxn id="115" idx="1"/>
+            <a:stCxn id="222" idx="2"/>
+            <a:endCxn id="152" idx="1"/>
           </p:cNvCxnSpPr>
           <p:nvPr/>
         </p:nvCxnSpPr>
         <p:spPr>
           <a:xfrm rot="16200000" flipH="1">
-            <a:off x="40463112" y="22551865"/>
-            <a:ext cx="1138407" cy="399717"/>
+            <a:off x="40523382" y="27032687"/>
+            <a:ext cx="1033279" cy="477880"/>
           </a:xfrm>
           <a:prstGeom prst="bentConnector2">
             <a:avLst/>
@@ -10904,10 +10866,10 @@
       </p:cxnSp>
       <p:sp>
         <p:nvSpPr>
-          <p:cNvPr id="222" name="직사각형 221">
-            <a:extLst>
-              <a:ext uri="{FF2B5EF4-FFF2-40B4-BE49-F238E27FC236}">
-                <a16:creationId xmlns:a16="http://schemas.microsoft.com/office/drawing/2014/main" id="{35C599B3-F1B2-4B89-9EC1-06865C255BB6}"/>
+          <p:cNvPr id="232" name="직사각형 231">
+            <a:extLst>
+              <a:ext uri="{FF2B5EF4-FFF2-40B4-BE49-F238E27FC236}">
+                <a16:creationId xmlns:a16="http://schemas.microsoft.com/office/drawing/2014/main" id="{C460A965-B820-4A75-A07F-A43895C38FF7}"/>
               </a:ext>
             </a:extLst>
           </p:cNvPr>
@@ -10916,7 +10878,7 @@
         </p:nvSpPr>
         <p:spPr>
           <a:xfrm>
-            <a:off x="39642383" y="26129064"/>
+            <a:off x="39769561" y="17352835"/>
             <a:ext cx="2258402" cy="419458"/>
           </a:xfrm>
           <a:prstGeom prst="rect">
@@ -10948,31 +10910,35 @@
           <a:p>
             <a:pPr algn="ctr"/>
             <a:r>
+              <a:rPr lang="ko-KR" altLang="en-US" sz="2000" b="1" dirty="0" err="1"/>
+              <a:t>기프티콘</a:t>
+            </a:r>
+            <a:r>
               <a:rPr lang="ko-KR" altLang="en-US" sz="2000" b="1" dirty="0"/>
-              <a:t>상영스케줄 상세보기</a:t>
+              <a:t> 상세보기</a:t>
             </a:r>
           </a:p>
         </p:txBody>
       </p:sp>
       <p:cxnSp>
         <p:nvCxnSpPr>
-          <p:cNvPr id="149" name="연결선: 꺾임 148">
-            <a:extLst>
-              <a:ext uri="{FF2B5EF4-FFF2-40B4-BE49-F238E27FC236}">
-                <a16:creationId xmlns:a16="http://schemas.microsoft.com/office/drawing/2014/main" id="{673FA2D6-7E5C-4A09-B94E-AD8DB0858B58}"/>
+          <p:cNvPr id="326" name="연결선: 꺾임 325">
+            <a:extLst>
+              <a:ext uri="{FF2B5EF4-FFF2-40B4-BE49-F238E27FC236}">
+                <a16:creationId xmlns:a16="http://schemas.microsoft.com/office/drawing/2014/main" id="{1473097C-294C-4D0B-BD5E-2FD7F45ED835}"/>
               </a:ext>
             </a:extLst>
           </p:cNvPr>
           <p:cNvCxnSpPr>
-            <a:stCxn id="222" idx="2"/>
-            <a:endCxn id="151" idx="1"/>
+            <a:stCxn id="232" idx="2"/>
+            <a:endCxn id="490" idx="1"/>
           </p:cNvCxnSpPr>
           <p:nvPr/>
         </p:nvCxnSpPr>
         <p:spPr>
           <a:xfrm rot="16200000" flipH="1">
-            <a:off x="40820640" y="26499466"/>
-            <a:ext cx="379769" cy="477880"/>
+            <a:off x="40859863" y="17811192"/>
+            <a:ext cx="513587" cy="435788"/>
           </a:xfrm>
           <a:prstGeom prst="bentConnector2">
             <a:avLst/>
@@ -10995,23 +10961,23 @@
       </p:cxnSp>
       <p:cxnSp>
         <p:nvCxnSpPr>
-          <p:cNvPr id="170" name="연결선: 꺾임 169">
-            <a:extLst>
-              <a:ext uri="{FF2B5EF4-FFF2-40B4-BE49-F238E27FC236}">
-                <a16:creationId xmlns:a16="http://schemas.microsoft.com/office/drawing/2014/main" id="{D4793AD6-8E12-4BF6-8C1C-BA0EA8A85ACF}"/>
+          <p:cNvPr id="328" name="연결선: 꺾임 327">
+            <a:extLst>
+              <a:ext uri="{FF2B5EF4-FFF2-40B4-BE49-F238E27FC236}">
+                <a16:creationId xmlns:a16="http://schemas.microsoft.com/office/drawing/2014/main" id="{402A4DC4-7614-4945-A4EC-35F026C55B62}"/>
               </a:ext>
             </a:extLst>
           </p:cNvPr>
           <p:cNvCxnSpPr>
-            <a:stCxn id="222" idx="2"/>
-            <a:endCxn id="152" idx="1"/>
+            <a:stCxn id="232" idx="2"/>
+            <a:endCxn id="479" idx="1"/>
           </p:cNvCxnSpPr>
           <p:nvPr/>
         </p:nvCxnSpPr>
         <p:spPr>
           <a:xfrm rot="16200000" flipH="1">
-            <a:off x="40493885" y="26826221"/>
-            <a:ext cx="1033279" cy="477880"/>
+            <a:off x="40467413" y="18203642"/>
+            <a:ext cx="1254478" cy="391780"/>
           </a:xfrm>
           <a:prstGeom prst="bentConnector2">
             <a:avLst/>
@@ -11032,12 +10998,51 @@
           </a:fontRef>
         </p:style>
       </p:cxnSp>
-      <p:sp>
-        <p:nvSpPr>
-          <p:cNvPr id="232" name="직사각형 231">
-            <a:extLst>
-              <a:ext uri="{FF2B5EF4-FFF2-40B4-BE49-F238E27FC236}">
-                <a16:creationId xmlns:a16="http://schemas.microsoft.com/office/drawing/2014/main" id="{C460A965-B820-4A75-A07F-A43895C38FF7}"/>
+      <p:cxnSp>
+        <p:nvCxnSpPr>
+          <p:cNvPr id="343" name="연결선: 꺾임 342">
+            <a:extLst>
+              <a:ext uri="{FF2B5EF4-FFF2-40B4-BE49-F238E27FC236}">
+                <a16:creationId xmlns:a16="http://schemas.microsoft.com/office/drawing/2014/main" id="{E525069F-9AB2-41FA-A541-AAA86296B4BF}"/>
+              </a:ext>
+            </a:extLst>
+          </p:cNvPr>
+          <p:cNvCxnSpPr>
+            <a:stCxn id="145" idx="2"/>
+            <a:endCxn id="222" idx="1"/>
+          </p:cNvCxnSpPr>
+          <p:nvPr/>
+        </p:nvCxnSpPr>
+        <p:spPr>
+          <a:xfrm rot="16200000" flipH="1">
+            <a:off x="39239054" y="26112433"/>
+            <a:ext cx="494006" cy="371646"/>
+          </a:xfrm>
+          <a:prstGeom prst="bentConnector2">
+            <a:avLst/>
+          </a:prstGeom>
+        </p:spPr>
+        <p:style>
+          <a:lnRef idx="1">
+            <a:schemeClr val="dk1"/>
+          </a:lnRef>
+          <a:fillRef idx="0">
+            <a:schemeClr val="dk1"/>
+          </a:fillRef>
+          <a:effectRef idx="0">
+            <a:schemeClr val="dk1"/>
+          </a:effectRef>
+          <a:fontRef idx="minor">
+            <a:schemeClr val="tx1"/>
+          </a:fontRef>
+        </p:style>
+      </p:cxnSp>
+      <p:sp>
+        <p:nvSpPr>
+          <p:cNvPr id="249" name="직사각형 248">
+            <a:extLst>
+              <a:ext uri="{FF2B5EF4-FFF2-40B4-BE49-F238E27FC236}">
+                <a16:creationId xmlns:a16="http://schemas.microsoft.com/office/drawing/2014/main" id="{BA68836F-9E26-4E79-9354-A28A6391F589}"/>
               </a:ext>
             </a:extLst>
           </p:cNvPr>
@@ -11046,7 +11051,7 @@
         </p:nvSpPr>
         <p:spPr>
           <a:xfrm>
-            <a:off x="39769561" y="17352835"/>
+            <a:off x="38189265" y="20477995"/>
             <a:ext cx="2258402" cy="419458"/>
           </a:xfrm>
           <a:prstGeom prst="rect">
@@ -11078,35 +11083,31 @@
           <a:p>
             <a:pPr algn="ctr"/>
             <a:r>
-              <a:rPr lang="ko-KR" altLang="en-US" sz="2000" b="1" dirty="0" err="1"/>
-              <a:t>기프티콘</a:t>
-            </a:r>
-            <a:r>
               <a:rPr lang="ko-KR" altLang="en-US" sz="2000" b="1" dirty="0"/>
-              <a:t> 상세보기</a:t>
+              <a:t>영화 랭킹 조회</a:t>
             </a:r>
           </a:p>
         </p:txBody>
       </p:sp>
       <p:cxnSp>
         <p:nvCxnSpPr>
-          <p:cNvPr id="326" name="연결선: 꺾임 325">
-            <a:extLst>
-              <a:ext uri="{FF2B5EF4-FFF2-40B4-BE49-F238E27FC236}">
-                <a16:creationId xmlns:a16="http://schemas.microsoft.com/office/drawing/2014/main" id="{1473097C-294C-4D0B-BD5E-2FD7F45ED835}"/>
+          <p:cNvPr id="346" name="연결선: 꺾임 345">
+            <a:extLst>
+              <a:ext uri="{FF2B5EF4-FFF2-40B4-BE49-F238E27FC236}">
+                <a16:creationId xmlns:a16="http://schemas.microsoft.com/office/drawing/2014/main" id="{46EBEFFA-E45C-4A56-B0AF-15B6D5456B52}"/>
               </a:ext>
             </a:extLst>
           </p:cNvPr>
           <p:cNvCxnSpPr>
-            <a:stCxn id="232" idx="2"/>
-            <a:endCxn id="490" idx="1"/>
+            <a:stCxn id="448" idx="2"/>
+            <a:endCxn id="249" idx="1"/>
           </p:cNvCxnSpPr>
           <p:nvPr/>
         </p:nvCxnSpPr>
         <p:spPr>
           <a:xfrm rot="16200000" flipH="1">
-            <a:off x="40859863" y="17811192"/>
-            <a:ext cx="513587" cy="435788"/>
+            <a:off x="37193886" y="19692345"/>
+            <a:ext cx="1586532" cy="404226"/>
           </a:xfrm>
           <a:prstGeom prst="bentConnector2">
             <a:avLst/>
@@ -11129,23 +11130,23 @@
       </p:cxnSp>
       <p:cxnSp>
         <p:nvCxnSpPr>
-          <p:cNvPr id="328" name="연결선: 꺾임 327">
-            <a:extLst>
-              <a:ext uri="{FF2B5EF4-FFF2-40B4-BE49-F238E27FC236}">
-                <a16:creationId xmlns:a16="http://schemas.microsoft.com/office/drawing/2014/main" id="{402A4DC4-7614-4945-A4EC-35F026C55B62}"/>
+          <p:cNvPr id="348" name="연결선: 꺾임 347">
+            <a:extLst>
+              <a:ext uri="{FF2B5EF4-FFF2-40B4-BE49-F238E27FC236}">
+                <a16:creationId xmlns:a16="http://schemas.microsoft.com/office/drawing/2014/main" id="{17C31CDC-6498-417C-B3AB-15879ED2CB43}"/>
               </a:ext>
             </a:extLst>
           </p:cNvPr>
           <p:cNvCxnSpPr>
-            <a:stCxn id="232" idx="2"/>
-            <a:endCxn id="479" idx="1"/>
+            <a:stCxn id="249" idx="2"/>
+            <a:endCxn id="221" idx="1"/>
           </p:cNvCxnSpPr>
           <p:nvPr/>
         </p:nvCxnSpPr>
         <p:spPr>
           <a:xfrm rot="16200000" flipH="1">
-            <a:off x="40467413" y="18203642"/>
-            <a:ext cx="1254478" cy="391780"/>
+            <a:off x="39268162" y="20947757"/>
+            <a:ext cx="485399" cy="384790"/>
           </a:xfrm>
           <a:prstGeom prst="bentConnector2">
             <a:avLst/>
@@ -11166,51 +11167,12 @@
           </a:fontRef>
         </p:style>
       </p:cxnSp>
-      <p:cxnSp>
-        <p:nvCxnSpPr>
-          <p:cNvPr id="343" name="연결선: 꺾임 342">
-            <a:extLst>
-              <a:ext uri="{FF2B5EF4-FFF2-40B4-BE49-F238E27FC236}">
-                <a16:creationId xmlns:a16="http://schemas.microsoft.com/office/drawing/2014/main" id="{E525069F-9AB2-41FA-A541-AAA86296B4BF}"/>
-              </a:ext>
-            </a:extLst>
-          </p:cNvPr>
-          <p:cNvCxnSpPr>
-            <a:stCxn id="145" idx="2"/>
-            <a:endCxn id="222" idx="1"/>
-          </p:cNvCxnSpPr>
-          <p:nvPr/>
-        </p:nvCxnSpPr>
-        <p:spPr>
-          <a:xfrm rot="16200000" flipH="1">
-            <a:off x="39209557" y="25905967"/>
-            <a:ext cx="494006" cy="371646"/>
-          </a:xfrm>
-          <a:prstGeom prst="bentConnector2">
-            <a:avLst/>
-          </a:prstGeom>
-        </p:spPr>
-        <p:style>
-          <a:lnRef idx="1">
-            <a:schemeClr val="dk1"/>
-          </a:lnRef>
-          <a:fillRef idx="0">
-            <a:schemeClr val="dk1"/>
-          </a:fillRef>
-          <a:effectRef idx="0">
-            <a:schemeClr val="dk1"/>
-          </a:effectRef>
-          <a:fontRef idx="minor">
-            <a:schemeClr val="tx1"/>
-          </a:fontRef>
-        </p:style>
-      </p:cxnSp>
-      <p:sp>
-        <p:nvSpPr>
-          <p:cNvPr id="249" name="직사각형 248">
-            <a:extLst>
-              <a:ext uri="{FF2B5EF4-FFF2-40B4-BE49-F238E27FC236}">
-                <a16:creationId xmlns:a16="http://schemas.microsoft.com/office/drawing/2014/main" id="{BA68836F-9E26-4E79-9354-A28A6391F589}"/>
+      <p:sp>
+        <p:nvSpPr>
+          <p:cNvPr id="255" name="직사각형 254">
+            <a:extLst>
+              <a:ext uri="{FF2B5EF4-FFF2-40B4-BE49-F238E27FC236}">
+                <a16:creationId xmlns:a16="http://schemas.microsoft.com/office/drawing/2014/main" id="{AFF1CA3D-047F-4115-BDAF-0B6541BC33A9}"/>
               </a:ext>
             </a:extLst>
           </p:cNvPr>
@@ -11219,7 +11181,7 @@
         </p:nvSpPr>
         <p:spPr>
           <a:xfrm>
-            <a:off x="38189265" y="21067935"/>
+            <a:off x="38120879" y="16738645"/>
             <a:ext cx="2258402" cy="419458"/>
           </a:xfrm>
           <a:prstGeom prst="rect">
@@ -11251,31 +11213,35 @@
           <a:p>
             <a:pPr algn="ctr"/>
             <a:r>
+              <a:rPr lang="ko-KR" altLang="en-US" sz="2000" b="1" dirty="0" err="1"/>
+              <a:t>기프티콘</a:t>
+            </a:r>
+            <a:r>
               <a:rPr lang="ko-KR" altLang="en-US" sz="2000" b="1" dirty="0"/>
-              <a:t>영화 정보 조회</a:t>
+              <a:t> 조회</a:t>
             </a:r>
           </a:p>
         </p:txBody>
       </p:sp>
       <p:cxnSp>
         <p:nvCxnSpPr>
-          <p:cNvPr id="346" name="연결선: 꺾임 345">
-            <a:extLst>
-              <a:ext uri="{FF2B5EF4-FFF2-40B4-BE49-F238E27FC236}">
-                <a16:creationId xmlns:a16="http://schemas.microsoft.com/office/drawing/2014/main" id="{46EBEFFA-E45C-4A56-B0AF-15B6D5456B52}"/>
+          <p:cNvPr id="351" name="연결선: 꺾임 350">
+            <a:extLst>
+              <a:ext uri="{FF2B5EF4-FFF2-40B4-BE49-F238E27FC236}">
+                <a16:creationId xmlns:a16="http://schemas.microsoft.com/office/drawing/2014/main" id="{1D2BE765-20CD-4EBE-97E0-4B417B1A8B9C}"/>
               </a:ext>
             </a:extLst>
           </p:cNvPr>
           <p:cNvCxnSpPr>
-            <a:stCxn id="448" idx="2"/>
-            <a:endCxn id="249" idx="1"/>
+            <a:stCxn id="466" idx="2"/>
+            <a:endCxn id="255" idx="1"/>
           </p:cNvCxnSpPr>
           <p:nvPr/>
         </p:nvCxnSpPr>
         <p:spPr>
           <a:xfrm rot="16200000" flipH="1">
-            <a:off x="37193886" y="20282285"/>
-            <a:ext cx="1586532" cy="404226"/>
+            <a:off x="37335108" y="16162603"/>
+            <a:ext cx="1235702" cy="335839"/>
           </a:xfrm>
           <a:prstGeom prst="bentConnector2">
             <a:avLst/>
@@ -11298,23 +11264,23 @@
       </p:cxnSp>
       <p:cxnSp>
         <p:nvCxnSpPr>
-          <p:cNvPr id="348" name="연결선: 꺾임 347">
-            <a:extLst>
-              <a:ext uri="{FF2B5EF4-FFF2-40B4-BE49-F238E27FC236}">
-                <a16:creationId xmlns:a16="http://schemas.microsoft.com/office/drawing/2014/main" id="{17C31CDC-6498-417C-B3AB-15879ED2CB43}"/>
+          <p:cNvPr id="225" name="연결선: 꺾임 224">
+            <a:extLst>
+              <a:ext uri="{FF2B5EF4-FFF2-40B4-BE49-F238E27FC236}">
+                <a16:creationId xmlns:a16="http://schemas.microsoft.com/office/drawing/2014/main" id="{B54CD36A-B336-46E1-981B-B0227BE41D3C}"/>
               </a:ext>
             </a:extLst>
           </p:cNvPr>
           <p:cNvCxnSpPr>
-            <a:stCxn id="249" idx="2"/>
-            <a:endCxn id="221" idx="1"/>
+            <a:stCxn id="255" idx="2"/>
+            <a:endCxn id="232" idx="1"/>
           </p:cNvCxnSpPr>
           <p:nvPr/>
         </p:nvCxnSpPr>
         <p:spPr>
           <a:xfrm rot="16200000" flipH="1">
-            <a:off x="39268162" y="21537697"/>
-            <a:ext cx="485399" cy="384790"/>
+            <a:off x="39307590" y="17100592"/>
+            <a:ext cx="404461" cy="519481"/>
           </a:xfrm>
           <a:prstGeom prst="bentConnector2">
             <a:avLst/>
@@ -11337,10 +11303,10 @@
       </p:cxnSp>
       <p:sp>
         <p:nvSpPr>
-          <p:cNvPr id="255" name="직사각형 254">
-            <a:extLst>
-              <a:ext uri="{FF2B5EF4-FFF2-40B4-BE49-F238E27FC236}">
-                <a16:creationId xmlns:a16="http://schemas.microsoft.com/office/drawing/2014/main" id="{AFF1CA3D-047F-4115-BDAF-0B6541BC33A9}"/>
+          <p:cNvPr id="260" name="직사각형 259">
+            <a:extLst>
+              <a:ext uri="{FF2B5EF4-FFF2-40B4-BE49-F238E27FC236}">
+                <a16:creationId xmlns:a16="http://schemas.microsoft.com/office/drawing/2014/main" id="{F0A571EE-E3D5-483F-A215-1A2414213B17}"/>
               </a:ext>
             </a:extLst>
           </p:cNvPr>
@@ -11349,8 +11315,8 @@
         </p:nvSpPr>
         <p:spPr>
           <a:xfrm>
-            <a:off x="38120879" y="16738645"/>
-            <a:ext cx="2258402" cy="419458"/>
+            <a:off x="33542721" y="16371036"/>
+            <a:ext cx="2020114" cy="419458"/>
           </a:xfrm>
           <a:prstGeom prst="rect">
             <a:avLst/>
@@ -11381,35 +11347,40 @@
           <a:p>
             <a:pPr algn="ctr"/>
             <a:r>
-              <a:rPr lang="ko-KR" altLang="en-US" sz="2000" b="1" dirty="0" err="1"/>
-              <a:t>기프티콘</a:t>
-            </a:r>
-            <a:r>
               <a:rPr lang="ko-KR" altLang="en-US" sz="2000" b="1" dirty="0"/>
-              <a:t> 조회</a:t>
-            </a:r>
+              <a:t>건의사항</a:t>
+            </a:r>
+            <a:endParaRPr lang="en-US" altLang="ko-KR" sz="2000" b="1" dirty="0"/>
+          </a:p>
+          <a:p>
+            <a:pPr algn="ctr"/>
+            <a:r>
+              <a:rPr lang="ko-KR" altLang="en-US" sz="2000" b="1" dirty="0"/>
+              <a:t>상세보기</a:t>
+            </a:r>
+            <a:endParaRPr lang="en-US" altLang="ko-KR" sz="2000" b="1" dirty="0"/>
           </a:p>
         </p:txBody>
       </p:sp>
       <p:cxnSp>
         <p:nvCxnSpPr>
-          <p:cNvPr id="351" name="연결선: 꺾임 350">
-            <a:extLst>
-              <a:ext uri="{FF2B5EF4-FFF2-40B4-BE49-F238E27FC236}">
-                <a16:creationId xmlns:a16="http://schemas.microsoft.com/office/drawing/2014/main" id="{1D2BE765-20CD-4EBE-97E0-4B417B1A8B9C}"/>
+          <p:cNvPr id="227" name="연결선: 꺾임 226">
+            <a:extLst>
+              <a:ext uri="{FF2B5EF4-FFF2-40B4-BE49-F238E27FC236}">
+                <a16:creationId xmlns:a16="http://schemas.microsoft.com/office/drawing/2014/main" id="{7DBB2CCD-9D0D-43AE-A2EE-8761F0FCCE4F}"/>
               </a:ext>
             </a:extLst>
           </p:cNvPr>
           <p:cNvCxnSpPr>
-            <a:stCxn id="466" idx="2"/>
-            <a:endCxn id="255" idx="1"/>
+            <a:stCxn id="196" idx="2"/>
+            <a:endCxn id="260" idx="1"/>
           </p:cNvCxnSpPr>
           <p:nvPr/>
         </p:nvCxnSpPr>
         <p:spPr>
           <a:xfrm rot="16200000" flipH="1">
-            <a:off x="37335108" y="16162603"/>
-            <a:ext cx="1235702" cy="335839"/>
+            <a:off x="32953039" y="15991082"/>
+            <a:ext cx="658365" cy="521000"/>
           </a:xfrm>
           <a:prstGeom prst="bentConnector2">
             <a:avLst/>
@@ -11430,51 +11401,12 @@
           </a:fontRef>
         </p:style>
       </p:cxnSp>
-      <p:cxnSp>
-        <p:nvCxnSpPr>
-          <p:cNvPr id="225" name="연결선: 꺾임 224">
-            <a:extLst>
-              <a:ext uri="{FF2B5EF4-FFF2-40B4-BE49-F238E27FC236}">
-                <a16:creationId xmlns:a16="http://schemas.microsoft.com/office/drawing/2014/main" id="{B54CD36A-B336-46E1-981B-B0227BE41D3C}"/>
-              </a:ext>
-            </a:extLst>
-          </p:cNvPr>
-          <p:cNvCxnSpPr>
-            <a:stCxn id="255" idx="2"/>
-            <a:endCxn id="232" idx="1"/>
-          </p:cNvCxnSpPr>
-          <p:nvPr/>
-        </p:nvCxnSpPr>
-        <p:spPr>
-          <a:xfrm rot="16200000" flipH="1">
-            <a:off x="39307590" y="17100592"/>
-            <a:ext cx="404461" cy="519481"/>
-          </a:xfrm>
-          <a:prstGeom prst="bentConnector2">
-            <a:avLst/>
-          </a:prstGeom>
-        </p:spPr>
-        <p:style>
-          <a:lnRef idx="1">
-            <a:schemeClr val="dk1"/>
-          </a:lnRef>
-          <a:fillRef idx="0">
-            <a:schemeClr val="dk1"/>
-          </a:fillRef>
-          <a:effectRef idx="0">
-            <a:schemeClr val="dk1"/>
-          </a:effectRef>
-          <a:fontRef idx="minor">
-            <a:schemeClr val="tx1"/>
-          </a:fontRef>
-        </p:style>
-      </p:cxnSp>
-      <p:sp>
-        <p:nvSpPr>
-          <p:cNvPr id="260" name="직사각형 259">
-            <a:extLst>
-              <a:ext uri="{FF2B5EF4-FFF2-40B4-BE49-F238E27FC236}">
-                <a16:creationId xmlns:a16="http://schemas.microsoft.com/office/drawing/2014/main" id="{F0A571EE-E3D5-483F-A215-1A2414213B17}"/>
+      <p:sp>
+        <p:nvSpPr>
+          <p:cNvPr id="264" name="직사각형 263">
+            <a:extLst>
+              <a:ext uri="{FF2B5EF4-FFF2-40B4-BE49-F238E27FC236}">
+                <a16:creationId xmlns:a16="http://schemas.microsoft.com/office/drawing/2014/main" id="{1A41C0E7-030C-4BA1-A51C-D0DCC87562F8}"/>
               </a:ext>
             </a:extLst>
           </p:cNvPr>
@@ -11483,8 +11415,8 @@
         </p:nvSpPr>
         <p:spPr>
           <a:xfrm>
-            <a:off x="33542721" y="16371036"/>
-            <a:ext cx="2020114" cy="419458"/>
+            <a:off x="27269559" y="16190327"/>
+            <a:ext cx="1725804" cy="419458"/>
           </a:xfrm>
           <a:prstGeom prst="rect">
             <a:avLst/>
@@ -11516,31 +11448,30 @@
             <a:pPr algn="ctr"/>
             <a:r>
               <a:rPr lang="ko-KR" altLang="en-US" sz="2000" b="1" dirty="0"/>
-              <a:t>건의사항 조회</a:t>
-            </a:r>
-            <a:endParaRPr lang="en-US" altLang="ko-KR" sz="2000" b="1" dirty="0"/>
+              <a:t>내 정보 조회</a:t>
+            </a:r>
           </a:p>
         </p:txBody>
       </p:sp>
       <p:cxnSp>
         <p:nvCxnSpPr>
-          <p:cNvPr id="227" name="연결선: 꺾임 226">
-            <a:extLst>
-              <a:ext uri="{FF2B5EF4-FFF2-40B4-BE49-F238E27FC236}">
-                <a16:creationId xmlns:a16="http://schemas.microsoft.com/office/drawing/2014/main" id="{7DBB2CCD-9D0D-43AE-A2EE-8761F0FCCE4F}"/>
+          <p:cNvPr id="233" name="연결선: 꺾임 232">
+            <a:extLst>
+              <a:ext uri="{FF2B5EF4-FFF2-40B4-BE49-F238E27FC236}">
+                <a16:creationId xmlns:a16="http://schemas.microsoft.com/office/drawing/2014/main" id="{89F3A3FD-1610-4008-A43F-E69BE603DD43}"/>
               </a:ext>
             </a:extLst>
           </p:cNvPr>
           <p:cNvCxnSpPr>
-            <a:stCxn id="196" idx="2"/>
-            <a:endCxn id="260" idx="1"/>
+            <a:stCxn id="140" idx="2"/>
+            <a:endCxn id="264" idx="1"/>
           </p:cNvCxnSpPr>
           <p:nvPr/>
         </p:nvCxnSpPr>
         <p:spPr>
           <a:xfrm rot="16200000" flipH="1">
-            <a:off x="32953039" y="15991082"/>
-            <a:ext cx="658365" cy="521000"/>
+            <a:off x="26723135" y="15853632"/>
+            <a:ext cx="563738" cy="529109"/>
           </a:xfrm>
           <a:prstGeom prst="bentConnector2">
             <a:avLst/>
@@ -11561,12 +11492,51 @@
           </a:fontRef>
         </p:style>
       </p:cxnSp>
-      <p:sp>
-        <p:nvSpPr>
-          <p:cNvPr id="264" name="직사각형 263">
-            <a:extLst>
-              <a:ext uri="{FF2B5EF4-FFF2-40B4-BE49-F238E27FC236}">
-                <a16:creationId xmlns:a16="http://schemas.microsoft.com/office/drawing/2014/main" id="{1A41C0E7-030C-4BA1-A51C-D0DCC87562F8}"/>
+      <p:cxnSp>
+        <p:nvCxnSpPr>
+          <p:cNvPr id="235" name="연결선: 꺾임 234">
+            <a:extLst>
+              <a:ext uri="{FF2B5EF4-FFF2-40B4-BE49-F238E27FC236}">
+                <a16:creationId xmlns:a16="http://schemas.microsoft.com/office/drawing/2014/main" id="{ED92D91E-16FF-4D7F-BEA3-0A04A79EF9CD}"/>
+              </a:ext>
+            </a:extLst>
+          </p:cNvPr>
+          <p:cNvCxnSpPr>
+            <a:stCxn id="264" idx="2"/>
+            <a:endCxn id="163" idx="1"/>
+          </p:cNvCxnSpPr>
+          <p:nvPr/>
+        </p:nvCxnSpPr>
+        <p:spPr>
+          <a:xfrm rot="16200000" flipH="1">
+            <a:off x="28034669" y="16707577"/>
+            <a:ext cx="534673" cy="339088"/>
+          </a:xfrm>
+          <a:prstGeom prst="bentConnector2">
+            <a:avLst/>
+          </a:prstGeom>
+        </p:spPr>
+        <p:style>
+          <a:lnRef idx="1">
+            <a:schemeClr val="dk1"/>
+          </a:lnRef>
+          <a:fillRef idx="0">
+            <a:schemeClr val="dk1"/>
+          </a:fillRef>
+          <a:effectRef idx="0">
+            <a:schemeClr val="dk1"/>
+          </a:effectRef>
+          <a:fontRef idx="minor">
+            <a:schemeClr val="tx1"/>
+          </a:fontRef>
+        </p:style>
+      </p:cxnSp>
+      <p:sp>
+        <p:nvSpPr>
+          <p:cNvPr id="271" name="직사각형 270">
+            <a:extLst>
+              <a:ext uri="{FF2B5EF4-FFF2-40B4-BE49-F238E27FC236}">
+                <a16:creationId xmlns:a16="http://schemas.microsoft.com/office/drawing/2014/main" id="{E65D8199-786A-41B3-83AE-E7C2FCEB0D30}"/>
               </a:ext>
             </a:extLst>
           </p:cNvPr>
@@ -11575,7 +11545,7 @@
         </p:nvSpPr>
         <p:spPr>
           <a:xfrm>
-            <a:off x="25912697" y="16190327"/>
+            <a:off x="28689377" y="19626295"/>
             <a:ext cx="1725804" cy="419458"/>
           </a:xfrm>
           <a:prstGeom prst="rect">
@@ -11608,30 +11578,30 @@
             <a:pPr algn="ctr"/>
             <a:r>
               <a:rPr lang="ko-KR" altLang="en-US" sz="2000" b="1" dirty="0"/>
-              <a:t>내 정보 조회</a:t>
+              <a:t>예매 취소</a:t>
             </a:r>
           </a:p>
         </p:txBody>
       </p:sp>
       <p:cxnSp>
         <p:nvCxnSpPr>
-          <p:cNvPr id="233" name="연결선: 꺾임 232">
-            <a:extLst>
-              <a:ext uri="{FF2B5EF4-FFF2-40B4-BE49-F238E27FC236}">
-                <a16:creationId xmlns:a16="http://schemas.microsoft.com/office/drawing/2014/main" id="{89F3A3FD-1610-4008-A43F-E69BE603DD43}"/>
+          <p:cNvPr id="237" name="연결선: 꺾임 236">
+            <a:extLst>
+              <a:ext uri="{FF2B5EF4-FFF2-40B4-BE49-F238E27FC236}">
+                <a16:creationId xmlns:a16="http://schemas.microsoft.com/office/drawing/2014/main" id="{6C6FD0E0-22BA-4211-A8F5-2CC11230271E}"/>
               </a:ext>
             </a:extLst>
           </p:cNvPr>
           <p:cNvCxnSpPr>
-            <a:stCxn id="140" idx="2"/>
-            <a:endCxn id="264" idx="1"/>
+            <a:stCxn id="180" idx="2"/>
+            <a:endCxn id="271" idx="1"/>
           </p:cNvCxnSpPr>
           <p:nvPr/>
         </p:nvCxnSpPr>
         <p:spPr>
           <a:xfrm rot="16200000" flipH="1">
-            <a:off x="25366273" y="15853632"/>
-            <a:ext cx="563738" cy="529109"/>
+            <a:off x="28070920" y="19217567"/>
+            <a:ext cx="532514" cy="704400"/>
           </a:xfrm>
           <a:prstGeom prst="bentConnector2">
             <a:avLst/>
@@ -11652,51 +11622,12 @@
           </a:fontRef>
         </p:style>
       </p:cxnSp>
-      <p:cxnSp>
-        <p:nvCxnSpPr>
-          <p:cNvPr id="235" name="연결선: 꺾임 234">
-            <a:extLst>
-              <a:ext uri="{FF2B5EF4-FFF2-40B4-BE49-F238E27FC236}">
-                <a16:creationId xmlns:a16="http://schemas.microsoft.com/office/drawing/2014/main" id="{ED92D91E-16FF-4D7F-BEA3-0A04A79EF9CD}"/>
-              </a:ext>
-            </a:extLst>
-          </p:cNvPr>
-          <p:cNvCxnSpPr>
-            <a:stCxn id="264" idx="2"/>
-            <a:endCxn id="163" idx="1"/>
-          </p:cNvCxnSpPr>
-          <p:nvPr/>
-        </p:nvCxnSpPr>
-        <p:spPr>
-          <a:xfrm rot="16200000" flipH="1">
-            <a:off x="26677807" y="16707577"/>
-            <a:ext cx="534673" cy="339088"/>
-          </a:xfrm>
-          <a:prstGeom prst="bentConnector2">
-            <a:avLst/>
-          </a:prstGeom>
-        </p:spPr>
-        <p:style>
-          <a:lnRef idx="1">
-            <a:schemeClr val="dk1"/>
-          </a:lnRef>
-          <a:fillRef idx="0">
-            <a:schemeClr val="dk1"/>
-          </a:fillRef>
-          <a:effectRef idx="0">
-            <a:schemeClr val="dk1"/>
-          </a:effectRef>
-          <a:fontRef idx="minor">
-            <a:schemeClr val="tx1"/>
-          </a:fontRef>
-        </p:style>
-      </p:cxnSp>
-      <p:sp>
-        <p:nvSpPr>
-          <p:cNvPr id="271" name="직사각형 270">
-            <a:extLst>
-              <a:ext uri="{FF2B5EF4-FFF2-40B4-BE49-F238E27FC236}">
-                <a16:creationId xmlns:a16="http://schemas.microsoft.com/office/drawing/2014/main" id="{E65D8199-786A-41B3-83AE-E7C2FCEB0D30}"/>
+      <p:sp>
+        <p:nvSpPr>
+          <p:cNvPr id="275" name="직사각형 274">
+            <a:extLst>
+              <a:ext uri="{FF2B5EF4-FFF2-40B4-BE49-F238E27FC236}">
+                <a16:creationId xmlns:a16="http://schemas.microsoft.com/office/drawing/2014/main" id="{A287EC34-A256-4B1A-8637-D50C4267C5D0}"/>
               </a:ext>
             </a:extLst>
           </p:cNvPr>
@@ -11705,7 +11636,7 @@
         </p:nvSpPr>
         <p:spPr>
           <a:xfrm>
-            <a:off x="27332515" y="19626295"/>
+            <a:off x="27174216" y="21197741"/>
             <a:ext cx="1725804" cy="419458"/>
           </a:xfrm>
           <a:prstGeom prst="rect">
@@ -11738,30 +11669,30 @@
             <a:pPr algn="ctr"/>
             <a:r>
               <a:rPr lang="ko-KR" altLang="en-US" sz="2000" b="1" dirty="0"/>
-              <a:t>예매 취소</a:t>
+              <a:t>내 리뷰 조회</a:t>
             </a:r>
           </a:p>
         </p:txBody>
       </p:sp>
       <p:cxnSp>
         <p:nvCxnSpPr>
-          <p:cNvPr id="237" name="연결선: 꺾임 236">
-            <a:extLst>
-              <a:ext uri="{FF2B5EF4-FFF2-40B4-BE49-F238E27FC236}">
-                <a16:creationId xmlns:a16="http://schemas.microsoft.com/office/drawing/2014/main" id="{6C6FD0E0-22BA-4211-A8F5-2CC11230271E}"/>
+          <p:cNvPr id="241" name="연결선: 꺾임 240">
+            <a:extLst>
+              <a:ext uri="{FF2B5EF4-FFF2-40B4-BE49-F238E27FC236}">
+                <a16:creationId xmlns:a16="http://schemas.microsoft.com/office/drawing/2014/main" id="{F23470F4-C337-4278-8230-F4B6B83CB33E}"/>
               </a:ext>
             </a:extLst>
           </p:cNvPr>
           <p:cNvCxnSpPr>
-            <a:stCxn id="180" idx="2"/>
-            <a:endCxn id="271" idx="1"/>
+            <a:stCxn id="275" idx="2"/>
+            <a:endCxn id="181" idx="1"/>
           </p:cNvCxnSpPr>
           <p:nvPr/>
         </p:nvCxnSpPr>
         <p:spPr>
           <a:xfrm rot="16200000" flipH="1">
-            <a:off x="26714058" y="19217567"/>
-            <a:ext cx="532514" cy="704400"/>
+            <a:off x="28005542" y="21648775"/>
+            <a:ext cx="497582" cy="434430"/>
           </a:xfrm>
           <a:prstGeom prst="bentConnector2">
             <a:avLst/>
@@ -11784,10 +11715,10 @@
       </p:cxnSp>
       <p:sp>
         <p:nvSpPr>
-          <p:cNvPr id="275" name="직사각형 274">
-            <a:extLst>
-              <a:ext uri="{FF2B5EF4-FFF2-40B4-BE49-F238E27FC236}">
-                <a16:creationId xmlns:a16="http://schemas.microsoft.com/office/drawing/2014/main" id="{A287EC34-A256-4B1A-8637-D50C4267C5D0}"/>
+          <p:cNvPr id="279" name="직사각형 278">
+            <a:extLst>
+              <a:ext uri="{FF2B5EF4-FFF2-40B4-BE49-F238E27FC236}">
+                <a16:creationId xmlns:a16="http://schemas.microsoft.com/office/drawing/2014/main" id="{5F3531D0-11CD-4B7F-87C8-0547125CE554}"/>
               </a:ext>
             </a:extLst>
           </p:cNvPr>
@@ -11796,7 +11727,7 @@
         </p:nvSpPr>
         <p:spPr>
           <a:xfrm>
-            <a:off x="25817354" y="21197741"/>
+            <a:off x="27122075" y="24417241"/>
             <a:ext cx="1725804" cy="419458"/>
           </a:xfrm>
           <a:prstGeom prst="rect">
@@ -11829,30 +11760,38 @@
             <a:pPr algn="ctr"/>
             <a:r>
               <a:rPr lang="ko-KR" altLang="en-US" sz="2000" b="1" dirty="0"/>
-              <a:t>내 리뷰 조회</a:t>
+              <a:t>내 </a:t>
+            </a:r>
+            <a:r>
+              <a:rPr lang="ko-KR" altLang="en-US" sz="2000" b="1" dirty="0" err="1"/>
+              <a:t>한줄평</a:t>
+            </a:r>
+            <a:r>
+              <a:rPr lang="ko-KR" altLang="en-US" sz="2000" b="1" dirty="0"/>
+              <a:t> 조회</a:t>
             </a:r>
           </a:p>
         </p:txBody>
       </p:sp>
       <p:cxnSp>
         <p:nvCxnSpPr>
-          <p:cNvPr id="241" name="연결선: 꺾임 240">
-            <a:extLst>
-              <a:ext uri="{FF2B5EF4-FFF2-40B4-BE49-F238E27FC236}">
-                <a16:creationId xmlns:a16="http://schemas.microsoft.com/office/drawing/2014/main" id="{F23470F4-C337-4278-8230-F4B6B83CB33E}"/>
+          <p:cNvPr id="244" name="연결선: 꺾임 243">
+            <a:extLst>
+              <a:ext uri="{FF2B5EF4-FFF2-40B4-BE49-F238E27FC236}">
+                <a16:creationId xmlns:a16="http://schemas.microsoft.com/office/drawing/2014/main" id="{166276B5-259C-47E7-A43D-3B9857DD984C}"/>
               </a:ext>
             </a:extLst>
           </p:cNvPr>
           <p:cNvCxnSpPr>
-            <a:stCxn id="275" idx="2"/>
-            <a:endCxn id="181" idx="1"/>
+            <a:stCxn id="279" idx="2"/>
+            <a:endCxn id="200" idx="1"/>
           </p:cNvCxnSpPr>
           <p:nvPr/>
         </p:nvCxnSpPr>
         <p:spPr>
           <a:xfrm rot="16200000" flipH="1">
-            <a:off x="26648680" y="21648775"/>
-            <a:ext cx="497582" cy="434430"/>
+            <a:off x="27960216" y="24861459"/>
+            <a:ext cx="529197" cy="479675"/>
           </a:xfrm>
           <a:prstGeom prst="bentConnector2">
             <a:avLst/>
@@ -11875,10 +11814,10 @@
       </p:cxnSp>
       <p:sp>
         <p:nvSpPr>
-          <p:cNvPr id="279" name="직사각형 278">
-            <a:extLst>
-              <a:ext uri="{FF2B5EF4-FFF2-40B4-BE49-F238E27FC236}">
-                <a16:creationId xmlns:a16="http://schemas.microsoft.com/office/drawing/2014/main" id="{5F3531D0-11CD-4B7F-87C8-0547125CE554}"/>
+          <p:cNvPr id="283" name="직사각형 282">
+            <a:extLst>
+              <a:ext uri="{FF2B5EF4-FFF2-40B4-BE49-F238E27FC236}">
+                <a16:creationId xmlns:a16="http://schemas.microsoft.com/office/drawing/2014/main" id="{1B4C5D57-E9E4-47BC-8308-6BD9857F7646}"/>
               </a:ext>
             </a:extLst>
           </p:cNvPr>
@@ -11887,7 +11826,7 @@
         </p:nvSpPr>
         <p:spPr>
           <a:xfrm>
-            <a:off x="25765213" y="24417241"/>
+            <a:off x="27175183" y="27843114"/>
             <a:ext cx="1725804" cy="419458"/>
           </a:xfrm>
           <a:prstGeom prst="rect">
@@ -11924,7 +11863,7 @@
             </a:r>
             <a:r>
               <a:rPr lang="ko-KR" altLang="en-US" sz="2000" b="1" dirty="0" err="1"/>
-              <a:t>한줄평</a:t>
+              <a:t>기프티콘</a:t>
             </a:r>
             <a:r>
               <a:rPr lang="ko-KR" altLang="en-US" sz="2000" b="1" dirty="0"/>
@@ -11935,23 +11874,23 @@
       </p:sp>
       <p:cxnSp>
         <p:nvCxnSpPr>
-          <p:cNvPr id="244" name="연결선: 꺾임 243">
-            <a:extLst>
-              <a:ext uri="{FF2B5EF4-FFF2-40B4-BE49-F238E27FC236}">
-                <a16:creationId xmlns:a16="http://schemas.microsoft.com/office/drawing/2014/main" id="{166276B5-259C-47E7-A43D-3B9857DD984C}"/>
+          <p:cNvPr id="247" name="연결선: 꺾임 246">
+            <a:extLst>
+              <a:ext uri="{FF2B5EF4-FFF2-40B4-BE49-F238E27FC236}">
+                <a16:creationId xmlns:a16="http://schemas.microsoft.com/office/drawing/2014/main" id="{3A1052A4-BD3A-4DFC-90EC-55F6962A8FA9}"/>
               </a:ext>
             </a:extLst>
           </p:cNvPr>
           <p:cNvCxnSpPr>
-            <a:stCxn id="279" idx="2"/>
-            <a:endCxn id="200" idx="1"/>
+            <a:stCxn id="283" idx="2"/>
+            <a:endCxn id="214" idx="1"/>
           </p:cNvCxnSpPr>
           <p:nvPr/>
         </p:nvCxnSpPr>
         <p:spPr>
           <a:xfrm rot="16200000" flipH="1">
-            <a:off x="26603354" y="24861459"/>
-            <a:ext cx="529197" cy="479675"/>
+            <a:off x="28000164" y="28300493"/>
+            <a:ext cx="412708" cy="336866"/>
           </a:xfrm>
           <a:prstGeom prst="bentConnector2">
             <a:avLst/>
@@ -11974,10 +11913,10 @@
       </p:cxnSp>
       <p:sp>
         <p:nvSpPr>
-          <p:cNvPr id="283" name="직사각형 282">
-            <a:extLst>
-              <a:ext uri="{FF2B5EF4-FFF2-40B4-BE49-F238E27FC236}">
-                <a16:creationId xmlns:a16="http://schemas.microsoft.com/office/drawing/2014/main" id="{1B4C5D57-E9E4-47BC-8308-6BD9857F7646}"/>
+          <p:cNvPr id="287" name="직사각형 286">
+            <a:extLst>
+              <a:ext uri="{FF2B5EF4-FFF2-40B4-BE49-F238E27FC236}">
+                <a16:creationId xmlns:a16="http://schemas.microsoft.com/office/drawing/2014/main" id="{0A2584CA-C73A-4167-AE23-3439C5E6049E}"/>
               </a:ext>
             </a:extLst>
           </p:cNvPr>
@@ -11986,7 +11925,7 @@
         </p:nvSpPr>
         <p:spPr>
           <a:xfrm>
-            <a:off x="25818321" y="27843114"/>
+            <a:off x="27174216" y="31090618"/>
             <a:ext cx="1725804" cy="419458"/>
           </a:xfrm>
           <a:prstGeom prst="rect">
@@ -12019,38 +11958,30 @@
             <a:pPr algn="ctr"/>
             <a:r>
               <a:rPr lang="ko-KR" altLang="en-US" sz="2000" b="1" dirty="0"/>
-              <a:t>내 </a:t>
-            </a:r>
-            <a:r>
-              <a:rPr lang="ko-KR" altLang="en-US" sz="2000" b="1" dirty="0" err="1"/>
-              <a:t>기프티콘</a:t>
-            </a:r>
-            <a:r>
-              <a:rPr lang="ko-KR" altLang="en-US" sz="2000" b="1" dirty="0"/>
-              <a:t> 조회</a:t>
+              <a:t>내 건의사항 조회</a:t>
             </a:r>
           </a:p>
         </p:txBody>
       </p:sp>
       <p:cxnSp>
         <p:nvCxnSpPr>
-          <p:cNvPr id="247" name="연결선: 꺾임 246">
-            <a:extLst>
-              <a:ext uri="{FF2B5EF4-FFF2-40B4-BE49-F238E27FC236}">
-                <a16:creationId xmlns:a16="http://schemas.microsoft.com/office/drawing/2014/main" id="{3A1052A4-BD3A-4DFC-90EC-55F6962A8FA9}"/>
+          <p:cNvPr id="250" name="연결선: 꺾임 249">
+            <a:extLst>
+              <a:ext uri="{FF2B5EF4-FFF2-40B4-BE49-F238E27FC236}">
+                <a16:creationId xmlns:a16="http://schemas.microsoft.com/office/drawing/2014/main" id="{067135C8-1D3C-4D17-ACB6-E993BA90BA05}"/>
               </a:ext>
             </a:extLst>
           </p:cNvPr>
           <p:cNvCxnSpPr>
-            <a:stCxn id="283" idx="2"/>
-            <a:endCxn id="214" idx="1"/>
+            <a:stCxn id="178" idx="2"/>
+            <a:endCxn id="287" idx="1"/>
           </p:cNvCxnSpPr>
           <p:nvPr/>
         </p:nvCxnSpPr>
         <p:spPr>
           <a:xfrm rot="16200000" flipH="1">
-            <a:off x="26643302" y="28300493"/>
-            <a:ext cx="412708" cy="336866"/>
+            <a:off x="26693560" y="30819691"/>
+            <a:ext cx="574540" cy="386772"/>
           </a:xfrm>
           <a:prstGeom prst="bentConnector2">
             <a:avLst/>
@@ -12071,12 +12002,247 @@
           </a:fontRef>
         </p:style>
       </p:cxnSp>
-      <p:sp>
-        <p:nvSpPr>
-          <p:cNvPr id="287" name="직사각형 286">
-            <a:extLst>
-              <a:ext uri="{FF2B5EF4-FFF2-40B4-BE49-F238E27FC236}">
-                <a16:creationId xmlns:a16="http://schemas.microsoft.com/office/drawing/2014/main" id="{0A2584CA-C73A-4167-AE23-3439C5E6049E}"/>
+      <p:cxnSp>
+        <p:nvCxnSpPr>
+          <p:cNvPr id="252" name="연결선: 꺾임 251">
+            <a:extLst>
+              <a:ext uri="{FF2B5EF4-FFF2-40B4-BE49-F238E27FC236}">
+                <a16:creationId xmlns:a16="http://schemas.microsoft.com/office/drawing/2014/main" id="{BBB61D2A-9B02-42ED-A8DF-7E1547F6FB2D}"/>
+              </a:ext>
+            </a:extLst>
+          </p:cNvPr>
+          <p:cNvCxnSpPr>
+            <a:stCxn id="287" idx="2"/>
+            <a:endCxn id="207" idx="1"/>
+          </p:cNvCxnSpPr>
+          <p:nvPr/>
+        </p:nvCxnSpPr>
+        <p:spPr>
+          <a:xfrm rot="16200000" flipH="1">
+            <a:off x="27988984" y="31558210"/>
+            <a:ext cx="523822" cy="427554"/>
+          </a:xfrm>
+          <a:prstGeom prst="bentConnector2">
+            <a:avLst/>
+          </a:prstGeom>
+        </p:spPr>
+        <p:style>
+          <a:lnRef idx="1">
+            <a:schemeClr val="dk1"/>
+          </a:lnRef>
+          <a:fillRef idx="0">
+            <a:schemeClr val="dk1"/>
+          </a:fillRef>
+          <a:effectRef idx="0">
+            <a:schemeClr val="dk1"/>
+          </a:effectRef>
+          <a:fontRef idx="minor">
+            <a:schemeClr val="tx1"/>
+          </a:fontRef>
+        </p:style>
+      </p:cxnSp>
+      <p:cxnSp>
+        <p:nvCxnSpPr>
+          <p:cNvPr id="259" name="연결선: 꺾임 258">
+            <a:extLst>
+              <a:ext uri="{FF2B5EF4-FFF2-40B4-BE49-F238E27FC236}">
+                <a16:creationId xmlns:a16="http://schemas.microsoft.com/office/drawing/2014/main" id="{E263C0B0-6169-4FCF-B148-A983D099AC46}"/>
+              </a:ext>
+            </a:extLst>
+          </p:cNvPr>
+          <p:cNvCxnSpPr>
+            <a:stCxn id="339" idx="2"/>
+            <a:endCxn id="362" idx="0"/>
+          </p:cNvCxnSpPr>
+          <p:nvPr/>
+        </p:nvCxnSpPr>
+        <p:spPr>
+          <a:xfrm rot="16200000" flipH="1">
+            <a:off x="9974888" y="13706619"/>
+            <a:ext cx="1639469" cy="293340"/>
+          </a:xfrm>
+          <a:prstGeom prst="bentConnector3">
+            <a:avLst/>
+          </a:prstGeom>
+        </p:spPr>
+        <p:style>
+          <a:lnRef idx="1">
+            <a:schemeClr val="dk1"/>
+          </a:lnRef>
+          <a:fillRef idx="0">
+            <a:schemeClr val="dk1"/>
+          </a:fillRef>
+          <a:effectRef idx="0">
+            <a:schemeClr val="dk1"/>
+          </a:effectRef>
+          <a:fontRef idx="minor">
+            <a:schemeClr val="tx1"/>
+          </a:fontRef>
+        </p:style>
+      </p:cxnSp>
+      <p:cxnSp>
+        <p:nvCxnSpPr>
+          <p:cNvPr id="262" name="연결선: 꺾임 261">
+            <a:extLst>
+              <a:ext uri="{FF2B5EF4-FFF2-40B4-BE49-F238E27FC236}">
+                <a16:creationId xmlns:a16="http://schemas.microsoft.com/office/drawing/2014/main" id="{F3F2DFFD-7B6E-41DE-9244-7AD8A932FC87}"/>
+              </a:ext>
+            </a:extLst>
+          </p:cNvPr>
+          <p:cNvCxnSpPr>
+            <a:stCxn id="212" idx="2"/>
+            <a:endCxn id="171" idx="1"/>
+          </p:cNvCxnSpPr>
+          <p:nvPr/>
+        </p:nvCxnSpPr>
+        <p:spPr>
+          <a:xfrm rot="16200000" flipH="1">
+            <a:off x="23000604" y="17737822"/>
+            <a:ext cx="5588587" cy="206518"/>
+          </a:xfrm>
+          <a:prstGeom prst="bentConnector2">
+            <a:avLst/>
+          </a:prstGeom>
+        </p:spPr>
+        <p:style>
+          <a:lnRef idx="1">
+            <a:schemeClr val="dk1"/>
+          </a:lnRef>
+          <a:fillRef idx="0">
+            <a:schemeClr val="dk1"/>
+          </a:fillRef>
+          <a:effectRef idx="0">
+            <a:schemeClr val="dk1"/>
+          </a:effectRef>
+          <a:fontRef idx="minor">
+            <a:schemeClr val="tx1"/>
+          </a:fontRef>
+        </p:style>
+      </p:cxnSp>
+      <p:cxnSp>
+        <p:nvCxnSpPr>
+          <p:cNvPr id="265" name="연결선: 꺾임 264">
+            <a:extLst>
+              <a:ext uri="{FF2B5EF4-FFF2-40B4-BE49-F238E27FC236}">
+                <a16:creationId xmlns:a16="http://schemas.microsoft.com/office/drawing/2014/main" id="{4BA5F18C-90EC-4117-BC9E-417141D325B7}"/>
+              </a:ext>
+            </a:extLst>
+          </p:cNvPr>
+          <p:cNvCxnSpPr>
+            <a:stCxn id="212" idx="2"/>
+            <a:endCxn id="173" idx="1"/>
+          </p:cNvCxnSpPr>
+          <p:nvPr/>
+        </p:nvCxnSpPr>
+        <p:spPr>
+          <a:xfrm rot="16200000" flipH="1">
+            <a:off x="21475178" y="19263248"/>
+            <a:ext cx="8639439" cy="206518"/>
+          </a:xfrm>
+          <a:prstGeom prst="bentConnector2">
+            <a:avLst/>
+          </a:prstGeom>
+        </p:spPr>
+        <p:style>
+          <a:lnRef idx="1">
+            <a:schemeClr val="dk1"/>
+          </a:lnRef>
+          <a:fillRef idx="0">
+            <a:schemeClr val="dk1"/>
+          </a:fillRef>
+          <a:effectRef idx="0">
+            <a:schemeClr val="dk1"/>
+          </a:effectRef>
+          <a:fontRef idx="minor">
+            <a:schemeClr val="tx1"/>
+          </a:fontRef>
+        </p:style>
+      </p:cxnSp>
+      <p:cxnSp>
+        <p:nvCxnSpPr>
+          <p:cNvPr id="267" name="연결선: 꺾임 266">
+            <a:extLst>
+              <a:ext uri="{FF2B5EF4-FFF2-40B4-BE49-F238E27FC236}">
+                <a16:creationId xmlns:a16="http://schemas.microsoft.com/office/drawing/2014/main" id="{369F9BD1-8DC3-4A63-8769-AD4A61497B54}"/>
+              </a:ext>
+            </a:extLst>
+          </p:cNvPr>
+          <p:cNvCxnSpPr>
+            <a:stCxn id="212" idx="2"/>
+            <a:endCxn id="175" idx="1"/>
+          </p:cNvCxnSpPr>
+          <p:nvPr/>
+        </p:nvCxnSpPr>
+        <p:spPr>
+          <a:xfrm rot="16200000" flipH="1">
+            <a:off x="19667612" y="21070813"/>
+            <a:ext cx="12233960" cy="185909"/>
+          </a:xfrm>
+          <a:prstGeom prst="bentConnector2">
+            <a:avLst/>
+          </a:prstGeom>
+        </p:spPr>
+        <p:style>
+          <a:lnRef idx="1">
+            <a:schemeClr val="dk1"/>
+          </a:lnRef>
+          <a:fillRef idx="0">
+            <a:schemeClr val="dk1"/>
+          </a:fillRef>
+          <a:effectRef idx="0">
+            <a:schemeClr val="dk1"/>
+          </a:effectRef>
+          <a:fontRef idx="minor">
+            <a:schemeClr val="tx1"/>
+          </a:fontRef>
+        </p:style>
+      </p:cxnSp>
+      <p:cxnSp>
+        <p:nvCxnSpPr>
+          <p:cNvPr id="269" name="연결선: 꺾임 268">
+            <a:extLst>
+              <a:ext uri="{FF2B5EF4-FFF2-40B4-BE49-F238E27FC236}">
+                <a16:creationId xmlns:a16="http://schemas.microsoft.com/office/drawing/2014/main" id="{5939E9B3-58A5-4D4D-9D35-53B027F4575C}"/>
+              </a:ext>
+            </a:extLst>
+          </p:cNvPr>
+          <p:cNvCxnSpPr>
+            <a:cxnSpLocks/>
+            <a:stCxn id="212" idx="2"/>
+            <a:endCxn id="178" idx="1"/>
+          </p:cNvCxnSpPr>
+          <p:nvPr/>
+        </p:nvCxnSpPr>
+        <p:spPr>
+          <a:xfrm rot="16200000" flipH="1">
+            <a:off x="18073445" y="22664981"/>
+            <a:ext cx="15469290" cy="232904"/>
+          </a:xfrm>
+          <a:prstGeom prst="bentConnector2">
+            <a:avLst/>
+          </a:prstGeom>
+        </p:spPr>
+        <p:style>
+          <a:lnRef idx="1">
+            <a:schemeClr val="dk1"/>
+          </a:lnRef>
+          <a:fillRef idx="0">
+            <a:schemeClr val="dk1"/>
+          </a:fillRef>
+          <a:effectRef idx="0">
+            <a:schemeClr val="dk1"/>
+          </a:effectRef>
+          <a:fontRef idx="minor">
+            <a:schemeClr val="tx1"/>
+          </a:fontRef>
+        </p:style>
+      </p:cxnSp>
+      <p:sp>
+        <p:nvSpPr>
+          <p:cNvPr id="306" name="직사각형 305">
+            <a:extLst>
+              <a:ext uri="{FF2B5EF4-FFF2-40B4-BE49-F238E27FC236}">
+                <a16:creationId xmlns:a16="http://schemas.microsoft.com/office/drawing/2014/main" id="{1BC8CBB8-9841-4309-A57B-FFDECD1139A4}"/>
               </a:ext>
             </a:extLst>
           </p:cNvPr>
@@ -12085,8 +12251,8 @@
         </p:nvSpPr>
         <p:spPr>
           <a:xfrm>
-            <a:off x="25817354" y="31090618"/>
-            <a:ext cx="1725804" cy="419458"/>
+            <a:off x="20824194" y="16205782"/>
+            <a:ext cx="2020114" cy="419458"/>
           </a:xfrm>
           <a:prstGeom prst="rect">
             <a:avLst/>
@@ -12118,30 +12284,30 @@
             <a:pPr algn="ctr"/>
             <a:r>
               <a:rPr lang="ko-KR" altLang="en-US" sz="2000" b="1" dirty="0"/>
-              <a:t>내 건의사항 조회</a:t>
+              <a:t>건의사항 조회</a:t>
             </a:r>
           </a:p>
         </p:txBody>
       </p:sp>
       <p:cxnSp>
         <p:nvCxnSpPr>
-          <p:cNvPr id="250" name="연결선: 꺾임 249">
-            <a:extLst>
-              <a:ext uri="{FF2B5EF4-FFF2-40B4-BE49-F238E27FC236}">
-                <a16:creationId xmlns:a16="http://schemas.microsoft.com/office/drawing/2014/main" id="{067135C8-1D3C-4D17-ACB6-E993BA90BA05}"/>
+          <p:cNvPr id="272" name="연결선: 꺾임 271">
+            <a:extLst>
+              <a:ext uri="{FF2B5EF4-FFF2-40B4-BE49-F238E27FC236}">
+                <a16:creationId xmlns:a16="http://schemas.microsoft.com/office/drawing/2014/main" id="{8AE19040-7E79-449F-A681-3A93D257DC7D}"/>
               </a:ext>
             </a:extLst>
           </p:cNvPr>
           <p:cNvCxnSpPr>
-            <a:stCxn id="178" idx="2"/>
-            <a:endCxn id="287" idx="1"/>
+            <a:stCxn id="366" idx="2"/>
+            <a:endCxn id="306" idx="1"/>
           </p:cNvCxnSpPr>
           <p:nvPr/>
         </p:nvCxnSpPr>
         <p:spPr>
           <a:xfrm rot="16200000" flipH="1">
-            <a:off x="25336698" y="30819691"/>
-            <a:ext cx="574540" cy="386772"/>
+            <a:off x="20013485" y="15604801"/>
+            <a:ext cx="1368723" cy="252695"/>
           </a:xfrm>
           <a:prstGeom prst="bentConnector2">
             <a:avLst/>
@@ -12164,23 +12330,23 @@
       </p:cxnSp>
       <p:cxnSp>
         <p:nvCxnSpPr>
-          <p:cNvPr id="252" name="연결선: 꺾임 251">
-            <a:extLst>
-              <a:ext uri="{FF2B5EF4-FFF2-40B4-BE49-F238E27FC236}">
-                <a16:creationId xmlns:a16="http://schemas.microsoft.com/office/drawing/2014/main" id="{BBB61D2A-9B02-42ED-A8DF-7E1547F6FB2D}"/>
+          <p:cNvPr id="274" name="연결선: 꺾임 273">
+            <a:extLst>
+              <a:ext uri="{FF2B5EF4-FFF2-40B4-BE49-F238E27FC236}">
+                <a16:creationId xmlns:a16="http://schemas.microsoft.com/office/drawing/2014/main" id="{7986EB70-620A-40C7-A3DC-3A1B18E58B62}"/>
               </a:ext>
             </a:extLst>
           </p:cNvPr>
           <p:cNvCxnSpPr>
-            <a:stCxn id="287" idx="2"/>
-            <a:endCxn id="207" idx="1"/>
+            <a:stCxn id="306" idx="2"/>
+            <a:endCxn id="430" idx="1"/>
           </p:cNvCxnSpPr>
           <p:nvPr/>
         </p:nvCxnSpPr>
         <p:spPr>
           <a:xfrm rot="16200000" flipH="1">
-            <a:off x="26632122" y="31558210"/>
-            <a:ext cx="523822" cy="427554"/>
+            <a:off x="21713500" y="16745990"/>
+            <a:ext cx="472120" cy="230619"/>
           </a:xfrm>
           <a:prstGeom prst="bentConnector2">
             <a:avLst/>
@@ -12201,208 +12367,12 @@
           </a:fontRef>
         </p:style>
       </p:cxnSp>
-      <p:cxnSp>
-        <p:nvCxnSpPr>
-          <p:cNvPr id="259" name="연결선: 꺾임 258">
-            <a:extLst>
-              <a:ext uri="{FF2B5EF4-FFF2-40B4-BE49-F238E27FC236}">
-                <a16:creationId xmlns:a16="http://schemas.microsoft.com/office/drawing/2014/main" id="{E263C0B0-6169-4FCF-B148-A983D099AC46}"/>
-              </a:ext>
-            </a:extLst>
-          </p:cNvPr>
-          <p:cNvCxnSpPr>
-            <a:stCxn id="339" idx="2"/>
-            <a:endCxn id="362" idx="0"/>
-          </p:cNvCxnSpPr>
-          <p:nvPr/>
-        </p:nvCxnSpPr>
-        <p:spPr>
-          <a:xfrm rot="16200000" flipH="1">
-            <a:off x="9974888" y="13706619"/>
-            <a:ext cx="1639469" cy="293340"/>
-          </a:xfrm>
-          <a:prstGeom prst="bentConnector3">
-            <a:avLst/>
-          </a:prstGeom>
-        </p:spPr>
-        <p:style>
-          <a:lnRef idx="1">
-            <a:schemeClr val="dk1"/>
-          </a:lnRef>
-          <a:fillRef idx="0">
-            <a:schemeClr val="dk1"/>
-          </a:fillRef>
-          <a:effectRef idx="0">
-            <a:schemeClr val="dk1"/>
-          </a:effectRef>
-          <a:fontRef idx="minor">
-            <a:schemeClr val="tx1"/>
-          </a:fontRef>
-        </p:style>
-      </p:cxnSp>
-      <p:cxnSp>
-        <p:nvCxnSpPr>
-          <p:cNvPr id="262" name="연결선: 꺾임 261">
-            <a:extLst>
-              <a:ext uri="{FF2B5EF4-FFF2-40B4-BE49-F238E27FC236}">
-                <a16:creationId xmlns:a16="http://schemas.microsoft.com/office/drawing/2014/main" id="{F3F2DFFD-7B6E-41DE-9244-7AD8A932FC87}"/>
-              </a:ext>
-            </a:extLst>
-          </p:cNvPr>
-          <p:cNvCxnSpPr>
-            <a:stCxn id="212" idx="2"/>
-            <a:endCxn id="171" idx="1"/>
-          </p:cNvCxnSpPr>
-          <p:nvPr/>
-        </p:nvCxnSpPr>
-        <p:spPr>
-          <a:xfrm rot="16200000" flipH="1">
-            <a:off x="21643742" y="17737822"/>
-            <a:ext cx="5588587" cy="206518"/>
-          </a:xfrm>
-          <a:prstGeom prst="bentConnector2">
-            <a:avLst/>
-          </a:prstGeom>
-        </p:spPr>
-        <p:style>
-          <a:lnRef idx="1">
-            <a:schemeClr val="dk1"/>
-          </a:lnRef>
-          <a:fillRef idx="0">
-            <a:schemeClr val="dk1"/>
-          </a:fillRef>
-          <a:effectRef idx="0">
-            <a:schemeClr val="dk1"/>
-          </a:effectRef>
-          <a:fontRef idx="minor">
-            <a:schemeClr val="tx1"/>
-          </a:fontRef>
-        </p:style>
-      </p:cxnSp>
-      <p:cxnSp>
-        <p:nvCxnSpPr>
-          <p:cNvPr id="265" name="연결선: 꺾임 264">
-            <a:extLst>
-              <a:ext uri="{FF2B5EF4-FFF2-40B4-BE49-F238E27FC236}">
-                <a16:creationId xmlns:a16="http://schemas.microsoft.com/office/drawing/2014/main" id="{4BA5F18C-90EC-4117-BC9E-417141D325B7}"/>
-              </a:ext>
-            </a:extLst>
-          </p:cNvPr>
-          <p:cNvCxnSpPr>
-            <a:stCxn id="212" idx="2"/>
-            <a:endCxn id="173" idx="1"/>
-          </p:cNvCxnSpPr>
-          <p:nvPr/>
-        </p:nvCxnSpPr>
-        <p:spPr>
-          <a:xfrm rot="16200000" flipH="1">
-            <a:off x="20118316" y="19263248"/>
-            <a:ext cx="8639439" cy="206518"/>
-          </a:xfrm>
-          <a:prstGeom prst="bentConnector2">
-            <a:avLst/>
-          </a:prstGeom>
-        </p:spPr>
-        <p:style>
-          <a:lnRef idx="1">
-            <a:schemeClr val="dk1"/>
-          </a:lnRef>
-          <a:fillRef idx="0">
-            <a:schemeClr val="dk1"/>
-          </a:fillRef>
-          <a:effectRef idx="0">
-            <a:schemeClr val="dk1"/>
-          </a:effectRef>
-          <a:fontRef idx="minor">
-            <a:schemeClr val="tx1"/>
-          </a:fontRef>
-        </p:style>
-      </p:cxnSp>
-      <p:cxnSp>
-        <p:nvCxnSpPr>
-          <p:cNvPr id="267" name="연결선: 꺾임 266">
-            <a:extLst>
-              <a:ext uri="{FF2B5EF4-FFF2-40B4-BE49-F238E27FC236}">
-                <a16:creationId xmlns:a16="http://schemas.microsoft.com/office/drawing/2014/main" id="{369F9BD1-8DC3-4A63-8769-AD4A61497B54}"/>
-              </a:ext>
-            </a:extLst>
-          </p:cNvPr>
-          <p:cNvCxnSpPr>
-            <a:stCxn id="212" idx="2"/>
-            <a:endCxn id="175" idx="1"/>
-          </p:cNvCxnSpPr>
-          <p:nvPr/>
-        </p:nvCxnSpPr>
-        <p:spPr>
-          <a:xfrm rot="16200000" flipH="1">
-            <a:off x="18310750" y="21070813"/>
-            <a:ext cx="12233960" cy="185909"/>
-          </a:xfrm>
-          <a:prstGeom prst="bentConnector2">
-            <a:avLst/>
-          </a:prstGeom>
-        </p:spPr>
-        <p:style>
-          <a:lnRef idx="1">
-            <a:schemeClr val="dk1"/>
-          </a:lnRef>
-          <a:fillRef idx="0">
-            <a:schemeClr val="dk1"/>
-          </a:fillRef>
-          <a:effectRef idx="0">
-            <a:schemeClr val="dk1"/>
-          </a:effectRef>
-          <a:fontRef idx="minor">
-            <a:schemeClr val="tx1"/>
-          </a:fontRef>
-        </p:style>
-      </p:cxnSp>
-      <p:cxnSp>
-        <p:nvCxnSpPr>
-          <p:cNvPr id="269" name="연결선: 꺾임 268">
-            <a:extLst>
-              <a:ext uri="{FF2B5EF4-FFF2-40B4-BE49-F238E27FC236}">
-                <a16:creationId xmlns:a16="http://schemas.microsoft.com/office/drawing/2014/main" id="{5939E9B3-58A5-4D4D-9D35-53B027F4575C}"/>
-              </a:ext>
-            </a:extLst>
-          </p:cNvPr>
-          <p:cNvCxnSpPr>
-            <a:cxnSpLocks/>
-            <a:stCxn id="212" idx="2"/>
-            <a:endCxn id="178" idx="1"/>
-          </p:cNvCxnSpPr>
-          <p:nvPr/>
-        </p:nvCxnSpPr>
-        <p:spPr>
-          <a:xfrm rot="16200000" flipH="1">
-            <a:off x="16716583" y="22664981"/>
-            <a:ext cx="15469290" cy="232904"/>
-          </a:xfrm>
-          <a:prstGeom prst="bentConnector2">
-            <a:avLst/>
-          </a:prstGeom>
-        </p:spPr>
-        <p:style>
-          <a:lnRef idx="1">
-            <a:schemeClr val="dk1"/>
-          </a:lnRef>
-          <a:fillRef idx="0">
-            <a:schemeClr val="dk1"/>
-          </a:fillRef>
-          <a:effectRef idx="0">
-            <a:schemeClr val="dk1"/>
-          </a:effectRef>
-          <a:fontRef idx="minor">
-            <a:schemeClr val="tx1"/>
-          </a:fontRef>
-        </p:style>
-      </p:cxnSp>
-      <p:sp>
-        <p:nvSpPr>
-          <p:cNvPr id="306" name="직사각형 305">
-            <a:extLst>
-              <a:ext uri="{FF2B5EF4-FFF2-40B4-BE49-F238E27FC236}">
-                <a16:creationId xmlns:a16="http://schemas.microsoft.com/office/drawing/2014/main" id="{1BC8CBB8-9841-4309-A57B-FFDECD1139A4}"/>
+      <p:sp>
+        <p:nvSpPr>
+          <p:cNvPr id="311" name="직사각형 310">
+            <a:extLst>
+              <a:ext uri="{FF2B5EF4-FFF2-40B4-BE49-F238E27FC236}">
+                <a16:creationId xmlns:a16="http://schemas.microsoft.com/office/drawing/2014/main" id="{6F482912-BBD6-4127-B2AE-57D9CC32ABC4}"/>
               </a:ext>
             </a:extLst>
           </p:cNvPr>
@@ -12411,8 +12381,8 @@
         </p:nvSpPr>
         <p:spPr>
           <a:xfrm>
-            <a:off x="19290359" y="16205782"/>
-            <a:ext cx="2020114" cy="419458"/>
+            <a:off x="15067259" y="16161065"/>
+            <a:ext cx="1484457" cy="419458"/>
           </a:xfrm>
           <a:prstGeom prst="rect">
             <a:avLst/>
@@ -12444,30 +12414,38 @@
             <a:pPr algn="ctr"/>
             <a:r>
               <a:rPr lang="ko-KR" altLang="en-US" sz="2000" b="1" dirty="0"/>
-              <a:t>건의사항 조회</a:t>
-            </a:r>
+              <a:t>할인정보</a:t>
+            </a:r>
+            <a:br>
+              <a:rPr lang="en-US" altLang="ko-KR" sz="2000" b="1" dirty="0"/>
+            </a:br>
+            <a:r>
+              <a:rPr lang="ko-KR" altLang="en-US" sz="2000" b="1" dirty="0"/>
+              <a:t>상세보기</a:t>
+            </a:r>
+            <a:endParaRPr lang="en-US" altLang="ko-KR" sz="2000" b="1" dirty="0"/>
           </a:p>
         </p:txBody>
       </p:sp>
       <p:cxnSp>
         <p:nvCxnSpPr>
-          <p:cNvPr id="272" name="연결선: 꺾임 271">
-            <a:extLst>
-              <a:ext uri="{FF2B5EF4-FFF2-40B4-BE49-F238E27FC236}">
-                <a16:creationId xmlns:a16="http://schemas.microsoft.com/office/drawing/2014/main" id="{8AE19040-7E79-449F-A681-3A93D257DC7D}"/>
+          <p:cNvPr id="277" name="연결선: 꺾임 276">
+            <a:extLst>
+              <a:ext uri="{FF2B5EF4-FFF2-40B4-BE49-F238E27FC236}">
+                <a16:creationId xmlns:a16="http://schemas.microsoft.com/office/drawing/2014/main" id="{E9C375BE-0069-4EC3-BD58-5457AB41EE92}"/>
               </a:ext>
             </a:extLst>
           </p:cNvPr>
           <p:cNvCxnSpPr>
-            <a:stCxn id="366" idx="2"/>
-            <a:endCxn id="306" idx="1"/>
+            <a:stCxn id="161" idx="2"/>
+            <a:endCxn id="311" idx="1"/>
           </p:cNvCxnSpPr>
           <p:nvPr/>
         </p:nvCxnSpPr>
         <p:spPr>
           <a:xfrm rot="16200000" flipH="1">
-            <a:off x="18479650" y="15604801"/>
-            <a:ext cx="1368723" cy="252695"/>
+            <a:off x="14563410" y="15866944"/>
+            <a:ext cx="592691" cy="415008"/>
           </a:xfrm>
           <a:prstGeom prst="bentConnector2">
             <a:avLst/>
@@ -12490,25 +12468,25 @@
       </p:cxnSp>
       <p:cxnSp>
         <p:nvCxnSpPr>
-          <p:cNvPr id="274" name="연결선: 꺾임 273">
-            <a:extLst>
-              <a:ext uri="{FF2B5EF4-FFF2-40B4-BE49-F238E27FC236}">
-                <a16:creationId xmlns:a16="http://schemas.microsoft.com/office/drawing/2014/main" id="{7986EB70-620A-40C7-A3DC-3A1B18E58B62}"/>
+          <p:cNvPr id="281" name="연결선: 꺾임 280">
+            <a:extLst>
+              <a:ext uri="{FF2B5EF4-FFF2-40B4-BE49-F238E27FC236}">
+                <a16:creationId xmlns:a16="http://schemas.microsoft.com/office/drawing/2014/main" id="{7EDA0B3F-D45C-4A10-853C-C60226319CA6}"/>
               </a:ext>
             </a:extLst>
           </p:cNvPr>
           <p:cNvCxnSpPr>
-            <a:stCxn id="306" idx="2"/>
-            <a:endCxn id="430" idx="1"/>
+            <a:stCxn id="339" idx="2"/>
+            <a:endCxn id="363" idx="0"/>
           </p:cNvCxnSpPr>
           <p:nvPr/>
         </p:nvCxnSpPr>
         <p:spPr>
           <a:xfrm rot="16200000" flipH="1">
-            <a:off x="20179665" y="16745990"/>
-            <a:ext cx="472120" cy="230619"/>
-          </a:xfrm>
-          <a:prstGeom prst="bentConnector2">
+            <a:off x="11379682" y="12301824"/>
+            <a:ext cx="1625834" cy="3089295"/>
+          </a:xfrm>
+          <a:prstGeom prst="bentConnector3">
             <a:avLst/>
           </a:prstGeom>
         </p:spPr>
@@ -12529,10 +12507,10 @@
       </p:cxnSp>
       <p:sp>
         <p:nvSpPr>
-          <p:cNvPr id="311" name="직사각형 310">
-            <a:extLst>
-              <a:ext uri="{FF2B5EF4-FFF2-40B4-BE49-F238E27FC236}">
-                <a16:creationId xmlns:a16="http://schemas.microsoft.com/office/drawing/2014/main" id="{6F482912-BBD6-4127-B2AE-57D9CC32ABC4}"/>
+          <p:cNvPr id="318" name="직사각형 317">
+            <a:extLst>
+              <a:ext uri="{FF2B5EF4-FFF2-40B4-BE49-F238E27FC236}">
+                <a16:creationId xmlns:a16="http://schemas.microsoft.com/office/drawing/2014/main" id="{C49D84CC-3461-4B7A-9CDC-530125A7C615}"/>
               </a:ext>
             </a:extLst>
           </p:cNvPr>
@@ -12541,7 +12519,7 @@
         </p:nvSpPr>
         <p:spPr>
           <a:xfrm>
-            <a:off x="15067259" y="16161065"/>
+            <a:off x="11319582" y="15422042"/>
             <a:ext cx="1484457" cy="419458"/>
           </a:xfrm>
           <a:prstGeom prst="rect">
@@ -12574,14 +12552,7 @@
             <a:pPr algn="ctr"/>
             <a:r>
               <a:rPr lang="ko-KR" altLang="en-US" sz="2000" b="1" dirty="0"/>
-              <a:t>할인정보</a:t>
-            </a:r>
-            <a:br>
-              <a:rPr lang="en-US" altLang="ko-KR" sz="2000" b="1" dirty="0"/>
-            </a:br>
-            <a:r>
-              <a:rPr lang="ko-KR" altLang="en-US" sz="2000" b="1" dirty="0"/>
-              <a:t>상세보기</a:t>
+              <a:t>공지사항조회</a:t>
             </a:r>
             <a:endParaRPr lang="en-US" altLang="ko-KR" sz="2000" b="1" dirty="0"/>
           </a:p>
@@ -12589,23 +12560,23 @@
       </p:sp>
       <p:cxnSp>
         <p:nvCxnSpPr>
-          <p:cNvPr id="277" name="연결선: 꺾임 276">
-            <a:extLst>
-              <a:ext uri="{FF2B5EF4-FFF2-40B4-BE49-F238E27FC236}">
-                <a16:creationId xmlns:a16="http://schemas.microsoft.com/office/drawing/2014/main" id="{E9C375BE-0069-4EC3-BD58-5457AB41EE92}"/>
+          <p:cNvPr id="285" name="연결선: 꺾임 284">
+            <a:extLst>
+              <a:ext uri="{FF2B5EF4-FFF2-40B4-BE49-F238E27FC236}">
+                <a16:creationId xmlns:a16="http://schemas.microsoft.com/office/drawing/2014/main" id="{4265C116-1B5F-4B9C-BFBF-E06273C47EA6}"/>
               </a:ext>
             </a:extLst>
           </p:cNvPr>
           <p:cNvCxnSpPr>
-            <a:stCxn id="161" idx="2"/>
-            <a:endCxn id="311" idx="1"/>
+            <a:stCxn id="362" idx="2"/>
+            <a:endCxn id="318" idx="1"/>
           </p:cNvCxnSpPr>
           <p:nvPr/>
         </p:nvCxnSpPr>
         <p:spPr>
           <a:xfrm rot="16200000" flipH="1">
-            <a:off x="14563410" y="15866944"/>
-            <a:ext cx="592691" cy="415008"/>
+            <a:off x="10860793" y="15172981"/>
+            <a:ext cx="539289" cy="378290"/>
           </a:xfrm>
           <a:prstGeom prst="bentConnector2">
             <a:avLst/>
@@ -12628,25 +12599,25 @@
       </p:cxnSp>
       <p:cxnSp>
         <p:nvCxnSpPr>
-          <p:cNvPr id="281" name="연결선: 꺾임 280">
-            <a:extLst>
-              <a:ext uri="{FF2B5EF4-FFF2-40B4-BE49-F238E27FC236}">
-                <a16:creationId xmlns:a16="http://schemas.microsoft.com/office/drawing/2014/main" id="{7EDA0B3F-D45C-4A10-853C-C60226319CA6}"/>
+          <p:cNvPr id="288" name="연결선: 꺾임 287">
+            <a:extLst>
+              <a:ext uri="{FF2B5EF4-FFF2-40B4-BE49-F238E27FC236}">
+                <a16:creationId xmlns:a16="http://schemas.microsoft.com/office/drawing/2014/main" id="{7EEAAF3B-1E86-4A07-8033-33D5A840E497}"/>
               </a:ext>
             </a:extLst>
           </p:cNvPr>
           <p:cNvCxnSpPr>
-            <a:stCxn id="339" idx="2"/>
-            <a:endCxn id="363" idx="0"/>
+            <a:stCxn id="318" idx="2"/>
+            <a:endCxn id="155" idx="1"/>
           </p:cNvCxnSpPr>
           <p:nvPr/>
         </p:nvCxnSpPr>
         <p:spPr>
           <a:xfrm rot="16200000" flipH="1">
-            <a:off x="11379682" y="12301824"/>
-            <a:ext cx="1625834" cy="3089295"/>
-          </a:xfrm>
-          <a:prstGeom prst="bentConnector3">
+            <a:off x="11946773" y="15956538"/>
+            <a:ext cx="564116" cy="334040"/>
+          </a:xfrm>
+          <a:prstGeom prst="bentConnector2">
             <a:avLst/>
           </a:prstGeom>
         </p:spPr>
@@ -12667,10 +12638,10 @@
       </p:cxnSp>
       <p:sp>
         <p:nvSpPr>
-          <p:cNvPr id="318" name="직사각형 317">
-            <a:extLst>
-              <a:ext uri="{FF2B5EF4-FFF2-40B4-BE49-F238E27FC236}">
-                <a16:creationId xmlns:a16="http://schemas.microsoft.com/office/drawing/2014/main" id="{C49D84CC-3461-4B7A-9CDC-530125A7C615}"/>
+          <p:cNvPr id="223" name="직사각형 222">
+            <a:extLst>
+              <a:ext uri="{FF2B5EF4-FFF2-40B4-BE49-F238E27FC236}">
+                <a16:creationId xmlns:a16="http://schemas.microsoft.com/office/drawing/2014/main" id="{21663B32-CDF8-416D-9F78-293E468AF714}"/>
               </a:ext>
             </a:extLst>
           </p:cNvPr>
@@ -12679,7 +12650,7 @@
         </p:nvSpPr>
         <p:spPr>
           <a:xfrm>
-            <a:off x="11319582" y="15422042"/>
+            <a:off x="14360685" y="8029646"/>
             <a:ext cx="1484457" cy="419458"/>
           </a:xfrm>
           <a:prstGeom prst="rect">
@@ -12711,32 +12682,31 @@
           <a:p>
             <a:pPr algn="ctr"/>
             <a:r>
-              <a:rPr lang="ko-KR" altLang="en-US" sz="2000" b="1" dirty="0"/>
-              <a:t>공지사항조회</a:t>
-            </a:r>
-            <a:endParaRPr lang="en-US" altLang="ko-KR" sz="2000" b="1" dirty="0"/>
+              <a:rPr lang="ko-KR" altLang="en-US" sz="2000" b="1"/>
+              <a:t>공지사항 상세보기</a:t>
+            </a:r>
           </a:p>
         </p:txBody>
       </p:sp>
       <p:cxnSp>
         <p:nvCxnSpPr>
-          <p:cNvPr id="285" name="연결선: 꺾임 284">
-            <a:extLst>
-              <a:ext uri="{FF2B5EF4-FFF2-40B4-BE49-F238E27FC236}">
-                <a16:creationId xmlns:a16="http://schemas.microsoft.com/office/drawing/2014/main" id="{4265C116-1B5F-4B9C-BFBF-E06273C47EA6}"/>
+          <p:cNvPr id="3" name="연결선: 꺾임 2">
+            <a:extLst>
+              <a:ext uri="{FF2B5EF4-FFF2-40B4-BE49-F238E27FC236}">
+                <a16:creationId xmlns:a16="http://schemas.microsoft.com/office/drawing/2014/main" id="{9DC9B8D0-4FBC-4F97-9420-69D655D1F9A6}"/>
               </a:ext>
             </a:extLst>
           </p:cNvPr>
           <p:cNvCxnSpPr>
-            <a:stCxn id="362" idx="2"/>
-            <a:endCxn id="318" idx="1"/>
+            <a:stCxn id="548" idx="2"/>
+            <a:endCxn id="223" idx="1"/>
           </p:cNvCxnSpPr>
           <p:nvPr/>
         </p:nvCxnSpPr>
         <p:spPr>
           <a:xfrm rot="16200000" flipH="1">
-            <a:off x="10860793" y="15172981"/>
-            <a:ext cx="539289" cy="378290"/>
+            <a:off x="13897417" y="7776106"/>
+            <a:ext cx="592691" cy="333846"/>
           </a:xfrm>
           <a:prstGeom prst="bentConnector2">
             <a:avLst/>
@@ -12744,13 +12714,367 @@
         </p:spPr>
         <p:style>
           <a:lnRef idx="1">
-            <a:schemeClr val="dk1"/>
+            <a:schemeClr val="accent1"/>
           </a:lnRef>
           <a:fillRef idx="0">
-            <a:schemeClr val="dk1"/>
-          </a:fillRef>
-          <a:effectRef idx="0">
-            <a:schemeClr val="dk1"/>
+            <a:schemeClr val="accent1"/>
+          </a:fillRef>
+          <a:effectRef idx="0">
+            <a:schemeClr val="accent1"/>
+          </a:effectRef>
+          <a:fontRef idx="minor">
+            <a:schemeClr val="tx1"/>
+          </a:fontRef>
+        </p:style>
+      </p:cxnSp>
+      <p:sp>
+        <p:nvSpPr>
+          <p:cNvPr id="224" name="직사각형 223">
+            <a:extLst>
+              <a:ext uri="{FF2B5EF4-FFF2-40B4-BE49-F238E27FC236}">
+                <a16:creationId xmlns:a16="http://schemas.microsoft.com/office/drawing/2014/main" id="{EEB16E34-20A9-411E-A70F-5793385D4DFB}"/>
+              </a:ext>
+            </a:extLst>
+          </p:cNvPr>
+          <p:cNvSpPr/>
+          <p:nvPr/>
+        </p:nvSpPr>
+        <p:spPr>
+          <a:xfrm>
+            <a:off x="17427026" y="8002404"/>
+            <a:ext cx="1484457" cy="419458"/>
+          </a:xfrm>
+          <a:prstGeom prst="rect">
+            <a:avLst/>
+          </a:prstGeom>
+        </p:spPr>
+        <p:style>
+          <a:lnRef idx="2">
+            <a:schemeClr val="dk1"/>
+          </a:lnRef>
+          <a:fillRef idx="1">
+            <a:schemeClr val="lt1"/>
+          </a:fillRef>
+          <a:effectRef idx="0">
+            <a:schemeClr val="dk1"/>
+          </a:effectRef>
+          <a:fontRef idx="minor">
+            <a:schemeClr val="dk1"/>
+          </a:fontRef>
+        </p:style>
+        <p:txBody>
+          <a:bodyPr rot="0" spcFirstLastPara="0" vertOverflow="overflow" horzOverflow="overflow" vert="horz" wrap="square" lIns="182869" tIns="91446" rIns="182869" bIns="91446" numCol="1" spcCol="0" rtlCol="0" fromWordArt="0" anchor="ctr" anchorCtr="0" forceAA="0" compatLnSpc="1">
+            <a:prstTxWarp prst="textNoShape">
+              <a:avLst/>
+            </a:prstTxWarp>
+            <a:noAutofit/>
+          </a:bodyPr>
+          <a:lstStyle/>
+          <a:p>
+            <a:pPr algn="ctr"/>
+            <a:r>
+              <a:rPr lang="ko-KR" altLang="en-US" sz="2000" b="1" dirty="0"/>
+              <a:t>할인정보</a:t>
+            </a:r>
+            <a:br>
+              <a:rPr lang="en-US" altLang="ko-KR" sz="2000" b="1" dirty="0"/>
+            </a:br>
+            <a:r>
+              <a:rPr lang="ko-KR" altLang="en-US" sz="2000" b="1" dirty="0"/>
+              <a:t>상세보기</a:t>
+            </a:r>
+            <a:endParaRPr lang="en-US" altLang="ko-KR" sz="2000" b="1" dirty="0"/>
+          </a:p>
+        </p:txBody>
+      </p:sp>
+      <p:cxnSp>
+        <p:nvCxnSpPr>
+          <p:cNvPr id="6" name="연결선: 꺾임 5">
+            <a:extLst>
+              <a:ext uri="{FF2B5EF4-FFF2-40B4-BE49-F238E27FC236}">
+                <a16:creationId xmlns:a16="http://schemas.microsoft.com/office/drawing/2014/main" id="{1478841C-6F85-487A-A161-95EDD5826D92}"/>
+              </a:ext>
+            </a:extLst>
+          </p:cNvPr>
+          <p:cNvCxnSpPr>
+            <a:stCxn id="121" idx="2"/>
+            <a:endCxn id="224" idx="1"/>
+          </p:cNvCxnSpPr>
+          <p:nvPr/>
+        </p:nvCxnSpPr>
+        <p:spPr>
+          <a:xfrm rot="16200000" flipH="1">
+            <a:off x="16964941" y="7750047"/>
+            <a:ext cx="523471" cy="400700"/>
+          </a:xfrm>
+          <a:prstGeom prst="bentConnector2">
+            <a:avLst/>
+          </a:prstGeom>
+        </p:spPr>
+        <p:style>
+          <a:lnRef idx="1">
+            <a:schemeClr val="accent1"/>
+          </a:lnRef>
+          <a:fillRef idx="0">
+            <a:schemeClr val="accent1"/>
+          </a:fillRef>
+          <a:effectRef idx="0">
+            <a:schemeClr val="accent1"/>
+          </a:effectRef>
+          <a:fontRef idx="minor">
+            <a:schemeClr val="tx1"/>
+          </a:fontRef>
+        </p:style>
+      </p:cxnSp>
+      <p:sp>
+        <p:nvSpPr>
+          <p:cNvPr id="226" name="직사각형 225">
+            <a:extLst>
+              <a:ext uri="{FF2B5EF4-FFF2-40B4-BE49-F238E27FC236}">
+                <a16:creationId xmlns:a16="http://schemas.microsoft.com/office/drawing/2014/main" id="{82679657-0575-43BD-AFEE-2C85C6A52205}"/>
+              </a:ext>
+            </a:extLst>
+          </p:cNvPr>
+          <p:cNvSpPr/>
+          <p:nvPr/>
+        </p:nvSpPr>
+        <p:spPr>
+          <a:xfrm>
+            <a:off x="22786003" y="7950396"/>
+            <a:ext cx="1484457" cy="419458"/>
+          </a:xfrm>
+          <a:prstGeom prst="rect">
+            <a:avLst/>
+          </a:prstGeom>
+        </p:spPr>
+        <p:style>
+          <a:lnRef idx="2">
+            <a:schemeClr val="dk1"/>
+          </a:lnRef>
+          <a:fillRef idx="1">
+            <a:schemeClr val="lt1"/>
+          </a:fillRef>
+          <a:effectRef idx="0">
+            <a:schemeClr val="dk1"/>
+          </a:effectRef>
+          <a:fontRef idx="minor">
+            <a:schemeClr val="dk1"/>
+          </a:fontRef>
+        </p:style>
+        <p:txBody>
+          <a:bodyPr rot="0" spcFirstLastPara="0" vertOverflow="overflow" horzOverflow="overflow" vert="horz" wrap="square" lIns="182869" tIns="91446" rIns="182869" bIns="91446" numCol="1" spcCol="0" rtlCol="0" fromWordArt="0" anchor="ctr" anchorCtr="0" forceAA="0" compatLnSpc="1">
+            <a:prstTxWarp prst="textNoShape">
+              <a:avLst/>
+            </a:prstTxWarp>
+            <a:noAutofit/>
+          </a:bodyPr>
+          <a:lstStyle/>
+          <a:p>
+            <a:pPr algn="ctr"/>
+            <a:r>
+              <a:rPr lang="ko-KR" altLang="en-US" sz="2000" b="1" dirty="0"/>
+              <a:t>건의사항</a:t>
+            </a:r>
+            <a:br>
+              <a:rPr lang="en-US" altLang="ko-KR" sz="2000" b="1" dirty="0"/>
+            </a:br>
+            <a:r>
+              <a:rPr lang="ko-KR" altLang="en-US" sz="2000" b="1" dirty="0"/>
+              <a:t>상세보기</a:t>
+            </a:r>
+            <a:endParaRPr lang="en-US" altLang="ko-KR" sz="2000" b="1" dirty="0"/>
+          </a:p>
+        </p:txBody>
+      </p:sp>
+      <p:cxnSp>
+        <p:nvCxnSpPr>
+          <p:cNvPr id="8" name="연결선: 꺾임 7">
+            <a:extLst>
+              <a:ext uri="{FF2B5EF4-FFF2-40B4-BE49-F238E27FC236}">
+                <a16:creationId xmlns:a16="http://schemas.microsoft.com/office/drawing/2014/main" id="{21F0D243-FA21-4A3A-8E2C-5428BD833B0B}"/>
+              </a:ext>
+            </a:extLst>
+          </p:cNvPr>
+          <p:cNvCxnSpPr>
+            <a:stCxn id="126" idx="2"/>
+            <a:endCxn id="226" idx="1"/>
+          </p:cNvCxnSpPr>
+          <p:nvPr/>
+        </p:nvCxnSpPr>
+        <p:spPr>
+          <a:xfrm rot="16200000" flipH="1">
+            <a:off x="22318258" y="7692380"/>
+            <a:ext cx="469118" cy="466371"/>
+          </a:xfrm>
+          <a:prstGeom prst="bentConnector2">
+            <a:avLst/>
+          </a:prstGeom>
+        </p:spPr>
+        <p:style>
+          <a:lnRef idx="1">
+            <a:schemeClr val="accent1"/>
+          </a:lnRef>
+          <a:fillRef idx="0">
+            <a:schemeClr val="accent1"/>
+          </a:fillRef>
+          <a:effectRef idx="0">
+            <a:schemeClr val="accent1"/>
+          </a:effectRef>
+          <a:fontRef idx="minor">
+            <a:schemeClr val="tx1"/>
+          </a:fontRef>
+        </p:style>
+      </p:cxnSp>
+      <p:sp>
+        <p:nvSpPr>
+          <p:cNvPr id="228" name="직사각형 227">
+            <a:extLst>
+              <a:ext uri="{FF2B5EF4-FFF2-40B4-BE49-F238E27FC236}">
+                <a16:creationId xmlns:a16="http://schemas.microsoft.com/office/drawing/2014/main" id="{2BE4F5F1-5515-43F3-A943-0DDE0F9675BD}"/>
+              </a:ext>
+            </a:extLst>
+          </p:cNvPr>
+          <p:cNvSpPr/>
+          <p:nvPr/>
+        </p:nvSpPr>
+        <p:spPr>
+          <a:xfrm>
+            <a:off x="19203881" y="16870480"/>
+            <a:ext cx="2020114" cy="419458"/>
+          </a:xfrm>
+          <a:prstGeom prst="rect">
+            <a:avLst/>
+          </a:prstGeom>
+        </p:spPr>
+        <p:style>
+          <a:lnRef idx="2">
+            <a:schemeClr val="dk1"/>
+          </a:lnRef>
+          <a:fillRef idx="1">
+            <a:schemeClr val="lt1"/>
+          </a:fillRef>
+          <a:effectRef idx="0">
+            <a:schemeClr val="dk1"/>
+          </a:effectRef>
+          <a:fontRef idx="minor">
+            <a:schemeClr val="dk1"/>
+          </a:fontRef>
+        </p:style>
+        <p:txBody>
+          <a:bodyPr rot="0" spcFirstLastPara="0" vertOverflow="overflow" horzOverflow="overflow" vert="horz" wrap="square" lIns="182869" tIns="91446" rIns="182869" bIns="91446" numCol="1" spcCol="0" rtlCol="0" fromWordArt="0" anchor="ctr" anchorCtr="0" forceAA="0" compatLnSpc="1">
+            <a:prstTxWarp prst="textNoShape">
+              <a:avLst/>
+            </a:prstTxWarp>
+            <a:noAutofit/>
+          </a:bodyPr>
+          <a:lstStyle/>
+          <a:p>
+            <a:pPr algn="ctr"/>
+            <a:r>
+              <a:rPr lang="ko-KR" altLang="en-US" sz="2000" b="1"/>
+              <a:t>기프티콘 구매</a:t>
+            </a:r>
+          </a:p>
+        </p:txBody>
+      </p:sp>
+      <p:sp>
+        <p:nvSpPr>
+          <p:cNvPr id="229" name="직사각형 228">
+            <a:extLst>
+              <a:ext uri="{FF2B5EF4-FFF2-40B4-BE49-F238E27FC236}">
+                <a16:creationId xmlns:a16="http://schemas.microsoft.com/office/drawing/2014/main" id="{48F0F6D0-C2D0-44C2-B924-F8B1D1DF59CD}"/>
+              </a:ext>
+            </a:extLst>
+          </p:cNvPr>
+          <p:cNvSpPr/>
+          <p:nvPr/>
+        </p:nvSpPr>
+        <p:spPr>
+          <a:xfrm>
+            <a:off x="17914798" y="16166012"/>
+            <a:ext cx="2020114" cy="419458"/>
+          </a:xfrm>
+          <a:prstGeom prst="rect">
+            <a:avLst/>
+          </a:prstGeom>
+        </p:spPr>
+        <p:style>
+          <a:lnRef idx="2">
+            <a:schemeClr val="dk1"/>
+          </a:lnRef>
+          <a:fillRef idx="1">
+            <a:schemeClr val="lt1"/>
+          </a:fillRef>
+          <a:effectRef idx="0">
+            <a:schemeClr val="dk1"/>
+          </a:effectRef>
+          <a:fontRef idx="minor">
+            <a:schemeClr val="dk1"/>
+          </a:fontRef>
+        </p:style>
+        <p:txBody>
+          <a:bodyPr rot="0" spcFirstLastPara="0" vertOverflow="overflow" horzOverflow="overflow" vert="horz" wrap="square" lIns="182869" tIns="91446" rIns="182869" bIns="91446" numCol="1" spcCol="0" rtlCol="0" fromWordArt="0" anchor="ctr" anchorCtr="0" forceAA="0" compatLnSpc="1">
+            <a:prstTxWarp prst="textNoShape">
+              <a:avLst/>
+            </a:prstTxWarp>
+            <a:noAutofit/>
+          </a:bodyPr>
+          <a:lstStyle/>
+          <a:p>
+            <a:pPr algn="ctr"/>
+            <a:r>
+              <a:rPr lang="ko-KR" altLang="en-US" sz="2000" b="1" dirty="0" err="1"/>
+              <a:t>기프티콘</a:t>
+            </a:r>
+            <a:r>
+              <a:rPr lang="ko-KR" altLang="en-US" sz="2000" b="1" dirty="0"/>
+              <a:t> </a:t>
+            </a:r>
+            <a:endParaRPr lang="en-US" altLang="ko-KR" sz="2000" b="1" dirty="0"/>
+          </a:p>
+          <a:p>
+            <a:pPr algn="ctr"/>
+            <a:r>
+              <a:rPr lang="ko-KR" altLang="en-US" sz="2000" b="1" dirty="0"/>
+              <a:t>상세보가</a:t>
+            </a:r>
+          </a:p>
+        </p:txBody>
+      </p:sp>
+      <p:cxnSp>
+        <p:nvCxnSpPr>
+          <p:cNvPr id="10" name="연결선: 꺾임 9">
+            <a:extLst>
+              <a:ext uri="{FF2B5EF4-FFF2-40B4-BE49-F238E27FC236}">
+                <a16:creationId xmlns:a16="http://schemas.microsoft.com/office/drawing/2014/main" id="{2FF97418-E075-4E93-A144-48EC9FA265A8}"/>
+              </a:ext>
+            </a:extLst>
+          </p:cNvPr>
+          <p:cNvCxnSpPr>
+            <a:cxnSpLocks/>
+            <a:stCxn id="422" idx="2"/>
+            <a:endCxn id="229" idx="1"/>
+          </p:cNvCxnSpPr>
+          <p:nvPr/>
+        </p:nvCxnSpPr>
+        <p:spPr>
+          <a:xfrm rot="16200000" flipH="1">
+            <a:off x="17501568" y="15962511"/>
+            <a:ext cx="563168" cy="263291"/>
+          </a:xfrm>
+          <a:prstGeom prst="bentConnector2">
+            <a:avLst/>
+          </a:prstGeom>
+        </p:spPr>
+        <p:style>
+          <a:lnRef idx="1">
+            <a:schemeClr val="accent1"/>
+          </a:lnRef>
+          <a:fillRef idx="0">
+            <a:schemeClr val="accent1"/>
+          </a:fillRef>
+          <a:effectRef idx="0">
+            <a:schemeClr val="accent1"/>
           </a:effectRef>
           <a:fontRef idx="minor">
             <a:schemeClr val="tx1"/>
@@ -12759,22 +13083,987 @@
       </p:cxnSp>
       <p:cxnSp>
         <p:nvCxnSpPr>
-          <p:cNvPr id="288" name="연결선: 꺾임 287">
-            <a:extLst>
-              <a:ext uri="{FF2B5EF4-FFF2-40B4-BE49-F238E27FC236}">
-                <a16:creationId xmlns:a16="http://schemas.microsoft.com/office/drawing/2014/main" id="{7EEAAF3B-1E86-4A07-8033-33D5A840E497}"/>
+          <p:cNvPr id="13" name="연결선: 꺾임 12">
+            <a:extLst>
+              <a:ext uri="{FF2B5EF4-FFF2-40B4-BE49-F238E27FC236}">
+                <a16:creationId xmlns:a16="http://schemas.microsoft.com/office/drawing/2014/main" id="{00F4B6EB-86A1-4BBE-9111-C483CEEFF33D}"/>
               </a:ext>
             </a:extLst>
           </p:cNvPr>
           <p:cNvCxnSpPr>
-            <a:stCxn id="318" idx="2"/>
-            <a:endCxn id="155" idx="1"/>
+            <a:stCxn id="229" idx="2"/>
+            <a:endCxn id="228" idx="1"/>
           </p:cNvCxnSpPr>
           <p:nvPr/>
         </p:nvCxnSpPr>
         <p:spPr>
           <a:xfrm rot="16200000" flipH="1">
-            <a:off x="11946773" y="15956538"/>
+            <a:off x="18816999" y="16693326"/>
+            <a:ext cx="494739" cy="279026"/>
+          </a:xfrm>
+          <a:prstGeom prst="bentConnector2">
+            <a:avLst/>
+          </a:prstGeom>
+        </p:spPr>
+        <p:style>
+          <a:lnRef idx="1">
+            <a:schemeClr val="accent1"/>
+          </a:lnRef>
+          <a:fillRef idx="0">
+            <a:schemeClr val="accent1"/>
+          </a:fillRef>
+          <a:effectRef idx="0">
+            <a:schemeClr val="accent1"/>
+          </a:effectRef>
+          <a:fontRef idx="minor">
+            <a:schemeClr val="tx1"/>
+          </a:fontRef>
+        </p:style>
+      </p:cxnSp>
+      <p:sp>
+        <p:nvSpPr>
+          <p:cNvPr id="230" name="직사각형 229">
+            <a:extLst>
+              <a:ext uri="{FF2B5EF4-FFF2-40B4-BE49-F238E27FC236}">
+                <a16:creationId xmlns:a16="http://schemas.microsoft.com/office/drawing/2014/main" id="{A5BD945C-1DE0-4953-8205-CFF25F361656}"/>
+              </a:ext>
+            </a:extLst>
+          </p:cNvPr>
+          <p:cNvSpPr/>
+          <p:nvPr/>
+        </p:nvSpPr>
+        <p:spPr>
+          <a:xfrm>
+            <a:off x="36737908" y="27574930"/>
+            <a:ext cx="2258402" cy="419458"/>
+          </a:xfrm>
+          <a:prstGeom prst="rect">
+            <a:avLst/>
+          </a:prstGeom>
+        </p:spPr>
+        <p:style>
+          <a:lnRef idx="2">
+            <a:schemeClr val="dk1"/>
+          </a:lnRef>
+          <a:fillRef idx="1">
+            <a:schemeClr val="lt1"/>
+          </a:fillRef>
+          <a:effectRef idx="0">
+            <a:schemeClr val="dk1"/>
+          </a:effectRef>
+          <a:fontRef idx="minor">
+            <a:schemeClr val="dk1"/>
+          </a:fontRef>
+        </p:style>
+        <p:txBody>
+          <a:bodyPr rot="0" spcFirstLastPara="0" vertOverflow="overflow" horzOverflow="overflow" vert="horz" wrap="square" lIns="182869" tIns="91446" rIns="182869" bIns="91446" numCol="1" spcCol="0" rtlCol="0" fromWordArt="0" anchor="ctr" anchorCtr="0" forceAA="0" compatLnSpc="1">
+            <a:prstTxWarp prst="textNoShape">
+              <a:avLst/>
+            </a:prstTxWarp>
+            <a:noAutofit/>
+          </a:bodyPr>
+          <a:lstStyle/>
+          <a:p>
+            <a:pPr algn="ctr"/>
+            <a:r>
+              <a:rPr lang="ko-KR" altLang="en-US" sz="2000" b="1" dirty="0"/>
+              <a:t>회원 관리</a:t>
+            </a:r>
+          </a:p>
+        </p:txBody>
+      </p:sp>
+      <p:sp>
+        <p:nvSpPr>
+          <p:cNvPr id="231" name="직사각형 230">
+            <a:extLst>
+              <a:ext uri="{FF2B5EF4-FFF2-40B4-BE49-F238E27FC236}">
+                <a16:creationId xmlns:a16="http://schemas.microsoft.com/office/drawing/2014/main" id="{66E09A00-22A4-494E-A2F7-35C4578A3B2B}"/>
+              </a:ext>
+            </a:extLst>
+          </p:cNvPr>
+          <p:cNvSpPr/>
+          <p:nvPr/>
+        </p:nvSpPr>
+        <p:spPr>
+          <a:xfrm>
+            <a:off x="38182614" y="28236366"/>
+            <a:ext cx="2258402" cy="419458"/>
+          </a:xfrm>
+          <a:prstGeom prst="rect">
+            <a:avLst/>
+          </a:prstGeom>
+        </p:spPr>
+        <p:style>
+          <a:lnRef idx="2">
+            <a:schemeClr val="dk1"/>
+          </a:lnRef>
+          <a:fillRef idx="1">
+            <a:schemeClr val="lt1"/>
+          </a:fillRef>
+          <a:effectRef idx="0">
+            <a:schemeClr val="dk1"/>
+          </a:effectRef>
+          <a:fontRef idx="minor">
+            <a:schemeClr val="dk1"/>
+          </a:fontRef>
+        </p:style>
+        <p:txBody>
+          <a:bodyPr rot="0" spcFirstLastPara="0" vertOverflow="overflow" horzOverflow="overflow" vert="horz" wrap="square" lIns="182869" tIns="91446" rIns="182869" bIns="91446" numCol="1" spcCol="0" rtlCol="0" fromWordArt="0" anchor="ctr" anchorCtr="0" forceAA="0" compatLnSpc="1">
+            <a:prstTxWarp prst="textNoShape">
+              <a:avLst/>
+            </a:prstTxWarp>
+            <a:noAutofit/>
+          </a:bodyPr>
+          <a:lstStyle/>
+          <a:p>
+            <a:pPr algn="ctr"/>
+            <a:r>
+              <a:rPr lang="ko-KR" altLang="en-US" sz="2000" b="1" dirty="0"/>
+              <a:t>회원 조회</a:t>
+            </a:r>
+          </a:p>
+        </p:txBody>
+      </p:sp>
+      <p:cxnSp>
+        <p:nvCxnSpPr>
+          <p:cNvPr id="234" name="연결선: 꺾임 233">
+            <a:extLst>
+              <a:ext uri="{FF2B5EF4-FFF2-40B4-BE49-F238E27FC236}">
+                <a16:creationId xmlns:a16="http://schemas.microsoft.com/office/drawing/2014/main" id="{3E16D2B1-74DA-473C-838E-8F30838BAB70}"/>
+              </a:ext>
+            </a:extLst>
+          </p:cNvPr>
+          <p:cNvCxnSpPr>
+            <a:cxnSpLocks/>
+            <a:stCxn id="231" idx="1"/>
+            <a:endCxn id="230" idx="2"/>
+          </p:cNvCxnSpPr>
+          <p:nvPr/>
+        </p:nvCxnSpPr>
+        <p:spPr>
+          <a:xfrm rot="10800000">
+            <a:off x="37867110" y="27994389"/>
+            <a:ext cx="315505" cy="451707"/>
+          </a:xfrm>
+          <a:prstGeom prst="bentConnector2">
+            <a:avLst/>
+          </a:prstGeom>
+        </p:spPr>
+        <p:style>
+          <a:lnRef idx="1">
+            <a:schemeClr val="dk1"/>
+          </a:lnRef>
+          <a:fillRef idx="0">
+            <a:schemeClr val="dk1"/>
+          </a:fillRef>
+          <a:effectRef idx="0">
+            <a:schemeClr val="dk1"/>
+          </a:effectRef>
+          <a:fontRef idx="minor">
+            <a:schemeClr val="tx1"/>
+          </a:fontRef>
+        </p:style>
+      </p:cxnSp>
+      <p:sp>
+        <p:nvSpPr>
+          <p:cNvPr id="239" name="직사각형 238">
+            <a:extLst>
+              <a:ext uri="{FF2B5EF4-FFF2-40B4-BE49-F238E27FC236}">
+                <a16:creationId xmlns:a16="http://schemas.microsoft.com/office/drawing/2014/main" id="{09AE09BB-74FD-429E-AC96-EDCE01A5BC6A}"/>
+              </a:ext>
+            </a:extLst>
+          </p:cNvPr>
+          <p:cNvSpPr/>
+          <p:nvPr/>
+        </p:nvSpPr>
+        <p:spPr>
+          <a:xfrm>
+            <a:off x="41290542" y="29593169"/>
+            <a:ext cx="2258402" cy="419458"/>
+          </a:xfrm>
+          <a:prstGeom prst="rect">
+            <a:avLst/>
+          </a:prstGeom>
+        </p:spPr>
+        <p:style>
+          <a:lnRef idx="2">
+            <a:schemeClr val="dk1"/>
+          </a:lnRef>
+          <a:fillRef idx="1">
+            <a:schemeClr val="lt1"/>
+          </a:fillRef>
+          <a:effectRef idx="0">
+            <a:schemeClr val="dk1"/>
+          </a:effectRef>
+          <a:fontRef idx="minor">
+            <a:schemeClr val="dk1"/>
+          </a:fontRef>
+        </p:style>
+        <p:txBody>
+          <a:bodyPr rot="0" spcFirstLastPara="0" vertOverflow="overflow" horzOverflow="overflow" vert="horz" wrap="square" lIns="182869" tIns="91446" rIns="182869" bIns="91446" numCol="1" spcCol="0" rtlCol="0" fromWordArt="0" anchor="ctr" anchorCtr="0" forceAA="0" compatLnSpc="1">
+            <a:prstTxWarp prst="textNoShape">
+              <a:avLst/>
+            </a:prstTxWarp>
+            <a:noAutofit/>
+          </a:bodyPr>
+          <a:lstStyle/>
+          <a:p>
+            <a:pPr algn="ctr"/>
+            <a:r>
+              <a:rPr lang="ko-KR" altLang="en-US" sz="2000" b="1"/>
+              <a:t>상영스케줄 삭제</a:t>
+            </a:r>
+          </a:p>
+        </p:txBody>
+      </p:sp>
+      <p:sp>
+        <p:nvSpPr>
+          <p:cNvPr id="242" name="직사각형 241">
+            <a:extLst>
+              <a:ext uri="{FF2B5EF4-FFF2-40B4-BE49-F238E27FC236}">
+                <a16:creationId xmlns:a16="http://schemas.microsoft.com/office/drawing/2014/main" id="{4991C33D-085E-4D38-B171-CC13212D4C03}"/>
+              </a:ext>
+            </a:extLst>
+          </p:cNvPr>
+          <p:cNvSpPr/>
+          <p:nvPr/>
+        </p:nvSpPr>
+        <p:spPr>
+          <a:xfrm>
+            <a:off x="39683461" y="28940101"/>
+            <a:ext cx="2258402" cy="419458"/>
+          </a:xfrm>
+          <a:prstGeom prst="rect">
+            <a:avLst/>
+          </a:prstGeom>
+        </p:spPr>
+        <p:style>
+          <a:lnRef idx="2">
+            <a:schemeClr val="dk1"/>
+          </a:lnRef>
+          <a:fillRef idx="1">
+            <a:schemeClr val="lt1"/>
+          </a:fillRef>
+          <a:effectRef idx="0">
+            <a:schemeClr val="dk1"/>
+          </a:effectRef>
+          <a:fontRef idx="minor">
+            <a:schemeClr val="dk1"/>
+          </a:fontRef>
+        </p:style>
+        <p:txBody>
+          <a:bodyPr rot="0" spcFirstLastPara="0" vertOverflow="overflow" horzOverflow="overflow" vert="horz" wrap="square" lIns="182869" tIns="91446" rIns="182869" bIns="91446" numCol="1" spcCol="0" rtlCol="0" fromWordArt="0" anchor="ctr" anchorCtr="0" forceAA="0" compatLnSpc="1">
+            <a:prstTxWarp prst="textNoShape">
+              <a:avLst/>
+            </a:prstTxWarp>
+            <a:noAutofit/>
+          </a:bodyPr>
+          <a:lstStyle/>
+          <a:p>
+            <a:pPr algn="ctr"/>
+            <a:r>
+              <a:rPr lang="ko-KR" altLang="en-US" sz="2000" b="1" dirty="0"/>
+              <a:t>회원상세보기</a:t>
+            </a:r>
+          </a:p>
+        </p:txBody>
+      </p:sp>
+      <p:cxnSp>
+        <p:nvCxnSpPr>
+          <p:cNvPr id="245" name="연결선: 꺾임 244">
+            <a:extLst>
+              <a:ext uri="{FF2B5EF4-FFF2-40B4-BE49-F238E27FC236}">
+                <a16:creationId xmlns:a16="http://schemas.microsoft.com/office/drawing/2014/main" id="{06891210-8B80-4929-80B3-B7A857877ECB}"/>
+              </a:ext>
+            </a:extLst>
+          </p:cNvPr>
+          <p:cNvCxnSpPr>
+            <a:stCxn id="242" idx="2"/>
+            <a:endCxn id="239" idx="1"/>
+          </p:cNvCxnSpPr>
+          <p:nvPr/>
+        </p:nvCxnSpPr>
+        <p:spPr>
+          <a:xfrm rot="16200000" flipH="1">
+            <a:off x="40829933" y="29342288"/>
+            <a:ext cx="443339" cy="477880"/>
+          </a:xfrm>
+          <a:prstGeom prst="bentConnector2">
+            <a:avLst/>
+          </a:prstGeom>
+        </p:spPr>
+        <p:style>
+          <a:lnRef idx="1">
+            <a:schemeClr val="dk1"/>
+          </a:lnRef>
+          <a:fillRef idx="0">
+            <a:schemeClr val="dk1"/>
+          </a:fillRef>
+          <a:effectRef idx="0">
+            <a:schemeClr val="dk1"/>
+          </a:effectRef>
+          <a:fontRef idx="minor">
+            <a:schemeClr val="tx1"/>
+          </a:fontRef>
+        </p:style>
+      </p:cxnSp>
+      <p:cxnSp>
+        <p:nvCxnSpPr>
+          <p:cNvPr id="246" name="연결선: 꺾임 245">
+            <a:extLst>
+              <a:ext uri="{FF2B5EF4-FFF2-40B4-BE49-F238E27FC236}">
+                <a16:creationId xmlns:a16="http://schemas.microsoft.com/office/drawing/2014/main" id="{A7088F8E-2CA1-416B-BE5F-4E2B327D40D3}"/>
+              </a:ext>
+            </a:extLst>
+          </p:cNvPr>
+          <p:cNvCxnSpPr>
+            <a:stCxn id="231" idx="2"/>
+            <a:endCxn id="242" idx="1"/>
+          </p:cNvCxnSpPr>
+          <p:nvPr/>
+        </p:nvCxnSpPr>
+        <p:spPr>
+          <a:xfrm rot="16200000" flipH="1">
+            <a:off x="39250635" y="28717004"/>
+            <a:ext cx="494006" cy="371646"/>
+          </a:xfrm>
+          <a:prstGeom prst="bentConnector2">
+            <a:avLst/>
+          </a:prstGeom>
+        </p:spPr>
+        <p:style>
+          <a:lnRef idx="1">
+            <a:schemeClr val="dk1"/>
+          </a:lnRef>
+          <a:fillRef idx="0">
+            <a:schemeClr val="dk1"/>
+          </a:fillRef>
+          <a:effectRef idx="0">
+            <a:schemeClr val="dk1"/>
+          </a:effectRef>
+          <a:fontRef idx="minor">
+            <a:schemeClr val="tx1"/>
+          </a:fontRef>
+        </p:style>
+      </p:cxnSp>
+      <p:cxnSp>
+        <p:nvCxnSpPr>
+          <p:cNvPr id="15" name="연결선: 꺾임 14">
+            <a:extLst>
+              <a:ext uri="{FF2B5EF4-FFF2-40B4-BE49-F238E27FC236}">
+                <a16:creationId xmlns:a16="http://schemas.microsoft.com/office/drawing/2014/main" id="{B4EFDDD0-D03B-42B3-893F-C5EFACB3168D}"/>
+              </a:ext>
+            </a:extLst>
+          </p:cNvPr>
+          <p:cNvCxnSpPr>
+            <a:stCxn id="462" idx="2"/>
+            <a:endCxn id="230" idx="1"/>
+          </p:cNvCxnSpPr>
+          <p:nvPr/>
+        </p:nvCxnSpPr>
+        <p:spPr>
+          <a:xfrm rot="16200000" flipH="1">
+            <a:off x="30135263" y="21182013"/>
+            <a:ext cx="12802161" cy="403129"/>
+          </a:xfrm>
+          <a:prstGeom prst="bentConnector2">
+            <a:avLst/>
+          </a:prstGeom>
+        </p:spPr>
+        <p:style>
+          <a:lnRef idx="1">
+            <a:schemeClr val="accent1"/>
+          </a:lnRef>
+          <a:fillRef idx="0">
+            <a:schemeClr val="accent1"/>
+          </a:fillRef>
+          <a:effectRef idx="0">
+            <a:schemeClr val="accent1"/>
+          </a:effectRef>
+          <a:fontRef idx="minor">
+            <a:schemeClr val="tx1"/>
+          </a:fontRef>
+        </p:style>
+      </p:cxnSp>
+      <p:sp>
+        <p:nvSpPr>
+          <p:cNvPr id="248" name="직사각형 247">
+            <a:extLst>
+              <a:ext uri="{FF2B5EF4-FFF2-40B4-BE49-F238E27FC236}">
+                <a16:creationId xmlns:a16="http://schemas.microsoft.com/office/drawing/2014/main" id="{E5B47528-6276-4DE3-8E8D-970F3F99BB8C}"/>
+              </a:ext>
+            </a:extLst>
+          </p:cNvPr>
+          <p:cNvSpPr/>
+          <p:nvPr/>
+        </p:nvSpPr>
+        <p:spPr>
+          <a:xfrm>
+            <a:off x="36742823" y="29762611"/>
+            <a:ext cx="2258402" cy="419458"/>
+          </a:xfrm>
+          <a:prstGeom prst="rect">
+            <a:avLst/>
+          </a:prstGeom>
+        </p:spPr>
+        <p:style>
+          <a:lnRef idx="2">
+            <a:schemeClr val="dk1"/>
+          </a:lnRef>
+          <a:fillRef idx="1">
+            <a:schemeClr val="lt1"/>
+          </a:fillRef>
+          <a:effectRef idx="0">
+            <a:schemeClr val="dk1"/>
+          </a:effectRef>
+          <a:fontRef idx="minor">
+            <a:schemeClr val="dk1"/>
+          </a:fontRef>
+        </p:style>
+        <p:txBody>
+          <a:bodyPr rot="0" spcFirstLastPara="0" vertOverflow="overflow" horzOverflow="overflow" vert="horz" wrap="square" lIns="182869" tIns="91446" rIns="182869" bIns="91446" numCol="1" spcCol="0" rtlCol="0" fromWordArt="0" anchor="ctr" anchorCtr="0" forceAA="0" compatLnSpc="1">
+            <a:prstTxWarp prst="textNoShape">
+              <a:avLst/>
+            </a:prstTxWarp>
+            <a:noAutofit/>
+          </a:bodyPr>
+          <a:lstStyle/>
+          <a:p>
+            <a:pPr algn="ctr"/>
+            <a:r>
+              <a:rPr lang="ko-KR" altLang="en-US" sz="2000" b="1" dirty="0"/>
+              <a:t>신고 관리</a:t>
+            </a:r>
+          </a:p>
+        </p:txBody>
+      </p:sp>
+      <p:sp>
+        <p:nvSpPr>
+          <p:cNvPr id="251" name="직사각형 250">
+            <a:extLst>
+              <a:ext uri="{FF2B5EF4-FFF2-40B4-BE49-F238E27FC236}">
+                <a16:creationId xmlns:a16="http://schemas.microsoft.com/office/drawing/2014/main" id="{A8DDE36F-6382-4252-A428-3AE6AB75C699}"/>
+              </a:ext>
+            </a:extLst>
+          </p:cNvPr>
+          <p:cNvSpPr/>
+          <p:nvPr/>
+        </p:nvSpPr>
+        <p:spPr>
+          <a:xfrm>
+            <a:off x="38187529" y="30424047"/>
+            <a:ext cx="2258402" cy="419458"/>
+          </a:xfrm>
+          <a:prstGeom prst="rect">
+            <a:avLst/>
+          </a:prstGeom>
+        </p:spPr>
+        <p:style>
+          <a:lnRef idx="2">
+            <a:schemeClr val="dk1"/>
+          </a:lnRef>
+          <a:fillRef idx="1">
+            <a:schemeClr val="lt1"/>
+          </a:fillRef>
+          <a:effectRef idx="0">
+            <a:schemeClr val="dk1"/>
+          </a:effectRef>
+          <a:fontRef idx="minor">
+            <a:schemeClr val="dk1"/>
+          </a:fontRef>
+        </p:style>
+        <p:txBody>
+          <a:bodyPr rot="0" spcFirstLastPara="0" vertOverflow="overflow" horzOverflow="overflow" vert="horz" wrap="square" lIns="182869" tIns="91446" rIns="182869" bIns="91446" numCol="1" spcCol="0" rtlCol="0" fromWordArt="0" anchor="ctr" anchorCtr="0" forceAA="0" compatLnSpc="1">
+            <a:prstTxWarp prst="textNoShape">
+              <a:avLst/>
+            </a:prstTxWarp>
+            <a:noAutofit/>
+          </a:bodyPr>
+          <a:lstStyle/>
+          <a:p>
+            <a:pPr algn="ctr"/>
+            <a:r>
+              <a:rPr lang="ko-KR" altLang="en-US" sz="2000" b="1" dirty="0"/>
+              <a:t>신고 조회</a:t>
+            </a:r>
+          </a:p>
+        </p:txBody>
+      </p:sp>
+      <p:cxnSp>
+        <p:nvCxnSpPr>
+          <p:cNvPr id="253" name="연결선: 꺾임 252">
+            <a:extLst>
+              <a:ext uri="{FF2B5EF4-FFF2-40B4-BE49-F238E27FC236}">
+                <a16:creationId xmlns:a16="http://schemas.microsoft.com/office/drawing/2014/main" id="{F4E841BE-2ACD-4DA6-95CA-1CD973BF6EC7}"/>
+              </a:ext>
+            </a:extLst>
+          </p:cNvPr>
+          <p:cNvCxnSpPr>
+            <a:cxnSpLocks/>
+            <a:stCxn id="251" idx="1"/>
+            <a:endCxn id="248" idx="2"/>
+          </p:cNvCxnSpPr>
+          <p:nvPr/>
+        </p:nvCxnSpPr>
+        <p:spPr>
+          <a:xfrm rot="10800000">
+            <a:off x="37872025" y="30182070"/>
+            <a:ext cx="315505" cy="451707"/>
+          </a:xfrm>
+          <a:prstGeom prst="bentConnector2">
+            <a:avLst/>
+          </a:prstGeom>
+        </p:spPr>
+        <p:style>
+          <a:lnRef idx="1">
+            <a:schemeClr val="dk1"/>
+          </a:lnRef>
+          <a:fillRef idx="0">
+            <a:schemeClr val="dk1"/>
+          </a:fillRef>
+          <a:effectRef idx="0">
+            <a:schemeClr val="dk1"/>
+          </a:effectRef>
+          <a:fontRef idx="minor">
+            <a:schemeClr val="tx1"/>
+          </a:fontRef>
+        </p:style>
+      </p:cxnSp>
+      <p:sp>
+        <p:nvSpPr>
+          <p:cNvPr id="254" name="직사각형 253">
+            <a:extLst>
+              <a:ext uri="{FF2B5EF4-FFF2-40B4-BE49-F238E27FC236}">
+                <a16:creationId xmlns:a16="http://schemas.microsoft.com/office/drawing/2014/main" id="{CB46862D-0CB8-46E2-B93A-C020FC782317}"/>
+              </a:ext>
+            </a:extLst>
+          </p:cNvPr>
+          <p:cNvSpPr/>
+          <p:nvPr/>
+        </p:nvSpPr>
+        <p:spPr>
+          <a:xfrm>
+            <a:off x="41295457" y="31780850"/>
+            <a:ext cx="2258402" cy="419458"/>
+          </a:xfrm>
+          <a:prstGeom prst="rect">
+            <a:avLst/>
+          </a:prstGeom>
+        </p:spPr>
+        <p:style>
+          <a:lnRef idx="2">
+            <a:schemeClr val="dk1"/>
+          </a:lnRef>
+          <a:fillRef idx="1">
+            <a:schemeClr val="lt1"/>
+          </a:fillRef>
+          <a:effectRef idx="0">
+            <a:schemeClr val="dk1"/>
+          </a:effectRef>
+          <a:fontRef idx="minor">
+            <a:schemeClr val="dk1"/>
+          </a:fontRef>
+        </p:style>
+        <p:txBody>
+          <a:bodyPr rot="0" spcFirstLastPara="0" vertOverflow="overflow" horzOverflow="overflow" vert="horz" wrap="square" lIns="182869" tIns="91446" rIns="182869" bIns="91446" numCol="1" spcCol="0" rtlCol="0" fromWordArt="0" anchor="ctr" anchorCtr="0" forceAA="0" compatLnSpc="1">
+            <a:prstTxWarp prst="textNoShape">
+              <a:avLst/>
+            </a:prstTxWarp>
+            <a:noAutofit/>
+          </a:bodyPr>
+          <a:lstStyle/>
+          <a:p>
+            <a:pPr algn="ctr"/>
+            <a:r>
+              <a:rPr lang="ko-KR" altLang="en-US" sz="2000" b="1" dirty="0"/>
+              <a:t>신고 삭제</a:t>
+            </a:r>
+          </a:p>
+        </p:txBody>
+      </p:sp>
+      <p:sp>
+        <p:nvSpPr>
+          <p:cNvPr id="256" name="직사각형 255">
+            <a:extLst>
+              <a:ext uri="{FF2B5EF4-FFF2-40B4-BE49-F238E27FC236}">
+                <a16:creationId xmlns:a16="http://schemas.microsoft.com/office/drawing/2014/main" id="{BD04584C-2F0C-4BB1-952F-FABA9546A010}"/>
+              </a:ext>
+            </a:extLst>
+          </p:cNvPr>
+          <p:cNvSpPr/>
+          <p:nvPr/>
+        </p:nvSpPr>
+        <p:spPr>
+          <a:xfrm>
+            <a:off x="39688376" y="31127782"/>
+            <a:ext cx="2258402" cy="419458"/>
+          </a:xfrm>
+          <a:prstGeom prst="rect">
+            <a:avLst/>
+          </a:prstGeom>
+        </p:spPr>
+        <p:style>
+          <a:lnRef idx="2">
+            <a:schemeClr val="dk1"/>
+          </a:lnRef>
+          <a:fillRef idx="1">
+            <a:schemeClr val="lt1"/>
+          </a:fillRef>
+          <a:effectRef idx="0">
+            <a:schemeClr val="dk1"/>
+          </a:effectRef>
+          <a:fontRef idx="minor">
+            <a:schemeClr val="dk1"/>
+          </a:fontRef>
+        </p:style>
+        <p:txBody>
+          <a:bodyPr rot="0" spcFirstLastPara="0" vertOverflow="overflow" horzOverflow="overflow" vert="horz" wrap="square" lIns="182869" tIns="91446" rIns="182869" bIns="91446" numCol="1" spcCol="0" rtlCol="0" fromWordArt="0" anchor="ctr" anchorCtr="0" forceAA="0" compatLnSpc="1">
+            <a:prstTxWarp prst="textNoShape">
+              <a:avLst/>
+            </a:prstTxWarp>
+            <a:noAutofit/>
+          </a:bodyPr>
+          <a:lstStyle/>
+          <a:p>
+            <a:pPr algn="ctr"/>
+            <a:r>
+              <a:rPr lang="ko-KR" altLang="en-US" sz="2000" b="1" dirty="0"/>
+              <a:t>신고 상세보기</a:t>
+            </a:r>
+          </a:p>
+        </p:txBody>
+      </p:sp>
+      <p:cxnSp>
+        <p:nvCxnSpPr>
+          <p:cNvPr id="257" name="연결선: 꺾임 256">
+            <a:extLst>
+              <a:ext uri="{FF2B5EF4-FFF2-40B4-BE49-F238E27FC236}">
+                <a16:creationId xmlns:a16="http://schemas.microsoft.com/office/drawing/2014/main" id="{86EF314F-C923-4934-955E-7CE70AA67D9B}"/>
+              </a:ext>
+            </a:extLst>
+          </p:cNvPr>
+          <p:cNvCxnSpPr>
+            <a:stCxn id="256" idx="2"/>
+            <a:endCxn id="254" idx="1"/>
+          </p:cNvCxnSpPr>
+          <p:nvPr/>
+        </p:nvCxnSpPr>
+        <p:spPr>
+          <a:xfrm rot="16200000" flipH="1">
+            <a:off x="40834848" y="31529969"/>
+            <a:ext cx="443339" cy="477880"/>
+          </a:xfrm>
+          <a:prstGeom prst="bentConnector2">
+            <a:avLst/>
+          </a:prstGeom>
+        </p:spPr>
+        <p:style>
+          <a:lnRef idx="1">
+            <a:schemeClr val="dk1"/>
+          </a:lnRef>
+          <a:fillRef idx="0">
+            <a:schemeClr val="dk1"/>
+          </a:fillRef>
+          <a:effectRef idx="0">
+            <a:schemeClr val="dk1"/>
+          </a:effectRef>
+          <a:fontRef idx="minor">
+            <a:schemeClr val="tx1"/>
+          </a:fontRef>
+        </p:style>
+      </p:cxnSp>
+      <p:cxnSp>
+        <p:nvCxnSpPr>
+          <p:cNvPr id="258" name="연결선: 꺾임 257">
+            <a:extLst>
+              <a:ext uri="{FF2B5EF4-FFF2-40B4-BE49-F238E27FC236}">
+                <a16:creationId xmlns:a16="http://schemas.microsoft.com/office/drawing/2014/main" id="{21113B22-0AEE-4FDB-801E-5356019D7219}"/>
+              </a:ext>
+            </a:extLst>
+          </p:cNvPr>
+          <p:cNvCxnSpPr>
+            <a:stCxn id="251" idx="2"/>
+            <a:endCxn id="256" idx="1"/>
+          </p:cNvCxnSpPr>
+          <p:nvPr/>
+        </p:nvCxnSpPr>
+        <p:spPr>
+          <a:xfrm rot="16200000" flipH="1">
+            <a:off x="39255550" y="30904685"/>
+            <a:ext cx="494006" cy="371646"/>
+          </a:xfrm>
+          <a:prstGeom prst="bentConnector2">
+            <a:avLst/>
+          </a:prstGeom>
+        </p:spPr>
+        <p:style>
+          <a:lnRef idx="1">
+            <a:schemeClr val="dk1"/>
+          </a:lnRef>
+          <a:fillRef idx="0">
+            <a:schemeClr val="dk1"/>
+          </a:fillRef>
+          <a:effectRef idx="0">
+            <a:schemeClr val="dk1"/>
+          </a:effectRef>
+          <a:fontRef idx="minor">
+            <a:schemeClr val="tx1"/>
+          </a:fontRef>
+        </p:style>
+      </p:cxnSp>
+      <p:cxnSp>
+        <p:nvCxnSpPr>
+          <p:cNvPr id="20" name="연결선: 꺾임 19">
+            <a:extLst>
+              <a:ext uri="{FF2B5EF4-FFF2-40B4-BE49-F238E27FC236}">
+                <a16:creationId xmlns:a16="http://schemas.microsoft.com/office/drawing/2014/main" id="{B76CE281-A8D5-4CC0-BE35-9D97EC296DF0}"/>
+              </a:ext>
+            </a:extLst>
+          </p:cNvPr>
+          <p:cNvCxnSpPr>
+            <a:stCxn id="462" idx="2"/>
+            <a:endCxn id="248" idx="1"/>
+          </p:cNvCxnSpPr>
+          <p:nvPr/>
+        </p:nvCxnSpPr>
+        <p:spPr>
+          <a:xfrm rot="16200000" flipH="1">
+            <a:off x="29043880" y="22273397"/>
+            <a:ext cx="14989842" cy="408044"/>
+          </a:xfrm>
+          <a:prstGeom prst="bentConnector2">
+            <a:avLst/>
+          </a:prstGeom>
+        </p:spPr>
+        <p:style>
+          <a:lnRef idx="1">
+            <a:schemeClr val="accent1"/>
+          </a:lnRef>
+          <a:fillRef idx="0">
+            <a:schemeClr val="accent1"/>
+          </a:fillRef>
+          <a:effectRef idx="0">
+            <a:schemeClr val="accent1"/>
+          </a:effectRef>
+          <a:fontRef idx="minor">
+            <a:schemeClr val="tx1"/>
+          </a:fontRef>
+        </p:style>
+      </p:cxnSp>
+      <p:sp>
+        <p:nvSpPr>
+          <p:cNvPr id="261" name="직사각형 260">
+            <a:extLst>
+              <a:ext uri="{FF2B5EF4-FFF2-40B4-BE49-F238E27FC236}">
+                <a16:creationId xmlns:a16="http://schemas.microsoft.com/office/drawing/2014/main" id="{7C3350C7-C830-4147-8598-544372569151}"/>
+              </a:ext>
+            </a:extLst>
+          </p:cNvPr>
+          <p:cNvSpPr/>
+          <p:nvPr/>
+        </p:nvSpPr>
+        <p:spPr>
+          <a:xfrm>
+            <a:off x="39856056" y="14593231"/>
+            <a:ext cx="1484457" cy="419458"/>
+          </a:xfrm>
+          <a:prstGeom prst="rect">
+            <a:avLst/>
+          </a:prstGeom>
+        </p:spPr>
+        <p:style>
+          <a:lnRef idx="2">
+            <a:schemeClr val="dk1"/>
+          </a:lnRef>
+          <a:fillRef idx="1">
+            <a:schemeClr val="lt1"/>
+          </a:fillRef>
+          <a:effectRef idx="0">
+            <a:schemeClr val="dk1"/>
+          </a:effectRef>
+          <a:fontRef idx="minor">
+            <a:schemeClr val="dk1"/>
+          </a:fontRef>
+        </p:style>
+        <p:txBody>
+          <a:bodyPr rot="0" spcFirstLastPara="0" vertOverflow="overflow" horzOverflow="overflow" vert="horz" wrap="square" lIns="182869" tIns="91446" rIns="182869" bIns="91446" numCol="1" spcCol="0" rtlCol="0" fromWordArt="0" anchor="ctr" anchorCtr="0" forceAA="0" compatLnSpc="1">
+            <a:prstTxWarp prst="textNoShape">
+              <a:avLst/>
+            </a:prstTxWarp>
+            <a:noAutofit/>
+          </a:bodyPr>
+          <a:lstStyle/>
+          <a:p>
+            <a:pPr algn="ctr"/>
+            <a:r>
+              <a:rPr lang="ko-KR" altLang="en-US" sz="2000" b="1" dirty="0"/>
+              <a:t>공지사항</a:t>
+            </a:r>
+          </a:p>
+        </p:txBody>
+      </p:sp>
+      <p:sp>
+        <p:nvSpPr>
+          <p:cNvPr id="263" name="직사각형 262">
+            <a:extLst>
+              <a:ext uri="{FF2B5EF4-FFF2-40B4-BE49-F238E27FC236}">
+                <a16:creationId xmlns:a16="http://schemas.microsoft.com/office/drawing/2014/main" id="{BC14FF26-2C06-458F-93CF-EDB3DCC1F116}"/>
+              </a:ext>
+            </a:extLst>
+          </p:cNvPr>
+          <p:cNvSpPr/>
+          <p:nvPr/>
+        </p:nvSpPr>
+        <p:spPr>
+          <a:xfrm>
+            <a:off x="42052844" y="16116094"/>
+            <a:ext cx="1484457" cy="419458"/>
+          </a:xfrm>
+          <a:prstGeom prst="rect">
+            <a:avLst/>
+          </a:prstGeom>
+        </p:spPr>
+        <p:style>
+          <a:lnRef idx="2">
+            <a:schemeClr val="dk1"/>
+          </a:lnRef>
+          <a:fillRef idx="1">
+            <a:schemeClr val="lt1"/>
+          </a:fillRef>
+          <a:effectRef idx="0">
+            <a:schemeClr val="dk1"/>
+          </a:effectRef>
+          <a:fontRef idx="minor">
+            <a:schemeClr val="dk1"/>
+          </a:fontRef>
+        </p:style>
+        <p:txBody>
+          <a:bodyPr rot="0" spcFirstLastPara="0" vertOverflow="overflow" horzOverflow="overflow" vert="horz" wrap="square" lIns="182869" tIns="91446" rIns="182869" bIns="91446" numCol="1" spcCol="0" rtlCol="0" fromWordArt="0" anchor="ctr" anchorCtr="0" forceAA="0" compatLnSpc="1">
+            <a:prstTxWarp prst="textNoShape">
+              <a:avLst/>
+            </a:prstTxWarp>
+            <a:noAutofit/>
+          </a:bodyPr>
+          <a:lstStyle/>
+          <a:p>
+            <a:pPr algn="ctr"/>
+            <a:r>
+              <a:rPr lang="ko-KR" altLang="en-US" sz="2000" b="1" dirty="0"/>
+              <a:t>공지사항 상세보기</a:t>
+            </a:r>
+          </a:p>
+        </p:txBody>
+      </p:sp>
+      <p:sp>
+        <p:nvSpPr>
+          <p:cNvPr id="268" name="직사각형 267">
+            <a:extLst>
+              <a:ext uri="{FF2B5EF4-FFF2-40B4-BE49-F238E27FC236}">
+                <a16:creationId xmlns:a16="http://schemas.microsoft.com/office/drawing/2014/main" id="{D8E89BCF-A748-4E78-B48E-6E8B4E0EFFEC}"/>
+              </a:ext>
+            </a:extLst>
+          </p:cNvPr>
+          <p:cNvSpPr/>
+          <p:nvPr/>
+        </p:nvSpPr>
+        <p:spPr>
+          <a:xfrm>
+            <a:off x="40976575" y="15342249"/>
+            <a:ext cx="1484457" cy="419458"/>
+          </a:xfrm>
+          <a:prstGeom prst="rect">
+            <a:avLst/>
+          </a:prstGeom>
+        </p:spPr>
+        <p:style>
+          <a:lnRef idx="2">
+            <a:schemeClr val="dk1"/>
+          </a:lnRef>
+          <a:fillRef idx="1">
+            <a:schemeClr val="lt1"/>
+          </a:fillRef>
+          <a:effectRef idx="0">
+            <a:schemeClr val="dk1"/>
+          </a:effectRef>
+          <a:fontRef idx="minor">
+            <a:schemeClr val="dk1"/>
+          </a:fontRef>
+        </p:style>
+        <p:txBody>
+          <a:bodyPr rot="0" spcFirstLastPara="0" vertOverflow="overflow" horzOverflow="overflow" vert="horz" wrap="square" lIns="182869" tIns="91446" rIns="182869" bIns="91446" numCol="1" spcCol="0" rtlCol="0" fromWordArt="0" anchor="ctr" anchorCtr="0" forceAA="0" compatLnSpc="1">
+            <a:prstTxWarp prst="textNoShape">
+              <a:avLst/>
+            </a:prstTxWarp>
+            <a:noAutofit/>
+          </a:bodyPr>
+          <a:lstStyle/>
+          <a:p>
+            <a:pPr algn="ctr"/>
+            <a:r>
+              <a:rPr lang="ko-KR" altLang="en-US" sz="2000" b="1" dirty="0"/>
+              <a:t>공지사항조회</a:t>
+            </a:r>
+            <a:endParaRPr lang="en-US" altLang="ko-KR" sz="2000" b="1" dirty="0"/>
+          </a:p>
+        </p:txBody>
+      </p:sp>
+      <p:cxnSp>
+        <p:nvCxnSpPr>
+          <p:cNvPr id="270" name="연결선: 꺾임 269">
+            <a:extLst>
+              <a:ext uri="{FF2B5EF4-FFF2-40B4-BE49-F238E27FC236}">
+                <a16:creationId xmlns:a16="http://schemas.microsoft.com/office/drawing/2014/main" id="{1F916CDC-A21F-45E0-B153-119AC542BFEB}"/>
+              </a:ext>
+            </a:extLst>
+          </p:cNvPr>
+          <p:cNvCxnSpPr>
+            <a:stCxn id="261" idx="2"/>
+            <a:endCxn id="268" idx="1"/>
+          </p:cNvCxnSpPr>
+          <p:nvPr/>
+        </p:nvCxnSpPr>
+        <p:spPr>
+          <a:xfrm rot="16200000" flipH="1">
+            <a:off x="40517786" y="15093188"/>
+            <a:ext cx="539289" cy="378290"/>
+          </a:xfrm>
+          <a:prstGeom prst="bentConnector2">
+            <a:avLst/>
+          </a:prstGeom>
+        </p:spPr>
+        <p:style>
+          <a:lnRef idx="1">
+            <a:schemeClr val="dk1"/>
+          </a:lnRef>
+          <a:fillRef idx="0">
+            <a:schemeClr val="dk1"/>
+          </a:fillRef>
+          <a:effectRef idx="0">
+            <a:schemeClr val="dk1"/>
+          </a:effectRef>
+          <a:fontRef idx="minor">
+            <a:schemeClr val="tx1"/>
+          </a:fontRef>
+        </p:style>
+      </p:cxnSp>
+      <p:cxnSp>
+        <p:nvCxnSpPr>
+          <p:cNvPr id="273" name="연결선: 꺾임 272">
+            <a:extLst>
+              <a:ext uri="{FF2B5EF4-FFF2-40B4-BE49-F238E27FC236}">
+                <a16:creationId xmlns:a16="http://schemas.microsoft.com/office/drawing/2014/main" id="{BBDF3C06-DCB4-4B43-A7AD-6F1A6810115E}"/>
+              </a:ext>
+            </a:extLst>
+          </p:cNvPr>
+          <p:cNvCxnSpPr>
+            <a:stCxn id="268" idx="2"/>
+            <a:endCxn id="263" idx="1"/>
+          </p:cNvCxnSpPr>
+          <p:nvPr/>
+        </p:nvCxnSpPr>
+        <p:spPr>
+          <a:xfrm rot="16200000" flipH="1">
+            <a:off x="41603766" y="15876745"/>
             <a:ext cx="564116" cy="334040"/>
           </a:xfrm>
           <a:prstGeom prst="bentConnector2">
@@ -12790,6 +14079,858 @@
           </a:fillRef>
           <a:effectRef idx="0">
             <a:schemeClr val="dk1"/>
+          </a:effectRef>
+          <a:fontRef idx="minor">
+            <a:schemeClr val="tx1"/>
+          </a:fontRef>
+        </p:style>
+      </p:cxnSp>
+      <p:cxnSp>
+        <p:nvCxnSpPr>
+          <p:cNvPr id="23" name="연결선: 꺾임 22">
+            <a:extLst>
+              <a:ext uri="{FF2B5EF4-FFF2-40B4-BE49-F238E27FC236}">
+                <a16:creationId xmlns:a16="http://schemas.microsoft.com/office/drawing/2014/main" id="{96C2A037-EFCC-46EF-97A5-7E6BC982A83B}"/>
+              </a:ext>
+            </a:extLst>
+          </p:cNvPr>
+          <p:cNvCxnSpPr>
+            <a:stCxn id="438" idx="2"/>
+            <a:endCxn id="261" idx="0"/>
+          </p:cNvCxnSpPr>
+          <p:nvPr/>
+        </p:nvCxnSpPr>
+        <p:spPr>
+          <a:xfrm rot="5400000">
+            <a:off x="39977543" y="13617797"/>
+            <a:ext cx="1596177" cy="354691"/>
+          </a:xfrm>
+          <a:prstGeom prst="bentConnector3">
+            <a:avLst/>
+          </a:prstGeom>
+        </p:spPr>
+        <p:style>
+          <a:lnRef idx="1">
+            <a:schemeClr val="accent1"/>
+          </a:lnRef>
+          <a:fillRef idx="0">
+            <a:schemeClr val="accent1"/>
+          </a:fillRef>
+          <a:effectRef idx="0">
+            <a:schemeClr val="accent1"/>
+          </a:effectRef>
+          <a:fontRef idx="minor">
+            <a:schemeClr val="tx1"/>
+          </a:fontRef>
+        </p:style>
+      </p:cxnSp>
+      <p:cxnSp>
+        <p:nvCxnSpPr>
+          <p:cNvPr id="26" name="연결선: 꺾임 25">
+            <a:extLst>
+              <a:ext uri="{FF2B5EF4-FFF2-40B4-BE49-F238E27FC236}">
+                <a16:creationId xmlns:a16="http://schemas.microsoft.com/office/drawing/2014/main" id="{A0EC4A49-4F35-4D3C-93AF-2CCCC513CEB4}"/>
+              </a:ext>
+            </a:extLst>
+          </p:cNvPr>
+          <p:cNvCxnSpPr>
+            <a:stCxn id="438" idx="2"/>
+            <a:endCxn id="453" idx="0"/>
+          </p:cNvCxnSpPr>
+          <p:nvPr/>
+        </p:nvCxnSpPr>
+        <p:spPr>
+          <a:xfrm rot="5400000">
+            <a:off x="35480250" y="9090314"/>
+            <a:ext cx="1565986" cy="9379466"/>
+          </a:xfrm>
+          <a:prstGeom prst="bentConnector3">
+            <a:avLst/>
+          </a:prstGeom>
+        </p:spPr>
+        <p:style>
+          <a:lnRef idx="1">
+            <a:schemeClr val="accent1"/>
+          </a:lnRef>
+          <a:fillRef idx="0">
+            <a:schemeClr val="accent1"/>
+          </a:fillRef>
+          <a:effectRef idx="0">
+            <a:schemeClr val="accent1"/>
+          </a:effectRef>
+          <a:fontRef idx="minor">
+            <a:schemeClr val="tx1"/>
+          </a:fontRef>
+        </p:style>
+      </p:cxnSp>
+      <p:cxnSp>
+        <p:nvCxnSpPr>
+          <p:cNvPr id="29" name="연결선: 꺾임 28">
+            <a:extLst>
+              <a:ext uri="{FF2B5EF4-FFF2-40B4-BE49-F238E27FC236}">
+                <a16:creationId xmlns:a16="http://schemas.microsoft.com/office/drawing/2014/main" id="{82580CE3-8603-4675-BC24-B8D9A3018B62}"/>
+              </a:ext>
+            </a:extLst>
+          </p:cNvPr>
+          <p:cNvCxnSpPr>
+            <a:stCxn id="438" idx="2"/>
+            <a:endCxn id="462" idx="0"/>
+          </p:cNvCxnSpPr>
+          <p:nvPr/>
+        </p:nvCxnSpPr>
+        <p:spPr>
+          <a:xfrm rot="5400000">
+            <a:off x="37860885" y="11470949"/>
+            <a:ext cx="1565986" cy="4618197"/>
+          </a:xfrm>
+          <a:prstGeom prst="bentConnector3">
+            <a:avLst/>
+          </a:prstGeom>
+        </p:spPr>
+        <p:style>
+          <a:lnRef idx="1">
+            <a:schemeClr val="accent1"/>
+          </a:lnRef>
+          <a:fillRef idx="0">
+            <a:schemeClr val="accent1"/>
+          </a:fillRef>
+          <a:effectRef idx="0">
+            <a:schemeClr val="accent1"/>
+          </a:effectRef>
+          <a:fontRef idx="minor">
+            <a:schemeClr val="tx1"/>
+          </a:fontRef>
+        </p:style>
+      </p:cxnSp>
+      <p:sp>
+        <p:nvSpPr>
+          <p:cNvPr id="276" name="직사각형 275">
+            <a:extLst>
+              <a:ext uri="{FF2B5EF4-FFF2-40B4-BE49-F238E27FC236}">
+                <a16:creationId xmlns:a16="http://schemas.microsoft.com/office/drawing/2014/main" id="{350D630E-D593-4F7B-9BEC-FBD63C09D47A}"/>
+              </a:ext>
+            </a:extLst>
+          </p:cNvPr>
+          <p:cNvSpPr/>
+          <p:nvPr/>
+        </p:nvSpPr>
+        <p:spPr>
+          <a:xfrm>
+            <a:off x="42815547" y="14501454"/>
+            <a:ext cx="1484457" cy="419458"/>
+          </a:xfrm>
+          <a:prstGeom prst="rect">
+            <a:avLst/>
+          </a:prstGeom>
+        </p:spPr>
+        <p:style>
+          <a:lnRef idx="2">
+            <a:schemeClr val="dk1"/>
+          </a:lnRef>
+          <a:fillRef idx="1">
+            <a:schemeClr val="lt1"/>
+          </a:fillRef>
+          <a:effectRef idx="0">
+            <a:schemeClr val="dk1"/>
+          </a:effectRef>
+          <a:fontRef idx="minor">
+            <a:schemeClr val="dk1"/>
+          </a:fontRef>
+        </p:style>
+        <p:txBody>
+          <a:bodyPr rot="0" spcFirstLastPara="0" vertOverflow="overflow" horzOverflow="overflow" vert="horz" wrap="square" lIns="182869" tIns="91446" rIns="182869" bIns="91446" numCol="1" spcCol="0" rtlCol="0" fromWordArt="0" anchor="ctr" anchorCtr="0" forceAA="0" compatLnSpc="1">
+            <a:prstTxWarp prst="textNoShape">
+              <a:avLst/>
+            </a:prstTxWarp>
+            <a:noAutofit/>
+          </a:bodyPr>
+          <a:lstStyle/>
+          <a:p>
+            <a:pPr algn="ctr"/>
+            <a:r>
+              <a:rPr lang="ko-KR" altLang="en-US" sz="2000" b="1" dirty="0"/>
+              <a:t>할인정보</a:t>
+            </a:r>
+          </a:p>
+        </p:txBody>
+      </p:sp>
+      <p:sp>
+        <p:nvSpPr>
+          <p:cNvPr id="278" name="직사각형 277">
+            <a:extLst>
+              <a:ext uri="{FF2B5EF4-FFF2-40B4-BE49-F238E27FC236}">
+                <a16:creationId xmlns:a16="http://schemas.microsoft.com/office/drawing/2014/main" id="{CDCD638C-1E17-43A1-9779-933933473726}"/>
+              </a:ext>
+            </a:extLst>
+          </p:cNvPr>
+          <p:cNvSpPr/>
+          <p:nvPr/>
+        </p:nvSpPr>
+        <p:spPr>
+          <a:xfrm>
+            <a:off x="43730551" y="15200710"/>
+            <a:ext cx="1484457" cy="419458"/>
+          </a:xfrm>
+          <a:prstGeom prst="rect">
+            <a:avLst/>
+          </a:prstGeom>
+        </p:spPr>
+        <p:style>
+          <a:lnRef idx="2">
+            <a:schemeClr val="dk1"/>
+          </a:lnRef>
+          <a:fillRef idx="1">
+            <a:schemeClr val="lt1"/>
+          </a:fillRef>
+          <a:effectRef idx="0">
+            <a:schemeClr val="dk1"/>
+          </a:effectRef>
+          <a:fontRef idx="minor">
+            <a:schemeClr val="dk1"/>
+          </a:fontRef>
+        </p:style>
+        <p:txBody>
+          <a:bodyPr rot="0" spcFirstLastPara="0" vertOverflow="overflow" horzOverflow="overflow" vert="horz" wrap="square" lIns="182869" tIns="91446" rIns="182869" bIns="91446" numCol="1" spcCol="0" rtlCol="0" fromWordArt="0" anchor="ctr" anchorCtr="0" forceAA="0" compatLnSpc="1">
+            <a:prstTxWarp prst="textNoShape">
+              <a:avLst/>
+            </a:prstTxWarp>
+            <a:noAutofit/>
+          </a:bodyPr>
+          <a:lstStyle/>
+          <a:p>
+            <a:pPr algn="ctr"/>
+            <a:r>
+              <a:rPr lang="ko-KR" altLang="en-US" sz="2000" b="1" dirty="0"/>
+              <a:t>할인정보</a:t>
+            </a:r>
+            <a:br>
+              <a:rPr lang="en-US" altLang="ko-KR" sz="2000" b="1" dirty="0"/>
+            </a:br>
+            <a:r>
+              <a:rPr lang="ko-KR" altLang="en-US" sz="2000" b="1" dirty="0"/>
+              <a:t>조회</a:t>
+            </a:r>
+            <a:endParaRPr lang="en-US" altLang="ko-KR" sz="2000" b="1" dirty="0"/>
+          </a:p>
+        </p:txBody>
+      </p:sp>
+      <p:sp>
+        <p:nvSpPr>
+          <p:cNvPr id="280" name="직사각형 279">
+            <a:extLst>
+              <a:ext uri="{FF2B5EF4-FFF2-40B4-BE49-F238E27FC236}">
+                <a16:creationId xmlns:a16="http://schemas.microsoft.com/office/drawing/2014/main" id="{70E9F867-2779-4C7C-9FAA-E4E2F1C60A20}"/>
+              </a:ext>
+            </a:extLst>
+          </p:cNvPr>
+          <p:cNvSpPr/>
+          <p:nvPr/>
+        </p:nvSpPr>
+        <p:spPr>
+          <a:xfrm>
+            <a:off x="44887788" y="16003130"/>
+            <a:ext cx="1484457" cy="419458"/>
+          </a:xfrm>
+          <a:prstGeom prst="rect">
+            <a:avLst/>
+          </a:prstGeom>
+        </p:spPr>
+        <p:style>
+          <a:lnRef idx="2">
+            <a:schemeClr val="dk1"/>
+          </a:lnRef>
+          <a:fillRef idx="1">
+            <a:schemeClr val="lt1"/>
+          </a:fillRef>
+          <a:effectRef idx="0">
+            <a:schemeClr val="dk1"/>
+          </a:effectRef>
+          <a:fontRef idx="minor">
+            <a:schemeClr val="dk1"/>
+          </a:fontRef>
+        </p:style>
+        <p:txBody>
+          <a:bodyPr rot="0" spcFirstLastPara="0" vertOverflow="overflow" horzOverflow="overflow" vert="horz" wrap="square" lIns="182869" tIns="91446" rIns="182869" bIns="91446" numCol="1" spcCol="0" rtlCol="0" fromWordArt="0" anchor="ctr" anchorCtr="0" forceAA="0" compatLnSpc="1">
+            <a:prstTxWarp prst="textNoShape">
+              <a:avLst/>
+            </a:prstTxWarp>
+            <a:noAutofit/>
+          </a:bodyPr>
+          <a:lstStyle/>
+          <a:p>
+            <a:pPr algn="ctr"/>
+            <a:r>
+              <a:rPr lang="ko-KR" altLang="en-US" sz="2000" b="1" dirty="0"/>
+              <a:t>할인정보</a:t>
+            </a:r>
+            <a:br>
+              <a:rPr lang="en-US" altLang="ko-KR" sz="2000" b="1" dirty="0"/>
+            </a:br>
+            <a:r>
+              <a:rPr lang="ko-KR" altLang="en-US" sz="2000" b="1" dirty="0"/>
+              <a:t>상세보기</a:t>
+            </a:r>
+            <a:endParaRPr lang="en-US" altLang="ko-KR" sz="2000" b="1" dirty="0"/>
+          </a:p>
+        </p:txBody>
+      </p:sp>
+      <p:cxnSp>
+        <p:nvCxnSpPr>
+          <p:cNvPr id="282" name="연결선: 꺾임 281">
+            <a:extLst>
+              <a:ext uri="{FF2B5EF4-FFF2-40B4-BE49-F238E27FC236}">
+                <a16:creationId xmlns:a16="http://schemas.microsoft.com/office/drawing/2014/main" id="{FCDD866E-6623-4E5B-91FE-CF52FE2620FD}"/>
+              </a:ext>
+            </a:extLst>
+          </p:cNvPr>
+          <p:cNvCxnSpPr>
+            <a:stCxn id="278" idx="2"/>
+            <a:endCxn id="280" idx="1"/>
+          </p:cNvCxnSpPr>
+          <p:nvPr/>
+        </p:nvCxnSpPr>
+        <p:spPr>
+          <a:xfrm rot="16200000" flipH="1">
+            <a:off x="44383939" y="15709009"/>
+            <a:ext cx="592691" cy="415008"/>
+          </a:xfrm>
+          <a:prstGeom prst="bentConnector2">
+            <a:avLst/>
+          </a:prstGeom>
+        </p:spPr>
+        <p:style>
+          <a:lnRef idx="1">
+            <a:schemeClr val="dk1"/>
+          </a:lnRef>
+          <a:fillRef idx="0">
+            <a:schemeClr val="dk1"/>
+          </a:fillRef>
+          <a:effectRef idx="0">
+            <a:schemeClr val="dk1"/>
+          </a:effectRef>
+          <a:fontRef idx="minor">
+            <a:schemeClr val="tx1"/>
+          </a:fontRef>
+        </p:style>
+      </p:cxnSp>
+      <p:cxnSp>
+        <p:nvCxnSpPr>
+          <p:cNvPr id="101" name="연결선: 꺾임 100">
+            <a:extLst>
+              <a:ext uri="{FF2B5EF4-FFF2-40B4-BE49-F238E27FC236}">
+                <a16:creationId xmlns:a16="http://schemas.microsoft.com/office/drawing/2014/main" id="{FBE52A22-24BB-4C45-ACEE-CBE127C2A61E}"/>
+              </a:ext>
+            </a:extLst>
+          </p:cNvPr>
+          <p:cNvCxnSpPr>
+            <a:stCxn id="438" idx="2"/>
+            <a:endCxn id="276" idx="0"/>
+          </p:cNvCxnSpPr>
+          <p:nvPr/>
+        </p:nvCxnSpPr>
+        <p:spPr>
+          <a:xfrm rot="16200000" flipH="1">
+            <a:off x="41503176" y="12446854"/>
+            <a:ext cx="1504400" cy="2604800"/>
+          </a:xfrm>
+          <a:prstGeom prst="bentConnector3">
+            <a:avLst/>
+          </a:prstGeom>
+        </p:spPr>
+        <p:style>
+          <a:lnRef idx="1">
+            <a:schemeClr val="accent1"/>
+          </a:lnRef>
+          <a:fillRef idx="0">
+            <a:schemeClr val="accent1"/>
+          </a:fillRef>
+          <a:effectRef idx="0">
+            <a:schemeClr val="accent1"/>
+          </a:effectRef>
+          <a:fontRef idx="minor">
+            <a:schemeClr val="tx1"/>
+          </a:fontRef>
+        </p:style>
+      </p:cxnSp>
+      <p:sp>
+        <p:nvSpPr>
+          <p:cNvPr id="284" name="직사각형 283">
+            <a:extLst>
+              <a:ext uri="{FF2B5EF4-FFF2-40B4-BE49-F238E27FC236}">
+                <a16:creationId xmlns:a16="http://schemas.microsoft.com/office/drawing/2014/main" id="{DD1F4E3E-855F-499A-B959-53380A567228}"/>
+              </a:ext>
+            </a:extLst>
+          </p:cNvPr>
+          <p:cNvSpPr/>
+          <p:nvPr/>
+        </p:nvSpPr>
+        <p:spPr>
+          <a:xfrm>
+            <a:off x="41232174" y="23469210"/>
+            <a:ext cx="2258402" cy="419458"/>
+          </a:xfrm>
+          <a:prstGeom prst="rect">
+            <a:avLst/>
+          </a:prstGeom>
+        </p:spPr>
+        <p:style>
+          <a:lnRef idx="2">
+            <a:schemeClr val="dk1"/>
+          </a:lnRef>
+          <a:fillRef idx="1">
+            <a:schemeClr val="lt1"/>
+          </a:fillRef>
+          <a:effectRef idx="0">
+            <a:schemeClr val="dk1"/>
+          </a:effectRef>
+          <a:fontRef idx="minor">
+            <a:schemeClr val="dk1"/>
+          </a:fontRef>
+        </p:style>
+        <p:txBody>
+          <a:bodyPr rot="0" spcFirstLastPara="0" vertOverflow="overflow" horzOverflow="overflow" vert="horz" wrap="square" lIns="182869" tIns="91446" rIns="182869" bIns="91446" numCol="1" spcCol="0" rtlCol="0" fromWordArt="0" anchor="ctr" anchorCtr="0" forceAA="0" compatLnSpc="1">
+            <a:prstTxWarp prst="textNoShape">
+              <a:avLst/>
+            </a:prstTxWarp>
+            <a:noAutofit/>
+          </a:bodyPr>
+          <a:lstStyle/>
+          <a:p>
+            <a:pPr algn="ctr"/>
+            <a:r>
+              <a:rPr lang="ko-KR" altLang="en-US" sz="2000" b="1" dirty="0"/>
+              <a:t>영화 </a:t>
+            </a:r>
+            <a:r>
+              <a:rPr lang="ko-KR" altLang="en-US" sz="2000" b="1" dirty="0" err="1"/>
+              <a:t>한줄평</a:t>
+            </a:r>
+            <a:r>
+              <a:rPr lang="ko-KR" altLang="en-US" sz="2000" b="1" dirty="0"/>
+              <a:t> 조회</a:t>
+            </a:r>
+          </a:p>
+        </p:txBody>
+      </p:sp>
+      <p:sp>
+        <p:nvSpPr>
+          <p:cNvPr id="286" name="직사각형 285">
+            <a:extLst>
+              <a:ext uri="{FF2B5EF4-FFF2-40B4-BE49-F238E27FC236}">
+                <a16:creationId xmlns:a16="http://schemas.microsoft.com/office/drawing/2014/main" id="{66F4A63D-DA8D-422C-9806-A377C2C6C4A8}"/>
+              </a:ext>
+            </a:extLst>
+          </p:cNvPr>
+          <p:cNvSpPr/>
+          <p:nvPr/>
+        </p:nvSpPr>
+        <p:spPr>
+          <a:xfrm>
+            <a:off x="41232174" y="22640893"/>
+            <a:ext cx="2258402" cy="419458"/>
+          </a:xfrm>
+          <a:prstGeom prst="rect">
+            <a:avLst/>
+          </a:prstGeom>
+        </p:spPr>
+        <p:style>
+          <a:lnRef idx="2">
+            <a:schemeClr val="dk1"/>
+          </a:lnRef>
+          <a:fillRef idx="1">
+            <a:schemeClr val="lt1"/>
+          </a:fillRef>
+          <a:effectRef idx="0">
+            <a:schemeClr val="dk1"/>
+          </a:effectRef>
+          <a:fontRef idx="minor">
+            <a:schemeClr val="dk1"/>
+          </a:fontRef>
+        </p:style>
+        <p:txBody>
+          <a:bodyPr rot="0" spcFirstLastPara="0" vertOverflow="overflow" horzOverflow="overflow" vert="horz" wrap="square" lIns="182869" tIns="91446" rIns="182869" bIns="91446" numCol="1" spcCol="0" rtlCol="0" fromWordArt="0" anchor="ctr" anchorCtr="0" forceAA="0" compatLnSpc="1">
+            <a:prstTxWarp prst="textNoShape">
+              <a:avLst/>
+            </a:prstTxWarp>
+            <a:noAutofit/>
+          </a:bodyPr>
+          <a:lstStyle/>
+          <a:p>
+            <a:pPr algn="ctr"/>
+            <a:r>
+              <a:rPr lang="ko-KR" altLang="en-US" sz="2000" b="1"/>
+              <a:t>영화 정보 삭제</a:t>
+            </a:r>
+          </a:p>
+        </p:txBody>
+      </p:sp>
+      <p:cxnSp>
+        <p:nvCxnSpPr>
+          <p:cNvPr id="105" name="연결선: 꺾임 104">
+            <a:extLst>
+              <a:ext uri="{FF2B5EF4-FFF2-40B4-BE49-F238E27FC236}">
+                <a16:creationId xmlns:a16="http://schemas.microsoft.com/office/drawing/2014/main" id="{9D447733-1B27-456E-9FA6-C7145AF50819}"/>
+              </a:ext>
+            </a:extLst>
+          </p:cNvPr>
+          <p:cNvCxnSpPr>
+            <a:stCxn id="221" idx="2"/>
+            <a:endCxn id="286" idx="1"/>
+          </p:cNvCxnSpPr>
+          <p:nvPr/>
+        </p:nvCxnSpPr>
+        <p:spPr>
+          <a:xfrm rot="16200000" flipH="1">
+            <a:off x="40403295" y="22021742"/>
+            <a:ext cx="1258041" cy="399717"/>
+          </a:xfrm>
+          <a:prstGeom prst="bentConnector2">
+            <a:avLst/>
+          </a:prstGeom>
+        </p:spPr>
+        <p:style>
+          <a:lnRef idx="1">
+            <a:schemeClr val="accent1"/>
+          </a:lnRef>
+          <a:fillRef idx="0">
+            <a:schemeClr val="accent1"/>
+          </a:fillRef>
+          <a:effectRef idx="0">
+            <a:schemeClr val="accent1"/>
+          </a:effectRef>
+          <a:fontRef idx="minor">
+            <a:schemeClr val="tx1"/>
+          </a:fontRef>
+        </p:style>
+      </p:cxnSp>
+      <p:cxnSp>
+        <p:nvCxnSpPr>
+          <p:cNvPr id="109" name="연결선: 꺾임 108">
+            <a:extLst>
+              <a:ext uri="{FF2B5EF4-FFF2-40B4-BE49-F238E27FC236}">
+                <a16:creationId xmlns:a16="http://schemas.microsoft.com/office/drawing/2014/main" id="{55DAD30C-EED2-4C7F-AEDC-0119CD930576}"/>
+              </a:ext>
+            </a:extLst>
+          </p:cNvPr>
+          <p:cNvCxnSpPr>
+            <a:stCxn id="221" idx="2"/>
+            <a:endCxn id="284" idx="1"/>
+          </p:cNvCxnSpPr>
+          <p:nvPr/>
+        </p:nvCxnSpPr>
+        <p:spPr>
+          <a:xfrm rot="16200000" flipH="1">
+            <a:off x="39989136" y="22435901"/>
+            <a:ext cx="2086358" cy="399717"/>
+          </a:xfrm>
+          <a:prstGeom prst="bentConnector2">
+            <a:avLst/>
+          </a:prstGeom>
+        </p:spPr>
+        <p:style>
+          <a:lnRef idx="1">
+            <a:schemeClr val="accent1"/>
+          </a:lnRef>
+          <a:fillRef idx="0">
+            <a:schemeClr val="accent1"/>
+          </a:fillRef>
+          <a:effectRef idx="0">
+            <a:schemeClr val="accent1"/>
+          </a:effectRef>
+          <a:fontRef idx="minor">
+            <a:schemeClr val="tx1"/>
+          </a:fontRef>
+        </p:style>
+      </p:cxnSp>
+      <p:sp>
+        <p:nvSpPr>
+          <p:cNvPr id="289" name="직사각형 288">
+            <a:extLst>
+              <a:ext uri="{FF2B5EF4-FFF2-40B4-BE49-F238E27FC236}">
+                <a16:creationId xmlns:a16="http://schemas.microsoft.com/office/drawing/2014/main" id="{F30D1BEB-17A3-4638-975A-62595C0F72A0}"/>
+              </a:ext>
+            </a:extLst>
+          </p:cNvPr>
+          <p:cNvSpPr/>
+          <p:nvPr/>
+        </p:nvSpPr>
+        <p:spPr>
+          <a:xfrm>
+            <a:off x="42752181" y="24207512"/>
+            <a:ext cx="2258402" cy="419458"/>
+          </a:xfrm>
+          <a:prstGeom prst="rect">
+            <a:avLst/>
+          </a:prstGeom>
+        </p:spPr>
+        <p:style>
+          <a:lnRef idx="2">
+            <a:schemeClr val="dk1"/>
+          </a:lnRef>
+          <a:fillRef idx="1">
+            <a:schemeClr val="lt1"/>
+          </a:fillRef>
+          <a:effectRef idx="0">
+            <a:schemeClr val="dk1"/>
+          </a:effectRef>
+          <a:fontRef idx="minor">
+            <a:schemeClr val="dk1"/>
+          </a:fontRef>
+        </p:style>
+        <p:txBody>
+          <a:bodyPr rot="0" spcFirstLastPara="0" vertOverflow="overflow" horzOverflow="overflow" vert="horz" wrap="square" lIns="182869" tIns="91446" rIns="182869" bIns="91446" numCol="1" spcCol="0" rtlCol="0" fromWordArt="0" anchor="ctr" anchorCtr="0" forceAA="0" compatLnSpc="1">
+            <a:prstTxWarp prst="textNoShape">
+              <a:avLst/>
+            </a:prstTxWarp>
+            <a:noAutofit/>
+          </a:bodyPr>
+          <a:lstStyle/>
+          <a:p>
+            <a:pPr algn="ctr"/>
+            <a:r>
+              <a:rPr lang="ko-KR" altLang="en-US" sz="2000" b="1" dirty="0"/>
+              <a:t>영화 </a:t>
+            </a:r>
+            <a:r>
+              <a:rPr lang="ko-KR" altLang="en-US" sz="2000" b="1" dirty="0" err="1"/>
+              <a:t>한줄평</a:t>
+            </a:r>
+            <a:r>
+              <a:rPr lang="ko-KR" altLang="en-US" sz="2000" b="1" dirty="0"/>
+              <a:t> 수정</a:t>
+            </a:r>
+            <a:endParaRPr lang="en-US" altLang="ko-KR" sz="2000" b="1" dirty="0"/>
+          </a:p>
+        </p:txBody>
+      </p:sp>
+      <p:sp>
+        <p:nvSpPr>
+          <p:cNvPr id="290" name="직사각형 289">
+            <a:extLst>
+              <a:ext uri="{FF2B5EF4-FFF2-40B4-BE49-F238E27FC236}">
+                <a16:creationId xmlns:a16="http://schemas.microsoft.com/office/drawing/2014/main" id="{0B86A549-0F50-48E8-85BB-7D1FF7A8F560}"/>
+              </a:ext>
+            </a:extLst>
+          </p:cNvPr>
+          <p:cNvSpPr/>
+          <p:nvPr/>
+        </p:nvSpPr>
+        <p:spPr>
+          <a:xfrm>
+            <a:off x="42783139" y="24977115"/>
+            <a:ext cx="2258402" cy="419458"/>
+          </a:xfrm>
+          <a:prstGeom prst="rect">
+            <a:avLst/>
+          </a:prstGeom>
+        </p:spPr>
+        <p:style>
+          <a:lnRef idx="2">
+            <a:schemeClr val="dk1"/>
+          </a:lnRef>
+          <a:fillRef idx="1">
+            <a:schemeClr val="lt1"/>
+          </a:fillRef>
+          <a:effectRef idx="0">
+            <a:schemeClr val="dk1"/>
+          </a:effectRef>
+          <a:fontRef idx="minor">
+            <a:schemeClr val="dk1"/>
+          </a:fontRef>
+        </p:style>
+        <p:txBody>
+          <a:bodyPr rot="0" spcFirstLastPara="0" vertOverflow="overflow" horzOverflow="overflow" vert="horz" wrap="square" lIns="182869" tIns="91446" rIns="182869" bIns="91446" numCol="1" spcCol="0" rtlCol="0" fromWordArt="0" anchor="ctr" anchorCtr="0" forceAA="0" compatLnSpc="1">
+            <a:prstTxWarp prst="textNoShape">
+              <a:avLst/>
+            </a:prstTxWarp>
+            <a:noAutofit/>
+          </a:bodyPr>
+          <a:lstStyle/>
+          <a:p>
+            <a:pPr algn="ctr"/>
+            <a:r>
+              <a:rPr lang="ko-KR" altLang="en-US" sz="2000" b="1" dirty="0"/>
+              <a:t>영화 </a:t>
+            </a:r>
+            <a:r>
+              <a:rPr lang="ko-KR" altLang="en-US" sz="2000" b="1" dirty="0" err="1"/>
+              <a:t>한줄평</a:t>
+            </a:r>
+            <a:r>
+              <a:rPr lang="ko-KR" altLang="en-US" sz="2000" b="1" dirty="0"/>
+              <a:t> 삭제</a:t>
+            </a:r>
+            <a:endParaRPr lang="en-US" altLang="ko-KR" sz="2000" b="1" dirty="0"/>
+          </a:p>
+        </p:txBody>
+      </p:sp>
+      <p:cxnSp>
+        <p:nvCxnSpPr>
+          <p:cNvPr id="113" name="연결선: 꺾임 112">
+            <a:extLst>
+              <a:ext uri="{FF2B5EF4-FFF2-40B4-BE49-F238E27FC236}">
+                <a16:creationId xmlns:a16="http://schemas.microsoft.com/office/drawing/2014/main" id="{8AF47CC4-404D-4147-B36A-5BD7DE2CA1C4}"/>
+              </a:ext>
+            </a:extLst>
+          </p:cNvPr>
+          <p:cNvCxnSpPr>
+            <a:stCxn id="284" idx="2"/>
+            <a:endCxn id="289" idx="1"/>
+          </p:cNvCxnSpPr>
+          <p:nvPr/>
+        </p:nvCxnSpPr>
+        <p:spPr>
+          <a:xfrm rot="16200000" flipH="1">
+            <a:off x="42292492" y="23957551"/>
+            <a:ext cx="528573" cy="390806"/>
+          </a:xfrm>
+          <a:prstGeom prst="bentConnector2">
+            <a:avLst/>
+          </a:prstGeom>
+        </p:spPr>
+        <p:style>
+          <a:lnRef idx="1">
+            <a:schemeClr val="accent1"/>
+          </a:lnRef>
+          <a:fillRef idx="0">
+            <a:schemeClr val="accent1"/>
+          </a:fillRef>
+          <a:effectRef idx="0">
+            <a:schemeClr val="accent1"/>
+          </a:effectRef>
+          <a:fontRef idx="minor">
+            <a:schemeClr val="tx1"/>
+          </a:fontRef>
+        </p:style>
+      </p:cxnSp>
+      <p:cxnSp>
+        <p:nvCxnSpPr>
+          <p:cNvPr id="117" name="연결선: 꺾임 116">
+            <a:extLst>
+              <a:ext uri="{FF2B5EF4-FFF2-40B4-BE49-F238E27FC236}">
+                <a16:creationId xmlns:a16="http://schemas.microsoft.com/office/drawing/2014/main" id="{CE315833-A323-4831-8376-FF11B6209035}"/>
+              </a:ext>
+            </a:extLst>
+          </p:cNvPr>
+          <p:cNvCxnSpPr>
+            <a:stCxn id="284" idx="2"/>
+            <a:endCxn id="290" idx="1"/>
+          </p:cNvCxnSpPr>
+          <p:nvPr/>
+        </p:nvCxnSpPr>
+        <p:spPr>
+          <a:xfrm rot="16200000" flipH="1">
+            <a:off x="41923169" y="24326874"/>
+            <a:ext cx="1298176" cy="421764"/>
+          </a:xfrm>
+          <a:prstGeom prst="bentConnector2">
+            <a:avLst/>
+          </a:prstGeom>
+        </p:spPr>
+        <p:style>
+          <a:lnRef idx="1">
+            <a:schemeClr val="accent1"/>
+          </a:lnRef>
+          <a:fillRef idx="0">
+            <a:schemeClr val="accent1"/>
+          </a:fillRef>
+          <a:effectRef idx="0">
+            <a:schemeClr val="accent1"/>
+          </a:effectRef>
+          <a:fontRef idx="minor">
+            <a:schemeClr val="tx1"/>
+          </a:fontRef>
+        </p:style>
+      </p:cxnSp>
+      <p:sp>
+        <p:nvSpPr>
+          <p:cNvPr id="291" name="직사각형 290">
+            <a:extLst>
+              <a:ext uri="{FF2B5EF4-FFF2-40B4-BE49-F238E27FC236}">
+                <a16:creationId xmlns:a16="http://schemas.microsoft.com/office/drawing/2014/main" id="{C1CB0867-4A55-477F-8B6A-4B0A45CA074A}"/>
+              </a:ext>
+            </a:extLst>
+          </p:cNvPr>
+          <p:cNvSpPr/>
+          <p:nvPr/>
+        </p:nvSpPr>
+        <p:spPr>
+          <a:xfrm>
+            <a:off x="18889666" y="7260478"/>
+            <a:ext cx="2020114" cy="419458"/>
+          </a:xfrm>
+          <a:prstGeom prst="rect">
+            <a:avLst/>
+          </a:prstGeom>
+        </p:spPr>
+        <p:style>
+          <a:lnRef idx="2">
+            <a:schemeClr val="dk1"/>
+          </a:lnRef>
+          <a:fillRef idx="1">
+            <a:schemeClr val="lt1"/>
+          </a:fillRef>
+          <a:effectRef idx="0">
+            <a:schemeClr val="dk1"/>
+          </a:effectRef>
+          <a:fontRef idx="minor">
+            <a:schemeClr val="dk1"/>
+          </a:fontRef>
+        </p:style>
+        <p:txBody>
+          <a:bodyPr rot="0" spcFirstLastPara="0" vertOverflow="overflow" horzOverflow="overflow" vert="horz" wrap="square" lIns="182869" tIns="91446" rIns="182869" bIns="91446" numCol="1" spcCol="0" rtlCol="0" fromWordArt="0" anchor="ctr" anchorCtr="0" forceAA="0" compatLnSpc="1">
+            <a:prstTxWarp prst="textNoShape">
+              <a:avLst/>
+            </a:prstTxWarp>
+            <a:noAutofit/>
+          </a:bodyPr>
+          <a:lstStyle/>
+          <a:p>
+            <a:pPr algn="ctr"/>
+            <a:r>
+              <a:rPr lang="ko-KR" altLang="en-US" sz="2000" b="1" dirty="0" err="1"/>
+              <a:t>기프티콘</a:t>
+            </a:r>
+            <a:r>
+              <a:rPr lang="ko-KR" altLang="en-US" sz="2000" b="1" dirty="0"/>
+              <a:t> 조회</a:t>
+            </a:r>
+          </a:p>
+        </p:txBody>
+      </p:sp>
+      <p:cxnSp>
+        <p:nvCxnSpPr>
+          <p:cNvPr id="129" name="연결선: 꺾임 128">
+            <a:extLst>
+              <a:ext uri="{FF2B5EF4-FFF2-40B4-BE49-F238E27FC236}">
+                <a16:creationId xmlns:a16="http://schemas.microsoft.com/office/drawing/2014/main" id="{06500068-A6A3-4691-9D08-56C3F8050C51}"/>
+              </a:ext>
+            </a:extLst>
+          </p:cNvPr>
+          <p:cNvCxnSpPr>
+            <a:stCxn id="357" idx="2"/>
+            <a:endCxn id="291" idx="1"/>
+          </p:cNvCxnSpPr>
+          <p:nvPr/>
+        </p:nvCxnSpPr>
+        <p:spPr>
+          <a:xfrm rot="16200000" flipH="1">
+            <a:off x="18352218" y="6932759"/>
+            <a:ext cx="579496" cy="495400"/>
+          </a:xfrm>
+          <a:prstGeom prst="bentConnector2">
+            <a:avLst/>
+          </a:prstGeom>
+        </p:spPr>
+        <p:style>
+          <a:lnRef idx="1">
+            <a:schemeClr val="accent1"/>
+          </a:lnRef>
+          <a:fillRef idx="0">
+            <a:schemeClr val="accent1"/>
+          </a:fillRef>
+          <a:effectRef idx="0">
+            <a:schemeClr val="accent1"/>
           </a:effectRef>
           <a:fontRef idx="minor">
             <a:schemeClr val="tx1"/>

--- a/2조 멀티플렉스 영화관 관리 시스템 메뉴구조도.pptx
+++ b/2조 멀티플렉스 영화관 관리 시스템 메뉴구조도.pptx
@@ -3408,6 +3408,12 @@
           <a:prstGeom prst="rect">
             <a:avLst/>
           </a:prstGeom>
+          <a:solidFill>
+            <a:schemeClr val="accent4">
+              <a:lumMod val="20000"/>
+              <a:lumOff val="80000"/>
+            </a:schemeClr>
+          </a:solidFill>
           <a:ln>
             <a:solidFill>
               <a:schemeClr val="tx1"/>
@@ -3459,12 +3465,18 @@
         </p:nvSpPr>
         <p:spPr>
           <a:xfrm>
-            <a:off x="9442674" y="4990064"/>
+            <a:off x="8337573" y="4978357"/>
             <a:ext cx="1092155" cy="313361"/>
           </a:xfrm>
           <a:prstGeom prst="rect">
             <a:avLst/>
           </a:prstGeom>
+          <a:solidFill>
+            <a:schemeClr val="accent4">
+              <a:lumMod val="20000"/>
+              <a:lumOff val="80000"/>
+            </a:schemeClr>
+          </a:solidFill>
           <a:ln>
             <a:solidFill>
               <a:schemeClr val="tx1"/>
@@ -3522,6 +3534,12 @@
           <a:prstGeom prst="rect">
             <a:avLst/>
           </a:prstGeom>
+          <a:solidFill>
+            <a:schemeClr val="accent4">
+              <a:lumMod val="20000"/>
+              <a:lumOff val="80000"/>
+            </a:schemeClr>
+          </a:solidFill>
           <a:ln>
             <a:solidFill>
               <a:schemeClr val="tx1"/>
@@ -3579,6 +3597,12 @@
           <a:prstGeom prst="rect">
             <a:avLst/>
           </a:prstGeom>
+          <a:solidFill>
+            <a:schemeClr val="accent4">
+              <a:lumMod val="20000"/>
+              <a:lumOff val="80000"/>
+            </a:schemeClr>
+          </a:solidFill>
           <a:ln>
             <a:solidFill>
               <a:schemeClr val="tx1"/>
@@ -3636,6 +3660,12 @@
           <a:prstGeom prst="rect">
             <a:avLst/>
           </a:prstGeom>
+          <a:solidFill>
+            <a:schemeClr val="accent4">
+              <a:lumMod val="20000"/>
+              <a:lumOff val="80000"/>
+            </a:schemeClr>
+          </a:solidFill>
           <a:ln>
             <a:solidFill>
               <a:schemeClr val="tx1"/>
@@ -3693,6 +3723,12 @@
           <a:prstGeom prst="rect">
             <a:avLst/>
           </a:prstGeom>
+          <a:solidFill>
+            <a:schemeClr val="accent4">
+              <a:lumMod val="20000"/>
+              <a:lumOff val="80000"/>
+            </a:schemeClr>
+          </a:solidFill>
           <a:ln>
             <a:solidFill>
               <a:schemeClr val="tx1"/>
@@ -3797,6 +3833,12 @@
           <a:prstGeom prst="rect">
             <a:avLst/>
           </a:prstGeom>
+          <a:solidFill>
+            <a:schemeClr val="accent4">
+              <a:lumMod val="20000"/>
+              <a:lumOff val="80000"/>
+            </a:schemeClr>
+          </a:solidFill>
           <a:ln>
             <a:solidFill>
               <a:schemeClr val="tx1"/>
@@ -3899,6 +3941,12 @@
           <a:prstGeom prst="rect">
             <a:avLst/>
           </a:prstGeom>
+          <a:solidFill>
+            <a:schemeClr val="accent4">
+              <a:lumMod val="20000"/>
+              <a:lumOff val="80000"/>
+            </a:schemeClr>
+          </a:solidFill>
           <a:ln>
             <a:solidFill>
               <a:schemeClr val="tx1"/>
@@ -4014,6 +4062,12 @@
           <a:prstGeom prst="rect">
             <a:avLst/>
           </a:prstGeom>
+          <a:solidFill>
+            <a:schemeClr val="accent4">
+              <a:lumMod val="20000"/>
+              <a:lumOff val="80000"/>
+            </a:schemeClr>
+          </a:solidFill>
           <a:ln>
             <a:solidFill>
               <a:schemeClr val="tx1"/>
@@ -4116,6 +4170,12 @@
           <a:prstGeom prst="rect">
             <a:avLst/>
           </a:prstGeom>
+          <a:solidFill>
+            <a:schemeClr val="accent4">
+              <a:lumMod val="20000"/>
+              <a:lumOff val="80000"/>
+            </a:schemeClr>
+          </a:solidFill>
           <a:ln>
             <a:solidFill>
               <a:schemeClr val="tx1"/>
@@ -4218,6 +4278,12 @@
           <a:prstGeom prst="rect">
             <a:avLst/>
           </a:prstGeom>
+          <a:solidFill>
+            <a:schemeClr val="accent4">
+              <a:lumMod val="20000"/>
+              <a:lumOff val="80000"/>
+            </a:schemeClr>
+          </a:solidFill>
           <a:ln>
             <a:solidFill>
               <a:schemeClr val="tx1"/>
@@ -4327,7 +4393,7 @@
         <p:spPr>
           <a:xfrm>
             <a:off x="7349856" y="6325261"/>
-            <a:ext cx="1486254" cy="313361"/>
+            <a:ext cx="1486254" cy="444374"/>
           </a:xfrm>
           <a:prstGeom prst="rect">
             <a:avLst/>
@@ -4363,8 +4429,31 @@
           <a:p>
             <a:pPr algn="ctr"/>
             <a:r>
-              <a:rPr lang="ko-KR" altLang="en-US" sz="1100" b="1"/>
-              <a:t>영화 선택 페이지</a:t>
+              <a:rPr lang="ko-KR" altLang="en-US" sz="1100" b="1" dirty="0"/>
+              <a:t>영화</a:t>
+            </a:r>
+            <a:r>
+              <a:rPr lang="en-US" altLang="ko-KR" sz="1100" b="1" dirty="0"/>
+              <a:t>, </a:t>
+            </a:r>
+            <a:r>
+              <a:rPr lang="ko-KR" altLang="en-US" sz="1100" b="1" dirty="0"/>
+              <a:t>시간</a:t>
+            </a:r>
+            <a:r>
+              <a:rPr lang="en-US" altLang="ko-KR" sz="1100" b="1" dirty="0"/>
+              <a:t>, </a:t>
+            </a:r>
+            <a:r>
+              <a:rPr lang="ko-KR" altLang="en-US" sz="1100" b="1" dirty="0"/>
+              <a:t>날짜</a:t>
+            </a:r>
+            <a:br>
+              <a:rPr lang="en-US" altLang="ko-KR" sz="1100" b="1" dirty="0"/>
+            </a:br>
+            <a:r>
+              <a:rPr lang="ko-KR" altLang="en-US" sz="1100" b="1" dirty="0"/>
+              <a:t>선택 페이지</a:t>
             </a:r>
           </a:p>
         </p:txBody>
@@ -4383,7 +4472,7 @@
         </p:nvSpPr>
         <p:spPr>
           <a:xfrm>
-            <a:off x="8324124" y="6795303"/>
+            <a:off x="8335290" y="6877768"/>
             <a:ext cx="1486254" cy="313361"/>
           </a:xfrm>
           <a:prstGeom prst="rect">
@@ -4444,8 +4533,8 @@
         </p:nvCxnSpPr>
         <p:spPr>
           <a:xfrm rot="10800000">
-            <a:off x="8092984" y="6638622"/>
-            <a:ext cx="231141" cy="313362"/>
+            <a:off x="8092984" y="6769635"/>
+            <a:ext cx="242307" cy="264814"/>
           </a:xfrm>
           <a:prstGeom prst="bentConnector2">
             <a:avLst/>
@@ -4490,7 +4579,7 @@
         <p:spPr>
           <a:xfrm rot="10800000">
             <a:off x="7158942" y="6166358"/>
-            <a:ext cx="190915" cy="315584"/>
+            <a:ext cx="190915" cy="381090"/>
           </a:xfrm>
           <a:prstGeom prst="bentConnector2">
             <a:avLst/>
@@ -4581,6 +4670,12 @@
           <a:prstGeom prst="rect">
             <a:avLst/>
           </a:prstGeom>
+          <a:solidFill>
+            <a:schemeClr val="accent4">
+              <a:lumMod val="20000"/>
+              <a:lumOff val="80000"/>
+            </a:schemeClr>
+          </a:solidFill>
           <a:ln>
             <a:solidFill>
               <a:schemeClr val="tx1"/>
@@ -4642,6 +4737,12 @@
           <a:prstGeom prst="rect">
             <a:avLst/>
           </a:prstGeom>
+          <a:solidFill>
+            <a:schemeClr val="accent4">
+              <a:lumMod val="20000"/>
+              <a:lumOff val="80000"/>
+            </a:schemeClr>
+          </a:solidFill>
           <a:ln>
             <a:solidFill>
               <a:schemeClr val="tx1"/>
@@ -4902,10 +5003,10 @@
       </p:cxnSp>
       <p:sp>
         <p:nvSpPr>
-          <p:cNvPr id="539" name="직사각형 538">
-            <a:extLst>
-              <a:ext uri="{FF2B5EF4-FFF2-40B4-BE49-F238E27FC236}">
-                <a16:creationId xmlns:a16="http://schemas.microsoft.com/office/drawing/2014/main" id="{EDEEC952-4D8D-451F-9501-2A39FD9DE5A9}"/>
+          <p:cNvPr id="122" name="직사각형 121">
+            <a:extLst>
+              <a:ext uri="{FF2B5EF4-FFF2-40B4-BE49-F238E27FC236}">
+                <a16:creationId xmlns:a16="http://schemas.microsoft.com/office/drawing/2014/main" id="{F461E5DB-3F15-481D-8449-1E3C3A145358}"/>
               </a:ext>
             </a:extLst>
           </p:cNvPr>
@@ -4914,8 +5015,8 @@
         </p:nvSpPr>
         <p:spPr>
           <a:xfrm>
-            <a:off x="3255420" y="8178325"/>
-            <a:ext cx="1486254" cy="313361"/>
+            <a:off x="22692620" y="1733559"/>
+            <a:ext cx="1092154" cy="313361"/>
           </a:xfrm>
           <a:prstGeom prst="rect">
             <a:avLst/>
@@ -4951,18 +5052,22 @@
           <a:p>
             <a:pPr algn="ctr"/>
             <a:r>
-              <a:rPr lang="ko-KR" altLang="en-US" sz="1100" b="1"/>
-              <a:t>영화 예매</a:t>
-            </a:r>
-          </a:p>
-        </p:txBody>
-      </p:sp>
-      <p:sp>
-        <p:nvSpPr>
-          <p:cNvPr id="540" name="직사각형 539">
-            <a:extLst>
-              <a:ext uri="{FF2B5EF4-FFF2-40B4-BE49-F238E27FC236}">
-                <a16:creationId xmlns:a16="http://schemas.microsoft.com/office/drawing/2014/main" id="{3180F56D-17F5-4539-A80B-7E0EC3B76BD9}"/>
+              <a:rPr lang="en-US" altLang="ko-KR" sz="1100" b="1" dirty="0"/>
+              <a:t>ID </a:t>
+            </a:r>
+            <a:r>
+              <a:rPr lang="ko-KR" altLang="en-US" sz="1100" b="1" dirty="0"/>
+              <a:t>찾기</a:t>
+            </a:r>
+          </a:p>
+        </p:txBody>
+      </p:sp>
+      <p:sp>
+        <p:nvSpPr>
+          <p:cNvPr id="125" name="직사각형 124">
+            <a:extLst>
+              <a:ext uri="{FF2B5EF4-FFF2-40B4-BE49-F238E27FC236}">
+                <a16:creationId xmlns:a16="http://schemas.microsoft.com/office/drawing/2014/main" id="{13DD21EA-7BB0-433A-A1B1-0C6C0F0FEE70}"/>
               </a:ext>
             </a:extLst>
           </p:cNvPr>
@@ -4971,8 +5076,8 @@
         </p:nvSpPr>
         <p:spPr>
           <a:xfrm>
-            <a:off x="4167916" y="8599025"/>
-            <a:ext cx="1486254" cy="313361"/>
+            <a:off x="22683285" y="2178125"/>
+            <a:ext cx="1092154" cy="313361"/>
           </a:xfrm>
           <a:prstGeom prst="rect">
             <a:avLst/>
@@ -5008,63 +5113,22 @@
           <a:p>
             <a:pPr algn="ctr"/>
             <a:r>
-              <a:rPr lang="ko-KR" altLang="en-US" sz="1100" b="1"/>
-              <a:t>영화 선택 페이지</a:t>
-            </a:r>
-          </a:p>
-        </p:txBody>
-      </p:sp>
-      <p:cxnSp>
-        <p:nvCxnSpPr>
-          <p:cNvPr id="541" name="연결선: 꺾임 540">
-            <a:extLst>
-              <a:ext uri="{FF2B5EF4-FFF2-40B4-BE49-F238E27FC236}">
-                <a16:creationId xmlns:a16="http://schemas.microsoft.com/office/drawing/2014/main" id="{BF602992-2BD7-4415-B7E6-C8571A63E12C}"/>
-              </a:ext>
-            </a:extLst>
-          </p:cNvPr>
-          <p:cNvCxnSpPr>
-            <a:cxnSpLocks/>
-            <a:stCxn id="540" idx="1"/>
-            <a:endCxn id="539" idx="2"/>
-          </p:cNvCxnSpPr>
-          <p:nvPr/>
-        </p:nvCxnSpPr>
-        <p:spPr>
-          <a:xfrm rot="10800000">
-            <a:off x="3998548" y="8491686"/>
-            <a:ext cx="169369" cy="264020"/>
-          </a:xfrm>
-          <a:prstGeom prst="bentConnector2">
-            <a:avLst/>
-          </a:prstGeom>
-          <a:ln>
-            <a:solidFill>
-              <a:schemeClr val="tx1"/>
-            </a:solidFill>
-          </a:ln>
-        </p:spPr>
-        <p:style>
-          <a:lnRef idx="1">
-            <a:schemeClr val="dk1"/>
-          </a:lnRef>
-          <a:fillRef idx="0">
-            <a:schemeClr val="dk1"/>
-          </a:fillRef>
-          <a:effectRef idx="0">
-            <a:schemeClr val="dk1"/>
-          </a:effectRef>
-          <a:fontRef idx="minor">
-            <a:schemeClr val="tx1"/>
-          </a:fontRef>
-        </p:style>
-      </p:cxnSp>
-      <p:sp>
-        <p:nvSpPr>
-          <p:cNvPr id="542" name="직사각형 541">
-            <a:extLst>
-              <a:ext uri="{FF2B5EF4-FFF2-40B4-BE49-F238E27FC236}">
-                <a16:creationId xmlns:a16="http://schemas.microsoft.com/office/drawing/2014/main" id="{1962DD03-22CF-4354-AB6B-00C5A882058F}"/>
+              <a:rPr lang="en-US" altLang="ko-KR" sz="1100" b="1" dirty="0"/>
+              <a:t>PW </a:t>
+            </a:r>
+            <a:r>
+              <a:rPr lang="ko-KR" altLang="en-US" sz="1100" b="1" dirty="0"/>
+              <a:t>찾기</a:t>
+            </a:r>
+          </a:p>
+        </p:txBody>
+      </p:sp>
+      <p:sp>
+        <p:nvSpPr>
+          <p:cNvPr id="155" name="직사각형 154">
+            <a:extLst>
+              <a:ext uri="{FF2B5EF4-FFF2-40B4-BE49-F238E27FC236}">
+                <a16:creationId xmlns:a16="http://schemas.microsoft.com/office/drawing/2014/main" id="{E703B887-3F09-4733-B402-18A84ACD8F21}"/>
               </a:ext>
             </a:extLst>
           </p:cNvPr>
@@ -5073,12 +5137,18 @@
         </p:nvSpPr>
         <p:spPr>
           <a:xfrm>
-            <a:off x="5097899" y="9039378"/>
-            <a:ext cx="1486254" cy="313361"/>
+            <a:off x="9804044" y="5850063"/>
+            <a:ext cx="1092155" cy="313361"/>
           </a:xfrm>
           <a:prstGeom prst="rect">
             <a:avLst/>
           </a:prstGeom>
+          <a:solidFill>
+            <a:schemeClr val="accent4">
+              <a:lumMod val="20000"/>
+              <a:lumOff val="80000"/>
+            </a:schemeClr>
+          </a:solidFill>
           <a:ln>
             <a:solidFill>
               <a:schemeClr val="tx1"/>
@@ -5110,108 +5180,18 @@
           <a:p>
             <a:pPr algn="ctr"/>
             <a:r>
-              <a:rPr lang="ko-KR" altLang="en-US" sz="1100" b="1"/>
-              <a:t>좌석 선택 페이지</a:t>
-            </a:r>
-          </a:p>
-        </p:txBody>
-      </p:sp>
-      <p:cxnSp>
-        <p:nvCxnSpPr>
-          <p:cNvPr id="543" name="연결선: 꺾임 542">
-            <a:extLst>
-              <a:ext uri="{FF2B5EF4-FFF2-40B4-BE49-F238E27FC236}">
-                <a16:creationId xmlns:a16="http://schemas.microsoft.com/office/drawing/2014/main" id="{40C1AAE7-68D9-4132-8698-C75993CBA9FF}"/>
-              </a:ext>
-            </a:extLst>
-          </p:cNvPr>
-          <p:cNvCxnSpPr>
-            <a:cxnSpLocks/>
-            <a:stCxn id="542" idx="1"/>
-            <a:endCxn id="540" idx="2"/>
-          </p:cNvCxnSpPr>
-          <p:nvPr/>
-        </p:nvCxnSpPr>
-        <p:spPr>
-          <a:xfrm rot="10800000">
-            <a:off x="4911043" y="8912387"/>
-            <a:ext cx="186856" cy="283673"/>
-          </a:xfrm>
-          <a:prstGeom prst="bentConnector2">
-            <a:avLst/>
-          </a:prstGeom>
-          <a:ln>
-            <a:solidFill>
-              <a:schemeClr val="tx1"/>
-            </a:solidFill>
-          </a:ln>
-        </p:spPr>
-        <p:style>
-          <a:lnRef idx="1">
-            <a:schemeClr val="dk1"/>
-          </a:lnRef>
-          <a:fillRef idx="0">
-            <a:schemeClr val="dk1"/>
-          </a:fillRef>
-          <a:effectRef idx="0">
-            <a:schemeClr val="dk1"/>
-          </a:effectRef>
-          <a:fontRef idx="minor">
-            <a:schemeClr val="tx1"/>
-          </a:fontRef>
-        </p:style>
-      </p:cxnSp>
-      <p:cxnSp>
-        <p:nvCxnSpPr>
-          <p:cNvPr id="544" name="연결선: 꺾임 543">
-            <a:extLst>
-              <a:ext uri="{FF2B5EF4-FFF2-40B4-BE49-F238E27FC236}">
-                <a16:creationId xmlns:a16="http://schemas.microsoft.com/office/drawing/2014/main" id="{09A581C3-5427-456C-81D6-F7D522FB0EF4}"/>
-              </a:ext>
-            </a:extLst>
-          </p:cNvPr>
-          <p:cNvCxnSpPr>
-            <a:cxnSpLocks/>
-            <a:stCxn id="539" idx="1"/>
-            <a:endCxn id="384" idx="2"/>
-          </p:cNvCxnSpPr>
-          <p:nvPr/>
-        </p:nvCxnSpPr>
-        <p:spPr>
-          <a:xfrm rot="10800000">
-            <a:off x="3051808" y="6143906"/>
-            <a:ext cx="203613" cy="2191100"/>
-          </a:xfrm>
-          <a:prstGeom prst="bentConnector2">
-            <a:avLst/>
-          </a:prstGeom>
-          <a:ln>
-            <a:solidFill>
-              <a:schemeClr val="tx1"/>
-            </a:solidFill>
-          </a:ln>
-        </p:spPr>
-        <p:style>
-          <a:lnRef idx="1">
-            <a:schemeClr val="dk1"/>
-          </a:lnRef>
-          <a:fillRef idx="0">
-            <a:schemeClr val="dk1"/>
-          </a:fillRef>
-          <a:effectRef idx="0">
-            <a:schemeClr val="dk1"/>
-          </a:effectRef>
-          <a:fontRef idx="minor">
-            <a:schemeClr val="tx1"/>
-          </a:fontRef>
-        </p:style>
-      </p:cxnSp>
-      <p:sp>
-        <p:nvSpPr>
-          <p:cNvPr id="122" name="직사각형 121">
-            <a:extLst>
-              <a:ext uri="{FF2B5EF4-FFF2-40B4-BE49-F238E27FC236}">
-                <a16:creationId xmlns:a16="http://schemas.microsoft.com/office/drawing/2014/main" id="{F461E5DB-3F15-481D-8449-1E3C3A145358}"/>
+              <a:rPr lang="ko-KR" altLang="en-US" sz="1100" b="1" dirty="0"/>
+              <a:t>공지사항 상세보기</a:t>
+            </a:r>
+          </a:p>
+        </p:txBody>
+      </p:sp>
+      <p:sp>
+        <p:nvSpPr>
+          <p:cNvPr id="161" name="직사각형 160">
+            <a:extLst>
+              <a:ext uri="{FF2B5EF4-FFF2-40B4-BE49-F238E27FC236}">
+                <a16:creationId xmlns:a16="http://schemas.microsoft.com/office/drawing/2014/main" id="{795E643A-A9A1-478C-B4F5-DAC171CA2D06}"/>
               </a:ext>
             </a:extLst>
           </p:cNvPr>
@@ -5220,12 +5200,18 @@
         </p:nvSpPr>
         <p:spPr>
           <a:xfrm>
-            <a:off x="22692620" y="1733559"/>
-            <a:ext cx="1092154" cy="313361"/>
+            <a:off x="12597367" y="5434087"/>
+            <a:ext cx="1092155" cy="313361"/>
           </a:xfrm>
           <a:prstGeom prst="rect">
             <a:avLst/>
           </a:prstGeom>
+          <a:solidFill>
+            <a:schemeClr val="accent4">
+              <a:lumMod val="20000"/>
+              <a:lumOff val="80000"/>
+            </a:schemeClr>
+          </a:solidFill>
           <a:ln>
             <a:solidFill>
               <a:schemeClr val="tx1"/>
@@ -5257,22 +5243,26 @@
           <a:p>
             <a:pPr algn="ctr"/>
             <a:r>
+              <a:rPr lang="ko-KR" altLang="en-US" sz="1100" b="1" dirty="0"/>
+              <a:t>할인정보</a:t>
+            </a:r>
+            <a:br>
               <a:rPr lang="en-US" altLang="ko-KR" sz="1100" b="1" dirty="0"/>
-              <a:t>ID </a:t>
-            </a:r>
+            </a:br>
             <a:r>
               <a:rPr lang="ko-KR" altLang="en-US" sz="1100" b="1" dirty="0"/>
-              <a:t>찾기</a:t>
-            </a:r>
-          </a:p>
-        </p:txBody>
-      </p:sp>
-      <p:sp>
-        <p:nvSpPr>
-          <p:cNvPr id="125" name="직사각형 124">
-            <a:extLst>
-              <a:ext uri="{FF2B5EF4-FFF2-40B4-BE49-F238E27FC236}">
-                <a16:creationId xmlns:a16="http://schemas.microsoft.com/office/drawing/2014/main" id="{13DD21EA-7BB0-433A-A1B1-0C6C0F0FEE70}"/>
+              <a:t>조회</a:t>
+            </a:r>
+            <a:endParaRPr lang="en-US" altLang="ko-KR" sz="1100" b="1" dirty="0"/>
+          </a:p>
+        </p:txBody>
+      </p:sp>
+      <p:sp>
+        <p:nvSpPr>
+          <p:cNvPr id="176" name="직사각형 175">
+            <a:extLst>
+              <a:ext uri="{FF2B5EF4-FFF2-40B4-BE49-F238E27FC236}">
+                <a16:creationId xmlns:a16="http://schemas.microsoft.com/office/drawing/2014/main" id="{F3CC9FDD-D711-497A-B498-7F3354E0A09C}"/>
               </a:ext>
             </a:extLst>
           </p:cNvPr>
@@ -5281,8 +5271,8 @@
         </p:nvSpPr>
         <p:spPr>
           <a:xfrm>
-            <a:off x="22683285" y="2178125"/>
-            <a:ext cx="1092154" cy="313361"/>
+            <a:off x="21779861" y="6783395"/>
+            <a:ext cx="1486254" cy="313361"/>
           </a:xfrm>
           <a:prstGeom prst="rect">
             <a:avLst/>
@@ -5318,22 +5308,63 @@
           <a:p>
             <a:pPr algn="ctr"/>
             <a:r>
-              <a:rPr lang="en-US" altLang="ko-KR" sz="1100" b="1" dirty="0"/>
-              <a:t>PW </a:t>
-            </a:r>
-            <a:r>
               <a:rPr lang="ko-KR" altLang="en-US" sz="1100" b="1" dirty="0"/>
-              <a:t>찾기</a:t>
-            </a:r>
-          </a:p>
-        </p:txBody>
-      </p:sp>
-      <p:sp>
-        <p:nvSpPr>
-          <p:cNvPr id="155" name="직사각형 154">
-            <a:extLst>
-              <a:ext uri="{FF2B5EF4-FFF2-40B4-BE49-F238E27FC236}">
-                <a16:creationId xmlns:a16="http://schemas.microsoft.com/office/drawing/2014/main" id="{E703B887-3F09-4733-B402-18A84ACD8F21}"/>
+              <a:t>건의사항 수정</a:t>
+            </a:r>
+          </a:p>
+        </p:txBody>
+      </p:sp>
+      <p:cxnSp>
+        <p:nvCxnSpPr>
+          <p:cNvPr id="177" name="연결선: 꺾임 176">
+            <a:extLst>
+              <a:ext uri="{FF2B5EF4-FFF2-40B4-BE49-F238E27FC236}">
+                <a16:creationId xmlns:a16="http://schemas.microsoft.com/office/drawing/2014/main" id="{9C30C98A-044A-4212-85B6-A766CC294130}"/>
+              </a:ext>
+            </a:extLst>
+          </p:cNvPr>
+          <p:cNvCxnSpPr>
+            <a:cxnSpLocks/>
+            <a:stCxn id="176" idx="1"/>
+            <a:endCxn id="430" idx="2"/>
+          </p:cNvCxnSpPr>
+          <p:nvPr/>
+        </p:nvCxnSpPr>
+        <p:spPr>
+          <a:xfrm rot="10800000">
+            <a:off x="21548719" y="6657442"/>
+            <a:ext cx="231142" cy="282635"/>
+          </a:xfrm>
+          <a:prstGeom prst="bentConnector2">
+            <a:avLst/>
+          </a:prstGeom>
+          <a:ln>
+            <a:solidFill>
+              <a:schemeClr val="tx1"/>
+            </a:solidFill>
+          </a:ln>
+        </p:spPr>
+        <p:style>
+          <a:lnRef idx="1">
+            <a:schemeClr val="dk1"/>
+          </a:lnRef>
+          <a:fillRef idx="0">
+            <a:schemeClr val="dk1"/>
+          </a:fillRef>
+          <a:effectRef idx="0">
+            <a:schemeClr val="dk1"/>
+          </a:effectRef>
+          <a:fontRef idx="minor">
+            <a:schemeClr val="tx1"/>
+          </a:fontRef>
+        </p:style>
+      </p:cxnSp>
+      <p:sp>
+        <p:nvSpPr>
+          <p:cNvPr id="182" name="직사각형 181">
+            <a:extLst>
+              <a:ext uri="{FF2B5EF4-FFF2-40B4-BE49-F238E27FC236}">
+                <a16:creationId xmlns:a16="http://schemas.microsoft.com/office/drawing/2014/main" id="{F2AADA29-C29B-4B9A-996A-81AE06988618}"/>
               </a:ext>
             </a:extLst>
           </p:cNvPr>
@@ -5342,8 +5373,8 @@
         </p:nvSpPr>
         <p:spPr>
           <a:xfrm>
-            <a:off x="10909145" y="5861770"/>
-            <a:ext cx="1092155" cy="313361"/>
+            <a:off x="21779861" y="7224589"/>
+            <a:ext cx="1486254" cy="313361"/>
           </a:xfrm>
           <a:prstGeom prst="rect">
             <a:avLst/>
@@ -5380,17 +5411,17 @@
             <a:pPr algn="ctr"/>
             <a:r>
               <a:rPr lang="ko-KR" altLang="en-US" sz="1100" b="1" dirty="0"/>
-              <a:t>공지사항 상세보기</a:t>
-            </a:r>
-          </a:p>
-        </p:txBody>
-      </p:sp>
-      <p:sp>
-        <p:nvSpPr>
-          <p:cNvPr id="161" name="직사각형 160">
-            <a:extLst>
-              <a:ext uri="{FF2B5EF4-FFF2-40B4-BE49-F238E27FC236}">
-                <a16:creationId xmlns:a16="http://schemas.microsoft.com/office/drawing/2014/main" id="{795E643A-A9A1-478C-B4F5-DAC171CA2D06}"/>
+              <a:t>건의사항 삭제</a:t>
+            </a:r>
+          </a:p>
+        </p:txBody>
+      </p:sp>
+      <p:sp>
+        <p:nvSpPr>
+          <p:cNvPr id="188" name="직사각형 187">
+            <a:extLst>
+              <a:ext uri="{FF2B5EF4-FFF2-40B4-BE49-F238E27FC236}">
+                <a16:creationId xmlns:a16="http://schemas.microsoft.com/office/drawing/2014/main" id="{47FA4662-2CD9-4403-8F26-9F64A7CFD511}"/>
               </a:ext>
             </a:extLst>
           </p:cNvPr>
@@ -5399,8 +5430,8 @@
         </p:nvSpPr>
         <p:spPr>
           <a:xfrm>
-            <a:off x="12597367" y="5434087"/>
-            <a:ext cx="1092155" cy="313361"/>
+            <a:off x="5097899" y="7513573"/>
+            <a:ext cx="1486254" cy="313361"/>
           </a:xfrm>
           <a:prstGeom prst="rect">
             <a:avLst/>
@@ -5436,26 +5467,67 @@
           <a:p>
             <a:pPr algn="ctr"/>
             <a:r>
+              <a:rPr lang="ko-KR" altLang="en-US" sz="1100" b="1" err="1"/>
+              <a:t>한줄평</a:t>
+            </a:r>
+            <a:r>
               <a:rPr lang="ko-KR" altLang="en-US" sz="1100" b="1" dirty="0"/>
-              <a:t>할인정보</a:t>
-            </a:r>
-            <a:br>
-              <a:rPr lang="en-US" altLang="ko-KR" sz="1100" b="1" dirty="0"/>
-            </a:br>
-            <a:r>
-              <a:rPr lang="ko-KR" altLang="en-US" sz="1100" b="1" dirty="0"/>
-              <a:t>조회</a:t>
-            </a:r>
-            <a:endParaRPr lang="en-US" altLang="ko-KR" sz="1100" b="1" dirty="0"/>
-          </a:p>
-        </p:txBody>
-      </p:sp>
-      <p:sp>
-        <p:nvSpPr>
-          <p:cNvPr id="176" name="직사각형 175">
-            <a:extLst>
-              <a:ext uri="{FF2B5EF4-FFF2-40B4-BE49-F238E27FC236}">
-                <a16:creationId xmlns:a16="http://schemas.microsoft.com/office/drawing/2014/main" id="{F3CC9FDD-D711-497A-B498-7F3354E0A09C}"/>
+              <a:t> 수정</a:t>
+            </a:r>
+          </a:p>
+        </p:txBody>
+      </p:sp>
+      <p:cxnSp>
+        <p:nvCxnSpPr>
+          <p:cNvPr id="189" name="연결선: 꺾임 188">
+            <a:extLst>
+              <a:ext uri="{FF2B5EF4-FFF2-40B4-BE49-F238E27FC236}">
+                <a16:creationId xmlns:a16="http://schemas.microsoft.com/office/drawing/2014/main" id="{C887391A-2F35-4010-927C-2FE199D75C66}"/>
+              </a:ext>
+            </a:extLst>
+          </p:cNvPr>
+          <p:cNvCxnSpPr>
+            <a:cxnSpLocks/>
+            <a:stCxn id="188" idx="1"/>
+            <a:endCxn id="504" idx="2"/>
+          </p:cNvCxnSpPr>
+          <p:nvPr/>
+        </p:nvCxnSpPr>
+        <p:spPr>
+          <a:xfrm rot="10800000">
+            <a:off x="4895309" y="7405814"/>
+            <a:ext cx="202591" cy="264440"/>
+          </a:xfrm>
+          <a:prstGeom prst="bentConnector2">
+            <a:avLst/>
+          </a:prstGeom>
+          <a:ln>
+            <a:solidFill>
+              <a:schemeClr val="tx1"/>
+            </a:solidFill>
+          </a:ln>
+        </p:spPr>
+        <p:style>
+          <a:lnRef idx="1">
+            <a:schemeClr val="dk1"/>
+          </a:lnRef>
+          <a:fillRef idx="0">
+            <a:schemeClr val="dk1"/>
+          </a:fillRef>
+          <a:effectRef idx="0">
+            <a:schemeClr val="dk1"/>
+          </a:effectRef>
+          <a:fontRef idx="minor">
+            <a:schemeClr val="tx1"/>
+          </a:fontRef>
+        </p:style>
+      </p:cxnSp>
+      <p:sp>
+        <p:nvSpPr>
+          <p:cNvPr id="192" name="직사각형 191">
+            <a:extLst>
+              <a:ext uri="{FF2B5EF4-FFF2-40B4-BE49-F238E27FC236}">
+                <a16:creationId xmlns:a16="http://schemas.microsoft.com/office/drawing/2014/main" id="{50F9B59F-D76E-4928-AF99-F2F3660858C5}"/>
               </a:ext>
             </a:extLst>
           </p:cNvPr>
@@ -5464,7 +5536,7 @@
         </p:nvSpPr>
         <p:spPr>
           <a:xfrm>
-            <a:off x="21779861" y="6783395"/>
+            <a:off x="5097899" y="7903305"/>
             <a:ext cx="1486254" cy="313361"/>
           </a:xfrm>
           <a:prstGeom prst="rect">
@@ -5501,32 +5573,36 @@
           <a:p>
             <a:pPr algn="ctr"/>
             <a:r>
+              <a:rPr lang="ko-KR" altLang="en-US" sz="1100" b="1" dirty="0" err="1"/>
+              <a:t>한줄평</a:t>
+            </a:r>
+            <a:r>
               <a:rPr lang="ko-KR" altLang="en-US" sz="1100" b="1" dirty="0"/>
-              <a:t>건의사항 수정</a:t>
+              <a:t> 삭제</a:t>
             </a:r>
           </a:p>
         </p:txBody>
       </p:sp>
       <p:cxnSp>
         <p:nvCxnSpPr>
-          <p:cNvPr id="177" name="연결선: 꺾임 176">
-            <a:extLst>
-              <a:ext uri="{FF2B5EF4-FFF2-40B4-BE49-F238E27FC236}">
-                <a16:creationId xmlns:a16="http://schemas.microsoft.com/office/drawing/2014/main" id="{9C30C98A-044A-4212-85B6-A766CC294130}"/>
+          <p:cNvPr id="193" name="연결선: 꺾임 192">
+            <a:extLst>
+              <a:ext uri="{FF2B5EF4-FFF2-40B4-BE49-F238E27FC236}">
+                <a16:creationId xmlns:a16="http://schemas.microsoft.com/office/drawing/2014/main" id="{84F59E5E-4876-4F69-8C05-44F6851C674B}"/>
               </a:ext>
             </a:extLst>
           </p:cNvPr>
           <p:cNvCxnSpPr>
             <a:cxnSpLocks/>
-            <a:stCxn id="176" idx="1"/>
-            <a:endCxn id="430" idx="2"/>
+            <a:stCxn id="192" idx="1"/>
+            <a:endCxn id="504" idx="2"/>
           </p:cNvCxnSpPr>
           <p:nvPr/>
         </p:nvCxnSpPr>
         <p:spPr>
           <a:xfrm rot="10800000">
-            <a:off x="21548719" y="6657442"/>
-            <a:ext cx="231142" cy="282635"/>
+            <a:off x="4895309" y="7405814"/>
+            <a:ext cx="202591" cy="654172"/>
           </a:xfrm>
           <a:prstGeom prst="bentConnector2">
             <a:avLst/>
@@ -5554,10 +5630,10 @@
       </p:cxnSp>
       <p:sp>
         <p:nvSpPr>
-          <p:cNvPr id="182" name="직사각형 181">
-            <a:extLst>
-              <a:ext uri="{FF2B5EF4-FFF2-40B4-BE49-F238E27FC236}">
-                <a16:creationId xmlns:a16="http://schemas.microsoft.com/office/drawing/2014/main" id="{F2AADA29-C29B-4B9A-996A-81AE06988618}"/>
+          <p:cNvPr id="212" name="직사각형 211">
+            <a:extLst>
+              <a:ext uri="{FF2B5EF4-FFF2-40B4-BE49-F238E27FC236}">
+                <a16:creationId xmlns:a16="http://schemas.microsoft.com/office/drawing/2014/main" id="{8B726137-940D-43DD-9BF0-C7D3453E9C62}"/>
               </a:ext>
             </a:extLst>
           </p:cNvPr>
@@ -5566,8 +5642,8 @@
         </p:nvSpPr>
         <p:spPr>
           <a:xfrm>
-            <a:off x="21779861" y="7224589"/>
-            <a:ext cx="1486254" cy="313361"/>
+            <a:off x="23252390" y="4985110"/>
+            <a:ext cx="1269722" cy="313361"/>
           </a:xfrm>
           <a:prstGeom prst="rect">
             <a:avLst/>
@@ -5603,18 +5679,19 @@
           <a:p>
             <a:pPr algn="ctr"/>
             <a:r>
-              <a:rPr lang="ko-KR" altLang="en-US" sz="1100" b="1" dirty="0"/>
-              <a:t>건의사항 삭제</a:t>
-            </a:r>
-          </a:p>
-        </p:txBody>
-      </p:sp>
-      <p:sp>
-        <p:nvSpPr>
-          <p:cNvPr id="188" name="직사각형 187">
-            <a:extLst>
-              <a:ext uri="{FF2B5EF4-FFF2-40B4-BE49-F238E27FC236}">
-                <a16:creationId xmlns:a16="http://schemas.microsoft.com/office/drawing/2014/main" id="{47FA4662-2CD9-4403-8F26-9F64A7CFD511}"/>
+              <a:rPr lang="ko-KR" altLang="en-US" sz="1100" b="1"/>
+              <a:t>마이페이지</a:t>
+            </a:r>
+            <a:endParaRPr lang="ko-KR" altLang="en-US" sz="1100" b="1" dirty="0"/>
+          </a:p>
+        </p:txBody>
+      </p:sp>
+      <p:sp>
+        <p:nvSpPr>
+          <p:cNvPr id="140" name="직사각형 139">
+            <a:extLst>
+              <a:ext uri="{FF2B5EF4-FFF2-40B4-BE49-F238E27FC236}">
+                <a16:creationId xmlns:a16="http://schemas.microsoft.com/office/drawing/2014/main" id="{ED91A0FF-C86E-4AFB-8AA8-D4026E8E2FF2}"/>
               </a:ext>
             </a:extLst>
           </p:cNvPr>
@@ -5623,8 +5700,8 @@
         </p:nvSpPr>
         <p:spPr>
           <a:xfrm>
-            <a:off x="5097899" y="7513573"/>
-            <a:ext cx="1486254" cy="313361"/>
+            <a:off x="24147801" y="5412060"/>
+            <a:ext cx="1269722" cy="313361"/>
           </a:xfrm>
           <a:prstGeom prst="rect">
             <a:avLst/>
@@ -5660,36 +5737,31 @@
           <a:p>
             <a:pPr algn="ctr"/>
             <a:r>
-              <a:rPr lang="ko-KR" altLang="en-US" sz="1100" b="1" err="1"/>
-              <a:t>한줄평</a:t>
-            </a:r>
-            <a:r>
               <a:rPr lang="ko-KR" altLang="en-US" sz="1100" b="1" dirty="0"/>
-              <a:t> 수정</a:t>
+              <a:t>내 정보 </a:t>
             </a:r>
           </a:p>
         </p:txBody>
       </p:sp>
       <p:cxnSp>
         <p:nvCxnSpPr>
-          <p:cNvPr id="189" name="연결선: 꺾임 188">
-            <a:extLst>
-              <a:ext uri="{FF2B5EF4-FFF2-40B4-BE49-F238E27FC236}">
-                <a16:creationId xmlns:a16="http://schemas.microsoft.com/office/drawing/2014/main" id="{C887391A-2F35-4010-927C-2FE199D75C66}"/>
+          <p:cNvPr id="18" name="연결선: 꺾임 17">
+            <a:extLst>
+              <a:ext uri="{FF2B5EF4-FFF2-40B4-BE49-F238E27FC236}">
+                <a16:creationId xmlns:a16="http://schemas.microsoft.com/office/drawing/2014/main" id="{8157E151-136F-4C1F-953B-2CB8F3FB8D6D}"/>
               </a:ext>
             </a:extLst>
           </p:cNvPr>
           <p:cNvCxnSpPr>
-            <a:cxnSpLocks/>
-            <a:stCxn id="188" idx="1"/>
-            <a:endCxn id="504" idx="2"/>
+            <a:stCxn id="212" idx="2"/>
+            <a:endCxn id="140" idx="1"/>
           </p:cNvCxnSpPr>
           <p:nvPr/>
         </p:nvCxnSpPr>
         <p:spPr>
-          <a:xfrm rot="10800000">
-            <a:off x="4895309" y="7405814"/>
-            <a:ext cx="202591" cy="264440"/>
+          <a:xfrm rot="16200000" flipH="1">
+            <a:off x="23882391" y="5303331"/>
+            <a:ext cx="270270" cy="260550"/>
           </a:xfrm>
           <a:prstGeom prst="bentConnector2">
             <a:avLst/>
@@ -5717,10 +5789,10 @@
       </p:cxnSp>
       <p:sp>
         <p:nvSpPr>
-          <p:cNvPr id="192" name="직사각형 191">
-            <a:extLst>
-              <a:ext uri="{FF2B5EF4-FFF2-40B4-BE49-F238E27FC236}">
-                <a16:creationId xmlns:a16="http://schemas.microsoft.com/office/drawing/2014/main" id="{50F9B59F-D76E-4928-AF99-F2F3660858C5}"/>
+          <p:cNvPr id="163" name="직사각형 162">
+            <a:extLst>
+              <a:ext uri="{FF2B5EF4-FFF2-40B4-BE49-F238E27FC236}">
+                <a16:creationId xmlns:a16="http://schemas.microsoft.com/office/drawing/2014/main" id="{3B265C65-140C-44C8-9F2D-13008871096E}"/>
               </a:ext>
             </a:extLst>
           </p:cNvPr>
@@ -5729,8 +5801,8 @@
         </p:nvSpPr>
         <p:spPr>
           <a:xfrm>
-            <a:off x="5097899" y="7903305"/>
-            <a:ext cx="1486254" cy="313361"/>
+            <a:off x="25809184" y="6352106"/>
+            <a:ext cx="1269722" cy="313361"/>
           </a:xfrm>
           <a:prstGeom prst="rect">
             <a:avLst/>
@@ -5766,67 +5838,26 @@
           <a:p>
             <a:pPr algn="ctr"/>
             <a:r>
-              <a:rPr lang="ko-KR" altLang="en-US" sz="1100" b="1" dirty="0" err="1"/>
-              <a:t>한줄평</a:t>
-            </a:r>
-            <a:r>
               <a:rPr lang="ko-KR" altLang="en-US" sz="1100" b="1" dirty="0"/>
-              <a:t> 삭제</a:t>
-            </a:r>
-          </a:p>
-        </p:txBody>
-      </p:sp>
-      <p:cxnSp>
-        <p:nvCxnSpPr>
-          <p:cNvPr id="193" name="연결선: 꺾임 192">
-            <a:extLst>
-              <a:ext uri="{FF2B5EF4-FFF2-40B4-BE49-F238E27FC236}">
-                <a16:creationId xmlns:a16="http://schemas.microsoft.com/office/drawing/2014/main" id="{84F59E5E-4876-4F69-8C05-44F6851C674B}"/>
-              </a:ext>
-            </a:extLst>
-          </p:cNvPr>
-          <p:cNvCxnSpPr>
-            <a:cxnSpLocks/>
-            <a:stCxn id="192" idx="1"/>
-            <a:endCxn id="504" idx="2"/>
-          </p:cNvCxnSpPr>
-          <p:nvPr/>
-        </p:nvCxnSpPr>
-        <p:spPr>
-          <a:xfrm rot="10800000">
-            <a:off x="4895309" y="7405814"/>
-            <a:ext cx="202591" cy="654172"/>
-          </a:xfrm>
-          <a:prstGeom prst="bentConnector2">
-            <a:avLst/>
-          </a:prstGeom>
-          <a:ln>
-            <a:solidFill>
-              <a:schemeClr val="tx1"/>
-            </a:solidFill>
-          </a:ln>
-        </p:spPr>
-        <p:style>
-          <a:lnRef idx="1">
-            <a:schemeClr val="dk1"/>
-          </a:lnRef>
-          <a:fillRef idx="0">
-            <a:schemeClr val="dk1"/>
-          </a:fillRef>
-          <a:effectRef idx="0">
-            <a:schemeClr val="dk1"/>
-          </a:effectRef>
-          <a:fontRef idx="minor">
-            <a:schemeClr val="tx1"/>
-          </a:fontRef>
-        </p:style>
-      </p:cxnSp>
-      <p:sp>
-        <p:nvSpPr>
-          <p:cNvPr id="212" name="직사각형 211">
-            <a:extLst>
-              <a:ext uri="{FF2B5EF4-FFF2-40B4-BE49-F238E27FC236}">
-                <a16:creationId xmlns:a16="http://schemas.microsoft.com/office/drawing/2014/main" id="{8B726137-940D-43DD-9BF0-C7D3453E9C62}"/>
+              <a:t>내 정보</a:t>
+            </a:r>
+            <a:endParaRPr lang="en-US" altLang="ko-KR" sz="1100" b="1" dirty="0"/>
+          </a:p>
+          <a:p>
+            <a:pPr algn="ctr"/>
+            <a:r>
+              <a:rPr lang="ko-KR" altLang="en-US" sz="1100" b="1" dirty="0"/>
+              <a:t>상세보기 </a:t>
+            </a:r>
+          </a:p>
+        </p:txBody>
+      </p:sp>
+      <p:sp>
+        <p:nvSpPr>
+          <p:cNvPr id="164" name="직사각형 163">
+            <a:extLst>
+              <a:ext uri="{FF2B5EF4-FFF2-40B4-BE49-F238E27FC236}">
+                <a16:creationId xmlns:a16="http://schemas.microsoft.com/office/drawing/2014/main" id="{FF694C8D-684C-454E-B74C-81196277437F}"/>
               </a:ext>
             </a:extLst>
           </p:cNvPr>
@@ -5835,7 +5866,7 @@
         </p:nvSpPr>
         <p:spPr>
           <a:xfrm>
-            <a:off x="23252390" y="4985110"/>
+            <a:off x="26672672" y="6769635"/>
             <a:ext cx="1269722" cy="313361"/>
           </a:xfrm>
           <a:prstGeom prst="rect">
@@ -5872,19 +5903,70 @@
           <a:p>
             <a:pPr algn="ctr"/>
             <a:r>
-              <a:rPr lang="ko-KR" altLang="en-US" sz="1100" b="1"/>
-              <a:t>마이페이지</a:t>
-            </a:r>
-            <a:endParaRPr lang="ko-KR" altLang="en-US" sz="1100" b="1" dirty="0"/>
-          </a:p>
-        </p:txBody>
-      </p:sp>
-      <p:sp>
-        <p:nvSpPr>
-          <p:cNvPr id="133" name="직사각형 132">
-            <a:extLst>
-              <a:ext uri="{FF2B5EF4-FFF2-40B4-BE49-F238E27FC236}">
-                <a16:creationId xmlns:a16="http://schemas.microsoft.com/office/drawing/2014/main" id="{9AF2BD58-D619-4D2F-B5AC-7B8596CB1D04}"/>
+              <a:rPr lang="ko-KR" altLang="en-US" sz="1100" b="1" dirty="0"/>
+              <a:t>내 정보</a:t>
+            </a:r>
+            <a:r>
+              <a:rPr lang="en-US" altLang="ko-KR" sz="1100" b="1" dirty="0"/>
+              <a:t> </a:t>
+            </a:r>
+            <a:r>
+              <a:rPr lang="ko-KR" altLang="en-US" sz="1100" b="1" dirty="0"/>
+              <a:t>변경 </a:t>
+            </a:r>
+          </a:p>
+        </p:txBody>
+      </p:sp>
+      <p:cxnSp>
+        <p:nvCxnSpPr>
+          <p:cNvPr id="22" name="연결선: 꺾임 21">
+            <a:extLst>
+              <a:ext uri="{FF2B5EF4-FFF2-40B4-BE49-F238E27FC236}">
+                <a16:creationId xmlns:a16="http://schemas.microsoft.com/office/drawing/2014/main" id="{304C747E-E060-4A81-9BC4-4391B46E737C}"/>
+              </a:ext>
+            </a:extLst>
+          </p:cNvPr>
+          <p:cNvCxnSpPr>
+            <a:stCxn id="163" idx="2"/>
+            <a:endCxn id="164" idx="1"/>
+          </p:cNvCxnSpPr>
+          <p:nvPr/>
+        </p:nvCxnSpPr>
+        <p:spPr>
+          <a:xfrm rot="16200000" flipH="1">
+            <a:off x="26427934" y="6681577"/>
+            <a:ext cx="260849" cy="228627"/>
+          </a:xfrm>
+          <a:prstGeom prst="bentConnector2">
+            <a:avLst/>
+          </a:prstGeom>
+          <a:ln>
+            <a:solidFill>
+              <a:schemeClr val="tx1"/>
+            </a:solidFill>
+          </a:ln>
+        </p:spPr>
+        <p:style>
+          <a:lnRef idx="1">
+            <a:schemeClr val="dk1"/>
+          </a:lnRef>
+          <a:fillRef idx="0">
+            <a:schemeClr val="dk1"/>
+          </a:fillRef>
+          <a:effectRef idx="0">
+            <a:schemeClr val="dk1"/>
+          </a:effectRef>
+          <a:fontRef idx="minor">
+            <a:schemeClr val="tx1"/>
+          </a:fontRef>
+        </p:style>
+      </p:cxnSp>
+      <p:sp>
+        <p:nvSpPr>
+          <p:cNvPr id="166" name="직사각형 165">
+            <a:extLst>
+              <a:ext uri="{FF2B5EF4-FFF2-40B4-BE49-F238E27FC236}">
+                <a16:creationId xmlns:a16="http://schemas.microsoft.com/office/drawing/2014/main" id="{8897490A-C4EF-4194-8287-3180EC842176}"/>
               </a:ext>
             </a:extLst>
           </p:cNvPr>
@@ -5893,8 +5975,8 @@
         </p:nvSpPr>
         <p:spPr>
           <a:xfrm>
-            <a:off x="5994661" y="9512989"/>
-            <a:ext cx="1486254" cy="313361"/>
+            <a:off x="26672672" y="7206201"/>
+            <a:ext cx="1269722" cy="313361"/>
           </a:xfrm>
           <a:prstGeom prst="rect">
             <a:avLst/>
@@ -5931,31 +6013,30 @@
             <a:pPr algn="ctr"/>
             <a:r>
               <a:rPr lang="ko-KR" altLang="en-US" sz="1100" b="1" dirty="0"/>
-              <a:t>시간 선택 페이지</a:t>
+              <a:t>회원 탈퇴</a:t>
             </a:r>
           </a:p>
         </p:txBody>
       </p:sp>
       <p:cxnSp>
         <p:nvCxnSpPr>
-          <p:cNvPr id="134" name="연결선: 꺾임 133">
-            <a:extLst>
-              <a:ext uri="{FF2B5EF4-FFF2-40B4-BE49-F238E27FC236}">
-                <a16:creationId xmlns:a16="http://schemas.microsoft.com/office/drawing/2014/main" id="{6C72B807-9B62-444B-96C0-01AE46E29388}"/>
+          <p:cNvPr id="24" name="연결선: 꺾임 23">
+            <a:extLst>
+              <a:ext uri="{FF2B5EF4-FFF2-40B4-BE49-F238E27FC236}">
+                <a16:creationId xmlns:a16="http://schemas.microsoft.com/office/drawing/2014/main" id="{DFA228F3-BC7D-461A-B162-233906945B60}"/>
               </a:ext>
             </a:extLst>
           </p:cNvPr>
           <p:cNvCxnSpPr>
-            <a:cxnSpLocks/>
-            <a:stCxn id="542" idx="2"/>
-            <a:endCxn id="133" idx="1"/>
+            <a:stCxn id="163" idx="2"/>
+            <a:endCxn id="166" idx="1"/>
           </p:cNvCxnSpPr>
           <p:nvPr/>
         </p:nvCxnSpPr>
         <p:spPr>
           <a:xfrm rot="16200000" flipH="1">
-            <a:off x="5759378" y="9434386"/>
-            <a:ext cx="316931" cy="153635"/>
+            <a:off x="26209651" y="6899860"/>
+            <a:ext cx="697415" cy="228627"/>
           </a:xfrm>
           <a:prstGeom prst="bentConnector2">
             <a:avLst/>
@@ -5983,10 +6064,10 @@
       </p:cxnSp>
       <p:sp>
         <p:nvSpPr>
-          <p:cNvPr id="138" name="직사각형 137">
-            <a:extLst>
-              <a:ext uri="{FF2B5EF4-FFF2-40B4-BE49-F238E27FC236}">
-                <a16:creationId xmlns:a16="http://schemas.microsoft.com/office/drawing/2014/main" id="{C20F18D6-C6C4-4898-8E28-A1B36ECDDEF5}"/>
+          <p:cNvPr id="167" name="직사각형 166">
+            <a:extLst>
+              <a:ext uri="{FF2B5EF4-FFF2-40B4-BE49-F238E27FC236}">
+                <a16:creationId xmlns:a16="http://schemas.microsoft.com/office/drawing/2014/main" id="{E5A23689-B969-4DA9-8762-5A5D2B6F237A}"/>
               </a:ext>
             </a:extLst>
           </p:cNvPr>
@@ -5995,8 +6076,8 @@
         </p:nvSpPr>
         <p:spPr>
           <a:xfrm>
-            <a:off x="9292895" y="7254560"/>
-            <a:ext cx="1486254" cy="313361"/>
+            <a:off x="24147801" y="7467560"/>
+            <a:ext cx="1269722" cy="313361"/>
           </a:xfrm>
           <a:prstGeom prst="rect">
             <a:avLst/>
@@ -6033,17 +6114,61 @@
             <a:pPr algn="ctr"/>
             <a:r>
               <a:rPr lang="ko-KR" altLang="en-US" sz="1100" b="1" dirty="0"/>
-              <a:t>시간 선택 페이지</a:t>
-            </a:r>
-          </a:p>
-        </p:txBody>
-      </p:sp>
-      <p:sp>
-        <p:nvSpPr>
-          <p:cNvPr id="140" name="직사각형 139">
-            <a:extLst>
-              <a:ext uri="{FF2B5EF4-FFF2-40B4-BE49-F238E27FC236}">
-                <a16:creationId xmlns:a16="http://schemas.microsoft.com/office/drawing/2014/main" id="{ED91A0FF-C86E-4AFB-8AA8-D4026E8E2FF2}"/>
+              <a:t>내 예매 내역</a:t>
+            </a:r>
+          </a:p>
+        </p:txBody>
+      </p:sp>
+      <p:cxnSp>
+        <p:nvCxnSpPr>
+          <p:cNvPr id="28" name="연결선: 꺾임 27">
+            <a:extLst>
+              <a:ext uri="{FF2B5EF4-FFF2-40B4-BE49-F238E27FC236}">
+                <a16:creationId xmlns:a16="http://schemas.microsoft.com/office/drawing/2014/main" id="{A259C962-73BA-427A-8674-EFEAF311EBA5}"/>
+              </a:ext>
+            </a:extLst>
+          </p:cNvPr>
+          <p:cNvCxnSpPr>
+            <a:stCxn id="167" idx="1"/>
+            <a:endCxn id="212" idx="2"/>
+          </p:cNvCxnSpPr>
+          <p:nvPr/>
+        </p:nvCxnSpPr>
+        <p:spPr>
+          <a:xfrm rot="10800000">
+            <a:off x="23887251" y="5298471"/>
+            <a:ext cx="260550" cy="2325770"/>
+          </a:xfrm>
+          <a:prstGeom prst="bentConnector2">
+            <a:avLst/>
+          </a:prstGeom>
+          <a:ln>
+            <a:solidFill>
+              <a:schemeClr val="tx1"/>
+            </a:solidFill>
+          </a:ln>
+        </p:spPr>
+        <p:style>
+          <a:lnRef idx="1">
+            <a:schemeClr val="accent1"/>
+          </a:lnRef>
+          <a:fillRef idx="0">
+            <a:schemeClr val="accent1"/>
+          </a:fillRef>
+          <a:effectRef idx="0">
+            <a:schemeClr val="accent1"/>
+          </a:effectRef>
+          <a:fontRef idx="minor">
+            <a:schemeClr val="tx1"/>
+          </a:fontRef>
+        </p:style>
+      </p:cxnSp>
+      <p:sp>
+        <p:nvSpPr>
+          <p:cNvPr id="171" name="직사각형 170">
+            <a:extLst>
+              <a:ext uri="{FF2B5EF4-FFF2-40B4-BE49-F238E27FC236}">
+                <a16:creationId xmlns:a16="http://schemas.microsoft.com/office/drawing/2014/main" id="{FD1D10F0-4A5E-4BA5-B507-CF9FAA1A25A9}"/>
               </a:ext>
             </a:extLst>
           </p:cNvPr>
@@ -6052,7 +6177,7 @@
         </p:nvSpPr>
         <p:spPr>
           <a:xfrm>
-            <a:off x="24147801" y="5412060"/>
+            <a:off x="24147801" y="10266984"/>
             <a:ext cx="1269722" cy="313361"/>
           </a:xfrm>
           <a:prstGeom prst="rect">
@@ -6090,61 +6215,17 @@
             <a:pPr algn="ctr"/>
             <a:r>
               <a:rPr lang="ko-KR" altLang="en-US" sz="1100" b="1" dirty="0"/>
-              <a:t>내 정보 </a:t>
-            </a:r>
-          </a:p>
-        </p:txBody>
-      </p:sp>
-      <p:cxnSp>
-        <p:nvCxnSpPr>
-          <p:cNvPr id="18" name="연결선: 꺾임 17">
-            <a:extLst>
-              <a:ext uri="{FF2B5EF4-FFF2-40B4-BE49-F238E27FC236}">
-                <a16:creationId xmlns:a16="http://schemas.microsoft.com/office/drawing/2014/main" id="{8157E151-136F-4C1F-953B-2CB8F3FB8D6D}"/>
-              </a:ext>
-            </a:extLst>
-          </p:cNvPr>
-          <p:cNvCxnSpPr>
-            <a:stCxn id="212" idx="2"/>
-            <a:endCxn id="140" idx="1"/>
-          </p:cNvCxnSpPr>
-          <p:nvPr/>
-        </p:nvCxnSpPr>
-        <p:spPr>
-          <a:xfrm rot="16200000" flipH="1">
-            <a:off x="23882391" y="5303331"/>
-            <a:ext cx="270270" cy="260550"/>
-          </a:xfrm>
-          <a:prstGeom prst="bentConnector2">
-            <a:avLst/>
-          </a:prstGeom>
-          <a:ln>
-            <a:solidFill>
-              <a:schemeClr val="tx1"/>
-            </a:solidFill>
-          </a:ln>
-        </p:spPr>
-        <p:style>
-          <a:lnRef idx="1">
-            <a:schemeClr val="dk1"/>
-          </a:lnRef>
-          <a:fillRef idx="0">
-            <a:schemeClr val="dk1"/>
-          </a:fillRef>
-          <a:effectRef idx="0">
-            <a:schemeClr val="dk1"/>
-          </a:effectRef>
-          <a:fontRef idx="minor">
-            <a:schemeClr val="tx1"/>
-          </a:fontRef>
-        </p:style>
-      </p:cxnSp>
-      <p:sp>
-        <p:nvSpPr>
-          <p:cNvPr id="163" name="직사각형 162">
-            <a:extLst>
-              <a:ext uri="{FF2B5EF4-FFF2-40B4-BE49-F238E27FC236}">
-                <a16:creationId xmlns:a16="http://schemas.microsoft.com/office/drawing/2014/main" id="{3B265C65-140C-44C8-9F2D-13008871096E}"/>
+              <a:t>내 리뷰</a:t>
+            </a:r>
+          </a:p>
+        </p:txBody>
+      </p:sp>
+      <p:sp>
+        <p:nvSpPr>
+          <p:cNvPr id="173" name="직사각형 172">
+            <a:extLst>
+              <a:ext uri="{FF2B5EF4-FFF2-40B4-BE49-F238E27FC236}">
+                <a16:creationId xmlns:a16="http://schemas.microsoft.com/office/drawing/2014/main" id="{0026D083-2E56-4B61-AAC8-35485D5BF92D}"/>
               </a:ext>
             </a:extLst>
           </p:cNvPr>
@@ -6153,7 +6234,7 @@
         </p:nvSpPr>
         <p:spPr>
           <a:xfrm>
-            <a:off x="25809184" y="6352106"/>
+            <a:off x="24147801" y="12342921"/>
             <a:ext cx="1269722" cy="313361"/>
           </a:xfrm>
           <a:prstGeom prst="rect">
@@ -6191,25 +6272,22 @@
             <a:pPr algn="ctr"/>
             <a:r>
               <a:rPr lang="ko-KR" altLang="en-US" sz="1100" b="1" dirty="0"/>
-              <a:t>내 정보</a:t>
-            </a:r>
-            <a:endParaRPr lang="en-US" altLang="ko-KR" sz="1100" b="1" dirty="0"/>
-          </a:p>
-          <a:p>
-            <a:pPr algn="ctr"/>
-            <a:r>
-              <a:rPr lang="ko-KR" altLang="en-US" sz="1100" b="1" dirty="0"/>
-              <a:t>상세보기 </a:t>
-            </a:r>
-          </a:p>
-        </p:txBody>
-      </p:sp>
-      <p:sp>
-        <p:nvSpPr>
-          <p:cNvPr id="164" name="직사각형 163">
-            <a:extLst>
-              <a:ext uri="{FF2B5EF4-FFF2-40B4-BE49-F238E27FC236}">
-                <a16:creationId xmlns:a16="http://schemas.microsoft.com/office/drawing/2014/main" id="{FF694C8D-684C-454E-B74C-81196277437F}"/>
+              <a:t>내 </a:t>
+            </a:r>
+            <a:r>
+              <a:rPr lang="ko-KR" altLang="en-US" sz="1100" b="1" dirty="0" err="1"/>
+              <a:t>한줄평</a:t>
+            </a:r>
+            <a:endParaRPr lang="ko-KR" altLang="en-US" sz="1100" b="1" dirty="0"/>
+          </a:p>
+        </p:txBody>
+      </p:sp>
+      <p:sp>
+        <p:nvSpPr>
+          <p:cNvPr id="175" name="직사각형 174">
+            <a:extLst>
+              <a:ext uri="{FF2B5EF4-FFF2-40B4-BE49-F238E27FC236}">
+                <a16:creationId xmlns:a16="http://schemas.microsoft.com/office/drawing/2014/main" id="{6EB21736-2903-453A-BC42-8876977C8C5D}"/>
               </a:ext>
             </a:extLst>
           </p:cNvPr>
@@ -6218,7 +6296,7 @@
         </p:nvSpPr>
         <p:spPr>
           <a:xfrm>
-            <a:off x="26672672" y="6769635"/>
+            <a:off x="24147801" y="14492669"/>
             <a:ext cx="1269722" cy="313361"/>
           </a:xfrm>
           <a:prstGeom prst="rect">
@@ -6256,69 +6334,22 @@
             <a:pPr algn="ctr"/>
             <a:r>
               <a:rPr lang="ko-KR" altLang="en-US" sz="1100" b="1" dirty="0"/>
-              <a:t>내 정보</a:t>
-            </a:r>
-            <a:r>
-              <a:rPr lang="en-US" altLang="ko-KR" sz="1100" b="1" dirty="0"/>
-              <a:t> </a:t>
-            </a:r>
-            <a:r>
-              <a:rPr lang="ko-KR" altLang="en-US" sz="1100" b="1" dirty="0"/>
-              <a:t>변경 </a:t>
-            </a:r>
-          </a:p>
-        </p:txBody>
-      </p:sp>
-      <p:cxnSp>
-        <p:nvCxnSpPr>
-          <p:cNvPr id="22" name="연결선: 꺾임 21">
-            <a:extLst>
-              <a:ext uri="{FF2B5EF4-FFF2-40B4-BE49-F238E27FC236}">
-                <a16:creationId xmlns:a16="http://schemas.microsoft.com/office/drawing/2014/main" id="{304C747E-E060-4A81-9BC4-4391B46E737C}"/>
-              </a:ext>
-            </a:extLst>
-          </p:cNvPr>
-          <p:cNvCxnSpPr>
-            <a:stCxn id="163" idx="2"/>
-            <a:endCxn id="164" idx="1"/>
-          </p:cNvCxnSpPr>
-          <p:nvPr/>
-        </p:nvCxnSpPr>
-        <p:spPr>
-          <a:xfrm rot="16200000" flipH="1">
-            <a:off x="26427934" y="6681577"/>
-            <a:ext cx="260849" cy="228627"/>
-          </a:xfrm>
-          <a:prstGeom prst="bentConnector2">
-            <a:avLst/>
-          </a:prstGeom>
-          <a:ln>
-            <a:solidFill>
-              <a:schemeClr val="tx1"/>
-            </a:solidFill>
-          </a:ln>
-        </p:spPr>
-        <p:style>
-          <a:lnRef idx="1">
-            <a:schemeClr val="dk1"/>
-          </a:lnRef>
-          <a:fillRef idx="0">
-            <a:schemeClr val="dk1"/>
-          </a:fillRef>
-          <a:effectRef idx="0">
-            <a:schemeClr val="dk1"/>
-          </a:effectRef>
-          <a:fontRef idx="minor">
-            <a:schemeClr val="tx1"/>
-          </a:fontRef>
-        </p:style>
-      </p:cxnSp>
-      <p:sp>
-        <p:nvSpPr>
-          <p:cNvPr id="166" name="직사각형 165">
-            <a:extLst>
-              <a:ext uri="{FF2B5EF4-FFF2-40B4-BE49-F238E27FC236}">
-                <a16:creationId xmlns:a16="http://schemas.microsoft.com/office/drawing/2014/main" id="{8897490A-C4EF-4194-8287-3180EC842176}"/>
+              <a:t>내 </a:t>
+            </a:r>
+            <a:r>
+              <a:rPr lang="ko-KR" altLang="en-US" sz="1100" b="1" dirty="0" err="1"/>
+              <a:t>기프티콘</a:t>
+            </a:r>
+            <a:endParaRPr lang="ko-KR" altLang="en-US" sz="1100" b="1" dirty="0"/>
+          </a:p>
+        </p:txBody>
+      </p:sp>
+      <p:sp>
+        <p:nvSpPr>
+          <p:cNvPr id="178" name="직사각형 177">
+            <a:extLst>
+              <a:ext uri="{FF2B5EF4-FFF2-40B4-BE49-F238E27FC236}">
+                <a16:creationId xmlns:a16="http://schemas.microsoft.com/office/drawing/2014/main" id="{07A22815-E39D-4B8B-9A2E-3F373D4DD698}"/>
               </a:ext>
             </a:extLst>
           </p:cNvPr>
@@ -6327,7 +6358,7 @@
         </p:nvSpPr>
         <p:spPr>
           <a:xfrm>
-            <a:off x="26672672" y="7206201"/>
+            <a:off x="24147801" y="16610310"/>
             <a:ext cx="1269722" cy="313361"/>
           </a:xfrm>
           <a:prstGeom prst="rect">
@@ -6365,69 +6396,17 @@
             <a:pPr algn="ctr"/>
             <a:r>
               <a:rPr lang="ko-KR" altLang="en-US" sz="1100" b="1" dirty="0"/>
-              <a:t>내 정보</a:t>
-            </a:r>
-            <a:r>
-              <a:rPr lang="en-US" altLang="ko-KR" sz="1100" b="1" dirty="0"/>
-              <a:t> </a:t>
-            </a:r>
-            <a:r>
-              <a:rPr lang="ko-KR" altLang="en-US" sz="1100" b="1" dirty="0"/>
-              <a:t>삭제</a:t>
-            </a:r>
-          </a:p>
-        </p:txBody>
-      </p:sp>
-      <p:cxnSp>
-        <p:nvCxnSpPr>
-          <p:cNvPr id="24" name="연결선: 꺾임 23">
-            <a:extLst>
-              <a:ext uri="{FF2B5EF4-FFF2-40B4-BE49-F238E27FC236}">
-                <a16:creationId xmlns:a16="http://schemas.microsoft.com/office/drawing/2014/main" id="{DFA228F3-BC7D-461A-B162-233906945B60}"/>
-              </a:ext>
-            </a:extLst>
-          </p:cNvPr>
-          <p:cNvCxnSpPr>
-            <a:stCxn id="163" idx="2"/>
-            <a:endCxn id="166" idx="1"/>
-          </p:cNvCxnSpPr>
-          <p:nvPr/>
-        </p:nvCxnSpPr>
-        <p:spPr>
-          <a:xfrm rot="16200000" flipH="1">
-            <a:off x="26209651" y="6899860"/>
-            <a:ext cx="697415" cy="228627"/>
-          </a:xfrm>
-          <a:prstGeom prst="bentConnector2">
-            <a:avLst/>
-          </a:prstGeom>
-          <a:ln>
-            <a:solidFill>
-              <a:schemeClr val="tx1"/>
-            </a:solidFill>
-          </a:ln>
-        </p:spPr>
-        <p:style>
-          <a:lnRef idx="1">
-            <a:schemeClr val="dk1"/>
-          </a:lnRef>
-          <a:fillRef idx="0">
-            <a:schemeClr val="dk1"/>
-          </a:fillRef>
-          <a:effectRef idx="0">
-            <a:schemeClr val="dk1"/>
-          </a:effectRef>
-          <a:fontRef idx="minor">
-            <a:schemeClr val="tx1"/>
-          </a:fontRef>
-        </p:style>
-      </p:cxnSp>
-      <p:sp>
-        <p:nvSpPr>
-          <p:cNvPr id="167" name="직사각형 166">
-            <a:extLst>
-              <a:ext uri="{FF2B5EF4-FFF2-40B4-BE49-F238E27FC236}">
-                <a16:creationId xmlns:a16="http://schemas.microsoft.com/office/drawing/2014/main" id="{E5A23689-B969-4DA9-8762-5A5D2B6F237A}"/>
+              <a:t>내 건의사항</a:t>
+            </a:r>
+          </a:p>
+        </p:txBody>
+      </p:sp>
+      <p:sp>
+        <p:nvSpPr>
+          <p:cNvPr id="180" name="직사각형 179">
+            <a:extLst>
+              <a:ext uri="{FF2B5EF4-FFF2-40B4-BE49-F238E27FC236}">
+                <a16:creationId xmlns:a16="http://schemas.microsoft.com/office/drawing/2014/main" id="{ACFA56BF-16C2-49EE-83CE-F622D07F47B7}"/>
               </a:ext>
             </a:extLst>
           </p:cNvPr>
@@ -6436,7 +6415,7 @@
         </p:nvSpPr>
         <p:spPr>
           <a:xfrm>
-            <a:off x="24147801" y="7467560"/>
+            <a:off x="24996953" y="7950274"/>
             <a:ext cx="1269722" cy="313361"/>
           </a:xfrm>
           <a:prstGeom prst="rect">
@@ -6474,30 +6453,30 @@
             <a:pPr algn="ctr"/>
             <a:r>
               <a:rPr lang="ko-KR" altLang="en-US" sz="1100" b="1" dirty="0"/>
-              <a:t>내 예매 내역</a:t>
+              <a:t>예매내역 조회</a:t>
             </a:r>
           </a:p>
         </p:txBody>
       </p:sp>
       <p:cxnSp>
         <p:nvCxnSpPr>
-          <p:cNvPr id="28" name="연결선: 꺾임 27">
-            <a:extLst>
-              <a:ext uri="{FF2B5EF4-FFF2-40B4-BE49-F238E27FC236}">
-                <a16:creationId xmlns:a16="http://schemas.microsoft.com/office/drawing/2014/main" id="{A259C962-73BA-427A-8674-EFEAF311EBA5}"/>
+          <p:cNvPr id="30" name="연결선: 꺾임 29">
+            <a:extLst>
+              <a:ext uri="{FF2B5EF4-FFF2-40B4-BE49-F238E27FC236}">
+                <a16:creationId xmlns:a16="http://schemas.microsoft.com/office/drawing/2014/main" id="{572B6974-2B9D-4335-BAC5-1E6A8279A05C}"/>
               </a:ext>
             </a:extLst>
           </p:cNvPr>
           <p:cNvCxnSpPr>
-            <a:stCxn id="167" idx="1"/>
-            <a:endCxn id="212" idx="2"/>
+            <a:stCxn id="167" idx="2"/>
+            <a:endCxn id="180" idx="1"/>
           </p:cNvCxnSpPr>
           <p:nvPr/>
         </p:nvCxnSpPr>
         <p:spPr>
-          <a:xfrm rot="10800000">
-            <a:off x="23887251" y="5298471"/>
-            <a:ext cx="260550" cy="2325770"/>
+          <a:xfrm rot="16200000" flipH="1">
+            <a:off x="24726790" y="7836792"/>
+            <a:ext cx="326034" cy="214291"/>
           </a:xfrm>
           <a:prstGeom prst="bentConnector2">
             <a:avLst/>
@@ -6510,13 +6489,13 @@
         </p:spPr>
         <p:style>
           <a:lnRef idx="1">
-            <a:schemeClr val="accent1"/>
+            <a:schemeClr val="dk1"/>
           </a:lnRef>
           <a:fillRef idx="0">
-            <a:schemeClr val="accent1"/>
-          </a:fillRef>
-          <a:effectRef idx="0">
-            <a:schemeClr val="accent1"/>
+            <a:schemeClr val="dk1"/>
+          </a:fillRef>
+          <a:effectRef idx="0">
+            <a:schemeClr val="dk1"/>
           </a:effectRef>
           <a:fontRef idx="minor">
             <a:schemeClr val="tx1"/>
@@ -6525,10 +6504,10 @@
       </p:cxnSp>
       <p:sp>
         <p:nvSpPr>
-          <p:cNvPr id="171" name="직사각형 170">
-            <a:extLst>
-              <a:ext uri="{FF2B5EF4-FFF2-40B4-BE49-F238E27FC236}">
-                <a16:creationId xmlns:a16="http://schemas.microsoft.com/office/drawing/2014/main" id="{FD1D10F0-4A5E-4BA5-B507-CF9FAA1A25A9}"/>
+          <p:cNvPr id="181" name="직사각형 180">
+            <a:extLst>
+              <a:ext uri="{FF2B5EF4-FFF2-40B4-BE49-F238E27FC236}">
+                <a16:creationId xmlns:a16="http://schemas.microsoft.com/office/drawing/2014/main" id="{B9B0C6B5-7053-4BE7-AED8-82D647A1EA68}"/>
               </a:ext>
             </a:extLst>
           </p:cNvPr>
@@ -6537,7 +6516,7 @@
         </p:nvSpPr>
         <p:spPr>
           <a:xfrm>
-            <a:off x="24147801" y="8793784"/>
+            <a:off x="25809184" y="11190763"/>
             <a:ext cx="1269722" cy="313361"/>
           </a:xfrm>
           <a:prstGeom prst="rect">
@@ -6575,17 +6554,17 @@
             <a:pPr algn="ctr"/>
             <a:r>
               <a:rPr lang="ko-KR" altLang="en-US" sz="1100" b="1" dirty="0"/>
-              <a:t>내 리뷰</a:t>
-            </a:r>
-          </a:p>
-        </p:txBody>
-      </p:sp>
-      <p:sp>
-        <p:nvSpPr>
-          <p:cNvPr id="173" name="직사각형 172">
-            <a:extLst>
-              <a:ext uri="{FF2B5EF4-FFF2-40B4-BE49-F238E27FC236}">
-                <a16:creationId xmlns:a16="http://schemas.microsoft.com/office/drawing/2014/main" id="{0026D083-2E56-4B61-AAC8-35485D5BF92D}"/>
+              <a:t>내 리뷰 상세보기</a:t>
+            </a:r>
+          </a:p>
+        </p:txBody>
+      </p:sp>
+      <p:sp>
+        <p:nvSpPr>
+          <p:cNvPr id="198" name="직사각형 197">
+            <a:extLst>
+              <a:ext uri="{FF2B5EF4-FFF2-40B4-BE49-F238E27FC236}">
+                <a16:creationId xmlns:a16="http://schemas.microsoft.com/office/drawing/2014/main" id="{B79F777F-F0E7-4848-A53F-DC418D072389}"/>
               </a:ext>
             </a:extLst>
           </p:cNvPr>
@@ -6594,7 +6573,7 @@
         </p:nvSpPr>
         <p:spPr>
           <a:xfrm>
-            <a:off x="24147801" y="10869721"/>
+            <a:off x="26674260" y="11651154"/>
             <a:ext cx="1269722" cy="313361"/>
           </a:xfrm>
           <a:prstGeom prst="rect">
@@ -6632,22 +6611,17 @@
             <a:pPr algn="ctr"/>
             <a:r>
               <a:rPr lang="ko-KR" altLang="en-US" sz="1100" b="1" dirty="0"/>
-              <a:t>내 </a:t>
-            </a:r>
-            <a:r>
-              <a:rPr lang="ko-KR" altLang="en-US" sz="1100" b="1" dirty="0" err="1"/>
-              <a:t>한줄평</a:t>
-            </a:r>
-            <a:endParaRPr lang="ko-KR" altLang="en-US" sz="1100" b="1" dirty="0"/>
-          </a:p>
-        </p:txBody>
-      </p:sp>
-      <p:sp>
-        <p:nvSpPr>
-          <p:cNvPr id="175" name="직사각형 174">
-            <a:extLst>
-              <a:ext uri="{FF2B5EF4-FFF2-40B4-BE49-F238E27FC236}">
-                <a16:creationId xmlns:a16="http://schemas.microsoft.com/office/drawing/2014/main" id="{6EB21736-2903-453A-BC42-8876977C8C5D}"/>
+              <a:t>내 리뷰 수정</a:t>
+            </a:r>
+          </a:p>
+        </p:txBody>
+      </p:sp>
+      <p:sp>
+        <p:nvSpPr>
+          <p:cNvPr id="199" name="직사각형 198">
+            <a:extLst>
+              <a:ext uri="{FF2B5EF4-FFF2-40B4-BE49-F238E27FC236}">
+                <a16:creationId xmlns:a16="http://schemas.microsoft.com/office/drawing/2014/main" id="{A9DBB419-A250-45D8-B32C-2783D25A3D47}"/>
               </a:ext>
             </a:extLst>
           </p:cNvPr>
@@ -6656,7 +6630,7 @@
         </p:nvSpPr>
         <p:spPr>
           <a:xfrm>
-            <a:off x="24147801" y="13019469"/>
+            <a:off x="26672672" y="12111792"/>
             <a:ext cx="1269722" cy="313361"/>
           </a:xfrm>
           <a:prstGeom prst="rect">
@@ -6694,22 +6668,150 @@
             <a:pPr algn="ctr"/>
             <a:r>
               <a:rPr lang="ko-KR" altLang="en-US" sz="1100" b="1" dirty="0"/>
-              <a:t>내 </a:t>
-            </a:r>
-            <a:r>
-              <a:rPr lang="ko-KR" altLang="en-US" sz="1100" b="1" dirty="0" err="1"/>
-              <a:t>기프티콘</a:t>
-            </a:r>
-            <a:endParaRPr lang="ko-KR" altLang="en-US" sz="1100" b="1" dirty="0"/>
-          </a:p>
-        </p:txBody>
-      </p:sp>
-      <p:sp>
-        <p:nvSpPr>
-          <p:cNvPr id="178" name="직사각형 177">
-            <a:extLst>
-              <a:ext uri="{FF2B5EF4-FFF2-40B4-BE49-F238E27FC236}">
-                <a16:creationId xmlns:a16="http://schemas.microsoft.com/office/drawing/2014/main" id="{07A22815-E39D-4B8B-9A2E-3F373D4DD698}"/>
+              <a:t>내 리뷰 삭제</a:t>
+            </a:r>
+          </a:p>
+        </p:txBody>
+      </p:sp>
+      <p:cxnSp>
+        <p:nvCxnSpPr>
+          <p:cNvPr id="96" name="연결선: 꺾임 95">
+            <a:extLst>
+              <a:ext uri="{FF2B5EF4-FFF2-40B4-BE49-F238E27FC236}">
+                <a16:creationId xmlns:a16="http://schemas.microsoft.com/office/drawing/2014/main" id="{F9E03FDC-174A-478F-8659-3AB7FF6A345C}"/>
+              </a:ext>
+            </a:extLst>
+          </p:cNvPr>
+          <p:cNvCxnSpPr>
+            <a:cxnSpLocks/>
+            <a:stCxn id="171" idx="2"/>
+            <a:endCxn id="275" idx="1"/>
+          </p:cNvCxnSpPr>
+          <p:nvPr/>
+        </p:nvCxnSpPr>
+        <p:spPr>
+          <a:xfrm rot="16200000" flipH="1">
+            <a:off x="24731806" y="10631200"/>
+            <a:ext cx="316002" cy="214291"/>
+          </a:xfrm>
+          <a:prstGeom prst="bentConnector2">
+            <a:avLst/>
+          </a:prstGeom>
+          <a:ln>
+            <a:solidFill>
+              <a:schemeClr val="tx1"/>
+            </a:solidFill>
+          </a:ln>
+        </p:spPr>
+        <p:style>
+          <a:lnRef idx="1">
+            <a:schemeClr val="dk1"/>
+          </a:lnRef>
+          <a:fillRef idx="0">
+            <a:schemeClr val="dk1"/>
+          </a:fillRef>
+          <a:effectRef idx="0">
+            <a:schemeClr val="dk1"/>
+          </a:effectRef>
+          <a:fontRef idx="minor">
+            <a:schemeClr val="tx1"/>
+          </a:fontRef>
+        </p:style>
+      </p:cxnSp>
+      <p:cxnSp>
+        <p:nvCxnSpPr>
+          <p:cNvPr id="98" name="연결선: 꺾임 97">
+            <a:extLst>
+              <a:ext uri="{FF2B5EF4-FFF2-40B4-BE49-F238E27FC236}">
+                <a16:creationId xmlns:a16="http://schemas.microsoft.com/office/drawing/2014/main" id="{5588730C-4723-45AD-80A9-56358A3D476B}"/>
+              </a:ext>
+            </a:extLst>
+          </p:cNvPr>
+          <p:cNvCxnSpPr>
+            <a:stCxn id="181" idx="2"/>
+            <a:endCxn id="198" idx="1"/>
+          </p:cNvCxnSpPr>
+          <p:nvPr/>
+        </p:nvCxnSpPr>
+        <p:spPr>
+          <a:xfrm rot="16200000" flipH="1">
+            <a:off x="26407297" y="11540871"/>
+            <a:ext cx="303711" cy="230215"/>
+          </a:xfrm>
+          <a:prstGeom prst="bentConnector2">
+            <a:avLst/>
+          </a:prstGeom>
+          <a:ln>
+            <a:solidFill>
+              <a:schemeClr val="tx1"/>
+            </a:solidFill>
+          </a:ln>
+        </p:spPr>
+        <p:style>
+          <a:lnRef idx="1">
+            <a:schemeClr val="dk1"/>
+          </a:lnRef>
+          <a:fillRef idx="0">
+            <a:schemeClr val="dk1"/>
+          </a:fillRef>
+          <a:effectRef idx="0">
+            <a:schemeClr val="dk1"/>
+          </a:effectRef>
+          <a:fontRef idx="minor">
+            <a:schemeClr val="tx1"/>
+          </a:fontRef>
+        </p:style>
+      </p:cxnSp>
+      <p:cxnSp>
+        <p:nvCxnSpPr>
+          <p:cNvPr id="100" name="연결선: 꺾임 99">
+            <a:extLst>
+              <a:ext uri="{FF2B5EF4-FFF2-40B4-BE49-F238E27FC236}">
+                <a16:creationId xmlns:a16="http://schemas.microsoft.com/office/drawing/2014/main" id="{332423AF-F62E-4C05-94EF-F7B45458B51A}"/>
+              </a:ext>
+            </a:extLst>
+          </p:cNvPr>
+          <p:cNvCxnSpPr>
+            <a:stCxn id="181" idx="2"/>
+            <a:endCxn id="199" idx="1"/>
+          </p:cNvCxnSpPr>
+          <p:nvPr/>
+        </p:nvCxnSpPr>
+        <p:spPr>
+          <a:xfrm rot="16200000" flipH="1">
+            <a:off x="26176184" y="11771984"/>
+            <a:ext cx="764349" cy="228627"/>
+          </a:xfrm>
+          <a:prstGeom prst="bentConnector2">
+            <a:avLst/>
+          </a:prstGeom>
+          <a:ln>
+            <a:solidFill>
+              <a:schemeClr val="tx1"/>
+            </a:solidFill>
+          </a:ln>
+        </p:spPr>
+        <p:style>
+          <a:lnRef idx="1">
+            <a:schemeClr val="dk1"/>
+          </a:lnRef>
+          <a:fillRef idx="0">
+            <a:schemeClr val="dk1"/>
+          </a:fillRef>
+          <a:effectRef idx="0">
+            <a:schemeClr val="dk1"/>
+          </a:effectRef>
+          <a:fontRef idx="minor">
+            <a:schemeClr val="tx1"/>
+          </a:fontRef>
+        </p:style>
+      </p:cxnSp>
+      <p:sp>
+        <p:nvSpPr>
+          <p:cNvPr id="200" name="직사각형 199">
+            <a:extLst>
+              <a:ext uri="{FF2B5EF4-FFF2-40B4-BE49-F238E27FC236}">
+                <a16:creationId xmlns:a16="http://schemas.microsoft.com/office/drawing/2014/main" id="{2FB9ED56-D99D-44A8-A94C-1DB450A20A3B}"/>
               </a:ext>
             </a:extLst>
           </p:cNvPr>
@@ -6718,8 +6820,8 @@
         </p:nvSpPr>
         <p:spPr>
           <a:xfrm>
-            <a:off x="24147801" y="15137110"/>
-            <a:ext cx="1269722" cy="313361"/>
+            <a:off x="25809184" y="13220420"/>
+            <a:ext cx="1269722" cy="370276"/>
           </a:xfrm>
           <a:prstGeom prst="rect">
             <a:avLst/>
@@ -6756,17 +6858,25 @@
             <a:pPr algn="ctr"/>
             <a:r>
               <a:rPr lang="ko-KR" altLang="en-US" sz="1100" b="1" dirty="0"/>
-              <a:t>내 건의사항</a:t>
-            </a:r>
-          </a:p>
-        </p:txBody>
-      </p:sp>
-      <p:sp>
-        <p:nvSpPr>
-          <p:cNvPr id="180" name="직사각형 179">
-            <a:extLst>
-              <a:ext uri="{FF2B5EF4-FFF2-40B4-BE49-F238E27FC236}">
-                <a16:creationId xmlns:a16="http://schemas.microsoft.com/office/drawing/2014/main" id="{ACFA56BF-16C2-49EE-83CE-F622D07F47B7}"/>
+              <a:t>내 </a:t>
+            </a:r>
+            <a:r>
+              <a:rPr lang="ko-KR" altLang="en-US" sz="1100" b="1" dirty="0" err="1"/>
+              <a:t>한줄평</a:t>
+            </a:r>
+            <a:r>
+              <a:rPr lang="ko-KR" altLang="en-US" sz="1100" b="1" dirty="0"/>
+              <a:t> 상세보기</a:t>
+            </a:r>
+          </a:p>
+        </p:txBody>
+      </p:sp>
+      <p:sp>
+        <p:nvSpPr>
+          <p:cNvPr id="201" name="직사각형 200">
+            <a:extLst>
+              <a:ext uri="{FF2B5EF4-FFF2-40B4-BE49-F238E27FC236}">
+                <a16:creationId xmlns:a16="http://schemas.microsoft.com/office/drawing/2014/main" id="{EED69AEA-D909-41A9-9B4A-618CD78BAE7A}"/>
               </a:ext>
             </a:extLst>
           </p:cNvPr>
@@ -6775,7 +6885,7 @@
         </p:nvSpPr>
         <p:spPr>
           <a:xfrm>
-            <a:off x="24996953" y="7950274"/>
+            <a:off x="26672672" y="13728321"/>
             <a:ext cx="1269722" cy="313361"/>
           </a:xfrm>
           <a:prstGeom prst="rect">
@@ -6813,61 +6923,25 @@
             <a:pPr algn="ctr"/>
             <a:r>
               <a:rPr lang="ko-KR" altLang="en-US" sz="1100" b="1" dirty="0"/>
-              <a:t>예매내역 조회</a:t>
-            </a:r>
-          </a:p>
-        </p:txBody>
-      </p:sp>
-      <p:cxnSp>
-        <p:nvCxnSpPr>
-          <p:cNvPr id="30" name="연결선: 꺾임 29">
-            <a:extLst>
-              <a:ext uri="{FF2B5EF4-FFF2-40B4-BE49-F238E27FC236}">
-                <a16:creationId xmlns:a16="http://schemas.microsoft.com/office/drawing/2014/main" id="{572B6974-2B9D-4335-BAC5-1E6A8279A05C}"/>
-              </a:ext>
-            </a:extLst>
-          </p:cNvPr>
-          <p:cNvCxnSpPr>
-            <a:stCxn id="167" idx="2"/>
-            <a:endCxn id="180" idx="1"/>
-          </p:cNvCxnSpPr>
-          <p:nvPr/>
-        </p:nvCxnSpPr>
-        <p:spPr>
-          <a:xfrm rot="16200000" flipH="1">
-            <a:off x="24726790" y="7836792"/>
-            <a:ext cx="326034" cy="214291"/>
-          </a:xfrm>
-          <a:prstGeom prst="bentConnector2">
-            <a:avLst/>
-          </a:prstGeom>
-          <a:ln>
-            <a:solidFill>
-              <a:schemeClr val="tx1"/>
-            </a:solidFill>
-          </a:ln>
-        </p:spPr>
-        <p:style>
-          <a:lnRef idx="1">
-            <a:schemeClr val="dk1"/>
-          </a:lnRef>
-          <a:fillRef idx="0">
-            <a:schemeClr val="dk1"/>
-          </a:fillRef>
-          <a:effectRef idx="0">
-            <a:schemeClr val="dk1"/>
-          </a:effectRef>
-          <a:fontRef idx="minor">
-            <a:schemeClr val="tx1"/>
-          </a:fontRef>
-        </p:style>
-      </p:cxnSp>
-      <p:sp>
-        <p:nvSpPr>
-          <p:cNvPr id="181" name="직사각형 180">
-            <a:extLst>
-              <a:ext uri="{FF2B5EF4-FFF2-40B4-BE49-F238E27FC236}">
-                <a16:creationId xmlns:a16="http://schemas.microsoft.com/office/drawing/2014/main" id="{B9B0C6B5-7053-4BE7-AED8-82D647A1EA68}"/>
+              <a:t>내 </a:t>
+            </a:r>
+            <a:r>
+              <a:rPr lang="ko-KR" altLang="en-US" sz="1100" b="1" dirty="0" err="1"/>
+              <a:t>한줄평</a:t>
+            </a:r>
+            <a:r>
+              <a:rPr lang="ko-KR" altLang="en-US" sz="1100" b="1" dirty="0"/>
+              <a:t> 수정</a:t>
+            </a:r>
+          </a:p>
+        </p:txBody>
+      </p:sp>
+      <p:sp>
+        <p:nvSpPr>
+          <p:cNvPr id="202" name="직사각형 201">
+            <a:extLst>
+              <a:ext uri="{FF2B5EF4-FFF2-40B4-BE49-F238E27FC236}">
+                <a16:creationId xmlns:a16="http://schemas.microsoft.com/office/drawing/2014/main" id="{78853E67-C624-4FE1-8980-78DC4E700E89}"/>
               </a:ext>
             </a:extLst>
           </p:cNvPr>
@@ -6876,8 +6950,8 @@
         </p:nvSpPr>
         <p:spPr>
           <a:xfrm>
-            <a:off x="25809184" y="9717563"/>
-            <a:ext cx="1269722" cy="313361"/>
+            <a:off x="26672672" y="14179308"/>
+            <a:ext cx="1269722" cy="370276"/>
           </a:xfrm>
           <a:prstGeom prst="rect">
             <a:avLst/>
@@ -6914,17 +6988,164 @@
             <a:pPr algn="ctr"/>
             <a:r>
               <a:rPr lang="ko-KR" altLang="en-US" sz="1100" b="1" dirty="0"/>
-              <a:t>내 리뷰 상세보기</a:t>
-            </a:r>
-          </a:p>
-        </p:txBody>
-      </p:sp>
-      <p:sp>
-        <p:nvSpPr>
-          <p:cNvPr id="198" name="직사각형 197">
-            <a:extLst>
-              <a:ext uri="{FF2B5EF4-FFF2-40B4-BE49-F238E27FC236}">
-                <a16:creationId xmlns:a16="http://schemas.microsoft.com/office/drawing/2014/main" id="{B79F777F-F0E7-4848-A53F-DC418D072389}"/>
+              <a:t>내 </a:t>
+            </a:r>
+            <a:r>
+              <a:rPr lang="ko-KR" altLang="en-US" sz="1100" b="1" dirty="0" err="1"/>
+              <a:t>한줄평</a:t>
+            </a:r>
+            <a:endParaRPr lang="en-US" altLang="ko-KR" sz="1100" b="1" dirty="0"/>
+          </a:p>
+          <a:p>
+            <a:pPr algn="ctr"/>
+            <a:r>
+              <a:rPr lang="ko-KR" altLang="en-US" sz="1100" b="1" dirty="0"/>
+              <a:t>삭제</a:t>
+            </a:r>
+          </a:p>
+        </p:txBody>
+      </p:sp>
+      <p:cxnSp>
+        <p:nvCxnSpPr>
+          <p:cNvPr id="205" name="연결선: 꺾임 204">
+            <a:extLst>
+              <a:ext uri="{FF2B5EF4-FFF2-40B4-BE49-F238E27FC236}">
+                <a16:creationId xmlns:a16="http://schemas.microsoft.com/office/drawing/2014/main" id="{91F9845E-3B46-449B-B44A-447B3386CDA4}"/>
+              </a:ext>
+            </a:extLst>
+          </p:cNvPr>
+          <p:cNvCxnSpPr>
+            <a:cxnSpLocks/>
+            <a:stCxn id="200" idx="2"/>
+            <a:endCxn id="201" idx="1"/>
+          </p:cNvCxnSpPr>
+          <p:nvPr/>
+        </p:nvCxnSpPr>
+        <p:spPr>
+          <a:xfrm rot="16200000" flipH="1">
+            <a:off x="26411205" y="13623535"/>
+            <a:ext cx="294306" cy="228627"/>
+          </a:xfrm>
+          <a:prstGeom prst="bentConnector2">
+            <a:avLst/>
+          </a:prstGeom>
+          <a:ln>
+            <a:solidFill>
+              <a:schemeClr val="tx1"/>
+            </a:solidFill>
+          </a:ln>
+        </p:spPr>
+        <p:style>
+          <a:lnRef idx="1">
+            <a:schemeClr val="dk1"/>
+          </a:lnRef>
+          <a:fillRef idx="0">
+            <a:schemeClr val="dk1"/>
+          </a:fillRef>
+          <a:effectRef idx="0">
+            <a:schemeClr val="dk1"/>
+          </a:effectRef>
+          <a:fontRef idx="minor">
+            <a:schemeClr val="tx1"/>
+          </a:fontRef>
+        </p:style>
+      </p:cxnSp>
+      <p:cxnSp>
+        <p:nvCxnSpPr>
+          <p:cNvPr id="206" name="연결선: 꺾임 205">
+            <a:extLst>
+              <a:ext uri="{FF2B5EF4-FFF2-40B4-BE49-F238E27FC236}">
+                <a16:creationId xmlns:a16="http://schemas.microsoft.com/office/drawing/2014/main" id="{35E56270-C6C7-48B5-8F0C-08A57B27E54C}"/>
+              </a:ext>
+            </a:extLst>
+          </p:cNvPr>
+          <p:cNvCxnSpPr>
+            <a:cxnSpLocks/>
+            <a:stCxn id="200" idx="2"/>
+            <a:endCxn id="202" idx="1"/>
+          </p:cNvCxnSpPr>
+          <p:nvPr/>
+        </p:nvCxnSpPr>
+        <p:spPr>
+          <a:xfrm rot="16200000" flipH="1">
+            <a:off x="26171483" y="13863257"/>
+            <a:ext cx="773750" cy="228627"/>
+          </a:xfrm>
+          <a:prstGeom prst="bentConnector2">
+            <a:avLst/>
+          </a:prstGeom>
+          <a:ln>
+            <a:solidFill>
+              <a:schemeClr val="tx1"/>
+            </a:solidFill>
+          </a:ln>
+        </p:spPr>
+        <p:style>
+          <a:lnRef idx="1">
+            <a:schemeClr val="dk1"/>
+          </a:lnRef>
+          <a:fillRef idx="0">
+            <a:schemeClr val="dk1"/>
+          </a:fillRef>
+          <a:effectRef idx="0">
+            <a:schemeClr val="dk1"/>
+          </a:effectRef>
+          <a:fontRef idx="minor">
+            <a:schemeClr val="tx1"/>
+          </a:fontRef>
+        </p:style>
+      </p:cxnSp>
+      <p:cxnSp>
+        <p:nvCxnSpPr>
+          <p:cNvPr id="102" name="연결선: 꺾임 101">
+            <a:extLst>
+              <a:ext uri="{FF2B5EF4-FFF2-40B4-BE49-F238E27FC236}">
+                <a16:creationId xmlns:a16="http://schemas.microsoft.com/office/drawing/2014/main" id="{8EC4852F-78BF-4A32-9319-8B6CD91C04A1}"/>
+              </a:ext>
+            </a:extLst>
+          </p:cNvPr>
+          <p:cNvCxnSpPr>
+            <a:cxnSpLocks/>
+            <a:stCxn id="173" idx="2"/>
+            <a:endCxn id="279" idx="1"/>
+          </p:cNvCxnSpPr>
+          <p:nvPr/>
+        </p:nvCxnSpPr>
+        <p:spPr>
+          <a:xfrm rot="16200000" flipH="1">
+            <a:off x="24733406" y="12705537"/>
+            <a:ext cx="307345" cy="208833"/>
+          </a:xfrm>
+          <a:prstGeom prst="bentConnector2">
+            <a:avLst/>
+          </a:prstGeom>
+          <a:ln>
+            <a:solidFill>
+              <a:schemeClr val="tx1"/>
+            </a:solidFill>
+          </a:ln>
+        </p:spPr>
+        <p:style>
+          <a:lnRef idx="1">
+            <a:schemeClr val="dk1"/>
+          </a:lnRef>
+          <a:fillRef idx="0">
+            <a:schemeClr val="dk1"/>
+          </a:fillRef>
+          <a:effectRef idx="0">
+            <a:schemeClr val="dk1"/>
+          </a:effectRef>
+          <a:fontRef idx="minor">
+            <a:schemeClr val="tx1"/>
+          </a:fontRef>
+        </p:style>
+      </p:cxnSp>
+      <p:sp>
+        <p:nvSpPr>
+          <p:cNvPr id="207" name="직사각형 206">
+            <a:extLst>
+              <a:ext uri="{FF2B5EF4-FFF2-40B4-BE49-F238E27FC236}">
+                <a16:creationId xmlns:a16="http://schemas.microsoft.com/office/drawing/2014/main" id="{EF056986-74CB-4EB1-B3A0-DCC48548E8A7}"/>
               </a:ext>
             </a:extLst>
           </p:cNvPr>
@@ -6933,8 +7154,8 @@
         </p:nvSpPr>
         <p:spPr>
           <a:xfrm>
-            <a:off x="26674260" y="10177954"/>
-            <a:ext cx="1269722" cy="313361"/>
+            <a:off x="25809184" y="17507793"/>
+            <a:ext cx="1269722" cy="370275"/>
           </a:xfrm>
           <a:prstGeom prst="rect">
             <a:avLst/>
@@ -6971,17 +7192,17 @@
             <a:pPr algn="ctr"/>
             <a:r>
               <a:rPr lang="ko-KR" altLang="en-US" sz="1100" b="1" dirty="0"/>
-              <a:t>내 리뷰 수정</a:t>
-            </a:r>
-          </a:p>
-        </p:txBody>
-      </p:sp>
-      <p:sp>
-        <p:nvSpPr>
-          <p:cNvPr id="199" name="직사각형 198">
-            <a:extLst>
-              <a:ext uri="{FF2B5EF4-FFF2-40B4-BE49-F238E27FC236}">
-                <a16:creationId xmlns:a16="http://schemas.microsoft.com/office/drawing/2014/main" id="{A9DBB419-A250-45D8-B32C-2783D25A3D47}"/>
+              <a:t>내 건의사항 상세보기</a:t>
+            </a:r>
+          </a:p>
+        </p:txBody>
+      </p:sp>
+      <p:sp>
+        <p:nvSpPr>
+          <p:cNvPr id="208" name="직사각형 207">
+            <a:extLst>
+              <a:ext uri="{FF2B5EF4-FFF2-40B4-BE49-F238E27FC236}">
+                <a16:creationId xmlns:a16="http://schemas.microsoft.com/office/drawing/2014/main" id="{FB03B564-2525-4723-B4C9-4EA031D015BD}"/>
               </a:ext>
             </a:extLst>
           </p:cNvPr>
@@ -6990,7 +7211,7 @@
         </p:nvSpPr>
         <p:spPr>
           <a:xfrm>
-            <a:off x="26672672" y="10638592"/>
+            <a:off x="26672672" y="17990575"/>
             <a:ext cx="1269722" cy="313361"/>
           </a:xfrm>
           <a:prstGeom prst="rect">
@@ -7028,150 +7249,17 @@
             <a:pPr algn="ctr"/>
             <a:r>
               <a:rPr lang="ko-KR" altLang="en-US" sz="1100" b="1" dirty="0"/>
-              <a:t>내 리뷰 삭제</a:t>
-            </a:r>
-          </a:p>
-        </p:txBody>
-      </p:sp>
-      <p:cxnSp>
-        <p:nvCxnSpPr>
-          <p:cNvPr id="96" name="연결선: 꺾임 95">
-            <a:extLst>
-              <a:ext uri="{FF2B5EF4-FFF2-40B4-BE49-F238E27FC236}">
-                <a16:creationId xmlns:a16="http://schemas.microsoft.com/office/drawing/2014/main" id="{F9E03FDC-174A-478F-8659-3AB7FF6A345C}"/>
-              </a:ext>
-            </a:extLst>
-          </p:cNvPr>
-          <p:cNvCxnSpPr>
-            <a:cxnSpLocks/>
-            <a:stCxn id="171" idx="2"/>
-            <a:endCxn id="275" idx="1"/>
-          </p:cNvCxnSpPr>
-          <p:nvPr/>
-        </p:nvCxnSpPr>
-        <p:spPr>
-          <a:xfrm rot="16200000" flipH="1">
-            <a:off x="24731806" y="9158000"/>
-            <a:ext cx="316002" cy="214291"/>
-          </a:xfrm>
-          <a:prstGeom prst="bentConnector2">
-            <a:avLst/>
-          </a:prstGeom>
-          <a:ln>
-            <a:solidFill>
-              <a:schemeClr val="tx1"/>
-            </a:solidFill>
-          </a:ln>
-        </p:spPr>
-        <p:style>
-          <a:lnRef idx="1">
-            <a:schemeClr val="dk1"/>
-          </a:lnRef>
-          <a:fillRef idx="0">
-            <a:schemeClr val="dk1"/>
-          </a:fillRef>
-          <a:effectRef idx="0">
-            <a:schemeClr val="dk1"/>
-          </a:effectRef>
-          <a:fontRef idx="minor">
-            <a:schemeClr val="tx1"/>
-          </a:fontRef>
-        </p:style>
-      </p:cxnSp>
-      <p:cxnSp>
-        <p:nvCxnSpPr>
-          <p:cNvPr id="98" name="연결선: 꺾임 97">
-            <a:extLst>
-              <a:ext uri="{FF2B5EF4-FFF2-40B4-BE49-F238E27FC236}">
-                <a16:creationId xmlns:a16="http://schemas.microsoft.com/office/drawing/2014/main" id="{5588730C-4723-45AD-80A9-56358A3D476B}"/>
-              </a:ext>
-            </a:extLst>
-          </p:cNvPr>
-          <p:cNvCxnSpPr>
-            <a:stCxn id="181" idx="2"/>
-            <a:endCxn id="198" idx="1"/>
-          </p:cNvCxnSpPr>
-          <p:nvPr/>
-        </p:nvCxnSpPr>
-        <p:spPr>
-          <a:xfrm rot="16200000" flipH="1">
-            <a:off x="26407297" y="10067671"/>
-            <a:ext cx="303711" cy="230215"/>
-          </a:xfrm>
-          <a:prstGeom prst="bentConnector2">
-            <a:avLst/>
-          </a:prstGeom>
-          <a:ln>
-            <a:solidFill>
-              <a:schemeClr val="tx1"/>
-            </a:solidFill>
-          </a:ln>
-        </p:spPr>
-        <p:style>
-          <a:lnRef idx="1">
-            <a:schemeClr val="dk1"/>
-          </a:lnRef>
-          <a:fillRef idx="0">
-            <a:schemeClr val="dk1"/>
-          </a:fillRef>
-          <a:effectRef idx="0">
-            <a:schemeClr val="dk1"/>
-          </a:effectRef>
-          <a:fontRef idx="minor">
-            <a:schemeClr val="tx1"/>
-          </a:fontRef>
-        </p:style>
-      </p:cxnSp>
-      <p:cxnSp>
-        <p:nvCxnSpPr>
-          <p:cNvPr id="100" name="연결선: 꺾임 99">
-            <a:extLst>
-              <a:ext uri="{FF2B5EF4-FFF2-40B4-BE49-F238E27FC236}">
-                <a16:creationId xmlns:a16="http://schemas.microsoft.com/office/drawing/2014/main" id="{332423AF-F62E-4C05-94EF-F7B45458B51A}"/>
-              </a:ext>
-            </a:extLst>
-          </p:cNvPr>
-          <p:cNvCxnSpPr>
-            <a:stCxn id="181" idx="2"/>
-            <a:endCxn id="199" idx="1"/>
-          </p:cNvCxnSpPr>
-          <p:nvPr/>
-        </p:nvCxnSpPr>
-        <p:spPr>
-          <a:xfrm rot="16200000" flipH="1">
-            <a:off x="26176184" y="10298784"/>
-            <a:ext cx="764349" cy="228627"/>
-          </a:xfrm>
-          <a:prstGeom prst="bentConnector2">
-            <a:avLst/>
-          </a:prstGeom>
-          <a:ln>
-            <a:solidFill>
-              <a:schemeClr val="tx1"/>
-            </a:solidFill>
-          </a:ln>
-        </p:spPr>
-        <p:style>
-          <a:lnRef idx="1">
-            <a:schemeClr val="dk1"/>
-          </a:lnRef>
-          <a:fillRef idx="0">
-            <a:schemeClr val="dk1"/>
-          </a:fillRef>
-          <a:effectRef idx="0">
-            <a:schemeClr val="dk1"/>
-          </a:effectRef>
-          <a:fontRef idx="minor">
-            <a:schemeClr val="tx1"/>
-          </a:fontRef>
-        </p:style>
-      </p:cxnSp>
-      <p:sp>
-        <p:nvSpPr>
-          <p:cNvPr id="200" name="직사각형 199">
-            <a:extLst>
-              <a:ext uri="{FF2B5EF4-FFF2-40B4-BE49-F238E27FC236}">
-                <a16:creationId xmlns:a16="http://schemas.microsoft.com/office/drawing/2014/main" id="{2FB9ED56-D99D-44A8-A94C-1DB450A20A3B}"/>
+              <a:t>내 건의사항 수정</a:t>
+            </a:r>
+          </a:p>
+        </p:txBody>
+      </p:sp>
+      <p:sp>
+        <p:nvSpPr>
+          <p:cNvPr id="209" name="직사각형 208">
+            <a:extLst>
+              <a:ext uri="{FF2B5EF4-FFF2-40B4-BE49-F238E27FC236}">
+                <a16:creationId xmlns:a16="http://schemas.microsoft.com/office/drawing/2014/main" id="{687CFFAD-BF6F-46A7-93A2-32C9B7D650A1}"/>
               </a:ext>
             </a:extLst>
           </p:cNvPr>
@@ -7180,7 +7268,7 @@
         </p:nvSpPr>
         <p:spPr>
           <a:xfrm>
-            <a:off x="25809184" y="11804134"/>
+            <a:off x="26672672" y="18416443"/>
             <a:ext cx="1269722" cy="313361"/>
           </a:xfrm>
           <a:prstGeom prst="rect">
@@ -7218,25 +7306,115 @@
             <a:pPr algn="ctr"/>
             <a:r>
               <a:rPr lang="ko-KR" altLang="en-US" sz="1100" b="1" dirty="0"/>
-              <a:t>내 </a:t>
-            </a:r>
-            <a:r>
-              <a:rPr lang="ko-KR" altLang="en-US" sz="1100" b="1" dirty="0" err="1"/>
-              <a:t>한줄평</a:t>
-            </a:r>
+              <a:t>내 건의사항</a:t>
+            </a:r>
+            <a:endParaRPr lang="en-US" altLang="ko-KR" sz="1100" b="1" dirty="0"/>
+          </a:p>
+          <a:p>
+            <a:pPr algn="ctr"/>
             <a:r>
               <a:rPr lang="ko-KR" altLang="en-US" sz="1100" b="1" dirty="0"/>
-              <a:t> 상세보기</a:t>
-            </a:r>
-          </a:p>
-        </p:txBody>
-      </p:sp>
-      <p:sp>
-        <p:nvSpPr>
-          <p:cNvPr id="201" name="직사각형 200">
-            <a:extLst>
-              <a:ext uri="{FF2B5EF4-FFF2-40B4-BE49-F238E27FC236}">
-                <a16:creationId xmlns:a16="http://schemas.microsoft.com/office/drawing/2014/main" id="{EED69AEA-D909-41A9-9B4A-618CD78BAE7A}"/>
+              <a:t>삭제</a:t>
+            </a:r>
+          </a:p>
+        </p:txBody>
+      </p:sp>
+      <p:cxnSp>
+        <p:nvCxnSpPr>
+          <p:cNvPr id="210" name="연결선: 꺾임 209">
+            <a:extLst>
+              <a:ext uri="{FF2B5EF4-FFF2-40B4-BE49-F238E27FC236}">
+                <a16:creationId xmlns:a16="http://schemas.microsoft.com/office/drawing/2014/main" id="{03D68357-4F56-40F7-A23C-A6C49320A9EA}"/>
+              </a:ext>
+            </a:extLst>
+          </p:cNvPr>
+          <p:cNvCxnSpPr>
+            <a:cxnSpLocks/>
+            <a:stCxn id="207" idx="2"/>
+            <a:endCxn id="208" idx="1"/>
+          </p:cNvCxnSpPr>
+          <p:nvPr/>
+        </p:nvCxnSpPr>
+        <p:spPr>
+          <a:xfrm rot="16200000" flipH="1">
+            <a:off x="26423764" y="17898348"/>
+            <a:ext cx="269188" cy="228627"/>
+          </a:xfrm>
+          <a:prstGeom prst="bentConnector2">
+            <a:avLst/>
+          </a:prstGeom>
+          <a:ln>
+            <a:solidFill>
+              <a:schemeClr val="tx1"/>
+            </a:solidFill>
+          </a:ln>
+        </p:spPr>
+        <p:style>
+          <a:lnRef idx="1">
+            <a:schemeClr val="dk1"/>
+          </a:lnRef>
+          <a:fillRef idx="0">
+            <a:schemeClr val="dk1"/>
+          </a:fillRef>
+          <a:effectRef idx="0">
+            <a:schemeClr val="dk1"/>
+          </a:effectRef>
+          <a:fontRef idx="minor">
+            <a:schemeClr val="tx1"/>
+          </a:fontRef>
+        </p:style>
+      </p:cxnSp>
+      <p:cxnSp>
+        <p:nvCxnSpPr>
+          <p:cNvPr id="211" name="연결선: 꺾임 210">
+            <a:extLst>
+              <a:ext uri="{FF2B5EF4-FFF2-40B4-BE49-F238E27FC236}">
+                <a16:creationId xmlns:a16="http://schemas.microsoft.com/office/drawing/2014/main" id="{9AE1C7E2-9772-4F84-ABB7-38A9FB374ACD}"/>
+              </a:ext>
+            </a:extLst>
+          </p:cNvPr>
+          <p:cNvCxnSpPr>
+            <a:cxnSpLocks/>
+            <a:stCxn id="207" idx="2"/>
+            <a:endCxn id="209" idx="1"/>
+          </p:cNvCxnSpPr>
+          <p:nvPr/>
+        </p:nvCxnSpPr>
+        <p:spPr>
+          <a:xfrm rot="16200000" flipH="1">
+            <a:off x="26210830" y="18111282"/>
+            <a:ext cx="695056" cy="228627"/>
+          </a:xfrm>
+          <a:prstGeom prst="bentConnector2">
+            <a:avLst/>
+          </a:prstGeom>
+          <a:ln>
+            <a:solidFill>
+              <a:schemeClr val="tx1"/>
+            </a:solidFill>
+          </a:ln>
+        </p:spPr>
+        <p:style>
+          <a:lnRef idx="1">
+            <a:schemeClr val="dk1"/>
+          </a:lnRef>
+          <a:fillRef idx="0">
+            <a:schemeClr val="dk1"/>
+          </a:fillRef>
+          <a:effectRef idx="0">
+            <a:schemeClr val="dk1"/>
+          </a:effectRef>
+          <a:fontRef idx="minor">
+            <a:schemeClr val="tx1"/>
+          </a:fontRef>
+        </p:style>
+      </p:cxnSp>
+      <p:sp>
+        <p:nvSpPr>
+          <p:cNvPr id="214" name="직사각형 213">
+            <a:extLst>
+              <a:ext uri="{FF2B5EF4-FFF2-40B4-BE49-F238E27FC236}">
+                <a16:creationId xmlns:a16="http://schemas.microsoft.com/office/drawing/2014/main" id="{24E5FF1D-B393-46ED-9C49-1C3C240DFD3F}"/>
               </a:ext>
             </a:extLst>
           </p:cNvPr>
@@ -7245,8 +7423,8 @@
         </p:nvSpPr>
         <p:spPr>
           <a:xfrm>
-            <a:off x="26672672" y="12255121"/>
-            <a:ext cx="1269722" cy="313361"/>
+            <a:off x="25809184" y="15411570"/>
+            <a:ext cx="1269722" cy="370276"/>
           </a:xfrm>
           <a:prstGeom prst="rect">
             <a:avLst/>
@@ -7287,21 +7465,21 @@
             </a:r>
             <a:r>
               <a:rPr lang="ko-KR" altLang="en-US" sz="1100" b="1" dirty="0" err="1"/>
-              <a:t>한줄평</a:t>
+              <a:t>기프티콘</a:t>
             </a:r>
             <a:r>
               <a:rPr lang="ko-KR" altLang="en-US" sz="1100" b="1" dirty="0"/>
-              <a:t> 수정</a:t>
-            </a:r>
-          </a:p>
-        </p:txBody>
-      </p:sp>
-      <p:sp>
-        <p:nvSpPr>
-          <p:cNvPr id="202" name="직사각형 201">
-            <a:extLst>
-              <a:ext uri="{FF2B5EF4-FFF2-40B4-BE49-F238E27FC236}">
-                <a16:creationId xmlns:a16="http://schemas.microsoft.com/office/drawing/2014/main" id="{78853E67-C624-4FE1-8980-78DC4E700E89}"/>
+              <a:t> 상세보기</a:t>
+            </a:r>
+          </a:p>
+        </p:txBody>
+      </p:sp>
+      <p:sp>
+        <p:nvSpPr>
+          <p:cNvPr id="215" name="직사각형 214">
+            <a:extLst>
+              <a:ext uri="{FF2B5EF4-FFF2-40B4-BE49-F238E27FC236}">
+                <a16:creationId xmlns:a16="http://schemas.microsoft.com/office/drawing/2014/main" id="{25108D91-3D18-46C8-A457-61ADB9EE4C3B}"/>
               </a:ext>
             </a:extLst>
           </p:cNvPr>
@@ -7310,8 +7488,8 @@
         </p:nvSpPr>
         <p:spPr>
           <a:xfrm>
-            <a:off x="26672672" y="12706108"/>
-            <a:ext cx="1269722" cy="313361"/>
+            <a:off x="26672672" y="15893647"/>
+            <a:ext cx="1269722" cy="338420"/>
           </a:xfrm>
           <a:prstGeom prst="rect">
             <a:avLst/>
@@ -7347,163 +7525,25 @@
           <a:p>
             <a:pPr algn="ctr"/>
             <a:r>
+              <a:rPr lang="ko-KR" altLang="en-US" sz="1100" b="1" dirty="0" err="1"/>
+              <a:t>기프티콘</a:t>
+            </a:r>
+            <a:br>
+              <a:rPr lang="en-US" altLang="ko-KR" sz="1100" b="1" dirty="0"/>
+            </a:br>
+            <a:r>
               <a:rPr lang="ko-KR" altLang="en-US" sz="1100" b="1" dirty="0"/>
-              <a:t>내 </a:t>
-            </a:r>
-            <a:r>
-              <a:rPr lang="ko-KR" altLang="en-US" sz="1100" b="1" dirty="0" err="1"/>
-              <a:t>한줄평</a:t>
-            </a:r>
-            <a:endParaRPr lang="en-US" altLang="ko-KR" sz="1100" b="1" dirty="0"/>
-          </a:p>
-          <a:p>
-            <a:pPr algn="ctr"/>
-            <a:r>
-              <a:rPr lang="ko-KR" altLang="en-US" sz="1100" b="1" dirty="0"/>
-              <a:t>삭제</a:t>
-            </a:r>
-          </a:p>
-        </p:txBody>
-      </p:sp>
-      <p:cxnSp>
-        <p:nvCxnSpPr>
-          <p:cNvPr id="205" name="연결선: 꺾임 204">
-            <a:extLst>
-              <a:ext uri="{FF2B5EF4-FFF2-40B4-BE49-F238E27FC236}">
-                <a16:creationId xmlns:a16="http://schemas.microsoft.com/office/drawing/2014/main" id="{91F9845E-3B46-449B-B44A-447B3386CDA4}"/>
-              </a:ext>
-            </a:extLst>
-          </p:cNvPr>
-          <p:cNvCxnSpPr>
-            <a:stCxn id="200" idx="2"/>
-            <a:endCxn id="201" idx="1"/>
-          </p:cNvCxnSpPr>
-          <p:nvPr/>
-        </p:nvCxnSpPr>
-        <p:spPr>
-          <a:xfrm rot="16200000" flipH="1">
-            <a:off x="26411205" y="12150334"/>
-            <a:ext cx="294307" cy="228627"/>
-          </a:xfrm>
-          <a:prstGeom prst="bentConnector2">
-            <a:avLst/>
-          </a:prstGeom>
-          <a:ln>
-            <a:solidFill>
-              <a:schemeClr val="tx1"/>
-            </a:solidFill>
-          </a:ln>
-        </p:spPr>
-        <p:style>
-          <a:lnRef idx="1">
-            <a:schemeClr val="dk1"/>
-          </a:lnRef>
-          <a:fillRef idx="0">
-            <a:schemeClr val="dk1"/>
-          </a:fillRef>
-          <a:effectRef idx="0">
-            <a:schemeClr val="dk1"/>
-          </a:effectRef>
-          <a:fontRef idx="minor">
-            <a:schemeClr val="tx1"/>
-          </a:fontRef>
-        </p:style>
-      </p:cxnSp>
-      <p:cxnSp>
-        <p:nvCxnSpPr>
-          <p:cNvPr id="206" name="연결선: 꺾임 205">
-            <a:extLst>
-              <a:ext uri="{FF2B5EF4-FFF2-40B4-BE49-F238E27FC236}">
-                <a16:creationId xmlns:a16="http://schemas.microsoft.com/office/drawing/2014/main" id="{35E56270-C6C7-48B5-8F0C-08A57B27E54C}"/>
-              </a:ext>
-            </a:extLst>
-          </p:cNvPr>
-          <p:cNvCxnSpPr>
-            <a:stCxn id="200" idx="2"/>
-            <a:endCxn id="202" idx="1"/>
-          </p:cNvCxnSpPr>
-          <p:nvPr/>
-        </p:nvCxnSpPr>
-        <p:spPr>
-          <a:xfrm rot="16200000" flipH="1">
-            <a:off x="26185711" y="12375828"/>
-            <a:ext cx="745294" cy="228627"/>
-          </a:xfrm>
-          <a:prstGeom prst="bentConnector2">
-            <a:avLst/>
-          </a:prstGeom>
-          <a:ln>
-            <a:solidFill>
-              <a:schemeClr val="tx1"/>
-            </a:solidFill>
-          </a:ln>
-        </p:spPr>
-        <p:style>
-          <a:lnRef idx="1">
-            <a:schemeClr val="dk1"/>
-          </a:lnRef>
-          <a:fillRef idx="0">
-            <a:schemeClr val="dk1"/>
-          </a:fillRef>
-          <a:effectRef idx="0">
-            <a:schemeClr val="dk1"/>
-          </a:effectRef>
-          <a:fontRef idx="minor">
-            <a:schemeClr val="tx1"/>
-          </a:fontRef>
-        </p:style>
-      </p:cxnSp>
-      <p:cxnSp>
-        <p:nvCxnSpPr>
-          <p:cNvPr id="102" name="연결선: 꺾임 101">
-            <a:extLst>
-              <a:ext uri="{FF2B5EF4-FFF2-40B4-BE49-F238E27FC236}">
-                <a16:creationId xmlns:a16="http://schemas.microsoft.com/office/drawing/2014/main" id="{8EC4852F-78BF-4A32-9319-8B6CD91C04A1}"/>
-              </a:ext>
-            </a:extLst>
-          </p:cNvPr>
-          <p:cNvCxnSpPr>
-            <a:cxnSpLocks/>
-            <a:stCxn id="173" idx="2"/>
-            <a:endCxn id="279" idx="1"/>
-          </p:cNvCxnSpPr>
-          <p:nvPr/>
-        </p:nvCxnSpPr>
-        <p:spPr>
-          <a:xfrm rot="16200000" flipH="1">
-            <a:off x="24733406" y="11232337"/>
-            <a:ext cx="307345" cy="208833"/>
-          </a:xfrm>
-          <a:prstGeom prst="bentConnector2">
-            <a:avLst/>
-          </a:prstGeom>
-          <a:ln>
-            <a:solidFill>
-              <a:schemeClr val="tx1"/>
-            </a:solidFill>
-          </a:ln>
-        </p:spPr>
-        <p:style>
-          <a:lnRef idx="1">
-            <a:schemeClr val="dk1"/>
-          </a:lnRef>
-          <a:fillRef idx="0">
-            <a:schemeClr val="dk1"/>
-          </a:fillRef>
-          <a:effectRef idx="0">
-            <a:schemeClr val="dk1"/>
-          </a:effectRef>
-          <a:fontRef idx="minor">
-            <a:schemeClr val="tx1"/>
-          </a:fontRef>
-        </p:style>
-      </p:cxnSp>
-      <p:sp>
-        <p:nvSpPr>
-          <p:cNvPr id="207" name="직사각형 206">
-            <a:extLst>
-              <a:ext uri="{FF2B5EF4-FFF2-40B4-BE49-F238E27FC236}">
-                <a16:creationId xmlns:a16="http://schemas.microsoft.com/office/drawing/2014/main" id="{EF056986-74CB-4EB1-B3A0-DCC48548E8A7}"/>
+              <a:t>기간 연장</a:t>
+            </a:r>
+          </a:p>
+        </p:txBody>
+      </p:sp>
+      <p:sp>
+        <p:nvSpPr>
+          <p:cNvPr id="216" name="직사각형 215">
+            <a:extLst>
+              <a:ext uri="{FF2B5EF4-FFF2-40B4-BE49-F238E27FC236}">
+                <a16:creationId xmlns:a16="http://schemas.microsoft.com/office/drawing/2014/main" id="{684C68E2-0E45-4116-9DA4-4A433E71C914}"/>
               </a:ext>
             </a:extLst>
           </p:cNvPr>
@@ -7512,7 +7552,7 @@
         </p:nvSpPr>
         <p:spPr>
           <a:xfrm>
-            <a:off x="25809184" y="16091507"/>
+            <a:off x="26672672" y="16344574"/>
             <a:ext cx="1269722" cy="313361"/>
           </a:xfrm>
           <a:prstGeom prst="rect">
@@ -7549,18 +7589,156 @@
           <a:p>
             <a:pPr algn="ctr"/>
             <a:r>
+              <a:rPr lang="ko-KR" altLang="en-US" sz="1100" b="1" dirty="0" err="1"/>
+              <a:t>기프티콘</a:t>
+            </a:r>
+            <a:r>
               <a:rPr lang="ko-KR" altLang="en-US" sz="1100" b="1" dirty="0"/>
-              <a:t>내 건의사항 상세보기</a:t>
-            </a:r>
-          </a:p>
-        </p:txBody>
-      </p:sp>
-      <p:sp>
-        <p:nvSpPr>
-          <p:cNvPr id="208" name="직사각형 207">
-            <a:extLst>
-              <a:ext uri="{FF2B5EF4-FFF2-40B4-BE49-F238E27FC236}">
-                <a16:creationId xmlns:a16="http://schemas.microsoft.com/office/drawing/2014/main" id="{FB03B564-2525-4723-B4C9-4EA031D015BD}"/>
+              <a:t> 환불</a:t>
+            </a:r>
+          </a:p>
+        </p:txBody>
+      </p:sp>
+      <p:cxnSp>
+        <p:nvCxnSpPr>
+          <p:cNvPr id="217" name="연결선: 꺾임 216">
+            <a:extLst>
+              <a:ext uri="{FF2B5EF4-FFF2-40B4-BE49-F238E27FC236}">
+                <a16:creationId xmlns:a16="http://schemas.microsoft.com/office/drawing/2014/main" id="{607A871A-FA8B-4A3F-8134-71D4C933FED5}"/>
+              </a:ext>
+            </a:extLst>
+          </p:cNvPr>
+          <p:cNvCxnSpPr>
+            <a:cxnSpLocks/>
+            <a:endCxn id="215" idx="1"/>
+          </p:cNvCxnSpPr>
+          <p:nvPr/>
+        </p:nvCxnSpPr>
+        <p:spPr>
+          <a:xfrm rot="16200000" flipH="1">
+            <a:off x="26441665" y="15831850"/>
+            <a:ext cx="233386" cy="228627"/>
+          </a:xfrm>
+          <a:prstGeom prst="bentConnector2">
+            <a:avLst/>
+          </a:prstGeom>
+          <a:ln>
+            <a:solidFill>
+              <a:schemeClr val="tx1"/>
+            </a:solidFill>
+          </a:ln>
+        </p:spPr>
+        <p:style>
+          <a:lnRef idx="1">
+            <a:schemeClr val="dk1"/>
+          </a:lnRef>
+          <a:fillRef idx="0">
+            <a:schemeClr val="dk1"/>
+          </a:fillRef>
+          <a:effectRef idx="0">
+            <a:schemeClr val="dk1"/>
+          </a:effectRef>
+          <a:fontRef idx="minor">
+            <a:schemeClr val="tx1"/>
+          </a:fontRef>
+        </p:style>
+      </p:cxnSp>
+      <p:cxnSp>
+        <p:nvCxnSpPr>
+          <p:cNvPr id="220" name="연결선: 꺾임 219">
+            <a:extLst>
+              <a:ext uri="{FF2B5EF4-FFF2-40B4-BE49-F238E27FC236}">
+                <a16:creationId xmlns:a16="http://schemas.microsoft.com/office/drawing/2014/main" id="{F912BBBA-1107-4542-8DC1-0B433CBF9800}"/>
+              </a:ext>
+            </a:extLst>
+          </p:cNvPr>
+          <p:cNvCxnSpPr>
+            <a:cxnSpLocks/>
+            <a:stCxn id="214" idx="2"/>
+            <a:endCxn id="216" idx="1"/>
+          </p:cNvCxnSpPr>
+          <p:nvPr/>
+        </p:nvCxnSpPr>
+        <p:spPr>
+          <a:xfrm rot="16200000" flipH="1">
+            <a:off x="26198654" y="16027236"/>
+            <a:ext cx="719409" cy="228627"/>
+          </a:xfrm>
+          <a:prstGeom prst="bentConnector2">
+            <a:avLst/>
+          </a:prstGeom>
+          <a:ln>
+            <a:solidFill>
+              <a:schemeClr val="tx1"/>
+            </a:solidFill>
+          </a:ln>
+        </p:spPr>
+        <p:style>
+          <a:lnRef idx="1">
+            <a:schemeClr val="dk1"/>
+          </a:lnRef>
+          <a:fillRef idx="0">
+            <a:schemeClr val="dk1"/>
+          </a:fillRef>
+          <a:effectRef idx="0">
+            <a:schemeClr val="dk1"/>
+          </a:effectRef>
+          <a:fontRef idx="minor">
+            <a:schemeClr val="tx1"/>
+          </a:fontRef>
+        </p:style>
+      </p:cxnSp>
+      <p:cxnSp>
+        <p:nvCxnSpPr>
+          <p:cNvPr id="108" name="연결선: 꺾임 107">
+            <a:extLst>
+              <a:ext uri="{FF2B5EF4-FFF2-40B4-BE49-F238E27FC236}">
+                <a16:creationId xmlns:a16="http://schemas.microsoft.com/office/drawing/2014/main" id="{99C22C0E-C762-4302-89D7-0E266B6C98FB}"/>
+              </a:ext>
+            </a:extLst>
+          </p:cNvPr>
+          <p:cNvCxnSpPr>
+            <a:cxnSpLocks/>
+            <a:stCxn id="175" idx="2"/>
+            <a:endCxn id="283" idx="1"/>
+          </p:cNvCxnSpPr>
+          <p:nvPr/>
+        </p:nvCxnSpPr>
+        <p:spPr>
+          <a:xfrm rot="16200000" flipH="1">
+            <a:off x="24731634" y="14857057"/>
+            <a:ext cx="310888" cy="208833"/>
+          </a:xfrm>
+          <a:prstGeom prst="bentConnector2">
+            <a:avLst/>
+          </a:prstGeom>
+          <a:ln>
+            <a:solidFill>
+              <a:schemeClr val="tx1"/>
+            </a:solidFill>
+          </a:ln>
+        </p:spPr>
+        <p:style>
+          <a:lnRef idx="1">
+            <a:schemeClr val="dk1"/>
+          </a:lnRef>
+          <a:fillRef idx="0">
+            <a:schemeClr val="dk1"/>
+          </a:fillRef>
+          <a:effectRef idx="0">
+            <a:schemeClr val="dk1"/>
+          </a:effectRef>
+          <a:fontRef idx="minor">
+            <a:schemeClr val="tx1"/>
+          </a:fontRef>
+        </p:style>
+      </p:cxnSp>
+      <p:sp>
+        <p:nvSpPr>
+          <p:cNvPr id="264" name="직사각형 263">
+            <a:extLst>
+              <a:ext uri="{FF2B5EF4-FFF2-40B4-BE49-F238E27FC236}">
+                <a16:creationId xmlns:a16="http://schemas.microsoft.com/office/drawing/2014/main" id="{1A41C0E7-030C-4BA1-A51C-D0DCC87562F8}"/>
               </a:ext>
             </a:extLst>
           </p:cNvPr>
@@ -7569,7 +7747,7 @@
         </p:nvSpPr>
         <p:spPr>
           <a:xfrm>
-            <a:off x="26672672" y="16517375"/>
+            <a:off x="24996953" y="5883705"/>
             <a:ext cx="1269722" cy="313361"/>
           </a:xfrm>
           <a:prstGeom prst="rect">
@@ -7607,17 +7785,105 @@
             <a:pPr algn="ctr"/>
             <a:r>
               <a:rPr lang="ko-KR" altLang="en-US" sz="1100" b="1" dirty="0"/>
-              <a:t>내 건의사항 수정</a:t>
-            </a:r>
-          </a:p>
-        </p:txBody>
-      </p:sp>
-      <p:sp>
-        <p:nvSpPr>
-          <p:cNvPr id="209" name="직사각형 208">
-            <a:extLst>
-              <a:ext uri="{FF2B5EF4-FFF2-40B4-BE49-F238E27FC236}">
-                <a16:creationId xmlns:a16="http://schemas.microsoft.com/office/drawing/2014/main" id="{687CFFAD-BF6F-46A7-93A2-32C9B7D650A1}"/>
+              <a:t>내 정보 조회</a:t>
+            </a:r>
+          </a:p>
+        </p:txBody>
+      </p:sp>
+      <p:cxnSp>
+        <p:nvCxnSpPr>
+          <p:cNvPr id="233" name="연결선: 꺾임 232">
+            <a:extLst>
+              <a:ext uri="{FF2B5EF4-FFF2-40B4-BE49-F238E27FC236}">
+                <a16:creationId xmlns:a16="http://schemas.microsoft.com/office/drawing/2014/main" id="{89F3A3FD-1610-4008-A43F-E69BE603DD43}"/>
+              </a:ext>
+            </a:extLst>
+          </p:cNvPr>
+          <p:cNvCxnSpPr>
+            <a:stCxn id="140" idx="2"/>
+            <a:endCxn id="264" idx="1"/>
+          </p:cNvCxnSpPr>
+          <p:nvPr/>
+        </p:nvCxnSpPr>
+        <p:spPr>
+          <a:xfrm rot="16200000" flipH="1">
+            <a:off x="24732325" y="5775757"/>
+            <a:ext cx="314965" cy="214291"/>
+          </a:xfrm>
+          <a:prstGeom prst="bentConnector2">
+            <a:avLst/>
+          </a:prstGeom>
+          <a:ln>
+            <a:solidFill>
+              <a:schemeClr val="tx1"/>
+            </a:solidFill>
+          </a:ln>
+        </p:spPr>
+        <p:style>
+          <a:lnRef idx="1">
+            <a:schemeClr val="dk1"/>
+          </a:lnRef>
+          <a:fillRef idx="0">
+            <a:schemeClr val="dk1"/>
+          </a:fillRef>
+          <a:effectRef idx="0">
+            <a:schemeClr val="dk1"/>
+          </a:effectRef>
+          <a:fontRef idx="minor">
+            <a:schemeClr val="tx1"/>
+          </a:fontRef>
+        </p:style>
+      </p:cxnSp>
+      <p:cxnSp>
+        <p:nvCxnSpPr>
+          <p:cNvPr id="235" name="연결선: 꺾임 234">
+            <a:extLst>
+              <a:ext uri="{FF2B5EF4-FFF2-40B4-BE49-F238E27FC236}">
+                <a16:creationId xmlns:a16="http://schemas.microsoft.com/office/drawing/2014/main" id="{ED92D91E-16FF-4D7F-BEA3-0A04A79EF9CD}"/>
+              </a:ext>
+            </a:extLst>
+          </p:cNvPr>
+          <p:cNvCxnSpPr>
+            <a:stCxn id="264" idx="2"/>
+            <a:endCxn id="163" idx="1"/>
+          </p:cNvCxnSpPr>
+          <p:nvPr/>
+        </p:nvCxnSpPr>
+        <p:spPr>
+          <a:xfrm rot="16200000" flipH="1">
+            <a:off x="25564639" y="6264241"/>
+            <a:ext cx="311721" cy="177370"/>
+          </a:xfrm>
+          <a:prstGeom prst="bentConnector2">
+            <a:avLst/>
+          </a:prstGeom>
+          <a:ln>
+            <a:solidFill>
+              <a:schemeClr val="tx1"/>
+            </a:solidFill>
+          </a:ln>
+        </p:spPr>
+        <p:style>
+          <a:lnRef idx="1">
+            <a:schemeClr val="dk1"/>
+          </a:lnRef>
+          <a:fillRef idx="0">
+            <a:schemeClr val="dk1"/>
+          </a:fillRef>
+          <a:effectRef idx="0">
+            <a:schemeClr val="dk1"/>
+          </a:effectRef>
+          <a:fontRef idx="minor">
+            <a:schemeClr val="tx1"/>
+          </a:fontRef>
+        </p:style>
+      </p:cxnSp>
+      <p:sp>
+        <p:nvSpPr>
+          <p:cNvPr id="271" name="직사각형 270">
+            <a:extLst>
+              <a:ext uri="{FF2B5EF4-FFF2-40B4-BE49-F238E27FC236}">
+                <a16:creationId xmlns:a16="http://schemas.microsoft.com/office/drawing/2014/main" id="{E65D8199-786A-41B3-83AE-E7C2FCEB0D30}"/>
               </a:ext>
             </a:extLst>
           </p:cNvPr>
@@ -7626,7 +7892,7 @@
         </p:nvSpPr>
         <p:spPr>
           <a:xfrm>
-            <a:off x="26672672" y="16943243"/>
+            <a:off x="25809184" y="8400426"/>
             <a:ext cx="1269722" cy="313361"/>
           </a:xfrm>
           <a:prstGeom prst="rect">
@@ -7664,38 +7930,30 @@
             <a:pPr algn="ctr"/>
             <a:r>
               <a:rPr lang="ko-KR" altLang="en-US" sz="1100" b="1" dirty="0"/>
-              <a:t>내 건의사항</a:t>
-            </a:r>
-            <a:endParaRPr lang="en-US" altLang="ko-KR" sz="1100" b="1" dirty="0"/>
-          </a:p>
-          <a:p>
-            <a:pPr algn="ctr"/>
-            <a:r>
-              <a:rPr lang="ko-KR" altLang="en-US" sz="1100" b="1" dirty="0"/>
-              <a:t>삭제</a:t>
+              <a:t>예매 취소</a:t>
             </a:r>
           </a:p>
         </p:txBody>
       </p:sp>
       <p:cxnSp>
         <p:nvCxnSpPr>
-          <p:cNvPr id="210" name="연결선: 꺾임 209">
-            <a:extLst>
-              <a:ext uri="{FF2B5EF4-FFF2-40B4-BE49-F238E27FC236}">
-                <a16:creationId xmlns:a16="http://schemas.microsoft.com/office/drawing/2014/main" id="{03D68357-4F56-40F7-A23C-A6C49320A9EA}"/>
+          <p:cNvPr id="237" name="연결선: 꺾임 236">
+            <a:extLst>
+              <a:ext uri="{FF2B5EF4-FFF2-40B4-BE49-F238E27FC236}">
+                <a16:creationId xmlns:a16="http://schemas.microsoft.com/office/drawing/2014/main" id="{6C6FD0E0-22BA-4211-A8F5-2CC11230271E}"/>
               </a:ext>
             </a:extLst>
           </p:cNvPr>
           <p:cNvCxnSpPr>
-            <a:stCxn id="207" idx="2"/>
-            <a:endCxn id="208" idx="1"/>
+            <a:stCxn id="180" idx="2"/>
+            <a:endCxn id="271" idx="1"/>
           </p:cNvCxnSpPr>
           <p:nvPr/>
         </p:nvCxnSpPr>
         <p:spPr>
           <a:xfrm rot="16200000" flipH="1">
-            <a:off x="26423764" y="16425148"/>
-            <a:ext cx="269188" cy="228627"/>
+            <a:off x="25573763" y="8321686"/>
+            <a:ext cx="293472" cy="177370"/>
           </a:xfrm>
           <a:prstGeom prst="bentConnector2">
             <a:avLst/>
@@ -7721,56 +7979,12 @@
           </a:fontRef>
         </p:style>
       </p:cxnSp>
-      <p:cxnSp>
-        <p:nvCxnSpPr>
-          <p:cNvPr id="211" name="연결선: 꺾임 210">
-            <a:extLst>
-              <a:ext uri="{FF2B5EF4-FFF2-40B4-BE49-F238E27FC236}">
-                <a16:creationId xmlns:a16="http://schemas.microsoft.com/office/drawing/2014/main" id="{9AE1C7E2-9772-4F84-ABB7-38A9FB374ACD}"/>
-              </a:ext>
-            </a:extLst>
-          </p:cNvPr>
-          <p:cNvCxnSpPr>
-            <a:stCxn id="207" idx="2"/>
-            <a:endCxn id="209" idx="1"/>
-          </p:cNvCxnSpPr>
-          <p:nvPr/>
-        </p:nvCxnSpPr>
-        <p:spPr>
-          <a:xfrm rot="16200000" flipH="1">
-            <a:off x="26210830" y="16638082"/>
-            <a:ext cx="695056" cy="228627"/>
-          </a:xfrm>
-          <a:prstGeom prst="bentConnector2">
-            <a:avLst/>
-          </a:prstGeom>
-          <a:ln>
-            <a:solidFill>
-              <a:schemeClr val="tx1"/>
-            </a:solidFill>
-          </a:ln>
-        </p:spPr>
-        <p:style>
-          <a:lnRef idx="1">
-            <a:schemeClr val="dk1"/>
-          </a:lnRef>
-          <a:fillRef idx="0">
-            <a:schemeClr val="dk1"/>
-          </a:fillRef>
-          <a:effectRef idx="0">
-            <a:schemeClr val="dk1"/>
-          </a:effectRef>
-          <a:fontRef idx="minor">
-            <a:schemeClr val="tx1"/>
-          </a:fontRef>
-        </p:style>
-      </p:cxnSp>
-      <p:sp>
-        <p:nvSpPr>
-          <p:cNvPr id="214" name="직사각형 213">
-            <a:extLst>
-              <a:ext uri="{FF2B5EF4-FFF2-40B4-BE49-F238E27FC236}">
-                <a16:creationId xmlns:a16="http://schemas.microsoft.com/office/drawing/2014/main" id="{24E5FF1D-B393-46ED-9C49-1C3C240DFD3F}"/>
+      <p:sp>
+        <p:nvSpPr>
+          <p:cNvPr id="275" name="직사각형 274">
+            <a:extLst>
+              <a:ext uri="{FF2B5EF4-FFF2-40B4-BE49-F238E27FC236}">
+                <a16:creationId xmlns:a16="http://schemas.microsoft.com/office/drawing/2014/main" id="{A287EC34-A256-4B1A-8637-D50C4267C5D0}"/>
               </a:ext>
             </a:extLst>
           </p:cNvPr>
@@ -7779,7 +7993,7 @@
         </p:nvSpPr>
         <p:spPr>
           <a:xfrm>
-            <a:off x="25809184" y="13938370"/>
+            <a:off x="24996953" y="10739666"/>
             <a:ext cx="1269722" cy="313361"/>
           </a:xfrm>
           <a:prstGeom prst="rect">
@@ -7817,25 +8031,61 @@
             <a:pPr algn="ctr"/>
             <a:r>
               <a:rPr lang="ko-KR" altLang="en-US" sz="1100" b="1" dirty="0"/>
-              <a:t>내 </a:t>
-            </a:r>
-            <a:r>
-              <a:rPr lang="ko-KR" altLang="en-US" sz="1100" b="1" dirty="0" err="1"/>
-              <a:t>기프티콘</a:t>
-            </a:r>
-            <a:r>
-              <a:rPr lang="ko-KR" altLang="en-US" sz="1100" b="1" dirty="0"/>
-              <a:t> 상세보기</a:t>
-            </a:r>
-          </a:p>
-        </p:txBody>
-      </p:sp>
-      <p:sp>
-        <p:nvSpPr>
-          <p:cNvPr id="215" name="직사각형 214">
-            <a:extLst>
-              <a:ext uri="{FF2B5EF4-FFF2-40B4-BE49-F238E27FC236}">
-                <a16:creationId xmlns:a16="http://schemas.microsoft.com/office/drawing/2014/main" id="{25108D91-3D18-46C8-A457-61ADB9EE4C3B}"/>
+              <a:t>내 리뷰 조회</a:t>
+            </a:r>
+          </a:p>
+        </p:txBody>
+      </p:sp>
+      <p:cxnSp>
+        <p:nvCxnSpPr>
+          <p:cNvPr id="241" name="연결선: 꺾임 240">
+            <a:extLst>
+              <a:ext uri="{FF2B5EF4-FFF2-40B4-BE49-F238E27FC236}">
+                <a16:creationId xmlns:a16="http://schemas.microsoft.com/office/drawing/2014/main" id="{F23470F4-C337-4278-8230-F4B6B83CB33E}"/>
+              </a:ext>
+            </a:extLst>
+          </p:cNvPr>
+          <p:cNvCxnSpPr>
+            <a:stCxn id="275" idx="2"/>
+            <a:endCxn id="181" idx="1"/>
+          </p:cNvCxnSpPr>
+          <p:nvPr/>
+        </p:nvCxnSpPr>
+        <p:spPr>
+          <a:xfrm rot="16200000" flipH="1">
+            <a:off x="25573291" y="11111550"/>
+            <a:ext cx="294417" cy="177370"/>
+          </a:xfrm>
+          <a:prstGeom prst="bentConnector2">
+            <a:avLst/>
+          </a:prstGeom>
+          <a:ln>
+            <a:solidFill>
+              <a:schemeClr val="tx1"/>
+            </a:solidFill>
+          </a:ln>
+        </p:spPr>
+        <p:style>
+          <a:lnRef idx="1">
+            <a:schemeClr val="dk1"/>
+          </a:lnRef>
+          <a:fillRef idx="0">
+            <a:schemeClr val="dk1"/>
+          </a:fillRef>
+          <a:effectRef idx="0">
+            <a:schemeClr val="dk1"/>
+          </a:effectRef>
+          <a:fontRef idx="minor">
+            <a:schemeClr val="tx1"/>
+          </a:fontRef>
+        </p:style>
+      </p:cxnSp>
+      <p:sp>
+        <p:nvSpPr>
+          <p:cNvPr id="279" name="직사각형 278">
+            <a:extLst>
+              <a:ext uri="{FF2B5EF4-FFF2-40B4-BE49-F238E27FC236}">
+                <a16:creationId xmlns:a16="http://schemas.microsoft.com/office/drawing/2014/main" id="{5F3531D0-11CD-4B7F-87C8-0547125CE554}"/>
               </a:ext>
             </a:extLst>
           </p:cNvPr>
@@ -7844,7 +8094,7 @@
         </p:nvSpPr>
         <p:spPr>
           <a:xfrm>
-            <a:off x="26672672" y="14372822"/>
+            <a:off x="24991495" y="12806946"/>
             <a:ext cx="1269722" cy="313361"/>
           </a:xfrm>
           <a:prstGeom prst="rect">
@@ -7886,21 +8136,66 @@
             </a:r>
             <a:r>
               <a:rPr lang="ko-KR" altLang="en-US" sz="1100" b="1" dirty="0" err="1"/>
-              <a:t>기프티콘</a:t>
+              <a:t>한줄평</a:t>
             </a:r>
             <a:r>
               <a:rPr lang="ko-KR" altLang="en-US" sz="1100" b="1" dirty="0"/>
-              <a:t> 수정</a:t>
-            </a:r>
-          </a:p>
-        </p:txBody>
-      </p:sp>
-      <p:sp>
-        <p:nvSpPr>
-          <p:cNvPr id="216" name="직사각형 215">
-            <a:extLst>
-              <a:ext uri="{FF2B5EF4-FFF2-40B4-BE49-F238E27FC236}">
-                <a16:creationId xmlns:a16="http://schemas.microsoft.com/office/drawing/2014/main" id="{684C68E2-0E45-4116-9DA4-4A433E71C914}"/>
+              <a:t> 조회</a:t>
+            </a:r>
+          </a:p>
+        </p:txBody>
+      </p:sp>
+      <p:cxnSp>
+        <p:nvCxnSpPr>
+          <p:cNvPr id="244" name="연결선: 꺾임 243">
+            <a:extLst>
+              <a:ext uri="{FF2B5EF4-FFF2-40B4-BE49-F238E27FC236}">
+                <a16:creationId xmlns:a16="http://schemas.microsoft.com/office/drawing/2014/main" id="{166276B5-259C-47E7-A43D-3B9857DD984C}"/>
+              </a:ext>
+            </a:extLst>
+          </p:cNvPr>
+          <p:cNvCxnSpPr>
+            <a:cxnSpLocks/>
+            <a:stCxn id="279" idx="2"/>
+            <a:endCxn id="200" idx="1"/>
+          </p:cNvCxnSpPr>
+          <p:nvPr/>
+        </p:nvCxnSpPr>
+        <p:spPr>
+          <a:xfrm rot="16200000" flipH="1">
+            <a:off x="25575145" y="13171518"/>
+            <a:ext cx="285251" cy="182828"/>
+          </a:xfrm>
+          <a:prstGeom prst="bentConnector2">
+            <a:avLst/>
+          </a:prstGeom>
+          <a:ln>
+            <a:solidFill>
+              <a:schemeClr val="tx1"/>
+            </a:solidFill>
+          </a:ln>
+        </p:spPr>
+        <p:style>
+          <a:lnRef idx="1">
+            <a:schemeClr val="dk1"/>
+          </a:lnRef>
+          <a:fillRef idx="0">
+            <a:schemeClr val="dk1"/>
+          </a:fillRef>
+          <a:effectRef idx="0">
+            <a:schemeClr val="dk1"/>
+          </a:effectRef>
+          <a:fontRef idx="minor">
+            <a:schemeClr val="tx1"/>
+          </a:fontRef>
+        </p:style>
+      </p:cxnSp>
+      <p:sp>
+        <p:nvSpPr>
+          <p:cNvPr id="283" name="직사각형 282">
+            <a:extLst>
+              <a:ext uri="{FF2B5EF4-FFF2-40B4-BE49-F238E27FC236}">
+                <a16:creationId xmlns:a16="http://schemas.microsoft.com/office/drawing/2014/main" id="{1B4C5D57-E9E4-47BC-8308-6BD9857F7646}"/>
               </a:ext>
             </a:extLst>
           </p:cNvPr>
@@ -7909,7 +8204,7 @@
         </p:nvSpPr>
         <p:spPr>
           <a:xfrm>
-            <a:off x="26672672" y="14823749"/>
+            <a:off x="24991495" y="14960237"/>
             <a:ext cx="1269722" cy="313361"/>
           </a:xfrm>
           <a:prstGeom prst="rect">
@@ -7953,125 +8248,33 @@
               <a:rPr lang="ko-KR" altLang="en-US" sz="1100" b="1" dirty="0" err="1"/>
               <a:t>기프티콘</a:t>
             </a:r>
-            <a:endParaRPr lang="en-US" altLang="ko-KR" sz="1100" b="1" dirty="0"/>
-          </a:p>
-          <a:p>
-            <a:pPr algn="ctr"/>
             <a:r>
               <a:rPr lang="ko-KR" altLang="en-US" sz="1100" b="1" dirty="0"/>
-              <a:t>삭제</a:t>
+              <a:t> 조회</a:t>
             </a:r>
           </a:p>
         </p:txBody>
       </p:sp>
       <p:cxnSp>
         <p:nvCxnSpPr>
-          <p:cNvPr id="217" name="연결선: 꺾임 216">
-            <a:extLst>
-              <a:ext uri="{FF2B5EF4-FFF2-40B4-BE49-F238E27FC236}">
-                <a16:creationId xmlns:a16="http://schemas.microsoft.com/office/drawing/2014/main" id="{607A871A-FA8B-4A3F-8134-71D4C933FED5}"/>
-              </a:ext>
-            </a:extLst>
-          </p:cNvPr>
-          <p:cNvCxnSpPr>
-            <a:stCxn id="214" idx="2"/>
-            <a:endCxn id="215" idx="1"/>
-          </p:cNvCxnSpPr>
-          <p:nvPr/>
-        </p:nvCxnSpPr>
-        <p:spPr>
-          <a:xfrm rot="16200000" flipH="1">
-            <a:off x="26419472" y="14276303"/>
-            <a:ext cx="277772" cy="228627"/>
-          </a:xfrm>
-          <a:prstGeom prst="bentConnector2">
-            <a:avLst/>
-          </a:prstGeom>
-          <a:ln>
-            <a:solidFill>
-              <a:schemeClr val="tx1"/>
-            </a:solidFill>
-          </a:ln>
-        </p:spPr>
-        <p:style>
-          <a:lnRef idx="1">
-            <a:schemeClr val="dk1"/>
-          </a:lnRef>
-          <a:fillRef idx="0">
-            <a:schemeClr val="dk1"/>
-          </a:fillRef>
-          <a:effectRef idx="0">
-            <a:schemeClr val="dk1"/>
-          </a:effectRef>
-          <a:fontRef idx="minor">
-            <a:schemeClr val="tx1"/>
-          </a:fontRef>
-        </p:style>
-      </p:cxnSp>
-      <p:cxnSp>
-        <p:nvCxnSpPr>
-          <p:cNvPr id="220" name="연결선: 꺾임 219">
-            <a:extLst>
-              <a:ext uri="{FF2B5EF4-FFF2-40B4-BE49-F238E27FC236}">
-                <a16:creationId xmlns:a16="http://schemas.microsoft.com/office/drawing/2014/main" id="{F912BBBA-1107-4542-8DC1-0B433CBF9800}"/>
-              </a:ext>
-            </a:extLst>
-          </p:cNvPr>
-          <p:cNvCxnSpPr>
-            <a:stCxn id="214" idx="2"/>
-            <a:endCxn id="216" idx="1"/>
-          </p:cNvCxnSpPr>
-          <p:nvPr/>
-        </p:nvCxnSpPr>
-        <p:spPr>
-          <a:xfrm rot="16200000" flipH="1">
-            <a:off x="26194009" y="14501766"/>
-            <a:ext cx="728699" cy="228627"/>
-          </a:xfrm>
-          <a:prstGeom prst="bentConnector2">
-            <a:avLst/>
-          </a:prstGeom>
-          <a:ln>
-            <a:solidFill>
-              <a:schemeClr val="tx1"/>
-            </a:solidFill>
-          </a:ln>
-        </p:spPr>
-        <p:style>
-          <a:lnRef idx="1">
-            <a:schemeClr val="dk1"/>
-          </a:lnRef>
-          <a:fillRef idx="0">
-            <a:schemeClr val="dk1"/>
-          </a:fillRef>
-          <a:effectRef idx="0">
-            <a:schemeClr val="dk1"/>
-          </a:effectRef>
-          <a:fontRef idx="minor">
-            <a:schemeClr val="tx1"/>
-          </a:fontRef>
-        </p:style>
-      </p:cxnSp>
-      <p:cxnSp>
-        <p:nvCxnSpPr>
-          <p:cNvPr id="108" name="연결선: 꺾임 107">
-            <a:extLst>
-              <a:ext uri="{FF2B5EF4-FFF2-40B4-BE49-F238E27FC236}">
-                <a16:creationId xmlns:a16="http://schemas.microsoft.com/office/drawing/2014/main" id="{99C22C0E-C762-4302-89D7-0E266B6C98FB}"/>
+          <p:cNvPr id="247" name="연결선: 꺾임 246">
+            <a:extLst>
+              <a:ext uri="{FF2B5EF4-FFF2-40B4-BE49-F238E27FC236}">
+                <a16:creationId xmlns:a16="http://schemas.microsoft.com/office/drawing/2014/main" id="{3A1052A4-BD3A-4DFC-90EC-55F6962A8FA9}"/>
               </a:ext>
             </a:extLst>
           </p:cNvPr>
           <p:cNvCxnSpPr>
             <a:cxnSpLocks/>
-            <a:stCxn id="175" idx="2"/>
-            <a:endCxn id="283" idx="1"/>
+            <a:stCxn id="283" idx="2"/>
+            <a:endCxn id="214" idx="1"/>
           </p:cNvCxnSpPr>
           <p:nvPr/>
         </p:nvCxnSpPr>
         <p:spPr>
           <a:xfrm rot="16200000" flipH="1">
-            <a:off x="24731634" y="13383857"/>
-            <a:ext cx="310888" cy="208833"/>
+            <a:off x="25556215" y="15343739"/>
+            <a:ext cx="323110" cy="182828"/>
           </a:xfrm>
           <a:prstGeom prst="bentConnector2">
             <a:avLst/>
@@ -8099,10 +8302,10 @@
       </p:cxnSp>
       <p:sp>
         <p:nvSpPr>
-          <p:cNvPr id="264" name="직사각형 263">
-            <a:extLst>
-              <a:ext uri="{FF2B5EF4-FFF2-40B4-BE49-F238E27FC236}">
-                <a16:creationId xmlns:a16="http://schemas.microsoft.com/office/drawing/2014/main" id="{1A41C0E7-030C-4BA1-A51C-D0DCC87562F8}"/>
+          <p:cNvPr id="287" name="직사각형 286">
+            <a:extLst>
+              <a:ext uri="{FF2B5EF4-FFF2-40B4-BE49-F238E27FC236}">
+                <a16:creationId xmlns:a16="http://schemas.microsoft.com/office/drawing/2014/main" id="{0A2584CA-C73A-4167-AE23-3439C5E6049E}"/>
               </a:ext>
             </a:extLst>
           </p:cNvPr>
@@ -8111,7 +8314,7 @@
         </p:nvSpPr>
         <p:spPr>
           <a:xfrm>
-            <a:off x="24996953" y="5883705"/>
+            <a:off x="24991495" y="17094819"/>
             <a:ext cx="1269722" cy="313361"/>
           </a:xfrm>
           <a:prstGeom prst="rect">
@@ -8149,30 +8352,30 @@
             <a:pPr algn="ctr"/>
             <a:r>
               <a:rPr lang="ko-KR" altLang="en-US" sz="1100" b="1" dirty="0"/>
-              <a:t>내 정보 조회</a:t>
+              <a:t>내 건의사항 조회</a:t>
             </a:r>
           </a:p>
         </p:txBody>
       </p:sp>
       <p:cxnSp>
         <p:nvCxnSpPr>
-          <p:cNvPr id="233" name="연결선: 꺾임 232">
-            <a:extLst>
-              <a:ext uri="{FF2B5EF4-FFF2-40B4-BE49-F238E27FC236}">
-                <a16:creationId xmlns:a16="http://schemas.microsoft.com/office/drawing/2014/main" id="{89F3A3FD-1610-4008-A43F-E69BE603DD43}"/>
+          <p:cNvPr id="250" name="연결선: 꺾임 249">
+            <a:extLst>
+              <a:ext uri="{FF2B5EF4-FFF2-40B4-BE49-F238E27FC236}">
+                <a16:creationId xmlns:a16="http://schemas.microsoft.com/office/drawing/2014/main" id="{067135C8-1D3C-4D17-ACB6-E993BA90BA05}"/>
               </a:ext>
             </a:extLst>
           </p:cNvPr>
           <p:cNvCxnSpPr>
-            <a:stCxn id="140" idx="2"/>
-            <a:endCxn id="264" idx="1"/>
+            <a:stCxn id="178" idx="2"/>
+            <a:endCxn id="287" idx="1"/>
           </p:cNvCxnSpPr>
           <p:nvPr/>
         </p:nvCxnSpPr>
         <p:spPr>
           <a:xfrm rot="16200000" flipH="1">
-            <a:off x="24732325" y="5775757"/>
-            <a:ext cx="314965" cy="214291"/>
+            <a:off x="24723164" y="16983168"/>
+            <a:ext cx="327829" cy="208833"/>
           </a:xfrm>
           <a:prstGeom prst="bentConnector2">
             <a:avLst/>
@@ -8200,23 +8403,24 @@
       </p:cxnSp>
       <p:cxnSp>
         <p:nvCxnSpPr>
-          <p:cNvPr id="235" name="연결선: 꺾임 234">
-            <a:extLst>
-              <a:ext uri="{FF2B5EF4-FFF2-40B4-BE49-F238E27FC236}">
-                <a16:creationId xmlns:a16="http://schemas.microsoft.com/office/drawing/2014/main" id="{ED92D91E-16FF-4D7F-BEA3-0A04A79EF9CD}"/>
+          <p:cNvPr id="252" name="연결선: 꺾임 251">
+            <a:extLst>
+              <a:ext uri="{FF2B5EF4-FFF2-40B4-BE49-F238E27FC236}">
+                <a16:creationId xmlns:a16="http://schemas.microsoft.com/office/drawing/2014/main" id="{BBB61D2A-9B02-42ED-A8DF-7E1547F6FB2D}"/>
               </a:ext>
             </a:extLst>
           </p:cNvPr>
           <p:cNvCxnSpPr>
-            <a:stCxn id="264" idx="2"/>
-            <a:endCxn id="163" idx="1"/>
+            <a:cxnSpLocks/>
+            <a:stCxn id="287" idx="2"/>
+            <a:endCxn id="207" idx="1"/>
           </p:cNvCxnSpPr>
           <p:nvPr/>
         </p:nvCxnSpPr>
         <p:spPr>
           <a:xfrm rot="16200000" flipH="1">
-            <a:off x="25564639" y="6264241"/>
-            <a:ext cx="311721" cy="177370"/>
+            <a:off x="25575395" y="17459141"/>
+            <a:ext cx="284751" cy="182828"/>
           </a:xfrm>
           <a:prstGeom prst="bentConnector2">
             <a:avLst/>
@@ -8242,12 +8446,233 @@
           </a:fontRef>
         </p:style>
       </p:cxnSp>
-      <p:sp>
-        <p:nvSpPr>
-          <p:cNvPr id="271" name="직사각형 270">
-            <a:extLst>
-              <a:ext uri="{FF2B5EF4-FFF2-40B4-BE49-F238E27FC236}">
-                <a16:creationId xmlns:a16="http://schemas.microsoft.com/office/drawing/2014/main" id="{E65D8199-786A-41B3-83AE-E7C2FCEB0D30}"/>
+      <p:cxnSp>
+        <p:nvCxnSpPr>
+          <p:cNvPr id="259" name="연결선: 꺾임 258">
+            <a:extLst>
+              <a:ext uri="{FF2B5EF4-FFF2-40B4-BE49-F238E27FC236}">
+                <a16:creationId xmlns:a16="http://schemas.microsoft.com/office/drawing/2014/main" id="{E263C0B0-6169-4FCF-B148-A983D099AC46}"/>
+              </a:ext>
+            </a:extLst>
+          </p:cNvPr>
+          <p:cNvCxnSpPr>
+            <a:stCxn id="339" idx="2"/>
+            <a:endCxn id="362" idx="0"/>
+          </p:cNvCxnSpPr>
+          <p:nvPr/>
+        </p:nvCxnSpPr>
+        <p:spPr>
+          <a:xfrm rot="16200000" flipH="1">
+            <a:off x="8420997" y="4515703"/>
+            <a:ext cx="530580" cy="394727"/>
+          </a:xfrm>
+          <a:prstGeom prst="bentConnector3">
+            <a:avLst/>
+          </a:prstGeom>
+          <a:ln>
+            <a:solidFill>
+              <a:schemeClr val="tx1"/>
+            </a:solidFill>
+          </a:ln>
+        </p:spPr>
+        <p:style>
+          <a:lnRef idx="1">
+            <a:schemeClr val="dk1"/>
+          </a:lnRef>
+          <a:fillRef idx="0">
+            <a:schemeClr val="dk1"/>
+          </a:fillRef>
+          <a:effectRef idx="0">
+            <a:schemeClr val="dk1"/>
+          </a:effectRef>
+          <a:fontRef idx="minor">
+            <a:schemeClr val="tx1"/>
+          </a:fontRef>
+        </p:style>
+      </p:cxnSp>
+      <p:cxnSp>
+        <p:nvCxnSpPr>
+          <p:cNvPr id="262" name="연결선: 꺾임 261">
+            <a:extLst>
+              <a:ext uri="{FF2B5EF4-FFF2-40B4-BE49-F238E27FC236}">
+                <a16:creationId xmlns:a16="http://schemas.microsoft.com/office/drawing/2014/main" id="{F3F2DFFD-7B6E-41DE-9244-7AD8A932FC87}"/>
+              </a:ext>
+            </a:extLst>
+          </p:cNvPr>
+          <p:cNvCxnSpPr>
+            <a:stCxn id="212" idx="2"/>
+            <a:endCxn id="171" idx="1"/>
+          </p:cNvCxnSpPr>
+          <p:nvPr/>
+        </p:nvCxnSpPr>
+        <p:spPr>
+          <a:xfrm rot="16200000" flipH="1">
+            <a:off x="21454929" y="7730793"/>
+            <a:ext cx="5125194" cy="260550"/>
+          </a:xfrm>
+          <a:prstGeom prst="bentConnector2">
+            <a:avLst/>
+          </a:prstGeom>
+          <a:ln>
+            <a:solidFill>
+              <a:schemeClr val="tx1"/>
+            </a:solidFill>
+          </a:ln>
+        </p:spPr>
+        <p:style>
+          <a:lnRef idx="1">
+            <a:schemeClr val="dk1"/>
+          </a:lnRef>
+          <a:fillRef idx="0">
+            <a:schemeClr val="dk1"/>
+          </a:fillRef>
+          <a:effectRef idx="0">
+            <a:schemeClr val="dk1"/>
+          </a:effectRef>
+          <a:fontRef idx="minor">
+            <a:schemeClr val="tx1"/>
+          </a:fontRef>
+        </p:style>
+      </p:cxnSp>
+      <p:cxnSp>
+        <p:nvCxnSpPr>
+          <p:cNvPr id="265" name="연결선: 꺾임 264">
+            <a:extLst>
+              <a:ext uri="{FF2B5EF4-FFF2-40B4-BE49-F238E27FC236}">
+                <a16:creationId xmlns:a16="http://schemas.microsoft.com/office/drawing/2014/main" id="{4BA5F18C-90EC-4117-BC9E-417141D325B7}"/>
+              </a:ext>
+            </a:extLst>
+          </p:cNvPr>
+          <p:cNvCxnSpPr>
+            <a:stCxn id="212" idx="2"/>
+            <a:endCxn id="173" idx="1"/>
+          </p:cNvCxnSpPr>
+          <p:nvPr/>
+        </p:nvCxnSpPr>
+        <p:spPr>
+          <a:xfrm rot="16200000" flipH="1">
+            <a:off x="20416961" y="8768761"/>
+            <a:ext cx="7201131" cy="260550"/>
+          </a:xfrm>
+          <a:prstGeom prst="bentConnector2">
+            <a:avLst/>
+          </a:prstGeom>
+          <a:ln>
+            <a:solidFill>
+              <a:schemeClr val="tx1"/>
+            </a:solidFill>
+          </a:ln>
+        </p:spPr>
+        <p:style>
+          <a:lnRef idx="1">
+            <a:schemeClr val="dk1"/>
+          </a:lnRef>
+          <a:fillRef idx="0">
+            <a:schemeClr val="dk1"/>
+          </a:fillRef>
+          <a:effectRef idx="0">
+            <a:schemeClr val="dk1"/>
+          </a:effectRef>
+          <a:fontRef idx="minor">
+            <a:schemeClr val="tx1"/>
+          </a:fontRef>
+        </p:style>
+      </p:cxnSp>
+      <p:cxnSp>
+        <p:nvCxnSpPr>
+          <p:cNvPr id="267" name="연결선: 꺾임 266">
+            <a:extLst>
+              <a:ext uri="{FF2B5EF4-FFF2-40B4-BE49-F238E27FC236}">
+                <a16:creationId xmlns:a16="http://schemas.microsoft.com/office/drawing/2014/main" id="{369F9BD1-8DC3-4A63-8769-AD4A61497B54}"/>
+              </a:ext>
+            </a:extLst>
+          </p:cNvPr>
+          <p:cNvCxnSpPr>
+            <a:stCxn id="212" idx="2"/>
+            <a:endCxn id="175" idx="1"/>
+          </p:cNvCxnSpPr>
+          <p:nvPr/>
+        </p:nvCxnSpPr>
+        <p:spPr>
+          <a:xfrm rot="16200000" flipH="1">
+            <a:off x="19342087" y="9843635"/>
+            <a:ext cx="9350879" cy="260550"/>
+          </a:xfrm>
+          <a:prstGeom prst="bentConnector2">
+            <a:avLst/>
+          </a:prstGeom>
+          <a:ln>
+            <a:solidFill>
+              <a:schemeClr val="tx1"/>
+            </a:solidFill>
+          </a:ln>
+        </p:spPr>
+        <p:style>
+          <a:lnRef idx="1">
+            <a:schemeClr val="dk1"/>
+          </a:lnRef>
+          <a:fillRef idx="0">
+            <a:schemeClr val="dk1"/>
+          </a:fillRef>
+          <a:effectRef idx="0">
+            <a:schemeClr val="dk1"/>
+          </a:effectRef>
+          <a:fontRef idx="minor">
+            <a:schemeClr val="tx1"/>
+          </a:fontRef>
+        </p:style>
+      </p:cxnSp>
+      <p:cxnSp>
+        <p:nvCxnSpPr>
+          <p:cNvPr id="269" name="연결선: 꺾임 268">
+            <a:extLst>
+              <a:ext uri="{FF2B5EF4-FFF2-40B4-BE49-F238E27FC236}">
+                <a16:creationId xmlns:a16="http://schemas.microsoft.com/office/drawing/2014/main" id="{5939E9B3-58A5-4D4D-9D35-53B027F4575C}"/>
+              </a:ext>
+            </a:extLst>
+          </p:cNvPr>
+          <p:cNvCxnSpPr>
+            <a:cxnSpLocks/>
+            <a:stCxn id="212" idx="2"/>
+            <a:endCxn id="178" idx="1"/>
+          </p:cNvCxnSpPr>
+          <p:nvPr/>
+        </p:nvCxnSpPr>
+        <p:spPr>
+          <a:xfrm rot="16200000" flipH="1">
+            <a:off x="18283266" y="10902456"/>
+            <a:ext cx="11468520" cy="260550"/>
+          </a:xfrm>
+          <a:prstGeom prst="bentConnector2">
+            <a:avLst/>
+          </a:prstGeom>
+          <a:ln>
+            <a:solidFill>
+              <a:schemeClr val="tx1"/>
+            </a:solidFill>
+          </a:ln>
+        </p:spPr>
+        <p:style>
+          <a:lnRef idx="1">
+            <a:schemeClr val="dk1"/>
+          </a:lnRef>
+          <a:fillRef idx="0">
+            <a:schemeClr val="dk1"/>
+          </a:fillRef>
+          <a:effectRef idx="0">
+            <a:schemeClr val="dk1"/>
+          </a:effectRef>
+          <a:fontRef idx="minor">
+            <a:schemeClr val="tx1"/>
+          </a:fontRef>
+        </p:style>
+      </p:cxnSp>
+      <p:sp>
+        <p:nvSpPr>
+          <p:cNvPr id="306" name="직사각형 305">
+            <a:extLst>
+              <a:ext uri="{FF2B5EF4-FFF2-40B4-BE49-F238E27FC236}">
+                <a16:creationId xmlns:a16="http://schemas.microsoft.com/office/drawing/2014/main" id="{1BC8CBB8-9841-4309-A57B-FFDECD1139A4}"/>
               </a:ext>
             </a:extLst>
           </p:cNvPr>
@@ -8256,12 +8681,18 @@
         </p:nvSpPr>
         <p:spPr>
           <a:xfrm>
-            <a:off x="25809184" y="8400426"/>
-            <a:ext cx="1269722" cy="313361"/>
+            <a:off x="19825640" y="5904765"/>
+            <a:ext cx="1486254" cy="313361"/>
           </a:xfrm>
           <a:prstGeom prst="rect">
             <a:avLst/>
           </a:prstGeom>
+          <a:solidFill>
+            <a:schemeClr val="accent4">
+              <a:lumMod val="20000"/>
+              <a:lumOff val="80000"/>
+            </a:schemeClr>
+          </a:solidFill>
           <a:ln>
             <a:solidFill>
               <a:schemeClr val="tx1"/>
@@ -8294,30 +8725,30 @@
             <a:pPr algn="ctr"/>
             <a:r>
               <a:rPr lang="ko-KR" altLang="en-US" sz="1100" b="1" dirty="0"/>
-              <a:t>예매 취소</a:t>
+              <a:t>건의사항 조회</a:t>
             </a:r>
           </a:p>
         </p:txBody>
       </p:sp>
       <p:cxnSp>
         <p:nvCxnSpPr>
-          <p:cNvPr id="237" name="연결선: 꺾임 236">
-            <a:extLst>
-              <a:ext uri="{FF2B5EF4-FFF2-40B4-BE49-F238E27FC236}">
-                <a16:creationId xmlns:a16="http://schemas.microsoft.com/office/drawing/2014/main" id="{6C6FD0E0-22BA-4211-A8F5-2CC11230271E}"/>
+          <p:cNvPr id="272" name="연결선: 꺾임 271">
+            <a:extLst>
+              <a:ext uri="{FF2B5EF4-FFF2-40B4-BE49-F238E27FC236}">
+                <a16:creationId xmlns:a16="http://schemas.microsoft.com/office/drawing/2014/main" id="{8AE19040-7E79-449F-A681-3A93D257DC7D}"/>
               </a:ext>
             </a:extLst>
           </p:cNvPr>
           <p:cNvCxnSpPr>
-            <a:stCxn id="180" idx="2"/>
-            <a:endCxn id="271" idx="1"/>
+            <a:stCxn id="366" idx="2"/>
+            <a:endCxn id="306" idx="1"/>
           </p:cNvCxnSpPr>
           <p:nvPr/>
         </p:nvCxnSpPr>
         <p:spPr>
           <a:xfrm rot="16200000" flipH="1">
-            <a:off x="25573763" y="8321686"/>
-            <a:ext cx="293472" cy="177370"/>
+            <a:off x="19313217" y="5549022"/>
+            <a:ext cx="751061" cy="273786"/>
           </a:xfrm>
           <a:prstGeom prst="bentConnector2">
             <a:avLst/>
@@ -8343,12 +8774,56 @@
           </a:fontRef>
         </p:style>
       </p:cxnSp>
-      <p:sp>
-        <p:nvSpPr>
-          <p:cNvPr id="275" name="직사각형 274">
-            <a:extLst>
-              <a:ext uri="{FF2B5EF4-FFF2-40B4-BE49-F238E27FC236}">
-                <a16:creationId xmlns:a16="http://schemas.microsoft.com/office/drawing/2014/main" id="{A287EC34-A256-4B1A-8637-D50C4267C5D0}"/>
+      <p:cxnSp>
+        <p:nvCxnSpPr>
+          <p:cNvPr id="274" name="연결선: 꺾임 273">
+            <a:extLst>
+              <a:ext uri="{FF2B5EF4-FFF2-40B4-BE49-F238E27FC236}">
+                <a16:creationId xmlns:a16="http://schemas.microsoft.com/office/drawing/2014/main" id="{7986EB70-620A-40C7-A3DC-3A1B18E58B62}"/>
+              </a:ext>
+            </a:extLst>
+          </p:cNvPr>
+          <p:cNvCxnSpPr>
+            <a:stCxn id="306" idx="2"/>
+            <a:endCxn id="430" idx="1"/>
+          </p:cNvCxnSpPr>
+          <p:nvPr/>
+        </p:nvCxnSpPr>
+        <p:spPr>
+          <a:xfrm rot="16200000" flipH="1">
+            <a:off x="20545862" y="6241030"/>
+            <a:ext cx="282635" cy="236825"/>
+          </a:xfrm>
+          <a:prstGeom prst="bentConnector2">
+            <a:avLst/>
+          </a:prstGeom>
+          <a:ln>
+            <a:solidFill>
+              <a:schemeClr val="tx1"/>
+            </a:solidFill>
+          </a:ln>
+        </p:spPr>
+        <p:style>
+          <a:lnRef idx="1">
+            <a:schemeClr val="dk1"/>
+          </a:lnRef>
+          <a:fillRef idx="0">
+            <a:schemeClr val="dk1"/>
+          </a:fillRef>
+          <a:effectRef idx="0">
+            <a:schemeClr val="dk1"/>
+          </a:effectRef>
+          <a:fontRef idx="minor">
+            <a:schemeClr val="tx1"/>
+          </a:fontRef>
+        </p:style>
+      </p:cxnSp>
+      <p:sp>
+        <p:nvSpPr>
+          <p:cNvPr id="311" name="직사각형 310">
+            <a:extLst>
+              <a:ext uri="{FF2B5EF4-FFF2-40B4-BE49-F238E27FC236}">
+                <a16:creationId xmlns:a16="http://schemas.microsoft.com/office/drawing/2014/main" id="{6F482912-BBD6-4127-B2AE-57D9CC32ABC4}"/>
               </a:ext>
             </a:extLst>
           </p:cNvPr>
@@ -8357,12 +8832,18 @@
         </p:nvSpPr>
         <p:spPr>
           <a:xfrm>
-            <a:off x="24996953" y="9266466"/>
-            <a:ext cx="1269722" cy="313361"/>
+            <a:off x="13318036" y="5879835"/>
+            <a:ext cx="1092155" cy="313361"/>
           </a:xfrm>
           <a:prstGeom prst="rect">
             <a:avLst/>
           </a:prstGeom>
+          <a:solidFill>
+            <a:schemeClr val="accent4">
+              <a:lumMod val="20000"/>
+              <a:lumOff val="80000"/>
+            </a:schemeClr>
+          </a:solidFill>
           <a:ln>
             <a:solidFill>
               <a:schemeClr val="tx1"/>
@@ -8395,30 +8876,38 @@
             <a:pPr algn="ctr"/>
             <a:r>
               <a:rPr lang="ko-KR" altLang="en-US" sz="1100" b="1" dirty="0"/>
-              <a:t>내 리뷰 조회</a:t>
-            </a:r>
+              <a:t>할인정보</a:t>
+            </a:r>
+            <a:br>
+              <a:rPr lang="en-US" altLang="ko-KR" sz="1100" b="1" dirty="0"/>
+            </a:br>
+            <a:r>
+              <a:rPr lang="ko-KR" altLang="en-US" sz="1100" b="1" dirty="0"/>
+              <a:t>상세보기</a:t>
+            </a:r>
+            <a:endParaRPr lang="en-US" altLang="ko-KR" sz="1100" b="1" dirty="0"/>
           </a:p>
         </p:txBody>
       </p:sp>
       <p:cxnSp>
         <p:nvCxnSpPr>
-          <p:cNvPr id="241" name="연결선: 꺾임 240">
-            <a:extLst>
-              <a:ext uri="{FF2B5EF4-FFF2-40B4-BE49-F238E27FC236}">
-                <a16:creationId xmlns:a16="http://schemas.microsoft.com/office/drawing/2014/main" id="{F23470F4-C337-4278-8230-F4B6B83CB33E}"/>
+          <p:cNvPr id="277" name="연결선: 꺾임 276">
+            <a:extLst>
+              <a:ext uri="{FF2B5EF4-FFF2-40B4-BE49-F238E27FC236}">
+                <a16:creationId xmlns:a16="http://schemas.microsoft.com/office/drawing/2014/main" id="{E9C375BE-0069-4EC3-BD58-5457AB41EE92}"/>
               </a:ext>
             </a:extLst>
           </p:cNvPr>
           <p:cNvCxnSpPr>
-            <a:stCxn id="275" idx="2"/>
-            <a:endCxn id="181" idx="1"/>
+            <a:stCxn id="161" idx="2"/>
+            <a:endCxn id="311" idx="1"/>
           </p:cNvCxnSpPr>
           <p:nvPr/>
         </p:nvCxnSpPr>
         <p:spPr>
           <a:xfrm rot="16200000" flipH="1">
-            <a:off x="25573291" y="9638350"/>
-            <a:ext cx="294417" cy="177370"/>
+            <a:off x="13086206" y="5804686"/>
+            <a:ext cx="289068" cy="174591"/>
           </a:xfrm>
           <a:prstGeom prst="bentConnector2">
             <a:avLst/>
@@ -8444,12 +8933,56 @@
           </a:fontRef>
         </p:style>
       </p:cxnSp>
-      <p:sp>
-        <p:nvSpPr>
-          <p:cNvPr id="279" name="직사각형 278">
-            <a:extLst>
-              <a:ext uri="{FF2B5EF4-FFF2-40B4-BE49-F238E27FC236}">
-                <a16:creationId xmlns:a16="http://schemas.microsoft.com/office/drawing/2014/main" id="{5F3531D0-11CD-4B7F-87C8-0547125CE554}"/>
+      <p:cxnSp>
+        <p:nvCxnSpPr>
+          <p:cNvPr id="281" name="연결선: 꺾임 280">
+            <a:extLst>
+              <a:ext uri="{FF2B5EF4-FFF2-40B4-BE49-F238E27FC236}">
+                <a16:creationId xmlns:a16="http://schemas.microsoft.com/office/drawing/2014/main" id="{7EDA0B3F-D45C-4A10-853C-C60226319CA6}"/>
+              </a:ext>
+            </a:extLst>
+          </p:cNvPr>
+          <p:cNvCxnSpPr>
+            <a:stCxn id="339" idx="2"/>
+            <a:endCxn id="363" idx="0"/>
+          </p:cNvCxnSpPr>
+          <p:nvPr/>
+        </p:nvCxnSpPr>
+        <p:spPr>
+          <a:xfrm rot="16200000" flipH="1">
+            <a:off x="10183543" y="2753157"/>
+            <a:ext cx="552168" cy="3941407"/>
+          </a:xfrm>
+          <a:prstGeom prst="bentConnector3">
+            <a:avLst/>
+          </a:prstGeom>
+          <a:ln>
+            <a:solidFill>
+              <a:schemeClr val="tx1"/>
+            </a:solidFill>
+          </a:ln>
+        </p:spPr>
+        <p:style>
+          <a:lnRef idx="1">
+            <a:schemeClr val="dk1"/>
+          </a:lnRef>
+          <a:fillRef idx="0">
+            <a:schemeClr val="dk1"/>
+          </a:fillRef>
+          <a:effectRef idx="0">
+            <a:schemeClr val="dk1"/>
+          </a:effectRef>
+          <a:fontRef idx="minor">
+            <a:schemeClr val="tx1"/>
+          </a:fontRef>
+        </p:style>
+      </p:cxnSp>
+      <p:sp>
+        <p:nvSpPr>
+          <p:cNvPr id="318" name="직사각형 317">
+            <a:extLst>
+              <a:ext uri="{FF2B5EF4-FFF2-40B4-BE49-F238E27FC236}">
+                <a16:creationId xmlns:a16="http://schemas.microsoft.com/office/drawing/2014/main" id="{C49D84CC-3461-4B7A-9CDC-530125A7C615}"/>
               </a:ext>
             </a:extLst>
           </p:cNvPr>
@@ -8458,12 +8991,18 @@
         </p:nvSpPr>
         <p:spPr>
           <a:xfrm>
-            <a:off x="24991495" y="11333746"/>
-            <a:ext cx="1269722" cy="313361"/>
+            <a:off x="9056122" y="5407544"/>
+            <a:ext cx="1092155" cy="313361"/>
           </a:xfrm>
           <a:prstGeom prst="rect">
             <a:avLst/>
           </a:prstGeom>
+          <a:solidFill>
+            <a:schemeClr val="accent4">
+              <a:lumMod val="20000"/>
+              <a:lumOff val="80000"/>
+            </a:schemeClr>
+          </a:solidFill>
           <a:ln>
             <a:solidFill>
               <a:schemeClr val="tx1"/>
@@ -8496,38 +9035,31 @@
             <a:pPr algn="ctr"/>
             <a:r>
               <a:rPr lang="ko-KR" altLang="en-US" sz="1100" b="1" dirty="0"/>
-              <a:t>내 </a:t>
-            </a:r>
-            <a:r>
-              <a:rPr lang="ko-KR" altLang="en-US" sz="1100" b="1" dirty="0" err="1"/>
-              <a:t>한줄평</a:t>
-            </a:r>
-            <a:r>
-              <a:rPr lang="ko-KR" altLang="en-US" sz="1100" b="1" dirty="0"/>
-              <a:t> 조회</a:t>
-            </a:r>
+              <a:t>공지사항조회</a:t>
+            </a:r>
+            <a:endParaRPr lang="en-US" altLang="ko-KR" sz="1100" b="1" dirty="0"/>
           </a:p>
         </p:txBody>
       </p:sp>
       <p:cxnSp>
         <p:nvCxnSpPr>
-          <p:cNvPr id="244" name="연결선: 꺾임 243">
-            <a:extLst>
-              <a:ext uri="{FF2B5EF4-FFF2-40B4-BE49-F238E27FC236}">
-                <a16:creationId xmlns:a16="http://schemas.microsoft.com/office/drawing/2014/main" id="{166276B5-259C-47E7-A43D-3B9857DD984C}"/>
+          <p:cNvPr id="285" name="연결선: 꺾임 284">
+            <a:extLst>
+              <a:ext uri="{FF2B5EF4-FFF2-40B4-BE49-F238E27FC236}">
+                <a16:creationId xmlns:a16="http://schemas.microsoft.com/office/drawing/2014/main" id="{4265C116-1B5F-4B9C-BFBF-E06273C47EA6}"/>
               </a:ext>
             </a:extLst>
           </p:cNvPr>
           <p:cNvCxnSpPr>
-            <a:stCxn id="279" idx="2"/>
-            <a:endCxn id="200" idx="1"/>
+            <a:stCxn id="362" idx="2"/>
+            <a:endCxn id="318" idx="1"/>
           </p:cNvCxnSpPr>
           <p:nvPr/>
         </p:nvCxnSpPr>
         <p:spPr>
           <a:xfrm rot="16200000" flipH="1">
-            <a:off x="25560916" y="11712547"/>
-            <a:ext cx="313708" cy="182828"/>
+            <a:off x="8833633" y="5341735"/>
+            <a:ext cx="272507" cy="172471"/>
           </a:xfrm>
           <a:prstGeom prst="bentConnector2">
             <a:avLst/>
@@ -8553,12 +9085,56 @@
           </a:fontRef>
         </p:style>
       </p:cxnSp>
-      <p:sp>
-        <p:nvSpPr>
-          <p:cNvPr id="283" name="직사각형 282">
-            <a:extLst>
-              <a:ext uri="{FF2B5EF4-FFF2-40B4-BE49-F238E27FC236}">
-                <a16:creationId xmlns:a16="http://schemas.microsoft.com/office/drawing/2014/main" id="{1B4C5D57-E9E4-47BC-8308-6BD9857F7646}"/>
+      <p:cxnSp>
+        <p:nvCxnSpPr>
+          <p:cNvPr id="288" name="연결선: 꺾임 287">
+            <a:extLst>
+              <a:ext uri="{FF2B5EF4-FFF2-40B4-BE49-F238E27FC236}">
+                <a16:creationId xmlns:a16="http://schemas.microsoft.com/office/drawing/2014/main" id="{7EEAAF3B-1E86-4A07-8033-33D5A840E497}"/>
+              </a:ext>
+            </a:extLst>
+          </p:cNvPr>
+          <p:cNvCxnSpPr>
+            <a:stCxn id="318" idx="2"/>
+            <a:endCxn id="155" idx="1"/>
+          </p:cNvCxnSpPr>
+          <p:nvPr/>
+        </p:nvCxnSpPr>
+        <p:spPr>
+          <a:xfrm rot="16200000" flipH="1">
+            <a:off x="9560203" y="5762902"/>
+            <a:ext cx="285839" cy="201844"/>
+          </a:xfrm>
+          <a:prstGeom prst="bentConnector2">
+            <a:avLst/>
+          </a:prstGeom>
+          <a:ln>
+            <a:solidFill>
+              <a:schemeClr val="tx1"/>
+            </a:solidFill>
+          </a:ln>
+        </p:spPr>
+        <p:style>
+          <a:lnRef idx="1">
+            <a:schemeClr val="dk1"/>
+          </a:lnRef>
+          <a:fillRef idx="0">
+            <a:schemeClr val="dk1"/>
+          </a:fillRef>
+          <a:effectRef idx="0">
+            <a:schemeClr val="dk1"/>
+          </a:effectRef>
+          <a:fontRef idx="minor">
+            <a:schemeClr val="tx1"/>
+          </a:fontRef>
+        </p:style>
+      </p:cxnSp>
+      <p:sp>
+        <p:nvSpPr>
+          <p:cNvPr id="228" name="직사각형 227">
+            <a:extLst>
+              <a:ext uri="{FF2B5EF4-FFF2-40B4-BE49-F238E27FC236}">
+                <a16:creationId xmlns:a16="http://schemas.microsoft.com/office/drawing/2014/main" id="{2BE4F5F1-5515-43F3-A943-0DDE0F9675BD}"/>
               </a:ext>
             </a:extLst>
           </p:cNvPr>
@@ -8567,8 +9143,8 @@
         </p:nvSpPr>
         <p:spPr>
           <a:xfrm>
-            <a:off x="24991495" y="13487037"/>
-            <a:ext cx="1269722" cy="313361"/>
+            <a:off x="16831632" y="6475463"/>
+            <a:ext cx="1486254" cy="313361"/>
           </a:xfrm>
           <a:prstGeom prst="rect">
             <a:avLst/>
@@ -8604,70 +9180,18 @@
           <a:p>
             <a:pPr algn="ctr"/>
             <a:r>
-              <a:rPr lang="ko-KR" altLang="en-US" sz="1100" b="1" dirty="0"/>
-              <a:t>내 </a:t>
-            </a:r>
-            <a:r>
-              <a:rPr lang="ko-KR" altLang="en-US" sz="1100" b="1" dirty="0" err="1"/>
-              <a:t>기프티콘</a:t>
-            </a:r>
-            <a:r>
-              <a:rPr lang="ko-KR" altLang="en-US" sz="1100" b="1" dirty="0"/>
-              <a:t> 조회</a:t>
-            </a:r>
-          </a:p>
-        </p:txBody>
-      </p:sp>
-      <p:cxnSp>
-        <p:nvCxnSpPr>
-          <p:cNvPr id="247" name="연결선: 꺾임 246">
-            <a:extLst>
-              <a:ext uri="{FF2B5EF4-FFF2-40B4-BE49-F238E27FC236}">
-                <a16:creationId xmlns:a16="http://schemas.microsoft.com/office/drawing/2014/main" id="{3A1052A4-BD3A-4DFC-90EC-55F6962A8FA9}"/>
-              </a:ext>
-            </a:extLst>
-          </p:cNvPr>
-          <p:cNvCxnSpPr>
-            <a:stCxn id="283" idx="2"/>
-            <a:endCxn id="214" idx="1"/>
-          </p:cNvCxnSpPr>
-          <p:nvPr/>
-        </p:nvCxnSpPr>
-        <p:spPr>
-          <a:xfrm rot="16200000" flipH="1">
-            <a:off x="25570444" y="13856310"/>
-            <a:ext cx="294653" cy="182828"/>
-          </a:xfrm>
-          <a:prstGeom prst="bentConnector2">
-            <a:avLst/>
-          </a:prstGeom>
-          <a:ln>
-            <a:solidFill>
-              <a:schemeClr val="tx1"/>
-            </a:solidFill>
-          </a:ln>
-        </p:spPr>
-        <p:style>
-          <a:lnRef idx="1">
-            <a:schemeClr val="dk1"/>
-          </a:lnRef>
-          <a:fillRef idx="0">
-            <a:schemeClr val="dk1"/>
-          </a:fillRef>
-          <a:effectRef idx="0">
-            <a:schemeClr val="dk1"/>
-          </a:effectRef>
-          <a:fontRef idx="minor">
-            <a:schemeClr val="tx1"/>
-          </a:fontRef>
-        </p:style>
-      </p:cxnSp>
-      <p:sp>
-        <p:nvSpPr>
-          <p:cNvPr id="287" name="직사각형 286">
-            <a:extLst>
-              <a:ext uri="{FF2B5EF4-FFF2-40B4-BE49-F238E27FC236}">
-                <a16:creationId xmlns:a16="http://schemas.microsoft.com/office/drawing/2014/main" id="{0A2584CA-C73A-4167-AE23-3439C5E6049E}"/>
+              <a:rPr lang="ko-KR" altLang="en-US" sz="1100" b="1"/>
+              <a:t>기프티콘 구매</a:t>
+            </a:r>
+          </a:p>
+        </p:txBody>
+      </p:sp>
+      <p:sp>
+        <p:nvSpPr>
+          <p:cNvPr id="229" name="직사각형 228">
+            <a:extLst>
+              <a:ext uri="{FF2B5EF4-FFF2-40B4-BE49-F238E27FC236}">
+                <a16:creationId xmlns:a16="http://schemas.microsoft.com/office/drawing/2014/main" id="{48F0F6D0-C2D0-44C2-B924-F8B1D1DF59CD}"/>
               </a:ext>
             </a:extLst>
           </p:cNvPr>
@@ -8676,12 +9200,18 @@
         </p:nvSpPr>
         <p:spPr>
           <a:xfrm>
-            <a:off x="24991495" y="15621619"/>
-            <a:ext cx="1269722" cy="313361"/>
+            <a:off x="15921269" y="5887215"/>
+            <a:ext cx="1486254" cy="438046"/>
           </a:xfrm>
           <a:prstGeom prst="rect">
             <a:avLst/>
           </a:prstGeom>
+          <a:solidFill>
+            <a:schemeClr val="accent4">
+              <a:lumMod val="20000"/>
+              <a:lumOff val="80000"/>
+            </a:schemeClr>
+          </a:solidFill>
           <a:ln>
             <a:solidFill>
               <a:schemeClr val="tx1"/>
@@ -8713,31 +9243,44 @@
           <a:p>
             <a:pPr algn="ctr"/>
             <a:r>
+              <a:rPr lang="ko-KR" altLang="en-US" sz="1100" b="1" dirty="0" err="1"/>
+              <a:t>기프티콘</a:t>
+            </a:r>
+            <a:r>
               <a:rPr lang="ko-KR" altLang="en-US" sz="1100" b="1" dirty="0"/>
-              <a:t>내 건의사항 조회</a:t>
+              <a:t> </a:t>
+            </a:r>
+            <a:endParaRPr lang="en-US" altLang="ko-KR" sz="1100" b="1" dirty="0"/>
+          </a:p>
+          <a:p>
+            <a:pPr algn="ctr"/>
+            <a:r>
+              <a:rPr lang="ko-KR" altLang="en-US" sz="1100" b="1" dirty="0"/>
+              <a:t>상세보기</a:t>
             </a:r>
           </a:p>
         </p:txBody>
       </p:sp>
       <p:cxnSp>
         <p:nvCxnSpPr>
-          <p:cNvPr id="250" name="연결선: 꺾임 249">
-            <a:extLst>
-              <a:ext uri="{FF2B5EF4-FFF2-40B4-BE49-F238E27FC236}">
-                <a16:creationId xmlns:a16="http://schemas.microsoft.com/office/drawing/2014/main" id="{067135C8-1D3C-4D17-ACB6-E993BA90BA05}"/>
+          <p:cNvPr id="10" name="연결선: 꺾임 9">
+            <a:extLst>
+              <a:ext uri="{FF2B5EF4-FFF2-40B4-BE49-F238E27FC236}">
+                <a16:creationId xmlns:a16="http://schemas.microsoft.com/office/drawing/2014/main" id="{2FF97418-E075-4E93-A144-48EC9FA265A8}"/>
               </a:ext>
             </a:extLst>
           </p:cNvPr>
           <p:cNvCxnSpPr>
-            <a:stCxn id="178" idx="2"/>
-            <a:endCxn id="287" idx="1"/>
+            <a:cxnSpLocks/>
+            <a:stCxn id="422" idx="2"/>
+            <a:endCxn id="229" idx="1"/>
           </p:cNvCxnSpPr>
           <p:nvPr/>
         </p:nvCxnSpPr>
         <p:spPr>
           <a:xfrm rot="16200000" flipH="1">
-            <a:off x="24723164" y="15509968"/>
-            <a:ext cx="327829" cy="208833"/>
+            <a:off x="15675400" y="5860369"/>
+            <a:ext cx="338364" cy="153373"/>
           </a:xfrm>
           <a:prstGeom prst="bentConnector2">
             <a:avLst/>
@@ -8750,13 +9293,13 @@
         </p:spPr>
         <p:style>
           <a:lnRef idx="1">
-            <a:schemeClr val="dk1"/>
+            <a:schemeClr val="accent1"/>
           </a:lnRef>
           <a:fillRef idx="0">
-            <a:schemeClr val="dk1"/>
-          </a:fillRef>
-          <a:effectRef idx="0">
-            <a:schemeClr val="dk1"/>
+            <a:schemeClr val="accent1"/>
+          </a:fillRef>
+          <a:effectRef idx="0">
+            <a:schemeClr val="accent1"/>
           </a:effectRef>
           <a:fontRef idx="minor">
             <a:schemeClr val="tx1"/>
@@ -8765,23 +9308,24 @@
       </p:cxnSp>
       <p:cxnSp>
         <p:nvCxnSpPr>
-          <p:cNvPr id="252" name="연결선: 꺾임 251">
-            <a:extLst>
-              <a:ext uri="{FF2B5EF4-FFF2-40B4-BE49-F238E27FC236}">
-                <a16:creationId xmlns:a16="http://schemas.microsoft.com/office/drawing/2014/main" id="{BBB61D2A-9B02-42ED-A8DF-7E1547F6FB2D}"/>
+          <p:cNvPr id="13" name="연결선: 꺾임 12">
+            <a:extLst>
+              <a:ext uri="{FF2B5EF4-FFF2-40B4-BE49-F238E27FC236}">
+                <a16:creationId xmlns:a16="http://schemas.microsoft.com/office/drawing/2014/main" id="{00F4B6EB-86A1-4BBE-9111-C483CEEFF33D}"/>
               </a:ext>
             </a:extLst>
           </p:cNvPr>
           <p:cNvCxnSpPr>
-            <a:stCxn id="287" idx="2"/>
-            <a:endCxn id="207" idx="1"/>
+            <a:cxnSpLocks/>
+            <a:stCxn id="229" idx="2"/>
+            <a:endCxn id="228" idx="1"/>
           </p:cNvCxnSpPr>
           <p:nvPr/>
         </p:nvCxnSpPr>
         <p:spPr>
           <a:xfrm rot="16200000" flipH="1">
-            <a:off x="25561166" y="16000170"/>
-            <a:ext cx="313208" cy="182828"/>
+            <a:off x="16594573" y="6395084"/>
+            <a:ext cx="306883" cy="167236"/>
           </a:xfrm>
           <a:prstGeom prst="bentConnector2">
             <a:avLst/>
@@ -8794,13 +9338,13 @@
         </p:spPr>
         <p:style>
           <a:lnRef idx="1">
-            <a:schemeClr val="dk1"/>
+            <a:schemeClr val="accent1"/>
           </a:lnRef>
           <a:fillRef idx="0">
-            <a:schemeClr val="dk1"/>
-          </a:fillRef>
-          <a:effectRef idx="0">
-            <a:schemeClr val="dk1"/>
+            <a:schemeClr val="accent1"/>
+          </a:fillRef>
+          <a:effectRef idx="0">
+            <a:schemeClr val="accent1"/>
           </a:effectRef>
           <a:fontRef idx="minor">
             <a:schemeClr val="tx1"/>
@@ -8809,25 +9353,26 @@
       </p:cxnSp>
       <p:cxnSp>
         <p:nvCxnSpPr>
-          <p:cNvPr id="259" name="연결선: 꺾임 258">
-            <a:extLst>
-              <a:ext uri="{FF2B5EF4-FFF2-40B4-BE49-F238E27FC236}">
-                <a16:creationId xmlns:a16="http://schemas.microsoft.com/office/drawing/2014/main" id="{E263C0B0-6169-4FCF-B148-A983D099AC46}"/>
+          <p:cNvPr id="382" name="연결선: 꺾임 381">
+            <a:extLst>
+              <a:ext uri="{FF2B5EF4-FFF2-40B4-BE49-F238E27FC236}">
+                <a16:creationId xmlns:a16="http://schemas.microsoft.com/office/drawing/2014/main" id="{565A33F6-CFA2-40E8-B22A-16A9372FC3A9}"/>
               </a:ext>
             </a:extLst>
           </p:cNvPr>
           <p:cNvCxnSpPr>
-            <a:stCxn id="339" idx="2"/>
-            <a:endCxn id="362" idx="0"/>
+            <a:cxnSpLocks/>
+            <a:stCxn id="122" idx="3"/>
+            <a:endCxn id="4" idx="2"/>
           </p:cNvCxnSpPr>
           <p:nvPr/>
         </p:nvCxnSpPr>
         <p:spPr>
-          <a:xfrm rot="16200000" flipH="1">
-            <a:off x="8967695" y="3969006"/>
-            <a:ext cx="542287" cy="1499828"/>
-          </a:xfrm>
-          <a:prstGeom prst="bentConnector3">
+          <a:xfrm flipV="1">
+            <a:off x="23784774" y="1236575"/>
+            <a:ext cx="2288626" cy="653665"/>
+          </a:xfrm>
+          <a:prstGeom prst="bentConnector2">
             <a:avLst/>
           </a:prstGeom>
           <a:ln>
@@ -8838,13 +9383,13 @@
         </p:spPr>
         <p:style>
           <a:lnRef idx="1">
-            <a:schemeClr val="dk1"/>
+            <a:schemeClr val="accent1"/>
           </a:lnRef>
           <a:fillRef idx="0">
-            <a:schemeClr val="dk1"/>
-          </a:fillRef>
-          <a:effectRef idx="0">
-            <a:schemeClr val="dk1"/>
+            <a:schemeClr val="accent1"/>
+          </a:fillRef>
+          <a:effectRef idx="0">
+            <a:schemeClr val="accent1"/>
           </a:effectRef>
           <a:fontRef idx="minor">
             <a:schemeClr val="tx1"/>
@@ -8853,23 +9398,24 @@
       </p:cxnSp>
       <p:cxnSp>
         <p:nvCxnSpPr>
-          <p:cNvPr id="262" name="연결선: 꺾임 261">
-            <a:extLst>
-              <a:ext uri="{FF2B5EF4-FFF2-40B4-BE49-F238E27FC236}">
-                <a16:creationId xmlns:a16="http://schemas.microsoft.com/office/drawing/2014/main" id="{F3F2DFFD-7B6E-41DE-9244-7AD8A932FC87}"/>
+          <p:cNvPr id="394" name="연결선: 꺾임 393">
+            <a:extLst>
+              <a:ext uri="{FF2B5EF4-FFF2-40B4-BE49-F238E27FC236}">
+                <a16:creationId xmlns:a16="http://schemas.microsoft.com/office/drawing/2014/main" id="{A61045C8-CF35-46E2-9923-F801C6B391E0}"/>
               </a:ext>
             </a:extLst>
           </p:cNvPr>
           <p:cNvCxnSpPr>
-            <a:stCxn id="212" idx="2"/>
-            <a:endCxn id="171" idx="1"/>
+            <a:cxnSpLocks/>
+            <a:stCxn id="125" idx="3"/>
+            <a:endCxn id="4" idx="2"/>
           </p:cNvCxnSpPr>
           <p:nvPr/>
         </p:nvCxnSpPr>
         <p:spPr>
-          <a:xfrm rot="16200000" flipH="1">
-            <a:off x="22191529" y="6994193"/>
-            <a:ext cx="3651994" cy="260550"/>
+          <a:xfrm flipV="1">
+            <a:off x="23775439" y="1236575"/>
+            <a:ext cx="2297961" cy="1098231"/>
           </a:xfrm>
           <a:prstGeom prst="bentConnector2">
             <a:avLst/>
@@ -8882,13 +9428,13 @@
         </p:spPr>
         <p:style>
           <a:lnRef idx="1">
-            <a:schemeClr val="dk1"/>
+            <a:schemeClr val="accent1"/>
           </a:lnRef>
           <a:fillRef idx="0">
-            <a:schemeClr val="dk1"/>
-          </a:fillRef>
-          <a:effectRef idx="0">
-            <a:schemeClr val="dk1"/>
+            <a:schemeClr val="accent1"/>
+          </a:fillRef>
+          <a:effectRef idx="0">
+            <a:schemeClr val="accent1"/>
           </a:effectRef>
           <a:fontRef idx="minor">
             <a:schemeClr val="tx1"/>
@@ -8897,112 +9443,24 @@
       </p:cxnSp>
       <p:cxnSp>
         <p:nvCxnSpPr>
-          <p:cNvPr id="265" name="연결선: 꺾임 264">
-            <a:extLst>
-              <a:ext uri="{FF2B5EF4-FFF2-40B4-BE49-F238E27FC236}">
-                <a16:creationId xmlns:a16="http://schemas.microsoft.com/office/drawing/2014/main" id="{4BA5F18C-90EC-4117-BC9E-417141D325B7}"/>
-              </a:ext>
-            </a:extLst>
-          </p:cNvPr>
-          <p:cNvCxnSpPr>
-            <a:stCxn id="212" idx="2"/>
-            <a:endCxn id="173" idx="1"/>
-          </p:cNvCxnSpPr>
-          <p:nvPr/>
-        </p:nvCxnSpPr>
-        <p:spPr>
-          <a:xfrm rot="16200000" flipH="1">
-            <a:off x="21153561" y="8032161"/>
-            <a:ext cx="5727931" cy="260550"/>
-          </a:xfrm>
-          <a:prstGeom prst="bentConnector2">
-            <a:avLst/>
-          </a:prstGeom>
-          <a:ln>
-            <a:solidFill>
-              <a:schemeClr val="tx1"/>
-            </a:solidFill>
-          </a:ln>
-        </p:spPr>
-        <p:style>
-          <a:lnRef idx="1">
-            <a:schemeClr val="dk1"/>
-          </a:lnRef>
-          <a:fillRef idx="0">
-            <a:schemeClr val="dk1"/>
-          </a:fillRef>
-          <a:effectRef idx="0">
-            <a:schemeClr val="dk1"/>
-          </a:effectRef>
-          <a:fontRef idx="minor">
-            <a:schemeClr val="tx1"/>
-          </a:fontRef>
-        </p:style>
-      </p:cxnSp>
-      <p:cxnSp>
-        <p:nvCxnSpPr>
-          <p:cNvPr id="267" name="연결선: 꺾임 266">
-            <a:extLst>
-              <a:ext uri="{FF2B5EF4-FFF2-40B4-BE49-F238E27FC236}">
-                <a16:creationId xmlns:a16="http://schemas.microsoft.com/office/drawing/2014/main" id="{369F9BD1-8DC3-4A63-8769-AD4A61497B54}"/>
-              </a:ext>
-            </a:extLst>
-          </p:cNvPr>
-          <p:cNvCxnSpPr>
-            <a:stCxn id="212" idx="2"/>
-            <a:endCxn id="175" idx="1"/>
-          </p:cNvCxnSpPr>
-          <p:nvPr/>
-        </p:nvCxnSpPr>
-        <p:spPr>
-          <a:xfrm rot="16200000" flipH="1">
-            <a:off x="20078687" y="9107035"/>
-            <a:ext cx="7877679" cy="260550"/>
-          </a:xfrm>
-          <a:prstGeom prst="bentConnector2">
-            <a:avLst/>
-          </a:prstGeom>
-          <a:ln>
-            <a:solidFill>
-              <a:schemeClr val="tx1"/>
-            </a:solidFill>
-          </a:ln>
-        </p:spPr>
-        <p:style>
-          <a:lnRef idx="1">
-            <a:schemeClr val="dk1"/>
-          </a:lnRef>
-          <a:fillRef idx="0">
-            <a:schemeClr val="dk1"/>
-          </a:fillRef>
-          <a:effectRef idx="0">
-            <a:schemeClr val="dk1"/>
-          </a:effectRef>
-          <a:fontRef idx="minor">
-            <a:schemeClr val="tx1"/>
-          </a:fontRef>
-        </p:style>
-      </p:cxnSp>
-      <p:cxnSp>
-        <p:nvCxnSpPr>
-          <p:cNvPr id="269" name="연결선: 꺾임 268">
-            <a:extLst>
-              <a:ext uri="{FF2B5EF4-FFF2-40B4-BE49-F238E27FC236}">
-                <a16:creationId xmlns:a16="http://schemas.microsoft.com/office/drawing/2014/main" id="{5939E9B3-58A5-4D4D-9D35-53B027F4575C}"/>
+          <p:cNvPr id="400" name="연결선: 꺾임 399">
+            <a:extLst>
+              <a:ext uri="{FF2B5EF4-FFF2-40B4-BE49-F238E27FC236}">
+                <a16:creationId xmlns:a16="http://schemas.microsoft.com/office/drawing/2014/main" id="{81A7CD86-B56E-4D5E-A1F6-5277EB8FDDBF}"/>
               </a:ext>
             </a:extLst>
           </p:cNvPr>
           <p:cNvCxnSpPr>
             <a:cxnSpLocks/>
-            <a:stCxn id="212" idx="2"/>
-            <a:endCxn id="178" idx="1"/>
+            <a:stCxn id="4" idx="2"/>
+            <a:endCxn id="141" idx="3"/>
           </p:cNvCxnSpPr>
           <p:nvPr/>
         </p:nvCxnSpPr>
         <p:spPr>
-          <a:xfrm rot="16200000" flipH="1">
-            <a:off x="19019866" y="10165856"/>
-            <a:ext cx="9995320" cy="260550"/>
+          <a:xfrm rot="5400000">
+            <a:off x="24170552" y="850797"/>
+            <a:ext cx="1517070" cy="2288626"/>
           </a:xfrm>
           <a:prstGeom prst="bentConnector2">
             <a:avLst/>
@@ -9015,13 +9473,13 @@
         </p:spPr>
         <p:style>
           <a:lnRef idx="1">
-            <a:schemeClr val="dk1"/>
+            <a:schemeClr val="accent1"/>
           </a:lnRef>
           <a:fillRef idx="0">
-            <a:schemeClr val="dk1"/>
-          </a:fillRef>
-          <a:effectRef idx="0">
-            <a:schemeClr val="dk1"/>
+            <a:schemeClr val="accent1"/>
+          </a:fillRef>
+          <a:effectRef idx="0">
+            <a:schemeClr val="accent1"/>
           </a:effectRef>
           <a:fontRef idx="minor">
             <a:schemeClr val="tx1"/>
@@ -9030,10 +9488,10 @@
       </p:cxnSp>
       <p:sp>
         <p:nvSpPr>
-          <p:cNvPr id="306" name="직사각형 305">
-            <a:extLst>
-              <a:ext uri="{FF2B5EF4-FFF2-40B4-BE49-F238E27FC236}">
-                <a16:creationId xmlns:a16="http://schemas.microsoft.com/office/drawing/2014/main" id="{1BC8CBB8-9841-4309-A57B-FFDECD1139A4}"/>
+          <p:cNvPr id="293" name="직사각형 292">
+            <a:extLst>
+              <a:ext uri="{FF2B5EF4-FFF2-40B4-BE49-F238E27FC236}">
+                <a16:creationId xmlns:a16="http://schemas.microsoft.com/office/drawing/2014/main" id="{CCF0DEAA-E9B4-4D38-A565-8C0AC0303A16}"/>
               </a:ext>
             </a:extLst>
           </p:cNvPr>
@@ -9042,12 +9500,18 @@
         </p:nvSpPr>
         <p:spPr>
           <a:xfrm>
-            <a:off x="19825640" y="5904765"/>
-            <a:ext cx="1486254" cy="313361"/>
+            <a:off x="17907649" y="8021646"/>
+            <a:ext cx="1616219" cy="313361"/>
           </a:xfrm>
           <a:prstGeom prst="rect">
             <a:avLst/>
           </a:prstGeom>
+          <a:solidFill>
+            <a:schemeClr val="accent4">
+              <a:lumMod val="20000"/>
+              <a:lumOff val="80000"/>
+            </a:schemeClr>
+          </a:solidFill>
           <a:ln>
             <a:solidFill>
               <a:schemeClr val="tx1"/>
@@ -9080,105 +9544,17 @@
             <a:pPr algn="ctr"/>
             <a:r>
               <a:rPr lang="ko-KR" altLang="en-US" sz="1100" b="1" dirty="0"/>
-              <a:t>건의사항 조회</a:t>
-            </a:r>
-          </a:p>
-        </p:txBody>
-      </p:sp>
-      <p:cxnSp>
-        <p:nvCxnSpPr>
-          <p:cNvPr id="272" name="연결선: 꺾임 271">
-            <a:extLst>
-              <a:ext uri="{FF2B5EF4-FFF2-40B4-BE49-F238E27FC236}">
-                <a16:creationId xmlns:a16="http://schemas.microsoft.com/office/drawing/2014/main" id="{8AE19040-7E79-449F-A681-3A93D257DC7D}"/>
-              </a:ext>
-            </a:extLst>
-          </p:cNvPr>
-          <p:cNvCxnSpPr>
-            <a:stCxn id="366" idx="2"/>
-            <a:endCxn id="306" idx="1"/>
-          </p:cNvCxnSpPr>
-          <p:nvPr/>
-        </p:nvCxnSpPr>
-        <p:spPr>
-          <a:xfrm rot="16200000" flipH="1">
-            <a:off x="19313217" y="5549022"/>
-            <a:ext cx="751061" cy="273786"/>
-          </a:xfrm>
-          <a:prstGeom prst="bentConnector2">
-            <a:avLst/>
-          </a:prstGeom>
-          <a:ln>
-            <a:solidFill>
-              <a:schemeClr val="tx1"/>
-            </a:solidFill>
-          </a:ln>
-        </p:spPr>
-        <p:style>
-          <a:lnRef idx="1">
-            <a:schemeClr val="dk1"/>
-          </a:lnRef>
-          <a:fillRef idx="0">
-            <a:schemeClr val="dk1"/>
-          </a:fillRef>
-          <a:effectRef idx="0">
-            <a:schemeClr val="dk1"/>
-          </a:effectRef>
-          <a:fontRef idx="minor">
-            <a:schemeClr val="tx1"/>
-          </a:fontRef>
-        </p:style>
-      </p:cxnSp>
-      <p:cxnSp>
-        <p:nvCxnSpPr>
-          <p:cNvPr id="274" name="연결선: 꺾임 273">
-            <a:extLst>
-              <a:ext uri="{FF2B5EF4-FFF2-40B4-BE49-F238E27FC236}">
-                <a16:creationId xmlns:a16="http://schemas.microsoft.com/office/drawing/2014/main" id="{7986EB70-620A-40C7-A3DC-3A1B18E58B62}"/>
-              </a:ext>
-            </a:extLst>
-          </p:cNvPr>
-          <p:cNvCxnSpPr>
-            <a:stCxn id="306" idx="2"/>
-            <a:endCxn id="430" idx="1"/>
-          </p:cNvCxnSpPr>
-          <p:nvPr/>
-        </p:nvCxnSpPr>
-        <p:spPr>
-          <a:xfrm rot="16200000" flipH="1">
-            <a:off x="20545862" y="6241030"/>
-            <a:ext cx="282635" cy="236825"/>
-          </a:xfrm>
-          <a:prstGeom prst="bentConnector2">
-            <a:avLst/>
-          </a:prstGeom>
-          <a:ln>
-            <a:solidFill>
-              <a:schemeClr val="tx1"/>
-            </a:solidFill>
-          </a:ln>
-        </p:spPr>
-        <p:style>
-          <a:lnRef idx="1">
-            <a:schemeClr val="dk1"/>
-          </a:lnRef>
-          <a:fillRef idx="0">
-            <a:schemeClr val="dk1"/>
-          </a:fillRef>
-          <a:effectRef idx="0">
-            <a:schemeClr val="dk1"/>
-          </a:effectRef>
-          <a:fontRef idx="minor">
-            <a:schemeClr val="tx1"/>
-          </a:fontRef>
-        </p:style>
-      </p:cxnSp>
-      <p:sp>
-        <p:nvSpPr>
-          <p:cNvPr id="311" name="직사각형 310">
-            <a:extLst>
-              <a:ext uri="{FF2B5EF4-FFF2-40B4-BE49-F238E27FC236}">
-                <a16:creationId xmlns:a16="http://schemas.microsoft.com/office/drawing/2014/main" id="{6F482912-BBD6-4127-B2AE-57D9CC32ABC4}"/>
+              <a:t>습득물 게시판</a:t>
+            </a:r>
+          </a:p>
+        </p:txBody>
+      </p:sp>
+      <p:sp>
+        <p:nvSpPr>
+          <p:cNvPr id="294" name="직사각형 293">
+            <a:extLst>
+              <a:ext uri="{FF2B5EF4-FFF2-40B4-BE49-F238E27FC236}">
+                <a16:creationId xmlns:a16="http://schemas.microsoft.com/office/drawing/2014/main" id="{9958C774-529E-478E-9152-9E41FFA55D25}"/>
               </a:ext>
             </a:extLst>
           </p:cNvPr>
@@ -9187,12 +9563,18 @@
         </p:nvSpPr>
         <p:spPr>
           <a:xfrm>
-            <a:off x="13318036" y="5879835"/>
-            <a:ext cx="1092155" cy="313361"/>
+            <a:off x="18944269" y="8565381"/>
+            <a:ext cx="1486254" cy="341421"/>
           </a:xfrm>
           <a:prstGeom prst="rect">
             <a:avLst/>
           </a:prstGeom>
+          <a:solidFill>
+            <a:schemeClr val="accent4">
+              <a:lumMod val="20000"/>
+              <a:lumOff val="80000"/>
+            </a:schemeClr>
+          </a:solidFill>
           <a:ln>
             <a:solidFill>
               <a:schemeClr val="tx1"/>
@@ -9225,113 +9607,18 @@
             <a:pPr algn="ctr"/>
             <a:r>
               <a:rPr lang="ko-KR" altLang="en-US" sz="1100" b="1" dirty="0"/>
-              <a:t>할인정보</a:t>
-            </a:r>
-            <a:br>
-              <a:rPr lang="en-US" altLang="ko-KR" sz="1100" b="1" dirty="0"/>
-            </a:br>
-            <a:r>
-              <a:rPr lang="ko-KR" altLang="en-US" sz="1100" b="1" dirty="0"/>
-              <a:t>상세보기</a:t>
+              <a:t>게시글 조회</a:t>
             </a:r>
             <a:endParaRPr lang="en-US" altLang="ko-KR" sz="1100" b="1" dirty="0"/>
           </a:p>
         </p:txBody>
       </p:sp>
-      <p:cxnSp>
-        <p:nvCxnSpPr>
-          <p:cNvPr id="277" name="연결선: 꺾임 276">
-            <a:extLst>
-              <a:ext uri="{FF2B5EF4-FFF2-40B4-BE49-F238E27FC236}">
-                <a16:creationId xmlns:a16="http://schemas.microsoft.com/office/drawing/2014/main" id="{E9C375BE-0069-4EC3-BD58-5457AB41EE92}"/>
-              </a:ext>
-            </a:extLst>
-          </p:cNvPr>
-          <p:cNvCxnSpPr>
-            <a:stCxn id="161" idx="2"/>
-            <a:endCxn id="311" idx="1"/>
-          </p:cNvCxnSpPr>
-          <p:nvPr/>
-        </p:nvCxnSpPr>
-        <p:spPr>
-          <a:xfrm rot="16200000" flipH="1">
-            <a:off x="13086206" y="5804686"/>
-            <a:ext cx="289068" cy="174591"/>
-          </a:xfrm>
-          <a:prstGeom prst="bentConnector2">
-            <a:avLst/>
-          </a:prstGeom>
-          <a:ln>
-            <a:solidFill>
-              <a:schemeClr val="tx1"/>
-            </a:solidFill>
-          </a:ln>
-        </p:spPr>
-        <p:style>
-          <a:lnRef idx="1">
-            <a:schemeClr val="dk1"/>
-          </a:lnRef>
-          <a:fillRef idx="0">
-            <a:schemeClr val="dk1"/>
-          </a:fillRef>
-          <a:effectRef idx="0">
-            <a:schemeClr val="dk1"/>
-          </a:effectRef>
-          <a:fontRef idx="minor">
-            <a:schemeClr val="tx1"/>
-          </a:fontRef>
-        </p:style>
-      </p:cxnSp>
-      <p:cxnSp>
-        <p:nvCxnSpPr>
-          <p:cNvPr id="281" name="연결선: 꺾임 280">
-            <a:extLst>
-              <a:ext uri="{FF2B5EF4-FFF2-40B4-BE49-F238E27FC236}">
-                <a16:creationId xmlns:a16="http://schemas.microsoft.com/office/drawing/2014/main" id="{7EDA0B3F-D45C-4A10-853C-C60226319CA6}"/>
-              </a:ext>
-            </a:extLst>
-          </p:cNvPr>
-          <p:cNvCxnSpPr>
-            <a:stCxn id="339" idx="2"/>
-            <a:endCxn id="363" idx="0"/>
-          </p:cNvCxnSpPr>
-          <p:nvPr/>
-        </p:nvCxnSpPr>
-        <p:spPr>
-          <a:xfrm rot="16200000" flipH="1">
-            <a:off x="10183543" y="2753157"/>
-            <a:ext cx="552168" cy="3941407"/>
-          </a:xfrm>
-          <a:prstGeom prst="bentConnector3">
-            <a:avLst/>
-          </a:prstGeom>
-          <a:ln>
-            <a:solidFill>
-              <a:schemeClr val="tx1"/>
-            </a:solidFill>
-          </a:ln>
-        </p:spPr>
-        <p:style>
-          <a:lnRef idx="1">
-            <a:schemeClr val="dk1"/>
-          </a:lnRef>
-          <a:fillRef idx="0">
-            <a:schemeClr val="dk1"/>
-          </a:fillRef>
-          <a:effectRef idx="0">
-            <a:schemeClr val="dk1"/>
-          </a:effectRef>
-          <a:fontRef idx="minor">
-            <a:schemeClr val="tx1"/>
-          </a:fontRef>
-        </p:style>
-      </p:cxnSp>
-      <p:sp>
-        <p:nvSpPr>
-          <p:cNvPr id="318" name="직사각형 317">
-            <a:extLst>
-              <a:ext uri="{FF2B5EF4-FFF2-40B4-BE49-F238E27FC236}">
-                <a16:creationId xmlns:a16="http://schemas.microsoft.com/office/drawing/2014/main" id="{C49D84CC-3461-4B7A-9CDC-530125A7C615}"/>
+      <p:sp>
+        <p:nvSpPr>
+          <p:cNvPr id="295" name="직사각형 294">
+            <a:extLst>
+              <a:ext uri="{FF2B5EF4-FFF2-40B4-BE49-F238E27FC236}">
+                <a16:creationId xmlns:a16="http://schemas.microsoft.com/office/drawing/2014/main" id="{CEF6F9BF-CF84-43FC-8E80-ACDA47A89BDB}"/>
               </a:ext>
             </a:extLst>
           </p:cNvPr>
@@ -9340,12 +9627,18 @@
         </p:nvSpPr>
         <p:spPr>
           <a:xfrm>
-            <a:off x="10161223" y="5419251"/>
-            <a:ext cx="1092155" cy="313361"/>
+            <a:off x="20001727" y="9063915"/>
+            <a:ext cx="1092155" cy="539909"/>
           </a:xfrm>
           <a:prstGeom prst="rect">
             <a:avLst/>
           </a:prstGeom>
+          <a:solidFill>
+            <a:schemeClr val="accent4">
+              <a:lumMod val="20000"/>
+              <a:lumOff val="80000"/>
+            </a:schemeClr>
+          </a:solidFill>
           <a:ln>
             <a:solidFill>
               <a:schemeClr val="tx1"/>
@@ -9378,7 +9671,14 @@
             <a:pPr algn="ctr"/>
             <a:r>
               <a:rPr lang="ko-KR" altLang="en-US" sz="1100" b="1" dirty="0"/>
-              <a:t>공지사항조회</a:t>
+              <a:t>게시글</a:t>
+            </a:r>
+            <a:br>
+              <a:rPr lang="en-US" altLang="ko-KR" sz="1100" b="1" dirty="0"/>
+            </a:br>
+            <a:r>
+              <a:rPr lang="ko-KR" altLang="en-US" sz="1100" b="1" dirty="0"/>
+              <a:t>상세보기</a:t>
             </a:r>
             <a:endParaRPr lang="en-US" altLang="ko-KR" sz="1100" b="1" dirty="0"/>
           </a:p>
@@ -9386,23 +9686,24 @@
       </p:sp>
       <p:cxnSp>
         <p:nvCxnSpPr>
-          <p:cNvPr id="285" name="연결선: 꺾임 284">
-            <a:extLst>
-              <a:ext uri="{FF2B5EF4-FFF2-40B4-BE49-F238E27FC236}">
-                <a16:creationId xmlns:a16="http://schemas.microsoft.com/office/drawing/2014/main" id="{4265C116-1B5F-4B9C-BFBF-E06273C47EA6}"/>
+          <p:cNvPr id="296" name="연결선: 꺾임 295">
+            <a:extLst>
+              <a:ext uri="{FF2B5EF4-FFF2-40B4-BE49-F238E27FC236}">
+                <a16:creationId xmlns:a16="http://schemas.microsoft.com/office/drawing/2014/main" id="{B55461D7-8610-4E54-B897-A5FEBC7C827B}"/>
               </a:ext>
             </a:extLst>
           </p:cNvPr>
           <p:cNvCxnSpPr>
-            <a:stCxn id="362" idx="2"/>
-            <a:endCxn id="318" idx="1"/>
+            <a:cxnSpLocks/>
+            <a:stCxn id="294" idx="2"/>
+            <a:endCxn id="295" idx="1"/>
           </p:cNvCxnSpPr>
           <p:nvPr/>
         </p:nvCxnSpPr>
         <p:spPr>
           <a:xfrm rot="16200000" flipH="1">
-            <a:off x="9938734" y="5353442"/>
-            <a:ext cx="272507" cy="172471"/>
+            <a:off x="19631027" y="8963170"/>
+            <a:ext cx="427068" cy="314331"/>
           </a:xfrm>
           <a:prstGeom prst="bentConnector2">
             <a:avLst/>
@@ -9415,13 +9716,13 @@
         </p:spPr>
         <p:style>
           <a:lnRef idx="1">
-            <a:schemeClr val="dk1"/>
+            <a:schemeClr val="accent1"/>
           </a:lnRef>
           <a:fillRef idx="0">
-            <a:schemeClr val="dk1"/>
-          </a:fillRef>
-          <a:effectRef idx="0">
-            <a:schemeClr val="dk1"/>
+            <a:schemeClr val="accent1"/>
+          </a:fillRef>
+          <a:effectRef idx="0">
+            <a:schemeClr val="accent1"/>
           </a:effectRef>
           <a:fontRef idx="minor">
             <a:schemeClr val="tx1"/>
@@ -9430,23 +9731,23 @@
       </p:cxnSp>
       <p:cxnSp>
         <p:nvCxnSpPr>
-          <p:cNvPr id="288" name="연결선: 꺾임 287">
-            <a:extLst>
-              <a:ext uri="{FF2B5EF4-FFF2-40B4-BE49-F238E27FC236}">
-                <a16:creationId xmlns:a16="http://schemas.microsoft.com/office/drawing/2014/main" id="{7EEAAF3B-1E86-4A07-8033-33D5A840E497}"/>
+          <p:cNvPr id="297" name="연결선: 꺾임 296">
+            <a:extLst>
+              <a:ext uri="{FF2B5EF4-FFF2-40B4-BE49-F238E27FC236}">
+                <a16:creationId xmlns:a16="http://schemas.microsoft.com/office/drawing/2014/main" id="{58EFCD98-DD39-4406-9DFD-89B6B5C9ADE2}"/>
               </a:ext>
             </a:extLst>
           </p:cNvPr>
           <p:cNvCxnSpPr>
-            <a:stCxn id="318" idx="2"/>
-            <a:endCxn id="155" idx="1"/>
+            <a:stCxn id="293" idx="2"/>
+            <a:endCxn id="294" idx="1"/>
           </p:cNvCxnSpPr>
           <p:nvPr/>
         </p:nvCxnSpPr>
         <p:spPr>
           <a:xfrm rot="16200000" flipH="1">
-            <a:off x="10665304" y="5774609"/>
-            <a:ext cx="285839" cy="201844"/>
+            <a:off x="18629472" y="8421294"/>
+            <a:ext cx="401085" cy="228510"/>
           </a:xfrm>
           <a:prstGeom prst="bentConnector2">
             <a:avLst/>
@@ -9459,25 +9760,345 @@
         </p:spPr>
         <p:style>
           <a:lnRef idx="1">
-            <a:schemeClr val="dk1"/>
+            <a:schemeClr val="accent1"/>
           </a:lnRef>
           <a:fillRef idx="0">
-            <a:schemeClr val="dk1"/>
-          </a:fillRef>
-          <a:effectRef idx="0">
-            <a:schemeClr val="dk1"/>
+            <a:schemeClr val="accent1"/>
+          </a:fillRef>
+          <a:effectRef idx="0">
+            <a:schemeClr val="accent1"/>
           </a:effectRef>
           <a:fontRef idx="minor">
             <a:schemeClr val="tx1"/>
           </a:fontRef>
         </p:style>
       </p:cxnSp>
-      <p:sp>
-        <p:nvSpPr>
-          <p:cNvPr id="228" name="직사각형 227">
-            <a:extLst>
-              <a:ext uri="{FF2B5EF4-FFF2-40B4-BE49-F238E27FC236}">
-                <a16:creationId xmlns:a16="http://schemas.microsoft.com/office/drawing/2014/main" id="{2BE4F5F1-5515-43F3-A943-0DDE0F9675BD}"/>
+      <p:cxnSp>
+        <p:nvCxnSpPr>
+          <p:cNvPr id="118" name="연결선: 꺾임 117">
+            <a:extLst>
+              <a:ext uri="{FF2B5EF4-FFF2-40B4-BE49-F238E27FC236}">
+                <a16:creationId xmlns:a16="http://schemas.microsoft.com/office/drawing/2014/main" id="{BD9E885D-4684-45E5-A255-2A4178EC5CA3}"/>
+              </a:ext>
+            </a:extLst>
+          </p:cNvPr>
+          <p:cNvCxnSpPr>
+            <a:stCxn id="402" idx="1"/>
+            <a:endCxn id="364" idx="2"/>
+          </p:cNvCxnSpPr>
+          <p:nvPr/>
+        </p:nvCxnSpPr>
+        <p:spPr>
+          <a:xfrm rot="10800000">
+            <a:off x="6209286" y="5301107"/>
+            <a:ext cx="206528" cy="275945"/>
+          </a:xfrm>
+          <a:prstGeom prst="bentConnector2">
+            <a:avLst/>
+          </a:prstGeom>
+          <a:ln>
+            <a:solidFill>
+              <a:schemeClr val="tx1"/>
+            </a:solidFill>
+          </a:ln>
+        </p:spPr>
+        <p:style>
+          <a:lnRef idx="1">
+            <a:schemeClr val="accent1"/>
+          </a:lnRef>
+          <a:fillRef idx="0">
+            <a:schemeClr val="accent1"/>
+          </a:fillRef>
+          <a:effectRef idx="0">
+            <a:schemeClr val="accent1"/>
+          </a:effectRef>
+          <a:fontRef idx="minor">
+            <a:schemeClr val="tx1"/>
+          </a:fontRef>
+        </p:style>
+      </p:cxnSp>
+      <p:cxnSp>
+        <p:nvCxnSpPr>
+          <p:cNvPr id="190" name="연결선: 꺾임 189">
+            <a:extLst>
+              <a:ext uri="{FF2B5EF4-FFF2-40B4-BE49-F238E27FC236}">
+                <a16:creationId xmlns:a16="http://schemas.microsoft.com/office/drawing/2014/main" id="{6A1183C9-B0B6-4E8A-9FD9-1FEEE24BCF01}"/>
+              </a:ext>
+            </a:extLst>
+          </p:cNvPr>
+          <p:cNvCxnSpPr>
+            <a:cxnSpLocks/>
+            <a:stCxn id="405" idx="1"/>
+            <a:endCxn id="364" idx="2"/>
+          </p:cNvCxnSpPr>
+          <p:nvPr/>
+        </p:nvCxnSpPr>
+        <p:spPr>
+          <a:xfrm rot="10800000">
+            <a:off x="6209286" y="5301106"/>
+            <a:ext cx="206528" cy="708572"/>
+          </a:xfrm>
+          <a:prstGeom prst="bentConnector2">
+            <a:avLst/>
+          </a:prstGeom>
+          <a:ln>
+            <a:solidFill>
+              <a:schemeClr val="tx1"/>
+            </a:solidFill>
+          </a:ln>
+        </p:spPr>
+        <p:style>
+          <a:lnRef idx="1">
+            <a:schemeClr val="accent1"/>
+          </a:lnRef>
+          <a:fillRef idx="0">
+            <a:schemeClr val="accent1"/>
+          </a:fillRef>
+          <a:effectRef idx="0">
+            <a:schemeClr val="accent1"/>
+          </a:effectRef>
+          <a:fontRef idx="minor">
+            <a:schemeClr val="tx1"/>
+          </a:fontRef>
+        </p:style>
+      </p:cxnSp>
+      <p:cxnSp>
+        <p:nvCxnSpPr>
+          <p:cNvPr id="218" name="연결선: 꺾임 217">
+            <a:extLst>
+              <a:ext uri="{FF2B5EF4-FFF2-40B4-BE49-F238E27FC236}">
+                <a16:creationId xmlns:a16="http://schemas.microsoft.com/office/drawing/2014/main" id="{9BB93CDE-6283-4DC2-99E7-4A8AD0C5B779}"/>
+              </a:ext>
+            </a:extLst>
+          </p:cNvPr>
+          <p:cNvCxnSpPr>
+            <a:cxnSpLocks/>
+            <a:stCxn id="363" idx="2"/>
+            <a:endCxn id="161" idx="1"/>
+          </p:cNvCxnSpPr>
+          <p:nvPr/>
+        </p:nvCxnSpPr>
+        <p:spPr>
+          <a:xfrm rot="16200000" flipH="1">
+            <a:off x="12375118" y="5368519"/>
+            <a:ext cx="277462" cy="167036"/>
+          </a:xfrm>
+          <a:prstGeom prst="bentConnector2">
+            <a:avLst/>
+          </a:prstGeom>
+          <a:ln>
+            <a:solidFill>
+              <a:schemeClr val="tx1"/>
+            </a:solidFill>
+          </a:ln>
+        </p:spPr>
+        <p:style>
+          <a:lnRef idx="1">
+            <a:schemeClr val="dk1"/>
+          </a:lnRef>
+          <a:fillRef idx="0">
+            <a:schemeClr val="dk1"/>
+          </a:fillRef>
+          <a:effectRef idx="0">
+            <a:schemeClr val="dk1"/>
+          </a:effectRef>
+          <a:fontRef idx="minor">
+            <a:schemeClr val="tx1"/>
+          </a:fontRef>
+        </p:style>
+      </p:cxnSp>
+      <p:cxnSp>
+        <p:nvCxnSpPr>
+          <p:cNvPr id="243" name="연결선: 꺾임 242">
+            <a:extLst>
+              <a:ext uri="{FF2B5EF4-FFF2-40B4-BE49-F238E27FC236}">
+                <a16:creationId xmlns:a16="http://schemas.microsoft.com/office/drawing/2014/main" id="{201B5692-36FE-41DA-A913-4E34CD9843DC}"/>
+              </a:ext>
+            </a:extLst>
+          </p:cNvPr>
+          <p:cNvCxnSpPr>
+            <a:cxnSpLocks/>
+            <a:stCxn id="366" idx="0"/>
+            <a:endCxn id="339" idx="2"/>
+          </p:cNvCxnSpPr>
+          <p:nvPr/>
+        </p:nvCxnSpPr>
+        <p:spPr>
+          <a:xfrm rot="16200000" flipV="1">
+            <a:off x="13745766" y="-809064"/>
+            <a:ext cx="549247" cy="11062930"/>
+          </a:xfrm>
+          <a:prstGeom prst="bentConnector3">
+            <a:avLst>
+              <a:gd name="adj1" fmla="val 50000"/>
+            </a:avLst>
+          </a:prstGeom>
+          <a:ln>
+            <a:solidFill>
+              <a:schemeClr val="tx1"/>
+            </a:solidFill>
+          </a:ln>
+        </p:spPr>
+        <p:style>
+          <a:lnRef idx="1">
+            <a:schemeClr val="dk1"/>
+          </a:lnRef>
+          <a:fillRef idx="0">
+            <a:schemeClr val="dk1"/>
+          </a:fillRef>
+          <a:effectRef idx="0">
+            <a:schemeClr val="dk1"/>
+          </a:effectRef>
+          <a:fontRef idx="minor">
+            <a:schemeClr val="tx1"/>
+          </a:fontRef>
+        </p:style>
+      </p:cxnSp>
+      <p:cxnSp>
+        <p:nvCxnSpPr>
+          <p:cNvPr id="253" name="연결선: 꺾임 252">
+            <a:extLst>
+              <a:ext uri="{FF2B5EF4-FFF2-40B4-BE49-F238E27FC236}">
+                <a16:creationId xmlns:a16="http://schemas.microsoft.com/office/drawing/2014/main" id="{7C265F89-81FF-4F93-8F14-A8BE3305078C}"/>
+              </a:ext>
+            </a:extLst>
+          </p:cNvPr>
+          <p:cNvCxnSpPr>
+            <a:cxnSpLocks/>
+            <a:stCxn id="182" idx="1"/>
+            <a:endCxn id="430" idx="2"/>
+          </p:cNvCxnSpPr>
+          <p:nvPr/>
+        </p:nvCxnSpPr>
+        <p:spPr>
+          <a:xfrm rot="10800000">
+            <a:off x="21548719" y="6657442"/>
+            <a:ext cx="231142" cy="723829"/>
+          </a:xfrm>
+          <a:prstGeom prst="bentConnector2">
+            <a:avLst/>
+          </a:prstGeom>
+          <a:ln>
+            <a:solidFill>
+              <a:schemeClr val="tx1"/>
+            </a:solidFill>
+          </a:ln>
+        </p:spPr>
+        <p:style>
+          <a:lnRef idx="1">
+            <a:schemeClr val="dk1"/>
+          </a:lnRef>
+          <a:fillRef idx="0">
+            <a:schemeClr val="dk1"/>
+          </a:fillRef>
+          <a:effectRef idx="0">
+            <a:schemeClr val="dk1"/>
+          </a:effectRef>
+          <a:fontRef idx="minor">
+            <a:schemeClr val="tx1"/>
+          </a:fontRef>
+        </p:style>
+      </p:cxnSp>
+      <p:cxnSp>
+        <p:nvCxnSpPr>
+          <p:cNvPr id="258" name="연결선: 꺾임 257">
+            <a:extLst>
+              <a:ext uri="{FF2B5EF4-FFF2-40B4-BE49-F238E27FC236}">
+                <a16:creationId xmlns:a16="http://schemas.microsoft.com/office/drawing/2014/main" id="{2B10ECAF-DAA8-4E25-96D1-C2D7B5C1C34D}"/>
+              </a:ext>
+            </a:extLst>
+          </p:cNvPr>
+          <p:cNvCxnSpPr>
+            <a:cxnSpLocks/>
+            <a:stCxn id="339" idx="2"/>
+            <a:endCxn id="293" idx="0"/>
+          </p:cNvCxnSpPr>
+          <p:nvPr/>
+        </p:nvCxnSpPr>
+        <p:spPr>
+          <a:xfrm rot="16200000" flipH="1">
+            <a:off x="11815407" y="1121293"/>
+            <a:ext cx="3573869" cy="10226835"/>
+          </a:xfrm>
+          <a:prstGeom prst="bentConnector3">
+            <a:avLst>
+              <a:gd name="adj1" fmla="val 7763"/>
+            </a:avLst>
+          </a:prstGeom>
+          <a:ln>
+            <a:solidFill>
+              <a:schemeClr val="tx1"/>
+            </a:solidFill>
+          </a:ln>
+        </p:spPr>
+        <p:style>
+          <a:lnRef idx="1">
+            <a:schemeClr val="accent1"/>
+          </a:lnRef>
+          <a:fillRef idx="0">
+            <a:schemeClr val="accent1"/>
+          </a:fillRef>
+          <a:effectRef idx="0">
+            <a:schemeClr val="accent1"/>
+          </a:effectRef>
+          <a:fontRef idx="minor">
+            <a:schemeClr val="tx1"/>
+          </a:fontRef>
+        </p:style>
+      </p:cxnSp>
+      <p:cxnSp>
+        <p:nvCxnSpPr>
+          <p:cNvPr id="273" name="연결선: 꺾임 272">
+            <a:extLst>
+              <a:ext uri="{FF2B5EF4-FFF2-40B4-BE49-F238E27FC236}">
+                <a16:creationId xmlns:a16="http://schemas.microsoft.com/office/drawing/2014/main" id="{859F235E-0E14-4732-9C83-72731AB06B58}"/>
+              </a:ext>
+            </a:extLst>
+          </p:cNvPr>
+          <p:cNvCxnSpPr>
+            <a:cxnSpLocks/>
+            <a:stCxn id="339" idx="2"/>
+            <a:endCxn id="212" idx="0"/>
+          </p:cNvCxnSpPr>
+          <p:nvPr/>
+        </p:nvCxnSpPr>
+        <p:spPr>
+          <a:xfrm rot="16200000" flipH="1">
+            <a:off x="15919421" y="-2982721"/>
+            <a:ext cx="537333" cy="15398327"/>
+          </a:xfrm>
+          <a:prstGeom prst="bentConnector3">
+            <a:avLst>
+              <a:gd name="adj1" fmla="val 50000"/>
+            </a:avLst>
+          </a:prstGeom>
+          <a:ln>
+            <a:solidFill>
+              <a:schemeClr val="tx1"/>
+            </a:solidFill>
+          </a:ln>
+        </p:spPr>
+        <p:style>
+          <a:lnRef idx="1">
+            <a:schemeClr val="accent1"/>
+          </a:lnRef>
+          <a:fillRef idx="0">
+            <a:schemeClr val="accent1"/>
+          </a:fillRef>
+          <a:effectRef idx="0">
+            <a:schemeClr val="accent1"/>
+          </a:effectRef>
+          <a:fontRef idx="minor">
+            <a:schemeClr val="tx1"/>
+          </a:fontRef>
+        </p:style>
+      </p:cxnSp>
+      <p:sp>
+        <p:nvSpPr>
+          <p:cNvPr id="148" name="직사각형 147">
+            <a:extLst>
+              <a:ext uri="{FF2B5EF4-FFF2-40B4-BE49-F238E27FC236}">
+                <a16:creationId xmlns:a16="http://schemas.microsoft.com/office/drawing/2014/main" id="{0E2253B6-4601-4260-83D6-93AEE3727197}"/>
               </a:ext>
             </a:extLst>
           </p:cNvPr>
@@ -9486,12 +10107,18 @@
         </p:nvSpPr>
         <p:spPr>
           <a:xfrm>
-            <a:off x="16831632" y="6346438"/>
-            <a:ext cx="1486254" cy="313361"/>
+            <a:off x="6819900" y="4134416"/>
+            <a:ext cx="1029884" cy="313361"/>
           </a:xfrm>
           <a:prstGeom prst="rect">
             <a:avLst/>
           </a:prstGeom>
+          <a:solidFill>
+            <a:schemeClr val="accent4">
+              <a:lumMod val="20000"/>
+              <a:lumOff val="80000"/>
+            </a:schemeClr>
+          </a:solidFill>
           <a:ln>
             <a:solidFill>
               <a:schemeClr val="tx1"/>
@@ -9524,17 +10151,25 @@
             <a:pPr algn="ctr"/>
             <a:r>
               <a:rPr lang="ko-KR" altLang="en-US" sz="1100" b="1"/>
-              <a:t>기프티콘 구매</a:t>
-            </a:r>
-          </a:p>
-        </p:txBody>
-      </p:sp>
-      <p:sp>
-        <p:nvSpPr>
-          <p:cNvPr id="229" name="직사각형 228">
-            <a:extLst>
-              <a:ext uri="{FF2B5EF4-FFF2-40B4-BE49-F238E27FC236}">
-                <a16:creationId xmlns:a16="http://schemas.microsoft.com/office/drawing/2014/main" id="{48F0F6D0-C2D0-44C2-B924-F8B1D1DF59CD}"/>
+              <a:t>비회원 </a:t>
+            </a:r>
+            <a:r>
+              <a:rPr lang="en-US" altLang="ko-KR" sz="1100" b="1" dirty="0"/>
+              <a:t>+ </a:t>
+            </a:r>
+            <a:r>
+              <a:rPr lang="ko-KR" altLang="en-US" sz="1100" b="1" dirty="0"/>
+              <a:t>회원</a:t>
+            </a:r>
+          </a:p>
+        </p:txBody>
+      </p:sp>
+      <p:sp>
+        <p:nvSpPr>
+          <p:cNvPr id="154" name="직사각형 153">
+            <a:extLst>
+              <a:ext uri="{FF2B5EF4-FFF2-40B4-BE49-F238E27FC236}">
+                <a16:creationId xmlns:a16="http://schemas.microsoft.com/office/drawing/2014/main" id="{8DF48A55-DE2B-4C2E-A46A-5AC0DA713530}"/>
               </a:ext>
             </a:extLst>
           </p:cNvPr>
@@ -9543,12 +10178,18 @@
         </p:nvSpPr>
         <p:spPr>
           <a:xfrm>
-            <a:off x="15921269" y="5887215"/>
-            <a:ext cx="1486254" cy="313361"/>
+            <a:off x="10834884" y="8135890"/>
+            <a:ext cx="1092155" cy="313361"/>
           </a:xfrm>
           <a:prstGeom prst="rect">
             <a:avLst/>
           </a:prstGeom>
+          <a:solidFill>
+            <a:schemeClr val="accent4">
+              <a:lumMod val="20000"/>
+              <a:lumOff val="80000"/>
+            </a:schemeClr>
+          </a:solidFill>
           <a:ln>
             <a:solidFill>
               <a:schemeClr val="tx1"/>
@@ -9580,254 +10221,18 @@
           <a:p>
             <a:pPr algn="ctr"/>
             <a:r>
-              <a:rPr lang="ko-KR" altLang="en-US" sz="1100" b="1" dirty="0" err="1"/>
-              <a:t>기프티콘</a:t>
-            </a:r>
-            <a:r>
               <a:rPr lang="ko-KR" altLang="en-US" sz="1100" b="1" dirty="0"/>
-              <a:t> </a:t>
-            </a:r>
-            <a:endParaRPr lang="en-US" altLang="ko-KR" sz="1100" b="1" dirty="0"/>
-          </a:p>
-          <a:p>
-            <a:pPr algn="ctr"/>
-            <a:r>
-              <a:rPr lang="ko-KR" altLang="en-US" sz="1100" b="1" dirty="0"/>
-              <a:t>상세보가</a:t>
-            </a:r>
-          </a:p>
-        </p:txBody>
-      </p:sp>
-      <p:cxnSp>
-        <p:nvCxnSpPr>
-          <p:cNvPr id="10" name="연결선: 꺾임 9">
-            <a:extLst>
-              <a:ext uri="{FF2B5EF4-FFF2-40B4-BE49-F238E27FC236}">
-                <a16:creationId xmlns:a16="http://schemas.microsoft.com/office/drawing/2014/main" id="{2FF97418-E075-4E93-A144-48EC9FA265A8}"/>
-              </a:ext>
-            </a:extLst>
-          </p:cNvPr>
-          <p:cNvCxnSpPr>
-            <a:cxnSpLocks/>
-            <a:stCxn id="422" idx="2"/>
-            <a:endCxn id="229" idx="1"/>
-          </p:cNvCxnSpPr>
-          <p:nvPr/>
-        </p:nvCxnSpPr>
-        <p:spPr>
-          <a:xfrm rot="16200000" flipH="1">
-            <a:off x="15706571" y="5829198"/>
-            <a:ext cx="276022" cy="153373"/>
-          </a:xfrm>
-          <a:prstGeom prst="bentConnector2">
-            <a:avLst/>
-          </a:prstGeom>
-          <a:ln>
-            <a:solidFill>
-              <a:schemeClr val="tx1"/>
-            </a:solidFill>
-          </a:ln>
-        </p:spPr>
-        <p:style>
-          <a:lnRef idx="1">
-            <a:schemeClr val="accent1"/>
-          </a:lnRef>
-          <a:fillRef idx="0">
-            <a:schemeClr val="accent1"/>
-          </a:fillRef>
-          <a:effectRef idx="0">
-            <a:schemeClr val="accent1"/>
-          </a:effectRef>
-          <a:fontRef idx="minor">
-            <a:schemeClr val="tx1"/>
-          </a:fontRef>
-        </p:style>
-      </p:cxnSp>
-      <p:cxnSp>
-        <p:nvCxnSpPr>
-          <p:cNvPr id="13" name="연결선: 꺾임 12">
-            <a:extLst>
-              <a:ext uri="{FF2B5EF4-FFF2-40B4-BE49-F238E27FC236}">
-                <a16:creationId xmlns:a16="http://schemas.microsoft.com/office/drawing/2014/main" id="{00F4B6EB-86A1-4BBE-9111-C483CEEFF33D}"/>
-              </a:ext>
-            </a:extLst>
-          </p:cNvPr>
-          <p:cNvCxnSpPr>
-            <a:stCxn id="229" idx="2"/>
-            <a:endCxn id="228" idx="1"/>
-          </p:cNvCxnSpPr>
-          <p:nvPr/>
-        </p:nvCxnSpPr>
-        <p:spPr>
-          <a:xfrm rot="16200000" flipH="1">
-            <a:off x="16596743" y="6268229"/>
-            <a:ext cx="302543" cy="167236"/>
-          </a:xfrm>
-          <a:prstGeom prst="bentConnector2">
-            <a:avLst/>
-          </a:prstGeom>
-          <a:ln>
-            <a:solidFill>
-              <a:schemeClr val="tx1"/>
-            </a:solidFill>
-          </a:ln>
-        </p:spPr>
-        <p:style>
-          <a:lnRef idx="1">
-            <a:schemeClr val="accent1"/>
-          </a:lnRef>
-          <a:fillRef idx="0">
-            <a:schemeClr val="accent1"/>
-          </a:fillRef>
-          <a:effectRef idx="0">
-            <a:schemeClr val="accent1"/>
-          </a:effectRef>
-          <a:fontRef idx="minor">
-            <a:schemeClr val="tx1"/>
-          </a:fontRef>
-        </p:style>
-      </p:cxnSp>
-      <p:cxnSp>
-        <p:nvCxnSpPr>
-          <p:cNvPr id="382" name="연결선: 꺾임 381">
-            <a:extLst>
-              <a:ext uri="{FF2B5EF4-FFF2-40B4-BE49-F238E27FC236}">
-                <a16:creationId xmlns:a16="http://schemas.microsoft.com/office/drawing/2014/main" id="{565A33F6-CFA2-40E8-B22A-16A9372FC3A9}"/>
-              </a:ext>
-            </a:extLst>
-          </p:cNvPr>
-          <p:cNvCxnSpPr>
-            <a:cxnSpLocks/>
-            <a:stCxn id="122" idx="3"/>
-            <a:endCxn id="4" idx="2"/>
-          </p:cNvCxnSpPr>
-          <p:nvPr/>
-        </p:nvCxnSpPr>
-        <p:spPr>
-          <a:xfrm flipV="1">
-            <a:off x="23784774" y="1236575"/>
-            <a:ext cx="2288626" cy="653665"/>
-          </a:xfrm>
-          <a:prstGeom prst="bentConnector2">
-            <a:avLst/>
-          </a:prstGeom>
-          <a:ln>
-            <a:solidFill>
-              <a:schemeClr val="tx1"/>
-            </a:solidFill>
-          </a:ln>
-        </p:spPr>
-        <p:style>
-          <a:lnRef idx="1">
-            <a:schemeClr val="accent1"/>
-          </a:lnRef>
-          <a:fillRef idx="0">
-            <a:schemeClr val="accent1"/>
-          </a:fillRef>
-          <a:effectRef idx="0">
-            <a:schemeClr val="accent1"/>
-          </a:effectRef>
-          <a:fontRef idx="minor">
-            <a:schemeClr val="tx1"/>
-          </a:fontRef>
-        </p:style>
-      </p:cxnSp>
-      <p:cxnSp>
-        <p:nvCxnSpPr>
-          <p:cNvPr id="394" name="연결선: 꺾임 393">
-            <a:extLst>
-              <a:ext uri="{FF2B5EF4-FFF2-40B4-BE49-F238E27FC236}">
-                <a16:creationId xmlns:a16="http://schemas.microsoft.com/office/drawing/2014/main" id="{A61045C8-CF35-46E2-9923-F801C6B391E0}"/>
-              </a:ext>
-            </a:extLst>
-          </p:cNvPr>
-          <p:cNvCxnSpPr>
-            <a:cxnSpLocks/>
-            <a:stCxn id="125" idx="3"/>
-            <a:endCxn id="4" idx="2"/>
-          </p:cNvCxnSpPr>
-          <p:nvPr/>
-        </p:nvCxnSpPr>
-        <p:spPr>
-          <a:xfrm flipV="1">
-            <a:off x="23775439" y="1236575"/>
-            <a:ext cx="2297961" cy="1098231"/>
-          </a:xfrm>
-          <a:prstGeom prst="bentConnector2">
-            <a:avLst/>
-          </a:prstGeom>
-          <a:ln>
-            <a:solidFill>
-              <a:schemeClr val="tx1"/>
-            </a:solidFill>
-          </a:ln>
-        </p:spPr>
-        <p:style>
-          <a:lnRef idx="1">
-            <a:schemeClr val="accent1"/>
-          </a:lnRef>
-          <a:fillRef idx="0">
-            <a:schemeClr val="accent1"/>
-          </a:fillRef>
-          <a:effectRef idx="0">
-            <a:schemeClr val="accent1"/>
-          </a:effectRef>
-          <a:fontRef idx="minor">
-            <a:schemeClr val="tx1"/>
-          </a:fontRef>
-        </p:style>
-      </p:cxnSp>
-      <p:cxnSp>
-        <p:nvCxnSpPr>
-          <p:cNvPr id="400" name="연결선: 꺾임 399">
-            <a:extLst>
-              <a:ext uri="{FF2B5EF4-FFF2-40B4-BE49-F238E27FC236}">
-                <a16:creationId xmlns:a16="http://schemas.microsoft.com/office/drawing/2014/main" id="{81A7CD86-B56E-4D5E-A1F6-5277EB8FDDBF}"/>
-              </a:ext>
-            </a:extLst>
-          </p:cNvPr>
-          <p:cNvCxnSpPr>
-            <a:cxnSpLocks/>
-            <a:stCxn id="4" idx="2"/>
-            <a:endCxn id="141" idx="3"/>
-          </p:cNvCxnSpPr>
-          <p:nvPr/>
-        </p:nvCxnSpPr>
-        <p:spPr>
-          <a:xfrm rot="5400000">
-            <a:off x="24170552" y="850797"/>
-            <a:ext cx="1517070" cy="2288626"/>
-          </a:xfrm>
-          <a:prstGeom prst="bentConnector2">
-            <a:avLst/>
-          </a:prstGeom>
-          <a:ln>
-            <a:solidFill>
-              <a:schemeClr val="tx1"/>
-            </a:solidFill>
-          </a:ln>
-        </p:spPr>
-        <p:style>
-          <a:lnRef idx="1">
-            <a:schemeClr val="accent1"/>
-          </a:lnRef>
-          <a:fillRef idx="0">
-            <a:schemeClr val="accent1"/>
-          </a:fillRef>
-          <a:effectRef idx="0">
-            <a:schemeClr val="accent1"/>
-          </a:effectRef>
-          <a:fontRef idx="minor">
-            <a:schemeClr val="tx1"/>
-          </a:fontRef>
-        </p:style>
-      </p:cxnSp>
-      <p:sp>
-        <p:nvSpPr>
-          <p:cNvPr id="293" name="직사각형 292">
-            <a:extLst>
-              <a:ext uri="{FF2B5EF4-FFF2-40B4-BE49-F238E27FC236}">
-                <a16:creationId xmlns:a16="http://schemas.microsoft.com/office/drawing/2014/main" id="{CCF0DEAA-E9B4-4D38-A565-8C0AC0303A16}"/>
+              <a:t>리뷰 게시판</a:t>
+            </a:r>
+          </a:p>
+        </p:txBody>
+      </p:sp>
+      <p:sp>
+        <p:nvSpPr>
+          <p:cNvPr id="156" name="직사각형 155">
+            <a:extLst>
+              <a:ext uri="{FF2B5EF4-FFF2-40B4-BE49-F238E27FC236}">
+                <a16:creationId xmlns:a16="http://schemas.microsoft.com/office/drawing/2014/main" id="{47E4F9EF-B73C-48FF-9015-8D5FBF99BC10}"/>
               </a:ext>
             </a:extLst>
           </p:cNvPr>
@@ -9836,12 +10241,18 @@
         </p:nvSpPr>
         <p:spPr>
           <a:xfrm>
-            <a:off x="17907649" y="8021646"/>
-            <a:ext cx="1616219" cy="313361"/>
+            <a:off x="12593507" y="9156840"/>
+            <a:ext cx="1486254" cy="313361"/>
           </a:xfrm>
           <a:prstGeom prst="rect">
             <a:avLst/>
           </a:prstGeom>
+          <a:solidFill>
+            <a:schemeClr val="accent4">
+              <a:lumMod val="20000"/>
+              <a:lumOff val="80000"/>
+            </a:schemeClr>
+          </a:solidFill>
           <a:ln>
             <a:solidFill>
               <a:schemeClr val="tx1"/>
@@ -9873,18 +10284,22 @@
           <a:p>
             <a:pPr algn="ctr"/>
             <a:r>
+              <a:rPr lang="ko-KR" altLang="en-US" sz="1100" b="1" dirty="0" err="1"/>
+              <a:t>리뷰글</a:t>
+            </a:r>
+            <a:r>
               <a:rPr lang="ko-KR" altLang="en-US" sz="1100" b="1" dirty="0"/>
-              <a:t>습득물 게시판</a:t>
-            </a:r>
-          </a:p>
-        </p:txBody>
-      </p:sp>
-      <p:sp>
-        <p:nvSpPr>
-          <p:cNvPr id="294" name="직사각형 293">
-            <a:extLst>
-              <a:ext uri="{FF2B5EF4-FFF2-40B4-BE49-F238E27FC236}">
-                <a16:creationId xmlns:a16="http://schemas.microsoft.com/office/drawing/2014/main" id="{9958C774-529E-478E-9152-9E41FFA55D25}"/>
+              <a:t> 상세보기</a:t>
+            </a:r>
+          </a:p>
+        </p:txBody>
+      </p:sp>
+      <p:sp>
+        <p:nvSpPr>
+          <p:cNvPr id="159" name="직사각형 158">
+            <a:extLst>
+              <a:ext uri="{FF2B5EF4-FFF2-40B4-BE49-F238E27FC236}">
+                <a16:creationId xmlns:a16="http://schemas.microsoft.com/office/drawing/2014/main" id="{6F0F7E12-C6E0-44B4-923D-2DD080D0F05B}"/>
               </a:ext>
             </a:extLst>
           </p:cNvPr>
@@ -9893,8 +10308,8 @@
         </p:nvSpPr>
         <p:spPr>
           <a:xfrm>
-            <a:off x="18944269" y="8565381"/>
-            <a:ext cx="1486254" cy="341421"/>
+            <a:off x="13567776" y="9596155"/>
+            <a:ext cx="1486254" cy="313361"/>
           </a:xfrm>
           <a:prstGeom prst="rect">
             <a:avLst/>
@@ -9930,19 +10345,67 @@
           <a:p>
             <a:pPr algn="ctr"/>
             <a:r>
+              <a:rPr lang="ko-KR" altLang="en-US" sz="1100" b="1" dirty="0" err="1"/>
+              <a:t>리뷰글</a:t>
+            </a:r>
+            <a:r>
               <a:rPr lang="ko-KR" altLang="en-US" sz="1100" b="1" dirty="0"/>
-              <a:t>게시글 조회</a:t>
-            </a:r>
-            <a:endParaRPr lang="en-US" altLang="ko-KR" sz="1100" b="1" dirty="0"/>
-          </a:p>
-        </p:txBody>
-      </p:sp>
-      <p:sp>
-        <p:nvSpPr>
-          <p:cNvPr id="295" name="직사각형 294">
-            <a:extLst>
-              <a:ext uri="{FF2B5EF4-FFF2-40B4-BE49-F238E27FC236}">
-                <a16:creationId xmlns:a16="http://schemas.microsoft.com/office/drawing/2014/main" id="{CEF6F9BF-CF84-43FC-8E80-ACDA47A89BDB}"/>
+              <a:t> 수정</a:t>
+            </a:r>
+          </a:p>
+        </p:txBody>
+      </p:sp>
+      <p:cxnSp>
+        <p:nvCxnSpPr>
+          <p:cNvPr id="160" name="연결선: 꺾임 159">
+            <a:extLst>
+              <a:ext uri="{FF2B5EF4-FFF2-40B4-BE49-F238E27FC236}">
+                <a16:creationId xmlns:a16="http://schemas.microsoft.com/office/drawing/2014/main" id="{6125D208-E97A-49ED-80CC-98BD74627A87}"/>
+              </a:ext>
+            </a:extLst>
+          </p:cNvPr>
+          <p:cNvCxnSpPr>
+            <a:cxnSpLocks/>
+            <a:stCxn id="159" idx="1"/>
+            <a:endCxn id="156" idx="2"/>
+          </p:cNvCxnSpPr>
+          <p:nvPr/>
+        </p:nvCxnSpPr>
+        <p:spPr>
+          <a:xfrm rot="10800000">
+            <a:off x="13336634" y="9470202"/>
+            <a:ext cx="231142" cy="282635"/>
+          </a:xfrm>
+          <a:prstGeom prst="bentConnector2">
+            <a:avLst/>
+          </a:prstGeom>
+          <a:ln>
+            <a:solidFill>
+              <a:schemeClr val="tx1"/>
+            </a:solidFill>
+          </a:ln>
+        </p:spPr>
+        <p:style>
+          <a:lnRef idx="1">
+            <a:schemeClr val="dk1"/>
+          </a:lnRef>
+          <a:fillRef idx="0">
+            <a:schemeClr val="dk1"/>
+          </a:fillRef>
+          <a:effectRef idx="0">
+            <a:schemeClr val="dk1"/>
+          </a:effectRef>
+          <a:fontRef idx="minor">
+            <a:schemeClr val="tx1"/>
+          </a:fontRef>
+        </p:style>
+      </p:cxnSp>
+      <p:sp>
+        <p:nvSpPr>
+          <p:cNvPr id="162" name="직사각형 161">
+            <a:extLst>
+              <a:ext uri="{FF2B5EF4-FFF2-40B4-BE49-F238E27FC236}">
+                <a16:creationId xmlns:a16="http://schemas.microsoft.com/office/drawing/2014/main" id="{E76F89CD-619C-4449-B8F7-45D5F124898F}"/>
               </a:ext>
             </a:extLst>
           </p:cNvPr>
@@ -9951,8 +10414,8 @@
         </p:nvSpPr>
         <p:spPr>
           <a:xfrm>
-            <a:off x="20001727" y="9063915"/>
-            <a:ext cx="1092155" cy="539909"/>
+            <a:off x="13567776" y="10037349"/>
+            <a:ext cx="1486254" cy="313361"/>
           </a:xfrm>
           <a:prstGeom prst="rect">
             <a:avLst/>
@@ -9988,40 +10451,102 @@
           <a:p>
             <a:pPr algn="ctr"/>
             <a:r>
+              <a:rPr lang="ko-KR" altLang="en-US" sz="1100" b="1" dirty="0" err="1"/>
+              <a:t>리뷰글</a:t>
+            </a:r>
+            <a:r>
               <a:rPr lang="ko-KR" altLang="en-US" sz="1100" b="1" dirty="0"/>
-              <a:t>게시글</a:t>
-            </a:r>
-            <a:br>
-              <a:rPr lang="en-US" altLang="ko-KR" sz="1100" b="1" dirty="0"/>
-            </a:br>
+              <a:t> 삭제</a:t>
+            </a:r>
+          </a:p>
+        </p:txBody>
+      </p:sp>
+      <p:sp>
+        <p:nvSpPr>
+          <p:cNvPr id="165" name="직사각형 164">
+            <a:extLst>
+              <a:ext uri="{FF2B5EF4-FFF2-40B4-BE49-F238E27FC236}">
+                <a16:creationId xmlns:a16="http://schemas.microsoft.com/office/drawing/2014/main" id="{3A720564-27B0-4919-AC53-3E8A2E5FD884}"/>
+              </a:ext>
+            </a:extLst>
+          </p:cNvPr>
+          <p:cNvSpPr/>
+          <p:nvPr/>
+        </p:nvSpPr>
+        <p:spPr>
+          <a:xfrm>
+            <a:off x="11613555" y="8717525"/>
+            <a:ext cx="1486254" cy="313361"/>
+          </a:xfrm>
+          <a:prstGeom prst="rect">
+            <a:avLst/>
+          </a:prstGeom>
+          <a:solidFill>
+            <a:schemeClr val="accent4">
+              <a:lumMod val="20000"/>
+              <a:lumOff val="80000"/>
+            </a:schemeClr>
+          </a:solidFill>
+          <a:ln>
+            <a:solidFill>
+              <a:schemeClr val="tx1"/>
+            </a:solidFill>
+          </a:ln>
+        </p:spPr>
+        <p:style>
+          <a:lnRef idx="2">
+            <a:schemeClr val="dk1"/>
+          </a:lnRef>
+          <a:fillRef idx="1">
+            <a:schemeClr val="lt1"/>
+          </a:fillRef>
+          <a:effectRef idx="0">
+            <a:schemeClr val="dk1"/>
+          </a:effectRef>
+          <a:fontRef idx="minor">
+            <a:schemeClr val="dk1"/>
+          </a:fontRef>
+        </p:style>
+        <p:txBody>
+          <a:bodyPr rot="0" spcFirstLastPara="0" vertOverflow="overflow" horzOverflow="overflow" vert="horz" wrap="square" lIns="77272" tIns="38641" rIns="77272" bIns="38641" numCol="1" spcCol="0" rtlCol="0" fromWordArt="0" anchor="ctr" anchorCtr="0" forceAA="0" compatLnSpc="1">
+            <a:prstTxWarp prst="textNoShape">
+              <a:avLst/>
+            </a:prstTxWarp>
+            <a:noAutofit/>
+          </a:bodyPr>
+          <a:lstStyle/>
+          <a:p>
+            <a:pPr algn="ctr"/>
+            <a:r>
+              <a:rPr lang="ko-KR" altLang="en-US" sz="1100" b="1" dirty="0" err="1"/>
+              <a:t>리뷰글</a:t>
+            </a:r>
             <a:r>
               <a:rPr lang="ko-KR" altLang="en-US" sz="1100" b="1" dirty="0"/>
-              <a:t>상세보기</a:t>
-            </a:r>
-            <a:endParaRPr lang="en-US" altLang="ko-KR" sz="1100" b="1" dirty="0"/>
+              <a:t> 조회</a:t>
+            </a:r>
           </a:p>
         </p:txBody>
       </p:sp>
       <p:cxnSp>
         <p:nvCxnSpPr>
-          <p:cNvPr id="296" name="연결선: 꺾임 295">
-            <a:extLst>
-              <a:ext uri="{FF2B5EF4-FFF2-40B4-BE49-F238E27FC236}">
-                <a16:creationId xmlns:a16="http://schemas.microsoft.com/office/drawing/2014/main" id="{B55461D7-8610-4E54-B897-A5FEBC7C827B}"/>
+          <p:cNvPr id="168" name="연결선: 꺾임 167">
+            <a:extLst>
+              <a:ext uri="{FF2B5EF4-FFF2-40B4-BE49-F238E27FC236}">
+                <a16:creationId xmlns:a16="http://schemas.microsoft.com/office/drawing/2014/main" id="{EEAE922B-E2FF-45F3-839C-FF97AE3082C7}"/>
               </a:ext>
             </a:extLst>
           </p:cNvPr>
           <p:cNvCxnSpPr>
-            <a:cxnSpLocks/>
-            <a:stCxn id="294" idx="2"/>
-            <a:endCxn id="295" idx="1"/>
+            <a:stCxn id="154" idx="2"/>
+            <a:endCxn id="165" idx="1"/>
           </p:cNvCxnSpPr>
           <p:nvPr/>
         </p:nvCxnSpPr>
         <p:spPr>
           <a:xfrm rot="16200000" flipH="1">
-            <a:off x="19631027" y="8963170"/>
-            <a:ext cx="427068" cy="314331"/>
+            <a:off x="11284781" y="8545431"/>
+            <a:ext cx="424955" cy="232593"/>
           </a:xfrm>
           <a:prstGeom prst="bentConnector2">
             <a:avLst/>
@@ -10034,13 +10559,13 @@
         </p:spPr>
         <p:style>
           <a:lnRef idx="1">
-            <a:schemeClr val="accent1"/>
+            <a:schemeClr val="dk1"/>
           </a:lnRef>
           <a:fillRef idx="0">
-            <a:schemeClr val="accent1"/>
-          </a:fillRef>
-          <a:effectRef idx="0">
-            <a:schemeClr val="accent1"/>
+            <a:schemeClr val="dk1"/>
+          </a:fillRef>
+          <a:effectRef idx="0">
+            <a:schemeClr val="dk1"/>
           </a:effectRef>
           <a:fontRef idx="minor">
             <a:schemeClr val="tx1"/>
@@ -10049,23 +10574,23 @@
       </p:cxnSp>
       <p:cxnSp>
         <p:nvCxnSpPr>
-          <p:cNvPr id="297" name="연결선: 꺾임 296">
-            <a:extLst>
-              <a:ext uri="{FF2B5EF4-FFF2-40B4-BE49-F238E27FC236}">
-                <a16:creationId xmlns:a16="http://schemas.microsoft.com/office/drawing/2014/main" id="{58EFCD98-DD39-4406-9DFD-89B6B5C9ADE2}"/>
+          <p:cNvPr id="169" name="연결선: 꺾임 168">
+            <a:extLst>
+              <a:ext uri="{FF2B5EF4-FFF2-40B4-BE49-F238E27FC236}">
+                <a16:creationId xmlns:a16="http://schemas.microsoft.com/office/drawing/2014/main" id="{CE6C6357-115A-426F-B08C-36DD9814A883}"/>
               </a:ext>
             </a:extLst>
           </p:cNvPr>
           <p:cNvCxnSpPr>
-            <a:stCxn id="293" idx="2"/>
-            <a:endCxn id="294" idx="1"/>
+            <a:stCxn id="165" idx="2"/>
+            <a:endCxn id="156" idx="1"/>
           </p:cNvCxnSpPr>
           <p:nvPr/>
         </p:nvCxnSpPr>
         <p:spPr>
           <a:xfrm rot="16200000" flipH="1">
-            <a:off x="18629472" y="8421294"/>
-            <a:ext cx="401085" cy="228510"/>
+            <a:off x="12333777" y="9053790"/>
+            <a:ext cx="282635" cy="236825"/>
           </a:xfrm>
           <a:prstGeom prst="bentConnector2">
             <a:avLst/>
@@ -10078,13 +10603,13 @@
         </p:spPr>
         <p:style>
           <a:lnRef idx="1">
-            <a:schemeClr val="accent1"/>
+            <a:schemeClr val="dk1"/>
           </a:lnRef>
           <a:fillRef idx="0">
-            <a:schemeClr val="accent1"/>
-          </a:fillRef>
-          <a:effectRef idx="0">
-            <a:schemeClr val="accent1"/>
+            <a:schemeClr val="dk1"/>
+          </a:fillRef>
+          <a:effectRef idx="0">
+            <a:schemeClr val="dk1"/>
           </a:effectRef>
           <a:fontRef idx="minor">
             <a:schemeClr val="tx1"/>
@@ -10093,23 +10618,416 @@
       </p:cxnSp>
       <p:cxnSp>
         <p:nvCxnSpPr>
-          <p:cNvPr id="118" name="연결선: 꺾임 117">
-            <a:extLst>
-              <a:ext uri="{FF2B5EF4-FFF2-40B4-BE49-F238E27FC236}">
-                <a16:creationId xmlns:a16="http://schemas.microsoft.com/office/drawing/2014/main" id="{BD9E885D-4684-45E5-A255-2A4178EC5CA3}"/>
+          <p:cNvPr id="170" name="연결선: 꺾임 169">
+            <a:extLst>
+              <a:ext uri="{FF2B5EF4-FFF2-40B4-BE49-F238E27FC236}">
+                <a16:creationId xmlns:a16="http://schemas.microsoft.com/office/drawing/2014/main" id="{3B41CF25-DD4F-473A-9F98-37B192618889}"/>
               </a:ext>
             </a:extLst>
           </p:cNvPr>
           <p:cNvCxnSpPr>
-            <a:stCxn id="402" idx="1"/>
-            <a:endCxn id="364" idx="2"/>
+            <a:cxnSpLocks/>
+            <a:stCxn id="162" idx="1"/>
+            <a:endCxn id="156" idx="2"/>
           </p:cNvCxnSpPr>
           <p:nvPr/>
         </p:nvCxnSpPr>
         <p:spPr>
           <a:xfrm rot="10800000">
-            <a:off x="6209286" y="5301107"/>
-            <a:ext cx="206528" cy="275945"/>
+            <a:off x="13336634" y="9470202"/>
+            <a:ext cx="231142" cy="723829"/>
+          </a:xfrm>
+          <a:prstGeom prst="bentConnector2">
+            <a:avLst/>
+          </a:prstGeom>
+          <a:ln>
+            <a:solidFill>
+              <a:schemeClr val="tx1"/>
+            </a:solidFill>
+          </a:ln>
+        </p:spPr>
+        <p:style>
+          <a:lnRef idx="1">
+            <a:schemeClr val="dk1"/>
+          </a:lnRef>
+          <a:fillRef idx="0">
+            <a:schemeClr val="dk1"/>
+          </a:fillRef>
+          <a:effectRef idx="0">
+            <a:schemeClr val="dk1"/>
+          </a:effectRef>
+          <a:fontRef idx="minor">
+            <a:schemeClr val="tx1"/>
+          </a:fontRef>
+        </p:style>
+      </p:cxnSp>
+      <p:sp>
+        <p:nvSpPr>
+          <p:cNvPr id="179" name="직사각형 178">
+            <a:extLst>
+              <a:ext uri="{FF2B5EF4-FFF2-40B4-BE49-F238E27FC236}">
+                <a16:creationId xmlns:a16="http://schemas.microsoft.com/office/drawing/2014/main" id="{E5A07691-93FB-4B61-9FDC-E751FABC4305}"/>
+              </a:ext>
+            </a:extLst>
+          </p:cNvPr>
+          <p:cNvSpPr/>
+          <p:nvPr/>
+        </p:nvSpPr>
+        <p:spPr>
+          <a:xfrm>
+            <a:off x="13567776" y="10534373"/>
+            <a:ext cx="1486254" cy="313361"/>
+          </a:xfrm>
+          <a:prstGeom prst="rect">
+            <a:avLst/>
+          </a:prstGeom>
+          <a:solidFill>
+            <a:schemeClr val="accent4">
+              <a:lumMod val="20000"/>
+              <a:lumOff val="80000"/>
+            </a:schemeClr>
+          </a:solidFill>
+          <a:ln>
+            <a:solidFill>
+              <a:schemeClr val="tx1"/>
+            </a:solidFill>
+          </a:ln>
+        </p:spPr>
+        <p:style>
+          <a:lnRef idx="2">
+            <a:schemeClr val="dk1"/>
+          </a:lnRef>
+          <a:fillRef idx="1">
+            <a:schemeClr val="lt1"/>
+          </a:fillRef>
+          <a:effectRef idx="0">
+            <a:schemeClr val="dk1"/>
+          </a:effectRef>
+          <a:fontRef idx="minor">
+            <a:schemeClr val="dk1"/>
+          </a:fontRef>
+        </p:style>
+        <p:txBody>
+          <a:bodyPr rot="0" spcFirstLastPara="0" vertOverflow="overflow" horzOverflow="overflow" vert="horz" wrap="square" lIns="77272" tIns="38641" rIns="77272" bIns="38641" numCol="1" spcCol="0" rtlCol="0" fromWordArt="0" anchor="ctr" anchorCtr="0" forceAA="0" compatLnSpc="1">
+            <a:prstTxWarp prst="textNoShape">
+              <a:avLst/>
+            </a:prstTxWarp>
+            <a:noAutofit/>
+          </a:bodyPr>
+          <a:lstStyle/>
+          <a:p>
+            <a:pPr algn="ctr"/>
+            <a:r>
+              <a:rPr lang="ko-KR" altLang="en-US" sz="1100" b="1" dirty="0"/>
+              <a:t>리뷰 댓글 조회</a:t>
+            </a:r>
+          </a:p>
+        </p:txBody>
+      </p:sp>
+      <p:sp>
+        <p:nvSpPr>
+          <p:cNvPr id="183" name="직사각형 182">
+            <a:extLst>
+              <a:ext uri="{FF2B5EF4-FFF2-40B4-BE49-F238E27FC236}">
+                <a16:creationId xmlns:a16="http://schemas.microsoft.com/office/drawing/2014/main" id="{50AC1F49-A26F-4411-B09B-5BA332A8949E}"/>
+              </a:ext>
+            </a:extLst>
+          </p:cNvPr>
+          <p:cNvSpPr/>
+          <p:nvPr/>
+        </p:nvSpPr>
+        <p:spPr>
+          <a:xfrm>
+            <a:off x="13580642" y="11015231"/>
+            <a:ext cx="1486254" cy="313361"/>
+          </a:xfrm>
+          <a:prstGeom prst="rect">
+            <a:avLst/>
+          </a:prstGeom>
+          <a:ln>
+            <a:solidFill>
+              <a:schemeClr val="tx1"/>
+            </a:solidFill>
+          </a:ln>
+        </p:spPr>
+        <p:style>
+          <a:lnRef idx="2">
+            <a:schemeClr val="dk1"/>
+          </a:lnRef>
+          <a:fillRef idx="1">
+            <a:schemeClr val="lt1"/>
+          </a:fillRef>
+          <a:effectRef idx="0">
+            <a:schemeClr val="dk1"/>
+          </a:effectRef>
+          <a:fontRef idx="minor">
+            <a:schemeClr val="dk1"/>
+          </a:fontRef>
+        </p:style>
+        <p:txBody>
+          <a:bodyPr rot="0" spcFirstLastPara="0" vertOverflow="overflow" horzOverflow="overflow" vert="horz" wrap="square" lIns="77272" tIns="38641" rIns="77272" bIns="38641" numCol="1" spcCol="0" rtlCol="0" fromWordArt="0" anchor="ctr" anchorCtr="0" forceAA="0" compatLnSpc="1">
+            <a:prstTxWarp prst="textNoShape">
+              <a:avLst/>
+            </a:prstTxWarp>
+            <a:noAutofit/>
+          </a:bodyPr>
+          <a:lstStyle/>
+          <a:p>
+            <a:pPr algn="ctr"/>
+            <a:r>
+              <a:rPr lang="ko-KR" altLang="en-US" sz="1100" b="1" dirty="0"/>
+              <a:t>리뷰 댓글 작성</a:t>
+            </a:r>
+          </a:p>
+        </p:txBody>
+      </p:sp>
+      <p:sp>
+        <p:nvSpPr>
+          <p:cNvPr id="184" name="직사각형 183">
+            <a:extLst>
+              <a:ext uri="{FF2B5EF4-FFF2-40B4-BE49-F238E27FC236}">
+                <a16:creationId xmlns:a16="http://schemas.microsoft.com/office/drawing/2014/main" id="{26A6BC34-5D9A-459A-973F-356F5046E938}"/>
+              </a:ext>
+            </a:extLst>
+          </p:cNvPr>
+          <p:cNvSpPr/>
+          <p:nvPr/>
+        </p:nvSpPr>
+        <p:spPr>
+          <a:xfrm>
+            <a:off x="13580642" y="11496089"/>
+            <a:ext cx="1486254" cy="313361"/>
+          </a:xfrm>
+          <a:prstGeom prst="rect">
+            <a:avLst/>
+          </a:prstGeom>
+          <a:ln>
+            <a:solidFill>
+              <a:schemeClr val="tx1"/>
+            </a:solidFill>
+          </a:ln>
+        </p:spPr>
+        <p:style>
+          <a:lnRef idx="2">
+            <a:schemeClr val="dk1"/>
+          </a:lnRef>
+          <a:fillRef idx="1">
+            <a:schemeClr val="lt1"/>
+          </a:fillRef>
+          <a:effectRef idx="0">
+            <a:schemeClr val="dk1"/>
+          </a:effectRef>
+          <a:fontRef idx="minor">
+            <a:schemeClr val="dk1"/>
+          </a:fontRef>
+        </p:style>
+        <p:txBody>
+          <a:bodyPr rot="0" spcFirstLastPara="0" vertOverflow="overflow" horzOverflow="overflow" vert="horz" wrap="square" lIns="77272" tIns="38641" rIns="77272" bIns="38641" numCol="1" spcCol="0" rtlCol="0" fromWordArt="0" anchor="ctr" anchorCtr="0" forceAA="0" compatLnSpc="1">
+            <a:prstTxWarp prst="textNoShape">
+              <a:avLst/>
+            </a:prstTxWarp>
+            <a:noAutofit/>
+          </a:bodyPr>
+          <a:lstStyle/>
+          <a:p>
+            <a:pPr algn="ctr"/>
+            <a:r>
+              <a:rPr lang="ko-KR" altLang="en-US" sz="1100" b="1" dirty="0"/>
+              <a:t>리뷰 댓글 수정</a:t>
+            </a:r>
+          </a:p>
+        </p:txBody>
+      </p:sp>
+      <p:sp>
+        <p:nvSpPr>
+          <p:cNvPr id="185" name="직사각형 184">
+            <a:extLst>
+              <a:ext uri="{FF2B5EF4-FFF2-40B4-BE49-F238E27FC236}">
+                <a16:creationId xmlns:a16="http://schemas.microsoft.com/office/drawing/2014/main" id="{EEA32957-AB1C-4083-9D2D-02AA40509C16}"/>
+              </a:ext>
+            </a:extLst>
+          </p:cNvPr>
+          <p:cNvSpPr/>
+          <p:nvPr/>
+        </p:nvSpPr>
+        <p:spPr>
+          <a:xfrm>
+            <a:off x="13580642" y="11984315"/>
+            <a:ext cx="1486254" cy="313361"/>
+          </a:xfrm>
+          <a:prstGeom prst="rect">
+            <a:avLst/>
+          </a:prstGeom>
+          <a:ln>
+            <a:solidFill>
+              <a:schemeClr val="tx1"/>
+            </a:solidFill>
+          </a:ln>
+        </p:spPr>
+        <p:style>
+          <a:lnRef idx="2">
+            <a:schemeClr val="dk1"/>
+          </a:lnRef>
+          <a:fillRef idx="1">
+            <a:schemeClr val="lt1"/>
+          </a:fillRef>
+          <a:effectRef idx="0">
+            <a:schemeClr val="dk1"/>
+          </a:effectRef>
+          <a:fontRef idx="minor">
+            <a:schemeClr val="dk1"/>
+          </a:fontRef>
+        </p:style>
+        <p:txBody>
+          <a:bodyPr rot="0" spcFirstLastPara="0" vertOverflow="overflow" horzOverflow="overflow" vert="horz" wrap="square" lIns="77272" tIns="38641" rIns="77272" bIns="38641" numCol="1" spcCol="0" rtlCol="0" fromWordArt="0" anchor="ctr" anchorCtr="0" forceAA="0" compatLnSpc="1">
+            <a:prstTxWarp prst="textNoShape">
+              <a:avLst/>
+            </a:prstTxWarp>
+            <a:noAutofit/>
+          </a:bodyPr>
+          <a:lstStyle/>
+          <a:p>
+            <a:pPr algn="ctr"/>
+            <a:r>
+              <a:rPr lang="ko-KR" altLang="en-US" sz="1100" b="1" dirty="0"/>
+              <a:t>리뷰 댓글 삭제</a:t>
+            </a:r>
+          </a:p>
+        </p:txBody>
+      </p:sp>
+      <p:sp>
+        <p:nvSpPr>
+          <p:cNvPr id="186" name="직사각형 185">
+            <a:extLst>
+              <a:ext uri="{FF2B5EF4-FFF2-40B4-BE49-F238E27FC236}">
+                <a16:creationId xmlns:a16="http://schemas.microsoft.com/office/drawing/2014/main" id="{71E546E2-95D9-4DD9-8C90-62E00ED96708}"/>
+              </a:ext>
+            </a:extLst>
+          </p:cNvPr>
+          <p:cNvSpPr/>
+          <p:nvPr/>
+        </p:nvSpPr>
+        <p:spPr>
+          <a:xfrm>
+            <a:off x="24985469" y="8876978"/>
+            <a:ext cx="1269722" cy="313361"/>
+          </a:xfrm>
+          <a:prstGeom prst="rect">
+            <a:avLst/>
+          </a:prstGeom>
+          <a:ln>
+            <a:solidFill>
+              <a:schemeClr val="tx1"/>
+            </a:solidFill>
+          </a:ln>
+        </p:spPr>
+        <p:style>
+          <a:lnRef idx="2">
+            <a:schemeClr val="dk1"/>
+          </a:lnRef>
+          <a:fillRef idx="1">
+            <a:schemeClr val="lt1"/>
+          </a:fillRef>
+          <a:effectRef idx="0">
+            <a:schemeClr val="dk1"/>
+          </a:effectRef>
+          <a:fontRef idx="minor">
+            <a:schemeClr val="dk1"/>
+          </a:fontRef>
+        </p:style>
+        <p:txBody>
+          <a:bodyPr rot="0" spcFirstLastPara="0" vertOverflow="overflow" horzOverflow="overflow" vert="horz" wrap="square" lIns="77272" tIns="38641" rIns="77272" bIns="38641" numCol="1" spcCol="0" rtlCol="0" fromWordArt="0" anchor="ctr" anchorCtr="0" forceAA="0" compatLnSpc="1">
+            <a:prstTxWarp prst="textNoShape">
+              <a:avLst/>
+            </a:prstTxWarp>
+            <a:noAutofit/>
+          </a:bodyPr>
+          <a:lstStyle/>
+          <a:p>
+            <a:pPr algn="ctr"/>
+            <a:r>
+              <a:rPr lang="ko-KR" altLang="en-US" sz="1100" b="1" dirty="0"/>
+              <a:t>내가 본 영화 조회</a:t>
+            </a:r>
+          </a:p>
+        </p:txBody>
+      </p:sp>
+      <p:sp>
+        <p:nvSpPr>
+          <p:cNvPr id="187" name="직사각형 186">
+            <a:extLst>
+              <a:ext uri="{FF2B5EF4-FFF2-40B4-BE49-F238E27FC236}">
+                <a16:creationId xmlns:a16="http://schemas.microsoft.com/office/drawing/2014/main" id="{201A5386-1B50-43E8-A074-B8ED0439C14C}"/>
+              </a:ext>
+            </a:extLst>
+          </p:cNvPr>
+          <p:cNvSpPr/>
+          <p:nvPr/>
+        </p:nvSpPr>
+        <p:spPr>
+          <a:xfrm>
+            <a:off x="25769158" y="9391761"/>
+            <a:ext cx="1269722" cy="313361"/>
+          </a:xfrm>
+          <a:prstGeom prst="rect">
+            <a:avLst/>
+          </a:prstGeom>
+          <a:ln>
+            <a:solidFill>
+              <a:schemeClr val="tx1"/>
+            </a:solidFill>
+          </a:ln>
+        </p:spPr>
+        <p:style>
+          <a:lnRef idx="2">
+            <a:schemeClr val="dk1"/>
+          </a:lnRef>
+          <a:fillRef idx="1">
+            <a:schemeClr val="lt1"/>
+          </a:fillRef>
+          <a:effectRef idx="0">
+            <a:schemeClr val="dk1"/>
+          </a:effectRef>
+          <a:fontRef idx="minor">
+            <a:schemeClr val="dk1"/>
+          </a:fontRef>
+        </p:style>
+        <p:txBody>
+          <a:bodyPr rot="0" spcFirstLastPara="0" vertOverflow="overflow" horzOverflow="overflow" vert="horz" wrap="square" lIns="77272" tIns="38641" rIns="77272" bIns="38641" numCol="1" spcCol="0" rtlCol="0" fromWordArt="0" anchor="ctr" anchorCtr="0" forceAA="0" compatLnSpc="1">
+            <a:prstTxWarp prst="textNoShape">
+              <a:avLst/>
+            </a:prstTxWarp>
+            <a:noAutofit/>
+          </a:bodyPr>
+          <a:lstStyle/>
+          <a:p>
+            <a:pPr algn="ctr"/>
+            <a:r>
+              <a:rPr lang="ko-KR" altLang="en-US" sz="1100" b="1" dirty="0"/>
+              <a:t>리뷰 작성</a:t>
+            </a:r>
+          </a:p>
+        </p:txBody>
+      </p:sp>
+      <p:cxnSp>
+        <p:nvCxnSpPr>
+          <p:cNvPr id="7" name="연결선: 꺾임 6">
+            <a:extLst>
+              <a:ext uri="{FF2B5EF4-FFF2-40B4-BE49-F238E27FC236}">
+                <a16:creationId xmlns:a16="http://schemas.microsoft.com/office/drawing/2014/main" id="{472F0660-E3C7-414C-8F46-A8561E0335C1}"/>
+              </a:ext>
+            </a:extLst>
+          </p:cNvPr>
+          <p:cNvCxnSpPr>
+            <a:stCxn id="167" idx="2"/>
+            <a:endCxn id="186" idx="1"/>
+          </p:cNvCxnSpPr>
+          <p:nvPr/>
+        </p:nvCxnSpPr>
+        <p:spPr>
+          <a:xfrm rot="16200000" flipH="1">
+            <a:off x="24257696" y="8305886"/>
+            <a:ext cx="1252738" cy="202807"/>
           </a:xfrm>
           <a:prstGeom prst="bentConnector2">
             <a:avLst/>
@@ -10137,24 +11055,23 @@
       </p:cxnSp>
       <p:cxnSp>
         <p:nvCxnSpPr>
-          <p:cNvPr id="190" name="연결선: 꺾임 189">
-            <a:extLst>
-              <a:ext uri="{FF2B5EF4-FFF2-40B4-BE49-F238E27FC236}">
-                <a16:creationId xmlns:a16="http://schemas.microsoft.com/office/drawing/2014/main" id="{6A1183C9-B0B6-4E8A-9FD9-1FEEE24BCF01}"/>
+          <p:cNvPr id="9" name="연결선: 꺾임 8">
+            <a:extLst>
+              <a:ext uri="{FF2B5EF4-FFF2-40B4-BE49-F238E27FC236}">
+                <a16:creationId xmlns:a16="http://schemas.microsoft.com/office/drawing/2014/main" id="{47758EF2-4435-4AE4-BFED-26A77FA516E4}"/>
               </a:ext>
             </a:extLst>
           </p:cNvPr>
           <p:cNvCxnSpPr>
-            <a:cxnSpLocks/>
-            <a:stCxn id="405" idx="1"/>
-            <a:endCxn id="364" idx="2"/>
+            <a:stCxn id="186" idx="2"/>
+            <a:endCxn id="187" idx="1"/>
           </p:cNvCxnSpPr>
           <p:nvPr/>
         </p:nvCxnSpPr>
         <p:spPr>
-          <a:xfrm rot="10800000">
-            <a:off x="6209286" y="5301106"/>
-            <a:ext cx="206528" cy="708572"/>
+          <a:xfrm rot="16200000" flipH="1">
+            <a:off x="25515693" y="9294976"/>
+            <a:ext cx="358103" cy="148828"/>
           </a:xfrm>
           <a:prstGeom prst="bentConnector2">
             <a:avLst/>
@@ -10182,24 +11099,24 @@
       </p:cxnSp>
       <p:cxnSp>
         <p:nvCxnSpPr>
-          <p:cNvPr id="203" name="연결선: 꺾임 202">
-            <a:extLst>
-              <a:ext uri="{FF2B5EF4-FFF2-40B4-BE49-F238E27FC236}">
-                <a16:creationId xmlns:a16="http://schemas.microsoft.com/office/drawing/2014/main" id="{BC13C9BC-D8C6-4807-A8A0-7064994C3066}"/>
+          <p:cNvPr id="12" name="연결선: 꺾임 11">
+            <a:extLst>
+              <a:ext uri="{FF2B5EF4-FFF2-40B4-BE49-F238E27FC236}">
+                <a16:creationId xmlns:a16="http://schemas.microsoft.com/office/drawing/2014/main" id="{060B8DBA-5C49-42A0-A124-CF3ADD81D65C}"/>
               </a:ext>
             </a:extLst>
           </p:cNvPr>
           <p:cNvCxnSpPr>
             <a:cxnSpLocks/>
-            <a:stCxn id="138" idx="1"/>
-            <a:endCxn id="410" idx="2"/>
+            <a:stCxn id="156" idx="2"/>
+            <a:endCxn id="179" idx="1"/>
           </p:cNvCxnSpPr>
           <p:nvPr/>
         </p:nvCxnSpPr>
         <p:spPr>
-          <a:xfrm rot="10800000">
-            <a:off x="9067251" y="7108665"/>
-            <a:ext cx="225644" cy="302577"/>
+          <a:xfrm rot="16200000" flipH="1">
+            <a:off x="12841779" y="9965056"/>
+            <a:ext cx="1220853" cy="231142"/>
           </a:xfrm>
           <a:prstGeom prst="bentConnector2">
             <a:avLst/>
@@ -10212,13 +11129,13 @@
         </p:spPr>
         <p:style>
           <a:lnRef idx="1">
-            <a:schemeClr val="dk1"/>
+            <a:schemeClr val="accent1"/>
           </a:lnRef>
           <a:fillRef idx="0">
-            <a:schemeClr val="dk1"/>
-          </a:fillRef>
-          <a:effectRef idx="0">
-            <a:schemeClr val="dk1"/>
+            <a:schemeClr val="accent1"/>
+          </a:fillRef>
+          <a:effectRef idx="0">
+            <a:schemeClr val="accent1"/>
           </a:effectRef>
           <a:fontRef idx="minor">
             <a:schemeClr val="tx1"/>
@@ -10227,24 +11144,23 @@
       </p:cxnSp>
       <p:cxnSp>
         <p:nvCxnSpPr>
-          <p:cNvPr id="218" name="연결선: 꺾임 217">
-            <a:extLst>
-              <a:ext uri="{FF2B5EF4-FFF2-40B4-BE49-F238E27FC236}">
-                <a16:creationId xmlns:a16="http://schemas.microsoft.com/office/drawing/2014/main" id="{9BB93CDE-6283-4DC2-99E7-4A8AD0C5B779}"/>
+          <p:cNvPr id="16" name="연결선: 꺾임 15">
+            <a:extLst>
+              <a:ext uri="{FF2B5EF4-FFF2-40B4-BE49-F238E27FC236}">
+                <a16:creationId xmlns:a16="http://schemas.microsoft.com/office/drawing/2014/main" id="{90B3724C-28D7-4438-8AE1-E67301EE841E}"/>
               </a:ext>
             </a:extLst>
           </p:cNvPr>
           <p:cNvCxnSpPr>
-            <a:cxnSpLocks/>
-            <a:stCxn id="363" idx="2"/>
-            <a:endCxn id="161" idx="1"/>
+            <a:stCxn id="156" idx="2"/>
+            <a:endCxn id="183" idx="1"/>
           </p:cNvCxnSpPr>
           <p:nvPr/>
         </p:nvCxnSpPr>
         <p:spPr>
           <a:xfrm rot="16200000" flipH="1">
-            <a:off x="12375118" y="5368519"/>
-            <a:ext cx="277462" cy="167036"/>
+            <a:off x="12607783" y="10199052"/>
+            <a:ext cx="1701711" cy="244008"/>
           </a:xfrm>
           <a:prstGeom prst="bentConnector2">
             <a:avLst/>
@@ -10257,13 +11173,13 @@
         </p:spPr>
         <p:style>
           <a:lnRef idx="1">
-            <a:schemeClr val="dk1"/>
+            <a:schemeClr val="accent1"/>
           </a:lnRef>
           <a:fillRef idx="0">
-            <a:schemeClr val="dk1"/>
-          </a:fillRef>
-          <a:effectRef idx="0">
-            <a:schemeClr val="dk1"/>
+            <a:schemeClr val="accent1"/>
+          </a:fillRef>
+          <a:effectRef idx="0">
+            <a:schemeClr val="accent1"/>
           </a:effectRef>
           <a:fontRef idx="minor">
             <a:schemeClr val="tx1"/>
@@ -10272,29 +11188,26 @@
       </p:cxnSp>
       <p:cxnSp>
         <p:nvCxnSpPr>
-          <p:cNvPr id="243" name="연결선: 꺾임 242">
-            <a:extLst>
-              <a:ext uri="{FF2B5EF4-FFF2-40B4-BE49-F238E27FC236}">
-                <a16:creationId xmlns:a16="http://schemas.microsoft.com/office/drawing/2014/main" id="{201B5692-36FE-41DA-A913-4E34CD9843DC}"/>
+          <p:cNvPr id="19" name="연결선: 꺾임 18">
+            <a:extLst>
+              <a:ext uri="{FF2B5EF4-FFF2-40B4-BE49-F238E27FC236}">
+                <a16:creationId xmlns:a16="http://schemas.microsoft.com/office/drawing/2014/main" id="{2B59759B-A23D-434D-B2AC-230A84B04B90}"/>
               </a:ext>
             </a:extLst>
           </p:cNvPr>
           <p:cNvCxnSpPr>
-            <a:cxnSpLocks/>
-            <a:stCxn id="366" idx="0"/>
-            <a:endCxn id="339" idx="2"/>
+            <a:stCxn id="156" idx="2"/>
+            <a:endCxn id="184" idx="1"/>
           </p:cNvCxnSpPr>
           <p:nvPr/>
         </p:nvCxnSpPr>
         <p:spPr>
-          <a:xfrm rot="16200000" flipV="1">
-            <a:off x="13745766" y="-809064"/>
-            <a:ext cx="549247" cy="11062930"/>
-          </a:xfrm>
-          <a:prstGeom prst="bentConnector3">
-            <a:avLst>
-              <a:gd name="adj1" fmla="val 50000"/>
-            </a:avLst>
+          <a:xfrm rot="16200000" flipH="1">
+            <a:off x="12367354" y="10439481"/>
+            <a:ext cx="2182569" cy="244008"/>
+          </a:xfrm>
+          <a:prstGeom prst="bentConnector2">
+            <a:avLst/>
           </a:prstGeom>
           <a:ln>
             <a:solidFill>
@@ -10304,13 +11217,13 @@
         </p:spPr>
         <p:style>
           <a:lnRef idx="1">
-            <a:schemeClr val="dk1"/>
+            <a:schemeClr val="accent1"/>
           </a:lnRef>
           <a:fillRef idx="0">
-            <a:schemeClr val="dk1"/>
-          </a:fillRef>
-          <a:effectRef idx="0">
-            <a:schemeClr val="dk1"/>
+            <a:schemeClr val="accent1"/>
+          </a:fillRef>
+          <a:effectRef idx="0">
+            <a:schemeClr val="accent1"/>
           </a:effectRef>
           <a:fontRef idx="minor">
             <a:schemeClr val="tx1"/>
@@ -10319,24 +11232,23 @@
       </p:cxnSp>
       <p:cxnSp>
         <p:nvCxnSpPr>
-          <p:cNvPr id="253" name="연결선: 꺾임 252">
-            <a:extLst>
-              <a:ext uri="{FF2B5EF4-FFF2-40B4-BE49-F238E27FC236}">
-                <a16:creationId xmlns:a16="http://schemas.microsoft.com/office/drawing/2014/main" id="{7C265F89-81FF-4F93-8F14-A8BE3305078C}"/>
+          <p:cNvPr id="21" name="연결선: 꺾임 20">
+            <a:extLst>
+              <a:ext uri="{FF2B5EF4-FFF2-40B4-BE49-F238E27FC236}">
+                <a16:creationId xmlns:a16="http://schemas.microsoft.com/office/drawing/2014/main" id="{E83C1998-AF28-47DF-B476-BD36AE5D6707}"/>
               </a:ext>
             </a:extLst>
           </p:cNvPr>
           <p:cNvCxnSpPr>
-            <a:cxnSpLocks/>
-            <a:stCxn id="182" idx="1"/>
-            <a:endCxn id="430" idx="2"/>
+            <a:stCxn id="156" idx="2"/>
+            <a:endCxn id="185" idx="1"/>
           </p:cNvCxnSpPr>
           <p:nvPr/>
         </p:nvCxnSpPr>
         <p:spPr>
-          <a:xfrm rot="10800000">
-            <a:off x="21548719" y="6657442"/>
-            <a:ext cx="231142" cy="723829"/>
+          <a:xfrm rot="16200000" flipH="1">
+            <a:off x="12123241" y="10683594"/>
+            <a:ext cx="2670795" cy="244008"/>
           </a:xfrm>
           <a:prstGeom prst="bentConnector2">
             <a:avLst/>
@@ -10349,13 +11261,13 @@
         </p:spPr>
         <p:style>
           <a:lnRef idx="1">
-            <a:schemeClr val="dk1"/>
+            <a:schemeClr val="accent1"/>
           </a:lnRef>
           <a:fillRef idx="0">
-            <a:schemeClr val="dk1"/>
-          </a:fillRef>
-          <a:effectRef idx="0">
-            <a:schemeClr val="dk1"/>
+            <a:schemeClr val="accent1"/>
+          </a:fillRef>
+          <a:effectRef idx="0">
+            <a:schemeClr val="accent1"/>
           </a:effectRef>
           <a:fontRef idx="minor">
             <a:schemeClr val="tx1"/>
@@ -10364,75 +11276,27 @@
       </p:cxnSp>
       <p:cxnSp>
         <p:nvCxnSpPr>
-          <p:cNvPr id="258" name="연결선: 꺾임 257">
-            <a:extLst>
-              <a:ext uri="{FF2B5EF4-FFF2-40B4-BE49-F238E27FC236}">
-                <a16:creationId xmlns:a16="http://schemas.microsoft.com/office/drawing/2014/main" id="{2B10ECAF-DAA8-4E25-96D1-C2D7B5C1C34D}"/>
+          <p:cNvPr id="99" name="연결선: 꺾임 98">
+            <a:extLst>
+              <a:ext uri="{FF2B5EF4-FFF2-40B4-BE49-F238E27FC236}">
+                <a16:creationId xmlns:a16="http://schemas.microsoft.com/office/drawing/2014/main" id="{7E68421F-ABDA-4F0B-B89D-4D18E1A11B0F}"/>
               </a:ext>
             </a:extLst>
           </p:cNvPr>
           <p:cNvCxnSpPr>
-            <a:cxnSpLocks/>
             <a:stCxn id="339" idx="2"/>
-            <a:endCxn id="293" idx="0"/>
+            <a:endCxn id="154" idx="0"/>
           </p:cNvCxnSpPr>
           <p:nvPr/>
         </p:nvCxnSpPr>
         <p:spPr>
           <a:xfrm rot="16200000" flipH="1">
-            <a:off x="11815407" y="1121293"/>
-            <a:ext cx="3573869" cy="10226835"/>
+            <a:off x="8090887" y="4845814"/>
+            <a:ext cx="3688113" cy="2892038"/>
           </a:xfrm>
           <a:prstGeom prst="bentConnector3">
             <a:avLst>
-              <a:gd name="adj1" fmla="val 7763"/>
-            </a:avLst>
-          </a:prstGeom>
-          <a:ln>
-            <a:solidFill>
-              <a:schemeClr val="tx1"/>
-            </a:solidFill>
-          </a:ln>
-        </p:spPr>
-        <p:style>
-          <a:lnRef idx="1">
-            <a:schemeClr val="accent1"/>
-          </a:lnRef>
-          <a:fillRef idx="0">
-            <a:schemeClr val="accent1"/>
-          </a:fillRef>
-          <a:effectRef idx="0">
-            <a:schemeClr val="accent1"/>
-          </a:effectRef>
-          <a:fontRef idx="minor">
-            <a:schemeClr val="tx1"/>
-          </a:fontRef>
-        </p:style>
-      </p:cxnSp>
-      <p:cxnSp>
-        <p:nvCxnSpPr>
-          <p:cNvPr id="273" name="연결선: 꺾임 272">
-            <a:extLst>
-              <a:ext uri="{FF2B5EF4-FFF2-40B4-BE49-F238E27FC236}">
-                <a16:creationId xmlns:a16="http://schemas.microsoft.com/office/drawing/2014/main" id="{859F235E-0E14-4732-9C83-72731AB06B58}"/>
-              </a:ext>
-            </a:extLst>
-          </p:cNvPr>
-          <p:cNvCxnSpPr>
-            <a:cxnSpLocks/>
-            <a:stCxn id="339" idx="2"/>
-            <a:endCxn id="212" idx="0"/>
-          </p:cNvCxnSpPr>
-          <p:nvPr/>
-        </p:nvCxnSpPr>
-        <p:spPr>
-          <a:xfrm rot="16200000" flipH="1">
-            <a:off x="15919421" y="-2982721"/>
-            <a:ext cx="537333" cy="15398327"/>
-          </a:xfrm>
-          <a:prstGeom prst="bentConnector3">
-            <a:avLst>
-              <a:gd name="adj1" fmla="val 50000"/>
+              <a:gd name="adj1" fmla="val 7645"/>
             </a:avLst>
           </a:prstGeom>
           <a:ln>

--- a/2조 멀티플렉스 영화관 관리 시스템 메뉴구조도.pptx
+++ b/2조 멀티플렉스 영화관 관리 시스템 메뉴구조도.pptx
@@ -4392,7 +4392,7 @@
         </p:nvSpPr>
         <p:spPr>
           <a:xfrm>
-            <a:off x="7349856" y="6325261"/>
+            <a:off x="7331369" y="7069199"/>
             <a:ext cx="1486254" cy="444374"/>
           </a:xfrm>
           <a:prstGeom prst="rect">
@@ -4472,7 +4472,7 @@
         </p:nvSpPr>
         <p:spPr>
           <a:xfrm>
-            <a:off x="8335290" y="6877768"/>
+            <a:off x="8262811" y="7715896"/>
             <a:ext cx="1486254" cy="313361"/>
           </a:xfrm>
           <a:prstGeom prst="rect">
@@ -4533,8 +4533,8 @@
         </p:nvCxnSpPr>
         <p:spPr>
           <a:xfrm rot="10800000">
-            <a:off x="8092984" y="6769635"/>
-            <a:ext cx="242307" cy="264814"/>
+            <a:off x="8074497" y="7513573"/>
+            <a:ext cx="188315" cy="359004"/>
           </a:xfrm>
           <a:prstGeom prst="bentConnector2">
             <a:avLst/>
@@ -4578,8 +4578,8 @@
         </p:nvCxnSpPr>
         <p:spPr>
           <a:xfrm rot="10800000">
-            <a:off x="7158942" y="6166358"/>
-            <a:ext cx="190915" cy="381090"/>
+            <a:off x="7158941" y="6166358"/>
+            <a:ext cx="172428" cy="1125028"/>
           </a:xfrm>
           <a:prstGeom prst="bentConnector2">
             <a:avLst/>
@@ -13217,7 +13217,7 @@
         </p:nvSpPr>
         <p:spPr>
           <a:xfrm>
-            <a:off x="36108285" y="7883315"/>
+            <a:off x="36942621" y="9713806"/>
             <a:ext cx="1616219" cy="313361"/>
           </a:xfrm>
           <a:prstGeom prst="rect">
@@ -14884,7 +14884,7 @@
         </p:nvSpPr>
         <p:spPr>
           <a:xfrm>
-            <a:off x="37862350" y="9241349"/>
+            <a:off x="38696686" y="11071840"/>
             <a:ext cx="1092155" cy="414514"/>
           </a:xfrm>
           <a:prstGeom prst="rect">
@@ -14949,7 +14949,7 @@
         </p:nvSpPr>
         <p:spPr>
           <a:xfrm>
-            <a:off x="37091400" y="8804435"/>
+            <a:off x="37925736" y="10634926"/>
             <a:ext cx="1092155" cy="313361"/>
           </a:xfrm>
           <a:prstGeom prst="rect">
@@ -15012,7 +15012,7 @@
         </p:nvCxnSpPr>
         <p:spPr>
           <a:xfrm rot="16200000" flipH="1">
-            <a:off x="36621677" y="8491393"/>
+            <a:off x="37456013" y="10321884"/>
             <a:ext cx="764440" cy="175005"/>
           </a:xfrm>
           <a:prstGeom prst="bentConnector2">
@@ -15057,7 +15057,7 @@
         </p:nvCxnSpPr>
         <p:spPr>
           <a:xfrm rot="16200000" flipH="1">
-            <a:off x="37584509" y="9170765"/>
+            <a:off x="38418845" y="11001256"/>
             <a:ext cx="330810" cy="224872"/>
           </a:xfrm>
           <a:prstGeom prst="bentConnector2">
@@ -15098,7 +15098,7 @@
         </p:nvSpPr>
         <p:spPr>
           <a:xfrm>
-            <a:off x="37091400" y="8376134"/>
+            <a:off x="37925736" y="10206625"/>
             <a:ext cx="1092155" cy="313361"/>
           </a:xfrm>
           <a:prstGeom prst="rect">
@@ -15161,7 +15161,7 @@
         </p:nvCxnSpPr>
         <p:spPr>
           <a:xfrm rot="16200000" flipH="1">
-            <a:off x="36835828" y="8277242"/>
+            <a:off x="37670164" y="10107733"/>
             <a:ext cx="336139" cy="175005"/>
           </a:xfrm>
           <a:prstGeom prst="bentConnector2">
@@ -15202,7 +15202,7 @@
         </p:nvSpPr>
         <p:spPr>
           <a:xfrm>
-            <a:off x="38567182" y="10239082"/>
+            <a:off x="39401518" y="12069573"/>
             <a:ext cx="1092155" cy="313361"/>
           </a:xfrm>
           <a:prstGeom prst="rect">
@@ -15261,7 +15261,7 @@
         </p:nvSpPr>
         <p:spPr>
           <a:xfrm>
-            <a:off x="38567182" y="9822571"/>
+            <a:off x="39401518" y="11653062"/>
             <a:ext cx="1092155" cy="313361"/>
           </a:xfrm>
           <a:prstGeom prst="rect">
@@ -15323,7 +15323,7 @@
         </p:nvCxnSpPr>
         <p:spPr>
           <a:xfrm rot="16200000" flipH="1">
-            <a:off x="38326111" y="9738180"/>
+            <a:off x="39160447" y="11568671"/>
             <a:ext cx="323389" cy="158754"/>
           </a:xfrm>
           <a:prstGeom prst="bentConnector2">
@@ -15367,7 +15367,7 @@
         </p:nvCxnSpPr>
         <p:spPr>
           <a:xfrm rot="16200000" flipH="1">
-            <a:off x="38117855" y="9946436"/>
+            <a:off x="38952191" y="11776927"/>
             <a:ext cx="739900" cy="158754"/>
           </a:xfrm>
           <a:prstGeom prst="bentConnector2">
@@ -15465,7 +15465,7 @@
         </p:nvSpPr>
         <p:spPr>
           <a:xfrm>
-            <a:off x="44296751" y="2291714"/>
+            <a:off x="46846893" y="2234471"/>
             <a:ext cx="1269722" cy="313361"/>
           </a:xfrm>
           <a:prstGeom prst="rect">
@@ -15529,8 +15529,8 @@
         </p:nvCxnSpPr>
         <p:spPr>
           <a:xfrm rot="16200000" flipH="1">
-            <a:off x="44031341" y="2182985"/>
-            <a:ext cx="270270" cy="260550"/>
+            <a:off x="45335034" y="879292"/>
+            <a:ext cx="213027" cy="2810692"/>
           </a:xfrm>
           <a:prstGeom prst="bentConnector2">
             <a:avLst/>
@@ -15570,7 +15570,7 @@
         </p:nvSpPr>
         <p:spPr>
           <a:xfrm>
-            <a:off x="45187522" y="2767289"/>
+            <a:off x="47737664" y="2710046"/>
             <a:ext cx="1269722" cy="313361"/>
           </a:xfrm>
           <a:prstGeom prst="rect">
@@ -15627,7 +15627,7 @@
         </p:nvSpPr>
         <p:spPr>
           <a:xfrm>
-            <a:off x="46051010" y="3184818"/>
+            <a:off x="48601152" y="3127575"/>
             <a:ext cx="1269722" cy="313361"/>
           </a:xfrm>
           <a:prstGeom prst="rect">
@@ -15687,7 +15687,7 @@
         </p:nvCxnSpPr>
         <p:spPr>
           <a:xfrm rot="16200000" flipH="1">
-            <a:off x="45806272" y="3096760"/>
+            <a:off x="48356414" y="3039517"/>
             <a:ext cx="260849" cy="228627"/>
           </a:xfrm>
           <a:prstGeom prst="bentConnector2">
@@ -15728,7 +15728,7 @@
         </p:nvSpPr>
         <p:spPr>
           <a:xfrm>
-            <a:off x="46888487" y="3597178"/>
+            <a:off x="49438629" y="3539935"/>
             <a:ext cx="1269722" cy="313361"/>
           </a:xfrm>
           <a:prstGeom prst="rect">
@@ -15794,7 +15794,7 @@
         </p:nvCxnSpPr>
         <p:spPr>
           <a:xfrm rot="16200000" flipH="1">
-            <a:off x="46659339" y="3524711"/>
+            <a:off x="49209481" y="3467468"/>
             <a:ext cx="255680" cy="202616"/>
           </a:xfrm>
           <a:prstGeom prst="bentConnector2">
@@ -15835,7 +15835,7 @@
         </p:nvSpPr>
         <p:spPr>
           <a:xfrm>
-            <a:off x="44296751" y="4347214"/>
+            <a:off x="44374421" y="2878368"/>
             <a:ext cx="1269722" cy="313361"/>
           </a:xfrm>
           <a:prstGeom prst="rect">
@@ -15896,7 +15896,7 @@
         <p:spPr>
           <a:xfrm rot="10800000">
             <a:off x="44036201" y="2178125"/>
-            <a:ext cx="260550" cy="2325770"/>
+            <a:ext cx="338220" cy="856924"/>
           </a:xfrm>
           <a:prstGeom prst="bentConnector2">
             <a:avLst/>
@@ -15936,7 +15936,7 @@
         </p:nvSpPr>
         <p:spPr>
           <a:xfrm>
-            <a:off x="44296751" y="7146638"/>
+            <a:off x="45477083" y="6338698"/>
             <a:ext cx="1269722" cy="313361"/>
           </a:xfrm>
           <a:prstGeom prst="rect">
@@ -15993,7 +15993,7 @@
         </p:nvSpPr>
         <p:spPr>
           <a:xfrm>
-            <a:off x="44296752" y="9936470"/>
+            <a:off x="44497316" y="9020788"/>
             <a:ext cx="1269722" cy="313361"/>
           </a:xfrm>
           <a:prstGeom prst="rect">
@@ -16054,7 +16054,7 @@
         </p:nvSpPr>
         <p:spPr>
           <a:xfrm>
-            <a:off x="44328158" y="12799121"/>
+            <a:off x="44406793" y="12115312"/>
             <a:ext cx="1269722" cy="313361"/>
           </a:xfrm>
           <a:prstGeom prst="rect">
@@ -16111,7 +16111,7 @@
         </p:nvSpPr>
         <p:spPr>
           <a:xfrm>
-            <a:off x="45192591" y="5275563"/>
+            <a:off x="45270261" y="3806717"/>
             <a:ext cx="1269722" cy="313361"/>
           </a:xfrm>
           <a:prstGeom prst="rect">
@@ -16171,7 +16171,7 @@
         </p:nvCxnSpPr>
         <p:spPr>
           <a:xfrm rot="16200000" flipH="1">
-            <a:off x="44676267" y="4915919"/>
+            <a:off x="44753937" y="3447073"/>
             <a:ext cx="771669" cy="260979"/>
           </a:xfrm>
           <a:prstGeom prst="bentConnector2">
@@ -16212,7 +16212,7 @@
         </p:nvSpPr>
         <p:spPr>
           <a:xfrm>
-            <a:off x="45991633" y="8501156"/>
+            <a:off x="47171965" y="7693216"/>
             <a:ext cx="1269722" cy="313361"/>
           </a:xfrm>
           <a:prstGeom prst="rect">
@@ -16269,7 +16269,7 @@
         </p:nvSpPr>
         <p:spPr>
           <a:xfrm>
-            <a:off x="46856709" y="8961547"/>
+            <a:off x="48037041" y="8153607"/>
             <a:ext cx="1269722" cy="313361"/>
           </a:xfrm>
           <a:prstGeom prst="rect">
@@ -16326,7 +16326,7 @@
         </p:nvSpPr>
         <p:spPr>
           <a:xfrm>
-            <a:off x="46855121" y="9422185"/>
+            <a:off x="48035453" y="8614245"/>
             <a:ext cx="1269722" cy="313361"/>
           </a:xfrm>
           <a:prstGeom prst="rect">
@@ -16387,7 +16387,7 @@
         </p:nvCxnSpPr>
         <p:spPr>
           <a:xfrm rot="16200000" flipH="1">
-            <a:off x="44682137" y="7709474"/>
+            <a:off x="45862469" y="6901534"/>
             <a:ext cx="746741" cy="247790"/>
           </a:xfrm>
           <a:prstGeom prst="bentConnector2">
@@ -16431,7 +16431,7 @@
         </p:nvCxnSpPr>
         <p:spPr>
           <a:xfrm rot="16200000" flipH="1">
-            <a:off x="46589746" y="8851264"/>
+            <a:off x="47770078" y="8043324"/>
             <a:ext cx="303711" cy="230215"/>
           </a:xfrm>
           <a:prstGeom prst="bentConnector2">
@@ -16475,7 +16475,7 @@
         </p:nvCxnSpPr>
         <p:spPr>
           <a:xfrm rot="16200000" flipH="1">
-            <a:off x="46358633" y="9082377"/>
+            <a:off x="47538965" y="8274437"/>
             <a:ext cx="764349" cy="228627"/>
           </a:xfrm>
           <a:prstGeom prst="bentConnector2">
@@ -16516,7 +16516,7 @@
         </p:nvSpPr>
         <p:spPr>
           <a:xfrm>
-            <a:off x="45958135" y="11279464"/>
+            <a:off x="46158699" y="10363782"/>
             <a:ext cx="1269722" cy="370276"/>
           </a:xfrm>
           <a:prstGeom prst="rect">
@@ -16580,7 +16580,7 @@
         </p:nvSpPr>
         <p:spPr>
           <a:xfrm>
-            <a:off x="46821623" y="11787365"/>
+            <a:off x="47022187" y="10871683"/>
             <a:ext cx="1269722" cy="313361"/>
           </a:xfrm>
           <a:prstGeom prst="rect">
@@ -16627,12 +16627,147 @@
           </a:p>
         </p:txBody>
       </p:sp>
-      <p:sp>
-        <p:nvSpPr>
-          <p:cNvPr id="646" name="직사각형 645">
-            <a:extLst>
-              <a:ext uri="{FF2B5EF4-FFF2-40B4-BE49-F238E27FC236}">
-                <a16:creationId xmlns:a16="http://schemas.microsoft.com/office/drawing/2014/main" id="{BCCBFD0F-001C-487E-A1F3-771674EE79DD}"/>
+      <p:cxnSp>
+        <p:nvCxnSpPr>
+          <p:cNvPr id="647" name="연결선: 꺾임 646">
+            <a:extLst>
+              <a:ext uri="{FF2B5EF4-FFF2-40B4-BE49-F238E27FC236}">
+                <a16:creationId xmlns:a16="http://schemas.microsoft.com/office/drawing/2014/main" id="{CF252D9E-57AF-4CB6-8BC2-6F0F18271A11}"/>
+              </a:ext>
+            </a:extLst>
+          </p:cNvPr>
+          <p:cNvCxnSpPr>
+            <a:cxnSpLocks/>
+            <a:stCxn id="644" idx="2"/>
+            <a:endCxn id="645" idx="1"/>
+          </p:cNvCxnSpPr>
+          <p:nvPr/>
+        </p:nvCxnSpPr>
+        <p:spPr>
+          <a:xfrm rot="16200000" flipH="1">
+            <a:off x="46760720" y="10766897"/>
+            <a:ext cx="294306" cy="228627"/>
+          </a:xfrm>
+          <a:prstGeom prst="bentConnector2">
+            <a:avLst/>
+          </a:prstGeom>
+          <a:ln>
+            <a:solidFill>
+              <a:schemeClr val="tx1"/>
+            </a:solidFill>
+          </a:ln>
+        </p:spPr>
+        <p:style>
+          <a:lnRef idx="1">
+            <a:schemeClr val="dk1"/>
+          </a:lnRef>
+          <a:fillRef idx="0">
+            <a:schemeClr val="dk1"/>
+          </a:fillRef>
+          <a:effectRef idx="0">
+            <a:schemeClr val="dk1"/>
+          </a:effectRef>
+          <a:fontRef idx="minor">
+            <a:schemeClr val="tx1"/>
+          </a:fontRef>
+        </p:style>
+      </p:cxnSp>
+      <p:cxnSp>
+        <p:nvCxnSpPr>
+          <p:cNvPr id="648" name="연결선: 꺾임 647">
+            <a:extLst>
+              <a:ext uri="{FF2B5EF4-FFF2-40B4-BE49-F238E27FC236}">
+                <a16:creationId xmlns:a16="http://schemas.microsoft.com/office/drawing/2014/main" id="{D16F7ED7-C6B5-4158-8AE7-FCC63AAD0779}"/>
+              </a:ext>
+            </a:extLst>
+          </p:cNvPr>
+          <p:cNvCxnSpPr>
+            <a:cxnSpLocks/>
+            <a:stCxn id="644" idx="2"/>
+            <a:endCxn id="460" idx="1"/>
+          </p:cNvCxnSpPr>
+          <p:nvPr/>
+        </p:nvCxnSpPr>
+        <p:spPr>
+          <a:xfrm rot="16200000" flipH="1">
+            <a:off x="46537109" y="10990509"/>
+            <a:ext cx="752851" cy="239948"/>
+          </a:xfrm>
+          <a:prstGeom prst="bentConnector2">
+            <a:avLst/>
+          </a:prstGeom>
+          <a:ln>
+            <a:solidFill>
+              <a:schemeClr val="tx1"/>
+            </a:solidFill>
+          </a:ln>
+        </p:spPr>
+        <p:style>
+          <a:lnRef idx="1">
+            <a:schemeClr val="dk1"/>
+          </a:lnRef>
+          <a:fillRef idx="0">
+            <a:schemeClr val="dk1"/>
+          </a:fillRef>
+          <a:effectRef idx="0">
+            <a:schemeClr val="dk1"/>
+          </a:effectRef>
+          <a:fontRef idx="minor">
+            <a:schemeClr val="tx1"/>
+          </a:fontRef>
+        </p:style>
+      </p:cxnSp>
+      <p:cxnSp>
+        <p:nvCxnSpPr>
+          <p:cNvPr id="649" name="연결선: 꺾임 648">
+            <a:extLst>
+              <a:ext uri="{FF2B5EF4-FFF2-40B4-BE49-F238E27FC236}">
+                <a16:creationId xmlns:a16="http://schemas.microsoft.com/office/drawing/2014/main" id="{0545AB7C-5807-44D6-A05F-3558D19037B2}"/>
+              </a:ext>
+            </a:extLst>
+          </p:cNvPr>
+          <p:cNvCxnSpPr>
+            <a:cxnSpLocks/>
+            <a:stCxn id="633" idx="2"/>
+            <a:endCxn id="666" idx="1"/>
+          </p:cNvCxnSpPr>
+          <p:nvPr/>
+        </p:nvCxnSpPr>
+        <p:spPr>
+          <a:xfrm rot="16200000" flipH="1">
+            <a:off x="44850173" y="9616152"/>
+            <a:ext cx="772840" cy="208833"/>
+          </a:xfrm>
+          <a:prstGeom prst="bentConnector2">
+            <a:avLst/>
+          </a:prstGeom>
+          <a:ln>
+            <a:solidFill>
+              <a:schemeClr val="tx1"/>
+            </a:solidFill>
+          </a:ln>
+        </p:spPr>
+        <p:style>
+          <a:lnRef idx="1">
+            <a:schemeClr val="dk1"/>
+          </a:lnRef>
+          <a:fillRef idx="0">
+            <a:schemeClr val="dk1"/>
+          </a:fillRef>
+          <a:effectRef idx="0">
+            <a:schemeClr val="dk1"/>
+          </a:effectRef>
+          <a:fontRef idx="minor">
+            <a:schemeClr val="tx1"/>
+          </a:fontRef>
+        </p:style>
+      </p:cxnSp>
+      <p:sp>
+        <p:nvSpPr>
+          <p:cNvPr id="655" name="직사각형 654">
+            <a:extLst>
+              <a:ext uri="{FF2B5EF4-FFF2-40B4-BE49-F238E27FC236}">
+                <a16:creationId xmlns:a16="http://schemas.microsoft.com/office/drawing/2014/main" id="{DCA4DAD7-6A1F-4CDE-96E3-1F61E7DF8E9E}"/>
               </a:ext>
             </a:extLst>
           </p:cNvPr>
@@ -16641,7 +16776,7 @@
         </p:nvSpPr>
         <p:spPr>
           <a:xfrm>
-            <a:off x="46821623" y="12238352"/>
+            <a:off x="46068176" y="13034213"/>
             <a:ext cx="1269722" cy="370276"/>
           </a:xfrm>
           <a:prstGeom prst="rect">
@@ -16678,157 +16813,18 @@
           <a:p>
             <a:pPr algn="ctr"/>
             <a:r>
-              <a:rPr lang="ko-KR" altLang="en-US" sz="1100" b="1" dirty="0" err="1"/>
-              <a:t>기프티콘</a:t>
-            </a:r>
-            <a:r>
               <a:rPr lang="ko-KR" altLang="en-US" sz="1100" b="1" dirty="0"/>
-              <a:t> 삭제</a:t>
-            </a:r>
-          </a:p>
-        </p:txBody>
-      </p:sp>
-      <p:cxnSp>
-        <p:nvCxnSpPr>
-          <p:cNvPr id="647" name="연결선: 꺾임 646">
-            <a:extLst>
-              <a:ext uri="{FF2B5EF4-FFF2-40B4-BE49-F238E27FC236}">
-                <a16:creationId xmlns:a16="http://schemas.microsoft.com/office/drawing/2014/main" id="{CF252D9E-57AF-4CB6-8BC2-6F0F18271A11}"/>
-              </a:ext>
-            </a:extLst>
-          </p:cNvPr>
-          <p:cNvCxnSpPr>
-            <a:cxnSpLocks/>
-            <a:stCxn id="644" idx="2"/>
-            <a:endCxn id="645" idx="1"/>
-          </p:cNvCxnSpPr>
-          <p:nvPr/>
-        </p:nvCxnSpPr>
-        <p:spPr>
-          <a:xfrm rot="16200000" flipH="1">
-            <a:off x="46560156" y="11682579"/>
-            <a:ext cx="294306" cy="228627"/>
-          </a:xfrm>
-          <a:prstGeom prst="bentConnector2">
-            <a:avLst/>
-          </a:prstGeom>
-          <a:ln>
-            <a:solidFill>
-              <a:schemeClr val="tx1"/>
-            </a:solidFill>
-          </a:ln>
-        </p:spPr>
-        <p:style>
-          <a:lnRef idx="1">
-            <a:schemeClr val="dk1"/>
-          </a:lnRef>
-          <a:fillRef idx="0">
-            <a:schemeClr val="dk1"/>
-          </a:fillRef>
-          <a:effectRef idx="0">
-            <a:schemeClr val="dk1"/>
-          </a:effectRef>
-          <a:fontRef idx="minor">
-            <a:schemeClr val="tx1"/>
-          </a:fontRef>
-        </p:style>
-      </p:cxnSp>
-      <p:cxnSp>
-        <p:nvCxnSpPr>
-          <p:cNvPr id="648" name="연결선: 꺾임 647">
-            <a:extLst>
-              <a:ext uri="{FF2B5EF4-FFF2-40B4-BE49-F238E27FC236}">
-                <a16:creationId xmlns:a16="http://schemas.microsoft.com/office/drawing/2014/main" id="{D16F7ED7-C6B5-4158-8AE7-FCC63AAD0779}"/>
-              </a:ext>
-            </a:extLst>
-          </p:cNvPr>
-          <p:cNvCxnSpPr>
-            <a:cxnSpLocks/>
-            <a:stCxn id="644" idx="2"/>
-            <a:endCxn id="646" idx="1"/>
-          </p:cNvCxnSpPr>
-          <p:nvPr/>
-        </p:nvCxnSpPr>
-        <p:spPr>
-          <a:xfrm rot="16200000" flipH="1">
-            <a:off x="46320434" y="11922301"/>
-            <a:ext cx="773750" cy="228627"/>
-          </a:xfrm>
-          <a:prstGeom prst="bentConnector2">
-            <a:avLst/>
-          </a:prstGeom>
-          <a:ln>
-            <a:solidFill>
-              <a:schemeClr val="tx1"/>
-            </a:solidFill>
-          </a:ln>
-        </p:spPr>
-        <p:style>
-          <a:lnRef idx="1">
-            <a:schemeClr val="dk1"/>
-          </a:lnRef>
-          <a:fillRef idx="0">
-            <a:schemeClr val="dk1"/>
-          </a:fillRef>
-          <a:effectRef idx="0">
-            <a:schemeClr val="dk1"/>
-          </a:effectRef>
-          <a:fontRef idx="minor">
-            <a:schemeClr val="tx1"/>
-          </a:fontRef>
-        </p:style>
-      </p:cxnSp>
-      <p:cxnSp>
-        <p:nvCxnSpPr>
-          <p:cNvPr id="649" name="연결선: 꺾임 648">
-            <a:extLst>
-              <a:ext uri="{FF2B5EF4-FFF2-40B4-BE49-F238E27FC236}">
-                <a16:creationId xmlns:a16="http://schemas.microsoft.com/office/drawing/2014/main" id="{0545AB7C-5807-44D6-A05F-3558D19037B2}"/>
-              </a:ext>
-            </a:extLst>
-          </p:cNvPr>
-          <p:cNvCxnSpPr>
-            <a:cxnSpLocks/>
-            <a:stCxn id="633" idx="2"/>
-            <a:endCxn id="666" idx="1"/>
-          </p:cNvCxnSpPr>
-          <p:nvPr/>
-        </p:nvCxnSpPr>
-        <p:spPr>
-          <a:xfrm rot="16200000" flipH="1">
-            <a:off x="44649609" y="10531834"/>
-            <a:ext cx="772840" cy="208833"/>
-          </a:xfrm>
-          <a:prstGeom prst="bentConnector2">
-            <a:avLst/>
-          </a:prstGeom>
-          <a:ln>
-            <a:solidFill>
-              <a:schemeClr val="tx1"/>
-            </a:solidFill>
-          </a:ln>
-        </p:spPr>
-        <p:style>
-          <a:lnRef idx="1">
-            <a:schemeClr val="dk1"/>
-          </a:lnRef>
-          <a:fillRef idx="0">
-            <a:schemeClr val="dk1"/>
-          </a:fillRef>
-          <a:effectRef idx="0">
-            <a:schemeClr val="dk1"/>
-          </a:effectRef>
-          <a:fontRef idx="minor">
-            <a:schemeClr val="tx1"/>
-          </a:fontRef>
-        </p:style>
-      </p:cxnSp>
-      <p:sp>
-        <p:nvSpPr>
-          <p:cNvPr id="655" name="직사각형 654">
-            <a:extLst>
-              <a:ext uri="{FF2B5EF4-FFF2-40B4-BE49-F238E27FC236}">
-                <a16:creationId xmlns:a16="http://schemas.microsoft.com/office/drawing/2014/main" id="{DCA4DAD7-6A1F-4CDE-96E3-1F61E7DF8E9E}"/>
+              <a:t>리뷰 신고 조회</a:t>
+            </a:r>
+          </a:p>
+        </p:txBody>
+      </p:sp>
+      <p:sp>
+        <p:nvSpPr>
+          <p:cNvPr id="656" name="직사각형 655">
+            <a:extLst>
+              <a:ext uri="{FF2B5EF4-FFF2-40B4-BE49-F238E27FC236}">
+                <a16:creationId xmlns:a16="http://schemas.microsoft.com/office/drawing/2014/main" id="{4020FF07-5EEB-4241-9138-7C28F1B387EB}"/>
               </a:ext>
             </a:extLst>
           </p:cNvPr>
@@ -16837,8 +16833,8 @@
         </p:nvSpPr>
         <p:spPr>
           <a:xfrm>
-            <a:off x="45989541" y="13718022"/>
-            <a:ext cx="1269722" cy="370276"/>
+            <a:off x="46931664" y="13516290"/>
+            <a:ext cx="1269722" cy="338420"/>
           </a:xfrm>
           <a:prstGeom prst="rect">
             <a:avLst/>
@@ -16874,18 +16870,22 @@
           <a:p>
             <a:pPr algn="ctr"/>
             <a:r>
+              <a:rPr lang="ko-KR" altLang="en-US" sz="1100" b="1" dirty="0" err="1"/>
+              <a:t>신고글</a:t>
+            </a:r>
+            <a:r>
               <a:rPr lang="ko-KR" altLang="en-US" sz="1100" b="1" dirty="0"/>
-              <a:t>리뷰 신고 조회</a:t>
-            </a:r>
-          </a:p>
-        </p:txBody>
-      </p:sp>
-      <p:sp>
-        <p:nvSpPr>
-          <p:cNvPr id="656" name="직사각형 655">
-            <a:extLst>
-              <a:ext uri="{FF2B5EF4-FFF2-40B4-BE49-F238E27FC236}">
-                <a16:creationId xmlns:a16="http://schemas.microsoft.com/office/drawing/2014/main" id="{4020FF07-5EEB-4241-9138-7C28F1B387EB}"/>
+              <a:t> 상세보기</a:t>
+            </a:r>
+          </a:p>
+        </p:txBody>
+      </p:sp>
+      <p:sp>
+        <p:nvSpPr>
+          <p:cNvPr id="657" name="직사각형 656">
+            <a:extLst>
+              <a:ext uri="{FF2B5EF4-FFF2-40B4-BE49-F238E27FC236}">
+                <a16:creationId xmlns:a16="http://schemas.microsoft.com/office/drawing/2014/main" id="{7793855F-6B9F-4635-84C0-90716022534A}"/>
               </a:ext>
             </a:extLst>
           </p:cNvPr>
@@ -16894,8 +16894,8 @@
         </p:nvSpPr>
         <p:spPr>
           <a:xfrm>
-            <a:off x="46853029" y="14200099"/>
-            <a:ext cx="1269722" cy="338420"/>
+            <a:off x="46931664" y="13967217"/>
+            <a:ext cx="1269722" cy="313361"/>
           </a:xfrm>
           <a:prstGeom prst="rect">
             <a:avLst/>
@@ -16932,7 +16932,7 @@
             <a:pPr algn="ctr"/>
             <a:r>
               <a:rPr lang="ko-KR" altLang="en-US" sz="1100" b="1" dirty="0" err="1"/>
-              <a:t>신고글</a:t>
+              <a:t>리뷰글</a:t>
             </a:r>
             <a:r>
               <a:rPr lang="ko-KR" altLang="en-US" sz="1100" b="1" dirty="0"/>
@@ -16941,12 +16941,191 @@
           </a:p>
         </p:txBody>
       </p:sp>
-      <p:sp>
-        <p:nvSpPr>
-          <p:cNvPr id="657" name="직사각형 656">
-            <a:extLst>
-              <a:ext uri="{FF2B5EF4-FFF2-40B4-BE49-F238E27FC236}">
-                <a16:creationId xmlns:a16="http://schemas.microsoft.com/office/drawing/2014/main" id="{7793855F-6B9F-4635-84C0-90716022534A}"/>
+      <p:cxnSp>
+        <p:nvCxnSpPr>
+          <p:cNvPr id="658" name="연결선: 꺾임 657">
+            <a:extLst>
+              <a:ext uri="{FF2B5EF4-FFF2-40B4-BE49-F238E27FC236}">
+                <a16:creationId xmlns:a16="http://schemas.microsoft.com/office/drawing/2014/main" id="{C3155BDF-0CE7-48AF-AE85-40CA1940EB60}"/>
+              </a:ext>
+            </a:extLst>
+          </p:cNvPr>
+          <p:cNvCxnSpPr>
+            <a:cxnSpLocks/>
+            <a:endCxn id="656" idx="1"/>
+          </p:cNvCxnSpPr>
+          <p:nvPr/>
+        </p:nvCxnSpPr>
+        <p:spPr>
+          <a:xfrm rot="16200000" flipH="1">
+            <a:off x="46700657" y="13454493"/>
+            <a:ext cx="233386" cy="228627"/>
+          </a:xfrm>
+          <a:prstGeom prst="bentConnector2">
+            <a:avLst/>
+          </a:prstGeom>
+          <a:ln>
+            <a:solidFill>
+              <a:schemeClr val="tx1"/>
+            </a:solidFill>
+          </a:ln>
+        </p:spPr>
+        <p:style>
+          <a:lnRef idx="1">
+            <a:schemeClr val="dk1"/>
+          </a:lnRef>
+          <a:fillRef idx="0">
+            <a:schemeClr val="dk1"/>
+          </a:fillRef>
+          <a:effectRef idx="0">
+            <a:schemeClr val="dk1"/>
+          </a:effectRef>
+          <a:fontRef idx="minor">
+            <a:schemeClr val="tx1"/>
+          </a:fontRef>
+        </p:style>
+      </p:cxnSp>
+      <p:cxnSp>
+        <p:nvCxnSpPr>
+          <p:cNvPr id="659" name="연결선: 꺾임 658">
+            <a:extLst>
+              <a:ext uri="{FF2B5EF4-FFF2-40B4-BE49-F238E27FC236}">
+                <a16:creationId xmlns:a16="http://schemas.microsoft.com/office/drawing/2014/main" id="{3177F40A-8122-4979-8F39-A4282AB1B667}"/>
+              </a:ext>
+            </a:extLst>
+          </p:cNvPr>
+          <p:cNvCxnSpPr>
+            <a:cxnSpLocks/>
+            <a:stCxn id="655" idx="2"/>
+            <a:endCxn id="657" idx="1"/>
+          </p:cNvCxnSpPr>
+          <p:nvPr/>
+        </p:nvCxnSpPr>
+        <p:spPr>
+          <a:xfrm rot="16200000" flipH="1">
+            <a:off x="46457646" y="13649879"/>
+            <a:ext cx="719409" cy="228627"/>
+          </a:xfrm>
+          <a:prstGeom prst="bentConnector2">
+            <a:avLst/>
+          </a:prstGeom>
+          <a:ln>
+            <a:solidFill>
+              <a:schemeClr val="tx1"/>
+            </a:solidFill>
+          </a:ln>
+        </p:spPr>
+        <p:style>
+          <a:lnRef idx="1">
+            <a:schemeClr val="dk1"/>
+          </a:lnRef>
+          <a:fillRef idx="0">
+            <a:schemeClr val="dk1"/>
+          </a:fillRef>
+          <a:effectRef idx="0">
+            <a:schemeClr val="dk1"/>
+          </a:effectRef>
+          <a:fontRef idx="minor">
+            <a:schemeClr val="tx1"/>
+          </a:fontRef>
+        </p:style>
+      </p:cxnSp>
+      <p:cxnSp>
+        <p:nvCxnSpPr>
+          <p:cNvPr id="660" name="연결선: 꺾임 659">
+            <a:extLst>
+              <a:ext uri="{FF2B5EF4-FFF2-40B4-BE49-F238E27FC236}">
+                <a16:creationId xmlns:a16="http://schemas.microsoft.com/office/drawing/2014/main" id="{CE7E54A2-C6C5-4FDF-A3EB-FA8B7F84DC5E}"/>
+              </a:ext>
+            </a:extLst>
+          </p:cNvPr>
+          <p:cNvCxnSpPr>
+            <a:cxnSpLocks/>
+            <a:stCxn id="634" idx="2"/>
+            <a:endCxn id="668" idx="1"/>
+          </p:cNvCxnSpPr>
+          <p:nvPr/>
+        </p:nvCxnSpPr>
+        <p:spPr>
+          <a:xfrm rot="16200000" flipH="1">
+            <a:off x="44990626" y="12479700"/>
+            <a:ext cx="310888" cy="208833"/>
+          </a:xfrm>
+          <a:prstGeom prst="bentConnector2">
+            <a:avLst/>
+          </a:prstGeom>
+          <a:ln>
+            <a:solidFill>
+              <a:schemeClr val="tx1"/>
+            </a:solidFill>
+          </a:ln>
+        </p:spPr>
+        <p:style>
+          <a:lnRef idx="1">
+            <a:schemeClr val="dk1"/>
+          </a:lnRef>
+          <a:fillRef idx="0">
+            <a:schemeClr val="dk1"/>
+          </a:fillRef>
+          <a:effectRef idx="0">
+            <a:schemeClr val="dk1"/>
+          </a:effectRef>
+          <a:fontRef idx="minor">
+            <a:schemeClr val="tx1"/>
+          </a:fontRef>
+        </p:style>
+      </p:cxnSp>
+      <p:cxnSp>
+        <p:nvCxnSpPr>
+          <p:cNvPr id="661" name="연결선: 꺾임 660">
+            <a:extLst>
+              <a:ext uri="{FF2B5EF4-FFF2-40B4-BE49-F238E27FC236}">
+                <a16:creationId xmlns:a16="http://schemas.microsoft.com/office/drawing/2014/main" id="{B1AB6B5B-5ABB-408A-8A7B-DE97F4E6D8E9}"/>
+              </a:ext>
+            </a:extLst>
+          </p:cNvPr>
+          <p:cNvCxnSpPr>
+            <a:cxnSpLocks/>
+            <a:stCxn id="623" idx="2"/>
+            <a:endCxn id="625" idx="1"/>
+          </p:cNvCxnSpPr>
+          <p:nvPr/>
+        </p:nvCxnSpPr>
+        <p:spPr>
+          <a:xfrm rot="16200000" flipH="1">
+            <a:off x="47450262" y="2579324"/>
+            <a:ext cx="318895" cy="255910"/>
+          </a:xfrm>
+          <a:prstGeom prst="bentConnector2">
+            <a:avLst/>
+          </a:prstGeom>
+          <a:ln>
+            <a:solidFill>
+              <a:schemeClr val="tx1"/>
+            </a:solidFill>
+          </a:ln>
+        </p:spPr>
+        <p:style>
+          <a:lnRef idx="1">
+            <a:schemeClr val="dk1"/>
+          </a:lnRef>
+          <a:fillRef idx="0">
+            <a:schemeClr val="dk1"/>
+          </a:fillRef>
+          <a:effectRef idx="0">
+            <a:schemeClr val="dk1"/>
+          </a:effectRef>
+          <a:fontRef idx="minor">
+            <a:schemeClr val="tx1"/>
+          </a:fontRef>
+        </p:style>
+      </p:cxnSp>
+      <p:sp>
+        <p:nvSpPr>
+          <p:cNvPr id="662" name="직사각형 661">
+            <a:extLst>
+              <a:ext uri="{FF2B5EF4-FFF2-40B4-BE49-F238E27FC236}">
+                <a16:creationId xmlns:a16="http://schemas.microsoft.com/office/drawing/2014/main" id="{C3410EE7-7703-4BD9-BE8C-B322C302BCAC}"/>
               </a:ext>
             </a:extLst>
           </p:cNvPr>
@@ -16955,8 +17134,8 @@
         </p:nvSpPr>
         <p:spPr>
           <a:xfrm>
-            <a:off x="46853029" y="14651026"/>
-            <a:ext cx="1269722" cy="313361"/>
+            <a:off x="46051687" y="4231385"/>
+            <a:ext cx="1269722" cy="418524"/>
           </a:xfrm>
           <a:prstGeom prst="rect">
             <a:avLst/>
@@ -16992,35 +17171,32 @@
           <a:p>
             <a:pPr algn="ctr"/>
             <a:r>
-              <a:rPr lang="ko-KR" altLang="en-US" sz="1100" b="1" dirty="0" err="1"/>
-              <a:t>리뷰글</a:t>
-            </a:r>
-            <a:r>
               <a:rPr lang="ko-KR" altLang="en-US" sz="1100" b="1" dirty="0"/>
-              <a:t> 상세보기</a:t>
+              <a:t>상영스케줄 상세보기</a:t>
             </a:r>
           </a:p>
         </p:txBody>
       </p:sp>
       <p:cxnSp>
         <p:nvCxnSpPr>
-          <p:cNvPr id="658" name="연결선: 꺾임 657">
-            <a:extLst>
-              <a:ext uri="{FF2B5EF4-FFF2-40B4-BE49-F238E27FC236}">
-                <a16:creationId xmlns:a16="http://schemas.microsoft.com/office/drawing/2014/main" id="{C3155BDF-0CE7-48AF-AE85-40CA1940EB60}"/>
+          <p:cNvPr id="663" name="연결선: 꺾임 662">
+            <a:extLst>
+              <a:ext uri="{FF2B5EF4-FFF2-40B4-BE49-F238E27FC236}">
+                <a16:creationId xmlns:a16="http://schemas.microsoft.com/office/drawing/2014/main" id="{97C33FA3-B576-438D-B1B3-2891B7E9AA9E}"/>
               </a:ext>
             </a:extLst>
           </p:cNvPr>
           <p:cNvCxnSpPr>
             <a:cxnSpLocks/>
-            <a:endCxn id="656" idx="1"/>
+            <a:stCxn id="636" idx="2"/>
+            <a:endCxn id="662" idx="1"/>
           </p:cNvCxnSpPr>
           <p:nvPr/>
         </p:nvCxnSpPr>
         <p:spPr>
           <a:xfrm rot="16200000" flipH="1">
-            <a:off x="46622022" y="14138302"/>
-            <a:ext cx="233386" cy="228627"/>
+            <a:off x="45818120" y="4207079"/>
+            <a:ext cx="320569" cy="146565"/>
           </a:xfrm>
           <a:prstGeom prst="bentConnector2">
             <a:avLst/>
@@ -17046,147 +17222,12 @@
           </a:fontRef>
         </p:style>
       </p:cxnSp>
-      <p:cxnSp>
-        <p:nvCxnSpPr>
-          <p:cNvPr id="659" name="연결선: 꺾임 658">
-            <a:extLst>
-              <a:ext uri="{FF2B5EF4-FFF2-40B4-BE49-F238E27FC236}">
-                <a16:creationId xmlns:a16="http://schemas.microsoft.com/office/drawing/2014/main" id="{3177F40A-8122-4979-8F39-A4282AB1B667}"/>
-              </a:ext>
-            </a:extLst>
-          </p:cNvPr>
-          <p:cNvCxnSpPr>
-            <a:cxnSpLocks/>
-            <a:stCxn id="655" idx="2"/>
-            <a:endCxn id="657" idx="1"/>
-          </p:cNvCxnSpPr>
-          <p:nvPr/>
-        </p:nvCxnSpPr>
-        <p:spPr>
-          <a:xfrm rot="16200000" flipH="1">
-            <a:off x="46379011" y="14333688"/>
-            <a:ext cx="719409" cy="228627"/>
-          </a:xfrm>
-          <a:prstGeom prst="bentConnector2">
-            <a:avLst/>
-          </a:prstGeom>
-          <a:ln>
-            <a:solidFill>
-              <a:schemeClr val="tx1"/>
-            </a:solidFill>
-          </a:ln>
-        </p:spPr>
-        <p:style>
-          <a:lnRef idx="1">
-            <a:schemeClr val="dk1"/>
-          </a:lnRef>
-          <a:fillRef idx="0">
-            <a:schemeClr val="dk1"/>
-          </a:fillRef>
-          <a:effectRef idx="0">
-            <a:schemeClr val="dk1"/>
-          </a:effectRef>
-          <a:fontRef idx="minor">
-            <a:schemeClr val="tx1"/>
-          </a:fontRef>
-        </p:style>
-      </p:cxnSp>
-      <p:cxnSp>
-        <p:nvCxnSpPr>
-          <p:cNvPr id="660" name="연결선: 꺾임 659">
-            <a:extLst>
-              <a:ext uri="{FF2B5EF4-FFF2-40B4-BE49-F238E27FC236}">
-                <a16:creationId xmlns:a16="http://schemas.microsoft.com/office/drawing/2014/main" id="{CE7E54A2-C6C5-4FDF-A3EB-FA8B7F84DC5E}"/>
-              </a:ext>
-            </a:extLst>
-          </p:cNvPr>
-          <p:cNvCxnSpPr>
-            <a:cxnSpLocks/>
-            <a:stCxn id="634" idx="2"/>
-            <a:endCxn id="668" idx="1"/>
-          </p:cNvCxnSpPr>
-          <p:nvPr/>
-        </p:nvCxnSpPr>
-        <p:spPr>
-          <a:xfrm rot="16200000" flipH="1">
-            <a:off x="44911991" y="13163509"/>
-            <a:ext cx="310888" cy="208833"/>
-          </a:xfrm>
-          <a:prstGeom prst="bentConnector2">
-            <a:avLst/>
-          </a:prstGeom>
-          <a:ln>
-            <a:solidFill>
-              <a:schemeClr val="tx1"/>
-            </a:solidFill>
-          </a:ln>
-        </p:spPr>
-        <p:style>
-          <a:lnRef idx="1">
-            <a:schemeClr val="dk1"/>
-          </a:lnRef>
-          <a:fillRef idx="0">
-            <a:schemeClr val="dk1"/>
-          </a:fillRef>
-          <a:effectRef idx="0">
-            <a:schemeClr val="dk1"/>
-          </a:effectRef>
-          <a:fontRef idx="minor">
-            <a:schemeClr val="tx1"/>
-          </a:fontRef>
-        </p:style>
-      </p:cxnSp>
-      <p:cxnSp>
-        <p:nvCxnSpPr>
-          <p:cNvPr id="661" name="연결선: 꺾임 660">
-            <a:extLst>
-              <a:ext uri="{FF2B5EF4-FFF2-40B4-BE49-F238E27FC236}">
-                <a16:creationId xmlns:a16="http://schemas.microsoft.com/office/drawing/2014/main" id="{B1AB6B5B-5ABB-408A-8A7B-DE97F4E6D8E9}"/>
-              </a:ext>
-            </a:extLst>
-          </p:cNvPr>
-          <p:cNvCxnSpPr>
-            <a:cxnSpLocks/>
-            <a:stCxn id="623" idx="2"/>
-            <a:endCxn id="625" idx="1"/>
-          </p:cNvCxnSpPr>
-          <p:nvPr/>
-        </p:nvCxnSpPr>
-        <p:spPr>
-          <a:xfrm rot="16200000" flipH="1">
-            <a:off x="44900120" y="2636567"/>
-            <a:ext cx="318895" cy="255910"/>
-          </a:xfrm>
-          <a:prstGeom prst="bentConnector2">
-            <a:avLst/>
-          </a:prstGeom>
-          <a:ln>
-            <a:solidFill>
-              <a:schemeClr val="tx1"/>
-            </a:solidFill>
-          </a:ln>
-        </p:spPr>
-        <p:style>
-          <a:lnRef idx="1">
-            <a:schemeClr val="dk1"/>
-          </a:lnRef>
-          <a:fillRef idx="0">
-            <a:schemeClr val="dk1"/>
-          </a:fillRef>
-          <a:effectRef idx="0">
-            <a:schemeClr val="dk1"/>
-          </a:effectRef>
-          <a:fontRef idx="minor">
-            <a:schemeClr val="tx1"/>
-          </a:fontRef>
-        </p:style>
-      </p:cxnSp>
-      <p:sp>
-        <p:nvSpPr>
-          <p:cNvPr id="662" name="직사각형 661">
-            <a:extLst>
-              <a:ext uri="{FF2B5EF4-FFF2-40B4-BE49-F238E27FC236}">
-                <a16:creationId xmlns:a16="http://schemas.microsoft.com/office/drawing/2014/main" id="{C3410EE7-7703-4BD9-BE8C-B322C302BCAC}"/>
+      <p:sp>
+        <p:nvSpPr>
+          <p:cNvPr id="664" name="직사각형 663">
+            <a:extLst>
+              <a:ext uri="{FF2B5EF4-FFF2-40B4-BE49-F238E27FC236}">
+                <a16:creationId xmlns:a16="http://schemas.microsoft.com/office/drawing/2014/main" id="{EBF100F6-1924-40AA-9ACD-3EA05ED16F5C}"/>
               </a:ext>
             </a:extLst>
           </p:cNvPr>
@@ -17195,8 +17236,8 @@
         </p:nvSpPr>
         <p:spPr>
           <a:xfrm>
-            <a:off x="45974017" y="5700231"/>
-            <a:ext cx="1269722" cy="418524"/>
+            <a:off x="46359734" y="7242119"/>
+            <a:ext cx="1269722" cy="313361"/>
           </a:xfrm>
           <a:prstGeom prst="rect">
             <a:avLst/>
@@ -17233,31 +17274,30 @@
             <a:pPr algn="ctr"/>
             <a:r>
               <a:rPr lang="ko-KR" altLang="en-US" sz="1100" b="1" dirty="0"/>
-              <a:t>상영스케줄 상세보기</a:t>
+              <a:t>영화 조회</a:t>
             </a:r>
           </a:p>
         </p:txBody>
       </p:sp>
       <p:cxnSp>
         <p:nvCxnSpPr>
-          <p:cNvPr id="663" name="연결선: 꺾임 662">
-            <a:extLst>
-              <a:ext uri="{FF2B5EF4-FFF2-40B4-BE49-F238E27FC236}">
-                <a16:creationId xmlns:a16="http://schemas.microsoft.com/office/drawing/2014/main" id="{97C33FA3-B576-438D-B1B3-2891B7E9AA9E}"/>
+          <p:cNvPr id="665" name="연결선: 꺾임 664">
+            <a:extLst>
+              <a:ext uri="{FF2B5EF4-FFF2-40B4-BE49-F238E27FC236}">
+                <a16:creationId xmlns:a16="http://schemas.microsoft.com/office/drawing/2014/main" id="{E4C15B8B-67CD-4214-927D-6A67A99CA0D7}"/>
               </a:ext>
             </a:extLst>
           </p:cNvPr>
           <p:cNvCxnSpPr>
-            <a:cxnSpLocks/>
-            <a:stCxn id="636" idx="2"/>
-            <a:endCxn id="662" idx="1"/>
+            <a:stCxn id="664" idx="2"/>
+            <a:endCxn id="638" idx="1"/>
           </p:cNvCxnSpPr>
           <p:nvPr/>
         </p:nvCxnSpPr>
         <p:spPr>
           <a:xfrm rot="16200000" flipH="1">
-            <a:off x="45740450" y="5675925"/>
-            <a:ext cx="320569" cy="146565"/>
+            <a:off x="46936072" y="7614003"/>
+            <a:ext cx="294417" cy="177370"/>
           </a:xfrm>
           <a:prstGeom prst="bentConnector2">
             <a:avLst/>
@@ -17285,10 +17325,10 @@
       </p:cxnSp>
       <p:sp>
         <p:nvSpPr>
-          <p:cNvPr id="664" name="직사각형 663">
-            <a:extLst>
-              <a:ext uri="{FF2B5EF4-FFF2-40B4-BE49-F238E27FC236}">
-                <a16:creationId xmlns:a16="http://schemas.microsoft.com/office/drawing/2014/main" id="{EBF100F6-1924-40AA-9ACD-3EA05ED16F5C}"/>
+          <p:cNvPr id="666" name="직사각형 665">
+            <a:extLst>
+              <a:ext uri="{FF2B5EF4-FFF2-40B4-BE49-F238E27FC236}">
+                <a16:creationId xmlns:a16="http://schemas.microsoft.com/office/drawing/2014/main" id="{E2C52E8F-253E-4DA7-B29C-CC9ED6095B7E}"/>
               </a:ext>
             </a:extLst>
           </p:cNvPr>
@@ -17297,7 +17337,7 @@
         </p:nvSpPr>
         <p:spPr>
           <a:xfrm>
-            <a:off x="45179402" y="8050059"/>
+            <a:off x="45341010" y="9950308"/>
             <a:ext cx="1269722" cy="313361"/>
           </a:xfrm>
           <a:prstGeom prst="rect">
@@ -17334,31 +17374,36 @@
           <a:p>
             <a:pPr algn="ctr"/>
             <a:r>
+              <a:rPr lang="ko-KR" altLang="en-US" sz="1100" b="1" dirty="0" err="1"/>
+              <a:t>기프티콘</a:t>
+            </a:r>
+            <a:r>
               <a:rPr lang="ko-KR" altLang="en-US" sz="1100" b="1" dirty="0"/>
-              <a:t>영화 조회</a:t>
+              <a:t> 조회</a:t>
             </a:r>
           </a:p>
         </p:txBody>
       </p:sp>
       <p:cxnSp>
         <p:nvCxnSpPr>
-          <p:cNvPr id="665" name="연결선: 꺾임 664">
-            <a:extLst>
-              <a:ext uri="{FF2B5EF4-FFF2-40B4-BE49-F238E27FC236}">
-                <a16:creationId xmlns:a16="http://schemas.microsoft.com/office/drawing/2014/main" id="{E4C15B8B-67CD-4214-927D-6A67A99CA0D7}"/>
+          <p:cNvPr id="667" name="연결선: 꺾임 666">
+            <a:extLst>
+              <a:ext uri="{FF2B5EF4-FFF2-40B4-BE49-F238E27FC236}">
+                <a16:creationId xmlns:a16="http://schemas.microsoft.com/office/drawing/2014/main" id="{B6C1775B-0833-4620-BFBB-BD31863E422C}"/>
               </a:ext>
             </a:extLst>
           </p:cNvPr>
           <p:cNvCxnSpPr>
-            <a:stCxn id="664" idx="2"/>
-            <a:endCxn id="638" idx="1"/>
+            <a:cxnSpLocks/>
+            <a:stCxn id="666" idx="2"/>
+            <a:endCxn id="644" idx="1"/>
           </p:cNvCxnSpPr>
           <p:nvPr/>
         </p:nvCxnSpPr>
         <p:spPr>
           <a:xfrm rot="16200000" flipH="1">
-            <a:off x="45755740" y="8421943"/>
-            <a:ext cx="294417" cy="177370"/>
+            <a:off x="45924660" y="10314880"/>
+            <a:ext cx="285251" cy="182828"/>
           </a:xfrm>
           <a:prstGeom prst="bentConnector2">
             <a:avLst/>
@@ -17386,10 +17431,10 @@
       </p:cxnSp>
       <p:sp>
         <p:nvSpPr>
-          <p:cNvPr id="666" name="직사각형 665">
-            <a:extLst>
-              <a:ext uri="{FF2B5EF4-FFF2-40B4-BE49-F238E27FC236}">
-                <a16:creationId xmlns:a16="http://schemas.microsoft.com/office/drawing/2014/main" id="{E2C52E8F-253E-4DA7-B29C-CC9ED6095B7E}"/>
+          <p:cNvPr id="668" name="직사각형 667">
+            <a:extLst>
+              <a:ext uri="{FF2B5EF4-FFF2-40B4-BE49-F238E27FC236}">
+                <a16:creationId xmlns:a16="http://schemas.microsoft.com/office/drawing/2014/main" id="{2C069A3B-C40C-4B6E-B2B5-B4EF36F238F1}"/>
               </a:ext>
             </a:extLst>
           </p:cNvPr>
@@ -17398,7 +17443,7 @@
         </p:nvSpPr>
         <p:spPr>
           <a:xfrm>
-            <a:off x="45140446" y="10865990"/>
+            <a:off x="45250487" y="12582880"/>
             <a:ext cx="1269722" cy="313361"/>
           </a:xfrm>
           <a:prstGeom prst="rect">
@@ -17435,36 +17480,32 @@
           <a:p>
             <a:pPr algn="ctr"/>
             <a:r>
-              <a:rPr lang="ko-KR" altLang="en-US" sz="1100" b="1" dirty="0" err="1"/>
-              <a:t>기프티콘</a:t>
-            </a:r>
-            <a:r>
               <a:rPr lang="ko-KR" altLang="en-US" sz="1100" b="1" dirty="0"/>
-              <a:t> 조회</a:t>
+              <a:t>리뷰 신고 관리</a:t>
             </a:r>
           </a:p>
         </p:txBody>
       </p:sp>
       <p:cxnSp>
         <p:nvCxnSpPr>
-          <p:cNvPr id="667" name="연결선: 꺾임 666">
-            <a:extLst>
-              <a:ext uri="{FF2B5EF4-FFF2-40B4-BE49-F238E27FC236}">
-                <a16:creationId xmlns:a16="http://schemas.microsoft.com/office/drawing/2014/main" id="{B6C1775B-0833-4620-BFBB-BD31863E422C}"/>
+          <p:cNvPr id="669" name="연결선: 꺾임 668">
+            <a:extLst>
+              <a:ext uri="{FF2B5EF4-FFF2-40B4-BE49-F238E27FC236}">
+                <a16:creationId xmlns:a16="http://schemas.microsoft.com/office/drawing/2014/main" id="{BBAB400E-3286-4846-85A3-2B8138440F4F}"/>
               </a:ext>
             </a:extLst>
           </p:cNvPr>
           <p:cNvCxnSpPr>
             <a:cxnSpLocks/>
-            <a:stCxn id="666" idx="2"/>
-            <a:endCxn id="644" idx="1"/>
+            <a:stCxn id="668" idx="2"/>
+            <a:endCxn id="655" idx="1"/>
           </p:cNvCxnSpPr>
           <p:nvPr/>
         </p:nvCxnSpPr>
         <p:spPr>
           <a:xfrm rot="16200000" flipH="1">
-            <a:off x="45724096" y="11230562"/>
-            <a:ext cx="285251" cy="182828"/>
+            <a:off x="45815207" y="12966382"/>
+            <a:ext cx="323110" cy="182828"/>
           </a:xfrm>
           <a:prstGeom prst="bentConnector2">
             <a:avLst/>
@@ -17490,12 +17531,144 @@
           </a:fontRef>
         </p:style>
       </p:cxnSp>
-      <p:sp>
-        <p:nvSpPr>
-          <p:cNvPr id="668" name="직사각형 667">
-            <a:extLst>
-              <a:ext uri="{FF2B5EF4-FFF2-40B4-BE49-F238E27FC236}">
-                <a16:creationId xmlns:a16="http://schemas.microsoft.com/office/drawing/2014/main" id="{2C069A3B-C40C-4B6E-B2B5-B4EF36F238F1}"/>
+      <p:cxnSp>
+        <p:nvCxnSpPr>
+          <p:cNvPr id="673" name="연결선: 꺾임 672">
+            <a:extLst>
+              <a:ext uri="{FF2B5EF4-FFF2-40B4-BE49-F238E27FC236}">
+                <a16:creationId xmlns:a16="http://schemas.microsoft.com/office/drawing/2014/main" id="{54DCAFEB-7E81-48DC-81C1-5414BA48E6B3}"/>
+              </a:ext>
+            </a:extLst>
+          </p:cNvPr>
+          <p:cNvCxnSpPr>
+            <a:stCxn id="622" idx="2"/>
+            <a:endCxn id="632" idx="1"/>
+          </p:cNvCxnSpPr>
+          <p:nvPr/>
+        </p:nvCxnSpPr>
+        <p:spPr>
+          <a:xfrm rot="16200000" flipH="1">
+            <a:off x="42598015" y="3616311"/>
+            <a:ext cx="4317254" cy="1440882"/>
+          </a:xfrm>
+          <a:prstGeom prst="bentConnector2">
+            <a:avLst/>
+          </a:prstGeom>
+          <a:ln>
+            <a:solidFill>
+              <a:schemeClr val="tx1"/>
+            </a:solidFill>
+          </a:ln>
+        </p:spPr>
+        <p:style>
+          <a:lnRef idx="1">
+            <a:schemeClr val="dk1"/>
+          </a:lnRef>
+          <a:fillRef idx="0">
+            <a:schemeClr val="dk1"/>
+          </a:fillRef>
+          <a:effectRef idx="0">
+            <a:schemeClr val="dk1"/>
+          </a:effectRef>
+          <a:fontRef idx="minor">
+            <a:schemeClr val="tx1"/>
+          </a:fontRef>
+        </p:style>
+      </p:cxnSp>
+      <p:cxnSp>
+        <p:nvCxnSpPr>
+          <p:cNvPr id="674" name="연결선: 꺾임 673">
+            <a:extLst>
+              <a:ext uri="{FF2B5EF4-FFF2-40B4-BE49-F238E27FC236}">
+                <a16:creationId xmlns:a16="http://schemas.microsoft.com/office/drawing/2014/main" id="{7016EDF3-67A0-4F8B-B7E5-DA09149B7B95}"/>
+              </a:ext>
+            </a:extLst>
+          </p:cNvPr>
+          <p:cNvCxnSpPr>
+            <a:stCxn id="622" idx="2"/>
+            <a:endCxn id="633" idx="1"/>
+          </p:cNvCxnSpPr>
+          <p:nvPr/>
+        </p:nvCxnSpPr>
+        <p:spPr>
+          <a:xfrm rot="16200000" flipH="1">
+            <a:off x="40767086" y="5447239"/>
+            <a:ext cx="6999344" cy="461115"/>
+          </a:xfrm>
+          <a:prstGeom prst="bentConnector2">
+            <a:avLst/>
+          </a:prstGeom>
+          <a:ln>
+            <a:solidFill>
+              <a:schemeClr val="tx1"/>
+            </a:solidFill>
+          </a:ln>
+        </p:spPr>
+        <p:style>
+          <a:lnRef idx="1">
+            <a:schemeClr val="dk1"/>
+          </a:lnRef>
+          <a:fillRef idx="0">
+            <a:schemeClr val="dk1"/>
+          </a:fillRef>
+          <a:effectRef idx="0">
+            <a:schemeClr val="dk1"/>
+          </a:effectRef>
+          <a:fontRef idx="minor">
+            <a:schemeClr val="tx1"/>
+          </a:fontRef>
+        </p:style>
+      </p:cxnSp>
+      <p:cxnSp>
+        <p:nvCxnSpPr>
+          <p:cNvPr id="675" name="연결선: 꺾임 674">
+            <a:extLst>
+              <a:ext uri="{FF2B5EF4-FFF2-40B4-BE49-F238E27FC236}">
+                <a16:creationId xmlns:a16="http://schemas.microsoft.com/office/drawing/2014/main" id="{DCB6F339-59B9-41B6-B254-6317ACDF1969}"/>
+              </a:ext>
+            </a:extLst>
+          </p:cNvPr>
+          <p:cNvCxnSpPr>
+            <a:stCxn id="622" idx="2"/>
+            <a:endCxn id="634" idx="1"/>
+          </p:cNvCxnSpPr>
+          <p:nvPr/>
+        </p:nvCxnSpPr>
+        <p:spPr>
+          <a:xfrm rot="16200000" flipH="1">
+            <a:off x="39174563" y="7039763"/>
+            <a:ext cx="10093868" cy="370592"/>
+          </a:xfrm>
+          <a:prstGeom prst="bentConnector2">
+            <a:avLst/>
+          </a:prstGeom>
+          <a:ln>
+            <a:solidFill>
+              <a:schemeClr val="tx1"/>
+            </a:solidFill>
+          </a:ln>
+        </p:spPr>
+        <p:style>
+          <a:lnRef idx="1">
+            <a:schemeClr val="dk1"/>
+          </a:lnRef>
+          <a:fillRef idx="0">
+            <a:schemeClr val="dk1"/>
+          </a:fillRef>
+          <a:effectRef idx="0">
+            <a:schemeClr val="dk1"/>
+          </a:effectRef>
+          <a:fontRef idx="minor">
+            <a:schemeClr val="tx1"/>
+          </a:fontRef>
+        </p:style>
+      </p:cxnSp>
+      <p:sp>
+        <p:nvSpPr>
+          <p:cNvPr id="683" name="직사각형 682">
+            <a:extLst>
+              <a:ext uri="{FF2B5EF4-FFF2-40B4-BE49-F238E27FC236}">
+                <a16:creationId xmlns:a16="http://schemas.microsoft.com/office/drawing/2014/main" id="{C8DA736A-D5E5-43E6-B810-12D076ACF604}"/>
               </a:ext>
             </a:extLst>
           </p:cNvPr>
@@ -17504,7 +17677,7 @@
         </p:nvSpPr>
         <p:spPr>
           <a:xfrm>
-            <a:off x="45171852" y="13266689"/>
+            <a:off x="49438629" y="3999039"/>
             <a:ext cx="1269722" cy="313361"/>
           </a:xfrm>
           <a:prstGeom prst="rect">
@@ -17542,31 +17715,30 @@
             <a:pPr algn="ctr"/>
             <a:r>
               <a:rPr lang="ko-KR" altLang="en-US" sz="1100" b="1" dirty="0"/>
-              <a:t>리뷰 신고 관리</a:t>
+              <a:t>예매 내역 보기</a:t>
             </a:r>
           </a:p>
         </p:txBody>
       </p:sp>
       <p:cxnSp>
         <p:nvCxnSpPr>
-          <p:cNvPr id="669" name="연결선: 꺾임 668">
-            <a:extLst>
-              <a:ext uri="{FF2B5EF4-FFF2-40B4-BE49-F238E27FC236}">
-                <a16:creationId xmlns:a16="http://schemas.microsoft.com/office/drawing/2014/main" id="{BBAB400E-3286-4846-85A3-2B8138440F4F}"/>
+          <p:cNvPr id="685" name="연결선: 꺾임 684">
+            <a:extLst>
+              <a:ext uri="{FF2B5EF4-FFF2-40B4-BE49-F238E27FC236}">
+                <a16:creationId xmlns:a16="http://schemas.microsoft.com/office/drawing/2014/main" id="{AEA0914E-46DA-4B41-A14C-2A807F65CFF4}"/>
               </a:ext>
             </a:extLst>
           </p:cNvPr>
           <p:cNvCxnSpPr>
-            <a:cxnSpLocks/>
-            <a:stCxn id="668" idx="2"/>
-            <a:endCxn id="655" idx="1"/>
+            <a:stCxn id="626" idx="2"/>
+            <a:endCxn id="683" idx="1"/>
           </p:cNvCxnSpPr>
           <p:nvPr/>
         </p:nvCxnSpPr>
         <p:spPr>
           <a:xfrm rot="16200000" flipH="1">
-            <a:off x="45736572" y="13650191"/>
-            <a:ext cx="323110" cy="182828"/>
+            <a:off x="48979929" y="3697020"/>
+            <a:ext cx="714784" cy="202616"/>
           </a:xfrm>
           <a:prstGeom prst="bentConnector2">
             <a:avLst/>
@@ -17579,157 +17751,25 @@
         </p:spPr>
         <p:style>
           <a:lnRef idx="1">
-            <a:schemeClr val="dk1"/>
+            <a:schemeClr val="accent1"/>
           </a:lnRef>
           <a:fillRef idx="0">
-            <a:schemeClr val="dk1"/>
-          </a:fillRef>
-          <a:effectRef idx="0">
-            <a:schemeClr val="dk1"/>
+            <a:schemeClr val="accent1"/>
+          </a:fillRef>
+          <a:effectRef idx="0">
+            <a:schemeClr val="accent1"/>
           </a:effectRef>
           <a:fontRef idx="minor">
             <a:schemeClr val="tx1"/>
           </a:fontRef>
         </p:style>
       </p:cxnSp>
-      <p:cxnSp>
-        <p:nvCxnSpPr>
-          <p:cNvPr id="673" name="연결선: 꺾임 672">
-            <a:extLst>
-              <a:ext uri="{FF2B5EF4-FFF2-40B4-BE49-F238E27FC236}">
-                <a16:creationId xmlns:a16="http://schemas.microsoft.com/office/drawing/2014/main" id="{54DCAFEB-7E81-48DC-81C1-5414BA48E6B3}"/>
-              </a:ext>
-            </a:extLst>
-          </p:cNvPr>
-          <p:cNvCxnSpPr>
-            <a:stCxn id="622" idx="2"/>
-            <a:endCxn id="632" idx="1"/>
-          </p:cNvCxnSpPr>
-          <p:nvPr/>
-        </p:nvCxnSpPr>
-        <p:spPr>
-          <a:xfrm rot="16200000" flipH="1">
-            <a:off x="41603879" y="4610447"/>
-            <a:ext cx="5125194" cy="260550"/>
-          </a:xfrm>
-          <a:prstGeom prst="bentConnector2">
-            <a:avLst/>
-          </a:prstGeom>
-          <a:ln>
-            <a:solidFill>
-              <a:schemeClr val="tx1"/>
-            </a:solidFill>
-          </a:ln>
-        </p:spPr>
-        <p:style>
-          <a:lnRef idx="1">
-            <a:schemeClr val="dk1"/>
-          </a:lnRef>
-          <a:fillRef idx="0">
-            <a:schemeClr val="dk1"/>
-          </a:fillRef>
-          <a:effectRef idx="0">
-            <a:schemeClr val="dk1"/>
-          </a:effectRef>
-          <a:fontRef idx="minor">
-            <a:schemeClr val="tx1"/>
-          </a:fontRef>
-        </p:style>
-      </p:cxnSp>
-      <p:cxnSp>
-        <p:nvCxnSpPr>
-          <p:cNvPr id="674" name="연결선: 꺾임 673">
-            <a:extLst>
-              <a:ext uri="{FF2B5EF4-FFF2-40B4-BE49-F238E27FC236}">
-                <a16:creationId xmlns:a16="http://schemas.microsoft.com/office/drawing/2014/main" id="{7016EDF3-67A0-4F8B-B7E5-DA09149B7B95}"/>
-              </a:ext>
-            </a:extLst>
-          </p:cNvPr>
-          <p:cNvCxnSpPr>
-            <a:stCxn id="622" idx="2"/>
-            <a:endCxn id="633" idx="1"/>
-          </p:cNvCxnSpPr>
-          <p:nvPr/>
-        </p:nvCxnSpPr>
-        <p:spPr>
-          <a:xfrm rot="16200000" flipH="1">
-            <a:off x="40208963" y="6005362"/>
-            <a:ext cx="7915026" cy="260551"/>
-          </a:xfrm>
-          <a:prstGeom prst="bentConnector2">
-            <a:avLst/>
-          </a:prstGeom>
-          <a:ln>
-            <a:solidFill>
-              <a:schemeClr val="tx1"/>
-            </a:solidFill>
-          </a:ln>
-        </p:spPr>
-        <p:style>
-          <a:lnRef idx="1">
-            <a:schemeClr val="dk1"/>
-          </a:lnRef>
-          <a:fillRef idx="0">
-            <a:schemeClr val="dk1"/>
-          </a:fillRef>
-          <a:effectRef idx="0">
-            <a:schemeClr val="dk1"/>
-          </a:effectRef>
-          <a:fontRef idx="minor">
-            <a:schemeClr val="tx1"/>
-          </a:fontRef>
-        </p:style>
-      </p:cxnSp>
-      <p:cxnSp>
-        <p:nvCxnSpPr>
-          <p:cNvPr id="675" name="연결선: 꺾임 674">
-            <a:extLst>
-              <a:ext uri="{FF2B5EF4-FFF2-40B4-BE49-F238E27FC236}">
-                <a16:creationId xmlns:a16="http://schemas.microsoft.com/office/drawing/2014/main" id="{DCB6F339-59B9-41B6-B254-6317ACDF1969}"/>
-              </a:ext>
-            </a:extLst>
-          </p:cNvPr>
-          <p:cNvCxnSpPr>
-            <a:stCxn id="622" idx="2"/>
-            <a:endCxn id="634" idx="1"/>
-          </p:cNvCxnSpPr>
-          <p:nvPr/>
-        </p:nvCxnSpPr>
-        <p:spPr>
-          <a:xfrm rot="16200000" flipH="1">
-            <a:off x="38793341" y="7420984"/>
-            <a:ext cx="10777677" cy="291957"/>
-          </a:xfrm>
-          <a:prstGeom prst="bentConnector2">
-            <a:avLst/>
-          </a:prstGeom>
-          <a:ln>
-            <a:solidFill>
-              <a:schemeClr val="tx1"/>
-            </a:solidFill>
-          </a:ln>
-        </p:spPr>
-        <p:style>
-          <a:lnRef idx="1">
-            <a:schemeClr val="dk1"/>
-          </a:lnRef>
-          <a:fillRef idx="0">
-            <a:schemeClr val="dk1"/>
-          </a:fillRef>
-          <a:effectRef idx="0">
-            <a:schemeClr val="dk1"/>
-          </a:effectRef>
-          <a:fontRef idx="minor">
-            <a:schemeClr val="tx1"/>
-          </a:fontRef>
-        </p:style>
-      </p:cxnSp>
-      <p:sp>
-        <p:nvSpPr>
-          <p:cNvPr id="683" name="직사각형 682">
-            <a:extLst>
-              <a:ext uri="{FF2B5EF4-FFF2-40B4-BE49-F238E27FC236}">
-                <a16:creationId xmlns:a16="http://schemas.microsoft.com/office/drawing/2014/main" id="{C8DA736A-D5E5-43E6-B810-12D076ACF604}"/>
+      <p:sp>
+        <p:nvSpPr>
+          <p:cNvPr id="687" name="직사각형 686">
+            <a:extLst>
+              <a:ext uri="{FF2B5EF4-FFF2-40B4-BE49-F238E27FC236}">
+                <a16:creationId xmlns:a16="http://schemas.microsoft.com/office/drawing/2014/main" id="{098E08A1-AE17-4CEE-9B13-77E1F8B616DD}"/>
               </a:ext>
             </a:extLst>
           </p:cNvPr>
@@ -17738,7 +17778,7 @@
         </p:nvSpPr>
         <p:spPr>
           <a:xfrm>
-            <a:off x="46888487" y="4056282"/>
+            <a:off x="45257072" y="3349669"/>
             <a:ext cx="1269722" cy="313361"/>
           </a:xfrm>
           <a:prstGeom prst="rect">
@@ -17776,30 +17816,30 @@
             <a:pPr algn="ctr"/>
             <a:r>
               <a:rPr lang="ko-KR" altLang="en-US" sz="1100" b="1" dirty="0"/>
-              <a:t>예매 내역 보기</a:t>
+              <a:t>상영스케줄 등록</a:t>
             </a:r>
           </a:p>
         </p:txBody>
       </p:sp>
       <p:cxnSp>
         <p:nvCxnSpPr>
-          <p:cNvPr id="685" name="연결선: 꺾임 684">
-            <a:extLst>
-              <a:ext uri="{FF2B5EF4-FFF2-40B4-BE49-F238E27FC236}">
-                <a16:creationId xmlns:a16="http://schemas.microsoft.com/office/drawing/2014/main" id="{AEA0914E-46DA-4B41-A14C-2A807F65CFF4}"/>
+          <p:cNvPr id="691" name="연결선: 꺾임 690">
+            <a:extLst>
+              <a:ext uri="{FF2B5EF4-FFF2-40B4-BE49-F238E27FC236}">
+                <a16:creationId xmlns:a16="http://schemas.microsoft.com/office/drawing/2014/main" id="{ED24A9E1-0A54-4AAB-B161-BB7AE684E54F}"/>
               </a:ext>
             </a:extLst>
           </p:cNvPr>
           <p:cNvCxnSpPr>
-            <a:stCxn id="626" idx="2"/>
-            <a:endCxn id="683" idx="1"/>
+            <a:stCxn id="630" idx="2"/>
+            <a:endCxn id="687" idx="1"/>
           </p:cNvCxnSpPr>
           <p:nvPr/>
         </p:nvCxnSpPr>
         <p:spPr>
           <a:xfrm rot="16200000" flipH="1">
-            <a:off x="46429787" y="3754263"/>
-            <a:ext cx="714784" cy="202616"/>
+            <a:off x="44975867" y="3225144"/>
+            <a:ext cx="314621" cy="247790"/>
           </a:xfrm>
           <a:prstGeom prst="bentConnector2">
             <a:avLst/>
@@ -17827,10 +17867,10 @@
       </p:cxnSp>
       <p:sp>
         <p:nvSpPr>
-          <p:cNvPr id="687" name="직사각형 686">
-            <a:extLst>
-              <a:ext uri="{FF2B5EF4-FFF2-40B4-BE49-F238E27FC236}">
-                <a16:creationId xmlns:a16="http://schemas.microsoft.com/office/drawing/2014/main" id="{098E08A1-AE17-4CEE-9B13-77E1F8B616DD}"/>
+          <p:cNvPr id="692" name="직사각형 691">
+            <a:extLst>
+              <a:ext uri="{FF2B5EF4-FFF2-40B4-BE49-F238E27FC236}">
+                <a16:creationId xmlns:a16="http://schemas.microsoft.com/office/drawing/2014/main" id="{B073C8B0-0DB1-434C-A0F7-5C6EBBC67DD6}"/>
               </a:ext>
             </a:extLst>
           </p:cNvPr>
@@ -17839,7 +17879,7 @@
         </p:nvSpPr>
         <p:spPr>
           <a:xfrm>
-            <a:off x="45179402" y="4818515"/>
+            <a:off x="46899292" y="4773315"/>
             <a:ext cx="1269722" cy="313361"/>
           </a:xfrm>
           <a:prstGeom prst="rect">
@@ -17877,30 +17917,31 @@
             <a:pPr algn="ctr"/>
             <a:r>
               <a:rPr lang="ko-KR" altLang="en-US" sz="1100" b="1" dirty="0"/>
-              <a:t>상영스케줄 등록</a:t>
+              <a:t>상영스케줄 수정</a:t>
             </a:r>
           </a:p>
         </p:txBody>
       </p:sp>
       <p:cxnSp>
         <p:nvCxnSpPr>
-          <p:cNvPr id="691" name="연결선: 꺾임 690">
-            <a:extLst>
-              <a:ext uri="{FF2B5EF4-FFF2-40B4-BE49-F238E27FC236}">
-                <a16:creationId xmlns:a16="http://schemas.microsoft.com/office/drawing/2014/main" id="{ED24A9E1-0A54-4AAB-B161-BB7AE684E54F}"/>
+          <p:cNvPr id="693" name="연결선: 꺾임 692">
+            <a:extLst>
+              <a:ext uri="{FF2B5EF4-FFF2-40B4-BE49-F238E27FC236}">
+                <a16:creationId xmlns:a16="http://schemas.microsoft.com/office/drawing/2014/main" id="{A65E1DFE-7D1F-4481-9D74-2DBA9FE4FEE0}"/>
               </a:ext>
             </a:extLst>
           </p:cNvPr>
           <p:cNvCxnSpPr>
-            <a:stCxn id="630" idx="2"/>
-            <a:endCxn id="687" idx="1"/>
+            <a:cxnSpLocks/>
+            <a:stCxn id="662" idx="2"/>
+            <a:endCxn id="692" idx="1"/>
           </p:cNvCxnSpPr>
           <p:nvPr/>
         </p:nvCxnSpPr>
         <p:spPr>
           <a:xfrm rot="16200000" flipH="1">
-            <a:off x="44898197" y="4693990"/>
-            <a:ext cx="314621" cy="247790"/>
+            <a:off x="46652877" y="4683580"/>
+            <a:ext cx="280087" cy="212744"/>
           </a:xfrm>
           <a:prstGeom prst="bentConnector2">
             <a:avLst/>
@@ -17913,13 +17954,13 @@
         </p:spPr>
         <p:style>
           <a:lnRef idx="1">
-            <a:schemeClr val="accent1"/>
+            <a:schemeClr val="dk1"/>
           </a:lnRef>
           <a:fillRef idx="0">
-            <a:schemeClr val="accent1"/>
-          </a:fillRef>
-          <a:effectRef idx="0">
-            <a:schemeClr val="accent1"/>
+            <a:schemeClr val="dk1"/>
+          </a:fillRef>
+          <a:effectRef idx="0">
+            <a:schemeClr val="dk1"/>
           </a:effectRef>
           <a:fontRef idx="minor">
             <a:schemeClr val="tx1"/>
@@ -17928,10 +17969,10 @@
       </p:cxnSp>
       <p:sp>
         <p:nvSpPr>
-          <p:cNvPr id="692" name="직사각형 691">
-            <a:extLst>
-              <a:ext uri="{FF2B5EF4-FFF2-40B4-BE49-F238E27FC236}">
-                <a16:creationId xmlns:a16="http://schemas.microsoft.com/office/drawing/2014/main" id="{B073C8B0-0DB1-434C-A0F7-5C6EBBC67DD6}"/>
+          <p:cNvPr id="694" name="직사각형 693">
+            <a:extLst>
+              <a:ext uri="{FF2B5EF4-FFF2-40B4-BE49-F238E27FC236}">
+                <a16:creationId xmlns:a16="http://schemas.microsoft.com/office/drawing/2014/main" id="{5C5769B5-D5E7-4DC1-AF59-F63A29AD2DFE}"/>
               </a:ext>
             </a:extLst>
           </p:cNvPr>
@@ -17940,7 +17981,7 @@
         </p:nvSpPr>
         <p:spPr>
           <a:xfrm>
-            <a:off x="46821622" y="6242161"/>
+            <a:off x="46899292" y="5232419"/>
             <a:ext cx="1269722" cy="313361"/>
           </a:xfrm>
           <a:prstGeom prst="rect">
@@ -17978,31 +18019,31 @@
             <a:pPr algn="ctr"/>
             <a:r>
               <a:rPr lang="ko-KR" altLang="en-US" sz="1100" b="1" dirty="0"/>
-              <a:t>상영스케줄 수정</a:t>
+              <a:t>상영스케줄 삭제</a:t>
             </a:r>
           </a:p>
         </p:txBody>
       </p:sp>
       <p:cxnSp>
         <p:nvCxnSpPr>
-          <p:cNvPr id="693" name="연결선: 꺾임 692">
-            <a:extLst>
-              <a:ext uri="{FF2B5EF4-FFF2-40B4-BE49-F238E27FC236}">
-                <a16:creationId xmlns:a16="http://schemas.microsoft.com/office/drawing/2014/main" id="{A65E1DFE-7D1F-4481-9D74-2DBA9FE4FEE0}"/>
+          <p:cNvPr id="695" name="연결선: 꺾임 694">
+            <a:extLst>
+              <a:ext uri="{FF2B5EF4-FFF2-40B4-BE49-F238E27FC236}">
+                <a16:creationId xmlns:a16="http://schemas.microsoft.com/office/drawing/2014/main" id="{C9AE8DAF-4AA6-4F20-9A7C-F0FFD10C8817}"/>
               </a:ext>
             </a:extLst>
           </p:cNvPr>
           <p:cNvCxnSpPr>
             <a:cxnSpLocks/>
             <a:stCxn id="662" idx="2"/>
-            <a:endCxn id="692" idx="1"/>
+            <a:endCxn id="694" idx="1"/>
           </p:cNvCxnSpPr>
           <p:nvPr/>
         </p:nvCxnSpPr>
         <p:spPr>
           <a:xfrm rot="16200000" flipH="1">
-            <a:off x="46575207" y="6152426"/>
-            <a:ext cx="280087" cy="212744"/>
+            <a:off x="46423325" y="4913132"/>
+            <a:ext cx="739191" cy="212744"/>
           </a:xfrm>
           <a:prstGeom prst="bentConnector2">
             <a:avLst/>
@@ -18015,13 +18056,13 @@
         </p:spPr>
         <p:style>
           <a:lnRef idx="1">
-            <a:schemeClr val="dk1"/>
+            <a:schemeClr val="accent1"/>
           </a:lnRef>
           <a:fillRef idx="0">
-            <a:schemeClr val="dk1"/>
-          </a:fillRef>
-          <a:effectRef idx="0">
-            <a:schemeClr val="dk1"/>
+            <a:schemeClr val="accent1"/>
+          </a:fillRef>
+          <a:effectRef idx="0">
+            <a:schemeClr val="accent1"/>
           </a:effectRef>
           <a:fontRef idx="minor">
             <a:schemeClr val="tx1"/>
@@ -18030,10 +18071,10 @@
       </p:cxnSp>
       <p:sp>
         <p:nvSpPr>
-          <p:cNvPr id="694" name="직사각형 693">
-            <a:extLst>
-              <a:ext uri="{FF2B5EF4-FFF2-40B4-BE49-F238E27FC236}">
-                <a16:creationId xmlns:a16="http://schemas.microsoft.com/office/drawing/2014/main" id="{5C5769B5-D5E7-4DC1-AF59-F63A29AD2DFE}"/>
+          <p:cNvPr id="707" name="직사각형 706">
+            <a:extLst>
+              <a:ext uri="{FF2B5EF4-FFF2-40B4-BE49-F238E27FC236}">
+                <a16:creationId xmlns:a16="http://schemas.microsoft.com/office/drawing/2014/main" id="{FEB075A1-EB1B-4A66-981E-F1C10C84BA10}"/>
               </a:ext>
             </a:extLst>
           </p:cNvPr>
@@ -18042,7 +18083,7 @@
         </p:nvSpPr>
         <p:spPr>
           <a:xfrm>
-            <a:off x="46821622" y="6701265"/>
+            <a:off x="46359734" y="6783574"/>
             <a:ext cx="1269722" cy="313361"/>
           </a:xfrm>
           <a:prstGeom prst="rect">
@@ -18080,31 +18121,30 @@
             <a:pPr algn="ctr"/>
             <a:r>
               <a:rPr lang="ko-KR" altLang="en-US" sz="1100" b="1" dirty="0"/>
-              <a:t>상영스케줄 삭제</a:t>
+              <a:t>영화 등록</a:t>
             </a:r>
           </a:p>
         </p:txBody>
       </p:sp>
       <p:cxnSp>
         <p:nvCxnSpPr>
-          <p:cNvPr id="695" name="연결선: 꺾임 694">
-            <a:extLst>
-              <a:ext uri="{FF2B5EF4-FFF2-40B4-BE49-F238E27FC236}">
-                <a16:creationId xmlns:a16="http://schemas.microsoft.com/office/drawing/2014/main" id="{C9AE8DAF-4AA6-4F20-9A7C-F0FFD10C8817}"/>
+          <p:cNvPr id="709" name="연결선: 꺾임 708">
+            <a:extLst>
+              <a:ext uri="{FF2B5EF4-FFF2-40B4-BE49-F238E27FC236}">
+                <a16:creationId xmlns:a16="http://schemas.microsoft.com/office/drawing/2014/main" id="{80BB8D72-58FB-48CA-A1FE-30A6FD5CE3DA}"/>
               </a:ext>
             </a:extLst>
           </p:cNvPr>
           <p:cNvCxnSpPr>
-            <a:cxnSpLocks/>
-            <a:stCxn id="662" idx="2"/>
-            <a:endCxn id="694" idx="1"/>
+            <a:stCxn id="632" idx="2"/>
+            <a:endCxn id="707" idx="1"/>
           </p:cNvCxnSpPr>
           <p:nvPr/>
         </p:nvCxnSpPr>
         <p:spPr>
           <a:xfrm rot="16200000" flipH="1">
-            <a:off x="46345655" y="6381978"/>
-            <a:ext cx="739191" cy="212744"/>
+            <a:off x="46091741" y="6672262"/>
+            <a:ext cx="288196" cy="247790"/>
           </a:xfrm>
           <a:prstGeom prst="bentConnector2">
             <a:avLst/>
@@ -18132,10 +18172,10 @@
       </p:cxnSp>
       <p:sp>
         <p:nvSpPr>
-          <p:cNvPr id="707" name="직사각형 706">
-            <a:extLst>
-              <a:ext uri="{FF2B5EF4-FFF2-40B4-BE49-F238E27FC236}">
-                <a16:creationId xmlns:a16="http://schemas.microsoft.com/office/drawing/2014/main" id="{FEB075A1-EB1B-4A66-981E-F1C10C84BA10}"/>
+          <p:cNvPr id="712" name="직사각형 711">
+            <a:extLst>
+              <a:ext uri="{FF2B5EF4-FFF2-40B4-BE49-F238E27FC236}">
+                <a16:creationId xmlns:a16="http://schemas.microsoft.com/office/drawing/2014/main" id="{3EF95717-3322-4157-AF07-D1DA5BAF2D64}"/>
               </a:ext>
             </a:extLst>
           </p:cNvPr>
@@ -18144,7 +18184,7 @@
         </p:nvSpPr>
         <p:spPr>
           <a:xfrm>
-            <a:off x="45179402" y="7591514"/>
+            <a:off x="45341010" y="9468745"/>
             <a:ext cx="1269722" cy="313361"/>
           </a:xfrm>
           <a:prstGeom prst="rect">
@@ -18181,31 +18221,35 @@
           <a:p>
             <a:pPr algn="ctr"/>
             <a:r>
+              <a:rPr lang="ko-KR" altLang="en-US" sz="1100" b="1" dirty="0" err="1"/>
+              <a:t>기프티콘</a:t>
+            </a:r>
+            <a:r>
               <a:rPr lang="ko-KR" altLang="en-US" sz="1100" b="1" dirty="0"/>
-              <a:t>영화 등록</a:t>
+              <a:t> 등록</a:t>
             </a:r>
           </a:p>
         </p:txBody>
       </p:sp>
       <p:cxnSp>
         <p:nvCxnSpPr>
-          <p:cNvPr id="709" name="연결선: 꺾임 708">
-            <a:extLst>
-              <a:ext uri="{FF2B5EF4-FFF2-40B4-BE49-F238E27FC236}">
-                <a16:creationId xmlns:a16="http://schemas.microsoft.com/office/drawing/2014/main" id="{80BB8D72-58FB-48CA-A1FE-30A6FD5CE3DA}"/>
+          <p:cNvPr id="714" name="연결선: 꺾임 713">
+            <a:extLst>
+              <a:ext uri="{FF2B5EF4-FFF2-40B4-BE49-F238E27FC236}">
+                <a16:creationId xmlns:a16="http://schemas.microsoft.com/office/drawing/2014/main" id="{4D05AC5E-DA82-4D0E-B6D3-FE356A5DD500}"/>
               </a:ext>
             </a:extLst>
           </p:cNvPr>
           <p:cNvCxnSpPr>
-            <a:stCxn id="632" idx="2"/>
-            <a:endCxn id="707" idx="1"/>
+            <a:stCxn id="633" idx="2"/>
+            <a:endCxn id="712" idx="1"/>
           </p:cNvCxnSpPr>
           <p:nvPr/>
         </p:nvCxnSpPr>
         <p:spPr>
           <a:xfrm rot="16200000" flipH="1">
-            <a:off x="44911409" y="7480202"/>
-            <a:ext cx="288196" cy="247790"/>
+            <a:off x="45090955" y="9375370"/>
+            <a:ext cx="291277" cy="208833"/>
           </a:xfrm>
           <a:prstGeom prst="bentConnector2">
             <a:avLst/>
@@ -18233,10 +18277,10 @@
       </p:cxnSp>
       <p:sp>
         <p:nvSpPr>
-          <p:cNvPr id="712" name="직사각형 711">
-            <a:extLst>
-              <a:ext uri="{FF2B5EF4-FFF2-40B4-BE49-F238E27FC236}">
-                <a16:creationId xmlns:a16="http://schemas.microsoft.com/office/drawing/2014/main" id="{3EF95717-3322-4157-AF07-D1DA5BAF2D64}"/>
+          <p:cNvPr id="716" name="직사각형 715">
+            <a:extLst>
+              <a:ext uri="{FF2B5EF4-FFF2-40B4-BE49-F238E27FC236}">
+                <a16:creationId xmlns:a16="http://schemas.microsoft.com/office/drawing/2014/main" id="{3892F754-467E-4CEB-BD36-963C42C64C8D}"/>
               </a:ext>
             </a:extLst>
           </p:cNvPr>
@@ -18245,7 +18289,7 @@
         </p:nvSpPr>
         <p:spPr>
           <a:xfrm>
-            <a:off x="45140446" y="10384427"/>
+            <a:off x="5698123" y="10174106"/>
             <a:ext cx="1269722" cy="313361"/>
           </a:xfrm>
           <a:prstGeom prst="rect">
@@ -18282,66 +18326,19 @@
           <a:p>
             <a:pPr algn="ctr"/>
             <a:r>
-              <a:rPr lang="ko-KR" altLang="en-US" sz="1100" b="1" dirty="0" err="1"/>
-              <a:t>기프티콘</a:t>
-            </a:r>
-            <a:r>
-              <a:rPr lang="ko-KR" altLang="en-US" sz="1100" b="1" dirty="0"/>
-              <a:t> 등록</a:t>
-            </a:r>
-          </a:p>
-        </p:txBody>
-      </p:sp>
-      <p:cxnSp>
-        <p:nvCxnSpPr>
-          <p:cNvPr id="714" name="연결선: 꺾임 713">
-            <a:extLst>
-              <a:ext uri="{FF2B5EF4-FFF2-40B4-BE49-F238E27FC236}">
-                <a16:creationId xmlns:a16="http://schemas.microsoft.com/office/drawing/2014/main" id="{4D05AC5E-DA82-4D0E-B6D3-FE356A5DD500}"/>
-              </a:ext>
-            </a:extLst>
-          </p:cNvPr>
-          <p:cNvCxnSpPr>
-            <a:stCxn id="633" idx="2"/>
-            <a:endCxn id="712" idx="1"/>
-          </p:cNvCxnSpPr>
-          <p:nvPr/>
-        </p:nvCxnSpPr>
-        <p:spPr>
-          <a:xfrm rot="16200000" flipH="1">
-            <a:off x="44890391" y="10291052"/>
-            <a:ext cx="291277" cy="208833"/>
-          </a:xfrm>
-          <a:prstGeom prst="bentConnector2">
-            <a:avLst/>
-          </a:prstGeom>
-          <a:ln>
-            <a:solidFill>
-              <a:schemeClr val="tx1"/>
-            </a:solidFill>
-          </a:ln>
-        </p:spPr>
-        <p:style>
-          <a:lnRef idx="1">
-            <a:schemeClr val="accent1"/>
-          </a:lnRef>
-          <a:fillRef idx="0">
-            <a:schemeClr val="accent1"/>
-          </a:fillRef>
-          <a:effectRef idx="0">
-            <a:schemeClr val="accent1"/>
-          </a:effectRef>
-          <a:fontRef idx="minor">
-            <a:schemeClr val="tx1"/>
-          </a:fontRef>
-        </p:style>
-      </p:cxnSp>
-      <p:sp>
-        <p:nvSpPr>
-          <p:cNvPr id="716" name="직사각형 715">
-            <a:extLst>
-              <a:ext uri="{FF2B5EF4-FFF2-40B4-BE49-F238E27FC236}">
-                <a16:creationId xmlns:a16="http://schemas.microsoft.com/office/drawing/2014/main" id="{3892F754-467E-4CEB-BD36-963C42C64C8D}"/>
+              <a:rPr lang="ko-KR" altLang="en-US" sz="1100" b="1"/>
+              <a:t>채용 정보</a:t>
+            </a:r>
+            <a:endParaRPr lang="ko-KR" altLang="en-US" sz="1100" b="1" dirty="0"/>
+          </a:p>
+        </p:txBody>
+      </p:sp>
+      <p:sp>
+        <p:nvSpPr>
+          <p:cNvPr id="717" name="직사각형 716">
+            <a:extLst>
+              <a:ext uri="{FF2B5EF4-FFF2-40B4-BE49-F238E27FC236}">
+                <a16:creationId xmlns:a16="http://schemas.microsoft.com/office/drawing/2014/main" id="{6E1D18F9-ABF0-4BA9-8477-7F5257EC2771}"/>
               </a:ext>
             </a:extLst>
           </p:cNvPr>
@@ -18350,7 +18347,7 @@
         </p:nvSpPr>
         <p:spPr>
           <a:xfrm>
-            <a:off x="5698123" y="10174106"/>
+            <a:off x="6574423" y="10618293"/>
             <a:ext cx="1269722" cy="313361"/>
           </a:xfrm>
           <a:prstGeom prst="rect">
@@ -18388,7 +18385,7 @@
             <a:pPr algn="ctr"/>
             <a:r>
               <a:rPr lang="ko-KR" altLang="en-US" sz="1100" b="1"/>
-              <a:t>채용 정보</a:t>
+              <a:t>채용 공고 게시판</a:t>
             </a:r>
             <a:endParaRPr lang="ko-KR" altLang="en-US" sz="1100" b="1" dirty="0"/>
           </a:p>
@@ -18396,10 +18393,10 @@
       </p:sp>
       <p:sp>
         <p:nvSpPr>
-          <p:cNvPr id="717" name="직사각형 716">
-            <a:extLst>
-              <a:ext uri="{FF2B5EF4-FFF2-40B4-BE49-F238E27FC236}">
-                <a16:creationId xmlns:a16="http://schemas.microsoft.com/office/drawing/2014/main" id="{6E1D18F9-ABF0-4BA9-8477-7F5257EC2771}"/>
+          <p:cNvPr id="718" name="직사각형 717">
+            <a:extLst>
+              <a:ext uri="{FF2B5EF4-FFF2-40B4-BE49-F238E27FC236}">
+                <a16:creationId xmlns:a16="http://schemas.microsoft.com/office/drawing/2014/main" id="{CAB08743-6880-407D-8DE9-01031D7D326A}"/>
               </a:ext>
             </a:extLst>
           </p:cNvPr>
@@ -18408,7 +18405,7 @@
         </p:nvSpPr>
         <p:spPr>
           <a:xfrm>
-            <a:off x="6574423" y="10618293"/>
+            <a:off x="6574423" y="12271993"/>
             <a:ext cx="1269722" cy="313361"/>
           </a:xfrm>
           <a:prstGeom prst="rect">
@@ -18446,7 +18443,7 @@
             <a:pPr algn="ctr"/>
             <a:r>
               <a:rPr lang="ko-KR" altLang="en-US" sz="1100" b="1"/>
-              <a:t>채용 공고 게시판</a:t>
+              <a:t>내 지원 현황</a:t>
             </a:r>
             <a:endParaRPr lang="ko-KR" altLang="en-US" sz="1100" b="1" dirty="0"/>
           </a:p>
@@ -18454,10 +18451,10 @@
       </p:sp>
       <p:sp>
         <p:nvSpPr>
-          <p:cNvPr id="718" name="직사각형 717">
-            <a:extLst>
-              <a:ext uri="{FF2B5EF4-FFF2-40B4-BE49-F238E27FC236}">
-                <a16:creationId xmlns:a16="http://schemas.microsoft.com/office/drawing/2014/main" id="{CAB08743-6880-407D-8DE9-01031D7D326A}"/>
+          <p:cNvPr id="719" name="직사각형 718">
+            <a:extLst>
+              <a:ext uri="{FF2B5EF4-FFF2-40B4-BE49-F238E27FC236}">
+                <a16:creationId xmlns:a16="http://schemas.microsoft.com/office/drawing/2014/main" id="{736A0A26-2796-45BA-80F2-CC551587B5EB}"/>
               </a:ext>
             </a:extLst>
           </p:cNvPr>
@@ -18466,7 +18463,7 @@
         </p:nvSpPr>
         <p:spPr>
           <a:xfrm>
-            <a:off x="6574423" y="12271993"/>
+            <a:off x="8275188" y="11541606"/>
             <a:ext cx="1269722" cy="313361"/>
           </a:xfrm>
           <a:prstGeom prst="rect">
@@ -18503,19 +18500,116 @@
           <a:p>
             <a:pPr algn="ctr"/>
             <a:r>
-              <a:rPr lang="ko-KR" altLang="en-US" sz="1100" b="1"/>
-              <a:t>내 지원 현황</a:t>
-            </a:r>
-            <a:endParaRPr lang="ko-KR" altLang="en-US" sz="1100" b="1" dirty="0"/>
-          </a:p>
-        </p:txBody>
-      </p:sp>
-      <p:sp>
-        <p:nvSpPr>
-          <p:cNvPr id="719" name="직사각형 718">
-            <a:extLst>
-              <a:ext uri="{FF2B5EF4-FFF2-40B4-BE49-F238E27FC236}">
-                <a16:creationId xmlns:a16="http://schemas.microsoft.com/office/drawing/2014/main" id="{736A0A26-2796-45BA-80F2-CC551587B5EB}"/>
+              <a:rPr lang="ko-KR" altLang="en-US" sz="1100" b="1" dirty="0"/>
+              <a:t>채용 공고</a:t>
+            </a:r>
+            <a:endParaRPr lang="en-US" altLang="ko-KR" sz="1100" b="1" dirty="0"/>
+          </a:p>
+          <a:p>
+            <a:pPr algn="ctr"/>
+            <a:r>
+              <a:rPr lang="ko-KR" altLang="en-US" sz="1100" b="1" dirty="0"/>
+              <a:t>상세 보기</a:t>
+            </a:r>
+          </a:p>
+        </p:txBody>
+      </p:sp>
+      <p:cxnSp>
+        <p:nvCxnSpPr>
+          <p:cNvPr id="720" name="연결선: 꺾임 719">
+            <a:extLst>
+              <a:ext uri="{FF2B5EF4-FFF2-40B4-BE49-F238E27FC236}">
+                <a16:creationId xmlns:a16="http://schemas.microsoft.com/office/drawing/2014/main" id="{D2426681-4A89-44C5-9E57-1C06FF20324A}"/>
+              </a:ext>
+            </a:extLst>
+          </p:cNvPr>
+          <p:cNvCxnSpPr>
+            <a:cxnSpLocks/>
+            <a:stCxn id="716" idx="2"/>
+            <a:endCxn id="717" idx="1"/>
+          </p:cNvCxnSpPr>
+          <p:nvPr/>
+        </p:nvCxnSpPr>
+        <p:spPr>
+          <a:xfrm rot="16200000" flipH="1">
+            <a:off x="6309950" y="10510500"/>
+            <a:ext cx="287507" cy="241439"/>
+          </a:xfrm>
+          <a:prstGeom prst="bentConnector2">
+            <a:avLst/>
+          </a:prstGeom>
+          <a:ln>
+            <a:solidFill>
+              <a:schemeClr val="tx1"/>
+            </a:solidFill>
+          </a:ln>
+        </p:spPr>
+        <p:style>
+          <a:lnRef idx="1">
+            <a:schemeClr val="dk1"/>
+          </a:lnRef>
+          <a:fillRef idx="0">
+            <a:schemeClr val="dk1"/>
+          </a:fillRef>
+          <a:effectRef idx="0">
+            <a:schemeClr val="dk1"/>
+          </a:effectRef>
+          <a:fontRef idx="minor">
+            <a:schemeClr val="tx1"/>
+          </a:fontRef>
+        </p:style>
+      </p:cxnSp>
+      <p:cxnSp>
+        <p:nvCxnSpPr>
+          <p:cNvPr id="721" name="연결선: 꺾임 720">
+            <a:extLst>
+              <a:ext uri="{FF2B5EF4-FFF2-40B4-BE49-F238E27FC236}">
+                <a16:creationId xmlns:a16="http://schemas.microsoft.com/office/drawing/2014/main" id="{96B9FD7E-E157-4754-BA33-1CBBC7CCF907}"/>
+              </a:ext>
+            </a:extLst>
+          </p:cNvPr>
+          <p:cNvCxnSpPr>
+            <a:cxnSpLocks/>
+            <a:stCxn id="722" idx="2"/>
+            <a:endCxn id="719" idx="1"/>
+          </p:cNvCxnSpPr>
+          <p:nvPr/>
+        </p:nvCxnSpPr>
+        <p:spPr>
+          <a:xfrm rot="16200000" flipH="1">
+            <a:off x="8012168" y="11435267"/>
+            <a:ext cx="340790" cy="185250"/>
+          </a:xfrm>
+          <a:prstGeom prst="bentConnector2">
+            <a:avLst/>
+          </a:prstGeom>
+          <a:ln>
+            <a:solidFill>
+              <a:schemeClr val="tx1"/>
+            </a:solidFill>
+          </a:ln>
+        </p:spPr>
+        <p:style>
+          <a:lnRef idx="1">
+            <a:schemeClr val="dk1"/>
+          </a:lnRef>
+          <a:fillRef idx="0">
+            <a:schemeClr val="dk1"/>
+          </a:fillRef>
+          <a:effectRef idx="0">
+            <a:schemeClr val="dk1"/>
+          </a:effectRef>
+          <a:fontRef idx="minor">
+            <a:schemeClr val="tx1"/>
+          </a:fontRef>
+        </p:style>
+      </p:cxnSp>
+      <p:sp>
+        <p:nvSpPr>
+          <p:cNvPr id="722" name="직사각형 721">
+            <a:extLst>
+              <a:ext uri="{FF2B5EF4-FFF2-40B4-BE49-F238E27FC236}">
+                <a16:creationId xmlns:a16="http://schemas.microsoft.com/office/drawing/2014/main" id="{7C890735-A9C0-4575-B300-60E6615CF556}"/>
               </a:ext>
             </a:extLst>
           </p:cNvPr>
@@ -18524,7 +18618,7 @@
         </p:nvSpPr>
         <p:spPr>
           <a:xfrm>
-            <a:off x="8275188" y="11541606"/>
+            <a:off x="7455077" y="11044136"/>
             <a:ext cx="1269722" cy="313361"/>
           </a:xfrm>
           <a:prstGeom prst="rect">
@@ -18561,40 +18655,78 @@
           <a:p>
             <a:pPr algn="ctr"/>
             <a:r>
-              <a:rPr lang="ko-KR" altLang="en-US" sz="1100" b="1" dirty="0"/>
-              <a:t>채용 공고</a:t>
-            </a:r>
-            <a:endParaRPr lang="en-US" altLang="ko-KR" sz="1100" b="1" dirty="0"/>
-          </a:p>
-          <a:p>
-            <a:pPr algn="ctr"/>
-            <a:r>
-              <a:rPr lang="ko-KR" altLang="en-US" sz="1100" b="1" dirty="0"/>
-              <a:t>상세 보기</a:t>
-            </a:r>
+              <a:rPr lang="ko-KR" altLang="en-US" sz="1100" b="1"/>
+              <a:t>채용 공고 조회</a:t>
+            </a:r>
+            <a:endParaRPr lang="ko-KR" altLang="en-US" sz="1100" b="1" dirty="0"/>
           </a:p>
         </p:txBody>
       </p:sp>
       <p:cxnSp>
         <p:nvCxnSpPr>
-          <p:cNvPr id="720" name="연결선: 꺾임 719">
-            <a:extLst>
-              <a:ext uri="{FF2B5EF4-FFF2-40B4-BE49-F238E27FC236}">
-                <a16:creationId xmlns:a16="http://schemas.microsoft.com/office/drawing/2014/main" id="{D2426681-4A89-44C5-9E57-1C06FF20324A}"/>
+          <p:cNvPr id="723" name="연결선: 꺾임 722">
+            <a:extLst>
+              <a:ext uri="{FF2B5EF4-FFF2-40B4-BE49-F238E27FC236}">
+                <a16:creationId xmlns:a16="http://schemas.microsoft.com/office/drawing/2014/main" id="{5B7C388A-793F-4C8A-AB1F-AB7033C748EA}"/>
+              </a:ext>
+            </a:extLst>
+          </p:cNvPr>
+          <p:cNvCxnSpPr>
+            <a:cxnSpLocks/>
+            <a:stCxn id="717" idx="2"/>
+            <a:endCxn id="722" idx="1"/>
+          </p:cNvCxnSpPr>
+          <p:nvPr/>
+        </p:nvCxnSpPr>
+        <p:spPr>
+          <a:xfrm rot="16200000" flipH="1">
+            <a:off x="7197599" y="10943338"/>
+            <a:ext cx="269163" cy="245793"/>
+          </a:xfrm>
+          <a:prstGeom prst="bentConnector2">
+            <a:avLst/>
+          </a:prstGeom>
+          <a:ln>
+            <a:solidFill>
+              <a:schemeClr val="tx1"/>
+            </a:solidFill>
+          </a:ln>
+        </p:spPr>
+        <p:style>
+          <a:lnRef idx="1">
+            <a:schemeClr val="dk1"/>
+          </a:lnRef>
+          <a:fillRef idx="0">
+            <a:schemeClr val="dk1"/>
+          </a:fillRef>
+          <a:effectRef idx="0">
+            <a:schemeClr val="dk1"/>
+          </a:effectRef>
+          <a:fontRef idx="minor">
+            <a:schemeClr val="tx1"/>
+          </a:fontRef>
+        </p:style>
+      </p:cxnSp>
+      <p:cxnSp>
+        <p:nvCxnSpPr>
+          <p:cNvPr id="724" name="연결선: 꺾임 723">
+            <a:extLst>
+              <a:ext uri="{FF2B5EF4-FFF2-40B4-BE49-F238E27FC236}">
+                <a16:creationId xmlns:a16="http://schemas.microsoft.com/office/drawing/2014/main" id="{DBAF7430-2297-47BC-9251-785C13876302}"/>
               </a:ext>
             </a:extLst>
           </p:cNvPr>
           <p:cNvCxnSpPr>
             <a:cxnSpLocks/>
             <a:stCxn id="716" idx="2"/>
-            <a:endCxn id="717" idx="1"/>
+            <a:endCxn id="718" idx="1"/>
           </p:cNvCxnSpPr>
           <p:nvPr/>
         </p:nvCxnSpPr>
         <p:spPr>
           <a:xfrm rot="16200000" flipH="1">
-            <a:off x="6309950" y="10510500"/>
-            <a:ext cx="287507" cy="241439"/>
+            <a:off x="5483100" y="11337350"/>
+            <a:ext cx="1941207" cy="241439"/>
           </a:xfrm>
           <a:prstGeom prst="bentConnector2">
             <a:avLst/>
@@ -18620,57 +18752,12 @@
           </a:fontRef>
         </p:style>
       </p:cxnSp>
-      <p:cxnSp>
-        <p:nvCxnSpPr>
-          <p:cNvPr id="721" name="연결선: 꺾임 720">
-            <a:extLst>
-              <a:ext uri="{FF2B5EF4-FFF2-40B4-BE49-F238E27FC236}">
-                <a16:creationId xmlns:a16="http://schemas.microsoft.com/office/drawing/2014/main" id="{96B9FD7E-E157-4754-BA33-1CBBC7CCF907}"/>
-              </a:ext>
-            </a:extLst>
-          </p:cNvPr>
-          <p:cNvCxnSpPr>
-            <a:cxnSpLocks/>
-            <a:stCxn id="722" idx="2"/>
-            <a:endCxn id="719" idx="1"/>
-          </p:cNvCxnSpPr>
-          <p:nvPr/>
-        </p:nvCxnSpPr>
-        <p:spPr>
-          <a:xfrm rot="16200000" flipH="1">
-            <a:off x="8012168" y="11435267"/>
-            <a:ext cx="340790" cy="185250"/>
-          </a:xfrm>
-          <a:prstGeom prst="bentConnector2">
-            <a:avLst/>
-          </a:prstGeom>
-          <a:ln>
-            <a:solidFill>
-              <a:schemeClr val="tx1"/>
-            </a:solidFill>
-          </a:ln>
-        </p:spPr>
-        <p:style>
-          <a:lnRef idx="1">
-            <a:schemeClr val="dk1"/>
-          </a:lnRef>
-          <a:fillRef idx="0">
-            <a:schemeClr val="dk1"/>
-          </a:fillRef>
-          <a:effectRef idx="0">
-            <a:schemeClr val="dk1"/>
-          </a:effectRef>
-          <a:fontRef idx="minor">
-            <a:schemeClr val="tx1"/>
-          </a:fontRef>
-        </p:style>
-      </p:cxnSp>
-      <p:sp>
-        <p:nvSpPr>
-          <p:cNvPr id="722" name="직사각형 721">
-            <a:extLst>
-              <a:ext uri="{FF2B5EF4-FFF2-40B4-BE49-F238E27FC236}">
-                <a16:creationId xmlns:a16="http://schemas.microsoft.com/office/drawing/2014/main" id="{7C890735-A9C0-4575-B300-60E6615CF556}"/>
+      <p:sp>
+        <p:nvSpPr>
+          <p:cNvPr id="725" name="직사각형 724">
+            <a:extLst>
+              <a:ext uri="{FF2B5EF4-FFF2-40B4-BE49-F238E27FC236}">
+                <a16:creationId xmlns:a16="http://schemas.microsoft.com/office/drawing/2014/main" id="{AC742F47-737B-4185-9F94-13C6C962D3DD}"/>
               </a:ext>
             </a:extLst>
           </p:cNvPr>
@@ -18679,7 +18766,7 @@
         </p:nvSpPr>
         <p:spPr>
           <a:xfrm>
-            <a:off x="7455077" y="11044136"/>
+            <a:off x="9137979" y="11968089"/>
             <a:ext cx="1269722" cy="313361"/>
           </a:xfrm>
           <a:prstGeom prst="rect">
@@ -18717,7 +18804,7 @@
             <a:pPr algn="ctr"/>
             <a:r>
               <a:rPr lang="ko-KR" altLang="en-US" sz="1100" b="1"/>
-              <a:t>채용 공고 조회</a:t>
+              <a:t>지원하기</a:t>
             </a:r>
             <a:endParaRPr lang="ko-KR" altLang="en-US" sz="1100" b="1" dirty="0"/>
           </a:p>
@@ -18725,24 +18812,24 @@
       </p:sp>
       <p:cxnSp>
         <p:nvCxnSpPr>
-          <p:cNvPr id="723" name="연결선: 꺾임 722">
-            <a:extLst>
-              <a:ext uri="{FF2B5EF4-FFF2-40B4-BE49-F238E27FC236}">
-                <a16:creationId xmlns:a16="http://schemas.microsoft.com/office/drawing/2014/main" id="{5B7C388A-793F-4C8A-AB1F-AB7033C748EA}"/>
+          <p:cNvPr id="726" name="연결선: 꺾임 725">
+            <a:extLst>
+              <a:ext uri="{FF2B5EF4-FFF2-40B4-BE49-F238E27FC236}">
+                <a16:creationId xmlns:a16="http://schemas.microsoft.com/office/drawing/2014/main" id="{D2BA7735-9BA7-40CF-A0DB-94DE33FA6588}"/>
               </a:ext>
             </a:extLst>
           </p:cNvPr>
           <p:cNvCxnSpPr>
             <a:cxnSpLocks/>
-            <a:stCxn id="717" idx="2"/>
-            <a:endCxn id="722" idx="1"/>
+            <a:stCxn id="719" idx="2"/>
+            <a:endCxn id="725" idx="1"/>
           </p:cNvCxnSpPr>
           <p:nvPr/>
         </p:nvCxnSpPr>
         <p:spPr>
           <a:xfrm rot="16200000" flipH="1">
-            <a:off x="7197599" y="10943338"/>
-            <a:ext cx="269163" cy="245793"/>
+            <a:off x="8889113" y="11875903"/>
+            <a:ext cx="269803" cy="227930"/>
           </a:xfrm>
           <a:prstGeom prst="bentConnector2">
             <a:avLst/>
@@ -18768,57 +18855,12 @@
           </a:fontRef>
         </p:style>
       </p:cxnSp>
-      <p:cxnSp>
-        <p:nvCxnSpPr>
-          <p:cNvPr id="724" name="연결선: 꺾임 723">
-            <a:extLst>
-              <a:ext uri="{FF2B5EF4-FFF2-40B4-BE49-F238E27FC236}">
-                <a16:creationId xmlns:a16="http://schemas.microsoft.com/office/drawing/2014/main" id="{DBAF7430-2297-47BC-9251-785C13876302}"/>
-              </a:ext>
-            </a:extLst>
-          </p:cNvPr>
-          <p:cNvCxnSpPr>
-            <a:cxnSpLocks/>
-            <a:stCxn id="716" idx="2"/>
-            <a:endCxn id="718" idx="1"/>
-          </p:cNvCxnSpPr>
-          <p:nvPr/>
-        </p:nvCxnSpPr>
-        <p:spPr>
-          <a:xfrm rot="16200000" flipH="1">
-            <a:off x="5483100" y="11337350"/>
-            <a:ext cx="1941207" cy="241439"/>
-          </a:xfrm>
-          <a:prstGeom prst="bentConnector2">
-            <a:avLst/>
-          </a:prstGeom>
-          <a:ln>
-            <a:solidFill>
-              <a:schemeClr val="tx1"/>
-            </a:solidFill>
-          </a:ln>
-        </p:spPr>
-        <p:style>
-          <a:lnRef idx="1">
-            <a:schemeClr val="dk1"/>
-          </a:lnRef>
-          <a:fillRef idx="0">
-            <a:schemeClr val="dk1"/>
-          </a:fillRef>
-          <a:effectRef idx="0">
-            <a:schemeClr val="dk1"/>
-          </a:effectRef>
-          <a:fontRef idx="minor">
-            <a:schemeClr val="tx1"/>
-          </a:fontRef>
-        </p:style>
-      </p:cxnSp>
-      <p:sp>
-        <p:nvSpPr>
-          <p:cNvPr id="725" name="직사각형 724">
-            <a:extLst>
-              <a:ext uri="{FF2B5EF4-FFF2-40B4-BE49-F238E27FC236}">
-                <a16:creationId xmlns:a16="http://schemas.microsoft.com/office/drawing/2014/main" id="{AC742F47-737B-4185-9F94-13C6C962D3DD}"/>
+      <p:sp>
+        <p:nvSpPr>
+          <p:cNvPr id="727" name="직사각형 726">
+            <a:extLst>
+              <a:ext uri="{FF2B5EF4-FFF2-40B4-BE49-F238E27FC236}">
+                <a16:creationId xmlns:a16="http://schemas.microsoft.com/office/drawing/2014/main" id="{18BE5F58-25DD-477B-873A-966BE6F2CE69}"/>
               </a:ext>
             </a:extLst>
           </p:cNvPr>
@@ -18827,7 +18869,7 @@
         </p:nvSpPr>
         <p:spPr>
           <a:xfrm>
-            <a:off x="9137979" y="11968089"/>
+            <a:off x="7455077" y="12765216"/>
             <a:ext cx="1269722" cy="313361"/>
           </a:xfrm>
           <a:prstGeom prst="rect">
@@ -18865,7 +18907,7 @@
             <a:pPr algn="ctr"/>
             <a:r>
               <a:rPr lang="ko-KR" altLang="en-US" sz="1100" b="1"/>
-              <a:t>지원하기</a:t>
+              <a:t>내 지원 현황 조회</a:t>
             </a:r>
             <a:endParaRPr lang="ko-KR" altLang="en-US" sz="1100" b="1" dirty="0"/>
           </a:p>
@@ -18873,24 +18915,24 @@
       </p:sp>
       <p:cxnSp>
         <p:nvCxnSpPr>
-          <p:cNvPr id="726" name="연결선: 꺾임 725">
-            <a:extLst>
-              <a:ext uri="{FF2B5EF4-FFF2-40B4-BE49-F238E27FC236}">
-                <a16:creationId xmlns:a16="http://schemas.microsoft.com/office/drawing/2014/main" id="{D2BA7735-9BA7-40CF-A0DB-94DE33FA6588}"/>
+          <p:cNvPr id="728" name="연결선: 꺾임 727">
+            <a:extLst>
+              <a:ext uri="{FF2B5EF4-FFF2-40B4-BE49-F238E27FC236}">
+                <a16:creationId xmlns:a16="http://schemas.microsoft.com/office/drawing/2014/main" id="{D0138BD1-E1EE-40B6-8A90-E83E40336BBD}"/>
               </a:ext>
             </a:extLst>
           </p:cNvPr>
           <p:cNvCxnSpPr>
             <a:cxnSpLocks/>
-            <a:stCxn id="719" idx="2"/>
-            <a:endCxn id="725" idx="1"/>
+            <a:stCxn id="718" idx="2"/>
+            <a:endCxn id="727" idx="1"/>
           </p:cNvCxnSpPr>
           <p:nvPr/>
         </p:nvCxnSpPr>
         <p:spPr>
           <a:xfrm rot="16200000" flipH="1">
-            <a:off x="8889113" y="11875903"/>
-            <a:ext cx="269803" cy="227930"/>
+            <a:off x="7163909" y="12630728"/>
+            <a:ext cx="336543" cy="245793"/>
           </a:xfrm>
           <a:prstGeom prst="bentConnector2">
             <a:avLst/>
@@ -18918,10 +18960,10 @@
       </p:cxnSp>
       <p:sp>
         <p:nvSpPr>
-          <p:cNvPr id="727" name="직사각형 726">
-            <a:extLst>
-              <a:ext uri="{FF2B5EF4-FFF2-40B4-BE49-F238E27FC236}">
-                <a16:creationId xmlns:a16="http://schemas.microsoft.com/office/drawing/2014/main" id="{18BE5F58-25DD-477B-873A-966BE6F2CE69}"/>
+          <p:cNvPr id="729" name="직사각형 728">
+            <a:extLst>
+              <a:ext uri="{FF2B5EF4-FFF2-40B4-BE49-F238E27FC236}">
+                <a16:creationId xmlns:a16="http://schemas.microsoft.com/office/drawing/2014/main" id="{A345C627-0793-496E-8B05-90D9D63257CE}"/>
               </a:ext>
             </a:extLst>
           </p:cNvPr>
@@ -18930,7 +18972,7 @@
         </p:nvSpPr>
         <p:spPr>
           <a:xfrm>
-            <a:off x="7455077" y="12765216"/>
+            <a:off x="8275188" y="13262247"/>
             <a:ext cx="1269722" cy="313361"/>
           </a:xfrm>
           <a:prstGeom prst="rect">
@@ -18968,7 +19010,7 @@
             <a:pPr algn="ctr"/>
             <a:r>
               <a:rPr lang="ko-KR" altLang="en-US" sz="1100" b="1"/>
-              <a:t>내 지원 현황 조회</a:t>
+              <a:t>내 지원 현황 상세보기</a:t>
             </a:r>
             <a:endParaRPr lang="ko-KR" altLang="en-US" sz="1100" b="1" dirty="0"/>
           </a:p>
@@ -18976,24 +19018,24 @@
       </p:sp>
       <p:cxnSp>
         <p:nvCxnSpPr>
-          <p:cNvPr id="728" name="연결선: 꺾임 727">
-            <a:extLst>
-              <a:ext uri="{FF2B5EF4-FFF2-40B4-BE49-F238E27FC236}">
-                <a16:creationId xmlns:a16="http://schemas.microsoft.com/office/drawing/2014/main" id="{D0138BD1-E1EE-40B6-8A90-E83E40336BBD}"/>
+          <p:cNvPr id="730" name="연결선: 꺾임 729">
+            <a:extLst>
+              <a:ext uri="{FF2B5EF4-FFF2-40B4-BE49-F238E27FC236}">
+                <a16:creationId xmlns:a16="http://schemas.microsoft.com/office/drawing/2014/main" id="{2C563DCB-F38C-4A0B-8CA4-01E8D4E62E46}"/>
               </a:ext>
             </a:extLst>
           </p:cNvPr>
           <p:cNvCxnSpPr>
             <a:cxnSpLocks/>
-            <a:stCxn id="718" idx="2"/>
-            <a:endCxn id="727" idx="1"/>
+            <a:stCxn id="727" idx="2"/>
+            <a:endCxn id="729" idx="1"/>
           </p:cNvCxnSpPr>
           <p:nvPr/>
         </p:nvCxnSpPr>
         <p:spPr>
           <a:xfrm rot="16200000" flipH="1">
-            <a:off x="7163909" y="12630728"/>
-            <a:ext cx="336543" cy="245793"/>
+            <a:off x="8012388" y="13156127"/>
+            <a:ext cx="340351" cy="185250"/>
           </a:xfrm>
           <a:prstGeom prst="bentConnector2">
             <a:avLst/>
@@ -19021,10 +19063,10 @@
       </p:cxnSp>
       <p:sp>
         <p:nvSpPr>
-          <p:cNvPr id="729" name="직사각형 728">
-            <a:extLst>
-              <a:ext uri="{FF2B5EF4-FFF2-40B4-BE49-F238E27FC236}">
-                <a16:creationId xmlns:a16="http://schemas.microsoft.com/office/drawing/2014/main" id="{A345C627-0793-496E-8B05-90D9D63257CE}"/>
+          <p:cNvPr id="731" name="직사각형 730">
+            <a:extLst>
+              <a:ext uri="{FF2B5EF4-FFF2-40B4-BE49-F238E27FC236}">
+                <a16:creationId xmlns:a16="http://schemas.microsoft.com/office/drawing/2014/main" id="{689B6E38-6108-4A43-A25D-DB7E28BA8283}"/>
               </a:ext>
             </a:extLst>
           </p:cNvPr>
@@ -19033,7 +19075,7 @@
         </p:nvSpPr>
         <p:spPr>
           <a:xfrm>
-            <a:off x="8275188" y="13262247"/>
+            <a:off x="9137979" y="13724546"/>
             <a:ext cx="1269722" cy="313361"/>
           </a:xfrm>
           <a:prstGeom prst="rect">
@@ -19070,64 +19112,18 @@
           <a:p>
             <a:pPr algn="ctr"/>
             <a:r>
-              <a:rPr lang="ko-KR" altLang="en-US" sz="1100" b="1"/>
-              <a:t>내 지원 현황 상세보기</a:t>
-            </a:r>
-            <a:endParaRPr lang="ko-KR" altLang="en-US" sz="1100" b="1" dirty="0"/>
-          </a:p>
-        </p:txBody>
-      </p:sp>
-      <p:cxnSp>
-        <p:nvCxnSpPr>
-          <p:cNvPr id="730" name="연결선: 꺾임 729">
-            <a:extLst>
-              <a:ext uri="{FF2B5EF4-FFF2-40B4-BE49-F238E27FC236}">
-                <a16:creationId xmlns:a16="http://schemas.microsoft.com/office/drawing/2014/main" id="{2C563DCB-F38C-4A0B-8CA4-01E8D4E62E46}"/>
-              </a:ext>
-            </a:extLst>
-          </p:cNvPr>
-          <p:cNvCxnSpPr>
-            <a:cxnSpLocks/>
-            <a:stCxn id="727" idx="2"/>
-            <a:endCxn id="729" idx="1"/>
-          </p:cNvCxnSpPr>
-          <p:nvPr/>
-        </p:nvCxnSpPr>
-        <p:spPr>
-          <a:xfrm rot="16200000" flipH="1">
-            <a:off x="8012388" y="13156127"/>
-            <a:ext cx="340351" cy="185250"/>
-          </a:xfrm>
-          <a:prstGeom prst="bentConnector2">
-            <a:avLst/>
-          </a:prstGeom>
-          <a:ln>
-            <a:solidFill>
-              <a:schemeClr val="tx1"/>
-            </a:solidFill>
-          </a:ln>
-        </p:spPr>
-        <p:style>
-          <a:lnRef idx="1">
-            <a:schemeClr val="dk1"/>
-          </a:lnRef>
-          <a:fillRef idx="0">
-            <a:schemeClr val="dk1"/>
-          </a:fillRef>
-          <a:effectRef idx="0">
-            <a:schemeClr val="dk1"/>
-          </a:effectRef>
-          <a:fontRef idx="minor">
-            <a:schemeClr val="tx1"/>
-          </a:fontRef>
-        </p:style>
-      </p:cxnSp>
-      <p:sp>
-        <p:nvSpPr>
-          <p:cNvPr id="731" name="직사각형 730">
-            <a:extLst>
-              <a:ext uri="{FF2B5EF4-FFF2-40B4-BE49-F238E27FC236}">
-                <a16:creationId xmlns:a16="http://schemas.microsoft.com/office/drawing/2014/main" id="{689B6E38-6108-4A43-A25D-DB7E28BA8283}"/>
+              <a:rPr lang="ko-KR" altLang="en-US" sz="1100" b="1" dirty="0"/>
+              <a:t>내 지원 현황 수정</a:t>
+            </a:r>
+          </a:p>
+        </p:txBody>
+      </p:sp>
+      <p:sp>
+        <p:nvSpPr>
+          <p:cNvPr id="732" name="직사각형 731">
+            <a:extLst>
+              <a:ext uri="{FF2B5EF4-FFF2-40B4-BE49-F238E27FC236}">
+                <a16:creationId xmlns:a16="http://schemas.microsoft.com/office/drawing/2014/main" id="{8B732415-CFA5-4E42-88C8-8B07AB0BBC21}"/>
               </a:ext>
             </a:extLst>
           </p:cNvPr>
@@ -19136,7 +19132,7 @@
         </p:nvSpPr>
         <p:spPr>
           <a:xfrm>
-            <a:off x="9137979" y="13724546"/>
+            <a:off x="9137979" y="14186845"/>
             <a:ext cx="1269722" cy="313361"/>
           </a:xfrm>
           <a:prstGeom prst="rect">
@@ -19174,17 +19170,107 @@
             <a:pPr algn="ctr"/>
             <a:r>
               <a:rPr lang="ko-KR" altLang="en-US" sz="1100" b="1" dirty="0"/>
-              <a:t>내 지원 현황 수정</a:t>
-            </a:r>
-          </a:p>
-        </p:txBody>
-      </p:sp>
-      <p:sp>
-        <p:nvSpPr>
-          <p:cNvPr id="732" name="직사각형 731">
-            <a:extLst>
-              <a:ext uri="{FF2B5EF4-FFF2-40B4-BE49-F238E27FC236}">
-                <a16:creationId xmlns:a16="http://schemas.microsoft.com/office/drawing/2014/main" id="{8B732415-CFA5-4E42-88C8-8B07AB0BBC21}"/>
+              <a:t>내 지원 현황 삭제</a:t>
+            </a:r>
+          </a:p>
+        </p:txBody>
+      </p:sp>
+      <p:cxnSp>
+        <p:nvCxnSpPr>
+          <p:cNvPr id="733" name="연결선: 꺾임 732">
+            <a:extLst>
+              <a:ext uri="{FF2B5EF4-FFF2-40B4-BE49-F238E27FC236}">
+                <a16:creationId xmlns:a16="http://schemas.microsoft.com/office/drawing/2014/main" id="{EF1FC1B9-8CBB-42D2-ACD0-EFD9C42B3852}"/>
+              </a:ext>
+            </a:extLst>
+          </p:cNvPr>
+          <p:cNvCxnSpPr>
+            <a:cxnSpLocks/>
+            <a:stCxn id="729" idx="2"/>
+            <a:endCxn id="731" idx="1"/>
+          </p:cNvCxnSpPr>
+          <p:nvPr/>
+        </p:nvCxnSpPr>
+        <p:spPr>
+          <a:xfrm rot="16200000" flipH="1">
+            <a:off x="8871205" y="13614452"/>
+            <a:ext cx="305619" cy="227930"/>
+          </a:xfrm>
+          <a:prstGeom prst="bentConnector2">
+            <a:avLst/>
+          </a:prstGeom>
+          <a:ln>
+            <a:solidFill>
+              <a:schemeClr val="tx1"/>
+            </a:solidFill>
+          </a:ln>
+        </p:spPr>
+        <p:style>
+          <a:lnRef idx="1">
+            <a:schemeClr val="dk1"/>
+          </a:lnRef>
+          <a:fillRef idx="0">
+            <a:schemeClr val="dk1"/>
+          </a:fillRef>
+          <a:effectRef idx="0">
+            <a:schemeClr val="dk1"/>
+          </a:effectRef>
+          <a:fontRef idx="minor">
+            <a:schemeClr val="tx1"/>
+          </a:fontRef>
+        </p:style>
+      </p:cxnSp>
+      <p:cxnSp>
+        <p:nvCxnSpPr>
+          <p:cNvPr id="734" name="연결선: 꺾임 733">
+            <a:extLst>
+              <a:ext uri="{FF2B5EF4-FFF2-40B4-BE49-F238E27FC236}">
+                <a16:creationId xmlns:a16="http://schemas.microsoft.com/office/drawing/2014/main" id="{93ED0794-B44F-4D8A-B20B-D5B23AE60EA0}"/>
+              </a:ext>
+            </a:extLst>
+          </p:cNvPr>
+          <p:cNvCxnSpPr>
+            <a:cxnSpLocks/>
+            <a:stCxn id="729" idx="2"/>
+            <a:endCxn id="732" idx="1"/>
+          </p:cNvCxnSpPr>
+          <p:nvPr/>
+        </p:nvCxnSpPr>
+        <p:spPr>
+          <a:xfrm rot="16200000" flipH="1">
+            <a:off x="8640055" y="13845602"/>
+            <a:ext cx="767918" cy="227930"/>
+          </a:xfrm>
+          <a:prstGeom prst="bentConnector2">
+            <a:avLst/>
+          </a:prstGeom>
+          <a:ln>
+            <a:solidFill>
+              <a:schemeClr val="tx1"/>
+            </a:solidFill>
+          </a:ln>
+        </p:spPr>
+        <p:style>
+          <a:lnRef idx="1">
+            <a:schemeClr val="dk1"/>
+          </a:lnRef>
+          <a:fillRef idx="0">
+            <a:schemeClr val="dk1"/>
+          </a:fillRef>
+          <a:effectRef idx="0">
+            <a:schemeClr val="dk1"/>
+          </a:effectRef>
+          <a:fontRef idx="minor">
+            <a:schemeClr val="tx1"/>
+          </a:fontRef>
+        </p:style>
+      </p:cxnSp>
+      <p:sp>
+        <p:nvSpPr>
+          <p:cNvPr id="754" name="직사각형 753">
+            <a:extLst>
+              <a:ext uri="{FF2B5EF4-FFF2-40B4-BE49-F238E27FC236}">
+                <a16:creationId xmlns:a16="http://schemas.microsoft.com/office/drawing/2014/main" id="{C396384C-2D0A-4E73-9A58-09A6C9BBF3B6}"/>
               </a:ext>
             </a:extLst>
           </p:cNvPr>
@@ -19193,8 +19279,8 @@
         </p:nvSpPr>
         <p:spPr>
           <a:xfrm>
-            <a:off x="9137979" y="14186845"/>
-            <a:ext cx="1269722" cy="313361"/>
+            <a:off x="46068176" y="15383737"/>
+            <a:ext cx="1269722" cy="370276"/>
           </a:xfrm>
           <a:prstGeom prst="rect">
             <a:avLst/>
@@ -19231,107 +19317,24 @@
             <a:pPr algn="ctr"/>
             <a:r>
               <a:rPr lang="ko-KR" altLang="en-US" sz="1100" b="1" dirty="0"/>
-              <a:t>내 지원 현황 삭제</a:t>
-            </a:r>
-          </a:p>
-        </p:txBody>
-      </p:sp>
-      <p:cxnSp>
-        <p:nvCxnSpPr>
-          <p:cNvPr id="733" name="연결선: 꺾임 732">
-            <a:extLst>
-              <a:ext uri="{FF2B5EF4-FFF2-40B4-BE49-F238E27FC236}">
-                <a16:creationId xmlns:a16="http://schemas.microsoft.com/office/drawing/2014/main" id="{EF1FC1B9-8CBB-42D2-ACD0-EFD9C42B3852}"/>
-              </a:ext>
-            </a:extLst>
-          </p:cNvPr>
-          <p:cNvCxnSpPr>
-            <a:cxnSpLocks/>
-            <a:stCxn id="729" idx="2"/>
-            <a:endCxn id="731" idx="1"/>
-          </p:cNvCxnSpPr>
-          <p:nvPr/>
-        </p:nvCxnSpPr>
-        <p:spPr>
-          <a:xfrm rot="16200000" flipH="1">
-            <a:off x="8871205" y="13614452"/>
-            <a:ext cx="305619" cy="227930"/>
-          </a:xfrm>
-          <a:prstGeom prst="bentConnector2">
-            <a:avLst/>
-          </a:prstGeom>
-          <a:ln>
-            <a:solidFill>
-              <a:schemeClr val="tx1"/>
-            </a:solidFill>
-          </a:ln>
-        </p:spPr>
-        <p:style>
-          <a:lnRef idx="1">
-            <a:schemeClr val="dk1"/>
-          </a:lnRef>
-          <a:fillRef idx="0">
-            <a:schemeClr val="dk1"/>
-          </a:fillRef>
-          <a:effectRef idx="0">
-            <a:schemeClr val="dk1"/>
-          </a:effectRef>
-          <a:fontRef idx="minor">
-            <a:schemeClr val="tx1"/>
-          </a:fontRef>
-        </p:style>
-      </p:cxnSp>
-      <p:cxnSp>
-        <p:nvCxnSpPr>
-          <p:cNvPr id="734" name="연결선: 꺾임 733">
-            <a:extLst>
-              <a:ext uri="{FF2B5EF4-FFF2-40B4-BE49-F238E27FC236}">
-                <a16:creationId xmlns:a16="http://schemas.microsoft.com/office/drawing/2014/main" id="{93ED0794-B44F-4D8A-B20B-D5B23AE60EA0}"/>
-              </a:ext>
-            </a:extLst>
-          </p:cNvPr>
-          <p:cNvCxnSpPr>
-            <a:cxnSpLocks/>
-            <a:stCxn id="729" idx="2"/>
-            <a:endCxn id="732" idx="1"/>
-          </p:cNvCxnSpPr>
-          <p:nvPr/>
-        </p:nvCxnSpPr>
-        <p:spPr>
-          <a:xfrm rot="16200000" flipH="1">
-            <a:off x="8640055" y="13845602"/>
-            <a:ext cx="767918" cy="227930"/>
-          </a:xfrm>
-          <a:prstGeom prst="bentConnector2">
-            <a:avLst/>
-          </a:prstGeom>
-          <a:ln>
-            <a:solidFill>
-              <a:schemeClr val="tx1"/>
-            </a:solidFill>
-          </a:ln>
-        </p:spPr>
-        <p:style>
-          <a:lnRef idx="1">
-            <a:schemeClr val="dk1"/>
-          </a:lnRef>
-          <a:fillRef idx="0">
-            <a:schemeClr val="dk1"/>
-          </a:fillRef>
-          <a:effectRef idx="0">
-            <a:schemeClr val="dk1"/>
-          </a:effectRef>
-          <a:fontRef idx="minor">
-            <a:schemeClr val="tx1"/>
-          </a:fontRef>
-        </p:style>
-      </p:cxnSp>
-      <p:sp>
-        <p:nvSpPr>
-          <p:cNvPr id="754" name="직사각형 753">
-            <a:extLst>
-              <a:ext uri="{FF2B5EF4-FFF2-40B4-BE49-F238E27FC236}">
-                <a16:creationId xmlns:a16="http://schemas.microsoft.com/office/drawing/2014/main" id="{C396384C-2D0A-4E73-9A58-09A6C9BBF3B6}"/>
+              <a:t>리뷰 댓글</a:t>
+            </a:r>
+            <a:br>
+              <a:rPr lang="en-US" altLang="ko-KR" sz="1100" b="1" dirty="0"/>
+            </a:br>
+            <a:r>
+              <a:rPr lang="ko-KR" altLang="en-US" sz="1100" b="1" dirty="0"/>
+              <a:t>신고 조회</a:t>
+            </a:r>
+          </a:p>
+        </p:txBody>
+      </p:sp>
+      <p:sp>
+        <p:nvSpPr>
+          <p:cNvPr id="755" name="직사각형 754">
+            <a:extLst>
+              <a:ext uri="{FF2B5EF4-FFF2-40B4-BE49-F238E27FC236}">
+                <a16:creationId xmlns:a16="http://schemas.microsoft.com/office/drawing/2014/main" id="{A61B9C92-522B-4B36-A911-9A3E2373907A}"/>
               </a:ext>
             </a:extLst>
           </p:cNvPr>
@@ -19340,8 +19343,8 @@
         </p:nvSpPr>
         <p:spPr>
           <a:xfrm>
-            <a:off x="45989541" y="16067546"/>
-            <a:ext cx="1269722" cy="370276"/>
+            <a:off x="46931664" y="15865814"/>
+            <a:ext cx="1269722" cy="338420"/>
           </a:xfrm>
           <a:prstGeom prst="rect">
             <a:avLst/>
@@ -19377,25 +19380,22 @@
           <a:p>
             <a:pPr algn="ctr"/>
             <a:r>
+              <a:rPr lang="ko-KR" altLang="en-US" sz="1100" b="1" dirty="0" err="1"/>
+              <a:t>신고글</a:t>
+            </a:r>
+            <a:r>
               <a:rPr lang="ko-KR" altLang="en-US" sz="1100" b="1" dirty="0"/>
-              <a:t>리뷰 댓글</a:t>
-            </a:r>
-            <a:br>
-              <a:rPr lang="en-US" altLang="ko-KR" sz="1100" b="1" dirty="0"/>
-            </a:br>
-            <a:r>
-              <a:rPr lang="ko-KR" altLang="en-US" sz="1100" b="1" dirty="0"/>
-              <a:t>신고 조회</a:t>
-            </a:r>
-          </a:p>
-        </p:txBody>
-      </p:sp>
-      <p:sp>
-        <p:nvSpPr>
-          <p:cNvPr id="755" name="직사각형 754">
-            <a:extLst>
-              <a:ext uri="{FF2B5EF4-FFF2-40B4-BE49-F238E27FC236}">
-                <a16:creationId xmlns:a16="http://schemas.microsoft.com/office/drawing/2014/main" id="{A61B9C92-522B-4B36-A911-9A3E2373907A}"/>
+              <a:t> 상세보기</a:t>
+            </a:r>
+          </a:p>
+        </p:txBody>
+      </p:sp>
+      <p:sp>
+        <p:nvSpPr>
+          <p:cNvPr id="756" name="직사각형 755">
+            <a:extLst>
+              <a:ext uri="{FF2B5EF4-FFF2-40B4-BE49-F238E27FC236}">
+                <a16:creationId xmlns:a16="http://schemas.microsoft.com/office/drawing/2014/main" id="{FB7B5E11-B41C-4A3B-90F4-71C6F4A3F380}"/>
               </a:ext>
             </a:extLst>
           </p:cNvPr>
@@ -19404,8 +19404,8 @@
         </p:nvSpPr>
         <p:spPr>
           <a:xfrm>
-            <a:off x="46853029" y="16549623"/>
-            <a:ext cx="1269722" cy="338420"/>
+            <a:off x="46931664" y="16316741"/>
+            <a:ext cx="1269722" cy="313361"/>
           </a:xfrm>
           <a:prstGeom prst="rect">
             <a:avLst/>
@@ -19441,22 +19441,107 @@
           <a:p>
             <a:pPr algn="ctr"/>
             <a:r>
-              <a:rPr lang="ko-KR" altLang="en-US" sz="1100" b="1" dirty="0" err="1"/>
-              <a:t>신고글</a:t>
-            </a:r>
-            <a:r>
               <a:rPr lang="ko-KR" altLang="en-US" sz="1100" b="1" dirty="0"/>
-              <a:t> 상세보기</a:t>
-            </a:r>
-          </a:p>
-        </p:txBody>
-      </p:sp>
-      <p:sp>
-        <p:nvSpPr>
-          <p:cNvPr id="756" name="직사각형 755">
-            <a:extLst>
-              <a:ext uri="{FF2B5EF4-FFF2-40B4-BE49-F238E27FC236}">
-                <a16:creationId xmlns:a16="http://schemas.microsoft.com/office/drawing/2014/main" id="{FB7B5E11-B41C-4A3B-90F4-71C6F4A3F380}"/>
+              <a:t>리뷰 댓글 상세보기</a:t>
+            </a:r>
+          </a:p>
+        </p:txBody>
+      </p:sp>
+      <p:cxnSp>
+        <p:nvCxnSpPr>
+          <p:cNvPr id="757" name="연결선: 꺾임 756">
+            <a:extLst>
+              <a:ext uri="{FF2B5EF4-FFF2-40B4-BE49-F238E27FC236}">
+                <a16:creationId xmlns:a16="http://schemas.microsoft.com/office/drawing/2014/main" id="{5C0473CB-7F47-49B1-B361-2D87D51BA7E6}"/>
+              </a:ext>
+            </a:extLst>
+          </p:cNvPr>
+          <p:cNvCxnSpPr>
+            <a:cxnSpLocks/>
+            <a:endCxn id="755" idx="1"/>
+          </p:cNvCxnSpPr>
+          <p:nvPr/>
+        </p:nvCxnSpPr>
+        <p:spPr>
+          <a:xfrm rot="16200000" flipH="1">
+            <a:off x="46700657" y="15804017"/>
+            <a:ext cx="233386" cy="228627"/>
+          </a:xfrm>
+          <a:prstGeom prst="bentConnector2">
+            <a:avLst/>
+          </a:prstGeom>
+          <a:ln>
+            <a:solidFill>
+              <a:schemeClr val="tx1"/>
+            </a:solidFill>
+          </a:ln>
+        </p:spPr>
+        <p:style>
+          <a:lnRef idx="1">
+            <a:schemeClr val="dk1"/>
+          </a:lnRef>
+          <a:fillRef idx="0">
+            <a:schemeClr val="dk1"/>
+          </a:fillRef>
+          <a:effectRef idx="0">
+            <a:schemeClr val="dk1"/>
+          </a:effectRef>
+          <a:fontRef idx="minor">
+            <a:schemeClr val="tx1"/>
+          </a:fontRef>
+        </p:style>
+      </p:cxnSp>
+      <p:cxnSp>
+        <p:nvCxnSpPr>
+          <p:cNvPr id="758" name="연결선: 꺾임 757">
+            <a:extLst>
+              <a:ext uri="{FF2B5EF4-FFF2-40B4-BE49-F238E27FC236}">
+                <a16:creationId xmlns:a16="http://schemas.microsoft.com/office/drawing/2014/main" id="{D3D45FD6-36B0-483D-9BFE-752A664B37FE}"/>
+              </a:ext>
+            </a:extLst>
+          </p:cNvPr>
+          <p:cNvCxnSpPr>
+            <a:cxnSpLocks/>
+            <a:stCxn id="754" idx="2"/>
+            <a:endCxn id="756" idx="1"/>
+          </p:cNvCxnSpPr>
+          <p:nvPr/>
+        </p:nvCxnSpPr>
+        <p:spPr>
+          <a:xfrm rot="16200000" flipH="1">
+            <a:off x="46457646" y="15999403"/>
+            <a:ext cx="719409" cy="228627"/>
+          </a:xfrm>
+          <a:prstGeom prst="bentConnector2">
+            <a:avLst/>
+          </a:prstGeom>
+          <a:ln>
+            <a:solidFill>
+              <a:schemeClr val="tx1"/>
+            </a:solidFill>
+          </a:ln>
+        </p:spPr>
+        <p:style>
+          <a:lnRef idx="1">
+            <a:schemeClr val="dk1"/>
+          </a:lnRef>
+          <a:fillRef idx="0">
+            <a:schemeClr val="dk1"/>
+          </a:fillRef>
+          <a:effectRef idx="0">
+            <a:schemeClr val="dk1"/>
+          </a:effectRef>
+          <a:fontRef idx="minor">
+            <a:schemeClr val="tx1"/>
+          </a:fontRef>
+        </p:style>
+      </p:cxnSp>
+      <p:sp>
+        <p:nvSpPr>
+          <p:cNvPr id="759" name="직사각형 758">
+            <a:extLst>
+              <a:ext uri="{FF2B5EF4-FFF2-40B4-BE49-F238E27FC236}">
+                <a16:creationId xmlns:a16="http://schemas.microsoft.com/office/drawing/2014/main" id="{ABBF3560-717E-4AD8-BFDE-24DFC212B167}"/>
               </a:ext>
             </a:extLst>
           </p:cNvPr>
@@ -19465,8 +19550,8 @@
         </p:nvSpPr>
         <p:spPr>
           <a:xfrm>
-            <a:off x="46853029" y="17000550"/>
-            <a:ext cx="1269722" cy="313361"/>
+            <a:off x="45250487" y="14875490"/>
+            <a:ext cx="1269722" cy="370276"/>
           </a:xfrm>
           <a:prstGeom prst="rect">
             <a:avLst/>
@@ -19503,30 +19588,38 @@
             <a:pPr algn="ctr"/>
             <a:r>
               <a:rPr lang="ko-KR" altLang="en-US" sz="1100" b="1" dirty="0"/>
-              <a:t>리뷰 댓글 상세보기</a:t>
+              <a:t>리뷰 댓글</a:t>
+            </a:r>
+            <a:br>
+              <a:rPr lang="en-US" altLang="ko-KR" sz="1100" b="1" dirty="0"/>
+            </a:br>
+            <a:r>
+              <a:rPr lang="ko-KR" altLang="en-US" sz="1100" b="1" dirty="0"/>
+              <a:t>신고 관리</a:t>
             </a:r>
           </a:p>
         </p:txBody>
       </p:sp>
       <p:cxnSp>
         <p:nvCxnSpPr>
-          <p:cNvPr id="757" name="연결선: 꺾임 756">
-            <a:extLst>
-              <a:ext uri="{FF2B5EF4-FFF2-40B4-BE49-F238E27FC236}">
-                <a16:creationId xmlns:a16="http://schemas.microsoft.com/office/drawing/2014/main" id="{5C0473CB-7F47-49B1-B361-2D87D51BA7E6}"/>
+          <p:cNvPr id="760" name="연결선: 꺾임 759">
+            <a:extLst>
+              <a:ext uri="{FF2B5EF4-FFF2-40B4-BE49-F238E27FC236}">
+                <a16:creationId xmlns:a16="http://schemas.microsoft.com/office/drawing/2014/main" id="{ED504B6F-E0A1-43DD-9441-339A16B163CD}"/>
               </a:ext>
             </a:extLst>
           </p:cNvPr>
           <p:cNvCxnSpPr>
             <a:cxnSpLocks/>
-            <a:endCxn id="755" idx="1"/>
+            <a:stCxn id="759" idx="2"/>
+            <a:endCxn id="754" idx="1"/>
           </p:cNvCxnSpPr>
           <p:nvPr/>
         </p:nvCxnSpPr>
         <p:spPr>
           <a:xfrm rot="16200000" flipH="1">
-            <a:off x="46622022" y="16487826"/>
-            <a:ext cx="233386" cy="228627"/>
+            <a:off x="45815208" y="15315906"/>
+            <a:ext cx="323109" cy="182828"/>
           </a:xfrm>
           <a:prstGeom prst="bentConnector2">
             <a:avLst/>
@@ -19554,24 +19647,23 @@
       </p:cxnSp>
       <p:cxnSp>
         <p:nvCxnSpPr>
-          <p:cNvPr id="758" name="연결선: 꺾임 757">
-            <a:extLst>
-              <a:ext uri="{FF2B5EF4-FFF2-40B4-BE49-F238E27FC236}">
-                <a16:creationId xmlns:a16="http://schemas.microsoft.com/office/drawing/2014/main" id="{D3D45FD6-36B0-483D-9BFE-752A664B37FE}"/>
+          <p:cNvPr id="763" name="연결선: 꺾임 762">
+            <a:extLst>
+              <a:ext uri="{FF2B5EF4-FFF2-40B4-BE49-F238E27FC236}">
+                <a16:creationId xmlns:a16="http://schemas.microsoft.com/office/drawing/2014/main" id="{5C869C1E-1587-4D3D-9DC0-3D56933CA66A}"/>
               </a:ext>
             </a:extLst>
           </p:cNvPr>
           <p:cNvCxnSpPr>
-            <a:cxnSpLocks/>
-            <a:stCxn id="754" idx="2"/>
-            <a:endCxn id="756" idx="1"/>
+            <a:stCxn id="634" idx="2"/>
+            <a:endCxn id="759" idx="1"/>
           </p:cNvCxnSpPr>
           <p:nvPr/>
         </p:nvCxnSpPr>
         <p:spPr>
           <a:xfrm rot="16200000" flipH="1">
-            <a:off x="46379011" y="16683212"/>
-            <a:ext cx="719409" cy="228627"/>
+            <a:off x="43830093" y="13640233"/>
+            <a:ext cx="2631955" cy="208833"/>
           </a:xfrm>
           <a:prstGeom prst="bentConnector2">
             <a:avLst/>
@@ -19584,13 +19676,13 @@
         </p:spPr>
         <p:style>
           <a:lnRef idx="1">
-            <a:schemeClr val="dk1"/>
+            <a:schemeClr val="accent1"/>
           </a:lnRef>
           <a:fillRef idx="0">
-            <a:schemeClr val="dk1"/>
-          </a:fillRef>
-          <a:effectRef idx="0">
-            <a:schemeClr val="dk1"/>
+            <a:schemeClr val="accent1"/>
+          </a:fillRef>
+          <a:effectRef idx="0">
+            <a:schemeClr val="accent1"/>
           </a:effectRef>
           <a:fontRef idx="minor">
             <a:schemeClr val="tx1"/>
@@ -19599,10 +19691,10 @@
       </p:cxnSp>
       <p:sp>
         <p:nvSpPr>
-          <p:cNvPr id="759" name="직사각형 758">
-            <a:extLst>
-              <a:ext uri="{FF2B5EF4-FFF2-40B4-BE49-F238E27FC236}">
-                <a16:creationId xmlns:a16="http://schemas.microsoft.com/office/drawing/2014/main" id="{ABBF3560-717E-4AD8-BFDE-24DFC212B167}"/>
+          <p:cNvPr id="764" name="직사각형 763">
+            <a:extLst>
+              <a:ext uri="{FF2B5EF4-FFF2-40B4-BE49-F238E27FC236}">
+                <a16:creationId xmlns:a16="http://schemas.microsoft.com/office/drawing/2014/main" id="{891C7592-A8FC-49AD-A50A-8C13A966CE03}"/>
               </a:ext>
             </a:extLst>
           </p:cNvPr>
@@ -19611,8 +19703,8 @@
         </p:nvSpPr>
         <p:spPr>
           <a:xfrm>
-            <a:off x="45171852" y="15559299"/>
-            <a:ext cx="1269722" cy="370276"/>
+            <a:off x="47706568" y="14396566"/>
+            <a:ext cx="1269722" cy="313361"/>
           </a:xfrm>
           <a:prstGeom prst="rect">
             <a:avLst/>
@@ -19648,83 +19740,35 @@
           <a:p>
             <a:pPr algn="ctr"/>
             <a:r>
+              <a:rPr lang="ko-KR" altLang="en-US" sz="1100" b="1" dirty="0" err="1"/>
+              <a:t>리뷰글</a:t>
+            </a:r>
+            <a:r>
               <a:rPr lang="ko-KR" altLang="en-US" sz="1100" b="1" dirty="0"/>
-              <a:t>리뷰 댓글</a:t>
-            </a:r>
-            <a:br>
-              <a:rPr lang="en-US" altLang="ko-KR" sz="1100" b="1" dirty="0"/>
-            </a:br>
-            <a:r>
-              <a:rPr lang="ko-KR" altLang="en-US" sz="1100" b="1" dirty="0"/>
-              <a:t>신고 관리</a:t>
+              <a:t> 삭제</a:t>
             </a:r>
           </a:p>
         </p:txBody>
       </p:sp>
       <p:cxnSp>
         <p:nvCxnSpPr>
-          <p:cNvPr id="760" name="연결선: 꺾임 759">
-            <a:extLst>
-              <a:ext uri="{FF2B5EF4-FFF2-40B4-BE49-F238E27FC236}">
-                <a16:creationId xmlns:a16="http://schemas.microsoft.com/office/drawing/2014/main" id="{ED504B6F-E0A1-43DD-9441-339A16B163CD}"/>
+          <p:cNvPr id="766" name="연결선: 꺾임 765">
+            <a:extLst>
+              <a:ext uri="{FF2B5EF4-FFF2-40B4-BE49-F238E27FC236}">
+                <a16:creationId xmlns:a16="http://schemas.microsoft.com/office/drawing/2014/main" id="{C92EC550-7489-4E01-A294-603ED67968A7}"/>
               </a:ext>
             </a:extLst>
           </p:cNvPr>
           <p:cNvCxnSpPr>
-            <a:cxnSpLocks/>
-            <a:stCxn id="759" idx="2"/>
-            <a:endCxn id="754" idx="1"/>
+            <a:stCxn id="657" idx="2"/>
+            <a:endCxn id="764" idx="1"/>
           </p:cNvCxnSpPr>
           <p:nvPr/>
         </p:nvCxnSpPr>
         <p:spPr>
           <a:xfrm rot="16200000" flipH="1">
-            <a:off x="45736573" y="15999715"/>
-            <a:ext cx="323109" cy="182828"/>
-          </a:xfrm>
-          <a:prstGeom prst="bentConnector2">
-            <a:avLst/>
-          </a:prstGeom>
-          <a:ln>
-            <a:solidFill>
-              <a:schemeClr val="tx1"/>
-            </a:solidFill>
-          </a:ln>
-        </p:spPr>
-        <p:style>
-          <a:lnRef idx="1">
-            <a:schemeClr val="dk1"/>
-          </a:lnRef>
-          <a:fillRef idx="0">
-            <a:schemeClr val="dk1"/>
-          </a:fillRef>
-          <a:effectRef idx="0">
-            <a:schemeClr val="dk1"/>
-          </a:effectRef>
-          <a:fontRef idx="minor">
-            <a:schemeClr val="tx1"/>
-          </a:fontRef>
-        </p:style>
-      </p:cxnSp>
-      <p:cxnSp>
-        <p:nvCxnSpPr>
-          <p:cNvPr id="763" name="연결선: 꺾임 762">
-            <a:extLst>
-              <a:ext uri="{FF2B5EF4-FFF2-40B4-BE49-F238E27FC236}">
-                <a16:creationId xmlns:a16="http://schemas.microsoft.com/office/drawing/2014/main" id="{5C869C1E-1587-4D3D-9DC0-3D56933CA66A}"/>
-              </a:ext>
-            </a:extLst>
-          </p:cNvPr>
-          <p:cNvCxnSpPr>
-            <a:stCxn id="634" idx="2"/>
-            <a:endCxn id="759" idx="1"/>
-          </p:cNvCxnSpPr>
-          <p:nvPr/>
-        </p:nvCxnSpPr>
-        <p:spPr>
-          <a:xfrm rot="16200000" flipH="1">
-            <a:off x="43751458" y="14324042"/>
-            <a:ext cx="2631955" cy="208833"/>
+            <a:off x="47500212" y="14346890"/>
+            <a:ext cx="272669" cy="140043"/>
           </a:xfrm>
           <a:prstGeom prst="bentConnector2">
             <a:avLst/>
@@ -19752,10 +19796,10 @@
       </p:cxnSp>
       <p:sp>
         <p:nvSpPr>
-          <p:cNvPr id="764" name="직사각형 763">
-            <a:extLst>
-              <a:ext uri="{FF2B5EF4-FFF2-40B4-BE49-F238E27FC236}">
-                <a16:creationId xmlns:a16="http://schemas.microsoft.com/office/drawing/2014/main" id="{891C7592-A8FC-49AD-A50A-8C13A966CE03}"/>
+          <p:cNvPr id="769" name="직사각형 768">
+            <a:extLst>
+              <a:ext uri="{FF2B5EF4-FFF2-40B4-BE49-F238E27FC236}">
+                <a16:creationId xmlns:a16="http://schemas.microsoft.com/office/drawing/2014/main" id="{F7AAFC1E-1C9A-47A4-BDC4-6B5FE1AD6EE5}"/>
               </a:ext>
             </a:extLst>
           </p:cNvPr>
@@ -19764,7 +19808,7 @@
         </p:nvSpPr>
         <p:spPr>
           <a:xfrm>
-            <a:off x="47627933" y="15080375"/>
+            <a:off x="47706568" y="16745205"/>
             <a:ext cx="1269722" cy="313361"/>
           </a:xfrm>
           <a:prstGeom prst="rect">
@@ -19801,35 +19845,32 @@
           <a:p>
             <a:pPr algn="ctr"/>
             <a:r>
-              <a:rPr lang="ko-KR" altLang="en-US" sz="1100" b="1" dirty="0" err="1"/>
-              <a:t>리뷰글</a:t>
-            </a:r>
-            <a:r>
               <a:rPr lang="ko-KR" altLang="en-US" sz="1100" b="1" dirty="0"/>
-              <a:t> 삭제</a:t>
+              <a:t>리뷰 댓글 삭제</a:t>
             </a:r>
           </a:p>
         </p:txBody>
       </p:sp>
       <p:cxnSp>
         <p:nvCxnSpPr>
-          <p:cNvPr id="766" name="연결선: 꺾임 765">
-            <a:extLst>
-              <a:ext uri="{FF2B5EF4-FFF2-40B4-BE49-F238E27FC236}">
-                <a16:creationId xmlns:a16="http://schemas.microsoft.com/office/drawing/2014/main" id="{C92EC550-7489-4E01-A294-603ED67968A7}"/>
+          <p:cNvPr id="770" name="연결선: 꺾임 769">
+            <a:extLst>
+              <a:ext uri="{FF2B5EF4-FFF2-40B4-BE49-F238E27FC236}">
+                <a16:creationId xmlns:a16="http://schemas.microsoft.com/office/drawing/2014/main" id="{4D6206B5-EB15-4AD3-8EC5-6BD9502639B0}"/>
               </a:ext>
             </a:extLst>
           </p:cNvPr>
           <p:cNvCxnSpPr>
-            <a:stCxn id="657" idx="2"/>
-            <a:endCxn id="764" idx="1"/>
+            <a:cxnSpLocks/>
+            <a:stCxn id="756" idx="2"/>
+            <a:endCxn id="769" idx="1"/>
           </p:cNvCxnSpPr>
           <p:nvPr/>
         </p:nvCxnSpPr>
         <p:spPr>
           <a:xfrm rot="16200000" flipH="1">
-            <a:off x="47421577" y="15030699"/>
-            <a:ext cx="272669" cy="140043"/>
+            <a:off x="47500654" y="16695972"/>
+            <a:ext cx="271784" cy="140043"/>
           </a:xfrm>
           <a:prstGeom prst="bentConnector2">
             <a:avLst/>
@@ -19857,10 +19898,10 @@
       </p:cxnSp>
       <p:sp>
         <p:nvSpPr>
-          <p:cNvPr id="769" name="직사각형 768">
-            <a:extLst>
-              <a:ext uri="{FF2B5EF4-FFF2-40B4-BE49-F238E27FC236}">
-                <a16:creationId xmlns:a16="http://schemas.microsoft.com/office/drawing/2014/main" id="{F7AAFC1E-1C9A-47A4-BDC4-6B5FE1AD6EE5}"/>
+          <p:cNvPr id="775" name="직사각형 774">
+            <a:extLst>
+              <a:ext uri="{FF2B5EF4-FFF2-40B4-BE49-F238E27FC236}">
+                <a16:creationId xmlns:a16="http://schemas.microsoft.com/office/drawing/2014/main" id="{29EE695A-20D4-4F40-B9B1-71D74EAA7DF6}"/>
               </a:ext>
             </a:extLst>
           </p:cNvPr>
@@ -19869,8 +19910,8 @@
         </p:nvSpPr>
         <p:spPr>
           <a:xfrm>
-            <a:off x="47627933" y="17429014"/>
-            <a:ext cx="1269722" cy="313361"/>
+            <a:off x="46036770" y="18096611"/>
+            <a:ext cx="1269722" cy="370276"/>
           </a:xfrm>
           <a:prstGeom prst="rect">
             <a:avLst/>
@@ -19906,63 +19947,22 @@
           <a:p>
             <a:pPr algn="ctr"/>
             <a:r>
+              <a:rPr lang="ko-KR" altLang="en-US" sz="1100" b="1" dirty="0" err="1"/>
+              <a:t>한줄평</a:t>
+            </a:r>
+            <a:r>
               <a:rPr lang="ko-KR" altLang="en-US" sz="1100" b="1" dirty="0"/>
-              <a:t>리뷰 댓글 삭제</a:t>
-            </a:r>
-          </a:p>
-        </p:txBody>
-      </p:sp>
-      <p:cxnSp>
-        <p:nvCxnSpPr>
-          <p:cNvPr id="770" name="연결선: 꺾임 769">
-            <a:extLst>
-              <a:ext uri="{FF2B5EF4-FFF2-40B4-BE49-F238E27FC236}">
-                <a16:creationId xmlns:a16="http://schemas.microsoft.com/office/drawing/2014/main" id="{4D6206B5-EB15-4AD3-8EC5-6BD9502639B0}"/>
-              </a:ext>
-            </a:extLst>
-          </p:cNvPr>
-          <p:cNvCxnSpPr>
-            <a:cxnSpLocks/>
-            <a:stCxn id="756" idx="2"/>
-            <a:endCxn id="769" idx="1"/>
-          </p:cNvCxnSpPr>
-          <p:nvPr/>
-        </p:nvCxnSpPr>
-        <p:spPr>
-          <a:xfrm rot="16200000" flipH="1">
-            <a:off x="47422019" y="17379781"/>
-            <a:ext cx="271784" cy="140043"/>
-          </a:xfrm>
-          <a:prstGeom prst="bentConnector2">
-            <a:avLst/>
-          </a:prstGeom>
-          <a:ln>
-            <a:solidFill>
-              <a:schemeClr val="tx1"/>
-            </a:solidFill>
-          </a:ln>
-        </p:spPr>
-        <p:style>
-          <a:lnRef idx="1">
-            <a:schemeClr val="accent1"/>
-          </a:lnRef>
-          <a:fillRef idx="0">
-            <a:schemeClr val="accent1"/>
-          </a:fillRef>
-          <a:effectRef idx="0">
-            <a:schemeClr val="accent1"/>
-          </a:effectRef>
-          <a:fontRef idx="minor">
-            <a:schemeClr val="tx1"/>
-          </a:fontRef>
-        </p:style>
-      </p:cxnSp>
-      <p:sp>
-        <p:nvSpPr>
-          <p:cNvPr id="775" name="직사각형 774">
-            <a:extLst>
-              <a:ext uri="{FF2B5EF4-FFF2-40B4-BE49-F238E27FC236}">
-                <a16:creationId xmlns:a16="http://schemas.microsoft.com/office/drawing/2014/main" id="{29EE695A-20D4-4F40-B9B1-71D74EAA7DF6}"/>
+              <a:t> 신고 조회</a:t>
+            </a:r>
+          </a:p>
+        </p:txBody>
+      </p:sp>
+      <p:sp>
+        <p:nvSpPr>
+          <p:cNvPr id="776" name="직사각형 775">
+            <a:extLst>
+              <a:ext uri="{FF2B5EF4-FFF2-40B4-BE49-F238E27FC236}">
+                <a16:creationId xmlns:a16="http://schemas.microsoft.com/office/drawing/2014/main" id="{EF3149F0-DBBB-4BBC-A7CC-FE74702FCD84}"/>
               </a:ext>
             </a:extLst>
           </p:cNvPr>
@@ -19971,8 +19971,8 @@
         </p:nvSpPr>
         <p:spPr>
           <a:xfrm>
-            <a:off x="45958135" y="18780420"/>
-            <a:ext cx="1269722" cy="370276"/>
+            <a:off x="46900258" y="18578688"/>
+            <a:ext cx="1269722" cy="338420"/>
           </a:xfrm>
           <a:prstGeom prst="rect">
             <a:avLst/>
@@ -20009,21 +20009,21 @@
             <a:pPr algn="ctr"/>
             <a:r>
               <a:rPr lang="ko-KR" altLang="en-US" sz="1100" b="1" dirty="0" err="1"/>
-              <a:t>한줄평</a:t>
+              <a:t>신고글</a:t>
             </a:r>
             <a:r>
               <a:rPr lang="ko-KR" altLang="en-US" sz="1100" b="1" dirty="0"/>
-              <a:t> 신고 조회</a:t>
-            </a:r>
-          </a:p>
-        </p:txBody>
-      </p:sp>
-      <p:sp>
-        <p:nvSpPr>
-          <p:cNvPr id="776" name="직사각형 775">
-            <a:extLst>
-              <a:ext uri="{FF2B5EF4-FFF2-40B4-BE49-F238E27FC236}">
-                <a16:creationId xmlns:a16="http://schemas.microsoft.com/office/drawing/2014/main" id="{EF3149F0-DBBB-4BBC-A7CC-FE74702FCD84}"/>
+              <a:t> 상세보기</a:t>
+            </a:r>
+          </a:p>
+        </p:txBody>
+      </p:sp>
+      <p:sp>
+        <p:nvSpPr>
+          <p:cNvPr id="777" name="직사각형 776">
+            <a:extLst>
+              <a:ext uri="{FF2B5EF4-FFF2-40B4-BE49-F238E27FC236}">
+                <a16:creationId xmlns:a16="http://schemas.microsoft.com/office/drawing/2014/main" id="{1CBB3EB7-4268-4F2E-B28A-0931CDCB21CE}"/>
               </a:ext>
             </a:extLst>
           </p:cNvPr>
@@ -20032,8 +20032,8 @@
         </p:nvSpPr>
         <p:spPr>
           <a:xfrm>
-            <a:off x="46821623" y="19262497"/>
-            <a:ext cx="1269722" cy="338420"/>
+            <a:off x="46900258" y="19029615"/>
+            <a:ext cx="1269722" cy="313361"/>
           </a:xfrm>
           <a:prstGeom prst="rect">
             <a:avLst/>
@@ -20070,21 +20070,110 @@
             <a:pPr algn="ctr"/>
             <a:r>
               <a:rPr lang="ko-KR" altLang="en-US" sz="1100" b="1" dirty="0" err="1"/>
-              <a:t>신고글</a:t>
+              <a:t>한줄평</a:t>
             </a:r>
             <a:r>
               <a:rPr lang="ko-KR" altLang="en-US" sz="1100" b="1" dirty="0"/>
-              <a:t> 상세보기</a:t>
-            </a:r>
-          </a:p>
-        </p:txBody>
-      </p:sp>
-      <p:sp>
-        <p:nvSpPr>
-          <p:cNvPr id="777" name="직사각형 776">
-            <a:extLst>
-              <a:ext uri="{FF2B5EF4-FFF2-40B4-BE49-F238E27FC236}">
-                <a16:creationId xmlns:a16="http://schemas.microsoft.com/office/drawing/2014/main" id="{1CBB3EB7-4268-4F2E-B28A-0931CDCB21CE}"/>
+              <a:t> 페이지</a:t>
+            </a:r>
+          </a:p>
+        </p:txBody>
+      </p:sp>
+      <p:cxnSp>
+        <p:nvCxnSpPr>
+          <p:cNvPr id="778" name="연결선: 꺾임 777">
+            <a:extLst>
+              <a:ext uri="{FF2B5EF4-FFF2-40B4-BE49-F238E27FC236}">
+                <a16:creationId xmlns:a16="http://schemas.microsoft.com/office/drawing/2014/main" id="{8D113BBF-B1AC-460C-AD27-CF93E7EE15D8}"/>
+              </a:ext>
+            </a:extLst>
+          </p:cNvPr>
+          <p:cNvCxnSpPr>
+            <a:cxnSpLocks/>
+            <a:endCxn id="776" idx="1"/>
+          </p:cNvCxnSpPr>
+          <p:nvPr/>
+        </p:nvCxnSpPr>
+        <p:spPr>
+          <a:xfrm rot="16200000" flipH="1">
+            <a:off x="46669251" y="18516891"/>
+            <a:ext cx="233386" cy="228627"/>
+          </a:xfrm>
+          <a:prstGeom prst="bentConnector2">
+            <a:avLst/>
+          </a:prstGeom>
+          <a:ln>
+            <a:solidFill>
+              <a:schemeClr val="tx1"/>
+            </a:solidFill>
+          </a:ln>
+        </p:spPr>
+        <p:style>
+          <a:lnRef idx="1">
+            <a:schemeClr val="dk1"/>
+          </a:lnRef>
+          <a:fillRef idx="0">
+            <a:schemeClr val="dk1"/>
+          </a:fillRef>
+          <a:effectRef idx="0">
+            <a:schemeClr val="dk1"/>
+          </a:effectRef>
+          <a:fontRef idx="minor">
+            <a:schemeClr val="tx1"/>
+          </a:fontRef>
+        </p:style>
+      </p:cxnSp>
+      <p:cxnSp>
+        <p:nvCxnSpPr>
+          <p:cNvPr id="779" name="연결선: 꺾임 778">
+            <a:extLst>
+              <a:ext uri="{FF2B5EF4-FFF2-40B4-BE49-F238E27FC236}">
+                <a16:creationId xmlns:a16="http://schemas.microsoft.com/office/drawing/2014/main" id="{12754CF6-EA57-4E54-AA86-D025E28BEA3A}"/>
+              </a:ext>
+            </a:extLst>
+          </p:cNvPr>
+          <p:cNvCxnSpPr>
+            <a:cxnSpLocks/>
+            <a:stCxn id="775" idx="2"/>
+            <a:endCxn id="777" idx="1"/>
+          </p:cNvCxnSpPr>
+          <p:nvPr/>
+        </p:nvCxnSpPr>
+        <p:spPr>
+          <a:xfrm rot="16200000" flipH="1">
+            <a:off x="46426240" y="18712277"/>
+            <a:ext cx="719409" cy="228627"/>
+          </a:xfrm>
+          <a:prstGeom prst="bentConnector2">
+            <a:avLst/>
+          </a:prstGeom>
+          <a:ln>
+            <a:solidFill>
+              <a:schemeClr val="tx1"/>
+            </a:solidFill>
+          </a:ln>
+        </p:spPr>
+        <p:style>
+          <a:lnRef idx="1">
+            <a:schemeClr val="dk1"/>
+          </a:lnRef>
+          <a:fillRef idx="0">
+            <a:schemeClr val="dk1"/>
+          </a:fillRef>
+          <a:effectRef idx="0">
+            <a:schemeClr val="dk1"/>
+          </a:effectRef>
+          <a:fontRef idx="minor">
+            <a:schemeClr val="tx1"/>
+          </a:fontRef>
+        </p:style>
+      </p:cxnSp>
+      <p:sp>
+        <p:nvSpPr>
+          <p:cNvPr id="780" name="직사각형 779">
+            <a:extLst>
+              <a:ext uri="{FF2B5EF4-FFF2-40B4-BE49-F238E27FC236}">
+                <a16:creationId xmlns:a16="http://schemas.microsoft.com/office/drawing/2014/main" id="{6AFCC7AF-E2A7-457A-8C0B-431EC9E3A263}"/>
               </a:ext>
             </a:extLst>
           </p:cNvPr>
@@ -20093,8 +20182,8 @@
         </p:nvSpPr>
         <p:spPr>
           <a:xfrm>
-            <a:off x="46821623" y="19713424"/>
-            <a:ext cx="1269722" cy="313361"/>
+            <a:off x="45219081" y="17588364"/>
+            <a:ext cx="1269722" cy="370276"/>
           </a:xfrm>
           <a:prstGeom prst="rect">
             <a:avLst/>
@@ -20135,30 +20224,31 @@
             </a:r>
             <a:r>
               <a:rPr lang="ko-KR" altLang="en-US" sz="1100" b="1" dirty="0"/>
-              <a:t> 상세보기</a:t>
+              <a:t> 신고 관리</a:t>
             </a:r>
           </a:p>
         </p:txBody>
       </p:sp>
       <p:cxnSp>
         <p:nvCxnSpPr>
-          <p:cNvPr id="778" name="연결선: 꺾임 777">
-            <a:extLst>
-              <a:ext uri="{FF2B5EF4-FFF2-40B4-BE49-F238E27FC236}">
-                <a16:creationId xmlns:a16="http://schemas.microsoft.com/office/drawing/2014/main" id="{8D113BBF-B1AC-460C-AD27-CF93E7EE15D8}"/>
+          <p:cNvPr id="781" name="연결선: 꺾임 780">
+            <a:extLst>
+              <a:ext uri="{FF2B5EF4-FFF2-40B4-BE49-F238E27FC236}">
+                <a16:creationId xmlns:a16="http://schemas.microsoft.com/office/drawing/2014/main" id="{BD0C1A34-98FE-4C52-8F7F-8CE71276D066}"/>
               </a:ext>
             </a:extLst>
           </p:cNvPr>
           <p:cNvCxnSpPr>
             <a:cxnSpLocks/>
-            <a:endCxn id="776" idx="1"/>
+            <a:stCxn id="780" idx="2"/>
+            <a:endCxn id="775" idx="1"/>
           </p:cNvCxnSpPr>
           <p:nvPr/>
         </p:nvCxnSpPr>
         <p:spPr>
           <a:xfrm rot="16200000" flipH="1">
-            <a:off x="46590616" y="19200700"/>
-            <a:ext cx="233386" cy="228627"/>
+            <a:off x="45783802" y="18028780"/>
+            <a:ext cx="323109" cy="182828"/>
           </a:xfrm>
           <a:prstGeom prst="bentConnector2">
             <a:avLst/>
@@ -20184,57 +20274,12 @@
           </a:fontRef>
         </p:style>
       </p:cxnSp>
-      <p:cxnSp>
-        <p:nvCxnSpPr>
-          <p:cNvPr id="779" name="연결선: 꺾임 778">
-            <a:extLst>
-              <a:ext uri="{FF2B5EF4-FFF2-40B4-BE49-F238E27FC236}">
-                <a16:creationId xmlns:a16="http://schemas.microsoft.com/office/drawing/2014/main" id="{12754CF6-EA57-4E54-AA86-D025E28BEA3A}"/>
-              </a:ext>
-            </a:extLst>
-          </p:cNvPr>
-          <p:cNvCxnSpPr>
-            <a:cxnSpLocks/>
-            <a:stCxn id="775" idx="2"/>
-            <a:endCxn id="777" idx="1"/>
-          </p:cNvCxnSpPr>
-          <p:nvPr/>
-        </p:nvCxnSpPr>
-        <p:spPr>
-          <a:xfrm rot="16200000" flipH="1">
-            <a:off x="46347605" y="19396086"/>
-            <a:ext cx="719409" cy="228627"/>
-          </a:xfrm>
-          <a:prstGeom prst="bentConnector2">
-            <a:avLst/>
-          </a:prstGeom>
-          <a:ln>
-            <a:solidFill>
-              <a:schemeClr val="tx1"/>
-            </a:solidFill>
-          </a:ln>
-        </p:spPr>
-        <p:style>
-          <a:lnRef idx="1">
-            <a:schemeClr val="dk1"/>
-          </a:lnRef>
-          <a:fillRef idx="0">
-            <a:schemeClr val="dk1"/>
-          </a:fillRef>
-          <a:effectRef idx="0">
-            <a:schemeClr val="dk1"/>
-          </a:effectRef>
-          <a:fontRef idx="minor">
-            <a:schemeClr val="tx1"/>
-          </a:fontRef>
-        </p:style>
-      </p:cxnSp>
-      <p:sp>
-        <p:nvSpPr>
-          <p:cNvPr id="780" name="직사각형 779">
-            <a:extLst>
-              <a:ext uri="{FF2B5EF4-FFF2-40B4-BE49-F238E27FC236}">
-                <a16:creationId xmlns:a16="http://schemas.microsoft.com/office/drawing/2014/main" id="{6AFCC7AF-E2A7-457A-8C0B-431EC9E3A263}"/>
+      <p:sp>
+        <p:nvSpPr>
+          <p:cNvPr id="782" name="직사각형 781">
+            <a:extLst>
+              <a:ext uri="{FF2B5EF4-FFF2-40B4-BE49-F238E27FC236}">
+                <a16:creationId xmlns:a16="http://schemas.microsoft.com/office/drawing/2014/main" id="{7FE81375-8BF3-4BBB-908B-2CCF2A2D03DC}"/>
               </a:ext>
             </a:extLst>
           </p:cNvPr>
@@ -20243,8 +20288,8 @@
         </p:nvSpPr>
         <p:spPr>
           <a:xfrm>
-            <a:off x="45140446" y="18272173"/>
-            <a:ext cx="1269722" cy="370276"/>
+            <a:off x="47675162" y="19458079"/>
+            <a:ext cx="1269722" cy="313361"/>
           </a:xfrm>
           <a:prstGeom prst="rect">
             <a:avLst/>
@@ -20285,31 +20330,31 @@
             </a:r>
             <a:r>
               <a:rPr lang="ko-KR" altLang="en-US" sz="1100" b="1" dirty="0"/>
-              <a:t> 신고 관리</a:t>
+              <a:t> 삭제</a:t>
             </a:r>
           </a:p>
         </p:txBody>
       </p:sp>
       <p:cxnSp>
         <p:nvCxnSpPr>
-          <p:cNvPr id="781" name="연결선: 꺾임 780">
-            <a:extLst>
-              <a:ext uri="{FF2B5EF4-FFF2-40B4-BE49-F238E27FC236}">
-                <a16:creationId xmlns:a16="http://schemas.microsoft.com/office/drawing/2014/main" id="{BD0C1A34-98FE-4C52-8F7F-8CE71276D066}"/>
+          <p:cNvPr id="783" name="연결선: 꺾임 782">
+            <a:extLst>
+              <a:ext uri="{FF2B5EF4-FFF2-40B4-BE49-F238E27FC236}">
+                <a16:creationId xmlns:a16="http://schemas.microsoft.com/office/drawing/2014/main" id="{0A1108AF-7057-4784-9347-5C5FEF487B6A}"/>
               </a:ext>
             </a:extLst>
           </p:cNvPr>
           <p:cNvCxnSpPr>
             <a:cxnSpLocks/>
-            <a:stCxn id="780" idx="2"/>
-            <a:endCxn id="775" idx="1"/>
+            <a:stCxn id="777" idx="2"/>
+            <a:endCxn id="782" idx="1"/>
           </p:cNvCxnSpPr>
           <p:nvPr/>
         </p:nvCxnSpPr>
         <p:spPr>
           <a:xfrm rot="16200000" flipH="1">
-            <a:off x="45705167" y="18712589"/>
-            <a:ext cx="323109" cy="182828"/>
+            <a:off x="47469248" y="19408846"/>
+            <a:ext cx="271784" cy="140043"/>
           </a:xfrm>
           <a:prstGeom prst="bentConnector2">
             <a:avLst/>
@@ -20322,25 +20367,114 @@
         </p:spPr>
         <p:style>
           <a:lnRef idx="1">
-            <a:schemeClr val="dk1"/>
+            <a:schemeClr val="accent1"/>
           </a:lnRef>
           <a:fillRef idx="0">
-            <a:schemeClr val="dk1"/>
-          </a:fillRef>
-          <a:effectRef idx="0">
-            <a:schemeClr val="dk1"/>
+            <a:schemeClr val="accent1"/>
+          </a:fillRef>
+          <a:effectRef idx="0">
+            <a:schemeClr val="accent1"/>
           </a:effectRef>
           <a:fontRef idx="minor">
             <a:schemeClr val="tx1"/>
           </a:fontRef>
         </p:style>
       </p:cxnSp>
-      <p:sp>
-        <p:nvSpPr>
-          <p:cNvPr id="782" name="직사각형 781">
-            <a:extLst>
-              <a:ext uri="{FF2B5EF4-FFF2-40B4-BE49-F238E27FC236}">
-                <a16:creationId xmlns:a16="http://schemas.microsoft.com/office/drawing/2014/main" id="{7FE81375-8BF3-4BBB-908B-2CCF2A2D03DC}"/>
+      <p:cxnSp>
+        <p:nvCxnSpPr>
+          <p:cNvPr id="785" name="연결선: 꺾임 784">
+            <a:extLst>
+              <a:ext uri="{FF2B5EF4-FFF2-40B4-BE49-F238E27FC236}">
+                <a16:creationId xmlns:a16="http://schemas.microsoft.com/office/drawing/2014/main" id="{2048F027-EADA-44BA-A1C4-84BB222316DE}"/>
+              </a:ext>
+            </a:extLst>
+          </p:cNvPr>
+          <p:cNvCxnSpPr>
+            <a:stCxn id="634" idx="2"/>
+            <a:endCxn id="780" idx="1"/>
+          </p:cNvCxnSpPr>
+          <p:nvPr/>
+        </p:nvCxnSpPr>
+        <p:spPr>
+          <a:xfrm rot="16200000" flipH="1">
+            <a:off x="42457953" y="15012373"/>
+            <a:ext cx="5344829" cy="177427"/>
+          </a:xfrm>
+          <a:prstGeom prst="bentConnector2">
+            <a:avLst/>
+          </a:prstGeom>
+          <a:ln>
+            <a:solidFill>
+              <a:schemeClr val="tx1"/>
+            </a:solidFill>
+          </a:ln>
+        </p:spPr>
+        <p:style>
+          <a:lnRef idx="1">
+            <a:schemeClr val="accent1"/>
+          </a:lnRef>
+          <a:fillRef idx="0">
+            <a:schemeClr val="accent1"/>
+          </a:fillRef>
+          <a:effectRef idx="0">
+            <a:schemeClr val="accent1"/>
+          </a:effectRef>
+          <a:fontRef idx="minor">
+            <a:schemeClr val="tx1"/>
+          </a:fontRef>
+        </p:style>
+      </p:cxnSp>
+      <p:cxnSp>
+        <p:nvCxnSpPr>
+          <p:cNvPr id="788" name="연결선: 꺾임 787">
+            <a:extLst>
+              <a:ext uri="{FF2B5EF4-FFF2-40B4-BE49-F238E27FC236}">
+                <a16:creationId xmlns:a16="http://schemas.microsoft.com/office/drawing/2014/main" id="{5483595B-EDFC-4C90-8019-E84203B073A1}"/>
+              </a:ext>
+            </a:extLst>
+          </p:cNvPr>
+          <p:cNvCxnSpPr>
+            <a:cxnSpLocks/>
+            <a:stCxn id="775" idx="2"/>
+            <a:endCxn id="789" idx="1"/>
+          </p:cNvCxnSpPr>
+          <p:nvPr/>
+        </p:nvCxnSpPr>
+        <p:spPr>
+          <a:xfrm rot="16200000" flipH="1">
+            <a:off x="45983540" y="19154977"/>
+            <a:ext cx="1604808" cy="228627"/>
+          </a:xfrm>
+          <a:prstGeom prst="bentConnector2">
+            <a:avLst/>
+          </a:prstGeom>
+          <a:ln>
+            <a:solidFill>
+              <a:schemeClr val="tx1"/>
+            </a:solidFill>
+          </a:ln>
+        </p:spPr>
+        <p:style>
+          <a:lnRef idx="1">
+            <a:schemeClr val="accent1"/>
+          </a:lnRef>
+          <a:fillRef idx="0">
+            <a:schemeClr val="accent1"/>
+          </a:fillRef>
+          <a:effectRef idx="0">
+            <a:schemeClr val="accent1"/>
+          </a:effectRef>
+          <a:fontRef idx="minor">
+            <a:schemeClr val="tx1"/>
+          </a:fontRef>
+        </p:style>
+      </p:cxnSp>
+      <p:sp>
+        <p:nvSpPr>
+          <p:cNvPr id="789" name="직사각형 788">
+            <a:extLst>
+              <a:ext uri="{FF2B5EF4-FFF2-40B4-BE49-F238E27FC236}">
+                <a16:creationId xmlns:a16="http://schemas.microsoft.com/office/drawing/2014/main" id="{775F7DEC-13E0-40B9-8212-C7F54C5E7F4A}"/>
               </a:ext>
             </a:extLst>
           </p:cNvPr>
@@ -20349,7 +20483,7 @@
         </p:nvSpPr>
         <p:spPr>
           <a:xfrm>
-            <a:off x="47596527" y="20141888"/>
+            <a:off x="46900258" y="19915014"/>
             <a:ext cx="1269722" cy="313361"/>
           </a:xfrm>
           <a:prstGeom prst="rect">
@@ -20398,24 +20532,24 @@
       </p:sp>
       <p:cxnSp>
         <p:nvCxnSpPr>
-          <p:cNvPr id="783" name="연결선: 꺾임 782">
-            <a:extLst>
-              <a:ext uri="{FF2B5EF4-FFF2-40B4-BE49-F238E27FC236}">
-                <a16:creationId xmlns:a16="http://schemas.microsoft.com/office/drawing/2014/main" id="{0A1108AF-7057-4784-9347-5C5FEF487B6A}"/>
+          <p:cNvPr id="793" name="연결선: 꺾임 792">
+            <a:extLst>
+              <a:ext uri="{FF2B5EF4-FFF2-40B4-BE49-F238E27FC236}">
+                <a16:creationId xmlns:a16="http://schemas.microsoft.com/office/drawing/2014/main" id="{008DB568-7E44-4E95-8CC4-57726C8CA594}"/>
               </a:ext>
             </a:extLst>
           </p:cNvPr>
           <p:cNvCxnSpPr>
             <a:cxnSpLocks/>
-            <a:stCxn id="777" idx="2"/>
-            <a:endCxn id="782" idx="1"/>
+            <a:stCxn id="754" idx="2"/>
+            <a:endCxn id="794" idx="1"/>
           </p:cNvCxnSpPr>
           <p:nvPr/>
         </p:nvCxnSpPr>
         <p:spPr>
           <a:xfrm rot="16200000" flipH="1">
-            <a:off x="47390613" y="20092655"/>
-            <a:ext cx="271784" cy="140043"/>
+            <a:off x="46011878" y="16445171"/>
+            <a:ext cx="1604808" cy="222491"/>
           </a:xfrm>
           <a:prstGeom prst="bentConnector2">
             <a:avLst/>
@@ -20441,101 +20575,12 @@
           </a:fontRef>
         </p:style>
       </p:cxnSp>
-      <p:cxnSp>
-        <p:nvCxnSpPr>
-          <p:cNvPr id="785" name="연결선: 꺾임 784">
-            <a:extLst>
-              <a:ext uri="{FF2B5EF4-FFF2-40B4-BE49-F238E27FC236}">
-                <a16:creationId xmlns:a16="http://schemas.microsoft.com/office/drawing/2014/main" id="{2048F027-EADA-44BA-A1C4-84BB222316DE}"/>
-              </a:ext>
-            </a:extLst>
-          </p:cNvPr>
-          <p:cNvCxnSpPr>
-            <a:stCxn id="634" idx="2"/>
-            <a:endCxn id="780" idx="1"/>
-          </p:cNvCxnSpPr>
-          <p:nvPr/>
-        </p:nvCxnSpPr>
-        <p:spPr>
-          <a:xfrm rot="16200000" flipH="1">
-            <a:off x="42379318" y="15696182"/>
-            <a:ext cx="5344829" cy="177427"/>
-          </a:xfrm>
-          <a:prstGeom prst="bentConnector2">
-            <a:avLst/>
-          </a:prstGeom>
-          <a:ln>
-            <a:solidFill>
-              <a:schemeClr val="tx1"/>
-            </a:solidFill>
-          </a:ln>
-        </p:spPr>
-        <p:style>
-          <a:lnRef idx="1">
-            <a:schemeClr val="accent1"/>
-          </a:lnRef>
-          <a:fillRef idx="0">
-            <a:schemeClr val="accent1"/>
-          </a:fillRef>
-          <a:effectRef idx="0">
-            <a:schemeClr val="accent1"/>
-          </a:effectRef>
-          <a:fontRef idx="minor">
-            <a:schemeClr val="tx1"/>
-          </a:fontRef>
-        </p:style>
-      </p:cxnSp>
-      <p:cxnSp>
-        <p:nvCxnSpPr>
-          <p:cNvPr id="788" name="연결선: 꺾임 787">
-            <a:extLst>
-              <a:ext uri="{FF2B5EF4-FFF2-40B4-BE49-F238E27FC236}">
-                <a16:creationId xmlns:a16="http://schemas.microsoft.com/office/drawing/2014/main" id="{5483595B-EDFC-4C90-8019-E84203B073A1}"/>
-              </a:ext>
-            </a:extLst>
-          </p:cNvPr>
-          <p:cNvCxnSpPr>
-            <a:cxnSpLocks/>
-            <a:stCxn id="775" idx="2"/>
-            <a:endCxn id="789" idx="1"/>
-          </p:cNvCxnSpPr>
-          <p:nvPr/>
-        </p:nvCxnSpPr>
-        <p:spPr>
-          <a:xfrm rot="16200000" flipH="1">
-            <a:off x="45904905" y="19838786"/>
-            <a:ext cx="1604808" cy="228627"/>
-          </a:xfrm>
-          <a:prstGeom prst="bentConnector2">
-            <a:avLst/>
-          </a:prstGeom>
-          <a:ln>
-            <a:solidFill>
-              <a:schemeClr val="tx1"/>
-            </a:solidFill>
-          </a:ln>
-        </p:spPr>
-        <p:style>
-          <a:lnRef idx="1">
-            <a:schemeClr val="accent1"/>
-          </a:lnRef>
-          <a:fillRef idx="0">
-            <a:schemeClr val="accent1"/>
-          </a:fillRef>
-          <a:effectRef idx="0">
-            <a:schemeClr val="accent1"/>
-          </a:effectRef>
-          <a:fontRef idx="minor">
-            <a:schemeClr val="tx1"/>
-          </a:fontRef>
-        </p:style>
-      </p:cxnSp>
-      <p:sp>
-        <p:nvSpPr>
-          <p:cNvPr id="789" name="직사각형 788">
-            <a:extLst>
-              <a:ext uri="{FF2B5EF4-FFF2-40B4-BE49-F238E27FC236}">
-                <a16:creationId xmlns:a16="http://schemas.microsoft.com/office/drawing/2014/main" id="{775F7DEC-13E0-40B9-8212-C7F54C5E7F4A}"/>
+      <p:sp>
+        <p:nvSpPr>
+          <p:cNvPr id="794" name="직사각형 793">
+            <a:extLst>
+              <a:ext uri="{FF2B5EF4-FFF2-40B4-BE49-F238E27FC236}">
+                <a16:creationId xmlns:a16="http://schemas.microsoft.com/office/drawing/2014/main" id="{5160B2D3-B753-4B1D-8B6D-3347DB2604DB}"/>
               </a:ext>
             </a:extLst>
           </p:cNvPr>
@@ -20544,7 +20589,7 @@
         </p:nvSpPr>
         <p:spPr>
           <a:xfrm>
-            <a:off x="46821623" y="20598823"/>
+            <a:off x="46925528" y="17202140"/>
             <a:ext cx="1269722" cy="313361"/>
           </a:xfrm>
           <a:prstGeom prst="rect">
@@ -20582,7 +20627,7 @@
             <a:pPr algn="ctr"/>
             <a:r>
               <a:rPr lang="ko-KR" altLang="en-US" sz="1100" b="1" dirty="0" err="1"/>
-              <a:t>한줄평</a:t>
+              <a:t>신고댓글</a:t>
             </a:r>
             <a:r>
               <a:rPr lang="ko-KR" altLang="en-US" sz="1100" b="1" dirty="0"/>
@@ -20593,24 +20638,24 @@
       </p:sp>
       <p:cxnSp>
         <p:nvCxnSpPr>
-          <p:cNvPr id="793" name="연결선: 꺾임 792">
-            <a:extLst>
-              <a:ext uri="{FF2B5EF4-FFF2-40B4-BE49-F238E27FC236}">
-                <a16:creationId xmlns:a16="http://schemas.microsoft.com/office/drawing/2014/main" id="{008DB568-7E44-4E95-8CC4-57726C8CA594}"/>
+          <p:cNvPr id="796" name="연결선: 꺾임 795">
+            <a:extLst>
+              <a:ext uri="{FF2B5EF4-FFF2-40B4-BE49-F238E27FC236}">
+                <a16:creationId xmlns:a16="http://schemas.microsoft.com/office/drawing/2014/main" id="{2D72461E-5F43-484E-BB94-28976D2655DC}"/>
               </a:ext>
             </a:extLst>
           </p:cNvPr>
           <p:cNvCxnSpPr>
             <a:cxnSpLocks/>
-            <a:stCxn id="754" idx="2"/>
-            <a:endCxn id="794" idx="1"/>
+            <a:stCxn id="655" idx="2"/>
+            <a:endCxn id="797" idx="1"/>
           </p:cNvCxnSpPr>
           <p:nvPr/>
         </p:nvCxnSpPr>
         <p:spPr>
           <a:xfrm rot="16200000" flipH="1">
-            <a:off x="45933243" y="17128980"/>
-            <a:ext cx="1604808" cy="222491"/>
+            <a:off x="46047419" y="14060107"/>
+            <a:ext cx="1541957" cy="230720"/>
           </a:xfrm>
           <a:prstGeom prst="bentConnector2">
             <a:avLst/>
@@ -20638,10 +20683,10 @@
       </p:cxnSp>
       <p:sp>
         <p:nvSpPr>
-          <p:cNvPr id="794" name="직사각형 793">
-            <a:extLst>
-              <a:ext uri="{FF2B5EF4-FFF2-40B4-BE49-F238E27FC236}">
-                <a16:creationId xmlns:a16="http://schemas.microsoft.com/office/drawing/2014/main" id="{5160B2D3-B753-4B1D-8B6D-3347DB2604DB}"/>
+          <p:cNvPr id="797" name="직사각형 796">
+            <a:extLst>
+              <a:ext uri="{FF2B5EF4-FFF2-40B4-BE49-F238E27FC236}">
+                <a16:creationId xmlns:a16="http://schemas.microsoft.com/office/drawing/2014/main" id="{E56AF369-0DF9-4B8D-9411-26A32729D8EB}"/>
               </a:ext>
             </a:extLst>
           </p:cNvPr>
@@ -20650,7 +20695,7 @@
         </p:nvSpPr>
         <p:spPr>
           <a:xfrm>
-            <a:off x="46846893" y="17885949"/>
+            <a:off x="46933757" y="14789765"/>
             <a:ext cx="1269722" cy="313361"/>
           </a:xfrm>
           <a:prstGeom prst="rect">
@@ -20688,7 +20733,7 @@
             <a:pPr algn="ctr"/>
             <a:r>
               <a:rPr lang="ko-KR" altLang="en-US" sz="1100" b="1" dirty="0" err="1"/>
-              <a:t>신고댓글</a:t>
+              <a:t>리뷰글</a:t>
             </a:r>
             <a:r>
               <a:rPr lang="ko-KR" altLang="en-US" sz="1100" b="1" dirty="0"/>
@@ -20697,57 +20742,12 @@
           </a:p>
         </p:txBody>
       </p:sp>
-      <p:cxnSp>
-        <p:nvCxnSpPr>
-          <p:cNvPr id="796" name="연결선: 꺾임 795">
-            <a:extLst>
-              <a:ext uri="{FF2B5EF4-FFF2-40B4-BE49-F238E27FC236}">
-                <a16:creationId xmlns:a16="http://schemas.microsoft.com/office/drawing/2014/main" id="{2D72461E-5F43-484E-BB94-28976D2655DC}"/>
-              </a:ext>
-            </a:extLst>
-          </p:cNvPr>
-          <p:cNvCxnSpPr>
-            <a:cxnSpLocks/>
-            <a:stCxn id="655" idx="2"/>
-            <a:endCxn id="797" idx="1"/>
-          </p:cNvCxnSpPr>
-          <p:nvPr/>
-        </p:nvCxnSpPr>
-        <p:spPr>
-          <a:xfrm rot="16200000" flipH="1">
-            <a:off x="45968784" y="14743916"/>
-            <a:ext cx="1541957" cy="230720"/>
-          </a:xfrm>
-          <a:prstGeom prst="bentConnector2">
-            <a:avLst/>
-          </a:prstGeom>
-          <a:ln>
-            <a:solidFill>
-              <a:schemeClr val="tx1"/>
-            </a:solidFill>
-          </a:ln>
-        </p:spPr>
-        <p:style>
-          <a:lnRef idx="1">
-            <a:schemeClr val="accent1"/>
-          </a:lnRef>
-          <a:fillRef idx="0">
-            <a:schemeClr val="accent1"/>
-          </a:fillRef>
-          <a:effectRef idx="0">
-            <a:schemeClr val="accent1"/>
-          </a:effectRef>
-          <a:fontRef idx="minor">
-            <a:schemeClr val="tx1"/>
-          </a:fontRef>
-        </p:style>
-      </p:cxnSp>
-      <p:sp>
-        <p:nvSpPr>
-          <p:cNvPr id="797" name="직사각형 796">
-            <a:extLst>
-              <a:ext uri="{FF2B5EF4-FFF2-40B4-BE49-F238E27FC236}">
-                <a16:creationId xmlns:a16="http://schemas.microsoft.com/office/drawing/2014/main" id="{E56AF369-0DF9-4B8D-9411-26A32729D8EB}"/>
+      <p:sp>
+        <p:nvSpPr>
+          <p:cNvPr id="344" name="직사각형 343">
+            <a:extLst>
+              <a:ext uri="{FF2B5EF4-FFF2-40B4-BE49-F238E27FC236}">
+                <a16:creationId xmlns:a16="http://schemas.microsoft.com/office/drawing/2014/main" id="{31D669EA-A805-4F58-B750-94B55733E1CD}"/>
               </a:ext>
             </a:extLst>
           </p:cNvPr>
@@ -20756,7 +20756,7 @@
         </p:nvSpPr>
         <p:spPr>
           <a:xfrm>
-            <a:off x="46855122" y="15473574"/>
+            <a:off x="32861748" y="12423482"/>
             <a:ext cx="1269722" cy="313361"/>
           </a:xfrm>
           <a:prstGeom prst="rect">
@@ -20793,8 +20793,3208 @@
           <a:p>
             <a:pPr algn="ctr"/>
             <a:r>
+              <a:rPr lang="ko-KR" altLang="en-US" sz="1100" b="1"/>
+              <a:t>채용 정보</a:t>
+            </a:r>
+            <a:endParaRPr lang="ko-KR" altLang="en-US" sz="1100" b="1" dirty="0"/>
+          </a:p>
+        </p:txBody>
+      </p:sp>
+      <p:sp>
+        <p:nvSpPr>
+          <p:cNvPr id="345" name="직사각형 344">
+            <a:extLst>
+              <a:ext uri="{FF2B5EF4-FFF2-40B4-BE49-F238E27FC236}">
+                <a16:creationId xmlns:a16="http://schemas.microsoft.com/office/drawing/2014/main" id="{2C5E5036-7811-4166-B848-2040AC02D890}"/>
+              </a:ext>
+            </a:extLst>
+          </p:cNvPr>
+          <p:cNvSpPr/>
+          <p:nvPr/>
+        </p:nvSpPr>
+        <p:spPr>
+          <a:xfrm>
+            <a:off x="33738048" y="12867669"/>
+            <a:ext cx="1269722" cy="313361"/>
+          </a:xfrm>
+          <a:prstGeom prst="rect">
+            <a:avLst/>
+          </a:prstGeom>
+          <a:ln>
+            <a:solidFill>
+              <a:schemeClr val="tx1"/>
+            </a:solidFill>
+          </a:ln>
+        </p:spPr>
+        <p:style>
+          <a:lnRef idx="2">
+            <a:schemeClr val="dk1"/>
+          </a:lnRef>
+          <a:fillRef idx="1">
+            <a:schemeClr val="lt1"/>
+          </a:fillRef>
+          <a:effectRef idx="0">
+            <a:schemeClr val="dk1"/>
+          </a:effectRef>
+          <a:fontRef idx="minor">
+            <a:schemeClr val="dk1"/>
+          </a:fontRef>
+        </p:style>
+        <p:txBody>
+          <a:bodyPr rot="0" spcFirstLastPara="0" vertOverflow="overflow" horzOverflow="overflow" vert="horz" wrap="square" lIns="77272" tIns="38641" rIns="77272" bIns="38641" numCol="1" spcCol="0" rtlCol="0" fromWordArt="0" anchor="ctr" anchorCtr="0" forceAA="0" compatLnSpc="1">
+            <a:prstTxWarp prst="textNoShape">
+              <a:avLst/>
+            </a:prstTxWarp>
+            <a:noAutofit/>
+          </a:bodyPr>
+          <a:lstStyle/>
+          <a:p>
+            <a:pPr algn="ctr"/>
+            <a:r>
+              <a:rPr lang="ko-KR" altLang="en-US" sz="1100" b="1"/>
+              <a:t>채용 공고 게시판</a:t>
+            </a:r>
+            <a:endParaRPr lang="ko-KR" altLang="en-US" sz="1100" b="1" dirty="0"/>
+          </a:p>
+        </p:txBody>
+      </p:sp>
+      <p:sp>
+        <p:nvSpPr>
+          <p:cNvPr id="346" name="직사각형 345">
+            <a:extLst>
+              <a:ext uri="{FF2B5EF4-FFF2-40B4-BE49-F238E27FC236}">
+                <a16:creationId xmlns:a16="http://schemas.microsoft.com/office/drawing/2014/main" id="{4A89F73E-1510-4B94-866A-2B23138E7AEA}"/>
+              </a:ext>
+            </a:extLst>
+          </p:cNvPr>
+          <p:cNvSpPr/>
+          <p:nvPr/>
+        </p:nvSpPr>
+        <p:spPr>
+          <a:xfrm>
+            <a:off x="35425303" y="14237791"/>
+            <a:ext cx="1269722" cy="351259"/>
+          </a:xfrm>
+          <a:prstGeom prst="rect">
+            <a:avLst/>
+          </a:prstGeom>
+          <a:ln>
+            <a:solidFill>
+              <a:schemeClr val="tx1"/>
+            </a:solidFill>
+          </a:ln>
+        </p:spPr>
+        <p:style>
+          <a:lnRef idx="2">
+            <a:schemeClr val="dk1"/>
+          </a:lnRef>
+          <a:fillRef idx="1">
+            <a:schemeClr val="lt1"/>
+          </a:fillRef>
+          <a:effectRef idx="0">
+            <a:schemeClr val="dk1"/>
+          </a:effectRef>
+          <a:fontRef idx="minor">
+            <a:schemeClr val="dk1"/>
+          </a:fontRef>
+        </p:style>
+        <p:txBody>
+          <a:bodyPr rot="0" spcFirstLastPara="0" vertOverflow="overflow" horzOverflow="overflow" vert="horz" wrap="square" lIns="77272" tIns="38641" rIns="77272" bIns="38641" numCol="1" spcCol="0" rtlCol="0" fromWordArt="0" anchor="ctr" anchorCtr="0" forceAA="0" compatLnSpc="1">
+            <a:prstTxWarp prst="textNoShape">
+              <a:avLst/>
+            </a:prstTxWarp>
+            <a:noAutofit/>
+          </a:bodyPr>
+          <a:lstStyle/>
+          <a:p>
+            <a:pPr algn="ctr"/>
+            <a:r>
+              <a:rPr lang="ko-KR" altLang="en-US" sz="1100" b="1" dirty="0"/>
+              <a:t>채용 공고</a:t>
+            </a:r>
+            <a:endParaRPr lang="en-US" altLang="ko-KR" sz="1100" b="1" dirty="0"/>
+          </a:p>
+          <a:p>
+            <a:pPr algn="ctr"/>
+            <a:r>
+              <a:rPr lang="ko-KR" altLang="en-US" sz="1100" b="1" dirty="0"/>
+              <a:t>상세 보기</a:t>
+            </a:r>
+          </a:p>
+        </p:txBody>
+      </p:sp>
+      <p:cxnSp>
+        <p:nvCxnSpPr>
+          <p:cNvPr id="347" name="연결선: 꺾임 346">
+            <a:extLst>
+              <a:ext uri="{FF2B5EF4-FFF2-40B4-BE49-F238E27FC236}">
+                <a16:creationId xmlns:a16="http://schemas.microsoft.com/office/drawing/2014/main" id="{C8A06B40-EF95-4EE5-9910-A5A4DDBA1CE3}"/>
+              </a:ext>
+            </a:extLst>
+          </p:cNvPr>
+          <p:cNvCxnSpPr>
+            <a:cxnSpLocks/>
+            <a:stCxn id="344" idx="2"/>
+            <a:endCxn id="345" idx="1"/>
+          </p:cNvCxnSpPr>
+          <p:nvPr/>
+        </p:nvCxnSpPr>
+        <p:spPr>
+          <a:xfrm rot="16200000" flipH="1">
+            <a:off x="33473575" y="12759876"/>
+            <a:ext cx="287507" cy="241439"/>
+          </a:xfrm>
+          <a:prstGeom prst="bentConnector2">
+            <a:avLst/>
+          </a:prstGeom>
+          <a:ln>
+            <a:solidFill>
+              <a:schemeClr val="tx1"/>
+            </a:solidFill>
+          </a:ln>
+        </p:spPr>
+        <p:style>
+          <a:lnRef idx="1">
+            <a:schemeClr val="dk1"/>
+          </a:lnRef>
+          <a:fillRef idx="0">
+            <a:schemeClr val="dk1"/>
+          </a:fillRef>
+          <a:effectRef idx="0">
+            <a:schemeClr val="dk1"/>
+          </a:effectRef>
+          <a:fontRef idx="minor">
+            <a:schemeClr val="tx1"/>
+          </a:fontRef>
+        </p:style>
+      </p:cxnSp>
+      <p:cxnSp>
+        <p:nvCxnSpPr>
+          <p:cNvPr id="348" name="연결선: 꺾임 347">
+            <a:extLst>
+              <a:ext uri="{FF2B5EF4-FFF2-40B4-BE49-F238E27FC236}">
+                <a16:creationId xmlns:a16="http://schemas.microsoft.com/office/drawing/2014/main" id="{8C74E3F9-F8E9-47C5-BD62-9204DE44F9CD}"/>
+              </a:ext>
+            </a:extLst>
+          </p:cNvPr>
+          <p:cNvCxnSpPr>
+            <a:cxnSpLocks/>
+            <a:stCxn id="349" idx="2"/>
+            <a:endCxn id="346" idx="1"/>
+          </p:cNvCxnSpPr>
+          <p:nvPr/>
+        </p:nvCxnSpPr>
+        <p:spPr>
+          <a:xfrm rot="16200000" flipH="1">
+            <a:off x="35184083" y="14172200"/>
+            <a:ext cx="279141" cy="203300"/>
+          </a:xfrm>
+          <a:prstGeom prst="bentConnector2">
+            <a:avLst/>
+          </a:prstGeom>
+          <a:ln>
+            <a:solidFill>
+              <a:schemeClr val="tx1"/>
+            </a:solidFill>
+          </a:ln>
+        </p:spPr>
+        <p:style>
+          <a:lnRef idx="1">
+            <a:schemeClr val="dk1"/>
+          </a:lnRef>
+          <a:fillRef idx="0">
+            <a:schemeClr val="dk1"/>
+          </a:fillRef>
+          <a:effectRef idx="0">
+            <a:schemeClr val="dk1"/>
+          </a:effectRef>
+          <a:fontRef idx="minor">
+            <a:schemeClr val="tx1"/>
+          </a:fontRef>
+        </p:style>
+      </p:cxnSp>
+      <p:sp>
+        <p:nvSpPr>
+          <p:cNvPr id="349" name="직사각형 348">
+            <a:extLst>
+              <a:ext uri="{FF2B5EF4-FFF2-40B4-BE49-F238E27FC236}">
+                <a16:creationId xmlns:a16="http://schemas.microsoft.com/office/drawing/2014/main" id="{DE0C4B3F-B9B3-4F3F-8173-0C8B6B4396A1}"/>
+              </a:ext>
+            </a:extLst>
+          </p:cNvPr>
+          <p:cNvSpPr/>
+          <p:nvPr/>
+        </p:nvSpPr>
+        <p:spPr>
+          <a:xfrm>
+            <a:off x="34587142" y="13820919"/>
+            <a:ext cx="1269722" cy="313361"/>
+          </a:xfrm>
+          <a:prstGeom prst="rect">
+            <a:avLst/>
+          </a:prstGeom>
+          <a:ln>
+            <a:solidFill>
+              <a:schemeClr val="tx1"/>
+            </a:solidFill>
+          </a:ln>
+        </p:spPr>
+        <p:style>
+          <a:lnRef idx="2">
+            <a:schemeClr val="dk1"/>
+          </a:lnRef>
+          <a:fillRef idx="1">
+            <a:schemeClr val="lt1"/>
+          </a:fillRef>
+          <a:effectRef idx="0">
+            <a:schemeClr val="dk1"/>
+          </a:effectRef>
+          <a:fontRef idx="minor">
+            <a:schemeClr val="dk1"/>
+          </a:fontRef>
+        </p:style>
+        <p:txBody>
+          <a:bodyPr rot="0" spcFirstLastPara="0" vertOverflow="overflow" horzOverflow="overflow" vert="horz" wrap="square" lIns="77272" tIns="38641" rIns="77272" bIns="38641" numCol="1" spcCol="0" rtlCol="0" fromWordArt="0" anchor="ctr" anchorCtr="0" forceAA="0" compatLnSpc="1">
+            <a:prstTxWarp prst="textNoShape">
+              <a:avLst/>
+            </a:prstTxWarp>
+            <a:noAutofit/>
+          </a:bodyPr>
+          <a:lstStyle/>
+          <a:p>
+            <a:pPr algn="ctr"/>
+            <a:r>
+              <a:rPr lang="ko-KR" altLang="en-US" sz="1100" b="1"/>
+              <a:t>채용 공고 조회</a:t>
+            </a:r>
+            <a:endParaRPr lang="ko-KR" altLang="en-US" sz="1100" b="1" dirty="0"/>
+          </a:p>
+        </p:txBody>
+      </p:sp>
+      <p:cxnSp>
+        <p:nvCxnSpPr>
+          <p:cNvPr id="350" name="연결선: 꺾임 349">
+            <a:extLst>
+              <a:ext uri="{FF2B5EF4-FFF2-40B4-BE49-F238E27FC236}">
+                <a16:creationId xmlns:a16="http://schemas.microsoft.com/office/drawing/2014/main" id="{C3AF2BA2-2EF4-4119-92FF-5B01053611AD}"/>
+              </a:ext>
+            </a:extLst>
+          </p:cNvPr>
+          <p:cNvCxnSpPr>
+            <a:cxnSpLocks/>
+            <a:stCxn id="345" idx="2"/>
+            <a:endCxn id="349" idx="1"/>
+          </p:cNvCxnSpPr>
+          <p:nvPr/>
+        </p:nvCxnSpPr>
+        <p:spPr>
+          <a:xfrm rot="16200000" flipH="1">
+            <a:off x="34081740" y="13472198"/>
+            <a:ext cx="796570" cy="214233"/>
+          </a:xfrm>
+          <a:prstGeom prst="bentConnector2">
+            <a:avLst/>
+          </a:prstGeom>
+          <a:ln>
+            <a:solidFill>
+              <a:schemeClr val="tx1"/>
+            </a:solidFill>
+          </a:ln>
+        </p:spPr>
+        <p:style>
+          <a:lnRef idx="1">
+            <a:schemeClr val="dk1"/>
+          </a:lnRef>
+          <a:fillRef idx="0">
+            <a:schemeClr val="dk1"/>
+          </a:fillRef>
+          <a:effectRef idx="0">
+            <a:schemeClr val="dk1"/>
+          </a:effectRef>
+          <a:fontRef idx="minor">
+            <a:schemeClr val="tx1"/>
+          </a:fontRef>
+        </p:style>
+      </p:cxnSp>
+      <p:cxnSp>
+        <p:nvCxnSpPr>
+          <p:cNvPr id="351" name="연결선: 꺾임 350">
+            <a:extLst>
+              <a:ext uri="{FF2B5EF4-FFF2-40B4-BE49-F238E27FC236}">
+                <a16:creationId xmlns:a16="http://schemas.microsoft.com/office/drawing/2014/main" id="{1D5BD79E-4431-477F-9BA4-1814ED6E8C7F}"/>
+              </a:ext>
+            </a:extLst>
+          </p:cNvPr>
+          <p:cNvCxnSpPr>
+            <a:cxnSpLocks/>
+            <a:stCxn id="344" idx="2"/>
+            <a:endCxn id="352" idx="1"/>
+          </p:cNvCxnSpPr>
+          <p:nvPr/>
+        </p:nvCxnSpPr>
+        <p:spPr>
+          <a:xfrm rot="16200000" flipH="1">
+            <a:off x="32156018" y="14077433"/>
+            <a:ext cx="2922620" cy="241439"/>
+          </a:xfrm>
+          <a:prstGeom prst="bentConnector2">
+            <a:avLst/>
+          </a:prstGeom>
+          <a:ln>
+            <a:solidFill>
+              <a:schemeClr val="tx1"/>
+            </a:solidFill>
+          </a:ln>
+        </p:spPr>
+        <p:style>
+          <a:lnRef idx="1">
+            <a:schemeClr val="dk1"/>
+          </a:lnRef>
+          <a:fillRef idx="0">
+            <a:schemeClr val="dk1"/>
+          </a:fillRef>
+          <a:effectRef idx="0">
+            <a:schemeClr val="dk1"/>
+          </a:effectRef>
+          <a:fontRef idx="minor">
+            <a:schemeClr val="tx1"/>
+          </a:fontRef>
+        </p:style>
+      </p:cxnSp>
+      <p:sp>
+        <p:nvSpPr>
+          <p:cNvPr id="352" name="직사각형 351">
+            <a:extLst>
+              <a:ext uri="{FF2B5EF4-FFF2-40B4-BE49-F238E27FC236}">
+                <a16:creationId xmlns:a16="http://schemas.microsoft.com/office/drawing/2014/main" id="{1CE8281B-0632-4930-9973-EA2AF283318E}"/>
+              </a:ext>
+            </a:extLst>
+          </p:cNvPr>
+          <p:cNvSpPr/>
+          <p:nvPr/>
+        </p:nvSpPr>
+        <p:spPr>
+          <a:xfrm>
+            <a:off x="33738048" y="15502782"/>
+            <a:ext cx="1269722" cy="313361"/>
+          </a:xfrm>
+          <a:prstGeom prst="rect">
+            <a:avLst/>
+          </a:prstGeom>
+          <a:ln>
+            <a:solidFill>
+              <a:schemeClr val="tx1"/>
+            </a:solidFill>
+          </a:ln>
+        </p:spPr>
+        <p:style>
+          <a:lnRef idx="2">
+            <a:schemeClr val="dk1"/>
+          </a:lnRef>
+          <a:fillRef idx="1">
+            <a:schemeClr val="lt1"/>
+          </a:fillRef>
+          <a:effectRef idx="0">
+            <a:schemeClr val="dk1"/>
+          </a:effectRef>
+          <a:fontRef idx="minor">
+            <a:schemeClr val="dk1"/>
+          </a:fontRef>
+        </p:style>
+        <p:txBody>
+          <a:bodyPr rot="0" spcFirstLastPara="0" vertOverflow="overflow" horzOverflow="overflow" vert="horz" wrap="square" lIns="77272" tIns="38641" rIns="77272" bIns="38641" numCol="1" spcCol="0" rtlCol="0" fromWordArt="0" anchor="ctr" anchorCtr="0" forceAA="0" compatLnSpc="1">
+            <a:prstTxWarp prst="textNoShape">
+              <a:avLst/>
+            </a:prstTxWarp>
+            <a:noAutofit/>
+          </a:bodyPr>
+          <a:lstStyle/>
+          <a:p>
+            <a:pPr algn="ctr"/>
+            <a:r>
+              <a:rPr lang="ko-KR" altLang="en-US" sz="1100" b="1"/>
+              <a:t>지원서 관리</a:t>
+            </a:r>
+            <a:endParaRPr lang="ko-KR" altLang="en-US" sz="1100" b="1" dirty="0"/>
+          </a:p>
+        </p:txBody>
+      </p:sp>
+      <p:sp>
+        <p:nvSpPr>
+          <p:cNvPr id="355" name="직사각형 354">
+            <a:extLst>
+              <a:ext uri="{FF2B5EF4-FFF2-40B4-BE49-F238E27FC236}">
+                <a16:creationId xmlns:a16="http://schemas.microsoft.com/office/drawing/2014/main" id="{8D2649F5-7740-4F96-B905-48516DBAEC21}"/>
+              </a:ext>
+            </a:extLst>
+          </p:cNvPr>
+          <p:cNvSpPr/>
+          <p:nvPr/>
+        </p:nvSpPr>
+        <p:spPr>
+          <a:xfrm>
+            <a:off x="34618702" y="15983416"/>
+            <a:ext cx="1269722" cy="313361"/>
+          </a:xfrm>
+          <a:prstGeom prst="rect">
+            <a:avLst/>
+          </a:prstGeom>
+          <a:ln>
+            <a:solidFill>
+              <a:schemeClr val="tx1"/>
+            </a:solidFill>
+          </a:ln>
+        </p:spPr>
+        <p:style>
+          <a:lnRef idx="2">
+            <a:schemeClr val="dk1"/>
+          </a:lnRef>
+          <a:fillRef idx="1">
+            <a:schemeClr val="lt1"/>
+          </a:fillRef>
+          <a:effectRef idx="0">
+            <a:schemeClr val="dk1"/>
+          </a:effectRef>
+          <a:fontRef idx="minor">
+            <a:schemeClr val="dk1"/>
+          </a:fontRef>
+        </p:style>
+        <p:txBody>
+          <a:bodyPr rot="0" spcFirstLastPara="0" vertOverflow="overflow" horzOverflow="overflow" vert="horz" wrap="square" lIns="77272" tIns="38641" rIns="77272" bIns="38641" numCol="1" spcCol="0" rtlCol="0" fromWordArt="0" anchor="ctr" anchorCtr="0" forceAA="0" compatLnSpc="1">
+            <a:prstTxWarp prst="textNoShape">
+              <a:avLst/>
+            </a:prstTxWarp>
+            <a:noAutofit/>
+          </a:bodyPr>
+          <a:lstStyle/>
+          <a:p>
+            <a:pPr algn="ctr"/>
+            <a:r>
+              <a:rPr lang="ko-KR" altLang="en-US" sz="1100" b="1"/>
+              <a:t>지원서 조회</a:t>
+            </a:r>
+            <a:endParaRPr lang="ko-KR" altLang="en-US" sz="1100" b="1" dirty="0"/>
+          </a:p>
+        </p:txBody>
+      </p:sp>
+      <p:cxnSp>
+        <p:nvCxnSpPr>
+          <p:cNvPr id="356" name="연결선: 꺾임 355">
+            <a:extLst>
+              <a:ext uri="{FF2B5EF4-FFF2-40B4-BE49-F238E27FC236}">
+                <a16:creationId xmlns:a16="http://schemas.microsoft.com/office/drawing/2014/main" id="{6E087A2E-D8D5-4DC0-ACAB-746818F99F30}"/>
+              </a:ext>
+            </a:extLst>
+          </p:cNvPr>
+          <p:cNvCxnSpPr>
+            <a:cxnSpLocks/>
+            <a:stCxn id="352" idx="2"/>
+            <a:endCxn id="355" idx="1"/>
+          </p:cNvCxnSpPr>
+          <p:nvPr/>
+        </p:nvCxnSpPr>
+        <p:spPr>
+          <a:xfrm rot="16200000" flipH="1">
+            <a:off x="34333828" y="15855223"/>
+            <a:ext cx="323954" cy="245793"/>
+          </a:xfrm>
+          <a:prstGeom prst="bentConnector2">
+            <a:avLst/>
+          </a:prstGeom>
+          <a:ln>
+            <a:solidFill>
+              <a:schemeClr val="tx1"/>
+            </a:solidFill>
+          </a:ln>
+        </p:spPr>
+        <p:style>
+          <a:lnRef idx="1">
+            <a:schemeClr val="dk1"/>
+          </a:lnRef>
+          <a:fillRef idx="0">
+            <a:schemeClr val="dk1"/>
+          </a:fillRef>
+          <a:effectRef idx="0">
+            <a:schemeClr val="dk1"/>
+          </a:effectRef>
+          <a:fontRef idx="minor">
+            <a:schemeClr val="tx1"/>
+          </a:fontRef>
+        </p:style>
+      </p:cxnSp>
+      <p:sp>
+        <p:nvSpPr>
+          <p:cNvPr id="357" name="직사각형 356">
+            <a:extLst>
+              <a:ext uri="{FF2B5EF4-FFF2-40B4-BE49-F238E27FC236}">
+                <a16:creationId xmlns:a16="http://schemas.microsoft.com/office/drawing/2014/main" id="{1E085AE9-5119-4392-936D-69FD6526BE61}"/>
+              </a:ext>
+            </a:extLst>
+          </p:cNvPr>
+          <p:cNvSpPr/>
+          <p:nvPr/>
+        </p:nvSpPr>
+        <p:spPr>
+          <a:xfrm>
+            <a:off x="34587141" y="13342674"/>
+            <a:ext cx="1269722" cy="313361"/>
+          </a:xfrm>
+          <a:prstGeom prst="rect">
+            <a:avLst/>
+          </a:prstGeom>
+          <a:ln>
+            <a:solidFill>
+              <a:schemeClr val="tx1"/>
+            </a:solidFill>
+          </a:ln>
+        </p:spPr>
+        <p:style>
+          <a:lnRef idx="2">
+            <a:schemeClr val="dk1"/>
+          </a:lnRef>
+          <a:fillRef idx="1">
+            <a:schemeClr val="lt1"/>
+          </a:fillRef>
+          <a:effectRef idx="0">
+            <a:schemeClr val="dk1"/>
+          </a:effectRef>
+          <a:fontRef idx="minor">
+            <a:schemeClr val="dk1"/>
+          </a:fontRef>
+        </p:style>
+        <p:txBody>
+          <a:bodyPr rot="0" spcFirstLastPara="0" vertOverflow="overflow" horzOverflow="overflow" vert="horz" wrap="square" lIns="77272" tIns="38641" rIns="77272" bIns="38641" numCol="1" spcCol="0" rtlCol="0" fromWordArt="0" anchor="ctr" anchorCtr="0" forceAA="0" compatLnSpc="1">
+            <a:prstTxWarp prst="textNoShape">
+              <a:avLst/>
+            </a:prstTxWarp>
+            <a:noAutofit/>
+          </a:bodyPr>
+          <a:lstStyle/>
+          <a:p>
+            <a:pPr algn="ctr"/>
+            <a:r>
+              <a:rPr lang="ko-KR" altLang="en-US" sz="1100" b="1"/>
+              <a:t>채용 공고 등록</a:t>
+            </a:r>
+            <a:endParaRPr lang="ko-KR" altLang="en-US" sz="1100" b="1" dirty="0"/>
+          </a:p>
+        </p:txBody>
+      </p:sp>
+      <p:cxnSp>
+        <p:nvCxnSpPr>
+          <p:cNvPr id="358" name="연결선: 꺾임 357">
+            <a:extLst>
+              <a:ext uri="{FF2B5EF4-FFF2-40B4-BE49-F238E27FC236}">
+                <a16:creationId xmlns:a16="http://schemas.microsoft.com/office/drawing/2014/main" id="{C92B9B9F-2370-4417-82C8-9DCA88E1190D}"/>
+              </a:ext>
+            </a:extLst>
+          </p:cNvPr>
+          <p:cNvCxnSpPr>
+            <a:cxnSpLocks/>
+            <a:stCxn id="345" idx="2"/>
+            <a:endCxn id="357" idx="1"/>
+          </p:cNvCxnSpPr>
+          <p:nvPr/>
+        </p:nvCxnSpPr>
+        <p:spPr>
+          <a:xfrm rot="16200000" flipH="1">
+            <a:off x="34320863" y="13233076"/>
+            <a:ext cx="318325" cy="214232"/>
+          </a:xfrm>
+          <a:prstGeom prst="bentConnector2">
+            <a:avLst/>
+          </a:prstGeom>
+          <a:ln>
+            <a:solidFill>
+              <a:schemeClr val="tx1"/>
+            </a:solidFill>
+          </a:ln>
+        </p:spPr>
+        <p:style>
+          <a:lnRef idx="1">
+            <a:schemeClr val="dk1"/>
+          </a:lnRef>
+          <a:fillRef idx="0">
+            <a:schemeClr val="dk1"/>
+          </a:fillRef>
+          <a:effectRef idx="0">
+            <a:schemeClr val="dk1"/>
+          </a:effectRef>
+          <a:fontRef idx="minor">
+            <a:schemeClr val="tx1"/>
+          </a:fontRef>
+        </p:style>
+      </p:cxnSp>
+      <p:sp>
+        <p:nvSpPr>
+          <p:cNvPr id="359" name="직사각형 358">
+            <a:extLst>
+              <a:ext uri="{FF2B5EF4-FFF2-40B4-BE49-F238E27FC236}">
+                <a16:creationId xmlns:a16="http://schemas.microsoft.com/office/drawing/2014/main" id="{A9E21F78-3E7F-4FF4-B4CF-6AB57678FB02}"/>
+              </a:ext>
+            </a:extLst>
+          </p:cNvPr>
+          <p:cNvSpPr/>
+          <p:nvPr/>
+        </p:nvSpPr>
+        <p:spPr>
+          <a:xfrm>
+            <a:off x="36250803" y="14705811"/>
+            <a:ext cx="1269722" cy="313361"/>
+          </a:xfrm>
+          <a:prstGeom prst="rect">
+            <a:avLst/>
+          </a:prstGeom>
+          <a:ln>
+            <a:solidFill>
+              <a:schemeClr val="tx1"/>
+            </a:solidFill>
+          </a:ln>
+        </p:spPr>
+        <p:style>
+          <a:lnRef idx="2">
+            <a:schemeClr val="dk1"/>
+          </a:lnRef>
+          <a:fillRef idx="1">
+            <a:schemeClr val="lt1"/>
+          </a:fillRef>
+          <a:effectRef idx="0">
+            <a:schemeClr val="dk1"/>
+          </a:effectRef>
+          <a:fontRef idx="minor">
+            <a:schemeClr val="dk1"/>
+          </a:fontRef>
+        </p:style>
+        <p:txBody>
+          <a:bodyPr rot="0" spcFirstLastPara="0" vertOverflow="overflow" horzOverflow="overflow" vert="horz" wrap="square" lIns="77272" tIns="38641" rIns="77272" bIns="38641" numCol="1" spcCol="0" rtlCol="0" fromWordArt="0" anchor="ctr" anchorCtr="0" forceAA="0" compatLnSpc="1">
+            <a:prstTxWarp prst="textNoShape">
+              <a:avLst/>
+            </a:prstTxWarp>
+            <a:noAutofit/>
+          </a:bodyPr>
+          <a:lstStyle/>
+          <a:p>
+            <a:pPr algn="ctr"/>
+            <a:r>
+              <a:rPr lang="ko-KR" altLang="en-US" sz="1100" b="1"/>
+              <a:t>채용 공고 수정</a:t>
+            </a:r>
+            <a:endParaRPr lang="ko-KR" altLang="en-US" sz="1100" b="1" dirty="0"/>
+          </a:p>
+        </p:txBody>
+      </p:sp>
+      <p:sp>
+        <p:nvSpPr>
+          <p:cNvPr id="360" name="직사각형 359">
+            <a:extLst>
+              <a:ext uri="{FF2B5EF4-FFF2-40B4-BE49-F238E27FC236}">
+                <a16:creationId xmlns:a16="http://schemas.microsoft.com/office/drawing/2014/main" id="{6BB050E3-C4E3-4177-B439-C5D204069470}"/>
+              </a:ext>
+            </a:extLst>
+          </p:cNvPr>
+          <p:cNvSpPr/>
+          <p:nvPr/>
+        </p:nvSpPr>
+        <p:spPr>
+          <a:xfrm>
+            <a:off x="36250803" y="15161770"/>
+            <a:ext cx="1269722" cy="313361"/>
+          </a:xfrm>
+          <a:prstGeom prst="rect">
+            <a:avLst/>
+          </a:prstGeom>
+          <a:ln>
+            <a:solidFill>
+              <a:schemeClr val="tx1"/>
+            </a:solidFill>
+          </a:ln>
+        </p:spPr>
+        <p:style>
+          <a:lnRef idx="2">
+            <a:schemeClr val="dk1"/>
+          </a:lnRef>
+          <a:fillRef idx="1">
+            <a:schemeClr val="lt1"/>
+          </a:fillRef>
+          <a:effectRef idx="0">
+            <a:schemeClr val="dk1"/>
+          </a:effectRef>
+          <a:fontRef idx="minor">
+            <a:schemeClr val="dk1"/>
+          </a:fontRef>
+        </p:style>
+        <p:txBody>
+          <a:bodyPr rot="0" spcFirstLastPara="0" vertOverflow="overflow" horzOverflow="overflow" vert="horz" wrap="square" lIns="77272" tIns="38641" rIns="77272" bIns="38641" numCol="1" spcCol="0" rtlCol="0" fromWordArt="0" anchor="ctr" anchorCtr="0" forceAA="0" compatLnSpc="1">
+            <a:prstTxWarp prst="textNoShape">
+              <a:avLst/>
+            </a:prstTxWarp>
+            <a:noAutofit/>
+          </a:bodyPr>
+          <a:lstStyle/>
+          <a:p>
+            <a:pPr algn="ctr"/>
+            <a:r>
+              <a:rPr lang="ko-KR" altLang="en-US" sz="1100" b="1"/>
+              <a:t>채용 공고 삭제</a:t>
+            </a:r>
+            <a:endParaRPr lang="ko-KR" altLang="en-US" sz="1100" b="1" dirty="0"/>
+          </a:p>
+        </p:txBody>
+      </p:sp>
+      <p:cxnSp>
+        <p:nvCxnSpPr>
+          <p:cNvPr id="367" name="연결선: 꺾임 366">
+            <a:extLst>
+              <a:ext uri="{FF2B5EF4-FFF2-40B4-BE49-F238E27FC236}">
+                <a16:creationId xmlns:a16="http://schemas.microsoft.com/office/drawing/2014/main" id="{FC6FF9C1-90E0-42E3-AF70-1F80974C194F}"/>
+              </a:ext>
+            </a:extLst>
+          </p:cNvPr>
+          <p:cNvCxnSpPr>
+            <a:cxnSpLocks/>
+            <a:stCxn id="346" idx="2"/>
+            <a:endCxn id="359" idx="1"/>
+          </p:cNvCxnSpPr>
+          <p:nvPr/>
+        </p:nvCxnSpPr>
+        <p:spPr>
+          <a:xfrm rot="16200000" flipH="1">
+            <a:off x="36018762" y="14630451"/>
+            <a:ext cx="273442" cy="190639"/>
+          </a:xfrm>
+          <a:prstGeom prst="bentConnector2">
+            <a:avLst/>
+          </a:prstGeom>
+          <a:ln>
+            <a:solidFill>
+              <a:schemeClr val="tx1"/>
+            </a:solidFill>
+          </a:ln>
+        </p:spPr>
+        <p:style>
+          <a:lnRef idx="1">
+            <a:schemeClr val="dk1"/>
+          </a:lnRef>
+          <a:fillRef idx="0">
+            <a:schemeClr val="dk1"/>
+          </a:fillRef>
+          <a:effectRef idx="0">
+            <a:schemeClr val="dk1"/>
+          </a:effectRef>
+          <a:fontRef idx="minor">
+            <a:schemeClr val="tx1"/>
+          </a:fontRef>
+        </p:style>
+      </p:cxnSp>
+      <p:cxnSp>
+        <p:nvCxnSpPr>
+          <p:cNvPr id="368" name="연결선: 꺾임 367">
+            <a:extLst>
+              <a:ext uri="{FF2B5EF4-FFF2-40B4-BE49-F238E27FC236}">
+                <a16:creationId xmlns:a16="http://schemas.microsoft.com/office/drawing/2014/main" id="{88B90308-840E-4FF9-ABCA-263F8B07C414}"/>
+              </a:ext>
+            </a:extLst>
+          </p:cNvPr>
+          <p:cNvCxnSpPr>
+            <a:cxnSpLocks/>
+            <a:stCxn id="346" idx="2"/>
+            <a:endCxn id="360" idx="1"/>
+          </p:cNvCxnSpPr>
+          <p:nvPr/>
+        </p:nvCxnSpPr>
+        <p:spPr>
+          <a:xfrm rot="16200000" flipH="1">
+            <a:off x="35790783" y="14858430"/>
+            <a:ext cx="729401" cy="190639"/>
+          </a:xfrm>
+          <a:prstGeom prst="bentConnector2">
+            <a:avLst/>
+          </a:prstGeom>
+          <a:ln>
+            <a:solidFill>
+              <a:schemeClr val="tx1"/>
+            </a:solidFill>
+          </a:ln>
+        </p:spPr>
+        <p:style>
+          <a:lnRef idx="1">
+            <a:schemeClr val="dk1"/>
+          </a:lnRef>
+          <a:fillRef idx="0">
+            <a:schemeClr val="dk1"/>
+          </a:fillRef>
+          <a:effectRef idx="0">
+            <a:schemeClr val="dk1"/>
+          </a:effectRef>
+          <a:fontRef idx="minor">
+            <a:schemeClr val="tx1"/>
+          </a:fontRef>
+        </p:style>
+      </p:cxnSp>
+      <p:sp>
+        <p:nvSpPr>
+          <p:cNvPr id="369" name="직사각형 368">
+            <a:extLst>
+              <a:ext uri="{FF2B5EF4-FFF2-40B4-BE49-F238E27FC236}">
+                <a16:creationId xmlns:a16="http://schemas.microsoft.com/office/drawing/2014/main" id="{22855BFD-897C-4F0B-B55D-6634841BE5A2}"/>
+              </a:ext>
+            </a:extLst>
+          </p:cNvPr>
+          <p:cNvSpPr/>
+          <p:nvPr/>
+        </p:nvSpPr>
+        <p:spPr>
+          <a:xfrm>
+            <a:off x="33723737" y="18203163"/>
+            <a:ext cx="1269722" cy="313361"/>
+          </a:xfrm>
+          <a:prstGeom prst="rect">
+            <a:avLst/>
+          </a:prstGeom>
+          <a:ln>
+            <a:solidFill>
+              <a:schemeClr val="tx1"/>
+            </a:solidFill>
+          </a:ln>
+        </p:spPr>
+        <p:style>
+          <a:lnRef idx="2">
+            <a:schemeClr val="dk1"/>
+          </a:lnRef>
+          <a:fillRef idx="1">
+            <a:schemeClr val="lt1"/>
+          </a:fillRef>
+          <a:effectRef idx="0">
+            <a:schemeClr val="dk1"/>
+          </a:effectRef>
+          <a:fontRef idx="minor">
+            <a:schemeClr val="dk1"/>
+          </a:fontRef>
+        </p:style>
+        <p:txBody>
+          <a:bodyPr rot="0" spcFirstLastPara="0" vertOverflow="overflow" horzOverflow="overflow" vert="horz" wrap="square" lIns="77272" tIns="38641" rIns="77272" bIns="38641" numCol="1" spcCol="0" rtlCol="0" fromWordArt="0" anchor="ctr" anchorCtr="0" forceAA="0" compatLnSpc="1">
+            <a:prstTxWarp prst="textNoShape">
+              <a:avLst/>
+            </a:prstTxWarp>
+            <a:noAutofit/>
+          </a:bodyPr>
+          <a:lstStyle/>
+          <a:p>
+            <a:pPr algn="ctr"/>
+            <a:r>
+              <a:rPr lang="ko-KR" altLang="en-US" sz="1100" b="1"/>
+              <a:t>즐겨찾는 지원서</a:t>
+            </a:r>
+            <a:endParaRPr lang="ko-KR" altLang="en-US" sz="1100" b="1" dirty="0"/>
+          </a:p>
+        </p:txBody>
+      </p:sp>
+      <p:cxnSp>
+        <p:nvCxnSpPr>
+          <p:cNvPr id="370" name="연결선: 꺾임 369">
+            <a:extLst>
+              <a:ext uri="{FF2B5EF4-FFF2-40B4-BE49-F238E27FC236}">
+                <a16:creationId xmlns:a16="http://schemas.microsoft.com/office/drawing/2014/main" id="{E62D05F3-7A9E-4CC7-9188-1A09B0164F76}"/>
+              </a:ext>
+            </a:extLst>
+          </p:cNvPr>
+          <p:cNvCxnSpPr>
+            <a:cxnSpLocks/>
+            <a:stCxn id="344" idx="2"/>
+            <a:endCxn id="369" idx="1"/>
+          </p:cNvCxnSpPr>
+          <p:nvPr/>
+        </p:nvCxnSpPr>
+        <p:spPr>
+          <a:xfrm rot="16200000" flipH="1">
+            <a:off x="30798673" y="15434779"/>
+            <a:ext cx="5623001" cy="227128"/>
+          </a:xfrm>
+          <a:prstGeom prst="bentConnector2">
+            <a:avLst/>
+          </a:prstGeom>
+          <a:ln>
+            <a:solidFill>
+              <a:schemeClr val="tx1"/>
+            </a:solidFill>
+          </a:ln>
+        </p:spPr>
+        <p:style>
+          <a:lnRef idx="1">
+            <a:schemeClr val="dk1"/>
+          </a:lnRef>
+          <a:fillRef idx="0">
+            <a:schemeClr val="dk1"/>
+          </a:fillRef>
+          <a:effectRef idx="0">
+            <a:schemeClr val="dk1"/>
+          </a:effectRef>
+          <a:fontRef idx="minor">
+            <a:schemeClr val="tx1"/>
+          </a:fontRef>
+        </p:style>
+      </p:cxnSp>
+      <p:sp>
+        <p:nvSpPr>
+          <p:cNvPr id="371" name="직사각형 370">
+            <a:extLst>
+              <a:ext uri="{FF2B5EF4-FFF2-40B4-BE49-F238E27FC236}">
+                <a16:creationId xmlns:a16="http://schemas.microsoft.com/office/drawing/2014/main" id="{473C3E7E-B692-4D13-9FE4-2952C80522EA}"/>
+              </a:ext>
+            </a:extLst>
+          </p:cNvPr>
+          <p:cNvSpPr/>
+          <p:nvPr/>
+        </p:nvSpPr>
+        <p:spPr>
+          <a:xfrm>
+            <a:off x="35425303" y="16440025"/>
+            <a:ext cx="1269722" cy="313361"/>
+          </a:xfrm>
+          <a:prstGeom prst="rect">
+            <a:avLst/>
+          </a:prstGeom>
+          <a:ln>
+            <a:solidFill>
+              <a:schemeClr val="tx1"/>
+            </a:solidFill>
+          </a:ln>
+        </p:spPr>
+        <p:style>
+          <a:lnRef idx="2">
+            <a:schemeClr val="dk1"/>
+          </a:lnRef>
+          <a:fillRef idx="1">
+            <a:schemeClr val="lt1"/>
+          </a:fillRef>
+          <a:effectRef idx="0">
+            <a:schemeClr val="dk1"/>
+          </a:effectRef>
+          <a:fontRef idx="minor">
+            <a:schemeClr val="dk1"/>
+          </a:fontRef>
+        </p:style>
+        <p:txBody>
+          <a:bodyPr rot="0" spcFirstLastPara="0" vertOverflow="overflow" horzOverflow="overflow" vert="horz" wrap="square" lIns="77272" tIns="38641" rIns="77272" bIns="38641" numCol="1" spcCol="0" rtlCol="0" fromWordArt="0" anchor="ctr" anchorCtr="0" forceAA="0" compatLnSpc="1">
+            <a:prstTxWarp prst="textNoShape">
+              <a:avLst/>
+            </a:prstTxWarp>
+            <a:noAutofit/>
+          </a:bodyPr>
+          <a:lstStyle/>
+          <a:p>
+            <a:pPr algn="ctr"/>
+            <a:r>
+              <a:rPr lang="ko-KR" altLang="en-US" sz="1100" b="1"/>
+              <a:t>지원서 상세보기</a:t>
+            </a:r>
+            <a:endParaRPr lang="ko-KR" altLang="en-US" sz="1100" b="1" dirty="0"/>
+          </a:p>
+        </p:txBody>
+      </p:sp>
+      <p:cxnSp>
+        <p:nvCxnSpPr>
+          <p:cNvPr id="372" name="연결선: 꺾임 371">
+            <a:extLst>
+              <a:ext uri="{FF2B5EF4-FFF2-40B4-BE49-F238E27FC236}">
+                <a16:creationId xmlns:a16="http://schemas.microsoft.com/office/drawing/2014/main" id="{55CC4822-301E-4A85-9D76-D252F82CC742}"/>
+              </a:ext>
+            </a:extLst>
+          </p:cNvPr>
+          <p:cNvCxnSpPr>
+            <a:cxnSpLocks/>
+            <a:stCxn id="355" idx="2"/>
+            <a:endCxn id="371" idx="1"/>
+          </p:cNvCxnSpPr>
+          <p:nvPr/>
+        </p:nvCxnSpPr>
+        <p:spPr>
+          <a:xfrm rot="16200000" flipH="1">
+            <a:off x="35189469" y="16360871"/>
+            <a:ext cx="299929" cy="171740"/>
+          </a:xfrm>
+          <a:prstGeom prst="bentConnector2">
+            <a:avLst/>
+          </a:prstGeom>
+          <a:ln>
+            <a:solidFill>
+              <a:schemeClr val="tx1"/>
+            </a:solidFill>
+          </a:ln>
+        </p:spPr>
+        <p:style>
+          <a:lnRef idx="1">
+            <a:schemeClr val="dk1"/>
+          </a:lnRef>
+          <a:fillRef idx="0">
+            <a:schemeClr val="dk1"/>
+          </a:fillRef>
+          <a:effectRef idx="0">
+            <a:schemeClr val="dk1"/>
+          </a:effectRef>
+          <a:fontRef idx="minor">
+            <a:schemeClr val="tx1"/>
+          </a:fontRef>
+        </p:style>
+      </p:cxnSp>
+      <p:sp>
+        <p:nvSpPr>
+          <p:cNvPr id="373" name="직사각형 372">
+            <a:extLst>
+              <a:ext uri="{FF2B5EF4-FFF2-40B4-BE49-F238E27FC236}">
+                <a16:creationId xmlns:a16="http://schemas.microsoft.com/office/drawing/2014/main" id="{D22DE651-5683-4EEA-AAD4-D23BB4D34963}"/>
+              </a:ext>
+            </a:extLst>
+          </p:cNvPr>
+          <p:cNvSpPr/>
+          <p:nvPr/>
+        </p:nvSpPr>
+        <p:spPr>
+          <a:xfrm>
+            <a:off x="36250803" y="16872653"/>
+            <a:ext cx="1269722" cy="313361"/>
+          </a:xfrm>
+          <a:prstGeom prst="rect">
+            <a:avLst/>
+          </a:prstGeom>
+          <a:ln>
+            <a:solidFill>
+              <a:schemeClr val="tx1"/>
+            </a:solidFill>
+          </a:ln>
+        </p:spPr>
+        <p:style>
+          <a:lnRef idx="2">
+            <a:schemeClr val="dk1"/>
+          </a:lnRef>
+          <a:fillRef idx="1">
+            <a:schemeClr val="lt1"/>
+          </a:fillRef>
+          <a:effectRef idx="0">
+            <a:schemeClr val="dk1"/>
+          </a:effectRef>
+          <a:fontRef idx="minor">
+            <a:schemeClr val="dk1"/>
+          </a:fontRef>
+        </p:style>
+        <p:txBody>
+          <a:bodyPr rot="0" spcFirstLastPara="0" vertOverflow="overflow" horzOverflow="overflow" vert="horz" wrap="square" lIns="77272" tIns="38641" rIns="77272" bIns="38641" numCol="1" spcCol="0" rtlCol="0" fromWordArt="0" anchor="ctr" anchorCtr="0" forceAA="0" compatLnSpc="1">
+            <a:prstTxWarp prst="textNoShape">
+              <a:avLst/>
+            </a:prstTxWarp>
+            <a:noAutofit/>
+          </a:bodyPr>
+          <a:lstStyle/>
+          <a:p>
+            <a:pPr algn="ctr"/>
+            <a:r>
+              <a:rPr lang="ko-KR" altLang="en-US" sz="1100" b="1" dirty="0"/>
+              <a:t>즐겨찾기 추가</a:t>
+            </a:r>
+          </a:p>
+        </p:txBody>
+      </p:sp>
+      <p:cxnSp>
+        <p:nvCxnSpPr>
+          <p:cNvPr id="374" name="연결선: 꺾임 373">
+            <a:extLst>
+              <a:ext uri="{FF2B5EF4-FFF2-40B4-BE49-F238E27FC236}">
+                <a16:creationId xmlns:a16="http://schemas.microsoft.com/office/drawing/2014/main" id="{7F4D56F9-E59B-47C6-9471-F6CB270700D4}"/>
+              </a:ext>
+            </a:extLst>
+          </p:cNvPr>
+          <p:cNvCxnSpPr>
+            <a:cxnSpLocks/>
+            <a:stCxn id="371" idx="2"/>
+            <a:endCxn id="373" idx="1"/>
+          </p:cNvCxnSpPr>
+          <p:nvPr/>
+        </p:nvCxnSpPr>
+        <p:spPr>
+          <a:xfrm rot="16200000" flipH="1">
+            <a:off x="36017509" y="16796040"/>
+            <a:ext cx="275948" cy="190639"/>
+          </a:xfrm>
+          <a:prstGeom prst="bentConnector2">
+            <a:avLst/>
+          </a:prstGeom>
+          <a:ln>
+            <a:solidFill>
+              <a:schemeClr val="tx1"/>
+            </a:solidFill>
+          </a:ln>
+        </p:spPr>
+        <p:style>
+          <a:lnRef idx="1">
+            <a:schemeClr val="dk1"/>
+          </a:lnRef>
+          <a:fillRef idx="0">
+            <a:schemeClr val="dk1"/>
+          </a:fillRef>
+          <a:effectRef idx="0">
+            <a:schemeClr val="dk1"/>
+          </a:effectRef>
+          <a:fontRef idx="minor">
+            <a:schemeClr val="tx1"/>
+          </a:fontRef>
+        </p:style>
+      </p:cxnSp>
+      <p:sp>
+        <p:nvSpPr>
+          <p:cNvPr id="375" name="직사각형 374">
+            <a:extLst>
+              <a:ext uri="{FF2B5EF4-FFF2-40B4-BE49-F238E27FC236}">
+                <a16:creationId xmlns:a16="http://schemas.microsoft.com/office/drawing/2014/main" id="{6A771009-421C-435E-AEDF-C28DA683FEF8}"/>
+              </a:ext>
+            </a:extLst>
+          </p:cNvPr>
+          <p:cNvSpPr/>
+          <p:nvPr/>
+        </p:nvSpPr>
+        <p:spPr>
+          <a:xfrm>
+            <a:off x="35425302" y="17784148"/>
+            <a:ext cx="1269722" cy="275458"/>
+          </a:xfrm>
+          <a:prstGeom prst="rect">
+            <a:avLst/>
+          </a:prstGeom>
+          <a:ln>
+            <a:solidFill>
+              <a:schemeClr val="tx1"/>
+            </a:solidFill>
+          </a:ln>
+        </p:spPr>
+        <p:style>
+          <a:lnRef idx="2">
+            <a:schemeClr val="dk1"/>
+          </a:lnRef>
+          <a:fillRef idx="1">
+            <a:schemeClr val="lt1"/>
+          </a:fillRef>
+          <a:effectRef idx="0">
+            <a:schemeClr val="dk1"/>
+          </a:effectRef>
+          <a:fontRef idx="minor">
+            <a:schemeClr val="dk1"/>
+          </a:fontRef>
+        </p:style>
+        <p:txBody>
+          <a:bodyPr rot="0" spcFirstLastPara="0" vertOverflow="overflow" horzOverflow="overflow" vert="horz" wrap="square" lIns="77272" tIns="38641" rIns="77272" bIns="38641" numCol="1" spcCol="0" rtlCol="0" fromWordArt="0" anchor="ctr" anchorCtr="0" forceAA="0" compatLnSpc="1">
+            <a:prstTxWarp prst="textNoShape">
+              <a:avLst/>
+            </a:prstTxWarp>
+            <a:noAutofit/>
+          </a:bodyPr>
+          <a:lstStyle/>
+          <a:p>
+            <a:pPr algn="ctr"/>
+            <a:r>
+              <a:rPr lang="ko-KR" altLang="en-US" sz="1100" b="1"/>
+              <a:t>지원서 검색</a:t>
+            </a:r>
+            <a:endParaRPr lang="ko-KR" altLang="en-US" sz="1100" b="1" dirty="0"/>
+          </a:p>
+        </p:txBody>
+      </p:sp>
+      <p:cxnSp>
+        <p:nvCxnSpPr>
+          <p:cNvPr id="376" name="연결선: 꺾임 375">
+            <a:extLst>
+              <a:ext uri="{FF2B5EF4-FFF2-40B4-BE49-F238E27FC236}">
+                <a16:creationId xmlns:a16="http://schemas.microsoft.com/office/drawing/2014/main" id="{DFAF26B2-8A5C-4177-AC03-AC877F78C7F2}"/>
+              </a:ext>
+            </a:extLst>
+          </p:cNvPr>
+          <p:cNvCxnSpPr>
+            <a:cxnSpLocks/>
+            <a:stCxn id="355" idx="2"/>
+            <a:endCxn id="375" idx="1"/>
+          </p:cNvCxnSpPr>
+          <p:nvPr/>
+        </p:nvCxnSpPr>
+        <p:spPr>
+          <a:xfrm rot="16200000" flipH="1">
+            <a:off x="34526882" y="17023457"/>
+            <a:ext cx="1625100" cy="171739"/>
+          </a:xfrm>
+          <a:prstGeom prst="bentConnector2">
+            <a:avLst/>
+          </a:prstGeom>
+          <a:ln>
+            <a:solidFill>
+              <a:schemeClr val="tx1"/>
+            </a:solidFill>
+          </a:ln>
+        </p:spPr>
+        <p:style>
+          <a:lnRef idx="1">
+            <a:schemeClr val="dk1"/>
+          </a:lnRef>
+          <a:fillRef idx="0">
+            <a:schemeClr val="dk1"/>
+          </a:fillRef>
+          <a:effectRef idx="0">
+            <a:schemeClr val="dk1"/>
+          </a:effectRef>
+          <a:fontRef idx="minor">
+            <a:schemeClr val="tx1"/>
+          </a:fontRef>
+        </p:style>
+      </p:cxnSp>
+      <p:sp>
+        <p:nvSpPr>
+          <p:cNvPr id="378" name="직사각형 377">
+            <a:extLst>
+              <a:ext uri="{FF2B5EF4-FFF2-40B4-BE49-F238E27FC236}">
+                <a16:creationId xmlns:a16="http://schemas.microsoft.com/office/drawing/2014/main" id="{C4C9DB23-25BF-4C5D-BA23-3E2524E83643}"/>
+              </a:ext>
+            </a:extLst>
+          </p:cNvPr>
+          <p:cNvSpPr/>
+          <p:nvPr/>
+        </p:nvSpPr>
+        <p:spPr>
+          <a:xfrm>
+            <a:off x="34604391" y="18638774"/>
+            <a:ext cx="1269722" cy="385767"/>
+          </a:xfrm>
+          <a:prstGeom prst="rect">
+            <a:avLst/>
+          </a:prstGeom>
+          <a:ln>
+            <a:solidFill>
+              <a:schemeClr val="tx1"/>
+            </a:solidFill>
+          </a:ln>
+        </p:spPr>
+        <p:style>
+          <a:lnRef idx="2">
+            <a:schemeClr val="dk1"/>
+          </a:lnRef>
+          <a:fillRef idx="1">
+            <a:schemeClr val="lt1"/>
+          </a:fillRef>
+          <a:effectRef idx="0">
+            <a:schemeClr val="dk1"/>
+          </a:effectRef>
+          <a:fontRef idx="minor">
+            <a:schemeClr val="dk1"/>
+          </a:fontRef>
+        </p:style>
+        <p:txBody>
+          <a:bodyPr rot="0" spcFirstLastPara="0" vertOverflow="overflow" horzOverflow="overflow" vert="horz" wrap="square" lIns="77272" tIns="38641" rIns="77272" bIns="38641" numCol="1" spcCol="0" rtlCol="0" fromWordArt="0" anchor="ctr" anchorCtr="0" forceAA="0" compatLnSpc="1">
+            <a:prstTxWarp prst="textNoShape">
+              <a:avLst/>
+            </a:prstTxWarp>
+            <a:noAutofit/>
+          </a:bodyPr>
+          <a:lstStyle/>
+          <a:p>
+            <a:pPr algn="ctr"/>
+            <a:r>
               <a:rPr lang="ko-KR" altLang="en-US" sz="1100" b="1" dirty="0" err="1"/>
-              <a:t>리뷰글</a:t>
+              <a:t>즐겨찾는</a:t>
+            </a:r>
+            <a:r>
+              <a:rPr lang="ko-KR" altLang="en-US" sz="1100" b="1" dirty="0"/>
+              <a:t> 지원서 조회</a:t>
+            </a:r>
+          </a:p>
+        </p:txBody>
+      </p:sp>
+      <p:sp>
+        <p:nvSpPr>
+          <p:cNvPr id="379" name="직사각형 378">
+            <a:extLst>
+              <a:ext uri="{FF2B5EF4-FFF2-40B4-BE49-F238E27FC236}">
+                <a16:creationId xmlns:a16="http://schemas.microsoft.com/office/drawing/2014/main" id="{9B89BA37-BD4F-4A69-B110-82B5EE6AF182}"/>
+              </a:ext>
+            </a:extLst>
+          </p:cNvPr>
+          <p:cNvSpPr/>
+          <p:nvPr/>
+        </p:nvSpPr>
+        <p:spPr>
+          <a:xfrm>
+            <a:off x="35410991" y="19158879"/>
+            <a:ext cx="1269722" cy="385767"/>
+          </a:xfrm>
+          <a:prstGeom prst="rect">
+            <a:avLst/>
+          </a:prstGeom>
+          <a:ln>
+            <a:solidFill>
+              <a:schemeClr val="tx1"/>
+            </a:solidFill>
+          </a:ln>
+        </p:spPr>
+        <p:style>
+          <a:lnRef idx="2">
+            <a:schemeClr val="dk1"/>
+          </a:lnRef>
+          <a:fillRef idx="1">
+            <a:schemeClr val="lt1"/>
+          </a:fillRef>
+          <a:effectRef idx="0">
+            <a:schemeClr val="dk1"/>
+          </a:effectRef>
+          <a:fontRef idx="minor">
+            <a:schemeClr val="dk1"/>
+          </a:fontRef>
+        </p:style>
+        <p:txBody>
+          <a:bodyPr rot="0" spcFirstLastPara="0" vertOverflow="overflow" horzOverflow="overflow" vert="horz" wrap="square" lIns="77272" tIns="38641" rIns="77272" bIns="38641" numCol="1" spcCol="0" rtlCol="0" fromWordArt="0" anchor="ctr" anchorCtr="0" forceAA="0" compatLnSpc="1">
+            <a:prstTxWarp prst="textNoShape">
+              <a:avLst/>
+            </a:prstTxWarp>
+            <a:noAutofit/>
+          </a:bodyPr>
+          <a:lstStyle/>
+          <a:p>
+            <a:pPr algn="ctr"/>
+            <a:r>
+              <a:rPr lang="ko-KR" altLang="en-US" sz="1100" b="1" dirty="0" err="1"/>
+              <a:t>즐겨찾는</a:t>
+            </a:r>
+            <a:r>
+              <a:rPr lang="ko-KR" altLang="en-US" sz="1100" b="1" dirty="0"/>
+              <a:t> 지원서 상세보기</a:t>
+            </a:r>
+          </a:p>
+        </p:txBody>
+      </p:sp>
+      <p:cxnSp>
+        <p:nvCxnSpPr>
+          <p:cNvPr id="380" name="연결선: 꺾임 379">
+            <a:extLst>
+              <a:ext uri="{FF2B5EF4-FFF2-40B4-BE49-F238E27FC236}">
+                <a16:creationId xmlns:a16="http://schemas.microsoft.com/office/drawing/2014/main" id="{57EF1A70-BAA0-4A42-9F25-EFA06A48AEC6}"/>
+              </a:ext>
+            </a:extLst>
+          </p:cNvPr>
+          <p:cNvCxnSpPr>
+            <a:cxnSpLocks/>
+            <a:stCxn id="369" idx="2"/>
+            <a:endCxn id="378" idx="1"/>
+          </p:cNvCxnSpPr>
+          <p:nvPr/>
+        </p:nvCxnSpPr>
+        <p:spPr>
+          <a:xfrm rot="16200000" flipH="1">
+            <a:off x="34323927" y="18551194"/>
+            <a:ext cx="315134" cy="245793"/>
+          </a:xfrm>
+          <a:prstGeom prst="bentConnector2">
+            <a:avLst/>
+          </a:prstGeom>
+          <a:ln>
+            <a:solidFill>
+              <a:schemeClr val="tx1"/>
+            </a:solidFill>
+          </a:ln>
+        </p:spPr>
+        <p:style>
+          <a:lnRef idx="1">
+            <a:schemeClr val="dk1"/>
+          </a:lnRef>
+          <a:fillRef idx="0">
+            <a:schemeClr val="dk1"/>
+          </a:fillRef>
+          <a:effectRef idx="0">
+            <a:schemeClr val="dk1"/>
+          </a:effectRef>
+          <a:fontRef idx="minor">
+            <a:schemeClr val="tx1"/>
+          </a:fontRef>
+        </p:style>
+      </p:cxnSp>
+      <p:cxnSp>
+        <p:nvCxnSpPr>
+          <p:cNvPr id="381" name="연결선: 꺾임 380">
+            <a:extLst>
+              <a:ext uri="{FF2B5EF4-FFF2-40B4-BE49-F238E27FC236}">
+                <a16:creationId xmlns:a16="http://schemas.microsoft.com/office/drawing/2014/main" id="{21E57FB8-7880-4306-BC91-396773D8E214}"/>
+              </a:ext>
+            </a:extLst>
+          </p:cNvPr>
+          <p:cNvCxnSpPr>
+            <a:cxnSpLocks/>
+            <a:stCxn id="378" idx="2"/>
+            <a:endCxn id="379" idx="1"/>
+          </p:cNvCxnSpPr>
+          <p:nvPr/>
+        </p:nvCxnSpPr>
+        <p:spPr>
+          <a:xfrm rot="16200000" flipH="1">
+            <a:off x="35161510" y="19102282"/>
+            <a:ext cx="327222" cy="171739"/>
+          </a:xfrm>
+          <a:prstGeom prst="bentConnector2">
+            <a:avLst/>
+          </a:prstGeom>
+          <a:ln>
+            <a:solidFill>
+              <a:schemeClr val="tx1"/>
+            </a:solidFill>
+          </a:ln>
+        </p:spPr>
+        <p:style>
+          <a:lnRef idx="1">
+            <a:schemeClr val="dk1"/>
+          </a:lnRef>
+          <a:fillRef idx="0">
+            <a:schemeClr val="dk1"/>
+          </a:fillRef>
+          <a:effectRef idx="0">
+            <a:schemeClr val="dk1"/>
+          </a:effectRef>
+          <a:fontRef idx="minor">
+            <a:schemeClr val="tx1"/>
+          </a:fontRef>
+        </p:style>
+      </p:cxnSp>
+      <p:sp>
+        <p:nvSpPr>
+          <p:cNvPr id="388" name="직사각형 387">
+            <a:extLst>
+              <a:ext uri="{FF2B5EF4-FFF2-40B4-BE49-F238E27FC236}">
+                <a16:creationId xmlns:a16="http://schemas.microsoft.com/office/drawing/2014/main" id="{4A59D8C3-0D58-4A93-9A12-48D8C42A9436}"/>
+              </a:ext>
+            </a:extLst>
+          </p:cNvPr>
+          <p:cNvSpPr/>
+          <p:nvPr/>
+        </p:nvSpPr>
+        <p:spPr>
+          <a:xfrm>
+            <a:off x="36236492" y="19678984"/>
+            <a:ext cx="1269722" cy="313361"/>
+          </a:xfrm>
+          <a:prstGeom prst="rect">
+            <a:avLst/>
+          </a:prstGeom>
+          <a:ln>
+            <a:solidFill>
+              <a:schemeClr val="tx1"/>
+            </a:solidFill>
+          </a:ln>
+        </p:spPr>
+        <p:style>
+          <a:lnRef idx="2">
+            <a:schemeClr val="dk1"/>
+          </a:lnRef>
+          <a:fillRef idx="1">
+            <a:schemeClr val="lt1"/>
+          </a:fillRef>
+          <a:effectRef idx="0">
+            <a:schemeClr val="dk1"/>
+          </a:effectRef>
+          <a:fontRef idx="minor">
+            <a:schemeClr val="dk1"/>
+          </a:fontRef>
+        </p:style>
+        <p:txBody>
+          <a:bodyPr rot="0" spcFirstLastPara="0" vertOverflow="overflow" horzOverflow="overflow" vert="horz" wrap="square" lIns="77272" tIns="38641" rIns="77272" bIns="38641" numCol="1" spcCol="0" rtlCol="0" fromWordArt="0" anchor="ctr" anchorCtr="0" forceAA="0" compatLnSpc="1">
+            <a:prstTxWarp prst="textNoShape">
+              <a:avLst/>
+            </a:prstTxWarp>
+            <a:noAutofit/>
+          </a:bodyPr>
+          <a:lstStyle/>
+          <a:p>
+            <a:pPr algn="ctr"/>
+            <a:r>
+              <a:rPr lang="ko-KR" altLang="en-US" sz="1100" b="1" dirty="0"/>
+              <a:t>즐겨찾기 해제</a:t>
+            </a:r>
+          </a:p>
+        </p:txBody>
+      </p:sp>
+      <p:cxnSp>
+        <p:nvCxnSpPr>
+          <p:cNvPr id="389" name="연결선: 꺾임 388">
+            <a:extLst>
+              <a:ext uri="{FF2B5EF4-FFF2-40B4-BE49-F238E27FC236}">
+                <a16:creationId xmlns:a16="http://schemas.microsoft.com/office/drawing/2014/main" id="{4CDC1E0A-916A-4A0E-959C-C618B6566F04}"/>
+              </a:ext>
+            </a:extLst>
+          </p:cNvPr>
+          <p:cNvCxnSpPr>
+            <a:cxnSpLocks/>
+            <a:stCxn id="379" idx="2"/>
+            <a:endCxn id="388" idx="1"/>
+          </p:cNvCxnSpPr>
+          <p:nvPr/>
+        </p:nvCxnSpPr>
+        <p:spPr>
+          <a:xfrm rot="16200000" flipH="1">
+            <a:off x="35995663" y="19594835"/>
+            <a:ext cx="291019" cy="190640"/>
+          </a:xfrm>
+          <a:prstGeom prst="bentConnector2">
+            <a:avLst/>
+          </a:prstGeom>
+          <a:ln>
+            <a:solidFill>
+              <a:schemeClr val="tx1"/>
+            </a:solidFill>
+          </a:ln>
+        </p:spPr>
+        <p:style>
+          <a:lnRef idx="1">
+            <a:schemeClr val="dk1"/>
+          </a:lnRef>
+          <a:fillRef idx="0">
+            <a:schemeClr val="dk1"/>
+          </a:fillRef>
+          <a:effectRef idx="0">
+            <a:schemeClr val="dk1"/>
+          </a:effectRef>
+          <a:fontRef idx="minor">
+            <a:schemeClr val="tx1"/>
+          </a:fontRef>
+        </p:style>
+      </p:cxnSp>
+      <p:sp>
+        <p:nvSpPr>
+          <p:cNvPr id="395" name="직사각형 394">
+            <a:extLst>
+              <a:ext uri="{FF2B5EF4-FFF2-40B4-BE49-F238E27FC236}">
+                <a16:creationId xmlns:a16="http://schemas.microsoft.com/office/drawing/2014/main" id="{8F1926B7-F799-4D07-9C11-7941B3E5411F}"/>
+              </a:ext>
+            </a:extLst>
+          </p:cNvPr>
+          <p:cNvSpPr/>
+          <p:nvPr/>
+        </p:nvSpPr>
+        <p:spPr>
+          <a:xfrm>
+            <a:off x="36250803" y="17351519"/>
+            <a:ext cx="1269722" cy="313361"/>
+          </a:xfrm>
+          <a:prstGeom prst="rect">
+            <a:avLst/>
+          </a:prstGeom>
+          <a:ln>
+            <a:solidFill>
+              <a:schemeClr val="tx1"/>
+            </a:solidFill>
+          </a:ln>
+        </p:spPr>
+        <p:style>
+          <a:lnRef idx="2">
+            <a:schemeClr val="dk1"/>
+          </a:lnRef>
+          <a:fillRef idx="1">
+            <a:schemeClr val="lt1"/>
+          </a:fillRef>
+          <a:effectRef idx="0">
+            <a:schemeClr val="dk1"/>
+          </a:effectRef>
+          <a:fontRef idx="minor">
+            <a:schemeClr val="dk1"/>
+          </a:fontRef>
+        </p:style>
+        <p:txBody>
+          <a:bodyPr rot="0" spcFirstLastPara="0" vertOverflow="overflow" horzOverflow="overflow" vert="horz" wrap="square" lIns="77272" tIns="38641" rIns="77272" bIns="38641" numCol="1" spcCol="0" rtlCol="0" fromWordArt="0" anchor="ctr" anchorCtr="0" forceAA="0" compatLnSpc="1">
+            <a:prstTxWarp prst="textNoShape">
+              <a:avLst/>
+            </a:prstTxWarp>
+            <a:noAutofit/>
+          </a:bodyPr>
+          <a:lstStyle/>
+          <a:p>
+            <a:pPr algn="ctr"/>
+            <a:r>
+              <a:rPr lang="ko-KR" altLang="en-US" sz="1100" b="1" dirty="0"/>
+              <a:t>즐겨찾기 해제</a:t>
+            </a:r>
+          </a:p>
+        </p:txBody>
+      </p:sp>
+      <p:cxnSp>
+        <p:nvCxnSpPr>
+          <p:cNvPr id="114" name="연결선: 꺾임 113">
+            <a:extLst>
+              <a:ext uri="{FF2B5EF4-FFF2-40B4-BE49-F238E27FC236}">
+                <a16:creationId xmlns:a16="http://schemas.microsoft.com/office/drawing/2014/main" id="{E0605019-DC04-49D5-B722-7059A2B5BE8D}"/>
+              </a:ext>
+            </a:extLst>
+          </p:cNvPr>
+          <p:cNvCxnSpPr>
+            <a:stCxn id="371" idx="2"/>
+            <a:endCxn id="395" idx="1"/>
+          </p:cNvCxnSpPr>
+          <p:nvPr/>
+        </p:nvCxnSpPr>
+        <p:spPr>
+          <a:xfrm rot="16200000" flipH="1">
+            <a:off x="35778076" y="17035473"/>
+            <a:ext cx="754814" cy="190639"/>
+          </a:xfrm>
+          <a:prstGeom prst="bentConnector2">
+            <a:avLst/>
+          </a:prstGeom>
+          <a:ln>
+            <a:solidFill>
+              <a:schemeClr val="tx1"/>
+            </a:solidFill>
+          </a:ln>
+        </p:spPr>
+        <p:style>
+          <a:lnRef idx="1">
+            <a:schemeClr val="accent1"/>
+          </a:lnRef>
+          <a:fillRef idx="0">
+            <a:schemeClr val="accent1"/>
+          </a:fillRef>
+          <a:effectRef idx="0">
+            <a:schemeClr val="accent1"/>
+          </a:effectRef>
+          <a:fontRef idx="minor">
+            <a:schemeClr val="tx1"/>
+          </a:fontRef>
+        </p:style>
+      </p:cxnSp>
+      <p:sp>
+        <p:nvSpPr>
+          <p:cNvPr id="398" name="직사각형 397">
+            <a:extLst>
+              <a:ext uri="{FF2B5EF4-FFF2-40B4-BE49-F238E27FC236}">
+                <a16:creationId xmlns:a16="http://schemas.microsoft.com/office/drawing/2014/main" id="{2C96B86E-8DF6-461D-9493-BDC0BC39755A}"/>
+              </a:ext>
+            </a:extLst>
+          </p:cNvPr>
+          <p:cNvSpPr/>
+          <p:nvPr/>
+        </p:nvSpPr>
+        <p:spPr>
+          <a:xfrm>
+            <a:off x="2306827" y="8880397"/>
+            <a:ext cx="1486254" cy="313361"/>
+          </a:xfrm>
+          <a:prstGeom prst="rect">
+            <a:avLst/>
+          </a:prstGeom>
+          <a:solidFill>
+            <a:schemeClr val="accent4">
+              <a:lumMod val="20000"/>
+              <a:lumOff val="80000"/>
+            </a:schemeClr>
+          </a:solidFill>
+          <a:ln>
+            <a:solidFill>
+              <a:schemeClr val="tx1"/>
+            </a:solidFill>
+          </a:ln>
+        </p:spPr>
+        <p:style>
+          <a:lnRef idx="2">
+            <a:schemeClr val="dk1"/>
+          </a:lnRef>
+          <a:fillRef idx="1">
+            <a:schemeClr val="lt1"/>
+          </a:fillRef>
+          <a:effectRef idx="0">
+            <a:schemeClr val="dk1"/>
+          </a:effectRef>
+          <a:fontRef idx="minor">
+            <a:schemeClr val="dk1"/>
+          </a:fontRef>
+        </p:style>
+        <p:txBody>
+          <a:bodyPr rot="0" spcFirstLastPara="0" vertOverflow="overflow" horzOverflow="overflow" vert="horz" wrap="square" lIns="77272" tIns="38641" rIns="77272" bIns="38641" numCol="1" spcCol="0" rtlCol="0" fromWordArt="0" anchor="ctr" anchorCtr="0" forceAA="0" compatLnSpc="1">
+            <a:prstTxWarp prst="textNoShape">
+              <a:avLst/>
+            </a:prstTxWarp>
+            <a:noAutofit/>
+          </a:bodyPr>
+          <a:lstStyle/>
+          <a:p>
+            <a:pPr algn="ctr"/>
+            <a:r>
+              <a:rPr lang="ko-KR" altLang="en-US" sz="1100" b="1" dirty="0"/>
+              <a:t>영화 검색</a:t>
+            </a:r>
+          </a:p>
+        </p:txBody>
+      </p:sp>
+      <p:cxnSp>
+        <p:nvCxnSpPr>
+          <p:cNvPr id="117" name="연결선: 꺾임 116">
+            <a:extLst>
+              <a:ext uri="{FF2B5EF4-FFF2-40B4-BE49-F238E27FC236}">
+                <a16:creationId xmlns:a16="http://schemas.microsoft.com/office/drawing/2014/main" id="{EE8A227F-D04F-463D-883F-8FF8281C6973}"/>
+              </a:ext>
+            </a:extLst>
+          </p:cNvPr>
+          <p:cNvCxnSpPr>
+            <a:stCxn id="392" idx="2"/>
+            <a:endCxn id="398" idx="1"/>
+          </p:cNvCxnSpPr>
+          <p:nvPr/>
+        </p:nvCxnSpPr>
+        <p:spPr>
+          <a:xfrm rot="16200000" flipH="1">
+            <a:off x="566987" y="7297237"/>
+            <a:ext cx="3340365" cy="139315"/>
+          </a:xfrm>
+          <a:prstGeom prst="bentConnector2">
+            <a:avLst/>
+          </a:prstGeom>
+          <a:ln>
+            <a:solidFill>
+              <a:schemeClr val="tx1"/>
+            </a:solidFill>
+          </a:ln>
+        </p:spPr>
+        <p:style>
+          <a:lnRef idx="1">
+            <a:schemeClr val="accent1"/>
+          </a:lnRef>
+          <a:fillRef idx="0">
+            <a:schemeClr val="accent1"/>
+          </a:fillRef>
+          <a:effectRef idx="0">
+            <a:schemeClr val="accent1"/>
+          </a:effectRef>
+          <a:fontRef idx="minor">
+            <a:schemeClr val="tx1"/>
+          </a:fontRef>
+        </p:style>
+      </p:cxnSp>
+      <p:sp>
+        <p:nvSpPr>
+          <p:cNvPr id="403" name="직사각형 402">
+            <a:extLst>
+              <a:ext uri="{FF2B5EF4-FFF2-40B4-BE49-F238E27FC236}">
+                <a16:creationId xmlns:a16="http://schemas.microsoft.com/office/drawing/2014/main" id="{7C2EED29-7829-4482-AB51-76ACF87A1415}"/>
+              </a:ext>
+            </a:extLst>
+          </p:cNvPr>
+          <p:cNvSpPr/>
+          <p:nvPr/>
+        </p:nvSpPr>
+        <p:spPr>
+          <a:xfrm>
+            <a:off x="9050958" y="6422933"/>
+            <a:ext cx="1077516" cy="313361"/>
+          </a:xfrm>
+          <a:prstGeom prst="rect">
+            <a:avLst/>
+          </a:prstGeom>
+          <a:solidFill>
+            <a:schemeClr val="accent4">
+              <a:lumMod val="20000"/>
+              <a:lumOff val="80000"/>
+            </a:schemeClr>
+          </a:solidFill>
+          <a:ln>
+            <a:solidFill>
+              <a:schemeClr val="tx1"/>
+            </a:solidFill>
+          </a:ln>
+        </p:spPr>
+        <p:style>
+          <a:lnRef idx="2">
+            <a:schemeClr val="dk1"/>
+          </a:lnRef>
+          <a:fillRef idx="1">
+            <a:schemeClr val="lt1"/>
+          </a:fillRef>
+          <a:effectRef idx="0">
+            <a:schemeClr val="dk1"/>
+          </a:effectRef>
+          <a:fontRef idx="minor">
+            <a:schemeClr val="dk1"/>
+          </a:fontRef>
+        </p:style>
+        <p:txBody>
+          <a:bodyPr rot="0" spcFirstLastPara="0" vertOverflow="overflow" horzOverflow="overflow" vert="horz" wrap="square" lIns="77272" tIns="38641" rIns="77272" bIns="38641" numCol="1" spcCol="0" rtlCol="0" fromWordArt="0" anchor="ctr" anchorCtr="0" forceAA="0" compatLnSpc="1">
+            <a:prstTxWarp prst="textNoShape">
+              <a:avLst/>
+            </a:prstTxWarp>
+            <a:noAutofit/>
+          </a:bodyPr>
+          <a:lstStyle/>
+          <a:p>
+            <a:pPr algn="ctr"/>
+            <a:r>
+              <a:rPr lang="ko-KR" altLang="en-US" sz="1100" b="1" dirty="0"/>
+              <a:t>게시글 검색</a:t>
+            </a:r>
+          </a:p>
+        </p:txBody>
+      </p:sp>
+      <p:cxnSp>
+        <p:nvCxnSpPr>
+          <p:cNvPr id="126" name="연결선: 꺾임 125">
+            <a:extLst>
+              <a:ext uri="{FF2B5EF4-FFF2-40B4-BE49-F238E27FC236}">
+                <a16:creationId xmlns:a16="http://schemas.microsoft.com/office/drawing/2014/main" id="{D0C75B08-B422-4B5F-9023-DE18E942259C}"/>
+              </a:ext>
+            </a:extLst>
+          </p:cNvPr>
+          <p:cNvCxnSpPr>
+            <a:cxnSpLocks/>
+            <a:stCxn id="362" idx="2"/>
+            <a:endCxn id="403" idx="1"/>
+          </p:cNvCxnSpPr>
+          <p:nvPr/>
+        </p:nvCxnSpPr>
+        <p:spPr>
+          <a:xfrm rot="16200000" flipH="1">
+            <a:off x="8323356" y="5852012"/>
+            <a:ext cx="1287896" cy="167307"/>
+          </a:xfrm>
+          <a:prstGeom prst="bentConnector2">
+            <a:avLst/>
+          </a:prstGeom>
+          <a:ln>
+            <a:solidFill>
+              <a:schemeClr val="tx1"/>
+            </a:solidFill>
+          </a:ln>
+        </p:spPr>
+        <p:style>
+          <a:lnRef idx="1">
+            <a:schemeClr val="accent1"/>
+          </a:lnRef>
+          <a:fillRef idx="0">
+            <a:schemeClr val="accent1"/>
+          </a:fillRef>
+          <a:effectRef idx="0">
+            <a:schemeClr val="accent1"/>
+          </a:effectRef>
+          <a:fontRef idx="minor">
+            <a:schemeClr val="tx1"/>
+          </a:fontRef>
+        </p:style>
+      </p:cxnSp>
+      <p:sp>
+        <p:nvSpPr>
+          <p:cNvPr id="408" name="직사각형 407">
+            <a:extLst>
+              <a:ext uri="{FF2B5EF4-FFF2-40B4-BE49-F238E27FC236}">
+                <a16:creationId xmlns:a16="http://schemas.microsoft.com/office/drawing/2014/main" id="{19AA1294-D0E2-49C3-B0DA-3DBFACB6FC5C}"/>
+              </a:ext>
+            </a:extLst>
+          </p:cNvPr>
+          <p:cNvSpPr/>
+          <p:nvPr/>
+        </p:nvSpPr>
+        <p:spPr>
+          <a:xfrm>
+            <a:off x="12593507" y="6499444"/>
+            <a:ext cx="1092155" cy="313361"/>
+          </a:xfrm>
+          <a:prstGeom prst="rect">
+            <a:avLst/>
+          </a:prstGeom>
+          <a:solidFill>
+            <a:schemeClr val="accent4">
+              <a:lumMod val="20000"/>
+              <a:lumOff val="80000"/>
+            </a:schemeClr>
+          </a:solidFill>
+          <a:ln>
+            <a:solidFill>
+              <a:schemeClr val="tx1"/>
+            </a:solidFill>
+          </a:ln>
+        </p:spPr>
+        <p:style>
+          <a:lnRef idx="2">
+            <a:schemeClr val="dk1"/>
+          </a:lnRef>
+          <a:fillRef idx="1">
+            <a:schemeClr val="lt1"/>
+          </a:fillRef>
+          <a:effectRef idx="0">
+            <a:schemeClr val="dk1"/>
+          </a:effectRef>
+          <a:fontRef idx="minor">
+            <a:schemeClr val="dk1"/>
+          </a:fontRef>
+        </p:style>
+        <p:txBody>
+          <a:bodyPr rot="0" spcFirstLastPara="0" vertOverflow="overflow" horzOverflow="overflow" vert="horz" wrap="square" lIns="77272" tIns="38641" rIns="77272" bIns="38641" numCol="1" spcCol="0" rtlCol="0" fromWordArt="0" anchor="ctr" anchorCtr="0" forceAA="0" compatLnSpc="1">
+            <a:prstTxWarp prst="textNoShape">
+              <a:avLst/>
+            </a:prstTxWarp>
+            <a:noAutofit/>
+          </a:bodyPr>
+          <a:lstStyle/>
+          <a:p>
+            <a:pPr algn="ctr"/>
+            <a:r>
+              <a:rPr lang="ko-KR" altLang="en-US" sz="1100" b="1" dirty="0"/>
+              <a:t>게시글 검색</a:t>
+            </a:r>
+          </a:p>
+        </p:txBody>
+      </p:sp>
+      <p:cxnSp>
+        <p:nvCxnSpPr>
+          <p:cNvPr id="413" name="연결선: 꺾임 412">
+            <a:extLst>
+              <a:ext uri="{FF2B5EF4-FFF2-40B4-BE49-F238E27FC236}">
+                <a16:creationId xmlns:a16="http://schemas.microsoft.com/office/drawing/2014/main" id="{CD7BF920-FA60-4BA5-890F-C5C899132DF2}"/>
+              </a:ext>
+            </a:extLst>
+          </p:cNvPr>
+          <p:cNvCxnSpPr>
+            <a:cxnSpLocks/>
+            <a:stCxn id="363" idx="2"/>
+            <a:endCxn id="408" idx="1"/>
+          </p:cNvCxnSpPr>
+          <p:nvPr/>
+        </p:nvCxnSpPr>
+        <p:spPr>
+          <a:xfrm rot="16200000" flipH="1">
+            <a:off x="11840510" y="5903127"/>
+            <a:ext cx="1342819" cy="163176"/>
+          </a:xfrm>
+          <a:prstGeom prst="bentConnector2">
+            <a:avLst/>
+          </a:prstGeom>
+          <a:ln>
+            <a:solidFill>
+              <a:schemeClr val="tx1"/>
+            </a:solidFill>
+          </a:ln>
+        </p:spPr>
+        <p:style>
+          <a:lnRef idx="1">
+            <a:schemeClr val="accent1"/>
+          </a:lnRef>
+          <a:fillRef idx="0">
+            <a:schemeClr val="accent1"/>
+          </a:fillRef>
+          <a:effectRef idx="0">
+            <a:schemeClr val="accent1"/>
+          </a:effectRef>
+          <a:fontRef idx="minor">
+            <a:schemeClr val="tx1"/>
+          </a:fontRef>
+        </p:style>
+      </p:cxnSp>
+      <p:sp>
+        <p:nvSpPr>
+          <p:cNvPr id="414" name="직사각형 413">
+            <a:extLst>
+              <a:ext uri="{FF2B5EF4-FFF2-40B4-BE49-F238E27FC236}">
+                <a16:creationId xmlns:a16="http://schemas.microsoft.com/office/drawing/2014/main" id="{561C3792-632F-492C-8727-480805102D14}"/>
+              </a:ext>
+            </a:extLst>
+          </p:cNvPr>
+          <p:cNvSpPr/>
+          <p:nvPr/>
+        </p:nvSpPr>
+        <p:spPr>
+          <a:xfrm>
+            <a:off x="12534367" y="13486144"/>
+            <a:ext cx="1486254" cy="313361"/>
+          </a:xfrm>
+          <a:prstGeom prst="rect">
+            <a:avLst/>
+          </a:prstGeom>
+          <a:solidFill>
+            <a:schemeClr val="accent4">
+              <a:lumMod val="20000"/>
+              <a:lumOff val="80000"/>
+            </a:schemeClr>
+          </a:solidFill>
+          <a:ln>
+            <a:solidFill>
+              <a:schemeClr val="tx1"/>
+            </a:solidFill>
+          </a:ln>
+        </p:spPr>
+        <p:style>
+          <a:lnRef idx="2">
+            <a:schemeClr val="dk1"/>
+          </a:lnRef>
+          <a:fillRef idx="1">
+            <a:schemeClr val="lt1"/>
+          </a:fillRef>
+          <a:effectRef idx="0">
+            <a:schemeClr val="dk1"/>
+          </a:effectRef>
+          <a:fontRef idx="minor">
+            <a:schemeClr val="dk1"/>
+          </a:fontRef>
+        </p:style>
+        <p:txBody>
+          <a:bodyPr rot="0" spcFirstLastPara="0" vertOverflow="overflow" horzOverflow="overflow" vert="horz" wrap="square" lIns="77272" tIns="38641" rIns="77272" bIns="38641" numCol="1" spcCol="0" rtlCol="0" fromWordArt="0" anchor="ctr" anchorCtr="0" forceAA="0" compatLnSpc="1">
+            <a:prstTxWarp prst="textNoShape">
+              <a:avLst/>
+            </a:prstTxWarp>
+            <a:noAutofit/>
+          </a:bodyPr>
+          <a:lstStyle/>
+          <a:p>
+            <a:pPr algn="ctr"/>
+            <a:r>
+              <a:rPr lang="ko-KR" altLang="en-US" sz="1100" b="1" dirty="0"/>
+              <a:t>게시글 검색</a:t>
+            </a:r>
+          </a:p>
+        </p:txBody>
+      </p:sp>
+      <p:cxnSp>
+        <p:nvCxnSpPr>
+          <p:cNvPr id="415" name="연결선: 꺾임 414">
+            <a:extLst>
+              <a:ext uri="{FF2B5EF4-FFF2-40B4-BE49-F238E27FC236}">
+                <a16:creationId xmlns:a16="http://schemas.microsoft.com/office/drawing/2014/main" id="{0EA005E2-C191-43F9-BBD0-BC8721A932FC}"/>
+              </a:ext>
+            </a:extLst>
+          </p:cNvPr>
+          <p:cNvCxnSpPr>
+            <a:cxnSpLocks/>
+            <a:stCxn id="165" idx="2"/>
+            <a:endCxn id="414" idx="1"/>
+          </p:cNvCxnSpPr>
+          <p:nvPr/>
+        </p:nvCxnSpPr>
+        <p:spPr>
+          <a:xfrm rot="16200000" flipH="1">
+            <a:off x="10139555" y="11248012"/>
+            <a:ext cx="4611939" cy="177685"/>
+          </a:xfrm>
+          <a:prstGeom prst="bentConnector2">
+            <a:avLst/>
+          </a:prstGeom>
+          <a:ln>
+            <a:solidFill>
+              <a:schemeClr val="tx1"/>
+            </a:solidFill>
+          </a:ln>
+        </p:spPr>
+        <p:style>
+          <a:lnRef idx="1">
+            <a:schemeClr val="accent1"/>
+          </a:lnRef>
+          <a:fillRef idx="0">
+            <a:schemeClr val="accent1"/>
+          </a:fillRef>
+          <a:effectRef idx="0">
+            <a:schemeClr val="accent1"/>
+          </a:effectRef>
+          <a:fontRef idx="minor">
+            <a:schemeClr val="tx1"/>
+          </a:fontRef>
+        </p:style>
+      </p:cxnSp>
+      <p:sp>
+        <p:nvSpPr>
+          <p:cNvPr id="416" name="직사각형 415">
+            <a:extLst>
+              <a:ext uri="{FF2B5EF4-FFF2-40B4-BE49-F238E27FC236}">
+                <a16:creationId xmlns:a16="http://schemas.microsoft.com/office/drawing/2014/main" id="{74E0E917-1E5B-46AD-8EE1-9460A171CFDF}"/>
+              </a:ext>
+            </a:extLst>
+          </p:cNvPr>
+          <p:cNvSpPr/>
+          <p:nvPr/>
+        </p:nvSpPr>
+        <p:spPr>
+          <a:xfrm>
+            <a:off x="15738040" y="9147943"/>
+            <a:ext cx="1486254" cy="313361"/>
+          </a:xfrm>
+          <a:prstGeom prst="rect">
+            <a:avLst/>
+          </a:prstGeom>
+          <a:solidFill>
+            <a:schemeClr val="accent4">
+              <a:lumMod val="20000"/>
+              <a:lumOff val="80000"/>
+            </a:schemeClr>
+          </a:solidFill>
+          <a:ln>
+            <a:solidFill>
+              <a:schemeClr val="tx1"/>
+            </a:solidFill>
+          </a:ln>
+        </p:spPr>
+        <p:style>
+          <a:lnRef idx="2">
+            <a:schemeClr val="dk1"/>
+          </a:lnRef>
+          <a:fillRef idx="1">
+            <a:schemeClr val="lt1"/>
+          </a:fillRef>
+          <a:effectRef idx="0">
+            <a:schemeClr val="dk1"/>
+          </a:effectRef>
+          <a:fontRef idx="minor">
+            <a:schemeClr val="dk1"/>
+          </a:fontRef>
+        </p:style>
+        <p:txBody>
+          <a:bodyPr rot="0" spcFirstLastPara="0" vertOverflow="overflow" horzOverflow="overflow" vert="horz" wrap="square" lIns="77272" tIns="38641" rIns="77272" bIns="38641" numCol="1" spcCol="0" rtlCol="0" fromWordArt="0" anchor="ctr" anchorCtr="0" forceAA="0" compatLnSpc="1">
+            <a:prstTxWarp prst="textNoShape">
+              <a:avLst/>
+            </a:prstTxWarp>
+            <a:noAutofit/>
+          </a:bodyPr>
+          <a:lstStyle/>
+          <a:p>
+            <a:pPr algn="ctr"/>
+            <a:r>
+              <a:rPr lang="ko-KR" altLang="en-US" sz="1100" b="1" dirty="0" err="1"/>
+              <a:t>기프티콘</a:t>
+            </a:r>
+            <a:r>
+              <a:rPr lang="ko-KR" altLang="en-US" sz="1100" b="1" dirty="0"/>
+              <a:t> 검색</a:t>
+            </a:r>
+          </a:p>
+        </p:txBody>
+      </p:sp>
+      <p:cxnSp>
+        <p:nvCxnSpPr>
+          <p:cNvPr id="417" name="연결선: 꺾임 416">
+            <a:extLst>
+              <a:ext uri="{FF2B5EF4-FFF2-40B4-BE49-F238E27FC236}">
+                <a16:creationId xmlns:a16="http://schemas.microsoft.com/office/drawing/2014/main" id="{6A703B30-62C4-4316-822C-7D586BAD6B30}"/>
+              </a:ext>
+            </a:extLst>
+          </p:cNvPr>
+          <p:cNvCxnSpPr>
+            <a:cxnSpLocks/>
+            <a:stCxn id="422" idx="2"/>
+            <a:endCxn id="416" idx="1"/>
+          </p:cNvCxnSpPr>
+          <p:nvPr/>
+        </p:nvCxnSpPr>
+        <p:spPr>
+          <a:xfrm rot="16200000" flipH="1">
+            <a:off x="14937866" y="8504449"/>
+            <a:ext cx="1383969" cy="216380"/>
+          </a:xfrm>
+          <a:prstGeom prst="bentConnector2">
+            <a:avLst/>
+          </a:prstGeom>
+          <a:ln>
+            <a:solidFill>
+              <a:schemeClr val="tx1"/>
+            </a:solidFill>
+          </a:ln>
+        </p:spPr>
+        <p:style>
+          <a:lnRef idx="1">
+            <a:schemeClr val="accent1"/>
+          </a:lnRef>
+          <a:fillRef idx="0">
+            <a:schemeClr val="accent1"/>
+          </a:fillRef>
+          <a:effectRef idx="0">
+            <a:schemeClr val="accent1"/>
+          </a:effectRef>
+          <a:fontRef idx="minor">
+            <a:schemeClr val="tx1"/>
+          </a:fontRef>
+        </p:style>
+      </p:cxnSp>
+      <p:sp>
+        <p:nvSpPr>
+          <p:cNvPr id="420" name="직사각형 419">
+            <a:extLst>
+              <a:ext uri="{FF2B5EF4-FFF2-40B4-BE49-F238E27FC236}">
+                <a16:creationId xmlns:a16="http://schemas.microsoft.com/office/drawing/2014/main" id="{38482EF7-6163-40F1-A72A-A923DE62207F}"/>
+              </a:ext>
+            </a:extLst>
+          </p:cNvPr>
+          <p:cNvSpPr/>
+          <p:nvPr/>
+        </p:nvSpPr>
+        <p:spPr>
+          <a:xfrm>
+            <a:off x="16886583" y="6825124"/>
+            <a:ext cx="1090807" cy="313361"/>
+          </a:xfrm>
+          <a:prstGeom prst="rect">
+            <a:avLst/>
+          </a:prstGeom>
+          <a:solidFill>
+            <a:schemeClr val="accent4">
+              <a:lumMod val="20000"/>
+              <a:lumOff val="80000"/>
+            </a:schemeClr>
+          </a:solidFill>
+          <a:ln>
+            <a:solidFill>
+              <a:schemeClr val="tx1"/>
+            </a:solidFill>
+          </a:ln>
+        </p:spPr>
+        <p:style>
+          <a:lnRef idx="2">
+            <a:schemeClr val="dk1"/>
+          </a:lnRef>
+          <a:fillRef idx="1">
+            <a:schemeClr val="lt1"/>
+          </a:fillRef>
+          <a:effectRef idx="0">
+            <a:schemeClr val="dk1"/>
+          </a:effectRef>
+          <a:fontRef idx="minor">
+            <a:schemeClr val="dk1"/>
+          </a:fontRef>
+        </p:style>
+        <p:txBody>
+          <a:bodyPr rot="0" spcFirstLastPara="0" vertOverflow="overflow" horzOverflow="overflow" vert="horz" wrap="square" lIns="77272" tIns="38641" rIns="77272" bIns="38641" numCol="1" spcCol="0" rtlCol="0" fromWordArt="0" anchor="ctr" anchorCtr="0" forceAA="0" compatLnSpc="1">
+            <a:prstTxWarp prst="textNoShape">
+              <a:avLst/>
+            </a:prstTxWarp>
+            <a:noAutofit/>
+          </a:bodyPr>
+          <a:lstStyle/>
+          <a:p>
+            <a:pPr algn="ctr"/>
+            <a:r>
+              <a:rPr lang="ko-KR" altLang="en-US" sz="1100" b="1" dirty="0"/>
+              <a:t>게시글 검색</a:t>
+            </a:r>
+          </a:p>
+        </p:txBody>
+      </p:sp>
+      <p:cxnSp>
+        <p:nvCxnSpPr>
+          <p:cNvPr id="421" name="연결선: 꺾임 420">
+            <a:extLst>
+              <a:ext uri="{FF2B5EF4-FFF2-40B4-BE49-F238E27FC236}">
+                <a16:creationId xmlns:a16="http://schemas.microsoft.com/office/drawing/2014/main" id="{434CAB98-882C-4CB7-AAB5-CFA537A7F457}"/>
+              </a:ext>
+            </a:extLst>
+          </p:cNvPr>
+          <p:cNvCxnSpPr>
+            <a:cxnSpLocks/>
+            <a:stCxn id="294" idx="2"/>
+            <a:endCxn id="420" idx="1"/>
+          </p:cNvCxnSpPr>
+          <p:nvPr/>
+        </p:nvCxnSpPr>
+        <p:spPr>
+          <a:xfrm rot="16200000" flipH="1">
+            <a:off x="16185341" y="6280563"/>
+            <a:ext cx="1086804" cy="315679"/>
+          </a:xfrm>
+          <a:prstGeom prst="bentConnector2">
+            <a:avLst/>
+          </a:prstGeom>
+          <a:ln>
+            <a:solidFill>
+              <a:schemeClr val="tx1"/>
+            </a:solidFill>
+          </a:ln>
+        </p:spPr>
+        <p:style>
+          <a:lnRef idx="1">
+            <a:schemeClr val="accent1"/>
+          </a:lnRef>
+          <a:fillRef idx="0">
+            <a:schemeClr val="accent1"/>
+          </a:fillRef>
+          <a:effectRef idx="0">
+            <a:schemeClr val="accent1"/>
+          </a:effectRef>
+          <a:fontRef idx="minor">
+            <a:schemeClr val="tx1"/>
+          </a:fontRef>
+        </p:style>
+      </p:cxnSp>
+      <p:sp>
+        <p:nvSpPr>
+          <p:cNvPr id="429" name="직사각형 428">
+            <a:extLst>
+              <a:ext uri="{FF2B5EF4-FFF2-40B4-BE49-F238E27FC236}">
+                <a16:creationId xmlns:a16="http://schemas.microsoft.com/office/drawing/2014/main" id="{3472F845-43A3-4D59-AC23-82CEDC0D43A5}"/>
+              </a:ext>
+            </a:extLst>
+          </p:cNvPr>
+          <p:cNvSpPr/>
+          <p:nvPr/>
+        </p:nvSpPr>
+        <p:spPr>
+          <a:xfrm>
+            <a:off x="19606743" y="7688133"/>
+            <a:ext cx="1486254" cy="313361"/>
+          </a:xfrm>
+          <a:prstGeom prst="rect">
+            <a:avLst/>
+          </a:prstGeom>
+          <a:solidFill>
+            <a:schemeClr val="accent4">
+              <a:lumMod val="20000"/>
+              <a:lumOff val="80000"/>
+            </a:schemeClr>
+          </a:solidFill>
+          <a:ln>
+            <a:solidFill>
+              <a:schemeClr val="tx1"/>
+            </a:solidFill>
+          </a:ln>
+        </p:spPr>
+        <p:style>
+          <a:lnRef idx="2">
+            <a:schemeClr val="dk1"/>
+          </a:lnRef>
+          <a:fillRef idx="1">
+            <a:schemeClr val="lt1"/>
+          </a:fillRef>
+          <a:effectRef idx="0">
+            <a:schemeClr val="dk1"/>
+          </a:effectRef>
+          <a:fontRef idx="minor">
+            <a:schemeClr val="dk1"/>
+          </a:fontRef>
+        </p:style>
+        <p:txBody>
+          <a:bodyPr rot="0" spcFirstLastPara="0" vertOverflow="overflow" horzOverflow="overflow" vert="horz" wrap="square" lIns="77272" tIns="38641" rIns="77272" bIns="38641" numCol="1" spcCol="0" rtlCol="0" fromWordArt="0" anchor="ctr" anchorCtr="0" forceAA="0" compatLnSpc="1">
+            <a:prstTxWarp prst="textNoShape">
+              <a:avLst/>
+            </a:prstTxWarp>
+            <a:noAutofit/>
+          </a:bodyPr>
+          <a:lstStyle/>
+          <a:p>
+            <a:pPr algn="ctr"/>
+            <a:r>
+              <a:rPr lang="ko-KR" altLang="en-US" sz="1100" b="1" dirty="0"/>
+              <a:t>건의사항 검색</a:t>
+            </a:r>
+          </a:p>
+        </p:txBody>
+      </p:sp>
+      <p:cxnSp>
+        <p:nvCxnSpPr>
+          <p:cNvPr id="144" name="연결선: 꺾임 143">
+            <a:extLst>
+              <a:ext uri="{FF2B5EF4-FFF2-40B4-BE49-F238E27FC236}">
+                <a16:creationId xmlns:a16="http://schemas.microsoft.com/office/drawing/2014/main" id="{41E9977C-1394-4961-A89C-7F786E8413C5}"/>
+              </a:ext>
+            </a:extLst>
+          </p:cNvPr>
+          <p:cNvCxnSpPr>
+            <a:stCxn id="306" idx="2"/>
+            <a:endCxn id="429" idx="1"/>
+          </p:cNvCxnSpPr>
+          <p:nvPr/>
+        </p:nvCxnSpPr>
+        <p:spPr>
+          <a:xfrm rot="16200000" flipH="1">
+            <a:off x="18651733" y="6889803"/>
+            <a:ext cx="1673195" cy="236825"/>
+          </a:xfrm>
+          <a:prstGeom prst="bentConnector2">
+            <a:avLst/>
+          </a:prstGeom>
+          <a:ln>
+            <a:solidFill>
+              <a:schemeClr val="tx1"/>
+            </a:solidFill>
+          </a:ln>
+        </p:spPr>
+        <p:style>
+          <a:lnRef idx="1">
+            <a:schemeClr val="accent1"/>
+          </a:lnRef>
+          <a:fillRef idx="0">
+            <a:schemeClr val="accent1"/>
+          </a:fillRef>
+          <a:effectRef idx="0">
+            <a:schemeClr val="accent1"/>
+          </a:effectRef>
+          <a:fontRef idx="minor">
+            <a:schemeClr val="tx1"/>
+          </a:fontRef>
+        </p:style>
+      </p:cxnSp>
+      <p:sp>
+        <p:nvSpPr>
+          <p:cNvPr id="432" name="직사각형 431">
+            <a:extLst>
+              <a:ext uri="{FF2B5EF4-FFF2-40B4-BE49-F238E27FC236}">
+                <a16:creationId xmlns:a16="http://schemas.microsoft.com/office/drawing/2014/main" id="{C4A125F9-47D0-4527-BF44-9EF15F540258}"/>
+              </a:ext>
+            </a:extLst>
+          </p:cNvPr>
+          <p:cNvSpPr/>
+          <p:nvPr/>
+        </p:nvSpPr>
+        <p:spPr>
+          <a:xfrm>
+            <a:off x="29215471" y="7374772"/>
+            <a:ext cx="1486254" cy="313361"/>
+          </a:xfrm>
+          <a:prstGeom prst="rect">
+            <a:avLst/>
+          </a:prstGeom>
+          <a:solidFill>
+            <a:schemeClr val="bg1"/>
+          </a:solidFill>
+          <a:ln>
+            <a:solidFill>
+              <a:schemeClr val="tx1"/>
+            </a:solidFill>
+          </a:ln>
+        </p:spPr>
+        <p:style>
+          <a:lnRef idx="2">
+            <a:schemeClr val="dk1"/>
+          </a:lnRef>
+          <a:fillRef idx="1">
+            <a:schemeClr val="lt1"/>
+          </a:fillRef>
+          <a:effectRef idx="0">
+            <a:schemeClr val="dk1"/>
+          </a:effectRef>
+          <a:fontRef idx="minor">
+            <a:schemeClr val="dk1"/>
+          </a:fontRef>
+        </p:style>
+        <p:txBody>
+          <a:bodyPr rot="0" spcFirstLastPara="0" vertOverflow="overflow" horzOverflow="overflow" vert="horz" wrap="square" lIns="77272" tIns="38641" rIns="77272" bIns="38641" numCol="1" spcCol="0" rtlCol="0" fromWordArt="0" anchor="ctr" anchorCtr="0" forceAA="0" compatLnSpc="1">
+            <a:prstTxWarp prst="textNoShape">
+              <a:avLst/>
+            </a:prstTxWarp>
+            <a:noAutofit/>
+          </a:bodyPr>
+          <a:lstStyle/>
+          <a:p>
+            <a:pPr algn="ctr"/>
+            <a:r>
+              <a:rPr lang="ko-KR" altLang="en-US" sz="1100" b="1" dirty="0"/>
+              <a:t>영화 검색</a:t>
+            </a:r>
+          </a:p>
+        </p:txBody>
+      </p:sp>
+      <p:cxnSp>
+        <p:nvCxnSpPr>
+          <p:cNvPr id="433" name="연결선: 꺾임 432">
+            <a:extLst>
+              <a:ext uri="{FF2B5EF4-FFF2-40B4-BE49-F238E27FC236}">
+                <a16:creationId xmlns:a16="http://schemas.microsoft.com/office/drawing/2014/main" id="{EAE8C974-F6CD-4A79-8537-E783E5253A4C}"/>
+              </a:ext>
+            </a:extLst>
+          </p:cNvPr>
+          <p:cNvCxnSpPr>
+            <a:cxnSpLocks/>
+            <a:stCxn id="477" idx="2"/>
+            <a:endCxn id="432" idx="1"/>
+          </p:cNvCxnSpPr>
+          <p:nvPr/>
+        </p:nvCxnSpPr>
+        <p:spPr>
+          <a:xfrm rot="16200000" flipH="1">
+            <a:off x="28190595" y="6506577"/>
+            <a:ext cx="1905886" cy="143866"/>
+          </a:xfrm>
+          <a:prstGeom prst="bentConnector2">
+            <a:avLst/>
+          </a:prstGeom>
+          <a:ln>
+            <a:solidFill>
+              <a:schemeClr val="tx1"/>
+            </a:solidFill>
+          </a:ln>
+        </p:spPr>
+        <p:style>
+          <a:lnRef idx="1">
+            <a:schemeClr val="accent1"/>
+          </a:lnRef>
+          <a:fillRef idx="0">
+            <a:schemeClr val="accent1"/>
+          </a:fillRef>
+          <a:effectRef idx="0">
+            <a:schemeClr val="accent1"/>
+          </a:effectRef>
+          <a:fontRef idx="minor">
+            <a:schemeClr val="tx1"/>
+          </a:fontRef>
+        </p:style>
+      </p:cxnSp>
+      <p:sp>
+        <p:nvSpPr>
+          <p:cNvPr id="437" name="직사각형 436">
+            <a:extLst>
+              <a:ext uri="{FF2B5EF4-FFF2-40B4-BE49-F238E27FC236}">
+                <a16:creationId xmlns:a16="http://schemas.microsoft.com/office/drawing/2014/main" id="{2A623CA3-0827-467F-A947-040964DE1621}"/>
+              </a:ext>
+            </a:extLst>
+          </p:cNvPr>
+          <p:cNvSpPr/>
+          <p:nvPr/>
+        </p:nvSpPr>
+        <p:spPr>
+          <a:xfrm>
+            <a:off x="29348994" y="10883867"/>
+            <a:ext cx="1486254" cy="313361"/>
+          </a:xfrm>
+          <a:prstGeom prst="rect">
+            <a:avLst/>
+          </a:prstGeom>
+          <a:solidFill>
+            <a:schemeClr val="bg1"/>
+          </a:solidFill>
+          <a:ln>
+            <a:solidFill>
+              <a:schemeClr val="tx1"/>
+            </a:solidFill>
+          </a:ln>
+        </p:spPr>
+        <p:style>
+          <a:lnRef idx="2">
+            <a:schemeClr val="dk1"/>
+          </a:lnRef>
+          <a:fillRef idx="1">
+            <a:schemeClr val="lt1"/>
+          </a:fillRef>
+          <a:effectRef idx="0">
+            <a:schemeClr val="dk1"/>
+          </a:effectRef>
+          <a:fontRef idx="minor">
+            <a:schemeClr val="dk1"/>
+          </a:fontRef>
+        </p:style>
+        <p:txBody>
+          <a:bodyPr rot="0" spcFirstLastPara="0" vertOverflow="overflow" horzOverflow="overflow" vert="horz" wrap="square" lIns="77272" tIns="38641" rIns="77272" bIns="38641" numCol="1" spcCol="0" rtlCol="0" fromWordArt="0" anchor="ctr" anchorCtr="0" forceAA="0" compatLnSpc="1">
+            <a:prstTxWarp prst="textNoShape">
+              <a:avLst/>
+            </a:prstTxWarp>
+            <a:noAutofit/>
+          </a:bodyPr>
+          <a:lstStyle/>
+          <a:p>
+            <a:pPr algn="ctr"/>
+            <a:r>
+              <a:rPr lang="ko-KR" altLang="en-US" sz="1100" b="1" dirty="0"/>
+              <a:t>게시글 조회</a:t>
+            </a:r>
+          </a:p>
+        </p:txBody>
+      </p:sp>
+      <p:cxnSp>
+        <p:nvCxnSpPr>
+          <p:cNvPr id="150" name="연결선: 꺾임 149">
+            <a:extLst>
+              <a:ext uri="{FF2B5EF4-FFF2-40B4-BE49-F238E27FC236}">
+                <a16:creationId xmlns:a16="http://schemas.microsoft.com/office/drawing/2014/main" id="{960F43CA-2F98-426F-BA6E-7FE25E4F0F2F}"/>
+              </a:ext>
+            </a:extLst>
+          </p:cNvPr>
+          <p:cNvCxnSpPr>
+            <a:stCxn id="529" idx="2"/>
+            <a:endCxn id="437" idx="1"/>
+          </p:cNvCxnSpPr>
+          <p:nvPr/>
+        </p:nvCxnSpPr>
+        <p:spPr>
+          <a:xfrm rot="16200000" flipH="1">
+            <a:off x="28080619" y="9772173"/>
+            <a:ext cx="2299924" cy="236825"/>
+          </a:xfrm>
+          <a:prstGeom prst="bentConnector2">
+            <a:avLst/>
+          </a:prstGeom>
+          <a:ln>
+            <a:solidFill>
+              <a:schemeClr val="tx1"/>
+            </a:solidFill>
+          </a:ln>
+        </p:spPr>
+        <p:style>
+          <a:lnRef idx="1">
+            <a:schemeClr val="accent1"/>
+          </a:lnRef>
+          <a:fillRef idx="0">
+            <a:schemeClr val="accent1"/>
+          </a:fillRef>
+          <a:effectRef idx="0">
+            <a:schemeClr val="accent1"/>
+          </a:effectRef>
+          <a:fontRef idx="minor">
+            <a:schemeClr val="tx1"/>
+          </a:fontRef>
+        </p:style>
+      </p:cxnSp>
+      <p:sp>
+        <p:nvSpPr>
+          <p:cNvPr id="440" name="직사각형 439">
+            <a:extLst>
+              <a:ext uri="{FF2B5EF4-FFF2-40B4-BE49-F238E27FC236}">
+                <a16:creationId xmlns:a16="http://schemas.microsoft.com/office/drawing/2014/main" id="{0FFF1F40-4565-49DD-AE8C-AECFD3B37363}"/>
+              </a:ext>
+            </a:extLst>
+          </p:cNvPr>
+          <p:cNvSpPr/>
+          <p:nvPr/>
+        </p:nvSpPr>
+        <p:spPr>
+          <a:xfrm>
+            <a:off x="34092806" y="9436640"/>
+            <a:ext cx="1486254" cy="313361"/>
+          </a:xfrm>
+          <a:prstGeom prst="rect">
+            <a:avLst/>
+          </a:prstGeom>
+          <a:noFill/>
+          <a:ln>
+            <a:solidFill>
+              <a:schemeClr val="tx1"/>
+            </a:solidFill>
+          </a:ln>
+        </p:spPr>
+        <p:style>
+          <a:lnRef idx="2">
+            <a:schemeClr val="dk1"/>
+          </a:lnRef>
+          <a:fillRef idx="1">
+            <a:schemeClr val="lt1"/>
+          </a:fillRef>
+          <a:effectRef idx="0">
+            <a:schemeClr val="dk1"/>
+          </a:effectRef>
+          <a:fontRef idx="minor">
+            <a:schemeClr val="dk1"/>
+          </a:fontRef>
+        </p:style>
+        <p:txBody>
+          <a:bodyPr rot="0" spcFirstLastPara="0" vertOverflow="overflow" horzOverflow="overflow" vert="horz" wrap="square" lIns="77272" tIns="38641" rIns="77272" bIns="38641" numCol="1" spcCol="0" rtlCol="0" fromWordArt="0" anchor="ctr" anchorCtr="0" forceAA="0" compatLnSpc="1">
+            <a:prstTxWarp prst="textNoShape">
+              <a:avLst/>
+            </a:prstTxWarp>
+            <a:noAutofit/>
+          </a:bodyPr>
+          <a:lstStyle/>
+          <a:p>
+            <a:pPr algn="ctr"/>
+            <a:r>
+              <a:rPr lang="ko-KR" altLang="en-US" sz="1100" b="1" dirty="0" err="1"/>
+              <a:t>기프티콘</a:t>
+            </a:r>
+            <a:r>
+              <a:rPr lang="ko-KR" altLang="en-US" sz="1100" b="1" dirty="0"/>
+              <a:t> 검색</a:t>
+            </a:r>
+          </a:p>
+        </p:txBody>
+      </p:sp>
+      <p:cxnSp>
+        <p:nvCxnSpPr>
+          <p:cNvPr id="152" name="연결선: 꺾임 151">
+            <a:extLst>
+              <a:ext uri="{FF2B5EF4-FFF2-40B4-BE49-F238E27FC236}">
+                <a16:creationId xmlns:a16="http://schemas.microsoft.com/office/drawing/2014/main" id="{F643D1B5-C10A-440C-9FF1-FD013BCC3056}"/>
+              </a:ext>
+            </a:extLst>
+          </p:cNvPr>
+          <p:cNvCxnSpPr>
+            <a:stCxn id="486" idx="2"/>
+            <a:endCxn id="440" idx="1"/>
+          </p:cNvCxnSpPr>
+          <p:nvPr/>
+        </p:nvCxnSpPr>
+        <p:spPr>
+          <a:xfrm rot="16200000" flipH="1">
+            <a:off x="33542713" y="9043227"/>
+            <a:ext cx="922087" cy="178100"/>
+          </a:xfrm>
+          <a:prstGeom prst="bentConnector2">
+            <a:avLst/>
+          </a:prstGeom>
+          <a:ln>
+            <a:solidFill>
+              <a:schemeClr val="tx1"/>
+            </a:solidFill>
+          </a:ln>
+        </p:spPr>
+        <p:style>
+          <a:lnRef idx="1">
+            <a:schemeClr val="accent1"/>
+          </a:lnRef>
+          <a:fillRef idx="0">
+            <a:schemeClr val="accent1"/>
+          </a:fillRef>
+          <a:effectRef idx="0">
+            <a:schemeClr val="accent1"/>
+          </a:effectRef>
+          <a:fontRef idx="minor">
+            <a:schemeClr val="tx1"/>
+          </a:fontRef>
+        </p:style>
+      </p:cxnSp>
+      <p:sp>
+        <p:nvSpPr>
+          <p:cNvPr id="443" name="직사각형 442">
+            <a:extLst>
+              <a:ext uri="{FF2B5EF4-FFF2-40B4-BE49-F238E27FC236}">
+                <a16:creationId xmlns:a16="http://schemas.microsoft.com/office/drawing/2014/main" id="{0C407F29-5F04-4866-86F3-B7A9F0B8C88C}"/>
+              </a:ext>
+            </a:extLst>
+          </p:cNvPr>
+          <p:cNvSpPr/>
+          <p:nvPr/>
+        </p:nvSpPr>
+        <p:spPr>
+          <a:xfrm>
+            <a:off x="35124805" y="7653739"/>
+            <a:ext cx="1092155" cy="313361"/>
+          </a:xfrm>
+          <a:prstGeom prst="rect">
+            <a:avLst/>
+          </a:prstGeom>
+          <a:noFill/>
+          <a:ln>
+            <a:solidFill>
+              <a:schemeClr val="tx1"/>
+            </a:solidFill>
+          </a:ln>
+        </p:spPr>
+        <p:style>
+          <a:lnRef idx="2">
+            <a:schemeClr val="dk1"/>
+          </a:lnRef>
+          <a:fillRef idx="1">
+            <a:schemeClr val="lt1"/>
+          </a:fillRef>
+          <a:effectRef idx="0">
+            <a:schemeClr val="dk1"/>
+          </a:effectRef>
+          <a:fontRef idx="minor">
+            <a:schemeClr val="dk1"/>
+          </a:fontRef>
+        </p:style>
+        <p:txBody>
+          <a:bodyPr rot="0" spcFirstLastPara="0" vertOverflow="overflow" horzOverflow="overflow" vert="horz" wrap="square" lIns="77272" tIns="38641" rIns="77272" bIns="38641" numCol="1" spcCol="0" rtlCol="0" fromWordArt="0" anchor="ctr" anchorCtr="0" forceAA="0" compatLnSpc="1">
+            <a:prstTxWarp prst="textNoShape">
+              <a:avLst/>
+            </a:prstTxWarp>
+            <a:noAutofit/>
+          </a:bodyPr>
+          <a:lstStyle/>
+          <a:p>
+            <a:pPr algn="ctr"/>
+            <a:r>
+              <a:rPr lang="ko-KR" altLang="en-US" sz="1100" b="1" dirty="0"/>
+              <a:t>게시글 검색</a:t>
+            </a:r>
+            <a:endParaRPr lang="en-US" altLang="ko-KR" sz="1100" b="1" dirty="0"/>
+          </a:p>
+        </p:txBody>
+      </p:sp>
+      <p:cxnSp>
+        <p:nvCxnSpPr>
+          <p:cNvPr id="157" name="연결선: 꺾임 156">
+            <a:extLst>
+              <a:ext uri="{FF2B5EF4-FFF2-40B4-BE49-F238E27FC236}">
+                <a16:creationId xmlns:a16="http://schemas.microsoft.com/office/drawing/2014/main" id="{B0462D06-A877-4A75-9346-3424EA8FA21B}"/>
+              </a:ext>
+            </a:extLst>
+          </p:cNvPr>
+          <p:cNvCxnSpPr>
+            <a:stCxn id="508" idx="2"/>
+            <a:endCxn id="443" idx="1"/>
+          </p:cNvCxnSpPr>
+          <p:nvPr/>
+        </p:nvCxnSpPr>
+        <p:spPr>
+          <a:xfrm rot="16200000" flipH="1">
+            <a:off x="34158442" y="6844057"/>
+            <a:ext cx="1708758" cy="223968"/>
+          </a:xfrm>
+          <a:prstGeom prst="bentConnector2">
+            <a:avLst/>
+          </a:prstGeom>
+          <a:ln>
+            <a:solidFill>
+              <a:schemeClr val="tx1"/>
+            </a:solidFill>
+          </a:ln>
+        </p:spPr>
+        <p:style>
+          <a:lnRef idx="1">
+            <a:schemeClr val="accent1"/>
+          </a:lnRef>
+          <a:fillRef idx="0">
+            <a:schemeClr val="accent1"/>
+          </a:fillRef>
+          <a:effectRef idx="0">
+            <a:schemeClr val="accent1"/>
+          </a:effectRef>
+          <a:fontRef idx="minor">
+            <a:schemeClr val="tx1"/>
+          </a:fontRef>
+        </p:style>
+      </p:cxnSp>
+      <p:sp>
+        <p:nvSpPr>
+          <p:cNvPr id="446" name="직사각형 445">
+            <a:extLst>
+              <a:ext uri="{FF2B5EF4-FFF2-40B4-BE49-F238E27FC236}">
+                <a16:creationId xmlns:a16="http://schemas.microsoft.com/office/drawing/2014/main" id="{6BB9CB28-FF54-451E-A442-320B1A32002A}"/>
+              </a:ext>
+            </a:extLst>
+          </p:cNvPr>
+          <p:cNvSpPr/>
+          <p:nvPr/>
+        </p:nvSpPr>
+        <p:spPr>
+          <a:xfrm>
+            <a:off x="37930377" y="7677741"/>
+            <a:ext cx="1092155" cy="313361"/>
+          </a:xfrm>
+          <a:prstGeom prst="rect">
+            <a:avLst/>
+          </a:prstGeom>
+          <a:noFill/>
+          <a:ln>
+            <a:solidFill>
+              <a:schemeClr val="tx1"/>
+            </a:solidFill>
+          </a:ln>
+        </p:spPr>
+        <p:style>
+          <a:lnRef idx="2">
+            <a:schemeClr val="dk1"/>
+          </a:lnRef>
+          <a:fillRef idx="1">
+            <a:schemeClr val="lt1"/>
+          </a:fillRef>
+          <a:effectRef idx="0">
+            <a:schemeClr val="dk1"/>
+          </a:effectRef>
+          <a:fontRef idx="minor">
+            <a:schemeClr val="dk1"/>
+          </a:fontRef>
+        </p:style>
+        <p:txBody>
+          <a:bodyPr rot="0" spcFirstLastPara="0" vertOverflow="overflow" horzOverflow="overflow" vert="horz" wrap="square" lIns="77272" tIns="38641" rIns="77272" bIns="38641" numCol="1" spcCol="0" rtlCol="0" fromWordArt="0" anchor="ctr" anchorCtr="0" forceAA="0" compatLnSpc="1">
+            <a:prstTxWarp prst="textNoShape">
+              <a:avLst/>
+            </a:prstTxWarp>
+            <a:noAutofit/>
+          </a:bodyPr>
+          <a:lstStyle/>
+          <a:p>
+            <a:pPr algn="ctr"/>
+            <a:r>
+              <a:rPr lang="ko-KR" altLang="en-US" sz="1100" b="1" dirty="0"/>
+              <a:t>게시글 검색</a:t>
+            </a:r>
+            <a:endParaRPr lang="en-US" altLang="ko-KR" sz="1100" b="1" dirty="0"/>
+          </a:p>
+        </p:txBody>
+      </p:sp>
+      <p:cxnSp>
+        <p:nvCxnSpPr>
+          <p:cNvPr id="447" name="연결선: 꺾임 446">
+            <a:extLst>
+              <a:ext uri="{FF2B5EF4-FFF2-40B4-BE49-F238E27FC236}">
+                <a16:creationId xmlns:a16="http://schemas.microsoft.com/office/drawing/2014/main" id="{E459B0AD-8725-4CCD-A3CA-67D892887276}"/>
+              </a:ext>
+            </a:extLst>
+          </p:cNvPr>
+          <p:cNvCxnSpPr>
+            <a:cxnSpLocks/>
+            <a:stCxn id="587" idx="2"/>
+            <a:endCxn id="446" idx="1"/>
+          </p:cNvCxnSpPr>
+          <p:nvPr/>
+        </p:nvCxnSpPr>
+        <p:spPr>
+          <a:xfrm rot="16200000" flipH="1">
+            <a:off x="36921266" y="6825310"/>
+            <a:ext cx="1738781" cy="279441"/>
+          </a:xfrm>
+          <a:prstGeom prst="bentConnector2">
+            <a:avLst/>
+          </a:prstGeom>
+          <a:ln>
+            <a:solidFill>
+              <a:schemeClr val="tx1"/>
+            </a:solidFill>
+          </a:ln>
+        </p:spPr>
+        <p:style>
+          <a:lnRef idx="1">
+            <a:schemeClr val="accent1"/>
+          </a:lnRef>
+          <a:fillRef idx="0">
+            <a:schemeClr val="accent1"/>
+          </a:fillRef>
+          <a:effectRef idx="0">
+            <a:schemeClr val="accent1"/>
+          </a:effectRef>
+          <a:fontRef idx="minor">
+            <a:schemeClr val="tx1"/>
+          </a:fontRef>
+        </p:style>
+      </p:cxnSp>
+      <p:sp>
+        <p:nvSpPr>
+          <p:cNvPr id="450" name="직사각형 449">
+            <a:extLst>
+              <a:ext uri="{FF2B5EF4-FFF2-40B4-BE49-F238E27FC236}">
+                <a16:creationId xmlns:a16="http://schemas.microsoft.com/office/drawing/2014/main" id="{C2B858DA-D801-47B1-B9B9-AFCA90561409}"/>
+              </a:ext>
+            </a:extLst>
+          </p:cNvPr>
+          <p:cNvSpPr/>
+          <p:nvPr/>
+        </p:nvSpPr>
+        <p:spPr>
+          <a:xfrm>
+            <a:off x="40928184" y="6629269"/>
+            <a:ext cx="1471872" cy="313361"/>
+          </a:xfrm>
+          <a:prstGeom prst="rect">
+            <a:avLst/>
+          </a:prstGeom>
+          <a:noFill/>
+          <a:ln>
+            <a:solidFill>
+              <a:schemeClr val="tx1"/>
+            </a:solidFill>
+          </a:ln>
+        </p:spPr>
+        <p:style>
+          <a:lnRef idx="2">
+            <a:schemeClr val="dk1"/>
+          </a:lnRef>
+          <a:fillRef idx="1">
+            <a:schemeClr val="lt1"/>
+          </a:fillRef>
+          <a:effectRef idx="0">
+            <a:schemeClr val="dk1"/>
+          </a:effectRef>
+          <a:fontRef idx="minor">
+            <a:schemeClr val="dk1"/>
+          </a:fontRef>
+        </p:style>
+        <p:txBody>
+          <a:bodyPr rot="0" spcFirstLastPara="0" vertOverflow="overflow" horzOverflow="overflow" vert="horz" wrap="square" lIns="77272" tIns="38641" rIns="77272" bIns="38641" numCol="1" spcCol="0" rtlCol="0" fromWordArt="0" anchor="ctr" anchorCtr="0" forceAA="0" compatLnSpc="1">
+            <a:prstTxWarp prst="textNoShape">
+              <a:avLst/>
+            </a:prstTxWarp>
+            <a:noAutofit/>
+          </a:bodyPr>
+          <a:lstStyle/>
+          <a:p>
+            <a:pPr algn="ctr"/>
+            <a:r>
+              <a:rPr lang="ko-KR" altLang="en-US" sz="1100" b="1" dirty="0"/>
+              <a:t>게시글 검색</a:t>
+            </a:r>
+            <a:endParaRPr lang="en-US" altLang="ko-KR" sz="1100" b="1" dirty="0"/>
+          </a:p>
+        </p:txBody>
+      </p:sp>
+      <p:cxnSp>
+        <p:nvCxnSpPr>
+          <p:cNvPr id="451" name="연결선: 꺾임 450">
+            <a:extLst>
+              <a:ext uri="{FF2B5EF4-FFF2-40B4-BE49-F238E27FC236}">
+                <a16:creationId xmlns:a16="http://schemas.microsoft.com/office/drawing/2014/main" id="{AC5082B6-614A-4107-8166-DB334CCD8C10}"/>
+              </a:ext>
+            </a:extLst>
+          </p:cNvPr>
+          <p:cNvCxnSpPr>
+            <a:cxnSpLocks/>
+            <a:stCxn id="501" idx="2"/>
+            <a:endCxn id="450" idx="1"/>
+          </p:cNvCxnSpPr>
+          <p:nvPr/>
+        </p:nvCxnSpPr>
+        <p:spPr>
+          <a:xfrm rot="16200000" flipH="1">
+            <a:off x="40200310" y="6058075"/>
+            <a:ext cx="1213523" cy="242225"/>
+          </a:xfrm>
+          <a:prstGeom prst="bentConnector2">
+            <a:avLst/>
+          </a:prstGeom>
+          <a:ln>
+            <a:solidFill>
+              <a:schemeClr val="tx1"/>
+            </a:solidFill>
+          </a:ln>
+        </p:spPr>
+        <p:style>
+          <a:lnRef idx="1">
+            <a:schemeClr val="accent1"/>
+          </a:lnRef>
+          <a:fillRef idx="0">
+            <a:schemeClr val="accent1"/>
+          </a:fillRef>
+          <a:effectRef idx="0">
+            <a:schemeClr val="accent1"/>
+          </a:effectRef>
+          <a:fontRef idx="minor">
+            <a:schemeClr val="tx1"/>
+          </a:fontRef>
+        </p:style>
+      </p:cxnSp>
+      <p:sp>
+        <p:nvSpPr>
+          <p:cNvPr id="455" name="직사각형 454">
+            <a:extLst>
+              <a:ext uri="{FF2B5EF4-FFF2-40B4-BE49-F238E27FC236}">
+                <a16:creationId xmlns:a16="http://schemas.microsoft.com/office/drawing/2014/main" id="{D1C1FB40-1731-43B2-8DB4-7D8CA0910EE1}"/>
+              </a:ext>
+            </a:extLst>
+          </p:cNvPr>
+          <p:cNvSpPr/>
+          <p:nvPr/>
+        </p:nvSpPr>
+        <p:spPr>
+          <a:xfrm>
+            <a:off x="48601152" y="4484012"/>
+            <a:ext cx="1269722" cy="313361"/>
+          </a:xfrm>
+          <a:prstGeom prst="rect">
+            <a:avLst/>
+          </a:prstGeom>
+          <a:ln>
+            <a:solidFill>
+              <a:schemeClr val="tx1"/>
+            </a:solidFill>
+          </a:ln>
+        </p:spPr>
+        <p:style>
+          <a:lnRef idx="2">
+            <a:schemeClr val="dk1"/>
+          </a:lnRef>
+          <a:fillRef idx="1">
+            <a:schemeClr val="lt1"/>
+          </a:fillRef>
+          <a:effectRef idx="0">
+            <a:schemeClr val="dk1"/>
+          </a:effectRef>
+          <a:fontRef idx="minor">
+            <a:schemeClr val="dk1"/>
+          </a:fontRef>
+        </p:style>
+        <p:txBody>
+          <a:bodyPr rot="0" spcFirstLastPara="0" vertOverflow="overflow" horzOverflow="overflow" vert="horz" wrap="square" lIns="77272" tIns="38641" rIns="77272" bIns="38641" numCol="1" spcCol="0" rtlCol="0" fromWordArt="0" anchor="ctr" anchorCtr="0" forceAA="0" compatLnSpc="1">
+            <a:prstTxWarp prst="textNoShape">
+              <a:avLst/>
+            </a:prstTxWarp>
+            <a:noAutofit/>
+          </a:bodyPr>
+          <a:lstStyle/>
+          <a:p>
+            <a:pPr algn="ctr"/>
+            <a:r>
+              <a:rPr lang="ko-KR" altLang="en-US" sz="1100" b="1" dirty="0"/>
+              <a:t>회원 검색</a:t>
+            </a:r>
+          </a:p>
+        </p:txBody>
+      </p:sp>
+      <p:cxnSp>
+        <p:nvCxnSpPr>
+          <p:cNvPr id="221" name="연결선: 꺾임 220">
+            <a:extLst>
+              <a:ext uri="{FF2B5EF4-FFF2-40B4-BE49-F238E27FC236}">
+                <a16:creationId xmlns:a16="http://schemas.microsoft.com/office/drawing/2014/main" id="{79C1B91E-26FB-4DA0-9B9E-8CE977496890}"/>
+              </a:ext>
+            </a:extLst>
+          </p:cNvPr>
+          <p:cNvCxnSpPr>
+            <a:stCxn id="625" idx="2"/>
+            <a:endCxn id="455" idx="1"/>
+          </p:cNvCxnSpPr>
+          <p:nvPr/>
+        </p:nvCxnSpPr>
+        <p:spPr>
+          <a:xfrm rot="16200000" flipH="1">
+            <a:off x="47678195" y="3717736"/>
+            <a:ext cx="1617286" cy="228627"/>
+          </a:xfrm>
+          <a:prstGeom prst="bentConnector2">
+            <a:avLst/>
+          </a:prstGeom>
+          <a:ln>
+            <a:solidFill>
+              <a:schemeClr val="tx1"/>
+            </a:solidFill>
+          </a:ln>
+        </p:spPr>
+        <p:style>
+          <a:lnRef idx="1">
+            <a:schemeClr val="accent1"/>
+          </a:lnRef>
+          <a:fillRef idx="0">
+            <a:schemeClr val="accent1"/>
+          </a:fillRef>
+          <a:effectRef idx="0">
+            <a:schemeClr val="accent1"/>
+          </a:effectRef>
+          <a:fontRef idx="minor">
+            <a:schemeClr val="tx1"/>
+          </a:fontRef>
+        </p:style>
+      </p:cxnSp>
+      <p:sp>
+        <p:nvSpPr>
+          <p:cNvPr id="460" name="직사각형 459">
+            <a:extLst>
+              <a:ext uri="{FF2B5EF4-FFF2-40B4-BE49-F238E27FC236}">
+                <a16:creationId xmlns:a16="http://schemas.microsoft.com/office/drawing/2014/main" id="{99C56826-B7B3-4696-B059-2CB6BDC90E16}"/>
+              </a:ext>
+            </a:extLst>
+          </p:cNvPr>
+          <p:cNvSpPr/>
+          <p:nvPr/>
+        </p:nvSpPr>
+        <p:spPr>
+          <a:xfrm>
+            <a:off x="47033508" y="11330228"/>
+            <a:ext cx="1269722" cy="313361"/>
+          </a:xfrm>
+          <a:prstGeom prst="rect">
+            <a:avLst/>
+          </a:prstGeom>
+          <a:ln>
+            <a:solidFill>
+              <a:schemeClr val="tx1"/>
+            </a:solidFill>
+          </a:ln>
+        </p:spPr>
+        <p:style>
+          <a:lnRef idx="2">
+            <a:schemeClr val="dk1"/>
+          </a:lnRef>
+          <a:fillRef idx="1">
+            <a:schemeClr val="lt1"/>
+          </a:fillRef>
+          <a:effectRef idx="0">
+            <a:schemeClr val="dk1"/>
+          </a:effectRef>
+          <a:fontRef idx="minor">
+            <a:schemeClr val="dk1"/>
+          </a:fontRef>
+        </p:style>
+        <p:txBody>
+          <a:bodyPr rot="0" spcFirstLastPara="0" vertOverflow="overflow" horzOverflow="overflow" vert="horz" wrap="square" lIns="77272" tIns="38641" rIns="77272" bIns="38641" numCol="1" spcCol="0" rtlCol="0" fromWordArt="0" anchor="ctr" anchorCtr="0" forceAA="0" compatLnSpc="1">
+            <a:prstTxWarp prst="textNoShape">
+              <a:avLst/>
+            </a:prstTxWarp>
+            <a:noAutofit/>
+          </a:bodyPr>
+          <a:lstStyle/>
+          <a:p>
+            <a:pPr algn="ctr"/>
+            <a:r>
+              <a:rPr lang="ko-KR" altLang="en-US" sz="1100" b="1" dirty="0" err="1"/>
+              <a:t>기프티콘</a:t>
             </a:r>
             <a:r>
               <a:rPr lang="ko-KR" altLang="en-US" sz="1100" b="1" dirty="0"/>
@@ -20803,6 +24003,315 @@
           </a:p>
         </p:txBody>
       </p:sp>
+      <p:sp>
+        <p:nvSpPr>
+          <p:cNvPr id="480" name="직사각형 479">
+            <a:extLst>
+              <a:ext uri="{FF2B5EF4-FFF2-40B4-BE49-F238E27FC236}">
+                <a16:creationId xmlns:a16="http://schemas.microsoft.com/office/drawing/2014/main" id="{271A8776-E2FC-4881-98EE-FAEC0BA9BB4E}"/>
+              </a:ext>
+            </a:extLst>
+          </p:cNvPr>
+          <p:cNvSpPr/>
+          <p:nvPr/>
+        </p:nvSpPr>
+        <p:spPr>
+          <a:xfrm>
+            <a:off x="46195720" y="11754801"/>
+            <a:ext cx="1269722" cy="313361"/>
+          </a:xfrm>
+          <a:prstGeom prst="rect">
+            <a:avLst/>
+          </a:prstGeom>
+          <a:ln>
+            <a:solidFill>
+              <a:schemeClr val="tx1"/>
+            </a:solidFill>
+          </a:ln>
+        </p:spPr>
+        <p:style>
+          <a:lnRef idx="2">
+            <a:schemeClr val="dk1"/>
+          </a:lnRef>
+          <a:fillRef idx="1">
+            <a:schemeClr val="lt1"/>
+          </a:fillRef>
+          <a:effectRef idx="0">
+            <a:schemeClr val="dk1"/>
+          </a:effectRef>
+          <a:fontRef idx="minor">
+            <a:schemeClr val="dk1"/>
+          </a:fontRef>
+        </p:style>
+        <p:txBody>
+          <a:bodyPr rot="0" spcFirstLastPara="0" vertOverflow="overflow" horzOverflow="overflow" vert="horz" wrap="square" lIns="77272" tIns="38641" rIns="77272" bIns="38641" numCol="1" spcCol="0" rtlCol="0" fromWordArt="0" anchor="ctr" anchorCtr="0" forceAA="0" compatLnSpc="1">
+            <a:prstTxWarp prst="textNoShape">
+              <a:avLst/>
+            </a:prstTxWarp>
+            <a:noAutofit/>
+          </a:bodyPr>
+          <a:lstStyle/>
+          <a:p>
+            <a:pPr algn="ctr"/>
+            <a:r>
+              <a:rPr lang="ko-KR" altLang="en-US" sz="1100" b="1" dirty="0" err="1"/>
+              <a:t>기프티콘</a:t>
+            </a:r>
+            <a:r>
+              <a:rPr lang="ko-KR" altLang="en-US" sz="1100" b="1" dirty="0"/>
+              <a:t> 검색</a:t>
+            </a:r>
+          </a:p>
+        </p:txBody>
+      </p:sp>
+      <p:cxnSp>
+        <p:nvCxnSpPr>
+          <p:cNvPr id="230" name="연결선: 꺾임 229">
+            <a:extLst>
+              <a:ext uri="{FF2B5EF4-FFF2-40B4-BE49-F238E27FC236}">
+                <a16:creationId xmlns:a16="http://schemas.microsoft.com/office/drawing/2014/main" id="{583F91E3-2697-434E-AB86-C1A0B0D5062A}"/>
+              </a:ext>
+            </a:extLst>
+          </p:cNvPr>
+          <p:cNvCxnSpPr>
+            <a:stCxn id="666" idx="2"/>
+            <a:endCxn id="480" idx="1"/>
+          </p:cNvCxnSpPr>
+          <p:nvPr/>
+        </p:nvCxnSpPr>
+        <p:spPr>
+          <a:xfrm rot="16200000" flipH="1">
+            <a:off x="45261889" y="10977650"/>
+            <a:ext cx="1647813" cy="219849"/>
+          </a:xfrm>
+          <a:prstGeom prst="bentConnector2">
+            <a:avLst/>
+          </a:prstGeom>
+          <a:ln>
+            <a:solidFill>
+              <a:schemeClr val="tx1"/>
+            </a:solidFill>
+          </a:ln>
+        </p:spPr>
+        <p:style>
+          <a:lnRef idx="1">
+            <a:schemeClr val="accent1"/>
+          </a:lnRef>
+          <a:fillRef idx="0">
+            <a:schemeClr val="accent1"/>
+          </a:fillRef>
+          <a:effectRef idx="0">
+            <a:schemeClr val="accent1"/>
+          </a:effectRef>
+          <a:fontRef idx="minor">
+            <a:schemeClr val="tx1"/>
+          </a:fontRef>
+        </p:style>
+      </p:cxnSp>
+      <p:sp>
+        <p:nvSpPr>
+          <p:cNvPr id="482" name="직사각형 481">
+            <a:extLst>
+              <a:ext uri="{FF2B5EF4-FFF2-40B4-BE49-F238E27FC236}">
+                <a16:creationId xmlns:a16="http://schemas.microsoft.com/office/drawing/2014/main" id="{E531FC28-19D0-4958-82F1-E69A5CCB4BAC}"/>
+              </a:ext>
+            </a:extLst>
+          </p:cNvPr>
+          <p:cNvSpPr/>
+          <p:nvPr/>
+        </p:nvSpPr>
+        <p:spPr>
+          <a:xfrm>
+            <a:off x="47171965" y="9089957"/>
+            <a:ext cx="1269722" cy="313361"/>
+          </a:xfrm>
+          <a:prstGeom prst="rect">
+            <a:avLst/>
+          </a:prstGeom>
+          <a:ln>
+            <a:solidFill>
+              <a:schemeClr val="tx1"/>
+            </a:solidFill>
+          </a:ln>
+        </p:spPr>
+        <p:style>
+          <a:lnRef idx="2">
+            <a:schemeClr val="dk1"/>
+          </a:lnRef>
+          <a:fillRef idx="1">
+            <a:schemeClr val="lt1"/>
+          </a:fillRef>
+          <a:effectRef idx="0">
+            <a:schemeClr val="dk1"/>
+          </a:effectRef>
+          <a:fontRef idx="minor">
+            <a:schemeClr val="dk1"/>
+          </a:fontRef>
+        </p:style>
+        <p:txBody>
+          <a:bodyPr rot="0" spcFirstLastPara="0" vertOverflow="overflow" horzOverflow="overflow" vert="horz" wrap="square" lIns="77272" tIns="38641" rIns="77272" bIns="38641" numCol="1" spcCol="0" rtlCol="0" fromWordArt="0" anchor="ctr" anchorCtr="0" forceAA="0" compatLnSpc="1">
+            <a:prstTxWarp prst="textNoShape">
+              <a:avLst/>
+            </a:prstTxWarp>
+            <a:noAutofit/>
+          </a:bodyPr>
+          <a:lstStyle/>
+          <a:p>
+            <a:pPr algn="ctr"/>
+            <a:r>
+              <a:rPr lang="ko-KR" altLang="en-US" sz="1100" b="1" dirty="0"/>
+              <a:t>영화 검색</a:t>
+            </a:r>
+          </a:p>
+        </p:txBody>
+      </p:sp>
+      <p:cxnSp>
+        <p:nvCxnSpPr>
+          <p:cNvPr id="233" name="연결선: 꺾임 232">
+            <a:extLst>
+              <a:ext uri="{FF2B5EF4-FFF2-40B4-BE49-F238E27FC236}">
+                <a16:creationId xmlns:a16="http://schemas.microsoft.com/office/drawing/2014/main" id="{041E5BF2-A236-4CB3-A102-87876B60E96C}"/>
+              </a:ext>
+            </a:extLst>
+          </p:cNvPr>
+          <p:cNvCxnSpPr>
+            <a:stCxn id="664" idx="2"/>
+            <a:endCxn id="482" idx="1"/>
+          </p:cNvCxnSpPr>
+          <p:nvPr/>
+        </p:nvCxnSpPr>
+        <p:spPr>
+          <a:xfrm rot="16200000" flipH="1">
+            <a:off x="46237701" y="8312374"/>
+            <a:ext cx="1691158" cy="177370"/>
+          </a:xfrm>
+          <a:prstGeom prst="bentConnector2">
+            <a:avLst/>
+          </a:prstGeom>
+          <a:ln>
+            <a:solidFill>
+              <a:schemeClr val="tx1"/>
+            </a:solidFill>
+          </a:ln>
+        </p:spPr>
+        <p:style>
+          <a:lnRef idx="1">
+            <a:schemeClr val="accent1"/>
+          </a:lnRef>
+          <a:fillRef idx="0">
+            <a:schemeClr val="accent1"/>
+          </a:fillRef>
+          <a:effectRef idx="0">
+            <a:schemeClr val="accent1"/>
+          </a:effectRef>
+          <a:fontRef idx="minor">
+            <a:schemeClr val="tx1"/>
+          </a:fontRef>
+        </p:style>
+      </p:cxnSp>
+      <p:sp>
+        <p:nvSpPr>
+          <p:cNvPr id="483" name="직사각형 482">
+            <a:extLst>
+              <a:ext uri="{FF2B5EF4-FFF2-40B4-BE49-F238E27FC236}">
+                <a16:creationId xmlns:a16="http://schemas.microsoft.com/office/drawing/2014/main" id="{2652BA09-B05B-409F-9219-9DFB21AF7183}"/>
+              </a:ext>
+            </a:extLst>
+          </p:cNvPr>
+          <p:cNvSpPr/>
+          <p:nvPr/>
+        </p:nvSpPr>
+        <p:spPr>
+          <a:xfrm>
+            <a:off x="38691117" y="12634904"/>
+            <a:ext cx="1092155" cy="313361"/>
+          </a:xfrm>
+          <a:prstGeom prst="rect">
+            <a:avLst/>
+          </a:prstGeom>
+          <a:noFill/>
+          <a:ln>
+            <a:solidFill>
+              <a:schemeClr val="tx1"/>
+            </a:solidFill>
+          </a:ln>
+        </p:spPr>
+        <p:style>
+          <a:lnRef idx="2">
+            <a:schemeClr val="dk1"/>
+          </a:lnRef>
+          <a:fillRef idx="1">
+            <a:schemeClr val="lt1"/>
+          </a:fillRef>
+          <a:effectRef idx="0">
+            <a:schemeClr val="dk1"/>
+          </a:effectRef>
+          <a:fontRef idx="minor">
+            <a:schemeClr val="dk1"/>
+          </a:fontRef>
+        </p:style>
+        <p:txBody>
+          <a:bodyPr rot="0" spcFirstLastPara="0" vertOverflow="overflow" horzOverflow="overflow" vert="horz" wrap="square" lIns="77272" tIns="38641" rIns="77272" bIns="38641" numCol="1" spcCol="0" rtlCol="0" fromWordArt="0" anchor="ctr" anchorCtr="0" forceAA="0" compatLnSpc="1">
+            <a:prstTxWarp prst="textNoShape">
+              <a:avLst/>
+            </a:prstTxWarp>
+            <a:noAutofit/>
+          </a:bodyPr>
+          <a:lstStyle/>
+          <a:p>
+            <a:pPr algn="ctr"/>
+            <a:r>
+              <a:rPr lang="ko-KR" altLang="en-US" sz="1100" b="1" dirty="0"/>
+              <a:t>게시글 조회</a:t>
+            </a:r>
+            <a:endParaRPr lang="en-US" altLang="ko-KR" sz="1100" b="1" dirty="0"/>
+          </a:p>
+        </p:txBody>
+      </p:sp>
+      <p:cxnSp>
+        <p:nvCxnSpPr>
+          <p:cNvPr id="236" name="연결선: 꺾임 235">
+            <a:extLst>
+              <a:ext uri="{FF2B5EF4-FFF2-40B4-BE49-F238E27FC236}">
+                <a16:creationId xmlns:a16="http://schemas.microsoft.com/office/drawing/2014/main" id="{84A45B7D-2C40-46FE-A71D-83DC7A5E1257}"/>
+              </a:ext>
+            </a:extLst>
+          </p:cNvPr>
+          <p:cNvCxnSpPr>
+            <a:stCxn id="605" idx="2"/>
+            <a:endCxn id="483" idx="1"/>
+          </p:cNvCxnSpPr>
+          <p:nvPr/>
+        </p:nvCxnSpPr>
+        <p:spPr>
+          <a:xfrm rot="16200000" flipH="1">
+            <a:off x="37659816" y="11760284"/>
+            <a:ext cx="1843298" cy="219303"/>
+          </a:xfrm>
+          <a:prstGeom prst="bentConnector2">
+            <a:avLst/>
+          </a:prstGeom>
+          <a:ln>
+            <a:solidFill>
+              <a:schemeClr val="tx1"/>
+            </a:solidFill>
+          </a:ln>
+        </p:spPr>
+        <p:style>
+          <a:lnRef idx="1">
+            <a:schemeClr val="accent1"/>
+          </a:lnRef>
+          <a:fillRef idx="0">
+            <a:schemeClr val="accent1"/>
+          </a:fillRef>
+          <a:effectRef idx="0">
+            <a:schemeClr val="accent1"/>
+          </a:effectRef>
+          <a:fontRef idx="minor">
+            <a:schemeClr val="tx1"/>
+          </a:fontRef>
+        </p:style>
+      </p:cxnSp>
     </p:spTree>
     <p:extLst>
       <p:ext uri="{BB962C8B-B14F-4D97-AF65-F5344CB8AC3E}">

--- a/2조 멀티플렉스 영화관 관리 시스템 메뉴구조도.pptx
+++ b/2조 멀티플렉스 영화관 관리 시스템 메뉴구조도.pptx
@@ -27285,7 +27285,11 @@
           <a:p>
             <a:pPr algn="ctr"/>
             <a:r>
-              <a:rPr lang="ko-KR" altLang="en-US" sz="1100" b="1"/>
+              <a:rPr lang="ko-KR" altLang="en-US" sz="1100" b="1">
+                <a:solidFill>
+                  <a:schemeClr val="tx1"/>
+                </a:solidFill>
+              </a:rPr>
               <a:t>영화관 예약 시스템</a:t>
             </a:r>
           </a:p>
@@ -27342,7 +27346,11 @@
           <a:p>
             <a:pPr algn="ctr"/>
             <a:r>
-              <a:rPr lang="ko-KR" altLang="en-US" sz="1100" b="1" dirty="0"/>
+              <a:rPr lang="ko-KR" altLang="en-US" sz="1100" b="1" dirty="0">
+                <a:solidFill>
+                  <a:schemeClr val="tx1"/>
+                </a:solidFill>
+              </a:rPr>
               <a:t>회원 가입</a:t>
             </a:r>
           </a:p>
@@ -27444,11 +27452,19 @@
           <a:p>
             <a:pPr algn="ctr"/>
             <a:r>
-              <a:rPr lang="en-US" altLang="ko-KR" sz="1100" b="1" dirty="0"/>
+              <a:rPr lang="en-US" altLang="ko-KR" sz="1100" b="1" dirty="0">
+                <a:solidFill>
+                  <a:schemeClr val="tx1"/>
+                </a:solidFill>
+              </a:rPr>
               <a:t>ID </a:t>
             </a:r>
             <a:r>
-              <a:rPr lang="ko-KR" altLang="en-US" sz="1100" b="1" dirty="0"/>
+              <a:rPr lang="ko-KR" altLang="en-US" sz="1100" b="1" dirty="0">
+                <a:solidFill>
+                  <a:schemeClr val="tx1"/>
+                </a:solidFill>
+              </a:rPr>
               <a:t>찾기</a:t>
             </a:r>
           </a:p>
@@ -27505,11 +27521,19 @@
           <a:p>
             <a:pPr algn="ctr"/>
             <a:r>
-              <a:rPr lang="en-US" altLang="ko-KR" sz="1100" b="1" dirty="0"/>
+              <a:rPr lang="en-US" altLang="ko-KR" sz="1100" b="1" dirty="0">
+                <a:solidFill>
+                  <a:schemeClr val="tx1"/>
+                </a:solidFill>
+              </a:rPr>
               <a:t>PW </a:t>
             </a:r>
             <a:r>
-              <a:rPr lang="ko-KR" altLang="en-US" sz="1100" b="1" dirty="0"/>
+              <a:rPr lang="ko-KR" altLang="en-US" sz="1100" b="1" dirty="0">
+                <a:solidFill>
+                  <a:schemeClr val="tx1"/>
+                </a:solidFill>
+              </a:rPr>
               <a:t>찾기</a:t>
             </a:r>
           </a:p>
@@ -27800,7 +27824,11 @@
           <a:p>
             <a:pPr algn="ctr"/>
             <a:r>
-              <a:rPr lang="ko-KR" altLang="en-US" sz="1100" b="1"/>
+              <a:rPr lang="ko-KR" altLang="en-US" sz="1100" b="1">
+                <a:solidFill>
+                  <a:schemeClr val="tx1"/>
+                </a:solidFill>
+              </a:rPr>
               <a:t>영화</a:t>
             </a:r>
           </a:p>
@@ -27853,7 +27881,11 @@
           <a:p>
             <a:pPr algn="ctr"/>
             <a:r>
-              <a:rPr lang="ko-KR" altLang="en-US" sz="1100" b="1" dirty="0"/>
+              <a:rPr lang="ko-KR" altLang="en-US" sz="1100" b="1" dirty="0">
+                <a:solidFill>
+                  <a:schemeClr val="tx1"/>
+                </a:solidFill>
+              </a:rPr>
               <a:t>공지사항</a:t>
             </a:r>
           </a:p>
@@ -27906,7 +27938,11 @@
           <a:p>
             <a:pPr algn="ctr"/>
             <a:r>
-              <a:rPr lang="ko-KR" altLang="en-US" sz="1100" b="1" dirty="0"/>
+              <a:rPr lang="ko-KR" altLang="en-US" sz="1100" b="1" dirty="0">
+                <a:solidFill>
+                  <a:schemeClr val="tx1"/>
+                </a:solidFill>
+              </a:rPr>
               <a:t>할인정보</a:t>
             </a:r>
           </a:p>
@@ -27959,7 +27995,11 @@
           <a:p>
             <a:pPr algn="ctr"/>
             <a:r>
-              <a:rPr lang="ko-KR" altLang="en-US" sz="1100" b="1"/>
+              <a:rPr lang="ko-KR" altLang="en-US" sz="1100" b="1">
+                <a:solidFill>
+                  <a:schemeClr val="tx1"/>
+                </a:solidFill>
+              </a:rPr>
               <a:t>예매</a:t>
             </a:r>
           </a:p>
@@ -28012,7 +28052,11 @@
           <a:p>
             <a:pPr algn="ctr"/>
             <a:r>
-              <a:rPr lang="ko-KR" altLang="en-US" sz="1100" b="1"/>
+              <a:rPr lang="ko-KR" altLang="en-US" sz="1100" b="1">
+                <a:solidFill>
+                  <a:schemeClr val="tx1"/>
+                </a:solidFill>
+              </a:rPr>
               <a:t>기프티콘</a:t>
             </a:r>
           </a:p>
@@ -28065,7 +28109,11 @@
           <a:p>
             <a:pPr algn="ctr"/>
             <a:r>
-              <a:rPr lang="ko-KR" altLang="en-US" sz="1100" b="1"/>
+              <a:rPr lang="ko-KR" altLang="en-US" sz="1100" b="1">
+                <a:solidFill>
+                  <a:schemeClr val="tx1"/>
+                </a:solidFill>
+              </a:rPr>
               <a:t>건의사항</a:t>
             </a:r>
           </a:p>
@@ -28118,7 +28166,11 @@
           <a:p>
             <a:pPr algn="ctr"/>
             <a:r>
-              <a:rPr lang="ko-KR" altLang="en-US" sz="1100" b="1"/>
+              <a:rPr lang="ko-KR" altLang="en-US" sz="1100" b="1">
+                <a:solidFill>
+                  <a:schemeClr val="tx1"/>
+                </a:solidFill>
+              </a:rPr>
               <a:t>영화 상세보기</a:t>
             </a:r>
           </a:p>
@@ -28212,22 +28264,42 @@
           <a:p>
             <a:pPr algn="ctr"/>
             <a:r>
-              <a:rPr lang="ko-KR" altLang="en-US" sz="1100" b="1"/>
+              <a:rPr lang="ko-KR" altLang="en-US" sz="1100" b="1">
+                <a:solidFill>
+                  <a:schemeClr val="tx1"/>
+                </a:solidFill>
+              </a:rPr>
               <a:t>영화 한줄평</a:t>
             </a:r>
             <a:r>
-              <a:rPr lang="en-US" altLang="ko-KR" sz="1100" b="1"/>
+              <a:rPr lang="en-US" altLang="ko-KR" sz="1100" b="1">
+                <a:solidFill>
+                  <a:schemeClr val="tx1"/>
+                </a:solidFill>
+              </a:rPr>
               <a:t>(</a:t>
             </a:r>
             <a:r>
-              <a:rPr lang="ko-KR" altLang="en-US" sz="1100" b="1"/>
+              <a:rPr lang="ko-KR" altLang="en-US" sz="1100" b="1">
+                <a:solidFill>
+                  <a:schemeClr val="tx1"/>
+                </a:solidFill>
+              </a:rPr>
               <a:t>조회</a:t>
             </a:r>
             <a:r>
-              <a:rPr lang="en-US" altLang="ko-KR" sz="1100" b="1"/>
+              <a:rPr lang="en-US" altLang="ko-KR" sz="1100" b="1">
+                <a:solidFill>
+                  <a:schemeClr val="tx1"/>
+                </a:solidFill>
+              </a:rPr>
               <a:t>)</a:t>
             </a:r>
-            <a:endParaRPr lang="ko-KR" altLang="en-US" sz="1100" b="1"/>
+            <a:endParaRPr lang="ko-KR" altLang="en-US" sz="1100" b="1">
+              <a:solidFill>
+                <a:schemeClr val="tx1"/>
+              </a:solidFill>
+            </a:endParaRPr>
           </a:p>
         </p:txBody>
       </p:sp>
@@ -28319,7 +28391,11 @@
           <a:p>
             <a:pPr algn="ctr"/>
             <a:r>
-              <a:rPr lang="ko-KR" altLang="en-US" sz="1100" b="1"/>
+              <a:rPr lang="ko-KR" altLang="en-US" sz="1100" b="1">
+                <a:solidFill>
+                  <a:schemeClr val="tx1"/>
+                </a:solidFill>
+              </a:rPr>
               <a:t>영화 정보</a:t>
             </a:r>
           </a:p>
@@ -28413,7 +28489,11 @@
           <a:p>
             <a:pPr algn="ctr"/>
             <a:r>
-              <a:rPr lang="ko-KR" altLang="en-US" sz="1100" b="1" dirty="0"/>
+              <a:rPr lang="ko-KR" altLang="en-US" sz="1100" b="1" dirty="0">
+                <a:solidFill>
+                  <a:schemeClr val="tx1"/>
+                </a:solidFill>
+              </a:rPr>
               <a:t>영화 랭킹 조회</a:t>
             </a:r>
           </a:p>
@@ -28507,7 +28587,11 @@
           <a:p>
             <a:pPr algn="ctr"/>
             <a:r>
-              <a:rPr lang="ko-KR" altLang="en-US" sz="1100" b="1"/>
+              <a:rPr lang="ko-KR" altLang="en-US" sz="1100" b="1">
+                <a:solidFill>
+                  <a:schemeClr val="tx1"/>
+                </a:solidFill>
+              </a:rPr>
               <a:t>상영 시간표</a:t>
             </a:r>
           </a:p>
@@ -28560,7 +28644,11 @@
           <a:p>
             <a:pPr algn="ctr"/>
             <a:r>
-              <a:rPr lang="ko-KR" altLang="en-US" sz="1100" b="1"/>
+              <a:rPr lang="ko-KR" altLang="en-US" sz="1100" b="1">
+                <a:solidFill>
+                  <a:schemeClr val="tx1"/>
+                </a:solidFill>
+              </a:rPr>
               <a:t>예매</a:t>
             </a:r>
           </a:p>
@@ -28613,30 +28701,58 @@
           <a:p>
             <a:pPr algn="ctr"/>
             <a:r>
-              <a:rPr lang="ko-KR" altLang="en-US" sz="1100" b="1" dirty="0"/>
+              <a:rPr lang="ko-KR" altLang="en-US" sz="1100" b="1" dirty="0">
+                <a:solidFill>
+                  <a:schemeClr val="tx1"/>
+                </a:solidFill>
+              </a:rPr>
               <a:t>영화</a:t>
             </a:r>
             <a:r>
-              <a:rPr lang="en-US" altLang="ko-KR" sz="1100" b="1" dirty="0"/>
+              <a:rPr lang="en-US" altLang="ko-KR" sz="1100" b="1" dirty="0">
+                <a:solidFill>
+                  <a:schemeClr val="tx1"/>
+                </a:solidFill>
+              </a:rPr>
               <a:t>, </a:t>
             </a:r>
             <a:r>
-              <a:rPr lang="ko-KR" altLang="en-US" sz="1100" b="1" dirty="0"/>
+              <a:rPr lang="ko-KR" altLang="en-US" sz="1100" b="1" dirty="0">
+                <a:solidFill>
+                  <a:schemeClr val="tx1"/>
+                </a:solidFill>
+              </a:rPr>
               <a:t>시간</a:t>
             </a:r>
             <a:r>
-              <a:rPr lang="en-US" altLang="ko-KR" sz="1100" b="1" dirty="0"/>
+              <a:rPr lang="en-US" altLang="ko-KR" sz="1100" b="1" dirty="0">
+                <a:solidFill>
+                  <a:schemeClr val="tx1"/>
+                </a:solidFill>
+              </a:rPr>
               <a:t>, </a:t>
             </a:r>
             <a:r>
-              <a:rPr lang="ko-KR" altLang="en-US" sz="1100" b="1" dirty="0"/>
+              <a:rPr lang="ko-KR" altLang="en-US" sz="1100" b="1" dirty="0">
+                <a:solidFill>
+                  <a:schemeClr val="tx1"/>
+                </a:solidFill>
+              </a:rPr>
               <a:t>날짜</a:t>
             </a:r>
             <a:br>
-              <a:rPr lang="en-US" altLang="ko-KR" sz="1100" b="1" dirty="0"/>
+              <a:rPr lang="en-US" altLang="ko-KR" sz="1100" b="1" dirty="0">
+                <a:solidFill>
+                  <a:schemeClr val="tx1"/>
+                </a:solidFill>
+              </a:rPr>
             </a:br>
             <a:r>
-              <a:rPr lang="ko-KR" altLang="en-US" sz="1100" b="1" dirty="0"/>
+              <a:rPr lang="ko-KR" altLang="en-US" sz="1100" b="1" dirty="0">
+                <a:solidFill>
+                  <a:schemeClr val="tx1"/>
+                </a:solidFill>
+              </a:rPr>
               <a:t>선택 페이지</a:t>
             </a:r>
           </a:p>
@@ -28689,22 +28805,42 @@
           <a:p>
             <a:pPr algn="ctr"/>
             <a:r>
-              <a:rPr lang="ko-KR" altLang="en-US" sz="1100" b="1" dirty="0"/>
+              <a:rPr lang="ko-KR" altLang="en-US" sz="1100" b="1" dirty="0">
+                <a:solidFill>
+                  <a:schemeClr val="tx1"/>
+                </a:solidFill>
+              </a:rPr>
               <a:t>좌석 </a:t>
             </a:r>
             <a:r>
-              <a:rPr lang="en-US" altLang="ko-KR" sz="1100" b="1" dirty="0"/>
+              <a:rPr lang="en-US" altLang="ko-KR" sz="1100" b="1" dirty="0">
+                <a:solidFill>
+                  <a:schemeClr val="tx1"/>
+                </a:solidFill>
+              </a:rPr>
               <a:t>/ </a:t>
             </a:r>
             <a:r>
-              <a:rPr lang="ko-KR" altLang="en-US" sz="1100" b="1" dirty="0"/>
+              <a:rPr lang="ko-KR" altLang="en-US" sz="1100" b="1" dirty="0">
+                <a:solidFill>
+                  <a:schemeClr val="tx1"/>
+                </a:solidFill>
+              </a:rPr>
               <a:t>인원 수</a:t>
             </a:r>
             <a:br>
-              <a:rPr lang="en-US" altLang="ko-KR" sz="1100" b="1" dirty="0"/>
+              <a:rPr lang="en-US" altLang="ko-KR" sz="1100" b="1" dirty="0">
+                <a:solidFill>
+                  <a:schemeClr val="tx1"/>
+                </a:solidFill>
+              </a:rPr>
             </a:br>
             <a:r>
-              <a:rPr lang="ko-KR" altLang="en-US" sz="1100" b="1" dirty="0"/>
+              <a:rPr lang="ko-KR" altLang="en-US" sz="1100" b="1" dirty="0">
+                <a:solidFill>
+                  <a:schemeClr val="tx1"/>
+                </a:solidFill>
+              </a:rPr>
               <a:t>선택 페이지</a:t>
             </a:r>
           </a:p>
@@ -28880,11 +29016,19 @@
           <a:p>
             <a:pPr algn="ctr"/>
             <a:r>
-              <a:rPr lang="ko-KR" altLang="en-US" sz="1100" b="1" dirty="0" err="1"/>
+              <a:rPr lang="ko-KR" altLang="en-US" sz="1100" b="1" dirty="0" err="1">
+                <a:solidFill>
+                  <a:schemeClr val="tx1"/>
+                </a:solidFill>
+              </a:rPr>
               <a:t>기프티콘</a:t>
             </a:r>
             <a:r>
-              <a:rPr lang="ko-KR" altLang="en-US" sz="1100" b="1" dirty="0"/>
+              <a:rPr lang="ko-KR" altLang="en-US" sz="1100" b="1" dirty="0">
+                <a:solidFill>
+                  <a:schemeClr val="tx1"/>
+                </a:solidFill>
+              </a:rPr>
               <a:t> 조회</a:t>
             </a:r>
           </a:p>
@@ -28937,7 +29081,11 @@
           <a:p>
             <a:pPr algn="ctr"/>
             <a:r>
-              <a:rPr lang="ko-KR" altLang="en-US" sz="1100" b="1"/>
+              <a:rPr lang="ko-KR" altLang="en-US" sz="1100" b="1">
+                <a:solidFill>
+                  <a:schemeClr val="tx1"/>
+                </a:solidFill>
+              </a:rPr>
               <a:t>건의사항 상세보기</a:t>
             </a:r>
           </a:p>
@@ -28990,7 +29138,11 @@
           <a:p>
             <a:pPr algn="ctr"/>
             <a:r>
-              <a:rPr lang="ko-KR" altLang="en-US" sz="1100" b="1" dirty="0"/>
+              <a:rPr lang="ko-KR" altLang="en-US" sz="1100" b="1" dirty="0">
+                <a:solidFill>
+                  <a:schemeClr val="tx1"/>
+                </a:solidFill>
+              </a:rPr>
               <a:t>건의사항 작성</a:t>
             </a:r>
           </a:p>
@@ -29084,26 +29236,50 @@
           <a:p>
             <a:pPr algn="ctr"/>
             <a:r>
-              <a:rPr lang="ko-KR" altLang="en-US" sz="1100" b="1" dirty="0"/>
+              <a:rPr lang="ko-KR" altLang="en-US" sz="1100" b="1" dirty="0">
+                <a:solidFill>
+                  <a:schemeClr val="tx1"/>
+                </a:solidFill>
+              </a:rPr>
               <a:t>영화 </a:t>
             </a:r>
             <a:r>
-              <a:rPr lang="ko-KR" altLang="en-US" sz="1100" b="1" dirty="0" err="1"/>
+              <a:rPr lang="ko-KR" altLang="en-US" sz="1100" b="1" dirty="0" err="1">
+                <a:solidFill>
+                  <a:schemeClr val="tx1"/>
+                </a:solidFill>
+              </a:rPr>
               <a:t>한줄평</a:t>
             </a:r>
             <a:r>
-              <a:rPr lang="en-US" altLang="ko-KR" sz="1100" b="1" dirty="0"/>
+              <a:rPr lang="en-US" altLang="ko-KR" sz="1100" b="1" dirty="0">
+                <a:solidFill>
+                  <a:schemeClr val="tx1"/>
+                </a:solidFill>
+              </a:rPr>
               <a:t>(</a:t>
             </a:r>
             <a:r>
-              <a:rPr lang="ko-KR" altLang="en-US" sz="1100" b="1" dirty="0"/>
+              <a:rPr lang="ko-KR" altLang="en-US" sz="1100" b="1" dirty="0">
+                <a:solidFill>
+                  <a:schemeClr val="tx1"/>
+                </a:solidFill>
+              </a:rPr>
               <a:t>작성</a:t>
             </a:r>
             <a:r>
-              <a:rPr lang="en-US" altLang="ko-KR" sz="1100" b="1" dirty="0"/>
+              <a:rPr lang="en-US" altLang="ko-KR" sz="1100" b="1" dirty="0">
+                <a:solidFill>
+                  <a:schemeClr val="tx1"/>
+                </a:solidFill>
+              </a:rPr>
               <a:t>)</a:t>
             </a:r>
-            <a:endParaRPr lang="ko-KR" altLang="en-US" sz="1100" b="1" dirty="0"/>
+            <a:endParaRPr lang="ko-KR" altLang="en-US" sz="1100" b="1" dirty="0">
+              <a:solidFill>
+                <a:schemeClr val="tx1"/>
+              </a:solidFill>
+            </a:endParaRPr>
           </a:p>
         </p:txBody>
       </p:sp>
@@ -29195,7 +29371,11 @@
           <a:p>
             <a:pPr algn="ctr"/>
             <a:r>
-              <a:rPr lang="ko-KR" altLang="en-US" sz="1100" b="1" dirty="0"/>
+              <a:rPr lang="ko-KR" altLang="en-US" sz="1100" b="1" dirty="0">
+                <a:solidFill>
+                  <a:schemeClr val="tx1"/>
+                </a:solidFill>
+              </a:rPr>
               <a:t>공지사항 상세보기</a:t>
             </a:r>
           </a:p>
@@ -29248,18 +29428,34 @@
           <a:p>
             <a:pPr algn="ctr"/>
             <a:r>
-              <a:rPr lang="ko-KR" altLang="en-US" sz="1100" b="1" dirty="0"/>
+              <a:rPr lang="ko-KR" altLang="en-US" sz="1100" b="1" dirty="0">
+                <a:solidFill>
+                  <a:schemeClr val="tx1"/>
+                </a:solidFill>
+              </a:rPr>
               <a:t>할인정보</a:t>
             </a:r>
             <a:r>
-              <a:rPr lang="en-US" altLang="ko-KR" sz="1100" b="1" dirty="0"/>
+              <a:rPr lang="en-US" altLang="ko-KR" sz="1100" b="1" dirty="0">
+                <a:solidFill>
+                  <a:schemeClr val="tx1"/>
+                </a:solidFill>
+              </a:rPr>
               <a:t> </a:t>
             </a:r>
             <a:r>
-              <a:rPr lang="ko-KR" altLang="en-US" sz="1100" b="1" dirty="0"/>
+              <a:rPr lang="ko-KR" altLang="en-US" sz="1100" b="1" dirty="0">
+                <a:solidFill>
+                  <a:schemeClr val="tx1"/>
+                </a:solidFill>
+              </a:rPr>
               <a:t>조회</a:t>
             </a:r>
-            <a:endParaRPr lang="en-US" altLang="ko-KR" sz="1100" b="1" dirty="0"/>
+            <a:endParaRPr lang="en-US" altLang="ko-KR" sz="1100" b="1" dirty="0">
+              <a:solidFill>
+                <a:schemeClr val="tx1"/>
+              </a:solidFill>
+            </a:endParaRPr>
           </a:p>
         </p:txBody>
       </p:sp>
@@ -29310,7 +29506,11 @@
           <a:p>
             <a:pPr algn="ctr"/>
             <a:r>
-              <a:rPr lang="ko-KR" altLang="en-US" sz="1100" b="1" dirty="0"/>
+              <a:rPr lang="ko-KR" altLang="en-US" sz="1100" b="1" dirty="0">
+                <a:solidFill>
+                  <a:schemeClr val="tx1"/>
+                </a:solidFill>
+              </a:rPr>
               <a:t>건의사항 수정</a:t>
             </a:r>
           </a:p>
@@ -29404,7 +29604,11 @@
           <a:p>
             <a:pPr algn="ctr"/>
             <a:r>
-              <a:rPr lang="ko-KR" altLang="en-US" sz="1100" b="1" dirty="0"/>
+              <a:rPr lang="ko-KR" altLang="en-US" sz="1100" b="1" dirty="0">
+                <a:solidFill>
+                  <a:schemeClr val="tx1"/>
+                </a:solidFill>
+              </a:rPr>
               <a:t>건의사항 삭제</a:t>
             </a:r>
           </a:p>
@@ -29457,11 +29661,19 @@
           <a:p>
             <a:pPr algn="ctr"/>
             <a:r>
-              <a:rPr lang="ko-KR" altLang="en-US" sz="1100" b="1" err="1"/>
+              <a:rPr lang="ko-KR" altLang="en-US" sz="1100" b="1" err="1">
+                <a:solidFill>
+                  <a:schemeClr val="tx1"/>
+                </a:solidFill>
+              </a:rPr>
               <a:t>한줄평</a:t>
             </a:r>
             <a:r>
-              <a:rPr lang="ko-KR" altLang="en-US" sz="1100" b="1" dirty="0"/>
+              <a:rPr lang="ko-KR" altLang="en-US" sz="1100" b="1" dirty="0">
+                <a:solidFill>
+                  <a:schemeClr val="tx1"/>
+                </a:solidFill>
+              </a:rPr>
               <a:t> 수정</a:t>
             </a:r>
           </a:p>
@@ -29555,11 +29767,19 @@
           <a:p>
             <a:pPr algn="ctr"/>
             <a:r>
-              <a:rPr lang="ko-KR" altLang="en-US" sz="1100" b="1" dirty="0" err="1"/>
+              <a:rPr lang="ko-KR" altLang="en-US" sz="1100" b="1" dirty="0" err="1">
+                <a:solidFill>
+                  <a:schemeClr val="tx1"/>
+                </a:solidFill>
+              </a:rPr>
               <a:t>한줄평</a:t>
             </a:r>
             <a:r>
-              <a:rPr lang="ko-KR" altLang="en-US" sz="1100" b="1" dirty="0"/>
+              <a:rPr lang="ko-KR" altLang="en-US" sz="1100" b="1" dirty="0">
+                <a:solidFill>
+                  <a:schemeClr val="tx1"/>
+                </a:solidFill>
+              </a:rPr>
               <a:t> 삭제</a:t>
             </a:r>
           </a:p>
@@ -29653,10 +29873,18 @@
           <a:p>
             <a:pPr algn="ctr"/>
             <a:r>
-              <a:rPr lang="ko-KR" altLang="en-US" sz="1100" b="1"/>
+              <a:rPr lang="ko-KR" altLang="en-US" sz="1100" b="1">
+                <a:solidFill>
+                  <a:schemeClr val="tx1"/>
+                </a:solidFill>
+              </a:rPr>
               <a:t>마이페이지</a:t>
             </a:r>
-            <a:endParaRPr lang="ko-KR" altLang="en-US" sz="1100" b="1" dirty="0"/>
+            <a:endParaRPr lang="ko-KR" altLang="en-US" sz="1100" b="1" dirty="0">
+              <a:solidFill>
+                <a:schemeClr val="tx1"/>
+              </a:solidFill>
+            </a:endParaRPr>
           </a:p>
         </p:txBody>
       </p:sp>
@@ -29709,7 +29937,7 @@
             <a:r>
               <a:rPr lang="ko-KR" altLang="en-US" sz="1100" b="1" dirty="0">
                 <a:solidFill>
-                  <a:schemeClr val="bg1"/>
+                  <a:schemeClr val="tx1"/>
                 </a:solidFill>
               </a:rPr>
               <a:t>내 정보 조회 </a:t>
@@ -29804,15 +30032,27 @@
           <a:p>
             <a:pPr algn="ctr"/>
             <a:r>
-              <a:rPr lang="ko-KR" altLang="en-US" sz="1100" b="1" dirty="0"/>
+              <a:rPr lang="ko-KR" altLang="en-US" sz="1100" b="1" dirty="0">
+                <a:solidFill>
+                  <a:schemeClr val="tx1"/>
+                </a:solidFill>
+              </a:rPr>
               <a:t>내 정보</a:t>
             </a:r>
-            <a:endParaRPr lang="en-US" altLang="ko-KR" sz="1100" b="1" dirty="0"/>
+            <a:endParaRPr lang="en-US" altLang="ko-KR" sz="1100" b="1" dirty="0">
+              <a:solidFill>
+                <a:schemeClr val="tx1"/>
+              </a:solidFill>
+            </a:endParaRPr>
           </a:p>
           <a:p>
             <a:pPr algn="ctr"/>
             <a:r>
-              <a:rPr lang="ko-KR" altLang="en-US" sz="1100" b="1" dirty="0"/>
+              <a:rPr lang="ko-KR" altLang="en-US" sz="1100" b="1" dirty="0">
+                <a:solidFill>
+                  <a:schemeClr val="tx1"/>
+                </a:solidFill>
+              </a:rPr>
               <a:t>상세보기 </a:t>
             </a:r>
           </a:p>
@@ -29865,15 +30105,27 @@
           <a:p>
             <a:pPr algn="ctr"/>
             <a:r>
-              <a:rPr lang="ko-KR" altLang="en-US" sz="1100" b="1" dirty="0"/>
+              <a:rPr lang="ko-KR" altLang="en-US" sz="1100" b="1" dirty="0">
+                <a:solidFill>
+                  <a:schemeClr val="tx1"/>
+                </a:solidFill>
+              </a:rPr>
               <a:t>내 정보</a:t>
             </a:r>
             <a:r>
-              <a:rPr lang="en-US" altLang="ko-KR" sz="1100" b="1" dirty="0"/>
+              <a:rPr lang="en-US" altLang="ko-KR" sz="1100" b="1" dirty="0">
+                <a:solidFill>
+                  <a:schemeClr val="tx1"/>
+                </a:solidFill>
+              </a:rPr>
               <a:t> </a:t>
             </a:r>
             <a:r>
-              <a:rPr lang="ko-KR" altLang="en-US" sz="1100" b="1" dirty="0"/>
+              <a:rPr lang="ko-KR" altLang="en-US" sz="1100" b="1" dirty="0">
+                <a:solidFill>
+                  <a:schemeClr val="tx1"/>
+                </a:solidFill>
+              </a:rPr>
               <a:t>변경 </a:t>
             </a:r>
           </a:p>
@@ -29966,7 +30218,11 @@
           <a:p>
             <a:pPr algn="ctr"/>
             <a:r>
-              <a:rPr lang="ko-KR" altLang="en-US" sz="1100" b="1" dirty="0"/>
+              <a:rPr lang="ko-KR" altLang="en-US" sz="1100" b="1" dirty="0">
+                <a:solidFill>
+                  <a:schemeClr val="tx1"/>
+                </a:solidFill>
+              </a:rPr>
               <a:t>회원 탈퇴</a:t>
             </a:r>
           </a:p>
@@ -30059,7 +30315,11 @@
           <a:p>
             <a:pPr algn="ctr"/>
             <a:r>
-              <a:rPr lang="ko-KR" altLang="en-US" sz="1100" b="1" dirty="0"/>
+              <a:rPr lang="ko-KR" altLang="en-US" sz="1100" b="1" dirty="0">
+                <a:solidFill>
+                  <a:schemeClr val="tx1"/>
+                </a:solidFill>
+              </a:rPr>
               <a:t>내 예매 내역</a:t>
             </a:r>
           </a:p>
@@ -30152,7 +30412,11 @@
           <a:p>
             <a:pPr algn="ctr"/>
             <a:r>
-              <a:rPr lang="ko-KR" altLang="en-US" sz="1100" b="1" dirty="0"/>
+              <a:rPr lang="ko-KR" altLang="en-US" sz="1100" b="1" dirty="0">
+                <a:solidFill>
+                  <a:schemeClr val="tx1"/>
+                </a:solidFill>
+              </a:rPr>
               <a:t>내 리뷰</a:t>
             </a:r>
           </a:p>
@@ -30205,14 +30469,26 @@
           <a:p>
             <a:pPr algn="ctr"/>
             <a:r>
-              <a:rPr lang="ko-KR" altLang="en-US" sz="1100" b="1" dirty="0"/>
+              <a:rPr lang="ko-KR" altLang="en-US" sz="1100" b="1" dirty="0">
+                <a:solidFill>
+                  <a:schemeClr val="tx1"/>
+                </a:solidFill>
+              </a:rPr>
               <a:t>내 </a:t>
             </a:r>
             <a:r>
-              <a:rPr lang="ko-KR" altLang="en-US" sz="1100" b="1" dirty="0" err="1"/>
+              <a:rPr lang="ko-KR" altLang="en-US" sz="1100" b="1" dirty="0" err="1">
+                <a:solidFill>
+                  <a:schemeClr val="tx1"/>
+                </a:solidFill>
+              </a:rPr>
               <a:t>한줄평</a:t>
             </a:r>
-            <a:endParaRPr lang="ko-KR" altLang="en-US" sz="1100" b="1" dirty="0"/>
+            <a:endParaRPr lang="ko-KR" altLang="en-US" sz="1100" b="1" dirty="0">
+              <a:solidFill>
+                <a:schemeClr val="tx1"/>
+              </a:solidFill>
+            </a:endParaRPr>
           </a:p>
         </p:txBody>
       </p:sp>
@@ -30263,14 +30539,26 @@
           <a:p>
             <a:pPr algn="ctr"/>
             <a:r>
-              <a:rPr lang="ko-KR" altLang="en-US" sz="1100" b="1" dirty="0"/>
+              <a:rPr lang="ko-KR" altLang="en-US" sz="1100" b="1" dirty="0">
+                <a:solidFill>
+                  <a:schemeClr val="tx1"/>
+                </a:solidFill>
+              </a:rPr>
               <a:t>내 </a:t>
             </a:r>
             <a:r>
-              <a:rPr lang="ko-KR" altLang="en-US" sz="1100" b="1" dirty="0" err="1"/>
+              <a:rPr lang="ko-KR" altLang="en-US" sz="1100" b="1" dirty="0" err="1">
+                <a:solidFill>
+                  <a:schemeClr val="tx1"/>
+                </a:solidFill>
+              </a:rPr>
               <a:t>기프티콘</a:t>
             </a:r>
-            <a:endParaRPr lang="ko-KR" altLang="en-US" sz="1100" b="1" dirty="0"/>
+            <a:endParaRPr lang="ko-KR" altLang="en-US" sz="1100" b="1" dirty="0">
+              <a:solidFill>
+                <a:schemeClr val="tx1"/>
+              </a:solidFill>
+            </a:endParaRPr>
           </a:p>
         </p:txBody>
       </p:sp>
@@ -30321,7 +30609,11 @@
           <a:p>
             <a:pPr algn="ctr"/>
             <a:r>
-              <a:rPr lang="ko-KR" altLang="en-US" sz="1100" b="1" dirty="0"/>
+              <a:rPr lang="ko-KR" altLang="en-US" sz="1100" b="1" dirty="0">
+                <a:solidFill>
+                  <a:schemeClr val="tx1"/>
+                </a:solidFill>
+              </a:rPr>
               <a:t>내 건의사항</a:t>
             </a:r>
           </a:p>
@@ -30374,7 +30666,11 @@
           <a:p>
             <a:pPr algn="ctr"/>
             <a:r>
-              <a:rPr lang="ko-KR" altLang="en-US" sz="1100" b="1" dirty="0"/>
+              <a:rPr lang="ko-KR" altLang="en-US" sz="1100" b="1" dirty="0">
+                <a:solidFill>
+                  <a:schemeClr val="tx1"/>
+                </a:solidFill>
+              </a:rPr>
               <a:t>예매내역 조회</a:t>
             </a:r>
           </a:p>
@@ -30467,7 +30763,11 @@
           <a:p>
             <a:pPr algn="ctr"/>
             <a:r>
-              <a:rPr lang="ko-KR" altLang="en-US" sz="1100" b="1" dirty="0"/>
+              <a:rPr lang="ko-KR" altLang="en-US" sz="1100" b="1" dirty="0">
+                <a:solidFill>
+                  <a:schemeClr val="tx1"/>
+                </a:solidFill>
+              </a:rPr>
               <a:t>내 리뷰 상세보기</a:t>
             </a:r>
           </a:p>
@@ -30520,7 +30820,11 @@
           <a:p>
             <a:pPr algn="ctr"/>
             <a:r>
-              <a:rPr lang="ko-KR" altLang="en-US" sz="1100" b="1" dirty="0"/>
+              <a:rPr lang="ko-KR" altLang="en-US" sz="1100" b="1" dirty="0">
+                <a:solidFill>
+                  <a:schemeClr val="tx1"/>
+                </a:solidFill>
+              </a:rPr>
               <a:t>내 리뷰 수정</a:t>
             </a:r>
           </a:p>
@@ -30573,7 +30877,11 @@
           <a:p>
             <a:pPr algn="ctr"/>
             <a:r>
-              <a:rPr lang="ko-KR" altLang="en-US" sz="1100" b="1" dirty="0"/>
+              <a:rPr lang="ko-KR" altLang="en-US" sz="1100" b="1" dirty="0">
+                <a:solidFill>
+                  <a:schemeClr val="tx1"/>
+                </a:solidFill>
+              </a:rPr>
               <a:t>내 리뷰 삭제</a:t>
             </a:r>
           </a:p>
@@ -30747,15 +31055,27 @@
           <a:p>
             <a:pPr algn="ctr"/>
             <a:r>
-              <a:rPr lang="ko-KR" altLang="en-US" sz="1100" b="1" dirty="0"/>
+              <a:rPr lang="ko-KR" altLang="en-US" sz="1100" b="1" dirty="0">
+                <a:solidFill>
+                  <a:schemeClr val="tx1"/>
+                </a:solidFill>
+              </a:rPr>
               <a:t>내 </a:t>
             </a:r>
             <a:r>
-              <a:rPr lang="ko-KR" altLang="en-US" sz="1100" b="1" dirty="0" err="1"/>
+              <a:rPr lang="ko-KR" altLang="en-US" sz="1100" b="1" dirty="0" err="1">
+                <a:solidFill>
+                  <a:schemeClr val="tx1"/>
+                </a:solidFill>
+              </a:rPr>
               <a:t>한줄평</a:t>
             </a:r>
             <a:r>
-              <a:rPr lang="ko-KR" altLang="en-US" sz="1100" b="1" dirty="0"/>
+              <a:rPr lang="ko-KR" altLang="en-US" sz="1100" b="1" dirty="0">
+                <a:solidFill>
+                  <a:schemeClr val="tx1"/>
+                </a:solidFill>
+              </a:rPr>
               <a:t> 수정</a:t>
             </a:r>
           </a:p>
@@ -30931,7 +31251,11 @@
           <a:p>
             <a:pPr algn="ctr"/>
             <a:r>
-              <a:rPr lang="ko-KR" altLang="en-US" sz="1100" b="1" dirty="0"/>
+              <a:rPr lang="ko-KR" altLang="en-US" sz="1100" b="1" dirty="0">
+                <a:solidFill>
+                  <a:schemeClr val="tx1"/>
+                </a:solidFill>
+              </a:rPr>
               <a:t>내 건의사항 상세보기</a:t>
             </a:r>
           </a:p>
@@ -30984,7 +31308,11 @@
           <a:p>
             <a:pPr algn="ctr"/>
             <a:r>
-              <a:rPr lang="ko-KR" altLang="en-US" sz="1100" b="1" dirty="0"/>
+              <a:rPr lang="ko-KR" altLang="en-US" sz="1100" b="1" dirty="0">
+                <a:solidFill>
+                  <a:schemeClr val="tx1"/>
+                </a:solidFill>
+              </a:rPr>
               <a:t>내 건의사항 수정</a:t>
             </a:r>
           </a:p>
@@ -31037,15 +31365,27 @@
           <a:p>
             <a:pPr algn="ctr"/>
             <a:r>
-              <a:rPr lang="ko-KR" altLang="en-US" sz="1100" b="1" dirty="0"/>
+              <a:rPr lang="ko-KR" altLang="en-US" sz="1100" b="1" dirty="0">
+                <a:solidFill>
+                  <a:schemeClr val="tx1"/>
+                </a:solidFill>
+              </a:rPr>
               <a:t>내 건의사항</a:t>
             </a:r>
-            <a:endParaRPr lang="en-US" altLang="ko-KR" sz="1100" b="1" dirty="0"/>
+            <a:endParaRPr lang="en-US" altLang="ko-KR" sz="1100" b="1" dirty="0">
+              <a:solidFill>
+                <a:schemeClr val="tx1"/>
+              </a:solidFill>
+            </a:endParaRPr>
           </a:p>
           <a:p>
             <a:pPr algn="ctr"/>
             <a:r>
-              <a:rPr lang="ko-KR" altLang="en-US" sz="1100" b="1" dirty="0"/>
+              <a:rPr lang="ko-KR" altLang="en-US" sz="1100" b="1" dirty="0">
+                <a:solidFill>
+                  <a:schemeClr val="tx1"/>
+                </a:solidFill>
+              </a:rPr>
               <a:t>삭제</a:t>
             </a:r>
           </a:p>
@@ -31180,15 +31520,27 @@
           <a:p>
             <a:pPr algn="ctr"/>
             <a:r>
-              <a:rPr lang="ko-KR" altLang="en-US" sz="1100" b="1" dirty="0"/>
+              <a:rPr lang="ko-KR" altLang="en-US" sz="1100" b="1" dirty="0">
+                <a:solidFill>
+                  <a:schemeClr val="tx1"/>
+                </a:solidFill>
+              </a:rPr>
               <a:t>내 </a:t>
             </a:r>
             <a:r>
-              <a:rPr lang="ko-KR" altLang="en-US" sz="1100" b="1" dirty="0" err="1"/>
+              <a:rPr lang="ko-KR" altLang="en-US" sz="1100" b="1" dirty="0" err="1">
+                <a:solidFill>
+                  <a:schemeClr val="tx1"/>
+                </a:solidFill>
+              </a:rPr>
               <a:t>기프티콘</a:t>
             </a:r>
             <a:r>
-              <a:rPr lang="ko-KR" altLang="en-US" sz="1100" b="1" dirty="0"/>
+              <a:rPr lang="ko-KR" altLang="en-US" sz="1100" b="1" dirty="0">
+                <a:solidFill>
+                  <a:schemeClr val="tx1"/>
+                </a:solidFill>
+              </a:rPr>
               <a:t> 상세보기</a:t>
             </a:r>
           </a:p>
@@ -31241,14 +31593,26 @@
           <a:p>
             <a:pPr algn="ctr"/>
             <a:r>
-              <a:rPr lang="ko-KR" altLang="en-US" sz="1100" b="1" dirty="0" err="1"/>
+              <a:rPr lang="ko-KR" altLang="en-US" sz="1100" b="1" dirty="0" err="1">
+                <a:solidFill>
+                  <a:schemeClr val="tx1"/>
+                </a:solidFill>
+              </a:rPr>
               <a:t>기프티콘</a:t>
             </a:r>
             <a:br>
-              <a:rPr lang="en-US" altLang="ko-KR" sz="1100" b="1" dirty="0"/>
+              <a:rPr lang="en-US" altLang="ko-KR" sz="1100" b="1" dirty="0">
+                <a:solidFill>
+                  <a:schemeClr val="tx1"/>
+                </a:solidFill>
+              </a:rPr>
             </a:br>
             <a:r>
-              <a:rPr lang="ko-KR" altLang="en-US" sz="1100" b="1" dirty="0"/>
+              <a:rPr lang="ko-KR" altLang="en-US" sz="1100" b="1" dirty="0">
+                <a:solidFill>
+                  <a:schemeClr val="tx1"/>
+                </a:solidFill>
+              </a:rPr>
               <a:t>기간 연장</a:t>
             </a:r>
           </a:p>
@@ -31301,11 +31665,19 @@
           <a:p>
             <a:pPr algn="ctr"/>
             <a:r>
-              <a:rPr lang="ko-KR" altLang="en-US" sz="1100" b="1" dirty="0" err="1"/>
+              <a:rPr lang="ko-KR" altLang="en-US" sz="1100" b="1" dirty="0" err="1">
+                <a:solidFill>
+                  <a:schemeClr val="tx1"/>
+                </a:solidFill>
+              </a:rPr>
               <a:t>기프티콘</a:t>
             </a:r>
             <a:r>
-              <a:rPr lang="ko-KR" altLang="en-US" sz="1100" b="1" dirty="0"/>
+              <a:rPr lang="ko-KR" altLang="en-US" sz="1100" b="1" dirty="0">
+                <a:solidFill>
+                  <a:schemeClr val="tx1"/>
+                </a:solidFill>
+              </a:rPr>
               <a:t> 환불</a:t>
             </a:r>
           </a:p>
@@ -31521,7 +31893,11 @@
           <a:p>
             <a:pPr algn="ctr"/>
             <a:r>
-              <a:rPr lang="ko-KR" altLang="en-US" sz="1100" b="1" dirty="0"/>
+              <a:rPr lang="ko-KR" altLang="en-US" sz="1100" b="1" dirty="0">
+                <a:solidFill>
+                  <a:schemeClr val="tx1"/>
+                </a:solidFill>
+              </a:rPr>
               <a:t>예매 취소</a:t>
             </a:r>
           </a:p>
@@ -31614,7 +31990,11 @@
           <a:p>
             <a:pPr algn="ctr"/>
             <a:r>
-              <a:rPr lang="ko-KR" altLang="en-US" sz="1100" b="1" dirty="0"/>
+              <a:rPr lang="ko-KR" altLang="en-US" sz="1100" b="1" dirty="0">
+                <a:solidFill>
+                  <a:schemeClr val="tx1"/>
+                </a:solidFill>
+              </a:rPr>
               <a:t>내 리뷰 조회</a:t>
             </a:r>
           </a:p>
@@ -31707,15 +32087,27 @@
           <a:p>
             <a:pPr algn="ctr"/>
             <a:r>
-              <a:rPr lang="ko-KR" altLang="en-US" sz="1100" b="1" dirty="0"/>
+              <a:rPr lang="ko-KR" altLang="en-US" sz="1100" b="1" dirty="0">
+                <a:solidFill>
+                  <a:schemeClr val="tx1"/>
+                </a:solidFill>
+              </a:rPr>
               <a:t>내 </a:t>
             </a:r>
             <a:r>
-              <a:rPr lang="ko-KR" altLang="en-US" sz="1100" b="1" dirty="0" err="1"/>
+              <a:rPr lang="ko-KR" altLang="en-US" sz="1100" b="1" dirty="0" err="1">
+                <a:solidFill>
+                  <a:schemeClr val="tx1"/>
+                </a:solidFill>
+              </a:rPr>
               <a:t>한줄평</a:t>
             </a:r>
             <a:r>
-              <a:rPr lang="ko-KR" altLang="en-US" sz="1100" b="1" dirty="0"/>
+              <a:rPr lang="ko-KR" altLang="en-US" sz="1100" b="1" dirty="0">
+                <a:solidFill>
+                  <a:schemeClr val="tx1"/>
+                </a:solidFill>
+              </a:rPr>
               <a:t> 조회</a:t>
             </a:r>
           </a:p>
@@ -31768,15 +32160,27 @@
           <a:p>
             <a:pPr algn="ctr"/>
             <a:r>
-              <a:rPr lang="ko-KR" altLang="en-US" sz="1100" b="1" dirty="0"/>
+              <a:rPr lang="ko-KR" altLang="en-US" sz="1100" b="1" dirty="0">
+                <a:solidFill>
+                  <a:schemeClr val="tx1"/>
+                </a:solidFill>
+              </a:rPr>
               <a:t>내 </a:t>
             </a:r>
             <a:r>
-              <a:rPr lang="ko-KR" altLang="en-US" sz="1100" b="1" dirty="0" err="1"/>
+              <a:rPr lang="ko-KR" altLang="en-US" sz="1100" b="1" dirty="0" err="1">
+                <a:solidFill>
+                  <a:schemeClr val="tx1"/>
+                </a:solidFill>
+              </a:rPr>
               <a:t>기프티콘</a:t>
             </a:r>
             <a:r>
-              <a:rPr lang="ko-KR" altLang="en-US" sz="1100" b="1" dirty="0"/>
+              <a:rPr lang="ko-KR" altLang="en-US" sz="1100" b="1" dirty="0">
+                <a:solidFill>
+                  <a:schemeClr val="tx1"/>
+                </a:solidFill>
+              </a:rPr>
               <a:t> 조회</a:t>
             </a:r>
           </a:p>
@@ -31870,7 +32274,11 @@
           <a:p>
             <a:pPr algn="ctr"/>
             <a:r>
-              <a:rPr lang="ko-KR" altLang="en-US" sz="1100" b="1" dirty="0"/>
+              <a:rPr lang="ko-KR" altLang="en-US" sz="1100" b="1" dirty="0">
+                <a:solidFill>
+                  <a:schemeClr val="tx1"/>
+                </a:solidFill>
+              </a:rPr>
               <a:t>내 건의사항 조회</a:t>
             </a:r>
           </a:p>
@@ -32208,7 +32616,11 @@
           <a:p>
             <a:pPr algn="ctr"/>
             <a:r>
-              <a:rPr lang="ko-KR" altLang="en-US" sz="1100" b="1" dirty="0"/>
+              <a:rPr lang="ko-KR" altLang="en-US" sz="1100" b="1" dirty="0">
+                <a:solidFill>
+                  <a:schemeClr val="tx1"/>
+                </a:solidFill>
+              </a:rPr>
               <a:t>건의사항 조회</a:t>
             </a:r>
           </a:p>
@@ -32341,17 +32753,33 @@
           <a:p>
             <a:pPr algn="ctr"/>
             <a:r>
-              <a:rPr lang="ko-KR" altLang="en-US" sz="1100" b="1" dirty="0"/>
+              <a:rPr lang="ko-KR" altLang="en-US" sz="1100" b="1" dirty="0">
+                <a:solidFill>
+                  <a:schemeClr val="tx1"/>
+                </a:solidFill>
+              </a:rPr>
               <a:t>할인정보</a:t>
             </a:r>
             <a:br>
-              <a:rPr lang="en-US" altLang="ko-KR" sz="1100" b="1" dirty="0"/>
+              <a:rPr lang="en-US" altLang="ko-KR" sz="1100" b="1" dirty="0">
+                <a:solidFill>
+                  <a:schemeClr val="tx1"/>
+                </a:solidFill>
+              </a:rPr>
             </a:br>
             <a:r>
-              <a:rPr lang="ko-KR" altLang="en-US" sz="1100" b="1" dirty="0"/>
+              <a:rPr lang="ko-KR" altLang="en-US" sz="1100" b="1" dirty="0">
+                <a:solidFill>
+                  <a:schemeClr val="tx1"/>
+                </a:solidFill>
+              </a:rPr>
               <a:t>상세보기</a:t>
             </a:r>
-            <a:endParaRPr lang="en-US" altLang="ko-KR" sz="1100" b="1" dirty="0"/>
+            <a:endParaRPr lang="en-US" altLang="ko-KR" sz="1100" b="1" dirty="0">
+              <a:solidFill>
+                <a:schemeClr val="tx1"/>
+              </a:solidFill>
+            </a:endParaRPr>
           </a:p>
         </p:txBody>
       </p:sp>
@@ -32486,10 +32914,18 @@
           <a:p>
             <a:pPr algn="ctr"/>
             <a:r>
-              <a:rPr lang="ko-KR" altLang="en-US" sz="1100" b="1" dirty="0"/>
+              <a:rPr lang="ko-KR" altLang="en-US" sz="1100" b="1" dirty="0">
+                <a:solidFill>
+                  <a:schemeClr val="tx1"/>
+                </a:solidFill>
+              </a:rPr>
               <a:t>공지사항 조회</a:t>
             </a:r>
-            <a:endParaRPr lang="en-US" altLang="ko-KR" sz="1100" b="1" dirty="0"/>
+            <a:endParaRPr lang="en-US" altLang="ko-KR" sz="1100" b="1" dirty="0">
+              <a:solidFill>
+                <a:schemeClr val="tx1"/>
+              </a:solidFill>
+            </a:endParaRPr>
           </a:p>
         </p:txBody>
       </p:sp>
@@ -32621,7 +33057,11 @@
           <a:p>
             <a:pPr algn="ctr"/>
             <a:r>
-              <a:rPr lang="ko-KR" altLang="en-US" sz="1100" b="1"/>
+              <a:rPr lang="ko-KR" altLang="en-US" sz="1100" b="1">
+                <a:solidFill>
+                  <a:schemeClr val="tx1"/>
+                </a:solidFill>
+              </a:rPr>
               <a:t>기프티콘 구매</a:t>
             </a:r>
           </a:p>
@@ -32674,19 +33114,35 @@
           <a:p>
             <a:pPr algn="ctr"/>
             <a:r>
-              <a:rPr lang="ko-KR" altLang="en-US" sz="1100" b="1" dirty="0" err="1"/>
+              <a:rPr lang="ko-KR" altLang="en-US" sz="1100" b="1" dirty="0" err="1">
+                <a:solidFill>
+                  <a:schemeClr val="tx1"/>
+                </a:solidFill>
+              </a:rPr>
               <a:t>기프티콘</a:t>
             </a:r>
             <a:r>
-              <a:rPr lang="ko-KR" altLang="en-US" sz="1100" b="1" dirty="0"/>
+              <a:rPr lang="ko-KR" altLang="en-US" sz="1100" b="1" dirty="0">
+                <a:solidFill>
+                  <a:schemeClr val="tx1"/>
+                </a:solidFill>
+              </a:rPr>
               <a:t> </a:t>
             </a:r>
-            <a:endParaRPr lang="en-US" altLang="ko-KR" sz="1100" b="1" dirty="0"/>
+            <a:endParaRPr lang="en-US" altLang="ko-KR" sz="1100" b="1" dirty="0">
+              <a:solidFill>
+                <a:schemeClr val="tx1"/>
+              </a:solidFill>
+            </a:endParaRPr>
           </a:p>
           <a:p>
             <a:pPr algn="ctr"/>
             <a:r>
-              <a:rPr lang="ko-KR" altLang="en-US" sz="1100" b="1" dirty="0"/>
+              <a:rPr lang="ko-KR" altLang="en-US" sz="1100" b="1" dirty="0">
+                <a:solidFill>
+                  <a:schemeClr val="tx1"/>
+                </a:solidFill>
+              </a:rPr>
               <a:t>상세보기</a:t>
             </a:r>
           </a:p>
@@ -32821,7 +33277,11 @@
           <a:p>
             <a:pPr algn="ctr"/>
             <a:r>
-              <a:rPr lang="ko-KR" altLang="en-US" sz="1100" b="1" dirty="0"/>
+              <a:rPr lang="ko-KR" altLang="en-US" sz="1100" b="1" dirty="0">
+                <a:solidFill>
+                  <a:schemeClr val="tx1"/>
+                </a:solidFill>
+              </a:rPr>
               <a:t>습득물 게시판</a:t>
             </a:r>
           </a:p>
@@ -32874,10 +33334,18 @@
           <a:p>
             <a:pPr algn="ctr"/>
             <a:r>
-              <a:rPr lang="ko-KR" altLang="en-US" sz="1100" b="1" dirty="0"/>
+              <a:rPr lang="ko-KR" altLang="en-US" sz="1100" b="1" dirty="0">
+                <a:solidFill>
+                  <a:schemeClr val="tx1"/>
+                </a:solidFill>
+              </a:rPr>
               <a:t>게시글 조회</a:t>
             </a:r>
-            <a:endParaRPr lang="en-US" altLang="ko-KR" sz="1100" b="1" dirty="0"/>
+            <a:endParaRPr lang="en-US" altLang="ko-KR" sz="1100" b="1" dirty="0">
+              <a:solidFill>
+                <a:schemeClr val="tx1"/>
+              </a:solidFill>
+            </a:endParaRPr>
           </a:p>
         </p:txBody>
       </p:sp>
@@ -32928,17 +33396,33 @@
           <a:p>
             <a:pPr algn="ctr"/>
             <a:r>
-              <a:rPr lang="ko-KR" altLang="en-US" sz="1100" b="1" dirty="0"/>
+              <a:rPr lang="ko-KR" altLang="en-US" sz="1100" b="1" dirty="0">
+                <a:solidFill>
+                  <a:schemeClr val="tx1"/>
+                </a:solidFill>
+              </a:rPr>
               <a:t>게시글</a:t>
             </a:r>
             <a:br>
-              <a:rPr lang="en-US" altLang="ko-KR" sz="1100" b="1" dirty="0"/>
+              <a:rPr lang="en-US" altLang="ko-KR" sz="1100" b="1" dirty="0">
+                <a:solidFill>
+                  <a:schemeClr val="tx1"/>
+                </a:solidFill>
+              </a:rPr>
             </a:br>
             <a:r>
-              <a:rPr lang="ko-KR" altLang="en-US" sz="1100" b="1" dirty="0"/>
+              <a:rPr lang="ko-KR" altLang="en-US" sz="1100" b="1" dirty="0">
+                <a:solidFill>
+                  <a:schemeClr val="tx1"/>
+                </a:solidFill>
+              </a:rPr>
               <a:t>상세보기</a:t>
             </a:r>
-            <a:endParaRPr lang="en-US" altLang="ko-KR" sz="1100" b="1" dirty="0"/>
+            <a:endParaRPr lang="en-US" altLang="ko-KR" sz="1100" b="1" dirty="0">
+              <a:solidFill>
+                <a:schemeClr val="tx1"/>
+              </a:solidFill>
+            </a:endParaRPr>
           </a:p>
         </p:txBody>
       </p:sp>
@@ -33319,7 +33803,11 @@
           <a:p>
             <a:pPr algn="ctr"/>
             <a:r>
-              <a:rPr lang="ko-KR" altLang="en-US" sz="1100" b="1" dirty="0"/>
+              <a:rPr lang="ko-KR" altLang="en-US" sz="1100" b="1" dirty="0">
+                <a:solidFill>
+                  <a:schemeClr val="tx1"/>
+                </a:solidFill>
+              </a:rPr>
               <a:t>리뷰 게시판</a:t>
             </a:r>
           </a:p>
@@ -33372,11 +33860,19 @@
           <a:p>
             <a:pPr algn="ctr"/>
             <a:r>
-              <a:rPr lang="ko-KR" altLang="en-US" sz="1100" b="1" dirty="0" err="1"/>
+              <a:rPr lang="ko-KR" altLang="en-US" sz="1100" b="1" dirty="0" err="1">
+                <a:solidFill>
+                  <a:schemeClr val="tx1"/>
+                </a:solidFill>
+              </a:rPr>
               <a:t>리뷰글</a:t>
             </a:r>
             <a:r>
-              <a:rPr lang="ko-KR" altLang="en-US" sz="1100" b="1" dirty="0"/>
+              <a:rPr lang="ko-KR" altLang="en-US" sz="1100" b="1" dirty="0">
+                <a:solidFill>
+                  <a:schemeClr val="tx1"/>
+                </a:solidFill>
+              </a:rPr>
               <a:t> 상세보기</a:t>
             </a:r>
           </a:p>
@@ -33429,11 +33925,19 @@
           <a:p>
             <a:pPr algn="ctr"/>
             <a:r>
-              <a:rPr lang="ko-KR" altLang="en-US" sz="1100" b="1" dirty="0" err="1"/>
+              <a:rPr lang="ko-KR" altLang="en-US" sz="1100" b="1" dirty="0" err="1">
+                <a:solidFill>
+                  <a:schemeClr val="tx1"/>
+                </a:solidFill>
+              </a:rPr>
               <a:t>리뷰글</a:t>
             </a:r>
             <a:r>
-              <a:rPr lang="ko-KR" altLang="en-US" sz="1100" b="1" dirty="0"/>
+              <a:rPr lang="ko-KR" altLang="en-US" sz="1100" b="1" dirty="0">
+                <a:solidFill>
+                  <a:schemeClr val="tx1"/>
+                </a:solidFill>
+              </a:rPr>
               <a:t> 수정</a:t>
             </a:r>
           </a:p>
@@ -33527,11 +34031,19 @@
           <a:p>
             <a:pPr algn="ctr"/>
             <a:r>
-              <a:rPr lang="ko-KR" altLang="en-US" sz="1100" b="1" dirty="0" err="1"/>
+              <a:rPr lang="ko-KR" altLang="en-US" sz="1100" b="1" dirty="0" err="1">
+                <a:solidFill>
+                  <a:schemeClr val="tx1"/>
+                </a:solidFill>
+              </a:rPr>
               <a:t>리뷰글</a:t>
             </a:r>
             <a:r>
-              <a:rPr lang="ko-KR" altLang="en-US" sz="1100" b="1" dirty="0"/>
+              <a:rPr lang="ko-KR" altLang="en-US" sz="1100" b="1" dirty="0">
+                <a:solidFill>
+                  <a:schemeClr val="tx1"/>
+                </a:solidFill>
+              </a:rPr>
               <a:t> 삭제</a:t>
             </a:r>
           </a:p>
@@ -33584,11 +34096,19 @@
           <a:p>
             <a:pPr algn="ctr"/>
             <a:r>
-              <a:rPr lang="ko-KR" altLang="en-US" sz="1100" b="1" dirty="0" err="1"/>
+              <a:rPr lang="ko-KR" altLang="en-US" sz="1100" b="1" dirty="0" err="1">
+                <a:solidFill>
+                  <a:schemeClr val="tx1"/>
+                </a:solidFill>
+              </a:rPr>
               <a:t>리뷰글</a:t>
             </a:r>
             <a:r>
-              <a:rPr lang="ko-KR" altLang="en-US" sz="1100" b="1" dirty="0"/>
+              <a:rPr lang="ko-KR" altLang="en-US" sz="1100" b="1" dirty="0">
+                <a:solidFill>
+                  <a:schemeClr val="tx1"/>
+                </a:solidFill>
+              </a:rPr>
               <a:t> 조회</a:t>
             </a:r>
           </a:p>
@@ -33762,7 +34282,11 @@
           <a:p>
             <a:pPr algn="ctr"/>
             <a:r>
-              <a:rPr lang="ko-KR" altLang="en-US" sz="1100" b="1" dirty="0"/>
+              <a:rPr lang="ko-KR" altLang="en-US" sz="1100" b="1" dirty="0">
+                <a:solidFill>
+                  <a:schemeClr val="tx1"/>
+                </a:solidFill>
+              </a:rPr>
               <a:t>리뷰 댓글 조회</a:t>
             </a:r>
           </a:p>
@@ -33815,7 +34339,11 @@
           <a:p>
             <a:pPr algn="ctr"/>
             <a:r>
-              <a:rPr lang="ko-KR" altLang="en-US" sz="1100" b="1" dirty="0"/>
+              <a:rPr lang="ko-KR" altLang="en-US" sz="1100" b="1" dirty="0">
+                <a:solidFill>
+                  <a:schemeClr val="tx1"/>
+                </a:solidFill>
+              </a:rPr>
               <a:t>리뷰 댓글 작성</a:t>
             </a:r>
           </a:p>
@@ -33868,7 +34396,11 @@
           <a:p>
             <a:pPr algn="ctr"/>
             <a:r>
-              <a:rPr lang="ko-KR" altLang="en-US" sz="1100" b="1" dirty="0"/>
+              <a:rPr lang="ko-KR" altLang="en-US" sz="1100" b="1" dirty="0">
+                <a:solidFill>
+                  <a:schemeClr val="tx1"/>
+                </a:solidFill>
+              </a:rPr>
               <a:t>리뷰 댓글 수정</a:t>
             </a:r>
           </a:p>
@@ -33921,7 +34453,11 @@
           <a:p>
             <a:pPr algn="ctr"/>
             <a:r>
-              <a:rPr lang="ko-KR" altLang="en-US" sz="1100" b="1" dirty="0"/>
+              <a:rPr lang="ko-KR" altLang="en-US" sz="1100" b="1" dirty="0">
+                <a:solidFill>
+                  <a:schemeClr val="tx1"/>
+                </a:solidFill>
+              </a:rPr>
               <a:t>리뷰 댓글 삭제</a:t>
             </a:r>
           </a:p>
@@ -33974,7 +34510,11 @@
           <a:p>
             <a:pPr algn="ctr"/>
             <a:r>
-              <a:rPr lang="ko-KR" altLang="en-US" sz="1100" b="1" dirty="0"/>
+              <a:rPr lang="ko-KR" altLang="en-US" sz="1100" b="1" dirty="0">
+                <a:solidFill>
+                  <a:schemeClr val="tx1"/>
+                </a:solidFill>
+              </a:rPr>
               <a:t>리뷰 작성</a:t>
             </a:r>
           </a:p>
@@ -34232,7 +34772,7 @@
             <a:r>
               <a:rPr lang="ko-KR" altLang="en-US" sz="1100" b="1" dirty="0">
                 <a:solidFill>
-                  <a:schemeClr val="bg1"/>
+                  <a:schemeClr val="tx1"/>
                 </a:solidFill>
               </a:rPr>
               <a:t>영화 </a:t>
@@ -34240,7 +34780,7 @@
             <a:r>
               <a:rPr lang="ko-KR" altLang="en-US" sz="1100" b="1" dirty="0" err="1">
                 <a:solidFill>
-                  <a:schemeClr val="bg1"/>
+                  <a:schemeClr val="tx1"/>
                 </a:solidFill>
               </a:rPr>
               <a:t>한줄평</a:t>
@@ -34248,7 +34788,7 @@
             <a:r>
               <a:rPr lang="en-US" altLang="ko-KR" sz="1100" b="1" dirty="0">
                 <a:solidFill>
-                  <a:schemeClr val="bg1"/>
+                  <a:schemeClr val="tx1"/>
                 </a:solidFill>
               </a:rPr>
               <a:t> </a:t>
@@ -34256,7 +34796,7 @@
             <a:r>
               <a:rPr lang="ko-KR" altLang="en-US" sz="1100" b="1" dirty="0">
                 <a:solidFill>
-                  <a:schemeClr val="bg1"/>
+                  <a:schemeClr val="tx1"/>
                 </a:solidFill>
               </a:rPr>
               <a:t>신고</a:t>
@@ -34354,7 +34894,7 @@
             <a:r>
               <a:rPr lang="ko-KR" altLang="en-US" sz="1100" b="1" dirty="0" err="1">
                 <a:solidFill>
-                  <a:schemeClr val="bg1"/>
+                  <a:schemeClr val="tx1"/>
                 </a:solidFill>
               </a:rPr>
               <a:t>리뷰글</a:t>
@@ -34362,7 +34902,7 @@
             <a:r>
               <a:rPr lang="ko-KR" altLang="en-US" sz="1100" b="1" dirty="0">
                 <a:solidFill>
-                  <a:schemeClr val="bg1"/>
+                  <a:schemeClr val="tx1"/>
                 </a:solidFill>
               </a:rPr>
               <a:t> 신고</a:t>
@@ -34459,7 +34999,7 @@
             <a:r>
               <a:rPr lang="ko-KR" altLang="en-US" sz="1100" b="1" dirty="0">
                 <a:solidFill>
-                  <a:schemeClr val="bg1"/>
+                  <a:schemeClr val="tx1"/>
                 </a:solidFill>
               </a:rPr>
               <a:t>리뷰 댓글 신고</a:t>
@@ -34555,10 +35095,18 @@
           <a:p>
             <a:pPr algn="ctr"/>
             <a:r>
-              <a:rPr lang="ko-KR" altLang="en-US" sz="1100" b="1"/>
+              <a:rPr lang="ko-KR" altLang="en-US" sz="1100" b="1">
+                <a:solidFill>
+                  <a:schemeClr val="tx1"/>
+                </a:solidFill>
+              </a:rPr>
               <a:t>채용 정보</a:t>
             </a:r>
-            <a:endParaRPr lang="ko-KR" altLang="en-US" sz="1100" b="1" dirty="0"/>
+            <a:endParaRPr lang="ko-KR" altLang="en-US" sz="1100" b="1" dirty="0">
+              <a:solidFill>
+                <a:schemeClr val="tx1"/>
+              </a:solidFill>
+            </a:endParaRPr>
           </a:p>
         </p:txBody>
       </p:sp>
@@ -34609,10 +35157,18 @@
           <a:p>
             <a:pPr algn="ctr"/>
             <a:r>
-              <a:rPr lang="ko-KR" altLang="en-US" sz="1100" b="1"/>
+              <a:rPr lang="ko-KR" altLang="en-US" sz="1100" b="1">
+                <a:solidFill>
+                  <a:schemeClr val="tx1"/>
+                </a:solidFill>
+              </a:rPr>
               <a:t>채용 공고 게시판</a:t>
             </a:r>
-            <a:endParaRPr lang="ko-KR" altLang="en-US" sz="1100" b="1" dirty="0"/>
+            <a:endParaRPr lang="ko-KR" altLang="en-US" sz="1100" b="1" dirty="0">
+              <a:solidFill>
+                <a:schemeClr val="tx1"/>
+              </a:solidFill>
+            </a:endParaRPr>
           </a:p>
         </p:txBody>
       </p:sp>
@@ -34663,10 +35219,18 @@
           <a:p>
             <a:pPr algn="ctr"/>
             <a:r>
-              <a:rPr lang="ko-KR" altLang="en-US" sz="1100" b="1"/>
+              <a:rPr lang="ko-KR" altLang="en-US" sz="1100" b="1">
+                <a:solidFill>
+                  <a:schemeClr val="tx1"/>
+                </a:solidFill>
+              </a:rPr>
               <a:t>내 지원 현황</a:t>
             </a:r>
-            <a:endParaRPr lang="ko-KR" altLang="en-US" sz="1100" b="1" dirty="0"/>
+            <a:endParaRPr lang="ko-KR" altLang="en-US" sz="1100" b="1" dirty="0">
+              <a:solidFill>
+                <a:schemeClr val="tx1"/>
+              </a:solidFill>
+            </a:endParaRPr>
           </a:p>
         </p:txBody>
       </p:sp>
@@ -34717,15 +35281,27 @@
           <a:p>
             <a:pPr algn="ctr"/>
             <a:r>
-              <a:rPr lang="ko-KR" altLang="en-US" sz="1100" b="1" dirty="0"/>
+              <a:rPr lang="ko-KR" altLang="en-US" sz="1100" b="1" dirty="0">
+                <a:solidFill>
+                  <a:schemeClr val="tx1"/>
+                </a:solidFill>
+              </a:rPr>
               <a:t>채용 공고</a:t>
             </a:r>
-            <a:endParaRPr lang="en-US" altLang="ko-KR" sz="1100" b="1" dirty="0"/>
+            <a:endParaRPr lang="en-US" altLang="ko-KR" sz="1100" b="1" dirty="0">
+              <a:solidFill>
+                <a:schemeClr val="tx1"/>
+              </a:solidFill>
+            </a:endParaRPr>
           </a:p>
           <a:p>
             <a:pPr algn="ctr"/>
             <a:r>
-              <a:rPr lang="ko-KR" altLang="en-US" sz="1100" b="1" dirty="0"/>
+              <a:rPr lang="ko-KR" altLang="en-US" sz="1100" b="1" dirty="0">
+                <a:solidFill>
+                  <a:schemeClr val="tx1"/>
+                </a:solidFill>
+              </a:rPr>
               <a:t>상세 보기</a:t>
             </a:r>
           </a:p>
@@ -34860,10 +35436,18 @@
           <a:p>
             <a:pPr algn="ctr"/>
             <a:r>
-              <a:rPr lang="ko-KR" altLang="en-US" sz="1100" b="1"/>
+              <a:rPr lang="ko-KR" altLang="en-US" sz="1100" b="1">
+                <a:solidFill>
+                  <a:schemeClr val="tx1"/>
+                </a:solidFill>
+              </a:rPr>
               <a:t>채용 공고 조회</a:t>
             </a:r>
-            <a:endParaRPr lang="ko-KR" altLang="en-US" sz="1100" b="1" dirty="0"/>
+            <a:endParaRPr lang="ko-KR" altLang="en-US" sz="1100" b="1" dirty="0">
+              <a:solidFill>
+                <a:schemeClr val="tx1"/>
+              </a:solidFill>
+            </a:endParaRPr>
           </a:p>
         </p:txBody>
       </p:sp>
@@ -34996,10 +35580,18 @@
           <a:p>
             <a:pPr algn="ctr"/>
             <a:r>
-              <a:rPr lang="ko-KR" altLang="en-US" sz="1100" b="1"/>
+              <a:rPr lang="ko-KR" altLang="en-US" sz="1100" b="1">
+                <a:solidFill>
+                  <a:schemeClr val="tx1"/>
+                </a:solidFill>
+              </a:rPr>
               <a:t>지원하기</a:t>
             </a:r>
-            <a:endParaRPr lang="ko-KR" altLang="en-US" sz="1100" b="1" dirty="0"/>
+            <a:endParaRPr lang="ko-KR" altLang="en-US" sz="1100" b="1" dirty="0">
+              <a:solidFill>
+                <a:schemeClr val="tx1"/>
+              </a:solidFill>
+            </a:endParaRPr>
           </a:p>
         </p:txBody>
       </p:sp>
@@ -35091,10 +35683,18 @@
           <a:p>
             <a:pPr algn="ctr"/>
             <a:r>
-              <a:rPr lang="ko-KR" altLang="en-US" sz="1100" b="1"/>
+              <a:rPr lang="ko-KR" altLang="en-US" sz="1100" b="1">
+                <a:solidFill>
+                  <a:schemeClr val="tx1"/>
+                </a:solidFill>
+              </a:rPr>
               <a:t>내 지원 현황 조회</a:t>
             </a:r>
-            <a:endParaRPr lang="ko-KR" altLang="en-US" sz="1100" b="1" dirty="0"/>
+            <a:endParaRPr lang="ko-KR" altLang="en-US" sz="1100" b="1" dirty="0">
+              <a:solidFill>
+                <a:schemeClr val="tx1"/>
+              </a:solidFill>
+            </a:endParaRPr>
           </a:p>
         </p:txBody>
       </p:sp>
@@ -35186,10 +35786,18 @@
           <a:p>
             <a:pPr algn="ctr"/>
             <a:r>
-              <a:rPr lang="ko-KR" altLang="en-US" sz="1100" b="1"/>
+              <a:rPr lang="ko-KR" altLang="en-US" sz="1100" b="1">
+                <a:solidFill>
+                  <a:schemeClr val="tx1"/>
+                </a:solidFill>
+              </a:rPr>
               <a:t>내 지원 현황 상세보기</a:t>
             </a:r>
-            <a:endParaRPr lang="ko-KR" altLang="en-US" sz="1100" b="1" dirty="0"/>
+            <a:endParaRPr lang="ko-KR" altLang="en-US" sz="1100" b="1" dirty="0">
+              <a:solidFill>
+                <a:schemeClr val="tx1"/>
+              </a:solidFill>
+            </a:endParaRPr>
           </a:p>
         </p:txBody>
       </p:sp>
@@ -35281,7 +35889,11 @@
           <a:p>
             <a:pPr algn="ctr"/>
             <a:r>
-              <a:rPr lang="ko-KR" altLang="en-US" sz="1100" b="1" dirty="0"/>
+              <a:rPr lang="ko-KR" altLang="en-US" sz="1100" b="1" dirty="0">
+                <a:solidFill>
+                  <a:schemeClr val="tx1"/>
+                </a:solidFill>
+              </a:rPr>
               <a:t>내 지원 현황 수정</a:t>
             </a:r>
           </a:p>
@@ -35334,7 +35946,11 @@
           <a:p>
             <a:pPr algn="ctr"/>
             <a:r>
-              <a:rPr lang="ko-KR" altLang="en-US" sz="1100" b="1" dirty="0"/>
+              <a:rPr lang="ko-KR" altLang="en-US" sz="1100" b="1" dirty="0">
+                <a:solidFill>
+                  <a:schemeClr val="tx1"/>
+                </a:solidFill>
+              </a:rPr>
               <a:t>내 지원 현황 삭제</a:t>
             </a:r>
           </a:p>
@@ -35469,7 +36085,11 @@
           <a:p>
             <a:pPr algn="ctr"/>
             <a:r>
-              <a:rPr lang="ko-KR" altLang="en-US" sz="1100" b="1" dirty="0"/>
+              <a:rPr lang="ko-KR" altLang="en-US" sz="1100" b="1" dirty="0">
+                <a:solidFill>
+                  <a:schemeClr val="tx1"/>
+                </a:solidFill>
+              </a:rPr>
               <a:t>영화 검색</a:t>
             </a:r>
           </a:p>
@@ -35562,7 +36182,11 @@
           <a:p>
             <a:pPr algn="ctr"/>
             <a:r>
-              <a:rPr lang="ko-KR" altLang="en-US" sz="1100" b="1" dirty="0"/>
+              <a:rPr lang="ko-KR" altLang="en-US" sz="1100" b="1" dirty="0">
+                <a:solidFill>
+                  <a:schemeClr val="tx1"/>
+                </a:solidFill>
+              </a:rPr>
               <a:t>게시글 검색</a:t>
             </a:r>
           </a:p>
@@ -35656,7 +36280,11 @@
           <a:p>
             <a:pPr algn="ctr"/>
             <a:r>
-              <a:rPr lang="ko-KR" altLang="en-US" sz="1100" b="1" dirty="0"/>
+              <a:rPr lang="ko-KR" altLang="en-US" sz="1100" b="1" dirty="0">
+                <a:solidFill>
+                  <a:schemeClr val="tx1"/>
+                </a:solidFill>
+              </a:rPr>
               <a:t>게시글 검색</a:t>
             </a:r>
           </a:p>
@@ -35750,7 +36378,11 @@
           <a:p>
             <a:pPr algn="ctr"/>
             <a:r>
-              <a:rPr lang="ko-KR" altLang="en-US" sz="1100" b="1" dirty="0"/>
+              <a:rPr lang="ko-KR" altLang="en-US" sz="1100" b="1" dirty="0">
+                <a:solidFill>
+                  <a:schemeClr val="tx1"/>
+                </a:solidFill>
+              </a:rPr>
               <a:t>게시글 검색</a:t>
             </a:r>
           </a:p>
@@ -35844,11 +36476,19 @@
           <a:p>
             <a:pPr algn="ctr"/>
             <a:r>
-              <a:rPr lang="ko-KR" altLang="en-US" sz="1100" b="1" dirty="0" err="1"/>
+              <a:rPr lang="ko-KR" altLang="en-US" sz="1100" b="1" dirty="0" err="1">
+                <a:solidFill>
+                  <a:schemeClr val="tx1"/>
+                </a:solidFill>
+              </a:rPr>
               <a:t>기프티콘</a:t>
             </a:r>
             <a:r>
-              <a:rPr lang="ko-KR" altLang="en-US" sz="1100" b="1" dirty="0"/>
+              <a:rPr lang="ko-KR" altLang="en-US" sz="1100" b="1" dirty="0">
+                <a:solidFill>
+                  <a:schemeClr val="tx1"/>
+                </a:solidFill>
+              </a:rPr>
               <a:t> 검색</a:t>
             </a:r>
           </a:p>
@@ -35942,7 +36582,11 @@
           <a:p>
             <a:pPr algn="ctr"/>
             <a:r>
-              <a:rPr lang="ko-KR" altLang="en-US" sz="1100" b="1" dirty="0"/>
+              <a:rPr lang="ko-KR" altLang="en-US" sz="1100" b="1" dirty="0">
+                <a:solidFill>
+                  <a:schemeClr val="tx1"/>
+                </a:solidFill>
+              </a:rPr>
               <a:t>게시글 검색</a:t>
             </a:r>
           </a:p>
@@ -36036,7 +36680,11 @@
           <a:p>
             <a:pPr algn="ctr"/>
             <a:r>
-              <a:rPr lang="ko-KR" altLang="en-US" sz="1100" b="1" dirty="0"/>
+              <a:rPr lang="ko-KR" altLang="en-US" sz="1100" b="1" dirty="0">
+                <a:solidFill>
+                  <a:schemeClr val="tx1"/>
+                </a:solidFill>
+              </a:rPr>
               <a:t>건의사항 검색</a:t>
             </a:r>
           </a:p>
@@ -36130,7 +36778,11 @@
           <a:p>
             <a:pPr algn="ctr"/>
             <a:r>
-              <a:rPr lang="ko-KR" altLang="en-US" sz="1100" b="1" dirty="0"/>
+              <a:rPr lang="ko-KR" altLang="en-US" sz="1100" b="1" dirty="0">
+                <a:solidFill>
+                  <a:schemeClr val="tx1"/>
+                </a:solidFill>
+              </a:rPr>
               <a:t>취소 완료</a:t>
             </a:r>
           </a:p>
@@ -36223,15 +36875,27 @@
           <a:p>
             <a:pPr algn="ctr"/>
             <a:r>
-              <a:rPr lang="ko-KR" altLang="en-US" sz="1100" b="1" dirty="0"/>
+              <a:rPr lang="ko-KR" altLang="en-US" sz="1100" b="1" dirty="0">
+                <a:solidFill>
+                  <a:schemeClr val="tx1"/>
+                </a:solidFill>
+              </a:rPr>
               <a:t>내 </a:t>
             </a:r>
             <a:r>
-              <a:rPr lang="ko-KR" altLang="en-US" sz="1100" b="1" dirty="0" err="1"/>
+              <a:rPr lang="ko-KR" altLang="en-US" sz="1100" b="1" dirty="0" err="1">
+                <a:solidFill>
+                  <a:schemeClr val="tx1"/>
+                </a:solidFill>
+              </a:rPr>
               <a:t>한줄평</a:t>
             </a:r>
             <a:r>
-              <a:rPr lang="ko-KR" altLang="en-US" sz="1100" b="1" dirty="0"/>
+              <a:rPr lang="ko-KR" altLang="en-US" sz="1100" b="1" dirty="0">
+                <a:solidFill>
+                  <a:schemeClr val="tx1"/>
+                </a:solidFill>
+              </a:rPr>
               <a:t> 삭제</a:t>
             </a:r>
           </a:p>
@@ -36284,7 +36948,11 @@
           <a:p>
             <a:pPr algn="ctr"/>
             <a:r>
-              <a:rPr lang="ko-KR" altLang="en-US" sz="1100" b="1" dirty="0"/>
+              <a:rPr lang="ko-KR" altLang="en-US" sz="1100" b="1" dirty="0">
+                <a:solidFill>
+                  <a:schemeClr val="tx1"/>
+                </a:solidFill>
+              </a:rPr>
               <a:t>로그아웃</a:t>
             </a:r>
           </a:p>
@@ -36603,7 +37271,11 @@
           <a:p>
             <a:pPr algn="ctr"/>
             <a:r>
-              <a:rPr lang="ko-KR" altLang="en-US" sz="1500" b="1" dirty="0"/>
+              <a:rPr lang="ko-KR" altLang="en-US" sz="1500" b="1" dirty="0">
+                <a:solidFill>
+                  <a:schemeClr val="bg1"/>
+                </a:solidFill>
+              </a:rPr>
               <a:t>회원</a:t>
             </a:r>
           </a:p>

--- a/2조 멀티플렉스 영화관 관리 시스템 메뉴구조도.pptx
+++ b/2조 멀티플렉스 영화관 관리 시스템 메뉴구조도.pptx
@@ -1,15 +1,15 @@
 
 <file path=ppt/presentation.xml><?xml version="1.0" encoding="utf-8"?>
-<p:presentation xmlns:a="http://schemas.openxmlformats.org/drawingml/2006/main" xmlns:r="http://schemas.openxmlformats.org/officeDocument/2006/relationships" xmlns:p="http://schemas.openxmlformats.org/presentationml/2006/main" saveSubsetFonts="1">
+<p:presentation xmlns:r="http://schemas.openxmlformats.org/officeDocument/2006/relationships" xmlns:c="http://schemas.openxmlformats.org/drawingml/2006/chart" xmlns:a="http://schemas.openxmlformats.org/drawingml/2006/main" xmlns:dgm="http://schemas.openxmlformats.org/drawingml/2006/diagram" xmlns:dsp="http://schemas.microsoft.com/office/drawing/2008/diagram" xmlns:p="http://schemas.openxmlformats.org/presentationml/2006/main" saveSubsetFonts="1">
   <p:sldMasterIdLst>
-    <p:sldMasterId id="2147483794" r:id="rId1"/>
+    <p:sldMasterId id="2147483801" r:id="rId1"/>
   </p:sldMasterIdLst>
   <p:notesMasterIdLst>
-    <p:notesMasterId r:id="rId4"/>
+    <p:notesMasterId r:id="rId2"/>
   </p:notesMasterIdLst>
   <p:sldIdLst>
-    <p:sldId id="261" r:id="rId2"/>
-    <p:sldId id="257" r:id="rId3"/>
+    <p:sldId id="256" r:id="rId3"/>
+    <p:sldId id="257" r:id="rId4"/>
   </p:sldIdLst>
   <p:sldSz cx="51120675" cy="28800425"/>
   <p:notesSz cx="6858000" cy="9144000"/>
@@ -108,39 +108,17 @@
       </a:defRPr>
     </a:lvl9pPr>
   </p:defaultTextStyle>
-  <p:extLst>
-    <p:ext uri="{EFAFB233-063F-42B5-8137-9DF3F51BA10A}">
-      <p15:sldGuideLst xmlns:p15="http://schemas.microsoft.com/office/powerpoint/2012/main">
-        <p15:guide id="1" orient="horz" pos="10112">
-          <p15:clr>
-            <a:srgbClr val="A4A3A4"/>
-          </p15:clr>
-        </p15:guide>
-        <p15:guide id="2" pos="13104">
-          <p15:clr>
-            <a:srgbClr val="A4A3A4"/>
-          </p15:clr>
-        </p15:guide>
-      </p15:sldGuideLst>
-    </p:ext>
-  </p:extLst>
 </p:presentation>
 </file>
 
 <file path=ppt/commentAuthors.xml><?xml version="1.0" encoding="utf-8"?>
-<p:cmAuthorLst xmlns:a="http://schemas.openxmlformats.org/drawingml/2006/main" xmlns:r="http://schemas.openxmlformats.org/officeDocument/2006/relationships" xmlns:p="http://schemas.openxmlformats.org/presentationml/2006/main">
-  <p:cmAuthor id="1" name="sist" initials="s" lastIdx="1" clrIdx="0">
-    <p:extLst>
-      <p:ext uri="{19B8F6BF-5375-455C-9EA6-DF929625EA0E}">
-        <p15:presenceInfo xmlns:p15="http://schemas.microsoft.com/office/powerpoint/2012/main" userId="sist" providerId="None"/>
-      </p:ext>
-    </p:extLst>
-  </p:cmAuthor>
+<p:cmAuthorLst xmlns:r="http://schemas.openxmlformats.org/officeDocument/2006/relationships" xmlns:c="http://schemas.openxmlformats.org/drawingml/2006/chart" xmlns:a="http://schemas.openxmlformats.org/drawingml/2006/main" xmlns:dgm="http://schemas.openxmlformats.org/drawingml/2006/diagram" xmlns:dsp="http://schemas.microsoft.com/office/drawing/2008/diagram" xmlns:p="http://schemas.openxmlformats.org/presentationml/2006/main">
+  <p:cmAuthor id="1" name="sist" initials="s" lastIdx="1" clrIdx="0"/>
 </p:cmAuthorLst>
 </file>
 
 <file path=ppt/notesMasters/notesMaster1.xml><?xml version="1.0" encoding="utf-8"?>
-<p:notesMaster xmlns:a="http://schemas.openxmlformats.org/drawingml/2006/main" xmlns:r="http://schemas.openxmlformats.org/officeDocument/2006/relationships" xmlns:p="http://schemas.openxmlformats.org/presentationml/2006/main">
+<p:notesMaster xmlns:r="http://schemas.openxmlformats.org/officeDocument/2006/relationships" xmlns:c="http://schemas.openxmlformats.org/drawingml/2006/chart" xmlns:a="http://schemas.openxmlformats.org/drawingml/2006/main" xmlns:dgm="http://schemas.openxmlformats.org/drawingml/2006/diagram" xmlns:dsp="http://schemas.microsoft.com/office/drawing/2008/diagram" xmlns:p="http://schemas.openxmlformats.org/presentationml/2006/main">
   <p:cSld>
     <p:bg>
       <p:bgRef idx="1001">
@@ -168,7 +146,7 @@
             <a:spLocks noGrp="1"/>
           </p:cNvSpPr>
           <p:nvPr>
-            <p:ph type="hdr" sz="quarter"/>
+            <p:ph type="hdr" sz="quarter" idx="0"/>
           </p:nvPr>
         </p:nvSpPr>
         <p:spPr>
@@ -191,6 +169,10 @@
             <a:pPr lvl="0">
               <a:defRPr/>
             </a:pPr>
+            <a:r>
+              <a:rPr lang="ko-KR" altLang="en-US"/>
+              <a:t/>
+            </a:r>
             <a:endParaRPr lang="ko-KR" altLang="en-US"/>
           </a:p>
         </p:txBody>
@@ -230,7 +212,7 @@
               <a:pPr lvl="0">
                 <a:defRPr/>
               </a:pPr>
-              <a:t>2019-12-24</a:t>
+              <a:t>2019-12-26</a:t>
             </a:fld>
             <a:endParaRPr lang="ko-KR" altLang="en-US"/>
           </a:p>
@@ -302,6 +284,7 @@
               <a:rPr lang="ko-KR" altLang="en-US"/>
               <a:t>마스터 텍스트 스타일을 편집하려면 클릭</a:t>
             </a:r>
+            <a:endParaRPr lang="ko-KR" altLang="en-US"/>
           </a:p>
           <a:p>
             <a:pPr lvl="1">
@@ -311,6 +294,7 @@
               <a:rPr lang="ko-KR" altLang="en-US"/>
               <a:t>두 번째 수준</a:t>
             </a:r>
+            <a:endParaRPr lang="ko-KR" altLang="en-US"/>
           </a:p>
           <a:p>
             <a:pPr lvl="2">
@@ -320,6 +304,7 @@
               <a:rPr lang="ko-KR" altLang="en-US"/>
               <a:t>세 번째 수준</a:t>
             </a:r>
+            <a:endParaRPr lang="ko-KR" altLang="en-US"/>
           </a:p>
           <a:p>
             <a:pPr lvl="3">
@@ -329,6 +314,7 @@
               <a:rPr lang="ko-KR" altLang="en-US"/>
               <a:t>네 번째 수준</a:t>
             </a:r>
+            <a:endParaRPr lang="ko-KR" altLang="en-US"/>
           </a:p>
           <a:p>
             <a:pPr lvl="4">
@@ -338,6 +324,7 @@
               <a:rPr lang="ko-KR" altLang="en-US"/>
               <a:t>다섯 번째 수준</a:t>
             </a:r>
+            <a:endParaRPr lang="ko-KR" altLang="en-US"/>
           </a:p>
         </p:txBody>
       </p:sp>
@@ -371,6 +358,10 @@
             <a:pPr lvl="0">
               <a:defRPr/>
             </a:pPr>
+            <a:r>
+              <a:rPr lang="ko-KR" altLang="en-US"/>
+              <a:t/>
+            </a:r>
             <a:endParaRPr lang="ko-KR" altLang="en-US"/>
           </a:p>
         </p:txBody>
@@ -516,7 +507,7 @@
 </file>
 
 <file path=ppt/notesSlides/notesSlide1.xml><?xml version="1.0" encoding="utf-8"?>
-<p:notes xmlns:a="http://schemas.openxmlformats.org/drawingml/2006/main" xmlns:r="http://schemas.openxmlformats.org/officeDocument/2006/relationships" xmlns:p="http://schemas.openxmlformats.org/presentationml/2006/main">
+<p:notes xmlns:r="http://schemas.openxmlformats.org/officeDocument/2006/relationships" xmlns:c="http://schemas.openxmlformats.org/drawingml/2006/chart" xmlns:a="http://schemas.openxmlformats.org/drawingml/2006/main" xmlns:dgm="http://schemas.openxmlformats.org/drawingml/2006/diagram" xmlns:dsp="http://schemas.microsoft.com/office/drawing/2008/diagram" xmlns:p="http://schemas.openxmlformats.org/presentationml/2006/main">
   <p:cSld>
     <p:spTree>
       <p:nvGrpSpPr>
@@ -539,7 +530,7 @@
             <a:spLocks noGrp="1" noRot="1" noChangeAspect="1" noTextEdit="1"/>
           </p:cNvSpPr>
           <p:nvPr>
-            <p:ph type="sldImg"/>
+            <p:ph type="sldImg" idx="0"/>
           </p:nvPr>
         </p:nvSpPr>
         <p:spPr/>
@@ -562,6 +553,10 @@
             <a:pPr lvl="0">
               <a:defRPr/>
             </a:pPr>
+            <a:r>
+              <a:rPr lang="ko-KR" altLang="en-US"/>
+              <a:t/>
+            </a:r>
             <a:endParaRPr lang="ko-KR" altLang="en-US"/>
           </a:p>
         </p:txBody>
@@ -596,11 +591,6 @@
         </p:txBody>
       </p:sp>
     </p:spTree>
-    <p:extLst>
-      <p:ext uri="{BB962C8B-B14F-4D97-AF65-F5344CB8AC3E}">
-        <p14:creationId xmlns:p14="http://schemas.microsoft.com/office/powerpoint/2010/main" val="2243133579"/>
-      </p:ext>
-    </p:extLst>
   </p:cSld>
   <p:clrMapOvr>
     <a:masterClrMapping/>
@@ -609,7 +599,7 @@
 </file>
 
 <file path=ppt/notesSlides/notesSlide2.xml><?xml version="1.0" encoding="utf-8"?>
-<p:notes xmlns:a="http://schemas.openxmlformats.org/drawingml/2006/main" xmlns:r="http://schemas.openxmlformats.org/officeDocument/2006/relationships" xmlns:p="http://schemas.openxmlformats.org/presentationml/2006/main">
+<p:notes xmlns:r="http://schemas.openxmlformats.org/officeDocument/2006/relationships" xmlns:c="http://schemas.openxmlformats.org/drawingml/2006/chart" xmlns:a="http://schemas.openxmlformats.org/drawingml/2006/main" xmlns:dgm="http://schemas.openxmlformats.org/drawingml/2006/diagram" xmlns:dsp="http://schemas.microsoft.com/office/drawing/2008/diagram" xmlns:p="http://schemas.openxmlformats.org/presentationml/2006/main">
   <p:cSld>
     <p:spTree>
       <p:nvGrpSpPr>
@@ -632,7 +622,7 @@
             <a:spLocks noGrp="1" noRot="1" noChangeAspect="1" noTextEdit="1"/>
           </p:cNvSpPr>
           <p:nvPr>
-            <p:ph type="sldImg"/>
+            <p:ph type="sldImg" idx="0"/>
           </p:nvPr>
         </p:nvSpPr>
         <p:spPr/>
@@ -655,6 +645,10 @@
             <a:pPr lvl="0">
               <a:defRPr/>
             </a:pPr>
+            <a:r>
+              <a:rPr lang="ko-KR" altLang="en-US"/>
+              <a:t/>
+            </a:r>
             <a:endParaRPr lang="ko-KR" altLang="en-US"/>
           </a:p>
         </p:txBody>
@@ -3541,7 +3535,7 @@
 </file>
 
 <file path=ppt/slides/slide1.xml><?xml version="1.0" encoding="utf-8"?>
-<p:sld xmlns:a="http://schemas.openxmlformats.org/drawingml/2006/main" xmlns:r="http://schemas.openxmlformats.org/officeDocument/2006/relationships" xmlns:p="http://schemas.openxmlformats.org/presentationml/2006/main">
+<p:sld xmlns:r="http://schemas.openxmlformats.org/officeDocument/2006/relationships" xmlns:c="http://schemas.openxmlformats.org/drawingml/2006/chart" xmlns:a="http://schemas.openxmlformats.org/drawingml/2006/main" xmlns:dgm="http://schemas.openxmlformats.org/drawingml/2006/diagram" xmlns:dsp="http://schemas.microsoft.com/office/drawing/2008/diagram" xmlns:p="http://schemas.openxmlformats.org/presentationml/2006/main">
   <p:cSld>
     <p:spTree>
       <p:nvGrpSpPr>
@@ -3576,7 +3570,7 @@
           </a:solidFill>
           <a:ln>
             <a:solidFill>
-              <a:srgbClr val="203A7B"/>
+              <a:srgbClr val="203a7b"/>
             </a:solidFill>
           </a:ln>
         </p:spPr>
@@ -3620,6 +3614,7 @@
               <a:rPr lang="ko-KR" altLang="en-US" sz="2500" b="1"/>
               <a:t>관리자</a:t>
             </a:r>
+            <a:endParaRPr lang="ko-KR" altLang="en-US" sz="2500" b="1"/>
           </a:p>
         </p:txBody>
       </p:sp>
@@ -3678,6 +3673,7 @@
               <a:rPr lang="ko-KR" altLang="en-US" sz="2500" b="1"/>
               <a:t>관리자</a:t>
             </a:r>
+            <a:endParaRPr lang="ko-KR" altLang="en-US" sz="2500" b="1"/>
           </a:p>
         </p:txBody>
       </p:sp>
@@ -3731,6 +3727,7 @@
               <a:rPr lang="ko-KR" altLang="en-US" sz="3600" b="1"/>
               <a:t>영화관 예약 시스템</a:t>
             </a:r>
+            <a:endParaRPr lang="ko-KR" altLang="en-US" sz="3600" b="1"/>
           </a:p>
         </p:txBody>
       </p:sp>
@@ -3784,6 +3781,7 @@
               <a:rPr lang="ko-KR" altLang="en-US" sz="3000" b="1"/>
               <a:t>회원 가입</a:t>
             </a:r>
+            <a:endParaRPr lang="ko-KR" altLang="en-US" sz="3000" b="1"/>
           </a:p>
         </p:txBody>
       </p:sp>
@@ -3841,6 +3839,7 @@
               <a:rPr lang="ko-KR" altLang="en-US" sz="3000" b="1"/>
               <a:t>찾기</a:t>
             </a:r>
+            <a:endParaRPr lang="ko-KR" altLang="en-US" sz="3000" b="1"/>
           </a:p>
         </p:txBody>
       </p:sp>
@@ -3898,6 +3897,7 @@
               <a:rPr lang="ko-KR" altLang="en-US" sz="3000" b="1"/>
               <a:t>찾기</a:t>
             </a:r>
+            <a:endParaRPr lang="ko-KR" altLang="en-US" sz="3000" b="1"/>
           </a:p>
         </p:txBody>
       </p:sp>
@@ -3920,7 +3920,7 @@
           </a:solidFill>
           <a:ln>
             <a:solidFill>
-              <a:srgbClr val="BFA100"/>
+              <a:srgbClr val="bfa100"/>
             </a:solidFill>
           </a:ln>
         </p:spPr>
@@ -3956,6 +3956,7 @@
               <a:rPr lang="ko-KR" altLang="en-US" sz="2500" b="1"/>
               <a:t>회원</a:t>
             </a:r>
+            <a:endParaRPr lang="ko-KR" altLang="en-US" sz="2500" b="1"/>
           </a:p>
         </p:txBody>
       </p:sp>
@@ -3967,7 +3968,7 @@
         </p:nvSpPr>
         <p:spPr>
           <a:xfrm>
-            <a:off x="43308438" y="6430260"/>
+            <a:off x="41925196" y="6466836"/>
             <a:ext cx="3060382" cy="684085"/>
           </a:xfrm>
           <a:prstGeom prst="rect">
@@ -4007,6 +4008,7 @@
               <a:rPr lang="ko-KR" altLang="en-US" sz="2600" b="1"/>
               <a:t>관리자페이지</a:t>
             </a:r>
+            <a:endParaRPr lang="ko-KR" altLang="en-US" sz="2600" b="1"/>
           </a:p>
         </p:txBody>
       </p:sp>
@@ -4058,6 +4060,7 @@
               <a:rPr lang="ko-KR" altLang="en-US" sz="2600" b="1"/>
               <a:t>신고 관리</a:t>
             </a:r>
+            <a:endParaRPr lang="ko-KR" altLang="en-US" sz="2600" b="1"/>
           </a:p>
         </p:txBody>
       </p:sp>
@@ -4132,6 +4135,7 @@
               <a:rPr lang="ko-KR" altLang="en-US" sz="2500" b="1"/>
               <a:t>관리자</a:t>
             </a:r>
+            <a:endParaRPr lang="ko-KR" altLang="en-US" sz="2500" b="1"/>
           </a:p>
         </p:txBody>
       </p:sp>
@@ -4189,6 +4193,11 @@
               </a:rPr>
               <a:t>로그인</a:t>
             </a:r>
+            <a:endParaRPr lang="ko-KR" altLang="en-US" sz="3000" b="1">
+              <a:solidFill>
+                <a:schemeClr val="tx1"/>
+              </a:solidFill>
+            </a:endParaRPr>
           </a:p>
         </p:txBody>
       </p:sp>
@@ -4253,6 +4262,11 @@
               </a:rPr>
               <a:t>로그아웃</a:t>
             </a:r>
+            <a:endParaRPr lang="ko-KR" altLang="en-US" sz="3000" b="1">
+              <a:solidFill>
+                <a:schemeClr val="bg1"/>
+              </a:solidFill>
+            </a:endParaRPr>
           </a:p>
         </p:txBody>
       </p:sp>
@@ -4264,7 +4278,7 @@
         </p:nvSpPr>
         <p:spPr>
           <a:xfrm>
-            <a:off x="33242052" y="6316897"/>
+            <a:off x="30670448" y="6392888"/>
             <a:ext cx="3060382" cy="684085"/>
           </a:xfrm>
           <a:prstGeom prst="rect">
@@ -4304,6 +4318,7 @@
               <a:rPr lang="ko-KR" altLang="en-US" sz="2600" b="1"/>
               <a:t>마이페이지</a:t>
             </a:r>
+            <a:endParaRPr lang="ko-KR" altLang="en-US" sz="2600" b="1"/>
           </a:p>
         </p:txBody>
       </p:sp>
@@ -4362,6 +4377,7 @@
               <a:rPr lang="ko-KR" altLang="en-US" sz="2600" b="1"/>
               <a:t>영화</a:t>
             </a:r>
+            <a:endParaRPr lang="ko-KR" altLang="en-US" sz="2600" b="1"/>
           </a:p>
         </p:txBody>
       </p:sp>
@@ -4373,7 +4389,7 @@
         </p:nvSpPr>
         <p:spPr>
           <a:xfrm>
-            <a:off x="2839305" y="10431844"/>
+            <a:off x="2731292" y="10328842"/>
             <a:ext cx="3060382" cy="684085"/>
           </a:xfrm>
           <a:prstGeom prst="rect">
@@ -4420,6 +4436,7 @@
               <a:rPr lang="ko-KR" altLang="en-US" sz="2600" b="1"/>
               <a:t>영화 상세보기</a:t>
             </a:r>
+            <a:endParaRPr lang="ko-KR" altLang="en-US" sz="2600" b="1"/>
           </a:p>
         </p:txBody>
       </p:sp>
@@ -4549,6 +4566,7 @@
               <a:rPr lang="ko-KR" altLang="en-US" sz="2600" b="1"/>
               <a:t>영화 정보</a:t>
             </a:r>
+            <a:endParaRPr lang="ko-KR" altLang="en-US" sz="2600" b="1"/>
           </a:p>
         </p:txBody>
       </p:sp>
@@ -4571,7 +4589,7 @@
           </a:solidFill>
           <a:ln>
             <a:solidFill>
-              <a:srgbClr val="806B00"/>
+              <a:srgbClr val="806b00"/>
             </a:solidFill>
           </a:ln>
         </p:spPr>
@@ -4642,7 +4660,7 @@
           </a:solidFill>
           <a:ln>
             <a:solidFill>
-              <a:srgbClr val="806B00"/>
+              <a:srgbClr val="806b00"/>
             </a:solidFill>
           </a:ln>
         </p:spPr>
@@ -4678,6 +4696,7 @@
               <a:rPr lang="ko-KR" altLang="en-US" sz="2600" b="1"/>
               <a:t>한줄평 수정</a:t>
             </a:r>
+            <a:endParaRPr lang="ko-KR" altLang="en-US" sz="2600" b="1"/>
           </a:p>
         </p:txBody>
       </p:sp>
@@ -4702,7 +4721,7 @@
           </a:solidFill>
           <a:ln>
             <a:solidFill>
-              <a:srgbClr val="806B00"/>
+              <a:srgbClr val="806b00"/>
             </a:solidFill>
           </a:ln>
         </p:spPr>
@@ -4738,6 +4757,7 @@
               <a:rPr lang="ko-KR" altLang="en-US" sz="2600" b="1"/>
               <a:t>한줄평 삭제</a:t>
             </a:r>
+            <a:endParaRPr lang="ko-KR" altLang="en-US" sz="2600" b="1"/>
           </a:p>
         </p:txBody>
       </p:sp>
@@ -4760,7 +4780,7 @@
           </a:solidFill>
           <a:ln>
             <a:solidFill>
-              <a:srgbClr val="806B00"/>
+              <a:srgbClr val="806b00"/>
             </a:solidFill>
           </a:ln>
         </p:spPr>
@@ -4816,18 +4836,233 @@
               </a:rPr>
               <a:t>신고</a:t>
             </a:r>
+            <a:endParaRPr lang="ko-KR" altLang="en-US" sz="2600" b="1">
+              <a:solidFill>
+                <a:schemeClr val="bg1"/>
+              </a:solidFill>
+            </a:endParaRPr>
           </a:p>
         </p:txBody>
       </p:sp>
+      <p:cxnSp>
+        <p:nvCxnSpPr>
+          <p:cNvPr id="1401" name="연결선: 꺾임 1400"/>
+          <p:cNvCxnSpPr/>
+          <p:nvPr/>
+        </p:nvCxnSpPr>
+        <p:spPr>
+          <a:xfrm rot="10800000">
+            <a:off x="3563810" y="11115929"/>
+            <a:ext cx="535656" cy="5455352"/>
+          </a:xfrm>
+          <a:prstGeom prst="bentConnector2">
+            <a:avLst/>
+          </a:prstGeom>
+          <a:ln>
+            <a:solidFill>
+              <a:schemeClr val="dk1"/>
+            </a:solidFill>
+          </a:ln>
+        </p:spPr>
+        <p:style>
+          <a:lnRef idx="1">
+            <a:schemeClr val="accent1"/>
+          </a:lnRef>
+          <a:fillRef idx="0">
+            <a:schemeClr val="accent1"/>
+          </a:fillRef>
+          <a:effectRef idx="0">
+            <a:schemeClr val="accent1"/>
+          </a:effectRef>
+          <a:fontRef idx="minor">
+            <a:schemeClr val="tx1"/>
+          </a:fontRef>
+        </p:style>
+      </p:cxnSp>
+      <p:cxnSp>
+        <p:nvCxnSpPr>
+          <p:cNvPr id="1404" name="직선 연결선 1403"/>
+          <p:cNvCxnSpPr/>
+          <p:nvPr/>
+        </p:nvCxnSpPr>
+        <p:spPr>
+          <a:xfrm>
+            <a:off x="3563810" y="15597081"/>
+            <a:ext cx="535659" cy="0"/>
+          </a:xfrm>
+          <a:prstGeom prst="line">
+            <a:avLst/>
+          </a:prstGeom>
+          <a:ln>
+            <a:solidFill>
+              <a:schemeClr val="dk1"/>
+            </a:solidFill>
+          </a:ln>
+        </p:spPr>
+        <p:style>
+          <a:lnRef idx="1">
+            <a:schemeClr val="accent1"/>
+          </a:lnRef>
+          <a:fillRef idx="0">
+            <a:schemeClr val="accent1"/>
+          </a:fillRef>
+          <a:effectRef idx="0">
+            <a:schemeClr val="accent1"/>
+          </a:effectRef>
+          <a:fontRef idx="minor">
+            <a:schemeClr val="tx1"/>
+          </a:fontRef>
+        </p:style>
+      </p:cxnSp>
+      <p:cxnSp>
+        <p:nvCxnSpPr>
+          <p:cNvPr id="1405" name="직선 연결선 1404"/>
+          <p:cNvCxnSpPr/>
+          <p:nvPr/>
+        </p:nvCxnSpPr>
+        <p:spPr>
+          <a:xfrm>
+            <a:off x="3563810" y="14657319"/>
+            <a:ext cx="535659" cy="0"/>
+          </a:xfrm>
+          <a:prstGeom prst="line">
+            <a:avLst/>
+          </a:prstGeom>
+          <a:ln>
+            <a:solidFill>
+              <a:schemeClr val="dk1"/>
+            </a:solidFill>
+          </a:ln>
+        </p:spPr>
+        <p:style>
+          <a:lnRef idx="1">
+            <a:schemeClr val="accent1"/>
+          </a:lnRef>
+          <a:fillRef idx="0">
+            <a:schemeClr val="accent1"/>
+          </a:fillRef>
+          <a:effectRef idx="0">
+            <a:schemeClr val="accent1"/>
+          </a:effectRef>
+          <a:fontRef idx="minor">
+            <a:schemeClr val="tx1"/>
+          </a:fontRef>
+        </p:style>
+      </p:cxnSp>
+      <p:cxnSp>
+        <p:nvCxnSpPr>
+          <p:cNvPr id="1406" name="직선 연결선 1405"/>
+          <p:cNvCxnSpPr/>
+          <p:nvPr/>
+        </p:nvCxnSpPr>
+        <p:spPr>
+          <a:xfrm>
+            <a:off x="3563810" y="13682625"/>
+            <a:ext cx="535659" cy="0"/>
+          </a:xfrm>
+          <a:prstGeom prst="line">
+            <a:avLst/>
+          </a:prstGeom>
+          <a:ln>
+            <a:solidFill>
+              <a:schemeClr val="dk1"/>
+            </a:solidFill>
+          </a:ln>
+        </p:spPr>
+        <p:style>
+          <a:lnRef idx="1">
+            <a:schemeClr val="accent1"/>
+          </a:lnRef>
+          <a:fillRef idx="0">
+            <a:schemeClr val="accent1"/>
+          </a:fillRef>
+          <a:effectRef idx="0">
+            <a:schemeClr val="accent1"/>
+          </a:effectRef>
+          <a:fontRef idx="minor">
+            <a:schemeClr val="tx1"/>
+          </a:fontRef>
+        </p:style>
+      </p:cxnSp>
+      <p:cxnSp>
+        <p:nvCxnSpPr>
+          <p:cNvPr id="1407" name="직선 연결선 1406"/>
+          <p:cNvCxnSpPr/>
+          <p:nvPr/>
+        </p:nvCxnSpPr>
+        <p:spPr>
+          <a:xfrm>
+            <a:off x="3563810" y="12693591"/>
+            <a:ext cx="535659" cy="0"/>
+          </a:xfrm>
+          <a:prstGeom prst="line">
+            <a:avLst/>
+          </a:prstGeom>
+          <a:ln>
+            <a:solidFill>
+              <a:schemeClr val="dk1"/>
+            </a:solidFill>
+          </a:ln>
+        </p:spPr>
+        <p:style>
+          <a:lnRef idx="1">
+            <a:schemeClr val="accent1"/>
+          </a:lnRef>
+          <a:fillRef idx="0">
+            <a:schemeClr val="accent1"/>
+          </a:fillRef>
+          <a:effectRef idx="0">
+            <a:schemeClr val="accent1"/>
+          </a:effectRef>
+          <a:fontRef idx="minor">
+            <a:schemeClr val="tx1"/>
+          </a:fontRef>
+        </p:style>
+      </p:cxnSp>
+      <p:cxnSp>
+        <p:nvCxnSpPr>
+          <p:cNvPr id="1408" name="직선 연결선 1407"/>
+          <p:cNvCxnSpPr/>
+          <p:nvPr/>
+        </p:nvCxnSpPr>
+        <p:spPr>
+          <a:xfrm>
+            <a:off x="3563810" y="11732887"/>
+            <a:ext cx="535658" cy="0"/>
+          </a:xfrm>
+          <a:prstGeom prst="line">
+            <a:avLst/>
+          </a:prstGeom>
+          <a:ln>
+            <a:solidFill>
+              <a:schemeClr val="dk1"/>
+            </a:solidFill>
+          </a:ln>
+        </p:spPr>
+        <p:style>
+          <a:lnRef idx="1">
+            <a:schemeClr val="accent1"/>
+          </a:lnRef>
+          <a:fillRef idx="0">
+            <a:schemeClr val="accent1"/>
+          </a:fillRef>
+          <a:effectRef idx="0">
+            <a:schemeClr val="accent1"/>
+          </a:effectRef>
+          <a:fontRef idx="minor">
+            <a:schemeClr val="tx1"/>
+          </a:fontRef>
+        </p:style>
+      </p:cxnSp>
       <p:sp>
         <p:nvSpPr>
-          <p:cNvPr id="1398" name="직사각형 1028"/>
+          <p:cNvPr id="1019" name="직사각형 1018"/>
           <p:cNvSpPr/>
           <p:nvPr/>
         </p:nvSpPr>
         <p:spPr>
           <a:xfrm>
-            <a:off x="1695352" y="9509813"/>
+            <a:off x="7563995" y="6393076"/>
             <a:ext cx="3060382" cy="684085"/>
           </a:xfrm>
           <a:prstGeom prst="rect">
@@ -4872,20 +5107,21 @@
             </a:pPr>
             <a:r>
               <a:rPr lang="ko-KR" altLang="en-US" sz="2600" b="1"/>
-              <a:t>영화 랭킹 조회</a:t>
+              <a:t>예매</a:t>
             </a:r>
+            <a:endParaRPr lang="ko-KR" altLang="en-US" sz="2600" b="1"/>
           </a:p>
         </p:txBody>
       </p:sp>
       <p:sp>
         <p:nvSpPr>
-          <p:cNvPr id="1399" name="직사각형 1175"/>
+          <p:cNvPr id="1031" name="직사각형 1030"/>
           <p:cNvSpPr/>
           <p:nvPr/>
         </p:nvSpPr>
         <p:spPr>
           <a:xfrm>
-            <a:off x="1695352" y="7401279"/>
+            <a:off x="8311847" y="7383351"/>
             <a:ext cx="3060382" cy="684085"/>
           </a:xfrm>
           <a:prstGeom prst="rect">
@@ -4930,439 +5166,9 @@
             </a:pPr>
             <a:r>
               <a:rPr lang="ko-KR" altLang="en-US" sz="2600" b="1"/>
-              <a:t>영화 검색</a:t>
+              <a:t>상영 시간표 조회</a:t>
             </a:r>
-          </a:p>
-        </p:txBody>
-      </p:sp>
-      <p:cxnSp>
-        <p:nvCxnSpPr>
-          <p:cNvPr id="1400" name="연결선: 꺾임 1399"/>
-          <p:cNvCxnSpPr/>
-          <p:nvPr/>
-        </p:nvCxnSpPr>
-        <p:spPr>
-          <a:xfrm rot="10800000">
-            <a:off x="2347171" y="10193898"/>
-            <a:ext cx="492134" cy="579990"/>
-          </a:xfrm>
-          <a:prstGeom prst="bentConnector2">
-            <a:avLst/>
-          </a:prstGeom>
-          <a:ln>
-            <a:solidFill>
-              <a:schemeClr val="dk1"/>
-            </a:solidFill>
-          </a:ln>
-        </p:spPr>
-        <p:style>
-          <a:lnRef idx="1">
-            <a:schemeClr val="accent1"/>
-          </a:lnRef>
-          <a:fillRef idx="0">
-            <a:schemeClr val="accent1"/>
-          </a:fillRef>
-          <a:effectRef idx="0">
-            <a:schemeClr val="accent1"/>
-          </a:effectRef>
-          <a:fontRef idx="minor">
-            <a:schemeClr val="tx1"/>
-          </a:fontRef>
-        </p:style>
-      </p:cxnSp>
-      <p:cxnSp>
-        <p:nvCxnSpPr>
-          <p:cNvPr id="1401" name="연결선: 꺾임 1400"/>
-          <p:cNvCxnSpPr/>
-          <p:nvPr/>
-        </p:nvCxnSpPr>
-        <p:spPr>
-          <a:xfrm rot="10800000">
-            <a:off x="3563810" y="11115929"/>
-            <a:ext cx="535656" cy="5455352"/>
-          </a:xfrm>
-          <a:prstGeom prst="bentConnector2">
-            <a:avLst/>
-          </a:prstGeom>
-          <a:ln>
-            <a:solidFill>
-              <a:schemeClr val="dk1"/>
-            </a:solidFill>
-          </a:ln>
-        </p:spPr>
-        <p:style>
-          <a:lnRef idx="1">
-            <a:schemeClr val="accent1"/>
-          </a:lnRef>
-          <a:fillRef idx="0">
-            <a:schemeClr val="accent1"/>
-          </a:fillRef>
-          <a:effectRef idx="0">
-            <a:schemeClr val="accent1"/>
-          </a:effectRef>
-          <a:fontRef idx="minor">
-            <a:schemeClr val="tx1"/>
-          </a:fontRef>
-        </p:style>
-      </p:cxnSp>
-      <p:cxnSp>
-        <p:nvCxnSpPr>
-          <p:cNvPr id="1403" name="연결선: 꺾임 1402"/>
-          <p:cNvCxnSpPr/>
-          <p:nvPr/>
-        </p:nvCxnSpPr>
-        <p:spPr>
-          <a:xfrm rot="10800000">
-            <a:off x="1147096" y="7077162"/>
-            <a:ext cx="548256" cy="1712689"/>
-          </a:xfrm>
-          <a:prstGeom prst="bentConnector2">
-            <a:avLst/>
-          </a:prstGeom>
-          <a:ln>
-            <a:solidFill>
-              <a:schemeClr val="dk1"/>
-            </a:solidFill>
-          </a:ln>
-        </p:spPr>
-        <p:style>
-          <a:lnRef idx="1">
-            <a:schemeClr val="accent1"/>
-          </a:lnRef>
-          <a:fillRef idx="0">
-            <a:schemeClr val="accent1"/>
-          </a:fillRef>
-          <a:effectRef idx="0">
-            <a:schemeClr val="accent1"/>
-          </a:effectRef>
-          <a:fontRef idx="minor">
-            <a:schemeClr val="tx1"/>
-          </a:fontRef>
-        </p:style>
-      </p:cxnSp>
-      <p:cxnSp>
-        <p:nvCxnSpPr>
-          <p:cNvPr id="1404" name="직선 연결선 1403"/>
-          <p:cNvCxnSpPr/>
-          <p:nvPr/>
-        </p:nvCxnSpPr>
-        <p:spPr>
-          <a:xfrm>
-            <a:off x="3563810" y="15597081"/>
-            <a:ext cx="535659" cy="0"/>
-          </a:xfrm>
-          <a:prstGeom prst="line">
-            <a:avLst/>
-          </a:prstGeom>
-          <a:ln>
-            <a:solidFill>
-              <a:schemeClr val="dk1"/>
-            </a:solidFill>
-          </a:ln>
-        </p:spPr>
-        <p:style>
-          <a:lnRef idx="1">
-            <a:schemeClr val="accent1"/>
-          </a:lnRef>
-          <a:fillRef idx="0">
-            <a:schemeClr val="accent1"/>
-          </a:fillRef>
-          <a:effectRef idx="0">
-            <a:schemeClr val="accent1"/>
-          </a:effectRef>
-          <a:fontRef idx="minor">
-            <a:schemeClr val="tx1"/>
-          </a:fontRef>
-        </p:style>
-      </p:cxnSp>
-      <p:cxnSp>
-        <p:nvCxnSpPr>
-          <p:cNvPr id="1405" name="직선 연결선 1404"/>
-          <p:cNvCxnSpPr/>
-          <p:nvPr/>
-        </p:nvCxnSpPr>
-        <p:spPr>
-          <a:xfrm>
-            <a:off x="3563810" y="14657319"/>
-            <a:ext cx="535659" cy="0"/>
-          </a:xfrm>
-          <a:prstGeom prst="line">
-            <a:avLst/>
-          </a:prstGeom>
-          <a:ln>
-            <a:solidFill>
-              <a:schemeClr val="dk1"/>
-            </a:solidFill>
-          </a:ln>
-        </p:spPr>
-        <p:style>
-          <a:lnRef idx="1">
-            <a:schemeClr val="accent1"/>
-          </a:lnRef>
-          <a:fillRef idx="0">
-            <a:schemeClr val="accent1"/>
-          </a:fillRef>
-          <a:effectRef idx="0">
-            <a:schemeClr val="accent1"/>
-          </a:effectRef>
-          <a:fontRef idx="minor">
-            <a:schemeClr val="tx1"/>
-          </a:fontRef>
-        </p:style>
-      </p:cxnSp>
-      <p:cxnSp>
-        <p:nvCxnSpPr>
-          <p:cNvPr id="1406" name="직선 연결선 1405"/>
-          <p:cNvCxnSpPr/>
-          <p:nvPr/>
-        </p:nvCxnSpPr>
-        <p:spPr>
-          <a:xfrm>
-            <a:off x="3563810" y="13682625"/>
-            <a:ext cx="535659" cy="0"/>
-          </a:xfrm>
-          <a:prstGeom prst="line">
-            <a:avLst/>
-          </a:prstGeom>
-          <a:ln>
-            <a:solidFill>
-              <a:schemeClr val="dk1"/>
-            </a:solidFill>
-          </a:ln>
-        </p:spPr>
-        <p:style>
-          <a:lnRef idx="1">
-            <a:schemeClr val="accent1"/>
-          </a:lnRef>
-          <a:fillRef idx="0">
-            <a:schemeClr val="accent1"/>
-          </a:fillRef>
-          <a:effectRef idx="0">
-            <a:schemeClr val="accent1"/>
-          </a:effectRef>
-          <a:fontRef idx="minor">
-            <a:schemeClr val="tx1"/>
-          </a:fontRef>
-        </p:style>
-      </p:cxnSp>
-      <p:cxnSp>
-        <p:nvCxnSpPr>
-          <p:cNvPr id="1407" name="직선 연결선 1406"/>
-          <p:cNvCxnSpPr/>
-          <p:nvPr/>
-        </p:nvCxnSpPr>
-        <p:spPr>
-          <a:xfrm>
-            <a:off x="3563810" y="12693591"/>
-            <a:ext cx="535659" cy="0"/>
-          </a:xfrm>
-          <a:prstGeom prst="line">
-            <a:avLst/>
-          </a:prstGeom>
-          <a:ln>
-            <a:solidFill>
-              <a:schemeClr val="dk1"/>
-            </a:solidFill>
-          </a:ln>
-        </p:spPr>
-        <p:style>
-          <a:lnRef idx="1">
-            <a:schemeClr val="accent1"/>
-          </a:lnRef>
-          <a:fillRef idx="0">
-            <a:schemeClr val="accent1"/>
-          </a:fillRef>
-          <a:effectRef idx="0">
-            <a:schemeClr val="accent1"/>
-          </a:effectRef>
-          <a:fontRef idx="minor">
-            <a:schemeClr val="tx1"/>
-          </a:fontRef>
-        </p:style>
-      </p:cxnSp>
-      <p:cxnSp>
-        <p:nvCxnSpPr>
-          <p:cNvPr id="1408" name="직선 연결선 1407"/>
-          <p:cNvCxnSpPr/>
-          <p:nvPr/>
-        </p:nvCxnSpPr>
-        <p:spPr>
-          <a:xfrm>
-            <a:off x="3563810" y="11732887"/>
-            <a:ext cx="535658" cy="0"/>
-          </a:xfrm>
-          <a:prstGeom prst="line">
-            <a:avLst/>
-          </a:prstGeom>
-          <a:ln>
-            <a:solidFill>
-              <a:schemeClr val="dk1"/>
-            </a:solidFill>
-          </a:ln>
-        </p:spPr>
-        <p:style>
-          <a:lnRef idx="1">
-            <a:schemeClr val="accent1"/>
-          </a:lnRef>
-          <a:fillRef idx="0">
-            <a:schemeClr val="accent1"/>
-          </a:fillRef>
-          <a:effectRef idx="0">
-            <a:schemeClr val="accent1"/>
-          </a:effectRef>
-          <a:fontRef idx="minor">
-            <a:schemeClr val="tx1"/>
-          </a:fontRef>
-        </p:style>
-      </p:cxnSp>
-      <p:cxnSp>
-        <p:nvCxnSpPr>
-          <p:cNvPr id="1410" name="직선 연결선 1409"/>
-          <p:cNvCxnSpPr/>
-          <p:nvPr/>
-        </p:nvCxnSpPr>
-        <p:spPr>
-          <a:xfrm>
-            <a:off x="1147095" y="7743321"/>
-            <a:ext cx="548256" cy="0"/>
-          </a:xfrm>
-          <a:prstGeom prst="line">
-            <a:avLst/>
-          </a:prstGeom>
-          <a:ln>
-            <a:solidFill>
-              <a:schemeClr val="dk1"/>
-            </a:solidFill>
-          </a:ln>
-        </p:spPr>
-        <p:style>
-          <a:lnRef idx="1">
-            <a:schemeClr val="accent1"/>
-          </a:lnRef>
-          <a:fillRef idx="0">
-            <a:schemeClr val="accent1"/>
-          </a:fillRef>
-          <a:effectRef idx="0">
-            <a:schemeClr val="accent1"/>
-          </a:effectRef>
-          <a:fontRef idx="minor">
-            <a:schemeClr val="tx1"/>
-          </a:fontRef>
-        </p:style>
-      </p:cxnSp>
-      <p:sp>
-        <p:nvSpPr>
-          <p:cNvPr id="1019" name="직사각형 1018"/>
-          <p:cNvSpPr/>
-          <p:nvPr/>
-        </p:nvSpPr>
-        <p:spPr>
-          <a:xfrm>
-            <a:off x="7563995" y="6393076"/>
-            <a:ext cx="3060382" cy="684085"/>
-          </a:xfrm>
-          <a:prstGeom prst="rect">
-            <a:avLst/>
-          </a:prstGeom>
-          <a:solidFill>
-            <a:srgbClr val="808080"/>
-          </a:solidFill>
-          <a:ln>
-            <a:solidFill>
-              <a:srgbClr val="595959"/>
-            </a:solidFill>
-          </a:ln>
-        </p:spPr>
-        <p:style>
-          <a:lnRef idx="2">
-            <a:schemeClr val="accent5">
-              <a:shade val="50000"/>
-            </a:schemeClr>
-          </a:lnRef>
-          <a:fillRef idx="1">
-            <a:schemeClr val="accent5"/>
-          </a:fillRef>
-          <a:effectRef idx="0">
-            <a:schemeClr val="accent5"/>
-          </a:effectRef>
-          <a:fontRef idx="minor">
-            <a:schemeClr val="lt1"/>
-          </a:fontRef>
-        </p:style>
-        <p:txBody>
-          <a:bodyPr rot="0" vert="horz" wrap="square" lIns="77272" tIns="38641" rIns="77272" bIns="38641" anchor="ctr" anchorCtr="0">
-            <a:prstTxWarp prst="textNoShape">
-              <a:avLst/>
-            </a:prstTxWarp>
-            <a:noAutofit/>
-          </a:bodyPr>
-          <a:lstStyle/>
-          <a:p>
-            <a:pPr algn="ctr">
-              <a:defRPr/>
-            </a:pPr>
-            <a:r>
-              <a:rPr lang="ko-KR" altLang="en-US" sz="2600" b="1"/>
-              <a:t>예매</a:t>
-            </a:r>
-          </a:p>
-        </p:txBody>
-      </p:sp>
-      <p:sp>
-        <p:nvSpPr>
-          <p:cNvPr id="1031" name="직사각형 1030"/>
-          <p:cNvSpPr/>
-          <p:nvPr/>
-        </p:nvSpPr>
-        <p:spPr>
-          <a:xfrm>
-            <a:off x="8311847" y="7383351"/>
-            <a:ext cx="3060382" cy="684085"/>
-          </a:xfrm>
-          <a:prstGeom prst="rect">
-            <a:avLst/>
-          </a:prstGeom>
-          <a:solidFill>
-            <a:srgbClr val="808080"/>
-          </a:solidFill>
-          <a:ln>
-            <a:solidFill>
-              <a:srgbClr val="595959"/>
-            </a:solidFill>
-          </a:ln>
-        </p:spPr>
-        <p:style>
-          <a:lnRef idx="2">
-            <a:schemeClr val="accent5">
-              <a:shade val="50000"/>
-            </a:schemeClr>
-          </a:lnRef>
-          <a:fillRef idx="1">
-            <a:schemeClr val="accent5"/>
-          </a:fillRef>
-          <a:effectRef idx="0">
-            <a:schemeClr val="accent5"/>
-          </a:effectRef>
-          <a:fontRef idx="minor">
-            <a:schemeClr val="lt1"/>
-          </a:fontRef>
-        </p:style>
-        <p:txBody>
-          <a:bodyPr rot="0" vert="horz" wrap="square" lIns="77272" tIns="38641" rIns="77272" bIns="38641" anchor="ctr" anchorCtr="0">
-            <a:prstTxWarp prst="textNoShape">
-              <a:avLst/>
-            </a:prstTxWarp>
-            <a:noAutofit/>
-          </a:bodyPr>
-          <a:lstStyle/>
-          <a:p>
-            <a:pPr algn="ctr">
-              <a:defRPr/>
-            </a:pPr>
-            <a:r>
-              <a:rPr lang="ko-KR" altLang="en-US" sz="2600" b="1"/>
-              <a:t>상영 시간표</a:t>
-            </a:r>
+            <a:endParaRPr lang="ko-KR" altLang="en-US" sz="2600" b="1"/>
           </a:p>
         </p:txBody>
       </p:sp>
@@ -5414,6 +5220,7 @@
               <a:rPr lang="ko-KR" altLang="en-US" sz="2600" b="1"/>
               <a:t>예매</a:t>
             </a:r>
+            <a:endParaRPr lang="ko-KR" altLang="en-US" sz="2600" b="1"/>
           </a:p>
         </p:txBody>
       </p:sp>
@@ -5488,6 +5295,7 @@
               <a:rPr lang="ko-KR" altLang="en-US" sz="2600" b="1"/>
               <a:t>선택 페이지</a:t>
             </a:r>
+            <a:endParaRPr lang="ko-KR" altLang="en-US" sz="2600" b="1"/>
           </a:p>
         </p:txBody>
       </p:sp>
@@ -5554,15 +5362,14 @@
               <a:rPr lang="ko-KR" altLang="en-US" sz="2500" b="1"/>
               <a:t>선택 페이지</a:t>
             </a:r>
+            <a:endParaRPr lang="ko-KR" altLang="en-US" sz="2500" b="1"/>
           </a:p>
         </p:txBody>
       </p:sp>
       <p:cxnSp>
         <p:nvCxnSpPr>
           <p:cNvPr id="1412" name="연결선: 꺾임 1411"/>
-          <p:cNvCxnSpPr>
-            <a:cxnSpLocks/>
-          </p:cNvCxnSpPr>
+          <p:cNvCxnSpPr/>
           <p:nvPr/>
         </p:nvCxnSpPr>
         <p:spPr>
@@ -5737,6 +5544,7 @@
               <a:rPr lang="ko-KR" altLang="en-US" sz="2500" b="1"/>
               <a:t>선택 페이지</a:t>
             </a:r>
+            <a:endParaRPr lang="ko-KR" altLang="en-US" sz="2500" b="1"/>
           </a:p>
         </p:txBody>
       </p:sp>
@@ -5795,6 +5603,7 @@
               <a:rPr lang="ko-KR" altLang="en-US" sz="2600" b="1"/>
               <a:t>리뷰 게시판</a:t>
             </a:r>
+            <a:endParaRPr lang="ko-KR" altLang="en-US" sz="2600" b="1"/>
           </a:p>
         </p:txBody>
       </p:sp>
@@ -5853,6 +5662,7 @@
               <a:rPr lang="ko-KR" altLang="en-US" sz="2600" b="1"/>
               <a:t>리뷰글 상세보기</a:t>
             </a:r>
+            <a:endParaRPr lang="ko-KR" altLang="en-US" sz="2600" b="1"/>
           </a:p>
         </p:txBody>
       </p:sp>
@@ -5904,6 +5714,7 @@
               <a:rPr lang="ko-KR" altLang="en-US" sz="2600" b="1"/>
               <a:t>리뷰글 수정</a:t>
             </a:r>
+            <a:endParaRPr lang="ko-KR" altLang="en-US" sz="2600" b="1"/>
           </a:p>
         </p:txBody>
       </p:sp>
@@ -5926,7 +5737,7 @@
           </a:solidFill>
           <a:ln>
             <a:solidFill>
-              <a:srgbClr val="203A7B"/>
+              <a:srgbClr val="203a7b"/>
             </a:solidFill>
           </a:ln>
         </p:spPr>
@@ -5962,6 +5773,7 @@
               <a:rPr lang="ko-KR" altLang="en-US" sz="2600" b="1"/>
               <a:t>리뷰글 삭제</a:t>
             </a:r>
+            <a:endParaRPr lang="ko-KR" altLang="en-US" sz="2600" b="1"/>
           </a:p>
         </p:txBody>
       </p:sp>
@@ -5973,7 +5785,7 @@
         </p:nvSpPr>
         <p:spPr>
           <a:xfrm>
-            <a:off x="13881845" y="8447809"/>
+            <a:off x="13881844" y="7483236"/>
             <a:ext cx="3060382" cy="684085"/>
           </a:xfrm>
           <a:prstGeom prst="rect">
@@ -6020,6 +5832,7 @@
               <a:rPr lang="ko-KR" altLang="en-US" sz="2600" b="1"/>
               <a:t>리뷰글 조회</a:t>
             </a:r>
+            <a:endParaRPr lang="ko-KR" altLang="en-US" sz="2600" b="1"/>
           </a:p>
         </p:txBody>
       </p:sp>
@@ -6078,6 +5891,7 @@
               <a:rPr lang="ko-KR" altLang="en-US" sz="2600" b="1"/>
               <a:t>리뷰 댓글 조회</a:t>
             </a:r>
+            <a:endParaRPr lang="ko-KR" altLang="en-US" sz="2600" b="1"/>
           </a:p>
         </p:txBody>
       </p:sp>
@@ -6129,6 +5943,7 @@
               <a:rPr lang="ko-KR" altLang="en-US" sz="2600" b="1"/>
               <a:t>리뷰 댓글 작성</a:t>
             </a:r>
+            <a:endParaRPr lang="ko-KR" altLang="en-US" sz="2600" b="1"/>
           </a:p>
         </p:txBody>
       </p:sp>
@@ -6180,6 +5995,7 @@
               <a:rPr lang="ko-KR" altLang="en-US" sz="2600" b="1"/>
               <a:t>리뷰 댓글 수정</a:t>
             </a:r>
+            <a:endParaRPr lang="ko-KR" altLang="en-US" sz="2600" b="1"/>
           </a:p>
         </p:txBody>
       </p:sp>
@@ -6202,7 +6018,7 @@
           </a:solidFill>
           <a:ln>
             <a:solidFill>
-              <a:srgbClr val="203A7B"/>
+              <a:srgbClr val="203a7b"/>
             </a:solidFill>
           </a:ln>
         </p:spPr>
@@ -6238,6 +6054,7 @@
               <a:rPr lang="ko-KR" altLang="en-US" sz="2600" b="1"/>
               <a:t>리뷰 댓글 삭제</a:t>
             </a:r>
+            <a:endParaRPr lang="ko-KR" altLang="en-US" sz="2600" b="1"/>
           </a:p>
         </p:txBody>
       </p:sp>
@@ -6293,6 +6110,11 @@
               </a:rPr>
               <a:t>리뷰글 신고</a:t>
             </a:r>
+            <a:endParaRPr lang="ko-KR" altLang="en-US" sz="2600" b="1">
+              <a:solidFill>
+                <a:schemeClr val="bg1"/>
+              </a:solidFill>
+            </a:endParaRPr>
           </a:p>
         </p:txBody>
       </p:sp>
@@ -6348,6 +6170,11 @@
               </a:rPr>
               <a:t>리뷰 댓글 신고</a:t>
             </a:r>
+            <a:endParaRPr lang="ko-KR" altLang="en-US" sz="2600" b="1">
+              <a:solidFill>
+                <a:schemeClr val="bg1"/>
+              </a:solidFill>
+            </a:endParaRPr>
           </a:p>
         </p:txBody>
       </p:sp>
@@ -6359,7 +6186,7 @@
         </p:nvSpPr>
         <p:spPr>
           <a:xfrm>
-            <a:off x="13881845" y="7393026"/>
+            <a:off x="14728665" y="8424514"/>
             <a:ext cx="3060382" cy="684085"/>
           </a:xfrm>
           <a:prstGeom prst="rect">
@@ -6406,114 +6233,10 @@
               <a:rPr lang="ko-KR" altLang="en-US" sz="2600" b="1"/>
               <a:t>게시글 검색</a:t>
             </a:r>
+            <a:endParaRPr lang="ko-KR" altLang="en-US" sz="2600" b="1"/>
           </a:p>
         </p:txBody>
       </p:sp>
-      <p:cxnSp>
-        <p:nvCxnSpPr>
-          <p:cNvPr id="1420" name="연결선: 꺾임 1419"/>
-          <p:cNvCxnSpPr/>
-          <p:nvPr/>
-        </p:nvCxnSpPr>
-        <p:spPr>
-          <a:xfrm rot="10800000">
-            <a:off x="13399139" y="7077162"/>
-            <a:ext cx="482706" cy="1712689"/>
-          </a:xfrm>
-          <a:prstGeom prst="bentConnector2">
-            <a:avLst/>
-          </a:prstGeom>
-          <a:ln>
-            <a:solidFill>
-              <a:schemeClr val="dk1"/>
-            </a:solidFill>
-          </a:ln>
-        </p:spPr>
-        <p:style>
-          <a:lnRef idx="1">
-            <a:schemeClr val="accent1"/>
-          </a:lnRef>
-          <a:fillRef idx="0">
-            <a:schemeClr val="accent1"/>
-          </a:fillRef>
-          <a:effectRef idx="0">
-            <a:schemeClr val="accent1"/>
-          </a:effectRef>
-          <a:fontRef idx="minor">
-            <a:schemeClr val="tx1"/>
-          </a:fontRef>
-        </p:style>
-      </p:cxnSp>
-      <p:cxnSp>
-        <p:nvCxnSpPr>
-          <p:cNvPr id="1421" name="직선 연결선 1420"/>
-          <p:cNvCxnSpPr/>
-          <p:nvPr/>
-        </p:nvCxnSpPr>
-        <p:spPr>
-          <a:xfrm rot="10800000">
-            <a:off x="13399137" y="7725394"/>
-            <a:ext cx="482707" cy="9674"/>
-          </a:xfrm>
-          <a:prstGeom prst="line">
-            <a:avLst/>
-          </a:prstGeom>
-          <a:ln>
-            <a:solidFill>
-              <a:schemeClr val="dk1"/>
-            </a:solidFill>
-          </a:ln>
-        </p:spPr>
-        <p:style>
-          <a:lnRef idx="1">
-            <a:schemeClr val="accent1"/>
-          </a:lnRef>
-          <a:fillRef idx="0">
-            <a:schemeClr val="accent1"/>
-          </a:fillRef>
-          <a:effectRef idx="0">
-            <a:schemeClr val="accent1"/>
-          </a:effectRef>
-          <a:fontRef idx="minor">
-            <a:schemeClr val="tx1"/>
-          </a:fontRef>
-        </p:style>
-      </p:cxnSp>
-      <p:cxnSp>
-        <p:nvCxnSpPr>
-          <p:cNvPr id="1425" name="연결선: 꺾임 1424"/>
-          <p:cNvCxnSpPr/>
-          <p:nvPr/>
-        </p:nvCxnSpPr>
-        <p:spPr>
-          <a:xfrm rot="10800000">
-            <a:off x="14315464" y="9131894"/>
-            <a:ext cx="413200" cy="579990"/>
-          </a:xfrm>
-          <a:prstGeom prst="bentConnector2">
-            <a:avLst/>
-          </a:prstGeom>
-          <a:ln>
-            <a:solidFill>
-              <a:schemeClr val="dk1"/>
-            </a:solidFill>
-          </a:ln>
-        </p:spPr>
-        <p:style>
-          <a:lnRef idx="1">
-            <a:schemeClr val="accent1"/>
-          </a:lnRef>
-          <a:fillRef idx="0">
-            <a:schemeClr val="accent1"/>
-          </a:fillRef>
-          <a:effectRef idx="0">
-            <a:schemeClr val="accent1"/>
-          </a:effectRef>
-          <a:fontRef idx="minor">
-            <a:schemeClr val="tx1"/>
-          </a:fontRef>
-        </p:style>
-      </p:cxnSp>
       <p:cxnSp>
         <p:nvCxnSpPr>
           <p:cNvPr id="1427" name="연결선: 꺾임 1426"/>
@@ -6849,6 +6572,7 @@
               <a:rPr lang="ko-KR" altLang="en-US" sz="2600" b="1"/>
               <a:t>기프티콘</a:t>
             </a:r>
+            <a:endParaRPr lang="ko-KR" altLang="en-US" sz="2600" b="1"/>
           </a:p>
         </p:txBody>
       </p:sp>
@@ -6860,7 +6584,7 @@
         </p:nvSpPr>
         <p:spPr>
           <a:xfrm>
-            <a:off x="19025493" y="9395363"/>
+            <a:off x="18997472" y="7419869"/>
             <a:ext cx="3060382" cy="684085"/>
           </a:xfrm>
           <a:prstGeom prst="rect">
@@ -6907,6 +6631,7 @@
               <a:rPr lang="ko-KR" altLang="en-US" sz="2600" b="1"/>
               <a:t>기프티콘 조회</a:t>
             </a:r>
+            <a:endParaRPr lang="ko-KR" altLang="en-US" sz="2600" b="1"/>
           </a:p>
         </p:txBody>
       </p:sp>
@@ -6918,7 +6643,7 @@
         </p:nvSpPr>
         <p:spPr>
           <a:xfrm>
-            <a:off x="20555685" y="11425931"/>
+            <a:off x="20555684" y="11425931"/>
             <a:ext cx="3060382" cy="684085"/>
           </a:xfrm>
           <a:prstGeom prst="rect">
@@ -6958,6 +6683,7 @@
               <a:rPr lang="ko-KR" altLang="en-US" sz="2600" b="1"/>
               <a:t>기프티콘 구매</a:t>
             </a:r>
+            <a:endParaRPr lang="ko-KR" altLang="en-US" sz="2600" b="1"/>
           </a:p>
         </p:txBody>
       </p:sp>
@@ -6969,7 +6695,7 @@
         </p:nvSpPr>
         <p:spPr>
           <a:xfrm>
-            <a:off x="19942609" y="10317393"/>
+            <a:off x="19942608" y="10317393"/>
             <a:ext cx="3060382" cy="873884"/>
           </a:xfrm>
           <a:prstGeom prst="rect">
@@ -7016,6 +6742,7 @@
               <a:rPr lang="ko-KR" altLang="en-US" sz="2500" b="1"/>
               <a:t>기프티콘 </a:t>
             </a:r>
+            <a:endParaRPr lang="ko-KR" altLang="en-US" sz="2500" b="1"/>
           </a:p>
           <a:p>
             <a:pPr algn="ctr">
@@ -7025,6 +6752,7 @@
               <a:rPr lang="ko-KR" altLang="en-US" sz="2500" b="1"/>
               <a:t>상세보기</a:t>
             </a:r>
+            <a:endParaRPr lang="ko-KR" altLang="en-US" sz="2500" b="1"/>
           </a:p>
         </p:txBody>
       </p:sp>
@@ -7036,7 +6764,7 @@
         </p:nvSpPr>
         <p:spPr>
           <a:xfrm>
-            <a:off x="18997475" y="7427482"/>
+            <a:off x="19882142" y="8358975"/>
             <a:ext cx="3060382" cy="684085"/>
           </a:xfrm>
           <a:prstGeom prst="rect">
@@ -7083,6 +6811,7 @@
               <a:rPr lang="ko-KR" altLang="en-US" sz="2600" b="1"/>
               <a:t>기프티콘 검색</a:t>
             </a:r>
+            <a:endParaRPr lang="ko-KR" altLang="en-US" sz="2600" b="1"/>
           </a:p>
         </p:txBody>
       </p:sp>
@@ -7090,15 +6819,14 @@
         <p:nvCxnSpPr>
           <p:cNvPr id="1422" name="연결선: 꺾임 1421"/>
           <p:cNvCxnSpPr>
-            <a:cxnSpLocks/>
             <a:stCxn id="1038" idx="1"/>
           </p:cNvCxnSpPr>
           <p:nvPr/>
         </p:nvCxnSpPr>
         <p:spPr>
           <a:xfrm rot="10800000">
-            <a:off x="18663475" y="7111622"/>
-            <a:ext cx="362018" cy="2625785"/>
+            <a:off x="18663472" y="7111621"/>
+            <a:ext cx="333998" cy="650291"/>
           </a:xfrm>
           <a:prstGeom prst="bentConnector2">
             <a:avLst/>
@@ -7132,45 +6860,10 @@
         </p:nvCxnSpPr>
         <p:spPr>
           <a:xfrm rot="10800000">
-            <a:off x="18663473" y="7769524"/>
+            <a:off x="18663472" y="7769524"/>
             <a:ext cx="334000" cy="0"/>
           </a:xfrm>
           <a:prstGeom prst="line">
-            <a:avLst/>
-          </a:prstGeom>
-          <a:ln>
-            <a:solidFill>
-              <a:schemeClr val="dk1"/>
-            </a:solidFill>
-          </a:ln>
-        </p:spPr>
-        <p:style>
-          <a:lnRef idx="1">
-            <a:schemeClr val="accent1"/>
-          </a:lnRef>
-          <a:fillRef idx="0">
-            <a:schemeClr val="accent1"/>
-          </a:fillRef>
-          <a:effectRef idx="0">
-            <a:schemeClr val="accent1"/>
-          </a:effectRef>
-          <a:fontRef idx="minor">
-            <a:schemeClr val="tx1"/>
-          </a:fontRef>
-        </p:style>
-      </p:cxnSp>
-      <p:cxnSp>
-        <p:nvCxnSpPr>
-          <p:cNvPr id="1445" name="연결선: 꺾임 1444"/>
-          <p:cNvCxnSpPr/>
-          <p:nvPr/>
-        </p:nvCxnSpPr>
-        <p:spPr>
-          <a:xfrm rot="10800000">
-            <a:off x="19403905" y="10079448"/>
-            <a:ext cx="538696" cy="579990"/>
-          </a:xfrm>
-          <a:prstGeom prst="bentConnector2">
             <a:avLst/>
           </a:prstGeom>
           <a:ln>
@@ -7202,7 +6895,7 @@
         </p:nvCxnSpPr>
         <p:spPr>
           <a:xfrm rot="10800000">
-            <a:off x="20196005" y="11159762"/>
+            <a:off x="20196004" y="11159762"/>
             <a:ext cx="359682" cy="608212"/>
           </a:xfrm>
           <a:prstGeom prst="bentConnector2">
@@ -7231,26 +6924,24 @@
       </p:cxnSp>
       <p:sp>
         <p:nvSpPr>
-          <p:cNvPr id="1157" name="직사각형 1156"/>
+          <p:cNvPr id="1021" name="직사각형 1020"/>
           <p:cNvSpPr/>
           <p:nvPr/>
         </p:nvSpPr>
         <p:spPr>
           <a:xfrm>
-            <a:off x="24192147" y="6451744"/>
+            <a:off x="18684480" y="19552422"/>
             <a:ext cx="3060382" cy="684085"/>
           </a:xfrm>
           <a:prstGeom prst="rect">
             <a:avLst/>
           </a:prstGeom>
           <a:solidFill>
-            <a:schemeClr val="bg2">
-              <a:lumMod val="50000"/>
-            </a:schemeClr>
+            <a:srgbClr val="808080"/>
           </a:solidFill>
           <a:ln>
             <a:solidFill>
-              <a:srgbClr val="203A7B"/>
+              <a:srgbClr val="595959"/>
             </a:solidFill>
           </a:ln>
         </p:spPr>
@@ -7284,33 +6975,32 @@
             </a:pPr>
             <a:r>
               <a:rPr lang="ko-KR" altLang="en-US" sz="2600" b="1"/>
-              <a:t>채용 정보</a:t>
+              <a:t>건의사항</a:t>
             </a:r>
+            <a:endParaRPr lang="ko-KR" altLang="en-US" sz="2600" b="1"/>
           </a:p>
         </p:txBody>
       </p:sp>
       <p:sp>
         <p:nvSpPr>
-          <p:cNvPr id="1160" name="직사각형 1159"/>
+          <p:cNvPr id="1039" name="직사각형 1038"/>
           <p:cNvSpPr/>
           <p:nvPr/>
         </p:nvSpPr>
         <p:spPr>
           <a:xfrm>
-            <a:off x="26384953" y="9883930"/>
+            <a:off x="20428730" y="23479438"/>
             <a:ext cx="3060382" cy="684085"/>
           </a:xfrm>
           <a:prstGeom prst="rect">
             <a:avLst/>
           </a:prstGeom>
           <a:solidFill>
-            <a:schemeClr val="bg2">
-              <a:lumMod val="50000"/>
-            </a:schemeClr>
+            <a:srgbClr val="808080"/>
           </a:solidFill>
           <a:ln>
             <a:solidFill>
-              <a:srgbClr val="203A7B"/>
+              <a:srgbClr val="595959"/>
             </a:solidFill>
           </a:ln>
         </p:spPr>
@@ -7343,43 +7033,137 @@
               <a:defRPr/>
             </a:pPr>
             <a:r>
-              <a:rPr lang="ko-KR" altLang="en-US" sz="2500" b="1"/>
-              <a:t>채용 공고</a:t>
+              <a:rPr lang="ko-KR" altLang="en-US" sz="2600" b="1"/>
+              <a:t>건의사항 상세보기</a:t>
             </a:r>
+            <a:endParaRPr lang="ko-KR" altLang="en-US" sz="2600" b="1"/>
           </a:p>
+        </p:txBody>
+      </p:sp>
+      <p:sp>
+        <p:nvSpPr>
+          <p:cNvPr id="1040" name="직사각형 1039"/>
+          <p:cNvSpPr/>
+          <p:nvPr/>
+        </p:nvSpPr>
+        <p:spPr>
+          <a:xfrm>
+            <a:off x="20428728" y="22520246"/>
+            <a:ext cx="3060382" cy="684085"/>
+          </a:xfrm>
+          <a:prstGeom prst="rect">
+            <a:avLst/>
+          </a:prstGeom>
+          <a:ln/>
+        </p:spPr>
+        <p:style>
+          <a:lnRef idx="2">
+            <a:schemeClr val="accent4">
+              <a:shade val="50000"/>
+            </a:schemeClr>
+          </a:lnRef>
+          <a:fillRef idx="1">
+            <a:schemeClr val="accent4"/>
+          </a:fillRef>
+          <a:effectRef idx="0">
+            <a:schemeClr val="accent4"/>
+          </a:effectRef>
+          <a:fontRef idx="minor">
+            <a:schemeClr val="lt1"/>
+          </a:fontRef>
+        </p:style>
+        <p:txBody>
+          <a:bodyPr rot="0" vert="horz" wrap="square" lIns="77272" tIns="38641" rIns="77272" bIns="38641" anchor="ctr" anchorCtr="0">
+            <a:prstTxWarp prst="textNoShape">
+              <a:avLst/>
+            </a:prstTxWarp>
+            <a:noAutofit/>
+          </a:bodyPr>
+          <a:lstStyle/>
           <a:p>
             <a:pPr algn="ctr">
               <a:defRPr/>
             </a:pPr>
             <a:r>
-              <a:rPr lang="ko-KR" altLang="en-US" sz="2500" b="1"/>
-              <a:t>상세 보기 </a:t>
+              <a:rPr lang="ko-KR" altLang="en-US" sz="2600" b="1"/>
+              <a:t>건의사항 작성</a:t>
             </a:r>
+            <a:endParaRPr lang="ko-KR" altLang="en-US" sz="2600" b="1"/>
           </a:p>
         </p:txBody>
       </p:sp>
       <p:sp>
         <p:nvSpPr>
-          <p:cNvPr id="1163" name="직사각형 1162"/>
+          <p:cNvPr id="1046" name="직사각형 1045"/>
           <p:cNvSpPr/>
           <p:nvPr/>
         </p:nvSpPr>
         <p:spPr>
           <a:xfrm>
-            <a:off x="25541461" y="8912254"/>
+            <a:off x="21311620" y="24412884"/>
+            <a:ext cx="3060382" cy="684085"/>
+          </a:xfrm>
+          <a:prstGeom prst="rect">
+            <a:avLst/>
+          </a:prstGeom>
+          <a:ln/>
+        </p:spPr>
+        <p:style>
+          <a:lnRef idx="2">
+            <a:schemeClr val="accent4">
+              <a:shade val="50000"/>
+            </a:schemeClr>
+          </a:lnRef>
+          <a:fillRef idx="1">
+            <a:schemeClr val="accent4"/>
+          </a:fillRef>
+          <a:effectRef idx="0">
+            <a:schemeClr val="accent4"/>
+          </a:effectRef>
+          <a:fontRef idx="minor">
+            <a:schemeClr val="lt1"/>
+          </a:fontRef>
+        </p:style>
+        <p:txBody>
+          <a:bodyPr rot="0" vert="horz" wrap="square" lIns="77272" tIns="38641" rIns="77272" bIns="38641" anchor="ctr" anchorCtr="0">
+            <a:prstTxWarp prst="textNoShape">
+              <a:avLst/>
+            </a:prstTxWarp>
+            <a:noAutofit/>
+          </a:bodyPr>
+          <a:lstStyle/>
+          <a:p>
+            <a:pPr algn="ctr">
+              <a:defRPr/>
+            </a:pPr>
+            <a:r>
+              <a:rPr lang="ko-KR" altLang="en-US" sz="2600" b="1"/>
+              <a:t>건의사항 수정</a:t>
+            </a:r>
+            <a:endParaRPr lang="ko-KR" altLang="en-US" sz="2600" b="1"/>
+          </a:p>
+        </p:txBody>
+      </p:sp>
+      <p:sp>
+        <p:nvSpPr>
+          <p:cNvPr id="1048" name="직사각형 1047"/>
+          <p:cNvSpPr/>
+          <p:nvPr/>
+        </p:nvSpPr>
+        <p:spPr>
+          <a:xfrm>
+            <a:off x="21311620" y="25401918"/>
             <a:ext cx="3060382" cy="684085"/>
           </a:xfrm>
           <a:prstGeom prst="rect">
             <a:avLst/>
           </a:prstGeom>
           <a:solidFill>
-            <a:schemeClr val="bg2">
-              <a:lumMod val="50000"/>
-            </a:schemeClr>
+            <a:schemeClr val="accent1"/>
           </a:solidFill>
           <a:ln>
             <a:solidFill>
-              <a:srgbClr val="203A7B"/>
+              <a:srgbClr val="203a7b"/>
             </a:solidFill>
           </a:ln>
         </p:spPr>
@@ -7413,434 +7197,21 @@
             </a:pPr>
             <a:r>
               <a:rPr lang="ko-KR" altLang="en-US" sz="2600" b="1"/>
-              <a:t>채용 공고 조회</a:t>
+              <a:t>건의사항 삭제</a:t>
             </a:r>
+            <a:endParaRPr lang="ko-KR" altLang="en-US" sz="2600" b="1"/>
           </a:p>
         </p:txBody>
       </p:sp>
       <p:sp>
         <p:nvSpPr>
-          <p:cNvPr id="1166" name="직사각형 1165"/>
+          <p:cNvPr id="1106" name="직사각형 1105"/>
           <p:cNvSpPr/>
           <p:nvPr/>
         </p:nvSpPr>
         <p:spPr>
           <a:xfrm>
-            <a:off x="27071653" y="10817374"/>
-            <a:ext cx="3060382" cy="684085"/>
-          </a:xfrm>
-          <a:prstGeom prst="rect">
-            <a:avLst/>
-          </a:prstGeom>
-          <a:ln/>
-        </p:spPr>
-        <p:style>
-          <a:lnRef idx="2">
-            <a:schemeClr val="accent4">
-              <a:shade val="50000"/>
-            </a:schemeClr>
-          </a:lnRef>
-          <a:fillRef idx="1">
-            <a:schemeClr val="accent4"/>
-          </a:fillRef>
-          <a:effectRef idx="0">
-            <a:schemeClr val="accent4"/>
-          </a:effectRef>
-          <a:fontRef idx="minor">
-            <a:schemeClr val="lt1"/>
-          </a:fontRef>
-        </p:style>
-        <p:txBody>
-          <a:bodyPr rot="0" vert="horz" wrap="square" lIns="77272" tIns="38641" rIns="77272" bIns="38641" anchor="ctr" anchorCtr="0">
-            <a:prstTxWarp prst="textNoShape">
-              <a:avLst/>
-            </a:prstTxWarp>
-            <a:noAutofit/>
-          </a:bodyPr>
-          <a:lstStyle/>
-          <a:p>
-            <a:pPr algn="ctr">
-              <a:defRPr/>
-            </a:pPr>
-            <a:r>
-              <a:rPr lang="ko-KR" altLang="en-US" sz="2600" b="1"/>
-              <a:t>지원하기</a:t>
-            </a:r>
-          </a:p>
-        </p:txBody>
-      </p:sp>
-      <p:sp>
-        <p:nvSpPr>
-          <p:cNvPr id="1198" name="직사각형 1197"/>
-          <p:cNvSpPr/>
-          <p:nvPr/>
-        </p:nvSpPr>
-        <p:spPr>
-          <a:xfrm>
-            <a:off x="27071651" y="11842413"/>
-            <a:ext cx="3060382" cy="684085"/>
-          </a:xfrm>
-          <a:prstGeom prst="rect">
-            <a:avLst/>
-          </a:prstGeom>
-          <a:ln/>
-        </p:spPr>
-        <p:style>
-          <a:lnRef idx="2">
-            <a:schemeClr val="accent6">
-              <a:shade val="50000"/>
-            </a:schemeClr>
-          </a:lnRef>
-          <a:fillRef idx="1">
-            <a:schemeClr val="accent6"/>
-          </a:fillRef>
-          <a:effectRef idx="0">
-            <a:schemeClr val="accent6"/>
-          </a:effectRef>
-          <a:fontRef idx="minor">
-            <a:schemeClr val="lt1"/>
-          </a:fontRef>
-        </p:style>
-        <p:txBody>
-          <a:bodyPr rot="0" vert="horz" wrap="square" lIns="77272" tIns="38641" rIns="77272" bIns="38641" anchor="ctr" anchorCtr="0">
-            <a:prstTxWarp prst="textNoShape">
-              <a:avLst/>
-            </a:prstTxWarp>
-            <a:noAutofit/>
-          </a:bodyPr>
-          <a:lstStyle/>
-          <a:p>
-            <a:pPr algn="ctr">
-              <a:defRPr/>
-            </a:pPr>
-            <a:r>
-              <a:rPr lang="ko-KR" altLang="en-US" sz="2600" b="1"/>
-              <a:t>채용 공고 수정</a:t>
-            </a:r>
-          </a:p>
-        </p:txBody>
-      </p:sp>
-      <p:sp>
-        <p:nvSpPr>
-          <p:cNvPr id="1199" name="직사각형 1198"/>
-          <p:cNvSpPr/>
-          <p:nvPr/>
-        </p:nvSpPr>
-        <p:spPr>
-          <a:xfrm>
-            <a:off x="27086091" y="12781102"/>
-            <a:ext cx="3060382" cy="684085"/>
-          </a:xfrm>
-          <a:prstGeom prst="rect">
-            <a:avLst/>
-          </a:prstGeom>
-          <a:ln/>
-        </p:spPr>
-        <p:style>
-          <a:lnRef idx="2">
-            <a:schemeClr val="accent6">
-              <a:shade val="50000"/>
-            </a:schemeClr>
-          </a:lnRef>
-          <a:fillRef idx="1">
-            <a:schemeClr val="accent6"/>
-          </a:fillRef>
-          <a:effectRef idx="0">
-            <a:schemeClr val="accent6"/>
-          </a:effectRef>
-          <a:fontRef idx="minor">
-            <a:schemeClr val="lt1"/>
-          </a:fontRef>
-        </p:style>
-        <p:txBody>
-          <a:bodyPr rot="0" vert="horz" wrap="square" lIns="77272" tIns="38641" rIns="77272" bIns="38641" anchor="ctr" anchorCtr="0">
-            <a:prstTxWarp prst="textNoShape">
-              <a:avLst/>
-            </a:prstTxWarp>
-            <a:noAutofit/>
-          </a:bodyPr>
-          <a:lstStyle/>
-          <a:p>
-            <a:pPr algn="ctr">
-              <a:defRPr/>
-            </a:pPr>
-            <a:r>
-              <a:rPr lang="ko-KR" altLang="en-US" sz="2600" b="1"/>
-              <a:t>채용 공고 삭제</a:t>
-            </a:r>
-          </a:p>
-        </p:txBody>
-      </p:sp>
-      <p:sp>
-        <p:nvSpPr>
-          <p:cNvPr id="1202" name="직사각형 1201"/>
-          <p:cNvSpPr/>
-          <p:nvPr/>
-        </p:nvSpPr>
-        <p:spPr>
-          <a:xfrm>
-            <a:off x="25579216" y="7631272"/>
-            <a:ext cx="3060382" cy="684085"/>
-          </a:xfrm>
-          <a:prstGeom prst="rect">
-            <a:avLst/>
-          </a:prstGeom>
-          <a:ln/>
-        </p:spPr>
-        <p:style>
-          <a:lnRef idx="2">
-            <a:schemeClr val="accent6">
-              <a:shade val="50000"/>
-            </a:schemeClr>
-          </a:lnRef>
-          <a:fillRef idx="1">
-            <a:schemeClr val="accent6"/>
-          </a:fillRef>
-          <a:effectRef idx="0">
-            <a:schemeClr val="accent6"/>
-          </a:effectRef>
-          <a:fontRef idx="minor">
-            <a:schemeClr val="lt1"/>
-          </a:fontRef>
-        </p:style>
-        <p:txBody>
-          <a:bodyPr rot="0" vert="horz" wrap="square" lIns="77272" tIns="38641" rIns="77272" bIns="38641" anchor="ctr" anchorCtr="0">
-            <a:prstTxWarp prst="textNoShape">
-              <a:avLst/>
-            </a:prstTxWarp>
-            <a:noAutofit/>
-          </a:bodyPr>
-          <a:lstStyle/>
-          <a:p>
-            <a:pPr algn="ctr">
-              <a:defRPr/>
-            </a:pPr>
-            <a:r>
-              <a:rPr lang="ko-KR" altLang="en-US" sz="2600" b="1" dirty="0"/>
-              <a:t>채용 공고 등록</a:t>
-            </a:r>
-          </a:p>
-        </p:txBody>
-      </p:sp>
-      <p:cxnSp>
-        <p:nvCxnSpPr>
-          <p:cNvPr id="1455" name="연결선: 꺾임 1454"/>
-          <p:cNvCxnSpPr/>
-          <p:nvPr/>
-        </p:nvCxnSpPr>
-        <p:spPr>
-          <a:xfrm rot="16200000" flipH="1">
-            <a:off x="24557221" y="8291479"/>
-            <a:ext cx="1644446" cy="324032"/>
-          </a:xfrm>
-          <a:prstGeom prst="bentConnector2">
-            <a:avLst/>
-          </a:prstGeom>
-          <a:ln>
-            <a:solidFill>
-              <a:schemeClr val="dk1"/>
-            </a:solidFill>
-          </a:ln>
-        </p:spPr>
-        <p:style>
-          <a:lnRef idx="1">
-            <a:schemeClr val="accent1"/>
-          </a:lnRef>
-          <a:fillRef idx="0">
-            <a:schemeClr val="accent1"/>
-          </a:fillRef>
-          <a:effectRef idx="0">
-            <a:schemeClr val="accent1"/>
-          </a:effectRef>
-          <a:fontRef idx="minor">
-            <a:schemeClr val="tx1"/>
-          </a:fontRef>
-        </p:style>
-      </p:cxnSp>
-      <p:cxnSp>
-        <p:nvCxnSpPr>
-          <p:cNvPr id="1456" name="직선 연결선 1455"/>
-          <p:cNvCxnSpPr/>
-          <p:nvPr/>
-        </p:nvCxnSpPr>
-        <p:spPr>
-          <a:xfrm rot="10800000">
-            <a:off x="25217429" y="8027347"/>
-            <a:ext cx="324032" cy="0"/>
-          </a:xfrm>
-          <a:prstGeom prst="line">
-            <a:avLst/>
-          </a:prstGeom>
-          <a:ln>
-            <a:solidFill>
-              <a:schemeClr val="dk1"/>
-            </a:solidFill>
-          </a:ln>
-        </p:spPr>
-        <p:style>
-          <a:lnRef idx="1">
-            <a:schemeClr val="accent1"/>
-          </a:lnRef>
-          <a:fillRef idx="0">
-            <a:schemeClr val="accent1"/>
-          </a:fillRef>
-          <a:effectRef idx="0">
-            <a:schemeClr val="accent1"/>
-          </a:effectRef>
-          <a:fontRef idx="minor">
-            <a:schemeClr val="tx1"/>
-          </a:fontRef>
-        </p:style>
-      </p:cxnSp>
-      <p:cxnSp>
-        <p:nvCxnSpPr>
-          <p:cNvPr id="1458" name="연결선: 꺾임 1457"/>
-          <p:cNvCxnSpPr/>
-          <p:nvPr/>
-        </p:nvCxnSpPr>
-        <p:spPr>
-          <a:xfrm rot="16200000" flipH="1">
-            <a:off x="25880163" y="9721182"/>
-            <a:ext cx="608212" cy="401368"/>
-          </a:xfrm>
-          <a:prstGeom prst="bentConnector2">
-            <a:avLst/>
-          </a:prstGeom>
-          <a:ln>
-            <a:solidFill>
-              <a:schemeClr val="dk1"/>
-            </a:solidFill>
-          </a:ln>
-        </p:spPr>
-        <p:style>
-          <a:lnRef idx="1">
-            <a:schemeClr val="accent1"/>
-          </a:lnRef>
-          <a:fillRef idx="0">
-            <a:schemeClr val="accent1"/>
-          </a:fillRef>
-          <a:effectRef idx="0">
-            <a:schemeClr val="accent1"/>
-          </a:effectRef>
-          <a:fontRef idx="minor">
-            <a:schemeClr val="tx1"/>
-          </a:fontRef>
-        </p:style>
-      </p:cxnSp>
-      <p:cxnSp>
-        <p:nvCxnSpPr>
-          <p:cNvPr id="1459" name="연결선: 꺾임 1458"/>
-          <p:cNvCxnSpPr/>
-          <p:nvPr/>
-        </p:nvCxnSpPr>
-        <p:spPr>
-          <a:xfrm rot="16200000" flipH="1">
-            <a:off x="25593137" y="11630192"/>
-            <a:ext cx="2546384" cy="439520"/>
-          </a:xfrm>
-          <a:prstGeom prst="bentConnector2">
-            <a:avLst/>
-          </a:prstGeom>
-          <a:ln>
-            <a:solidFill>
-              <a:schemeClr val="dk1"/>
-            </a:solidFill>
-          </a:ln>
-        </p:spPr>
-        <p:style>
-          <a:lnRef idx="1">
-            <a:schemeClr val="accent1"/>
-          </a:lnRef>
-          <a:fillRef idx="0">
-            <a:schemeClr val="accent1"/>
-          </a:fillRef>
-          <a:effectRef idx="0">
-            <a:schemeClr val="accent1"/>
-          </a:effectRef>
-          <a:fontRef idx="minor">
-            <a:schemeClr val="tx1"/>
-          </a:fontRef>
-        </p:style>
-      </p:cxnSp>
-      <p:cxnSp>
-        <p:nvCxnSpPr>
-          <p:cNvPr id="1460" name="직선 연결선 1459"/>
-          <p:cNvCxnSpPr/>
-          <p:nvPr/>
-        </p:nvCxnSpPr>
-        <p:spPr>
-          <a:xfrm rot="10800000">
-            <a:off x="26646557" y="11159416"/>
-            <a:ext cx="425094" cy="0"/>
-          </a:xfrm>
-          <a:prstGeom prst="line">
-            <a:avLst/>
-          </a:prstGeom>
-          <a:ln>
-            <a:solidFill>
-              <a:schemeClr val="dk1"/>
-            </a:solidFill>
-          </a:ln>
-        </p:spPr>
-        <p:style>
-          <a:lnRef idx="1">
-            <a:schemeClr val="accent1"/>
-          </a:lnRef>
-          <a:fillRef idx="0">
-            <a:schemeClr val="accent1"/>
-          </a:fillRef>
-          <a:effectRef idx="0">
-            <a:schemeClr val="accent1"/>
-          </a:effectRef>
-          <a:fontRef idx="minor">
-            <a:schemeClr val="tx1"/>
-          </a:fontRef>
-        </p:style>
-      </p:cxnSp>
-      <p:cxnSp>
-        <p:nvCxnSpPr>
-          <p:cNvPr id="1461" name="직선 연결선 1460"/>
-          <p:cNvCxnSpPr/>
-          <p:nvPr/>
-        </p:nvCxnSpPr>
-        <p:spPr>
-          <a:xfrm rot="10800000">
-            <a:off x="26646561" y="12184456"/>
-            <a:ext cx="425090" cy="0"/>
-          </a:xfrm>
-          <a:prstGeom prst="line">
-            <a:avLst/>
-          </a:prstGeom>
-          <a:ln>
-            <a:solidFill>
-              <a:schemeClr val="dk1"/>
-            </a:solidFill>
-          </a:ln>
-        </p:spPr>
-        <p:style>
-          <a:lnRef idx="1">
-            <a:schemeClr val="accent1"/>
-          </a:lnRef>
-          <a:fillRef idx="0">
-            <a:schemeClr val="accent1"/>
-          </a:fillRef>
-          <a:effectRef idx="0">
-            <a:schemeClr val="accent1"/>
-          </a:effectRef>
-          <a:fontRef idx="minor">
-            <a:schemeClr val="tx1"/>
-          </a:fontRef>
-        </p:style>
-      </p:cxnSp>
-      <p:sp>
-        <p:nvSpPr>
-          <p:cNvPr id="1021" name="직사각형 1020"/>
-          <p:cNvSpPr/>
-          <p:nvPr/>
-        </p:nvSpPr>
-        <p:spPr>
-          <a:xfrm>
-            <a:off x="16965916" y="19615692"/>
+            <a:off x="19579798" y="20605962"/>
             <a:ext cx="3060382" cy="684085"/>
           </a:xfrm>
           <a:prstGeom prst="rect">
@@ -7885,20 +7256,21 @@
             </a:pPr>
             <a:r>
               <a:rPr lang="ko-KR" altLang="en-US" sz="2600" b="1"/>
-              <a:t>건의사항</a:t>
+              <a:t>건의사항 조회</a:t>
             </a:r>
+            <a:endParaRPr lang="ko-KR" altLang="en-US" sz="2600" b="1"/>
           </a:p>
         </p:txBody>
       </p:sp>
       <p:sp>
         <p:nvSpPr>
-          <p:cNvPr id="1039" name="직사각형 1038"/>
+          <p:cNvPr id="1188" name="직사각형 1187"/>
           <p:cNvSpPr/>
           <p:nvPr/>
         </p:nvSpPr>
         <p:spPr>
           <a:xfrm>
-            <a:off x="18710166" y="23542709"/>
+            <a:off x="20375844" y="21583572"/>
             <a:ext cx="3060382" cy="684085"/>
           </a:xfrm>
           <a:prstGeom prst="rect">
@@ -7943,133 +7315,102 @@
             </a:pPr>
             <a:r>
               <a:rPr lang="ko-KR" altLang="en-US" sz="2600" b="1"/>
-              <a:t>건의사항 상세보기</a:t>
+              <a:t>건의사항 검색</a:t>
             </a:r>
+            <a:endParaRPr lang="ko-KR" altLang="en-US" sz="2600" b="1"/>
           </a:p>
         </p:txBody>
       </p:sp>
+      <p:cxnSp>
+        <p:nvCxnSpPr>
+          <p:cNvPr id="1469" name="연결선: 꺾임 1468"/>
+          <p:cNvCxnSpPr/>
+          <p:nvPr/>
+        </p:nvCxnSpPr>
+        <p:spPr>
+          <a:xfrm rot="10800000">
+            <a:off x="20805352" y="24172270"/>
+            <a:ext cx="506266" cy="1571690"/>
+          </a:xfrm>
+          <a:prstGeom prst="bentConnector2">
+            <a:avLst/>
+          </a:prstGeom>
+          <a:ln>
+            <a:solidFill>
+              <a:schemeClr val="dk1"/>
+            </a:solidFill>
+          </a:ln>
+        </p:spPr>
+        <p:style>
+          <a:lnRef idx="1">
+            <a:schemeClr val="accent1"/>
+          </a:lnRef>
+          <a:fillRef idx="0">
+            <a:schemeClr val="accent1"/>
+          </a:fillRef>
+          <a:effectRef idx="0">
+            <a:schemeClr val="accent1"/>
+          </a:effectRef>
+          <a:fontRef idx="minor">
+            <a:schemeClr val="tx1"/>
+          </a:fontRef>
+        </p:style>
+      </p:cxnSp>
+      <p:cxnSp>
+        <p:nvCxnSpPr>
+          <p:cNvPr id="1470" name="직선 연결선 1469"/>
+          <p:cNvCxnSpPr/>
+          <p:nvPr/>
+        </p:nvCxnSpPr>
+        <p:spPr>
+          <a:xfrm rot="10800000">
+            <a:off x="20805350" y="24754926"/>
+            <a:ext cx="506268" cy="0"/>
+          </a:xfrm>
+          <a:prstGeom prst="line">
+            <a:avLst/>
+          </a:prstGeom>
+          <a:ln>
+            <a:solidFill>
+              <a:schemeClr val="dk1"/>
+            </a:solidFill>
+          </a:ln>
+        </p:spPr>
+        <p:style>
+          <a:lnRef idx="1">
+            <a:schemeClr val="accent1"/>
+          </a:lnRef>
+          <a:fillRef idx="0">
+            <a:schemeClr val="accent1"/>
+          </a:fillRef>
+          <a:effectRef idx="0">
+            <a:schemeClr val="accent1"/>
+          </a:effectRef>
+          <a:fontRef idx="minor">
+            <a:schemeClr val="tx1"/>
+          </a:fontRef>
+        </p:style>
+      </p:cxnSp>
       <p:sp>
         <p:nvSpPr>
-          <p:cNvPr id="1040" name="직사각형 1039"/>
+          <p:cNvPr id="1017" name="직사각형 1016"/>
           <p:cNvSpPr/>
           <p:nvPr/>
         </p:nvSpPr>
         <p:spPr>
           <a:xfrm>
-            <a:off x="17861234" y="20605967"/>
-            <a:ext cx="3060382" cy="684085"/>
-          </a:xfrm>
-          <a:prstGeom prst="rect">
-            <a:avLst/>
-          </a:prstGeom>
-          <a:ln/>
-        </p:spPr>
-        <p:style>
-          <a:lnRef idx="2">
-            <a:schemeClr val="accent4">
-              <a:shade val="50000"/>
-            </a:schemeClr>
-          </a:lnRef>
-          <a:fillRef idx="1">
-            <a:schemeClr val="accent4"/>
-          </a:fillRef>
-          <a:effectRef idx="0">
-            <a:schemeClr val="accent4"/>
-          </a:effectRef>
-          <a:fontRef idx="minor">
-            <a:schemeClr val="lt1"/>
-          </a:fontRef>
-        </p:style>
-        <p:txBody>
-          <a:bodyPr rot="0" vert="horz" wrap="square" lIns="77272" tIns="38641" rIns="77272" bIns="38641" anchor="ctr" anchorCtr="0">
-            <a:prstTxWarp prst="textNoShape">
-              <a:avLst/>
-            </a:prstTxWarp>
-            <a:noAutofit/>
-          </a:bodyPr>
-          <a:lstStyle/>
-          <a:p>
-            <a:pPr algn="ctr">
-              <a:defRPr/>
-            </a:pPr>
-            <a:r>
-              <a:rPr lang="ko-KR" altLang="en-US" sz="2600" b="1"/>
-              <a:t>건의사항 작성</a:t>
-            </a:r>
-          </a:p>
-        </p:txBody>
-      </p:sp>
-      <p:sp>
-        <p:nvSpPr>
-          <p:cNvPr id="1046" name="직사각형 1045"/>
-          <p:cNvSpPr/>
-          <p:nvPr/>
-        </p:nvSpPr>
-        <p:spPr>
-          <a:xfrm>
-            <a:off x="19593056" y="24476154"/>
-            <a:ext cx="3060382" cy="684085"/>
-          </a:xfrm>
-          <a:prstGeom prst="rect">
-            <a:avLst/>
-          </a:prstGeom>
-          <a:ln/>
-        </p:spPr>
-        <p:style>
-          <a:lnRef idx="2">
-            <a:schemeClr val="accent4">
-              <a:shade val="50000"/>
-            </a:schemeClr>
-          </a:lnRef>
-          <a:fillRef idx="1">
-            <a:schemeClr val="accent4"/>
-          </a:fillRef>
-          <a:effectRef idx="0">
-            <a:schemeClr val="accent4"/>
-          </a:effectRef>
-          <a:fontRef idx="minor">
-            <a:schemeClr val="lt1"/>
-          </a:fontRef>
-        </p:style>
-        <p:txBody>
-          <a:bodyPr rot="0" vert="horz" wrap="square" lIns="77272" tIns="38641" rIns="77272" bIns="38641" anchor="ctr" anchorCtr="0">
-            <a:prstTxWarp prst="textNoShape">
-              <a:avLst/>
-            </a:prstTxWarp>
-            <a:noAutofit/>
-          </a:bodyPr>
-          <a:lstStyle/>
-          <a:p>
-            <a:pPr algn="ctr">
-              <a:defRPr/>
-            </a:pPr>
-            <a:r>
-              <a:rPr lang="ko-KR" altLang="en-US" sz="2600" b="1"/>
-              <a:t>건의사항 수정</a:t>
-            </a:r>
-          </a:p>
-        </p:txBody>
-      </p:sp>
-      <p:sp>
-        <p:nvSpPr>
-          <p:cNvPr id="1048" name="직사각형 1047"/>
-          <p:cNvSpPr/>
-          <p:nvPr/>
-        </p:nvSpPr>
-        <p:spPr>
-          <a:xfrm>
-            <a:off x="19593056" y="25465188"/>
+            <a:off x="1383652" y="19615696"/>
             <a:ext cx="3060382" cy="684085"/>
           </a:xfrm>
           <a:prstGeom prst="rect">
             <a:avLst/>
           </a:prstGeom>
           <a:solidFill>
-            <a:schemeClr val="accent1"/>
+            <a:srgbClr val="808080"/>
           </a:solidFill>
           <a:ln>
             <a:solidFill>
-              <a:srgbClr val="203A7B"/>
+              <a:srgbClr val="595959"/>
             </a:solidFill>
           </a:ln>
         </p:spPr>
@@ -8103,20 +7444,21 @@
             </a:pPr>
             <a:r>
               <a:rPr lang="ko-KR" altLang="en-US" sz="2600" b="1"/>
-              <a:t>건의사항 삭제</a:t>
+              <a:t>공지사항</a:t>
             </a:r>
+            <a:endParaRPr lang="ko-KR" altLang="en-US" sz="2600" b="1"/>
           </a:p>
         </p:txBody>
       </p:sp>
       <p:sp>
         <p:nvSpPr>
-          <p:cNvPr id="1106" name="직사각형 1105"/>
+          <p:cNvPr id="1044" name="직사각형 1043"/>
           <p:cNvSpPr/>
           <p:nvPr/>
         </p:nvSpPr>
         <p:spPr>
           <a:xfrm>
-            <a:off x="17861232" y="22592454"/>
+            <a:off x="3388028" y="23554962"/>
             <a:ext cx="3060382" cy="684085"/>
           </a:xfrm>
           <a:prstGeom prst="rect">
@@ -8161,20 +7503,21 @@
             </a:pPr>
             <a:r>
               <a:rPr lang="ko-KR" altLang="en-US" sz="2600" b="1"/>
-              <a:t>건의사항 조회</a:t>
+              <a:t>공지사항 상세보기</a:t>
             </a:r>
+            <a:endParaRPr lang="ko-KR" altLang="en-US" sz="2600" b="1"/>
           </a:p>
         </p:txBody>
       </p:sp>
       <p:sp>
         <p:nvSpPr>
-          <p:cNvPr id="1188" name="직사각형 1187"/>
+          <p:cNvPr id="1112" name="직사각형 1111"/>
           <p:cNvSpPr/>
           <p:nvPr/>
         </p:nvSpPr>
         <p:spPr>
           <a:xfrm>
-            <a:off x="17861232" y="21583573"/>
+            <a:off x="2280744" y="20638446"/>
             <a:ext cx="3060382" cy="684085"/>
           </a:xfrm>
           <a:prstGeom prst="rect">
@@ -8219,1176 +7562,6 @@
             </a:pPr>
             <a:r>
               <a:rPr lang="ko-KR" altLang="en-US" sz="2600" b="1"/>
-              <a:t>건의사항 검색</a:t>
-            </a:r>
-          </a:p>
-        </p:txBody>
-      </p:sp>
-      <p:cxnSp>
-        <p:nvCxnSpPr>
-          <p:cNvPr id="1463" name="연결선: 꺾임 1462"/>
-          <p:cNvCxnSpPr/>
-          <p:nvPr/>
-        </p:nvCxnSpPr>
-        <p:spPr>
-          <a:xfrm rot="10800000">
-            <a:off x="17391008" y="20299777"/>
-            <a:ext cx="470224" cy="2634720"/>
-          </a:xfrm>
-          <a:prstGeom prst="bentConnector2">
-            <a:avLst/>
-          </a:prstGeom>
-          <a:ln>
-            <a:solidFill>
-              <a:schemeClr val="dk1"/>
-            </a:solidFill>
-          </a:ln>
-        </p:spPr>
-        <p:style>
-          <a:lnRef idx="1">
-            <a:schemeClr val="accent1"/>
-          </a:lnRef>
-          <a:fillRef idx="0">
-            <a:schemeClr val="accent1"/>
-          </a:fillRef>
-          <a:effectRef idx="0">
-            <a:schemeClr val="accent1"/>
-          </a:effectRef>
-          <a:fontRef idx="minor">
-            <a:schemeClr val="tx1"/>
-          </a:fontRef>
-        </p:style>
-      </p:cxnSp>
-      <p:cxnSp>
-        <p:nvCxnSpPr>
-          <p:cNvPr id="1464" name="직선 연결선 1463"/>
-          <p:cNvCxnSpPr/>
-          <p:nvPr/>
-        </p:nvCxnSpPr>
-        <p:spPr>
-          <a:xfrm rot="10800000">
-            <a:off x="17391008" y="20948009"/>
-            <a:ext cx="470224" cy="0"/>
-          </a:xfrm>
-          <a:prstGeom prst="line">
-            <a:avLst/>
-          </a:prstGeom>
-          <a:ln>
-            <a:solidFill>
-              <a:schemeClr val="dk1"/>
-            </a:solidFill>
-          </a:ln>
-        </p:spPr>
-        <p:style>
-          <a:lnRef idx="1">
-            <a:schemeClr val="accent1"/>
-          </a:lnRef>
-          <a:fillRef idx="0">
-            <a:schemeClr val="accent1"/>
-          </a:fillRef>
-          <a:effectRef idx="0">
-            <a:schemeClr val="accent1"/>
-          </a:effectRef>
-          <a:fontRef idx="minor">
-            <a:schemeClr val="tx1"/>
-          </a:fontRef>
-        </p:style>
-      </p:cxnSp>
-      <p:cxnSp>
-        <p:nvCxnSpPr>
-          <p:cNvPr id="1465" name="직선 연결선 1464"/>
-          <p:cNvCxnSpPr/>
-          <p:nvPr/>
-        </p:nvCxnSpPr>
-        <p:spPr>
-          <a:xfrm rot="10800000">
-            <a:off x="17391008" y="21925616"/>
-            <a:ext cx="470224" cy="0"/>
-          </a:xfrm>
-          <a:prstGeom prst="line">
-            <a:avLst/>
-          </a:prstGeom>
-          <a:ln>
-            <a:solidFill>
-              <a:schemeClr val="dk1"/>
-            </a:solidFill>
-          </a:ln>
-        </p:spPr>
-        <p:style>
-          <a:lnRef idx="1">
-            <a:schemeClr val="accent1"/>
-          </a:lnRef>
-          <a:fillRef idx="0">
-            <a:schemeClr val="accent1"/>
-          </a:fillRef>
-          <a:effectRef idx="0">
-            <a:schemeClr val="accent1"/>
-          </a:effectRef>
-          <a:fontRef idx="minor">
-            <a:schemeClr val="tx1"/>
-          </a:fontRef>
-        </p:style>
-      </p:cxnSp>
-      <p:cxnSp>
-        <p:nvCxnSpPr>
-          <p:cNvPr id="1468" name="연결선: 꺾임 1467"/>
-          <p:cNvCxnSpPr/>
-          <p:nvPr/>
-        </p:nvCxnSpPr>
-        <p:spPr>
-          <a:xfrm rot="16200000" flipH="1">
-            <a:off x="18118838" y="23293426"/>
-            <a:ext cx="608212" cy="574440"/>
-          </a:xfrm>
-          <a:prstGeom prst="bentConnector2">
-            <a:avLst/>
-          </a:prstGeom>
-          <a:ln>
-            <a:solidFill>
-              <a:schemeClr val="dk1"/>
-            </a:solidFill>
-          </a:ln>
-        </p:spPr>
-        <p:style>
-          <a:lnRef idx="1">
-            <a:schemeClr val="accent1"/>
-          </a:lnRef>
-          <a:fillRef idx="0">
-            <a:schemeClr val="accent1"/>
-          </a:fillRef>
-          <a:effectRef idx="0">
-            <a:schemeClr val="accent1"/>
-          </a:effectRef>
-          <a:fontRef idx="minor">
-            <a:schemeClr val="tx1"/>
-          </a:fontRef>
-        </p:style>
-      </p:cxnSp>
-      <p:cxnSp>
-        <p:nvCxnSpPr>
-          <p:cNvPr id="1469" name="연결선: 꺾임 1468"/>
-          <p:cNvCxnSpPr/>
-          <p:nvPr/>
-        </p:nvCxnSpPr>
-        <p:spPr>
-          <a:xfrm rot="10800000">
-            <a:off x="19086788" y="24235540"/>
-            <a:ext cx="506266" cy="1571690"/>
-          </a:xfrm>
-          <a:prstGeom prst="bentConnector2">
-            <a:avLst/>
-          </a:prstGeom>
-          <a:ln>
-            <a:solidFill>
-              <a:schemeClr val="dk1"/>
-            </a:solidFill>
-          </a:ln>
-        </p:spPr>
-        <p:style>
-          <a:lnRef idx="1">
-            <a:schemeClr val="accent1"/>
-          </a:lnRef>
-          <a:fillRef idx="0">
-            <a:schemeClr val="accent1"/>
-          </a:fillRef>
-          <a:effectRef idx="0">
-            <a:schemeClr val="accent1"/>
-          </a:effectRef>
-          <a:fontRef idx="minor">
-            <a:schemeClr val="tx1"/>
-          </a:fontRef>
-        </p:style>
-      </p:cxnSp>
-      <p:cxnSp>
-        <p:nvCxnSpPr>
-          <p:cNvPr id="1470" name="직선 연결선 1469"/>
-          <p:cNvCxnSpPr/>
-          <p:nvPr/>
-        </p:nvCxnSpPr>
-        <p:spPr>
-          <a:xfrm rot="10800000">
-            <a:off x="19086786" y="24818196"/>
-            <a:ext cx="506268" cy="0"/>
-          </a:xfrm>
-          <a:prstGeom prst="line">
-            <a:avLst/>
-          </a:prstGeom>
-          <a:ln>
-            <a:solidFill>
-              <a:schemeClr val="dk1"/>
-            </a:solidFill>
-          </a:ln>
-        </p:spPr>
-        <p:style>
-          <a:lnRef idx="1">
-            <a:schemeClr val="accent1"/>
-          </a:lnRef>
-          <a:fillRef idx="0">
-            <a:schemeClr val="accent1"/>
-          </a:fillRef>
-          <a:effectRef idx="0">
-            <a:schemeClr val="accent1"/>
-          </a:effectRef>
-          <a:fontRef idx="minor">
-            <a:schemeClr val="tx1"/>
-          </a:fontRef>
-        </p:style>
-      </p:cxnSp>
-      <p:sp>
-        <p:nvSpPr>
-          <p:cNvPr id="1376" name="직사각형 1204"/>
-          <p:cNvSpPr/>
-          <p:nvPr/>
-        </p:nvSpPr>
-        <p:spPr>
-          <a:xfrm>
-            <a:off x="23308820" y="22064753"/>
-            <a:ext cx="3060382" cy="684085"/>
-          </a:xfrm>
-          <a:prstGeom prst="rect">
-            <a:avLst/>
-          </a:prstGeom>
-          <a:ln>
-            <a:solidFill>
-              <a:srgbClr val="008000"/>
-            </a:solidFill>
-          </a:ln>
-        </p:spPr>
-        <p:style>
-          <a:lnRef idx="2">
-            <a:schemeClr val="accent6">
-              <a:shade val="50000"/>
-            </a:schemeClr>
-          </a:lnRef>
-          <a:fillRef idx="1">
-            <a:schemeClr val="accent6"/>
-          </a:fillRef>
-          <a:effectRef idx="0">
-            <a:schemeClr val="accent6"/>
-          </a:effectRef>
-          <a:fontRef idx="minor">
-            <a:schemeClr val="lt1"/>
-          </a:fontRef>
-        </p:style>
-        <p:txBody>
-          <a:bodyPr rot="0" vert="horz" wrap="square" lIns="77272" tIns="38641" rIns="77272" bIns="38641" anchor="ctr" anchorCtr="0">
-            <a:prstTxWarp prst="textNoShape">
-              <a:avLst/>
-            </a:prstTxWarp>
-            <a:noAutofit/>
-          </a:bodyPr>
-          <a:lstStyle/>
-          <a:p>
-            <a:pPr algn="ctr">
-              <a:defRPr/>
-            </a:pPr>
-            <a:r>
-              <a:rPr lang="ko-KR" altLang="en-US" sz="2600" b="1" dirty="0"/>
-              <a:t>지원서 관리</a:t>
-            </a:r>
-          </a:p>
-        </p:txBody>
-      </p:sp>
-      <p:sp>
-        <p:nvSpPr>
-          <p:cNvPr id="1377" name="직사각형 1206"/>
-          <p:cNvSpPr/>
-          <p:nvPr/>
-        </p:nvSpPr>
-        <p:spPr>
-          <a:xfrm>
-            <a:off x="24066232" y="23058897"/>
-            <a:ext cx="3060382" cy="684085"/>
-          </a:xfrm>
-          <a:prstGeom prst="rect">
-            <a:avLst/>
-          </a:prstGeom>
-          <a:ln>
-            <a:solidFill>
-              <a:srgbClr val="008000"/>
-            </a:solidFill>
-          </a:ln>
-        </p:spPr>
-        <p:style>
-          <a:lnRef idx="2">
-            <a:schemeClr val="accent6">
-              <a:shade val="50000"/>
-            </a:schemeClr>
-          </a:lnRef>
-          <a:fillRef idx="1">
-            <a:schemeClr val="accent6"/>
-          </a:fillRef>
-          <a:effectRef idx="0">
-            <a:schemeClr val="accent6"/>
-          </a:effectRef>
-          <a:fontRef idx="minor">
-            <a:schemeClr val="lt1"/>
-          </a:fontRef>
-        </p:style>
-        <p:txBody>
-          <a:bodyPr rot="0" vert="horz" wrap="square" lIns="77272" tIns="38641" rIns="77272" bIns="38641" anchor="ctr" anchorCtr="0">
-            <a:prstTxWarp prst="textNoShape">
-              <a:avLst/>
-            </a:prstTxWarp>
-            <a:noAutofit/>
-          </a:bodyPr>
-          <a:lstStyle/>
-          <a:p>
-            <a:pPr algn="ctr">
-              <a:defRPr/>
-            </a:pPr>
-            <a:r>
-              <a:rPr lang="ko-KR" altLang="en-US" sz="2600" b="1"/>
-              <a:t>지원서 검색</a:t>
-            </a:r>
-          </a:p>
-        </p:txBody>
-      </p:sp>
-      <p:sp>
-        <p:nvSpPr>
-          <p:cNvPr id="1378" name="직사각형 1207"/>
-          <p:cNvSpPr/>
-          <p:nvPr/>
-        </p:nvSpPr>
-        <p:spPr>
-          <a:xfrm>
-            <a:off x="24066230" y="24123037"/>
-            <a:ext cx="3060382" cy="684085"/>
-          </a:xfrm>
-          <a:prstGeom prst="rect">
-            <a:avLst/>
-          </a:prstGeom>
-          <a:ln>
-            <a:solidFill>
-              <a:srgbClr val="008000"/>
-            </a:solidFill>
-          </a:ln>
-        </p:spPr>
-        <p:style>
-          <a:lnRef idx="2">
-            <a:schemeClr val="accent6">
-              <a:shade val="50000"/>
-            </a:schemeClr>
-          </a:lnRef>
-          <a:fillRef idx="1">
-            <a:schemeClr val="accent6"/>
-          </a:fillRef>
-          <a:effectRef idx="0">
-            <a:schemeClr val="accent6"/>
-          </a:effectRef>
-          <a:fontRef idx="minor">
-            <a:schemeClr val="lt1"/>
-          </a:fontRef>
-        </p:style>
-        <p:txBody>
-          <a:bodyPr rot="0" vert="horz" wrap="square" lIns="77272" tIns="38641" rIns="77272" bIns="38641" anchor="ctr" anchorCtr="0">
-            <a:prstTxWarp prst="textNoShape">
-              <a:avLst/>
-            </a:prstTxWarp>
-            <a:noAutofit/>
-          </a:bodyPr>
-          <a:lstStyle/>
-          <a:p>
-            <a:pPr algn="ctr">
-              <a:defRPr/>
-            </a:pPr>
-            <a:r>
-              <a:rPr lang="ko-KR" altLang="en-US" sz="2600" b="1"/>
-              <a:t>지원서 조회</a:t>
-            </a:r>
-          </a:p>
-        </p:txBody>
-      </p:sp>
-      <p:sp>
-        <p:nvSpPr>
-          <p:cNvPr id="1381" name="직사각형 1210"/>
-          <p:cNvSpPr/>
-          <p:nvPr/>
-        </p:nvSpPr>
-        <p:spPr>
-          <a:xfrm>
-            <a:off x="24822944" y="25117941"/>
-            <a:ext cx="3060382" cy="684085"/>
-          </a:xfrm>
-          <a:prstGeom prst="rect">
-            <a:avLst/>
-          </a:prstGeom>
-          <a:ln>
-            <a:solidFill>
-              <a:srgbClr val="008000"/>
-            </a:solidFill>
-          </a:ln>
-        </p:spPr>
-        <p:style>
-          <a:lnRef idx="2">
-            <a:schemeClr val="accent6">
-              <a:shade val="50000"/>
-            </a:schemeClr>
-          </a:lnRef>
-          <a:fillRef idx="1">
-            <a:schemeClr val="accent6"/>
-          </a:fillRef>
-          <a:effectRef idx="0">
-            <a:schemeClr val="accent6"/>
-          </a:effectRef>
-          <a:fontRef idx="minor">
-            <a:schemeClr val="lt1"/>
-          </a:fontRef>
-        </p:style>
-        <p:txBody>
-          <a:bodyPr rot="0" vert="horz" wrap="square" lIns="77272" tIns="38641" rIns="77272" bIns="38641" anchor="ctr" anchorCtr="0">
-            <a:prstTxWarp prst="textNoShape">
-              <a:avLst/>
-            </a:prstTxWarp>
-            <a:noAutofit/>
-          </a:bodyPr>
-          <a:lstStyle/>
-          <a:p>
-            <a:pPr algn="ctr">
-              <a:defRPr/>
-            </a:pPr>
-            <a:r>
-              <a:rPr lang="ko-KR" altLang="en-US" sz="2600" b="1"/>
-              <a:t>지원서 상세보기</a:t>
-            </a:r>
-          </a:p>
-        </p:txBody>
-      </p:sp>
-      <p:sp>
-        <p:nvSpPr>
-          <p:cNvPr id="1383" name="직사각형 1212"/>
-          <p:cNvSpPr/>
-          <p:nvPr/>
-        </p:nvSpPr>
-        <p:spPr>
-          <a:xfrm>
-            <a:off x="25501988" y="26149893"/>
-            <a:ext cx="3060382" cy="684085"/>
-          </a:xfrm>
-          <a:prstGeom prst="rect">
-            <a:avLst/>
-          </a:prstGeom>
-          <a:ln>
-            <a:solidFill>
-              <a:srgbClr val="008000"/>
-            </a:solidFill>
-          </a:ln>
-        </p:spPr>
-        <p:style>
-          <a:lnRef idx="2">
-            <a:schemeClr val="accent6">
-              <a:shade val="50000"/>
-            </a:schemeClr>
-          </a:lnRef>
-          <a:fillRef idx="1">
-            <a:schemeClr val="accent6"/>
-          </a:fillRef>
-          <a:effectRef idx="0">
-            <a:schemeClr val="accent6"/>
-          </a:effectRef>
-          <a:fontRef idx="minor">
-            <a:schemeClr val="lt1"/>
-          </a:fontRef>
-        </p:style>
-        <p:txBody>
-          <a:bodyPr rot="0" vert="horz" wrap="square" lIns="77272" tIns="38641" rIns="77272" bIns="38641" anchor="ctr" anchorCtr="0">
-            <a:prstTxWarp prst="textNoShape">
-              <a:avLst/>
-            </a:prstTxWarp>
-            <a:noAutofit/>
-          </a:bodyPr>
-          <a:lstStyle/>
-          <a:p>
-            <a:pPr algn="ctr">
-              <a:defRPr/>
-            </a:pPr>
-            <a:r>
-              <a:rPr lang="ko-KR" altLang="en-US" sz="2600" b="1"/>
-              <a:t>즐겨찾기 추가</a:t>
-            </a:r>
-          </a:p>
-        </p:txBody>
-      </p:sp>
-      <p:sp>
-        <p:nvSpPr>
-          <p:cNvPr id="1384" name="직사각형 1213"/>
-          <p:cNvSpPr/>
-          <p:nvPr/>
-        </p:nvSpPr>
-        <p:spPr>
-          <a:xfrm>
-            <a:off x="25501988" y="27152357"/>
-            <a:ext cx="3060382" cy="684085"/>
-          </a:xfrm>
-          <a:prstGeom prst="rect">
-            <a:avLst/>
-          </a:prstGeom>
-          <a:ln>
-            <a:solidFill>
-              <a:srgbClr val="008000"/>
-            </a:solidFill>
-          </a:ln>
-        </p:spPr>
-        <p:style>
-          <a:lnRef idx="2">
-            <a:schemeClr val="accent6">
-              <a:shade val="50000"/>
-            </a:schemeClr>
-          </a:lnRef>
-          <a:fillRef idx="1">
-            <a:schemeClr val="accent6"/>
-          </a:fillRef>
-          <a:effectRef idx="0">
-            <a:schemeClr val="accent6"/>
-          </a:effectRef>
-          <a:fontRef idx="minor">
-            <a:schemeClr val="lt1"/>
-          </a:fontRef>
-        </p:style>
-        <p:txBody>
-          <a:bodyPr rot="0" vert="horz" wrap="square" lIns="77272" tIns="38641" rIns="77272" bIns="38641" anchor="ctr" anchorCtr="0">
-            <a:prstTxWarp prst="textNoShape">
-              <a:avLst/>
-            </a:prstTxWarp>
-            <a:noAutofit/>
-          </a:bodyPr>
-          <a:lstStyle/>
-          <a:p>
-            <a:pPr algn="ctr">
-              <a:defRPr/>
-            </a:pPr>
-            <a:r>
-              <a:rPr lang="ko-KR" altLang="en-US" sz="2600" b="1"/>
-              <a:t>즐겨찾기 해제</a:t>
-            </a:r>
-          </a:p>
-        </p:txBody>
-      </p:sp>
-      <p:cxnSp>
-        <p:nvCxnSpPr>
-          <p:cNvPr id="1478" name="연결선: 꺾임 1477"/>
-          <p:cNvCxnSpPr>
-            <a:cxnSpLocks/>
-          </p:cNvCxnSpPr>
-          <p:nvPr/>
-        </p:nvCxnSpPr>
-        <p:spPr>
-          <a:xfrm rot="10800000">
-            <a:off x="23639476" y="22782301"/>
-            <a:ext cx="426752" cy="1682784"/>
-          </a:xfrm>
-          <a:prstGeom prst="bentConnector2">
-            <a:avLst/>
-          </a:prstGeom>
-          <a:ln>
-            <a:solidFill>
-              <a:schemeClr val="dk1"/>
-            </a:solidFill>
-          </a:ln>
-        </p:spPr>
-        <p:style>
-          <a:lnRef idx="1">
-            <a:schemeClr val="accent1"/>
-          </a:lnRef>
-          <a:fillRef idx="0">
-            <a:schemeClr val="accent1"/>
-          </a:fillRef>
-          <a:effectRef idx="0">
-            <a:schemeClr val="accent1"/>
-          </a:effectRef>
-          <a:fontRef idx="minor">
-            <a:schemeClr val="tx1"/>
-          </a:fontRef>
-        </p:style>
-      </p:cxnSp>
-      <p:cxnSp>
-        <p:nvCxnSpPr>
-          <p:cNvPr id="1479" name="직선 연결선 1478"/>
-          <p:cNvCxnSpPr>
-            <a:cxnSpLocks/>
-          </p:cNvCxnSpPr>
-          <p:nvPr/>
-        </p:nvCxnSpPr>
-        <p:spPr>
-          <a:xfrm>
-            <a:off x="24066228" y="23400939"/>
-            <a:ext cx="0" cy="0"/>
-          </a:xfrm>
-          <a:prstGeom prst="line">
-            <a:avLst/>
-          </a:prstGeom>
-        </p:spPr>
-        <p:style>
-          <a:lnRef idx="1">
-            <a:schemeClr val="accent1"/>
-          </a:lnRef>
-          <a:fillRef idx="0">
-            <a:schemeClr val="accent1"/>
-          </a:fillRef>
-          <a:effectRef idx="0">
-            <a:schemeClr val="accent1"/>
-          </a:effectRef>
-          <a:fontRef idx="minor">
-            <a:schemeClr val="tx1"/>
-          </a:fontRef>
-        </p:style>
-      </p:cxnSp>
-      <p:cxnSp>
-        <p:nvCxnSpPr>
-          <p:cNvPr id="1481" name="직선 연결선 1480"/>
-          <p:cNvCxnSpPr>
-            <a:cxnSpLocks/>
-          </p:cNvCxnSpPr>
-          <p:nvPr/>
-        </p:nvCxnSpPr>
-        <p:spPr>
-          <a:xfrm rot="10800000">
-            <a:off x="23639476" y="23400939"/>
-            <a:ext cx="426752" cy="0"/>
-          </a:xfrm>
-          <a:prstGeom prst="line">
-            <a:avLst/>
-          </a:prstGeom>
-          <a:ln>
-            <a:solidFill>
-              <a:schemeClr val="dk1"/>
-            </a:solidFill>
-          </a:ln>
-        </p:spPr>
-        <p:style>
-          <a:lnRef idx="1">
-            <a:schemeClr val="accent1"/>
-          </a:lnRef>
-          <a:fillRef idx="0">
-            <a:schemeClr val="accent1"/>
-          </a:fillRef>
-          <a:effectRef idx="0">
-            <a:schemeClr val="accent1"/>
-          </a:effectRef>
-          <a:fontRef idx="minor">
-            <a:schemeClr val="tx1"/>
-          </a:fontRef>
-        </p:style>
-      </p:cxnSp>
-      <p:cxnSp>
-        <p:nvCxnSpPr>
-          <p:cNvPr id="1482" name="연결선: 꺾임 1481"/>
-          <p:cNvCxnSpPr>
-            <a:cxnSpLocks/>
-          </p:cNvCxnSpPr>
-          <p:nvPr/>
-        </p:nvCxnSpPr>
-        <p:spPr>
-          <a:xfrm rot="10800000">
-            <a:off x="24439514" y="24807121"/>
-            <a:ext cx="383428" cy="652864"/>
-          </a:xfrm>
-          <a:prstGeom prst="bentConnector2">
-            <a:avLst/>
-          </a:prstGeom>
-          <a:ln>
-            <a:solidFill>
-              <a:schemeClr val="dk1"/>
-            </a:solidFill>
-          </a:ln>
-        </p:spPr>
-        <p:style>
-          <a:lnRef idx="1">
-            <a:schemeClr val="accent1"/>
-          </a:lnRef>
-          <a:fillRef idx="0">
-            <a:schemeClr val="accent1"/>
-          </a:fillRef>
-          <a:effectRef idx="0">
-            <a:schemeClr val="accent1"/>
-          </a:effectRef>
-          <a:fontRef idx="minor">
-            <a:schemeClr val="tx1"/>
-          </a:fontRef>
-        </p:style>
-      </p:cxnSp>
-      <p:cxnSp>
-        <p:nvCxnSpPr>
-          <p:cNvPr id="1485" name="연결선: 꺾임 1484"/>
-          <p:cNvCxnSpPr>
-            <a:cxnSpLocks/>
-          </p:cNvCxnSpPr>
-          <p:nvPr/>
-        </p:nvCxnSpPr>
-        <p:spPr>
-          <a:xfrm rot="10800000">
-            <a:off x="25169664" y="25802025"/>
-            <a:ext cx="332324" cy="1692376"/>
-          </a:xfrm>
-          <a:prstGeom prst="bentConnector2">
-            <a:avLst/>
-          </a:prstGeom>
-          <a:ln>
-            <a:solidFill>
-              <a:schemeClr val="dk1"/>
-            </a:solidFill>
-          </a:ln>
-        </p:spPr>
-        <p:style>
-          <a:lnRef idx="1">
-            <a:schemeClr val="accent1"/>
-          </a:lnRef>
-          <a:fillRef idx="0">
-            <a:schemeClr val="accent1"/>
-          </a:fillRef>
-          <a:effectRef idx="0">
-            <a:schemeClr val="accent1"/>
-          </a:effectRef>
-          <a:fontRef idx="minor">
-            <a:schemeClr val="tx1"/>
-          </a:fontRef>
-        </p:style>
-      </p:cxnSp>
-      <p:cxnSp>
-        <p:nvCxnSpPr>
-          <p:cNvPr id="1486" name="직선 연결선 1485"/>
-          <p:cNvCxnSpPr>
-            <a:cxnSpLocks/>
-          </p:cNvCxnSpPr>
-          <p:nvPr/>
-        </p:nvCxnSpPr>
-        <p:spPr>
-          <a:xfrm rot="10800000">
-            <a:off x="25169668" y="26491935"/>
-            <a:ext cx="332320" cy="4"/>
-          </a:xfrm>
-          <a:prstGeom prst="line">
-            <a:avLst/>
-          </a:prstGeom>
-          <a:ln>
-            <a:solidFill>
-              <a:schemeClr val="dk1"/>
-            </a:solidFill>
-          </a:ln>
-        </p:spPr>
-        <p:style>
-          <a:lnRef idx="1">
-            <a:schemeClr val="accent1"/>
-          </a:lnRef>
-          <a:fillRef idx="0">
-            <a:schemeClr val="accent1"/>
-          </a:fillRef>
-          <a:effectRef idx="0">
-            <a:schemeClr val="accent1"/>
-          </a:effectRef>
-          <a:fontRef idx="minor">
-            <a:schemeClr val="tx1"/>
-          </a:fontRef>
-        </p:style>
-      </p:cxnSp>
-      <p:sp>
-        <p:nvSpPr>
-          <p:cNvPr id="1387" name="직사각형 1216"/>
-          <p:cNvSpPr/>
-          <p:nvPr/>
-        </p:nvSpPr>
-        <p:spPr>
-          <a:xfrm>
-            <a:off x="26785620" y="20217475"/>
-            <a:ext cx="3060382" cy="684085"/>
-          </a:xfrm>
-          <a:prstGeom prst="rect">
-            <a:avLst/>
-          </a:prstGeom>
-          <a:ln>
-            <a:solidFill>
-              <a:srgbClr val="008000"/>
-            </a:solidFill>
-          </a:ln>
-        </p:spPr>
-        <p:style>
-          <a:lnRef idx="2">
-            <a:schemeClr val="accent6">
-              <a:shade val="50000"/>
-            </a:schemeClr>
-          </a:lnRef>
-          <a:fillRef idx="1">
-            <a:schemeClr val="accent6"/>
-          </a:fillRef>
-          <a:effectRef idx="0">
-            <a:schemeClr val="accent6"/>
-          </a:effectRef>
-          <a:fontRef idx="minor">
-            <a:schemeClr val="lt1"/>
-          </a:fontRef>
-        </p:style>
-        <p:txBody>
-          <a:bodyPr rot="0" vert="horz" wrap="square" lIns="77272" tIns="38641" rIns="77272" bIns="38641" anchor="ctr" anchorCtr="0">
-            <a:prstTxWarp prst="textNoShape">
-              <a:avLst/>
-            </a:prstTxWarp>
-            <a:noAutofit/>
-          </a:bodyPr>
-          <a:lstStyle/>
-          <a:p>
-            <a:pPr algn="ctr">
-              <a:defRPr/>
-            </a:pPr>
-            <a:r>
-              <a:rPr lang="ko-KR" altLang="en-US" sz="2600" b="1"/>
-              <a:t>즐겨찾는 지원서</a:t>
-            </a:r>
-          </a:p>
-        </p:txBody>
-      </p:sp>
-      <p:sp>
-        <p:nvSpPr>
-          <p:cNvPr id="1389" name="직사각형 1218"/>
-          <p:cNvSpPr/>
-          <p:nvPr/>
-        </p:nvSpPr>
-        <p:spPr>
-          <a:xfrm>
-            <a:off x="27479504" y="21163931"/>
-            <a:ext cx="3060382" cy="684085"/>
-          </a:xfrm>
-          <a:prstGeom prst="rect">
-            <a:avLst/>
-          </a:prstGeom>
-          <a:ln>
-            <a:solidFill>
-              <a:srgbClr val="008000"/>
-            </a:solidFill>
-          </a:ln>
-        </p:spPr>
-        <p:style>
-          <a:lnRef idx="2">
-            <a:schemeClr val="accent6">
-              <a:shade val="50000"/>
-            </a:schemeClr>
-          </a:lnRef>
-          <a:fillRef idx="1">
-            <a:schemeClr val="accent6"/>
-          </a:fillRef>
-          <a:effectRef idx="0">
-            <a:schemeClr val="accent6"/>
-          </a:effectRef>
-          <a:fontRef idx="minor">
-            <a:schemeClr val="lt1"/>
-          </a:fontRef>
-        </p:style>
-        <p:txBody>
-          <a:bodyPr rot="0" vert="horz" wrap="square" lIns="77272" tIns="38641" rIns="77272" bIns="38641" anchor="ctr" anchorCtr="0">
-            <a:prstTxWarp prst="textNoShape">
-              <a:avLst/>
-            </a:prstTxWarp>
-            <a:noAutofit/>
-          </a:bodyPr>
-          <a:lstStyle/>
-          <a:p>
-            <a:pPr algn="ctr">
-              <a:defRPr/>
-            </a:pPr>
-            <a:r>
-              <a:rPr lang="ko-KR" altLang="en-US" sz="2500" b="1"/>
-              <a:t>즐겨찾는 지원서 조회</a:t>
-            </a:r>
-          </a:p>
-        </p:txBody>
-      </p:sp>
-      <p:sp>
-        <p:nvSpPr>
-          <p:cNvPr id="1390" name="직사각형 1219"/>
-          <p:cNvSpPr/>
-          <p:nvPr/>
-        </p:nvSpPr>
-        <p:spPr>
-          <a:xfrm>
-            <a:off x="28098086" y="22190057"/>
-            <a:ext cx="3060382" cy="684085"/>
-          </a:xfrm>
-          <a:prstGeom prst="rect">
-            <a:avLst/>
-          </a:prstGeom>
-          <a:ln>
-            <a:solidFill>
-              <a:srgbClr val="008000"/>
-            </a:solidFill>
-          </a:ln>
-        </p:spPr>
-        <p:style>
-          <a:lnRef idx="2">
-            <a:schemeClr val="accent6">
-              <a:shade val="50000"/>
-            </a:schemeClr>
-          </a:lnRef>
-          <a:fillRef idx="1">
-            <a:schemeClr val="accent6"/>
-          </a:fillRef>
-          <a:effectRef idx="0">
-            <a:schemeClr val="accent6"/>
-          </a:effectRef>
-          <a:fontRef idx="minor">
-            <a:schemeClr val="lt1"/>
-          </a:fontRef>
-        </p:style>
-        <p:txBody>
-          <a:bodyPr rot="0" vert="horz" wrap="square" lIns="77272" tIns="38641" rIns="77272" bIns="38641" anchor="ctr" anchorCtr="0">
-            <a:prstTxWarp prst="textNoShape">
-              <a:avLst/>
-            </a:prstTxWarp>
-            <a:noAutofit/>
-          </a:bodyPr>
-          <a:lstStyle/>
-          <a:p>
-            <a:pPr algn="ctr">
-              <a:defRPr/>
-            </a:pPr>
-            <a:r>
-              <a:rPr lang="ko-KR" altLang="en-US" sz="2500" b="1"/>
-              <a:t>즐겨찾는 지원서 상세보기</a:t>
-            </a:r>
-          </a:p>
-        </p:txBody>
-      </p:sp>
-      <p:cxnSp>
-        <p:nvCxnSpPr>
-          <p:cNvPr id="1487" name="연결선: 꺾임 1486"/>
-          <p:cNvCxnSpPr>
-            <a:cxnSpLocks/>
-          </p:cNvCxnSpPr>
-          <p:nvPr/>
-        </p:nvCxnSpPr>
-        <p:spPr>
-          <a:xfrm rot="16200000" flipH="1">
-            <a:off x="26978084" y="21004553"/>
-            <a:ext cx="632728" cy="370112"/>
-          </a:xfrm>
-          <a:prstGeom prst="bentConnector2">
-            <a:avLst/>
-          </a:prstGeom>
-          <a:ln>
-            <a:solidFill>
-              <a:schemeClr val="dk1"/>
-            </a:solidFill>
-          </a:ln>
-        </p:spPr>
-        <p:style>
-          <a:lnRef idx="1">
-            <a:schemeClr val="accent1"/>
-          </a:lnRef>
-          <a:fillRef idx="0">
-            <a:schemeClr val="accent1"/>
-          </a:fillRef>
-          <a:effectRef idx="0">
-            <a:schemeClr val="accent1"/>
-          </a:effectRef>
-          <a:fontRef idx="minor">
-            <a:schemeClr val="tx1"/>
-          </a:fontRef>
-        </p:style>
-      </p:cxnSp>
-      <p:cxnSp>
-        <p:nvCxnSpPr>
-          <p:cNvPr id="1488" name="연결선: 꺾임 1487"/>
-          <p:cNvCxnSpPr>
-            <a:cxnSpLocks/>
-          </p:cNvCxnSpPr>
-          <p:nvPr/>
-        </p:nvCxnSpPr>
-        <p:spPr>
-          <a:xfrm rot="16200000" flipH="1">
-            <a:off x="27576740" y="22010757"/>
-            <a:ext cx="702086" cy="340600"/>
-          </a:xfrm>
-          <a:prstGeom prst="bentConnector2">
-            <a:avLst/>
-          </a:prstGeom>
-          <a:ln>
-            <a:solidFill>
-              <a:schemeClr val="dk1"/>
-            </a:solidFill>
-          </a:ln>
-        </p:spPr>
-        <p:style>
-          <a:lnRef idx="1">
-            <a:schemeClr val="accent1"/>
-          </a:lnRef>
-          <a:fillRef idx="0">
-            <a:schemeClr val="accent1"/>
-          </a:fillRef>
-          <a:effectRef idx="0">
-            <a:schemeClr val="accent1"/>
-          </a:effectRef>
-          <a:fontRef idx="minor">
-            <a:schemeClr val="tx1"/>
-          </a:fontRef>
-        </p:style>
-      </p:cxnSp>
-      <p:sp>
-        <p:nvSpPr>
-          <p:cNvPr id="1017" name="직사각형 1016"/>
-          <p:cNvSpPr/>
-          <p:nvPr/>
-        </p:nvSpPr>
-        <p:spPr>
-          <a:xfrm>
-            <a:off x="771257" y="19615692"/>
-            <a:ext cx="3060382" cy="684085"/>
-          </a:xfrm>
-          <a:prstGeom prst="rect">
-            <a:avLst/>
-          </a:prstGeom>
-          <a:solidFill>
-            <a:srgbClr val="808080"/>
-          </a:solidFill>
-          <a:ln>
-            <a:solidFill>
-              <a:srgbClr val="595959"/>
-            </a:solidFill>
-          </a:ln>
-        </p:spPr>
-        <p:style>
-          <a:lnRef idx="2">
-            <a:schemeClr val="accent5">
-              <a:shade val="50000"/>
-            </a:schemeClr>
-          </a:lnRef>
-          <a:fillRef idx="1">
-            <a:schemeClr val="accent5"/>
-          </a:fillRef>
-          <a:effectRef idx="0">
-            <a:schemeClr val="accent5"/>
-          </a:effectRef>
-          <a:fontRef idx="minor">
-            <a:schemeClr val="lt1"/>
-          </a:fontRef>
-        </p:style>
-        <p:txBody>
-          <a:bodyPr rot="0" vert="horz" wrap="square" lIns="77272" tIns="38641" rIns="77272" bIns="38641" anchor="ctr" anchorCtr="0">
-            <a:prstTxWarp prst="textNoShape">
-              <a:avLst/>
-            </a:prstTxWarp>
-            <a:noAutofit/>
-          </a:bodyPr>
-          <a:lstStyle/>
-          <a:p>
-            <a:pPr algn="ctr">
-              <a:defRPr/>
-            </a:pPr>
-            <a:r>
-              <a:rPr lang="ko-KR" altLang="en-US" sz="2600" b="1"/>
-              <a:t>공지사항</a:t>
-            </a:r>
-          </a:p>
-        </p:txBody>
-      </p:sp>
-      <p:sp>
-        <p:nvSpPr>
-          <p:cNvPr id="1044" name="직사각형 1043"/>
-          <p:cNvSpPr/>
-          <p:nvPr/>
-        </p:nvSpPr>
-        <p:spPr>
-          <a:xfrm>
-            <a:off x="2301448" y="23587300"/>
-            <a:ext cx="3060382" cy="684085"/>
-          </a:xfrm>
-          <a:prstGeom prst="rect">
-            <a:avLst/>
-          </a:prstGeom>
-          <a:solidFill>
-            <a:srgbClr val="808080"/>
-          </a:solidFill>
-          <a:ln>
-            <a:solidFill>
-              <a:srgbClr val="595959"/>
-            </a:solidFill>
-          </a:ln>
-        </p:spPr>
-        <p:style>
-          <a:lnRef idx="2">
-            <a:schemeClr val="accent5">
-              <a:shade val="50000"/>
-            </a:schemeClr>
-          </a:lnRef>
-          <a:fillRef idx="1">
-            <a:schemeClr val="accent5"/>
-          </a:fillRef>
-          <a:effectRef idx="0">
-            <a:schemeClr val="accent5"/>
-          </a:effectRef>
-          <a:fontRef idx="minor">
-            <a:schemeClr val="lt1"/>
-          </a:fontRef>
-        </p:style>
-        <p:txBody>
-          <a:bodyPr rot="0" vert="horz" wrap="square" lIns="77272" tIns="38641" rIns="77272" bIns="38641" anchor="ctr" anchorCtr="0">
-            <a:prstTxWarp prst="textNoShape">
-              <a:avLst/>
-            </a:prstTxWarp>
-            <a:noAutofit/>
-          </a:bodyPr>
-          <a:lstStyle/>
-          <a:p>
-            <a:pPr algn="ctr">
-              <a:defRPr/>
-            </a:pPr>
-            <a:r>
-              <a:rPr lang="ko-KR" altLang="en-US" sz="2600" b="1"/>
-              <a:t>공지사항 상세보기</a:t>
-            </a:r>
-          </a:p>
-        </p:txBody>
-      </p:sp>
-      <p:sp>
-        <p:nvSpPr>
-          <p:cNvPr id="1112" name="직사각형 1111"/>
-          <p:cNvSpPr/>
-          <p:nvPr/>
-        </p:nvSpPr>
-        <p:spPr>
-          <a:xfrm>
-            <a:off x="1695352" y="22561178"/>
-            <a:ext cx="3060382" cy="684085"/>
-          </a:xfrm>
-          <a:prstGeom prst="rect">
-            <a:avLst/>
-          </a:prstGeom>
-          <a:solidFill>
-            <a:srgbClr val="808080"/>
-          </a:solidFill>
-          <a:ln>
-            <a:solidFill>
-              <a:srgbClr val="595959"/>
-            </a:solidFill>
-          </a:ln>
-        </p:spPr>
-        <p:style>
-          <a:lnRef idx="2">
-            <a:schemeClr val="accent5">
-              <a:shade val="50000"/>
-            </a:schemeClr>
-          </a:lnRef>
-          <a:fillRef idx="1">
-            <a:schemeClr val="accent5"/>
-          </a:fillRef>
-          <a:effectRef idx="0">
-            <a:schemeClr val="accent5"/>
-          </a:effectRef>
-          <a:fontRef idx="minor">
-            <a:schemeClr val="lt1"/>
-          </a:fontRef>
-        </p:style>
-        <p:txBody>
-          <a:bodyPr rot="0" vert="horz" wrap="square" lIns="77272" tIns="38641" rIns="77272" bIns="38641" anchor="ctr" anchorCtr="0">
-            <a:prstTxWarp prst="textNoShape">
-              <a:avLst/>
-            </a:prstTxWarp>
-            <a:noAutofit/>
-          </a:bodyPr>
-          <a:lstStyle/>
-          <a:p>
-            <a:pPr algn="ctr">
-              <a:defRPr/>
-            </a:pPr>
-            <a:r>
-              <a:rPr lang="ko-KR" altLang="en-US" sz="2600" b="1"/>
               <a:t>공지사항 조회</a:t>
             </a:r>
             <a:endParaRPr lang="en-US" altLang="ko-KR" sz="2600" b="1"/>
@@ -9397,126 +7570,13 @@
       </p:sp>
       <p:sp>
         <p:nvSpPr>
-          <p:cNvPr id="1178" name="직사각형 1177"/>
-          <p:cNvSpPr/>
-          <p:nvPr/>
-        </p:nvSpPr>
-        <p:spPr>
-          <a:xfrm>
-            <a:off x="1695352" y="20614272"/>
-            <a:ext cx="3060382" cy="684085"/>
-          </a:xfrm>
-          <a:prstGeom prst="rect">
-            <a:avLst/>
-          </a:prstGeom>
-          <a:solidFill>
-            <a:srgbClr val="808080"/>
-          </a:solidFill>
-          <a:ln>
-            <a:solidFill>
-              <a:srgbClr val="595959"/>
-            </a:solidFill>
-          </a:ln>
-        </p:spPr>
-        <p:style>
-          <a:lnRef idx="2">
-            <a:schemeClr val="accent5">
-              <a:shade val="50000"/>
-            </a:schemeClr>
-          </a:lnRef>
-          <a:fillRef idx="1">
-            <a:schemeClr val="accent5"/>
-          </a:fillRef>
-          <a:effectRef idx="0">
-            <a:schemeClr val="accent5"/>
-          </a:effectRef>
-          <a:fontRef idx="minor">
-            <a:schemeClr val="lt1"/>
-          </a:fontRef>
-        </p:style>
-        <p:txBody>
-          <a:bodyPr rot="0" vert="horz" wrap="square" lIns="77272" tIns="38641" rIns="77272" bIns="38641" anchor="ctr" anchorCtr="0">
-            <a:prstTxWarp prst="textNoShape">
-              <a:avLst/>
-            </a:prstTxWarp>
-            <a:noAutofit/>
-          </a:bodyPr>
-          <a:lstStyle/>
-          <a:p>
-            <a:pPr algn="ctr">
-              <a:defRPr/>
-            </a:pPr>
-            <a:r>
-              <a:rPr lang="ko-KR" altLang="en-US" sz="2600" b="1"/>
-              <a:t>게시글 검색</a:t>
-            </a:r>
-          </a:p>
-        </p:txBody>
-      </p:sp>
-      <p:sp>
-        <p:nvSpPr>
-          <p:cNvPr id="1237" name="직사각형 1236"/>
-          <p:cNvSpPr/>
-          <p:nvPr/>
-        </p:nvSpPr>
-        <p:spPr>
-          <a:xfrm>
-            <a:off x="1695352" y="21562480"/>
-            <a:ext cx="3060382" cy="684085"/>
-          </a:xfrm>
-          <a:prstGeom prst="rect">
-            <a:avLst/>
-          </a:prstGeom>
-          <a:ln>
-            <a:solidFill>
-              <a:srgbClr val="008000"/>
-            </a:solidFill>
-          </a:ln>
-        </p:spPr>
-        <p:style>
-          <a:lnRef idx="2">
-            <a:schemeClr val="accent6">
-              <a:shade val="50000"/>
-            </a:schemeClr>
-          </a:lnRef>
-          <a:fillRef idx="1">
-            <a:schemeClr val="accent6"/>
-          </a:fillRef>
-          <a:effectRef idx="0">
-            <a:schemeClr val="accent6"/>
-          </a:effectRef>
-          <a:fontRef idx="minor">
-            <a:schemeClr val="lt1"/>
-          </a:fontRef>
-        </p:style>
-        <p:txBody>
-          <a:bodyPr rot="0" vert="horz" wrap="square" lIns="77272" tIns="38641" rIns="77272" bIns="38641" anchor="ctr" anchorCtr="0">
-            <a:prstTxWarp prst="textNoShape">
-              <a:avLst/>
-            </a:prstTxWarp>
-            <a:noAutofit/>
-          </a:bodyPr>
-          <a:lstStyle/>
-          <a:p>
-            <a:pPr algn="ctr">
-              <a:defRPr/>
-            </a:pPr>
-            <a:r>
-              <a:rPr lang="ko-KR" altLang="en-US" sz="2600" b="1"/>
-              <a:t>게시글 등록</a:t>
-            </a:r>
-          </a:p>
-        </p:txBody>
-      </p:sp>
-      <p:sp>
-        <p:nvSpPr>
           <p:cNvPr id="1244" name="직사각형 1243"/>
           <p:cNvSpPr/>
           <p:nvPr/>
         </p:nvSpPr>
         <p:spPr>
           <a:xfrm>
-            <a:off x="3225543" y="24508602"/>
+            <a:off x="4058061" y="24508606"/>
             <a:ext cx="3060382" cy="684085"/>
           </a:xfrm>
           <a:prstGeom prst="rect">
@@ -9572,7 +7632,7 @@
         </p:nvSpPr>
         <p:spPr>
           <a:xfrm>
-            <a:off x="3225543" y="25515460"/>
+            <a:off x="4058061" y="25515464"/>
             <a:ext cx="3060382" cy="684085"/>
           </a:xfrm>
           <a:prstGeom prst="rect">
@@ -9622,153 +7682,13 @@
       </p:sp>
       <p:cxnSp>
         <p:nvCxnSpPr>
-          <p:cNvPr id="1491" name="연결선: 꺾임 1490"/>
-          <p:cNvCxnSpPr/>
-          <p:nvPr/>
-        </p:nvCxnSpPr>
-        <p:spPr>
-          <a:xfrm rot="16200000" flipH="1">
-            <a:off x="119500" y="21327368"/>
-            <a:ext cx="2603448" cy="548256"/>
-          </a:xfrm>
-          <a:prstGeom prst="bentConnector2">
-            <a:avLst/>
-          </a:prstGeom>
-          <a:ln>
-            <a:solidFill>
-              <a:schemeClr val="dk1"/>
-            </a:solidFill>
-          </a:ln>
-        </p:spPr>
-        <p:style>
-          <a:lnRef idx="1">
-            <a:schemeClr val="accent1"/>
-          </a:lnRef>
-          <a:fillRef idx="0">
-            <a:schemeClr val="accent1"/>
-          </a:fillRef>
-          <a:effectRef idx="0">
-            <a:schemeClr val="accent1"/>
-          </a:effectRef>
-          <a:fontRef idx="minor">
-            <a:schemeClr val="tx1"/>
-          </a:fontRef>
-        </p:style>
-      </p:cxnSp>
-      <p:cxnSp>
-        <p:nvCxnSpPr>
-          <p:cNvPr id="1495" name="직선 연결선 1494"/>
-          <p:cNvCxnSpPr/>
-          <p:nvPr/>
-        </p:nvCxnSpPr>
-        <p:spPr>
-          <a:xfrm>
-            <a:off x="1147096" y="20956314"/>
-            <a:ext cx="548256" cy="0"/>
-          </a:xfrm>
-          <a:prstGeom prst="line">
-            <a:avLst/>
-          </a:prstGeom>
-          <a:ln>
-            <a:solidFill>
-              <a:schemeClr val="dk1"/>
-            </a:solidFill>
-          </a:ln>
-        </p:spPr>
-        <p:style>
-          <a:lnRef idx="1">
-            <a:schemeClr val="accent1"/>
-          </a:lnRef>
-          <a:fillRef idx="0">
-            <a:schemeClr val="accent1"/>
-          </a:fillRef>
-          <a:effectRef idx="0">
-            <a:schemeClr val="accent1"/>
-          </a:effectRef>
-          <a:fontRef idx="minor">
-            <a:schemeClr val="tx1"/>
-          </a:fontRef>
-        </p:style>
-      </p:cxnSp>
-      <p:cxnSp>
-        <p:nvCxnSpPr>
-          <p:cNvPr id="1496" name="직선 연결선 1495"/>
-          <p:cNvCxnSpPr/>
-          <p:nvPr/>
-        </p:nvCxnSpPr>
-        <p:spPr>
-          <a:xfrm flipV="1">
-            <a:off x="1147096" y="21904524"/>
-            <a:ext cx="548256" cy="18002"/>
-          </a:xfrm>
-          <a:prstGeom prst="line">
-            <a:avLst/>
-          </a:prstGeom>
-          <a:ln>
-            <a:solidFill>
-              <a:schemeClr val="dk1"/>
-            </a:solidFill>
-          </a:ln>
-        </p:spPr>
-        <p:style>
-          <a:lnRef idx="1">
-            <a:schemeClr val="accent1"/>
-          </a:lnRef>
-          <a:fillRef idx="0">
-            <a:schemeClr val="accent1"/>
-          </a:fillRef>
-          <a:effectRef idx="0">
-            <a:schemeClr val="accent1"/>
-          </a:effectRef>
-          <a:fontRef idx="minor">
-            <a:schemeClr val="tx1"/>
-          </a:fontRef>
-        </p:style>
-      </p:cxnSp>
-      <p:cxnSp>
-        <p:nvCxnSpPr>
-          <p:cNvPr id="1497" name="연결선: 꺾임 1496"/>
-          <p:cNvCxnSpPr/>
-          <p:nvPr/>
-        </p:nvCxnSpPr>
-        <p:spPr>
-          <a:xfrm rot="16200000" flipH="1">
-            <a:off x="1778280" y="23406172"/>
-            <a:ext cx="684082" cy="362254"/>
-          </a:xfrm>
-          <a:prstGeom prst="bentConnector2">
-            <a:avLst/>
-          </a:prstGeom>
-          <a:ln>
-            <a:solidFill>
-              <a:schemeClr val="dk1"/>
-            </a:solidFill>
-          </a:ln>
-        </p:spPr>
-        <p:style>
-          <a:lnRef idx="1">
-            <a:schemeClr val="accent1"/>
-          </a:lnRef>
-          <a:fillRef idx="0">
-            <a:schemeClr val="accent1"/>
-          </a:fillRef>
-          <a:effectRef idx="0">
-            <a:schemeClr val="accent1"/>
-          </a:effectRef>
-          <a:fontRef idx="minor">
-            <a:schemeClr val="tx1"/>
-          </a:fontRef>
-        </p:style>
-      </p:cxnSp>
-      <p:cxnSp>
-        <p:nvCxnSpPr>
           <p:cNvPr id="1498" name="연결선: 꺾임 1497"/>
           <p:cNvCxnSpPr/>
           <p:nvPr/>
         </p:nvCxnSpPr>
         <p:spPr>
           <a:xfrm rot="10800000">
-            <a:off x="2731292" y="24288596"/>
+            <a:off x="3563810" y="24288600"/>
             <a:ext cx="494251" cy="1568912"/>
           </a:xfrm>
           <a:prstGeom prst="bentConnector2">
@@ -9803,7 +7723,7 @@
         </p:nvCxnSpPr>
         <p:spPr>
           <a:xfrm>
-            <a:off x="2731292" y="24850644"/>
+            <a:off x="3563810" y="24850648"/>
             <a:ext cx="494251" cy="0"/>
           </a:xfrm>
           <a:prstGeom prst="line">
@@ -9838,7 +7758,7 @@
         </p:nvSpPr>
         <p:spPr>
           <a:xfrm>
-            <a:off x="6059920" y="19615692"/>
+            <a:off x="7118325" y="19670248"/>
             <a:ext cx="3060382" cy="684085"/>
           </a:xfrm>
           <a:prstGeom prst="rect">
@@ -9885,73 +7805,7 @@
               <a:rPr lang="ko-KR" altLang="en-US" sz="2600" b="1"/>
               <a:t>할인정보</a:t>
             </a:r>
-          </a:p>
-        </p:txBody>
-      </p:sp>
-      <p:sp>
-        <p:nvSpPr>
-          <p:cNvPr id="1045" name="직사각형 1044"/>
-          <p:cNvSpPr/>
-          <p:nvPr/>
-        </p:nvSpPr>
-        <p:spPr>
-          <a:xfrm>
-            <a:off x="6834181" y="22561174"/>
-            <a:ext cx="3060382" cy="684085"/>
-          </a:xfrm>
-          <a:prstGeom prst="rect">
-            <a:avLst/>
-          </a:prstGeom>
-          <a:solidFill>
-            <a:srgbClr val="808080"/>
-          </a:solidFill>
-          <a:ln>
-            <a:solidFill>
-              <a:srgbClr val="595959"/>
-            </a:solidFill>
-          </a:ln>
-        </p:spPr>
-        <p:style>
-          <a:lnRef idx="2">
-            <a:schemeClr val="accent5">
-              <a:shade val="50000"/>
-            </a:schemeClr>
-          </a:lnRef>
-          <a:fillRef idx="1">
-            <a:schemeClr val="accent5"/>
-          </a:fillRef>
-          <a:effectRef idx="0">
-            <a:schemeClr val="accent5"/>
-          </a:effectRef>
-          <a:fontRef idx="minor">
-            <a:schemeClr val="lt1"/>
-          </a:fontRef>
-        </p:style>
-        <p:txBody>
-          <a:bodyPr rot="0" vert="horz" wrap="square" lIns="77272" tIns="38641" rIns="77272" bIns="38641" anchor="ctr" anchorCtr="0">
-            <a:prstTxWarp prst="textNoShape">
-              <a:avLst/>
-            </a:prstTxWarp>
-            <a:noAutofit/>
-          </a:bodyPr>
-          <a:lstStyle/>
-          <a:p>
-            <a:pPr algn="ctr">
-              <a:defRPr/>
-            </a:pPr>
-            <a:r>
-              <a:rPr lang="ko-KR" altLang="en-US" sz="2600" b="1"/>
-              <a:t>할인정보</a:t>
-            </a:r>
-            <a:r>
-              <a:rPr lang="en-US" altLang="ko-KR" sz="2600" b="1"/>
-              <a:t> </a:t>
-            </a:r>
-            <a:r>
-              <a:rPr lang="ko-KR" altLang="en-US" sz="2600" b="1"/>
-              <a:t>조회</a:t>
-            </a:r>
-            <a:endParaRPr lang="en-US" altLang="ko-KR" sz="2600" b="1"/>
+            <a:endParaRPr lang="ko-KR" altLang="en-US" sz="2600" b="1"/>
           </a:p>
         </p:txBody>
       </p:sp>
@@ -9963,7 +7817,7 @@
         </p:nvSpPr>
         <p:spPr>
           <a:xfrm>
-            <a:off x="7440276" y="23571688"/>
+            <a:off x="9031041" y="23626246"/>
             <a:ext cx="3060382" cy="684085"/>
           </a:xfrm>
           <a:prstGeom prst="rect">
@@ -10029,7 +7883,7 @@
         </p:nvSpPr>
         <p:spPr>
           <a:xfrm>
-            <a:off x="6834181" y="20632274"/>
+            <a:off x="9056348" y="21636488"/>
             <a:ext cx="3060382" cy="684085"/>
           </a:xfrm>
           <a:prstGeom prst="rect">
@@ -10076,6 +7930,7 @@
               <a:rPr lang="ko-KR" altLang="en-US" sz="2600" b="1"/>
               <a:t>게시글 검색</a:t>
             </a:r>
+            <a:endParaRPr lang="ko-KR" altLang="en-US" sz="2600" b="1"/>
           </a:p>
         </p:txBody>
       </p:sp>
@@ -10087,7 +7942,7 @@
         </p:nvSpPr>
         <p:spPr>
           <a:xfrm>
-            <a:off x="6834181" y="21535048"/>
+            <a:off x="9031041" y="22629182"/>
             <a:ext cx="3060382" cy="684085"/>
           </a:xfrm>
           <a:prstGeom prst="rect">
@@ -10131,6 +7986,7 @@
               <a:rPr lang="ko-KR" altLang="en-US" sz="2600" b="1"/>
               <a:t>할인정보 등록</a:t>
             </a:r>
+            <a:endParaRPr lang="ko-KR" altLang="en-US" sz="2600" b="1"/>
           </a:p>
         </p:txBody>
       </p:sp>
@@ -10142,7 +7998,7 @@
         </p:nvSpPr>
         <p:spPr>
           <a:xfrm>
-            <a:off x="8364372" y="24508600"/>
+            <a:off x="9955137" y="24563158"/>
             <a:ext cx="3060382" cy="684085"/>
           </a:xfrm>
           <a:prstGeom prst="rect">
@@ -10198,7 +8054,7 @@
         </p:nvSpPr>
         <p:spPr>
           <a:xfrm>
-            <a:off x="8364372" y="25533466"/>
+            <a:off x="9955137" y="25588024"/>
             <a:ext cx="3060382" cy="684086"/>
           </a:xfrm>
           <a:prstGeom prst="rect">
@@ -10248,153 +8104,13 @@
       </p:sp>
       <p:cxnSp>
         <p:nvCxnSpPr>
-          <p:cNvPr id="1500" name="연결선: 꺾임 1499"/>
-          <p:cNvCxnSpPr/>
-          <p:nvPr/>
-        </p:nvCxnSpPr>
-        <p:spPr>
-          <a:xfrm rot="16200000" flipH="1">
-            <a:off x="5258329" y="21345370"/>
-            <a:ext cx="2603448" cy="548256"/>
-          </a:xfrm>
-          <a:prstGeom prst="bentConnector2">
-            <a:avLst/>
-          </a:prstGeom>
-          <a:ln>
-            <a:solidFill>
-              <a:schemeClr val="dk1"/>
-            </a:solidFill>
-          </a:ln>
-        </p:spPr>
-        <p:style>
-          <a:lnRef idx="1">
-            <a:schemeClr val="accent1"/>
-          </a:lnRef>
-          <a:fillRef idx="0">
-            <a:schemeClr val="accent1"/>
-          </a:fillRef>
-          <a:effectRef idx="0">
-            <a:schemeClr val="accent1"/>
-          </a:effectRef>
-          <a:fontRef idx="minor">
-            <a:schemeClr val="tx1"/>
-          </a:fontRef>
-        </p:style>
-      </p:cxnSp>
-      <p:cxnSp>
-        <p:nvCxnSpPr>
-          <p:cNvPr id="1501" name="직선 연결선 1500"/>
-          <p:cNvCxnSpPr/>
-          <p:nvPr/>
-        </p:nvCxnSpPr>
-        <p:spPr>
-          <a:xfrm>
-            <a:off x="6285925" y="20974316"/>
-            <a:ext cx="548256" cy="0"/>
-          </a:xfrm>
-          <a:prstGeom prst="line">
-            <a:avLst/>
-          </a:prstGeom>
-          <a:ln>
-            <a:solidFill>
-              <a:schemeClr val="dk1"/>
-            </a:solidFill>
-          </a:ln>
-        </p:spPr>
-        <p:style>
-          <a:lnRef idx="1">
-            <a:schemeClr val="accent1"/>
-          </a:lnRef>
-          <a:fillRef idx="0">
-            <a:schemeClr val="accent1"/>
-          </a:fillRef>
-          <a:effectRef idx="0">
-            <a:schemeClr val="accent1"/>
-          </a:effectRef>
-          <a:fontRef idx="minor">
-            <a:schemeClr val="tx1"/>
-          </a:fontRef>
-        </p:style>
-      </p:cxnSp>
-      <p:cxnSp>
-        <p:nvCxnSpPr>
-          <p:cNvPr id="1502" name="직선 연결선 1501"/>
-          <p:cNvCxnSpPr/>
-          <p:nvPr/>
-        </p:nvCxnSpPr>
-        <p:spPr>
-          <a:xfrm flipV="1">
-            <a:off x="6285925" y="21922526"/>
-            <a:ext cx="548256" cy="18002"/>
-          </a:xfrm>
-          <a:prstGeom prst="line">
-            <a:avLst/>
-          </a:prstGeom>
-          <a:ln>
-            <a:solidFill>
-              <a:schemeClr val="dk1"/>
-            </a:solidFill>
-          </a:ln>
-        </p:spPr>
-        <p:style>
-          <a:lnRef idx="1">
-            <a:schemeClr val="accent1"/>
-          </a:lnRef>
-          <a:fillRef idx="0">
-            <a:schemeClr val="accent1"/>
-          </a:fillRef>
-          <a:effectRef idx="0">
-            <a:schemeClr val="accent1"/>
-          </a:effectRef>
-          <a:fontRef idx="minor">
-            <a:schemeClr val="tx1"/>
-          </a:fontRef>
-        </p:style>
-      </p:cxnSp>
-      <p:cxnSp>
-        <p:nvCxnSpPr>
-          <p:cNvPr id="1503" name="연결선: 꺾임 1502"/>
-          <p:cNvCxnSpPr/>
-          <p:nvPr/>
-        </p:nvCxnSpPr>
-        <p:spPr>
-          <a:xfrm rot="16200000" flipH="1">
-            <a:off x="6917109" y="23424174"/>
-            <a:ext cx="684082" cy="362254"/>
-          </a:xfrm>
-          <a:prstGeom prst="bentConnector2">
-            <a:avLst/>
-          </a:prstGeom>
-          <a:ln>
-            <a:solidFill>
-              <a:schemeClr val="dk1"/>
-            </a:solidFill>
-          </a:ln>
-        </p:spPr>
-        <p:style>
-          <a:lnRef idx="1">
-            <a:schemeClr val="accent1"/>
-          </a:lnRef>
-          <a:fillRef idx="0">
-            <a:schemeClr val="accent1"/>
-          </a:fillRef>
-          <a:effectRef idx="0">
-            <a:schemeClr val="accent1"/>
-          </a:effectRef>
-          <a:fontRef idx="minor">
-            <a:schemeClr val="tx1"/>
-          </a:fontRef>
-        </p:style>
-      </p:cxnSp>
-      <p:cxnSp>
-        <p:nvCxnSpPr>
           <p:cNvPr id="1505" name="직선 연결선 1504"/>
           <p:cNvCxnSpPr/>
           <p:nvPr/>
         </p:nvCxnSpPr>
         <p:spPr>
           <a:xfrm>
-            <a:off x="7870121" y="24868646"/>
+            <a:off x="9460886" y="24923204"/>
             <a:ext cx="494251" cy="0"/>
           </a:xfrm>
           <a:prstGeom prst="line">
@@ -10429,7 +8145,7 @@
         </p:nvCxnSpPr>
         <p:spPr>
           <a:xfrm rot="16200000" flipH="1">
-            <a:off x="7315184" y="24826324"/>
+            <a:off x="8905949" y="24880882"/>
             <a:ext cx="1604126" cy="494250"/>
           </a:xfrm>
           <a:prstGeom prst="bentConnector2">
@@ -10464,7 +8180,7 @@
         </p:nvSpPr>
         <p:spPr>
           <a:xfrm>
-            <a:off x="11026278" y="19633688"/>
+            <a:off x="12834378" y="19666290"/>
             <a:ext cx="3060382" cy="684085"/>
           </a:xfrm>
           <a:prstGeom prst="rect">
@@ -10511,6 +8227,7 @@
               <a:rPr lang="ko-KR" altLang="en-US" sz="2600" b="1"/>
               <a:t>습득물 게시판</a:t>
             </a:r>
+            <a:endParaRPr lang="ko-KR" altLang="en-US" sz="2600" b="1"/>
           </a:p>
         </p:txBody>
       </p:sp>
@@ -10522,7 +8239,7 @@
         </p:nvSpPr>
         <p:spPr>
           <a:xfrm>
-            <a:off x="12131500" y="22523160"/>
+            <a:off x="13672253" y="20649132"/>
             <a:ext cx="3060382" cy="684085"/>
           </a:xfrm>
           <a:prstGeom prst="rect">
@@ -10581,7 +8298,7 @@
         </p:nvSpPr>
         <p:spPr>
           <a:xfrm>
-            <a:off x="12920568" y="23550500"/>
+            <a:off x="14728668" y="23583102"/>
             <a:ext cx="3060382" cy="684085"/>
           </a:xfrm>
           <a:prstGeom prst="rect">
@@ -10647,7 +8364,7 @@
         </p:nvSpPr>
         <p:spPr>
           <a:xfrm>
-            <a:off x="12131500" y="20632274"/>
+            <a:off x="14728669" y="21636488"/>
             <a:ext cx="3060382" cy="684085"/>
           </a:xfrm>
           <a:prstGeom prst="rect">
@@ -10694,6 +8411,7 @@
               <a:rPr lang="ko-KR" altLang="en-US" sz="2600" b="1"/>
               <a:t>게시글 검색</a:t>
             </a:r>
+            <a:endParaRPr lang="ko-KR" altLang="en-US" sz="2600" b="1"/>
           </a:p>
         </p:txBody>
       </p:sp>
@@ -10705,7 +8423,7 @@
         </p:nvSpPr>
         <p:spPr>
           <a:xfrm>
-            <a:off x="12131500" y="21529016"/>
+            <a:off x="14728665" y="22661032"/>
             <a:ext cx="3060382" cy="684085"/>
           </a:xfrm>
           <a:prstGeom prst="rect">
@@ -10749,6 +8467,7 @@
               <a:rPr lang="ko-KR" altLang="en-US" sz="2600" b="1"/>
               <a:t>게시글 등록</a:t>
             </a:r>
+            <a:endParaRPr lang="ko-KR" altLang="en-US" sz="2600" b="1"/>
           </a:p>
         </p:txBody>
       </p:sp>
@@ -10760,7 +8479,7 @@
         </p:nvSpPr>
         <p:spPr>
           <a:xfrm>
-            <a:off x="13905533" y="24508602"/>
+            <a:off x="15713633" y="24541204"/>
             <a:ext cx="3060382" cy="684085"/>
           </a:xfrm>
           <a:prstGeom prst="rect">
@@ -10804,6 +8523,7 @@
               <a:rPr lang="ko-KR" altLang="en-US" sz="2600" b="1"/>
               <a:t>게시글 수정</a:t>
             </a:r>
+            <a:endParaRPr lang="ko-KR" altLang="en-US" sz="2600" b="1"/>
           </a:p>
         </p:txBody>
       </p:sp>
@@ -10815,7 +8535,7 @@
         </p:nvSpPr>
         <p:spPr>
           <a:xfrm>
-            <a:off x="13905533" y="25515458"/>
+            <a:off x="15713633" y="25548060"/>
             <a:ext cx="3060382" cy="684085"/>
           </a:xfrm>
           <a:prstGeom prst="rect">
@@ -10859,158 +8579,19 @@
               <a:rPr lang="ko-KR" altLang="en-US" sz="2600" b="1"/>
               <a:t>게시글 삭제</a:t>
             </a:r>
+            <a:endParaRPr lang="ko-KR" altLang="en-US" sz="2600" b="1"/>
           </a:p>
         </p:txBody>
       </p:sp>
       <p:cxnSp>
         <p:nvCxnSpPr>
-          <p:cNvPr id="1507" name="연결선: 꺾임 1506"/>
-          <p:cNvCxnSpPr/>
-          <p:nvPr/>
-        </p:nvCxnSpPr>
-        <p:spPr>
-          <a:xfrm rot="16200000" flipH="1">
-            <a:off x="10555649" y="21329756"/>
-            <a:ext cx="2603448" cy="548256"/>
-          </a:xfrm>
-          <a:prstGeom prst="bentConnector2">
-            <a:avLst/>
-          </a:prstGeom>
-          <a:ln>
-            <a:solidFill>
-              <a:schemeClr val="dk1"/>
-            </a:solidFill>
-          </a:ln>
-        </p:spPr>
-        <p:style>
-          <a:lnRef idx="1">
-            <a:schemeClr val="accent1"/>
-          </a:lnRef>
-          <a:fillRef idx="0">
-            <a:schemeClr val="accent1"/>
-          </a:fillRef>
-          <a:effectRef idx="0">
-            <a:schemeClr val="accent1"/>
-          </a:effectRef>
-          <a:fontRef idx="minor">
-            <a:schemeClr val="tx1"/>
-          </a:fontRef>
-        </p:style>
-      </p:cxnSp>
-      <p:cxnSp>
-        <p:nvCxnSpPr>
-          <p:cNvPr id="1508" name="직선 연결선 1507"/>
-          <p:cNvCxnSpPr/>
-          <p:nvPr/>
-        </p:nvCxnSpPr>
-        <p:spPr>
-          <a:xfrm>
-            <a:off x="11583245" y="20958702"/>
-            <a:ext cx="548256" cy="0"/>
-          </a:xfrm>
-          <a:prstGeom prst="line">
-            <a:avLst/>
-          </a:prstGeom>
-          <a:ln>
-            <a:solidFill>
-              <a:schemeClr val="dk1"/>
-            </a:solidFill>
-          </a:ln>
-        </p:spPr>
-        <p:style>
-          <a:lnRef idx="1">
-            <a:schemeClr val="accent1"/>
-          </a:lnRef>
-          <a:fillRef idx="0">
-            <a:schemeClr val="accent1"/>
-          </a:fillRef>
-          <a:effectRef idx="0">
-            <a:schemeClr val="accent1"/>
-          </a:effectRef>
-          <a:fontRef idx="minor">
-            <a:schemeClr val="tx1"/>
-          </a:fontRef>
-        </p:style>
-      </p:cxnSp>
-      <p:cxnSp>
-        <p:nvCxnSpPr>
-          <p:cNvPr id="1509" name="직선 연결선 1508"/>
-          <p:cNvCxnSpPr/>
-          <p:nvPr/>
-        </p:nvCxnSpPr>
-        <p:spPr>
-          <a:xfrm flipV="1">
-            <a:off x="11583245" y="21906912"/>
-            <a:ext cx="548256" cy="18002"/>
-          </a:xfrm>
-          <a:prstGeom prst="line">
-            <a:avLst/>
-          </a:prstGeom>
-          <a:ln>
-            <a:solidFill>
-              <a:schemeClr val="dk1"/>
-            </a:solidFill>
-          </a:ln>
-        </p:spPr>
-        <p:style>
-          <a:lnRef idx="1">
-            <a:schemeClr val="accent1"/>
-          </a:lnRef>
-          <a:fillRef idx="0">
-            <a:schemeClr val="accent1"/>
-          </a:fillRef>
-          <a:effectRef idx="0">
-            <a:schemeClr val="accent1"/>
-          </a:effectRef>
-          <a:fontRef idx="minor">
-            <a:schemeClr val="tx1"/>
-          </a:fontRef>
-        </p:style>
-      </p:cxnSp>
-      <p:cxnSp>
-        <p:nvCxnSpPr>
-          <p:cNvPr id="1513" name="연결선: 꺾임 1512"/>
-          <p:cNvCxnSpPr/>
-          <p:nvPr/>
-        </p:nvCxnSpPr>
-        <p:spPr>
-          <a:xfrm rot="16200000" flipH="1">
-            <a:off x="12395870" y="23367842"/>
-            <a:ext cx="685298" cy="364099"/>
-          </a:xfrm>
-          <a:prstGeom prst="bentConnector2">
-            <a:avLst/>
-          </a:prstGeom>
-          <a:ln>
-            <a:solidFill>
-              <a:schemeClr val="dk1"/>
-            </a:solidFill>
-          </a:ln>
-        </p:spPr>
-        <p:style>
-          <a:lnRef idx="1">
-            <a:schemeClr val="accent1"/>
-          </a:lnRef>
-          <a:fillRef idx="0">
-            <a:schemeClr val="accent1"/>
-          </a:fillRef>
-          <a:effectRef idx="0">
-            <a:schemeClr val="accent1"/>
-          </a:effectRef>
-          <a:fontRef idx="minor">
-            <a:schemeClr val="tx1"/>
-          </a:fontRef>
-        </p:style>
-      </p:cxnSp>
-      <p:cxnSp>
-        <p:nvCxnSpPr>
           <p:cNvPr id="1514" name="연결선: 꺾임 1513"/>
           <p:cNvCxnSpPr/>
           <p:nvPr/>
         </p:nvCxnSpPr>
         <p:spPr>
           <a:xfrm rot="10800000">
-            <a:off x="13388626" y="24234584"/>
+            <a:off x="15196726" y="24267186"/>
             <a:ext cx="516902" cy="1622928"/>
           </a:xfrm>
           <a:prstGeom prst="bentConnector2">
@@ -11045,7 +8626,7 @@
         </p:nvCxnSpPr>
         <p:spPr>
           <a:xfrm rot="10800000">
-            <a:off x="13388625" y="24850642"/>
+            <a:off x="15196725" y="24883244"/>
             <a:ext cx="516907" cy="4"/>
           </a:xfrm>
           <a:prstGeom prst="line">
@@ -11080,7 +8661,7 @@
         </p:nvSpPr>
         <p:spPr>
           <a:xfrm>
-            <a:off x="34881930" y="10059006"/>
+            <a:off x="33293804" y="10355059"/>
             <a:ext cx="3060382" cy="684085"/>
           </a:xfrm>
           <a:prstGeom prst="rect">
@@ -11124,6 +8705,11 @@
               </a:rPr>
               <a:t>내 정보 조회 </a:t>
             </a:r>
+            <a:endParaRPr lang="ko-KR" altLang="en-US" sz="2600" b="1">
+              <a:solidFill>
+                <a:schemeClr val="bg1"/>
+              </a:solidFill>
+            </a:endParaRPr>
           </a:p>
         </p:txBody>
       </p:sp>
@@ -11135,7 +8721,7 @@
         </p:nvSpPr>
         <p:spPr>
           <a:xfrm>
-            <a:off x="35556814" y="11072261"/>
+            <a:off x="33968692" y="11368314"/>
             <a:ext cx="3060382" cy="684085"/>
           </a:xfrm>
           <a:prstGeom prst="rect">
@@ -11175,6 +8761,7 @@
               <a:rPr lang="ko-KR" altLang="en-US" sz="2500" b="1"/>
               <a:t>내 정보</a:t>
             </a:r>
+            <a:endParaRPr lang="ko-KR" altLang="en-US" sz="2500" b="1"/>
           </a:p>
           <a:p>
             <a:pPr algn="ctr">
@@ -11184,6 +8771,7 @@
               <a:rPr lang="ko-KR" altLang="en-US" sz="2500" b="1"/>
               <a:t>상세보기 </a:t>
             </a:r>
+            <a:endParaRPr lang="ko-KR" altLang="en-US" sz="2500" b="1"/>
           </a:p>
         </p:txBody>
       </p:sp>
@@ -11195,7 +8783,7 @@
         </p:nvSpPr>
         <p:spPr>
           <a:xfrm>
-            <a:off x="36418178" y="12995749"/>
+            <a:off x="34830052" y="13291802"/>
             <a:ext cx="3060382" cy="684085"/>
           </a:xfrm>
           <a:prstGeom prst="rect">
@@ -11243,6 +8831,7 @@
               <a:rPr lang="ko-KR" altLang="en-US" sz="2600" b="1"/>
               <a:t>변경 </a:t>
             </a:r>
+            <a:endParaRPr lang="ko-KR" altLang="en-US" sz="2600" b="1"/>
           </a:p>
         </p:txBody>
       </p:sp>
@@ -11254,7 +8843,7 @@
         </p:nvSpPr>
         <p:spPr>
           <a:xfrm>
-            <a:off x="36412126" y="12026298"/>
+            <a:off x="34824004" y="12322351"/>
             <a:ext cx="3060382" cy="684085"/>
           </a:xfrm>
           <a:prstGeom prst="rect">
@@ -11294,6 +8883,7 @@
               <a:rPr lang="ko-KR" altLang="en-US" sz="2600" b="1"/>
               <a:t>회원 탈퇴</a:t>
             </a:r>
+            <a:endParaRPr lang="ko-KR" altLang="en-US" sz="2600" b="1"/>
           </a:p>
         </p:txBody>
       </p:sp>
@@ -11305,7 +8895,7 @@
         </p:nvCxnSpPr>
         <p:spPr>
           <a:xfrm rot="16200000" flipH="1">
-            <a:off x="34983354" y="10840843"/>
+            <a:off x="33395228" y="11136896"/>
             <a:ext cx="671213" cy="475708"/>
           </a:xfrm>
           <a:prstGeom prst="bentConnector2">
@@ -11340,7 +8930,7 @@
         </p:nvCxnSpPr>
         <p:spPr>
           <a:xfrm rot="16200000" flipH="1">
-            <a:off x="35414554" y="12334167"/>
+            <a:off x="33826428" y="12630220"/>
             <a:ext cx="1581444" cy="425804"/>
           </a:xfrm>
           <a:prstGeom prst="bentConnector2">
@@ -11375,7 +8965,7 @@
         </p:nvCxnSpPr>
         <p:spPr>
           <a:xfrm>
-            <a:off x="35992366" y="12368341"/>
+            <a:off x="34404244" y="12664394"/>
             <a:ext cx="419760" cy="0"/>
           </a:xfrm>
           <a:prstGeom prst="line">
@@ -11410,7 +9000,7 @@
         </p:nvSpPr>
         <p:spPr>
           <a:xfrm>
-            <a:off x="35081106" y="13917714"/>
+            <a:off x="33840528" y="15010464"/>
             <a:ext cx="3060382" cy="684085"/>
           </a:xfrm>
           <a:prstGeom prst="rect">
@@ -11450,6 +9040,7 @@
               <a:rPr lang="ko-KR" altLang="en-US" sz="2600" b="1"/>
               <a:t>내 예매 내역</a:t>
             </a:r>
+            <a:endParaRPr lang="ko-KR" altLang="en-US" sz="2600" b="1"/>
           </a:p>
         </p:txBody>
       </p:sp>
@@ -11461,7 +9052,7 @@
         </p:nvSpPr>
         <p:spPr>
           <a:xfrm>
-            <a:off x="35913616" y="14962174"/>
+            <a:off x="34673040" y="16054924"/>
             <a:ext cx="3060382" cy="684085"/>
           </a:xfrm>
           <a:prstGeom prst="rect">
@@ -11501,6 +9092,7 @@
               <a:rPr lang="ko-KR" altLang="en-US" sz="2600" b="1"/>
               <a:t>예매내역 조회</a:t>
             </a:r>
+            <a:endParaRPr lang="ko-KR" altLang="en-US" sz="2600" b="1"/>
           </a:p>
         </p:txBody>
       </p:sp>
@@ -11512,7 +9104,7 @@
         </p:nvSpPr>
         <p:spPr>
           <a:xfrm>
-            <a:off x="36648164" y="16018681"/>
+            <a:off x="35407588" y="17111432"/>
             <a:ext cx="3060382" cy="684085"/>
           </a:xfrm>
           <a:prstGeom prst="rect">
@@ -11552,6 +9144,7 @@
               <a:rPr lang="ko-KR" altLang="en-US" sz="2600" b="1"/>
               <a:t>예매 취소</a:t>
             </a:r>
+            <a:endParaRPr lang="ko-KR" altLang="en-US" sz="2600" b="1"/>
           </a:p>
         </p:txBody>
       </p:sp>
@@ -11563,7 +9156,7 @@
         </p:nvSpPr>
         <p:spPr>
           <a:xfrm>
-            <a:off x="36648164" y="17061653"/>
+            <a:off x="35407588" y="18154404"/>
             <a:ext cx="3060382" cy="684085"/>
           </a:xfrm>
           <a:prstGeom prst="rect">
@@ -11603,6 +9196,7 @@
               <a:rPr lang="ko-KR" altLang="en-US" sz="2600" b="1"/>
               <a:t>리뷰 작성</a:t>
             </a:r>
+            <a:endParaRPr lang="ko-KR" altLang="en-US" sz="2600" b="1"/>
           </a:p>
         </p:txBody>
       </p:sp>
@@ -11614,7 +9208,7 @@
         </p:nvSpPr>
         <p:spPr>
           <a:xfrm>
-            <a:off x="36648164" y="18121425"/>
+            <a:off x="35407588" y="19214176"/>
             <a:ext cx="3060382" cy="684085"/>
           </a:xfrm>
           <a:prstGeom prst="rect">
@@ -11654,6 +9248,7 @@
               <a:rPr lang="ko-KR" altLang="en-US" sz="2600" b="1"/>
               <a:t>취소 완료</a:t>
             </a:r>
+            <a:endParaRPr lang="ko-KR" altLang="en-US" sz="2600" b="1"/>
           </a:p>
         </p:txBody>
       </p:sp>
@@ -11665,7 +9260,7 @@
         </p:nvCxnSpPr>
         <p:spPr>
           <a:xfrm rot="16200000" flipH="1">
-            <a:off x="35299538" y="14690140"/>
+            <a:off x="34058960" y="15782890"/>
             <a:ext cx="702416" cy="525736"/>
           </a:xfrm>
           <a:prstGeom prst="bentConnector2">
@@ -11700,7 +9295,7 @@
         </p:nvCxnSpPr>
         <p:spPr>
           <a:xfrm rot="16200000" flipH="1">
-            <a:off x="35018118" y="16833425"/>
+            <a:off x="33777544" y="17926176"/>
             <a:ext cx="2817208" cy="442878"/>
           </a:xfrm>
           <a:prstGeom prst="bentConnector2">
@@ -11735,7 +9330,7 @@
         </p:nvCxnSpPr>
         <p:spPr>
           <a:xfrm>
-            <a:off x="36205282" y="16360724"/>
+            <a:off x="34964704" y="17453474"/>
             <a:ext cx="442880" cy="0"/>
           </a:xfrm>
           <a:prstGeom prst="line">
@@ -11770,7 +9365,7 @@
         </p:nvCxnSpPr>
         <p:spPr>
           <a:xfrm rot="10800000">
-            <a:off x="36205282" y="17403696"/>
+            <a:off x="34964704" y="18496448"/>
             <a:ext cx="442880" cy="0"/>
           </a:xfrm>
           <a:prstGeom prst="line">
@@ -11805,7 +9400,7 @@
         </p:nvSpPr>
         <p:spPr>
           <a:xfrm>
-            <a:off x="38458772" y="7623452"/>
+            <a:off x="36730132" y="7699441"/>
             <a:ext cx="3060382" cy="684085"/>
           </a:xfrm>
           <a:prstGeom prst="rect">
@@ -11845,6 +9440,7 @@
               <a:rPr lang="ko-KR" altLang="en-US" sz="2600" b="1"/>
               <a:t>내 기프티콘</a:t>
             </a:r>
+            <a:endParaRPr lang="ko-KR" altLang="en-US" sz="2600" b="1"/>
           </a:p>
         </p:txBody>
       </p:sp>
@@ -11856,7 +9452,7 @@
         </p:nvSpPr>
         <p:spPr>
           <a:xfrm>
-            <a:off x="39846792" y="9570240"/>
+            <a:off x="38118152" y="9646229"/>
             <a:ext cx="3060382" cy="684085"/>
           </a:xfrm>
           <a:prstGeom prst="rect">
@@ -11896,6 +9492,7 @@
               <a:rPr lang="ko-KR" altLang="en-US" sz="2500" b="1"/>
               <a:t>내 기프티콘 상세보기</a:t>
             </a:r>
+            <a:endParaRPr lang="ko-KR" altLang="en-US" sz="2500" b="1"/>
           </a:p>
         </p:txBody>
       </p:sp>
@@ -11907,7 +9504,7 @@
         </p:nvSpPr>
         <p:spPr>
           <a:xfrm>
-            <a:off x="40593452" y="10582338"/>
+            <a:off x="38864812" y="10658327"/>
             <a:ext cx="3060382" cy="684085"/>
           </a:xfrm>
           <a:prstGeom prst="rect">
@@ -11954,6 +9551,7 @@
               <a:rPr lang="ko-KR" altLang="en-US" sz="2500" b="1"/>
               <a:t>기간 연장</a:t>
             </a:r>
+            <a:endParaRPr lang="ko-KR" altLang="en-US" sz="2500" b="1"/>
           </a:p>
         </p:txBody>
       </p:sp>
@@ -11965,7 +9563,7 @@
         </p:nvSpPr>
         <p:spPr>
           <a:xfrm>
-            <a:off x="40593452" y="11665646"/>
+            <a:off x="38864812" y="11741635"/>
             <a:ext cx="3060382" cy="684085"/>
           </a:xfrm>
           <a:prstGeom prst="rect">
@@ -12005,6 +9603,7 @@
               <a:rPr lang="ko-KR" altLang="en-US" sz="2600" b="1"/>
               <a:t>기프티콘 환불</a:t>
             </a:r>
+            <a:endParaRPr lang="ko-KR" altLang="en-US" sz="2600" b="1"/>
           </a:p>
         </p:txBody>
       </p:sp>
@@ -12016,7 +9615,7 @@
         </p:nvSpPr>
         <p:spPr>
           <a:xfrm>
-            <a:off x="39276172" y="8544114"/>
+            <a:off x="37547532" y="8620103"/>
             <a:ext cx="3060382" cy="684085"/>
           </a:xfrm>
           <a:prstGeom prst="rect">
@@ -12056,20 +9655,19 @@
               <a:rPr lang="ko-KR" altLang="en-US" sz="2600" b="1"/>
               <a:t>내 기프티콘 조회</a:t>
             </a:r>
+            <a:endParaRPr lang="ko-KR" altLang="en-US" sz="2600" b="1"/>
           </a:p>
         </p:txBody>
       </p:sp>
       <p:cxnSp>
         <p:nvCxnSpPr>
           <p:cNvPr id="1542" name="연결선: 꺾임 1541"/>
-          <p:cNvCxnSpPr>
-            <a:cxnSpLocks/>
-          </p:cNvCxnSpPr>
+          <p:cNvCxnSpPr/>
           <p:nvPr/>
         </p:nvCxnSpPr>
         <p:spPr>
           <a:xfrm rot="10800000">
-            <a:off x="38850352" y="8307540"/>
+            <a:off x="37121712" y="8383529"/>
             <a:ext cx="425816" cy="578616"/>
           </a:xfrm>
           <a:prstGeom prst="bentConnector2">
@@ -12099,14 +9697,12 @@
       <p:cxnSp>
         <p:nvCxnSpPr>
           <p:cNvPr id="1543" name="연결선: 꺾임 1542"/>
-          <p:cNvCxnSpPr>
-            <a:cxnSpLocks/>
-          </p:cNvCxnSpPr>
+          <p:cNvCxnSpPr/>
           <p:nvPr/>
         </p:nvCxnSpPr>
         <p:spPr>
           <a:xfrm rot="16200000" flipH="1">
-            <a:off x="39325888" y="9391380"/>
+            <a:off x="37597248" y="9467369"/>
             <a:ext cx="684082" cy="357720"/>
           </a:xfrm>
           <a:prstGeom prst="bentConnector2">
@@ -12136,14 +9732,12 @@
       <p:cxnSp>
         <p:nvCxnSpPr>
           <p:cNvPr id="1544" name="연결선: 꺾임 1543"/>
-          <p:cNvCxnSpPr>
-            <a:cxnSpLocks/>
-          </p:cNvCxnSpPr>
+          <p:cNvCxnSpPr/>
           <p:nvPr/>
         </p:nvCxnSpPr>
         <p:spPr>
           <a:xfrm rot="10800000">
-            <a:off x="40157900" y="10254324"/>
+            <a:off x="38429260" y="10330313"/>
             <a:ext cx="435552" cy="1753364"/>
           </a:xfrm>
           <a:prstGeom prst="bentConnector2">
@@ -12173,14 +9767,12 @@
       <p:cxnSp>
         <p:nvCxnSpPr>
           <p:cNvPr id="1545" name="직선 연결선 1544"/>
-          <p:cNvCxnSpPr>
-            <a:cxnSpLocks/>
-          </p:cNvCxnSpPr>
+          <p:cNvCxnSpPr/>
           <p:nvPr/>
         </p:nvCxnSpPr>
         <p:spPr>
           <a:xfrm>
-            <a:off x="40157900" y="10915380"/>
+            <a:off x="38429260" y="10991369"/>
             <a:ext cx="435552" cy="9000"/>
           </a:xfrm>
           <a:prstGeom prst="line">
@@ -12215,7 +9807,7 @@
         </p:nvSpPr>
         <p:spPr>
           <a:xfrm>
-            <a:off x="30527400" y="14965347"/>
+            <a:off x="27955796" y="15041338"/>
             <a:ext cx="3060382" cy="684085"/>
           </a:xfrm>
           <a:prstGeom prst="rect">
@@ -12255,6 +9847,7 @@
               <a:rPr lang="ko-KR" altLang="en-US" sz="2600" b="1"/>
               <a:t>내 건의사항</a:t>
             </a:r>
+            <a:endParaRPr lang="ko-KR" altLang="en-US" sz="2600" b="1"/>
           </a:p>
         </p:txBody>
       </p:sp>
@@ -12266,7 +9859,7 @@
         </p:nvSpPr>
         <p:spPr>
           <a:xfrm>
-            <a:off x="31413878" y="15966393"/>
+            <a:off x="28842274" y="16042384"/>
             <a:ext cx="3060382" cy="684085"/>
           </a:xfrm>
           <a:prstGeom prst="rect">
@@ -12306,6 +9899,7 @@
               <a:rPr lang="ko-KR" altLang="en-US" sz="2600" b="1"/>
               <a:t>내 건의사항 조회</a:t>
             </a:r>
+            <a:endParaRPr lang="ko-KR" altLang="en-US" sz="2600" b="1"/>
           </a:p>
         </p:txBody>
       </p:sp>
@@ -12317,7 +9911,7 @@
         </p:nvCxnSpPr>
         <p:spPr>
           <a:xfrm rot="16200000" flipH="1">
-            <a:off x="30872558" y="15767121"/>
+            <a:off x="28300954" y="15843112"/>
             <a:ext cx="659002" cy="423624"/>
           </a:xfrm>
           <a:prstGeom prst="bentConnector2">
@@ -12346,13 +9940,13 @@
       </p:cxnSp>
       <p:sp>
         <p:nvSpPr>
-          <p:cNvPr id="1159" name="직사각형 1158"/>
+          <p:cNvPr id="1063" name="직사각형 1062"/>
           <p:cNvSpPr/>
           <p:nvPr/>
         </p:nvSpPr>
         <p:spPr>
           <a:xfrm>
-            <a:off x="25704357" y="14375118"/>
+            <a:off x="27312620" y="8855356"/>
             <a:ext cx="3060382" cy="684085"/>
           </a:xfrm>
           <a:prstGeom prst="rect">
@@ -12390,20 +9984,21 @@
             </a:pPr>
             <a:r>
               <a:rPr lang="ko-KR" altLang="en-US" sz="2600" b="1"/>
-              <a:t>내 지원 현황</a:t>
+              <a:t>내 리뷰</a:t>
             </a:r>
+            <a:endParaRPr lang="ko-KR" altLang="en-US" sz="2600" b="1"/>
           </a:p>
         </p:txBody>
       </p:sp>
       <p:sp>
         <p:nvSpPr>
-          <p:cNvPr id="1168" name="직사각형 1167"/>
+          <p:cNvPr id="1093" name="직사각형 1092"/>
           <p:cNvSpPr/>
           <p:nvPr/>
         </p:nvSpPr>
         <p:spPr>
           <a:xfrm>
-            <a:off x="26401009" y="15418090"/>
+            <a:off x="28255668" y="9898328"/>
             <a:ext cx="3060382" cy="684085"/>
           </a:xfrm>
           <a:prstGeom prst="rect">
@@ -12441,20 +10036,56 @@
             </a:pPr>
             <a:r>
               <a:rPr lang="ko-KR" altLang="en-US" sz="2600" b="1"/>
-              <a:t>내 지원 현황 조회</a:t>
+              <a:t>내 리뷰 조회</a:t>
             </a:r>
+            <a:endParaRPr lang="ko-KR" altLang="en-US" sz="2600" b="1"/>
           </a:p>
         </p:txBody>
       </p:sp>
+      <p:cxnSp>
+        <p:nvCxnSpPr>
+          <p:cNvPr id="1563" name="연결선: 꺾임 1562"/>
+          <p:cNvCxnSpPr/>
+          <p:nvPr/>
+        </p:nvCxnSpPr>
+        <p:spPr>
+          <a:xfrm rot="16200000" flipH="1">
+            <a:off x="27673764" y="9658468"/>
+            <a:ext cx="700930" cy="462872"/>
+          </a:xfrm>
+          <a:prstGeom prst="bentConnector2">
+            <a:avLst/>
+          </a:prstGeom>
+          <a:ln>
+            <a:solidFill>
+              <a:schemeClr val="dk1"/>
+            </a:solidFill>
+          </a:ln>
+        </p:spPr>
+        <p:style>
+          <a:lnRef idx="1">
+            <a:schemeClr val="accent1"/>
+          </a:lnRef>
+          <a:fillRef idx="0">
+            <a:schemeClr val="accent1"/>
+          </a:fillRef>
+          <a:effectRef idx="0">
+            <a:schemeClr val="accent1"/>
+          </a:effectRef>
+          <a:fontRef idx="minor">
+            <a:schemeClr val="tx1"/>
+          </a:fontRef>
+        </p:style>
+      </p:cxnSp>
       <p:sp>
         <p:nvSpPr>
-          <p:cNvPr id="1170" name="직사각형 1169"/>
+          <p:cNvPr id="1064" name="직사각형 1063"/>
           <p:cNvSpPr/>
           <p:nvPr/>
         </p:nvSpPr>
         <p:spPr>
           <a:xfrm>
-            <a:off x="26946629" y="16459860"/>
+            <a:off x="27927012" y="12298811"/>
             <a:ext cx="3060382" cy="684085"/>
           </a:xfrm>
           <a:prstGeom prst="rect">
@@ -12492,24 +10123,21 @@
             </a:pPr>
             <a:r>
               <a:rPr lang="ko-KR" altLang="en-US" sz="2600" b="1"/>
-              <a:t>내 지원 현황 </a:t>
+              <a:t>내 한줄평</a:t>
             </a:r>
-            <a:r>
-              <a:rPr lang="ko-KR" altLang="en-US" sz="2500" b="1"/>
-              <a:t>상세보기</a:t>
-            </a:r>
+            <a:endParaRPr lang="ko-KR" altLang="en-US" sz="2600" b="1"/>
           </a:p>
         </p:txBody>
       </p:sp>
       <p:sp>
         <p:nvSpPr>
-          <p:cNvPr id="1172" name="직사각형 1171"/>
+          <p:cNvPr id="1095" name="직사각형 1094"/>
           <p:cNvSpPr/>
           <p:nvPr/>
         </p:nvSpPr>
         <p:spPr>
           <a:xfrm>
-            <a:off x="27801063" y="17478908"/>
+            <a:off x="28985288" y="13361827"/>
             <a:ext cx="3060382" cy="684085"/>
           </a:xfrm>
           <a:prstGeom prst="rect">
@@ -12546,529 +10174,10 @@
               <a:defRPr/>
             </a:pPr>
             <a:r>
-              <a:rPr lang="ko-KR" altLang="en-US" sz="2600" b="1" dirty="0"/>
-              <a:t>내 지원서 수정</a:t>
-            </a:r>
-          </a:p>
-        </p:txBody>
-      </p:sp>
-      <p:sp>
-        <p:nvSpPr>
-          <p:cNvPr id="1173" name="직사각형 1172"/>
-          <p:cNvSpPr/>
-          <p:nvPr/>
-        </p:nvSpPr>
-        <p:spPr>
-          <a:xfrm>
-            <a:off x="27801063" y="18502552"/>
-            <a:ext cx="3060382" cy="684085"/>
-          </a:xfrm>
-          <a:prstGeom prst="rect">
-            <a:avLst/>
-          </a:prstGeom>
-          <a:ln/>
-        </p:spPr>
-        <p:style>
-          <a:lnRef idx="2">
-            <a:schemeClr val="accent4">
-              <a:shade val="50000"/>
-            </a:schemeClr>
-          </a:lnRef>
-          <a:fillRef idx="1">
-            <a:schemeClr val="accent4"/>
-          </a:fillRef>
-          <a:effectRef idx="0">
-            <a:schemeClr val="accent4"/>
-          </a:effectRef>
-          <a:fontRef idx="minor">
-            <a:schemeClr val="lt1"/>
-          </a:fontRef>
-        </p:style>
-        <p:txBody>
-          <a:bodyPr rot="0" vert="horz" wrap="square" lIns="77272" tIns="38641" rIns="77272" bIns="38641" anchor="ctr" anchorCtr="0">
-            <a:prstTxWarp prst="textNoShape">
-              <a:avLst/>
-            </a:prstTxWarp>
-            <a:noAutofit/>
-          </a:bodyPr>
-          <a:lstStyle/>
-          <a:p>
-            <a:pPr algn="ctr">
-              <a:defRPr/>
-            </a:pPr>
-            <a:r>
-              <a:rPr lang="ko-KR" altLang="en-US" sz="2600" b="1" dirty="0"/>
-              <a:t>내 지원서 삭제</a:t>
-            </a:r>
-          </a:p>
-        </p:txBody>
-      </p:sp>
-      <p:cxnSp>
-        <p:nvCxnSpPr>
-          <p:cNvPr id="1472" name="연결선: 꺾임 1471"/>
-          <p:cNvCxnSpPr/>
-          <p:nvPr/>
-        </p:nvCxnSpPr>
-        <p:spPr>
-          <a:xfrm rot="16200000" flipH="1">
-            <a:off x="25819107" y="15178231"/>
-            <a:ext cx="700930" cy="462872"/>
-          </a:xfrm>
-          <a:prstGeom prst="bentConnector2">
-            <a:avLst/>
-          </a:prstGeom>
-          <a:ln>
-            <a:solidFill>
-              <a:schemeClr val="dk1"/>
-            </a:solidFill>
-          </a:ln>
-        </p:spPr>
-        <p:style>
-          <a:lnRef idx="1">
-            <a:schemeClr val="accent1"/>
-          </a:lnRef>
-          <a:fillRef idx="0">
-            <a:schemeClr val="accent1"/>
-          </a:fillRef>
-          <a:effectRef idx="0">
-            <a:schemeClr val="accent1"/>
-          </a:effectRef>
-          <a:fontRef idx="minor">
-            <a:schemeClr val="tx1"/>
-          </a:fontRef>
-        </p:style>
-      </p:cxnSp>
-      <p:cxnSp>
-        <p:nvCxnSpPr>
-          <p:cNvPr id="1473" name="연결선: 꺾임 1472"/>
-          <p:cNvCxnSpPr/>
-          <p:nvPr/>
-        </p:nvCxnSpPr>
-        <p:spPr>
-          <a:xfrm rot="10800000">
-            <a:off x="26694857" y="16102174"/>
-            <a:ext cx="251772" cy="699728"/>
-          </a:xfrm>
-          <a:prstGeom prst="bentConnector2">
-            <a:avLst/>
-          </a:prstGeom>
-          <a:ln>
-            <a:solidFill>
-              <a:schemeClr val="dk1"/>
-            </a:solidFill>
-          </a:ln>
-        </p:spPr>
-        <p:style>
-          <a:lnRef idx="1">
-            <a:schemeClr val="accent1"/>
-          </a:lnRef>
-          <a:fillRef idx="0">
-            <a:schemeClr val="accent1"/>
-          </a:fillRef>
-          <a:effectRef idx="0">
-            <a:schemeClr val="accent1"/>
-          </a:effectRef>
-          <a:fontRef idx="minor">
-            <a:schemeClr val="tx1"/>
-          </a:fontRef>
-        </p:style>
-      </p:cxnSp>
-      <p:cxnSp>
-        <p:nvCxnSpPr>
-          <p:cNvPr id="1549" name="직선 연결선 1548"/>
-          <p:cNvCxnSpPr/>
-          <p:nvPr/>
-        </p:nvCxnSpPr>
-        <p:spPr>
-          <a:xfrm>
-            <a:off x="27801061" y="17820950"/>
-            <a:ext cx="0" cy="0"/>
-          </a:xfrm>
-          <a:prstGeom prst="line">
-            <a:avLst/>
-          </a:prstGeom>
-        </p:spPr>
-        <p:style>
-          <a:lnRef idx="1">
-            <a:schemeClr val="accent1"/>
-          </a:lnRef>
-          <a:fillRef idx="0">
-            <a:schemeClr val="accent1"/>
-          </a:fillRef>
-          <a:effectRef idx="0">
-            <a:schemeClr val="accent1"/>
-          </a:effectRef>
-          <a:fontRef idx="minor">
-            <a:schemeClr val="tx1"/>
-          </a:fontRef>
-        </p:style>
-      </p:cxnSp>
-      <p:cxnSp>
-        <p:nvCxnSpPr>
-          <p:cNvPr id="1552" name="직선 연결선 1551"/>
-          <p:cNvCxnSpPr/>
-          <p:nvPr/>
-        </p:nvCxnSpPr>
-        <p:spPr>
-          <a:xfrm>
-            <a:off x="27801061" y="17820950"/>
-            <a:ext cx="0" cy="0"/>
-          </a:xfrm>
-          <a:prstGeom prst="line">
-            <a:avLst/>
-          </a:prstGeom>
-        </p:spPr>
-        <p:style>
-          <a:lnRef idx="1">
-            <a:schemeClr val="accent1"/>
-          </a:lnRef>
-          <a:fillRef idx="0">
-            <a:schemeClr val="accent1"/>
-          </a:fillRef>
-          <a:effectRef idx="0">
-            <a:schemeClr val="accent1"/>
-          </a:effectRef>
-          <a:fontRef idx="minor">
-            <a:schemeClr val="tx1"/>
-          </a:fontRef>
-        </p:style>
-      </p:cxnSp>
-      <p:cxnSp>
-        <p:nvCxnSpPr>
-          <p:cNvPr id="1553" name="직선 연결선 1552"/>
-          <p:cNvCxnSpPr/>
-          <p:nvPr/>
-        </p:nvCxnSpPr>
-        <p:spPr>
-          <a:xfrm>
-            <a:off x="27801061" y="17820950"/>
-            <a:ext cx="0" cy="0"/>
-          </a:xfrm>
-          <a:prstGeom prst="line">
-            <a:avLst/>
-          </a:prstGeom>
-        </p:spPr>
-        <p:style>
-          <a:lnRef idx="1">
-            <a:schemeClr val="accent1"/>
-          </a:lnRef>
-          <a:fillRef idx="0">
-            <a:schemeClr val="accent1"/>
-          </a:fillRef>
-          <a:effectRef idx="0">
-            <a:schemeClr val="accent1"/>
-          </a:effectRef>
-          <a:fontRef idx="minor">
-            <a:schemeClr val="tx1"/>
-          </a:fontRef>
-        </p:style>
-      </p:cxnSp>
-      <p:cxnSp>
-        <p:nvCxnSpPr>
-          <p:cNvPr id="1554" name="연결선: 꺾임 1553"/>
-          <p:cNvCxnSpPr/>
-          <p:nvPr/>
-        </p:nvCxnSpPr>
-        <p:spPr>
-          <a:xfrm rot="10800000">
-            <a:off x="27234549" y="17143946"/>
-            <a:ext cx="566512" cy="1700652"/>
-          </a:xfrm>
-          <a:prstGeom prst="bentConnector2">
-            <a:avLst/>
-          </a:prstGeom>
-          <a:ln>
-            <a:solidFill>
-              <a:schemeClr val="dk1"/>
-            </a:solidFill>
-          </a:ln>
-        </p:spPr>
-        <p:style>
-          <a:lnRef idx="1">
-            <a:schemeClr val="accent1"/>
-          </a:lnRef>
-          <a:fillRef idx="0">
-            <a:schemeClr val="accent1"/>
-          </a:fillRef>
-          <a:effectRef idx="0">
-            <a:schemeClr val="accent1"/>
-          </a:effectRef>
-          <a:fontRef idx="minor">
-            <a:schemeClr val="tx1"/>
-          </a:fontRef>
-        </p:style>
-      </p:cxnSp>
-      <p:cxnSp>
-        <p:nvCxnSpPr>
-          <p:cNvPr id="1555" name="직선 연결선 1554"/>
-          <p:cNvCxnSpPr/>
-          <p:nvPr/>
-        </p:nvCxnSpPr>
-        <p:spPr>
-          <a:xfrm rot="10800000">
-            <a:off x="27234549" y="17820950"/>
-            <a:ext cx="566512" cy="0"/>
-          </a:xfrm>
-          <a:prstGeom prst="line">
-            <a:avLst/>
-          </a:prstGeom>
-          <a:ln>
-            <a:solidFill>
-              <a:schemeClr val="dk1"/>
-            </a:solidFill>
-          </a:ln>
-        </p:spPr>
-        <p:style>
-          <a:lnRef idx="1">
-            <a:schemeClr val="accent1"/>
-          </a:lnRef>
-          <a:fillRef idx="0">
-            <a:schemeClr val="accent1"/>
-          </a:fillRef>
-          <a:effectRef idx="0">
-            <a:schemeClr val="accent1"/>
-          </a:effectRef>
-          <a:fontRef idx="minor">
-            <a:schemeClr val="tx1"/>
-          </a:fontRef>
-        </p:style>
-      </p:cxnSp>
-      <p:sp>
-        <p:nvSpPr>
-          <p:cNvPr id="1063" name="직사각형 1062"/>
-          <p:cNvSpPr/>
-          <p:nvPr/>
-        </p:nvSpPr>
-        <p:spPr>
-          <a:xfrm>
-            <a:off x="29884223" y="8779365"/>
-            <a:ext cx="3060382" cy="684085"/>
-          </a:xfrm>
-          <a:prstGeom prst="rect">
-            <a:avLst/>
-          </a:prstGeom>
-          <a:ln/>
-        </p:spPr>
-        <p:style>
-          <a:lnRef idx="2">
-            <a:schemeClr val="accent4">
-              <a:shade val="50000"/>
-            </a:schemeClr>
-          </a:lnRef>
-          <a:fillRef idx="1">
-            <a:schemeClr val="accent4"/>
-          </a:fillRef>
-          <a:effectRef idx="0">
-            <a:schemeClr val="accent4"/>
-          </a:effectRef>
-          <a:fontRef idx="minor">
-            <a:schemeClr val="lt1"/>
-          </a:fontRef>
-        </p:style>
-        <p:txBody>
-          <a:bodyPr rot="0" vert="horz" wrap="square" lIns="77272" tIns="38641" rIns="77272" bIns="38641" anchor="ctr" anchorCtr="0">
-            <a:prstTxWarp prst="textNoShape">
-              <a:avLst/>
-            </a:prstTxWarp>
-            <a:noAutofit/>
-          </a:bodyPr>
-          <a:lstStyle/>
-          <a:p>
-            <a:pPr algn="ctr">
-              <a:defRPr/>
-            </a:pPr>
-            <a:r>
-              <a:rPr lang="ko-KR" altLang="en-US" sz="2600" b="1"/>
-              <a:t>내 리뷰</a:t>
-            </a:r>
-          </a:p>
-        </p:txBody>
-      </p:sp>
-      <p:sp>
-        <p:nvSpPr>
-          <p:cNvPr id="1093" name="직사각형 1092"/>
-          <p:cNvSpPr/>
-          <p:nvPr/>
-        </p:nvSpPr>
-        <p:spPr>
-          <a:xfrm>
-            <a:off x="30827271" y="9822337"/>
-            <a:ext cx="3060382" cy="684085"/>
-          </a:xfrm>
-          <a:prstGeom prst="rect">
-            <a:avLst/>
-          </a:prstGeom>
-          <a:ln/>
-        </p:spPr>
-        <p:style>
-          <a:lnRef idx="2">
-            <a:schemeClr val="accent4">
-              <a:shade val="50000"/>
-            </a:schemeClr>
-          </a:lnRef>
-          <a:fillRef idx="1">
-            <a:schemeClr val="accent4"/>
-          </a:fillRef>
-          <a:effectRef idx="0">
-            <a:schemeClr val="accent4"/>
-          </a:effectRef>
-          <a:fontRef idx="minor">
-            <a:schemeClr val="lt1"/>
-          </a:fontRef>
-        </p:style>
-        <p:txBody>
-          <a:bodyPr rot="0" vert="horz" wrap="square" lIns="77272" tIns="38641" rIns="77272" bIns="38641" anchor="ctr" anchorCtr="0">
-            <a:prstTxWarp prst="textNoShape">
-              <a:avLst/>
-            </a:prstTxWarp>
-            <a:noAutofit/>
-          </a:bodyPr>
-          <a:lstStyle/>
-          <a:p>
-            <a:pPr algn="ctr">
-              <a:defRPr/>
-            </a:pPr>
-            <a:r>
-              <a:rPr lang="ko-KR" altLang="en-US" sz="2600" b="1"/>
-              <a:t>내 리뷰 조회</a:t>
-            </a:r>
-          </a:p>
-        </p:txBody>
-      </p:sp>
-      <p:cxnSp>
-        <p:nvCxnSpPr>
-          <p:cNvPr id="1563" name="연결선: 꺾임 1562"/>
-          <p:cNvCxnSpPr/>
-          <p:nvPr/>
-        </p:nvCxnSpPr>
-        <p:spPr>
-          <a:xfrm rot="16200000" flipH="1">
-            <a:off x="30245369" y="9582477"/>
-            <a:ext cx="700930" cy="462872"/>
-          </a:xfrm>
-          <a:prstGeom prst="bentConnector2">
-            <a:avLst/>
-          </a:prstGeom>
-          <a:ln>
-            <a:solidFill>
-              <a:schemeClr val="dk1"/>
-            </a:solidFill>
-          </a:ln>
-        </p:spPr>
-        <p:style>
-          <a:lnRef idx="1">
-            <a:schemeClr val="accent1"/>
-          </a:lnRef>
-          <a:fillRef idx="0">
-            <a:schemeClr val="accent1"/>
-          </a:fillRef>
-          <a:effectRef idx="0">
-            <a:schemeClr val="accent1"/>
-          </a:effectRef>
-          <a:fontRef idx="minor">
-            <a:schemeClr val="tx1"/>
-          </a:fontRef>
-        </p:style>
-      </p:cxnSp>
-      <p:sp>
-        <p:nvSpPr>
-          <p:cNvPr id="1064" name="직사각형 1063"/>
-          <p:cNvSpPr/>
-          <p:nvPr/>
-        </p:nvSpPr>
-        <p:spPr>
-          <a:xfrm>
-            <a:off x="30498617" y="12222820"/>
-            <a:ext cx="3060382" cy="684085"/>
-          </a:xfrm>
-          <a:prstGeom prst="rect">
-            <a:avLst/>
-          </a:prstGeom>
-          <a:ln/>
-        </p:spPr>
-        <p:style>
-          <a:lnRef idx="2">
-            <a:schemeClr val="accent4">
-              <a:shade val="50000"/>
-            </a:schemeClr>
-          </a:lnRef>
-          <a:fillRef idx="1">
-            <a:schemeClr val="accent4"/>
-          </a:fillRef>
-          <a:effectRef idx="0">
-            <a:schemeClr val="accent4"/>
-          </a:effectRef>
-          <a:fontRef idx="minor">
-            <a:schemeClr val="lt1"/>
-          </a:fontRef>
-        </p:style>
-        <p:txBody>
-          <a:bodyPr rot="0" vert="horz" wrap="square" lIns="77272" tIns="38641" rIns="77272" bIns="38641" anchor="ctr" anchorCtr="0">
-            <a:prstTxWarp prst="textNoShape">
-              <a:avLst/>
-            </a:prstTxWarp>
-            <a:noAutofit/>
-          </a:bodyPr>
-          <a:lstStyle/>
-          <a:p>
-            <a:pPr algn="ctr">
-              <a:defRPr/>
-            </a:pPr>
-            <a:r>
-              <a:rPr lang="ko-KR" altLang="en-US" sz="2600" b="1"/>
-              <a:t>내 한줄평</a:t>
-            </a:r>
-          </a:p>
-        </p:txBody>
-      </p:sp>
-      <p:sp>
-        <p:nvSpPr>
-          <p:cNvPr id="1095" name="직사각형 1094"/>
-          <p:cNvSpPr/>
-          <p:nvPr/>
-        </p:nvSpPr>
-        <p:spPr>
-          <a:xfrm>
-            <a:off x="31556893" y="13285836"/>
-            <a:ext cx="3060382" cy="684085"/>
-          </a:xfrm>
-          <a:prstGeom prst="rect">
-            <a:avLst/>
-          </a:prstGeom>
-          <a:ln/>
-        </p:spPr>
-        <p:style>
-          <a:lnRef idx="2">
-            <a:schemeClr val="accent4">
-              <a:shade val="50000"/>
-            </a:schemeClr>
-          </a:lnRef>
-          <a:fillRef idx="1">
-            <a:schemeClr val="accent4"/>
-          </a:fillRef>
-          <a:effectRef idx="0">
-            <a:schemeClr val="accent4"/>
-          </a:effectRef>
-          <a:fontRef idx="minor">
-            <a:schemeClr val="lt1"/>
-          </a:fontRef>
-        </p:style>
-        <p:txBody>
-          <a:bodyPr rot="0" vert="horz" wrap="square" lIns="77272" tIns="38641" rIns="77272" bIns="38641" anchor="ctr" anchorCtr="0">
-            <a:prstTxWarp prst="textNoShape">
-              <a:avLst/>
-            </a:prstTxWarp>
-            <a:noAutofit/>
-          </a:bodyPr>
-          <a:lstStyle/>
-          <a:p>
-            <a:pPr algn="ctr">
-              <a:defRPr/>
-            </a:pPr>
-            <a:r>
               <a:rPr lang="ko-KR" altLang="en-US" sz="2600" b="1"/>
               <a:t>내 한줄평 조회</a:t>
             </a:r>
+            <a:endParaRPr lang="ko-KR" altLang="en-US" sz="2600" b="1"/>
           </a:p>
         </p:txBody>
       </p:sp>
@@ -13080,7 +10189,7 @@
         </p:nvCxnSpPr>
         <p:spPr>
           <a:xfrm rot="16200000" flipH="1">
-            <a:off x="30974991" y="13036392"/>
+            <a:off x="28403388" y="13112383"/>
             <a:ext cx="700930" cy="462872"/>
           </a:xfrm>
           <a:prstGeom prst="bentConnector2">
@@ -13115,7 +10224,7 @@
         </p:nvSpPr>
         <p:spPr>
           <a:xfrm>
-            <a:off x="1695945" y="8408137"/>
+            <a:off x="2753044" y="9275717"/>
             <a:ext cx="3060382" cy="684085"/>
           </a:xfrm>
           <a:prstGeom prst="rect">
@@ -13155,6 +10264,7 @@
               <a:rPr lang="ko-KR" altLang="en-US" sz="2600" b="1"/>
               <a:t>영화 등록</a:t>
             </a:r>
+            <a:endParaRPr lang="ko-KR" altLang="en-US" sz="2600" b="1"/>
           </a:p>
         </p:txBody>
       </p:sp>
@@ -13166,7 +10276,7 @@
         </p:nvSpPr>
         <p:spPr>
           <a:xfrm>
-            <a:off x="45491015" y="8067436"/>
+            <a:off x="44415104" y="7841710"/>
             <a:ext cx="3060382" cy="684085"/>
           </a:xfrm>
           <a:prstGeom prst="rect">
@@ -13210,6 +10320,11 @@
               </a:rPr>
               <a:t>회원 관리</a:t>
             </a:r>
+            <a:endParaRPr lang="ko-KR" altLang="en-US" sz="2600" b="1">
+              <a:solidFill>
+                <a:schemeClr val="bg1"/>
+              </a:solidFill>
+            </a:endParaRPr>
           </a:p>
         </p:txBody>
       </p:sp>
@@ -13221,7 +10336,7 @@
         </p:nvSpPr>
         <p:spPr>
           <a:xfrm>
-            <a:off x="46277047" y="10083461"/>
+            <a:off x="45368508" y="8971041"/>
             <a:ext cx="3060382" cy="684085"/>
           </a:xfrm>
           <a:prstGeom prst="rect">
@@ -13261,6 +10376,7 @@
               <a:rPr lang="ko-KR" altLang="en-US" sz="2600" b="1"/>
               <a:t>회원 목록 조회</a:t>
             </a:r>
+            <a:endParaRPr lang="ko-KR" altLang="en-US" sz="2600" b="1"/>
           </a:p>
         </p:txBody>
       </p:sp>
@@ -13272,7 +10388,7 @@
         </p:nvSpPr>
         <p:spPr>
           <a:xfrm>
-            <a:off x="47021203" y="11051641"/>
+            <a:off x="46408656" y="11048403"/>
             <a:ext cx="3060382" cy="684085"/>
           </a:xfrm>
           <a:prstGeom prst="rect">
@@ -13312,6 +10428,7 @@
               <a:rPr lang="ko-KR" altLang="en-US" sz="2600" b="1"/>
               <a:t>회원 상세보기</a:t>
             </a:r>
+            <a:endParaRPr lang="ko-KR" altLang="en-US" sz="2600" b="1"/>
           </a:p>
         </p:txBody>
       </p:sp>
@@ -13323,7 +10440,7 @@
         </p:nvSpPr>
         <p:spPr>
           <a:xfrm>
-            <a:off x="47746099" y="12011697"/>
+            <a:off x="47292936" y="11975664"/>
             <a:ext cx="3060382" cy="684085"/>
           </a:xfrm>
           <a:prstGeom prst="rect">
@@ -13363,6 +10480,7 @@
               <a:rPr lang="ko-KR" altLang="en-US" sz="2600" b="1"/>
               <a:t>회원 강퇴</a:t>
             </a:r>
+            <a:endParaRPr lang="ko-KR" altLang="en-US" sz="2600" b="1"/>
           </a:p>
         </p:txBody>
       </p:sp>
@@ -13374,7 +10492,7 @@
         </p:nvSpPr>
         <p:spPr>
           <a:xfrm>
-            <a:off x="47746099" y="13029387"/>
+            <a:off x="47292936" y="12993354"/>
             <a:ext cx="3060382" cy="684085"/>
           </a:xfrm>
           <a:prstGeom prst="rect">
@@ -13414,6 +10532,7 @@
               <a:rPr lang="ko-KR" altLang="en-US" sz="2600" b="1"/>
               <a:t>예매 내역 보기</a:t>
             </a:r>
+            <a:endParaRPr lang="ko-KR" altLang="en-US" sz="2600" b="1"/>
           </a:p>
         </p:txBody>
       </p:sp>
@@ -13425,7 +10544,7 @@
         </p:nvSpPr>
         <p:spPr>
           <a:xfrm>
-            <a:off x="46243547" y="9089944"/>
+            <a:off x="46408652" y="10022275"/>
             <a:ext cx="3060382" cy="684085"/>
           </a:xfrm>
           <a:prstGeom prst="rect">
@@ -13465,131 +10584,19 @@
               <a:rPr lang="ko-KR" altLang="en-US" sz="2600" b="1"/>
               <a:t>회원 검색</a:t>
             </a:r>
+            <a:endParaRPr lang="ko-KR" altLang="en-US" sz="2600" b="1"/>
           </a:p>
         </p:txBody>
       </p:sp>
       <p:cxnSp>
         <p:nvCxnSpPr>
-          <p:cNvPr id="1567" name="연결선: 꺾임 1566"/>
-          <p:cNvCxnSpPr>
-            <a:cxnSpLocks/>
-          </p:cNvCxnSpPr>
+          <p:cNvPr id="1571" name="연결선: 꺾임 1570"/>
+          <p:cNvCxnSpPr/>
           <p:nvPr/>
         </p:nvCxnSpPr>
         <p:spPr>
           <a:xfrm rot="10800000">
-            <a:off x="45760587" y="8741036"/>
-            <a:ext cx="516460" cy="1684468"/>
-          </a:xfrm>
-          <a:prstGeom prst="bentConnector2">
-            <a:avLst/>
-          </a:prstGeom>
-          <a:ln>
-            <a:solidFill>
-              <a:schemeClr val="dk1"/>
-            </a:solidFill>
-          </a:ln>
-        </p:spPr>
-        <p:style>
-          <a:lnRef idx="1">
-            <a:schemeClr val="accent1"/>
-          </a:lnRef>
-          <a:fillRef idx="0">
-            <a:schemeClr val="accent1"/>
-          </a:fillRef>
-          <a:effectRef idx="0">
-            <a:schemeClr val="accent1"/>
-          </a:effectRef>
-          <a:fontRef idx="minor">
-            <a:schemeClr val="tx1"/>
-          </a:fontRef>
-        </p:style>
-      </p:cxnSp>
-      <p:cxnSp>
-        <p:nvCxnSpPr>
-          <p:cNvPr id="1568" name="직선 연결선 1567"/>
-          <p:cNvCxnSpPr>
-            <a:cxnSpLocks/>
-          </p:cNvCxnSpPr>
-          <p:nvPr/>
-        </p:nvCxnSpPr>
-        <p:spPr>
-          <a:xfrm>
-            <a:off x="45760587" y="9416622"/>
-            <a:ext cx="482960" cy="15364"/>
-          </a:xfrm>
-          <a:prstGeom prst="line">
-            <a:avLst/>
-          </a:prstGeom>
-          <a:ln>
-            <a:solidFill>
-              <a:schemeClr val="dk1"/>
-            </a:solidFill>
-          </a:ln>
-        </p:spPr>
-        <p:style>
-          <a:lnRef idx="1">
-            <a:schemeClr val="accent1"/>
-          </a:lnRef>
-          <a:fillRef idx="0">
-            <a:schemeClr val="accent1"/>
-          </a:fillRef>
-          <a:effectRef idx="0">
-            <a:schemeClr val="accent1"/>
-          </a:effectRef>
-          <a:fontRef idx="minor">
-            <a:schemeClr val="tx1"/>
-          </a:fontRef>
-        </p:style>
-      </p:cxnSp>
-      <p:cxnSp>
-        <p:nvCxnSpPr>
-          <p:cNvPr id="1569" name="연결선: 꺾임 1568"/>
-          <p:cNvCxnSpPr>
-            <a:cxnSpLocks/>
-          </p:cNvCxnSpPr>
-          <p:nvPr/>
-        </p:nvCxnSpPr>
-        <p:spPr>
-          <a:xfrm rot="10800000">
-            <a:off x="46580067" y="10767546"/>
-            <a:ext cx="441140" cy="568190"/>
-          </a:xfrm>
-          <a:prstGeom prst="bentConnector2">
-            <a:avLst/>
-          </a:prstGeom>
-          <a:ln>
-            <a:solidFill>
-              <a:schemeClr val="dk1"/>
-            </a:solidFill>
-          </a:ln>
-        </p:spPr>
-        <p:style>
-          <a:lnRef idx="1">
-            <a:schemeClr val="accent1"/>
-          </a:lnRef>
-          <a:fillRef idx="0">
-            <a:schemeClr val="accent1"/>
-          </a:fillRef>
-          <a:effectRef idx="0">
-            <a:schemeClr val="accent1"/>
-          </a:effectRef>
-          <a:fontRef idx="minor">
-            <a:schemeClr val="tx1"/>
-          </a:fontRef>
-        </p:style>
-      </p:cxnSp>
-      <p:cxnSp>
-        <p:nvCxnSpPr>
-          <p:cNvPr id="1571" name="연결선: 꺾임 1570"/>
-          <p:cNvCxnSpPr>
-            <a:cxnSpLocks/>
-          </p:cNvCxnSpPr>
-          <p:nvPr/>
-        </p:nvCxnSpPr>
-        <p:spPr>
-          <a:xfrm rot="10800000">
-            <a:off x="47351859" y="11735727"/>
+            <a:off x="46898696" y="11699694"/>
             <a:ext cx="421880" cy="1693653"/>
           </a:xfrm>
           <a:prstGeom prst="bentConnector2">
@@ -13619,14 +10626,12 @@
       <p:cxnSp>
         <p:nvCxnSpPr>
           <p:cNvPr id="1582" name="직선 연결선 1581"/>
-          <p:cNvCxnSpPr>
-            <a:cxnSpLocks/>
-          </p:cNvCxnSpPr>
+          <p:cNvCxnSpPr/>
           <p:nvPr/>
         </p:nvCxnSpPr>
         <p:spPr>
           <a:xfrm>
-            <a:off x="47351859" y="12353739"/>
+            <a:off x="46898696" y="12317706"/>
             <a:ext cx="394240" cy="0"/>
           </a:xfrm>
           <a:prstGeom prst="line">
@@ -13653,62 +10658,6 @@
           </a:fontRef>
         </p:style>
       </p:cxnSp>
-      <p:sp>
-        <p:nvSpPr>
-          <p:cNvPr id="1293" name="직사각형 1292"/>
-          <p:cNvSpPr/>
-          <p:nvPr/>
-        </p:nvSpPr>
-        <p:spPr>
-          <a:xfrm>
-            <a:off x="9231330" y="9404714"/>
-            <a:ext cx="3060382" cy="684085"/>
-          </a:xfrm>
-          <a:prstGeom prst="rect">
-            <a:avLst/>
-          </a:prstGeom>
-          <a:solidFill>
-            <a:schemeClr val="bg2">
-              <a:lumMod val="50000"/>
-            </a:schemeClr>
-          </a:solidFill>
-          <a:ln/>
-        </p:spPr>
-        <p:style>
-          <a:lnRef idx="2">
-            <a:schemeClr val="accent3">
-              <a:shade val="50000"/>
-            </a:schemeClr>
-          </a:lnRef>
-          <a:fillRef idx="1">
-            <a:schemeClr val="accent3"/>
-          </a:fillRef>
-          <a:effectRef idx="0">
-            <a:schemeClr val="accent3"/>
-          </a:effectRef>
-          <a:fontRef idx="minor">
-            <a:schemeClr val="lt1"/>
-          </a:fontRef>
-        </p:style>
-        <p:txBody>
-          <a:bodyPr rot="0" vert="horz" wrap="square" lIns="77272" tIns="38641" rIns="77272" bIns="38641" anchor="ctr" anchorCtr="0">
-            <a:prstTxWarp prst="textNoShape">
-              <a:avLst/>
-            </a:prstTxWarp>
-            <a:noAutofit/>
-          </a:bodyPr>
-          <a:lstStyle/>
-          <a:p>
-            <a:pPr algn="ctr">
-              <a:defRPr/>
-            </a:pPr>
-            <a:r>
-              <a:rPr lang="ko-KR" altLang="en-US" sz="2600" b="1" dirty="0"/>
-              <a:t>상영스케줄 조회</a:t>
-            </a:r>
-          </a:p>
-        </p:txBody>
-      </p:sp>
       <p:sp>
         <p:nvSpPr>
           <p:cNvPr id="1326" name="직사각형 1325"/>
@@ -13757,6 +10706,7 @@
               <a:rPr lang="ko-KR" altLang="en-US" sz="2600" b="1"/>
               <a:t>상영스케줄 등록</a:t>
             </a:r>
+            <a:endParaRPr lang="ko-KR" altLang="en-US" sz="2600" b="1"/>
           </a:p>
         </p:txBody>
       </p:sp>
@@ -13768,7 +10718,7 @@
         </p:nvSpPr>
         <p:spPr>
           <a:xfrm>
-            <a:off x="10053054" y="10464923"/>
+            <a:off x="9240611" y="9416622"/>
             <a:ext cx="3060382" cy="684085"/>
           </a:xfrm>
           <a:prstGeom prst="rect">
@@ -13808,6 +10758,7 @@
               <a:rPr lang="ko-KR" altLang="en-US" sz="2600" b="1"/>
               <a:t>상영스케줄 수정</a:t>
             </a:r>
+            <a:endParaRPr lang="ko-KR" altLang="en-US" sz="2600" b="1"/>
           </a:p>
         </p:txBody>
       </p:sp>
@@ -13819,7 +10770,7 @@
         </p:nvSpPr>
         <p:spPr>
           <a:xfrm>
-            <a:off x="10100182" y="11407919"/>
+            <a:off x="9231330" y="10367556"/>
             <a:ext cx="3060382" cy="684085"/>
           </a:xfrm>
           <a:prstGeom prst="rect">
@@ -13859,6 +10810,7 @@
               <a:rPr lang="ko-KR" altLang="en-US" sz="2600" b="1"/>
               <a:t>상영스케줄 삭제</a:t>
             </a:r>
+            <a:endParaRPr lang="ko-KR" altLang="en-US" sz="2600" b="1"/>
           </a:p>
         </p:txBody>
       </p:sp>
@@ -13870,7 +10822,7 @@
         </p:nvSpPr>
         <p:spPr>
           <a:xfrm>
-            <a:off x="19011236" y="8439306"/>
+            <a:off x="19942600" y="9275720"/>
             <a:ext cx="3060382" cy="684085"/>
           </a:xfrm>
           <a:prstGeom prst="rect">
@@ -13910,6 +10862,7 @@
               <a:rPr lang="ko-KR" altLang="en-US" sz="2600" b="1"/>
               <a:t>기프티콘 등록</a:t>
             </a:r>
+            <a:endParaRPr lang="ko-KR" altLang="en-US" sz="2600" b="1"/>
           </a:p>
         </p:txBody>
       </p:sp>
@@ -13968,6 +10921,7 @@
               <a:rPr lang="ko-KR" altLang="en-US" sz="2500" b="1"/>
               <a:t>신고 조회</a:t>
             </a:r>
+            <a:endParaRPr lang="ko-KR" altLang="en-US" sz="2500" b="1"/>
           </a:p>
         </p:txBody>
       </p:sp>
@@ -13979,7 +10933,7 @@
         </p:nvSpPr>
         <p:spPr>
           <a:xfrm>
-            <a:off x="36950207" y="23895416"/>
+            <a:off x="36950208" y="23895416"/>
             <a:ext cx="3060382" cy="684085"/>
           </a:xfrm>
           <a:prstGeom prst="rect">
@@ -14019,6 +10973,7 @@
               <a:rPr lang="ko-KR" altLang="en-US" sz="2600" b="1"/>
               <a:t>신고글 상세보기</a:t>
             </a:r>
+            <a:endParaRPr lang="ko-KR" altLang="en-US" sz="2600" b="1"/>
           </a:p>
         </p:txBody>
       </p:sp>
@@ -14077,6 +11032,7 @@
               <a:rPr lang="ko-KR" altLang="en-US" sz="2500" b="1"/>
               <a:t>신고 관리</a:t>
             </a:r>
+            <a:endParaRPr lang="ko-KR" altLang="en-US" sz="2500" b="1"/>
           </a:p>
         </p:txBody>
       </p:sp>
@@ -14163,6 +11119,7 @@
               <a:rPr lang="ko-KR" altLang="en-US" sz="2600" b="1"/>
               <a:t>한줄평 신고 조회</a:t>
             </a:r>
+            <a:endParaRPr lang="ko-KR" altLang="en-US" sz="2600" b="1"/>
           </a:p>
         </p:txBody>
       </p:sp>
@@ -14214,6 +11171,7 @@
               <a:rPr lang="ko-KR" altLang="en-US" sz="2600" b="1"/>
               <a:t>신고글 상세보기</a:t>
             </a:r>
+            <a:endParaRPr lang="ko-KR" altLang="en-US" sz="2600" b="1"/>
           </a:p>
         </p:txBody>
       </p:sp>
@@ -14265,6 +11223,7 @@
               <a:rPr lang="ko-KR" altLang="en-US" sz="2600" b="1"/>
               <a:t>한줄평 신고 관리</a:t>
             </a:r>
+            <a:endParaRPr lang="ko-KR" altLang="en-US" sz="2600" b="1"/>
           </a:p>
         </p:txBody>
       </p:sp>
@@ -14351,6 +11310,7 @@
               <a:rPr lang="ko-KR" altLang="en-US" sz="2600" b="1"/>
               <a:t>리뷰 신고 조회</a:t>
             </a:r>
+            <a:endParaRPr lang="ko-KR" altLang="en-US" sz="2600" b="1"/>
           </a:p>
         </p:txBody>
       </p:sp>
@@ -14402,6 +11362,7 @@
               <a:rPr lang="ko-KR" altLang="en-US" sz="2600" b="1"/>
               <a:t>신고글 상세보기</a:t>
             </a:r>
+            <a:endParaRPr lang="ko-KR" altLang="en-US" sz="2600" b="1"/>
           </a:p>
         </p:txBody>
       </p:sp>
@@ -14453,6 +11414,7 @@
               <a:rPr lang="ko-KR" altLang="en-US" sz="2600" b="1"/>
               <a:t>리뷰글 상세보기</a:t>
             </a:r>
+            <a:endParaRPr lang="ko-KR" altLang="en-US" sz="2600" b="1"/>
           </a:p>
         </p:txBody>
       </p:sp>
@@ -14504,6 +11466,7 @@
               <a:rPr lang="ko-KR" altLang="en-US" sz="2600" b="1"/>
               <a:t>리뷰 신고 관리</a:t>
             </a:r>
+            <a:endParaRPr lang="ko-KR" altLang="en-US" sz="2600" b="1"/>
           </a:p>
         </p:txBody>
       </p:sp>
@@ -14618,14 +11581,14 @@
         <p:nvCxnSpPr>
           <p:cNvPr id="1626" name="연결선: 꺾임 1625"/>
           <p:cNvCxnSpPr>
-            <a:cxnSpLocks/>
+            <a:endCxn id="1280" idx="0"/>
           </p:cNvCxnSpPr>
           <p:nvPr/>
         </p:nvCxnSpPr>
         <p:spPr>
           <a:xfrm>
-            <a:off x="24642531" y="5745323"/>
-            <a:ext cx="20196098" cy="721513"/>
+            <a:off x="24642532" y="5745323"/>
+            <a:ext cx="18812856" cy="721513"/>
           </a:xfrm>
           <a:prstGeom prst="bentConnector2">
             <a:avLst/>
@@ -14655,7 +11618,6 @@
         <p:nvCxnSpPr>
           <p:cNvPr id="1627" name="연결선: 꺾임 1626"/>
           <p:cNvCxnSpPr>
-            <a:cxnSpLocks/>
             <a:endCxn id="1016" idx="0"/>
           </p:cNvCxnSpPr>
           <p:nvPr/>
@@ -14663,7 +11625,7 @@
         <p:spPr>
           <a:xfrm rot="10800000" flipV="1">
             <a:off x="2033620" y="5749423"/>
-            <a:ext cx="23593349" cy="643653"/>
+            <a:ext cx="23593348" cy="643653"/>
           </a:xfrm>
           <a:prstGeom prst="bentConnector2">
             <a:avLst/>
@@ -14801,14 +11763,12 @@
       <p:cxnSp>
         <p:nvCxnSpPr>
           <p:cNvPr id="1633" name="직선 연결선 1632"/>
-          <p:cNvCxnSpPr>
-            <a:cxnSpLocks/>
-          </p:cNvCxnSpPr>
+          <p:cNvCxnSpPr/>
           <p:nvPr/>
         </p:nvCxnSpPr>
         <p:spPr>
           <a:xfrm rot="5400000" flipH="1" flipV="1">
-            <a:off x="34533851" y="6056089"/>
+            <a:off x="31962248" y="6132080"/>
             <a:ext cx="593923" cy="8"/>
           </a:xfrm>
           <a:prstGeom prst="line">
@@ -14846,7 +11806,7 @@
         </p:nvCxnSpPr>
         <p:spPr>
           <a:xfrm rot="5400000" flipH="1" flipV="1">
-            <a:off x="39223620" y="18303486"/>
+            <a:off x="39223616" y="18303486"/>
             <a:ext cx="855678" cy="6209684"/>
           </a:xfrm>
           <a:prstGeom prst="bentConnector3">
@@ -14949,20 +11909,18 @@
         <p:nvCxnSpPr>
           <p:cNvPr id="1669" name="연결선: 꺾임 1668"/>
           <p:cNvCxnSpPr>
-            <a:cxnSpLocks/>
             <a:stCxn id="438" idx="2"/>
-            <a:endCxn id="1157" idx="0"/>
           </p:cNvCxnSpPr>
           <p:nvPr/>
         </p:nvCxnSpPr>
         <p:spPr>
           <a:xfrm rot="16200000" flipH="1">
-            <a:off x="23323207" y="4052612"/>
-            <a:ext cx="4636263" cy="161999"/>
+            <a:off x="23596216" y="3779607"/>
+            <a:ext cx="3929842" cy="1588"/>
           </a:xfrm>
           <a:prstGeom prst="bentConnector3">
             <a:avLst>
-              <a:gd name="adj1" fmla="val 84356"/>
+              <a:gd name="adj1" fmla="val 50000"/>
             </a:avLst>
           </a:prstGeom>
           <a:ln w="12700">
@@ -14996,84 +11954,10 @@
         </p:nvCxnSpPr>
         <p:spPr>
           <a:xfrm rot="5400000" flipH="1" flipV="1">
-            <a:off x="10119133" y="11238734"/>
-            <a:ext cx="559272" cy="16194642"/>
+            <a:off x="11251818" y="10718446"/>
+            <a:ext cx="559276" cy="17235224"/>
           </a:xfrm>
           <a:prstGeom prst="bentConnector2">
-            <a:avLst/>
-          </a:prstGeom>
-          <a:ln>
-            <a:solidFill>
-              <a:schemeClr val="dk1"/>
-            </a:solidFill>
-          </a:ln>
-        </p:spPr>
-        <p:style>
-          <a:lnRef idx="1">
-            <a:schemeClr val="accent1"/>
-          </a:lnRef>
-          <a:fillRef idx="0">
-            <a:schemeClr val="accent1"/>
-          </a:fillRef>
-          <a:effectRef idx="0">
-            <a:schemeClr val="accent1"/>
-          </a:effectRef>
-          <a:fontRef idx="minor">
-            <a:schemeClr val="tx1"/>
-          </a:fontRef>
-        </p:style>
-      </p:cxnSp>
-      <p:cxnSp>
-        <p:nvCxnSpPr>
-          <p:cNvPr id="1676" name="직선 연결선 1675"/>
-          <p:cNvCxnSpPr>
-            <a:stCxn id="1018" idx="0"/>
-          </p:cNvCxnSpPr>
-          <p:nvPr/>
-        </p:nvCxnSpPr>
-        <p:spPr>
-          <a:xfrm rot="5400000" flipH="1" flipV="1">
-            <a:off x="7310479" y="19336052"/>
-            <a:ext cx="559264" cy="1"/>
-          </a:xfrm>
-          <a:prstGeom prst="line">
-            <a:avLst/>
-          </a:prstGeom>
-          <a:ln>
-            <a:solidFill>
-              <a:schemeClr val="dk1"/>
-            </a:solidFill>
-          </a:ln>
-        </p:spPr>
-        <p:style>
-          <a:lnRef idx="1">
-            <a:schemeClr val="accent1"/>
-          </a:lnRef>
-          <a:fillRef idx="0">
-            <a:schemeClr val="accent1"/>
-          </a:fillRef>
-          <a:effectRef idx="0">
-            <a:schemeClr val="accent1"/>
-          </a:effectRef>
-          <a:fontRef idx="minor">
-            <a:schemeClr val="tx1"/>
-          </a:fontRef>
-        </p:style>
-      </p:cxnSp>
-      <p:cxnSp>
-        <p:nvCxnSpPr>
-          <p:cNvPr id="1677" name="직선 연결선 1676"/>
-          <p:cNvCxnSpPr>
-            <a:stCxn id="1119" idx="0"/>
-          </p:cNvCxnSpPr>
-          <p:nvPr/>
-        </p:nvCxnSpPr>
-        <p:spPr>
-          <a:xfrm rot="5400000" flipH="1" flipV="1">
-            <a:off x="12267832" y="19345054"/>
-            <a:ext cx="577272" cy="4"/>
-          </a:xfrm>
-          <a:prstGeom prst="line">
             <a:avLst/>
           </a:prstGeom>
           <a:ln>
@@ -15318,19 +12202,13 @@
       </p:cxnSp>
       <p:sp>
         <p:nvSpPr>
-          <p:cNvPr id="351" name="직사각형 350">
-            <a:extLst>
-              <a:ext uri="{FF2B5EF4-FFF2-40B4-BE49-F238E27FC236}">
-                <a16:creationId xmlns:a16="http://schemas.microsoft.com/office/drawing/2014/main" id="{880BB74C-F743-4B08-AB17-F9C32399B697}"/>
-              </a:ext>
-            </a:extLst>
-          </p:cNvPr>
+          <p:cNvPr id="351" name="직사각형 350"/>
           <p:cNvSpPr/>
           <p:nvPr/>
         </p:nvSpPr>
         <p:spPr>
           <a:xfrm>
-            <a:off x="20554321" y="12385407"/>
+            <a:off x="20554320" y="12385407"/>
             <a:ext cx="3060382" cy="684085"/>
           </a:xfrm>
           <a:prstGeom prst="rect">
@@ -15370,24 +12248,19 @@
               <a:rPr lang="ko-KR" altLang="en-US" sz="2600" b="1"/>
               <a:t>기프티콘 수정</a:t>
             </a:r>
+            <a:endParaRPr lang="ko-KR" altLang="en-US" sz="2600" b="1"/>
           </a:p>
         </p:txBody>
       </p:sp>
       <p:sp>
         <p:nvSpPr>
-          <p:cNvPr id="352" name="직사각형 351">
-            <a:extLst>
-              <a:ext uri="{FF2B5EF4-FFF2-40B4-BE49-F238E27FC236}">
-                <a16:creationId xmlns:a16="http://schemas.microsoft.com/office/drawing/2014/main" id="{02E73EAC-C2DF-4CE5-B8DB-F1C07578A7E7}"/>
-              </a:ext>
-            </a:extLst>
-          </p:cNvPr>
+          <p:cNvPr id="352" name="직사각형 351"/>
           <p:cNvSpPr/>
           <p:nvPr/>
         </p:nvSpPr>
         <p:spPr>
           <a:xfrm>
-            <a:off x="20554321" y="13298675"/>
+            <a:off x="20554320" y="13298675"/>
             <a:ext cx="3060382" cy="684085"/>
           </a:xfrm>
           <a:prstGeom prst="rect">
@@ -15427,27 +12300,21 @@
               <a:rPr lang="ko-KR" altLang="en-US" sz="2600" b="1"/>
               <a:t>기프티콘 삭제</a:t>
             </a:r>
+            <a:endParaRPr lang="ko-KR" altLang="en-US" sz="2600" b="1"/>
           </a:p>
         </p:txBody>
       </p:sp>
       <p:cxnSp>
         <p:nvCxnSpPr>
-          <p:cNvPr id="357" name="연결선: 꺾임 356">
-            <a:extLst>
-              <a:ext uri="{FF2B5EF4-FFF2-40B4-BE49-F238E27FC236}">
-                <a16:creationId xmlns:a16="http://schemas.microsoft.com/office/drawing/2014/main" id="{0859D95F-F997-4DE2-BC08-B7F8A3AD1676}"/>
-              </a:ext>
-            </a:extLst>
-          </p:cNvPr>
+          <p:cNvPr id="357" name="연결선: 꺾임 356"/>
           <p:cNvCxnSpPr>
-            <a:cxnSpLocks/>
             <a:stCxn id="351" idx="1"/>
           </p:cNvCxnSpPr>
           <p:nvPr/>
         </p:nvCxnSpPr>
         <p:spPr>
           <a:xfrm rot="10800000">
-            <a:off x="20188269" y="11191280"/>
+            <a:off x="20188268" y="11191280"/>
             <a:ext cx="366052" cy="1536171"/>
           </a:xfrm>
           <a:prstGeom prst="bentConnector2">
@@ -15476,21 +12343,13 @@
       </p:cxnSp>
       <p:cxnSp>
         <p:nvCxnSpPr>
-          <p:cNvPr id="360" name="연결선: 꺾임 359">
-            <a:extLst>
-              <a:ext uri="{FF2B5EF4-FFF2-40B4-BE49-F238E27FC236}">
-                <a16:creationId xmlns:a16="http://schemas.microsoft.com/office/drawing/2014/main" id="{057F7BDF-2A8C-4BE8-A309-E787C5E00D0F}"/>
-              </a:ext>
-            </a:extLst>
-          </p:cNvPr>
-          <p:cNvCxnSpPr>
-            <a:cxnSpLocks/>
-          </p:cNvCxnSpPr>
+          <p:cNvPr id="360" name="연결선: 꺾임 359"/>
+          <p:cNvCxnSpPr/>
           <p:nvPr/>
         </p:nvCxnSpPr>
         <p:spPr>
           <a:xfrm rot="10800000">
-            <a:off x="20188089" y="12097672"/>
+            <a:off x="20188088" y="12097672"/>
             <a:ext cx="366052" cy="1536171"/>
           </a:xfrm>
           <a:prstGeom prst="bentConnector2">
@@ -15517,66 +12376,15 @@
           </a:fontRef>
         </p:style>
       </p:cxnSp>
-      <p:cxnSp>
-        <p:nvCxnSpPr>
-          <p:cNvPr id="361" name="연결선: 꺾임 360">
-            <a:extLst>
-              <a:ext uri="{FF2B5EF4-FFF2-40B4-BE49-F238E27FC236}">
-                <a16:creationId xmlns:a16="http://schemas.microsoft.com/office/drawing/2014/main" id="{0D171B60-BC95-46AA-B070-E1D08561FBE9}"/>
-              </a:ext>
-            </a:extLst>
-          </p:cNvPr>
-          <p:cNvCxnSpPr>
-            <a:cxnSpLocks/>
-          </p:cNvCxnSpPr>
-          <p:nvPr/>
-        </p:nvCxnSpPr>
-        <p:spPr>
-          <a:xfrm rot="16200000" flipV="1">
-            <a:off x="25239" y="8149647"/>
-            <a:ext cx="2822748" cy="569836"/>
-          </a:xfrm>
-          <a:prstGeom prst="bentConnector3">
-            <a:avLst>
-              <a:gd name="adj1" fmla="val 887"/>
-            </a:avLst>
-          </a:prstGeom>
-          <a:ln>
-            <a:solidFill>
-              <a:schemeClr val="dk1"/>
-            </a:solidFill>
-          </a:ln>
-        </p:spPr>
-        <p:style>
-          <a:lnRef idx="1">
-            <a:schemeClr val="accent1"/>
-          </a:lnRef>
-          <a:fillRef idx="0">
-            <a:schemeClr val="accent1"/>
-          </a:fillRef>
-          <a:effectRef idx="0">
-            <a:schemeClr val="accent1"/>
-          </a:effectRef>
-          <a:fontRef idx="minor">
-            <a:schemeClr val="tx1"/>
-          </a:fontRef>
-        </p:style>
-      </p:cxnSp>
       <p:sp>
         <p:nvSpPr>
-          <p:cNvPr id="364" name="직사각형 363">
-            <a:extLst>
-              <a:ext uri="{FF2B5EF4-FFF2-40B4-BE49-F238E27FC236}">
-                <a16:creationId xmlns:a16="http://schemas.microsoft.com/office/drawing/2014/main" id="{7FE9D34D-4733-45EF-9253-93D741F3FF1D}"/>
-              </a:ext>
-            </a:extLst>
-          </p:cNvPr>
+          <p:cNvPr id="364" name="직사각형 363"/>
           <p:cNvSpPr/>
           <p:nvPr/>
         </p:nvSpPr>
         <p:spPr>
           <a:xfrm>
-            <a:off x="4097572" y="17214933"/>
+            <a:off x="4097572" y="17214932"/>
             <a:ext cx="3060382" cy="684085"/>
           </a:xfrm>
           <a:prstGeom prst="rect">
@@ -15616,24 +12424,19 @@
               <a:rPr lang="ko-KR" altLang="en-US" sz="2600" b="1"/>
               <a:t>영화 수정</a:t>
             </a:r>
+            <a:endParaRPr lang="ko-KR" altLang="en-US" sz="2600" b="1"/>
           </a:p>
         </p:txBody>
       </p:sp>
       <p:sp>
         <p:nvSpPr>
-          <p:cNvPr id="365" name="직사각형 364">
-            <a:extLst>
-              <a:ext uri="{FF2B5EF4-FFF2-40B4-BE49-F238E27FC236}">
-                <a16:creationId xmlns:a16="http://schemas.microsoft.com/office/drawing/2014/main" id="{A029DFAA-1FF6-4D8D-9231-02BF353AF62C}"/>
-              </a:ext>
-            </a:extLst>
-          </p:cNvPr>
+          <p:cNvPr id="365" name="직사각형 364"/>
           <p:cNvSpPr/>
           <p:nvPr/>
         </p:nvSpPr>
         <p:spPr>
           <a:xfrm>
-            <a:off x="4105296" y="18146779"/>
+            <a:off x="4105296" y="18146780"/>
             <a:ext cx="3060382" cy="684085"/>
           </a:xfrm>
           <a:prstGeom prst="rect">
@@ -15673,18 +12476,13 @@
               <a:rPr lang="ko-KR" altLang="en-US" sz="2600" b="1"/>
               <a:t>영화 삭제</a:t>
             </a:r>
+            <a:endParaRPr lang="ko-KR" altLang="en-US" sz="2600" b="1"/>
           </a:p>
         </p:txBody>
       </p:sp>
       <p:cxnSp>
         <p:nvCxnSpPr>
-          <p:cNvPr id="366" name="연결선: 꺾임 365">
-            <a:extLst>
-              <a:ext uri="{FF2B5EF4-FFF2-40B4-BE49-F238E27FC236}">
-                <a16:creationId xmlns:a16="http://schemas.microsoft.com/office/drawing/2014/main" id="{314B81A9-485B-462E-8BB8-1D33C253559A}"/>
-              </a:ext>
-            </a:extLst>
-          </p:cNvPr>
+          <p:cNvPr id="366" name="연결선: 꺾임 365"/>
           <p:cNvCxnSpPr/>
           <p:nvPr/>
         </p:nvCxnSpPr>
@@ -15719,13 +12517,7 @@
       </p:cxnSp>
       <p:cxnSp>
         <p:nvCxnSpPr>
-          <p:cNvPr id="367" name="연결선: 꺾임 366">
-            <a:extLst>
-              <a:ext uri="{FF2B5EF4-FFF2-40B4-BE49-F238E27FC236}">
-                <a16:creationId xmlns:a16="http://schemas.microsoft.com/office/drawing/2014/main" id="{59BEFE07-00A6-4945-A156-558C465670CA}"/>
-              </a:ext>
-            </a:extLst>
-          </p:cNvPr>
+          <p:cNvPr id="367" name="연결선: 꺾임 366"/>
           <p:cNvCxnSpPr/>
           <p:nvPr/>
         </p:nvCxnSpPr>
@@ -15760,27 +12552,17 @@
       </p:cxnSp>
       <p:cxnSp>
         <p:nvCxnSpPr>
-          <p:cNvPr id="373" name="연결선: 꺾임 372">
-            <a:extLst>
-              <a:ext uri="{FF2B5EF4-FFF2-40B4-BE49-F238E27FC236}">
-                <a16:creationId xmlns:a16="http://schemas.microsoft.com/office/drawing/2014/main" id="{C47F14A6-CAB0-4DFC-B6D5-0DA638FAD582}"/>
-              </a:ext>
-            </a:extLst>
-          </p:cNvPr>
-          <p:cNvCxnSpPr>
-            <a:cxnSpLocks/>
-          </p:cNvCxnSpPr>
+          <p:cNvPr id="379" name="직선 연결선 378"/>
+          <p:cNvCxnSpPr/>
           <p:nvPr/>
         </p:nvCxnSpPr>
         <p:spPr>
-          <a:xfrm rot="16200000" flipV="1">
-            <a:off x="8605608" y="8127775"/>
-            <a:ext cx="730317" cy="580997"/>
-          </a:xfrm>
-          <a:prstGeom prst="bentConnector3">
-            <a:avLst>
-              <a:gd name="adj1" fmla="val 439"/>
-            </a:avLst>
+          <a:xfrm>
+            <a:off x="7741037" y="7743321"/>
+            <a:ext cx="548256" cy="0"/>
+          </a:xfrm>
+          <a:prstGeom prst="line">
+            <a:avLst/>
           </a:prstGeom>
           <a:ln>
             <a:solidFill>
@@ -15805,31 +12587,24 @@
       </p:cxnSp>
       <p:cxnSp>
         <p:nvCxnSpPr>
-          <p:cNvPr id="376" name="연결선: 꺾임 375">
-            <a:extLst>
-              <a:ext uri="{FF2B5EF4-FFF2-40B4-BE49-F238E27FC236}">
-                <a16:creationId xmlns:a16="http://schemas.microsoft.com/office/drawing/2014/main" id="{126003AE-F26B-436C-9845-FB71201CC013}"/>
-              </a:ext>
-            </a:extLst>
-          </p:cNvPr>
+          <p:cNvPr id="1396" name="연결선: 꺾임 1395"/>
           <p:cNvCxnSpPr>
-            <a:cxnSpLocks/>
+            <a:stCxn id="1395" idx="2"/>
+            <a:endCxn id="1054" idx="1"/>
           </p:cNvCxnSpPr>
           <p:nvPr/>
         </p:nvCxnSpPr>
         <p:spPr>
-          <a:xfrm rot="16200000" flipV="1">
-            <a:off x="8111621" y="8645759"/>
-            <a:ext cx="1697637" cy="560342"/>
-          </a:xfrm>
-          <a:prstGeom prst="bentConnector3">
-            <a:avLst>
-              <a:gd name="adj1" fmla="val -497"/>
-            </a:avLst>
+          <a:xfrm rot="5400000" flipV="1">
+            <a:off x="30937158" y="8340456"/>
+            <a:ext cx="3620128" cy="1093164"/>
+          </a:xfrm>
+          <a:prstGeom prst="bentConnector2">
+            <a:avLst/>
           </a:prstGeom>
           <a:ln>
             <a:solidFill>
-              <a:schemeClr val="dk1"/>
+              <a:schemeClr val="tx1"/>
             </a:solidFill>
           </a:ln>
         </p:spPr>
@@ -15850,27 +12625,24 @@
       </p:cxnSp>
       <p:cxnSp>
         <p:nvCxnSpPr>
-          <p:cNvPr id="379" name="직선 연결선 378">
-            <a:extLst>
-              <a:ext uri="{FF2B5EF4-FFF2-40B4-BE49-F238E27FC236}">
-                <a16:creationId xmlns:a16="http://schemas.microsoft.com/office/drawing/2014/main" id="{9C790EF4-BC09-498A-BCAF-43E221DF459C}"/>
-              </a:ext>
-            </a:extLst>
-          </p:cNvPr>
-          <p:cNvCxnSpPr/>
+          <p:cNvPr id="1418" name="연결선: 꺾임 1417"/>
+          <p:cNvCxnSpPr>
+            <a:stCxn id="1063" idx="3"/>
+            <a:endCxn id="1395" idx="2"/>
+          </p:cNvCxnSpPr>
           <p:nvPr/>
         </p:nvCxnSpPr>
         <p:spPr>
-          <a:xfrm>
-            <a:off x="7741037" y="7743321"/>
-            <a:ext cx="548256" cy="0"/>
-          </a:xfrm>
-          <a:prstGeom prst="line">
+          <a:xfrm flipV="1">
+            <a:off x="30373000" y="7076973"/>
+            <a:ext cx="1827638" cy="2120426"/>
+          </a:xfrm>
+          <a:prstGeom prst="bentConnector2">
             <a:avLst/>
           </a:prstGeom>
           <a:ln>
             <a:solidFill>
-              <a:schemeClr val="dk1"/>
+              <a:schemeClr val="tx1"/>
             </a:solidFill>
           </a:ln>
         </p:spPr>
@@ -15891,31 +12663,24 @@
       </p:cxnSp>
       <p:cxnSp>
         <p:nvCxnSpPr>
-          <p:cNvPr id="380" name="연결선: 꺾임 379">
-            <a:extLst>
-              <a:ext uri="{FF2B5EF4-FFF2-40B4-BE49-F238E27FC236}">
-                <a16:creationId xmlns:a16="http://schemas.microsoft.com/office/drawing/2014/main" id="{BBC36772-855A-4E52-8D4A-CC26AF3CB928}"/>
-              </a:ext>
-            </a:extLst>
-          </p:cNvPr>
+          <p:cNvPr id="1426" name="연결선: 꺾임 1425"/>
           <p:cNvCxnSpPr>
-            <a:cxnSpLocks/>
+            <a:stCxn id="1395" idx="2"/>
+            <a:endCxn id="1066" idx="3"/>
           </p:cNvCxnSpPr>
           <p:nvPr/>
         </p:nvCxnSpPr>
         <p:spPr>
-          <a:xfrm rot="16200000" flipV="1">
-            <a:off x="9439308" y="10163255"/>
-            <a:ext cx="730317" cy="580997"/>
-          </a:xfrm>
-          <a:prstGeom prst="bentConnector3">
-            <a:avLst>
-              <a:gd name="adj1" fmla="val 439"/>
-            </a:avLst>
+          <a:xfrm rot="5400000">
+            <a:off x="27455204" y="10637947"/>
+            <a:ext cx="8306408" cy="1184461"/>
+          </a:xfrm>
+          <a:prstGeom prst="bentConnector2">
+            <a:avLst/>
           </a:prstGeom>
           <a:ln>
             <a:solidFill>
-              <a:schemeClr val="dk1"/>
+              <a:schemeClr val="tx1"/>
             </a:solidFill>
           </a:ln>
         </p:spPr>
@@ -15936,31 +12701,24 @@
       </p:cxnSp>
       <p:cxnSp>
         <p:nvCxnSpPr>
-          <p:cNvPr id="381" name="연결선: 꺾임 380">
-            <a:extLst>
-              <a:ext uri="{FF2B5EF4-FFF2-40B4-BE49-F238E27FC236}">
-                <a16:creationId xmlns:a16="http://schemas.microsoft.com/office/drawing/2014/main" id="{EBB90AA2-C03A-4E42-9771-21902E769E85}"/>
-              </a:ext>
-            </a:extLst>
-          </p:cNvPr>
+          <p:cNvPr id="1433" name="연결선: 꺾임 1432"/>
           <p:cNvCxnSpPr>
-            <a:cxnSpLocks/>
+            <a:stCxn id="1064" idx="3"/>
+            <a:endCxn id="1395" idx="2"/>
           </p:cNvCxnSpPr>
           <p:nvPr/>
         </p:nvCxnSpPr>
         <p:spPr>
-          <a:xfrm rot="16200000" flipV="1">
-            <a:off x="8945321" y="10681239"/>
-            <a:ext cx="1697637" cy="560342"/>
-          </a:xfrm>
-          <a:prstGeom prst="bentConnector3">
-            <a:avLst>
-              <a:gd name="adj1" fmla="val -497"/>
-            </a:avLst>
+          <a:xfrm flipV="1">
+            <a:off x="30987396" y="7076973"/>
+            <a:ext cx="1213244" cy="5563881"/>
+          </a:xfrm>
+          <a:prstGeom prst="bentConnector2">
+            <a:avLst/>
           </a:prstGeom>
           <a:ln>
             <a:solidFill>
-              <a:schemeClr val="dk1"/>
+              <a:schemeClr val="tx1"/>
             </a:solidFill>
           </a:ln>
         </p:spPr>
@@ -15981,29 +12739,26 @@
       </p:cxnSp>
       <p:cxnSp>
         <p:nvCxnSpPr>
-          <p:cNvPr id="392" name="연결선: 꺾임 391">
-            <a:extLst>
-              <a:ext uri="{FF2B5EF4-FFF2-40B4-BE49-F238E27FC236}">
-                <a16:creationId xmlns:a16="http://schemas.microsoft.com/office/drawing/2014/main" id="{6323BFCA-ABA8-4E91-AE6A-84483270E44F}"/>
-              </a:ext>
-            </a:extLst>
-          </p:cNvPr>
+          <p:cNvPr id="1467" name="연결선: 꺾임 1466"/>
           <p:cNvCxnSpPr>
-            <a:cxnSpLocks/>
+            <a:stCxn id="1280" idx="2"/>
+            <a:endCxn id="1292" idx="0"/>
           </p:cNvCxnSpPr>
           <p:nvPr/>
         </p:nvCxnSpPr>
         <p:spPr>
-          <a:xfrm rot="10800000">
-            <a:off x="25210029" y="8039511"/>
-            <a:ext cx="523356" cy="6677651"/>
-          </a:xfrm>
-          <a:prstGeom prst="bentConnector2">
-            <a:avLst/>
+          <a:xfrm rot="5400000">
+            <a:off x="36533104" y="13374118"/>
+            <a:ext cx="13145484" cy="699088"/>
+          </a:xfrm>
+          <a:prstGeom prst="bentConnector3">
+            <a:avLst>
+              <a:gd name="adj1" fmla="val 87887"/>
+            </a:avLst>
           </a:prstGeom>
           <a:ln>
             <a:solidFill>
-              <a:schemeClr val="dk1"/>
+              <a:schemeClr val="tx1"/>
             </a:solidFill>
           </a:ln>
         </p:spPr>
@@ -16024,30 +12779,24 @@
       </p:cxnSp>
       <p:cxnSp>
         <p:nvCxnSpPr>
-          <p:cNvPr id="406" name="연결선: 꺾임 405">
-            <a:extLst>
-              <a:ext uri="{FF2B5EF4-FFF2-40B4-BE49-F238E27FC236}">
-                <a16:creationId xmlns:a16="http://schemas.microsoft.com/office/drawing/2014/main" id="{EF005720-A0A2-4113-B8C7-8C23C4FE90E9}"/>
-              </a:ext>
-            </a:extLst>
-          </p:cNvPr>
+          <p:cNvPr id="1492" name="연결선: 꺾임 1491"/>
           <p:cNvCxnSpPr>
-            <a:cxnSpLocks/>
-            <a:stCxn id="1387" idx="1"/>
+            <a:stCxn id="1395" idx="2"/>
+            <a:endCxn id="1065" idx="1"/>
           </p:cNvCxnSpPr>
           <p:nvPr/>
         </p:nvCxnSpPr>
         <p:spPr>
-          <a:xfrm rot="10800000">
-            <a:off x="25206240" y="8082264"/>
-            <a:ext cx="1579381" cy="12477254"/>
+          <a:xfrm rot="5400000" flipV="1">
+            <a:off x="33983128" y="5294483"/>
+            <a:ext cx="964510" cy="4529492"/>
           </a:xfrm>
           <a:prstGeom prst="bentConnector2">
             <a:avLst/>
           </a:prstGeom>
           <a:ln>
             <a:solidFill>
-              <a:schemeClr val="dk1"/>
+              <a:schemeClr val="tx1"/>
             </a:solidFill>
           </a:ln>
         </p:spPr>
@@ -16068,423 +12817,13 @@
       </p:cxnSp>
       <p:cxnSp>
         <p:nvCxnSpPr>
-          <p:cNvPr id="1396" name="연결선: 꺾임 1395">
-            <a:extLst>
-              <a:ext uri="{FF2B5EF4-FFF2-40B4-BE49-F238E27FC236}">
-                <a16:creationId xmlns:a16="http://schemas.microsoft.com/office/drawing/2014/main" id="{1671A288-2CA7-42C9-87D0-4A39106BABC9}"/>
-              </a:ext>
-            </a:extLst>
-          </p:cNvPr>
-          <p:cNvCxnSpPr>
-            <a:cxnSpLocks/>
-            <a:stCxn id="1395" idx="2"/>
-            <a:endCxn id="1054" idx="1"/>
-          </p:cNvCxnSpPr>
+          <p:cNvPr id="1504" name="연결선: 꺾임 1503"/>
+          <p:cNvCxnSpPr/>
           <p:nvPr/>
         </p:nvCxnSpPr>
         <p:spPr>
-          <a:xfrm rot="16200000" flipH="1">
-            <a:off x="33127053" y="8646171"/>
-            <a:ext cx="3400067" cy="109687"/>
-          </a:xfrm>
-          <a:prstGeom prst="bentConnector2">
-            <a:avLst/>
-          </a:prstGeom>
-          <a:ln>
-            <a:solidFill>
-              <a:schemeClr val="tx1"/>
-            </a:solidFill>
-          </a:ln>
-        </p:spPr>
-        <p:style>
-          <a:lnRef idx="1">
-            <a:schemeClr val="accent1"/>
-          </a:lnRef>
-          <a:fillRef idx="0">
-            <a:schemeClr val="accent1"/>
-          </a:fillRef>
-          <a:effectRef idx="0">
-            <a:schemeClr val="accent1"/>
-          </a:effectRef>
-          <a:fontRef idx="minor">
-            <a:schemeClr val="tx1"/>
-          </a:fontRef>
-        </p:style>
-      </p:cxnSp>
-      <p:cxnSp>
-        <p:nvCxnSpPr>
-          <p:cNvPr id="411" name="연결선: 꺾임 410">
-            <a:extLst>
-              <a:ext uri="{FF2B5EF4-FFF2-40B4-BE49-F238E27FC236}">
-                <a16:creationId xmlns:a16="http://schemas.microsoft.com/office/drawing/2014/main" id="{E0AE1BDE-B458-48BD-A6D8-7C3FCA9F74FD}"/>
-              </a:ext>
-            </a:extLst>
-          </p:cNvPr>
-          <p:cNvCxnSpPr>
-            <a:cxnSpLocks/>
-            <a:stCxn id="1395" idx="2"/>
-            <a:endCxn id="1061" idx="1"/>
-          </p:cNvCxnSpPr>
-          <p:nvPr/>
-        </p:nvCxnSpPr>
-        <p:spPr>
-          <a:xfrm rot="16200000" flipH="1">
-            <a:off x="31297287" y="10475937"/>
-            <a:ext cx="7258775" cy="308863"/>
-          </a:xfrm>
-          <a:prstGeom prst="bentConnector2">
-            <a:avLst/>
-          </a:prstGeom>
-          <a:ln>
-            <a:solidFill>
-              <a:schemeClr val="tx1"/>
-            </a:solidFill>
-          </a:ln>
-        </p:spPr>
-        <p:style>
-          <a:lnRef idx="1">
-            <a:schemeClr val="accent1"/>
-          </a:lnRef>
-          <a:fillRef idx="0">
-            <a:schemeClr val="accent1"/>
-          </a:fillRef>
-          <a:effectRef idx="0">
-            <a:schemeClr val="accent1"/>
-          </a:effectRef>
-          <a:fontRef idx="minor">
-            <a:schemeClr val="tx1"/>
-          </a:fontRef>
-        </p:style>
-      </p:cxnSp>
-      <p:cxnSp>
-        <p:nvCxnSpPr>
-          <p:cNvPr id="1418" name="연결선: 꺾임 1417">
-            <a:extLst>
-              <a:ext uri="{FF2B5EF4-FFF2-40B4-BE49-F238E27FC236}">
-                <a16:creationId xmlns:a16="http://schemas.microsoft.com/office/drawing/2014/main" id="{C31AD621-EAE6-4143-A409-6906EB6C81F7}"/>
-              </a:ext>
-            </a:extLst>
-          </p:cNvPr>
-          <p:cNvCxnSpPr>
-            <a:stCxn id="1063" idx="3"/>
-            <a:endCxn id="1395" idx="2"/>
-          </p:cNvCxnSpPr>
-          <p:nvPr/>
-        </p:nvCxnSpPr>
-        <p:spPr>
-          <a:xfrm flipV="1">
-            <a:off x="32944605" y="7000982"/>
-            <a:ext cx="1827638" cy="2120426"/>
-          </a:xfrm>
-          <a:prstGeom prst="bentConnector2">
-            <a:avLst/>
-          </a:prstGeom>
-          <a:ln>
-            <a:solidFill>
-              <a:schemeClr val="tx1"/>
-            </a:solidFill>
-          </a:ln>
-        </p:spPr>
-        <p:style>
-          <a:lnRef idx="1">
-            <a:schemeClr val="accent1"/>
-          </a:lnRef>
-          <a:fillRef idx="0">
-            <a:schemeClr val="accent1"/>
-          </a:fillRef>
-          <a:effectRef idx="0">
-            <a:schemeClr val="accent1"/>
-          </a:effectRef>
-          <a:fontRef idx="minor">
-            <a:schemeClr val="tx1"/>
-          </a:fontRef>
-        </p:style>
-      </p:cxnSp>
-      <p:cxnSp>
-        <p:nvCxnSpPr>
-          <p:cNvPr id="1426" name="연결선: 꺾임 1425">
-            <a:extLst>
-              <a:ext uri="{FF2B5EF4-FFF2-40B4-BE49-F238E27FC236}">
-                <a16:creationId xmlns:a16="http://schemas.microsoft.com/office/drawing/2014/main" id="{6A823140-84EB-453C-8A87-6ECCEED43449}"/>
-              </a:ext>
-            </a:extLst>
-          </p:cNvPr>
-          <p:cNvCxnSpPr>
-            <a:cxnSpLocks/>
-            <a:stCxn id="1395" idx="2"/>
-            <a:endCxn id="1066" idx="3"/>
-          </p:cNvCxnSpPr>
-          <p:nvPr/>
-        </p:nvCxnSpPr>
-        <p:spPr>
           <a:xfrm rot="5400000">
-            <a:off x="30026809" y="10561956"/>
-            <a:ext cx="8306408" cy="1184461"/>
-          </a:xfrm>
-          <a:prstGeom prst="bentConnector2">
-            <a:avLst/>
-          </a:prstGeom>
-          <a:ln>
-            <a:solidFill>
-              <a:schemeClr val="tx1"/>
-            </a:solidFill>
-          </a:ln>
-        </p:spPr>
-        <p:style>
-          <a:lnRef idx="1">
-            <a:schemeClr val="accent1"/>
-          </a:lnRef>
-          <a:fillRef idx="0">
-            <a:schemeClr val="accent1"/>
-          </a:fillRef>
-          <a:effectRef idx="0">
-            <a:schemeClr val="accent1"/>
-          </a:effectRef>
-          <a:fontRef idx="minor">
-            <a:schemeClr val="tx1"/>
-          </a:fontRef>
-        </p:style>
-      </p:cxnSp>
-      <p:cxnSp>
-        <p:nvCxnSpPr>
-          <p:cNvPr id="1433" name="연결선: 꺾임 1432">
-            <a:extLst>
-              <a:ext uri="{FF2B5EF4-FFF2-40B4-BE49-F238E27FC236}">
-                <a16:creationId xmlns:a16="http://schemas.microsoft.com/office/drawing/2014/main" id="{C9244283-DB81-4558-9A26-9995974566A4}"/>
-              </a:ext>
-            </a:extLst>
-          </p:cNvPr>
-          <p:cNvCxnSpPr>
-            <a:stCxn id="1064" idx="3"/>
-            <a:endCxn id="1395" idx="2"/>
-          </p:cNvCxnSpPr>
-          <p:nvPr/>
-        </p:nvCxnSpPr>
-        <p:spPr>
-          <a:xfrm flipV="1">
-            <a:off x="33558999" y="7000982"/>
-            <a:ext cx="1213244" cy="5563881"/>
-          </a:xfrm>
-          <a:prstGeom prst="bentConnector2">
-            <a:avLst/>
-          </a:prstGeom>
-          <a:ln>
-            <a:solidFill>
-              <a:schemeClr val="tx1"/>
-            </a:solidFill>
-          </a:ln>
-        </p:spPr>
-        <p:style>
-          <a:lnRef idx="1">
-            <a:schemeClr val="accent1"/>
-          </a:lnRef>
-          <a:fillRef idx="0">
-            <a:schemeClr val="accent1"/>
-          </a:fillRef>
-          <a:effectRef idx="0">
-            <a:schemeClr val="accent1"/>
-          </a:effectRef>
-          <a:fontRef idx="minor">
-            <a:schemeClr val="tx1"/>
-          </a:fontRef>
-        </p:style>
-      </p:cxnSp>
-      <p:cxnSp>
-        <p:nvCxnSpPr>
-          <p:cNvPr id="1450" name="직선 연결선 1449">
-            <a:extLst>
-              <a:ext uri="{FF2B5EF4-FFF2-40B4-BE49-F238E27FC236}">
-                <a16:creationId xmlns:a16="http://schemas.microsoft.com/office/drawing/2014/main" id="{96A6F14F-8E26-43F9-8AA7-C30FC5D5B6C9}"/>
-              </a:ext>
-            </a:extLst>
-          </p:cNvPr>
-          <p:cNvCxnSpPr>
-            <a:cxnSpLocks/>
-          </p:cNvCxnSpPr>
-          <p:nvPr/>
-        </p:nvCxnSpPr>
-        <p:spPr>
-          <a:xfrm flipH="1">
-            <a:off x="25206239" y="7111618"/>
-            <a:ext cx="11190" cy="14981284"/>
-          </a:xfrm>
-          <a:prstGeom prst="line">
-            <a:avLst/>
-          </a:prstGeom>
-          <a:ln>
-            <a:solidFill>
-              <a:schemeClr val="tx1"/>
-            </a:solidFill>
-          </a:ln>
-        </p:spPr>
-        <p:style>
-          <a:lnRef idx="1">
-            <a:schemeClr val="accent1"/>
-          </a:lnRef>
-          <a:fillRef idx="0">
-            <a:schemeClr val="accent1"/>
-          </a:fillRef>
-          <a:effectRef idx="0">
-            <a:schemeClr val="accent1"/>
-          </a:effectRef>
-          <a:fontRef idx="minor">
-            <a:schemeClr val="tx1"/>
-          </a:fontRef>
-        </p:style>
-      </p:cxnSp>
-      <p:cxnSp>
-        <p:nvCxnSpPr>
-          <p:cNvPr id="1454" name="연결선: 꺾임 1453">
-            <a:extLst>
-              <a:ext uri="{FF2B5EF4-FFF2-40B4-BE49-F238E27FC236}">
-                <a16:creationId xmlns:a16="http://schemas.microsoft.com/office/drawing/2014/main" id="{1E67F77D-CEC8-4975-A093-07AADEFABE04}"/>
-              </a:ext>
-            </a:extLst>
-          </p:cNvPr>
-          <p:cNvCxnSpPr>
-            <a:stCxn id="1280" idx="2"/>
-            <a:endCxn id="1281" idx="1"/>
-          </p:cNvCxnSpPr>
-          <p:nvPr/>
-        </p:nvCxnSpPr>
-        <p:spPr>
-          <a:xfrm rot="16200000" flipH="1">
-            <a:off x="44517255" y="7435719"/>
-            <a:ext cx="1295134" cy="652386"/>
-          </a:xfrm>
-          <a:prstGeom prst="bentConnector2">
-            <a:avLst/>
-          </a:prstGeom>
-          <a:ln>
-            <a:solidFill>
-              <a:schemeClr val="tx1"/>
-            </a:solidFill>
-          </a:ln>
-        </p:spPr>
-        <p:style>
-          <a:lnRef idx="1">
-            <a:schemeClr val="accent1"/>
-          </a:lnRef>
-          <a:fillRef idx="0">
-            <a:schemeClr val="accent1"/>
-          </a:fillRef>
-          <a:effectRef idx="0">
-            <a:schemeClr val="accent1"/>
-          </a:effectRef>
-          <a:fontRef idx="minor">
-            <a:schemeClr val="tx1"/>
-          </a:fontRef>
-        </p:style>
-      </p:cxnSp>
-      <p:cxnSp>
-        <p:nvCxnSpPr>
-          <p:cNvPr id="1467" name="연결선: 꺾임 1466">
-            <a:extLst>
-              <a:ext uri="{FF2B5EF4-FFF2-40B4-BE49-F238E27FC236}">
-                <a16:creationId xmlns:a16="http://schemas.microsoft.com/office/drawing/2014/main" id="{11358BA5-2165-45E3-A529-20E818B9E6DB}"/>
-              </a:ext>
-            </a:extLst>
-          </p:cNvPr>
-          <p:cNvCxnSpPr>
-            <a:cxnSpLocks/>
-            <a:stCxn id="1280" idx="2"/>
-          </p:cNvCxnSpPr>
-          <p:nvPr/>
-        </p:nvCxnSpPr>
-        <p:spPr>
-          <a:xfrm rot="5400000">
-            <a:off x="37245902" y="12624748"/>
-            <a:ext cx="13103131" cy="2082325"/>
-          </a:xfrm>
-          <a:prstGeom prst="bentConnector3">
-            <a:avLst>
-              <a:gd name="adj1" fmla="val 89917"/>
-            </a:avLst>
-          </a:prstGeom>
-          <a:ln>
-            <a:solidFill>
-              <a:schemeClr val="tx1"/>
-            </a:solidFill>
-          </a:ln>
-        </p:spPr>
-        <p:style>
-          <a:lnRef idx="1">
-            <a:schemeClr val="accent1"/>
-          </a:lnRef>
-          <a:fillRef idx="0">
-            <a:schemeClr val="accent1"/>
-          </a:fillRef>
-          <a:effectRef idx="0">
-            <a:schemeClr val="accent1"/>
-          </a:effectRef>
-          <a:fontRef idx="minor">
-            <a:schemeClr val="tx1"/>
-          </a:fontRef>
-        </p:style>
-      </p:cxnSp>
-      <p:cxnSp>
-        <p:nvCxnSpPr>
-          <p:cNvPr id="1492" name="연결선: 꺾임 1491">
-            <a:extLst>
-              <a:ext uri="{FF2B5EF4-FFF2-40B4-BE49-F238E27FC236}">
-                <a16:creationId xmlns:a16="http://schemas.microsoft.com/office/drawing/2014/main" id="{96FEDD0C-E491-456E-BDB7-1C14944C2F06}"/>
-              </a:ext>
-            </a:extLst>
-          </p:cNvPr>
-          <p:cNvCxnSpPr>
-            <a:cxnSpLocks/>
-            <a:stCxn id="1395" idx="2"/>
-            <a:endCxn id="1065" idx="1"/>
-          </p:cNvCxnSpPr>
-          <p:nvPr/>
-        </p:nvCxnSpPr>
-        <p:spPr>
-          <a:xfrm rot="16200000" flipH="1">
-            <a:off x="36133251" y="5639973"/>
-            <a:ext cx="964513" cy="3686529"/>
-          </a:xfrm>
-          <a:prstGeom prst="bentConnector2">
-            <a:avLst/>
-          </a:prstGeom>
-          <a:ln>
-            <a:solidFill>
-              <a:schemeClr val="tx1"/>
-            </a:solidFill>
-          </a:ln>
-        </p:spPr>
-        <p:style>
-          <a:lnRef idx="1">
-            <a:schemeClr val="accent1"/>
-          </a:lnRef>
-          <a:fillRef idx="0">
-            <a:schemeClr val="accent1"/>
-          </a:fillRef>
-          <a:effectRef idx="0">
-            <a:schemeClr val="accent1"/>
-          </a:effectRef>
-          <a:fontRef idx="minor">
-            <a:schemeClr val="tx1"/>
-          </a:fontRef>
-        </p:style>
-      </p:cxnSp>
-      <p:cxnSp>
-        <p:nvCxnSpPr>
-          <p:cNvPr id="1504" name="연결선: 꺾임 1503">
-            <a:extLst>
-              <a:ext uri="{FF2B5EF4-FFF2-40B4-BE49-F238E27FC236}">
-                <a16:creationId xmlns:a16="http://schemas.microsoft.com/office/drawing/2014/main" id="{ADD47BC3-1F34-415D-A688-2853E6BF5C0F}"/>
-              </a:ext>
-            </a:extLst>
-          </p:cNvPr>
-          <p:cNvCxnSpPr>
-            <a:cxnSpLocks/>
-            <a:endCxn id="1021" idx="0"/>
-          </p:cNvCxnSpPr>
-          <p:nvPr/>
-        </p:nvCxnSpPr>
-        <p:spPr>
-          <a:xfrm rot="5400000">
-            <a:off x="14266557" y="9974873"/>
+            <a:off x="15919517" y="9974874"/>
             <a:ext cx="13870370" cy="5411269"/>
           </a:xfrm>
           <a:prstGeom prst="bentConnector3">
@@ -16515,19 +12854,13 @@
       </p:cxnSp>
       <p:cxnSp>
         <p:nvCxnSpPr>
-          <p:cNvPr id="296" name="연결선: 꺾임 295">
-            <a:extLst>
-              <a:ext uri="{FF2B5EF4-FFF2-40B4-BE49-F238E27FC236}">
-                <a16:creationId xmlns:a16="http://schemas.microsoft.com/office/drawing/2014/main" id="{DAE11737-C1E5-4582-93A6-4EA20C324DE3}"/>
-              </a:ext>
-            </a:extLst>
-          </p:cNvPr>
+          <p:cNvPr id="296" name="연결선: 꺾임 295"/>
           <p:cNvCxnSpPr/>
           <p:nvPr/>
         </p:nvCxnSpPr>
         <p:spPr>
           <a:xfrm rot="10800000">
-            <a:off x="41371715" y="23517379"/>
+            <a:off x="41371716" y="23517380"/>
             <a:ext cx="514824" cy="684082"/>
           </a:xfrm>
           <a:prstGeom prst="bentConnector2">
@@ -16556,19 +12889,13 @@
       </p:cxnSp>
       <p:cxnSp>
         <p:nvCxnSpPr>
-          <p:cNvPr id="297" name="연결선: 꺾임 296">
-            <a:extLst>
-              <a:ext uri="{FF2B5EF4-FFF2-40B4-BE49-F238E27FC236}">
-                <a16:creationId xmlns:a16="http://schemas.microsoft.com/office/drawing/2014/main" id="{24103E62-6C4D-4FB6-9BC2-F9493F42B998}"/>
-              </a:ext>
-            </a:extLst>
-          </p:cNvPr>
+          <p:cNvPr id="297" name="연결선: 꺾임 296"/>
           <p:cNvCxnSpPr/>
           <p:nvPr/>
         </p:nvCxnSpPr>
         <p:spPr>
           <a:xfrm rot="10800000">
-            <a:off x="36386089" y="23577175"/>
+            <a:off x="36386088" y="23577176"/>
             <a:ext cx="514824" cy="684082"/>
           </a:xfrm>
           <a:prstGeom prst="bentConnector2">
@@ -16595,21 +12922,1703 @@
           </a:fontRef>
         </p:style>
       </p:cxnSp>
+      <p:sp>
+        <p:nvSpPr>
+          <p:cNvPr id="1691" name="직사각형 1175"/>
+          <p:cNvSpPr/>
+          <p:nvPr/>
+        </p:nvSpPr>
+        <p:spPr>
+          <a:xfrm>
+            <a:off x="2753044" y="8254805"/>
+            <a:ext cx="3060382" cy="684085"/>
+          </a:xfrm>
+          <a:prstGeom prst="rect">
+            <a:avLst/>
+          </a:prstGeom>
+          <a:solidFill>
+            <a:srgbClr val="808080"/>
+          </a:solidFill>
+          <a:ln>
+            <a:solidFill>
+              <a:srgbClr val="595959"/>
+            </a:solidFill>
+          </a:ln>
+        </p:spPr>
+        <p:style>
+          <a:lnRef idx="2">
+            <a:schemeClr val="accent5">
+              <a:shade val="50000"/>
+            </a:schemeClr>
+          </a:lnRef>
+          <a:fillRef idx="1">
+            <a:schemeClr val="accent5"/>
+          </a:fillRef>
+          <a:effectRef idx="0">
+            <a:schemeClr val="accent5"/>
+          </a:effectRef>
+          <a:fontRef idx="minor">
+            <a:schemeClr val="lt1"/>
+          </a:fontRef>
+        </p:style>
+        <p:txBody>
+          <a:bodyPr rot="0" vert="horz" wrap="square" lIns="77272" tIns="38641" rIns="77272" bIns="38641" anchor="ctr" anchorCtr="0">
+            <a:prstTxWarp prst="textNoShape">
+              <a:avLst/>
+            </a:prstTxWarp>
+            <a:noAutofit/>
+          </a:bodyPr>
+          <a:lstStyle/>
+          <a:p>
+            <a:pPr algn="ctr">
+              <a:defRPr/>
+            </a:pPr>
+            <a:r>
+              <a:rPr lang="ko-KR" altLang="en-US" sz="2600" b="1"/>
+              <a:t>영화 검색</a:t>
+            </a:r>
+            <a:endParaRPr lang="ko-KR" altLang="en-US" sz="2600" b="1"/>
+          </a:p>
+        </p:txBody>
+      </p:sp>
+      <p:sp>
+        <p:nvSpPr>
+          <p:cNvPr id="1692" name="직사각형 1028"/>
+          <p:cNvSpPr/>
+          <p:nvPr/>
+        </p:nvSpPr>
+        <p:spPr>
+          <a:xfrm>
+            <a:off x="1721531" y="7369030"/>
+            <a:ext cx="3060382" cy="684085"/>
+          </a:xfrm>
+          <a:prstGeom prst="rect">
+            <a:avLst/>
+          </a:prstGeom>
+          <a:solidFill>
+            <a:srgbClr val="808080"/>
+          </a:solidFill>
+          <a:ln>
+            <a:solidFill>
+              <a:srgbClr val="595959"/>
+            </a:solidFill>
+          </a:ln>
+        </p:spPr>
+        <p:style>
+          <a:lnRef idx="2">
+            <a:schemeClr val="accent5">
+              <a:shade val="50000"/>
+            </a:schemeClr>
+          </a:lnRef>
+          <a:fillRef idx="1">
+            <a:schemeClr val="accent5"/>
+          </a:fillRef>
+          <a:effectRef idx="0">
+            <a:schemeClr val="accent5"/>
+          </a:effectRef>
+          <a:fontRef idx="minor">
+            <a:schemeClr val="lt1"/>
+          </a:fontRef>
+        </p:style>
+        <p:txBody>
+          <a:bodyPr rot="0" vert="horz" wrap="square" lIns="77272" tIns="38641" rIns="77272" bIns="38641" anchor="ctr" anchorCtr="0">
+            <a:prstTxWarp prst="textNoShape">
+              <a:avLst/>
+            </a:prstTxWarp>
+            <a:noAutofit/>
+          </a:bodyPr>
+          <a:lstStyle/>
+          <a:p>
+            <a:pPr algn="ctr">
+              <a:defRPr/>
+            </a:pPr>
+            <a:r>
+              <a:rPr lang="ko-KR" altLang="en-US" sz="2600" b="1"/>
+              <a:t>영화 랭킹 조회</a:t>
+            </a:r>
+            <a:endParaRPr lang="ko-KR" altLang="en-US" sz="2600" b="1"/>
+          </a:p>
+        </p:txBody>
+      </p:sp>
+      <p:cxnSp>
+        <p:nvCxnSpPr>
+          <p:cNvPr id="1693" name=""/>
+          <p:cNvCxnSpPr>
+            <a:stCxn id="1023" idx="1"/>
+          </p:cNvCxnSpPr>
+          <p:nvPr/>
+        </p:nvCxnSpPr>
+        <p:spPr>
+          <a:xfrm rot="10800000">
+            <a:off x="2301448" y="8027347"/>
+            <a:ext cx="429844" cy="2643537"/>
+          </a:xfrm>
+          <a:prstGeom prst="bentConnector2">
+            <a:avLst/>
+          </a:prstGeom>
+          <a:ln>
+            <a:solidFill>
+              <a:schemeClr val="dk1"/>
+            </a:solidFill>
+          </a:ln>
+        </p:spPr>
+        <p:style>
+          <a:lnRef idx="1">
+            <a:schemeClr val="accent1"/>
+          </a:lnRef>
+          <a:fillRef idx="0">
+            <a:schemeClr val="accent1"/>
+          </a:fillRef>
+          <a:effectRef idx="0">
+            <a:schemeClr val="accent1"/>
+          </a:effectRef>
+          <a:fontRef idx="minor">
+            <a:schemeClr val="tx1"/>
+          </a:fontRef>
+        </p:style>
+      </p:cxnSp>
+      <p:cxnSp>
+        <p:nvCxnSpPr>
+          <p:cNvPr id="1694" name=""/>
+          <p:cNvCxnSpPr>
+            <a:stCxn id="1691" idx="1"/>
+          </p:cNvCxnSpPr>
+          <p:nvPr/>
+        </p:nvCxnSpPr>
+        <p:spPr>
+          <a:xfrm rot="10800000">
+            <a:off x="2301448" y="8596848"/>
+            <a:ext cx="451596" cy="0"/>
+          </a:xfrm>
+          <a:prstGeom prst="line">
+            <a:avLst/>
+          </a:prstGeom>
+          <a:ln>
+            <a:solidFill>
+              <a:schemeClr val="dk1"/>
+            </a:solidFill>
+          </a:ln>
+        </p:spPr>
+        <p:style>
+          <a:lnRef idx="1">
+            <a:schemeClr val="accent1"/>
+          </a:lnRef>
+          <a:fillRef idx="0">
+            <a:schemeClr val="accent1"/>
+          </a:fillRef>
+          <a:effectRef idx="0">
+            <a:schemeClr val="accent1"/>
+          </a:effectRef>
+          <a:fontRef idx="minor">
+            <a:schemeClr val="tx1"/>
+          </a:fontRef>
+        </p:style>
+      </p:cxnSp>
+      <p:cxnSp>
+        <p:nvCxnSpPr>
+          <p:cNvPr id="1695" name=""/>
+          <p:cNvCxnSpPr>
+            <a:stCxn id="1332" idx="1"/>
+          </p:cNvCxnSpPr>
+          <p:nvPr/>
+        </p:nvCxnSpPr>
+        <p:spPr>
+          <a:xfrm rot="10800000">
+            <a:off x="2301448" y="9617760"/>
+            <a:ext cx="451596" cy="2"/>
+          </a:xfrm>
+          <a:prstGeom prst="line">
+            <a:avLst/>
+          </a:prstGeom>
+          <a:ln>
+            <a:solidFill>
+              <a:schemeClr val="dk1"/>
+            </a:solidFill>
+          </a:ln>
+        </p:spPr>
+        <p:style>
+          <a:lnRef idx="1">
+            <a:schemeClr val="accent1"/>
+          </a:lnRef>
+          <a:fillRef idx="0">
+            <a:schemeClr val="accent1"/>
+          </a:fillRef>
+          <a:effectRef idx="0">
+            <a:schemeClr val="accent1"/>
+          </a:effectRef>
+          <a:fontRef idx="minor">
+            <a:schemeClr val="tx1"/>
+          </a:fontRef>
+        </p:style>
+      </p:cxnSp>
+      <p:cxnSp>
+        <p:nvCxnSpPr>
+          <p:cNvPr id="1696" name=""/>
+          <p:cNvCxnSpPr>
+            <a:stCxn id="1692" idx="1"/>
+          </p:cNvCxnSpPr>
+          <p:nvPr/>
+        </p:nvCxnSpPr>
+        <p:spPr>
+          <a:xfrm rot="10800000">
+            <a:off x="1147096" y="7111618"/>
+            <a:ext cx="574435" cy="599454"/>
+          </a:xfrm>
+          <a:prstGeom prst="bentConnector2">
+            <a:avLst/>
+          </a:prstGeom>
+          <a:ln>
+            <a:solidFill>
+              <a:schemeClr val="dk1"/>
+            </a:solidFill>
+          </a:ln>
+        </p:spPr>
+        <p:style>
+          <a:lnRef idx="1">
+            <a:schemeClr val="accent1"/>
+          </a:lnRef>
+          <a:fillRef idx="0">
+            <a:schemeClr val="accent1"/>
+          </a:fillRef>
+          <a:effectRef idx="0">
+            <a:schemeClr val="accent1"/>
+          </a:effectRef>
+          <a:fontRef idx="minor">
+            <a:schemeClr val="tx1"/>
+          </a:fontRef>
+        </p:style>
+      </p:cxnSp>
+      <p:cxnSp>
+        <p:nvCxnSpPr>
+          <p:cNvPr id="1697" name=""/>
+          <p:cNvCxnSpPr>
+            <a:stCxn id="1330" idx="1"/>
+          </p:cNvCxnSpPr>
+          <p:nvPr/>
+        </p:nvCxnSpPr>
+        <p:spPr>
+          <a:xfrm rot="10800000">
+            <a:off x="8872086" y="8077111"/>
+            <a:ext cx="359242" cy="2632489"/>
+          </a:xfrm>
+          <a:prstGeom prst="bentConnector2">
+            <a:avLst/>
+          </a:prstGeom>
+          <a:ln>
+            <a:solidFill>
+              <a:schemeClr val="dk1"/>
+            </a:solidFill>
+          </a:ln>
+        </p:spPr>
+        <p:style>
+          <a:lnRef idx="1">
+            <a:schemeClr val="accent1"/>
+          </a:lnRef>
+          <a:fillRef idx="0">
+            <a:schemeClr val="accent1"/>
+          </a:fillRef>
+          <a:effectRef idx="0">
+            <a:schemeClr val="accent1"/>
+          </a:effectRef>
+          <a:fontRef idx="minor">
+            <a:schemeClr val="tx1"/>
+          </a:fontRef>
+        </p:style>
+      </p:cxnSp>
+      <p:cxnSp>
+        <p:nvCxnSpPr>
+          <p:cNvPr id="1699" name=""/>
+          <p:cNvCxnSpPr>
+            <a:stCxn id="1326" idx="1"/>
+          </p:cNvCxnSpPr>
+          <p:nvPr/>
+        </p:nvCxnSpPr>
+        <p:spPr>
+          <a:xfrm rot="10800000">
+            <a:off x="8872086" y="8741036"/>
+            <a:ext cx="359244" cy="9804"/>
+          </a:xfrm>
+          <a:prstGeom prst="line">
+            <a:avLst/>
+          </a:prstGeom>
+          <a:ln>
+            <a:solidFill>
+              <a:schemeClr val="dk1"/>
+            </a:solidFill>
+          </a:ln>
+        </p:spPr>
+        <p:style>
+          <a:lnRef idx="1">
+            <a:schemeClr val="accent1"/>
+          </a:lnRef>
+          <a:fillRef idx="0">
+            <a:schemeClr val="accent1"/>
+          </a:fillRef>
+          <a:effectRef idx="0">
+            <a:schemeClr val="accent1"/>
+          </a:effectRef>
+          <a:fontRef idx="minor">
+            <a:schemeClr val="tx1"/>
+          </a:fontRef>
+        </p:style>
+      </p:cxnSp>
+      <p:cxnSp>
+        <p:nvCxnSpPr>
+          <p:cNvPr id="1700" name=""/>
+          <p:cNvCxnSpPr>
+            <a:stCxn id="1328" idx="1"/>
+          </p:cNvCxnSpPr>
+          <p:nvPr/>
+        </p:nvCxnSpPr>
+        <p:spPr>
+          <a:xfrm rot="10800000">
+            <a:off x="8872087" y="9737406"/>
+            <a:ext cx="368524" cy="21258"/>
+          </a:xfrm>
+          <a:prstGeom prst="line">
+            <a:avLst/>
+          </a:prstGeom>
+          <a:ln>
+            <a:solidFill>
+              <a:schemeClr val="dk1"/>
+            </a:solidFill>
+          </a:ln>
+        </p:spPr>
+        <p:style>
+          <a:lnRef idx="1">
+            <a:schemeClr val="accent1"/>
+          </a:lnRef>
+          <a:fillRef idx="0">
+            <a:schemeClr val="accent1"/>
+          </a:fillRef>
+          <a:effectRef idx="0">
+            <a:schemeClr val="accent1"/>
+          </a:effectRef>
+          <a:fontRef idx="minor">
+            <a:schemeClr val="tx1"/>
+          </a:fontRef>
+        </p:style>
+      </p:cxnSp>
+      <p:cxnSp>
+        <p:nvCxnSpPr>
+          <p:cNvPr id="1701" name=""/>
+          <p:cNvCxnSpPr>
+            <a:stCxn id="1136" idx="1"/>
+          </p:cNvCxnSpPr>
+          <p:nvPr/>
+        </p:nvCxnSpPr>
+        <p:spPr>
+          <a:xfrm rot="10800000">
+            <a:off x="13462657" y="7077161"/>
+            <a:ext cx="419186" cy="748117"/>
+          </a:xfrm>
+          <a:prstGeom prst="bentConnector2">
+            <a:avLst/>
+          </a:prstGeom>
+          <a:ln>
+            <a:solidFill>
+              <a:schemeClr val="dk1"/>
+            </a:solidFill>
+          </a:ln>
+        </p:spPr>
+        <p:style>
+          <a:lnRef idx="1">
+            <a:schemeClr val="accent1"/>
+          </a:lnRef>
+          <a:fillRef idx="0">
+            <a:schemeClr val="accent1"/>
+          </a:fillRef>
+          <a:effectRef idx="0">
+            <a:schemeClr val="accent1"/>
+          </a:effectRef>
+          <a:fontRef idx="minor">
+            <a:schemeClr val="tx1"/>
+          </a:fontRef>
+        </p:style>
+      </p:cxnSp>
+      <p:cxnSp>
+        <p:nvCxnSpPr>
+          <p:cNvPr id="1703" name=""/>
+          <p:cNvCxnSpPr>
+            <a:stCxn id="1132" idx="1"/>
+          </p:cNvCxnSpPr>
+          <p:nvPr/>
+        </p:nvCxnSpPr>
+        <p:spPr>
+          <a:xfrm rot="10800000">
+            <a:off x="14450759" y="8167321"/>
+            <a:ext cx="277908" cy="1544561"/>
+          </a:xfrm>
+          <a:prstGeom prst="bentConnector2">
+            <a:avLst/>
+          </a:prstGeom>
+          <a:ln>
+            <a:solidFill>
+              <a:schemeClr val="dk1"/>
+            </a:solidFill>
+          </a:ln>
+        </p:spPr>
+        <p:style>
+          <a:lnRef idx="1">
+            <a:schemeClr val="accent1"/>
+          </a:lnRef>
+          <a:fillRef idx="0">
+            <a:schemeClr val="accent1"/>
+          </a:fillRef>
+          <a:effectRef idx="0">
+            <a:schemeClr val="accent1"/>
+          </a:effectRef>
+          <a:fontRef idx="minor">
+            <a:schemeClr val="tx1"/>
+          </a:fontRef>
+        </p:style>
+      </p:cxnSp>
+      <p:cxnSp>
+        <p:nvCxnSpPr>
+          <p:cNvPr id="1704" name=""/>
+          <p:cNvCxnSpPr>
+            <a:stCxn id="1182" idx="1"/>
+            <a:endCxn id="1182" idx="1"/>
+          </p:cNvCxnSpPr>
+          <p:nvPr/>
+        </p:nvCxnSpPr>
+        <p:spPr>
+          <a:xfrm>
+            <a:off x="14728665" y="8766556"/>
+            <a:ext cx="0" cy="0"/>
+          </a:xfrm>
+          <a:prstGeom prst="line">
+            <a:avLst/>
+          </a:prstGeom>
+        </p:spPr>
+        <p:style>
+          <a:lnRef idx="1">
+            <a:schemeClr val="accent1"/>
+          </a:lnRef>
+          <a:fillRef idx="0">
+            <a:schemeClr val="accent1"/>
+          </a:fillRef>
+          <a:effectRef idx="0">
+            <a:schemeClr val="accent1"/>
+          </a:effectRef>
+          <a:fontRef idx="minor">
+            <a:schemeClr val="tx1"/>
+          </a:fontRef>
+        </p:style>
+      </p:cxnSp>
+      <p:cxnSp>
+        <p:nvCxnSpPr>
+          <p:cNvPr id="1705" name=""/>
+          <p:cNvCxnSpPr>
+            <a:stCxn id="1182" idx="1"/>
+            <a:endCxn id="1182" idx="1"/>
+          </p:cNvCxnSpPr>
+          <p:nvPr/>
+        </p:nvCxnSpPr>
+        <p:spPr>
+          <a:xfrm>
+            <a:off x="14728665" y="8766556"/>
+            <a:ext cx="0" cy="0"/>
+          </a:xfrm>
+          <a:prstGeom prst="line">
+            <a:avLst/>
+          </a:prstGeom>
+        </p:spPr>
+        <p:style>
+          <a:lnRef idx="1">
+            <a:schemeClr val="accent1"/>
+          </a:lnRef>
+          <a:fillRef idx="0">
+            <a:schemeClr val="accent1"/>
+          </a:fillRef>
+          <a:effectRef idx="0">
+            <a:schemeClr val="accent1"/>
+          </a:effectRef>
+          <a:fontRef idx="minor">
+            <a:schemeClr val="tx1"/>
+          </a:fontRef>
+        </p:style>
+      </p:cxnSp>
+      <p:cxnSp>
+        <p:nvCxnSpPr>
+          <p:cNvPr id="1706" name=""/>
+          <p:cNvCxnSpPr>
+            <a:endCxn id="1182" idx="1"/>
+          </p:cNvCxnSpPr>
+          <p:nvPr/>
+        </p:nvCxnSpPr>
+        <p:spPr>
+          <a:xfrm flipV="1">
+            <a:off x="14450759" y="8766556"/>
+            <a:ext cx="277906" cy="14792"/>
+          </a:xfrm>
+          <a:prstGeom prst="line">
+            <a:avLst/>
+          </a:prstGeom>
+          <a:ln>
+            <a:solidFill>
+              <a:schemeClr val="dk1"/>
+            </a:solidFill>
+          </a:ln>
+        </p:spPr>
+        <p:style>
+          <a:lnRef idx="1">
+            <a:schemeClr val="accent1"/>
+          </a:lnRef>
+          <a:fillRef idx="0">
+            <a:schemeClr val="accent1"/>
+          </a:fillRef>
+          <a:effectRef idx="0">
+            <a:schemeClr val="accent1"/>
+          </a:effectRef>
+          <a:fontRef idx="minor">
+            <a:schemeClr val="tx1"/>
+          </a:fontRef>
+        </p:style>
+      </p:cxnSp>
+      <p:cxnSp>
+        <p:nvCxnSpPr>
+          <p:cNvPr id="1707" name=""/>
+          <p:cNvCxnSpPr>
+            <a:stCxn id="1116" idx="1"/>
+          </p:cNvCxnSpPr>
+          <p:nvPr/>
+        </p:nvCxnSpPr>
+        <p:spPr>
+          <a:xfrm rot="10800000">
+            <a:off x="19391424" y="8103954"/>
+            <a:ext cx="551184" cy="2650379"/>
+          </a:xfrm>
+          <a:prstGeom prst="bentConnector2">
+            <a:avLst/>
+          </a:prstGeom>
+          <a:ln>
+            <a:solidFill>
+              <a:schemeClr val="dk1"/>
+            </a:solidFill>
+          </a:ln>
+        </p:spPr>
+        <p:style>
+          <a:lnRef idx="1">
+            <a:schemeClr val="accent1"/>
+          </a:lnRef>
+          <a:fillRef idx="0">
+            <a:schemeClr val="accent1"/>
+          </a:fillRef>
+          <a:effectRef idx="0">
+            <a:schemeClr val="accent1"/>
+          </a:effectRef>
+          <a:fontRef idx="minor">
+            <a:schemeClr val="tx1"/>
+          </a:fontRef>
+        </p:style>
+      </p:cxnSp>
+      <p:cxnSp>
+        <p:nvCxnSpPr>
+          <p:cNvPr id="1708" name=""/>
+          <p:cNvCxnSpPr>
+            <a:stCxn id="1184" idx="1"/>
+          </p:cNvCxnSpPr>
+          <p:nvPr/>
+        </p:nvCxnSpPr>
+        <p:spPr>
+          <a:xfrm rot="10800000">
+            <a:off x="19391424" y="8701018"/>
+            <a:ext cx="490716" cy="2"/>
+          </a:xfrm>
+          <a:prstGeom prst="line">
+            <a:avLst/>
+          </a:prstGeom>
+          <a:ln>
+            <a:solidFill>
+              <a:schemeClr val="dk1"/>
+            </a:solidFill>
+          </a:ln>
+        </p:spPr>
+        <p:style>
+          <a:lnRef idx="1">
+            <a:schemeClr val="accent1"/>
+          </a:lnRef>
+          <a:fillRef idx="0">
+            <a:schemeClr val="accent1"/>
+          </a:fillRef>
+          <a:effectRef idx="0">
+            <a:schemeClr val="accent1"/>
+          </a:effectRef>
+          <a:fontRef idx="minor">
+            <a:schemeClr val="tx1"/>
+          </a:fontRef>
+        </p:style>
+      </p:cxnSp>
+      <p:cxnSp>
+        <p:nvCxnSpPr>
+          <p:cNvPr id="1709" name=""/>
+          <p:cNvCxnSpPr>
+            <a:stCxn id="1334" idx="1"/>
+          </p:cNvCxnSpPr>
+          <p:nvPr/>
+        </p:nvCxnSpPr>
+        <p:spPr>
+          <a:xfrm rot="10800000">
+            <a:off x="19391424" y="9617762"/>
+            <a:ext cx="551176" cy="0"/>
+          </a:xfrm>
+          <a:prstGeom prst="line">
+            <a:avLst/>
+          </a:prstGeom>
+          <a:ln>
+            <a:solidFill>
+              <a:schemeClr val="dk1"/>
+            </a:solidFill>
+          </a:ln>
+        </p:spPr>
+        <p:style>
+          <a:lnRef idx="1">
+            <a:schemeClr val="accent1"/>
+          </a:lnRef>
+          <a:fillRef idx="0">
+            <a:schemeClr val="accent1"/>
+          </a:fillRef>
+          <a:effectRef idx="0">
+            <a:schemeClr val="accent1"/>
+          </a:effectRef>
+          <a:fontRef idx="minor">
+            <a:schemeClr val="tx1"/>
+          </a:fontRef>
+        </p:style>
+      </p:cxnSp>
+      <p:sp>
+        <p:nvSpPr>
+          <p:cNvPr id="1715" name="직사각형 1044"/>
+          <p:cNvSpPr/>
+          <p:nvPr/>
+        </p:nvSpPr>
+        <p:spPr>
+          <a:xfrm>
+            <a:off x="7938865" y="20660518"/>
+            <a:ext cx="3060382" cy="684085"/>
+          </a:xfrm>
+          <a:prstGeom prst="rect">
+            <a:avLst/>
+          </a:prstGeom>
+          <a:solidFill>
+            <a:srgbClr val="808080"/>
+          </a:solidFill>
+          <a:ln>
+            <a:solidFill>
+              <a:srgbClr val="595959"/>
+            </a:solidFill>
+          </a:ln>
+        </p:spPr>
+        <p:style>
+          <a:lnRef idx="2">
+            <a:schemeClr val="accent5">
+              <a:shade val="50000"/>
+            </a:schemeClr>
+          </a:lnRef>
+          <a:fillRef idx="1">
+            <a:schemeClr val="accent5"/>
+          </a:fillRef>
+          <a:effectRef idx="0">
+            <a:schemeClr val="accent5"/>
+          </a:effectRef>
+          <a:fontRef idx="minor">
+            <a:schemeClr val="lt1"/>
+          </a:fontRef>
+        </p:style>
+        <p:txBody>
+          <a:bodyPr rot="0" vert="horz" wrap="square" lIns="77272" tIns="38641" rIns="77272" bIns="38641" anchor="ctr" anchorCtr="0">
+            <a:prstTxWarp prst="textNoShape">
+              <a:avLst/>
+            </a:prstTxWarp>
+            <a:noAutofit/>
+          </a:bodyPr>
+          <a:lstStyle/>
+          <a:p>
+            <a:pPr algn="ctr">
+              <a:defRPr/>
+            </a:pPr>
+            <a:r>
+              <a:rPr lang="ko-KR" altLang="en-US" sz="2600" b="1"/>
+              <a:t>할인정보</a:t>
+            </a:r>
+            <a:r>
+              <a:rPr lang="en-US" altLang="ko-KR" sz="2600" b="1"/>
+              <a:t> </a:t>
+            </a:r>
+            <a:r>
+              <a:rPr lang="ko-KR" altLang="en-US" sz="2600" b="1"/>
+              <a:t>조회</a:t>
+            </a:r>
+            <a:endParaRPr lang="en-US" altLang="ko-KR" sz="2600" b="1"/>
+          </a:p>
+        </p:txBody>
+      </p:sp>
+      <p:cxnSp>
+        <p:nvCxnSpPr>
+          <p:cNvPr id="1716" name=""/>
+          <p:cNvCxnSpPr/>
+          <p:nvPr/>
+        </p:nvCxnSpPr>
+        <p:spPr>
+          <a:xfrm rot="10800000">
+            <a:off x="7506815" y="20350960"/>
+            <a:ext cx="432050" cy="651602"/>
+          </a:xfrm>
+          <a:prstGeom prst="bentConnector2">
+            <a:avLst/>
+          </a:prstGeom>
+          <a:ln>
+            <a:solidFill>
+              <a:schemeClr val="dk1"/>
+            </a:solidFill>
+          </a:ln>
+        </p:spPr>
+        <p:style>
+          <a:lnRef idx="1">
+            <a:schemeClr val="accent1"/>
+          </a:lnRef>
+          <a:fillRef idx="0">
+            <a:schemeClr val="accent1"/>
+          </a:fillRef>
+          <a:effectRef idx="0">
+            <a:schemeClr val="accent1"/>
+          </a:effectRef>
+          <a:fontRef idx="minor">
+            <a:schemeClr val="tx1"/>
+          </a:fontRef>
+        </p:style>
+      </p:cxnSp>
+      <p:cxnSp>
+        <p:nvCxnSpPr>
+          <p:cNvPr id="1720" name=""/>
+          <p:cNvCxnSpPr>
+            <a:stCxn id="1106" idx="1"/>
+          </p:cNvCxnSpPr>
+          <p:nvPr/>
+        </p:nvCxnSpPr>
+        <p:spPr>
+          <a:xfrm rot="10800000">
+            <a:off x="18997472" y="20217476"/>
+            <a:ext cx="582324" cy="730526"/>
+          </a:xfrm>
+          <a:prstGeom prst="bentConnector2">
+            <a:avLst/>
+          </a:prstGeom>
+          <a:ln>
+            <a:solidFill>
+              <a:schemeClr val="dk1"/>
+            </a:solidFill>
+          </a:ln>
+        </p:spPr>
+        <p:style>
+          <a:lnRef idx="1">
+            <a:schemeClr val="accent1"/>
+          </a:lnRef>
+          <a:fillRef idx="0">
+            <a:schemeClr val="accent1"/>
+          </a:fillRef>
+          <a:effectRef idx="0">
+            <a:schemeClr val="accent1"/>
+          </a:effectRef>
+          <a:fontRef idx="minor">
+            <a:schemeClr val="tx1"/>
+          </a:fontRef>
+        </p:style>
+      </p:cxnSp>
+      <p:cxnSp>
+        <p:nvCxnSpPr>
+          <p:cNvPr id="1723" name=""/>
+          <p:cNvCxnSpPr>
+            <a:stCxn id="1039" idx="1"/>
+          </p:cNvCxnSpPr>
+          <p:nvPr/>
+        </p:nvCxnSpPr>
+        <p:spPr>
+          <a:xfrm rot="10800000">
+            <a:off x="19942608" y="21290048"/>
+            <a:ext cx="486120" cy="2531432"/>
+          </a:xfrm>
+          <a:prstGeom prst="bentConnector2">
+            <a:avLst/>
+          </a:prstGeom>
+          <a:ln>
+            <a:solidFill>
+              <a:schemeClr val="dk1"/>
+            </a:solidFill>
+          </a:ln>
+        </p:spPr>
+        <p:style>
+          <a:lnRef idx="1">
+            <a:schemeClr val="accent1"/>
+          </a:lnRef>
+          <a:fillRef idx="0">
+            <a:schemeClr val="accent1"/>
+          </a:fillRef>
+          <a:effectRef idx="0">
+            <a:schemeClr val="accent1"/>
+          </a:effectRef>
+          <a:fontRef idx="minor">
+            <a:schemeClr val="tx1"/>
+          </a:fontRef>
+        </p:style>
+      </p:cxnSp>
+      <p:cxnSp>
+        <p:nvCxnSpPr>
+          <p:cNvPr id="1726" name=""/>
+          <p:cNvCxnSpPr>
+            <a:endCxn id="1188" idx="1"/>
+          </p:cNvCxnSpPr>
+          <p:nvPr/>
+        </p:nvCxnSpPr>
+        <p:spPr>
+          <a:xfrm>
+            <a:off x="19942600" y="21925614"/>
+            <a:ext cx="433244" cy="0"/>
+          </a:xfrm>
+          <a:prstGeom prst="line">
+            <a:avLst/>
+          </a:prstGeom>
+          <a:ln>
+            <a:solidFill>
+              <a:schemeClr val="dk1"/>
+            </a:solidFill>
+          </a:ln>
+        </p:spPr>
+        <p:style>
+          <a:lnRef idx="1">
+            <a:schemeClr val="accent1"/>
+          </a:lnRef>
+          <a:fillRef idx="0">
+            <a:schemeClr val="accent1"/>
+          </a:fillRef>
+          <a:effectRef idx="0">
+            <a:schemeClr val="accent1"/>
+          </a:effectRef>
+          <a:fontRef idx="minor">
+            <a:schemeClr val="tx1"/>
+          </a:fontRef>
+        </p:style>
+      </p:cxnSp>
+      <p:cxnSp>
+        <p:nvCxnSpPr>
+          <p:cNvPr id="1727" name=""/>
+          <p:cNvCxnSpPr>
+            <a:endCxn id="1040" idx="1"/>
+          </p:cNvCxnSpPr>
+          <p:nvPr/>
+        </p:nvCxnSpPr>
+        <p:spPr>
+          <a:xfrm>
+            <a:off x="19942600" y="22862288"/>
+            <a:ext cx="486128" cy="0"/>
+          </a:xfrm>
+          <a:prstGeom prst="line">
+            <a:avLst/>
+          </a:prstGeom>
+          <a:ln>
+            <a:solidFill>
+              <a:schemeClr val="dk1"/>
+            </a:solidFill>
+          </a:ln>
+        </p:spPr>
+        <p:style>
+          <a:lnRef idx="1">
+            <a:schemeClr val="accent1"/>
+          </a:lnRef>
+          <a:fillRef idx="0">
+            <a:schemeClr val="accent1"/>
+          </a:fillRef>
+          <a:effectRef idx="0">
+            <a:schemeClr val="accent1"/>
+          </a:effectRef>
+          <a:fontRef idx="minor">
+            <a:schemeClr val="tx1"/>
+          </a:fontRef>
+        </p:style>
+      </p:cxnSp>
+      <p:cxnSp>
+        <p:nvCxnSpPr>
+          <p:cNvPr id="1732" name=""/>
+          <p:cNvCxnSpPr/>
+          <p:nvPr/>
+        </p:nvCxnSpPr>
+        <p:spPr>
+          <a:xfrm rot="10800000">
+            <a:off x="13089929" y="20350376"/>
+            <a:ext cx="582324" cy="730526"/>
+          </a:xfrm>
+          <a:prstGeom prst="bentConnector2">
+            <a:avLst/>
+          </a:prstGeom>
+          <a:ln>
+            <a:solidFill>
+              <a:schemeClr val="dk1"/>
+            </a:solidFill>
+          </a:ln>
+        </p:spPr>
+        <p:style>
+          <a:lnRef idx="1">
+            <a:schemeClr val="accent1"/>
+          </a:lnRef>
+          <a:fillRef idx="0">
+            <a:schemeClr val="accent1"/>
+          </a:fillRef>
+          <a:effectRef idx="0">
+            <a:schemeClr val="accent1"/>
+          </a:effectRef>
+          <a:fontRef idx="minor">
+            <a:schemeClr val="tx1"/>
+          </a:fontRef>
+        </p:style>
+      </p:cxnSp>
+      <p:cxnSp>
+        <p:nvCxnSpPr>
+          <p:cNvPr id="1733" name=""/>
+          <p:cNvCxnSpPr>
+            <a:stCxn id="1121" idx="1"/>
+          </p:cNvCxnSpPr>
+          <p:nvPr/>
+        </p:nvCxnSpPr>
+        <p:spPr>
+          <a:xfrm rot="10800000">
+            <a:off x="13996096" y="21333216"/>
+            <a:ext cx="732571" cy="2591936"/>
+          </a:xfrm>
+          <a:prstGeom prst="bentConnector2">
+            <a:avLst/>
+          </a:prstGeom>
+          <a:ln>
+            <a:solidFill>
+              <a:schemeClr val="dk1"/>
+            </a:solidFill>
+          </a:ln>
+        </p:spPr>
+        <p:style>
+          <a:lnRef idx="1">
+            <a:schemeClr val="accent1"/>
+          </a:lnRef>
+          <a:fillRef idx="0">
+            <a:schemeClr val="accent1"/>
+          </a:fillRef>
+          <a:effectRef idx="0">
+            <a:schemeClr val="accent1"/>
+          </a:effectRef>
+          <a:fontRef idx="minor">
+            <a:schemeClr val="tx1"/>
+          </a:fontRef>
+        </p:style>
+      </p:cxnSp>
+      <p:cxnSp>
+        <p:nvCxnSpPr>
+          <p:cNvPr id="1734" name=""/>
+          <p:cNvCxnSpPr>
+            <a:endCxn id="1186" idx="1"/>
+          </p:cNvCxnSpPr>
+          <p:nvPr/>
+        </p:nvCxnSpPr>
+        <p:spPr>
+          <a:xfrm>
+            <a:off x="13996098" y="21978530"/>
+            <a:ext cx="732571" cy="0"/>
+          </a:xfrm>
+          <a:prstGeom prst="line">
+            <a:avLst/>
+          </a:prstGeom>
+          <a:ln>
+            <a:solidFill>
+              <a:schemeClr val="dk1"/>
+            </a:solidFill>
+          </a:ln>
+        </p:spPr>
+        <p:style>
+          <a:lnRef idx="1">
+            <a:schemeClr val="accent1"/>
+          </a:lnRef>
+          <a:fillRef idx="0">
+            <a:schemeClr val="accent1"/>
+          </a:fillRef>
+          <a:effectRef idx="0">
+            <a:schemeClr val="accent1"/>
+          </a:effectRef>
+          <a:fontRef idx="minor">
+            <a:schemeClr val="tx1"/>
+          </a:fontRef>
+        </p:style>
+      </p:cxnSp>
+      <p:cxnSp>
+        <p:nvCxnSpPr>
+          <p:cNvPr id="1735" name=""/>
+          <p:cNvCxnSpPr>
+            <a:endCxn id="1225" idx="1"/>
+          </p:cNvCxnSpPr>
+          <p:nvPr/>
+        </p:nvCxnSpPr>
+        <p:spPr>
+          <a:xfrm>
+            <a:off x="13996098" y="23003074"/>
+            <a:ext cx="732567" cy="0"/>
+          </a:xfrm>
+          <a:prstGeom prst="line">
+            <a:avLst/>
+          </a:prstGeom>
+          <a:ln>
+            <a:solidFill>
+              <a:schemeClr val="dk1"/>
+            </a:solidFill>
+          </a:ln>
+        </p:spPr>
+        <p:style>
+          <a:lnRef idx="1">
+            <a:schemeClr val="accent1"/>
+          </a:lnRef>
+          <a:fillRef idx="0">
+            <a:schemeClr val="accent1"/>
+          </a:fillRef>
+          <a:effectRef idx="0">
+            <a:schemeClr val="accent1"/>
+          </a:effectRef>
+          <a:fontRef idx="minor">
+            <a:schemeClr val="tx1"/>
+          </a:fontRef>
+        </p:style>
+      </p:cxnSp>
+      <p:cxnSp>
+        <p:nvCxnSpPr>
+          <p:cNvPr id="1736" name=""/>
+          <p:cNvCxnSpPr>
+            <a:stCxn id="1109" idx="1"/>
+          </p:cNvCxnSpPr>
+          <p:nvPr/>
+        </p:nvCxnSpPr>
+        <p:spPr>
+          <a:xfrm rot="10800000">
+            <a:off x="8424948" y="21290052"/>
+            <a:ext cx="606092" cy="2678236"/>
+          </a:xfrm>
+          <a:prstGeom prst="bentConnector2">
+            <a:avLst/>
+          </a:prstGeom>
+          <a:ln>
+            <a:solidFill>
+              <a:schemeClr val="dk1"/>
+            </a:solidFill>
+          </a:ln>
+        </p:spPr>
+        <p:style>
+          <a:lnRef idx="1">
+            <a:schemeClr val="accent1"/>
+          </a:lnRef>
+          <a:fillRef idx="0">
+            <a:schemeClr val="accent1"/>
+          </a:fillRef>
+          <a:effectRef idx="0">
+            <a:schemeClr val="accent1"/>
+          </a:effectRef>
+          <a:fontRef idx="minor">
+            <a:schemeClr val="tx1"/>
+          </a:fontRef>
+        </p:style>
+      </p:cxnSp>
+      <p:cxnSp>
+        <p:nvCxnSpPr>
+          <p:cNvPr id="1737" name=""/>
+          <p:cNvCxnSpPr>
+            <a:endCxn id="1180" idx="1"/>
+          </p:cNvCxnSpPr>
+          <p:nvPr/>
+        </p:nvCxnSpPr>
+        <p:spPr>
+          <a:xfrm>
+            <a:off x="8410652" y="21925614"/>
+            <a:ext cx="645696" cy="52916"/>
+          </a:xfrm>
+          <a:prstGeom prst="line">
+            <a:avLst/>
+          </a:prstGeom>
+          <a:ln>
+            <a:solidFill>
+              <a:schemeClr val="dk1"/>
+            </a:solidFill>
+          </a:ln>
+        </p:spPr>
+        <p:style>
+          <a:lnRef idx="1">
+            <a:schemeClr val="accent1"/>
+          </a:lnRef>
+          <a:fillRef idx="0">
+            <a:schemeClr val="accent1"/>
+          </a:fillRef>
+          <a:effectRef idx="0">
+            <a:schemeClr val="accent1"/>
+          </a:effectRef>
+          <a:fontRef idx="minor">
+            <a:schemeClr val="tx1"/>
+          </a:fontRef>
+        </p:style>
+      </p:cxnSp>
+      <p:cxnSp>
+        <p:nvCxnSpPr>
+          <p:cNvPr id="1738" name=""/>
+          <p:cNvCxnSpPr>
+            <a:endCxn id="1265" idx="1"/>
+          </p:cNvCxnSpPr>
+          <p:nvPr/>
+        </p:nvCxnSpPr>
+        <p:spPr>
+          <a:xfrm flipV="1">
+            <a:off x="8410652" y="22971222"/>
+            <a:ext cx="620389" cy="31852"/>
+          </a:xfrm>
+          <a:prstGeom prst="line">
+            <a:avLst/>
+          </a:prstGeom>
+          <a:ln>
+            <a:solidFill>
+              <a:schemeClr val="dk1"/>
+            </a:solidFill>
+          </a:ln>
+        </p:spPr>
+        <p:style>
+          <a:lnRef idx="1">
+            <a:schemeClr val="accent1"/>
+          </a:lnRef>
+          <a:fillRef idx="0">
+            <a:schemeClr val="accent1"/>
+          </a:fillRef>
+          <a:effectRef idx="0">
+            <a:schemeClr val="accent1"/>
+          </a:effectRef>
+          <a:fontRef idx="minor">
+            <a:schemeClr val="tx1"/>
+          </a:fontRef>
+        </p:style>
+      </p:cxnSp>
+      <p:cxnSp>
+        <p:nvCxnSpPr>
+          <p:cNvPr id="1739" name=""/>
+          <p:cNvCxnSpPr>
+            <a:stCxn id="1112" idx="1"/>
+          </p:cNvCxnSpPr>
+          <p:nvPr/>
+        </p:nvCxnSpPr>
+        <p:spPr>
+          <a:xfrm rot="10800000">
+            <a:off x="1721531" y="20217476"/>
+            <a:ext cx="559213" cy="763012"/>
+          </a:xfrm>
+          <a:prstGeom prst="bentConnector2">
+            <a:avLst/>
+          </a:prstGeom>
+          <a:ln>
+            <a:solidFill>
+              <a:schemeClr val="dk1"/>
+            </a:solidFill>
+          </a:ln>
+        </p:spPr>
+        <p:style>
+          <a:lnRef idx="1">
+            <a:schemeClr val="accent1"/>
+          </a:lnRef>
+          <a:fillRef idx="0">
+            <a:schemeClr val="accent1"/>
+          </a:fillRef>
+          <a:effectRef idx="0">
+            <a:schemeClr val="accent1"/>
+          </a:effectRef>
+          <a:fontRef idx="minor">
+            <a:schemeClr val="tx1"/>
+          </a:fontRef>
+        </p:style>
+      </p:cxnSp>
+      <p:cxnSp>
+        <p:nvCxnSpPr>
+          <p:cNvPr id="1741" name=""/>
+          <p:cNvCxnSpPr>
+            <a:stCxn id="1044" idx="1"/>
+          </p:cNvCxnSpPr>
+          <p:nvPr/>
+        </p:nvCxnSpPr>
+        <p:spPr>
+          <a:xfrm rot="10800000">
+            <a:off x="2753044" y="21290052"/>
+            <a:ext cx="634983" cy="2606952"/>
+          </a:xfrm>
+          <a:prstGeom prst="bentConnector2">
+            <a:avLst/>
+          </a:prstGeom>
+          <a:ln>
+            <a:solidFill>
+              <a:schemeClr val="dk1"/>
+            </a:solidFill>
+          </a:ln>
+        </p:spPr>
+        <p:style>
+          <a:lnRef idx="1">
+            <a:schemeClr val="accent1"/>
+          </a:lnRef>
+          <a:fillRef idx="0">
+            <a:schemeClr val="accent1"/>
+          </a:fillRef>
+          <a:effectRef idx="0">
+            <a:schemeClr val="accent1"/>
+          </a:effectRef>
+          <a:fontRef idx="minor">
+            <a:schemeClr val="tx1"/>
+          </a:fontRef>
+        </p:style>
+      </p:cxnSp>
+      <p:cxnSp>
+        <p:nvCxnSpPr>
+          <p:cNvPr id="1742" name=""/>
+          <p:cNvCxnSpPr/>
+          <p:nvPr/>
+        </p:nvCxnSpPr>
+        <p:spPr>
+          <a:xfrm flipV="1">
+            <a:off x="2753044" y="21952072"/>
+            <a:ext cx="608805" cy="26456"/>
+          </a:xfrm>
+          <a:prstGeom prst="line">
+            <a:avLst/>
+          </a:prstGeom>
+          <a:ln>
+            <a:solidFill>
+              <a:schemeClr val="dk1"/>
+            </a:solidFill>
+          </a:ln>
+        </p:spPr>
+        <p:style>
+          <a:lnRef idx="1">
+            <a:schemeClr val="accent1"/>
+          </a:lnRef>
+          <a:fillRef idx="0">
+            <a:schemeClr val="accent1"/>
+          </a:fillRef>
+          <a:effectRef idx="0">
+            <a:schemeClr val="accent1"/>
+          </a:effectRef>
+          <a:fontRef idx="minor">
+            <a:schemeClr val="tx1"/>
+          </a:fontRef>
+        </p:style>
+      </p:cxnSp>
+      <p:cxnSp>
+        <p:nvCxnSpPr>
+          <p:cNvPr id="1743" name=""/>
+          <p:cNvCxnSpPr/>
+          <p:nvPr/>
+        </p:nvCxnSpPr>
+        <p:spPr>
+          <a:xfrm flipV="1">
+            <a:off x="2753044" y="22921692"/>
+            <a:ext cx="634984" cy="49528"/>
+          </a:xfrm>
+          <a:prstGeom prst="line">
+            <a:avLst/>
+          </a:prstGeom>
+          <a:ln>
+            <a:solidFill>
+              <a:schemeClr val="dk1"/>
+            </a:solidFill>
+          </a:ln>
+        </p:spPr>
+        <p:style>
+          <a:lnRef idx="1">
+            <a:schemeClr val="accent1"/>
+          </a:lnRef>
+          <a:fillRef idx="0">
+            <a:schemeClr val="accent1"/>
+          </a:fillRef>
+          <a:effectRef idx="0">
+            <a:schemeClr val="accent1"/>
+          </a:effectRef>
+          <a:fontRef idx="minor">
+            <a:schemeClr val="tx1"/>
+          </a:fontRef>
+        </p:style>
+      </p:cxnSp>
+      <p:cxnSp>
+        <p:nvCxnSpPr>
+          <p:cNvPr id="1744" name=""/>
+          <p:cNvCxnSpPr>
+            <a:endCxn id="1018" idx="0"/>
+          </p:cNvCxnSpPr>
+          <p:nvPr/>
+        </p:nvCxnSpPr>
+        <p:spPr>
+          <a:xfrm rot="16200000" flipH="1">
+            <a:off x="8341602" y="19363334"/>
+            <a:ext cx="613828" cy="0"/>
+          </a:xfrm>
+          <a:prstGeom prst="line">
+            <a:avLst/>
+          </a:prstGeom>
+          <a:ln>
+            <a:solidFill>
+              <a:schemeClr val="dk1"/>
+            </a:solidFill>
+          </a:ln>
+        </p:spPr>
+        <p:style>
+          <a:lnRef idx="1">
+            <a:schemeClr val="accent1"/>
+          </a:lnRef>
+          <a:fillRef idx="0">
+            <a:schemeClr val="accent1"/>
+          </a:fillRef>
+          <a:effectRef idx="0">
+            <a:schemeClr val="accent1"/>
+          </a:effectRef>
+          <a:fontRef idx="minor">
+            <a:schemeClr val="tx1"/>
+          </a:fontRef>
+        </p:style>
+      </p:cxnSp>
+      <p:cxnSp>
+        <p:nvCxnSpPr>
+          <p:cNvPr id="1745" name=""/>
+          <p:cNvCxnSpPr>
+            <a:endCxn id="1119" idx="0"/>
+          </p:cNvCxnSpPr>
+          <p:nvPr/>
+        </p:nvCxnSpPr>
+        <p:spPr>
+          <a:xfrm rot="16200000" flipH="1">
+            <a:off x="14058541" y="19360264"/>
+            <a:ext cx="609870" cy="2186"/>
+          </a:xfrm>
+          <a:prstGeom prst="line">
+            <a:avLst/>
+          </a:prstGeom>
+        </p:spPr>
+        <p:style>
+          <a:lnRef idx="1">
+            <a:schemeClr val="accent1"/>
+          </a:lnRef>
+          <a:fillRef idx="0">
+            <a:schemeClr val="accent1"/>
+          </a:fillRef>
+          <a:effectRef idx="0">
+            <a:schemeClr val="accent1"/>
+          </a:effectRef>
+          <a:fontRef idx="minor">
+            <a:schemeClr val="tx1"/>
+          </a:fontRef>
+        </p:style>
+      </p:cxnSp>
+      <p:cxnSp>
+        <p:nvCxnSpPr>
+          <p:cNvPr id="1751" name=""/>
+          <p:cNvCxnSpPr>
+            <a:endCxn id="1283" idx="1"/>
+          </p:cNvCxnSpPr>
+          <p:nvPr/>
+        </p:nvCxnSpPr>
+        <p:spPr>
+          <a:xfrm rot="16200000" flipH="1">
+            <a:off x="44655728" y="8600304"/>
+            <a:ext cx="787288" cy="638272"/>
+          </a:xfrm>
+          <a:prstGeom prst="bentConnector2">
+            <a:avLst/>
+          </a:prstGeom>
+          <a:ln>
+            <a:solidFill>
+              <a:schemeClr val="dk1"/>
+            </a:solidFill>
+          </a:ln>
+        </p:spPr>
+        <p:style>
+          <a:lnRef idx="1">
+            <a:schemeClr val="accent1"/>
+          </a:lnRef>
+          <a:fillRef idx="0">
+            <a:schemeClr val="accent1"/>
+          </a:fillRef>
+          <a:effectRef idx="0">
+            <a:schemeClr val="accent1"/>
+          </a:effectRef>
+          <a:fontRef idx="minor">
+            <a:schemeClr val="tx1"/>
+          </a:fontRef>
+        </p:style>
+      </p:cxnSp>
+      <p:cxnSp>
+        <p:nvCxnSpPr>
+          <p:cNvPr id="1754" name=""/>
+          <p:cNvCxnSpPr>
+            <a:stCxn id="1281" idx="1"/>
+          </p:cNvCxnSpPr>
+          <p:nvPr/>
+        </p:nvCxnSpPr>
+        <p:spPr>
+          <a:xfrm rot="10800000" flipV="1">
+            <a:off x="43455392" y="8183752"/>
+            <a:ext cx="959712" cy="0"/>
+          </a:xfrm>
+          <a:prstGeom prst="line">
+            <a:avLst/>
+          </a:prstGeom>
+          <a:ln w="12700">
+            <a:solidFill>
+              <a:schemeClr val="dk1"/>
+            </a:solidFill>
+          </a:ln>
+        </p:spPr>
+        <p:style>
+          <a:lnRef idx="1">
+            <a:schemeClr val="accent1"/>
+          </a:lnRef>
+          <a:fillRef idx="0">
+            <a:schemeClr val="accent1"/>
+          </a:fillRef>
+          <a:effectRef idx="0">
+            <a:schemeClr val="accent1"/>
+          </a:effectRef>
+          <a:fontRef idx="minor">
+            <a:schemeClr val="tx1"/>
+          </a:fontRef>
+        </p:style>
+      </p:cxnSp>
+      <p:cxnSp>
+        <p:nvCxnSpPr>
+          <p:cNvPr id="1755" name=""/>
+          <p:cNvCxnSpPr>
+            <a:stCxn id="1284" idx="1"/>
+          </p:cNvCxnSpPr>
+          <p:nvPr/>
+        </p:nvCxnSpPr>
+        <p:spPr>
+          <a:xfrm rot="10800000">
+            <a:off x="45816664" y="9655126"/>
+            <a:ext cx="591992" cy="1735324"/>
+          </a:xfrm>
+          <a:prstGeom prst="bentConnector2">
+            <a:avLst/>
+          </a:prstGeom>
+          <a:ln>
+            <a:solidFill>
+              <a:schemeClr val="dk1"/>
+            </a:solidFill>
+          </a:ln>
+        </p:spPr>
+        <p:style>
+          <a:lnRef idx="1">
+            <a:schemeClr val="accent1"/>
+          </a:lnRef>
+          <a:fillRef idx="0">
+            <a:schemeClr val="accent1"/>
+          </a:fillRef>
+          <a:effectRef idx="0">
+            <a:schemeClr val="accent1"/>
+          </a:effectRef>
+          <a:fontRef idx="minor">
+            <a:schemeClr val="tx1"/>
+          </a:fontRef>
+        </p:style>
+      </p:cxnSp>
+      <p:cxnSp>
+        <p:nvCxnSpPr>
+          <p:cNvPr id="1756" name=""/>
+          <p:cNvCxnSpPr>
+            <a:stCxn id="1364" idx="1"/>
+          </p:cNvCxnSpPr>
+          <p:nvPr/>
+        </p:nvCxnSpPr>
+        <p:spPr>
+          <a:xfrm rot="10800000">
+            <a:off x="45816664" y="10364318"/>
+            <a:ext cx="591992" cy="2"/>
+          </a:xfrm>
+          <a:prstGeom prst="line">
+            <a:avLst/>
+          </a:prstGeom>
+          <a:ln>
+            <a:solidFill>
+              <a:schemeClr val="dk1"/>
+            </a:solidFill>
+          </a:ln>
+        </p:spPr>
+        <p:style>
+          <a:lnRef idx="1">
+            <a:schemeClr val="accent1"/>
+          </a:lnRef>
+          <a:fillRef idx="0">
+            <a:schemeClr val="accent1"/>
+          </a:fillRef>
+          <a:effectRef idx="0">
+            <a:schemeClr val="accent1"/>
+          </a:effectRef>
+          <a:fontRef idx="minor">
+            <a:schemeClr val="tx1"/>
+          </a:fontRef>
+        </p:style>
+      </p:cxnSp>
+      <p:cxnSp>
+        <p:nvCxnSpPr>
+          <p:cNvPr id="1757" name=""/>
+          <p:cNvCxnSpPr>
+            <a:endCxn id="1061" idx="1"/>
+          </p:cNvCxnSpPr>
+          <p:nvPr/>
+        </p:nvCxnSpPr>
+        <p:spPr>
+          <a:xfrm>
+            <a:off x="32200640" y="14400212"/>
+            <a:ext cx="1639888" cy="952294"/>
+          </a:xfrm>
+          <a:prstGeom prst="bentConnector3">
+            <a:avLst>
+              <a:gd name="adj1" fmla="val 50000"/>
+            </a:avLst>
+          </a:prstGeom>
+          <a:ln>
+            <a:solidFill>
+              <a:schemeClr val="dk1"/>
+            </a:solidFill>
+          </a:ln>
+        </p:spPr>
+        <p:style>
+          <a:lnRef idx="1">
+            <a:schemeClr val="accent1"/>
+          </a:lnRef>
+          <a:fillRef idx="0">
+            <a:schemeClr val="accent1"/>
+          </a:fillRef>
+          <a:effectRef idx="0">
+            <a:schemeClr val="accent1"/>
+          </a:effectRef>
+          <a:fontRef idx="minor">
+            <a:schemeClr val="tx1"/>
+          </a:fontRef>
+        </p:style>
+      </p:cxnSp>
+      <p:sp>
+        <p:nvSpPr>
+          <p:cNvPr id="1758" name="직사각형 1177"/>
+          <p:cNvSpPr/>
+          <p:nvPr/>
+        </p:nvSpPr>
+        <p:spPr>
+          <a:xfrm>
+            <a:off x="3388028" y="21636488"/>
+            <a:ext cx="3060382" cy="684085"/>
+          </a:xfrm>
+          <a:prstGeom prst="rect">
+            <a:avLst/>
+          </a:prstGeom>
+          <a:solidFill>
+            <a:srgbClr val="808080"/>
+          </a:solidFill>
+          <a:ln>
+            <a:solidFill>
+              <a:srgbClr val="595959"/>
+            </a:solidFill>
+          </a:ln>
+        </p:spPr>
+        <p:style>
+          <a:lnRef idx="2">
+            <a:schemeClr val="accent5">
+              <a:shade val="50000"/>
+            </a:schemeClr>
+          </a:lnRef>
+          <a:fillRef idx="1">
+            <a:schemeClr val="accent5"/>
+          </a:fillRef>
+          <a:effectRef idx="0">
+            <a:schemeClr val="accent5"/>
+          </a:effectRef>
+          <a:fontRef idx="minor">
+            <a:schemeClr val="lt1"/>
+          </a:fontRef>
+        </p:style>
+        <p:txBody>
+          <a:bodyPr rot="0" vert="horz" wrap="square" lIns="77272" tIns="38641" rIns="77272" bIns="38641" anchor="ctr" anchorCtr="0">
+            <a:prstTxWarp prst="textNoShape">
+              <a:avLst/>
+            </a:prstTxWarp>
+            <a:noAutofit/>
+          </a:bodyPr>
+          <a:lstStyle/>
+          <a:p>
+            <a:pPr algn="ctr">
+              <a:defRPr/>
+            </a:pPr>
+            <a:r>
+              <a:rPr lang="ko-KR" altLang="en-US" sz="2600" b="1"/>
+              <a:t>게시글 검색</a:t>
+            </a:r>
+            <a:endParaRPr lang="ko-KR" altLang="en-US" sz="2600" b="1"/>
+          </a:p>
+        </p:txBody>
+      </p:sp>
+      <p:sp>
+        <p:nvSpPr>
+          <p:cNvPr id="1759" name="직사각형 1236"/>
+          <p:cNvSpPr/>
+          <p:nvPr/>
+        </p:nvSpPr>
+        <p:spPr>
+          <a:xfrm>
+            <a:off x="3388028" y="22593528"/>
+            <a:ext cx="3060382" cy="684085"/>
+          </a:xfrm>
+          <a:prstGeom prst="rect">
+            <a:avLst/>
+          </a:prstGeom>
+          <a:ln>
+            <a:solidFill>
+              <a:srgbClr val="008000"/>
+            </a:solidFill>
+          </a:ln>
+        </p:spPr>
+        <p:style>
+          <a:lnRef idx="2">
+            <a:schemeClr val="accent6">
+              <a:shade val="50000"/>
+            </a:schemeClr>
+          </a:lnRef>
+          <a:fillRef idx="1">
+            <a:schemeClr val="accent6"/>
+          </a:fillRef>
+          <a:effectRef idx="0">
+            <a:schemeClr val="accent6"/>
+          </a:effectRef>
+          <a:fontRef idx="minor">
+            <a:schemeClr val="lt1"/>
+          </a:fontRef>
+        </p:style>
+        <p:txBody>
+          <a:bodyPr rot="0" vert="horz" wrap="square" lIns="77272" tIns="38641" rIns="77272" bIns="38641" anchor="ctr" anchorCtr="0">
+            <a:prstTxWarp prst="textNoShape">
+              <a:avLst/>
+            </a:prstTxWarp>
+            <a:noAutofit/>
+          </a:bodyPr>
+          <a:lstStyle/>
+          <a:p>
+            <a:pPr algn="ctr">
+              <a:defRPr/>
+            </a:pPr>
+            <a:r>
+              <a:rPr lang="ko-KR" altLang="en-US" sz="2600" b="1"/>
+              <a:t>게시글 등록</a:t>
+            </a:r>
+            <a:endParaRPr lang="ko-KR" altLang="en-US" sz="2600" b="1"/>
+          </a:p>
+        </p:txBody>
+      </p:sp>
     </p:spTree>
-    <p:extLst>
-      <p:ext uri="{BB962C8B-B14F-4D97-AF65-F5344CB8AC3E}">
-        <p14:creationId xmlns:p14="http://schemas.microsoft.com/office/powerpoint/2010/main" val="2327319681"/>
-      </p:ext>
-    </p:extLst>
   </p:cSld>
   <p:clrMapOvr>
     <a:masterClrMapping/>
   </p:clrMapOvr>
-  <mc:AlternateContent xmlns:mc="http://schemas.openxmlformats.org/markup-compatibility/2006" xmlns:p14="http://schemas.microsoft.com/office/powerpoint/2010/main">
-    <mc:Choice Requires="p14">
-      <p:transition/>
+  <mc:AlternateContent xmlns:mc="http://schemas.openxmlformats.org/markup-compatibility/2006">
+    <mc:Choice xmlns:p14="http://schemas.microsoft.com/office/powerpoint/2010/main" Requires="p14">
+      <p:transition xmlns:mc="http://schemas.openxmlformats.org/markup-compatibility/2006" xmlns:p14="http://schemas.microsoft.com/office/powerpoint/2010/main" mc:Ignorable="p14" p14:dur="500"/>
     </mc:Choice>
-    <mc:Fallback xmlns:dsp="http://schemas.microsoft.com/office/drawing/2008/diagram" xmlns:dgm="http://schemas.openxmlformats.org/drawingml/2006/diagram" xmlns:c="http://schemas.openxmlformats.org/drawingml/2006/chart" xmlns="">
+    <mc:Fallback>
       <p:transition/>
     </mc:Fallback>
   </mc:AlternateContent>
@@ -31633,49 +29642,49 @@
 </file>
 
 <file path=ppt/theme/theme1.xml><?xml version="1.0" encoding="utf-8"?>
-<a:theme xmlns:a="http://schemas.openxmlformats.org/drawingml/2006/main" name="Office 테마">
+<a:theme xmlns:r="http://schemas.openxmlformats.org/officeDocument/2006/relationships" xmlns:c="http://schemas.openxmlformats.org/drawingml/2006/chart" xmlns:dgm="http://schemas.openxmlformats.org/drawingml/2006/diagram" xmlns:dsp="http://schemas.microsoft.com/office/drawing/2008/diagram" xmlns:a="http://schemas.openxmlformats.org/drawingml/2006/main" xmlns:pic="http://schemas.openxmlformats.org/drawingml/2006/picture" xmlns:wp="http://schemas.openxmlformats.org/drawingml/2006/wordprocessingDrawing" xmlns:xdr="http://schemas.openxmlformats.org/drawingml/2006/spreadsheetDrawing" xmlns:p="http://schemas.openxmlformats.org/presentationml/2006/main" name="Office 테마">
   <a:themeElements>
     <a:clrScheme name="Office 테마">
       <a:dk1>
         <a:sysClr val="windowText" lastClr="000000"/>
       </a:dk1>
       <a:lt1>
-        <a:sysClr val="window" lastClr="FFFFFF"/>
+        <a:sysClr val="window" lastClr="ffffff"/>
       </a:lt1>
       <a:dk2>
-        <a:srgbClr val="44546A"/>
+        <a:srgbClr val="44546a"/>
       </a:dk2>
       <a:lt2>
-        <a:srgbClr val="E7E6E6"/>
+        <a:srgbClr val="e7e6e6"/>
       </a:lt2>
       <a:accent1>
-        <a:srgbClr val="4472C4"/>
+        <a:srgbClr val="4472c4"/>
       </a:accent1>
       <a:accent2>
-        <a:srgbClr val="ED7D31"/>
+        <a:srgbClr val="ed7d31"/>
       </a:accent2>
       <a:accent3>
-        <a:srgbClr val="A5A5A5"/>
+        <a:srgbClr val="a5a5a5"/>
       </a:accent3>
       <a:accent4>
-        <a:srgbClr val="FFC000"/>
+        <a:srgbClr val="ffc000"/>
       </a:accent4>
       <a:accent5>
-        <a:srgbClr val="5B9BD5"/>
+        <a:srgbClr val="5b9bd5"/>
       </a:accent5>
       <a:accent6>
-        <a:srgbClr val="70AD47"/>
+        <a:srgbClr val="70ad47"/>
       </a:accent6>
       <a:hlink>
-        <a:srgbClr val="0563C1"/>
+        <a:srgbClr val="0563c1"/>
       </a:hlink>
       <a:folHlink>
-        <a:srgbClr val="954F72"/>
+        <a:srgbClr val="954f72"/>
       </a:folHlink>
     </a:clrScheme>
     <a:fontScheme name="Office 테마">
       <a:majorFont>
-        <a:latin typeface="Calibri Light" panose="20000000000000000000"/>
+        <a:latin typeface="Calibri Light" panose="2147483647"/>
         <a:ea typeface=""/>
         <a:cs typeface=""/>
         <a:font script="Jpan" typeface="Yu Gothic Light"/>
@@ -31710,7 +29719,7 @@
         <a:font script="Geor" typeface="Sylfaen"/>
       </a:majorFont>
       <a:minorFont>
-        <a:latin typeface="Calibri" panose="20000000000000000000"/>
+        <a:latin typeface="Calibri" panose="2147483647"/>
         <a:ea typeface=""/>
         <a:cs typeface=""/>
         <a:font script="Jpan" typeface="Yu Gothic"/>
@@ -31883,55 +29892,53 @@
       </a:bgFillStyleLst>
     </a:fmtScheme>
   </a:themeElements>
-  <a:objectDefaults/>
-  <a:extraClrSchemeLst/>
 </a:theme>
 </file>
 
 <file path=ppt/theme/theme2.xml><?xml version="1.0" encoding="utf-8"?>
-<a:theme xmlns:a="http://schemas.openxmlformats.org/drawingml/2006/main" name="Office 테마">
+<a:theme xmlns:r="http://schemas.openxmlformats.org/officeDocument/2006/relationships" xmlns:c="http://schemas.openxmlformats.org/drawingml/2006/chart" xmlns:dgm="http://schemas.openxmlformats.org/drawingml/2006/diagram" xmlns:dsp="http://schemas.microsoft.com/office/drawing/2008/diagram" xmlns:a="http://schemas.openxmlformats.org/drawingml/2006/main" xmlns:pic="http://schemas.openxmlformats.org/drawingml/2006/picture" xmlns:wp="http://schemas.openxmlformats.org/drawingml/2006/wordprocessingDrawing" xmlns:xdr="http://schemas.openxmlformats.org/drawingml/2006/spreadsheetDrawing" xmlns:p="http://schemas.openxmlformats.org/presentationml/2006/main" name="Office 테마">
   <a:themeElements>
     <a:clrScheme name="Office">
       <a:dk1>
         <a:sysClr val="windowText" lastClr="000000"/>
       </a:dk1>
       <a:lt1>
-        <a:sysClr val="window" lastClr="FFFFFF"/>
+        <a:sysClr val="window" lastClr="ffffff"/>
       </a:lt1>
       <a:dk2>
-        <a:srgbClr val="44546A"/>
+        <a:srgbClr val="44546a"/>
       </a:dk2>
       <a:lt2>
-        <a:srgbClr val="E7E6E6"/>
+        <a:srgbClr val="e7e6e6"/>
       </a:lt2>
       <a:accent1>
-        <a:srgbClr val="4472C4"/>
+        <a:srgbClr val="4472c4"/>
       </a:accent1>
       <a:accent2>
-        <a:srgbClr val="ED7D31"/>
+        <a:srgbClr val="ed7d31"/>
       </a:accent2>
       <a:accent3>
-        <a:srgbClr val="A5A5A5"/>
+        <a:srgbClr val="a5a5a5"/>
       </a:accent3>
       <a:accent4>
-        <a:srgbClr val="FFC000"/>
+        <a:srgbClr val="ffc000"/>
       </a:accent4>
       <a:accent5>
-        <a:srgbClr val="5B9BD5"/>
+        <a:srgbClr val="5b9bd5"/>
       </a:accent5>
       <a:accent6>
-        <a:srgbClr val="70AD47"/>
+        <a:srgbClr val="70ad47"/>
       </a:accent6>
       <a:hlink>
-        <a:srgbClr val="0563C1"/>
+        <a:srgbClr val="0563c1"/>
       </a:hlink>
       <a:folHlink>
-        <a:srgbClr val="954F72"/>
+        <a:srgbClr val="954f72"/>
       </a:folHlink>
     </a:clrScheme>
     <a:fontScheme name="Office">
       <a:majorFont>
-        <a:latin typeface="맑은 고딕" panose="20000000000000000000"/>
+        <a:latin typeface="맑은 고딕" panose="2147483647"/>
         <a:ea typeface=""/>
         <a:cs typeface=""/>
         <a:font script="Jpan" typeface="Yu Gothic Light"/>
@@ -31983,7 +29990,7 @@
         <a:font script="Tfng" typeface="Ebrima"/>
       </a:majorFont>
       <a:minorFont>
-        <a:latin typeface="맑은 고딕" panose="20000000000000000000"/>
+        <a:latin typeface="맑은 고딕" panose="2147483647"/>
         <a:ea typeface=""/>
         <a:cs typeface=""/>
         <a:font script="Jpan" typeface="Yu Gothic"/>
@@ -32173,7 +30180,5 @@
       </a:bgFillStyleLst>
     </a:fmtScheme>
   </a:themeElements>
-  <a:objectDefaults/>
-  <a:extraClrSchemeLst/>
 </a:theme>
 </file>
--- a/2조 멀티플렉스 영화관 관리 시스템 메뉴구조도.pptx
+++ b/2조 멀티플렉스 영화관 관리 시스템 메뉴구조도.pptx
@@ -1,15 +1,15 @@
 
 <file path=ppt/presentation.xml><?xml version="1.0" encoding="utf-8"?>
-<p:presentation xmlns:r="http://schemas.openxmlformats.org/officeDocument/2006/relationships" xmlns:c="http://schemas.openxmlformats.org/drawingml/2006/chart" xmlns:a="http://schemas.openxmlformats.org/drawingml/2006/main" xmlns:dgm="http://schemas.openxmlformats.org/drawingml/2006/diagram" xmlns:dsp="http://schemas.microsoft.com/office/drawing/2008/diagram" xmlns:p="http://schemas.openxmlformats.org/presentationml/2006/main" saveSubsetFonts="1">
+<p:presentation xmlns:a="http://schemas.openxmlformats.org/drawingml/2006/main" xmlns:r="http://schemas.openxmlformats.org/officeDocument/2006/relationships" xmlns:p="http://schemas.openxmlformats.org/presentationml/2006/main" saveSubsetFonts="1">
   <p:sldMasterIdLst>
     <p:sldMasterId id="2147483801" r:id="rId1"/>
   </p:sldMasterIdLst>
   <p:notesMasterIdLst>
-    <p:notesMasterId r:id="rId2"/>
+    <p:notesMasterId r:id="rId4"/>
   </p:notesMasterIdLst>
   <p:sldIdLst>
-    <p:sldId id="256" r:id="rId3"/>
-    <p:sldId id="257" r:id="rId4"/>
+    <p:sldId id="256" r:id="rId2"/>
+    <p:sldId id="257" r:id="rId3"/>
   </p:sldIdLst>
   <p:sldSz cx="51120675" cy="28800425"/>
   <p:notesSz cx="6858000" cy="9144000"/>
@@ -108,17 +108,33 @@
       </a:defRPr>
     </a:lvl9pPr>
   </p:defaultTextStyle>
+  <p:extLst>
+    <p:ext uri="{EFAFB233-063F-42B5-8137-9DF3F51BA10A}">
+      <p15:sldGuideLst xmlns:p15="http://schemas.microsoft.com/office/powerpoint/2012/main">
+        <p15:guide id="1" orient="horz" pos="10112">
+          <p15:clr>
+            <a:srgbClr val="A4A3A4"/>
+          </p15:clr>
+        </p15:guide>
+        <p15:guide id="2" pos="13103">
+          <p15:clr>
+            <a:srgbClr val="A4A3A4"/>
+          </p15:clr>
+        </p15:guide>
+      </p15:sldGuideLst>
+    </p:ext>
+  </p:extLst>
 </p:presentation>
 </file>
 
 <file path=ppt/commentAuthors.xml><?xml version="1.0" encoding="utf-8"?>
-<p:cmAuthorLst xmlns:r="http://schemas.openxmlformats.org/officeDocument/2006/relationships" xmlns:c="http://schemas.openxmlformats.org/drawingml/2006/chart" xmlns:a="http://schemas.openxmlformats.org/drawingml/2006/main" xmlns:dgm="http://schemas.openxmlformats.org/drawingml/2006/diagram" xmlns:dsp="http://schemas.microsoft.com/office/drawing/2008/diagram" xmlns:p="http://schemas.openxmlformats.org/presentationml/2006/main">
+<p:cmAuthorLst xmlns:a="http://schemas.openxmlformats.org/drawingml/2006/main" xmlns:r="http://schemas.openxmlformats.org/officeDocument/2006/relationships" xmlns:p="http://schemas.openxmlformats.org/presentationml/2006/main">
   <p:cmAuthor id="1" name="sist" initials="s" lastIdx="1" clrIdx="0"/>
 </p:cmAuthorLst>
 </file>
 
 <file path=ppt/notesMasters/notesMaster1.xml><?xml version="1.0" encoding="utf-8"?>
-<p:notesMaster xmlns:r="http://schemas.openxmlformats.org/officeDocument/2006/relationships" xmlns:c="http://schemas.openxmlformats.org/drawingml/2006/chart" xmlns:a="http://schemas.openxmlformats.org/drawingml/2006/main" xmlns:dgm="http://schemas.openxmlformats.org/drawingml/2006/diagram" xmlns:dsp="http://schemas.microsoft.com/office/drawing/2008/diagram" xmlns:p="http://schemas.openxmlformats.org/presentationml/2006/main">
+<p:notesMaster xmlns:a="http://schemas.openxmlformats.org/drawingml/2006/main" xmlns:r="http://schemas.openxmlformats.org/officeDocument/2006/relationships" xmlns:p="http://schemas.openxmlformats.org/presentationml/2006/main">
   <p:cSld>
     <p:bg>
       <p:bgRef idx="1001">
@@ -146,7 +162,7 @@
             <a:spLocks noGrp="1"/>
           </p:cNvSpPr>
           <p:nvPr>
-            <p:ph type="hdr" sz="quarter" idx="0"/>
+            <p:ph type="hdr" sz="quarter"/>
           </p:nvPr>
         </p:nvSpPr>
         <p:spPr>
@@ -169,10 +185,6 @@
             <a:pPr lvl="0">
               <a:defRPr/>
             </a:pPr>
-            <a:r>
-              <a:rPr lang="ko-KR" altLang="en-US"/>
-              <a:t/>
-            </a:r>
             <a:endParaRPr lang="ko-KR" altLang="en-US"/>
           </a:p>
         </p:txBody>
@@ -284,7 +296,6 @@
               <a:rPr lang="ko-KR" altLang="en-US"/>
               <a:t>마스터 텍스트 스타일을 편집하려면 클릭</a:t>
             </a:r>
-            <a:endParaRPr lang="ko-KR" altLang="en-US"/>
           </a:p>
           <a:p>
             <a:pPr lvl="1">
@@ -294,7 +305,6 @@
               <a:rPr lang="ko-KR" altLang="en-US"/>
               <a:t>두 번째 수준</a:t>
             </a:r>
-            <a:endParaRPr lang="ko-KR" altLang="en-US"/>
           </a:p>
           <a:p>
             <a:pPr lvl="2">
@@ -304,7 +314,6 @@
               <a:rPr lang="ko-KR" altLang="en-US"/>
               <a:t>세 번째 수준</a:t>
             </a:r>
-            <a:endParaRPr lang="ko-KR" altLang="en-US"/>
           </a:p>
           <a:p>
             <a:pPr lvl="3">
@@ -314,7 +323,6 @@
               <a:rPr lang="ko-KR" altLang="en-US"/>
               <a:t>네 번째 수준</a:t>
             </a:r>
-            <a:endParaRPr lang="ko-KR" altLang="en-US"/>
           </a:p>
           <a:p>
             <a:pPr lvl="4">
@@ -324,7 +332,6 @@
               <a:rPr lang="ko-KR" altLang="en-US"/>
               <a:t>다섯 번째 수준</a:t>
             </a:r>
-            <a:endParaRPr lang="ko-KR" altLang="en-US"/>
           </a:p>
         </p:txBody>
       </p:sp>
@@ -358,10 +365,6 @@
             <a:pPr lvl="0">
               <a:defRPr/>
             </a:pPr>
-            <a:r>
-              <a:rPr lang="ko-KR" altLang="en-US"/>
-              <a:t/>
-            </a:r>
             <a:endParaRPr lang="ko-KR" altLang="en-US"/>
           </a:p>
         </p:txBody>
@@ -507,7 +510,7 @@
 </file>
 
 <file path=ppt/notesSlides/notesSlide1.xml><?xml version="1.0" encoding="utf-8"?>
-<p:notes xmlns:r="http://schemas.openxmlformats.org/officeDocument/2006/relationships" xmlns:c="http://schemas.openxmlformats.org/drawingml/2006/chart" xmlns:a="http://schemas.openxmlformats.org/drawingml/2006/main" xmlns:dgm="http://schemas.openxmlformats.org/drawingml/2006/diagram" xmlns:dsp="http://schemas.microsoft.com/office/drawing/2008/diagram" xmlns:p="http://schemas.openxmlformats.org/presentationml/2006/main">
+<p:notes xmlns:a="http://schemas.openxmlformats.org/drawingml/2006/main" xmlns:r="http://schemas.openxmlformats.org/officeDocument/2006/relationships" xmlns:p="http://schemas.openxmlformats.org/presentationml/2006/main">
   <p:cSld>
     <p:spTree>
       <p:nvGrpSpPr>
@@ -530,7 +533,7 @@
             <a:spLocks noGrp="1" noRot="1" noChangeAspect="1" noTextEdit="1"/>
           </p:cNvSpPr>
           <p:nvPr>
-            <p:ph type="sldImg" idx="0"/>
+            <p:ph type="sldImg"/>
           </p:nvPr>
         </p:nvSpPr>
         <p:spPr/>
@@ -553,10 +556,6 @@
             <a:pPr lvl="0">
               <a:defRPr/>
             </a:pPr>
-            <a:r>
-              <a:rPr lang="ko-KR" altLang="en-US"/>
-              <a:t/>
-            </a:r>
             <a:endParaRPr lang="ko-KR" altLang="en-US"/>
           </a:p>
         </p:txBody>
@@ -599,7 +598,7 @@
 </file>
 
 <file path=ppt/notesSlides/notesSlide2.xml><?xml version="1.0" encoding="utf-8"?>
-<p:notes xmlns:r="http://schemas.openxmlformats.org/officeDocument/2006/relationships" xmlns:c="http://schemas.openxmlformats.org/drawingml/2006/chart" xmlns:a="http://schemas.openxmlformats.org/drawingml/2006/main" xmlns:dgm="http://schemas.openxmlformats.org/drawingml/2006/diagram" xmlns:dsp="http://schemas.microsoft.com/office/drawing/2008/diagram" xmlns:p="http://schemas.openxmlformats.org/presentationml/2006/main">
+<p:notes xmlns:a="http://schemas.openxmlformats.org/drawingml/2006/main" xmlns:r="http://schemas.openxmlformats.org/officeDocument/2006/relationships" xmlns:p="http://schemas.openxmlformats.org/presentationml/2006/main">
   <p:cSld>
     <p:spTree>
       <p:nvGrpSpPr>
@@ -622,7 +621,7 @@
             <a:spLocks noGrp="1" noRot="1" noChangeAspect="1" noTextEdit="1"/>
           </p:cNvSpPr>
           <p:nvPr>
-            <p:ph type="sldImg" idx="0"/>
+            <p:ph type="sldImg"/>
           </p:nvPr>
         </p:nvSpPr>
         <p:spPr/>
@@ -645,10 +644,6 @@
             <a:pPr lvl="0">
               <a:defRPr/>
             </a:pPr>
-            <a:r>
-              <a:rPr lang="ko-KR" altLang="en-US"/>
-              <a:t/>
-            </a:r>
             <a:endParaRPr lang="ko-KR" altLang="en-US"/>
           </a:p>
         </p:txBody>
@@ -821,7 +816,7 @@
           <a:p>
             <a:fld id="{8E10840F-E741-4E2E-8166-6116B33385D1}" type="datetimeFigureOut">
               <a:rPr lang="ko-KR" altLang="en-US" smtClean="0"/>
-              <a:t>2019-12-24</a:t>
+              <a:t>2019-12-26</a:t>
             </a:fld>
             <a:endParaRPr lang="ko-KR" altLang="en-US"/>
           </a:p>
@@ -991,7 +986,7 @@
           <a:p>
             <a:fld id="{8E10840F-E741-4E2E-8166-6116B33385D1}" type="datetimeFigureOut">
               <a:rPr lang="ko-KR" altLang="en-US" smtClean="0"/>
-              <a:t>2019-12-24</a:t>
+              <a:t>2019-12-26</a:t>
             </a:fld>
             <a:endParaRPr lang="ko-KR" altLang="en-US"/>
           </a:p>
@@ -1171,7 +1166,7 @@
           <a:p>
             <a:fld id="{8E10840F-E741-4E2E-8166-6116B33385D1}" type="datetimeFigureOut">
               <a:rPr lang="ko-KR" altLang="en-US" smtClean="0"/>
-              <a:t>2019-12-24</a:t>
+              <a:t>2019-12-26</a:t>
             </a:fld>
             <a:endParaRPr lang="ko-KR" altLang="en-US"/>
           </a:p>
@@ -1341,7 +1336,7 @@
           <a:p>
             <a:fld id="{8E10840F-E741-4E2E-8166-6116B33385D1}" type="datetimeFigureOut">
               <a:rPr lang="ko-KR" altLang="en-US" smtClean="0"/>
-              <a:t>2019-12-24</a:t>
+              <a:t>2019-12-26</a:t>
             </a:fld>
             <a:endParaRPr lang="ko-KR" altLang="en-US"/>
           </a:p>
@@ -1587,7 +1582,7 @@
           <a:p>
             <a:fld id="{8E10840F-E741-4E2E-8166-6116B33385D1}" type="datetimeFigureOut">
               <a:rPr lang="ko-KR" altLang="en-US" smtClean="0"/>
-              <a:t>2019-12-24</a:t>
+              <a:t>2019-12-26</a:t>
             </a:fld>
             <a:endParaRPr lang="ko-KR" altLang="en-US"/>
           </a:p>
@@ -1819,7 +1814,7 @@
           <a:p>
             <a:fld id="{8E10840F-E741-4E2E-8166-6116B33385D1}" type="datetimeFigureOut">
               <a:rPr lang="ko-KR" altLang="en-US" smtClean="0"/>
-              <a:t>2019-12-24</a:t>
+              <a:t>2019-12-26</a:t>
             </a:fld>
             <a:endParaRPr lang="ko-KR" altLang="en-US"/>
           </a:p>
@@ -2186,7 +2181,7 @@
           <a:p>
             <a:fld id="{8E10840F-E741-4E2E-8166-6116B33385D1}" type="datetimeFigureOut">
               <a:rPr lang="ko-KR" altLang="en-US" smtClean="0"/>
-              <a:t>2019-12-24</a:t>
+              <a:t>2019-12-26</a:t>
             </a:fld>
             <a:endParaRPr lang="ko-KR" altLang="en-US"/>
           </a:p>
@@ -2304,7 +2299,7 @@
           <a:p>
             <a:fld id="{8E10840F-E741-4E2E-8166-6116B33385D1}" type="datetimeFigureOut">
               <a:rPr lang="ko-KR" altLang="en-US" smtClean="0"/>
-              <a:t>2019-12-24</a:t>
+              <a:t>2019-12-26</a:t>
             </a:fld>
             <a:endParaRPr lang="ko-KR" altLang="en-US"/>
           </a:p>
@@ -2399,7 +2394,7 @@
           <a:p>
             <a:fld id="{8E10840F-E741-4E2E-8166-6116B33385D1}" type="datetimeFigureOut">
               <a:rPr lang="ko-KR" altLang="en-US" smtClean="0"/>
-              <a:t>2019-12-24</a:t>
+              <a:t>2019-12-26</a:t>
             </a:fld>
             <a:endParaRPr lang="ko-KR" altLang="en-US"/>
           </a:p>
@@ -2676,7 +2671,7 @@
           <a:p>
             <a:fld id="{8E10840F-E741-4E2E-8166-6116B33385D1}" type="datetimeFigureOut">
               <a:rPr lang="ko-KR" altLang="en-US" smtClean="0"/>
-              <a:t>2019-12-24</a:t>
+              <a:t>2019-12-26</a:t>
             </a:fld>
             <a:endParaRPr lang="ko-KR" altLang="en-US"/>
           </a:p>
@@ -2933,7 +2928,7 @@
           <a:p>
             <a:fld id="{8E10840F-E741-4E2E-8166-6116B33385D1}" type="datetimeFigureOut">
               <a:rPr lang="ko-KR" altLang="en-US" smtClean="0"/>
-              <a:t>2019-12-24</a:t>
+              <a:t>2019-12-26</a:t>
             </a:fld>
             <a:endParaRPr lang="ko-KR" altLang="en-US"/>
           </a:p>
@@ -3146,7 +3141,7 @@
           <a:p>
             <a:fld id="{8E10840F-E741-4E2E-8166-6116B33385D1}" type="datetimeFigureOut">
               <a:rPr lang="ko-KR" altLang="en-US" smtClean="0"/>
-              <a:t>2019-12-24</a:t>
+              <a:t>2019-12-26</a:t>
             </a:fld>
             <a:endParaRPr lang="ko-KR" altLang="en-US"/>
           </a:p>
@@ -3535,7 +3530,7 @@
 </file>
 
 <file path=ppt/slides/slide1.xml><?xml version="1.0" encoding="utf-8"?>
-<p:sld xmlns:r="http://schemas.openxmlformats.org/officeDocument/2006/relationships" xmlns:c="http://schemas.openxmlformats.org/drawingml/2006/chart" xmlns:a="http://schemas.openxmlformats.org/drawingml/2006/main" xmlns:dgm="http://schemas.openxmlformats.org/drawingml/2006/diagram" xmlns:dsp="http://schemas.microsoft.com/office/drawing/2008/diagram" xmlns:p="http://schemas.openxmlformats.org/presentationml/2006/main">
+<p:sld xmlns:a="http://schemas.openxmlformats.org/drawingml/2006/main" xmlns:r="http://schemas.openxmlformats.org/officeDocument/2006/relationships" xmlns:p="http://schemas.openxmlformats.org/presentationml/2006/main">
   <p:cSld>
     <p:spTree>
       <p:nvGrpSpPr>
@@ -3570,7 +3565,7 @@
           </a:solidFill>
           <a:ln>
             <a:solidFill>
-              <a:srgbClr val="203a7b"/>
+              <a:srgbClr val="203A7B"/>
             </a:solidFill>
           </a:ln>
         </p:spPr>
@@ -3614,7 +3609,6 @@
               <a:rPr lang="ko-KR" altLang="en-US" sz="2500" b="1"/>
               <a:t>관리자</a:t>
             </a:r>
-            <a:endParaRPr lang="ko-KR" altLang="en-US" sz="2500" b="1"/>
           </a:p>
         </p:txBody>
       </p:sp>
@@ -3673,7 +3667,6 @@
               <a:rPr lang="ko-KR" altLang="en-US" sz="2500" b="1"/>
               <a:t>관리자</a:t>
             </a:r>
-            <a:endParaRPr lang="ko-KR" altLang="en-US" sz="2500" b="1"/>
           </a:p>
         </p:txBody>
       </p:sp>
@@ -3727,7 +3720,6 @@
               <a:rPr lang="ko-KR" altLang="en-US" sz="3600" b="1"/>
               <a:t>영화관 예약 시스템</a:t>
             </a:r>
-            <a:endParaRPr lang="ko-KR" altLang="en-US" sz="3600" b="1"/>
           </a:p>
         </p:txBody>
       </p:sp>
@@ -3781,7 +3773,6 @@
               <a:rPr lang="ko-KR" altLang="en-US" sz="3000" b="1"/>
               <a:t>회원 가입</a:t>
             </a:r>
-            <a:endParaRPr lang="ko-KR" altLang="en-US" sz="3000" b="1"/>
           </a:p>
         </p:txBody>
       </p:sp>
@@ -3839,7 +3830,6 @@
               <a:rPr lang="ko-KR" altLang="en-US" sz="3000" b="1"/>
               <a:t>찾기</a:t>
             </a:r>
-            <a:endParaRPr lang="ko-KR" altLang="en-US" sz="3000" b="1"/>
           </a:p>
         </p:txBody>
       </p:sp>
@@ -3897,7 +3887,6 @@
               <a:rPr lang="ko-KR" altLang="en-US" sz="3000" b="1"/>
               <a:t>찾기</a:t>
             </a:r>
-            <a:endParaRPr lang="ko-KR" altLang="en-US" sz="3000" b="1"/>
           </a:p>
         </p:txBody>
       </p:sp>
@@ -3920,7 +3909,7 @@
           </a:solidFill>
           <a:ln>
             <a:solidFill>
-              <a:srgbClr val="bfa100"/>
+              <a:srgbClr val="BFA100"/>
             </a:solidFill>
           </a:ln>
         </p:spPr>
@@ -3956,7 +3945,6 @@
               <a:rPr lang="ko-KR" altLang="en-US" sz="2500" b="1"/>
               <a:t>회원</a:t>
             </a:r>
-            <a:endParaRPr lang="ko-KR" altLang="en-US" sz="2500" b="1"/>
           </a:p>
         </p:txBody>
       </p:sp>
@@ -4008,7 +3996,6 @@
               <a:rPr lang="ko-KR" altLang="en-US" sz="2600" b="1"/>
               <a:t>관리자페이지</a:t>
             </a:r>
-            <a:endParaRPr lang="ko-KR" altLang="en-US" sz="2600" b="1"/>
           </a:p>
         </p:txBody>
       </p:sp>
@@ -4060,7 +4047,6 @@
               <a:rPr lang="ko-KR" altLang="en-US" sz="2600" b="1"/>
               <a:t>신고 관리</a:t>
             </a:r>
-            <a:endParaRPr lang="ko-KR" altLang="en-US" sz="2600" b="1"/>
           </a:p>
         </p:txBody>
       </p:sp>
@@ -4135,7 +4121,6 @@
               <a:rPr lang="ko-KR" altLang="en-US" sz="2500" b="1"/>
               <a:t>관리자</a:t>
             </a:r>
-            <a:endParaRPr lang="ko-KR" altLang="en-US" sz="2500" b="1"/>
           </a:p>
         </p:txBody>
       </p:sp>
@@ -4193,11 +4178,6 @@
               </a:rPr>
               <a:t>로그인</a:t>
             </a:r>
-            <a:endParaRPr lang="ko-KR" altLang="en-US" sz="3000" b="1">
-              <a:solidFill>
-                <a:schemeClr val="tx1"/>
-              </a:solidFill>
-            </a:endParaRPr>
           </a:p>
         </p:txBody>
       </p:sp>
@@ -4262,11 +4242,6 @@
               </a:rPr>
               <a:t>로그아웃</a:t>
             </a:r>
-            <a:endParaRPr lang="ko-KR" altLang="en-US" sz="3000" b="1">
-              <a:solidFill>
-                <a:schemeClr val="bg1"/>
-              </a:solidFill>
-            </a:endParaRPr>
           </a:p>
         </p:txBody>
       </p:sp>
@@ -4318,7 +4293,6 @@
               <a:rPr lang="ko-KR" altLang="en-US" sz="2600" b="1"/>
               <a:t>마이페이지</a:t>
             </a:r>
-            <a:endParaRPr lang="ko-KR" altLang="en-US" sz="2600" b="1"/>
           </a:p>
         </p:txBody>
       </p:sp>
@@ -4377,7 +4351,6 @@
               <a:rPr lang="ko-KR" altLang="en-US" sz="2600" b="1"/>
               <a:t>영화</a:t>
             </a:r>
-            <a:endParaRPr lang="ko-KR" altLang="en-US" sz="2600" b="1"/>
           </a:p>
         </p:txBody>
       </p:sp>
@@ -4436,7 +4409,6 @@
               <a:rPr lang="ko-KR" altLang="en-US" sz="2600" b="1"/>
               <a:t>영화 상세보기</a:t>
             </a:r>
-            <a:endParaRPr lang="ko-KR" altLang="en-US" sz="2600" b="1"/>
           </a:p>
         </p:txBody>
       </p:sp>
@@ -4566,7 +4538,6 @@
               <a:rPr lang="ko-KR" altLang="en-US" sz="2600" b="1"/>
               <a:t>영화 정보</a:t>
             </a:r>
-            <a:endParaRPr lang="ko-KR" altLang="en-US" sz="2600" b="1"/>
           </a:p>
         </p:txBody>
       </p:sp>
@@ -4589,7 +4560,7 @@
           </a:solidFill>
           <a:ln>
             <a:solidFill>
-              <a:srgbClr val="806b00"/>
+              <a:srgbClr val="806B00"/>
             </a:solidFill>
           </a:ln>
         </p:spPr>
@@ -4660,7 +4631,7 @@
           </a:solidFill>
           <a:ln>
             <a:solidFill>
-              <a:srgbClr val="806b00"/>
+              <a:srgbClr val="806B00"/>
             </a:solidFill>
           </a:ln>
         </p:spPr>
@@ -4696,7 +4667,6 @@
               <a:rPr lang="ko-KR" altLang="en-US" sz="2600" b="1"/>
               <a:t>한줄평 수정</a:t>
             </a:r>
-            <a:endParaRPr lang="ko-KR" altLang="en-US" sz="2600" b="1"/>
           </a:p>
         </p:txBody>
       </p:sp>
@@ -4721,7 +4691,7 @@
           </a:solidFill>
           <a:ln>
             <a:solidFill>
-              <a:srgbClr val="806b00"/>
+              <a:srgbClr val="806B00"/>
             </a:solidFill>
           </a:ln>
         </p:spPr>
@@ -4757,7 +4727,6 @@
               <a:rPr lang="ko-KR" altLang="en-US" sz="2600" b="1"/>
               <a:t>한줄평 삭제</a:t>
             </a:r>
-            <a:endParaRPr lang="ko-KR" altLang="en-US" sz="2600" b="1"/>
           </a:p>
         </p:txBody>
       </p:sp>
@@ -4780,7 +4749,7 @@
           </a:solidFill>
           <a:ln>
             <a:solidFill>
-              <a:srgbClr val="806b00"/>
+              <a:srgbClr val="806B00"/>
             </a:solidFill>
           </a:ln>
         </p:spPr>
@@ -4836,11 +4805,6 @@
               </a:rPr>
               <a:t>신고</a:t>
             </a:r>
-            <a:endParaRPr lang="ko-KR" altLang="en-US" sz="2600" b="1">
-              <a:solidFill>
-                <a:schemeClr val="bg1"/>
-              </a:solidFill>
-            </a:endParaRPr>
           </a:p>
         </p:txBody>
       </p:sp>
@@ -5109,7 +5073,6 @@
               <a:rPr lang="ko-KR" altLang="en-US" sz="2600" b="1"/>
               <a:t>예매</a:t>
             </a:r>
-            <a:endParaRPr lang="ko-KR" altLang="en-US" sz="2600" b="1"/>
           </a:p>
         </p:txBody>
       </p:sp>
@@ -5168,7 +5131,6 @@
               <a:rPr lang="ko-KR" altLang="en-US" sz="2600" b="1"/>
               <a:t>상영 시간표 조회</a:t>
             </a:r>
-            <a:endParaRPr lang="ko-KR" altLang="en-US" sz="2600" b="1"/>
           </a:p>
         </p:txBody>
       </p:sp>
@@ -5220,7 +5182,6 @@
               <a:rPr lang="ko-KR" altLang="en-US" sz="2600" b="1"/>
               <a:t>예매</a:t>
             </a:r>
-            <a:endParaRPr lang="ko-KR" altLang="en-US" sz="2600" b="1"/>
           </a:p>
         </p:txBody>
       </p:sp>
@@ -5295,7 +5256,6 @@
               <a:rPr lang="ko-KR" altLang="en-US" sz="2600" b="1"/>
               <a:t>선택 페이지</a:t>
             </a:r>
-            <a:endParaRPr lang="ko-KR" altLang="en-US" sz="2600" b="1"/>
           </a:p>
         </p:txBody>
       </p:sp>
@@ -5307,8 +5267,8 @@
         </p:nvSpPr>
         <p:spPr>
           <a:xfrm>
-            <a:off x="10402275" y="14652257"/>
-            <a:ext cx="3060382" cy="684085"/>
+            <a:off x="10402275" y="14946268"/>
+            <a:ext cx="3060382" cy="1038164"/>
           </a:xfrm>
           <a:prstGeom prst="rect">
             <a:avLst/>
@@ -5362,7 +5322,6 @@
               <a:rPr lang="ko-KR" altLang="en-US" sz="2500" b="1"/>
               <a:t>선택 페이지</a:t>
             </a:r>
-            <a:endParaRPr lang="ko-KR" altLang="en-US" sz="2500" b="1"/>
           </a:p>
         </p:txBody>
       </p:sp>
@@ -5446,7 +5405,7 @@
         </p:nvCxnSpPr>
         <p:spPr>
           <a:xfrm rot="10800000">
-            <a:off x="9955137" y="14377343"/>
+            <a:off x="9955137" y="14671354"/>
             <a:ext cx="447138" cy="616968"/>
           </a:xfrm>
           <a:prstGeom prst="bentConnector2">
@@ -5482,7 +5441,7 @@
         <p:spPr>
           <a:xfrm>
             <a:off x="9344427" y="13693258"/>
-            <a:ext cx="3060382" cy="684085"/>
+            <a:ext cx="3060382" cy="939306"/>
           </a:xfrm>
           <a:prstGeom prst="rect">
             <a:avLst/>
@@ -5518,33 +5477,32 @@
               <a:defRPr/>
             </a:pPr>
             <a:r>
-              <a:rPr lang="ko-KR" altLang="en-US" sz="2500" b="1"/>
+              <a:rPr lang="ko-KR" altLang="en-US" sz="2500" b="1" dirty="0"/>
               <a:t>영화</a:t>
             </a:r>
             <a:r>
-              <a:rPr lang="en-US" altLang="ko-KR" sz="2500" b="1"/>
+              <a:rPr lang="en-US" altLang="ko-KR" sz="2500" b="1" dirty="0"/>
               <a:t>, </a:t>
             </a:r>
             <a:r>
-              <a:rPr lang="ko-KR" altLang="en-US" sz="2500" b="1"/>
+              <a:rPr lang="ko-KR" altLang="en-US" sz="2500" b="1" dirty="0"/>
               <a:t>시간</a:t>
             </a:r>
             <a:r>
-              <a:rPr lang="en-US" altLang="ko-KR" sz="2500" b="1"/>
+              <a:rPr lang="en-US" altLang="ko-KR" sz="2500" b="1" dirty="0"/>
               <a:t>, </a:t>
             </a:r>
             <a:r>
-              <a:rPr lang="ko-KR" altLang="en-US" sz="2500" b="1"/>
+              <a:rPr lang="ko-KR" altLang="en-US" sz="2500" b="1" dirty="0"/>
               <a:t>날짜</a:t>
             </a:r>
             <a:br>
-              <a:rPr lang="en-US" altLang="ko-KR" sz="2500" b="1"/>
+              <a:rPr lang="en-US" altLang="ko-KR" sz="2500" b="1" dirty="0"/>
             </a:br>
             <a:r>
-              <a:rPr lang="ko-KR" altLang="en-US" sz="2500" b="1"/>
+              <a:rPr lang="ko-KR" altLang="en-US" sz="2500" b="1" dirty="0"/>
               <a:t>선택 페이지</a:t>
             </a:r>
-            <a:endParaRPr lang="ko-KR" altLang="en-US" sz="2500" b="1"/>
           </a:p>
         </p:txBody>
       </p:sp>
@@ -5603,7 +5561,6 @@
               <a:rPr lang="ko-KR" altLang="en-US" sz="2600" b="1"/>
               <a:t>리뷰 게시판</a:t>
             </a:r>
-            <a:endParaRPr lang="ko-KR" altLang="en-US" sz="2600" b="1"/>
           </a:p>
         </p:txBody>
       </p:sp>
@@ -5662,7 +5619,6 @@
               <a:rPr lang="ko-KR" altLang="en-US" sz="2600" b="1"/>
               <a:t>리뷰글 상세보기</a:t>
             </a:r>
-            <a:endParaRPr lang="ko-KR" altLang="en-US" sz="2600" b="1"/>
           </a:p>
         </p:txBody>
       </p:sp>
@@ -5714,7 +5670,6 @@
               <a:rPr lang="ko-KR" altLang="en-US" sz="2600" b="1"/>
               <a:t>리뷰글 수정</a:t>
             </a:r>
-            <a:endParaRPr lang="ko-KR" altLang="en-US" sz="2600" b="1"/>
           </a:p>
         </p:txBody>
       </p:sp>
@@ -5737,7 +5692,7 @@
           </a:solidFill>
           <a:ln>
             <a:solidFill>
-              <a:srgbClr val="203a7b"/>
+              <a:srgbClr val="203A7B"/>
             </a:solidFill>
           </a:ln>
         </p:spPr>
@@ -5773,7 +5728,6 @@
               <a:rPr lang="ko-KR" altLang="en-US" sz="2600" b="1"/>
               <a:t>리뷰글 삭제</a:t>
             </a:r>
-            <a:endParaRPr lang="ko-KR" altLang="en-US" sz="2600" b="1"/>
           </a:p>
         </p:txBody>
       </p:sp>
@@ -5832,7 +5786,6 @@
               <a:rPr lang="ko-KR" altLang="en-US" sz="2600" b="1"/>
               <a:t>리뷰글 조회</a:t>
             </a:r>
-            <a:endParaRPr lang="ko-KR" altLang="en-US" sz="2600" b="1"/>
           </a:p>
         </p:txBody>
       </p:sp>
@@ -5891,7 +5844,6 @@
               <a:rPr lang="ko-KR" altLang="en-US" sz="2600" b="1"/>
               <a:t>리뷰 댓글 조회</a:t>
             </a:r>
-            <a:endParaRPr lang="ko-KR" altLang="en-US" sz="2600" b="1"/>
           </a:p>
         </p:txBody>
       </p:sp>
@@ -5943,7 +5895,6 @@
               <a:rPr lang="ko-KR" altLang="en-US" sz="2600" b="1"/>
               <a:t>리뷰 댓글 작성</a:t>
             </a:r>
-            <a:endParaRPr lang="ko-KR" altLang="en-US" sz="2600" b="1"/>
           </a:p>
         </p:txBody>
       </p:sp>
@@ -5995,7 +5946,6 @@
               <a:rPr lang="ko-KR" altLang="en-US" sz="2600" b="1"/>
               <a:t>리뷰 댓글 수정</a:t>
             </a:r>
-            <a:endParaRPr lang="ko-KR" altLang="en-US" sz="2600" b="1"/>
           </a:p>
         </p:txBody>
       </p:sp>
@@ -6018,7 +5968,7 @@
           </a:solidFill>
           <a:ln>
             <a:solidFill>
-              <a:srgbClr val="203a7b"/>
+              <a:srgbClr val="203A7B"/>
             </a:solidFill>
           </a:ln>
         </p:spPr>
@@ -6054,7 +6004,6 @@
               <a:rPr lang="ko-KR" altLang="en-US" sz="2600" b="1"/>
               <a:t>리뷰 댓글 삭제</a:t>
             </a:r>
-            <a:endParaRPr lang="ko-KR" altLang="en-US" sz="2600" b="1"/>
           </a:p>
         </p:txBody>
       </p:sp>
@@ -6110,11 +6059,6 @@
               </a:rPr>
               <a:t>리뷰글 신고</a:t>
             </a:r>
-            <a:endParaRPr lang="ko-KR" altLang="en-US" sz="2600" b="1">
-              <a:solidFill>
-                <a:schemeClr val="bg1"/>
-              </a:solidFill>
-            </a:endParaRPr>
           </a:p>
         </p:txBody>
       </p:sp>
@@ -6170,11 +6114,6 @@
               </a:rPr>
               <a:t>리뷰 댓글 신고</a:t>
             </a:r>
-            <a:endParaRPr lang="ko-KR" altLang="en-US" sz="2600" b="1">
-              <a:solidFill>
-                <a:schemeClr val="bg1"/>
-              </a:solidFill>
-            </a:endParaRPr>
           </a:p>
         </p:txBody>
       </p:sp>
@@ -6233,7 +6172,6 @@
               <a:rPr lang="ko-KR" altLang="en-US" sz="2600" b="1"/>
               <a:t>게시글 검색</a:t>
             </a:r>
-            <a:endParaRPr lang="ko-KR" altLang="en-US" sz="2600" b="1"/>
           </a:p>
         </p:txBody>
       </p:sp>
@@ -6572,7 +6510,6 @@
               <a:rPr lang="ko-KR" altLang="en-US" sz="2600" b="1"/>
               <a:t>기프티콘</a:t>
             </a:r>
-            <a:endParaRPr lang="ko-KR" altLang="en-US" sz="2600" b="1"/>
           </a:p>
         </p:txBody>
       </p:sp>
@@ -6631,7 +6568,6 @@
               <a:rPr lang="ko-KR" altLang="en-US" sz="2600" b="1"/>
               <a:t>기프티콘 조회</a:t>
             </a:r>
-            <a:endParaRPr lang="ko-KR" altLang="en-US" sz="2600" b="1"/>
           </a:p>
         </p:txBody>
       </p:sp>
@@ -6683,7 +6619,6 @@
               <a:rPr lang="ko-KR" altLang="en-US" sz="2600" b="1"/>
               <a:t>기프티콘 구매</a:t>
             </a:r>
-            <a:endParaRPr lang="ko-KR" altLang="en-US" sz="2600" b="1"/>
           </a:p>
         </p:txBody>
       </p:sp>
@@ -6695,7 +6630,7 @@
         </p:nvSpPr>
         <p:spPr>
           <a:xfrm>
-            <a:off x="19942608" y="10317393"/>
+            <a:off x="19942608" y="10280817"/>
             <a:ext cx="3060382" cy="873884"/>
           </a:xfrm>
           <a:prstGeom prst="rect">
@@ -6742,7 +6677,6 @@
               <a:rPr lang="ko-KR" altLang="en-US" sz="2500" b="1"/>
               <a:t>기프티콘 </a:t>
             </a:r>
-            <a:endParaRPr lang="ko-KR" altLang="en-US" sz="2500" b="1"/>
           </a:p>
           <a:p>
             <a:pPr algn="ctr">
@@ -6752,7 +6686,6 @@
               <a:rPr lang="ko-KR" altLang="en-US" sz="2500" b="1"/>
               <a:t>상세보기</a:t>
             </a:r>
-            <a:endParaRPr lang="ko-KR" altLang="en-US" sz="2500" b="1"/>
           </a:p>
         </p:txBody>
       </p:sp>
@@ -6811,7 +6744,6 @@
               <a:rPr lang="ko-KR" altLang="en-US" sz="2600" b="1"/>
               <a:t>기프티콘 검색</a:t>
             </a:r>
-            <a:endParaRPr lang="ko-KR" altLang="en-US" sz="2600" b="1"/>
           </a:p>
         </p:txBody>
       </p:sp>
@@ -6977,7 +6909,6 @@
               <a:rPr lang="ko-KR" altLang="en-US" sz="2600" b="1"/>
               <a:t>건의사항</a:t>
             </a:r>
-            <a:endParaRPr lang="ko-KR" altLang="en-US" sz="2600" b="1"/>
           </a:p>
         </p:txBody>
       </p:sp>
@@ -7036,7 +6967,6 @@
               <a:rPr lang="ko-KR" altLang="en-US" sz="2600" b="1"/>
               <a:t>건의사항 상세보기</a:t>
             </a:r>
-            <a:endParaRPr lang="ko-KR" altLang="en-US" sz="2600" b="1"/>
           </a:p>
         </p:txBody>
       </p:sp>
@@ -7088,7 +7018,6 @@
               <a:rPr lang="ko-KR" altLang="en-US" sz="2600" b="1"/>
               <a:t>건의사항 작성</a:t>
             </a:r>
-            <a:endParaRPr lang="ko-KR" altLang="en-US" sz="2600" b="1"/>
           </a:p>
         </p:txBody>
       </p:sp>
@@ -7140,7 +7069,6 @@
               <a:rPr lang="ko-KR" altLang="en-US" sz="2600" b="1"/>
               <a:t>건의사항 수정</a:t>
             </a:r>
-            <a:endParaRPr lang="ko-KR" altLang="en-US" sz="2600" b="1"/>
           </a:p>
         </p:txBody>
       </p:sp>
@@ -7163,7 +7091,7 @@
           </a:solidFill>
           <a:ln>
             <a:solidFill>
-              <a:srgbClr val="203a7b"/>
+              <a:srgbClr val="203A7B"/>
             </a:solidFill>
           </a:ln>
         </p:spPr>
@@ -7199,7 +7127,6 @@
               <a:rPr lang="ko-KR" altLang="en-US" sz="2600" b="1"/>
               <a:t>건의사항 삭제</a:t>
             </a:r>
-            <a:endParaRPr lang="ko-KR" altLang="en-US" sz="2600" b="1"/>
           </a:p>
         </p:txBody>
       </p:sp>
@@ -7258,7 +7185,6 @@
               <a:rPr lang="ko-KR" altLang="en-US" sz="2600" b="1"/>
               <a:t>건의사항 조회</a:t>
             </a:r>
-            <a:endParaRPr lang="ko-KR" altLang="en-US" sz="2600" b="1"/>
           </a:p>
         </p:txBody>
       </p:sp>
@@ -7317,7 +7243,6 @@
               <a:rPr lang="ko-KR" altLang="en-US" sz="2600" b="1"/>
               <a:t>건의사항 검색</a:t>
             </a:r>
-            <a:endParaRPr lang="ko-KR" altLang="en-US" sz="2600" b="1"/>
           </a:p>
         </p:txBody>
       </p:sp>
@@ -7446,7 +7371,6 @@
               <a:rPr lang="ko-KR" altLang="en-US" sz="2600" b="1"/>
               <a:t>공지사항</a:t>
             </a:r>
-            <a:endParaRPr lang="ko-KR" altLang="en-US" sz="2600" b="1"/>
           </a:p>
         </p:txBody>
       </p:sp>
@@ -7505,7 +7429,6 @@
               <a:rPr lang="ko-KR" altLang="en-US" sz="2600" b="1"/>
               <a:t>공지사항 상세보기</a:t>
             </a:r>
-            <a:endParaRPr lang="ko-KR" altLang="en-US" sz="2600" b="1"/>
           </a:p>
         </p:txBody>
       </p:sp>
@@ -7805,7 +7728,6 @@
               <a:rPr lang="ko-KR" altLang="en-US" sz="2600" b="1"/>
               <a:t>할인정보</a:t>
             </a:r>
-            <a:endParaRPr lang="ko-KR" altLang="en-US" sz="2600" b="1"/>
           </a:p>
         </p:txBody>
       </p:sp>
@@ -7861,17 +7783,18 @@
               <a:defRPr/>
             </a:pPr>
             <a:r>
-              <a:rPr lang="ko-KR" altLang="en-US" sz="2500" b="1"/>
+              <a:rPr lang="ko-KR" altLang="en-US" sz="2500" b="1" dirty="0"/>
               <a:t>할인정보</a:t>
             </a:r>
-            <a:br>
-              <a:rPr lang="en-US" altLang="ko-KR" sz="2500" b="1"/>
-            </a:br>
             <a:r>
-              <a:rPr lang="ko-KR" altLang="en-US" sz="2500" b="1"/>
+              <a:rPr lang="en-US" altLang="ko-KR" sz="2500" b="1" dirty="0"/>
+              <a:t> </a:t>
+            </a:r>
+            <a:r>
+              <a:rPr lang="ko-KR" altLang="en-US" sz="2500" b="1" dirty="0"/>
               <a:t>상세보기</a:t>
             </a:r>
-            <a:endParaRPr lang="en-US" altLang="ko-KR" sz="2500" b="1"/>
+            <a:endParaRPr lang="en-US" altLang="ko-KR" sz="2500" b="1" dirty="0"/>
           </a:p>
         </p:txBody>
       </p:sp>
@@ -7930,7 +7853,6 @@
               <a:rPr lang="ko-KR" altLang="en-US" sz="2600" b="1"/>
               <a:t>게시글 검색</a:t>
             </a:r>
-            <a:endParaRPr lang="ko-KR" altLang="en-US" sz="2600" b="1"/>
           </a:p>
         </p:txBody>
       </p:sp>
@@ -7986,7 +7908,6 @@
               <a:rPr lang="ko-KR" altLang="en-US" sz="2600" b="1"/>
               <a:t>할인정보 등록</a:t>
             </a:r>
-            <a:endParaRPr lang="ko-KR" altLang="en-US" sz="2600" b="1"/>
           </a:p>
         </p:txBody>
       </p:sp>
@@ -8227,7 +8148,6 @@
               <a:rPr lang="ko-KR" altLang="en-US" sz="2600" b="1"/>
               <a:t>습득물 게시판</a:t>
             </a:r>
-            <a:endParaRPr lang="ko-KR" altLang="en-US" sz="2600" b="1"/>
           </a:p>
         </p:txBody>
       </p:sp>
@@ -8342,17 +8262,18 @@
               <a:defRPr/>
             </a:pPr>
             <a:r>
-              <a:rPr lang="ko-KR" altLang="en-US" sz="2500" b="1"/>
+              <a:rPr lang="ko-KR" altLang="en-US" sz="2500" b="1" dirty="0"/>
               <a:t>게시글</a:t>
             </a:r>
-            <a:br>
-              <a:rPr lang="en-US" altLang="ko-KR" sz="2600" b="1"/>
-            </a:br>
             <a:r>
-              <a:rPr lang="ko-KR" altLang="en-US" sz="2600" b="1"/>
+              <a:rPr lang="en-US" altLang="ko-KR" sz="2600" b="1" dirty="0"/>
+              <a:t> </a:t>
+            </a:r>
+            <a:r>
+              <a:rPr lang="ko-KR" altLang="en-US" sz="2600" b="1" dirty="0"/>
               <a:t>상세보기</a:t>
             </a:r>
-            <a:endParaRPr lang="en-US" altLang="ko-KR" sz="2600" b="1"/>
+            <a:endParaRPr lang="en-US" altLang="ko-KR" sz="2600" b="1" dirty="0"/>
           </a:p>
         </p:txBody>
       </p:sp>
@@ -8411,7 +8332,6 @@
               <a:rPr lang="ko-KR" altLang="en-US" sz="2600" b="1"/>
               <a:t>게시글 검색</a:t>
             </a:r>
-            <a:endParaRPr lang="ko-KR" altLang="en-US" sz="2600" b="1"/>
           </a:p>
         </p:txBody>
       </p:sp>
@@ -8467,7 +8387,6 @@
               <a:rPr lang="ko-KR" altLang="en-US" sz="2600" b="1"/>
               <a:t>게시글 등록</a:t>
             </a:r>
-            <a:endParaRPr lang="ko-KR" altLang="en-US" sz="2600" b="1"/>
           </a:p>
         </p:txBody>
       </p:sp>
@@ -8523,7 +8442,6 @@
               <a:rPr lang="ko-KR" altLang="en-US" sz="2600" b="1"/>
               <a:t>게시글 수정</a:t>
             </a:r>
-            <a:endParaRPr lang="ko-KR" altLang="en-US" sz="2600" b="1"/>
           </a:p>
         </p:txBody>
       </p:sp>
@@ -8579,7 +8497,6 @@
               <a:rPr lang="ko-KR" altLang="en-US" sz="2600" b="1"/>
               <a:t>게시글 삭제</a:t>
             </a:r>
-            <a:endParaRPr lang="ko-KR" altLang="en-US" sz="2600" b="1"/>
           </a:p>
         </p:txBody>
       </p:sp>
@@ -8705,11 +8622,6 @@
               </a:rPr>
               <a:t>내 정보 조회 </a:t>
             </a:r>
-            <a:endParaRPr lang="ko-KR" altLang="en-US" sz="2600" b="1">
-              <a:solidFill>
-                <a:schemeClr val="bg1"/>
-              </a:solidFill>
-            </a:endParaRPr>
           </a:p>
         </p:txBody>
       </p:sp>
@@ -8721,8 +8633,8 @@
         </p:nvSpPr>
         <p:spPr>
           <a:xfrm>
-            <a:off x="33968692" y="11368314"/>
-            <a:ext cx="3060382" cy="684085"/>
+            <a:off x="33968692" y="11342214"/>
+            <a:ext cx="3060382" cy="897698"/>
           </a:xfrm>
           <a:prstGeom prst="rect">
             <a:avLst/>
@@ -8761,7 +8673,6 @@
               <a:rPr lang="ko-KR" altLang="en-US" sz="2500" b="1"/>
               <a:t>내 정보</a:t>
             </a:r>
-            <a:endParaRPr lang="ko-KR" altLang="en-US" sz="2500" b="1"/>
           </a:p>
           <a:p>
             <a:pPr algn="ctr">
@@ -8771,7 +8682,6 @@
               <a:rPr lang="ko-KR" altLang="en-US" sz="2500" b="1"/>
               <a:t>상세보기 </a:t>
             </a:r>
-            <a:endParaRPr lang="ko-KR" altLang="en-US" sz="2500" b="1"/>
           </a:p>
         </p:txBody>
       </p:sp>
@@ -8783,7 +8693,7 @@
         </p:nvSpPr>
         <p:spPr>
           <a:xfrm>
-            <a:off x="34830052" y="13291802"/>
+            <a:off x="34830052" y="13500097"/>
             <a:ext cx="3060382" cy="684085"/>
           </a:xfrm>
           <a:prstGeom prst="rect">
@@ -8831,7 +8741,6 @@
               <a:rPr lang="ko-KR" altLang="en-US" sz="2600" b="1"/>
               <a:t>변경 </a:t>
             </a:r>
-            <a:endParaRPr lang="ko-KR" altLang="en-US" sz="2600" b="1"/>
           </a:p>
         </p:txBody>
       </p:sp>
@@ -8843,7 +8752,7 @@
         </p:nvSpPr>
         <p:spPr>
           <a:xfrm>
-            <a:off x="34824004" y="12322351"/>
+            <a:off x="34824004" y="12530646"/>
             <a:ext cx="3060382" cy="684085"/>
           </a:xfrm>
           <a:prstGeom prst="rect">
@@ -8883,7 +8792,6 @@
               <a:rPr lang="ko-KR" altLang="en-US" sz="2600" b="1"/>
               <a:t>회원 탈퇴</a:t>
             </a:r>
-            <a:endParaRPr lang="ko-KR" altLang="en-US" sz="2600" b="1"/>
           </a:p>
         </p:txBody>
       </p:sp>
@@ -8930,7 +8838,7 @@
         </p:nvCxnSpPr>
         <p:spPr>
           <a:xfrm rot="16200000" flipH="1">
-            <a:off x="33826428" y="12630220"/>
+            <a:off x="33826428" y="12838515"/>
             <a:ext cx="1581444" cy="425804"/>
           </a:xfrm>
           <a:prstGeom prst="bentConnector2">
@@ -8965,7 +8873,7 @@
         </p:nvCxnSpPr>
         <p:spPr>
           <a:xfrm>
-            <a:off x="34404244" y="12664394"/>
+            <a:off x="34404244" y="12872689"/>
             <a:ext cx="419760" cy="0"/>
           </a:xfrm>
           <a:prstGeom prst="line">
@@ -9040,7 +8948,6 @@
               <a:rPr lang="ko-KR" altLang="en-US" sz="2600" b="1"/>
               <a:t>내 예매 내역</a:t>
             </a:r>
-            <a:endParaRPr lang="ko-KR" altLang="en-US" sz="2600" b="1"/>
           </a:p>
         </p:txBody>
       </p:sp>
@@ -9092,7 +8999,6 @@
               <a:rPr lang="ko-KR" altLang="en-US" sz="2600" b="1"/>
               <a:t>예매내역 조회</a:t>
             </a:r>
-            <a:endParaRPr lang="ko-KR" altLang="en-US" sz="2600" b="1"/>
           </a:p>
         </p:txBody>
       </p:sp>
@@ -9144,7 +9050,6 @@
               <a:rPr lang="ko-KR" altLang="en-US" sz="2600" b="1"/>
               <a:t>예매 취소</a:t>
             </a:r>
-            <a:endParaRPr lang="ko-KR" altLang="en-US" sz="2600" b="1"/>
           </a:p>
         </p:txBody>
       </p:sp>
@@ -9196,7 +9101,6 @@
               <a:rPr lang="ko-KR" altLang="en-US" sz="2600" b="1"/>
               <a:t>리뷰 작성</a:t>
             </a:r>
-            <a:endParaRPr lang="ko-KR" altLang="en-US" sz="2600" b="1"/>
           </a:p>
         </p:txBody>
       </p:sp>
@@ -9248,7 +9152,6 @@
               <a:rPr lang="ko-KR" altLang="en-US" sz="2600" b="1"/>
               <a:t>취소 완료</a:t>
             </a:r>
-            <a:endParaRPr lang="ko-KR" altLang="en-US" sz="2600" b="1"/>
           </a:p>
         </p:txBody>
       </p:sp>
@@ -9440,7 +9343,6 @@
               <a:rPr lang="ko-KR" altLang="en-US" sz="2600" b="1"/>
               <a:t>내 기프티콘</a:t>
             </a:r>
-            <a:endParaRPr lang="ko-KR" altLang="en-US" sz="2600" b="1"/>
           </a:p>
         </p:txBody>
       </p:sp>
@@ -9453,7 +9355,7 @@
         <p:spPr>
           <a:xfrm>
             <a:off x="38118152" y="9646229"/>
-            <a:ext cx="3060382" cy="684085"/>
+            <a:ext cx="3060382" cy="890564"/>
           </a:xfrm>
           <a:prstGeom prst="rect">
             <a:avLst/>
@@ -9492,7 +9394,6 @@
               <a:rPr lang="ko-KR" altLang="en-US" sz="2500" b="1"/>
               <a:t>내 기프티콘 상세보기</a:t>
             </a:r>
-            <a:endParaRPr lang="ko-KR" altLang="en-US" sz="2500" b="1"/>
           </a:p>
         </p:txBody>
       </p:sp>
@@ -9504,8 +9405,8 @@
         </p:nvSpPr>
         <p:spPr>
           <a:xfrm>
-            <a:off x="38864812" y="10658327"/>
-            <a:ext cx="3060382" cy="684085"/>
+            <a:off x="38864812" y="10790911"/>
+            <a:ext cx="3060382" cy="870906"/>
           </a:xfrm>
           <a:prstGeom prst="rect">
             <a:avLst/>
@@ -9551,7 +9452,6 @@
               <a:rPr lang="ko-KR" altLang="en-US" sz="2500" b="1"/>
               <a:t>기간 연장</a:t>
             </a:r>
-            <a:endParaRPr lang="ko-KR" altLang="en-US" sz="2500" b="1"/>
           </a:p>
         </p:txBody>
       </p:sp>
@@ -9563,7 +9463,7 @@
         </p:nvSpPr>
         <p:spPr>
           <a:xfrm>
-            <a:off x="38864812" y="11741635"/>
+            <a:off x="38864812" y="11987887"/>
             <a:ext cx="3060382" cy="684085"/>
           </a:xfrm>
           <a:prstGeom prst="rect">
@@ -9603,7 +9503,6 @@
               <a:rPr lang="ko-KR" altLang="en-US" sz="2600" b="1"/>
               <a:t>기프티콘 환불</a:t>
             </a:r>
-            <a:endParaRPr lang="ko-KR" altLang="en-US" sz="2600" b="1"/>
           </a:p>
         </p:txBody>
       </p:sp>
@@ -9655,7 +9554,6 @@
               <a:rPr lang="ko-KR" altLang="en-US" sz="2600" b="1"/>
               <a:t>내 기프티콘 조회</a:t>
             </a:r>
-            <a:endParaRPr lang="ko-KR" altLang="en-US" sz="2600" b="1"/>
           </a:p>
         </p:txBody>
       </p:sp>
@@ -9737,7 +9635,7 @@
         </p:nvCxnSpPr>
         <p:spPr>
           <a:xfrm rot="10800000">
-            <a:off x="38429260" y="10330313"/>
+            <a:off x="38429260" y="10576565"/>
             <a:ext cx="435552" cy="1753364"/>
           </a:xfrm>
           <a:prstGeom prst="bentConnector2">
@@ -9772,7 +9670,7 @@
         </p:nvCxnSpPr>
         <p:spPr>
           <a:xfrm>
-            <a:off x="38429260" y="10991369"/>
+            <a:off x="38429260" y="11237621"/>
             <a:ext cx="435552" cy="9000"/>
           </a:xfrm>
           <a:prstGeom prst="line">
@@ -9847,7 +9745,6 @@
               <a:rPr lang="ko-KR" altLang="en-US" sz="2600" b="1"/>
               <a:t>내 건의사항</a:t>
             </a:r>
-            <a:endParaRPr lang="ko-KR" altLang="en-US" sz="2600" b="1"/>
           </a:p>
         </p:txBody>
       </p:sp>
@@ -9899,7 +9796,6 @@
               <a:rPr lang="ko-KR" altLang="en-US" sz="2600" b="1"/>
               <a:t>내 건의사항 조회</a:t>
             </a:r>
-            <a:endParaRPr lang="ko-KR" altLang="en-US" sz="2600" b="1"/>
           </a:p>
         </p:txBody>
       </p:sp>
@@ -9986,7 +9882,6 @@
               <a:rPr lang="ko-KR" altLang="en-US" sz="2600" b="1"/>
               <a:t>내 리뷰</a:t>
             </a:r>
-            <a:endParaRPr lang="ko-KR" altLang="en-US" sz="2600" b="1"/>
           </a:p>
         </p:txBody>
       </p:sp>
@@ -10038,7 +9933,6 @@
               <a:rPr lang="ko-KR" altLang="en-US" sz="2600" b="1"/>
               <a:t>내 리뷰 조회</a:t>
             </a:r>
-            <a:endParaRPr lang="ko-KR" altLang="en-US" sz="2600" b="1"/>
           </a:p>
         </p:txBody>
       </p:sp>
@@ -10125,7 +10019,6 @@
               <a:rPr lang="ko-KR" altLang="en-US" sz="2600" b="1"/>
               <a:t>내 한줄평</a:t>
             </a:r>
-            <a:endParaRPr lang="ko-KR" altLang="en-US" sz="2600" b="1"/>
           </a:p>
         </p:txBody>
       </p:sp>
@@ -10177,7 +10070,6 @@
               <a:rPr lang="ko-KR" altLang="en-US" sz="2600" b="1"/>
               <a:t>내 한줄평 조회</a:t>
             </a:r>
-            <a:endParaRPr lang="ko-KR" altLang="en-US" sz="2600" b="1"/>
           </a:p>
         </p:txBody>
       </p:sp>
@@ -10264,7 +10156,6 @@
               <a:rPr lang="ko-KR" altLang="en-US" sz="2600" b="1"/>
               <a:t>영화 등록</a:t>
             </a:r>
-            <a:endParaRPr lang="ko-KR" altLang="en-US" sz="2600" b="1"/>
           </a:p>
         </p:txBody>
       </p:sp>
@@ -10320,11 +10211,6 @@
               </a:rPr>
               <a:t>회원 관리</a:t>
             </a:r>
-            <a:endParaRPr lang="ko-KR" altLang="en-US" sz="2600" b="1">
-              <a:solidFill>
-                <a:schemeClr val="bg1"/>
-              </a:solidFill>
-            </a:endParaRPr>
           </a:p>
         </p:txBody>
       </p:sp>
@@ -10376,7 +10262,6 @@
               <a:rPr lang="ko-KR" altLang="en-US" sz="2600" b="1"/>
               <a:t>회원 목록 조회</a:t>
             </a:r>
-            <a:endParaRPr lang="ko-KR" altLang="en-US" sz="2600" b="1"/>
           </a:p>
         </p:txBody>
       </p:sp>
@@ -10428,7 +10313,6 @@
               <a:rPr lang="ko-KR" altLang="en-US" sz="2600" b="1"/>
               <a:t>회원 상세보기</a:t>
             </a:r>
-            <a:endParaRPr lang="ko-KR" altLang="en-US" sz="2600" b="1"/>
           </a:p>
         </p:txBody>
       </p:sp>
@@ -10480,7 +10364,6 @@
               <a:rPr lang="ko-KR" altLang="en-US" sz="2600" b="1"/>
               <a:t>회원 강퇴</a:t>
             </a:r>
-            <a:endParaRPr lang="ko-KR" altLang="en-US" sz="2600" b="1"/>
           </a:p>
         </p:txBody>
       </p:sp>
@@ -10532,7 +10415,6 @@
               <a:rPr lang="ko-KR" altLang="en-US" sz="2600" b="1"/>
               <a:t>예매 내역 보기</a:t>
             </a:r>
-            <a:endParaRPr lang="ko-KR" altLang="en-US" sz="2600" b="1"/>
           </a:p>
         </p:txBody>
       </p:sp>
@@ -10584,7 +10466,6 @@
               <a:rPr lang="ko-KR" altLang="en-US" sz="2600" b="1"/>
               <a:t>회원 검색</a:t>
             </a:r>
-            <a:endParaRPr lang="ko-KR" altLang="en-US" sz="2600" b="1"/>
           </a:p>
         </p:txBody>
       </p:sp>
@@ -10706,7 +10587,6 @@
               <a:rPr lang="ko-KR" altLang="en-US" sz="2600" b="1"/>
               <a:t>상영스케줄 등록</a:t>
             </a:r>
-            <a:endParaRPr lang="ko-KR" altLang="en-US" sz="2600" b="1"/>
           </a:p>
         </p:txBody>
       </p:sp>
@@ -10758,7 +10638,6 @@
               <a:rPr lang="ko-KR" altLang="en-US" sz="2600" b="1"/>
               <a:t>상영스케줄 수정</a:t>
             </a:r>
-            <a:endParaRPr lang="ko-KR" altLang="en-US" sz="2600" b="1"/>
           </a:p>
         </p:txBody>
       </p:sp>
@@ -10810,7 +10689,6 @@
               <a:rPr lang="ko-KR" altLang="en-US" sz="2600" b="1"/>
               <a:t>상영스케줄 삭제</a:t>
             </a:r>
-            <a:endParaRPr lang="ko-KR" altLang="en-US" sz="2600" b="1"/>
           </a:p>
         </p:txBody>
       </p:sp>
@@ -10862,7 +10740,6 @@
               <a:rPr lang="ko-KR" altLang="en-US" sz="2600" b="1"/>
               <a:t>기프티콘 등록</a:t>
             </a:r>
-            <a:endParaRPr lang="ko-KR" altLang="en-US" sz="2600" b="1"/>
           </a:p>
         </p:txBody>
       </p:sp>
@@ -10921,7 +10798,6 @@
               <a:rPr lang="ko-KR" altLang="en-US" sz="2500" b="1"/>
               <a:t>신고 조회</a:t>
             </a:r>
-            <a:endParaRPr lang="ko-KR" altLang="en-US" sz="2500" b="1"/>
           </a:p>
         </p:txBody>
       </p:sp>
@@ -10973,7 +10849,6 @@
               <a:rPr lang="ko-KR" altLang="en-US" sz="2600" b="1"/>
               <a:t>신고글 상세보기</a:t>
             </a:r>
-            <a:endParaRPr lang="ko-KR" altLang="en-US" sz="2600" b="1"/>
           </a:p>
         </p:txBody>
       </p:sp>
@@ -11032,7 +10907,6 @@
               <a:rPr lang="ko-KR" altLang="en-US" sz="2500" b="1"/>
               <a:t>신고 관리</a:t>
             </a:r>
-            <a:endParaRPr lang="ko-KR" altLang="en-US" sz="2500" b="1"/>
           </a:p>
         </p:txBody>
       </p:sp>
@@ -11119,7 +10993,6 @@
               <a:rPr lang="ko-KR" altLang="en-US" sz="2600" b="1"/>
               <a:t>한줄평 신고 조회</a:t>
             </a:r>
-            <a:endParaRPr lang="ko-KR" altLang="en-US" sz="2600" b="1"/>
           </a:p>
         </p:txBody>
       </p:sp>
@@ -11171,7 +11044,6 @@
               <a:rPr lang="ko-KR" altLang="en-US" sz="2600" b="1"/>
               <a:t>신고글 상세보기</a:t>
             </a:r>
-            <a:endParaRPr lang="ko-KR" altLang="en-US" sz="2600" b="1"/>
           </a:p>
         </p:txBody>
       </p:sp>
@@ -11223,7 +11095,6 @@
               <a:rPr lang="ko-KR" altLang="en-US" sz="2600" b="1"/>
               <a:t>한줄평 신고 관리</a:t>
             </a:r>
-            <a:endParaRPr lang="ko-KR" altLang="en-US" sz="2600" b="1"/>
           </a:p>
         </p:txBody>
       </p:sp>
@@ -11310,7 +11181,6 @@
               <a:rPr lang="ko-KR" altLang="en-US" sz="2600" b="1"/>
               <a:t>리뷰 신고 조회</a:t>
             </a:r>
-            <a:endParaRPr lang="ko-KR" altLang="en-US" sz="2600" b="1"/>
           </a:p>
         </p:txBody>
       </p:sp>
@@ -11362,7 +11232,6 @@
               <a:rPr lang="ko-KR" altLang="en-US" sz="2600" b="1"/>
               <a:t>신고글 상세보기</a:t>
             </a:r>
-            <a:endParaRPr lang="ko-KR" altLang="en-US" sz="2600" b="1"/>
           </a:p>
         </p:txBody>
       </p:sp>
@@ -11414,7 +11283,6 @@
               <a:rPr lang="ko-KR" altLang="en-US" sz="2600" b="1"/>
               <a:t>리뷰글 상세보기</a:t>
             </a:r>
-            <a:endParaRPr lang="ko-KR" altLang="en-US" sz="2600" b="1"/>
           </a:p>
         </p:txBody>
       </p:sp>
@@ -11466,7 +11334,6 @@
               <a:rPr lang="ko-KR" altLang="en-US" sz="2600" b="1"/>
               <a:t>리뷰 신고 관리</a:t>
             </a:r>
-            <a:endParaRPr lang="ko-KR" altLang="en-US" sz="2600" b="1"/>
           </a:p>
         </p:txBody>
       </p:sp>
@@ -11768,7 +11635,7 @@
         </p:nvCxnSpPr>
         <p:spPr>
           <a:xfrm rot="5400000" flipH="1" flipV="1">
-            <a:off x="31962248" y="6132080"/>
+            <a:off x="31962248" y="6055970"/>
             <a:ext cx="593923" cy="8"/>
           </a:xfrm>
           <a:prstGeom prst="line">
@@ -12248,7 +12115,6 @@
               <a:rPr lang="ko-KR" altLang="en-US" sz="2600" b="1"/>
               <a:t>기프티콘 수정</a:t>
             </a:r>
-            <a:endParaRPr lang="ko-KR" altLang="en-US" sz="2600" b="1"/>
           </a:p>
         </p:txBody>
       </p:sp>
@@ -12300,7 +12166,6 @@
               <a:rPr lang="ko-KR" altLang="en-US" sz="2600" b="1"/>
               <a:t>기프티콘 삭제</a:t>
             </a:r>
-            <a:endParaRPr lang="ko-KR" altLang="en-US" sz="2600" b="1"/>
           </a:p>
         </p:txBody>
       </p:sp>
@@ -12424,7 +12289,6 @@
               <a:rPr lang="ko-KR" altLang="en-US" sz="2600" b="1"/>
               <a:t>영화 수정</a:t>
             </a:r>
-            <a:endParaRPr lang="ko-KR" altLang="en-US" sz="2600" b="1"/>
           </a:p>
         </p:txBody>
       </p:sp>
@@ -12476,7 +12340,6 @@
               <a:rPr lang="ko-KR" altLang="en-US" sz="2600" b="1"/>
               <a:t>영화 삭제</a:t>
             </a:r>
-            <a:endParaRPr lang="ko-KR" altLang="en-US" sz="2600" b="1"/>
           </a:p>
         </p:txBody>
       </p:sp>
@@ -12828,7 +12691,7 @@
           </a:xfrm>
           <a:prstGeom prst="bentConnector3">
             <a:avLst>
-              <a:gd name="adj1" fmla="val 95871"/>
+              <a:gd name="adj1" fmla="val 96135"/>
             </a:avLst>
           </a:prstGeom>
           <a:ln>
@@ -12977,7 +12840,6 @@
               <a:rPr lang="ko-KR" altLang="en-US" sz="2600" b="1"/>
               <a:t>영화 검색</a:t>
             </a:r>
-            <a:endParaRPr lang="ko-KR" altLang="en-US" sz="2600" b="1"/>
           </a:p>
         </p:txBody>
       </p:sp>
@@ -13036,13 +12898,12 @@
               <a:rPr lang="ko-KR" altLang="en-US" sz="2600" b="1"/>
               <a:t>영화 랭킹 조회</a:t>
             </a:r>
-            <a:endParaRPr lang="ko-KR" altLang="en-US" sz="2600" b="1"/>
           </a:p>
         </p:txBody>
       </p:sp>
       <p:cxnSp>
         <p:nvCxnSpPr>
-          <p:cNvPr id="1693" name=""/>
+          <p:cNvPr id="1693" name="연결선: 꺾임 1692"/>
           <p:cNvCxnSpPr>
             <a:stCxn id="1023" idx="1"/>
           </p:cNvCxnSpPr>
@@ -13079,7 +12940,7 @@
       </p:cxnSp>
       <p:cxnSp>
         <p:nvCxnSpPr>
-          <p:cNvPr id="1694" name=""/>
+          <p:cNvPr id="1694" name="직선 연결선 1693"/>
           <p:cNvCxnSpPr>
             <a:stCxn id="1691" idx="1"/>
           </p:cNvCxnSpPr>
@@ -13116,7 +12977,7 @@
       </p:cxnSp>
       <p:cxnSp>
         <p:nvCxnSpPr>
-          <p:cNvPr id="1695" name=""/>
+          <p:cNvPr id="1695" name="직선 연결선 1694"/>
           <p:cNvCxnSpPr>
             <a:stCxn id="1332" idx="1"/>
           </p:cNvCxnSpPr>
@@ -13153,7 +13014,7 @@
       </p:cxnSp>
       <p:cxnSp>
         <p:nvCxnSpPr>
-          <p:cNvPr id="1696" name=""/>
+          <p:cNvPr id="1696" name="연결선: 꺾임 1695"/>
           <p:cNvCxnSpPr>
             <a:stCxn id="1692" idx="1"/>
           </p:cNvCxnSpPr>
@@ -13190,7 +13051,7 @@
       </p:cxnSp>
       <p:cxnSp>
         <p:nvCxnSpPr>
-          <p:cNvPr id="1697" name=""/>
+          <p:cNvPr id="1697" name="연결선: 꺾임 1696"/>
           <p:cNvCxnSpPr>
             <a:stCxn id="1330" idx="1"/>
           </p:cNvCxnSpPr>
@@ -13227,7 +13088,7 @@
       </p:cxnSp>
       <p:cxnSp>
         <p:nvCxnSpPr>
-          <p:cNvPr id="1699" name=""/>
+          <p:cNvPr id="1699" name="직선 연결선 1698"/>
           <p:cNvCxnSpPr>
             <a:stCxn id="1326" idx="1"/>
           </p:cNvCxnSpPr>
@@ -13264,7 +13125,7 @@
       </p:cxnSp>
       <p:cxnSp>
         <p:nvCxnSpPr>
-          <p:cNvPr id="1700" name=""/>
+          <p:cNvPr id="1700" name="직선 연결선 1699"/>
           <p:cNvCxnSpPr>
             <a:stCxn id="1328" idx="1"/>
           </p:cNvCxnSpPr>
@@ -13301,7 +13162,7 @@
       </p:cxnSp>
       <p:cxnSp>
         <p:nvCxnSpPr>
-          <p:cNvPr id="1701" name=""/>
+          <p:cNvPr id="1701" name="연결선: 꺾임 1700"/>
           <p:cNvCxnSpPr>
             <a:stCxn id="1136" idx="1"/>
           </p:cNvCxnSpPr>
@@ -13338,7 +13199,7 @@
       </p:cxnSp>
       <p:cxnSp>
         <p:nvCxnSpPr>
-          <p:cNvPr id="1703" name=""/>
+          <p:cNvPr id="1703" name="연결선: 꺾임 1702"/>
           <p:cNvCxnSpPr>
             <a:stCxn id="1132" idx="1"/>
           </p:cNvCxnSpPr>
@@ -13375,7 +13236,7 @@
       </p:cxnSp>
       <p:cxnSp>
         <p:nvCxnSpPr>
-          <p:cNvPr id="1704" name=""/>
+          <p:cNvPr id="1704" name="직선 연결선 1703"/>
           <p:cNvCxnSpPr>
             <a:stCxn id="1182" idx="1"/>
             <a:endCxn id="1182" idx="1"/>
@@ -13408,7 +13269,7 @@
       </p:cxnSp>
       <p:cxnSp>
         <p:nvCxnSpPr>
-          <p:cNvPr id="1705" name=""/>
+          <p:cNvPr id="1705" name="직선 연결선 1704"/>
           <p:cNvCxnSpPr>
             <a:stCxn id="1182" idx="1"/>
             <a:endCxn id="1182" idx="1"/>
@@ -13441,7 +13302,7 @@
       </p:cxnSp>
       <p:cxnSp>
         <p:nvCxnSpPr>
-          <p:cNvPr id="1706" name=""/>
+          <p:cNvPr id="1706" name="직선 연결선 1705"/>
           <p:cNvCxnSpPr>
             <a:endCxn id="1182" idx="1"/>
           </p:cNvCxnSpPr>
@@ -13478,7 +13339,7 @@
       </p:cxnSp>
       <p:cxnSp>
         <p:nvCxnSpPr>
-          <p:cNvPr id="1707" name=""/>
+          <p:cNvPr id="1707" name="연결선: 꺾임 1706"/>
           <p:cNvCxnSpPr>
             <a:stCxn id="1116" idx="1"/>
           </p:cNvCxnSpPr>
@@ -13486,7 +13347,7 @@
         </p:nvCxnSpPr>
         <p:spPr>
           <a:xfrm rot="10800000">
-            <a:off x="19391424" y="8103954"/>
+            <a:off x="19391424" y="8067378"/>
             <a:ext cx="551184" cy="2650379"/>
           </a:xfrm>
           <a:prstGeom prst="bentConnector2">
@@ -13515,7 +13376,7 @@
       </p:cxnSp>
       <p:cxnSp>
         <p:nvCxnSpPr>
-          <p:cNvPr id="1708" name=""/>
+          <p:cNvPr id="1708" name="직선 연결선 1707"/>
           <p:cNvCxnSpPr>
             <a:stCxn id="1184" idx="1"/>
           </p:cNvCxnSpPr>
@@ -13552,7 +13413,7 @@
       </p:cxnSp>
       <p:cxnSp>
         <p:nvCxnSpPr>
-          <p:cNvPr id="1709" name=""/>
+          <p:cNvPr id="1709" name="직선 연결선 1708"/>
           <p:cNvCxnSpPr>
             <a:stCxn id="1334" idx="1"/>
           </p:cNvCxnSpPr>
@@ -13656,7 +13517,7 @@
       </p:sp>
       <p:cxnSp>
         <p:nvCxnSpPr>
-          <p:cNvPr id="1716" name=""/>
+          <p:cNvPr id="1716" name="연결선: 꺾임 1715"/>
           <p:cNvCxnSpPr/>
           <p:nvPr/>
         </p:nvCxnSpPr>
@@ -13691,7 +13552,7 @@
       </p:cxnSp>
       <p:cxnSp>
         <p:nvCxnSpPr>
-          <p:cNvPr id="1720" name=""/>
+          <p:cNvPr id="1720" name="연결선: 꺾임 1719"/>
           <p:cNvCxnSpPr>
             <a:stCxn id="1106" idx="1"/>
           </p:cNvCxnSpPr>
@@ -13728,7 +13589,7 @@
       </p:cxnSp>
       <p:cxnSp>
         <p:nvCxnSpPr>
-          <p:cNvPr id="1723" name=""/>
+          <p:cNvPr id="1723" name="연결선: 꺾임 1722"/>
           <p:cNvCxnSpPr>
             <a:stCxn id="1039" idx="1"/>
           </p:cNvCxnSpPr>
@@ -13765,7 +13626,7 @@
       </p:cxnSp>
       <p:cxnSp>
         <p:nvCxnSpPr>
-          <p:cNvPr id="1726" name=""/>
+          <p:cNvPr id="1726" name="직선 연결선 1725"/>
           <p:cNvCxnSpPr>
             <a:endCxn id="1188" idx="1"/>
           </p:cNvCxnSpPr>
@@ -13802,7 +13663,7 @@
       </p:cxnSp>
       <p:cxnSp>
         <p:nvCxnSpPr>
-          <p:cNvPr id="1727" name=""/>
+          <p:cNvPr id="1727" name="직선 연결선 1726"/>
           <p:cNvCxnSpPr>
             <a:endCxn id="1040" idx="1"/>
           </p:cNvCxnSpPr>
@@ -13839,7 +13700,7 @@
       </p:cxnSp>
       <p:cxnSp>
         <p:nvCxnSpPr>
-          <p:cNvPr id="1732" name=""/>
+          <p:cNvPr id="1732" name="연결선: 꺾임 1731"/>
           <p:cNvCxnSpPr/>
           <p:nvPr/>
         </p:nvCxnSpPr>
@@ -13874,7 +13735,7 @@
       </p:cxnSp>
       <p:cxnSp>
         <p:nvCxnSpPr>
-          <p:cNvPr id="1733" name=""/>
+          <p:cNvPr id="1733" name="연결선: 꺾임 1732"/>
           <p:cNvCxnSpPr>
             <a:stCxn id="1121" idx="1"/>
           </p:cNvCxnSpPr>
@@ -13911,7 +13772,7 @@
       </p:cxnSp>
       <p:cxnSp>
         <p:nvCxnSpPr>
-          <p:cNvPr id="1734" name=""/>
+          <p:cNvPr id="1734" name="직선 연결선 1733"/>
           <p:cNvCxnSpPr>
             <a:endCxn id="1186" idx="1"/>
           </p:cNvCxnSpPr>
@@ -13948,7 +13809,7 @@
       </p:cxnSp>
       <p:cxnSp>
         <p:nvCxnSpPr>
-          <p:cNvPr id="1735" name=""/>
+          <p:cNvPr id="1735" name="직선 연결선 1734"/>
           <p:cNvCxnSpPr>
             <a:endCxn id="1225" idx="1"/>
           </p:cNvCxnSpPr>
@@ -13985,7 +13846,7 @@
       </p:cxnSp>
       <p:cxnSp>
         <p:nvCxnSpPr>
-          <p:cNvPr id="1736" name=""/>
+          <p:cNvPr id="1736" name="연결선: 꺾임 1735"/>
           <p:cNvCxnSpPr>
             <a:stCxn id="1109" idx="1"/>
           </p:cNvCxnSpPr>
@@ -14022,7 +13883,7 @@
       </p:cxnSp>
       <p:cxnSp>
         <p:nvCxnSpPr>
-          <p:cNvPr id="1737" name=""/>
+          <p:cNvPr id="1737" name="직선 연결선 1736"/>
           <p:cNvCxnSpPr>
             <a:endCxn id="1180" idx="1"/>
           </p:cNvCxnSpPr>
@@ -14059,7 +13920,7 @@
       </p:cxnSp>
       <p:cxnSp>
         <p:nvCxnSpPr>
-          <p:cNvPr id="1738" name=""/>
+          <p:cNvPr id="1738" name="직선 연결선 1737"/>
           <p:cNvCxnSpPr>
             <a:endCxn id="1265" idx="1"/>
           </p:cNvCxnSpPr>
@@ -14096,7 +13957,7 @@
       </p:cxnSp>
       <p:cxnSp>
         <p:nvCxnSpPr>
-          <p:cNvPr id="1739" name=""/>
+          <p:cNvPr id="1739" name="연결선: 꺾임 1738"/>
           <p:cNvCxnSpPr>
             <a:stCxn id="1112" idx="1"/>
           </p:cNvCxnSpPr>
@@ -14133,7 +13994,7 @@
       </p:cxnSp>
       <p:cxnSp>
         <p:nvCxnSpPr>
-          <p:cNvPr id="1741" name=""/>
+          <p:cNvPr id="1741" name="연결선: 꺾임 1740"/>
           <p:cNvCxnSpPr>
             <a:stCxn id="1044" idx="1"/>
           </p:cNvCxnSpPr>
@@ -14170,7 +14031,7 @@
       </p:cxnSp>
       <p:cxnSp>
         <p:nvCxnSpPr>
-          <p:cNvPr id="1742" name=""/>
+          <p:cNvPr id="1742" name="직선 연결선 1741"/>
           <p:cNvCxnSpPr/>
           <p:nvPr/>
         </p:nvCxnSpPr>
@@ -14205,7 +14066,7 @@
       </p:cxnSp>
       <p:cxnSp>
         <p:nvCxnSpPr>
-          <p:cNvPr id="1743" name=""/>
+          <p:cNvPr id="1743" name="직선 연결선 1742"/>
           <p:cNvCxnSpPr/>
           <p:nvPr/>
         </p:nvCxnSpPr>
@@ -14240,7 +14101,7 @@
       </p:cxnSp>
       <p:cxnSp>
         <p:nvCxnSpPr>
-          <p:cNvPr id="1744" name=""/>
+          <p:cNvPr id="1744" name="직선 연결선 1743"/>
           <p:cNvCxnSpPr>
             <a:endCxn id="1018" idx="0"/>
           </p:cNvCxnSpPr>
@@ -14277,7 +14138,7 @@
       </p:cxnSp>
       <p:cxnSp>
         <p:nvCxnSpPr>
-          <p:cNvPr id="1745" name=""/>
+          <p:cNvPr id="1745" name="직선 연결선 1744"/>
           <p:cNvCxnSpPr>
             <a:endCxn id="1119" idx="0"/>
           </p:cNvCxnSpPr>
@@ -14309,7 +14170,7 @@
       </p:cxnSp>
       <p:cxnSp>
         <p:nvCxnSpPr>
-          <p:cNvPr id="1751" name=""/>
+          <p:cNvPr id="1751" name="연결선: 꺾임 1750"/>
           <p:cNvCxnSpPr>
             <a:endCxn id="1283" idx="1"/>
           </p:cNvCxnSpPr>
@@ -14346,7 +14207,7 @@
       </p:cxnSp>
       <p:cxnSp>
         <p:nvCxnSpPr>
-          <p:cNvPr id="1754" name=""/>
+          <p:cNvPr id="1754" name="직선 연결선 1753"/>
           <p:cNvCxnSpPr>
             <a:stCxn id="1281" idx="1"/>
           </p:cNvCxnSpPr>
@@ -14383,7 +14244,7 @@
       </p:cxnSp>
       <p:cxnSp>
         <p:nvCxnSpPr>
-          <p:cNvPr id="1755" name=""/>
+          <p:cNvPr id="1755" name="연결선: 꺾임 1754"/>
           <p:cNvCxnSpPr>
             <a:stCxn id="1284" idx="1"/>
           </p:cNvCxnSpPr>
@@ -14420,7 +14281,7 @@
       </p:cxnSp>
       <p:cxnSp>
         <p:nvCxnSpPr>
-          <p:cNvPr id="1756" name=""/>
+          <p:cNvPr id="1756" name="직선 연결선 1755"/>
           <p:cNvCxnSpPr>
             <a:stCxn id="1364" idx="1"/>
           </p:cNvCxnSpPr>
@@ -14457,7 +14318,7 @@
       </p:cxnSp>
       <p:cxnSp>
         <p:nvCxnSpPr>
-          <p:cNvPr id="1757" name=""/>
+          <p:cNvPr id="1757" name="연결선: 꺾임 1756"/>
           <p:cNvCxnSpPr>
             <a:endCxn id="1061" idx="1"/>
           </p:cNvCxnSpPr>
@@ -14549,7 +14410,6 @@
               <a:rPr lang="ko-KR" altLang="en-US" sz="2600" b="1"/>
               <a:t>게시글 검색</a:t>
             </a:r>
-            <a:endParaRPr lang="ko-KR" altLang="en-US" sz="2600" b="1"/>
           </a:p>
         </p:txBody>
       </p:sp>
@@ -14605,7 +14465,6 @@
               <a:rPr lang="ko-KR" altLang="en-US" sz="2600" b="1"/>
               <a:t>게시글 등록</a:t>
             </a:r>
-            <a:endParaRPr lang="ko-KR" altLang="en-US" sz="2600" b="1"/>
           </a:p>
         </p:txBody>
       </p:sp>
@@ -14614,11 +14473,11 @@
   <p:clrMapOvr>
     <a:masterClrMapping/>
   </p:clrMapOvr>
-  <mc:AlternateContent xmlns:mc="http://schemas.openxmlformats.org/markup-compatibility/2006">
-    <mc:Choice xmlns:p14="http://schemas.microsoft.com/office/powerpoint/2010/main" Requires="p14">
-      <p:transition xmlns:mc="http://schemas.openxmlformats.org/markup-compatibility/2006" xmlns:p14="http://schemas.microsoft.com/office/powerpoint/2010/main" mc:Ignorable="p14" p14:dur="500"/>
+  <mc:AlternateContent xmlns:mc="http://schemas.openxmlformats.org/markup-compatibility/2006" xmlns:p14="http://schemas.microsoft.com/office/powerpoint/2010/main">
+    <mc:Choice Requires="p14">
+      <p:transition/>
     </mc:Choice>
-    <mc:Fallback>
+    <mc:Fallback xmlns:dsp="http://schemas.microsoft.com/office/drawing/2008/diagram" xmlns:dgm="http://schemas.openxmlformats.org/drawingml/2006/diagram" xmlns:c="http://schemas.openxmlformats.org/drawingml/2006/chart" xmlns="">
       <p:transition/>
     </mc:Fallback>
   </mc:AlternateContent>
@@ -29634,7 +29493,7 @@
     <mc:Choice Requires="p14">
       <p:transition/>
     </mc:Choice>
-    <mc:Fallback xmlns:dsp="http://schemas.microsoft.com/office/drawing/2008/diagram" xmlns:dgm="http://schemas.openxmlformats.org/drawingml/2006/diagram" xmlns:c="http://schemas.openxmlformats.org/drawingml/2006/chart" xmlns="">
+    <mc:Fallback xmlns="" xmlns:c="http://schemas.openxmlformats.org/drawingml/2006/chart" xmlns:dgm="http://schemas.openxmlformats.org/drawingml/2006/diagram" xmlns:dsp="http://schemas.microsoft.com/office/drawing/2008/diagram">
       <p:transition/>
     </mc:Fallback>
   </mc:AlternateContent>
@@ -29642,49 +29501,49 @@
 </file>
 
 <file path=ppt/theme/theme1.xml><?xml version="1.0" encoding="utf-8"?>
-<a:theme xmlns:r="http://schemas.openxmlformats.org/officeDocument/2006/relationships" xmlns:c="http://schemas.openxmlformats.org/drawingml/2006/chart" xmlns:dgm="http://schemas.openxmlformats.org/drawingml/2006/diagram" xmlns:dsp="http://schemas.microsoft.com/office/drawing/2008/diagram" xmlns:a="http://schemas.openxmlformats.org/drawingml/2006/main" xmlns:pic="http://schemas.openxmlformats.org/drawingml/2006/picture" xmlns:wp="http://schemas.openxmlformats.org/drawingml/2006/wordprocessingDrawing" xmlns:xdr="http://schemas.openxmlformats.org/drawingml/2006/spreadsheetDrawing" xmlns:p="http://schemas.openxmlformats.org/presentationml/2006/main" name="Office 테마">
+<a:theme xmlns:a="http://schemas.openxmlformats.org/drawingml/2006/main" name="Office 테마">
   <a:themeElements>
     <a:clrScheme name="Office 테마">
       <a:dk1>
         <a:sysClr val="windowText" lastClr="000000"/>
       </a:dk1>
       <a:lt1>
-        <a:sysClr val="window" lastClr="ffffff"/>
+        <a:sysClr val="window" lastClr="FFFFFF"/>
       </a:lt1>
       <a:dk2>
-        <a:srgbClr val="44546a"/>
+        <a:srgbClr val="44546A"/>
       </a:dk2>
       <a:lt2>
-        <a:srgbClr val="e7e6e6"/>
+        <a:srgbClr val="E7E6E6"/>
       </a:lt2>
       <a:accent1>
-        <a:srgbClr val="4472c4"/>
+        <a:srgbClr val="4472C4"/>
       </a:accent1>
       <a:accent2>
-        <a:srgbClr val="ed7d31"/>
+        <a:srgbClr val="ED7D31"/>
       </a:accent2>
       <a:accent3>
-        <a:srgbClr val="a5a5a5"/>
+        <a:srgbClr val="A5A5A5"/>
       </a:accent3>
       <a:accent4>
-        <a:srgbClr val="ffc000"/>
+        <a:srgbClr val="FFC000"/>
       </a:accent4>
       <a:accent5>
-        <a:srgbClr val="5b9bd5"/>
+        <a:srgbClr val="5B9BD5"/>
       </a:accent5>
       <a:accent6>
-        <a:srgbClr val="70ad47"/>
+        <a:srgbClr val="70AD47"/>
       </a:accent6>
       <a:hlink>
-        <a:srgbClr val="0563c1"/>
+        <a:srgbClr val="0563C1"/>
       </a:hlink>
       <a:folHlink>
-        <a:srgbClr val="954f72"/>
+        <a:srgbClr val="954F72"/>
       </a:folHlink>
     </a:clrScheme>
     <a:fontScheme name="Office 테마">
       <a:majorFont>
-        <a:latin typeface="Calibri Light" panose="2147483647"/>
+        <a:latin typeface="Calibri Light" panose="21474836470000000000"/>
         <a:ea typeface=""/>
         <a:cs typeface=""/>
         <a:font script="Jpan" typeface="Yu Gothic Light"/>
@@ -29719,7 +29578,7 @@
         <a:font script="Geor" typeface="Sylfaen"/>
       </a:majorFont>
       <a:minorFont>
-        <a:latin typeface="Calibri" panose="2147483647"/>
+        <a:latin typeface="Calibri" panose="21474836470000000000"/>
         <a:ea typeface=""/>
         <a:cs typeface=""/>
         <a:font script="Jpan" typeface="Yu Gothic"/>
@@ -29892,53 +29751,55 @@
       </a:bgFillStyleLst>
     </a:fmtScheme>
   </a:themeElements>
+  <a:objectDefaults/>
+  <a:extraClrSchemeLst/>
 </a:theme>
 </file>
 
 <file path=ppt/theme/theme2.xml><?xml version="1.0" encoding="utf-8"?>
-<a:theme xmlns:r="http://schemas.openxmlformats.org/officeDocument/2006/relationships" xmlns:c="http://schemas.openxmlformats.org/drawingml/2006/chart" xmlns:dgm="http://schemas.openxmlformats.org/drawingml/2006/diagram" xmlns:dsp="http://schemas.microsoft.com/office/drawing/2008/diagram" xmlns:a="http://schemas.openxmlformats.org/drawingml/2006/main" xmlns:pic="http://schemas.openxmlformats.org/drawingml/2006/picture" xmlns:wp="http://schemas.openxmlformats.org/drawingml/2006/wordprocessingDrawing" xmlns:xdr="http://schemas.openxmlformats.org/drawingml/2006/spreadsheetDrawing" xmlns:p="http://schemas.openxmlformats.org/presentationml/2006/main" name="Office 테마">
+<a:theme xmlns:a="http://schemas.openxmlformats.org/drawingml/2006/main" name="Office 테마">
   <a:themeElements>
     <a:clrScheme name="Office">
       <a:dk1>
         <a:sysClr val="windowText" lastClr="000000"/>
       </a:dk1>
       <a:lt1>
-        <a:sysClr val="window" lastClr="ffffff"/>
+        <a:sysClr val="window" lastClr="FFFFFF"/>
       </a:lt1>
       <a:dk2>
-        <a:srgbClr val="44546a"/>
+        <a:srgbClr val="44546A"/>
       </a:dk2>
       <a:lt2>
-        <a:srgbClr val="e7e6e6"/>
+        <a:srgbClr val="E7E6E6"/>
       </a:lt2>
       <a:accent1>
-        <a:srgbClr val="4472c4"/>
+        <a:srgbClr val="4472C4"/>
       </a:accent1>
       <a:accent2>
-        <a:srgbClr val="ed7d31"/>
+        <a:srgbClr val="ED7D31"/>
       </a:accent2>
       <a:accent3>
-        <a:srgbClr val="a5a5a5"/>
+        <a:srgbClr val="A5A5A5"/>
       </a:accent3>
       <a:accent4>
-        <a:srgbClr val="ffc000"/>
+        <a:srgbClr val="FFC000"/>
       </a:accent4>
       <a:accent5>
-        <a:srgbClr val="5b9bd5"/>
+        <a:srgbClr val="5B9BD5"/>
       </a:accent5>
       <a:accent6>
-        <a:srgbClr val="70ad47"/>
+        <a:srgbClr val="70AD47"/>
       </a:accent6>
       <a:hlink>
-        <a:srgbClr val="0563c1"/>
+        <a:srgbClr val="0563C1"/>
       </a:hlink>
       <a:folHlink>
-        <a:srgbClr val="954f72"/>
+        <a:srgbClr val="954F72"/>
       </a:folHlink>
     </a:clrScheme>
     <a:fontScheme name="Office">
       <a:majorFont>
-        <a:latin typeface="맑은 고딕" panose="2147483647"/>
+        <a:latin typeface="맑은 고딕" panose="21474836470000000000"/>
         <a:ea typeface=""/>
         <a:cs typeface=""/>
         <a:font script="Jpan" typeface="Yu Gothic Light"/>
@@ -29990,7 +29851,7 @@
         <a:font script="Tfng" typeface="Ebrima"/>
       </a:majorFont>
       <a:minorFont>
-        <a:latin typeface="맑은 고딕" panose="2147483647"/>
+        <a:latin typeface="맑은 고딕" panose="21474836470000000000"/>
         <a:ea typeface=""/>
         <a:cs typeface=""/>
         <a:font script="Jpan" typeface="Yu Gothic"/>
@@ -30180,5 +30041,7 @@
       </a:bgFillStyleLst>
     </a:fmtScheme>
   </a:themeElements>
+  <a:objectDefaults/>
+  <a:extraClrSchemeLst/>
 </a:theme>
 </file>
--- a/2조 멀티플렉스 영화관 관리 시스템 메뉴구조도.pptx
+++ b/2조 멀티플렉스 영화관 관리 시스템 메뉴구조도.pptx
@@ -224,7 +224,7 @@
               <a:pPr lvl="0">
                 <a:defRPr/>
               </a:pPr>
-              <a:t>2019-12-26</a:t>
+              <a:t>2019-12-27</a:t>
             </a:fld>
             <a:endParaRPr lang="ko-KR" altLang="en-US"/>
           </a:p>
@@ -816,7 +816,7 @@
           <a:p>
             <a:fld id="{8E10840F-E741-4E2E-8166-6116B33385D1}" type="datetimeFigureOut">
               <a:rPr lang="ko-KR" altLang="en-US" smtClean="0"/>
-              <a:t>2019-12-26</a:t>
+              <a:t>2019-12-27</a:t>
             </a:fld>
             <a:endParaRPr lang="ko-KR" altLang="en-US"/>
           </a:p>
@@ -986,7 +986,7 @@
           <a:p>
             <a:fld id="{8E10840F-E741-4E2E-8166-6116B33385D1}" type="datetimeFigureOut">
               <a:rPr lang="ko-KR" altLang="en-US" smtClean="0"/>
-              <a:t>2019-12-26</a:t>
+              <a:t>2019-12-27</a:t>
             </a:fld>
             <a:endParaRPr lang="ko-KR" altLang="en-US"/>
           </a:p>
@@ -1166,7 +1166,7 @@
           <a:p>
             <a:fld id="{8E10840F-E741-4E2E-8166-6116B33385D1}" type="datetimeFigureOut">
               <a:rPr lang="ko-KR" altLang="en-US" smtClean="0"/>
-              <a:t>2019-12-26</a:t>
+              <a:t>2019-12-27</a:t>
          